--- a/Design pattern/23种设计模式详解.pptx
+++ b/Design pattern/23种设计模式详解.pptx
@@ -3,17 +3,27 @@
 <p:presentation xmlns:a="http://schemas.openxmlformats.org/drawingml/2006/main" xmlns:r="http://schemas.openxmlformats.org/officeDocument/2006/relationships" xmlns:p="http://schemas.openxmlformats.org/presentationml/2006/main" showSpecialPlsOnTitleSld="0">
   <p:sldMasterIdLst>
     <p:sldMasterId id="2147483648" r:id="rId1"/>
+    <p:sldMasterId id="2147483660" r:id="rId2"/>
   </p:sldMasterIdLst>
   <p:notesMasterIdLst>
-    <p:notesMasterId r:id="rId4"/>
+    <p:notesMasterId r:id="rId15"/>
   </p:notesMasterIdLst>
   <p:handoutMasterIdLst>
-    <p:handoutMasterId r:id="rId7"/>
+    <p:handoutMasterId r:id="rId16"/>
   </p:handoutMasterIdLst>
   <p:sldIdLst>
     <p:sldId id="453" r:id="rId3"/>
-    <p:sldId id="472" r:id="rId5"/>
-    <p:sldId id="577" r:id="rId6"/>
+    <p:sldId id="583" r:id="rId4"/>
+    <p:sldId id="584" r:id="rId5"/>
+    <p:sldId id="585" r:id="rId6"/>
+    <p:sldId id="586" r:id="rId7"/>
+    <p:sldId id="587" r:id="rId8"/>
+    <p:sldId id="588" r:id="rId9"/>
+    <p:sldId id="589" r:id="rId10"/>
+    <p:sldId id="590" r:id="rId11"/>
+    <p:sldId id="591" r:id="rId12"/>
+    <p:sldId id="472" r:id="rId13"/>
+    <p:sldId id="577" r:id="rId14"/>
   </p:sldIdLst>
   <p:sldSz cx="9144000" cy="6858000" type="screen4x3"/>
   <p:notesSz cx="6858000" cy="9144000"/>
@@ -147,6 +157,22 @@
       </a:defRPr>
     </a:lvl9pPr>
   </p:defaultTextStyle>
+  <p:extLst>
+    <p:ext uri="{EFAFB233-063F-42B5-8137-9DF3F51BA10A}">
+      <p15:sldGuideLst xmlns:p15="http://schemas.microsoft.com/office/powerpoint/2012/main">
+        <p15:guide id="1" orient="horz" pos="2160">
+          <p15:clr>
+            <a:srgbClr val="A4A3A4"/>
+          </p15:clr>
+        </p15:guide>
+        <p15:guide id="2" pos="2880">
+          <p15:clr>
+            <a:srgbClr val="A4A3A4"/>
+          </p15:clr>
+        </p15:guide>
+      </p15:sldGuideLst>
+    </p:ext>
+  </p:extLst>
 </p:presentation>
 </file>
 
@@ -238,6 +264,7 @@
           <a:p>
             <a:fld id="{0F9B84EA-7D68-4D60-9CB1-D50884785D1C}" type="datetimeFigureOut">
               <a:rPr lang="zh-CN" altLang="en-US"/>
+              <a:t>2018/7/29</a:t>
             </a:fld>
             <a:endParaRPr lang="zh-CN" altLang="en-US">
               <a:ea typeface="+mn-ea"/>
@@ -309,6 +336,7 @@
           <a:p>
             <a:fld id="{9573C3F1-5DE1-49D7-85EF-378BB3AB6535}" type="slidenum">
               <a:rPr lang="zh-CN" altLang="en-US"/>
+              <a:t>‹#›</a:t>
             </a:fld>
             <a:endParaRPr lang="zh-CN" altLang="en-US">
               <a:ea typeface="+mn-ea"/>
@@ -484,7 +512,6 @@
               <a:rPr lang="en-US" noProof="0"/>
               <a:t>Click to edit Master text styles</a:t>
             </a:r>
-            <a:endParaRPr lang="en-US" noProof="0"/>
           </a:p>
           <a:p>
             <a:pPr lvl="1"/>
@@ -492,7 +519,6 @@
               <a:rPr lang="en-US" noProof="0"/>
               <a:t>Second level</a:t>
             </a:r>
-            <a:endParaRPr lang="en-US" noProof="0"/>
           </a:p>
           <a:p>
             <a:pPr lvl="2"/>
@@ -500,7 +526,6 @@
               <a:rPr lang="en-US" noProof="0"/>
               <a:t>Third level</a:t>
             </a:r>
-            <a:endParaRPr lang="en-US" noProof="0"/>
           </a:p>
           <a:p>
             <a:pPr lvl="3"/>
@@ -508,7 +533,6 @@
               <a:rPr lang="en-US" noProof="0"/>
               <a:t>Fourth level</a:t>
             </a:r>
-            <a:endParaRPr lang="en-US" noProof="0"/>
           </a:p>
           <a:p>
             <a:pPr lvl="4"/>
@@ -516,7 +540,6 @@
               <a:rPr lang="en-US" noProof="0"/>
               <a:t>Fifth level</a:t>
             </a:r>
-            <a:endParaRPr lang="en-US" noProof="0"/>
           </a:p>
         </p:txBody>
       </p:sp>
@@ -587,6 +610,7 @@
           <a:p>
             <a:fld id="{86CED120-70A4-4283-998F-973E88A2003A}" type="slidenum">
               <a:rPr lang="en-US" altLang="zh-CN"/>
+              <a:t>‹#›</a:t>
             </a:fld>
             <a:endParaRPr lang="en-US" altLang="zh-CN">
               <a:cs typeface="Arial" panose="020B0604020202020204" pitchFamily="34" charset="0"/>
@@ -946,6 +970,7 @@
           <a:p>
             <a:fld id="{110A0595-8C10-4F11-9D71-5A2D3C412DC6}" type="slidenum">
               <a:rPr lang="en-US" altLang="zh-CN" sz="1200" smtClean="0"/>
+              <a:t>1</a:t>
             </a:fld>
             <a:endParaRPr lang="en-US" altLang="zh-CN" sz="1200"/>
           </a:p>
@@ -959,7 +984,7 @@
 </p:notes>
 </file>
 
-<file path=ppt/notesSlides/notesSlide2.xml><?xml version="1.0" encoding="utf-8"?>
+<file path=ppt/notesSlides/notesSlide10.xml><?xml version="1.0" encoding="utf-8"?>
 <p:notes xmlns:a="http://schemas.openxmlformats.org/drawingml/2006/main" xmlns:r="http://schemas.openxmlformats.org/officeDocument/2006/relationships" xmlns:p="http://schemas.openxmlformats.org/presentationml/2006/main">
   <p:cSld>
     <p:spTree>
@@ -1183,8 +1208,182 @@
           <a:p>
             <a:fld id="{B2E4F78C-D89C-4591-BABC-F2C1F612872E}" type="slidenum">
               <a:rPr lang="en-US" altLang="zh-CN" sz="1200" smtClean="0"/>
+              <a:t>11</a:t>
             </a:fld>
             <a:endParaRPr lang="en-US" altLang="zh-CN" sz="1200"/>
+          </a:p>
+        </p:txBody>
+      </p:sp>
+    </p:spTree>
+  </p:cSld>
+  <p:clrMapOvr>
+    <a:masterClrMapping/>
+  </p:clrMapOvr>
+</p:notes>
+</file>
+
+<file path=ppt/notesSlides/notesSlide2.xml><?xml version="1.0" encoding="utf-8"?>
+<p:notes xmlns:a="http://schemas.openxmlformats.org/drawingml/2006/main" xmlns:r="http://schemas.openxmlformats.org/officeDocument/2006/relationships" xmlns:p="http://schemas.openxmlformats.org/presentationml/2006/main">
+  <p:cSld>
+    <p:spTree>
+      <p:nvGrpSpPr>
+        <p:cNvPr id="1" name=""/>
+        <p:cNvGrpSpPr/>
+        <p:nvPr/>
+      </p:nvGrpSpPr>
+      <p:grpSpPr>
+        <a:xfrm>
+          <a:off x="0" y="0"/>
+          <a:ext cx="0" cy="0"/>
+          <a:chOff x="0" y="0"/>
+          <a:chExt cx="0" cy="0"/>
+        </a:xfrm>
+      </p:grpSpPr>
+      <p:sp>
+        <p:nvSpPr>
+          <p:cNvPr id="2" name="幻灯片图像占位符 1"/>
+          <p:cNvSpPr>
+            <a:spLocks noGrp="1" noRot="1" noChangeAspect="1"/>
+          </p:cNvSpPr>
+          <p:nvPr>
+            <p:ph type="sldImg"/>
+          </p:nvPr>
+        </p:nvSpPr>
+        <p:spPr>
+          <a:xfrm>
+            <a:off x="1371600" y="1143000"/>
+            <a:ext cx="4114800" cy="3086100"/>
+          </a:xfrm>
+        </p:spPr>
+      </p:sp>
+      <p:sp>
+        <p:nvSpPr>
+          <p:cNvPr id="3" name="备注占位符 2"/>
+          <p:cNvSpPr>
+            <a:spLocks noGrp="1"/>
+          </p:cNvSpPr>
+          <p:nvPr>
+            <p:ph type="body" idx="1"/>
+          </p:nvPr>
+        </p:nvSpPr>
+        <p:spPr/>
+        <p:txBody>
+          <a:bodyPr/>
+          <a:lstStyle/>
+          <a:p>
+            <a:pPr eaLnBrk="1" hangingPunct="1"/>
+            <a:r>
+              <a:rPr lang="zh-CN" altLang="en-US" dirty="0"/>
+              <a:t>设计模式是</a:t>
+            </a:r>
+            <a:r>
+              <a:rPr lang="en-US" altLang="zh-CN" dirty="0"/>
+              <a:t>OOP</a:t>
+            </a:r>
+            <a:r>
+              <a:rPr lang="zh-CN" altLang="en-US" dirty="0"/>
+              <a:t>的方法论，随着</a:t>
+            </a:r>
+            <a:r>
+              <a:rPr lang="en-US" altLang="zh-CN" dirty="0"/>
+              <a:t>OOP</a:t>
+            </a:r>
+            <a:r>
+              <a:rPr lang="zh-CN" altLang="en-US" dirty="0"/>
+              <a:t>语言的应用而逐渐普及成熟。</a:t>
+            </a:r>
+          </a:p>
+          <a:p>
+            <a:pPr eaLnBrk="1" hangingPunct="1"/>
+            <a:endParaRPr lang="zh-CN" altLang="en-US" dirty="0"/>
+          </a:p>
+          <a:p>
+            <a:pPr eaLnBrk="1" hangingPunct="1"/>
+            <a:r>
+              <a:rPr lang="zh-CN" altLang="en-US" dirty="0"/>
+              <a:t>重用（举例 </a:t>
+            </a:r>
+            <a:r>
+              <a:rPr lang="en-US" altLang="zh-CN" dirty="0"/>
+              <a:t>Factory）</a:t>
+            </a:r>
+            <a:r>
+              <a:rPr lang="zh-CN" altLang="en-US" dirty="0"/>
+              <a:t> ，避免代码重复冗余是</a:t>
+            </a:r>
+            <a:r>
+              <a:rPr lang="en-US" altLang="zh-CN" dirty="0"/>
+              <a:t>OOP</a:t>
+            </a:r>
+            <a:r>
+              <a:rPr lang="zh-CN" altLang="en-US" dirty="0"/>
+              <a:t>的核心思想，也是设计模式的精髓所在</a:t>
+            </a:r>
+            <a:r>
+              <a:rPr lang="en-US" altLang="zh-CN" dirty="0"/>
+              <a:t>。</a:t>
+            </a:r>
+          </a:p>
+          <a:p>
+            <a:pPr eaLnBrk="1" hangingPunct="1"/>
+            <a:r>
+              <a:rPr lang="zh-CN" altLang="en-US" dirty="0"/>
+              <a:t>重用最直接的效果是减少了代码冗余，提高其维护性和弹性（快速开发的基础之一），但是它还有更加重要的意义：要做到重用，必须要能先发现问题所在，其次则必须经常总结经验和教训，从而提出更好的解决方案、开发新的技术和标准。这是软件设计的必备素质，否则无法进步。（如下面例子中的</a:t>
+            </a:r>
+            <a:r>
+              <a:rPr lang="en-US" altLang="zh-CN" dirty="0"/>
+              <a:t>MVC</a:t>
+            </a:r>
+            <a:r>
+              <a:rPr lang="zh-CN" altLang="en-US" dirty="0"/>
+              <a:t>发展出今日的</a:t>
+            </a:r>
+            <a:r>
+              <a:rPr lang="en-US" altLang="zh-CN" dirty="0"/>
+              <a:t>Struts</a:t>
+            </a:r>
+            <a:r>
+              <a:rPr lang="zh-CN" altLang="en-US" dirty="0"/>
+              <a:t>等框架）。</a:t>
+            </a:r>
+          </a:p>
+          <a:p>
+            <a:pPr eaLnBrk="1" hangingPunct="1"/>
+            <a:r>
+              <a:rPr lang="zh-CN" altLang="en-US" dirty="0"/>
+              <a:t>优化体系结构的关键是职能明晰（分而治之策略和涟漪效应）、粒度合适，举例 </a:t>
+            </a:r>
+            <a:r>
+              <a:rPr lang="en-US" altLang="zh-CN" dirty="0"/>
+              <a:t>MVC （Struts</a:t>
+            </a:r>
+            <a:r>
+              <a:rPr lang="zh-CN" altLang="en-US" dirty="0"/>
+              <a:t>框架）。</a:t>
+            </a:r>
+          </a:p>
+        </p:txBody>
+      </p:sp>
+      <p:sp>
+        <p:nvSpPr>
+          <p:cNvPr id="4" name="灯片编号占位符 3"/>
+          <p:cNvSpPr>
+            <a:spLocks noGrp="1"/>
+          </p:cNvSpPr>
+          <p:nvPr>
+            <p:ph type="sldNum" sz="quarter" idx="10"/>
+          </p:nvPr>
+        </p:nvSpPr>
+        <p:spPr/>
+        <p:txBody>
+          <a:bodyPr/>
+          <a:lstStyle/>
+          <a:p>
+            <a:fld id="{2ED26FC3-015A-4F86-ACC3-780431FB8E4D}" type="slidenum">
+              <a:rPr lang="zh-CN" altLang="en-US" smtClean="0"/>
+              <a:t>2</a:t>
+            </a:fld>
+            <a:endParaRPr lang="zh-CN" altLang="en-US"/>
           </a:p>
         </p:txBody>
       </p:sp>
@@ -1205,34 +1404,871 @@
         <p:cNvGrpSpPr/>
         <p:nvPr/>
       </p:nvGrpSpPr>
-      <p:grpSpPr/>
+      <p:grpSpPr>
+        <a:xfrm>
+          <a:off x="0" y="0"/>
+          <a:ext cx="0" cy="0"/>
+          <a:chOff x="0" y="0"/>
+          <a:chExt cx="0" cy="0"/>
+        </a:xfrm>
+      </p:grpSpPr>
       <p:sp>
         <p:nvSpPr>
           <p:cNvPr id="2" name="幻灯片图像占位符 1"/>
-          <p:cNvSpPr/>
-          <p:nvPr>
-            <p:ph type="sldImg" idx="2"/>
+          <p:cNvSpPr>
+            <a:spLocks noGrp="1" noRot="1" noChangeAspect="1"/>
+          </p:cNvSpPr>
+          <p:nvPr>
+            <p:ph type="sldImg"/>
+          </p:nvPr>
+        </p:nvSpPr>
+        <p:spPr>
+          <a:xfrm>
+            <a:off x="1371600" y="1143000"/>
+            <a:ext cx="4114800" cy="3086100"/>
+          </a:xfrm>
+        </p:spPr>
+      </p:sp>
+      <p:sp>
+        <p:nvSpPr>
+          <p:cNvPr id="3" name="备注占位符 2"/>
+          <p:cNvSpPr>
+            <a:spLocks noGrp="1"/>
+          </p:cNvSpPr>
+          <p:nvPr>
+            <p:ph type="body" idx="1"/>
           </p:nvPr>
         </p:nvSpPr>
         <p:spPr/>
-      </p:sp>
-      <p:sp>
-        <p:nvSpPr>
-          <p:cNvPr id="3" name="文本占位符 2"/>
-          <p:cNvSpPr/>
-          <p:nvPr>
-            <p:ph type="body" idx="3"/>
+        <p:txBody>
+          <a:bodyPr/>
+          <a:lstStyle/>
+          <a:p>
+            <a:pPr eaLnBrk="1" hangingPunct="1"/>
+            <a:r>
+              <a:rPr lang="zh-CN" altLang="en-US" dirty="0"/>
+              <a:t>代码重复冗余为万恶之首。（1. 危害体系结构和软件质量 2.形成思维定势，不利于总结提高 3. 减低创造力，阻碍技术创新</a:t>
+            </a:r>
+            <a:r>
+              <a:rPr lang="en-US" altLang="zh-CN" dirty="0"/>
+              <a:t>）</a:t>
+            </a:r>
+          </a:p>
+          <a:p>
+            <a:pPr eaLnBrk="1" hangingPunct="1"/>
+            <a:r>
+              <a:rPr lang="zh-CN" altLang="en-US" dirty="0"/>
+              <a:t>重用是优化体系结构的前提。</a:t>
+            </a:r>
+          </a:p>
+          <a:p>
+            <a:pPr eaLnBrk="1" hangingPunct="1"/>
+            <a:r>
+              <a:rPr lang="zh-CN" altLang="en-US" dirty="0"/>
+              <a:t>做到重用和体系结构合理后，自然系统在维护性和弹性会有出色表现。</a:t>
+            </a:r>
+          </a:p>
+          <a:p>
+            <a:pPr eaLnBrk="1" hangingPunct="1"/>
+            <a:r>
+              <a:rPr lang="zh-CN" altLang="en-US" dirty="0"/>
+              <a:t>结构不良、冗余的系统不利于编写测试用例，难以做到测试驱动（简要介绍</a:t>
+            </a:r>
+            <a:r>
+              <a:rPr lang="zh-CN" altLang="en-US" u="sng" dirty="0">
+                <a:solidFill>
+                  <a:schemeClr val="accent2"/>
+                </a:solidFill>
+              </a:rPr>
+              <a:t>测试驱动</a:t>
+            </a:r>
+            <a:r>
+              <a:rPr lang="zh-CN" altLang="en-US" dirty="0"/>
+              <a:t>）。</a:t>
+            </a:r>
+          </a:p>
+          <a:p>
+            <a:pPr eaLnBrk="1" hangingPunct="1"/>
+            <a:r>
+              <a:rPr lang="zh-CN" altLang="en-US" dirty="0"/>
+              <a:t>结构良好的系统更加容易优化性能。因为功能明晰、结构好，可以准确地判断出哪个地方存在性能瓶颈，从而优化之。</a:t>
+            </a:r>
+          </a:p>
+          <a:p>
+            <a:pPr eaLnBrk="1" hangingPunct="1"/>
+            <a:r>
+              <a:rPr lang="zh-CN" altLang="en-US" dirty="0"/>
+              <a:t>上述条件满足，软件质量当然有保证。</a:t>
+            </a:r>
+          </a:p>
+          <a:p>
+            <a:pPr eaLnBrk="1" hangingPunct="1"/>
+            <a:r>
+              <a:rPr lang="zh-CN" altLang="en-US" dirty="0"/>
+              <a:t>代码虽然是写给计算机执行，但最重要的是表达人的思想，写给人看的。因此提高代码可读性，方便团队交流非常重要。</a:t>
+            </a:r>
+          </a:p>
+          <a:p>
+            <a:pPr eaLnBrk="1" hangingPunct="1"/>
+            <a:r>
+              <a:rPr lang="zh-CN" altLang="en-US" dirty="0"/>
+              <a:t>团队有统一的编码规范和设计模式，水平更加容易提高，因为设计模式能将成功的经验在团队中普及。</a:t>
+            </a:r>
+          </a:p>
+        </p:txBody>
+      </p:sp>
+      <p:sp>
+        <p:nvSpPr>
+          <p:cNvPr id="4" name="灯片编号占位符 3"/>
+          <p:cNvSpPr>
+            <a:spLocks noGrp="1"/>
+          </p:cNvSpPr>
+          <p:nvPr>
+            <p:ph type="sldNum" sz="quarter" idx="10"/>
           </p:nvPr>
         </p:nvSpPr>
         <p:spPr/>
         <p:txBody>
           <a:bodyPr/>
-          <a:p>
+          <a:lstStyle/>
+          <a:p>
+            <a:fld id="{2ED26FC3-015A-4F86-ACC3-780431FB8E4D}" type="slidenum">
+              <a:rPr lang="zh-CN" altLang="en-US" smtClean="0"/>
+              <a:t>3</a:t>
+            </a:fld>
             <a:endParaRPr lang="zh-CN" altLang="en-US"/>
           </a:p>
         </p:txBody>
       </p:sp>
     </p:spTree>
+    <p:extLst>
+      <p:ext uri="{BB962C8B-B14F-4D97-AF65-F5344CB8AC3E}">
+        <p14:creationId xmlns:p14="http://schemas.microsoft.com/office/powerpoint/2010/main" val="36752347"/>
+      </p:ext>
+    </p:extLst>
+  </p:cSld>
+  <p:clrMapOvr>
+    <a:masterClrMapping/>
+  </p:clrMapOvr>
+</p:notes>
+</file>
+
+<file path=ppt/notesSlides/notesSlide4.xml><?xml version="1.0" encoding="utf-8"?>
+<p:notes xmlns:a="http://schemas.openxmlformats.org/drawingml/2006/main" xmlns:r="http://schemas.openxmlformats.org/officeDocument/2006/relationships" xmlns:p="http://schemas.openxmlformats.org/presentationml/2006/main">
+  <p:cSld>
+    <p:spTree>
+      <p:nvGrpSpPr>
+        <p:cNvPr id="1" name=""/>
+        <p:cNvGrpSpPr/>
+        <p:nvPr/>
+      </p:nvGrpSpPr>
+      <p:grpSpPr>
+        <a:xfrm>
+          <a:off x="0" y="0"/>
+          <a:ext cx="0" cy="0"/>
+          <a:chOff x="0" y="0"/>
+          <a:chExt cx="0" cy="0"/>
+        </a:xfrm>
+      </p:grpSpPr>
+      <p:sp>
+        <p:nvSpPr>
+          <p:cNvPr id="2" name="幻灯片图像占位符 1"/>
+          <p:cNvSpPr>
+            <a:spLocks noGrp="1" noRot="1" noChangeAspect="1"/>
+          </p:cNvSpPr>
+          <p:nvPr>
+            <p:ph type="sldImg"/>
+          </p:nvPr>
+        </p:nvSpPr>
+        <p:spPr>
+          <a:xfrm>
+            <a:off x="1371600" y="1143000"/>
+            <a:ext cx="4114800" cy="3086100"/>
+          </a:xfrm>
+        </p:spPr>
+      </p:sp>
+      <p:sp>
+        <p:nvSpPr>
+          <p:cNvPr id="3" name="备注占位符 2"/>
+          <p:cNvSpPr>
+            <a:spLocks noGrp="1"/>
+          </p:cNvSpPr>
+          <p:nvPr>
+            <p:ph type="body" idx="1"/>
+          </p:nvPr>
+        </p:nvSpPr>
+        <p:spPr/>
+        <p:txBody>
+          <a:bodyPr/>
+          <a:lstStyle/>
+          <a:p>
+            <a:pPr eaLnBrk="1" hangingPunct="1"/>
+            <a:r>
+              <a:rPr lang="zh-CN" altLang="en-US" dirty="0"/>
+              <a:t> 虽然在软件设计过程中，能及早采用设计模式，设计出精良的软件是最理想的。但是往往要达到该目的存在困难，我们不可能将每个细节都考虑得尽善尽美才开始动手编码。软件设计本身就是一个跌代渐进的过程，需要不断完善之后才能形成最终的产品（当然，系统的核心以及功能模块的接口是要深思熟虑之后才能动工，不可大意行事）。因此如何不断完善软件设计是我们经常遇到的问题。另一方面，我们设计软件不可能不犯错误，如何将存在缺陷的代码重新构建成质量过关的代码是另一个难题。 </a:t>
+            </a:r>
+            <a:r>
+              <a:rPr lang="en-US" altLang="zh-CN" dirty="0"/>
+              <a:t>Refactor</a:t>
+            </a:r>
+            <a:r>
+              <a:rPr lang="zh-CN" altLang="en-US" dirty="0"/>
+              <a:t>就是为了解决上述问题而提出的。</a:t>
+            </a:r>
+            <a:endParaRPr lang="en-US" altLang="zh-CN" dirty="0"/>
+          </a:p>
+          <a:p>
+            <a:pPr eaLnBrk="1" hangingPunct="1"/>
+            <a:endParaRPr lang="en-US" altLang="zh-CN" dirty="0"/>
+          </a:p>
+          <a:p>
+            <a:pPr eaLnBrk="1" hangingPunct="1"/>
+            <a:r>
+              <a:rPr lang="zh-CN" altLang="en-US" dirty="0"/>
+              <a:t>重构的前提是设计模式和测试驱动（结合实践经验简要介绍，测试驱动并非只是为了检验软件的功能，更重要的在于重构和加速软件开发）</a:t>
+            </a:r>
+          </a:p>
+          <a:p>
+            <a:pPr eaLnBrk="1" hangingPunct="1"/>
+            <a:endParaRPr lang="en-US" altLang="zh-CN" dirty="0"/>
+          </a:p>
+          <a:p>
+            <a:pPr eaLnBrk="1" hangingPunct="1"/>
+            <a:r>
+              <a:rPr lang="zh-CN" altLang="en-US" dirty="0"/>
+              <a:t>设计过程中，常常面临很多困难，有时甚至是矛盾的抉择。如何权衡各方面的利弊而作出正确选择非常重要。前人的经验和教训总结无疑有非常大的帮助，这有助于我更加清晰地认识到所处环境的各种陷阱和潜在问题，从而作出正确选择。 反设计模式就是帮助开发人员度过该难关的有力工具。与设计模式不同， 反设计模式专注于防止我们犯错误，而设计模式指导我们做出精良的设计，两者是相辅相成的。</a:t>
+            </a:r>
+          </a:p>
+          <a:p>
+            <a:pPr eaLnBrk="1" hangingPunct="1"/>
+            <a:endParaRPr lang="en-US" altLang="zh-CN" dirty="0"/>
+          </a:p>
+          <a:p>
+            <a:pPr eaLnBrk="1" hangingPunct="1"/>
+            <a:r>
+              <a:rPr lang="zh-CN" altLang="en-US" dirty="0"/>
+              <a:t>反设计模式能帮助我们发现和解决问题，然后通过</a:t>
+            </a:r>
+            <a:r>
+              <a:rPr lang="en-US" altLang="zh-CN" dirty="0"/>
+              <a:t>Refactor</a:t>
+            </a:r>
+            <a:r>
+              <a:rPr lang="zh-CN" altLang="en-US" dirty="0"/>
+              <a:t>来完善系统设计。因此它是建立在设计模式和</a:t>
+            </a:r>
+            <a:r>
+              <a:rPr lang="en-US" altLang="zh-CN" dirty="0"/>
+              <a:t>Refactor</a:t>
+            </a:r>
+            <a:r>
+              <a:rPr lang="zh-CN" altLang="en-US" dirty="0"/>
+              <a:t>之上的。</a:t>
+            </a:r>
+          </a:p>
+        </p:txBody>
+      </p:sp>
+      <p:sp>
+        <p:nvSpPr>
+          <p:cNvPr id="4" name="灯片编号占位符 3"/>
+          <p:cNvSpPr>
+            <a:spLocks noGrp="1"/>
+          </p:cNvSpPr>
+          <p:nvPr>
+            <p:ph type="sldNum" sz="quarter" idx="10"/>
+          </p:nvPr>
+        </p:nvSpPr>
+        <p:spPr/>
+        <p:txBody>
+          <a:bodyPr/>
+          <a:lstStyle/>
+          <a:p>
+            <a:fld id="{2ED26FC3-015A-4F86-ACC3-780431FB8E4D}" type="slidenum">
+              <a:rPr lang="zh-CN" altLang="en-US" smtClean="0"/>
+              <a:t>4</a:t>
+            </a:fld>
+            <a:endParaRPr lang="zh-CN" altLang="en-US"/>
+          </a:p>
+        </p:txBody>
+      </p:sp>
+    </p:spTree>
+    <p:extLst>
+      <p:ext uri="{BB962C8B-B14F-4D97-AF65-F5344CB8AC3E}">
+        <p14:creationId xmlns:p14="http://schemas.microsoft.com/office/powerpoint/2010/main" val="669117025"/>
+      </p:ext>
+    </p:extLst>
+  </p:cSld>
+  <p:clrMapOvr>
+    <a:masterClrMapping/>
+  </p:clrMapOvr>
+</p:notes>
+</file>
+
+<file path=ppt/notesSlides/notesSlide5.xml><?xml version="1.0" encoding="utf-8"?>
+<p:notes xmlns:a="http://schemas.openxmlformats.org/drawingml/2006/main" xmlns:r="http://schemas.openxmlformats.org/officeDocument/2006/relationships" xmlns:p="http://schemas.openxmlformats.org/presentationml/2006/main">
+  <p:cSld>
+    <p:spTree>
+      <p:nvGrpSpPr>
+        <p:cNvPr id="1" name=""/>
+        <p:cNvGrpSpPr/>
+        <p:nvPr/>
+      </p:nvGrpSpPr>
+      <p:grpSpPr>
+        <a:xfrm>
+          <a:off x="0" y="0"/>
+          <a:ext cx="0" cy="0"/>
+          <a:chOff x="0" y="0"/>
+          <a:chExt cx="0" cy="0"/>
+        </a:xfrm>
+      </p:grpSpPr>
+      <p:sp>
+        <p:nvSpPr>
+          <p:cNvPr id="2" name="幻灯片图像占位符 1"/>
+          <p:cNvSpPr>
+            <a:spLocks noGrp="1" noRot="1" noChangeAspect="1"/>
+          </p:cNvSpPr>
+          <p:nvPr>
+            <p:ph type="sldImg"/>
+          </p:nvPr>
+        </p:nvSpPr>
+        <p:spPr>
+          <a:xfrm>
+            <a:off x="1371600" y="1143000"/>
+            <a:ext cx="4114800" cy="3086100"/>
+          </a:xfrm>
+        </p:spPr>
+      </p:sp>
+      <p:sp>
+        <p:nvSpPr>
+          <p:cNvPr id="3" name="备注占位符 2"/>
+          <p:cNvSpPr>
+            <a:spLocks noGrp="1"/>
+          </p:cNvSpPr>
+          <p:nvPr>
+            <p:ph type="body" idx="1"/>
+          </p:nvPr>
+        </p:nvSpPr>
+        <p:spPr/>
+        <p:txBody>
+          <a:bodyPr/>
+          <a:lstStyle/>
+          <a:p>
+            <a:pPr eaLnBrk="1" hangingPunct="1"/>
+            <a:r>
+              <a:rPr lang="zh-CN" altLang="en-US" dirty="0"/>
+              <a:t>既然它是</a:t>
+            </a:r>
+            <a:r>
+              <a:rPr lang="en-US" altLang="zh-CN" dirty="0"/>
+              <a:t>OOP</a:t>
+            </a:r>
+            <a:r>
+              <a:rPr lang="zh-CN" altLang="en-US" dirty="0"/>
+              <a:t>的方法论，其内容就是如何设计对象的结构及其相互间的协作关系。</a:t>
+            </a:r>
+          </a:p>
+          <a:p>
+            <a:pPr eaLnBrk="1" hangingPunct="1"/>
+            <a:endParaRPr lang="zh-CN" altLang="en-US" dirty="0"/>
+          </a:p>
+          <a:p>
+            <a:pPr eaLnBrk="1" hangingPunct="1"/>
+            <a:r>
+              <a:rPr lang="zh-CN" altLang="en-US" dirty="0"/>
+              <a:t>设计模式的内容往往适合于用</a:t>
+            </a:r>
+            <a:r>
+              <a:rPr lang="en-US" altLang="zh-CN" dirty="0"/>
+              <a:t>UML</a:t>
+            </a:r>
+            <a:r>
+              <a:rPr lang="zh-CN" altLang="en-US" dirty="0"/>
+              <a:t>来表达，通过</a:t>
+            </a:r>
+            <a:r>
+              <a:rPr lang="en-US" altLang="zh-CN" dirty="0"/>
+              <a:t>Factory</a:t>
+            </a:r>
+            <a:r>
+              <a:rPr lang="zh-CN" altLang="en-US" dirty="0"/>
+              <a:t>模式举例</a:t>
+            </a:r>
+          </a:p>
+          <a:p>
+            <a:pPr eaLnBrk="1" hangingPunct="1"/>
+            <a:endParaRPr lang="zh-CN" altLang="en-US" dirty="0"/>
+          </a:p>
+          <a:p>
+            <a:pPr eaLnBrk="1" hangingPunct="1"/>
+            <a:r>
+              <a:rPr lang="zh-CN" altLang="en-US" dirty="0"/>
+              <a:t>软件是先设计后编码。设计过程往往要依靠</a:t>
+            </a:r>
+            <a:r>
+              <a:rPr lang="en-US" altLang="zh-CN" dirty="0"/>
+              <a:t>UML</a:t>
+            </a:r>
+            <a:r>
+              <a:rPr lang="zh-CN" altLang="en-US" dirty="0"/>
+              <a:t>来建模，表达整个软件的结构、流程等方方面面。</a:t>
+            </a:r>
+          </a:p>
+          <a:p>
+            <a:pPr eaLnBrk="1" hangingPunct="1"/>
+            <a:r>
+              <a:rPr lang="zh-CN" altLang="en-US" dirty="0"/>
+              <a:t>对</a:t>
+            </a:r>
+            <a:r>
+              <a:rPr lang="en-US" altLang="zh-CN" dirty="0"/>
+              <a:t>UML</a:t>
+            </a:r>
+            <a:r>
+              <a:rPr lang="zh-CN" altLang="en-US" dirty="0"/>
+              <a:t>有种普遍的误解，以为是一个快速开发工具，能迅速生成代码。</a:t>
+            </a:r>
+            <a:r>
+              <a:rPr lang="en-US" altLang="zh-CN" dirty="0"/>
+              <a:t>UML</a:t>
+            </a:r>
+            <a:r>
+              <a:rPr lang="zh-CN" altLang="en-US" dirty="0"/>
+              <a:t>的本意是表达设计思想，而非代码生成引擎。当然，随着技术进步，设计思想表达出来后，可利用代码生成引擎来加快开发速度。 </a:t>
+            </a:r>
+          </a:p>
+          <a:p>
+            <a:pPr eaLnBrk="1" hangingPunct="1"/>
+            <a:endParaRPr lang="zh-CN" altLang="en-US" dirty="0"/>
+          </a:p>
+          <a:p>
+            <a:pPr eaLnBrk="1" hangingPunct="1"/>
+            <a:r>
+              <a:rPr lang="zh-CN" altLang="en-US" dirty="0"/>
+              <a:t>设计模式对软件设计有非常重要的指导意义，因此其本身就适合用</a:t>
+            </a:r>
+            <a:r>
+              <a:rPr lang="en-US" altLang="zh-CN" dirty="0"/>
+              <a:t>UML</a:t>
+            </a:r>
+            <a:r>
+              <a:rPr lang="zh-CN" altLang="en-US" dirty="0"/>
+              <a:t>表达出来，且可通过</a:t>
+            </a:r>
+            <a:r>
+              <a:rPr lang="en-US" altLang="zh-CN" dirty="0"/>
+              <a:t>UML</a:t>
+            </a:r>
+            <a:r>
+              <a:rPr lang="zh-CN" altLang="en-US" dirty="0"/>
+              <a:t>应用和融入到软件设计中。</a:t>
+            </a:r>
+          </a:p>
+          <a:p>
+            <a:pPr eaLnBrk="1" hangingPunct="1"/>
+            <a:endParaRPr lang="zh-CN" altLang="en-US" dirty="0"/>
+          </a:p>
+          <a:p>
+            <a:pPr eaLnBrk="1" hangingPunct="1"/>
+            <a:r>
+              <a:rPr lang="zh-CN" altLang="en-US" dirty="0"/>
+              <a:t>本教程的所有设计模式例子都是采用</a:t>
+            </a:r>
+            <a:r>
+              <a:rPr lang="en-US" altLang="zh-CN" dirty="0"/>
+              <a:t>UML</a:t>
+            </a:r>
+            <a:r>
+              <a:rPr lang="zh-CN" altLang="en-US" dirty="0"/>
+              <a:t>来表达的。</a:t>
+            </a:r>
+          </a:p>
+        </p:txBody>
+      </p:sp>
+      <p:sp>
+        <p:nvSpPr>
+          <p:cNvPr id="4" name="灯片编号占位符 3"/>
+          <p:cNvSpPr>
+            <a:spLocks noGrp="1"/>
+          </p:cNvSpPr>
+          <p:nvPr>
+            <p:ph type="sldNum" sz="quarter" idx="10"/>
+          </p:nvPr>
+        </p:nvSpPr>
+        <p:spPr/>
+        <p:txBody>
+          <a:bodyPr/>
+          <a:lstStyle/>
+          <a:p>
+            <a:fld id="{2ED26FC3-015A-4F86-ACC3-780431FB8E4D}" type="slidenum">
+              <a:rPr lang="zh-CN" altLang="en-US" smtClean="0"/>
+              <a:t>5</a:t>
+            </a:fld>
+            <a:endParaRPr lang="zh-CN" altLang="en-US"/>
+          </a:p>
+        </p:txBody>
+      </p:sp>
+    </p:spTree>
+    <p:extLst>
+      <p:ext uri="{BB962C8B-B14F-4D97-AF65-F5344CB8AC3E}">
+        <p14:creationId xmlns:p14="http://schemas.microsoft.com/office/powerpoint/2010/main" val="1424015567"/>
+      </p:ext>
+    </p:extLst>
+  </p:cSld>
+  <p:clrMapOvr>
+    <a:masterClrMapping/>
+  </p:clrMapOvr>
+</p:notes>
+</file>
+
+<file path=ppt/notesSlides/notesSlide6.xml><?xml version="1.0" encoding="utf-8"?>
+<p:notes xmlns:a="http://schemas.openxmlformats.org/drawingml/2006/main" xmlns:r="http://schemas.openxmlformats.org/officeDocument/2006/relationships" xmlns:p="http://schemas.openxmlformats.org/presentationml/2006/main">
+  <p:cSld>
+    <p:spTree>
+      <p:nvGrpSpPr>
+        <p:cNvPr id="1" name=""/>
+        <p:cNvGrpSpPr/>
+        <p:nvPr/>
+      </p:nvGrpSpPr>
+      <p:grpSpPr>
+        <a:xfrm>
+          <a:off x="0" y="0"/>
+          <a:ext cx="0" cy="0"/>
+          <a:chOff x="0" y="0"/>
+          <a:chExt cx="0" cy="0"/>
+        </a:xfrm>
+      </p:grpSpPr>
+      <p:sp>
+        <p:nvSpPr>
+          <p:cNvPr id="2" name="幻灯片图像占位符 1"/>
+          <p:cNvSpPr>
+            <a:spLocks noGrp="1" noRot="1" noChangeAspect="1"/>
+          </p:cNvSpPr>
+          <p:nvPr>
+            <p:ph type="sldImg"/>
+          </p:nvPr>
+        </p:nvSpPr>
+        <p:spPr>
+          <a:xfrm>
+            <a:off x="1371600" y="1143000"/>
+            <a:ext cx="4114800" cy="3086100"/>
+          </a:xfrm>
+        </p:spPr>
+      </p:sp>
+      <p:sp>
+        <p:nvSpPr>
+          <p:cNvPr id="3" name="备注占位符 2"/>
+          <p:cNvSpPr>
+            <a:spLocks noGrp="1"/>
+          </p:cNvSpPr>
+          <p:nvPr>
+            <p:ph type="body" idx="1"/>
+          </p:nvPr>
+        </p:nvSpPr>
+        <p:spPr/>
+        <p:txBody>
+          <a:bodyPr/>
+          <a:lstStyle/>
+          <a:p>
+            <a:endParaRPr lang="zh-CN" altLang="en-US" dirty="0"/>
+          </a:p>
+        </p:txBody>
+      </p:sp>
+      <p:sp>
+        <p:nvSpPr>
+          <p:cNvPr id="4" name="灯片编号占位符 3"/>
+          <p:cNvSpPr>
+            <a:spLocks noGrp="1"/>
+          </p:cNvSpPr>
+          <p:nvPr>
+            <p:ph type="sldNum" sz="quarter" idx="10"/>
+          </p:nvPr>
+        </p:nvSpPr>
+        <p:spPr/>
+        <p:txBody>
+          <a:bodyPr/>
+          <a:lstStyle/>
+          <a:p>
+            <a:fld id="{2ED26FC3-015A-4F86-ACC3-780431FB8E4D}" type="slidenum">
+              <a:rPr lang="zh-CN" altLang="en-US" smtClean="0"/>
+              <a:t>6</a:t>
+            </a:fld>
+            <a:endParaRPr lang="zh-CN" altLang="en-US"/>
+          </a:p>
+        </p:txBody>
+      </p:sp>
+    </p:spTree>
+    <p:extLst>
+      <p:ext uri="{BB962C8B-B14F-4D97-AF65-F5344CB8AC3E}">
+        <p14:creationId xmlns:p14="http://schemas.microsoft.com/office/powerpoint/2010/main" val="3218722203"/>
+      </p:ext>
+    </p:extLst>
+  </p:cSld>
+  <p:clrMapOvr>
+    <a:masterClrMapping/>
+  </p:clrMapOvr>
+</p:notes>
+</file>
+
+<file path=ppt/notesSlides/notesSlide7.xml><?xml version="1.0" encoding="utf-8"?>
+<p:notes xmlns:a="http://schemas.openxmlformats.org/drawingml/2006/main" xmlns:r="http://schemas.openxmlformats.org/officeDocument/2006/relationships" xmlns:p="http://schemas.openxmlformats.org/presentationml/2006/main">
+  <p:cSld>
+    <p:spTree>
+      <p:nvGrpSpPr>
+        <p:cNvPr id="1" name=""/>
+        <p:cNvGrpSpPr/>
+        <p:nvPr/>
+      </p:nvGrpSpPr>
+      <p:grpSpPr>
+        <a:xfrm>
+          <a:off x="0" y="0"/>
+          <a:ext cx="0" cy="0"/>
+          <a:chOff x="0" y="0"/>
+          <a:chExt cx="0" cy="0"/>
+        </a:xfrm>
+      </p:grpSpPr>
+      <p:sp>
+        <p:nvSpPr>
+          <p:cNvPr id="2" name="幻灯片图像占位符 1"/>
+          <p:cNvSpPr>
+            <a:spLocks noGrp="1" noRot="1" noChangeAspect="1"/>
+          </p:cNvSpPr>
+          <p:nvPr>
+            <p:ph type="sldImg"/>
+          </p:nvPr>
+        </p:nvSpPr>
+        <p:spPr>
+          <a:xfrm>
+            <a:off x="1371600" y="1143000"/>
+            <a:ext cx="4114800" cy="3086100"/>
+          </a:xfrm>
+        </p:spPr>
+      </p:sp>
+      <p:sp>
+        <p:nvSpPr>
+          <p:cNvPr id="3" name="备注占位符 2"/>
+          <p:cNvSpPr>
+            <a:spLocks noGrp="1"/>
+          </p:cNvSpPr>
+          <p:nvPr>
+            <p:ph type="body" idx="1"/>
+          </p:nvPr>
+        </p:nvSpPr>
+        <p:spPr/>
+        <p:txBody>
+          <a:bodyPr/>
+          <a:lstStyle/>
+          <a:p>
+            <a:endParaRPr lang="zh-CN" altLang="en-US"/>
+          </a:p>
+        </p:txBody>
+      </p:sp>
+      <p:sp>
+        <p:nvSpPr>
+          <p:cNvPr id="4" name="灯片编号占位符 3"/>
+          <p:cNvSpPr>
+            <a:spLocks noGrp="1"/>
+          </p:cNvSpPr>
+          <p:nvPr>
+            <p:ph type="sldNum" sz="quarter" idx="10"/>
+          </p:nvPr>
+        </p:nvSpPr>
+        <p:spPr/>
+        <p:txBody>
+          <a:bodyPr/>
+          <a:lstStyle/>
+          <a:p>
+            <a:fld id="{2ED26FC3-015A-4F86-ACC3-780431FB8E4D}" type="slidenum">
+              <a:rPr lang="zh-CN" altLang="en-US" smtClean="0"/>
+              <a:t>8</a:t>
+            </a:fld>
+            <a:endParaRPr lang="zh-CN" altLang="en-US"/>
+          </a:p>
+        </p:txBody>
+      </p:sp>
+    </p:spTree>
+    <p:extLst>
+      <p:ext uri="{BB962C8B-B14F-4D97-AF65-F5344CB8AC3E}">
+        <p14:creationId xmlns:p14="http://schemas.microsoft.com/office/powerpoint/2010/main" val="1406787356"/>
+      </p:ext>
+    </p:extLst>
+  </p:cSld>
+  <p:clrMapOvr>
+    <a:masterClrMapping/>
+  </p:clrMapOvr>
+</p:notes>
+</file>
+
+<file path=ppt/notesSlides/notesSlide8.xml><?xml version="1.0" encoding="utf-8"?>
+<p:notes xmlns:a="http://schemas.openxmlformats.org/drawingml/2006/main" xmlns:r="http://schemas.openxmlformats.org/officeDocument/2006/relationships" xmlns:p="http://schemas.openxmlformats.org/presentationml/2006/main">
+  <p:cSld>
+    <p:spTree>
+      <p:nvGrpSpPr>
+        <p:cNvPr id="1" name=""/>
+        <p:cNvGrpSpPr/>
+        <p:nvPr/>
+      </p:nvGrpSpPr>
+      <p:grpSpPr>
+        <a:xfrm>
+          <a:off x="0" y="0"/>
+          <a:ext cx="0" cy="0"/>
+          <a:chOff x="0" y="0"/>
+          <a:chExt cx="0" cy="0"/>
+        </a:xfrm>
+      </p:grpSpPr>
+      <p:sp>
+        <p:nvSpPr>
+          <p:cNvPr id="2" name="幻灯片图像占位符 1"/>
+          <p:cNvSpPr>
+            <a:spLocks noGrp="1" noRot="1" noChangeAspect="1"/>
+          </p:cNvSpPr>
+          <p:nvPr>
+            <p:ph type="sldImg"/>
+          </p:nvPr>
+        </p:nvSpPr>
+        <p:spPr>
+          <a:xfrm>
+            <a:off x="1371600" y="1143000"/>
+            <a:ext cx="4114800" cy="3086100"/>
+          </a:xfrm>
+        </p:spPr>
+      </p:sp>
+      <p:sp>
+        <p:nvSpPr>
+          <p:cNvPr id="3" name="备注占位符 2"/>
+          <p:cNvSpPr>
+            <a:spLocks noGrp="1"/>
+          </p:cNvSpPr>
+          <p:nvPr>
+            <p:ph type="body" idx="1"/>
+          </p:nvPr>
+        </p:nvSpPr>
+        <p:spPr/>
+        <p:txBody>
+          <a:bodyPr/>
+          <a:lstStyle/>
+          <a:p>
+            <a:endParaRPr lang="zh-CN" altLang="en-US"/>
+          </a:p>
+        </p:txBody>
+      </p:sp>
+      <p:sp>
+        <p:nvSpPr>
+          <p:cNvPr id="4" name="灯片编号占位符 3"/>
+          <p:cNvSpPr>
+            <a:spLocks noGrp="1"/>
+          </p:cNvSpPr>
+          <p:nvPr>
+            <p:ph type="sldNum" sz="quarter" idx="10"/>
+          </p:nvPr>
+        </p:nvSpPr>
+        <p:spPr/>
+        <p:txBody>
+          <a:bodyPr/>
+          <a:lstStyle/>
+          <a:p>
+            <a:fld id="{2ED26FC3-015A-4F86-ACC3-780431FB8E4D}" type="slidenum">
+              <a:rPr lang="zh-CN" altLang="en-US" smtClean="0"/>
+              <a:t>9</a:t>
+            </a:fld>
+            <a:endParaRPr lang="zh-CN" altLang="en-US"/>
+          </a:p>
+        </p:txBody>
+      </p:sp>
+    </p:spTree>
+    <p:extLst>
+      <p:ext uri="{BB962C8B-B14F-4D97-AF65-F5344CB8AC3E}">
+        <p14:creationId xmlns:p14="http://schemas.microsoft.com/office/powerpoint/2010/main" val="2132363596"/>
+      </p:ext>
+    </p:extLst>
+  </p:cSld>
+  <p:clrMapOvr>
+    <a:masterClrMapping/>
+  </p:clrMapOvr>
+</p:notes>
+</file>
+
+<file path=ppt/notesSlides/notesSlide9.xml><?xml version="1.0" encoding="utf-8"?>
+<p:notes xmlns:a="http://schemas.openxmlformats.org/drawingml/2006/main" xmlns:r="http://schemas.openxmlformats.org/officeDocument/2006/relationships" xmlns:p="http://schemas.openxmlformats.org/presentationml/2006/main">
+  <p:cSld>
+    <p:spTree>
+      <p:nvGrpSpPr>
+        <p:cNvPr id="1" name=""/>
+        <p:cNvGrpSpPr/>
+        <p:nvPr/>
+      </p:nvGrpSpPr>
+      <p:grpSpPr>
+        <a:xfrm>
+          <a:off x="0" y="0"/>
+          <a:ext cx="0" cy="0"/>
+          <a:chOff x="0" y="0"/>
+          <a:chExt cx="0" cy="0"/>
+        </a:xfrm>
+      </p:grpSpPr>
+      <p:sp>
+        <p:nvSpPr>
+          <p:cNvPr id="2" name="幻灯片图像占位符 1"/>
+          <p:cNvSpPr>
+            <a:spLocks noGrp="1" noRot="1" noChangeAspect="1"/>
+          </p:cNvSpPr>
+          <p:nvPr>
+            <p:ph type="sldImg"/>
+          </p:nvPr>
+        </p:nvSpPr>
+        <p:spPr>
+          <a:xfrm>
+            <a:off x="1371600" y="1143000"/>
+            <a:ext cx="4114800" cy="3086100"/>
+          </a:xfrm>
+        </p:spPr>
+      </p:sp>
+      <p:sp>
+        <p:nvSpPr>
+          <p:cNvPr id="3" name="备注占位符 2"/>
+          <p:cNvSpPr>
+            <a:spLocks noGrp="1"/>
+          </p:cNvSpPr>
+          <p:nvPr>
+            <p:ph type="body" idx="1"/>
+          </p:nvPr>
+        </p:nvSpPr>
+        <p:spPr/>
+        <p:txBody>
+          <a:bodyPr/>
+          <a:lstStyle/>
+          <a:p>
+            <a:endParaRPr lang="zh-CN" altLang="en-US"/>
+          </a:p>
+        </p:txBody>
+      </p:sp>
+      <p:sp>
+        <p:nvSpPr>
+          <p:cNvPr id="4" name="灯片编号占位符 3"/>
+          <p:cNvSpPr>
+            <a:spLocks noGrp="1"/>
+          </p:cNvSpPr>
+          <p:nvPr>
+            <p:ph type="sldNum" sz="quarter" idx="10"/>
+          </p:nvPr>
+        </p:nvSpPr>
+        <p:spPr/>
+        <p:txBody>
+          <a:bodyPr/>
+          <a:lstStyle/>
+          <a:p>
+            <a:fld id="{2ED26FC3-015A-4F86-ACC3-780431FB8E4D}" type="slidenum">
+              <a:rPr lang="zh-CN" altLang="en-US" smtClean="0"/>
+              <a:t>10</a:t>
+            </a:fld>
+            <a:endParaRPr lang="zh-CN" altLang="en-US"/>
+          </a:p>
+        </p:txBody>
+      </p:sp>
+    </p:spTree>
+    <p:extLst>
+      <p:ext uri="{BB962C8B-B14F-4D97-AF65-F5344CB8AC3E}">
+        <p14:creationId xmlns:p14="http://schemas.microsoft.com/office/powerpoint/2010/main" val="3495561738"/>
+      </p:ext>
+    </p:extLst>
   </p:cSld>
   <p:clrMapOvr>
     <a:masterClrMapping/>
@@ -1263,7 +2299,7 @@
           <p:cNvCxnSpPr/>
           <p:nvPr>
             <p:custDataLst>
-              <p:tags r:id="rId2"/>
+              <p:tags r:id="rId1"/>
             </p:custDataLst>
           </p:nvPr>
         </p:nvCxnSpPr>
@@ -1297,7 +2333,7 @@
           <p:cNvCxnSpPr/>
           <p:nvPr>
             <p:custDataLst>
-              <p:tags r:id="rId3"/>
+              <p:tags r:id="rId2"/>
             </p:custDataLst>
           </p:nvPr>
         </p:nvCxnSpPr>
@@ -1331,7 +2367,7 @@
           <p:cNvCxnSpPr/>
           <p:nvPr>
             <p:custDataLst>
-              <p:tags r:id="rId4"/>
+              <p:tags r:id="rId3"/>
             </p:custDataLst>
           </p:nvPr>
         </p:nvCxnSpPr>
@@ -1365,7 +2401,7 @@
           <p:cNvCxnSpPr/>
           <p:nvPr>
             <p:custDataLst>
-              <p:tags r:id="rId5"/>
+              <p:tags r:id="rId4"/>
             </p:custDataLst>
           </p:nvPr>
         </p:nvCxnSpPr>
@@ -1399,7 +2435,7 @@
           <p:cNvCxnSpPr/>
           <p:nvPr>
             <p:custDataLst>
-              <p:tags r:id="rId6"/>
+              <p:tags r:id="rId5"/>
             </p:custDataLst>
           </p:nvPr>
         </p:nvCxnSpPr>
@@ -1457,7 +2493,6 @@
               <a:rPr lang="zh-CN" altLang="en-US" noProof="1"/>
               <a:t>单击此处编辑标题</a:t>
             </a:r>
-            <a:endParaRPr lang="zh-CN" altLang="en-US" noProof="1"/>
           </a:p>
         </p:txBody>
       </p:sp>
@@ -1524,7 +2559,6 @@
               <a:rPr lang="zh-CN" altLang="en-US" noProof="1"/>
               <a:t>单击此处编辑母版副标题样式</a:t>
             </a:r>
-            <a:endParaRPr lang="zh-CN" altLang="en-US" noProof="1"/>
           </a:p>
         </p:txBody>
       </p:sp>
@@ -1549,6 +2583,7 @@
           <a:p>
             <a:fld id="{760FBDFE-C587-4B4C-A407-44438C67B59E}" type="datetimeFigureOut">
               <a:rPr lang="zh-CN" altLang="en-US"/>
+              <a:t>2018/7/29</a:t>
             </a:fld>
             <a:endParaRPr lang="zh-CN" altLang="en-US"/>
           </a:p>
@@ -1598,6 +2633,7 @@
           <a:p>
             <a:fld id="{B57485EF-07CB-4560-BDF9-ECAE85E048A8}" type="slidenum">
               <a:rPr lang="zh-CN" altLang="en-US"/>
+              <a:t>‹#›</a:t>
             </a:fld>
             <a:endParaRPr lang="zh-CN" altLang="en-US"/>
           </a:p>
@@ -1671,7 +2707,6 @@
               <a:rPr lang="zh-CN" altLang="en-US" noProof="1"/>
               <a:t>单击此处编辑母版文本样式</a:t>
             </a:r>
-            <a:endParaRPr lang="zh-CN" altLang="en-US" noProof="1"/>
           </a:p>
           <a:p>
             <a:pPr lvl="1"/>
@@ -1679,7 +2714,6 @@
               <a:rPr lang="zh-CN" altLang="en-US" noProof="1"/>
               <a:t>第二级</a:t>
             </a:r>
-            <a:endParaRPr lang="zh-CN" altLang="en-US" noProof="1"/>
           </a:p>
           <a:p>
             <a:pPr lvl="2"/>
@@ -1687,7 +2721,6 @@
               <a:rPr lang="zh-CN" altLang="en-US" noProof="1"/>
               <a:t>第三级</a:t>
             </a:r>
-            <a:endParaRPr lang="zh-CN" altLang="en-US" noProof="1"/>
           </a:p>
           <a:p>
             <a:pPr lvl="3"/>
@@ -1695,7 +2728,6 @@
               <a:rPr lang="zh-CN" altLang="en-US" noProof="1"/>
               <a:t>第四级</a:t>
             </a:r>
-            <a:endParaRPr lang="zh-CN" altLang="en-US" noProof="1"/>
           </a:p>
           <a:p>
             <a:pPr lvl="4"/>
@@ -1703,7 +2735,6 @@
               <a:rPr lang="zh-CN" altLang="en-US" noProof="1"/>
               <a:t>第五级</a:t>
             </a:r>
-            <a:endParaRPr lang="zh-CN" altLang="en-US" noProof="1"/>
           </a:p>
         </p:txBody>
       </p:sp>
@@ -1728,6 +2759,7 @@
           <a:p>
             <a:fld id="{760FBDFE-C587-4B4C-A407-44438C67B59E}" type="datetimeFigureOut">
               <a:rPr lang="zh-CN" altLang="en-US"/>
+              <a:t>2018/7/29</a:t>
             </a:fld>
             <a:endParaRPr lang="zh-CN" altLang="en-US"/>
           </a:p>
@@ -1777,6 +2809,7 @@
           <a:p>
             <a:fld id="{E99C5EC3-8103-43E4-B157-1AC5D340141F}" type="slidenum">
               <a:rPr lang="zh-CN" altLang="en-US"/>
+              <a:t>‹#›</a:t>
             </a:fld>
             <a:endParaRPr lang="zh-CN" altLang="en-US"/>
           </a:p>
@@ -1826,7 +2859,6 @@
               <a:rPr lang="zh-CN" altLang="en-US" noProof="1"/>
               <a:t>单击此处编辑母版标题样式</a:t>
             </a:r>
-            <a:endParaRPr lang="zh-CN" altLang="en-US" noProof="1"/>
           </a:p>
         </p:txBody>
       </p:sp>
@@ -1851,6 +2883,7 @@
           <a:p>
             <a:fld id="{760FBDFE-C587-4B4C-A407-44438C67B59E}" type="datetimeFigureOut">
               <a:rPr lang="zh-CN" altLang="en-US"/>
+              <a:t>2018/7/29</a:t>
             </a:fld>
             <a:endParaRPr lang="zh-CN" altLang="en-US"/>
           </a:p>
@@ -1900,6 +2933,7 @@
           <a:p>
             <a:fld id="{672E4197-9F2F-4415-85F8-93AEECACC1CD}" type="slidenum">
               <a:rPr lang="zh-CN" altLang="en-US"/>
+              <a:t>‹#›</a:t>
             </a:fld>
             <a:endParaRPr lang="zh-CN" altLang="en-US"/>
           </a:p>
@@ -1913,7 +2947,384 @@
 </p:sldLayout>
 </file>
 
-<file path=ppt/slideLayouts/slideLayout2.xml><?xml version="1.0" encoding="utf-8"?>
+<file path=ppt/slideLayouts/slideLayout12.xml><?xml version="1.0" encoding="utf-8"?>
+<p:sldLayout xmlns:a="http://schemas.openxmlformats.org/drawingml/2006/main" xmlns:r="http://schemas.openxmlformats.org/officeDocument/2006/relationships" xmlns:p="http://schemas.openxmlformats.org/presentationml/2006/main" type="title" preserve="1">
+  <p:cSld name="标题幻灯片">
+    <p:spTree>
+      <p:nvGrpSpPr>
+        <p:cNvPr id="1" name=""/>
+        <p:cNvGrpSpPr/>
+        <p:nvPr/>
+      </p:nvGrpSpPr>
+      <p:grpSpPr>
+        <a:xfrm>
+          <a:off x="0" y="0"/>
+          <a:ext cx="0" cy="0"/>
+          <a:chOff x="0" y="0"/>
+          <a:chExt cx="0" cy="0"/>
+        </a:xfrm>
+      </p:grpSpPr>
+      <p:cxnSp>
+        <p:nvCxnSpPr>
+          <p:cNvPr id="7" name="直接连接符 6"/>
+          <p:cNvCxnSpPr/>
+          <p:nvPr>
+            <p:custDataLst>
+              <p:tags r:id="rId1"/>
+            </p:custDataLst>
+          </p:nvPr>
+        </p:nvCxnSpPr>
+        <p:spPr>
+          <a:xfrm flipH="1">
+            <a:off x="1223689" y="2307814"/>
+            <a:ext cx="2138752" cy="0"/>
+          </a:xfrm>
+          <a:prstGeom prst="line">
+            <a:avLst/>
+          </a:prstGeom>
+        </p:spPr>
+        <p:style>
+          <a:lnRef idx="1">
+            <a:schemeClr val="accent1"/>
+          </a:lnRef>
+          <a:fillRef idx="0">
+            <a:schemeClr val="accent1"/>
+          </a:fillRef>
+          <a:effectRef idx="0">
+            <a:schemeClr val="accent1"/>
+          </a:effectRef>
+          <a:fontRef idx="minor">
+            <a:schemeClr val="tx1"/>
+          </a:fontRef>
+        </p:style>
+      </p:cxnSp>
+      <p:cxnSp>
+        <p:nvCxnSpPr>
+          <p:cNvPr id="8" name="直接连接符 7"/>
+          <p:cNvCxnSpPr/>
+          <p:nvPr>
+            <p:custDataLst>
+              <p:tags r:id="rId2"/>
+            </p:custDataLst>
+          </p:nvPr>
+        </p:nvCxnSpPr>
+        <p:spPr>
+          <a:xfrm>
+            <a:off x="1223689" y="2307814"/>
+            <a:ext cx="0" cy="2182906"/>
+          </a:xfrm>
+          <a:prstGeom prst="line">
+            <a:avLst/>
+          </a:prstGeom>
+        </p:spPr>
+        <p:style>
+          <a:lnRef idx="1">
+            <a:schemeClr val="accent1"/>
+          </a:lnRef>
+          <a:fillRef idx="0">
+            <a:schemeClr val="accent1"/>
+          </a:fillRef>
+          <a:effectRef idx="0">
+            <a:schemeClr val="accent1"/>
+          </a:effectRef>
+          <a:fontRef idx="minor">
+            <a:schemeClr val="tx1"/>
+          </a:fontRef>
+        </p:style>
+      </p:cxnSp>
+      <p:cxnSp>
+        <p:nvCxnSpPr>
+          <p:cNvPr id="9" name="直接连接符 8"/>
+          <p:cNvCxnSpPr/>
+          <p:nvPr>
+            <p:custDataLst>
+              <p:tags r:id="rId3"/>
+            </p:custDataLst>
+          </p:nvPr>
+        </p:nvCxnSpPr>
+        <p:spPr>
+          <a:xfrm>
+            <a:off x="1213529" y="4500880"/>
+            <a:ext cx="6720912" cy="0"/>
+          </a:xfrm>
+          <a:prstGeom prst="line">
+            <a:avLst/>
+          </a:prstGeom>
+        </p:spPr>
+        <p:style>
+          <a:lnRef idx="1">
+            <a:schemeClr val="accent1"/>
+          </a:lnRef>
+          <a:fillRef idx="0">
+            <a:schemeClr val="accent1"/>
+          </a:fillRef>
+          <a:effectRef idx="0">
+            <a:schemeClr val="accent1"/>
+          </a:effectRef>
+          <a:fontRef idx="minor">
+            <a:schemeClr val="tx1"/>
+          </a:fontRef>
+        </p:style>
+      </p:cxnSp>
+      <p:cxnSp>
+        <p:nvCxnSpPr>
+          <p:cNvPr id="10" name="直接连接符 9"/>
+          <p:cNvCxnSpPr/>
+          <p:nvPr>
+            <p:custDataLst>
+              <p:tags r:id="rId4"/>
+            </p:custDataLst>
+          </p:nvPr>
+        </p:nvCxnSpPr>
+        <p:spPr>
+          <a:xfrm flipH="1">
+            <a:off x="5795689" y="2307814"/>
+            <a:ext cx="2138752" cy="0"/>
+          </a:xfrm>
+          <a:prstGeom prst="line">
+            <a:avLst/>
+          </a:prstGeom>
+        </p:spPr>
+        <p:style>
+          <a:lnRef idx="1">
+            <a:schemeClr val="accent1"/>
+          </a:lnRef>
+          <a:fillRef idx="0">
+            <a:schemeClr val="accent1"/>
+          </a:fillRef>
+          <a:effectRef idx="0">
+            <a:schemeClr val="accent1"/>
+          </a:effectRef>
+          <a:fontRef idx="minor">
+            <a:schemeClr val="tx1"/>
+          </a:fontRef>
+        </p:style>
+      </p:cxnSp>
+      <p:cxnSp>
+        <p:nvCxnSpPr>
+          <p:cNvPr id="11" name="直接连接符 10"/>
+          <p:cNvCxnSpPr/>
+          <p:nvPr>
+            <p:custDataLst>
+              <p:tags r:id="rId5"/>
+            </p:custDataLst>
+          </p:nvPr>
+        </p:nvCxnSpPr>
+        <p:spPr>
+          <a:xfrm>
+            <a:off x="7929289" y="2317974"/>
+            <a:ext cx="0" cy="2182906"/>
+          </a:xfrm>
+          <a:prstGeom prst="line">
+            <a:avLst/>
+          </a:prstGeom>
+        </p:spPr>
+        <p:style>
+          <a:lnRef idx="1">
+            <a:schemeClr val="accent1"/>
+          </a:lnRef>
+          <a:fillRef idx="0">
+            <a:schemeClr val="accent1"/>
+          </a:fillRef>
+          <a:effectRef idx="0">
+            <a:schemeClr val="accent1"/>
+          </a:effectRef>
+          <a:fontRef idx="minor">
+            <a:schemeClr val="tx1"/>
+          </a:fontRef>
+        </p:style>
+      </p:cxnSp>
+      <p:sp>
+        <p:nvSpPr>
+          <p:cNvPr id="2" name="标题 1"/>
+          <p:cNvSpPr>
+            <a:spLocks noGrp="1"/>
+          </p:cNvSpPr>
+          <p:nvPr>
+            <p:ph type="ctrTitle" hasCustomPrompt="1"/>
+          </p:nvPr>
+        </p:nvSpPr>
+        <p:spPr>
+          <a:xfrm>
+            <a:off x="1701209" y="2683891"/>
+            <a:ext cx="5741582" cy="1089529"/>
+          </a:xfrm>
+        </p:spPr>
+        <p:txBody>
+          <a:bodyPr wrap="square" anchor="b">
+            <a:normAutofit/>
+          </a:bodyPr>
+          <a:lstStyle>
+            <a:lvl1pPr algn="ctr">
+              <a:defRPr sz="5400"/>
+            </a:lvl1pPr>
+          </a:lstStyle>
+          <a:p>
+            <a:r>
+              <a:rPr lang="zh-CN" altLang="en-US" dirty="0"/>
+              <a:t>单击此处编辑标题</a:t>
+            </a:r>
+          </a:p>
+        </p:txBody>
+      </p:sp>
+      <p:sp>
+        <p:nvSpPr>
+          <p:cNvPr id="3" name="副标题 2"/>
+          <p:cNvSpPr>
+            <a:spLocks noGrp="1"/>
+          </p:cNvSpPr>
+          <p:nvPr>
+            <p:ph type="subTitle" idx="1"/>
+          </p:nvPr>
+        </p:nvSpPr>
+        <p:spPr>
+          <a:xfrm>
+            <a:off x="1701209" y="3814695"/>
+            <a:ext cx="5741582" cy="424732"/>
+          </a:xfrm>
+        </p:spPr>
+        <p:txBody>
+          <a:bodyPr wrap="square">
+            <a:normAutofit/>
+          </a:bodyPr>
+          <a:lstStyle>
+            <a:lvl1pPr marL="0" indent="0" algn="dist">
+              <a:buNone/>
+              <a:defRPr sz="1800"/>
+            </a:lvl1pPr>
+            <a:lvl2pPr marL="342900" indent="0" algn="ctr">
+              <a:buNone/>
+              <a:defRPr sz="1500"/>
+            </a:lvl2pPr>
+            <a:lvl3pPr marL="685800" indent="0" algn="ctr">
+              <a:buNone/>
+              <a:defRPr sz="1350"/>
+            </a:lvl3pPr>
+            <a:lvl4pPr marL="1028700" indent="0" algn="ctr">
+              <a:buNone/>
+              <a:defRPr sz="1200"/>
+            </a:lvl4pPr>
+            <a:lvl5pPr marL="1371600" indent="0" algn="ctr">
+              <a:buNone/>
+              <a:defRPr sz="1200"/>
+            </a:lvl5pPr>
+            <a:lvl6pPr marL="1714500" indent="0" algn="ctr">
+              <a:buNone/>
+              <a:defRPr sz="1200"/>
+            </a:lvl6pPr>
+            <a:lvl7pPr marL="2057400" indent="0" algn="ctr">
+              <a:buNone/>
+              <a:defRPr sz="1200"/>
+            </a:lvl7pPr>
+            <a:lvl8pPr marL="2400300" indent="0" algn="ctr">
+              <a:buNone/>
+              <a:defRPr sz="1200"/>
+            </a:lvl8pPr>
+            <a:lvl9pPr marL="2743200" indent="0" algn="ctr">
+              <a:buNone/>
+              <a:defRPr sz="1200"/>
+            </a:lvl9pPr>
+          </a:lstStyle>
+          <a:p>
+            <a:r>
+              <a:rPr lang="zh-CN" altLang="en-US" dirty="0"/>
+              <a:t>单击此处编辑母版副标题样式</a:t>
+            </a:r>
+          </a:p>
+        </p:txBody>
+      </p:sp>
+      <p:sp>
+        <p:nvSpPr>
+          <p:cNvPr id="4" name="日期占位符 3"/>
+          <p:cNvSpPr>
+            <a:spLocks noGrp="1"/>
+          </p:cNvSpPr>
+          <p:nvPr>
+            <p:ph type="dt" sz="half" idx="10"/>
+          </p:nvPr>
+        </p:nvSpPr>
+        <p:spPr/>
+        <p:txBody>
+          <a:bodyPr>
+            <a:normAutofit/>
+          </a:bodyPr>
+          <a:lstStyle>
+            <a:lvl1pPr>
+              <a:defRPr sz="1200"/>
+            </a:lvl1pPr>
+          </a:lstStyle>
+          <a:p>
+            <a:fld id="{760FBDFE-C587-4B4C-A407-44438C67B59E}" type="datetimeFigureOut">
+              <a:rPr lang="zh-CN" altLang="en-US" smtClean="0"/>
+              <a:t>2018/7/29</a:t>
+            </a:fld>
+            <a:endParaRPr lang="zh-CN" altLang="en-US"/>
+          </a:p>
+        </p:txBody>
+      </p:sp>
+      <p:sp>
+        <p:nvSpPr>
+          <p:cNvPr id="5" name="页脚占位符 4"/>
+          <p:cNvSpPr>
+            <a:spLocks noGrp="1"/>
+          </p:cNvSpPr>
+          <p:nvPr>
+            <p:ph type="ftr" sz="quarter" idx="11"/>
+          </p:nvPr>
+        </p:nvSpPr>
+        <p:spPr/>
+        <p:txBody>
+          <a:bodyPr>
+            <a:normAutofit/>
+          </a:bodyPr>
+          <a:lstStyle>
+            <a:lvl1pPr>
+              <a:defRPr sz="1200"/>
+            </a:lvl1pPr>
+          </a:lstStyle>
+          <a:p>
+            <a:endParaRPr lang="zh-CN" altLang="en-US"/>
+          </a:p>
+        </p:txBody>
+      </p:sp>
+      <p:sp>
+        <p:nvSpPr>
+          <p:cNvPr id="6" name="灯片编号占位符 5"/>
+          <p:cNvSpPr>
+            <a:spLocks noGrp="1"/>
+          </p:cNvSpPr>
+          <p:nvPr>
+            <p:ph type="sldNum" sz="quarter" idx="12"/>
+          </p:nvPr>
+        </p:nvSpPr>
+        <p:spPr/>
+        <p:txBody>
+          <a:bodyPr>
+            <a:normAutofit/>
+          </a:bodyPr>
+          <a:lstStyle>
+            <a:lvl1pPr>
+              <a:defRPr sz="1200"/>
+            </a:lvl1pPr>
+          </a:lstStyle>
+          <a:p>
+            <a:fld id="{49AE70B2-8BF9-45C0-BB95-33D1B9D3A854}" type="slidenum">
+              <a:rPr lang="zh-CN" altLang="en-US" smtClean="0"/>
+              <a:t>‹#›</a:t>
+            </a:fld>
+            <a:endParaRPr lang="zh-CN" altLang="en-US"/>
+          </a:p>
+        </p:txBody>
+      </p:sp>
+    </p:spTree>
+  </p:cSld>
+  <p:clrMapOvr>
+    <a:masterClrMapping/>
+  </p:clrMapOvr>
+</p:sldLayout>
+</file>
+
+<file path=ppt/slideLayouts/slideLayout13.xml><?xml version="1.0" encoding="utf-8"?>
 <p:sldLayout xmlns:a="http://schemas.openxmlformats.org/drawingml/2006/main" xmlns:r="http://schemas.openxmlformats.org/officeDocument/2006/relationships" xmlns:p="http://schemas.openxmlformats.org/presentationml/2006/main" type="obj" preserve="1">
   <p:cSld name="标题和内容">
     <p:spTree>
@@ -1948,10 +3359,9 @@
           <a:lstStyle/>
           <a:p>
             <a:r>
-              <a:rPr lang="zh-CN" altLang="en-US" noProof="1"/>
+              <a:rPr lang="zh-CN" altLang="en-US" dirty="0"/>
               <a:t>单击此处编辑母版标题样式</a:t>
             </a:r>
-            <a:endParaRPr lang="zh-CN" altLang="en-US" noProof="1"/>
           </a:p>
         </p:txBody>
       </p:sp>
@@ -1990,42 +3400,37 @@
           <a:p>
             <a:pPr lvl="0"/>
             <a:r>
-              <a:rPr lang="zh-CN" altLang="en-US" noProof="1"/>
+              <a:rPr lang="zh-CN" altLang="en-US" dirty="0"/>
               <a:t>单击此处编辑母版文本样式</a:t>
             </a:r>
-            <a:endParaRPr lang="zh-CN" altLang="en-US" noProof="1"/>
           </a:p>
           <a:p>
             <a:pPr lvl="1"/>
             <a:r>
-              <a:rPr lang="zh-CN" altLang="en-US" noProof="1"/>
+              <a:rPr lang="zh-CN" altLang="en-US" dirty="0"/>
               <a:t>第二级</a:t>
             </a:r>
-            <a:endParaRPr lang="zh-CN" altLang="en-US" noProof="1"/>
           </a:p>
           <a:p>
             <a:pPr lvl="2"/>
             <a:r>
-              <a:rPr lang="zh-CN" altLang="en-US" noProof="1"/>
+              <a:rPr lang="zh-CN" altLang="en-US" dirty="0"/>
               <a:t>第三级</a:t>
             </a:r>
-            <a:endParaRPr lang="zh-CN" altLang="en-US" noProof="1"/>
           </a:p>
           <a:p>
             <a:pPr lvl="3"/>
             <a:r>
-              <a:rPr lang="zh-CN" altLang="en-US" noProof="1"/>
+              <a:rPr lang="zh-CN" altLang="en-US" dirty="0"/>
               <a:t>第四级</a:t>
             </a:r>
-            <a:endParaRPr lang="zh-CN" altLang="en-US" noProof="1"/>
           </a:p>
           <a:p>
             <a:pPr lvl="4"/>
             <a:r>
-              <a:rPr lang="zh-CN" altLang="en-US" noProof="1"/>
+              <a:rPr lang="zh-CN" altLang="en-US" dirty="0"/>
               <a:t>第五级</a:t>
             </a:r>
-            <a:endParaRPr lang="zh-CN" altLang="en-US" noProof="1"/>
           </a:p>
         </p:txBody>
       </p:sp>
@@ -2041,64 +3446,72 @@
         </p:nvSpPr>
         <p:spPr/>
         <p:txBody>
-          <a:bodyPr/>
-          <a:lstStyle>
-            <a:lvl1pPr>
-              <a:defRPr sz="1200" smtClean="0"/>
-            </a:lvl1pPr>
-          </a:lstStyle>
-          <a:p>
-            <a:fld id="{760FBDFE-C587-4B4C-A407-44438C67B59E}" type="datetimeFigureOut">
-              <a:rPr lang="zh-CN" altLang="en-US"/>
-            </a:fld>
-            <a:endParaRPr lang="zh-CN" altLang="en-US"/>
-          </a:p>
-        </p:txBody>
-      </p:sp>
-      <p:sp>
-        <p:nvSpPr>
-          <p:cNvPr id="5" name="页脚占位符 4"/>
-          <p:cNvSpPr>
-            <a:spLocks noGrp="1"/>
-          </p:cNvSpPr>
-          <p:nvPr>
-            <p:ph type="ftr" sz="quarter" idx="11"/>
-          </p:nvPr>
-        </p:nvSpPr>
-        <p:spPr/>
-        <p:txBody>
-          <a:bodyPr/>
+          <a:bodyPr>
+            <a:normAutofit/>
+          </a:bodyPr>
           <a:lstStyle>
             <a:lvl1pPr>
               <a:defRPr sz="1200"/>
             </a:lvl1pPr>
           </a:lstStyle>
           <a:p>
+            <a:fld id="{760FBDFE-C587-4B4C-A407-44438C67B59E}" type="datetimeFigureOut">
+              <a:rPr lang="zh-CN" altLang="en-US" smtClean="0"/>
+              <a:t>2018/7/29</a:t>
+            </a:fld>
             <a:endParaRPr lang="zh-CN" altLang="en-US"/>
           </a:p>
         </p:txBody>
       </p:sp>
       <p:sp>
         <p:nvSpPr>
-          <p:cNvPr id="6" name="灯片编号占位符 5"/>
-          <p:cNvSpPr>
-            <a:spLocks noGrp="1"/>
-          </p:cNvSpPr>
-          <p:nvPr>
-            <p:ph type="sldNum" sz="quarter" idx="12"/>
+          <p:cNvPr id="5" name="页脚占位符 4"/>
+          <p:cNvSpPr>
+            <a:spLocks noGrp="1"/>
+          </p:cNvSpPr>
+          <p:nvPr>
+            <p:ph type="ftr" sz="quarter" idx="11"/>
           </p:nvPr>
         </p:nvSpPr>
         <p:spPr/>
         <p:txBody>
-          <a:bodyPr/>
+          <a:bodyPr>
+            <a:normAutofit/>
+          </a:bodyPr>
           <a:lstStyle>
             <a:lvl1pPr>
-              <a:defRPr sz="1200" smtClean="0"/>
+              <a:defRPr sz="1200"/>
             </a:lvl1pPr>
           </a:lstStyle>
           <a:p>
-            <a:fld id="{EF3E80A9-C089-480E-9D1E-3B913964BA25}" type="slidenum">
-              <a:rPr lang="zh-CN" altLang="en-US"/>
+            <a:endParaRPr lang="zh-CN" altLang="en-US"/>
+          </a:p>
+        </p:txBody>
+      </p:sp>
+      <p:sp>
+        <p:nvSpPr>
+          <p:cNvPr id="6" name="灯片编号占位符 5"/>
+          <p:cNvSpPr>
+            <a:spLocks noGrp="1"/>
+          </p:cNvSpPr>
+          <p:nvPr>
+            <p:ph type="sldNum" sz="quarter" idx="12"/>
+          </p:nvPr>
+        </p:nvSpPr>
+        <p:spPr/>
+        <p:txBody>
+          <a:bodyPr>
+            <a:normAutofit/>
+          </a:bodyPr>
+          <a:lstStyle>
+            <a:lvl1pPr>
+              <a:defRPr sz="1200"/>
+            </a:lvl1pPr>
+          </a:lstStyle>
+          <a:p>
+            <a:fld id="{49AE70B2-8BF9-45C0-BB95-33D1B9D3A854}" type="slidenum">
+              <a:rPr lang="zh-CN" altLang="en-US" smtClean="0"/>
+              <a:t>‹#›</a:t>
             </a:fld>
             <a:endParaRPr lang="zh-CN" altLang="en-US"/>
           </a:p>
@@ -2112,7 +3525,7 @@
 </p:sldLayout>
 </file>
 
-<file path=ppt/slideLayouts/slideLayout3.xml><?xml version="1.0" encoding="utf-8"?>
+<file path=ppt/slideLayouts/slideLayout14.xml><?xml version="1.0" encoding="utf-8"?>
 <p:sldLayout xmlns:a="http://schemas.openxmlformats.org/drawingml/2006/main" xmlns:r="http://schemas.openxmlformats.org/officeDocument/2006/relationships" xmlns:p="http://schemas.openxmlformats.org/presentationml/2006/main" preserve="1" userDrawn="1">
   <p:cSld name="节标题">
     <p:spTree>
@@ -2146,7 +3559,7 @@
           </a:xfrm>
         </p:spPr>
         <p:txBody>
-          <a:bodyPr anchor="t">
+          <a:bodyPr anchor="t" anchorCtr="0">
             <a:normAutofit/>
           </a:bodyPr>
           <a:lstStyle>
@@ -2156,10 +3569,92 @@
           </a:lstStyle>
           <a:p>
             <a:r>
-              <a:rPr lang="zh-CN" altLang="en-US" noProof="1"/>
+              <a:rPr lang="zh-CN" altLang="en-US" dirty="0"/>
               <a:t>单击此处编辑标题</a:t>
             </a:r>
-            <a:endParaRPr lang="zh-CN" altLang="en-US" noProof="1"/>
+          </a:p>
+        </p:txBody>
+      </p:sp>
+      <p:sp>
+        <p:nvSpPr>
+          <p:cNvPr id="4" name="日期占位符 3"/>
+          <p:cNvSpPr>
+            <a:spLocks noGrp="1"/>
+          </p:cNvSpPr>
+          <p:nvPr>
+            <p:ph type="dt" sz="half" idx="10"/>
+          </p:nvPr>
+        </p:nvSpPr>
+        <p:spPr/>
+        <p:txBody>
+          <a:bodyPr>
+            <a:normAutofit/>
+          </a:bodyPr>
+          <a:lstStyle>
+            <a:lvl1pPr>
+              <a:defRPr sz="1200"/>
+            </a:lvl1pPr>
+          </a:lstStyle>
+          <a:p>
+            <a:fld id="{760FBDFE-C587-4B4C-A407-44438C67B59E}" type="datetimeFigureOut">
+              <a:rPr lang="zh-CN" altLang="en-US" smtClean="0"/>
+              <a:t>2018/7/29</a:t>
+            </a:fld>
+            <a:endParaRPr lang="zh-CN" altLang="en-US"/>
+          </a:p>
+        </p:txBody>
+      </p:sp>
+      <p:sp>
+        <p:nvSpPr>
+          <p:cNvPr id="5" name="页脚占位符 4"/>
+          <p:cNvSpPr>
+            <a:spLocks noGrp="1"/>
+          </p:cNvSpPr>
+          <p:nvPr>
+            <p:ph type="ftr" sz="quarter" idx="11"/>
+          </p:nvPr>
+        </p:nvSpPr>
+        <p:spPr/>
+        <p:txBody>
+          <a:bodyPr>
+            <a:normAutofit/>
+          </a:bodyPr>
+          <a:lstStyle>
+            <a:lvl1pPr>
+              <a:defRPr sz="1200"/>
+            </a:lvl1pPr>
+          </a:lstStyle>
+          <a:p>
+            <a:endParaRPr lang="zh-CN" altLang="en-US"/>
+          </a:p>
+        </p:txBody>
+      </p:sp>
+      <p:sp>
+        <p:nvSpPr>
+          <p:cNvPr id="6" name="灯片编号占位符 5"/>
+          <p:cNvSpPr>
+            <a:spLocks noGrp="1"/>
+          </p:cNvSpPr>
+          <p:nvPr>
+            <p:ph type="sldNum" sz="quarter" idx="12"/>
+          </p:nvPr>
+        </p:nvSpPr>
+        <p:spPr/>
+        <p:txBody>
+          <a:bodyPr>
+            <a:normAutofit/>
+          </a:bodyPr>
+          <a:lstStyle>
+            <a:lvl1pPr>
+              <a:defRPr sz="1200"/>
+            </a:lvl1pPr>
+          </a:lstStyle>
+          <a:p>
+            <a:fld id="{49AE70B2-8BF9-45C0-BB95-33D1B9D3A854}" type="slidenum">
+              <a:rPr lang="zh-CN" altLang="en-US" smtClean="0"/>
+              <a:t>‹#›</a:t>
+            </a:fld>
+            <a:endParaRPr lang="zh-CN" altLang="en-US"/>
           </a:p>
         </p:txBody>
       </p:sp>
@@ -2180,7 +3675,7 @@
           </a:xfrm>
         </p:spPr>
         <p:txBody>
-          <a:bodyPr anchor="b">
+          <a:bodyPr anchor="b" anchorCtr="0">
             <a:normAutofit/>
           </a:bodyPr>
           <a:lstStyle>
@@ -2192,85 +3687,9 @@
           <a:p>
             <a:pPr lvl="0"/>
             <a:r>
-              <a:rPr lang="zh-CN" altLang="en-US" noProof="1"/>
+              <a:rPr lang="zh-CN" altLang="en-US" dirty="0"/>
               <a:t>单击此处编辑文本</a:t>
             </a:r>
-            <a:endParaRPr lang="zh-CN" altLang="en-US" noProof="1"/>
-          </a:p>
-        </p:txBody>
-      </p:sp>
-      <p:sp>
-        <p:nvSpPr>
-          <p:cNvPr id="4" name="日期占位符 3"/>
-          <p:cNvSpPr>
-            <a:spLocks noGrp="1"/>
-          </p:cNvSpPr>
-          <p:nvPr>
-            <p:ph type="dt" sz="half" idx="14"/>
-          </p:nvPr>
-        </p:nvSpPr>
-        <p:spPr/>
-        <p:txBody>
-          <a:bodyPr/>
-          <a:lstStyle>
-            <a:lvl1pPr>
-              <a:defRPr sz="1200" smtClean="0"/>
-            </a:lvl1pPr>
-          </a:lstStyle>
-          <a:p>
-            <a:fld id="{760FBDFE-C587-4B4C-A407-44438C67B59E}" type="datetimeFigureOut">
-              <a:rPr lang="zh-CN" altLang="en-US"/>
-            </a:fld>
-            <a:endParaRPr lang="zh-CN" altLang="en-US"/>
-          </a:p>
-        </p:txBody>
-      </p:sp>
-      <p:sp>
-        <p:nvSpPr>
-          <p:cNvPr id="5" name="页脚占位符 4"/>
-          <p:cNvSpPr>
-            <a:spLocks noGrp="1"/>
-          </p:cNvSpPr>
-          <p:nvPr>
-            <p:ph type="ftr" sz="quarter" idx="15"/>
-          </p:nvPr>
-        </p:nvSpPr>
-        <p:spPr/>
-        <p:txBody>
-          <a:bodyPr/>
-          <a:lstStyle>
-            <a:lvl1pPr>
-              <a:defRPr sz="1200"/>
-            </a:lvl1pPr>
-          </a:lstStyle>
-          <a:p>
-            <a:endParaRPr lang="zh-CN" altLang="en-US"/>
-          </a:p>
-        </p:txBody>
-      </p:sp>
-      <p:sp>
-        <p:nvSpPr>
-          <p:cNvPr id="6" name="灯片编号占位符 5"/>
-          <p:cNvSpPr>
-            <a:spLocks noGrp="1"/>
-          </p:cNvSpPr>
-          <p:nvPr>
-            <p:ph type="sldNum" sz="quarter" idx="16"/>
-          </p:nvPr>
-        </p:nvSpPr>
-        <p:spPr/>
-        <p:txBody>
-          <a:bodyPr/>
-          <a:lstStyle>
-            <a:lvl1pPr>
-              <a:defRPr sz="1200" smtClean="0"/>
-            </a:lvl1pPr>
-          </a:lstStyle>
-          <a:p>
-            <a:fld id="{DCC8595C-B6D7-43EC-9577-AA0422BFAAE2}" type="slidenum">
-              <a:rPr lang="zh-CN" altLang="en-US"/>
-            </a:fld>
-            <a:endParaRPr lang="zh-CN" altLang="en-US"/>
           </a:p>
         </p:txBody>
       </p:sp>
@@ -2282,7 +3701,7 @@
 </p:sldLayout>
 </file>
 
-<file path=ppt/slideLayouts/slideLayout4.xml><?xml version="1.0" encoding="utf-8"?>
+<file path=ppt/slideLayouts/slideLayout15.xml><?xml version="1.0" encoding="utf-8"?>
 <p:sldLayout xmlns:a="http://schemas.openxmlformats.org/drawingml/2006/main" xmlns:r="http://schemas.openxmlformats.org/officeDocument/2006/relationships" xmlns:p="http://schemas.openxmlformats.org/presentationml/2006/main" type="twoObj" preserve="1">
   <p:cSld name="两栏内容">
     <p:spTree>
@@ -2317,10 +3736,9 @@
           <a:lstStyle/>
           <a:p>
             <a:r>
-              <a:rPr lang="zh-CN" altLang="en-US" noProof="1"/>
+              <a:rPr lang="zh-CN" altLang="en-US"/>
               <a:t>单击此处编辑母版标题样式</a:t>
             </a:r>
-            <a:endParaRPr lang="zh-CN" altLang="en-US" noProof="1"/>
           </a:p>
         </p:txBody>
       </p:sp>
@@ -2348,42 +3766,37 @@
           <a:p>
             <a:pPr lvl="0"/>
             <a:r>
-              <a:rPr lang="zh-CN" altLang="en-US" noProof="1"/>
+              <a:rPr lang="zh-CN" altLang="en-US" dirty="0"/>
               <a:t>单击此处编辑母版文本样式</a:t>
             </a:r>
-            <a:endParaRPr lang="zh-CN" altLang="en-US" noProof="1"/>
           </a:p>
           <a:p>
             <a:pPr lvl="1"/>
             <a:r>
-              <a:rPr lang="zh-CN" altLang="en-US" noProof="1"/>
+              <a:rPr lang="zh-CN" altLang="en-US" dirty="0"/>
               <a:t>第二级</a:t>
             </a:r>
-            <a:endParaRPr lang="zh-CN" altLang="en-US" noProof="1"/>
           </a:p>
           <a:p>
             <a:pPr lvl="2"/>
             <a:r>
-              <a:rPr lang="zh-CN" altLang="en-US" noProof="1"/>
+              <a:rPr lang="zh-CN" altLang="en-US" dirty="0"/>
               <a:t>第三级</a:t>
             </a:r>
-            <a:endParaRPr lang="zh-CN" altLang="en-US" noProof="1"/>
           </a:p>
           <a:p>
             <a:pPr lvl="3"/>
             <a:r>
-              <a:rPr lang="zh-CN" altLang="en-US" noProof="1"/>
+              <a:rPr lang="zh-CN" altLang="en-US" dirty="0"/>
               <a:t>第四级</a:t>
             </a:r>
-            <a:endParaRPr lang="zh-CN" altLang="en-US" noProof="1"/>
           </a:p>
           <a:p>
             <a:pPr lvl="4"/>
             <a:r>
-              <a:rPr lang="zh-CN" altLang="en-US" noProof="1"/>
+              <a:rPr lang="zh-CN" altLang="en-US" dirty="0"/>
               <a:t>第五级</a:t>
             </a:r>
-            <a:endParaRPr lang="zh-CN" altLang="en-US" noProof="1"/>
           </a:p>
         </p:txBody>
       </p:sp>
@@ -2411,42 +3824,37 @@
           <a:p>
             <a:pPr lvl="0"/>
             <a:r>
-              <a:rPr lang="zh-CN" altLang="en-US" noProof="1"/>
+              <a:rPr lang="zh-CN" altLang="en-US" dirty="0"/>
               <a:t>单击此处编辑母版文本样式</a:t>
             </a:r>
-            <a:endParaRPr lang="zh-CN" altLang="en-US" noProof="1"/>
           </a:p>
           <a:p>
             <a:pPr lvl="1"/>
             <a:r>
-              <a:rPr lang="zh-CN" altLang="en-US" noProof="1"/>
+              <a:rPr lang="zh-CN" altLang="en-US" dirty="0"/>
               <a:t>第二级</a:t>
             </a:r>
-            <a:endParaRPr lang="zh-CN" altLang="en-US" noProof="1"/>
           </a:p>
           <a:p>
             <a:pPr lvl="2"/>
             <a:r>
-              <a:rPr lang="zh-CN" altLang="en-US" noProof="1"/>
+              <a:rPr lang="zh-CN" altLang="en-US" dirty="0"/>
               <a:t>第三级</a:t>
             </a:r>
-            <a:endParaRPr lang="zh-CN" altLang="en-US" noProof="1"/>
           </a:p>
           <a:p>
             <a:pPr lvl="3"/>
             <a:r>
-              <a:rPr lang="zh-CN" altLang="en-US" noProof="1"/>
+              <a:rPr lang="zh-CN" altLang="en-US" dirty="0"/>
               <a:t>第四级</a:t>
             </a:r>
-            <a:endParaRPr lang="zh-CN" altLang="en-US" noProof="1"/>
           </a:p>
           <a:p>
             <a:pPr lvl="4"/>
             <a:r>
-              <a:rPr lang="zh-CN" altLang="en-US" noProof="1"/>
+              <a:rPr lang="zh-CN" altLang="en-US" dirty="0"/>
               <a:t>第五级</a:t>
             </a:r>
-            <a:endParaRPr lang="zh-CN" altLang="en-US" noProof="1"/>
           </a:p>
         </p:txBody>
       </p:sp>
@@ -2462,64 +3870,72 @@
         </p:nvSpPr>
         <p:spPr/>
         <p:txBody>
-          <a:bodyPr/>
-          <a:lstStyle>
-            <a:lvl1pPr>
-              <a:defRPr sz="1200" smtClean="0"/>
-            </a:lvl1pPr>
-          </a:lstStyle>
-          <a:p>
-            <a:fld id="{760FBDFE-C587-4B4C-A407-44438C67B59E}" type="datetimeFigureOut">
-              <a:rPr lang="zh-CN" altLang="en-US"/>
-            </a:fld>
-            <a:endParaRPr lang="zh-CN" altLang="en-US"/>
-          </a:p>
-        </p:txBody>
-      </p:sp>
-      <p:sp>
-        <p:nvSpPr>
-          <p:cNvPr id="6" name="页脚占位符 5"/>
-          <p:cNvSpPr>
-            <a:spLocks noGrp="1"/>
-          </p:cNvSpPr>
-          <p:nvPr>
-            <p:ph type="ftr" sz="quarter" idx="11"/>
-          </p:nvPr>
-        </p:nvSpPr>
-        <p:spPr/>
-        <p:txBody>
-          <a:bodyPr/>
+          <a:bodyPr>
+            <a:normAutofit/>
+          </a:bodyPr>
           <a:lstStyle>
             <a:lvl1pPr>
               <a:defRPr sz="1200"/>
             </a:lvl1pPr>
           </a:lstStyle>
           <a:p>
+            <a:fld id="{760FBDFE-C587-4B4C-A407-44438C67B59E}" type="datetimeFigureOut">
+              <a:rPr lang="zh-CN" altLang="en-US" smtClean="0"/>
+              <a:t>2018/7/29</a:t>
+            </a:fld>
             <a:endParaRPr lang="zh-CN" altLang="en-US"/>
           </a:p>
         </p:txBody>
       </p:sp>
       <p:sp>
         <p:nvSpPr>
-          <p:cNvPr id="7" name="灯片编号占位符 6"/>
-          <p:cNvSpPr>
-            <a:spLocks noGrp="1"/>
-          </p:cNvSpPr>
-          <p:nvPr>
-            <p:ph type="sldNum" sz="quarter" idx="12"/>
+          <p:cNvPr id="6" name="页脚占位符 5"/>
+          <p:cNvSpPr>
+            <a:spLocks noGrp="1"/>
+          </p:cNvSpPr>
+          <p:nvPr>
+            <p:ph type="ftr" sz="quarter" idx="11"/>
           </p:nvPr>
         </p:nvSpPr>
         <p:spPr/>
         <p:txBody>
-          <a:bodyPr/>
+          <a:bodyPr>
+            <a:normAutofit/>
+          </a:bodyPr>
           <a:lstStyle>
             <a:lvl1pPr>
-              <a:defRPr sz="1200" smtClean="0"/>
+              <a:defRPr sz="1200"/>
             </a:lvl1pPr>
           </a:lstStyle>
           <a:p>
-            <a:fld id="{A09486A2-9B4A-4F08-B491-129DAF4DDFA5}" type="slidenum">
-              <a:rPr lang="zh-CN" altLang="en-US"/>
+            <a:endParaRPr lang="zh-CN" altLang="en-US"/>
+          </a:p>
+        </p:txBody>
+      </p:sp>
+      <p:sp>
+        <p:nvSpPr>
+          <p:cNvPr id="7" name="灯片编号占位符 6"/>
+          <p:cNvSpPr>
+            <a:spLocks noGrp="1"/>
+          </p:cNvSpPr>
+          <p:nvPr>
+            <p:ph type="sldNum" sz="quarter" idx="12"/>
+          </p:nvPr>
+        </p:nvSpPr>
+        <p:spPr/>
+        <p:txBody>
+          <a:bodyPr>
+            <a:normAutofit/>
+          </a:bodyPr>
+          <a:lstStyle>
+            <a:lvl1pPr>
+              <a:defRPr sz="1200"/>
+            </a:lvl1pPr>
+          </a:lstStyle>
+          <a:p>
+            <a:fld id="{49AE70B2-8BF9-45C0-BB95-33D1B9D3A854}" type="slidenum">
+              <a:rPr lang="zh-CN" altLang="en-US" smtClean="0"/>
+              <a:t>‹#›</a:t>
             </a:fld>
             <a:endParaRPr lang="zh-CN" altLang="en-US"/>
           </a:p>
@@ -2533,7 +3949,7 @@
 </p:sldLayout>
 </file>
 
-<file path=ppt/slideLayouts/slideLayout5.xml><?xml version="1.0" encoding="utf-8"?>
+<file path=ppt/slideLayouts/slideLayout16.xml><?xml version="1.0" encoding="utf-8"?>
 <p:sldLayout xmlns:a="http://schemas.openxmlformats.org/drawingml/2006/main" xmlns:r="http://schemas.openxmlformats.org/officeDocument/2006/relationships" xmlns:p="http://schemas.openxmlformats.org/presentationml/2006/main" type="twoTxTwoObj" preserve="1">
   <p:cSld name="比较">
     <p:spTree>
@@ -2573,10 +3989,9 @@
           <a:lstStyle/>
           <a:p>
             <a:r>
-              <a:rPr lang="zh-CN" altLang="en-US" noProof="1"/>
+              <a:rPr lang="zh-CN" altLang="en-US"/>
               <a:t>单击此处编辑母版标题样式</a:t>
             </a:r>
-            <a:endParaRPr lang="zh-CN" altLang="en-US" noProof="1"/>
           </a:p>
         </p:txBody>
       </p:sp>
@@ -2641,10 +4056,9 @@
           <a:p>
             <a:pPr lvl="0"/>
             <a:r>
-              <a:rPr lang="zh-CN" altLang="en-US" noProof="1"/>
+              <a:rPr lang="zh-CN" altLang="en-US" dirty="0"/>
               <a:t>单击此处编辑母版文本样式</a:t>
             </a:r>
-            <a:endParaRPr lang="zh-CN" altLang="en-US" noProof="1"/>
           </a:p>
         </p:txBody>
       </p:sp>
@@ -2672,42 +4086,37 @@
           <a:p>
             <a:pPr lvl="0"/>
             <a:r>
-              <a:rPr lang="zh-CN" altLang="en-US" noProof="1"/>
+              <a:rPr lang="zh-CN" altLang="en-US" dirty="0"/>
               <a:t>单击此处编辑母版文本样式</a:t>
             </a:r>
-            <a:endParaRPr lang="zh-CN" altLang="en-US" noProof="1"/>
           </a:p>
           <a:p>
             <a:pPr lvl="1"/>
             <a:r>
-              <a:rPr lang="zh-CN" altLang="en-US" noProof="1"/>
+              <a:rPr lang="zh-CN" altLang="en-US" dirty="0"/>
               <a:t>第二级</a:t>
             </a:r>
-            <a:endParaRPr lang="zh-CN" altLang="en-US" noProof="1"/>
           </a:p>
           <a:p>
             <a:pPr lvl="2"/>
             <a:r>
-              <a:rPr lang="zh-CN" altLang="en-US" noProof="1"/>
+              <a:rPr lang="zh-CN" altLang="en-US" dirty="0"/>
               <a:t>第三级</a:t>
             </a:r>
-            <a:endParaRPr lang="zh-CN" altLang="en-US" noProof="1"/>
           </a:p>
           <a:p>
             <a:pPr lvl="3"/>
             <a:r>
-              <a:rPr lang="zh-CN" altLang="en-US" noProof="1"/>
+              <a:rPr lang="zh-CN" altLang="en-US" dirty="0"/>
               <a:t>第四级</a:t>
             </a:r>
-            <a:endParaRPr lang="zh-CN" altLang="en-US" noProof="1"/>
           </a:p>
           <a:p>
             <a:pPr lvl="4"/>
             <a:r>
-              <a:rPr lang="zh-CN" altLang="en-US" noProof="1"/>
+              <a:rPr lang="zh-CN" altLang="en-US" dirty="0"/>
               <a:t>第五级</a:t>
             </a:r>
-            <a:endParaRPr lang="zh-CN" altLang="en-US" noProof="1"/>
           </a:p>
         </p:txBody>
       </p:sp>
@@ -2772,10 +4181,9 @@
           <a:p>
             <a:pPr lvl="0"/>
             <a:r>
-              <a:rPr lang="zh-CN" altLang="en-US" noProof="1"/>
+              <a:rPr lang="zh-CN" altLang="en-US" dirty="0"/>
               <a:t>单击此处编辑母版文本样式</a:t>
             </a:r>
-            <a:endParaRPr lang="zh-CN" altLang="en-US" noProof="1"/>
           </a:p>
         </p:txBody>
       </p:sp>
@@ -2803,42 +4211,37 @@
           <a:p>
             <a:pPr lvl="0"/>
             <a:r>
-              <a:rPr lang="zh-CN" altLang="en-US" noProof="1"/>
+              <a:rPr lang="zh-CN" altLang="en-US" dirty="0"/>
               <a:t>单击此处编辑母版文本样式</a:t>
             </a:r>
-            <a:endParaRPr lang="zh-CN" altLang="en-US" noProof="1"/>
           </a:p>
           <a:p>
             <a:pPr lvl="1"/>
             <a:r>
-              <a:rPr lang="zh-CN" altLang="en-US" noProof="1"/>
+              <a:rPr lang="zh-CN" altLang="en-US" dirty="0"/>
               <a:t>第二级</a:t>
             </a:r>
-            <a:endParaRPr lang="zh-CN" altLang="en-US" noProof="1"/>
           </a:p>
           <a:p>
             <a:pPr lvl="2"/>
             <a:r>
-              <a:rPr lang="zh-CN" altLang="en-US" noProof="1"/>
+              <a:rPr lang="zh-CN" altLang="en-US" dirty="0"/>
               <a:t>第三级</a:t>
             </a:r>
-            <a:endParaRPr lang="zh-CN" altLang="en-US" noProof="1"/>
           </a:p>
           <a:p>
             <a:pPr lvl="3"/>
             <a:r>
-              <a:rPr lang="zh-CN" altLang="en-US" noProof="1"/>
+              <a:rPr lang="zh-CN" altLang="en-US" dirty="0"/>
               <a:t>第四级</a:t>
             </a:r>
-            <a:endParaRPr lang="zh-CN" altLang="en-US" noProof="1"/>
           </a:p>
           <a:p>
             <a:pPr lvl="4"/>
             <a:r>
-              <a:rPr lang="zh-CN" altLang="en-US" noProof="1"/>
+              <a:rPr lang="zh-CN" altLang="en-US" dirty="0"/>
               <a:t>第五级</a:t>
             </a:r>
-            <a:endParaRPr lang="zh-CN" altLang="en-US" noProof="1"/>
           </a:p>
         </p:txBody>
       </p:sp>
@@ -2854,64 +4257,72 @@
         </p:nvSpPr>
         <p:spPr/>
         <p:txBody>
-          <a:bodyPr/>
-          <a:lstStyle>
-            <a:lvl1pPr>
-              <a:defRPr sz="1200" smtClean="0"/>
-            </a:lvl1pPr>
-          </a:lstStyle>
-          <a:p>
-            <a:fld id="{760FBDFE-C587-4B4C-A407-44438C67B59E}" type="datetimeFigureOut">
-              <a:rPr lang="zh-CN" altLang="en-US"/>
-            </a:fld>
-            <a:endParaRPr lang="zh-CN" altLang="en-US"/>
-          </a:p>
-        </p:txBody>
-      </p:sp>
-      <p:sp>
-        <p:nvSpPr>
-          <p:cNvPr id="8" name="页脚占位符 7"/>
-          <p:cNvSpPr>
-            <a:spLocks noGrp="1"/>
-          </p:cNvSpPr>
-          <p:nvPr>
-            <p:ph type="ftr" sz="quarter" idx="11"/>
-          </p:nvPr>
-        </p:nvSpPr>
-        <p:spPr/>
-        <p:txBody>
-          <a:bodyPr/>
+          <a:bodyPr>
+            <a:normAutofit/>
+          </a:bodyPr>
           <a:lstStyle>
             <a:lvl1pPr>
               <a:defRPr sz="1200"/>
             </a:lvl1pPr>
           </a:lstStyle>
           <a:p>
+            <a:fld id="{760FBDFE-C587-4B4C-A407-44438C67B59E}" type="datetimeFigureOut">
+              <a:rPr lang="zh-CN" altLang="en-US" smtClean="0"/>
+              <a:t>2018/7/29</a:t>
+            </a:fld>
             <a:endParaRPr lang="zh-CN" altLang="en-US"/>
           </a:p>
         </p:txBody>
       </p:sp>
       <p:sp>
         <p:nvSpPr>
-          <p:cNvPr id="9" name="灯片编号占位符 8"/>
-          <p:cNvSpPr>
-            <a:spLocks noGrp="1"/>
-          </p:cNvSpPr>
-          <p:nvPr>
-            <p:ph type="sldNum" sz="quarter" idx="12"/>
+          <p:cNvPr id="8" name="页脚占位符 7"/>
+          <p:cNvSpPr>
+            <a:spLocks noGrp="1"/>
+          </p:cNvSpPr>
+          <p:nvPr>
+            <p:ph type="ftr" sz="quarter" idx="11"/>
           </p:nvPr>
         </p:nvSpPr>
         <p:spPr/>
         <p:txBody>
-          <a:bodyPr/>
+          <a:bodyPr>
+            <a:normAutofit/>
+          </a:bodyPr>
           <a:lstStyle>
             <a:lvl1pPr>
-              <a:defRPr sz="1200" smtClean="0"/>
+              <a:defRPr sz="1200"/>
             </a:lvl1pPr>
           </a:lstStyle>
           <a:p>
-            <a:fld id="{C61880FD-51CA-4182-8801-831F4C9C2CEC}" type="slidenum">
-              <a:rPr lang="zh-CN" altLang="en-US"/>
+            <a:endParaRPr lang="zh-CN" altLang="en-US"/>
+          </a:p>
+        </p:txBody>
+      </p:sp>
+      <p:sp>
+        <p:nvSpPr>
+          <p:cNvPr id="9" name="灯片编号占位符 8"/>
+          <p:cNvSpPr>
+            <a:spLocks noGrp="1"/>
+          </p:cNvSpPr>
+          <p:nvPr>
+            <p:ph type="sldNum" sz="quarter" idx="12"/>
+          </p:nvPr>
+        </p:nvSpPr>
+        <p:spPr/>
+        <p:txBody>
+          <a:bodyPr>
+            <a:normAutofit/>
+          </a:bodyPr>
+          <a:lstStyle>
+            <a:lvl1pPr>
+              <a:defRPr sz="1200"/>
+            </a:lvl1pPr>
+          </a:lstStyle>
+          <a:p>
+            <a:fld id="{49AE70B2-8BF9-45C0-BB95-33D1B9D3A854}" type="slidenum">
+              <a:rPr lang="zh-CN" altLang="en-US" smtClean="0"/>
+              <a:t>‹#›</a:t>
             </a:fld>
             <a:endParaRPr lang="zh-CN" altLang="en-US"/>
           </a:p>
@@ -2925,7 +4336,7 @@
 </p:sldLayout>
 </file>
 
-<file path=ppt/slideLayouts/slideLayout6.xml><?xml version="1.0" encoding="utf-8"?>
+<file path=ppt/slideLayouts/slideLayout17.xml><?xml version="1.0" encoding="utf-8"?>
 <p:sldLayout xmlns:a="http://schemas.openxmlformats.org/drawingml/2006/main" xmlns:r="http://schemas.openxmlformats.org/officeDocument/2006/relationships" xmlns:p="http://schemas.openxmlformats.org/presentationml/2006/main" preserve="1" userDrawn="1">
   <p:cSld name="仅标题">
     <p:spTree>
@@ -2944,86 +4355,18 @@
       </p:grpSpPr>
       <p:cxnSp>
         <p:nvCxnSpPr>
-          <p:cNvPr id="4" name="直接连接符 3"/>
+          <p:cNvPr id="6" name="直接连接符 5"/>
           <p:cNvCxnSpPr/>
           <p:nvPr>
             <p:custDataLst>
-              <p:tags r:id="rId2"/>
+              <p:tags r:id="rId1"/>
             </p:custDataLst>
           </p:nvPr>
         </p:nvCxnSpPr>
         <p:spPr>
           <a:xfrm flipH="1">
-            <a:off x="1871663" y="3048000"/>
-            <a:ext cx="581025" cy="0"/>
-          </a:xfrm>
-          <a:prstGeom prst="line">
-            <a:avLst/>
-          </a:prstGeom>
-        </p:spPr>
-        <p:style>
-          <a:lnRef idx="1">
-            <a:schemeClr val="accent1"/>
-          </a:lnRef>
-          <a:fillRef idx="0">
-            <a:schemeClr val="accent1"/>
-          </a:fillRef>
-          <a:effectRef idx="0">
-            <a:schemeClr val="accent1"/>
-          </a:effectRef>
-          <a:fontRef idx="minor">
-            <a:schemeClr val="tx1"/>
-          </a:fontRef>
-        </p:style>
-      </p:cxnSp>
-      <p:cxnSp>
-        <p:nvCxnSpPr>
-          <p:cNvPr id="5" name="直接连接符 6"/>
-          <p:cNvCxnSpPr/>
-          <p:nvPr>
-            <p:custDataLst>
-              <p:tags r:id="rId3"/>
-            </p:custDataLst>
-          </p:nvPr>
-        </p:nvCxnSpPr>
-        <p:spPr>
-          <a:xfrm>
-            <a:off x="1871663" y="3048000"/>
-            <a:ext cx="0" cy="1217613"/>
-          </a:xfrm>
-          <a:prstGeom prst="line">
-            <a:avLst/>
-          </a:prstGeom>
-        </p:spPr>
-        <p:style>
-          <a:lnRef idx="1">
-            <a:schemeClr val="accent1"/>
-          </a:lnRef>
-          <a:fillRef idx="0">
-            <a:schemeClr val="accent1"/>
-          </a:fillRef>
-          <a:effectRef idx="0">
-            <a:schemeClr val="accent1"/>
-          </a:effectRef>
-          <a:fontRef idx="minor">
-            <a:schemeClr val="tx1"/>
-          </a:fontRef>
-        </p:style>
-      </p:cxnSp>
-      <p:cxnSp>
-        <p:nvCxnSpPr>
-          <p:cNvPr id="6" name="直接连接符 5"/>
-          <p:cNvCxnSpPr/>
-          <p:nvPr>
-            <p:custDataLst>
-              <p:tags r:id="rId4"/>
-            </p:custDataLst>
-          </p:nvPr>
-        </p:nvCxnSpPr>
-        <p:spPr>
-          <a:xfrm>
-            <a:off x="1871663" y="4265613"/>
-            <a:ext cx="5359400" cy="0"/>
+            <a:off x="1871208" y="3048593"/>
+            <a:ext cx="581697" cy="0"/>
           </a:xfrm>
           <a:prstGeom prst="line">
             <a:avLst/>
@@ -3050,14 +4393,14 @@
           <p:cNvCxnSpPr/>
           <p:nvPr>
             <p:custDataLst>
-              <p:tags r:id="rId5"/>
+              <p:tags r:id="rId2"/>
             </p:custDataLst>
           </p:nvPr>
         </p:nvCxnSpPr>
         <p:spPr>
-          <a:xfrm flipH="1">
-            <a:off x="6608763" y="3048000"/>
-            <a:ext cx="622300" cy="0"/>
+          <a:xfrm>
+            <a:off x="1871208" y="3048593"/>
+            <a:ext cx="1" cy="1216935"/>
           </a:xfrm>
           <a:prstGeom prst="line">
             <a:avLst/>
@@ -3084,14 +4427,14 @@
           <p:cNvCxnSpPr/>
           <p:nvPr>
             <p:custDataLst>
-              <p:tags r:id="rId6"/>
+              <p:tags r:id="rId3"/>
             </p:custDataLst>
           </p:nvPr>
         </p:nvCxnSpPr>
         <p:spPr>
           <a:xfrm>
-            <a:off x="7231063" y="3048000"/>
-            <a:ext cx="0" cy="1217613"/>
+            <a:off x="1871208" y="4265528"/>
+            <a:ext cx="5359400" cy="0"/>
           </a:xfrm>
           <a:prstGeom prst="line">
             <a:avLst/>
@@ -3112,6 +4455,74 @@
           </a:fontRef>
         </p:style>
       </p:cxnSp>
+      <p:cxnSp>
+        <p:nvCxnSpPr>
+          <p:cNvPr id="9" name="直接连接符 8"/>
+          <p:cNvCxnSpPr/>
+          <p:nvPr>
+            <p:custDataLst>
+              <p:tags r:id="rId4"/>
+            </p:custDataLst>
+          </p:nvPr>
+        </p:nvCxnSpPr>
+        <p:spPr>
+          <a:xfrm flipH="1">
+            <a:off x="6608308" y="3048593"/>
+            <a:ext cx="622300" cy="0"/>
+          </a:xfrm>
+          <a:prstGeom prst="line">
+            <a:avLst/>
+          </a:prstGeom>
+        </p:spPr>
+        <p:style>
+          <a:lnRef idx="1">
+            <a:schemeClr val="accent1"/>
+          </a:lnRef>
+          <a:fillRef idx="0">
+            <a:schemeClr val="accent1"/>
+          </a:fillRef>
+          <a:effectRef idx="0">
+            <a:schemeClr val="accent1"/>
+          </a:effectRef>
+          <a:fontRef idx="minor">
+            <a:schemeClr val="tx1"/>
+          </a:fontRef>
+        </p:style>
+      </p:cxnSp>
+      <p:cxnSp>
+        <p:nvCxnSpPr>
+          <p:cNvPr id="10" name="直接连接符 9"/>
+          <p:cNvCxnSpPr/>
+          <p:nvPr>
+            <p:custDataLst>
+              <p:tags r:id="rId5"/>
+            </p:custDataLst>
+          </p:nvPr>
+        </p:nvCxnSpPr>
+        <p:spPr>
+          <a:xfrm>
+            <a:off x="7230608" y="3048593"/>
+            <a:ext cx="0" cy="1216935"/>
+          </a:xfrm>
+          <a:prstGeom prst="line">
+            <a:avLst/>
+          </a:prstGeom>
+        </p:spPr>
+        <p:style>
+          <a:lnRef idx="1">
+            <a:schemeClr val="accent1"/>
+          </a:lnRef>
+          <a:fillRef idx="0">
+            <a:schemeClr val="accent1"/>
+          </a:fillRef>
+          <a:effectRef idx="0">
+            <a:schemeClr val="accent1"/>
+          </a:effectRef>
+          <a:fontRef idx="minor">
+            <a:schemeClr val="tx1"/>
+          </a:fontRef>
+        </p:style>
+      </p:cxnSp>
       <p:sp>
         <p:nvSpPr>
           <p:cNvPr id="2" name="标题 1"/>
@@ -3129,7 +4540,7 @@
           </a:xfrm>
         </p:spPr>
         <p:txBody>
-          <a:bodyPr anchor="b">
+          <a:bodyPr anchor="b" anchorCtr="0">
             <a:normAutofit/>
           </a:bodyPr>
           <a:lstStyle>
@@ -3139,10 +4550,92 @@
           </a:lstStyle>
           <a:p>
             <a:r>
-              <a:rPr lang="zh-CN" altLang="en-US" noProof="1"/>
+              <a:rPr lang="zh-CN" altLang="en-US" dirty="0"/>
               <a:t>编辑标题</a:t>
             </a:r>
-            <a:endParaRPr lang="zh-CN" altLang="en-US" noProof="1"/>
+          </a:p>
+        </p:txBody>
+      </p:sp>
+      <p:sp>
+        <p:nvSpPr>
+          <p:cNvPr id="3" name="日期占位符 2"/>
+          <p:cNvSpPr>
+            <a:spLocks noGrp="1"/>
+          </p:cNvSpPr>
+          <p:nvPr>
+            <p:ph type="dt" sz="half" idx="10"/>
+          </p:nvPr>
+        </p:nvSpPr>
+        <p:spPr/>
+        <p:txBody>
+          <a:bodyPr>
+            <a:normAutofit/>
+          </a:bodyPr>
+          <a:lstStyle>
+            <a:lvl1pPr>
+              <a:defRPr sz="1200"/>
+            </a:lvl1pPr>
+          </a:lstStyle>
+          <a:p>
+            <a:fld id="{760FBDFE-C587-4B4C-A407-44438C67B59E}" type="datetimeFigureOut">
+              <a:rPr lang="zh-CN" altLang="en-US" smtClean="0"/>
+              <a:t>2018/7/29</a:t>
+            </a:fld>
+            <a:endParaRPr lang="zh-CN" altLang="en-US"/>
+          </a:p>
+        </p:txBody>
+      </p:sp>
+      <p:sp>
+        <p:nvSpPr>
+          <p:cNvPr id="4" name="页脚占位符 3"/>
+          <p:cNvSpPr>
+            <a:spLocks noGrp="1"/>
+          </p:cNvSpPr>
+          <p:nvPr>
+            <p:ph type="ftr" sz="quarter" idx="11"/>
+          </p:nvPr>
+        </p:nvSpPr>
+        <p:spPr/>
+        <p:txBody>
+          <a:bodyPr>
+            <a:normAutofit/>
+          </a:bodyPr>
+          <a:lstStyle>
+            <a:lvl1pPr>
+              <a:defRPr sz="1200"/>
+            </a:lvl1pPr>
+          </a:lstStyle>
+          <a:p>
+            <a:endParaRPr lang="zh-CN" altLang="en-US"/>
+          </a:p>
+        </p:txBody>
+      </p:sp>
+      <p:sp>
+        <p:nvSpPr>
+          <p:cNvPr id="5" name="灯片编号占位符 4"/>
+          <p:cNvSpPr>
+            <a:spLocks noGrp="1"/>
+          </p:cNvSpPr>
+          <p:nvPr>
+            <p:ph type="sldNum" sz="quarter" idx="12"/>
+          </p:nvPr>
+        </p:nvSpPr>
+        <p:spPr/>
+        <p:txBody>
+          <a:bodyPr>
+            <a:normAutofit/>
+          </a:bodyPr>
+          <a:lstStyle>
+            <a:lvl1pPr>
+              <a:defRPr sz="1200"/>
+            </a:lvl1pPr>
+          </a:lstStyle>
+          <a:p>
+            <a:fld id="{49AE70B2-8BF9-45C0-BB95-33D1B9D3A854}" type="slidenum">
+              <a:rPr lang="zh-CN" altLang="en-US" smtClean="0"/>
+              <a:t>‹#›</a:t>
+            </a:fld>
+            <a:endParaRPr lang="zh-CN" altLang="en-US"/>
           </a:p>
         </p:txBody>
       </p:sp>
@@ -3175,85 +4668,9 @@
           <a:p>
             <a:pPr lvl="0"/>
             <a:r>
-              <a:rPr lang="zh-CN" altLang="en-US" noProof="1"/>
+              <a:rPr lang="zh-CN" altLang="en-US" dirty="0"/>
               <a:t>单击此处编辑文本</a:t>
             </a:r>
-            <a:endParaRPr lang="zh-CN" altLang="en-US" noProof="1"/>
-          </a:p>
-        </p:txBody>
-      </p:sp>
-      <p:sp>
-        <p:nvSpPr>
-          <p:cNvPr id="9" name="日期占位符 2"/>
-          <p:cNvSpPr>
-            <a:spLocks noGrp="1"/>
-          </p:cNvSpPr>
-          <p:nvPr>
-            <p:ph type="dt" sz="half" idx="14"/>
-          </p:nvPr>
-        </p:nvSpPr>
-        <p:spPr/>
-        <p:txBody>
-          <a:bodyPr/>
-          <a:lstStyle>
-            <a:lvl1pPr>
-              <a:defRPr sz="1200" smtClean="0"/>
-            </a:lvl1pPr>
-          </a:lstStyle>
-          <a:p>
-            <a:fld id="{760FBDFE-C587-4B4C-A407-44438C67B59E}" type="datetimeFigureOut">
-              <a:rPr lang="zh-CN" altLang="en-US"/>
-            </a:fld>
-            <a:endParaRPr lang="zh-CN" altLang="en-US"/>
-          </a:p>
-        </p:txBody>
-      </p:sp>
-      <p:sp>
-        <p:nvSpPr>
-          <p:cNvPr id="10" name="页脚占位符 3"/>
-          <p:cNvSpPr>
-            <a:spLocks noGrp="1"/>
-          </p:cNvSpPr>
-          <p:nvPr>
-            <p:ph type="ftr" sz="quarter" idx="15"/>
-          </p:nvPr>
-        </p:nvSpPr>
-        <p:spPr/>
-        <p:txBody>
-          <a:bodyPr/>
-          <a:lstStyle>
-            <a:lvl1pPr>
-              <a:defRPr sz="1200"/>
-            </a:lvl1pPr>
-          </a:lstStyle>
-          <a:p>
-            <a:endParaRPr lang="zh-CN" altLang="en-US"/>
-          </a:p>
-        </p:txBody>
-      </p:sp>
-      <p:sp>
-        <p:nvSpPr>
-          <p:cNvPr id="11" name="灯片编号占位符 4"/>
-          <p:cNvSpPr>
-            <a:spLocks noGrp="1"/>
-          </p:cNvSpPr>
-          <p:nvPr>
-            <p:ph type="sldNum" sz="quarter" idx="16"/>
-          </p:nvPr>
-        </p:nvSpPr>
-        <p:spPr/>
-        <p:txBody>
-          <a:bodyPr/>
-          <a:lstStyle>
-            <a:lvl1pPr>
-              <a:defRPr sz="1200" smtClean="0"/>
-            </a:lvl1pPr>
-          </a:lstStyle>
-          <a:p>
-            <a:fld id="{6B29CE7E-9584-4E3D-A184-0EB8A5FF10A8}" type="slidenum">
-              <a:rPr lang="zh-CN" altLang="en-US"/>
-            </a:fld>
-            <a:endParaRPr lang="zh-CN" altLang="en-US"/>
           </a:p>
         </p:txBody>
       </p:sp>
@@ -3265,7 +4682,7 @@
 </p:sldLayout>
 </file>
 
-<file path=ppt/slideLayouts/slideLayout7.xml><?xml version="1.0" encoding="utf-8"?>
+<file path=ppt/slideLayouts/slideLayout18.xml><?xml version="1.0" encoding="utf-8"?>
 <p:sldLayout xmlns:a="http://schemas.openxmlformats.org/drawingml/2006/main" xmlns:r="http://schemas.openxmlformats.org/officeDocument/2006/relationships" xmlns:p="http://schemas.openxmlformats.org/presentationml/2006/main" type="blank" preserve="1">
   <p:cSld name="空白">
     <p:spTree>
@@ -3294,64 +4711,72 @@
         </p:nvSpPr>
         <p:spPr/>
         <p:txBody>
-          <a:bodyPr/>
-          <a:lstStyle>
-            <a:lvl1pPr>
-              <a:defRPr sz="1200" smtClean="0"/>
-            </a:lvl1pPr>
-          </a:lstStyle>
-          <a:p>
-            <a:fld id="{760FBDFE-C587-4B4C-A407-44438C67B59E}" type="datetimeFigureOut">
-              <a:rPr lang="zh-CN" altLang="en-US"/>
-            </a:fld>
-            <a:endParaRPr lang="zh-CN" altLang="en-US"/>
-          </a:p>
-        </p:txBody>
-      </p:sp>
-      <p:sp>
-        <p:nvSpPr>
-          <p:cNvPr id="3" name="页脚占位符 2"/>
-          <p:cNvSpPr>
-            <a:spLocks noGrp="1"/>
-          </p:cNvSpPr>
-          <p:nvPr>
-            <p:ph type="ftr" sz="quarter" idx="11"/>
-          </p:nvPr>
-        </p:nvSpPr>
-        <p:spPr/>
-        <p:txBody>
-          <a:bodyPr/>
+          <a:bodyPr>
+            <a:normAutofit/>
+          </a:bodyPr>
           <a:lstStyle>
             <a:lvl1pPr>
               <a:defRPr sz="1200"/>
             </a:lvl1pPr>
           </a:lstStyle>
           <a:p>
+            <a:fld id="{760FBDFE-C587-4B4C-A407-44438C67B59E}" type="datetimeFigureOut">
+              <a:rPr lang="zh-CN" altLang="en-US" smtClean="0"/>
+              <a:t>2018/7/29</a:t>
+            </a:fld>
             <a:endParaRPr lang="zh-CN" altLang="en-US"/>
           </a:p>
         </p:txBody>
       </p:sp>
       <p:sp>
         <p:nvSpPr>
-          <p:cNvPr id="4" name="灯片编号占位符 3"/>
-          <p:cNvSpPr>
-            <a:spLocks noGrp="1"/>
-          </p:cNvSpPr>
-          <p:nvPr>
-            <p:ph type="sldNum" sz="quarter" idx="12"/>
+          <p:cNvPr id="3" name="页脚占位符 2"/>
+          <p:cNvSpPr>
+            <a:spLocks noGrp="1"/>
+          </p:cNvSpPr>
+          <p:nvPr>
+            <p:ph type="ftr" sz="quarter" idx="11"/>
           </p:nvPr>
         </p:nvSpPr>
         <p:spPr/>
         <p:txBody>
-          <a:bodyPr/>
+          <a:bodyPr>
+            <a:normAutofit/>
+          </a:bodyPr>
           <a:lstStyle>
             <a:lvl1pPr>
-              <a:defRPr sz="1200" smtClean="0"/>
+              <a:defRPr sz="1200"/>
             </a:lvl1pPr>
           </a:lstStyle>
           <a:p>
-            <a:fld id="{61FD7337-7689-40E9-995D-FF92F58B836E}" type="slidenum">
-              <a:rPr lang="zh-CN" altLang="en-US"/>
+            <a:endParaRPr lang="zh-CN" altLang="en-US"/>
+          </a:p>
+        </p:txBody>
+      </p:sp>
+      <p:sp>
+        <p:nvSpPr>
+          <p:cNvPr id="4" name="灯片编号占位符 3"/>
+          <p:cNvSpPr>
+            <a:spLocks noGrp="1"/>
+          </p:cNvSpPr>
+          <p:nvPr>
+            <p:ph type="sldNum" sz="quarter" idx="12"/>
+          </p:nvPr>
+        </p:nvSpPr>
+        <p:spPr/>
+        <p:txBody>
+          <a:bodyPr>
+            <a:normAutofit/>
+          </a:bodyPr>
+          <a:lstStyle>
+            <a:lvl1pPr>
+              <a:defRPr sz="1200"/>
+            </a:lvl1pPr>
+          </a:lstStyle>
+          <a:p>
+            <a:fld id="{49AE70B2-8BF9-45C0-BB95-33D1B9D3A854}" type="slidenum">
+              <a:rPr lang="zh-CN" altLang="en-US" smtClean="0"/>
+              <a:t>‹#›</a:t>
             </a:fld>
             <a:endParaRPr lang="zh-CN" altLang="en-US"/>
           </a:p>
@@ -3365,7 +4790,7 @@
 </p:sldLayout>
 </file>
 
-<file path=ppt/slideLayouts/slideLayout8.xml><?xml version="1.0" encoding="utf-8"?>
+<file path=ppt/slideLayouts/slideLayout19.xml><?xml version="1.0" encoding="utf-8"?>
 <p:sldLayout xmlns:a="http://schemas.openxmlformats.org/drawingml/2006/main" xmlns:r="http://schemas.openxmlformats.org/officeDocument/2006/relationships" xmlns:p="http://schemas.openxmlformats.org/presentationml/2006/main" type="picTx" preserve="1">
   <p:cSld name="图片与标题">
     <p:spTree>
@@ -3399,7 +4824,7 @@
           </a:xfrm>
         </p:spPr>
         <p:txBody>
-          <a:bodyPr anchor="t">
+          <a:bodyPr anchor="t" anchorCtr="0">
             <a:normAutofit/>
           </a:bodyPr>
           <a:lstStyle>
@@ -3409,10 +4834,10 @@
           </a:lstStyle>
           <a:p>
             <a:r>
-              <a:rPr lang="zh-CN" altLang="en-US" noProof="1"/>
+              <a:rPr lang="zh-CN" altLang="en-US"/>
               <a:t>单击此处编辑标题</a:t>
             </a:r>
-            <a:endParaRPr lang="zh-CN" altLang="en-US" noProof="1"/>
+            <a:endParaRPr lang="zh-CN" altLang="en-US" dirty="0"/>
           </a:p>
         </p:txBody>
       </p:sp>
@@ -3474,10 +4899,10 @@
           </a:lstStyle>
           <a:p>
             <a:r>
-              <a:rPr lang="zh-CN" altLang="en-US" noProof="1"/>
+              <a:rPr lang="zh-CN" altLang="en-US"/>
               <a:t>图片</a:t>
             </a:r>
-            <a:endParaRPr lang="zh-CN" altLang="en-US" noProof="1"/>
+            <a:endParaRPr lang="zh-CN" altLang="en-US" dirty="0"/>
           </a:p>
         </p:txBody>
       </p:sp>
@@ -3542,16 +4967,216 @@
           <a:p>
             <a:pPr lvl="0"/>
             <a:r>
+              <a:rPr lang="zh-CN" altLang="en-US" dirty="0"/>
+              <a:t>单击此处编辑母版文本样式</a:t>
+            </a:r>
+          </a:p>
+        </p:txBody>
+      </p:sp>
+      <p:sp>
+        <p:nvSpPr>
+          <p:cNvPr id="5" name="日期占位符 4"/>
+          <p:cNvSpPr>
+            <a:spLocks noGrp="1"/>
+          </p:cNvSpPr>
+          <p:nvPr>
+            <p:ph type="dt" sz="half" idx="10"/>
+          </p:nvPr>
+        </p:nvSpPr>
+        <p:spPr/>
+        <p:txBody>
+          <a:bodyPr>
+            <a:normAutofit/>
+          </a:bodyPr>
+          <a:lstStyle>
+            <a:lvl1pPr>
+              <a:defRPr sz="1200"/>
+            </a:lvl1pPr>
+          </a:lstStyle>
+          <a:p>
+            <a:fld id="{9EFD9D74-47D9-4702-A33C-335B63B48DBF}" type="datetimeFigureOut">
+              <a:rPr lang="zh-CN" altLang="en-US" smtClean="0"/>
+              <a:t>2018/7/29</a:t>
+            </a:fld>
+            <a:endParaRPr lang="zh-CN" altLang="en-US" dirty="0"/>
+          </a:p>
+        </p:txBody>
+      </p:sp>
+      <p:sp>
+        <p:nvSpPr>
+          <p:cNvPr id="6" name="页脚占位符 5"/>
+          <p:cNvSpPr>
+            <a:spLocks noGrp="1"/>
+          </p:cNvSpPr>
+          <p:nvPr>
+            <p:ph type="ftr" sz="quarter" idx="11"/>
+          </p:nvPr>
+        </p:nvSpPr>
+        <p:spPr/>
+        <p:txBody>
+          <a:bodyPr>
+            <a:normAutofit/>
+          </a:bodyPr>
+          <a:lstStyle>
+            <a:lvl1pPr>
+              <a:defRPr sz="1200"/>
+            </a:lvl1pPr>
+          </a:lstStyle>
+          <a:p>
+            <a:endParaRPr lang="zh-CN" altLang="en-US" dirty="0"/>
+          </a:p>
+        </p:txBody>
+      </p:sp>
+      <p:sp>
+        <p:nvSpPr>
+          <p:cNvPr id="7" name="灯片编号占位符 6"/>
+          <p:cNvSpPr>
+            <a:spLocks noGrp="1"/>
+          </p:cNvSpPr>
+          <p:nvPr>
+            <p:ph type="sldNum" sz="quarter" idx="12"/>
+          </p:nvPr>
+        </p:nvSpPr>
+        <p:spPr/>
+        <p:txBody>
+          <a:bodyPr>
+            <a:normAutofit/>
+          </a:bodyPr>
+          <a:lstStyle>
+            <a:lvl1pPr>
+              <a:defRPr sz="1200"/>
+            </a:lvl1pPr>
+          </a:lstStyle>
+          <a:p>
+            <a:fld id="{FABC47A4-756D-490B-A52F-7D9E2C9FC05F}" type="slidenum">
+              <a:rPr lang="zh-CN" altLang="en-US" smtClean="0"/>
+              <a:t>‹#›</a:t>
+            </a:fld>
+            <a:endParaRPr lang="zh-CN" altLang="en-US"/>
+          </a:p>
+        </p:txBody>
+      </p:sp>
+    </p:spTree>
+  </p:cSld>
+  <p:clrMapOvr>
+    <a:masterClrMapping/>
+  </p:clrMapOvr>
+</p:sldLayout>
+</file>
+
+<file path=ppt/slideLayouts/slideLayout2.xml><?xml version="1.0" encoding="utf-8"?>
+<p:sldLayout xmlns:a="http://schemas.openxmlformats.org/drawingml/2006/main" xmlns:r="http://schemas.openxmlformats.org/officeDocument/2006/relationships" xmlns:p="http://schemas.openxmlformats.org/presentationml/2006/main" type="obj" preserve="1">
+  <p:cSld name="标题和内容">
+    <p:spTree>
+      <p:nvGrpSpPr>
+        <p:cNvPr id="1" name=""/>
+        <p:cNvGrpSpPr/>
+        <p:nvPr/>
+      </p:nvGrpSpPr>
+      <p:grpSpPr>
+        <a:xfrm>
+          <a:off x="0" y="0"/>
+          <a:ext cx="0" cy="0"/>
+          <a:chOff x="0" y="0"/>
+          <a:chExt cx="0" cy="0"/>
+        </a:xfrm>
+      </p:grpSpPr>
+      <p:sp>
+        <p:nvSpPr>
+          <p:cNvPr id="2" name="标题 1"/>
+          <p:cNvSpPr>
+            <a:spLocks noGrp="1"/>
+          </p:cNvSpPr>
+          <p:nvPr>
+            <p:ph type="title"/>
+          </p:nvPr>
+        </p:nvSpPr>
+        <p:spPr/>
+        <p:txBody>
+          <a:bodyPr>
+            <a:normAutofit/>
+          </a:bodyPr>
+          <a:lstStyle/>
+          <a:p>
+            <a:r>
+              <a:rPr lang="zh-CN" altLang="en-US" noProof="1"/>
+              <a:t>单击此处编辑母版标题样式</a:t>
+            </a:r>
+          </a:p>
+        </p:txBody>
+      </p:sp>
+      <p:sp>
+        <p:nvSpPr>
+          <p:cNvPr id="3" name="内容占位符 2"/>
+          <p:cNvSpPr>
+            <a:spLocks noGrp="1"/>
+          </p:cNvSpPr>
+          <p:nvPr>
+            <p:ph idx="1"/>
+          </p:nvPr>
+        </p:nvSpPr>
+        <p:spPr/>
+        <p:txBody>
+          <a:bodyPr>
+            <a:normAutofit/>
+          </a:bodyPr>
+          <a:lstStyle>
+            <a:lvl1pPr>
+              <a:defRPr sz="2400"/>
+            </a:lvl1pPr>
+            <a:lvl2pPr>
+              <a:defRPr sz="2000"/>
+            </a:lvl2pPr>
+            <a:lvl3pPr>
+              <a:defRPr sz="1800"/>
+            </a:lvl3pPr>
+            <a:lvl4pPr>
+              <a:defRPr sz="1800"/>
+            </a:lvl4pPr>
+            <a:lvl5pPr>
+              <a:defRPr sz="1800"/>
+            </a:lvl5pPr>
+          </a:lstStyle>
+          <a:p>
+            <a:pPr lvl="0"/>
+            <a:r>
               <a:rPr lang="zh-CN" altLang="en-US" noProof="1"/>
               <a:t>单击此处编辑母版文本样式</a:t>
             </a:r>
-            <a:endParaRPr lang="zh-CN" altLang="en-US" noProof="1"/>
-          </a:p>
-        </p:txBody>
-      </p:sp>
-      <p:sp>
-        <p:nvSpPr>
-          <p:cNvPr id="5" name="日期占位符 4"/>
+          </a:p>
+          <a:p>
+            <a:pPr lvl="1"/>
+            <a:r>
+              <a:rPr lang="zh-CN" altLang="en-US" noProof="1"/>
+              <a:t>第二级</a:t>
+            </a:r>
+          </a:p>
+          <a:p>
+            <a:pPr lvl="2"/>
+            <a:r>
+              <a:rPr lang="zh-CN" altLang="en-US" noProof="1"/>
+              <a:t>第三级</a:t>
+            </a:r>
+          </a:p>
+          <a:p>
+            <a:pPr lvl="3"/>
+            <a:r>
+              <a:rPr lang="zh-CN" altLang="en-US" noProof="1"/>
+              <a:t>第四级</a:t>
+            </a:r>
+          </a:p>
+          <a:p>
+            <a:pPr lvl="4"/>
+            <a:r>
+              <a:rPr lang="zh-CN" altLang="en-US" noProof="1"/>
+              <a:t>第五级</a:t>
+            </a:r>
+          </a:p>
+        </p:txBody>
+      </p:sp>
+      <p:sp>
+        <p:nvSpPr>
+          <p:cNvPr id="4" name="日期占位符 3"/>
           <p:cNvSpPr>
             <a:spLocks noGrp="1"/>
           </p:cNvSpPr>
@@ -3568,8 +5193,1907 @@
             </a:lvl1pPr>
           </a:lstStyle>
           <a:p>
+            <a:fld id="{760FBDFE-C587-4B4C-A407-44438C67B59E}" type="datetimeFigureOut">
+              <a:rPr lang="zh-CN" altLang="en-US"/>
+              <a:t>2018/7/29</a:t>
+            </a:fld>
+            <a:endParaRPr lang="zh-CN" altLang="en-US"/>
+          </a:p>
+        </p:txBody>
+      </p:sp>
+      <p:sp>
+        <p:nvSpPr>
+          <p:cNvPr id="5" name="页脚占位符 4"/>
+          <p:cNvSpPr>
+            <a:spLocks noGrp="1"/>
+          </p:cNvSpPr>
+          <p:nvPr>
+            <p:ph type="ftr" sz="quarter" idx="11"/>
+          </p:nvPr>
+        </p:nvSpPr>
+        <p:spPr/>
+        <p:txBody>
+          <a:bodyPr/>
+          <a:lstStyle>
+            <a:lvl1pPr>
+              <a:defRPr sz="1200"/>
+            </a:lvl1pPr>
+          </a:lstStyle>
+          <a:p>
+            <a:endParaRPr lang="zh-CN" altLang="en-US"/>
+          </a:p>
+        </p:txBody>
+      </p:sp>
+      <p:sp>
+        <p:nvSpPr>
+          <p:cNvPr id="6" name="灯片编号占位符 5"/>
+          <p:cNvSpPr>
+            <a:spLocks noGrp="1"/>
+          </p:cNvSpPr>
+          <p:nvPr>
+            <p:ph type="sldNum" sz="quarter" idx="12"/>
+          </p:nvPr>
+        </p:nvSpPr>
+        <p:spPr/>
+        <p:txBody>
+          <a:bodyPr/>
+          <a:lstStyle>
+            <a:lvl1pPr>
+              <a:defRPr sz="1200" smtClean="0"/>
+            </a:lvl1pPr>
+          </a:lstStyle>
+          <a:p>
+            <a:fld id="{EF3E80A9-C089-480E-9D1E-3B913964BA25}" type="slidenum">
+              <a:rPr lang="zh-CN" altLang="en-US"/>
+              <a:t>‹#›</a:t>
+            </a:fld>
+            <a:endParaRPr lang="zh-CN" altLang="en-US"/>
+          </a:p>
+        </p:txBody>
+      </p:sp>
+    </p:spTree>
+  </p:cSld>
+  <p:clrMapOvr>
+    <a:masterClrMapping/>
+  </p:clrMapOvr>
+</p:sldLayout>
+</file>
+
+<file path=ppt/slideLayouts/slideLayout20.xml><?xml version="1.0" encoding="utf-8"?>
+<p:sldLayout xmlns:a="http://schemas.openxmlformats.org/drawingml/2006/main" xmlns:r="http://schemas.openxmlformats.org/officeDocument/2006/relationships" xmlns:p="http://schemas.openxmlformats.org/presentationml/2006/main" type="vertTitleAndTx" preserve="1">
+  <p:cSld name="竖排标题与文本">
+    <p:spTree>
+      <p:nvGrpSpPr>
+        <p:cNvPr id="1" name=""/>
+        <p:cNvGrpSpPr/>
+        <p:nvPr/>
+      </p:nvGrpSpPr>
+      <p:grpSpPr>
+        <a:xfrm>
+          <a:off x="0" y="0"/>
+          <a:ext cx="0" cy="0"/>
+          <a:chOff x="0" y="0"/>
+          <a:chExt cx="0" cy="0"/>
+        </a:xfrm>
+      </p:grpSpPr>
+      <p:sp>
+        <p:nvSpPr>
+          <p:cNvPr id="2" name="竖排标题 1"/>
+          <p:cNvSpPr>
+            <a:spLocks noGrp="1"/>
+          </p:cNvSpPr>
+          <p:nvPr>
+            <p:ph type="title" orient="vert"/>
+          </p:nvPr>
+        </p:nvSpPr>
+        <p:spPr>
+          <a:xfrm>
+            <a:off x="7368363" y="365125"/>
+            <a:ext cx="1146987" cy="5811838"/>
+          </a:xfrm>
+        </p:spPr>
+        <p:txBody>
+          <a:bodyPr vert="eaVert">
+            <a:normAutofit/>
+          </a:bodyPr>
+          <a:lstStyle>
+            <a:lvl1pPr>
+              <a:defRPr sz="2700"/>
+            </a:lvl1pPr>
+          </a:lstStyle>
+          <a:p>
+            <a:r>
+              <a:rPr lang="zh-CN" altLang="en-US"/>
+              <a:t>单击此处编辑母版标题样式</a:t>
+            </a:r>
+          </a:p>
+        </p:txBody>
+      </p:sp>
+      <p:sp>
+        <p:nvSpPr>
+          <p:cNvPr id="3" name="竖排文字占位符 2"/>
+          <p:cNvSpPr>
+            <a:spLocks noGrp="1"/>
+          </p:cNvSpPr>
+          <p:nvPr>
+            <p:ph type="body" orient="vert" idx="1"/>
+          </p:nvPr>
+        </p:nvSpPr>
+        <p:spPr>
+          <a:xfrm>
+            <a:off x="628650" y="365125"/>
+            <a:ext cx="6659969" cy="5811838"/>
+          </a:xfrm>
+        </p:spPr>
+        <p:txBody>
+          <a:bodyPr vert="eaVert">
+            <a:normAutofit/>
+          </a:bodyPr>
+          <a:lstStyle>
+            <a:lvl1pPr>
+              <a:defRPr sz="2400"/>
+            </a:lvl1pPr>
+            <a:lvl2pPr>
+              <a:defRPr sz="2000"/>
+            </a:lvl2pPr>
+            <a:lvl3pPr>
+              <a:defRPr sz="1800"/>
+            </a:lvl3pPr>
+            <a:lvl4pPr>
+              <a:defRPr sz="1800"/>
+            </a:lvl4pPr>
+            <a:lvl5pPr>
+              <a:defRPr sz="1800"/>
+            </a:lvl5pPr>
+          </a:lstStyle>
+          <a:p>
+            <a:pPr lvl="0"/>
+            <a:r>
+              <a:rPr lang="zh-CN" altLang="en-US" dirty="0"/>
+              <a:t>单击此处编辑母版文本样式</a:t>
+            </a:r>
+          </a:p>
+          <a:p>
+            <a:pPr lvl="1"/>
+            <a:r>
+              <a:rPr lang="zh-CN" altLang="en-US" dirty="0"/>
+              <a:t>第二级</a:t>
+            </a:r>
+          </a:p>
+          <a:p>
+            <a:pPr lvl="2"/>
+            <a:r>
+              <a:rPr lang="zh-CN" altLang="en-US" dirty="0"/>
+              <a:t>第三级</a:t>
+            </a:r>
+          </a:p>
+          <a:p>
+            <a:pPr lvl="3"/>
+            <a:r>
+              <a:rPr lang="zh-CN" altLang="en-US" dirty="0"/>
+              <a:t>第四级</a:t>
+            </a:r>
+          </a:p>
+          <a:p>
+            <a:pPr lvl="4"/>
+            <a:r>
+              <a:rPr lang="zh-CN" altLang="en-US" dirty="0"/>
+              <a:t>第五级</a:t>
+            </a:r>
+          </a:p>
+        </p:txBody>
+      </p:sp>
+      <p:sp>
+        <p:nvSpPr>
+          <p:cNvPr id="4" name="日期占位符 3"/>
+          <p:cNvSpPr>
+            <a:spLocks noGrp="1"/>
+          </p:cNvSpPr>
+          <p:nvPr>
+            <p:ph type="dt" sz="half" idx="10"/>
+          </p:nvPr>
+        </p:nvSpPr>
+        <p:spPr/>
+        <p:txBody>
+          <a:bodyPr>
+            <a:normAutofit/>
+          </a:bodyPr>
+          <a:lstStyle>
+            <a:lvl1pPr>
+              <a:defRPr sz="1200"/>
+            </a:lvl1pPr>
+          </a:lstStyle>
+          <a:p>
+            <a:fld id="{760FBDFE-C587-4B4C-A407-44438C67B59E}" type="datetimeFigureOut">
+              <a:rPr lang="zh-CN" altLang="en-US" smtClean="0"/>
+              <a:t>2018/7/29</a:t>
+            </a:fld>
+            <a:endParaRPr lang="zh-CN" altLang="en-US"/>
+          </a:p>
+        </p:txBody>
+      </p:sp>
+      <p:sp>
+        <p:nvSpPr>
+          <p:cNvPr id="5" name="页脚占位符 4"/>
+          <p:cNvSpPr>
+            <a:spLocks noGrp="1"/>
+          </p:cNvSpPr>
+          <p:nvPr>
+            <p:ph type="ftr" sz="quarter" idx="11"/>
+          </p:nvPr>
+        </p:nvSpPr>
+        <p:spPr/>
+        <p:txBody>
+          <a:bodyPr>
+            <a:normAutofit/>
+          </a:bodyPr>
+          <a:lstStyle>
+            <a:lvl1pPr>
+              <a:defRPr sz="1200"/>
+            </a:lvl1pPr>
+          </a:lstStyle>
+          <a:p>
+            <a:endParaRPr lang="zh-CN" altLang="en-US"/>
+          </a:p>
+        </p:txBody>
+      </p:sp>
+      <p:sp>
+        <p:nvSpPr>
+          <p:cNvPr id="6" name="灯片编号占位符 5"/>
+          <p:cNvSpPr>
+            <a:spLocks noGrp="1"/>
+          </p:cNvSpPr>
+          <p:nvPr>
+            <p:ph type="sldNum" sz="quarter" idx="12"/>
+          </p:nvPr>
+        </p:nvSpPr>
+        <p:spPr/>
+        <p:txBody>
+          <a:bodyPr>
+            <a:normAutofit/>
+          </a:bodyPr>
+          <a:lstStyle>
+            <a:lvl1pPr>
+              <a:defRPr sz="1200"/>
+            </a:lvl1pPr>
+          </a:lstStyle>
+          <a:p>
+            <a:fld id="{49AE70B2-8BF9-45C0-BB95-33D1B9D3A854}" type="slidenum">
+              <a:rPr lang="zh-CN" altLang="en-US" smtClean="0"/>
+              <a:t>‹#›</a:t>
+            </a:fld>
+            <a:endParaRPr lang="zh-CN" altLang="en-US"/>
+          </a:p>
+        </p:txBody>
+      </p:sp>
+    </p:spTree>
+  </p:cSld>
+  <p:clrMapOvr>
+    <a:masterClrMapping/>
+  </p:clrMapOvr>
+</p:sldLayout>
+</file>
+
+<file path=ppt/slideLayouts/slideLayout21.xml><?xml version="1.0" encoding="utf-8"?>
+<p:sldLayout xmlns:a="http://schemas.openxmlformats.org/drawingml/2006/main" xmlns:r="http://schemas.openxmlformats.org/officeDocument/2006/relationships" xmlns:p="http://schemas.openxmlformats.org/presentationml/2006/main" preserve="1" userDrawn="1">
+  <p:cSld name="内容">
+    <p:spTree>
+      <p:nvGrpSpPr>
+        <p:cNvPr id="1" name=""/>
+        <p:cNvGrpSpPr/>
+        <p:nvPr/>
+      </p:nvGrpSpPr>
+      <p:grpSpPr>
+        <a:xfrm>
+          <a:off x="0" y="0"/>
+          <a:ext cx="0" cy="0"/>
+          <a:chOff x="0" y="0"/>
+          <a:chExt cx="0" cy="0"/>
+        </a:xfrm>
+      </p:grpSpPr>
+      <p:sp>
+        <p:nvSpPr>
+          <p:cNvPr id="3" name="日期占位符 2"/>
+          <p:cNvSpPr>
+            <a:spLocks noGrp="1"/>
+          </p:cNvSpPr>
+          <p:nvPr>
+            <p:ph type="dt" sz="half" idx="10"/>
+          </p:nvPr>
+        </p:nvSpPr>
+        <p:spPr/>
+        <p:txBody>
+          <a:bodyPr>
+            <a:normAutofit/>
+          </a:bodyPr>
+          <a:lstStyle>
+            <a:lvl1pPr>
+              <a:defRPr sz="1200"/>
+            </a:lvl1pPr>
+          </a:lstStyle>
+          <a:p>
+            <a:fld id="{760FBDFE-C587-4B4C-A407-44438C67B59E}" type="datetimeFigureOut">
+              <a:rPr lang="zh-CN" altLang="en-US" smtClean="0"/>
+              <a:t>2018/7/29</a:t>
+            </a:fld>
+            <a:endParaRPr lang="zh-CN" altLang="en-US"/>
+          </a:p>
+        </p:txBody>
+      </p:sp>
+      <p:sp>
+        <p:nvSpPr>
+          <p:cNvPr id="4" name="页脚占位符 3"/>
+          <p:cNvSpPr>
+            <a:spLocks noGrp="1"/>
+          </p:cNvSpPr>
+          <p:nvPr>
+            <p:ph type="ftr" sz="quarter" idx="11"/>
+          </p:nvPr>
+        </p:nvSpPr>
+        <p:spPr/>
+        <p:txBody>
+          <a:bodyPr>
+            <a:normAutofit/>
+          </a:bodyPr>
+          <a:lstStyle>
+            <a:lvl1pPr>
+              <a:defRPr sz="1200"/>
+            </a:lvl1pPr>
+          </a:lstStyle>
+          <a:p>
+            <a:endParaRPr lang="zh-CN" altLang="en-US"/>
+          </a:p>
+        </p:txBody>
+      </p:sp>
+      <p:sp>
+        <p:nvSpPr>
+          <p:cNvPr id="5" name="灯片编号占位符 4"/>
+          <p:cNvSpPr>
+            <a:spLocks noGrp="1"/>
+          </p:cNvSpPr>
+          <p:nvPr>
+            <p:ph type="sldNum" sz="quarter" idx="12"/>
+          </p:nvPr>
+        </p:nvSpPr>
+        <p:spPr/>
+        <p:txBody>
+          <a:bodyPr>
+            <a:normAutofit/>
+          </a:bodyPr>
+          <a:lstStyle>
+            <a:lvl1pPr>
+              <a:defRPr sz="1200"/>
+            </a:lvl1pPr>
+          </a:lstStyle>
+          <a:p>
+            <a:fld id="{49AE70B2-8BF9-45C0-BB95-33D1B9D3A854}" type="slidenum">
+              <a:rPr lang="zh-CN" altLang="en-US" smtClean="0"/>
+              <a:t>‹#›</a:t>
+            </a:fld>
+            <a:endParaRPr lang="zh-CN" altLang="en-US"/>
+          </a:p>
+        </p:txBody>
+      </p:sp>
+      <p:sp>
+        <p:nvSpPr>
+          <p:cNvPr id="7" name="内容占位符 6"/>
+          <p:cNvSpPr>
+            <a:spLocks noGrp="1"/>
+          </p:cNvSpPr>
+          <p:nvPr>
+            <p:ph sz="quarter" idx="13"/>
+          </p:nvPr>
+        </p:nvSpPr>
+        <p:spPr>
+          <a:xfrm>
+            <a:off x="628650" y="551544"/>
+            <a:ext cx="7886700" cy="5558971"/>
+          </a:xfrm>
+        </p:spPr>
+        <p:txBody>
+          <a:bodyPr>
+            <a:normAutofit/>
+          </a:bodyPr>
+          <a:lstStyle>
+            <a:lvl1pPr>
+              <a:defRPr sz="2400"/>
+            </a:lvl1pPr>
+            <a:lvl2pPr>
+              <a:defRPr sz="2000"/>
+            </a:lvl2pPr>
+            <a:lvl3pPr>
+              <a:defRPr sz="1800"/>
+            </a:lvl3pPr>
+            <a:lvl4pPr>
+              <a:defRPr sz="1800"/>
+            </a:lvl4pPr>
+            <a:lvl5pPr>
+              <a:defRPr sz="1800"/>
+            </a:lvl5pPr>
+          </a:lstStyle>
+          <a:p>
+            <a:pPr lvl="0"/>
+            <a:r>
+              <a:rPr lang="zh-CN" altLang="en-US" dirty="0"/>
+              <a:t>单击此处编辑母版文本样式</a:t>
+            </a:r>
+          </a:p>
+          <a:p>
+            <a:pPr lvl="1"/>
+            <a:r>
+              <a:rPr lang="zh-CN" altLang="en-US" dirty="0"/>
+              <a:t>第二级</a:t>
+            </a:r>
+          </a:p>
+          <a:p>
+            <a:pPr lvl="2"/>
+            <a:r>
+              <a:rPr lang="zh-CN" altLang="en-US" dirty="0"/>
+              <a:t>第三级</a:t>
+            </a:r>
+          </a:p>
+          <a:p>
+            <a:pPr lvl="3"/>
+            <a:r>
+              <a:rPr lang="zh-CN" altLang="en-US" dirty="0"/>
+              <a:t>第四级</a:t>
+            </a:r>
+          </a:p>
+          <a:p>
+            <a:pPr lvl="4"/>
+            <a:r>
+              <a:rPr lang="zh-CN" altLang="en-US" dirty="0"/>
+              <a:t>第五级</a:t>
+            </a:r>
+          </a:p>
+        </p:txBody>
+      </p:sp>
+    </p:spTree>
+  </p:cSld>
+  <p:clrMapOvr>
+    <a:masterClrMapping/>
+  </p:clrMapOvr>
+</p:sldLayout>
+</file>
+
+<file path=ppt/slideLayouts/slideLayout3.xml><?xml version="1.0" encoding="utf-8"?>
+<p:sldLayout xmlns:a="http://schemas.openxmlformats.org/drawingml/2006/main" xmlns:r="http://schemas.openxmlformats.org/officeDocument/2006/relationships" xmlns:p="http://schemas.openxmlformats.org/presentationml/2006/main" preserve="1" userDrawn="1">
+  <p:cSld name="节标题">
+    <p:spTree>
+      <p:nvGrpSpPr>
+        <p:cNvPr id="1" name=""/>
+        <p:cNvGrpSpPr/>
+        <p:nvPr/>
+      </p:nvGrpSpPr>
+      <p:grpSpPr>
+        <a:xfrm>
+          <a:off x="0" y="0"/>
+          <a:ext cx="0" cy="0"/>
+          <a:chOff x="0" y="0"/>
+          <a:chExt cx="0" cy="0"/>
+        </a:xfrm>
+      </p:grpSpPr>
+      <p:sp>
+        <p:nvSpPr>
+          <p:cNvPr id="2" name="标题 1"/>
+          <p:cNvSpPr>
+            <a:spLocks noGrp="1"/>
+          </p:cNvSpPr>
+          <p:nvPr>
+            <p:ph type="title" hasCustomPrompt="1"/>
+          </p:nvPr>
+        </p:nvSpPr>
+        <p:spPr>
+          <a:xfrm>
+            <a:off x="1138792" y="3078832"/>
+            <a:ext cx="6856892" cy="1089529"/>
+          </a:xfrm>
+        </p:spPr>
+        <p:txBody>
+          <a:bodyPr anchor="t">
+            <a:normAutofit/>
+          </a:bodyPr>
+          <a:lstStyle>
+            <a:lvl1pPr algn="ctr">
+              <a:defRPr sz="5400"/>
+            </a:lvl1pPr>
+          </a:lstStyle>
+          <a:p>
+            <a:r>
+              <a:rPr lang="zh-CN" altLang="en-US" noProof="1"/>
+              <a:t>单击此处编辑标题</a:t>
+            </a:r>
+          </a:p>
+        </p:txBody>
+      </p:sp>
+      <p:sp>
+        <p:nvSpPr>
+          <p:cNvPr id="8" name="内容占位符 7"/>
+          <p:cNvSpPr>
+            <a:spLocks noGrp="1"/>
+          </p:cNvSpPr>
+          <p:nvPr>
+            <p:ph sz="quarter" idx="13" hasCustomPrompt="1"/>
+          </p:nvPr>
+        </p:nvSpPr>
+        <p:spPr>
+          <a:xfrm>
+            <a:off x="1138238" y="2221766"/>
+            <a:ext cx="6867525" cy="830997"/>
+          </a:xfrm>
+        </p:spPr>
+        <p:txBody>
+          <a:bodyPr anchor="b">
+            <a:normAutofit/>
+          </a:bodyPr>
+          <a:lstStyle>
+            <a:lvl1pPr marL="0" indent="0" algn="ctr">
+              <a:buNone/>
+              <a:defRPr sz="4000"/>
+            </a:lvl1pPr>
+          </a:lstStyle>
+          <a:p>
+            <a:pPr lvl="0"/>
+            <a:r>
+              <a:rPr lang="zh-CN" altLang="en-US" noProof="1"/>
+              <a:t>单击此处编辑文本</a:t>
+            </a:r>
+          </a:p>
+        </p:txBody>
+      </p:sp>
+      <p:sp>
+        <p:nvSpPr>
+          <p:cNvPr id="4" name="日期占位符 3"/>
+          <p:cNvSpPr>
+            <a:spLocks noGrp="1"/>
+          </p:cNvSpPr>
+          <p:nvPr>
+            <p:ph type="dt" sz="half" idx="14"/>
+          </p:nvPr>
+        </p:nvSpPr>
+        <p:spPr/>
+        <p:txBody>
+          <a:bodyPr/>
+          <a:lstStyle>
+            <a:lvl1pPr>
+              <a:defRPr sz="1200" smtClean="0"/>
+            </a:lvl1pPr>
+          </a:lstStyle>
+          <a:p>
+            <a:fld id="{760FBDFE-C587-4B4C-A407-44438C67B59E}" type="datetimeFigureOut">
+              <a:rPr lang="zh-CN" altLang="en-US"/>
+              <a:t>2018/7/29</a:t>
+            </a:fld>
+            <a:endParaRPr lang="zh-CN" altLang="en-US"/>
+          </a:p>
+        </p:txBody>
+      </p:sp>
+      <p:sp>
+        <p:nvSpPr>
+          <p:cNvPr id="5" name="页脚占位符 4"/>
+          <p:cNvSpPr>
+            <a:spLocks noGrp="1"/>
+          </p:cNvSpPr>
+          <p:nvPr>
+            <p:ph type="ftr" sz="quarter" idx="15"/>
+          </p:nvPr>
+        </p:nvSpPr>
+        <p:spPr/>
+        <p:txBody>
+          <a:bodyPr/>
+          <a:lstStyle>
+            <a:lvl1pPr>
+              <a:defRPr sz="1200"/>
+            </a:lvl1pPr>
+          </a:lstStyle>
+          <a:p>
+            <a:endParaRPr lang="zh-CN" altLang="en-US"/>
+          </a:p>
+        </p:txBody>
+      </p:sp>
+      <p:sp>
+        <p:nvSpPr>
+          <p:cNvPr id="6" name="灯片编号占位符 5"/>
+          <p:cNvSpPr>
+            <a:spLocks noGrp="1"/>
+          </p:cNvSpPr>
+          <p:nvPr>
+            <p:ph type="sldNum" sz="quarter" idx="16"/>
+          </p:nvPr>
+        </p:nvSpPr>
+        <p:spPr/>
+        <p:txBody>
+          <a:bodyPr/>
+          <a:lstStyle>
+            <a:lvl1pPr>
+              <a:defRPr sz="1200" smtClean="0"/>
+            </a:lvl1pPr>
+          </a:lstStyle>
+          <a:p>
+            <a:fld id="{DCC8595C-B6D7-43EC-9577-AA0422BFAAE2}" type="slidenum">
+              <a:rPr lang="zh-CN" altLang="en-US"/>
+              <a:t>‹#›</a:t>
+            </a:fld>
+            <a:endParaRPr lang="zh-CN" altLang="en-US"/>
+          </a:p>
+        </p:txBody>
+      </p:sp>
+    </p:spTree>
+  </p:cSld>
+  <p:clrMapOvr>
+    <a:masterClrMapping/>
+  </p:clrMapOvr>
+</p:sldLayout>
+</file>
+
+<file path=ppt/slideLayouts/slideLayout4.xml><?xml version="1.0" encoding="utf-8"?>
+<p:sldLayout xmlns:a="http://schemas.openxmlformats.org/drawingml/2006/main" xmlns:r="http://schemas.openxmlformats.org/officeDocument/2006/relationships" xmlns:p="http://schemas.openxmlformats.org/presentationml/2006/main" type="twoObj" preserve="1">
+  <p:cSld name="两栏内容">
+    <p:spTree>
+      <p:nvGrpSpPr>
+        <p:cNvPr id="1" name=""/>
+        <p:cNvGrpSpPr/>
+        <p:nvPr/>
+      </p:nvGrpSpPr>
+      <p:grpSpPr>
+        <a:xfrm>
+          <a:off x="0" y="0"/>
+          <a:ext cx="0" cy="0"/>
+          <a:chOff x="0" y="0"/>
+          <a:chExt cx="0" cy="0"/>
+        </a:xfrm>
+      </p:grpSpPr>
+      <p:sp>
+        <p:nvSpPr>
+          <p:cNvPr id="2" name="标题 1"/>
+          <p:cNvSpPr>
+            <a:spLocks noGrp="1"/>
+          </p:cNvSpPr>
+          <p:nvPr>
+            <p:ph type="title"/>
+          </p:nvPr>
+        </p:nvSpPr>
+        <p:spPr/>
+        <p:txBody>
+          <a:bodyPr>
+            <a:normAutofit/>
+          </a:bodyPr>
+          <a:lstStyle/>
+          <a:p>
+            <a:r>
+              <a:rPr lang="zh-CN" altLang="en-US" noProof="1"/>
+              <a:t>单击此处编辑母版标题样式</a:t>
+            </a:r>
+          </a:p>
+        </p:txBody>
+      </p:sp>
+      <p:sp>
+        <p:nvSpPr>
+          <p:cNvPr id="3" name="内容占位符 2"/>
+          <p:cNvSpPr>
+            <a:spLocks noGrp="1"/>
+          </p:cNvSpPr>
+          <p:nvPr>
+            <p:ph sz="half" idx="1"/>
+          </p:nvPr>
+        </p:nvSpPr>
+        <p:spPr>
+          <a:xfrm>
+            <a:off x="628650" y="1825625"/>
+            <a:ext cx="3886200" cy="4351338"/>
+          </a:xfrm>
+        </p:spPr>
+        <p:txBody>
+          <a:bodyPr>
+            <a:normAutofit/>
+          </a:bodyPr>
+          <a:lstStyle/>
+          <a:p>
+            <a:pPr lvl="0"/>
+            <a:r>
+              <a:rPr lang="zh-CN" altLang="en-US" noProof="1"/>
+              <a:t>单击此处编辑母版文本样式</a:t>
+            </a:r>
+          </a:p>
+          <a:p>
+            <a:pPr lvl="1"/>
+            <a:r>
+              <a:rPr lang="zh-CN" altLang="en-US" noProof="1"/>
+              <a:t>第二级</a:t>
+            </a:r>
+          </a:p>
+          <a:p>
+            <a:pPr lvl="2"/>
+            <a:r>
+              <a:rPr lang="zh-CN" altLang="en-US" noProof="1"/>
+              <a:t>第三级</a:t>
+            </a:r>
+          </a:p>
+          <a:p>
+            <a:pPr lvl="3"/>
+            <a:r>
+              <a:rPr lang="zh-CN" altLang="en-US" noProof="1"/>
+              <a:t>第四级</a:t>
+            </a:r>
+          </a:p>
+          <a:p>
+            <a:pPr lvl="4"/>
+            <a:r>
+              <a:rPr lang="zh-CN" altLang="en-US" noProof="1"/>
+              <a:t>第五级</a:t>
+            </a:r>
+          </a:p>
+        </p:txBody>
+      </p:sp>
+      <p:sp>
+        <p:nvSpPr>
+          <p:cNvPr id="4" name="内容占位符 3"/>
+          <p:cNvSpPr>
+            <a:spLocks noGrp="1"/>
+          </p:cNvSpPr>
+          <p:nvPr>
+            <p:ph sz="half" idx="2"/>
+          </p:nvPr>
+        </p:nvSpPr>
+        <p:spPr>
+          <a:xfrm>
+            <a:off x="4629150" y="1825625"/>
+            <a:ext cx="3886200" cy="4351338"/>
+          </a:xfrm>
+        </p:spPr>
+        <p:txBody>
+          <a:bodyPr>
+            <a:normAutofit/>
+          </a:bodyPr>
+          <a:lstStyle/>
+          <a:p>
+            <a:pPr lvl="0"/>
+            <a:r>
+              <a:rPr lang="zh-CN" altLang="en-US" noProof="1"/>
+              <a:t>单击此处编辑母版文本样式</a:t>
+            </a:r>
+          </a:p>
+          <a:p>
+            <a:pPr lvl="1"/>
+            <a:r>
+              <a:rPr lang="zh-CN" altLang="en-US" noProof="1"/>
+              <a:t>第二级</a:t>
+            </a:r>
+          </a:p>
+          <a:p>
+            <a:pPr lvl="2"/>
+            <a:r>
+              <a:rPr lang="zh-CN" altLang="en-US" noProof="1"/>
+              <a:t>第三级</a:t>
+            </a:r>
+          </a:p>
+          <a:p>
+            <a:pPr lvl="3"/>
+            <a:r>
+              <a:rPr lang="zh-CN" altLang="en-US" noProof="1"/>
+              <a:t>第四级</a:t>
+            </a:r>
+          </a:p>
+          <a:p>
+            <a:pPr lvl="4"/>
+            <a:r>
+              <a:rPr lang="zh-CN" altLang="en-US" noProof="1"/>
+              <a:t>第五级</a:t>
+            </a:r>
+          </a:p>
+        </p:txBody>
+      </p:sp>
+      <p:sp>
+        <p:nvSpPr>
+          <p:cNvPr id="5" name="日期占位符 4"/>
+          <p:cNvSpPr>
+            <a:spLocks noGrp="1"/>
+          </p:cNvSpPr>
+          <p:nvPr>
+            <p:ph type="dt" sz="half" idx="10"/>
+          </p:nvPr>
+        </p:nvSpPr>
+        <p:spPr/>
+        <p:txBody>
+          <a:bodyPr/>
+          <a:lstStyle>
+            <a:lvl1pPr>
+              <a:defRPr sz="1200" smtClean="0"/>
+            </a:lvl1pPr>
+          </a:lstStyle>
+          <a:p>
+            <a:fld id="{760FBDFE-C587-4B4C-A407-44438C67B59E}" type="datetimeFigureOut">
+              <a:rPr lang="zh-CN" altLang="en-US"/>
+              <a:t>2018/7/29</a:t>
+            </a:fld>
+            <a:endParaRPr lang="zh-CN" altLang="en-US"/>
+          </a:p>
+        </p:txBody>
+      </p:sp>
+      <p:sp>
+        <p:nvSpPr>
+          <p:cNvPr id="6" name="页脚占位符 5"/>
+          <p:cNvSpPr>
+            <a:spLocks noGrp="1"/>
+          </p:cNvSpPr>
+          <p:nvPr>
+            <p:ph type="ftr" sz="quarter" idx="11"/>
+          </p:nvPr>
+        </p:nvSpPr>
+        <p:spPr/>
+        <p:txBody>
+          <a:bodyPr/>
+          <a:lstStyle>
+            <a:lvl1pPr>
+              <a:defRPr sz="1200"/>
+            </a:lvl1pPr>
+          </a:lstStyle>
+          <a:p>
+            <a:endParaRPr lang="zh-CN" altLang="en-US"/>
+          </a:p>
+        </p:txBody>
+      </p:sp>
+      <p:sp>
+        <p:nvSpPr>
+          <p:cNvPr id="7" name="灯片编号占位符 6"/>
+          <p:cNvSpPr>
+            <a:spLocks noGrp="1"/>
+          </p:cNvSpPr>
+          <p:nvPr>
+            <p:ph type="sldNum" sz="quarter" idx="12"/>
+          </p:nvPr>
+        </p:nvSpPr>
+        <p:spPr/>
+        <p:txBody>
+          <a:bodyPr/>
+          <a:lstStyle>
+            <a:lvl1pPr>
+              <a:defRPr sz="1200" smtClean="0"/>
+            </a:lvl1pPr>
+          </a:lstStyle>
+          <a:p>
+            <a:fld id="{A09486A2-9B4A-4F08-B491-129DAF4DDFA5}" type="slidenum">
+              <a:rPr lang="zh-CN" altLang="en-US"/>
+              <a:t>‹#›</a:t>
+            </a:fld>
+            <a:endParaRPr lang="zh-CN" altLang="en-US"/>
+          </a:p>
+        </p:txBody>
+      </p:sp>
+    </p:spTree>
+  </p:cSld>
+  <p:clrMapOvr>
+    <a:masterClrMapping/>
+  </p:clrMapOvr>
+</p:sldLayout>
+</file>
+
+<file path=ppt/slideLayouts/slideLayout5.xml><?xml version="1.0" encoding="utf-8"?>
+<p:sldLayout xmlns:a="http://schemas.openxmlformats.org/drawingml/2006/main" xmlns:r="http://schemas.openxmlformats.org/officeDocument/2006/relationships" xmlns:p="http://schemas.openxmlformats.org/presentationml/2006/main" type="twoTxTwoObj" preserve="1">
+  <p:cSld name="比较">
+    <p:spTree>
+      <p:nvGrpSpPr>
+        <p:cNvPr id="1" name=""/>
+        <p:cNvGrpSpPr/>
+        <p:nvPr/>
+      </p:nvGrpSpPr>
+      <p:grpSpPr>
+        <a:xfrm>
+          <a:off x="0" y="0"/>
+          <a:ext cx="0" cy="0"/>
+          <a:chOff x="0" y="0"/>
+          <a:chExt cx="0" cy="0"/>
+        </a:xfrm>
+      </p:grpSpPr>
+      <p:sp>
+        <p:nvSpPr>
+          <p:cNvPr id="2" name="标题 1"/>
+          <p:cNvSpPr>
+            <a:spLocks noGrp="1"/>
+          </p:cNvSpPr>
+          <p:nvPr>
+            <p:ph type="title"/>
+          </p:nvPr>
+        </p:nvSpPr>
+        <p:spPr>
+          <a:xfrm>
+            <a:off x="629841" y="365126"/>
+            <a:ext cx="7886700" cy="1325563"/>
+          </a:xfrm>
+        </p:spPr>
+        <p:txBody>
+          <a:bodyPr>
+            <a:normAutofit/>
+          </a:bodyPr>
+          <a:lstStyle/>
+          <a:p>
+            <a:r>
+              <a:rPr lang="zh-CN" altLang="en-US" noProof="1"/>
+              <a:t>单击此处编辑母版标题样式</a:t>
+            </a:r>
+          </a:p>
+        </p:txBody>
+      </p:sp>
+      <p:sp>
+        <p:nvSpPr>
+          <p:cNvPr id="3" name="文本占位符 2"/>
+          <p:cNvSpPr>
+            <a:spLocks noGrp="1"/>
+          </p:cNvSpPr>
+          <p:nvPr>
+            <p:ph type="body" idx="1"/>
+          </p:nvPr>
+        </p:nvSpPr>
+        <p:spPr>
+          <a:xfrm>
+            <a:off x="629842" y="1744961"/>
+            <a:ext cx="3868340" cy="823912"/>
+          </a:xfrm>
+        </p:spPr>
+        <p:txBody>
+          <a:bodyPr anchor="b">
+            <a:normAutofit/>
+          </a:bodyPr>
+          <a:lstStyle>
+            <a:lvl1pPr marL="0" indent="0">
+              <a:buNone/>
+              <a:defRPr sz="2000" b="1"/>
+            </a:lvl1pPr>
+            <a:lvl2pPr marL="342900" indent="0">
+              <a:buNone/>
+              <a:defRPr sz="1500" b="1"/>
+            </a:lvl2pPr>
+            <a:lvl3pPr marL="685800" indent="0">
+              <a:buNone/>
+              <a:defRPr sz="1350" b="1"/>
+            </a:lvl3pPr>
+            <a:lvl4pPr marL="1028700" indent="0">
+              <a:buNone/>
+              <a:defRPr sz="1200" b="1"/>
+            </a:lvl4pPr>
+            <a:lvl5pPr marL="1371600" indent="0">
+              <a:buNone/>
+              <a:defRPr sz="1200" b="1"/>
+            </a:lvl5pPr>
+            <a:lvl6pPr marL="1714500" indent="0">
+              <a:buNone/>
+              <a:defRPr sz="1200" b="1"/>
+            </a:lvl6pPr>
+            <a:lvl7pPr marL="2057400" indent="0">
+              <a:buNone/>
+              <a:defRPr sz="1200" b="1"/>
+            </a:lvl7pPr>
+            <a:lvl8pPr marL="2400300" indent="0">
+              <a:buNone/>
+              <a:defRPr sz="1200" b="1"/>
+            </a:lvl8pPr>
+            <a:lvl9pPr marL="2743200" indent="0">
+              <a:buNone/>
+              <a:defRPr sz="1200" b="1"/>
+            </a:lvl9pPr>
+          </a:lstStyle>
+          <a:p>
+            <a:pPr lvl="0"/>
+            <a:r>
+              <a:rPr lang="zh-CN" altLang="en-US" noProof="1"/>
+              <a:t>单击此处编辑母版文本样式</a:t>
+            </a:r>
+          </a:p>
+        </p:txBody>
+      </p:sp>
+      <p:sp>
+        <p:nvSpPr>
+          <p:cNvPr id="4" name="内容占位符 3"/>
+          <p:cNvSpPr>
+            <a:spLocks noGrp="1"/>
+          </p:cNvSpPr>
+          <p:nvPr>
+            <p:ph sz="half" idx="2"/>
+          </p:nvPr>
+        </p:nvSpPr>
+        <p:spPr>
+          <a:xfrm>
+            <a:off x="629842" y="2615609"/>
+            <a:ext cx="3868340" cy="3574054"/>
+          </a:xfrm>
+        </p:spPr>
+        <p:txBody>
+          <a:bodyPr>
+            <a:normAutofit/>
+          </a:bodyPr>
+          <a:lstStyle/>
+          <a:p>
+            <a:pPr lvl="0"/>
+            <a:r>
+              <a:rPr lang="zh-CN" altLang="en-US" noProof="1"/>
+              <a:t>单击此处编辑母版文本样式</a:t>
+            </a:r>
+          </a:p>
+          <a:p>
+            <a:pPr lvl="1"/>
+            <a:r>
+              <a:rPr lang="zh-CN" altLang="en-US" noProof="1"/>
+              <a:t>第二级</a:t>
+            </a:r>
+          </a:p>
+          <a:p>
+            <a:pPr lvl="2"/>
+            <a:r>
+              <a:rPr lang="zh-CN" altLang="en-US" noProof="1"/>
+              <a:t>第三级</a:t>
+            </a:r>
+          </a:p>
+          <a:p>
+            <a:pPr lvl="3"/>
+            <a:r>
+              <a:rPr lang="zh-CN" altLang="en-US" noProof="1"/>
+              <a:t>第四级</a:t>
+            </a:r>
+          </a:p>
+          <a:p>
+            <a:pPr lvl="4"/>
+            <a:r>
+              <a:rPr lang="zh-CN" altLang="en-US" noProof="1"/>
+              <a:t>第五级</a:t>
+            </a:r>
+          </a:p>
+        </p:txBody>
+      </p:sp>
+      <p:sp>
+        <p:nvSpPr>
+          <p:cNvPr id="5" name="文本占位符 4"/>
+          <p:cNvSpPr>
+            <a:spLocks noGrp="1"/>
+          </p:cNvSpPr>
+          <p:nvPr>
+            <p:ph type="body" sz="quarter" idx="3"/>
+          </p:nvPr>
+        </p:nvSpPr>
+        <p:spPr>
+          <a:xfrm>
+            <a:off x="4629150" y="1744961"/>
+            <a:ext cx="3887391" cy="823912"/>
+          </a:xfrm>
+        </p:spPr>
+        <p:txBody>
+          <a:bodyPr anchor="b">
+            <a:normAutofit/>
+          </a:bodyPr>
+          <a:lstStyle>
+            <a:lvl1pPr marL="0" indent="0">
+              <a:buNone/>
+              <a:defRPr sz="2000" b="1"/>
+            </a:lvl1pPr>
+            <a:lvl2pPr marL="342900" indent="0">
+              <a:buNone/>
+              <a:defRPr sz="1500" b="1"/>
+            </a:lvl2pPr>
+            <a:lvl3pPr marL="685800" indent="0">
+              <a:buNone/>
+              <a:defRPr sz="1350" b="1"/>
+            </a:lvl3pPr>
+            <a:lvl4pPr marL="1028700" indent="0">
+              <a:buNone/>
+              <a:defRPr sz="1200" b="1"/>
+            </a:lvl4pPr>
+            <a:lvl5pPr marL="1371600" indent="0">
+              <a:buNone/>
+              <a:defRPr sz="1200" b="1"/>
+            </a:lvl5pPr>
+            <a:lvl6pPr marL="1714500" indent="0">
+              <a:buNone/>
+              <a:defRPr sz="1200" b="1"/>
+            </a:lvl6pPr>
+            <a:lvl7pPr marL="2057400" indent="0">
+              <a:buNone/>
+              <a:defRPr sz="1200" b="1"/>
+            </a:lvl7pPr>
+            <a:lvl8pPr marL="2400300" indent="0">
+              <a:buNone/>
+              <a:defRPr sz="1200" b="1"/>
+            </a:lvl8pPr>
+            <a:lvl9pPr marL="2743200" indent="0">
+              <a:buNone/>
+              <a:defRPr sz="1200" b="1"/>
+            </a:lvl9pPr>
+          </a:lstStyle>
+          <a:p>
+            <a:pPr lvl="0"/>
+            <a:r>
+              <a:rPr lang="zh-CN" altLang="en-US" noProof="1"/>
+              <a:t>单击此处编辑母版文本样式</a:t>
+            </a:r>
+          </a:p>
+        </p:txBody>
+      </p:sp>
+      <p:sp>
+        <p:nvSpPr>
+          <p:cNvPr id="6" name="内容占位符 5"/>
+          <p:cNvSpPr>
+            <a:spLocks noGrp="1"/>
+          </p:cNvSpPr>
+          <p:nvPr>
+            <p:ph sz="quarter" idx="4"/>
+          </p:nvPr>
+        </p:nvSpPr>
+        <p:spPr>
+          <a:xfrm>
+            <a:off x="4629150" y="2615609"/>
+            <a:ext cx="3887391" cy="3574054"/>
+          </a:xfrm>
+        </p:spPr>
+        <p:txBody>
+          <a:bodyPr>
+            <a:normAutofit/>
+          </a:bodyPr>
+          <a:lstStyle/>
+          <a:p>
+            <a:pPr lvl="0"/>
+            <a:r>
+              <a:rPr lang="zh-CN" altLang="en-US" noProof="1"/>
+              <a:t>单击此处编辑母版文本样式</a:t>
+            </a:r>
+          </a:p>
+          <a:p>
+            <a:pPr lvl="1"/>
+            <a:r>
+              <a:rPr lang="zh-CN" altLang="en-US" noProof="1"/>
+              <a:t>第二级</a:t>
+            </a:r>
+          </a:p>
+          <a:p>
+            <a:pPr lvl="2"/>
+            <a:r>
+              <a:rPr lang="zh-CN" altLang="en-US" noProof="1"/>
+              <a:t>第三级</a:t>
+            </a:r>
+          </a:p>
+          <a:p>
+            <a:pPr lvl="3"/>
+            <a:r>
+              <a:rPr lang="zh-CN" altLang="en-US" noProof="1"/>
+              <a:t>第四级</a:t>
+            </a:r>
+          </a:p>
+          <a:p>
+            <a:pPr lvl="4"/>
+            <a:r>
+              <a:rPr lang="zh-CN" altLang="en-US" noProof="1"/>
+              <a:t>第五级</a:t>
+            </a:r>
+          </a:p>
+        </p:txBody>
+      </p:sp>
+      <p:sp>
+        <p:nvSpPr>
+          <p:cNvPr id="7" name="日期占位符 6"/>
+          <p:cNvSpPr>
+            <a:spLocks noGrp="1"/>
+          </p:cNvSpPr>
+          <p:nvPr>
+            <p:ph type="dt" sz="half" idx="10"/>
+          </p:nvPr>
+        </p:nvSpPr>
+        <p:spPr/>
+        <p:txBody>
+          <a:bodyPr/>
+          <a:lstStyle>
+            <a:lvl1pPr>
+              <a:defRPr sz="1200" smtClean="0"/>
+            </a:lvl1pPr>
+          </a:lstStyle>
+          <a:p>
+            <a:fld id="{760FBDFE-C587-4B4C-A407-44438C67B59E}" type="datetimeFigureOut">
+              <a:rPr lang="zh-CN" altLang="en-US"/>
+              <a:t>2018/7/29</a:t>
+            </a:fld>
+            <a:endParaRPr lang="zh-CN" altLang="en-US"/>
+          </a:p>
+        </p:txBody>
+      </p:sp>
+      <p:sp>
+        <p:nvSpPr>
+          <p:cNvPr id="8" name="页脚占位符 7"/>
+          <p:cNvSpPr>
+            <a:spLocks noGrp="1"/>
+          </p:cNvSpPr>
+          <p:nvPr>
+            <p:ph type="ftr" sz="quarter" idx="11"/>
+          </p:nvPr>
+        </p:nvSpPr>
+        <p:spPr/>
+        <p:txBody>
+          <a:bodyPr/>
+          <a:lstStyle>
+            <a:lvl1pPr>
+              <a:defRPr sz="1200"/>
+            </a:lvl1pPr>
+          </a:lstStyle>
+          <a:p>
+            <a:endParaRPr lang="zh-CN" altLang="en-US"/>
+          </a:p>
+        </p:txBody>
+      </p:sp>
+      <p:sp>
+        <p:nvSpPr>
+          <p:cNvPr id="9" name="灯片编号占位符 8"/>
+          <p:cNvSpPr>
+            <a:spLocks noGrp="1"/>
+          </p:cNvSpPr>
+          <p:nvPr>
+            <p:ph type="sldNum" sz="quarter" idx="12"/>
+          </p:nvPr>
+        </p:nvSpPr>
+        <p:spPr/>
+        <p:txBody>
+          <a:bodyPr/>
+          <a:lstStyle>
+            <a:lvl1pPr>
+              <a:defRPr sz="1200" smtClean="0"/>
+            </a:lvl1pPr>
+          </a:lstStyle>
+          <a:p>
+            <a:fld id="{C61880FD-51CA-4182-8801-831F4C9C2CEC}" type="slidenum">
+              <a:rPr lang="zh-CN" altLang="en-US"/>
+              <a:t>‹#›</a:t>
+            </a:fld>
+            <a:endParaRPr lang="zh-CN" altLang="en-US"/>
+          </a:p>
+        </p:txBody>
+      </p:sp>
+    </p:spTree>
+  </p:cSld>
+  <p:clrMapOvr>
+    <a:masterClrMapping/>
+  </p:clrMapOvr>
+</p:sldLayout>
+</file>
+
+<file path=ppt/slideLayouts/slideLayout6.xml><?xml version="1.0" encoding="utf-8"?>
+<p:sldLayout xmlns:a="http://schemas.openxmlformats.org/drawingml/2006/main" xmlns:r="http://schemas.openxmlformats.org/officeDocument/2006/relationships" xmlns:p="http://schemas.openxmlformats.org/presentationml/2006/main" preserve="1" userDrawn="1">
+  <p:cSld name="仅标题">
+    <p:spTree>
+      <p:nvGrpSpPr>
+        <p:cNvPr id="1" name=""/>
+        <p:cNvGrpSpPr/>
+        <p:nvPr/>
+      </p:nvGrpSpPr>
+      <p:grpSpPr>
+        <a:xfrm>
+          <a:off x="0" y="0"/>
+          <a:ext cx="0" cy="0"/>
+          <a:chOff x="0" y="0"/>
+          <a:chExt cx="0" cy="0"/>
+        </a:xfrm>
+      </p:grpSpPr>
+      <p:cxnSp>
+        <p:nvCxnSpPr>
+          <p:cNvPr id="4" name="直接连接符 3"/>
+          <p:cNvCxnSpPr/>
+          <p:nvPr>
+            <p:custDataLst>
+              <p:tags r:id="rId1"/>
+            </p:custDataLst>
+          </p:nvPr>
+        </p:nvCxnSpPr>
+        <p:spPr>
+          <a:xfrm flipH="1">
+            <a:off x="1871663" y="3048000"/>
+            <a:ext cx="581025" cy="0"/>
+          </a:xfrm>
+          <a:prstGeom prst="line">
+            <a:avLst/>
+          </a:prstGeom>
+        </p:spPr>
+        <p:style>
+          <a:lnRef idx="1">
+            <a:schemeClr val="accent1"/>
+          </a:lnRef>
+          <a:fillRef idx="0">
+            <a:schemeClr val="accent1"/>
+          </a:fillRef>
+          <a:effectRef idx="0">
+            <a:schemeClr val="accent1"/>
+          </a:effectRef>
+          <a:fontRef idx="minor">
+            <a:schemeClr val="tx1"/>
+          </a:fontRef>
+        </p:style>
+      </p:cxnSp>
+      <p:cxnSp>
+        <p:nvCxnSpPr>
+          <p:cNvPr id="5" name="直接连接符 6"/>
+          <p:cNvCxnSpPr/>
+          <p:nvPr>
+            <p:custDataLst>
+              <p:tags r:id="rId2"/>
+            </p:custDataLst>
+          </p:nvPr>
+        </p:nvCxnSpPr>
+        <p:spPr>
+          <a:xfrm>
+            <a:off x="1871663" y="3048000"/>
+            <a:ext cx="0" cy="1217613"/>
+          </a:xfrm>
+          <a:prstGeom prst="line">
+            <a:avLst/>
+          </a:prstGeom>
+        </p:spPr>
+        <p:style>
+          <a:lnRef idx="1">
+            <a:schemeClr val="accent1"/>
+          </a:lnRef>
+          <a:fillRef idx="0">
+            <a:schemeClr val="accent1"/>
+          </a:fillRef>
+          <a:effectRef idx="0">
+            <a:schemeClr val="accent1"/>
+          </a:effectRef>
+          <a:fontRef idx="minor">
+            <a:schemeClr val="tx1"/>
+          </a:fontRef>
+        </p:style>
+      </p:cxnSp>
+      <p:cxnSp>
+        <p:nvCxnSpPr>
+          <p:cNvPr id="6" name="直接连接符 5"/>
+          <p:cNvCxnSpPr/>
+          <p:nvPr>
+            <p:custDataLst>
+              <p:tags r:id="rId3"/>
+            </p:custDataLst>
+          </p:nvPr>
+        </p:nvCxnSpPr>
+        <p:spPr>
+          <a:xfrm>
+            <a:off x="1871663" y="4265613"/>
+            <a:ext cx="5359400" cy="0"/>
+          </a:xfrm>
+          <a:prstGeom prst="line">
+            <a:avLst/>
+          </a:prstGeom>
+        </p:spPr>
+        <p:style>
+          <a:lnRef idx="1">
+            <a:schemeClr val="accent1"/>
+          </a:lnRef>
+          <a:fillRef idx="0">
+            <a:schemeClr val="accent1"/>
+          </a:fillRef>
+          <a:effectRef idx="0">
+            <a:schemeClr val="accent1"/>
+          </a:effectRef>
+          <a:fontRef idx="minor">
+            <a:schemeClr val="tx1"/>
+          </a:fontRef>
+        </p:style>
+      </p:cxnSp>
+      <p:cxnSp>
+        <p:nvCxnSpPr>
+          <p:cNvPr id="7" name="直接连接符 6"/>
+          <p:cNvCxnSpPr/>
+          <p:nvPr>
+            <p:custDataLst>
+              <p:tags r:id="rId4"/>
+            </p:custDataLst>
+          </p:nvPr>
+        </p:nvCxnSpPr>
+        <p:spPr>
+          <a:xfrm flipH="1">
+            <a:off x="6608763" y="3048000"/>
+            <a:ext cx="622300" cy="0"/>
+          </a:xfrm>
+          <a:prstGeom prst="line">
+            <a:avLst/>
+          </a:prstGeom>
+        </p:spPr>
+        <p:style>
+          <a:lnRef idx="1">
+            <a:schemeClr val="accent1"/>
+          </a:lnRef>
+          <a:fillRef idx="0">
+            <a:schemeClr val="accent1"/>
+          </a:fillRef>
+          <a:effectRef idx="0">
+            <a:schemeClr val="accent1"/>
+          </a:effectRef>
+          <a:fontRef idx="minor">
+            <a:schemeClr val="tx1"/>
+          </a:fontRef>
+        </p:style>
+      </p:cxnSp>
+      <p:cxnSp>
+        <p:nvCxnSpPr>
+          <p:cNvPr id="8" name="直接连接符 7"/>
+          <p:cNvCxnSpPr/>
+          <p:nvPr>
+            <p:custDataLst>
+              <p:tags r:id="rId5"/>
+            </p:custDataLst>
+          </p:nvPr>
+        </p:nvCxnSpPr>
+        <p:spPr>
+          <a:xfrm>
+            <a:off x="7231063" y="3048000"/>
+            <a:ext cx="0" cy="1217613"/>
+          </a:xfrm>
+          <a:prstGeom prst="line">
+            <a:avLst/>
+          </a:prstGeom>
+        </p:spPr>
+        <p:style>
+          <a:lnRef idx="1">
+            <a:schemeClr val="accent1"/>
+          </a:lnRef>
+          <a:fillRef idx="0">
+            <a:schemeClr val="accent1"/>
+          </a:fillRef>
+          <a:effectRef idx="0">
+            <a:schemeClr val="accent1"/>
+          </a:effectRef>
+          <a:fontRef idx="minor">
+            <a:schemeClr val="tx1"/>
+          </a:fontRef>
+        </p:style>
+      </p:cxnSp>
+      <p:sp>
+        <p:nvSpPr>
+          <p:cNvPr id="2" name="标题 1"/>
+          <p:cNvSpPr>
+            <a:spLocks noGrp="1"/>
+          </p:cNvSpPr>
+          <p:nvPr>
+            <p:ph type="title" hasCustomPrompt="1"/>
+          </p:nvPr>
+        </p:nvSpPr>
+        <p:spPr>
+          <a:xfrm>
+            <a:off x="2492153" y="2251982"/>
+            <a:ext cx="4072610" cy="1325563"/>
+          </a:xfrm>
+        </p:spPr>
+        <p:txBody>
+          <a:bodyPr anchor="b">
+            <a:normAutofit/>
+          </a:bodyPr>
+          <a:lstStyle>
+            <a:lvl1pPr algn="ctr">
+              <a:defRPr sz="6600"/>
+            </a:lvl1pPr>
+          </a:lstStyle>
+          <a:p>
+            <a:r>
+              <a:rPr lang="zh-CN" altLang="en-US" noProof="1"/>
+              <a:t>编辑标题</a:t>
+            </a:r>
+          </a:p>
+        </p:txBody>
+      </p:sp>
+      <p:sp>
+        <p:nvSpPr>
+          <p:cNvPr id="12" name="内容占位符 11"/>
+          <p:cNvSpPr>
+            <a:spLocks noGrp="1"/>
+          </p:cNvSpPr>
+          <p:nvPr>
+            <p:ph sz="quarter" idx="13" hasCustomPrompt="1"/>
+          </p:nvPr>
+        </p:nvSpPr>
+        <p:spPr>
+          <a:xfrm>
+            <a:off x="3032491" y="3642633"/>
+            <a:ext cx="3079019" cy="535531"/>
+          </a:xfrm>
+        </p:spPr>
+        <p:txBody>
+          <a:bodyPr>
+            <a:normAutofit/>
+          </a:bodyPr>
+          <a:lstStyle>
+            <a:lvl1pPr marL="0" indent="0" algn="dist">
+              <a:buNone/>
+              <a:defRPr/>
+            </a:lvl1pPr>
+          </a:lstStyle>
+          <a:p>
+            <a:pPr lvl="0"/>
+            <a:r>
+              <a:rPr lang="zh-CN" altLang="en-US" noProof="1"/>
+              <a:t>单击此处编辑文本</a:t>
+            </a:r>
+          </a:p>
+        </p:txBody>
+      </p:sp>
+      <p:sp>
+        <p:nvSpPr>
+          <p:cNvPr id="9" name="日期占位符 2"/>
+          <p:cNvSpPr>
+            <a:spLocks noGrp="1"/>
+          </p:cNvSpPr>
+          <p:nvPr>
+            <p:ph type="dt" sz="half" idx="14"/>
+          </p:nvPr>
+        </p:nvSpPr>
+        <p:spPr/>
+        <p:txBody>
+          <a:bodyPr/>
+          <a:lstStyle>
+            <a:lvl1pPr>
+              <a:defRPr sz="1200" smtClean="0"/>
+            </a:lvl1pPr>
+          </a:lstStyle>
+          <a:p>
+            <a:fld id="{760FBDFE-C587-4B4C-A407-44438C67B59E}" type="datetimeFigureOut">
+              <a:rPr lang="zh-CN" altLang="en-US"/>
+              <a:t>2018/7/29</a:t>
+            </a:fld>
+            <a:endParaRPr lang="zh-CN" altLang="en-US"/>
+          </a:p>
+        </p:txBody>
+      </p:sp>
+      <p:sp>
+        <p:nvSpPr>
+          <p:cNvPr id="10" name="页脚占位符 3"/>
+          <p:cNvSpPr>
+            <a:spLocks noGrp="1"/>
+          </p:cNvSpPr>
+          <p:nvPr>
+            <p:ph type="ftr" sz="quarter" idx="15"/>
+          </p:nvPr>
+        </p:nvSpPr>
+        <p:spPr/>
+        <p:txBody>
+          <a:bodyPr/>
+          <a:lstStyle>
+            <a:lvl1pPr>
+              <a:defRPr sz="1200"/>
+            </a:lvl1pPr>
+          </a:lstStyle>
+          <a:p>
+            <a:endParaRPr lang="zh-CN" altLang="en-US"/>
+          </a:p>
+        </p:txBody>
+      </p:sp>
+      <p:sp>
+        <p:nvSpPr>
+          <p:cNvPr id="11" name="灯片编号占位符 4"/>
+          <p:cNvSpPr>
+            <a:spLocks noGrp="1"/>
+          </p:cNvSpPr>
+          <p:nvPr>
+            <p:ph type="sldNum" sz="quarter" idx="16"/>
+          </p:nvPr>
+        </p:nvSpPr>
+        <p:spPr/>
+        <p:txBody>
+          <a:bodyPr/>
+          <a:lstStyle>
+            <a:lvl1pPr>
+              <a:defRPr sz="1200" smtClean="0"/>
+            </a:lvl1pPr>
+          </a:lstStyle>
+          <a:p>
+            <a:fld id="{6B29CE7E-9584-4E3D-A184-0EB8A5FF10A8}" type="slidenum">
+              <a:rPr lang="zh-CN" altLang="en-US"/>
+              <a:t>‹#›</a:t>
+            </a:fld>
+            <a:endParaRPr lang="zh-CN" altLang="en-US"/>
+          </a:p>
+        </p:txBody>
+      </p:sp>
+    </p:spTree>
+  </p:cSld>
+  <p:clrMapOvr>
+    <a:masterClrMapping/>
+  </p:clrMapOvr>
+</p:sldLayout>
+</file>
+
+<file path=ppt/slideLayouts/slideLayout7.xml><?xml version="1.0" encoding="utf-8"?>
+<p:sldLayout xmlns:a="http://schemas.openxmlformats.org/drawingml/2006/main" xmlns:r="http://schemas.openxmlformats.org/officeDocument/2006/relationships" xmlns:p="http://schemas.openxmlformats.org/presentationml/2006/main" type="blank" preserve="1">
+  <p:cSld name="空白">
+    <p:spTree>
+      <p:nvGrpSpPr>
+        <p:cNvPr id="1" name=""/>
+        <p:cNvGrpSpPr/>
+        <p:nvPr/>
+      </p:nvGrpSpPr>
+      <p:grpSpPr>
+        <a:xfrm>
+          <a:off x="0" y="0"/>
+          <a:ext cx="0" cy="0"/>
+          <a:chOff x="0" y="0"/>
+          <a:chExt cx="0" cy="0"/>
+        </a:xfrm>
+      </p:grpSpPr>
+      <p:sp>
+        <p:nvSpPr>
+          <p:cNvPr id="2" name="日期占位符 1"/>
+          <p:cNvSpPr>
+            <a:spLocks noGrp="1"/>
+          </p:cNvSpPr>
+          <p:nvPr>
+            <p:ph type="dt" sz="half" idx="10"/>
+          </p:nvPr>
+        </p:nvSpPr>
+        <p:spPr/>
+        <p:txBody>
+          <a:bodyPr/>
+          <a:lstStyle>
+            <a:lvl1pPr>
+              <a:defRPr sz="1200" smtClean="0"/>
+            </a:lvl1pPr>
+          </a:lstStyle>
+          <a:p>
+            <a:fld id="{760FBDFE-C587-4B4C-A407-44438C67B59E}" type="datetimeFigureOut">
+              <a:rPr lang="zh-CN" altLang="en-US"/>
+              <a:t>2018/7/29</a:t>
+            </a:fld>
+            <a:endParaRPr lang="zh-CN" altLang="en-US"/>
+          </a:p>
+        </p:txBody>
+      </p:sp>
+      <p:sp>
+        <p:nvSpPr>
+          <p:cNvPr id="3" name="页脚占位符 2"/>
+          <p:cNvSpPr>
+            <a:spLocks noGrp="1"/>
+          </p:cNvSpPr>
+          <p:nvPr>
+            <p:ph type="ftr" sz="quarter" idx="11"/>
+          </p:nvPr>
+        </p:nvSpPr>
+        <p:spPr/>
+        <p:txBody>
+          <a:bodyPr/>
+          <a:lstStyle>
+            <a:lvl1pPr>
+              <a:defRPr sz="1200"/>
+            </a:lvl1pPr>
+          </a:lstStyle>
+          <a:p>
+            <a:endParaRPr lang="zh-CN" altLang="en-US"/>
+          </a:p>
+        </p:txBody>
+      </p:sp>
+      <p:sp>
+        <p:nvSpPr>
+          <p:cNvPr id="4" name="灯片编号占位符 3"/>
+          <p:cNvSpPr>
+            <a:spLocks noGrp="1"/>
+          </p:cNvSpPr>
+          <p:nvPr>
+            <p:ph type="sldNum" sz="quarter" idx="12"/>
+          </p:nvPr>
+        </p:nvSpPr>
+        <p:spPr/>
+        <p:txBody>
+          <a:bodyPr/>
+          <a:lstStyle>
+            <a:lvl1pPr>
+              <a:defRPr sz="1200" smtClean="0"/>
+            </a:lvl1pPr>
+          </a:lstStyle>
+          <a:p>
+            <a:fld id="{61FD7337-7689-40E9-995D-FF92F58B836E}" type="slidenum">
+              <a:rPr lang="zh-CN" altLang="en-US"/>
+              <a:t>‹#›</a:t>
+            </a:fld>
+            <a:endParaRPr lang="zh-CN" altLang="en-US"/>
+          </a:p>
+        </p:txBody>
+      </p:sp>
+    </p:spTree>
+  </p:cSld>
+  <p:clrMapOvr>
+    <a:masterClrMapping/>
+  </p:clrMapOvr>
+</p:sldLayout>
+</file>
+
+<file path=ppt/slideLayouts/slideLayout8.xml><?xml version="1.0" encoding="utf-8"?>
+<p:sldLayout xmlns:a="http://schemas.openxmlformats.org/drawingml/2006/main" xmlns:r="http://schemas.openxmlformats.org/officeDocument/2006/relationships" xmlns:p="http://schemas.openxmlformats.org/presentationml/2006/main" type="picTx" preserve="1">
+  <p:cSld name="图片与标题">
+    <p:spTree>
+      <p:nvGrpSpPr>
+        <p:cNvPr id="1" name=""/>
+        <p:cNvGrpSpPr/>
+        <p:nvPr/>
+      </p:nvGrpSpPr>
+      <p:grpSpPr>
+        <a:xfrm>
+          <a:off x="0" y="0"/>
+          <a:ext cx="0" cy="0"/>
+          <a:chOff x="0" y="0"/>
+          <a:chExt cx="0" cy="0"/>
+        </a:xfrm>
+      </p:grpSpPr>
+      <p:sp>
+        <p:nvSpPr>
+          <p:cNvPr id="2" name="标题 1"/>
+          <p:cNvSpPr>
+            <a:spLocks noGrp="1"/>
+          </p:cNvSpPr>
+          <p:nvPr>
+            <p:ph type="title" hasCustomPrompt="1"/>
+          </p:nvPr>
+        </p:nvSpPr>
+        <p:spPr>
+          <a:xfrm>
+            <a:off x="629841" y="711200"/>
+            <a:ext cx="3196800" cy="1600200"/>
+          </a:xfrm>
+        </p:spPr>
+        <p:txBody>
+          <a:bodyPr anchor="t">
+            <a:normAutofit/>
+          </a:bodyPr>
+          <a:lstStyle>
+            <a:lvl1pPr>
+              <a:defRPr sz="3200"/>
+            </a:lvl1pPr>
+          </a:lstStyle>
+          <a:p>
+            <a:r>
+              <a:rPr lang="zh-CN" altLang="en-US" noProof="1"/>
+              <a:t>单击此处编辑标题</a:t>
+            </a:r>
+          </a:p>
+        </p:txBody>
+      </p:sp>
+      <p:sp>
+        <p:nvSpPr>
+          <p:cNvPr id="3" name="图片占位符 2"/>
+          <p:cNvSpPr>
+            <a:spLocks noGrp="1" noChangeAspect="1"/>
+          </p:cNvSpPr>
+          <p:nvPr>
+            <p:ph type="pic" idx="1" hasCustomPrompt="1"/>
+          </p:nvPr>
+        </p:nvSpPr>
+        <p:spPr>
+          <a:xfrm>
+            <a:off x="4014391" y="733425"/>
+            <a:ext cx="4627800" cy="5403600"/>
+          </a:xfrm>
+        </p:spPr>
+        <p:txBody>
+          <a:bodyPr/>
+          <a:lstStyle>
+            <a:lvl1pPr marL="0" indent="0">
+              <a:buNone/>
+              <a:defRPr sz="2400"/>
+            </a:lvl1pPr>
+            <a:lvl2pPr marL="342900" indent="0">
+              <a:buNone/>
+              <a:defRPr sz="2100"/>
+            </a:lvl2pPr>
+            <a:lvl3pPr marL="685800" indent="0">
+              <a:buNone/>
+              <a:defRPr sz="1800"/>
+            </a:lvl3pPr>
+            <a:lvl4pPr marL="1028700" indent="0">
+              <a:buNone/>
+              <a:defRPr sz="1500"/>
+            </a:lvl4pPr>
+            <a:lvl5pPr marL="1371600" indent="0">
+              <a:buNone/>
+              <a:defRPr sz="1500"/>
+            </a:lvl5pPr>
+            <a:lvl6pPr marL="1714500" indent="0">
+              <a:buNone/>
+              <a:defRPr sz="1500"/>
+            </a:lvl6pPr>
+            <a:lvl7pPr marL="2057400" indent="0">
+              <a:buNone/>
+              <a:defRPr sz="1500"/>
+            </a:lvl7pPr>
+            <a:lvl8pPr marL="2400300" indent="0">
+              <a:buNone/>
+              <a:defRPr sz="1500"/>
+            </a:lvl8pPr>
+            <a:lvl9pPr marL="2743200" indent="0">
+              <a:buNone/>
+              <a:defRPr sz="1500"/>
+            </a:lvl9pPr>
+          </a:lstStyle>
+          <a:p>
+            <a:r>
+              <a:rPr lang="zh-CN" altLang="en-US" noProof="1"/>
+              <a:t>图片</a:t>
+            </a:r>
+          </a:p>
+        </p:txBody>
+      </p:sp>
+      <p:sp>
+        <p:nvSpPr>
+          <p:cNvPr id="4" name="文本占位符 3"/>
+          <p:cNvSpPr>
+            <a:spLocks noGrp="1"/>
+          </p:cNvSpPr>
+          <p:nvPr>
+            <p:ph type="body" sz="half" idx="2"/>
+          </p:nvPr>
+        </p:nvSpPr>
+        <p:spPr>
+          <a:xfrm>
+            <a:off x="629841" y="2311400"/>
+            <a:ext cx="3196800" cy="3811588"/>
+          </a:xfrm>
+        </p:spPr>
+        <p:txBody>
+          <a:bodyPr>
+            <a:normAutofit/>
+          </a:bodyPr>
+          <a:lstStyle>
+            <a:lvl1pPr marL="0" indent="0">
+              <a:buNone/>
+              <a:defRPr sz="2000"/>
+            </a:lvl1pPr>
+            <a:lvl2pPr marL="342900" indent="0">
+              <a:buNone/>
+              <a:defRPr sz="1050"/>
+            </a:lvl2pPr>
+            <a:lvl3pPr marL="685800" indent="0">
+              <a:buNone/>
+              <a:defRPr sz="900"/>
+            </a:lvl3pPr>
+            <a:lvl4pPr marL="1028700" indent="0">
+              <a:buNone/>
+              <a:defRPr sz="750"/>
+            </a:lvl4pPr>
+            <a:lvl5pPr marL="1371600" indent="0">
+              <a:buNone/>
+              <a:defRPr sz="750"/>
+            </a:lvl5pPr>
+            <a:lvl6pPr marL="1714500" indent="0">
+              <a:buNone/>
+              <a:defRPr sz="750"/>
+            </a:lvl6pPr>
+            <a:lvl7pPr marL="2057400" indent="0">
+              <a:buNone/>
+              <a:defRPr sz="750"/>
+            </a:lvl7pPr>
+            <a:lvl8pPr marL="2400300" indent="0">
+              <a:buNone/>
+              <a:defRPr sz="750"/>
+            </a:lvl8pPr>
+            <a:lvl9pPr marL="2743200" indent="0">
+              <a:buNone/>
+              <a:defRPr sz="750"/>
+            </a:lvl9pPr>
+          </a:lstStyle>
+          <a:p>
+            <a:pPr lvl="0"/>
+            <a:r>
+              <a:rPr lang="zh-CN" altLang="en-US" noProof="1"/>
+              <a:t>单击此处编辑母版文本样式</a:t>
+            </a:r>
+          </a:p>
+        </p:txBody>
+      </p:sp>
+      <p:sp>
+        <p:nvSpPr>
+          <p:cNvPr id="5" name="日期占位符 4"/>
+          <p:cNvSpPr>
+            <a:spLocks noGrp="1"/>
+          </p:cNvSpPr>
+          <p:nvPr>
+            <p:ph type="dt" sz="half" idx="10"/>
+          </p:nvPr>
+        </p:nvSpPr>
+        <p:spPr/>
+        <p:txBody>
+          <a:bodyPr/>
+          <a:lstStyle>
+            <a:lvl1pPr>
+              <a:defRPr sz="1200" smtClean="0"/>
+            </a:lvl1pPr>
+          </a:lstStyle>
+          <a:p>
             <a:fld id="{9EFD9D74-47D9-4702-A33C-335B63B48DBF}" type="datetimeFigureOut">
               <a:rPr lang="zh-CN" altLang="en-US"/>
+              <a:t>2018/7/29</a:t>
             </a:fld>
             <a:endParaRPr lang="zh-CN" altLang="en-US" dirty="0"/>
           </a:p>
@@ -3619,6 +7143,7 @@
           <a:p>
             <a:fld id="{B2E1C370-EC47-44E1-BBFE-64D6DC550E06}" type="slidenum">
               <a:rPr lang="zh-CN" altLang="en-US"/>
+              <a:t>‹#›</a:t>
             </a:fld>
             <a:endParaRPr lang="zh-CN" altLang="en-US"/>
           </a:p>
@@ -3679,7 +7204,6 @@
               <a:rPr lang="zh-CN" altLang="en-US" noProof="1"/>
               <a:t>单击此处编辑母版标题样式</a:t>
             </a:r>
-            <a:endParaRPr lang="zh-CN" altLang="en-US" noProof="1"/>
           </a:p>
         </p:txBody>
       </p:sp>
@@ -3726,7 +7250,6 @@
               <a:rPr lang="zh-CN" altLang="en-US" noProof="1"/>
               <a:t>单击此处编辑母版文本样式</a:t>
             </a:r>
-            <a:endParaRPr lang="zh-CN" altLang="en-US" noProof="1"/>
           </a:p>
           <a:p>
             <a:pPr lvl="1"/>
@@ -3734,7 +7257,6 @@
               <a:rPr lang="zh-CN" altLang="en-US" noProof="1"/>
               <a:t>第二级</a:t>
             </a:r>
-            <a:endParaRPr lang="zh-CN" altLang="en-US" noProof="1"/>
           </a:p>
           <a:p>
             <a:pPr lvl="2"/>
@@ -3742,7 +7264,6 @@
               <a:rPr lang="zh-CN" altLang="en-US" noProof="1"/>
               <a:t>第三级</a:t>
             </a:r>
-            <a:endParaRPr lang="zh-CN" altLang="en-US" noProof="1"/>
           </a:p>
           <a:p>
             <a:pPr lvl="3"/>
@@ -3750,7 +7271,6 @@
               <a:rPr lang="zh-CN" altLang="en-US" noProof="1"/>
               <a:t>第四级</a:t>
             </a:r>
-            <a:endParaRPr lang="zh-CN" altLang="en-US" noProof="1"/>
           </a:p>
           <a:p>
             <a:pPr lvl="4"/>
@@ -3758,7 +7278,6 @@
               <a:rPr lang="zh-CN" altLang="en-US" noProof="1"/>
               <a:t>第五级</a:t>
             </a:r>
-            <a:endParaRPr lang="zh-CN" altLang="en-US" noProof="1"/>
           </a:p>
         </p:txBody>
       </p:sp>
@@ -3783,6 +7302,7 @@
           <a:p>
             <a:fld id="{760FBDFE-C587-4B4C-A407-44438C67B59E}" type="datetimeFigureOut">
               <a:rPr lang="zh-CN" altLang="en-US"/>
+              <a:t>2018/7/29</a:t>
             </a:fld>
             <a:endParaRPr lang="zh-CN" altLang="en-US"/>
           </a:p>
@@ -3832,6 +7352,7 @@
           <a:p>
             <a:fld id="{986C7E2C-DF09-4D8D-A4F6-C3EF5949F498}" type="slidenum">
               <a:rPr lang="zh-CN" altLang="en-US"/>
+              <a:t>‹#›</a:t>
             </a:fld>
             <a:endParaRPr lang="zh-CN" altLang="en-US"/>
           </a:p>
@@ -3879,7 +7400,7 @@
           <p:nvPr>
             <p:ph type="title" idx="4294967295"/>
             <p:custDataLst>
-              <p:tags r:id="rId12"/>
+              <p:tags r:id="rId13"/>
             </p:custDataLst>
           </p:nvPr>
         </p:nvSpPr>
@@ -3924,7 +7445,6 @@
               <a:rPr lang="zh-CN" altLang="en-US"/>
               <a:t>单击此处编辑母版标题样式</a:t>
             </a:r>
-            <a:endParaRPr lang="zh-CN" altLang="en-US"/>
           </a:p>
         </p:txBody>
       </p:sp>
@@ -3937,7 +7457,7 @@
           <p:nvPr>
             <p:ph type="body" idx="9"/>
             <p:custDataLst>
-              <p:tags r:id="rId13"/>
+              <p:tags r:id="rId14"/>
             </p:custDataLst>
           </p:nvPr>
         </p:nvSpPr>
@@ -3982,7 +7502,6 @@
               <a:rPr lang="zh-CN" altLang="en-US"/>
               <a:t>单击此处编辑母版文本样式</a:t>
             </a:r>
-            <a:endParaRPr lang="zh-CN" altLang="en-US"/>
           </a:p>
           <a:p>
             <a:pPr lvl="1"/>
@@ -3990,7 +7509,6 @@
               <a:rPr lang="zh-CN" altLang="en-US"/>
               <a:t>第二级</a:t>
             </a:r>
-            <a:endParaRPr lang="zh-CN" altLang="en-US"/>
           </a:p>
           <a:p>
             <a:pPr lvl="2"/>
@@ -3998,7 +7516,6 @@
               <a:rPr lang="zh-CN" altLang="en-US"/>
               <a:t>第三级</a:t>
             </a:r>
-            <a:endParaRPr lang="zh-CN" altLang="en-US"/>
           </a:p>
           <a:p>
             <a:pPr lvl="3"/>
@@ -4006,7 +7523,6 @@
               <a:rPr lang="zh-CN" altLang="en-US"/>
               <a:t>第四级</a:t>
             </a:r>
-            <a:endParaRPr lang="zh-CN" altLang="en-US"/>
           </a:p>
           <a:p>
             <a:pPr lvl="4"/>
@@ -4014,7 +7530,6 @@
               <a:rPr lang="zh-CN" altLang="en-US"/>
               <a:t>第五级</a:t>
             </a:r>
-            <a:endParaRPr lang="zh-CN" altLang="en-US"/>
           </a:p>
         </p:txBody>
       </p:sp>
@@ -4060,6 +7575,7 @@
           <a:p>
             <a:fld id="{760FBDFE-C587-4B4C-A407-44438C67B59E}" type="datetimeFigureOut">
               <a:rPr lang="zh-CN" altLang="en-US"/>
+              <a:t>2018/7/29</a:t>
             </a:fld>
             <a:endParaRPr lang="zh-CN" altLang="en-US">
               <a:ea typeface="+mn-ea"/>
@@ -4152,6 +7668,7 @@
           <a:p>
             <a:fld id="{ECA6A4FB-A520-4B09-AD78-B7CBC19CBDD9}" type="slidenum">
               <a:rPr lang="zh-CN" altLang="en-US"/>
+              <a:t>‹#›</a:t>
             </a:fld>
             <a:endParaRPr lang="zh-CN" altLang="en-US">
               <a:ea typeface="+mn-ea"/>
@@ -4166,7 +7683,7 @@
           <p:cNvSpPr/>
           <p:nvPr>
             <p:custDataLst>
-              <p:tags r:id="rId14"/>
+              <p:tags r:id="rId15"/>
             </p:custDataLst>
           </p:nvPr>
         </p:nvSpPr>
@@ -4664,6 +8181,624 @@
 </p:sldMaster>
 </file>
 
+<file path=ppt/slideMasters/slideMaster2.xml><?xml version="1.0" encoding="utf-8"?>
+<p:sldMaster xmlns:a="http://schemas.openxmlformats.org/drawingml/2006/main" xmlns:r="http://schemas.openxmlformats.org/officeDocument/2006/relationships" xmlns:p="http://schemas.openxmlformats.org/presentationml/2006/main">
+  <p:cSld>
+    <p:bg>
+      <p:bgPr>
+        <a:solidFill>
+          <a:schemeClr val="bg1"/>
+        </a:solidFill>
+        <a:effectLst/>
+      </p:bgPr>
+    </p:bg>
+    <p:spTree>
+      <p:nvGrpSpPr>
+        <p:cNvPr id="1" name=""/>
+        <p:cNvGrpSpPr/>
+        <p:nvPr/>
+      </p:nvGrpSpPr>
+      <p:grpSpPr>
+        <a:xfrm>
+          <a:off x="0" y="0"/>
+          <a:ext cx="0" cy="0"/>
+          <a:chOff x="0" y="0"/>
+          <a:chExt cx="0" cy="0"/>
+        </a:xfrm>
+      </p:grpSpPr>
+      <p:sp>
+        <p:nvSpPr>
+          <p:cNvPr id="2" name="标题占位符 1"/>
+          <p:cNvSpPr>
+            <a:spLocks noGrp="1"/>
+          </p:cNvSpPr>
+          <p:nvPr>
+            <p:ph type="title"/>
+            <p:custDataLst>
+              <p:tags r:id="rId12"/>
+            </p:custDataLst>
+          </p:nvPr>
+        </p:nvSpPr>
+        <p:spPr>
+          <a:xfrm>
+            <a:off x="628650" y="365126"/>
+            <a:ext cx="7886700" cy="1325563"/>
+          </a:xfrm>
+          <a:prstGeom prst="rect">
+            <a:avLst/>
+          </a:prstGeom>
+        </p:spPr>
+        <p:txBody>
+          <a:bodyPr vert="horz" lIns="91440" tIns="45720" rIns="91440" bIns="45720" rtlCol="0" anchor="ctr">
+            <a:normAutofit/>
+          </a:bodyPr>
+          <a:lstStyle/>
+          <a:p>
+            <a:r>
+              <a:rPr lang="zh-CN" altLang="en-US" dirty="0"/>
+              <a:t>单击此处编辑母版标题样式</a:t>
+            </a:r>
+          </a:p>
+        </p:txBody>
+      </p:sp>
+      <p:sp>
+        <p:nvSpPr>
+          <p:cNvPr id="3" name="文本占位符 2"/>
+          <p:cNvSpPr>
+            <a:spLocks noGrp="1"/>
+          </p:cNvSpPr>
+          <p:nvPr>
+            <p:ph type="body" idx="1"/>
+            <p:custDataLst>
+              <p:tags r:id="rId13"/>
+            </p:custDataLst>
+          </p:nvPr>
+        </p:nvSpPr>
+        <p:spPr>
+          <a:xfrm>
+            <a:off x="628650" y="1825625"/>
+            <a:ext cx="7886700" cy="4351338"/>
+          </a:xfrm>
+          <a:prstGeom prst="rect">
+            <a:avLst/>
+          </a:prstGeom>
+        </p:spPr>
+        <p:txBody>
+          <a:bodyPr vert="horz" lIns="91440" tIns="45720" rIns="91440" bIns="45720" rtlCol="0">
+            <a:normAutofit/>
+          </a:bodyPr>
+          <a:lstStyle/>
+          <a:p>
+            <a:pPr lvl="0"/>
+            <a:r>
+              <a:rPr lang="zh-CN" altLang="en-US" dirty="0"/>
+              <a:t>单击此处编辑母版文本样式</a:t>
+            </a:r>
+          </a:p>
+          <a:p>
+            <a:pPr lvl="1"/>
+            <a:r>
+              <a:rPr lang="zh-CN" altLang="en-US" dirty="0"/>
+              <a:t>第二级</a:t>
+            </a:r>
+          </a:p>
+          <a:p>
+            <a:pPr lvl="2"/>
+            <a:r>
+              <a:rPr lang="zh-CN" altLang="en-US" dirty="0"/>
+              <a:t>第三级</a:t>
+            </a:r>
+          </a:p>
+          <a:p>
+            <a:pPr lvl="3"/>
+            <a:r>
+              <a:rPr lang="zh-CN" altLang="en-US" dirty="0"/>
+              <a:t>第四级</a:t>
+            </a:r>
+          </a:p>
+          <a:p>
+            <a:pPr lvl="4"/>
+            <a:r>
+              <a:rPr lang="zh-CN" altLang="en-US" dirty="0"/>
+              <a:t>第五级</a:t>
+            </a:r>
+          </a:p>
+        </p:txBody>
+      </p:sp>
+      <p:sp>
+        <p:nvSpPr>
+          <p:cNvPr id="4" name="日期占位符 3"/>
+          <p:cNvSpPr>
+            <a:spLocks noGrp="1"/>
+          </p:cNvSpPr>
+          <p:nvPr>
+            <p:ph type="dt" sz="half" idx="2"/>
+          </p:nvPr>
+        </p:nvSpPr>
+        <p:spPr>
+          <a:xfrm>
+            <a:off x="628650" y="6356351"/>
+            <a:ext cx="2057400" cy="365125"/>
+          </a:xfrm>
+          <a:prstGeom prst="rect">
+            <a:avLst/>
+          </a:prstGeom>
+        </p:spPr>
+        <p:txBody>
+          <a:bodyPr vert="horz" lIns="91440" tIns="45720" rIns="91440" bIns="45720" rtlCol="0" anchor="ctr">
+            <a:normAutofit/>
+          </a:bodyPr>
+          <a:lstStyle>
+            <a:lvl1pPr algn="l">
+              <a:lnSpc>
+                <a:spcPct val="120000"/>
+              </a:lnSpc>
+              <a:defRPr sz="1200">
+                <a:solidFill>
+                  <a:schemeClr val="bg1">
+                    <a:lumMod val="50000"/>
+                  </a:schemeClr>
+                </a:solidFill>
+              </a:defRPr>
+            </a:lvl1pPr>
+          </a:lstStyle>
+          <a:p>
+            <a:fld id="{760FBDFE-C587-4B4C-A407-44438C67B59E}" type="datetimeFigureOut">
+              <a:rPr lang="zh-CN" altLang="en-US" smtClean="0"/>
+              <a:t>2018/7/29</a:t>
+            </a:fld>
+            <a:endParaRPr lang="zh-CN" altLang="en-US"/>
+          </a:p>
+        </p:txBody>
+      </p:sp>
+      <p:sp>
+        <p:nvSpPr>
+          <p:cNvPr id="5" name="页脚占位符 4"/>
+          <p:cNvSpPr>
+            <a:spLocks noGrp="1"/>
+          </p:cNvSpPr>
+          <p:nvPr>
+            <p:ph type="ftr" sz="quarter" idx="3"/>
+          </p:nvPr>
+        </p:nvSpPr>
+        <p:spPr>
+          <a:xfrm>
+            <a:off x="3028950" y="6356351"/>
+            <a:ext cx="3086100" cy="365125"/>
+          </a:xfrm>
+          <a:prstGeom prst="rect">
+            <a:avLst/>
+          </a:prstGeom>
+        </p:spPr>
+        <p:txBody>
+          <a:bodyPr vert="horz" lIns="91440" tIns="45720" rIns="91440" bIns="45720" rtlCol="0" anchor="ctr">
+            <a:normAutofit/>
+          </a:bodyPr>
+          <a:lstStyle>
+            <a:lvl1pPr algn="ctr">
+              <a:lnSpc>
+                <a:spcPct val="120000"/>
+              </a:lnSpc>
+              <a:defRPr sz="1200">
+                <a:solidFill>
+                  <a:schemeClr val="bg1">
+                    <a:lumMod val="50000"/>
+                  </a:schemeClr>
+                </a:solidFill>
+              </a:defRPr>
+            </a:lvl1pPr>
+          </a:lstStyle>
+          <a:p>
+            <a:endParaRPr lang="zh-CN" altLang="en-US"/>
+          </a:p>
+        </p:txBody>
+      </p:sp>
+      <p:sp>
+        <p:nvSpPr>
+          <p:cNvPr id="6" name="灯片编号占位符 5"/>
+          <p:cNvSpPr>
+            <a:spLocks noGrp="1"/>
+          </p:cNvSpPr>
+          <p:nvPr>
+            <p:ph type="sldNum" sz="quarter" idx="4"/>
+          </p:nvPr>
+        </p:nvSpPr>
+        <p:spPr>
+          <a:xfrm>
+            <a:off x="6457950" y="6356351"/>
+            <a:ext cx="2057400" cy="365125"/>
+          </a:xfrm>
+          <a:prstGeom prst="rect">
+            <a:avLst/>
+          </a:prstGeom>
+        </p:spPr>
+        <p:txBody>
+          <a:bodyPr vert="horz" lIns="91440" tIns="45720" rIns="91440" bIns="45720" rtlCol="0" anchor="ctr">
+            <a:normAutofit/>
+          </a:bodyPr>
+          <a:lstStyle>
+            <a:lvl1pPr algn="r">
+              <a:lnSpc>
+                <a:spcPct val="120000"/>
+              </a:lnSpc>
+              <a:defRPr sz="1200">
+                <a:solidFill>
+                  <a:schemeClr val="bg1">
+                    <a:lumMod val="50000"/>
+                  </a:schemeClr>
+                </a:solidFill>
+              </a:defRPr>
+            </a:lvl1pPr>
+          </a:lstStyle>
+          <a:p>
+            <a:fld id="{49AE70B2-8BF9-45C0-BB95-33D1B9D3A854}" type="slidenum">
+              <a:rPr lang="zh-CN" altLang="en-US" smtClean="0"/>
+              <a:t>‹#›</a:t>
+            </a:fld>
+            <a:endParaRPr lang="zh-CN" altLang="en-US"/>
+          </a:p>
+        </p:txBody>
+      </p:sp>
+      <p:sp>
+        <p:nvSpPr>
+          <p:cNvPr id="7" name="KSO_TEMPLATE" hidden="1"/>
+          <p:cNvSpPr/>
+          <p:nvPr>
+            <p:custDataLst>
+              <p:tags r:id="rId14"/>
+            </p:custDataLst>
+          </p:nvPr>
+        </p:nvSpPr>
+        <p:spPr>
+          <a:xfrm>
+            <a:off x="0" y="0"/>
+            <a:ext cx="0" cy="0"/>
+          </a:xfrm>
+          <a:prstGeom prst="rect">
+            <a:avLst/>
+          </a:prstGeom>
+        </p:spPr>
+        <p:style>
+          <a:lnRef idx="2">
+            <a:schemeClr val="accent1">
+              <a:shade val="50000"/>
+            </a:schemeClr>
+          </a:lnRef>
+          <a:fillRef idx="1">
+            <a:schemeClr val="accent1"/>
+          </a:fillRef>
+          <a:effectRef idx="0">
+            <a:schemeClr val="accent1"/>
+          </a:effectRef>
+          <a:fontRef idx="minor">
+            <a:schemeClr val="lt1"/>
+          </a:fontRef>
+        </p:style>
+        <p:txBody>
+          <a:bodyPr rtlCol="0" anchor="ctr"/>
+          <a:lstStyle/>
+          <a:p>
+            <a:pPr algn="ctr"/>
+            <a:endParaRPr lang="zh-CN" altLang="en-US" sz="1800"/>
+          </a:p>
+        </p:txBody>
+      </p:sp>
+    </p:spTree>
+  </p:cSld>
+  <p:clrMap bg1="lt1" tx1="dk1" bg2="lt2" tx2="dk2" accent1="accent1" accent2="accent2" accent3="accent3" accent4="accent4" accent5="accent5" accent6="accent6" hlink="hlink" folHlink="folHlink"/>
+  <p:sldLayoutIdLst>
+    <p:sldLayoutId id="2147483661" r:id="rId1"/>
+    <p:sldLayoutId id="2147483662" r:id="rId2"/>
+    <p:sldLayoutId id="2147483663" r:id="rId3"/>
+    <p:sldLayoutId id="2147483664" r:id="rId4"/>
+    <p:sldLayoutId id="2147483665" r:id="rId5"/>
+    <p:sldLayoutId id="2147483666" r:id="rId6"/>
+    <p:sldLayoutId id="2147483667" r:id="rId7"/>
+    <p:sldLayoutId id="2147483668" r:id="rId8"/>
+    <p:sldLayoutId id="2147483669" r:id="rId9"/>
+    <p:sldLayoutId id="2147483670" r:id="rId10"/>
+  </p:sldLayoutIdLst>
+  <p:txStyles>
+    <p:titleStyle>
+      <a:lvl1pPr algn="l" defTabSz="685800" rtl="0" eaLnBrk="1" latinLnBrk="0" hangingPunct="1">
+        <a:lnSpc>
+          <a:spcPct val="120000"/>
+        </a:lnSpc>
+        <a:spcBef>
+          <a:spcPct val="0"/>
+        </a:spcBef>
+        <a:buNone/>
+        <a:defRPr sz="3600" kern="1200">
+          <a:solidFill>
+            <a:schemeClr val="tx1">
+              <a:lumMod val="75000"/>
+              <a:lumOff val="25000"/>
+            </a:schemeClr>
+          </a:solidFill>
+          <a:latin typeface="+mj-lt"/>
+          <a:ea typeface="+mj-ea"/>
+          <a:cs typeface="+mj-cs"/>
+        </a:defRPr>
+      </a:lvl1pPr>
+    </p:titleStyle>
+    <p:bodyStyle>
+      <a:lvl1pPr marL="171450" indent="-171450" algn="l" defTabSz="685800" rtl="0" eaLnBrk="1" latinLnBrk="0" hangingPunct="1">
+        <a:lnSpc>
+          <a:spcPct val="120000"/>
+        </a:lnSpc>
+        <a:spcBef>
+          <a:spcPts val="750"/>
+        </a:spcBef>
+        <a:buFont typeface="Arial" panose="020B0604020202020204" pitchFamily="34" charset="0"/>
+        <a:buChar char="•"/>
+        <a:defRPr sz="2400" kern="1200">
+          <a:solidFill>
+            <a:schemeClr val="tx1">
+              <a:lumMod val="75000"/>
+              <a:lumOff val="25000"/>
+            </a:schemeClr>
+          </a:solidFill>
+          <a:latin typeface="+mn-lt"/>
+          <a:ea typeface="+mn-ea"/>
+          <a:cs typeface="+mn-cs"/>
+        </a:defRPr>
+      </a:lvl1pPr>
+      <a:lvl2pPr marL="514350" indent="-171450" algn="l" defTabSz="685800" rtl="0" eaLnBrk="1" latinLnBrk="0" hangingPunct="1">
+        <a:lnSpc>
+          <a:spcPct val="120000"/>
+        </a:lnSpc>
+        <a:spcBef>
+          <a:spcPts val="375"/>
+        </a:spcBef>
+        <a:buFont typeface="Arial" panose="020B0604020202020204" pitchFamily="34" charset="0"/>
+        <a:buChar char="•"/>
+        <a:defRPr sz="2000" kern="1200">
+          <a:solidFill>
+            <a:schemeClr val="tx1">
+              <a:lumMod val="75000"/>
+              <a:lumOff val="25000"/>
+            </a:schemeClr>
+          </a:solidFill>
+          <a:latin typeface="+mn-lt"/>
+          <a:ea typeface="+mn-ea"/>
+          <a:cs typeface="+mn-cs"/>
+        </a:defRPr>
+      </a:lvl2pPr>
+      <a:lvl3pPr marL="857250" indent="-171450" algn="l" defTabSz="685800" rtl="0" eaLnBrk="1" latinLnBrk="0" hangingPunct="1">
+        <a:lnSpc>
+          <a:spcPct val="120000"/>
+        </a:lnSpc>
+        <a:spcBef>
+          <a:spcPts val="375"/>
+        </a:spcBef>
+        <a:buFont typeface="Arial" panose="020B0604020202020204" pitchFamily="34" charset="0"/>
+        <a:buChar char="•"/>
+        <a:defRPr sz="1800" kern="1200">
+          <a:solidFill>
+            <a:schemeClr val="tx1">
+              <a:lumMod val="75000"/>
+              <a:lumOff val="25000"/>
+            </a:schemeClr>
+          </a:solidFill>
+          <a:latin typeface="+mn-lt"/>
+          <a:ea typeface="+mn-ea"/>
+          <a:cs typeface="+mn-cs"/>
+        </a:defRPr>
+      </a:lvl3pPr>
+      <a:lvl4pPr marL="1200150" indent="-171450" algn="l" defTabSz="685800" rtl="0" eaLnBrk="1" latinLnBrk="0" hangingPunct="1">
+        <a:lnSpc>
+          <a:spcPct val="120000"/>
+        </a:lnSpc>
+        <a:spcBef>
+          <a:spcPts val="375"/>
+        </a:spcBef>
+        <a:buFont typeface="Arial" panose="020B0604020202020204" pitchFamily="34" charset="0"/>
+        <a:buChar char="•"/>
+        <a:defRPr sz="1800" kern="1200">
+          <a:solidFill>
+            <a:schemeClr val="tx1">
+              <a:lumMod val="75000"/>
+              <a:lumOff val="25000"/>
+            </a:schemeClr>
+          </a:solidFill>
+          <a:latin typeface="+mn-lt"/>
+          <a:ea typeface="+mn-ea"/>
+          <a:cs typeface="+mn-cs"/>
+        </a:defRPr>
+      </a:lvl4pPr>
+      <a:lvl5pPr marL="1543050" indent="-171450" algn="l" defTabSz="685800" rtl="0" eaLnBrk="1" latinLnBrk="0" hangingPunct="1">
+        <a:lnSpc>
+          <a:spcPct val="120000"/>
+        </a:lnSpc>
+        <a:spcBef>
+          <a:spcPts val="375"/>
+        </a:spcBef>
+        <a:buFont typeface="Arial" panose="020B0604020202020204" pitchFamily="34" charset="0"/>
+        <a:buChar char="•"/>
+        <a:defRPr sz="1800" kern="1200">
+          <a:solidFill>
+            <a:schemeClr val="tx1">
+              <a:lumMod val="75000"/>
+              <a:lumOff val="25000"/>
+            </a:schemeClr>
+          </a:solidFill>
+          <a:latin typeface="+mn-lt"/>
+          <a:ea typeface="+mn-ea"/>
+          <a:cs typeface="+mn-cs"/>
+        </a:defRPr>
+      </a:lvl5pPr>
+      <a:lvl6pPr marL="1885950" indent="-171450" algn="l" defTabSz="685800" rtl="0" eaLnBrk="1" latinLnBrk="0" hangingPunct="1">
+        <a:lnSpc>
+          <a:spcPct val="90000"/>
+        </a:lnSpc>
+        <a:spcBef>
+          <a:spcPts val="375"/>
+        </a:spcBef>
+        <a:buFont typeface="Arial" panose="020B0604020202020204" pitchFamily="34" charset="0"/>
+        <a:buChar char="•"/>
+        <a:defRPr sz="1350" kern="1200">
+          <a:solidFill>
+            <a:schemeClr val="tx1"/>
+          </a:solidFill>
+          <a:latin typeface="+mn-lt"/>
+          <a:ea typeface="+mn-ea"/>
+          <a:cs typeface="+mn-cs"/>
+        </a:defRPr>
+      </a:lvl6pPr>
+      <a:lvl7pPr marL="2228850" indent="-171450" algn="l" defTabSz="685800" rtl="0" eaLnBrk="1" latinLnBrk="0" hangingPunct="1">
+        <a:lnSpc>
+          <a:spcPct val="90000"/>
+        </a:lnSpc>
+        <a:spcBef>
+          <a:spcPts val="375"/>
+        </a:spcBef>
+        <a:buFont typeface="Arial" panose="020B0604020202020204" pitchFamily="34" charset="0"/>
+        <a:buChar char="•"/>
+        <a:defRPr sz="1350" kern="1200">
+          <a:solidFill>
+            <a:schemeClr val="tx1"/>
+          </a:solidFill>
+          <a:latin typeface="+mn-lt"/>
+          <a:ea typeface="+mn-ea"/>
+          <a:cs typeface="+mn-cs"/>
+        </a:defRPr>
+      </a:lvl7pPr>
+      <a:lvl8pPr marL="2571750" indent="-171450" algn="l" defTabSz="685800" rtl="0" eaLnBrk="1" latinLnBrk="0" hangingPunct="1">
+        <a:lnSpc>
+          <a:spcPct val="90000"/>
+        </a:lnSpc>
+        <a:spcBef>
+          <a:spcPts val="375"/>
+        </a:spcBef>
+        <a:buFont typeface="Arial" panose="020B0604020202020204" pitchFamily="34" charset="0"/>
+        <a:buChar char="•"/>
+        <a:defRPr sz="1350" kern="1200">
+          <a:solidFill>
+            <a:schemeClr val="tx1"/>
+          </a:solidFill>
+          <a:latin typeface="+mn-lt"/>
+          <a:ea typeface="+mn-ea"/>
+          <a:cs typeface="+mn-cs"/>
+        </a:defRPr>
+      </a:lvl8pPr>
+      <a:lvl9pPr marL="2914650" indent="-171450" algn="l" defTabSz="685800" rtl="0" eaLnBrk="1" latinLnBrk="0" hangingPunct="1">
+        <a:lnSpc>
+          <a:spcPct val="90000"/>
+        </a:lnSpc>
+        <a:spcBef>
+          <a:spcPts val="375"/>
+        </a:spcBef>
+        <a:buFont typeface="Arial" panose="020B0604020202020204" pitchFamily="34" charset="0"/>
+        <a:buChar char="•"/>
+        <a:defRPr sz="1350" kern="1200">
+          <a:solidFill>
+            <a:schemeClr val="tx1"/>
+          </a:solidFill>
+          <a:latin typeface="+mn-lt"/>
+          <a:ea typeface="+mn-ea"/>
+          <a:cs typeface="+mn-cs"/>
+        </a:defRPr>
+      </a:lvl9pPr>
+    </p:bodyStyle>
+    <p:otherStyle>
+      <a:defPPr>
+        <a:defRPr lang="zh-CN"/>
+      </a:defPPr>
+      <a:lvl1pPr marL="0" algn="l" defTabSz="685800" rtl="0" eaLnBrk="1" latinLnBrk="0" hangingPunct="1">
+        <a:defRPr sz="1350" kern="1200">
+          <a:solidFill>
+            <a:schemeClr val="tx1"/>
+          </a:solidFill>
+          <a:latin typeface="+mn-lt"/>
+          <a:ea typeface="+mn-ea"/>
+          <a:cs typeface="+mn-cs"/>
+        </a:defRPr>
+      </a:lvl1pPr>
+      <a:lvl2pPr marL="342900" algn="l" defTabSz="685800" rtl="0" eaLnBrk="1" latinLnBrk="0" hangingPunct="1">
+        <a:defRPr sz="1350" kern="1200">
+          <a:solidFill>
+            <a:schemeClr val="tx1"/>
+          </a:solidFill>
+          <a:latin typeface="+mn-lt"/>
+          <a:ea typeface="+mn-ea"/>
+          <a:cs typeface="+mn-cs"/>
+        </a:defRPr>
+      </a:lvl2pPr>
+      <a:lvl3pPr marL="685800" algn="l" defTabSz="685800" rtl="0" eaLnBrk="1" latinLnBrk="0" hangingPunct="1">
+        <a:defRPr sz="1350" kern="1200">
+          <a:solidFill>
+            <a:schemeClr val="tx1"/>
+          </a:solidFill>
+          <a:latin typeface="+mn-lt"/>
+          <a:ea typeface="+mn-ea"/>
+          <a:cs typeface="+mn-cs"/>
+        </a:defRPr>
+      </a:lvl3pPr>
+      <a:lvl4pPr marL="1028700" algn="l" defTabSz="685800" rtl="0" eaLnBrk="1" latinLnBrk="0" hangingPunct="1">
+        <a:defRPr sz="1350" kern="1200">
+          <a:solidFill>
+            <a:schemeClr val="tx1"/>
+          </a:solidFill>
+          <a:latin typeface="+mn-lt"/>
+          <a:ea typeface="+mn-ea"/>
+          <a:cs typeface="+mn-cs"/>
+        </a:defRPr>
+      </a:lvl4pPr>
+      <a:lvl5pPr marL="1371600" algn="l" defTabSz="685800" rtl="0" eaLnBrk="1" latinLnBrk="0" hangingPunct="1">
+        <a:defRPr sz="1350" kern="1200">
+          <a:solidFill>
+            <a:schemeClr val="tx1"/>
+          </a:solidFill>
+          <a:latin typeface="+mn-lt"/>
+          <a:ea typeface="+mn-ea"/>
+          <a:cs typeface="+mn-cs"/>
+        </a:defRPr>
+      </a:lvl5pPr>
+      <a:lvl6pPr marL="1714500" algn="l" defTabSz="685800" rtl="0" eaLnBrk="1" latinLnBrk="0" hangingPunct="1">
+        <a:defRPr sz="1350" kern="1200">
+          <a:solidFill>
+            <a:schemeClr val="tx1"/>
+          </a:solidFill>
+          <a:latin typeface="+mn-lt"/>
+          <a:ea typeface="+mn-ea"/>
+          <a:cs typeface="+mn-cs"/>
+        </a:defRPr>
+      </a:lvl6pPr>
+      <a:lvl7pPr marL="2057400" algn="l" defTabSz="685800" rtl="0" eaLnBrk="1" latinLnBrk="0" hangingPunct="1">
+        <a:defRPr sz="1350" kern="1200">
+          <a:solidFill>
+            <a:schemeClr val="tx1"/>
+          </a:solidFill>
+          <a:latin typeface="+mn-lt"/>
+          <a:ea typeface="+mn-ea"/>
+          <a:cs typeface="+mn-cs"/>
+        </a:defRPr>
+      </a:lvl7pPr>
+      <a:lvl8pPr marL="2400300" algn="l" defTabSz="685800" rtl="0" eaLnBrk="1" latinLnBrk="0" hangingPunct="1">
+        <a:defRPr sz="1350" kern="1200">
+          <a:solidFill>
+            <a:schemeClr val="tx1"/>
+          </a:solidFill>
+          <a:latin typeface="+mn-lt"/>
+          <a:ea typeface="+mn-ea"/>
+          <a:cs typeface="+mn-cs"/>
+        </a:defRPr>
+      </a:lvl8pPr>
+      <a:lvl9pPr marL="2743200" algn="l" defTabSz="685800" rtl="0" eaLnBrk="1" latinLnBrk="0" hangingPunct="1">
+        <a:defRPr sz="1350" kern="1200">
+          <a:solidFill>
+            <a:schemeClr val="tx1"/>
+          </a:solidFill>
+          <a:latin typeface="+mn-lt"/>
+          <a:ea typeface="+mn-ea"/>
+          <a:cs typeface="+mn-cs"/>
+        </a:defRPr>
+      </a:lvl9pPr>
+    </p:otherStyle>
+  </p:txStyles>
+</p:sldMaster>
+</file>
+
 <file path=ppt/slides/slide1.xml><?xml version="1.0" encoding="utf-8"?>
 <p:sld xmlns:a="http://schemas.openxmlformats.org/drawingml/2006/main" xmlns:r="http://schemas.openxmlformats.org/officeDocument/2006/relationships" xmlns:p="http://schemas.openxmlformats.org/presentationml/2006/main">
   <p:cSld>
@@ -4689,7 +8824,7 @@
           </p:cNvSpPr>
           <p:nvPr>
             <p:custDataLst>
-              <p:tags r:id="rId1"/>
+              <p:tags r:id="rId2"/>
             </p:custDataLst>
           </p:nvPr>
         </p:nvSpPr>
@@ -4902,7 +9037,6 @@
               <a:rPr lang="zh-CN" altLang="en-US" sz="1800" dirty="0"/>
               <a:t>开发工程部  冯泽明</a:t>
             </a:r>
-            <a:endParaRPr lang="zh-CN" altLang="en-US" sz="1800" dirty="0"/>
           </a:p>
         </p:txBody>
       </p:sp>
@@ -4933,7 +9067,7 @@
             </a:pPr>
             <a:r>
               <a:rPr lang="en-US" altLang="zh-CN" dirty="0">
-                <a:hlinkClick r:id="rId2"/>
+                <a:hlinkClick r:id="rId7"/>
               </a:rPr>
               <a:t>https://github.com/newgr8player</a:t>
             </a:r>
@@ -4942,7 +9076,7 @@
           <a:p>
             <a:r>
               <a:rPr lang="en-US" altLang="zh-CN" dirty="0">
-                <a:hlinkClick r:id="rId3"/>
+                <a:hlinkClick r:id="rId8"/>
               </a:rPr>
               <a:t>https://newgr8player.gitee.io/</a:t>
             </a:r>
@@ -4959,14 +9093,14 @@
           <p:nvPr>
             <p:ph type="ctrTitle"/>
             <p:custDataLst>
-              <p:tags r:id="rId4"/>
+              <p:tags r:id="rId3"/>
             </p:custDataLst>
           </p:nvPr>
         </p:nvSpPr>
         <p:spPr>
           <a:xfrm>
-            <a:off x="2686685" y="2663190"/>
-            <a:ext cx="3887470" cy="1089660"/>
+            <a:off x="1701209" y="2724531"/>
+            <a:ext cx="5741582" cy="1089529"/>
           </a:xfrm>
         </p:spPr>
         <p:txBody>
@@ -4975,12 +9109,11 @@
           </a:bodyPr>
           <a:lstStyle/>
           <a:p>
-            <a:pPr algn="dist"/>
-            <a:r>
-              <a:rPr lang="zh-CN" altLang="en-US" sz="4000"/>
+            <a:r>
+              <a:rPr lang="zh-CN" altLang="en-US" sz="4000" dirty="0"/>
               <a:t>设计模式</a:t>
             </a:r>
-            <a:endParaRPr lang="zh-CN" altLang="en-US" sz="4000"/>
+            <a:endParaRPr lang="en-US" altLang="zh-CN" sz="4000" dirty="0"/>
           </a:p>
         </p:txBody>
       </p:sp>
@@ -4993,7 +9126,7 @@
           <p:nvPr>
             <p:ph type="subTitle" idx="1"/>
             <p:custDataLst>
-              <p:tags r:id="rId5"/>
+              <p:tags r:id="rId4"/>
             </p:custDataLst>
           </p:nvPr>
         </p:nvSpPr>
@@ -5005,23 +9138,33 @@
           <a:lstStyle/>
           <a:p>
             <a:r>
-              <a:rPr lang="en-US" altLang="zh-CN" dirty="0"/>
-              <a:t>Elements of reusable object-oriented software. </a:t>
-            </a:r>
-            <a:endParaRPr lang="en-US" altLang="zh-CN" dirty="0"/>
-          </a:p>
-        </p:txBody>
-      </p:sp>
-      <p:sp>
-        <p:nvSpPr>
-          <p:cNvPr id="7" name="文本框 6"/>
+              <a:rPr lang="en-US" altLang="zh-CN" b="1" dirty="0">
+                <a:latin typeface="Franklin Gothic Medium" panose="020B0603020102020204" pitchFamily="34" charset="0"/>
+              </a:rPr>
+              <a:t>Elements of Reusable Object-Oriented Software</a:t>
+            </a:r>
+            <a:endParaRPr lang="en-US" altLang="zh-CN" dirty="0">
+              <a:latin typeface="Franklin Gothic Medium" panose="020B0603020102020204" pitchFamily="34" charset="0"/>
+            </a:endParaRPr>
+          </a:p>
+        </p:txBody>
+      </p:sp>
+      <p:sp>
+        <p:nvSpPr>
+          <p:cNvPr id="7" name="文本框 6">
+            <a:extLst>
+              <a:ext uri="{FF2B5EF4-FFF2-40B4-BE49-F238E27FC236}">
+                <a16:creationId xmlns:a16="http://schemas.microsoft.com/office/drawing/2014/main" id="{C39AF679-0E84-4A07-B2FD-C411D867FABF}"/>
+              </a:ext>
+            </a:extLst>
+          </p:cNvPr>
           <p:cNvSpPr txBox="1"/>
           <p:nvPr/>
         </p:nvSpPr>
         <p:spPr>
           <a:xfrm>
-            <a:off x="3348355" y="2083435"/>
-            <a:ext cx="2570480" cy="460375"/>
+            <a:off x="3451853" y="2069253"/>
+            <a:ext cx="2240293" cy="461665"/>
           </a:xfrm>
           <a:prstGeom prst="rect">
             <a:avLst/>
@@ -5029,35 +9172,28 @@
           <a:noFill/>
         </p:spPr>
         <p:txBody>
-          <a:bodyPr wrap="square" rtlCol="0">
+          <a:bodyPr wrap="none" rtlCol="0">
             <a:spAutoFit/>
           </a:bodyPr>
-          <a:p>
-            <a:r>
-              <a:rPr lang="zh-CN" altLang="en-US">
-                <a:solidFill>
-                  <a:srgbClr val="404040"/>
-                </a:solidFill>
-                <a:latin typeface="GungsuhChe" panose="02030609000101010101" charset="-127"/>
-                <a:ea typeface="GungsuhChe" panose="02030609000101010101" charset="-127"/>
-                <a:cs typeface="+mj-cs"/>
+          <a:lstStyle/>
+          <a:p>
+            <a:r>
+              <a:rPr lang="en-US" altLang="zh-CN" dirty="0">
+                <a:latin typeface="Segoe UI Semibold" panose="020B0702040204020203" pitchFamily="34" charset="0"/>
+                <a:cs typeface="Segoe UI Semibold" panose="020B0702040204020203" pitchFamily="34" charset="0"/>
               </a:rPr>
-              <a:t>Design Patterns</a:t>
-            </a:r>
-            <a:endParaRPr lang="zh-CN" altLang="en-US">
-              <a:solidFill>
-                <a:srgbClr val="404040"/>
-              </a:solidFill>
-              <a:latin typeface="GungsuhChe" panose="02030609000101010101" charset="-127"/>
-              <a:ea typeface="GungsuhChe" panose="02030609000101010101" charset="-127"/>
-              <a:cs typeface="+mj-cs"/>
+              <a:t>Design Pattern</a:t>
+            </a:r>
+            <a:endParaRPr lang="zh-CN" altLang="en-US" dirty="0">
+              <a:latin typeface="Segoe UI Semibold" panose="020B0702040204020203" pitchFamily="34" charset="0"/>
+              <a:cs typeface="Segoe UI Semibold" panose="020B0702040204020203" pitchFamily="34" charset="0"/>
             </a:endParaRPr>
           </a:p>
         </p:txBody>
       </p:sp>
     </p:spTree>
     <p:custDataLst>
-      <p:tags r:id="rId6"/>
+      <p:tags r:id="rId1"/>
     </p:custDataLst>
   </p:cSld>
   <p:clrMapOvr>
@@ -5066,7 +9202,7 @@
 </p:sld>
 </file>
 
-<file path=ppt/slides/slide2.xml><?xml version="1.0" encoding="utf-8"?>
+<file path=ppt/slides/slide10.xml><?xml version="1.0" encoding="utf-8"?>
 <p:sld xmlns:a="http://schemas.openxmlformats.org/drawingml/2006/main" xmlns:r="http://schemas.openxmlformats.org/officeDocument/2006/relationships" xmlns:p="http://schemas.openxmlformats.org/presentationml/2006/main">
   <p:cSld>
     <p:spTree>
@@ -5085,6 +9221,169 @@
       </p:grpSpPr>
       <p:sp>
         <p:nvSpPr>
+          <p:cNvPr id="8" name="标题 1"/>
+          <p:cNvSpPr txBox="1"/>
+          <p:nvPr>
+            <p:custDataLst>
+              <p:tags r:id="rId2"/>
+            </p:custDataLst>
+          </p:nvPr>
+        </p:nvSpPr>
+        <p:spPr>
+          <a:xfrm>
+            <a:off x="571608" y="661194"/>
+            <a:ext cx="7886700" cy="994172"/>
+          </a:xfrm>
+          <a:prstGeom prst="rect">
+            <a:avLst/>
+          </a:prstGeom>
+        </p:spPr>
+        <p:txBody>
+          <a:bodyPr vert="horz" wrap="square" lIns="68580" tIns="34290" rIns="68580" bIns="34290" rtlCol="0" anchor="ctr">
+            <a:normAutofit/>
+          </a:bodyPr>
+          <a:lstStyle>
+            <a:lvl1pPr defTabSz="914400">
+              <a:lnSpc>
+                <a:spcPct val="120000"/>
+              </a:lnSpc>
+              <a:spcBef>
+                <a:spcPct val="0"/>
+              </a:spcBef>
+              <a:buNone/>
+              <a:defRPr sz="3600">
+                <a:solidFill>
+                  <a:schemeClr val="tx1">
+                    <a:lumMod val="75000"/>
+                    <a:lumOff val="25000"/>
+                  </a:schemeClr>
+                </a:solidFill>
+                <a:latin typeface="+mj-lt"/>
+                <a:ea typeface="+mj-ea"/>
+                <a:cs typeface="+mj-cs"/>
+              </a:defRPr>
+            </a:lvl1pPr>
+          </a:lstStyle>
+          <a:p>
+            <a:r>
+              <a:rPr lang="zh-CN" altLang="en-US" dirty="0"/>
+              <a:t>工厂模式的应用</a:t>
+            </a:r>
+            <a:endParaRPr lang="en-US" altLang="zh-CN" dirty="0"/>
+          </a:p>
+        </p:txBody>
+      </p:sp>
+      <p:sp>
+        <p:nvSpPr>
+          <p:cNvPr id="3" name="文本框 2">
+            <a:extLst>
+              <a:ext uri="{FF2B5EF4-FFF2-40B4-BE49-F238E27FC236}">
+                <a16:creationId xmlns:a16="http://schemas.microsoft.com/office/drawing/2014/main" id="{6FBF8D99-FB3D-4D87-A95F-C3882FE7B1C9}"/>
+              </a:ext>
+            </a:extLst>
+          </p:cNvPr>
+          <p:cNvSpPr txBox="1"/>
+          <p:nvPr/>
+        </p:nvSpPr>
+        <p:spPr>
+          <a:xfrm>
+            <a:off x="566431" y="2057436"/>
+            <a:ext cx="8334776" cy="579967"/>
+          </a:xfrm>
+          <a:prstGeom prst="rect">
+            <a:avLst/>
+          </a:prstGeom>
+          <a:noFill/>
+        </p:spPr>
+        <p:txBody>
+          <a:bodyPr wrap="square" rtlCol="0">
+            <a:spAutoFit/>
+          </a:bodyPr>
+          <a:lstStyle/>
+          <a:p>
+            <a:pPr eaLnBrk="1" hangingPunct="1">
+              <a:lnSpc>
+                <a:spcPct val="150000"/>
+              </a:lnSpc>
+              <a:buFont typeface="Wingdings" panose="05000000000000000000" pitchFamily="2" charset="2"/>
+              <a:buNone/>
+            </a:pPr>
+            <a:r>
+              <a:rPr lang="en-US" altLang="zh-CN" dirty="0" err="1"/>
+              <a:t>Logback</a:t>
+            </a:r>
+            <a:r>
+              <a:rPr lang="zh-CN" altLang="en-US" dirty="0"/>
+              <a:t>进行日志记录时：</a:t>
+            </a:r>
+          </a:p>
+        </p:txBody>
+      </p:sp>
+      <p:pic>
+        <p:nvPicPr>
+          <p:cNvPr id="2" name="图片 1">
+            <a:extLst>
+              <a:ext uri="{FF2B5EF4-FFF2-40B4-BE49-F238E27FC236}">
+                <a16:creationId xmlns:a16="http://schemas.microsoft.com/office/drawing/2014/main" id="{5E045BC6-49CD-4EF0-AE75-9E6BF1F51B34}"/>
+              </a:ext>
+            </a:extLst>
+          </p:cNvPr>
+          <p:cNvPicPr>
+            <a:picLocks noChangeAspect="1"/>
+          </p:cNvPicPr>
+          <p:nvPr/>
+        </p:nvPicPr>
+        <p:blipFill>
+          <a:blip r:embed="rId5"/>
+          <a:stretch>
+            <a:fillRect/>
+          </a:stretch>
+        </p:blipFill>
+        <p:spPr>
+          <a:xfrm>
+            <a:off x="241323" y="2625066"/>
+            <a:ext cx="8661353" cy="701966"/>
+          </a:xfrm>
+          <a:prstGeom prst="rect">
+            <a:avLst/>
+          </a:prstGeom>
+        </p:spPr>
+      </p:pic>
+    </p:spTree>
+    <p:custDataLst>
+      <p:tags r:id="rId1"/>
+    </p:custDataLst>
+    <p:extLst>
+      <p:ext uri="{BB962C8B-B14F-4D97-AF65-F5344CB8AC3E}">
+        <p14:creationId xmlns:p14="http://schemas.microsoft.com/office/powerpoint/2010/main" val="3246040114"/>
+      </p:ext>
+    </p:extLst>
+  </p:cSld>
+  <p:clrMapOvr>
+    <a:masterClrMapping/>
+  </p:clrMapOvr>
+</p:sld>
+</file>
+
+<file path=ppt/slides/slide11.xml><?xml version="1.0" encoding="utf-8"?>
+<p:sld xmlns:a="http://schemas.openxmlformats.org/drawingml/2006/main" xmlns:r="http://schemas.openxmlformats.org/officeDocument/2006/relationships" xmlns:p="http://schemas.openxmlformats.org/presentationml/2006/main">
+  <p:cSld>
+    <p:spTree>
+      <p:nvGrpSpPr>
+        <p:cNvPr id="1" name=""/>
+        <p:cNvGrpSpPr/>
+        <p:nvPr/>
+      </p:nvGrpSpPr>
+      <p:grpSpPr>
+        <a:xfrm>
+          <a:off x="0" y="0"/>
+          <a:ext cx="0" cy="0"/>
+          <a:chOff x="0" y="0"/>
+          <a:chExt cx="0" cy="0"/>
+        </a:xfrm>
+      </p:grpSpPr>
+      <p:sp>
+        <p:nvSpPr>
           <p:cNvPr id="84993" name="Rectangle 4"/>
           <p:cNvSpPr>
             <a:spLocks noGrp="1" noChangeArrowheads="1"/>
@@ -5111,9 +9410,6 @@
               </a:rPr>
               <a:t>谢谢</a:t>
             </a:r>
-            <a:endParaRPr lang="zh-CN" altLang="en-US" dirty="0">
-              <a:ea typeface="宋体" panose="02010600030101010101" pitchFamily="2" charset="-122"/>
-            </a:endParaRPr>
           </a:p>
         </p:txBody>
       </p:sp>
@@ -5144,7 +9440,7 @@
             </a:pPr>
             <a:r>
               <a:rPr lang="en-US" altLang="zh-CN" dirty="0">
-                <a:hlinkClick r:id="rId1"/>
+                <a:hlinkClick r:id="rId4"/>
               </a:rPr>
               <a:t>https://github.com/newgr8player</a:t>
             </a:r>
@@ -5153,7 +9449,7 @@
           <a:p>
             <a:r>
               <a:rPr lang="en-US" altLang="zh-CN" dirty="0">
-                <a:hlinkClick r:id="rId2"/>
+                <a:hlinkClick r:id="rId5"/>
               </a:rPr>
               <a:t>https://newgr8player.gitee.io/</a:t>
             </a:r>
@@ -5163,7 +9459,7 @@
       </p:sp>
     </p:spTree>
     <p:custDataLst>
-      <p:tags r:id="rId3"/>
+      <p:tags r:id="rId1"/>
     </p:custDataLst>
   </p:cSld>
   <p:clrMapOvr>
@@ -5172,7 +9468,7 @@
 </p:sld>
 </file>
 
-<file path=ppt/slides/slide3.xml><?xml version="1.0" encoding="utf-8"?>
+<file path=ppt/slides/slide12.xml><?xml version="1.0" encoding="utf-8"?>
 <p:sld xmlns:a="http://schemas.openxmlformats.org/drawingml/2006/main" xmlns:r="http://schemas.openxmlformats.org/officeDocument/2006/relationships" xmlns:p="http://schemas.openxmlformats.org/presentationml/2006/main">
   <p:cSld>
     <p:spTree>
@@ -5200,8 +9496,1583 @@
 </p:sld>
 </file>
 
+<file path=ppt/slides/slide2.xml><?xml version="1.0" encoding="utf-8"?>
+<p:sld xmlns:a="http://schemas.openxmlformats.org/drawingml/2006/main" xmlns:r="http://schemas.openxmlformats.org/officeDocument/2006/relationships" xmlns:p="http://schemas.openxmlformats.org/presentationml/2006/main">
+  <p:cSld>
+    <p:spTree>
+      <p:nvGrpSpPr>
+        <p:cNvPr id="1" name=""/>
+        <p:cNvGrpSpPr/>
+        <p:nvPr/>
+      </p:nvGrpSpPr>
+      <p:grpSpPr>
+        <a:xfrm>
+          <a:off x="0" y="0"/>
+          <a:ext cx="0" cy="0"/>
+          <a:chOff x="0" y="0"/>
+          <a:chExt cx="0" cy="0"/>
+        </a:xfrm>
+      </p:grpSpPr>
+      <p:sp>
+        <p:nvSpPr>
+          <p:cNvPr id="8" name="标题 1"/>
+          <p:cNvSpPr txBox="1"/>
+          <p:nvPr>
+            <p:custDataLst>
+              <p:tags r:id="rId2"/>
+            </p:custDataLst>
+          </p:nvPr>
+        </p:nvSpPr>
+        <p:spPr>
+          <a:xfrm>
+            <a:off x="571608" y="661194"/>
+            <a:ext cx="7886700" cy="994172"/>
+          </a:xfrm>
+          <a:prstGeom prst="rect">
+            <a:avLst/>
+          </a:prstGeom>
+        </p:spPr>
+        <p:txBody>
+          <a:bodyPr vert="horz" wrap="square" lIns="68580" tIns="34290" rIns="68580" bIns="34290" rtlCol="0" anchor="ctr">
+            <a:normAutofit/>
+          </a:bodyPr>
+          <a:lstStyle>
+            <a:lvl1pPr defTabSz="914400">
+              <a:lnSpc>
+                <a:spcPct val="120000"/>
+              </a:lnSpc>
+              <a:spcBef>
+                <a:spcPct val="0"/>
+              </a:spcBef>
+              <a:buNone/>
+              <a:defRPr sz="3600">
+                <a:solidFill>
+                  <a:schemeClr val="tx1">
+                    <a:lumMod val="75000"/>
+                    <a:lumOff val="25000"/>
+                  </a:schemeClr>
+                </a:solidFill>
+                <a:latin typeface="+mj-lt"/>
+                <a:ea typeface="+mj-ea"/>
+                <a:cs typeface="+mj-cs"/>
+              </a:defRPr>
+            </a:lvl1pPr>
+          </a:lstStyle>
+          <a:p>
+            <a:r>
+              <a:rPr lang="zh-CN" altLang="en-US" dirty="0"/>
+              <a:t>什么是设计模式</a:t>
+            </a:r>
+          </a:p>
+        </p:txBody>
+      </p:sp>
+      <p:sp>
+        <p:nvSpPr>
+          <p:cNvPr id="3" name="文本框 2">
+            <a:extLst>
+              <a:ext uri="{FF2B5EF4-FFF2-40B4-BE49-F238E27FC236}">
+                <a16:creationId xmlns:a16="http://schemas.microsoft.com/office/drawing/2014/main" id="{6FBF8D99-FB3D-4D87-A95F-C3882FE7B1C9}"/>
+              </a:ext>
+            </a:extLst>
+          </p:cNvPr>
+          <p:cNvSpPr txBox="1"/>
+          <p:nvPr/>
+        </p:nvSpPr>
+        <p:spPr>
+          <a:xfrm>
+            <a:off x="566431" y="2057436"/>
+            <a:ext cx="8334776" cy="3231654"/>
+          </a:xfrm>
+          <a:prstGeom prst="rect">
+            <a:avLst/>
+          </a:prstGeom>
+          <a:noFill/>
+        </p:spPr>
+        <p:txBody>
+          <a:bodyPr wrap="square" rtlCol="0">
+            <a:spAutoFit/>
+          </a:bodyPr>
+          <a:lstStyle/>
+          <a:p>
+            <a:pPr indent="628650" eaLnBrk="1" hangingPunct="1">
+              <a:lnSpc>
+                <a:spcPct val="150000"/>
+              </a:lnSpc>
+              <a:buFont typeface="Wingdings" panose="05000000000000000000" pitchFamily="2" charset="2"/>
+              <a:buNone/>
+            </a:pPr>
+            <a:r>
+              <a:rPr lang="zh-CN" altLang="en-US" dirty="0"/>
+              <a:t>在面向对象程序设计（</a:t>
+            </a:r>
+            <a:r>
+              <a:rPr lang="en-US" altLang="zh-CN" dirty="0"/>
+              <a:t>OOP）</a:t>
+            </a:r>
+            <a:r>
+              <a:rPr lang="zh-CN" altLang="en-US" dirty="0"/>
+              <a:t>过程中，我们经常会遇到很多重复出现的问题，总结解决这些问题的成功经验和最佳实践便形成了设计模式（</a:t>
+            </a:r>
+            <a:r>
+              <a:rPr lang="en-US" altLang="zh-CN" dirty="0"/>
+              <a:t>Design Pattern）。</a:t>
+            </a:r>
+          </a:p>
+          <a:p>
+            <a:pPr eaLnBrk="1" hangingPunct="1">
+              <a:lnSpc>
+                <a:spcPct val="150000"/>
+              </a:lnSpc>
+              <a:buFont typeface="Wingdings" panose="05000000000000000000" pitchFamily="2" charset="2"/>
+              <a:buNone/>
+            </a:pPr>
+            <a:r>
+              <a:rPr lang="zh-CN" altLang="en-US" dirty="0"/>
+              <a:t>        其核心思想是</a:t>
+            </a:r>
+            <a:r>
+              <a:rPr lang="zh-CN" altLang="en-US" u="sng" dirty="0">
+                <a:solidFill>
+                  <a:srgbClr val="0070C0"/>
+                </a:solidFill>
+              </a:rPr>
+              <a:t>将可重用的解决方案总结出来，并分门别类</a:t>
+            </a:r>
+            <a:r>
+              <a:rPr lang="zh-CN" altLang="en-US" dirty="0"/>
+              <a:t>。从而指导设计，减少代码重复和优化体系结构。</a:t>
+            </a:r>
+          </a:p>
+          <a:p>
+            <a:endParaRPr lang="zh-CN" altLang="en-US" dirty="0"/>
+          </a:p>
+        </p:txBody>
+      </p:sp>
+    </p:spTree>
+    <p:custDataLst>
+      <p:tags r:id="rId1"/>
+    </p:custDataLst>
+  </p:cSld>
+  <p:clrMapOvr>
+    <a:masterClrMapping/>
+  </p:clrMapOvr>
+</p:sld>
+</file>
+
+<file path=ppt/slides/slide3.xml><?xml version="1.0" encoding="utf-8"?>
+<p:sld xmlns:a="http://schemas.openxmlformats.org/drawingml/2006/main" xmlns:r="http://schemas.openxmlformats.org/officeDocument/2006/relationships" xmlns:p="http://schemas.openxmlformats.org/presentationml/2006/main">
+  <p:cSld>
+    <p:spTree>
+      <p:nvGrpSpPr>
+        <p:cNvPr id="1" name=""/>
+        <p:cNvGrpSpPr/>
+        <p:nvPr/>
+      </p:nvGrpSpPr>
+      <p:grpSpPr>
+        <a:xfrm>
+          <a:off x="0" y="0"/>
+          <a:ext cx="0" cy="0"/>
+          <a:chOff x="0" y="0"/>
+          <a:chExt cx="0" cy="0"/>
+        </a:xfrm>
+      </p:grpSpPr>
+      <p:sp>
+        <p:nvSpPr>
+          <p:cNvPr id="8" name="标题 1"/>
+          <p:cNvSpPr txBox="1"/>
+          <p:nvPr>
+            <p:custDataLst>
+              <p:tags r:id="rId2"/>
+            </p:custDataLst>
+          </p:nvPr>
+        </p:nvSpPr>
+        <p:spPr>
+          <a:xfrm>
+            <a:off x="571608" y="661194"/>
+            <a:ext cx="7886700" cy="994172"/>
+          </a:xfrm>
+          <a:prstGeom prst="rect">
+            <a:avLst/>
+          </a:prstGeom>
+        </p:spPr>
+        <p:txBody>
+          <a:bodyPr vert="horz" wrap="square" lIns="68580" tIns="34290" rIns="68580" bIns="34290" rtlCol="0" anchor="ctr">
+            <a:normAutofit/>
+          </a:bodyPr>
+          <a:lstStyle>
+            <a:lvl1pPr defTabSz="914400">
+              <a:lnSpc>
+                <a:spcPct val="120000"/>
+              </a:lnSpc>
+              <a:spcBef>
+                <a:spcPct val="0"/>
+              </a:spcBef>
+              <a:buNone/>
+              <a:defRPr sz="3600">
+                <a:solidFill>
+                  <a:schemeClr val="tx1">
+                    <a:lumMod val="75000"/>
+                    <a:lumOff val="25000"/>
+                  </a:schemeClr>
+                </a:solidFill>
+                <a:latin typeface="+mj-lt"/>
+                <a:ea typeface="+mj-ea"/>
+                <a:cs typeface="+mj-cs"/>
+              </a:defRPr>
+            </a:lvl1pPr>
+          </a:lstStyle>
+          <a:p>
+            <a:r>
+              <a:rPr lang="zh-CN" altLang="en-US" dirty="0"/>
+              <a:t>采用设计模式的好处</a:t>
+            </a:r>
+          </a:p>
+        </p:txBody>
+      </p:sp>
+      <p:sp>
+        <p:nvSpPr>
+          <p:cNvPr id="3" name="文本框 2">
+            <a:extLst>
+              <a:ext uri="{FF2B5EF4-FFF2-40B4-BE49-F238E27FC236}">
+                <a16:creationId xmlns:a16="http://schemas.microsoft.com/office/drawing/2014/main" id="{6FBF8D99-FB3D-4D87-A95F-C3882FE7B1C9}"/>
+              </a:ext>
+            </a:extLst>
+          </p:cNvPr>
+          <p:cNvSpPr txBox="1"/>
+          <p:nvPr/>
+        </p:nvSpPr>
+        <p:spPr>
+          <a:xfrm>
+            <a:off x="566431" y="2057436"/>
+            <a:ext cx="8334776" cy="4458849"/>
+          </a:xfrm>
+          <a:prstGeom prst="rect">
+            <a:avLst/>
+          </a:prstGeom>
+          <a:noFill/>
+        </p:spPr>
+        <p:txBody>
+          <a:bodyPr wrap="square" rtlCol="0">
+            <a:spAutoFit/>
+          </a:bodyPr>
+          <a:lstStyle/>
+          <a:p>
+            <a:pPr marL="342900" indent="-342900" eaLnBrk="1" hangingPunct="1">
+              <a:lnSpc>
+                <a:spcPct val="150000"/>
+              </a:lnSpc>
+              <a:buClr>
+                <a:srgbClr val="0070C0"/>
+              </a:buClr>
+              <a:buFont typeface="Wingdings" panose="05000000000000000000" pitchFamily="2" charset="2"/>
+              <a:buChar char="Ø"/>
+            </a:pPr>
+            <a:r>
+              <a:rPr lang="zh-CN" altLang="en-US" dirty="0"/>
+              <a:t>重用，避免代码重复冗余</a:t>
+            </a:r>
+          </a:p>
+          <a:p>
+            <a:pPr marL="342900" indent="-342900" eaLnBrk="1" hangingPunct="1">
+              <a:lnSpc>
+                <a:spcPct val="150000"/>
+              </a:lnSpc>
+              <a:buClr>
+                <a:srgbClr val="0070C0"/>
+              </a:buClr>
+              <a:buFont typeface="Wingdings" panose="05000000000000000000" pitchFamily="2" charset="2"/>
+              <a:buChar char="Ø"/>
+            </a:pPr>
+            <a:r>
+              <a:rPr lang="zh-CN" altLang="en-US" dirty="0"/>
+              <a:t>优化体系结构</a:t>
+            </a:r>
+          </a:p>
+          <a:p>
+            <a:pPr marL="342900" indent="-342900" eaLnBrk="1" hangingPunct="1">
+              <a:lnSpc>
+                <a:spcPct val="150000"/>
+              </a:lnSpc>
+              <a:buClr>
+                <a:srgbClr val="0070C0"/>
+              </a:buClr>
+              <a:buFont typeface="Wingdings" panose="05000000000000000000" pitchFamily="2" charset="2"/>
+              <a:buChar char="Ø"/>
+            </a:pPr>
+            <a:r>
+              <a:rPr lang="zh-CN" altLang="en-US" dirty="0"/>
+              <a:t>提升系统的可维护性和弹性</a:t>
+            </a:r>
+          </a:p>
+          <a:p>
+            <a:pPr marL="342900" indent="-342900" eaLnBrk="1" hangingPunct="1">
+              <a:lnSpc>
+                <a:spcPct val="150000"/>
+              </a:lnSpc>
+              <a:buClr>
+                <a:srgbClr val="0070C0"/>
+              </a:buClr>
+              <a:buFont typeface="Wingdings" panose="05000000000000000000" pitchFamily="2" charset="2"/>
+              <a:buChar char="Ø"/>
+            </a:pPr>
+            <a:r>
+              <a:rPr lang="zh-CN" altLang="en-US" dirty="0"/>
+              <a:t>代码更加容易测试，利于测试驱动</a:t>
+            </a:r>
+          </a:p>
+          <a:p>
+            <a:pPr marL="342900" indent="-342900" eaLnBrk="1" hangingPunct="1">
+              <a:lnSpc>
+                <a:spcPct val="150000"/>
+              </a:lnSpc>
+              <a:buClr>
+                <a:srgbClr val="0070C0"/>
+              </a:buClr>
+              <a:buFont typeface="Wingdings" panose="05000000000000000000" pitchFamily="2" charset="2"/>
+              <a:buChar char="Ø"/>
+            </a:pPr>
+            <a:r>
+              <a:rPr lang="zh-CN" altLang="en-US" dirty="0"/>
+              <a:t>为性能优化提供便利</a:t>
+            </a:r>
+          </a:p>
+          <a:p>
+            <a:pPr marL="342900" indent="-342900" eaLnBrk="1" hangingPunct="1">
+              <a:lnSpc>
+                <a:spcPct val="150000"/>
+              </a:lnSpc>
+              <a:buClr>
+                <a:srgbClr val="0070C0"/>
+              </a:buClr>
+              <a:buFont typeface="Wingdings" panose="05000000000000000000" pitchFamily="2" charset="2"/>
+              <a:buChar char="Ø"/>
+            </a:pPr>
+            <a:r>
+              <a:rPr lang="zh-CN" altLang="en-US" dirty="0"/>
+              <a:t>使软件质量更加有保证</a:t>
+            </a:r>
+          </a:p>
+          <a:p>
+            <a:pPr marL="342900" indent="-342900" eaLnBrk="1" hangingPunct="1">
+              <a:lnSpc>
+                <a:spcPct val="150000"/>
+              </a:lnSpc>
+              <a:buClr>
+                <a:srgbClr val="0070C0"/>
+              </a:buClr>
+              <a:buFont typeface="Wingdings" panose="05000000000000000000" pitchFamily="2" charset="2"/>
+              <a:buChar char="Ø"/>
+            </a:pPr>
+            <a:r>
+              <a:rPr lang="zh-CN" altLang="en-US" dirty="0"/>
+              <a:t>增强代码可读性，便于团队交流</a:t>
+            </a:r>
+          </a:p>
+          <a:p>
+            <a:pPr marL="342900" indent="-342900" eaLnBrk="1" hangingPunct="1">
+              <a:lnSpc>
+                <a:spcPct val="150000"/>
+              </a:lnSpc>
+              <a:buClr>
+                <a:srgbClr val="0070C0"/>
+              </a:buClr>
+              <a:buFont typeface="Wingdings" panose="05000000000000000000" pitchFamily="2" charset="2"/>
+              <a:buChar char="Ø"/>
+            </a:pPr>
+            <a:r>
+              <a:rPr lang="zh-CN" altLang="en-US" dirty="0"/>
+              <a:t>有助于整体提升团队水平</a:t>
+            </a:r>
+          </a:p>
+        </p:txBody>
+      </p:sp>
+    </p:spTree>
+    <p:custDataLst>
+      <p:tags r:id="rId1"/>
+    </p:custDataLst>
+    <p:extLst>
+      <p:ext uri="{BB962C8B-B14F-4D97-AF65-F5344CB8AC3E}">
+        <p14:creationId xmlns:p14="http://schemas.microsoft.com/office/powerpoint/2010/main" val="1933831668"/>
+      </p:ext>
+    </p:extLst>
+  </p:cSld>
+  <p:clrMapOvr>
+    <a:masterClrMapping/>
+  </p:clrMapOvr>
+</p:sld>
+</file>
+
+<file path=ppt/slides/slide4.xml><?xml version="1.0" encoding="utf-8"?>
+<p:sld xmlns:a="http://schemas.openxmlformats.org/drawingml/2006/main" xmlns:r="http://schemas.openxmlformats.org/officeDocument/2006/relationships" xmlns:p="http://schemas.openxmlformats.org/presentationml/2006/main">
+  <p:cSld>
+    <p:spTree>
+      <p:nvGrpSpPr>
+        <p:cNvPr id="1" name=""/>
+        <p:cNvGrpSpPr/>
+        <p:nvPr/>
+      </p:nvGrpSpPr>
+      <p:grpSpPr>
+        <a:xfrm>
+          <a:off x="0" y="0"/>
+          <a:ext cx="0" cy="0"/>
+          <a:chOff x="0" y="0"/>
+          <a:chExt cx="0" cy="0"/>
+        </a:xfrm>
+      </p:grpSpPr>
+      <p:sp>
+        <p:nvSpPr>
+          <p:cNvPr id="8" name="标题 1"/>
+          <p:cNvSpPr txBox="1"/>
+          <p:nvPr>
+            <p:custDataLst>
+              <p:tags r:id="rId2"/>
+            </p:custDataLst>
+          </p:nvPr>
+        </p:nvSpPr>
+        <p:spPr>
+          <a:xfrm>
+            <a:off x="571608" y="661194"/>
+            <a:ext cx="7886700" cy="994172"/>
+          </a:xfrm>
+          <a:prstGeom prst="rect">
+            <a:avLst/>
+          </a:prstGeom>
+        </p:spPr>
+        <p:txBody>
+          <a:bodyPr vert="horz" wrap="square" lIns="68580" tIns="34290" rIns="68580" bIns="34290" rtlCol="0" anchor="ctr">
+            <a:normAutofit/>
+          </a:bodyPr>
+          <a:lstStyle>
+            <a:lvl1pPr defTabSz="914400">
+              <a:lnSpc>
+                <a:spcPct val="120000"/>
+              </a:lnSpc>
+              <a:spcBef>
+                <a:spcPct val="0"/>
+              </a:spcBef>
+              <a:buNone/>
+              <a:defRPr sz="3600">
+                <a:solidFill>
+                  <a:schemeClr val="tx1">
+                    <a:lumMod val="75000"/>
+                    <a:lumOff val="25000"/>
+                  </a:schemeClr>
+                </a:solidFill>
+                <a:latin typeface="+mj-lt"/>
+                <a:ea typeface="+mj-ea"/>
+                <a:cs typeface="+mj-cs"/>
+              </a:defRPr>
+            </a:lvl1pPr>
+          </a:lstStyle>
+          <a:p>
+            <a:r>
+              <a:rPr lang="zh-CN" altLang="en-US" dirty="0"/>
+              <a:t>设计模式、重构和反设计模式</a:t>
+            </a:r>
+          </a:p>
+        </p:txBody>
+      </p:sp>
+      <p:sp>
+        <p:nvSpPr>
+          <p:cNvPr id="3" name="文本框 2">
+            <a:extLst>
+              <a:ext uri="{FF2B5EF4-FFF2-40B4-BE49-F238E27FC236}">
+                <a16:creationId xmlns:a16="http://schemas.microsoft.com/office/drawing/2014/main" id="{6FBF8D99-FB3D-4D87-A95F-C3882FE7B1C9}"/>
+              </a:ext>
+            </a:extLst>
+          </p:cNvPr>
+          <p:cNvSpPr txBox="1"/>
+          <p:nvPr/>
+        </p:nvSpPr>
+        <p:spPr>
+          <a:xfrm>
+            <a:off x="566431" y="2057436"/>
+            <a:ext cx="8334776" cy="3170804"/>
+          </a:xfrm>
+          <a:prstGeom prst="rect">
+            <a:avLst/>
+          </a:prstGeom>
+          <a:noFill/>
+        </p:spPr>
+        <p:txBody>
+          <a:bodyPr wrap="square" rtlCol="0">
+            <a:spAutoFit/>
+          </a:bodyPr>
+          <a:lstStyle/>
+          <a:p>
+            <a:pPr marL="342900" indent="-342900" eaLnBrk="1" hangingPunct="1">
+              <a:lnSpc>
+                <a:spcPct val="105000"/>
+              </a:lnSpc>
+              <a:buClr>
+                <a:srgbClr val="0070C0"/>
+              </a:buClr>
+              <a:buFont typeface="Wingdings" panose="05000000000000000000" pitchFamily="2" charset="2"/>
+              <a:buChar char="Ø"/>
+            </a:pPr>
+            <a:r>
+              <a:rPr lang="zh-CN" altLang="en-US" dirty="0">
+                <a:solidFill>
+                  <a:srgbClr val="0070C0"/>
+                </a:solidFill>
+              </a:rPr>
+              <a:t>设计模式</a:t>
+            </a:r>
+            <a:r>
+              <a:rPr lang="zh-CN" altLang="en-US" dirty="0"/>
+              <a:t>是成功经验和最佳实践的总结，指导设计人员采用正确精良的设计。</a:t>
+            </a:r>
+          </a:p>
+          <a:p>
+            <a:pPr marL="342900" indent="-342900" eaLnBrk="1" hangingPunct="1">
+              <a:lnSpc>
+                <a:spcPct val="105000"/>
+              </a:lnSpc>
+              <a:buClr>
+                <a:srgbClr val="0070C0"/>
+              </a:buClr>
+              <a:buFont typeface="Wingdings" panose="05000000000000000000" pitchFamily="2" charset="2"/>
+              <a:buChar char="Ø"/>
+            </a:pPr>
+            <a:r>
+              <a:rPr lang="zh-CN" altLang="en-US" dirty="0">
+                <a:solidFill>
+                  <a:srgbClr val="0070C0"/>
+                </a:solidFill>
+              </a:rPr>
+              <a:t>重构（</a:t>
+            </a:r>
+            <a:r>
+              <a:rPr lang="en-US" altLang="zh-CN" dirty="0">
+                <a:solidFill>
+                  <a:srgbClr val="0070C0"/>
+                </a:solidFill>
+              </a:rPr>
+              <a:t>Refactor）</a:t>
+            </a:r>
+            <a:r>
+              <a:rPr lang="zh-CN" altLang="en-US" dirty="0"/>
+              <a:t>专注于软件的渐进完善。通过消除重复冗余代码，并将存在体系结构缺陷的代码重新构建成符合设计模式的代码来达到设计精良软件的目的。</a:t>
+            </a:r>
+          </a:p>
+          <a:p>
+            <a:pPr marL="342900" indent="-342900" eaLnBrk="1" hangingPunct="1">
+              <a:lnSpc>
+                <a:spcPct val="105000"/>
+              </a:lnSpc>
+              <a:buClr>
+                <a:srgbClr val="0070C0"/>
+              </a:buClr>
+              <a:buFont typeface="Wingdings" panose="05000000000000000000" pitchFamily="2" charset="2"/>
+              <a:buChar char="Ø"/>
+            </a:pPr>
+            <a:r>
+              <a:rPr lang="zh-CN" altLang="en-US" dirty="0">
+                <a:solidFill>
+                  <a:srgbClr val="0070C0"/>
+                </a:solidFill>
+              </a:rPr>
+              <a:t>反设计模式</a:t>
+            </a:r>
+            <a:r>
+              <a:rPr lang="zh-CN" altLang="en-US" dirty="0"/>
+              <a:t>与设计模式相反，是失败教训的总结。其澄清了许多设计中经常面临的陷阱和容易混淆的问题，能有效防止开发人员犯错误，从而做出正确选择。</a:t>
+            </a:r>
+          </a:p>
+        </p:txBody>
+      </p:sp>
+    </p:spTree>
+    <p:custDataLst>
+      <p:tags r:id="rId1"/>
+    </p:custDataLst>
+    <p:extLst>
+      <p:ext uri="{BB962C8B-B14F-4D97-AF65-F5344CB8AC3E}">
+        <p14:creationId xmlns:p14="http://schemas.microsoft.com/office/powerpoint/2010/main" val="2700483493"/>
+      </p:ext>
+    </p:extLst>
+  </p:cSld>
+  <p:clrMapOvr>
+    <a:masterClrMapping/>
+  </p:clrMapOvr>
+</p:sld>
+</file>
+
+<file path=ppt/slides/slide5.xml><?xml version="1.0" encoding="utf-8"?>
+<p:sld xmlns:a="http://schemas.openxmlformats.org/drawingml/2006/main" xmlns:r="http://schemas.openxmlformats.org/officeDocument/2006/relationships" xmlns:p="http://schemas.openxmlformats.org/presentationml/2006/main">
+  <p:cSld>
+    <p:spTree>
+      <p:nvGrpSpPr>
+        <p:cNvPr id="1" name=""/>
+        <p:cNvGrpSpPr/>
+        <p:nvPr/>
+      </p:nvGrpSpPr>
+      <p:grpSpPr>
+        <a:xfrm>
+          <a:off x="0" y="0"/>
+          <a:ext cx="0" cy="0"/>
+          <a:chOff x="0" y="0"/>
+          <a:chExt cx="0" cy="0"/>
+        </a:xfrm>
+      </p:grpSpPr>
+      <p:sp>
+        <p:nvSpPr>
+          <p:cNvPr id="8" name="标题 1"/>
+          <p:cNvSpPr txBox="1"/>
+          <p:nvPr>
+            <p:custDataLst>
+              <p:tags r:id="rId2"/>
+            </p:custDataLst>
+          </p:nvPr>
+        </p:nvSpPr>
+        <p:spPr>
+          <a:xfrm>
+            <a:off x="571608" y="661194"/>
+            <a:ext cx="7886700" cy="994172"/>
+          </a:xfrm>
+          <a:prstGeom prst="rect">
+            <a:avLst/>
+          </a:prstGeom>
+        </p:spPr>
+        <p:txBody>
+          <a:bodyPr vert="horz" wrap="square" lIns="68580" tIns="34290" rIns="68580" bIns="34290" rtlCol="0" anchor="ctr">
+            <a:normAutofit/>
+          </a:bodyPr>
+          <a:lstStyle>
+            <a:lvl1pPr defTabSz="914400">
+              <a:lnSpc>
+                <a:spcPct val="120000"/>
+              </a:lnSpc>
+              <a:spcBef>
+                <a:spcPct val="0"/>
+              </a:spcBef>
+              <a:buNone/>
+              <a:defRPr sz="3600">
+                <a:solidFill>
+                  <a:schemeClr val="tx1">
+                    <a:lumMod val="75000"/>
+                    <a:lumOff val="25000"/>
+                  </a:schemeClr>
+                </a:solidFill>
+                <a:latin typeface="+mj-lt"/>
+                <a:ea typeface="+mj-ea"/>
+                <a:cs typeface="+mj-cs"/>
+              </a:defRPr>
+            </a:lvl1pPr>
+          </a:lstStyle>
+          <a:p>
+            <a:r>
+              <a:rPr lang="zh-CN" altLang="en-US" dirty="0"/>
+              <a:t>设计模式与</a:t>
+            </a:r>
+            <a:r>
+              <a:rPr lang="en-US" altLang="zh-CN" dirty="0"/>
+              <a:t>UML</a:t>
+            </a:r>
+            <a:endParaRPr lang="zh-CN" altLang="en-US" dirty="0"/>
+          </a:p>
+        </p:txBody>
+      </p:sp>
+      <p:sp>
+        <p:nvSpPr>
+          <p:cNvPr id="3" name="文本框 2">
+            <a:extLst>
+              <a:ext uri="{FF2B5EF4-FFF2-40B4-BE49-F238E27FC236}">
+                <a16:creationId xmlns:a16="http://schemas.microsoft.com/office/drawing/2014/main" id="{6FBF8D99-FB3D-4D87-A95F-C3882FE7B1C9}"/>
+              </a:ext>
+            </a:extLst>
+          </p:cNvPr>
+          <p:cNvSpPr txBox="1"/>
+          <p:nvPr/>
+        </p:nvSpPr>
+        <p:spPr>
+          <a:xfrm>
+            <a:off x="566431" y="2057436"/>
+            <a:ext cx="8334776" cy="2677656"/>
+          </a:xfrm>
+          <a:prstGeom prst="rect">
+            <a:avLst/>
+          </a:prstGeom>
+          <a:noFill/>
+        </p:spPr>
+        <p:txBody>
+          <a:bodyPr wrap="square" rtlCol="0">
+            <a:spAutoFit/>
+          </a:bodyPr>
+          <a:lstStyle/>
+          <a:p>
+            <a:pPr indent="534988" eaLnBrk="1" hangingPunct="1">
+              <a:buFont typeface="Wingdings" panose="05000000000000000000" pitchFamily="2" charset="2"/>
+              <a:buNone/>
+            </a:pPr>
+            <a:r>
+              <a:rPr lang="zh-CN" altLang="en-US" dirty="0">
+                <a:solidFill>
+                  <a:srgbClr val="0070C0"/>
+                </a:solidFill>
+              </a:rPr>
+              <a:t>设计模式</a:t>
+            </a:r>
+            <a:r>
+              <a:rPr lang="zh-CN" altLang="en-US" dirty="0"/>
+              <a:t>是</a:t>
+            </a:r>
+            <a:r>
+              <a:rPr lang="en-US" altLang="zh-CN" dirty="0"/>
+              <a:t>OOP</a:t>
+            </a:r>
+            <a:r>
+              <a:rPr lang="zh-CN" altLang="en-US" dirty="0"/>
+              <a:t>的方法论，其内容描述基本是围绕对象的结构和协作关系设计。因此需要一种直观的模型将上述内容清晰地表示出来。</a:t>
+            </a:r>
+          </a:p>
+          <a:p>
+            <a:pPr eaLnBrk="1" hangingPunct="1">
+              <a:buFont typeface="Wingdings" panose="05000000000000000000" pitchFamily="2" charset="2"/>
+              <a:buNone/>
+            </a:pPr>
+            <a:r>
+              <a:rPr lang="zh-CN" altLang="en-US" dirty="0"/>
+              <a:t>       </a:t>
+            </a:r>
+            <a:r>
+              <a:rPr lang="zh-CN" altLang="en-US" dirty="0">
+                <a:solidFill>
+                  <a:srgbClr val="0070C0"/>
+                </a:solidFill>
+              </a:rPr>
+              <a:t>统一建模语言（</a:t>
+            </a:r>
+            <a:r>
+              <a:rPr lang="en-US" altLang="zh-CN" dirty="0">
+                <a:solidFill>
+                  <a:srgbClr val="0070C0"/>
+                </a:solidFill>
+              </a:rPr>
+              <a:t>UML）</a:t>
+            </a:r>
+            <a:r>
+              <a:rPr lang="zh-CN" altLang="en-US" dirty="0"/>
+              <a:t>是</a:t>
+            </a:r>
+            <a:r>
+              <a:rPr lang="en-US" altLang="zh-CN" dirty="0"/>
+              <a:t>OOP</a:t>
+            </a:r>
+            <a:r>
+              <a:rPr lang="zh-CN" altLang="en-US" dirty="0"/>
+              <a:t>的建模语言，其核心就是把软件的设计思想通过建模的方法表达出来。故非常适合于表达设计模式。同时</a:t>
+            </a:r>
+            <a:r>
+              <a:rPr lang="en-US" altLang="zh-CN" dirty="0"/>
+              <a:t>UML</a:t>
+            </a:r>
+            <a:r>
+              <a:rPr lang="zh-CN" altLang="en-US" dirty="0"/>
+              <a:t>已经被广泛用于软件设计，这也推动了设计模式的应用。</a:t>
+            </a:r>
+          </a:p>
+        </p:txBody>
+      </p:sp>
+    </p:spTree>
+    <p:custDataLst>
+      <p:tags r:id="rId1"/>
+    </p:custDataLst>
+    <p:extLst>
+      <p:ext uri="{BB962C8B-B14F-4D97-AF65-F5344CB8AC3E}">
+        <p14:creationId xmlns:p14="http://schemas.microsoft.com/office/powerpoint/2010/main" val="2317831257"/>
+      </p:ext>
+    </p:extLst>
+  </p:cSld>
+  <p:clrMapOvr>
+    <a:masterClrMapping/>
+  </p:clrMapOvr>
+</p:sld>
+</file>
+
+<file path=ppt/slides/slide6.xml><?xml version="1.0" encoding="utf-8"?>
+<p:sld xmlns:a="http://schemas.openxmlformats.org/drawingml/2006/main" xmlns:r="http://schemas.openxmlformats.org/officeDocument/2006/relationships" xmlns:p="http://schemas.openxmlformats.org/presentationml/2006/main">
+  <p:cSld>
+    <p:spTree>
+      <p:nvGrpSpPr>
+        <p:cNvPr id="1" name=""/>
+        <p:cNvGrpSpPr/>
+        <p:nvPr/>
+      </p:nvGrpSpPr>
+      <p:grpSpPr>
+        <a:xfrm>
+          <a:off x="0" y="0"/>
+          <a:ext cx="0" cy="0"/>
+          <a:chOff x="0" y="0"/>
+          <a:chExt cx="0" cy="0"/>
+        </a:xfrm>
+      </p:grpSpPr>
+      <p:sp>
+        <p:nvSpPr>
+          <p:cNvPr id="8" name="标题 1"/>
+          <p:cNvSpPr txBox="1"/>
+          <p:nvPr>
+            <p:custDataLst>
+              <p:tags r:id="rId2"/>
+            </p:custDataLst>
+          </p:nvPr>
+        </p:nvSpPr>
+        <p:spPr>
+          <a:xfrm>
+            <a:off x="571608" y="661194"/>
+            <a:ext cx="7886700" cy="994172"/>
+          </a:xfrm>
+          <a:prstGeom prst="rect">
+            <a:avLst/>
+          </a:prstGeom>
+        </p:spPr>
+        <p:txBody>
+          <a:bodyPr vert="horz" wrap="square" lIns="68580" tIns="34290" rIns="68580" bIns="34290" rtlCol="0" anchor="ctr">
+            <a:normAutofit/>
+          </a:bodyPr>
+          <a:lstStyle>
+            <a:lvl1pPr defTabSz="914400">
+              <a:lnSpc>
+                <a:spcPct val="120000"/>
+              </a:lnSpc>
+              <a:spcBef>
+                <a:spcPct val="0"/>
+              </a:spcBef>
+              <a:buNone/>
+              <a:defRPr sz="3600">
+                <a:solidFill>
+                  <a:schemeClr val="tx1">
+                    <a:lumMod val="75000"/>
+                    <a:lumOff val="25000"/>
+                  </a:schemeClr>
+                </a:solidFill>
+                <a:latin typeface="+mj-lt"/>
+                <a:ea typeface="+mj-ea"/>
+                <a:cs typeface="+mj-cs"/>
+              </a:defRPr>
+            </a:lvl1pPr>
+          </a:lstStyle>
+          <a:p>
+            <a:r>
+              <a:rPr lang="zh-CN" altLang="en-US" dirty="0"/>
+              <a:t>设计模式分类</a:t>
+            </a:r>
+          </a:p>
+        </p:txBody>
+      </p:sp>
+      <p:sp>
+        <p:nvSpPr>
+          <p:cNvPr id="3" name="文本框 2">
+            <a:extLst>
+              <a:ext uri="{FF2B5EF4-FFF2-40B4-BE49-F238E27FC236}">
+                <a16:creationId xmlns:a16="http://schemas.microsoft.com/office/drawing/2014/main" id="{6FBF8D99-FB3D-4D87-A95F-C3882FE7B1C9}"/>
+              </a:ext>
+            </a:extLst>
+          </p:cNvPr>
+          <p:cNvSpPr txBox="1"/>
+          <p:nvPr/>
+        </p:nvSpPr>
+        <p:spPr>
+          <a:xfrm>
+            <a:off x="566431" y="2057436"/>
+            <a:ext cx="8334776" cy="3313921"/>
+          </a:xfrm>
+          <a:prstGeom prst="rect">
+            <a:avLst/>
+          </a:prstGeom>
+          <a:noFill/>
+        </p:spPr>
+        <p:txBody>
+          <a:bodyPr wrap="square" rtlCol="0">
+            <a:spAutoFit/>
+          </a:bodyPr>
+          <a:lstStyle/>
+          <a:p>
+            <a:pPr marL="342900" indent="-342900" eaLnBrk="1" hangingPunct="1">
+              <a:lnSpc>
+                <a:spcPct val="110000"/>
+              </a:lnSpc>
+              <a:buClr>
+                <a:srgbClr val="0070C0"/>
+              </a:buClr>
+              <a:buFont typeface="Wingdings" panose="05000000000000000000" pitchFamily="2" charset="2"/>
+              <a:buChar char="Ø"/>
+            </a:pPr>
+            <a:r>
+              <a:rPr lang="zh-CN" altLang="en-US" dirty="0">
+                <a:solidFill>
+                  <a:srgbClr val="0070C0"/>
+                </a:solidFill>
+              </a:rPr>
+              <a:t>创建型模式</a:t>
+            </a:r>
+            <a:r>
+              <a:rPr lang="en-US" altLang="zh-CN" dirty="0">
+                <a:solidFill>
+                  <a:srgbClr val="0070C0"/>
+                </a:solidFill>
+              </a:rPr>
+              <a:t>(Creational patterns) </a:t>
+            </a:r>
+            <a:r>
+              <a:rPr lang="zh-CN" altLang="en-US" dirty="0"/>
+              <a:t>帮助我们更好地组织创建对象的代码。增强弹性，以应付在不同情况下创建和初始化对象的代码变更。</a:t>
+            </a:r>
+          </a:p>
+          <a:p>
+            <a:pPr marL="342900" indent="-342900" eaLnBrk="1" hangingPunct="1">
+              <a:lnSpc>
+                <a:spcPct val="110000"/>
+              </a:lnSpc>
+              <a:buClr>
+                <a:srgbClr val="0070C0"/>
+              </a:buClr>
+              <a:buFont typeface="Wingdings" panose="05000000000000000000" pitchFamily="2" charset="2"/>
+              <a:buChar char="Ø"/>
+            </a:pPr>
+            <a:r>
+              <a:rPr lang="zh-CN" altLang="en-US" dirty="0">
+                <a:solidFill>
+                  <a:srgbClr val="0070C0"/>
+                </a:solidFill>
+              </a:rPr>
+              <a:t>结构型模式</a:t>
+            </a:r>
+            <a:r>
+              <a:rPr lang="en-US" altLang="zh-CN" dirty="0">
+                <a:solidFill>
+                  <a:srgbClr val="0070C0"/>
+                </a:solidFill>
+              </a:rPr>
+              <a:t>(Structural patterns) </a:t>
+            </a:r>
+            <a:r>
+              <a:rPr lang="zh-CN" altLang="en-US" dirty="0"/>
+              <a:t>增强代码重用，优化对象结构，使其职责分明、粒度合适，以松耦合的体系结构来减低代码的</a:t>
+            </a:r>
+            <a:r>
+              <a:rPr lang="en-US" altLang="zh-CN" dirty="0"/>
+              <a:t>rippling</a:t>
+            </a:r>
+            <a:r>
+              <a:rPr lang="zh-CN" altLang="en-US" dirty="0"/>
+              <a:t>效应。</a:t>
+            </a:r>
+          </a:p>
+          <a:p>
+            <a:pPr marL="342900" indent="-342900" eaLnBrk="1" hangingPunct="1">
+              <a:lnSpc>
+                <a:spcPct val="110000"/>
+              </a:lnSpc>
+              <a:buClr>
+                <a:srgbClr val="0070C0"/>
+              </a:buClr>
+              <a:buFont typeface="Wingdings" panose="05000000000000000000" pitchFamily="2" charset="2"/>
+              <a:buChar char="Ø"/>
+            </a:pPr>
+            <a:r>
+              <a:rPr lang="zh-CN" altLang="en-US" dirty="0">
+                <a:solidFill>
+                  <a:srgbClr val="0070C0"/>
+                </a:solidFill>
+              </a:rPr>
+              <a:t>行为型模式</a:t>
+            </a:r>
+            <a:r>
+              <a:rPr lang="en-US" altLang="zh-CN" dirty="0">
+                <a:solidFill>
+                  <a:srgbClr val="0070C0"/>
+                </a:solidFill>
+              </a:rPr>
+              <a:t>(Behavioral patterns) </a:t>
+            </a:r>
+            <a:r>
+              <a:rPr lang="zh-CN" altLang="en-US" dirty="0"/>
+              <a:t>更好地定义对象间的协作关系，使复杂的程序流程变得清晰。</a:t>
+            </a:r>
+          </a:p>
+        </p:txBody>
+      </p:sp>
+    </p:spTree>
+    <p:custDataLst>
+      <p:tags r:id="rId1"/>
+    </p:custDataLst>
+    <p:extLst>
+      <p:ext uri="{BB962C8B-B14F-4D97-AF65-F5344CB8AC3E}">
+        <p14:creationId xmlns:p14="http://schemas.microsoft.com/office/powerpoint/2010/main" val="2817357683"/>
+      </p:ext>
+    </p:extLst>
+  </p:cSld>
+  <p:clrMapOvr>
+    <a:masterClrMapping/>
+  </p:clrMapOvr>
+</p:sld>
+</file>
+
+<file path=ppt/slides/slide7.xml><?xml version="1.0" encoding="utf-8"?>
+<p:sld xmlns:a="http://schemas.openxmlformats.org/drawingml/2006/main" xmlns:r="http://schemas.openxmlformats.org/officeDocument/2006/relationships" xmlns:p="http://schemas.openxmlformats.org/presentationml/2006/main">
+  <p:cSld>
+    <p:spTree>
+      <p:nvGrpSpPr>
+        <p:cNvPr id="1" name=""/>
+        <p:cNvGrpSpPr/>
+        <p:nvPr/>
+      </p:nvGrpSpPr>
+      <p:grpSpPr>
+        <a:xfrm>
+          <a:off x="0" y="0"/>
+          <a:ext cx="0" cy="0"/>
+          <a:chOff x="0" y="0"/>
+          <a:chExt cx="0" cy="0"/>
+        </a:xfrm>
+      </p:grpSpPr>
+      <p:sp>
+        <p:nvSpPr>
+          <p:cNvPr id="2" name="标题 1">
+            <a:extLst>
+              <a:ext uri="{FF2B5EF4-FFF2-40B4-BE49-F238E27FC236}">
+                <a16:creationId xmlns:a16="http://schemas.microsoft.com/office/drawing/2014/main" id="{F328EA2B-492E-4889-A978-C1A0719E663F}"/>
+              </a:ext>
+            </a:extLst>
+          </p:cNvPr>
+          <p:cNvSpPr>
+            <a:spLocks noGrp="1"/>
+          </p:cNvSpPr>
+          <p:nvPr>
+            <p:ph type="title"/>
+          </p:nvPr>
+        </p:nvSpPr>
+        <p:spPr/>
+        <p:txBody>
+          <a:bodyPr>
+            <a:normAutofit fontScale="90000"/>
+          </a:bodyPr>
+          <a:lstStyle/>
+          <a:p>
+            <a:r>
+              <a:rPr lang="en-US" altLang="zh-CN" sz="3900" dirty="0"/>
+              <a:t>Creational Patterns</a:t>
+            </a:r>
+            <a:br>
+              <a:rPr lang="zh-CN" altLang="en-US" dirty="0"/>
+            </a:br>
+            <a:endParaRPr lang="zh-CN" altLang="en-US" dirty="0"/>
+          </a:p>
+        </p:txBody>
+      </p:sp>
+      <p:sp>
+        <p:nvSpPr>
+          <p:cNvPr id="3" name="内容占位符 2">
+            <a:extLst>
+              <a:ext uri="{FF2B5EF4-FFF2-40B4-BE49-F238E27FC236}">
+                <a16:creationId xmlns:a16="http://schemas.microsoft.com/office/drawing/2014/main" id="{C3A115D0-779C-4BB4-A723-511F2C6BA4A7}"/>
+              </a:ext>
+            </a:extLst>
+          </p:cNvPr>
+          <p:cNvSpPr>
+            <a:spLocks noGrp="1"/>
+          </p:cNvSpPr>
+          <p:nvPr>
+            <p:ph sz="quarter" idx="13"/>
+          </p:nvPr>
+        </p:nvSpPr>
+        <p:spPr/>
+        <p:txBody>
+          <a:bodyPr/>
+          <a:lstStyle/>
+          <a:p>
+            <a:r>
+              <a:rPr lang="zh-CN" altLang="en-US" b="1" dirty="0"/>
+              <a:t>创建型模式</a:t>
+            </a:r>
+            <a:endParaRPr lang="zh-CN" altLang="en-US" dirty="0"/>
+          </a:p>
+        </p:txBody>
+      </p:sp>
+    </p:spTree>
+    <p:extLst>
+      <p:ext uri="{BB962C8B-B14F-4D97-AF65-F5344CB8AC3E}">
+        <p14:creationId xmlns:p14="http://schemas.microsoft.com/office/powerpoint/2010/main" val="2628923534"/>
+      </p:ext>
+    </p:extLst>
+  </p:cSld>
+  <p:clrMapOvr>
+    <a:masterClrMapping/>
+  </p:clrMapOvr>
+</p:sld>
+</file>
+
+<file path=ppt/slides/slide8.xml><?xml version="1.0" encoding="utf-8"?>
+<p:sld xmlns:a="http://schemas.openxmlformats.org/drawingml/2006/main" xmlns:r="http://schemas.openxmlformats.org/officeDocument/2006/relationships" xmlns:p="http://schemas.openxmlformats.org/presentationml/2006/main">
+  <p:cSld>
+    <p:spTree>
+      <p:nvGrpSpPr>
+        <p:cNvPr id="1" name=""/>
+        <p:cNvGrpSpPr/>
+        <p:nvPr/>
+      </p:nvGrpSpPr>
+      <p:grpSpPr>
+        <a:xfrm>
+          <a:off x="0" y="0"/>
+          <a:ext cx="0" cy="0"/>
+          <a:chOff x="0" y="0"/>
+          <a:chExt cx="0" cy="0"/>
+        </a:xfrm>
+      </p:grpSpPr>
+      <p:sp>
+        <p:nvSpPr>
+          <p:cNvPr id="8" name="标题 1"/>
+          <p:cNvSpPr txBox="1"/>
+          <p:nvPr>
+            <p:custDataLst>
+              <p:tags r:id="rId2"/>
+            </p:custDataLst>
+          </p:nvPr>
+        </p:nvSpPr>
+        <p:spPr>
+          <a:xfrm>
+            <a:off x="571608" y="661194"/>
+            <a:ext cx="7886700" cy="994172"/>
+          </a:xfrm>
+          <a:prstGeom prst="rect">
+            <a:avLst/>
+          </a:prstGeom>
+        </p:spPr>
+        <p:txBody>
+          <a:bodyPr vert="horz" wrap="square" lIns="68580" tIns="34290" rIns="68580" bIns="34290" rtlCol="0" anchor="ctr">
+            <a:normAutofit/>
+          </a:bodyPr>
+          <a:lstStyle>
+            <a:lvl1pPr defTabSz="914400">
+              <a:lnSpc>
+                <a:spcPct val="120000"/>
+              </a:lnSpc>
+              <a:spcBef>
+                <a:spcPct val="0"/>
+              </a:spcBef>
+              <a:buNone/>
+              <a:defRPr sz="3600">
+                <a:solidFill>
+                  <a:schemeClr val="tx1">
+                    <a:lumMod val="75000"/>
+                    <a:lumOff val="25000"/>
+                  </a:schemeClr>
+                </a:solidFill>
+                <a:latin typeface="+mj-lt"/>
+                <a:ea typeface="+mj-ea"/>
+                <a:cs typeface="+mj-cs"/>
+              </a:defRPr>
+            </a:lvl1pPr>
+          </a:lstStyle>
+          <a:p>
+            <a:r>
+              <a:rPr lang="zh-CN" altLang="en-US" dirty="0"/>
+              <a:t>设计模式分类</a:t>
+            </a:r>
+          </a:p>
+        </p:txBody>
+      </p:sp>
+      <p:sp>
+        <p:nvSpPr>
+          <p:cNvPr id="3" name="文本框 2">
+            <a:extLst>
+              <a:ext uri="{FF2B5EF4-FFF2-40B4-BE49-F238E27FC236}">
+                <a16:creationId xmlns:a16="http://schemas.microsoft.com/office/drawing/2014/main" id="{6FBF8D99-FB3D-4D87-A95F-C3882FE7B1C9}"/>
+              </a:ext>
+            </a:extLst>
+          </p:cNvPr>
+          <p:cNvSpPr txBox="1"/>
+          <p:nvPr/>
+        </p:nvSpPr>
+        <p:spPr>
+          <a:xfrm>
+            <a:off x="566431" y="2057436"/>
+            <a:ext cx="8334776" cy="3674019"/>
+          </a:xfrm>
+          <a:prstGeom prst="rect">
+            <a:avLst/>
+          </a:prstGeom>
+          <a:noFill/>
+        </p:spPr>
+        <p:txBody>
+          <a:bodyPr wrap="square" rtlCol="0">
+            <a:spAutoFit/>
+          </a:bodyPr>
+          <a:lstStyle/>
+          <a:p>
+            <a:pPr marL="457200" indent="-457200">
+              <a:lnSpc>
+                <a:spcPct val="200000"/>
+              </a:lnSpc>
+              <a:buClr>
+                <a:srgbClr val="0070C0"/>
+              </a:buClr>
+              <a:buFont typeface="+mj-lt"/>
+              <a:buAutoNum type="arabicPeriod"/>
+            </a:pPr>
+            <a:r>
+              <a:rPr lang="zh-CN" altLang="en-US" dirty="0"/>
+              <a:t>工厂模式</a:t>
+            </a:r>
+            <a:r>
+              <a:rPr lang="en-US" altLang="zh-CN" dirty="0"/>
+              <a:t>(The Factory Pattern)</a:t>
+            </a:r>
+          </a:p>
+          <a:p>
+            <a:pPr marL="457200" indent="-457200">
+              <a:lnSpc>
+                <a:spcPct val="200000"/>
+              </a:lnSpc>
+              <a:buClr>
+                <a:srgbClr val="0070C0"/>
+              </a:buClr>
+              <a:buFont typeface="+mj-lt"/>
+              <a:buAutoNum type="arabicPeriod"/>
+            </a:pPr>
+            <a:r>
+              <a:rPr lang="zh-CN" altLang="en-US" dirty="0"/>
+              <a:t>抽象工厂模式</a:t>
+            </a:r>
+            <a:r>
+              <a:rPr lang="en-US" altLang="zh-CN" dirty="0"/>
+              <a:t>(The Abstract Factory Pattern-)</a:t>
+            </a:r>
+            <a:endParaRPr lang="zh-CN" altLang="en-US" dirty="0"/>
+          </a:p>
+          <a:p>
+            <a:pPr marL="457200" indent="-457200" eaLnBrk="1" hangingPunct="1">
+              <a:lnSpc>
+                <a:spcPct val="200000"/>
+              </a:lnSpc>
+              <a:buClr>
+                <a:srgbClr val="0070C0"/>
+              </a:buClr>
+              <a:buFont typeface="+mj-lt"/>
+              <a:buAutoNum type="arabicPeriod"/>
+            </a:pPr>
+            <a:r>
+              <a:rPr lang="zh-CN" altLang="en-US" dirty="0"/>
+              <a:t>单例模式</a:t>
+            </a:r>
+            <a:r>
+              <a:rPr lang="en-US" altLang="zh-CN" dirty="0"/>
+              <a:t>(The Singleton Pattern)</a:t>
+            </a:r>
+            <a:endParaRPr lang="zh-CN" altLang="en-US" dirty="0"/>
+          </a:p>
+          <a:p>
+            <a:pPr marL="457200" indent="-457200" eaLnBrk="1" hangingPunct="1">
+              <a:lnSpc>
+                <a:spcPct val="200000"/>
+              </a:lnSpc>
+              <a:buClr>
+                <a:srgbClr val="0070C0"/>
+              </a:buClr>
+              <a:buFont typeface="+mj-lt"/>
+              <a:buAutoNum type="arabicPeriod"/>
+            </a:pPr>
+            <a:r>
+              <a:rPr lang="zh-CN" altLang="en-US" dirty="0"/>
+              <a:t>原型模式</a:t>
+            </a:r>
+            <a:r>
+              <a:rPr lang="en-US" altLang="zh-CN" dirty="0"/>
+              <a:t>(The Prototype Pattern)</a:t>
+            </a:r>
+            <a:endParaRPr lang="zh-CN" altLang="en-US" dirty="0"/>
+          </a:p>
+          <a:p>
+            <a:pPr marL="457200" indent="-457200" eaLnBrk="1" hangingPunct="1">
+              <a:lnSpc>
+                <a:spcPct val="200000"/>
+              </a:lnSpc>
+              <a:buClr>
+                <a:srgbClr val="0070C0"/>
+              </a:buClr>
+              <a:buFont typeface="+mj-lt"/>
+              <a:buAutoNum type="arabicPeriod"/>
+            </a:pPr>
+            <a:r>
+              <a:rPr lang="zh-CN" altLang="en-US" dirty="0"/>
+              <a:t>建造者模式</a:t>
+            </a:r>
+            <a:r>
+              <a:rPr lang="en-US" altLang="zh-CN" dirty="0"/>
+              <a:t>(Builder Pattern)</a:t>
+            </a:r>
+            <a:endParaRPr lang="zh-CN" altLang="en-US" dirty="0"/>
+          </a:p>
+        </p:txBody>
+      </p:sp>
+    </p:spTree>
+    <p:custDataLst>
+      <p:tags r:id="rId1"/>
+    </p:custDataLst>
+    <p:extLst>
+      <p:ext uri="{BB962C8B-B14F-4D97-AF65-F5344CB8AC3E}">
+        <p14:creationId xmlns:p14="http://schemas.microsoft.com/office/powerpoint/2010/main" val="529526467"/>
+      </p:ext>
+    </p:extLst>
+  </p:cSld>
+  <p:clrMapOvr>
+    <a:masterClrMapping/>
+  </p:clrMapOvr>
+</p:sld>
+</file>
+
+<file path=ppt/slides/slide9.xml><?xml version="1.0" encoding="utf-8"?>
+<p:sld xmlns:a="http://schemas.openxmlformats.org/drawingml/2006/main" xmlns:r="http://schemas.openxmlformats.org/officeDocument/2006/relationships" xmlns:p="http://schemas.openxmlformats.org/presentationml/2006/main">
+  <p:cSld>
+    <p:spTree>
+      <p:nvGrpSpPr>
+        <p:cNvPr id="1" name=""/>
+        <p:cNvGrpSpPr/>
+        <p:nvPr/>
+      </p:nvGrpSpPr>
+      <p:grpSpPr>
+        <a:xfrm>
+          <a:off x="0" y="0"/>
+          <a:ext cx="0" cy="0"/>
+          <a:chOff x="0" y="0"/>
+          <a:chExt cx="0" cy="0"/>
+        </a:xfrm>
+      </p:grpSpPr>
+      <p:sp>
+        <p:nvSpPr>
+          <p:cNvPr id="8" name="标题 1"/>
+          <p:cNvSpPr txBox="1"/>
+          <p:nvPr>
+            <p:custDataLst>
+              <p:tags r:id="rId2"/>
+            </p:custDataLst>
+          </p:nvPr>
+        </p:nvSpPr>
+        <p:spPr>
+          <a:xfrm>
+            <a:off x="571608" y="661194"/>
+            <a:ext cx="7886700" cy="994172"/>
+          </a:xfrm>
+          <a:prstGeom prst="rect">
+            <a:avLst/>
+          </a:prstGeom>
+        </p:spPr>
+        <p:txBody>
+          <a:bodyPr vert="horz" wrap="square" lIns="68580" tIns="34290" rIns="68580" bIns="34290" rtlCol="0" anchor="ctr">
+            <a:normAutofit/>
+          </a:bodyPr>
+          <a:lstStyle>
+            <a:lvl1pPr defTabSz="914400">
+              <a:lnSpc>
+                <a:spcPct val="120000"/>
+              </a:lnSpc>
+              <a:spcBef>
+                <a:spcPct val="0"/>
+              </a:spcBef>
+              <a:buNone/>
+              <a:defRPr sz="3600">
+                <a:solidFill>
+                  <a:schemeClr val="tx1">
+                    <a:lumMod val="75000"/>
+                    <a:lumOff val="25000"/>
+                  </a:schemeClr>
+                </a:solidFill>
+                <a:latin typeface="+mj-lt"/>
+                <a:ea typeface="+mj-ea"/>
+                <a:cs typeface="+mj-cs"/>
+              </a:defRPr>
+            </a:lvl1pPr>
+          </a:lstStyle>
+          <a:p>
+            <a:r>
+              <a:rPr lang="zh-CN" altLang="en-US" dirty="0"/>
+              <a:t>工厂模式</a:t>
+            </a:r>
+            <a:r>
+              <a:rPr lang="en-US" altLang="zh-CN" dirty="0"/>
+              <a:t>(The Factory Pattern)</a:t>
+            </a:r>
+          </a:p>
+        </p:txBody>
+      </p:sp>
+      <p:sp>
+        <p:nvSpPr>
+          <p:cNvPr id="3" name="文本框 2">
+            <a:extLst>
+              <a:ext uri="{FF2B5EF4-FFF2-40B4-BE49-F238E27FC236}">
+                <a16:creationId xmlns:a16="http://schemas.microsoft.com/office/drawing/2014/main" id="{6FBF8D99-FB3D-4D87-A95F-C3882FE7B1C9}"/>
+              </a:ext>
+            </a:extLst>
+          </p:cNvPr>
+          <p:cNvSpPr txBox="1"/>
+          <p:nvPr/>
+        </p:nvSpPr>
+        <p:spPr>
+          <a:xfrm>
+            <a:off x="566431" y="2057436"/>
+            <a:ext cx="8334776" cy="2796856"/>
+          </a:xfrm>
+          <a:prstGeom prst="rect">
+            <a:avLst/>
+          </a:prstGeom>
+          <a:noFill/>
+        </p:spPr>
+        <p:txBody>
+          <a:bodyPr wrap="square" rtlCol="0">
+            <a:spAutoFit/>
+          </a:bodyPr>
+          <a:lstStyle/>
+          <a:p>
+            <a:pPr indent="628650" eaLnBrk="1" hangingPunct="1">
+              <a:lnSpc>
+                <a:spcPct val="150000"/>
+              </a:lnSpc>
+              <a:buFont typeface="Wingdings" panose="05000000000000000000" pitchFamily="2" charset="2"/>
+              <a:buNone/>
+            </a:pPr>
+            <a:r>
+              <a:rPr lang="zh-CN" altLang="en-US" dirty="0"/>
+              <a:t>工厂模式是最常见的设计模式之一，可帮助我们组织创建对象的代码，通常用于以下两种情况：</a:t>
+            </a:r>
+          </a:p>
+          <a:p>
+            <a:pPr lvl="1" indent="-457200" eaLnBrk="1" hangingPunct="1">
+              <a:lnSpc>
+                <a:spcPct val="150000"/>
+              </a:lnSpc>
+              <a:buClr>
+                <a:srgbClr val="0070C0"/>
+              </a:buClr>
+              <a:buSzPct val="80000"/>
+              <a:buFont typeface="+mj-lt"/>
+              <a:buAutoNum type="arabicPeriod"/>
+            </a:pPr>
+            <a:r>
+              <a:rPr lang="zh-CN" altLang="en-US" dirty="0"/>
+              <a:t>创建复杂的对象，并进行初始化。</a:t>
+            </a:r>
+            <a:endParaRPr lang="en-US" altLang="zh-CN" dirty="0"/>
+          </a:p>
+          <a:p>
+            <a:pPr lvl="1" indent="-457200" eaLnBrk="1" hangingPunct="1">
+              <a:lnSpc>
+                <a:spcPct val="150000"/>
+              </a:lnSpc>
+              <a:buClr>
+                <a:srgbClr val="0070C0"/>
+              </a:buClr>
+              <a:buSzPct val="80000"/>
+              <a:buFont typeface="+mj-lt"/>
+              <a:buAutoNum type="arabicPeriod"/>
+            </a:pPr>
+            <a:r>
+              <a:rPr lang="zh-CN" altLang="en-US" dirty="0"/>
+              <a:t>根据不同的环境（输入参数），创建不同用途的对象。一般这些对象都是实现了相同的接口或继承于同一基类。</a:t>
+            </a:r>
+          </a:p>
+        </p:txBody>
+      </p:sp>
+    </p:spTree>
+    <p:custDataLst>
+      <p:tags r:id="rId1"/>
+    </p:custDataLst>
+    <p:extLst>
+      <p:ext uri="{BB962C8B-B14F-4D97-AF65-F5344CB8AC3E}">
+        <p14:creationId xmlns:p14="http://schemas.microsoft.com/office/powerpoint/2010/main" val="3779037495"/>
+      </p:ext>
+    </p:extLst>
+  </p:cSld>
+  <p:clrMapOvr>
+    <a:masterClrMapping/>
+  </p:clrMapOvr>
+</p:sld>
+</file>
+
 <file path=ppt/tags/tag1.xml><?xml version="1.0" encoding="utf-8"?>
-<p:tagLst xmlns:p="http://schemas.openxmlformats.org/presentationml/2006/main">
+<p:tagLst xmlns:a="http://schemas.openxmlformats.org/drawingml/2006/main" xmlns:r="http://schemas.openxmlformats.org/officeDocument/2006/relationships" xmlns:p="http://schemas.openxmlformats.org/presentationml/2006/main">
+  <p:tag name="KSO_WM_TAG_VERSION" val="1.0"/>
+  <p:tag name="KSO_WM_TEMPLATE_CATEGORY" val="custom"/>
+  <p:tag name="KSO_WM_TEMPLATE_INDEX" val="20186830"/>
+</p:tagLst>
+</file>
+
+<file path=ppt/tags/tag10.xml><?xml version="1.0" encoding="utf-8"?>
+<p:tagLst xmlns:a="http://schemas.openxmlformats.org/drawingml/2006/main" xmlns:r="http://schemas.openxmlformats.org/officeDocument/2006/relationships" xmlns:p="http://schemas.openxmlformats.org/presentationml/2006/main">
+  <p:tag name="KSO_WM_TAG_VERSION" val="1.0"/>
+  <p:tag name="KSO_WM_BEAUTIFY_FLAG" val="#wm#"/>
+  <p:tag name="KSO_WM_UNIT_TYPE" val="i"/>
+  <p:tag name="KSO_WM_UNIT_ID" val="custom20184556_22*i*3"/>
+  <p:tag name="KSO_WM_TEMPLATE_CATEGORY" val="custom"/>
+  <p:tag name="KSO_WM_TEMPLATE_INDEX" val="20184556"/>
+  <p:tag name="KSO_WM_UNIT_INDEX" val="3"/>
+</p:tagLst>
+</file>
+
+<file path=ppt/tags/tag11.xml><?xml version="1.0" encoding="utf-8"?>
+<p:tagLst xmlns:a="http://schemas.openxmlformats.org/drawingml/2006/main" xmlns:r="http://schemas.openxmlformats.org/officeDocument/2006/relationships" xmlns:p="http://schemas.openxmlformats.org/presentationml/2006/main">
+  <p:tag name="KSO_WM_TAG_VERSION" val="1.0"/>
+  <p:tag name="KSO_WM_BEAUTIFY_FLAG" val="#wm#"/>
+  <p:tag name="KSO_WM_UNIT_TYPE" val="i"/>
+  <p:tag name="KSO_WM_UNIT_ID" val="custom20184556_22*i*4"/>
+  <p:tag name="KSO_WM_TEMPLATE_CATEGORY" val="custom"/>
+  <p:tag name="KSO_WM_TEMPLATE_INDEX" val="20184556"/>
+  <p:tag name="KSO_WM_UNIT_INDEX" val="4"/>
+</p:tagLst>
+</file>
+
+<file path=ppt/tags/tag12.xml><?xml version="1.0" encoding="utf-8"?>
+<p:tagLst xmlns:a="http://schemas.openxmlformats.org/drawingml/2006/main" xmlns:r="http://schemas.openxmlformats.org/officeDocument/2006/relationships" xmlns:p="http://schemas.openxmlformats.org/presentationml/2006/main">
+  <p:tag name="KSO_WM_TAG_VERSION" val="1.0"/>
+  <p:tag name="KSO_WM_BEAUTIFY_FLAG" val="#wm#"/>
+  <p:tag name="KSO_WM_UNIT_TYPE" val="i"/>
+  <p:tag name="KSO_WM_UNIT_ID" val="custom20184556_22*i*5"/>
+  <p:tag name="KSO_WM_TEMPLATE_CATEGORY" val="custom"/>
+  <p:tag name="KSO_WM_TEMPLATE_INDEX" val="20184556"/>
+  <p:tag name="KSO_WM_UNIT_INDEX" val="5"/>
+</p:tagLst>
+</file>
+
+<file path=ppt/tags/tag13.xml><?xml version="1.0" encoding="utf-8"?>
+<p:tagLst xmlns:a="http://schemas.openxmlformats.org/drawingml/2006/main" xmlns:r="http://schemas.openxmlformats.org/officeDocument/2006/relationships" xmlns:p="http://schemas.openxmlformats.org/presentationml/2006/main">
+  <p:tag name="KSO_WM_TAG_VERSION" val="1.0"/>
+  <p:tag name="KSO_WM_BEAUTIFY_FLAG" val="#wm#"/>
+  <p:tag name="KSO_WM_UNIT_TYPE" val="i"/>
+  <p:tag name="KSO_WM_UNIT_ID" val="custom20184556_22*i*6"/>
+  <p:tag name="KSO_WM_TEMPLATE_CATEGORY" val="custom"/>
+  <p:tag name="KSO_WM_TEMPLATE_INDEX" val="20184556"/>
+  <p:tag name="KSO_WM_UNIT_INDEX" val="6"/>
+</p:tagLst>
+</file>
+
+<file path=ppt/tags/tag14.xml><?xml version="1.0" encoding="utf-8"?>
+<p:tagLst xmlns:a="http://schemas.openxmlformats.org/drawingml/2006/main" xmlns:r="http://schemas.openxmlformats.org/officeDocument/2006/relationships" xmlns:p="http://schemas.openxmlformats.org/presentationml/2006/main">
+  <p:tag name="KSO_WM_TAG_VERSION" val="1.0"/>
+  <p:tag name="KSO_WM_TEMPLATE_CATEGORY" val="custom"/>
+  <p:tag name="KSO_WM_TEMPLATE_INDEX" val="20186830"/>
+</p:tagLst>
+</file>
+
+<file path=ppt/tags/tag15.xml><?xml version="1.0" encoding="utf-8"?>
+<p:tagLst xmlns:a="http://schemas.openxmlformats.org/drawingml/2006/main" xmlns:r="http://schemas.openxmlformats.org/officeDocument/2006/relationships" xmlns:p="http://schemas.openxmlformats.org/presentationml/2006/main">
+  <p:tag name="KSO_WM_TAG_VERSION" val="1.0"/>
+  <p:tag name="KSO_WM_TEMPLATE_CATEGORY" val="custom"/>
+  <p:tag name="KSO_WM_TEMPLATE_INDEX" val="20186830"/>
+</p:tagLst>
+</file>
+
+<file path=ppt/tags/tag16.xml><?xml version="1.0" encoding="utf-8"?>
+<p:tagLst xmlns:a="http://schemas.openxmlformats.org/drawingml/2006/main" xmlns:r="http://schemas.openxmlformats.org/officeDocument/2006/relationships" xmlns:p="http://schemas.openxmlformats.org/presentationml/2006/main">
+  <p:tag name="KSO_WM_TAG_VERSION" val="1.0"/>
+  <p:tag name="KSO_WM_BEAUTIFY_FLAG" val="#wm#"/>
+  <p:tag name="KSO_WM_COMBINE_RELATE_SLIDE_ID" val="background20181909_1"/>
+  <p:tag name="KSO_WM_TEMPLATE_CATEGORY" val="custom"/>
+  <p:tag name="KSO_WM_TEMPLATE_INDEX" val="20186830"/>
+  <p:tag name="KSO_WM_TEMPLATE_SUBCATEGORY" val="combine"/>
+  <p:tag name="KSO_WM_TEMPLATE_THUMBS_INDEX" val="1、6、10、15、19、22"/>
+</p:tagLst>
+</file>
+
+<file path=ppt/tags/tag17.xml><?xml version="1.0" encoding="utf-8"?>
+<p:tagLst xmlns:a="http://schemas.openxmlformats.org/drawingml/2006/main" xmlns:r="http://schemas.openxmlformats.org/officeDocument/2006/relationships" xmlns:p="http://schemas.openxmlformats.org/presentationml/2006/main">
   <p:tag name="KSO_WM_TAG_VERSION" val="1.0"/>
   <p:tag name="KSO_WM_BEAUTIFY_FLAG" val="#wm#"/>
   <p:tag name="KSO_WM_UNIT_TYPE" val="i"/>
@@ -5212,8 +11083,112 @@
 </p:tagLst>
 </file>
 
-<file path=ppt/tags/tag10.xml><?xml version="1.0" encoding="utf-8"?>
-<p:tagLst xmlns:p="http://schemas.openxmlformats.org/presentationml/2006/main">
+<file path=ppt/tags/tag18.xml><?xml version="1.0" encoding="utf-8"?>
+<p:tagLst xmlns:a="http://schemas.openxmlformats.org/drawingml/2006/main" xmlns:r="http://schemas.openxmlformats.org/officeDocument/2006/relationships" xmlns:p="http://schemas.openxmlformats.org/presentationml/2006/main">
+  <p:tag name="KSO_WM_TAG_VERSION" val="1.0"/>
+  <p:tag name="KSO_WM_BEAUTIFY_FLAG" val="#wm#"/>
+  <p:tag name="KSO_WM_UNIT_TYPE" val="i"/>
+  <p:tag name="KSO_WM_UNIT_ID" val="custom20184556_1*i*4"/>
+  <p:tag name="KSO_WM_TEMPLATE_CATEGORY" val="custom"/>
+  <p:tag name="KSO_WM_TEMPLATE_INDEX" val="20184556"/>
+  <p:tag name="KSO_WM_UNIT_INDEX" val="4"/>
+</p:tagLst>
+</file>
+
+<file path=ppt/tags/tag19.xml><?xml version="1.0" encoding="utf-8"?>
+<p:tagLst xmlns:a="http://schemas.openxmlformats.org/drawingml/2006/main" xmlns:r="http://schemas.openxmlformats.org/officeDocument/2006/relationships" xmlns:p="http://schemas.openxmlformats.org/presentationml/2006/main">
+  <p:tag name="KSO_WM_TAG_VERSION" val="1.0"/>
+  <p:tag name="KSO_WM_BEAUTIFY_FLAG" val="#wm#"/>
+  <p:tag name="KSO_WM_UNIT_TYPE" val="i"/>
+  <p:tag name="KSO_WM_UNIT_ID" val="custom20184556_1*i*5"/>
+  <p:tag name="KSO_WM_TEMPLATE_CATEGORY" val="custom"/>
+  <p:tag name="KSO_WM_TEMPLATE_INDEX" val="20184556"/>
+  <p:tag name="KSO_WM_UNIT_INDEX" val="5"/>
+</p:tagLst>
+</file>
+
+<file path=ppt/tags/tag2.xml><?xml version="1.0" encoding="utf-8"?>
+<p:tagLst xmlns:a="http://schemas.openxmlformats.org/drawingml/2006/main" xmlns:r="http://schemas.openxmlformats.org/officeDocument/2006/relationships" xmlns:p="http://schemas.openxmlformats.org/presentationml/2006/main">
+  <p:tag name="KSO_WM_TAG_VERSION" val="1.0"/>
+  <p:tag name="KSO_WM_TEMPLATE_CATEGORY" val="custom"/>
+  <p:tag name="KSO_WM_TEMPLATE_INDEX" val="20186830"/>
+</p:tagLst>
+</file>
+
+<file path=ppt/tags/tag20.xml><?xml version="1.0" encoding="utf-8"?>
+<p:tagLst xmlns:a="http://schemas.openxmlformats.org/drawingml/2006/main" xmlns:r="http://schemas.openxmlformats.org/officeDocument/2006/relationships" xmlns:p="http://schemas.openxmlformats.org/presentationml/2006/main">
+  <p:tag name="KSO_WM_TAG_VERSION" val="1.0"/>
+  <p:tag name="KSO_WM_BEAUTIFY_FLAG" val="#wm#"/>
+  <p:tag name="KSO_WM_UNIT_TYPE" val="i"/>
+  <p:tag name="KSO_WM_UNIT_ID" val="custom20184556_1*i*6"/>
+  <p:tag name="KSO_WM_TEMPLATE_CATEGORY" val="custom"/>
+  <p:tag name="KSO_WM_TEMPLATE_INDEX" val="20184556"/>
+  <p:tag name="KSO_WM_UNIT_INDEX" val="6"/>
+</p:tagLst>
+</file>
+
+<file path=ppt/tags/tag21.xml><?xml version="1.0" encoding="utf-8"?>
+<p:tagLst xmlns:a="http://schemas.openxmlformats.org/drawingml/2006/main" xmlns:r="http://schemas.openxmlformats.org/officeDocument/2006/relationships" xmlns:p="http://schemas.openxmlformats.org/presentationml/2006/main">
+  <p:tag name="KSO_WM_TAG_VERSION" val="1.0"/>
+  <p:tag name="KSO_WM_BEAUTIFY_FLAG" val="#wm#"/>
+  <p:tag name="KSO_WM_UNIT_TYPE" val="i"/>
+  <p:tag name="KSO_WM_UNIT_ID" val="custom20184556_1*i*7"/>
+  <p:tag name="KSO_WM_TEMPLATE_CATEGORY" val="custom"/>
+  <p:tag name="KSO_WM_TEMPLATE_INDEX" val="20184556"/>
+  <p:tag name="KSO_WM_UNIT_INDEX" val="7"/>
+</p:tagLst>
+</file>
+
+<file path=ppt/tags/tag22.xml><?xml version="1.0" encoding="utf-8"?>
+<p:tagLst xmlns:a="http://schemas.openxmlformats.org/drawingml/2006/main" xmlns:r="http://schemas.openxmlformats.org/officeDocument/2006/relationships" xmlns:p="http://schemas.openxmlformats.org/presentationml/2006/main">
+  <p:tag name="KSO_WM_TAG_VERSION" val="1.0"/>
+  <p:tag name="KSO_WM_BEAUTIFY_FLAG" val="#wm#"/>
+  <p:tag name="KSO_WM_UNIT_TYPE" val="i"/>
+  <p:tag name="KSO_WM_UNIT_ID" val="custom20184556_22*i*2"/>
+  <p:tag name="KSO_WM_TEMPLATE_CATEGORY" val="custom"/>
+  <p:tag name="KSO_WM_TEMPLATE_INDEX" val="20184556"/>
+  <p:tag name="KSO_WM_UNIT_INDEX" val="2"/>
+</p:tagLst>
+</file>
+
+<file path=ppt/tags/tag23.xml><?xml version="1.0" encoding="utf-8"?>
+<p:tagLst xmlns:a="http://schemas.openxmlformats.org/drawingml/2006/main" xmlns:r="http://schemas.openxmlformats.org/officeDocument/2006/relationships" xmlns:p="http://schemas.openxmlformats.org/presentationml/2006/main">
+  <p:tag name="KSO_WM_TAG_VERSION" val="1.0"/>
+  <p:tag name="KSO_WM_BEAUTIFY_FLAG" val="#wm#"/>
+  <p:tag name="KSO_WM_UNIT_TYPE" val="i"/>
+  <p:tag name="KSO_WM_UNIT_ID" val="custom20184556_22*i*3"/>
+  <p:tag name="KSO_WM_TEMPLATE_CATEGORY" val="custom"/>
+  <p:tag name="KSO_WM_TEMPLATE_INDEX" val="20184556"/>
+  <p:tag name="KSO_WM_UNIT_INDEX" val="3"/>
+</p:tagLst>
+</file>
+
+<file path=ppt/tags/tag24.xml><?xml version="1.0" encoding="utf-8"?>
+<p:tagLst xmlns:a="http://schemas.openxmlformats.org/drawingml/2006/main" xmlns:r="http://schemas.openxmlformats.org/officeDocument/2006/relationships" xmlns:p="http://schemas.openxmlformats.org/presentationml/2006/main">
+  <p:tag name="KSO_WM_TAG_VERSION" val="1.0"/>
+  <p:tag name="KSO_WM_BEAUTIFY_FLAG" val="#wm#"/>
+  <p:tag name="KSO_WM_UNIT_TYPE" val="i"/>
+  <p:tag name="KSO_WM_UNIT_ID" val="custom20184556_22*i*4"/>
+  <p:tag name="KSO_WM_TEMPLATE_CATEGORY" val="custom"/>
+  <p:tag name="KSO_WM_TEMPLATE_INDEX" val="20184556"/>
+  <p:tag name="KSO_WM_UNIT_INDEX" val="4"/>
+</p:tagLst>
+</file>
+
+<file path=ppt/tags/tag25.xml><?xml version="1.0" encoding="utf-8"?>
+<p:tagLst xmlns:a="http://schemas.openxmlformats.org/drawingml/2006/main" xmlns:r="http://schemas.openxmlformats.org/officeDocument/2006/relationships" xmlns:p="http://schemas.openxmlformats.org/presentationml/2006/main">
+  <p:tag name="KSO_WM_TAG_VERSION" val="1.0"/>
+  <p:tag name="KSO_WM_BEAUTIFY_FLAG" val="#wm#"/>
+  <p:tag name="KSO_WM_UNIT_TYPE" val="i"/>
+  <p:tag name="KSO_WM_UNIT_ID" val="custom20184556_22*i*5"/>
+  <p:tag name="KSO_WM_TEMPLATE_CATEGORY" val="custom"/>
+  <p:tag name="KSO_WM_TEMPLATE_INDEX" val="20184556"/>
+  <p:tag name="KSO_WM_UNIT_INDEX" val="5"/>
+</p:tagLst>
+</file>
+
+<file path=ppt/tags/tag26.xml><?xml version="1.0" encoding="utf-8"?>
+<p:tagLst xmlns:a="http://schemas.openxmlformats.org/drawingml/2006/main" xmlns:r="http://schemas.openxmlformats.org/officeDocument/2006/relationships" xmlns:p="http://schemas.openxmlformats.org/presentationml/2006/main">
   <p:tag name="KSO_WM_TAG_VERSION" val="1.0"/>
   <p:tag name="KSO_WM_BEAUTIFY_FLAG" val="#wm#"/>
   <p:tag name="KSO_WM_UNIT_TYPE" val="i"/>
@@ -5224,36 +11199,27 @@
 </p:tagLst>
 </file>
 
-<file path=ppt/tags/tag11.xml><?xml version="1.0" encoding="utf-8"?>
-<p:tagLst xmlns:p="http://schemas.openxmlformats.org/presentationml/2006/main">
+<file path=ppt/tags/tag27.xml><?xml version="1.0" encoding="utf-8"?>
+<p:tagLst xmlns:a="http://schemas.openxmlformats.org/drawingml/2006/main" xmlns:r="http://schemas.openxmlformats.org/officeDocument/2006/relationships" xmlns:p="http://schemas.openxmlformats.org/presentationml/2006/main">
   <p:tag name="KSO_WM_TAG_VERSION" val="1.0"/>
-  <p:tag name="KSO_WM_TEMPLATE_CATEGORY" val="custom"/>
-  <p:tag name="KSO_WM_TEMPLATE_INDEX" val="20186830"/>
-</p:tagLst>
-</file>
-
-<file path=ppt/tags/tag12.xml><?xml version="1.0" encoding="utf-8"?>
-<p:tagLst xmlns:p="http://schemas.openxmlformats.org/presentationml/2006/main">
-  <p:tag name="KSO_WM_TAG_VERSION" val="1.0"/>
-  <p:tag name="KSO_WM_TEMPLATE_CATEGORY" val="custom"/>
-  <p:tag name="KSO_WM_TEMPLATE_INDEX" val="20186830"/>
-</p:tagLst>
-</file>
-
-<file path=ppt/tags/tag13.xml><?xml version="1.0" encoding="utf-8"?>
-<p:tagLst xmlns:p="http://schemas.openxmlformats.org/presentationml/2006/main">
-  <p:tag name="KSO_WM_TAG_VERSION" val="1.0"/>
+  <p:tag name="KSO_WM_SLIDE_ITEM_CNT" val="2"/>
+  <p:tag name="KSO_WM_SLIDE_LAYOUT" val="a_b_c"/>
+  <p:tag name="KSO_WM_SLIDE_LAYOUT_CNT" val="1_1_1"/>
+  <p:tag name="KSO_WM_SLIDE_TYPE" val="title"/>
   <p:tag name="KSO_WM_BEAUTIFY_FLAG" val="#wm#"/>
   <p:tag name="KSO_WM_COMBINE_RELATE_SLIDE_ID" val="background20181909_1"/>
   <p:tag name="KSO_WM_TEMPLATE_CATEGORY" val="custom"/>
   <p:tag name="KSO_WM_TEMPLATE_INDEX" val="20186830"/>
+  <p:tag name="KSO_WM_SLIDE_ID" val="custom20186830_1"/>
+  <p:tag name="KSO_WM_SLIDE_INDEX" val="1"/>
   <p:tag name="KSO_WM_TEMPLATE_SUBCATEGORY" val="combine"/>
-  <p:tag name="KSO_WM_TEMPLATE_THUMBS_INDEX" val="1、6、10、15、19、22"/>
+  <p:tag name="KSO_WM_TEMPLATE_THUMBS_INDEX" val="1、6、10、15、19、22、"/>
+  <p:tag name="KSO_WM_SLIDE_SUBTYPE" val="pureTxt"/>
 </p:tagLst>
 </file>
 
-<file path=ppt/tags/tag14.xml><?xml version="1.0" encoding="utf-8"?>
-<p:tagLst xmlns:p="http://schemas.openxmlformats.org/presentationml/2006/main">
+<file path=ppt/tags/tag28.xml><?xml version="1.0" encoding="utf-8"?>
+<p:tagLst xmlns:a="http://schemas.openxmlformats.org/drawingml/2006/main" xmlns:r="http://schemas.openxmlformats.org/officeDocument/2006/relationships" xmlns:p="http://schemas.openxmlformats.org/presentationml/2006/main">
   <p:tag name="KSO_WM_TEMPLATE_CATEGORY" val="custom"/>
   <p:tag name="KSO_WM_TEMPLATE_INDEX" val="20186830"/>
   <p:tag name="KSO_WM_TAG_VERSION" val="1.0"/>
@@ -5271,8 +11237,8 @@
 </p:tagLst>
 </file>
 
-<file path=ppt/tags/tag15.xml><?xml version="1.0" encoding="utf-8"?>
-<p:tagLst xmlns:p="http://schemas.openxmlformats.org/presentationml/2006/main">
+<file path=ppt/tags/tag29.xml><?xml version="1.0" encoding="utf-8"?>
+<p:tagLst xmlns:a="http://schemas.openxmlformats.org/drawingml/2006/main" xmlns:r="http://schemas.openxmlformats.org/officeDocument/2006/relationships" xmlns:p="http://schemas.openxmlformats.org/presentationml/2006/main">
   <p:tag name="KSO_WM_TEMPLATE_CATEGORY" val="custom"/>
   <p:tag name="KSO_WM_TEMPLATE_INDEX" val="20186830"/>
   <p:tag name="KSO_WM_TAG_VERSION" val="1.0"/>
@@ -5290,8 +11256,20 @@
 </p:tagLst>
 </file>
 
-<file path=ppt/tags/tag16.xml><?xml version="1.0" encoding="utf-8"?>
-<p:tagLst xmlns:p="http://schemas.openxmlformats.org/presentationml/2006/main">
+<file path=ppt/tags/tag3.xml><?xml version="1.0" encoding="utf-8"?>
+<p:tagLst xmlns:a="http://schemas.openxmlformats.org/drawingml/2006/main" xmlns:r="http://schemas.openxmlformats.org/officeDocument/2006/relationships" xmlns:p="http://schemas.openxmlformats.org/presentationml/2006/main">
+  <p:tag name="KSO_WM_TAG_VERSION" val="1.0"/>
+  <p:tag name="KSO_WM_BEAUTIFY_FLAG" val="#wm#"/>
+  <p:tag name="KSO_WM_COMBINE_RELATE_SLIDE_ID" val="background20181909_1"/>
+  <p:tag name="KSO_WM_TEMPLATE_CATEGORY" val="custom"/>
+  <p:tag name="KSO_WM_TEMPLATE_INDEX" val="20186830"/>
+  <p:tag name="KSO_WM_TEMPLATE_SUBCATEGORY" val="combine"/>
+  <p:tag name="KSO_WM_TEMPLATE_THUMBS_INDEX" val="1、6、10、15、19、22"/>
+</p:tagLst>
+</file>
+
+<file path=ppt/tags/tag30.xml><?xml version="1.0" encoding="utf-8"?>
+<p:tagLst xmlns:a="http://schemas.openxmlformats.org/drawingml/2006/main" xmlns:r="http://schemas.openxmlformats.org/officeDocument/2006/relationships" xmlns:p="http://schemas.openxmlformats.org/presentationml/2006/main">
   <p:tag name="KSO_WM_TEMPLATE_CATEGORY" val="custom"/>
   <p:tag name="KSO_WM_TEMPLATE_INDEX" val="20186830"/>
   <p:tag name="KSO_WM_TAG_VERSION" val="1.0"/>
@@ -5310,42 +11288,347 @@
 </p:tagLst>
 </file>
 
-<file path=ppt/tags/tag17.xml><?xml version="1.0" encoding="utf-8"?>
-<p:tagLst xmlns:p="http://schemas.openxmlformats.org/presentationml/2006/main">
-  <p:tag name="KSO_WM_TAG_VERSION" val="1.0"/>
-  <p:tag name="KSO_WM_SLIDE_ITEM_CNT" val="2"/>
-  <p:tag name="KSO_WM_SLIDE_LAYOUT" val="a_b_c"/>
-  <p:tag name="KSO_WM_SLIDE_LAYOUT_CNT" val="1_1_1"/>
-  <p:tag name="KSO_WM_SLIDE_TYPE" val="title"/>
-  <p:tag name="KSO_WM_BEAUTIFY_FLAG" val="#wm#"/>
-  <p:tag name="KSO_WM_COMBINE_RELATE_SLIDE_ID" val="background20181909_1"/>
+<file path=ppt/tags/tag31.xml><?xml version="1.0" encoding="utf-8"?>
+<p:tagLst xmlns:a="http://schemas.openxmlformats.org/drawingml/2006/main" xmlns:r="http://schemas.openxmlformats.org/officeDocument/2006/relationships" xmlns:p="http://schemas.openxmlformats.org/presentationml/2006/main">
   <p:tag name="KSO_WM_TEMPLATE_CATEGORY" val="custom"/>
   <p:tag name="KSO_WM_TEMPLATE_INDEX" val="20186830"/>
-  <p:tag name="KSO_WM_SLIDE_ID" val="custom20186830_1"/>
-  <p:tag name="KSO_WM_SLIDE_INDEX" val="1"/>
-  <p:tag name="KSO_WM_TEMPLATE_SUBCATEGORY" val="combine"/>
-  <p:tag name="KSO_WM_TEMPLATE_THUMBS_INDEX" val="1、6、10、15、19、22、"/>
-  <p:tag name="KSO_WM_SLIDE_SUBTYPE" val="pureTxt"/>
+  <p:tag name="KSO_WM_TAG_VERSION" val="1.0"/>
+  <p:tag name="KSO_WM_SLIDE_ID" val="custom20186830_7"/>
+  <p:tag name="KSO_WM_SLIDE_INDEX" val="7"/>
+  <p:tag name="KSO_WM_SLIDE_ITEM_CNT" val="1"/>
+  <p:tag name="KSO_WM_SLIDE_LAYOUT" val="a_l"/>
+  <p:tag name="KSO_WM_SLIDE_LAYOUT_CNT" val="1_1"/>
+  <p:tag name="KSO_WM_SLIDE_TYPE" val="text"/>
+  <p:tag name="KSO_WM_BEAUTIFY_FLAG" val="#wm#"/>
+  <p:tag name="KSO_WM_SLIDE_POSITION" val="25*85"/>
+  <p:tag name="KSO_WM_SLIDE_SIZE" val="452*279"/>
+  <p:tag name="KSO_WM_DIAGRAM_GROUP_CODE" val="l1-1"/>
+  <p:tag name="KSO_WM_SLIDE_SUBTYPE" val="diag"/>
 </p:tagLst>
 </file>
 
-<file path=ppt/tags/tag18.xml><?xml version="1.0" encoding="utf-8"?>
-<p:tagLst xmlns:p="http://schemas.openxmlformats.org/presentationml/2006/main">
+<file path=ppt/tags/tag32.xml><?xml version="1.0" encoding="utf-8"?>
+<p:tagLst xmlns:a="http://schemas.openxmlformats.org/drawingml/2006/main" xmlns:r="http://schemas.openxmlformats.org/officeDocument/2006/relationships" xmlns:p="http://schemas.openxmlformats.org/presentationml/2006/main">
+  <p:tag name="KSO_WM_TEMPLATE_CATEGORY" val="custom"/>
+  <p:tag name="KSO_WM_TEMPLATE_INDEX" val="20186830"/>
+  <p:tag name="KSO_WM_TAG_VERSION" val="1.0"/>
+  <p:tag name="KSO_WM_BEAUTIFY_FLAG" val="#wm#"/>
+  <p:tag name="KSO_WM_UNIT_TYPE" val="a"/>
+  <p:tag name="KSO_WM_UNIT_INDEX" val="1"/>
+  <p:tag name="KSO_WM_UNIT_ID" val="custom20186830_7*a*1"/>
+  <p:tag name="KSO_WM_UNIT_LAYERLEVEL" val="1"/>
+  <p:tag name="KSO_WM_UNIT_VALUE" val="19"/>
+  <p:tag name="KSO_WM_UNIT_ISCONTENTSTITLE" val="0"/>
+  <p:tag name="KSO_WM_UNIT_HIGHLIGHT" val="0"/>
+  <p:tag name="KSO_WM_UNIT_COMPATIBLE" val="0"/>
+  <p:tag name="KSO_WM_UNIT_CLEAR" val="0"/>
+  <p:tag name="KSO_WM_UNIT_PRESET_TEXT_INDEX" val="3"/>
+  <p:tag name="KSO_WM_UNIT_PRESET_TEXT_LEN" val="17"/>
+</p:tagLst>
+</file>
+
+<file path=ppt/tags/tag33.xml><?xml version="1.0" encoding="utf-8"?>
+<p:tagLst xmlns:a="http://schemas.openxmlformats.org/drawingml/2006/main" xmlns:r="http://schemas.openxmlformats.org/officeDocument/2006/relationships" xmlns:p="http://schemas.openxmlformats.org/presentationml/2006/main">
+  <p:tag name="KSO_WM_TEMPLATE_CATEGORY" val="custom"/>
+  <p:tag name="KSO_WM_TEMPLATE_INDEX" val="20186830"/>
+  <p:tag name="KSO_WM_TAG_VERSION" val="1.0"/>
+  <p:tag name="KSO_WM_SLIDE_ID" val="custom20186830_7"/>
+  <p:tag name="KSO_WM_SLIDE_INDEX" val="7"/>
+  <p:tag name="KSO_WM_SLIDE_ITEM_CNT" val="1"/>
+  <p:tag name="KSO_WM_SLIDE_LAYOUT" val="a_l"/>
+  <p:tag name="KSO_WM_SLIDE_LAYOUT_CNT" val="1_1"/>
+  <p:tag name="KSO_WM_SLIDE_TYPE" val="text"/>
+  <p:tag name="KSO_WM_BEAUTIFY_FLAG" val="#wm#"/>
+  <p:tag name="KSO_WM_SLIDE_POSITION" val="25*85"/>
+  <p:tag name="KSO_WM_SLIDE_SIZE" val="452*279"/>
+  <p:tag name="KSO_WM_DIAGRAM_GROUP_CODE" val="l1-1"/>
+  <p:tag name="KSO_WM_SLIDE_SUBTYPE" val="diag"/>
+</p:tagLst>
+</file>
+
+<file path=ppt/tags/tag34.xml><?xml version="1.0" encoding="utf-8"?>
+<p:tagLst xmlns:a="http://schemas.openxmlformats.org/drawingml/2006/main" xmlns:r="http://schemas.openxmlformats.org/officeDocument/2006/relationships" xmlns:p="http://schemas.openxmlformats.org/presentationml/2006/main">
+  <p:tag name="KSO_WM_TEMPLATE_CATEGORY" val="custom"/>
+  <p:tag name="KSO_WM_TEMPLATE_INDEX" val="20186830"/>
+  <p:tag name="KSO_WM_TAG_VERSION" val="1.0"/>
+  <p:tag name="KSO_WM_BEAUTIFY_FLAG" val="#wm#"/>
+  <p:tag name="KSO_WM_UNIT_TYPE" val="a"/>
+  <p:tag name="KSO_WM_UNIT_INDEX" val="1"/>
+  <p:tag name="KSO_WM_UNIT_ID" val="custom20186830_7*a*1"/>
+  <p:tag name="KSO_WM_UNIT_LAYERLEVEL" val="1"/>
+  <p:tag name="KSO_WM_UNIT_VALUE" val="19"/>
+  <p:tag name="KSO_WM_UNIT_ISCONTENTSTITLE" val="0"/>
+  <p:tag name="KSO_WM_UNIT_HIGHLIGHT" val="0"/>
+  <p:tag name="KSO_WM_UNIT_COMPATIBLE" val="0"/>
+  <p:tag name="KSO_WM_UNIT_CLEAR" val="0"/>
+  <p:tag name="KSO_WM_UNIT_PRESET_TEXT_INDEX" val="3"/>
+  <p:tag name="KSO_WM_UNIT_PRESET_TEXT_LEN" val="17"/>
+</p:tagLst>
+</file>
+
+<file path=ppt/tags/tag35.xml><?xml version="1.0" encoding="utf-8"?>
+<p:tagLst xmlns:a="http://schemas.openxmlformats.org/drawingml/2006/main" xmlns:r="http://schemas.openxmlformats.org/officeDocument/2006/relationships" xmlns:p="http://schemas.openxmlformats.org/presentationml/2006/main">
+  <p:tag name="KSO_WM_TEMPLATE_CATEGORY" val="custom"/>
+  <p:tag name="KSO_WM_TEMPLATE_INDEX" val="20186830"/>
+  <p:tag name="KSO_WM_TAG_VERSION" val="1.0"/>
+  <p:tag name="KSO_WM_SLIDE_ID" val="custom20186830_7"/>
+  <p:tag name="KSO_WM_SLIDE_INDEX" val="7"/>
+  <p:tag name="KSO_WM_SLIDE_ITEM_CNT" val="1"/>
+  <p:tag name="KSO_WM_SLIDE_LAYOUT" val="a_l"/>
+  <p:tag name="KSO_WM_SLIDE_LAYOUT_CNT" val="1_1"/>
+  <p:tag name="KSO_WM_SLIDE_TYPE" val="text"/>
+  <p:tag name="KSO_WM_BEAUTIFY_FLAG" val="#wm#"/>
+  <p:tag name="KSO_WM_SLIDE_POSITION" val="25*85"/>
+  <p:tag name="KSO_WM_SLIDE_SIZE" val="452*279"/>
+  <p:tag name="KSO_WM_DIAGRAM_GROUP_CODE" val="l1-1"/>
+  <p:tag name="KSO_WM_SLIDE_SUBTYPE" val="diag"/>
+</p:tagLst>
+</file>
+
+<file path=ppt/tags/tag36.xml><?xml version="1.0" encoding="utf-8"?>
+<p:tagLst xmlns:a="http://schemas.openxmlformats.org/drawingml/2006/main" xmlns:r="http://schemas.openxmlformats.org/officeDocument/2006/relationships" xmlns:p="http://schemas.openxmlformats.org/presentationml/2006/main">
+  <p:tag name="KSO_WM_TEMPLATE_CATEGORY" val="custom"/>
+  <p:tag name="KSO_WM_TEMPLATE_INDEX" val="20186830"/>
+  <p:tag name="KSO_WM_TAG_VERSION" val="1.0"/>
+  <p:tag name="KSO_WM_BEAUTIFY_FLAG" val="#wm#"/>
+  <p:tag name="KSO_WM_UNIT_TYPE" val="a"/>
+  <p:tag name="KSO_WM_UNIT_INDEX" val="1"/>
+  <p:tag name="KSO_WM_UNIT_ID" val="custom20186830_7*a*1"/>
+  <p:tag name="KSO_WM_UNIT_LAYERLEVEL" val="1"/>
+  <p:tag name="KSO_WM_UNIT_VALUE" val="19"/>
+  <p:tag name="KSO_WM_UNIT_ISCONTENTSTITLE" val="0"/>
+  <p:tag name="KSO_WM_UNIT_HIGHLIGHT" val="0"/>
+  <p:tag name="KSO_WM_UNIT_COMPATIBLE" val="0"/>
+  <p:tag name="KSO_WM_UNIT_CLEAR" val="0"/>
+  <p:tag name="KSO_WM_UNIT_PRESET_TEXT_INDEX" val="3"/>
+  <p:tag name="KSO_WM_UNIT_PRESET_TEXT_LEN" val="17"/>
+</p:tagLst>
+</file>
+
+<file path=ppt/tags/tag37.xml><?xml version="1.0" encoding="utf-8"?>
+<p:tagLst xmlns:a="http://schemas.openxmlformats.org/drawingml/2006/main" xmlns:r="http://schemas.openxmlformats.org/officeDocument/2006/relationships" xmlns:p="http://schemas.openxmlformats.org/presentationml/2006/main">
+  <p:tag name="KSO_WM_TEMPLATE_CATEGORY" val="custom"/>
+  <p:tag name="KSO_WM_TEMPLATE_INDEX" val="20186830"/>
+  <p:tag name="KSO_WM_TAG_VERSION" val="1.0"/>
+  <p:tag name="KSO_WM_SLIDE_ID" val="custom20186830_7"/>
+  <p:tag name="KSO_WM_SLIDE_INDEX" val="7"/>
+  <p:tag name="KSO_WM_SLIDE_ITEM_CNT" val="1"/>
+  <p:tag name="KSO_WM_SLIDE_LAYOUT" val="a_l"/>
+  <p:tag name="KSO_WM_SLIDE_LAYOUT_CNT" val="1_1"/>
+  <p:tag name="KSO_WM_SLIDE_TYPE" val="text"/>
+  <p:tag name="KSO_WM_BEAUTIFY_FLAG" val="#wm#"/>
+  <p:tag name="KSO_WM_SLIDE_POSITION" val="25*85"/>
+  <p:tag name="KSO_WM_SLIDE_SIZE" val="452*279"/>
+  <p:tag name="KSO_WM_DIAGRAM_GROUP_CODE" val="l1-1"/>
+  <p:tag name="KSO_WM_SLIDE_SUBTYPE" val="diag"/>
+</p:tagLst>
+</file>
+
+<file path=ppt/tags/tag38.xml><?xml version="1.0" encoding="utf-8"?>
+<p:tagLst xmlns:a="http://schemas.openxmlformats.org/drawingml/2006/main" xmlns:r="http://schemas.openxmlformats.org/officeDocument/2006/relationships" xmlns:p="http://schemas.openxmlformats.org/presentationml/2006/main">
+  <p:tag name="KSO_WM_TEMPLATE_CATEGORY" val="custom"/>
+  <p:tag name="KSO_WM_TEMPLATE_INDEX" val="20186830"/>
+  <p:tag name="KSO_WM_TAG_VERSION" val="1.0"/>
+  <p:tag name="KSO_WM_BEAUTIFY_FLAG" val="#wm#"/>
+  <p:tag name="KSO_WM_UNIT_TYPE" val="a"/>
+  <p:tag name="KSO_WM_UNIT_INDEX" val="1"/>
+  <p:tag name="KSO_WM_UNIT_ID" val="custom20186830_7*a*1"/>
+  <p:tag name="KSO_WM_UNIT_LAYERLEVEL" val="1"/>
+  <p:tag name="KSO_WM_UNIT_VALUE" val="19"/>
+  <p:tag name="KSO_WM_UNIT_ISCONTENTSTITLE" val="0"/>
+  <p:tag name="KSO_WM_UNIT_HIGHLIGHT" val="0"/>
+  <p:tag name="KSO_WM_UNIT_COMPATIBLE" val="0"/>
+  <p:tag name="KSO_WM_UNIT_CLEAR" val="0"/>
+  <p:tag name="KSO_WM_UNIT_PRESET_TEXT_INDEX" val="3"/>
+  <p:tag name="KSO_WM_UNIT_PRESET_TEXT_LEN" val="17"/>
+</p:tagLst>
+</file>
+
+<file path=ppt/tags/tag39.xml><?xml version="1.0" encoding="utf-8"?>
+<p:tagLst xmlns:a="http://schemas.openxmlformats.org/drawingml/2006/main" xmlns:r="http://schemas.openxmlformats.org/officeDocument/2006/relationships" xmlns:p="http://schemas.openxmlformats.org/presentationml/2006/main">
+  <p:tag name="KSO_WM_TEMPLATE_CATEGORY" val="custom"/>
+  <p:tag name="KSO_WM_TEMPLATE_INDEX" val="20186830"/>
+  <p:tag name="KSO_WM_TAG_VERSION" val="1.0"/>
+  <p:tag name="KSO_WM_SLIDE_ID" val="custom20186830_7"/>
+  <p:tag name="KSO_WM_SLIDE_INDEX" val="7"/>
+  <p:tag name="KSO_WM_SLIDE_ITEM_CNT" val="1"/>
+  <p:tag name="KSO_WM_SLIDE_LAYOUT" val="a_l"/>
+  <p:tag name="KSO_WM_SLIDE_LAYOUT_CNT" val="1_1"/>
+  <p:tag name="KSO_WM_SLIDE_TYPE" val="text"/>
+  <p:tag name="KSO_WM_BEAUTIFY_FLAG" val="#wm#"/>
+  <p:tag name="KSO_WM_SLIDE_POSITION" val="25*85"/>
+  <p:tag name="KSO_WM_SLIDE_SIZE" val="452*279"/>
+  <p:tag name="KSO_WM_DIAGRAM_GROUP_CODE" val="l1-1"/>
+  <p:tag name="KSO_WM_SLIDE_SUBTYPE" val="diag"/>
+</p:tagLst>
+</file>
+
+<file path=ppt/tags/tag4.xml><?xml version="1.0" encoding="utf-8"?>
+<p:tagLst xmlns:a="http://schemas.openxmlformats.org/drawingml/2006/main" xmlns:r="http://schemas.openxmlformats.org/officeDocument/2006/relationships" xmlns:p="http://schemas.openxmlformats.org/presentationml/2006/main">
+  <p:tag name="KSO_WM_TAG_VERSION" val="1.0"/>
+  <p:tag name="KSO_WM_BEAUTIFY_FLAG" val="#wm#"/>
+  <p:tag name="KSO_WM_UNIT_TYPE" val="i"/>
+  <p:tag name="KSO_WM_UNIT_ID" val="custom20184556_1*i*3"/>
+  <p:tag name="KSO_WM_TEMPLATE_CATEGORY" val="custom"/>
+  <p:tag name="KSO_WM_TEMPLATE_INDEX" val="20184556"/>
+  <p:tag name="KSO_WM_UNIT_INDEX" val="3"/>
+</p:tagLst>
+</file>
+
+<file path=ppt/tags/tag40.xml><?xml version="1.0" encoding="utf-8"?>
+<p:tagLst xmlns:a="http://schemas.openxmlformats.org/drawingml/2006/main" xmlns:r="http://schemas.openxmlformats.org/officeDocument/2006/relationships" xmlns:p="http://schemas.openxmlformats.org/presentationml/2006/main">
+  <p:tag name="KSO_WM_TEMPLATE_CATEGORY" val="custom"/>
+  <p:tag name="KSO_WM_TEMPLATE_INDEX" val="20186830"/>
+  <p:tag name="KSO_WM_TAG_VERSION" val="1.0"/>
+  <p:tag name="KSO_WM_BEAUTIFY_FLAG" val="#wm#"/>
+  <p:tag name="KSO_WM_UNIT_TYPE" val="a"/>
+  <p:tag name="KSO_WM_UNIT_INDEX" val="1"/>
+  <p:tag name="KSO_WM_UNIT_ID" val="custom20186830_7*a*1"/>
+  <p:tag name="KSO_WM_UNIT_LAYERLEVEL" val="1"/>
+  <p:tag name="KSO_WM_UNIT_VALUE" val="19"/>
+  <p:tag name="KSO_WM_UNIT_ISCONTENTSTITLE" val="0"/>
+  <p:tag name="KSO_WM_UNIT_HIGHLIGHT" val="0"/>
+  <p:tag name="KSO_WM_UNIT_COMPATIBLE" val="0"/>
+  <p:tag name="KSO_WM_UNIT_CLEAR" val="0"/>
+  <p:tag name="KSO_WM_UNIT_PRESET_TEXT_INDEX" val="3"/>
+  <p:tag name="KSO_WM_UNIT_PRESET_TEXT_LEN" val="17"/>
+</p:tagLst>
+</file>
+
+<file path=ppt/tags/tag41.xml><?xml version="1.0" encoding="utf-8"?>
+<p:tagLst xmlns:a="http://schemas.openxmlformats.org/drawingml/2006/main" xmlns:r="http://schemas.openxmlformats.org/officeDocument/2006/relationships" xmlns:p="http://schemas.openxmlformats.org/presentationml/2006/main">
+  <p:tag name="KSO_WM_TEMPLATE_CATEGORY" val="custom"/>
+  <p:tag name="KSO_WM_TEMPLATE_INDEX" val="20186830"/>
+  <p:tag name="KSO_WM_TAG_VERSION" val="1.0"/>
+  <p:tag name="KSO_WM_SLIDE_ID" val="custom20186830_7"/>
+  <p:tag name="KSO_WM_SLIDE_INDEX" val="7"/>
+  <p:tag name="KSO_WM_SLIDE_ITEM_CNT" val="1"/>
+  <p:tag name="KSO_WM_SLIDE_LAYOUT" val="a_l"/>
+  <p:tag name="KSO_WM_SLIDE_LAYOUT_CNT" val="1_1"/>
+  <p:tag name="KSO_WM_SLIDE_TYPE" val="text"/>
+  <p:tag name="KSO_WM_BEAUTIFY_FLAG" val="#wm#"/>
+  <p:tag name="KSO_WM_SLIDE_POSITION" val="25*85"/>
+  <p:tag name="KSO_WM_SLIDE_SIZE" val="452*279"/>
+  <p:tag name="KSO_WM_DIAGRAM_GROUP_CODE" val="l1-1"/>
+  <p:tag name="KSO_WM_SLIDE_SUBTYPE" val="diag"/>
+</p:tagLst>
+</file>
+
+<file path=ppt/tags/tag42.xml><?xml version="1.0" encoding="utf-8"?>
+<p:tagLst xmlns:a="http://schemas.openxmlformats.org/drawingml/2006/main" xmlns:r="http://schemas.openxmlformats.org/officeDocument/2006/relationships" xmlns:p="http://schemas.openxmlformats.org/presentationml/2006/main">
+  <p:tag name="KSO_WM_TEMPLATE_CATEGORY" val="custom"/>
+  <p:tag name="KSO_WM_TEMPLATE_INDEX" val="20186830"/>
+  <p:tag name="KSO_WM_TAG_VERSION" val="1.0"/>
+  <p:tag name="KSO_WM_BEAUTIFY_FLAG" val="#wm#"/>
+  <p:tag name="KSO_WM_UNIT_TYPE" val="a"/>
+  <p:tag name="KSO_WM_UNIT_INDEX" val="1"/>
+  <p:tag name="KSO_WM_UNIT_ID" val="custom20186830_7*a*1"/>
+  <p:tag name="KSO_WM_UNIT_LAYERLEVEL" val="1"/>
+  <p:tag name="KSO_WM_UNIT_VALUE" val="19"/>
+  <p:tag name="KSO_WM_UNIT_ISCONTENTSTITLE" val="0"/>
+  <p:tag name="KSO_WM_UNIT_HIGHLIGHT" val="0"/>
+  <p:tag name="KSO_WM_UNIT_COMPATIBLE" val="0"/>
+  <p:tag name="KSO_WM_UNIT_CLEAR" val="0"/>
+  <p:tag name="KSO_WM_UNIT_PRESET_TEXT_INDEX" val="3"/>
+  <p:tag name="KSO_WM_UNIT_PRESET_TEXT_LEN" val="17"/>
+</p:tagLst>
+</file>
+
+<file path=ppt/tags/tag43.xml><?xml version="1.0" encoding="utf-8"?>
+<p:tagLst xmlns:a="http://schemas.openxmlformats.org/drawingml/2006/main" xmlns:r="http://schemas.openxmlformats.org/officeDocument/2006/relationships" xmlns:p="http://schemas.openxmlformats.org/presentationml/2006/main">
+  <p:tag name="KSO_WM_TEMPLATE_CATEGORY" val="custom"/>
+  <p:tag name="KSO_WM_TEMPLATE_INDEX" val="20186830"/>
+  <p:tag name="KSO_WM_TAG_VERSION" val="1.0"/>
+  <p:tag name="KSO_WM_SLIDE_ID" val="custom20186830_7"/>
+  <p:tag name="KSO_WM_SLIDE_INDEX" val="7"/>
+  <p:tag name="KSO_WM_SLIDE_ITEM_CNT" val="1"/>
+  <p:tag name="KSO_WM_SLIDE_LAYOUT" val="a_l"/>
+  <p:tag name="KSO_WM_SLIDE_LAYOUT_CNT" val="1_1"/>
+  <p:tag name="KSO_WM_SLIDE_TYPE" val="text"/>
+  <p:tag name="KSO_WM_BEAUTIFY_FLAG" val="#wm#"/>
+  <p:tag name="KSO_WM_SLIDE_POSITION" val="25*85"/>
+  <p:tag name="KSO_WM_SLIDE_SIZE" val="452*279"/>
+  <p:tag name="KSO_WM_DIAGRAM_GROUP_CODE" val="l1-1"/>
+  <p:tag name="KSO_WM_SLIDE_SUBTYPE" val="diag"/>
+</p:tagLst>
+</file>
+
+<file path=ppt/tags/tag44.xml><?xml version="1.0" encoding="utf-8"?>
+<p:tagLst xmlns:a="http://schemas.openxmlformats.org/drawingml/2006/main" xmlns:r="http://schemas.openxmlformats.org/officeDocument/2006/relationships" xmlns:p="http://schemas.openxmlformats.org/presentationml/2006/main">
+  <p:tag name="KSO_WM_TEMPLATE_CATEGORY" val="custom"/>
+  <p:tag name="KSO_WM_TEMPLATE_INDEX" val="20186830"/>
+  <p:tag name="KSO_WM_TAG_VERSION" val="1.0"/>
+  <p:tag name="KSO_WM_BEAUTIFY_FLAG" val="#wm#"/>
+  <p:tag name="KSO_WM_UNIT_TYPE" val="a"/>
+  <p:tag name="KSO_WM_UNIT_INDEX" val="1"/>
+  <p:tag name="KSO_WM_UNIT_ID" val="custom20186830_7*a*1"/>
+  <p:tag name="KSO_WM_UNIT_LAYERLEVEL" val="1"/>
+  <p:tag name="KSO_WM_UNIT_VALUE" val="19"/>
+  <p:tag name="KSO_WM_UNIT_ISCONTENTSTITLE" val="0"/>
+  <p:tag name="KSO_WM_UNIT_HIGHLIGHT" val="0"/>
+  <p:tag name="KSO_WM_UNIT_COMPATIBLE" val="0"/>
+  <p:tag name="KSO_WM_UNIT_CLEAR" val="0"/>
+  <p:tag name="KSO_WM_UNIT_PRESET_TEXT_INDEX" val="3"/>
+  <p:tag name="KSO_WM_UNIT_PRESET_TEXT_LEN" val="17"/>
+</p:tagLst>
+</file>
+
+<file path=ppt/tags/tag45.xml><?xml version="1.0" encoding="utf-8"?>
+<p:tagLst xmlns:a="http://schemas.openxmlformats.org/drawingml/2006/main" xmlns:r="http://schemas.openxmlformats.org/officeDocument/2006/relationships" xmlns:p="http://schemas.openxmlformats.org/presentationml/2006/main">
+  <p:tag name="KSO_WM_TEMPLATE_CATEGORY" val="custom"/>
+  <p:tag name="KSO_WM_TEMPLATE_INDEX" val="20186830"/>
+  <p:tag name="KSO_WM_TAG_VERSION" val="1.0"/>
+  <p:tag name="KSO_WM_SLIDE_ID" val="custom20186830_7"/>
+  <p:tag name="KSO_WM_SLIDE_INDEX" val="7"/>
+  <p:tag name="KSO_WM_SLIDE_ITEM_CNT" val="1"/>
+  <p:tag name="KSO_WM_SLIDE_LAYOUT" val="a_l"/>
+  <p:tag name="KSO_WM_SLIDE_LAYOUT_CNT" val="1_1"/>
+  <p:tag name="KSO_WM_SLIDE_TYPE" val="text"/>
+  <p:tag name="KSO_WM_BEAUTIFY_FLAG" val="#wm#"/>
+  <p:tag name="KSO_WM_SLIDE_POSITION" val="25*85"/>
+  <p:tag name="KSO_WM_SLIDE_SIZE" val="452*279"/>
+  <p:tag name="KSO_WM_DIAGRAM_GROUP_CODE" val="l1-1"/>
+  <p:tag name="KSO_WM_SLIDE_SUBTYPE" val="diag"/>
+</p:tagLst>
+</file>
+
+<file path=ppt/tags/tag46.xml><?xml version="1.0" encoding="utf-8"?>
+<p:tagLst xmlns:a="http://schemas.openxmlformats.org/drawingml/2006/main" xmlns:r="http://schemas.openxmlformats.org/officeDocument/2006/relationships" xmlns:p="http://schemas.openxmlformats.org/presentationml/2006/main">
+  <p:tag name="KSO_WM_TEMPLATE_CATEGORY" val="custom"/>
+  <p:tag name="KSO_WM_TEMPLATE_INDEX" val="20186830"/>
+  <p:tag name="KSO_WM_TAG_VERSION" val="1.0"/>
+  <p:tag name="KSO_WM_BEAUTIFY_FLAG" val="#wm#"/>
+  <p:tag name="KSO_WM_UNIT_TYPE" val="a"/>
+  <p:tag name="KSO_WM_UNIT_INDEX" val="1"/>
+  <p:tag name="KSO_WM_UNIT_ID" val="custom20186830_7*a*1"/>
+  <p:tag name="KSO_WM_UNIT_LAYERLEVEL" val="1"/>
+  <p:tag name="KSO_WM_UNIT_VALUE" val="19"/>
+  <p:tag name="KSO_WM_UNIT_ISCONTENTSTITLE" val="0"/>
+  <p:tag name="KSO_WM_UNIT_HIGHLIGHT" val="0"/>
+  <p:tag name="KSO_WM_UNIT_COMPATIBLE" val="0"/>
+  <p:tag name="KSO_WM_UNIT_CLEAR" val="0"/>
+  <p:tag name="KSO_WM_UNIT_PRESET_TEXT_INDEX" val="3"/>
+  <p:tag name="KSO_WM_UNIT_PRESET_TEXT_LEN" val="17"/>
+</p:tagLst>
+</file>
+
+<file path=ppt/tags/tag47.xml><?xml version="1.0" encoding="utf-8"?>
+<p:tagLst xmlns:a="http://schemas.openxmlformats.org/drawingml/2006/main" xmlns:r="http://schemas.openxmlformats.org/officeDocument/2006/relationships" xmlns:p="http://schemas.openxmlformats.org/presentationml/2006/main">
   <p:tag name="KSO_WM_TEMPLATE_CATEGORY" val="custom"/>
   <p:tag name="KSO_WM_TEMPLATE_INDEX" val="20186830"/>
 </p:tagLst>
 </file>
 
-<file path=ppt/tags/tag19.xml><?xml version="1.0" encoding="utf-8"?>
-<p:tagLst xmlns:p="http://schemas.openxmlformats.org/presentationml/2006/main">
+<file path=ppt/tags/tag48.xml><?xml version="1.0" encoding="utf-8"?>
+<p:tagLst xmlns:a="http://schemas.openxmlformats.org/drawingml/2006/main" xmlns:r="http://schemas.openxmlformats.org/officeDocument/2006/relationships" xmlns:p="http://schemas.openxmlformats.org/presentationml/2006/main">
   <p:tag name="KSO_WM_BEAUTIFY_FLAG" val="#wm#"/>
   <p:tag name="KSO_WM_TEMPLATE_CATEGORY" val="custom"/>
   <p:tag name="KSO_WM_TEMPLATE_INDEX" val="20186830"/>
 </p:tagLst>
 </file>
 
-<file path=ppt/tags/tag2.xml><?xml version="1.0" encoding="utf-8"?>
-<p:tagLst xmlns:p="http://schemas.openxmlformats.org/presentationml/2006/main">
+<file path=ppt/tags/tag5.xml><?xml version="1.0" encoding="utf-8"?>
+<p:tagLst xmlns:a="http://schemas.openxmlformats.org/drawingml/2006/main" xmlns:r="http://schemas.openxmlformats.org/officeDocument/2006/relationships" xmlns:p="http://schemas.openxmlformats.org/presentationml/2006/main">
   <p:tag name="KSO_WM_TAG_VERSION" val="1.0"/>
   <p:tag name="KSO_WM_BEAUTIFY_FLAG" val="#wm#"/>
   <p:tag name="KSO_WM_UNIT_TYPE" val="i"/>
@@ -5356,8 +11639,8 @@
 </p:tagLst>
 </file>
 
-<file path=ppt/tags/tag3.xml><?xml version="1.0" encoding="utf-8"?>
-<p:tagLst xmlns:p="http://schemas.openxmlformats.org/presentationml/2006/main">
+<file path=ppt/tags/tag6.xml><?xml version="1.0" encoding="utf-8"?>
+<p:tagLst xmlns:a="http://schemas.openxmlformats.org/drawingml/2006/main" xmlns:r="http://schemas.openxmlformats.org/officeDocument/2006/relationships" xmlns:p="http://schemas.openxmlformats.org/presentationml/2006/main">
   <p:tag name="KSO_WM_TAG_VERSION" val="1.0"/>
   <p:tag name="KSO_WM_BEAUTIFY_FLAG" val="#wm#"/>
   <p:tag name="KSO_WM_UNIT_TYPE" val="i"/>
@@ -5368,8 +11651,8 @@
 </p:tagLst>
 </file>
 
-<file path=ppt/tags/tag4.xml><?xml version="1.0" encoding="utf-8"?>
-<p:tagLst xmlns:p="http://schemas.openxmlformats.org/presentationml/2006/main">
+<file path=ppt/tags/tag7.xml><?xml version="1.0" encoding="utf-8"?>
+<p:tagLst xmlns:a="http://schemas.openxmlformats.org/drawingml/2006/main" xmlns:r="http://schemas.openxmlformats.org/officeDocument/2006/relationships" xmlns:p="http://schemas.openxmlformats.org/presentationml/2006/main">
   <p:tag name="KSO_WM_TAG_VERSION" val="1.0"/>
   <p:tag name="KSO_WM_BEAUTIFY_FLAG" val="#wm#"/>
   <p:tag name="KSO_WM_UNIT_TYPE" val="i"/>
@@ -5380,8 +11663,8 @@
 </p:tagLst>
 </file>
 
-<file path=ppt/tags/tag5.xml><?xml version="1.0" encoding="utf-8"?>
-<p:tagLst xmlns:p="http://schemas.openxmlformats.org/presentationml/2006/main">
+<file path=ppt/tags/tag8.xml><?xml version="1.0" encoding="utf-8"?>
+<p:tagLst xmlns:a="http://schemas.openxmlformats.org/drawingml/2006/main" xmlns:r="http://schemas.openxmlformats.org/officeDocument/2006/relationships" xmlns:p="http://schemas.openxmlformats.org/presentationml/2006/main">
   <p:tag name="KSO_WM_TAG_VERSION" val="1.0"/>
   <p:tag name="KSO_WM_BEAUTIFY_FLAG" val="#wm#"/>
   <p:tag name="KSO_WM_UNIT_TYPE" val="i"/>
@@ -5392,8 +11675,8 @@
 </p:tagLst>
 </file>
 
-<file path=ppt/tags/tag6.xml><?xml version="1.0" encoding="utf-8"?>
-<p:tagLst xmlns:p="http://schemas.openxmlformats.org/presentationml/2006/main">
+<file path=ppt/tags/tag9.xml><?xml version="1.0" encoding="utf-8"?>
+<p:tagLst xmlns:a="http://schemas.openxmlformats.org/drawingml/2006/main" xmlns:r="http://schemas.openxmlformats.org/officeDocument/2006/relationships" xmlns:p="http://schemas.openxmlformats.org/presentationml/2006/main">
   <p:tag name="KSO_WM_TAG_VERSION" val="1.0"/>
   <p:tag name="KSO_WM_BEAUTIFY_FLAG" val="#wm#"/>
   <p:tag name="KSO_WM_UNIT_TYPE" val="i"/>
@@ -5401,42 +11684,6 @@
   <p:tag name="KSO_WM_TEMPLATE_CATEGORY" val="custom"/>
   <p:tag name="KSO_WM_TEMPLATE_INDEX" val="20184556"/>
   <p:tag name="KSO_WM_UNIT_INDEX" val="2"/>
-</p:tagLst>
-</file>
-
-<file path=ppt/tags/tag7.xml><?xml version="1.0" encoding="utf-8"?>
-<p:tagLst xmlns:p="http://schemas.openxmlformats.org/presentationml/2006/main">
-  <p:tag name="KSO_WM_TAG_VERSION" val="1.0"/>
-  <p:tag name="KSO_WM_BEAUTIFY_FLAG" val="#wm#"/>
-  <p:tag name="KSO_WM_UNIT_TYPE" val="i"/>
-  <p:tag name="KSO_WM_UNIT_ID" val="custom20184556_22*i*3"/>
-  <p:tag name="KSO_WM_TEMPLATE_CATEGORY" val="custom"/>
-  <p:tag name="KSO_WM_TEMPLATE_INDEX" val="20184556"/>
-  <p:tag name="KSO_WM_UNIT_INDEX" val="3"/>
-</p:tagLst>
-</file>
-
-<file path=ppt/tags/tag8.xml><?xml version="1.0" encoding="utf-8"?>
-<p:tagLst xmlns:p="http://schemas.openxmlformats.org/presentationml/2006/main">
-  <p:tag name="KSO_WM_TAG_VERSION" val="1.0"/>
-  <p:tag name="KSO_WM_BEAUTIFY_FLAG" val="#wm#"/>
-  <p:tag name="KSO_WM_UNIT_TYPE" val="i"/>
-  <p:tag name="KSO_WM_UNIT_ID" val="custom20184556_22*i*4"/>
-  <p:tag name="KSO_WM_TEMPLATE_CATEGORY" val="custom"/>
-  <p:tag name="KSO_WM_TEMPLATE_INDEX" val="20184556"/>
-  <p:tag name="KSO_WM_UNIT_INDEX" val="4"/>
-</p:tagLst>
-</file>
-
-<file path=ppt/tags/tag9.xml><?xml version="1.0" encoding="utf-8"?>
-<p:tagLst xmlns:p="http://schemas.openxmlformats.org/presentationml/2006/main">
-  <p:tag name="KSO_WM_TAG_VERSION" val="1.0"/>
-  <p:tag name="KSO_WM_BEAUTIFY_FLAG" val="#wm#"/>
-  <p:tag name="KSO_WM_UNIT_TYPE" val="i"/>
-  <p:tag name="KSO_WM_UNIT_ID" val="custom20184556_22*i*5"/>
-  <p:tag name="KSO_WM_TEMPLATE_CATEGORY" val="custom"/>
-  <p:tag name="KSO_WM_TEMPLATE_INDEX" val="20184556"/>
-  <p:tag name="KSO_WM_UNIT_INDEX" val="5"/>
 </p:tagLst>
 </file>
 
@@ -5631,6 +11878,8 @@
       </a:bgFillStyleLst>
     </a:fmtScheme>
   </a:themeElements>
+  <a:objectDefaults/>
+  <a:extraClrSchemeLst/>
   <a:extLst>
     <a:ext uri="{05A4C25C-085E-4340-85A3-A5531E510DB2}">
       <thm15:themeFamily xmlns:thm15="http://schemas.microsoft.com/office/thememl/2012/main" name="Office Theme" id="{62F939B6-93AF-4DB8-9C6B-D6C7DFDC589F}" vid="{4A3C46E8-61CC-4603-A589-7422A47A8E4A}"/>
@@ -5640,6 +11889,207 @@
 </file>
 
 <file path=ppt/theme/theme2.xml><?xml version="1.0" encoding="utf-8"?>
+<a:theme xmlns:a="http://schemas.openxmlformats.org/drawingml/2006/main" name="1_Office 主题​​">
+  <a:themeElements>
+    <a:clrScheme name="自定义 218">
+      <a:dk1>
+        <a:srgbClr val="000000"/>
+      </a:dk1>
+      <a:lt1>
+        <a:srgbClr val="FFFFFF"/>
+      </a:lt1>
+      <a:dk2>
+        <a:srgbClr val="000000"/>
+      </a:dk2>
+      <a:lt2>
+        <a:srgbClr val="FFFFFF"/>
+      </a:lt2>
+      <a:accent1>
+        <a:srgbClr val="000000"/>
+      </a:accent1>
+      <a:accent2>
+        <a:srgbClr val="000000"/>
+      </a:accent2>
+      <a:accent3>
+        <a:srgbClr val="000000"/>
+      </a:accent3>
+      <a:accent4>
+        <a:srgbClr val="000000"/>
+      </a:accent4>
+      <a:accent5>
+        <a:srgbClr val="000000"/>
+      </a:accent5>
+      <a:accent6>
+        <a:srgbClr val="FFFFFF"/>
+      </a:accent6>
+      <a:hlink>
+        <a:srgbClr val="0563C1"/>
+      </a:hlink>
+      <a:folHlink>
+        <a:srgbClr val="954F72"/>
+      </a:folHlink>
+    </a:clrScheme>
+    <a:fontScheme name="自定义 4">
+      <a:majorFont>
+        <a:latin typeface="Arial"/>
+        <a:ea typeface="微软雅黑"/>
+        <a:cs typeface=""/>
+      </a:majorFont>
+      <a:minorFont>
+        <a:latin typeface="Arial"/>
+        <a:ea typeface="微软雅黑"/>
+        <a:cs typeface=""/>
+      </a:minorFont>
+    </a:fontScheme>
+    <a:fmtScheme name="Office">
+      <a:fillStyleLst>
+        <a:solidFill>
+          <a:schemeClr val="phClr"/>
+        </a:solidFill>
+        <a:gradFill rotWithShape="1">
+          <a:gsLst>
+            <a:gs pos="0">
+              <a:schemeClr val="phClr">
+                <a:lumMod val="110000"/>
+                <a:satMod val="105000"/>
+                <a:tint val="67000"/>
+              </a:schemeClr>
+            </a:gs>
+            <a:gs pos="50000">
+              <a:schemeClr val="phClr">
+                <a:lumMod val="105000"/>
+                <a:satMod val="103000"/>
+                <a:tint val="73000"/>
+              </a:schemeClr>
+            </a:gs>
+            <a:gs pos="100000">
+              <a:schemeClr val="phClr">
+                <a:lumMod val="105000"/>
+                <a:satMod val="109000"/>
+                <a:tint val="81000"/>
+              </a:schemeClr>
+            </a:gs>
+          </a:gsLst>
+          <a:lin ang="5400000" scaled="0"/>
+        </a:gradFill>
+        <a:gradFill rotWithShape="1">
+          <a:gsLst>
+            <a:gs pos="0">
+              <a:schemeClr val="phClr">
+                <a:satMod val="103000"/>
+                <a:lumMod val="102000"/>
+                <a:tint val="94000"/>
+              </a:schemeClr>
+            </a:gs>
+            <a:gs pos="50000">
+              <a:schemeClr val="phClr">
+                <a:satMod val="110000"/>
+                <a:lumMod val="100000"/>
+                <a:shade val="100000"/>
+              </a:schemeClr>
+            </a:gs>
+            <a:gs pos="100000">
+              <a:schemeClr val="phClr">
+                <a:lumMod val="99000"/>
+                <a:satMod val="120000"/>
+                <a:shade val="78000"/>
+              </a:schemeClr>
+            </a:gs>
+          </a:gsLst>
+          <a:lin ang="5400000" scaled="0"/>
+        </a:gradFill>
+      </a:fillStyleLst>
+      <a:lnStyleLst>
+        <a:ln w="6350" cap="flat" cmpd="sng" algn="ctr">
+          <a:solidFill>
+            <a:schemeClr val="phClr"/>
+          </a:solidFill>
+          <a:prstDash val="solid"/>
+          <a:miter lim="800000"/>
+        </a:ln>
+        <a:ln w="12700" cap="flat" cmpd="sng" algn="ctr">
+          <a:solidFill>
+            <a:schemeClr val="phClr"/>
+          </a:solidFill>
+          <a:prstDash val="solid"/>
+          <a:miter lim="800000"/>
+        </a:ln>
+        <a:ln w="19050" cap="flat" cmpd="sng" algn="ctr">
+          <a:solidFill>
+            <a:schemeClr val="phClr"/>
+          </a:solidFill>
+          <a:prstDash val="solid"/>
+          <a:miter lim="800000"/>
+        </a:ln>
+      </a:lnStyleLst>
+      <a:effectStyleLst>
+        <a:effectStyle>
+          <a:effectLst/>
+        </a:effectStyle>
+        <a:effectStyle>
+          <a:effectLst/>
+        </a:effectStyle>
+        <a:effectStyle>
+          <a:effectLst>
+            <a:outerShdw blurRad="57150" dist="19050" dir="5400000" algn="ctr" rotWithShape="0">
+              <a:srgbClr val="000000">
+                <a:alpha val="63000"/>
+              </a:srgbClr>
+            </a:outerShdw>
+          </a:effectLst>
+        </a:effectStyle>
+      </a:effectStyleLst>
+      <a:bgFillStyleLst>
+        <a:solidFill>
+          <a:schemeClr val="phClr"/>
+        </a:solidFill>
+        <a:solidFill>
+          <a:schemeClr val="phClr">
+            <a:tint val="95000"/>
+            <a:satMod val="170000"/>
+          </a:schemeClr>
+        </a:solidFill>
+        <a:gradFill rotWithShape="1">
+          <a:gsLst>
+            <a:gs pos="0">
+              <a:schemeClr val="phClr">
+                <a:tint val="93000"/>
+                <a:satMod val="150000"/>
+                <a:shade val="98000"/>
+                <a:lumMod val="102000"/>
+              </a:schemeClr>
+            </a:gs>
+            <a:gs pos="50000">
+              <a:schemeClr val="phClr">
+                <a:tint val="98000"/>
+                <a:satMod val="130000"/>
+                <a:shade val="90000"/>
+                <a:lumMod val="103000"/>
+              </a:schemeClr>
+            </a:gs>
+            <a:gs pos="100000">
+              <a:schemeClr val="phClr">
+                <a:shade val="63000"/>
+                <a:satMod val="120000"/>
+              </a:schemeClr>
+            </a:gs>
+          </a:gsLst>
+          <a:lin ang="5400000" scaled="0"/>
+        </a:gradFill>
+      </a:bgFillStyleLst>
+    </a:fmtScheme>
+  </a:themeElements>
+  <a:objectDefaults/>
+  <a:extraClrSchemeLst/>
+  <a:extLst>
+    <a:ext uri="{05A4C25C-085E-4340-85A3-A5531E510DB2}">
+      <thm15:themeFamily xmlns:thm15="http://schemas.microsoft.com/office/thememl/2012/main" name="Office Theme" id="{62F939B6-93AF-4DB8-9C6B-D6C7DFDC589F}" vid="{4A3C46E8-61CC-4603-A589-7422A47A8E4A}"/>
+    </a:ext>
+  </a:extLst>
+</a:theme>
+</file>
+
+<file path=ppt/theme/theme3.xml><?xml version="1.0" encoding="utf-8"?>
 <a:theme xmlns:a="http://schemas.openxmlformats.org/drawingml/2006/main" name="Office Theme">
   <a:themeElements>
     <a:clrScheme name="Office">
@@ -5917,6 +12367,8 @@
       </a:bgFillStyleLst>
     </a:fmtScheme>
   </a:themeElements>
+  <a:objectDefaults/>
+  <a:extraClrSchemeLst/>
   <a:extLst>
     <a:ext uri="{05A4C25C-085E-4340-85A3-A5531E510DB2}">
       <thm15:themeFamily xmlns:thm15="http://schemas.microsoft.com/office/thememl/2012/main" name="Office Theme" id="{62F939B6-93AF-4DB8-9C6B-D6C7DFDC589F}" vid="{4A3C46E8-61CC-4603-A589-7422A47A8E4A}"/>
@@ -5925,7 +12377,7 @@
 </a:theme>
 </file>
 
-<file path=ppt/theme/theme3.xml><?xml version="1.0" encoding="utf-8"?>
+<file path=ppt/theme/theme4.xml><?xml version="1.0" encoding="utf-8"?>
 <a:theme xmlns:a="http://schemas.openxmlformats.org/drawingml/2006/main" name="Office 主题">
   <a:themeElements>
     <a:clrScheme name="Office">
@@ -6176,6 +12628,8 @@
       </a:bgFillStyleLst>
     </a:fmtScheme>
   </a:themeElements>
+  <a:objectDefaults/>
+  <a:extraClrSchemeLst/>
   <a:extLst>
     <a:ext uri="{05A4C25C-085E-4340-85A3-A5531E510DB2}">
       <thm15:themeFamily xmlns:thm15="http://schemas.microsoft.com/office/thememl/2012/main" name="Office Theme" id="{62F939B6-93AF-4DB8-9C6B-D6C7DFDC589F}" vid="{4A3C46E8-61CC-4603-A589-7422A47A8E4A}"/>

--- a/Design pattern/23种设计模式详解.pptx
+++ b/Design pattern/23种设计模式详解.pptx
@@ -21,7 +21,7 @@
     <p:sldId id="588" r:id="rId9"/>
     <p:sldId id="589" r:id="rId10"/>
     <p:sldId id="590" r:id="rId11"/>
-    <p:sldId id="591" r:id="rId12"/>
+    <p:sldId id="592" r:id="rId12"/>
     <p:sldId id="472" r:id="rId13"/>
     <p:sldId id="577" r:id="rId14"/>
   </p:sldIdLst>
@@ -264,7 +264,7 @@
           <a:p>
             <a:fld id="{0F9B84EA-7D68-4D60-9CB1-D50884785D1C}" type="datetimeFigureOut">
               <a:rPr lang="zh-CN" altLang="en-US"/>
-              <a:t>2018/7/29</a:t>
+              <a:t>2018/8/3</a:t>
             </a:fld>
             <a:endParaRPr lang="zh-CN" altLang="en-US">
               <a:ea typeface="+mn-ea"/>
@@ -2266,7 +2266,7 @@
     </p:spTree>
     <p:extLst>
       <p:ext uri="{BB962C8B-B14F-4D97-AF65-F5344CB8AC3E}">
-        <p14:creationId xmlns:p14="http://schemas.microsoft.com/office/powerpoint/2010/main" val="3495561738"/>
+        <p14:creationId xmlns:p14="http://schemas.microsoft.com/office/powerpoint/2010/main" val="1561074673"/>
       </p:ext>
     </p:extLst>
   </p:cSld>
@@ -2583,7 +2583,7 @@
           <a:p>
             <a:fld id="{760FBDFE-C587-4B4C-A407-44438C67B59E}" type="datetimeFigureOut">
               <a:rPr lang="zh-CN" altLang="en-US"/>
-              <a:t>2018/7/29</a:t>
+              <a:t>2018/8/3</a:t>
             </a:fld>
             <a:endParaRPr lang="zh-CN" altLang="en-US"/>
           </a:p>
@@ -2759,7 +2759,7 @@
           <a:p>
             <a:fld id="{760FBDFE-C587-4B4C-A407-44438C67B59E}" type="datetimeFigureOut">
               <a:rPr lang="zh-CN" altLang="en-US"/>
-              <a:t>2018/7/29</a:t>
+              <a:t>2018/8/3</a:t>
             </a:fld>
             <a:endParaRPr lang="zh-CN" altLang="en-US"/>
           </a:p>
@@ -2883,7 +2883,7 @@
           <a:p>
             <a:fld id="{760FBDFE-C587-4B4C-A407-44438C67B59E}" type="datetimeFigureOut">
               <a:rPr lang="zh-CN" altLang="en-US"/>
-              <a:t>2018/7/29</a:t>
+              <a:t>2018/8/3</a:t>
             </a:fld>
             <a:endParaRPr lang="zh-CN" altLang="en-US"/>
           </a:p>
@@ -3256,7 +3256,7 @@
           <a:p>
             <a:fld id="{760FBDFE-C587-4B4C-A407-44438C67B59E}" type="datetimeFigureOut">
               <a:rPr lang="zh-CN" altLang="en-US" smtClean="0"/>
-              <a:t>2018/7/29</a:t>
+              <a:t>2018/8/3</a:t>
             </a:fld>
             <a:endParaRPr lang="zh-CN" altLang="en-US"/>
           </a:p>
@@ -3457,7 +3457,7 @@
           <a:p>
             <a:fld id="{760FBDFE-C587-4B4C-A407-44438C67B59E}" type="datetimeFigureOut">
               <a:rPr lang="zh-CN" altLang="en-US" smtClean="0"/>
-              <a:t>2018/7/29</a:t>
+              <a:t>2018/8/3</a:t>
             </a:fld>
             <a:endParaRPr lang="zh-CN" altLang="en-US"/>
           </a:p>
@@ -3598,7 +3598,7 @@
           <a:p>
             <a:fld id="{760FBDFE-C587-4B4C-A407-44438C67B59E}" type="datetimeFigureOut">
               <a:rPr lang="zh-CN" altLang="en-US" smtClean="0"/>
-              <a:t>2018/7/29</a:t>
+              <a:t>2018/8/3</a:t>
             </a:fld>
             <a:endParaRPr lang="zh-CN" altLang="en-US"/>
           </a:p>
@@ -3881,7 +3881,7 @@
           <a:p>
             <a:fld id="{760FBDFE-C587-4B4C-A407-44438C67B59E}" type="datetimeFigureOut">
               <a:rPr lang="zh-CN" altLang="en-US" smtClean="0"/>
-              <a:t>2018/7/29</a:t>
+              <a:t>2018/8/3</a:t>
             </a:fld>
             <a:endParaRPr lang="zh-CN" altLang="en-US"/>
           </a:p>
@@ -4268,7 +4268,7 @@
           <a:p>
             <a:fld id="{760FBDFE-C587-4B4C-A407-44438C67B59E}" type="datetimeFigureOut">
               <a:rPr lang="zh-CN" altLang="en-US" smtClean="0"/>
-              <a:t>2018/7/29</a:t>
+              <a:t>2018/8/3</a:t>
             </a:fld>
             <a:endParaRPr lang="zh-CN" altLang="en-US"/>
           </a:p>
@@ -4579,7 +4579,7 @@
           <a:p>
             <a:fld id="{760FBDFE-C587-4B4C-A407-44438C67B59E}" type="datetimeFigureOut">
               <a:rPr lang="zh-CN" altLang="en-US" smtClean="0"/>
-              <a:t>2018/7/29</a:t>
+              <a:t>2018/8/3</a:t>
             </a:fld>
             <a:endParaRPr lang="zh-CN" altLang="en-US"/>
           </a:p>
@@ -4722,7 +4722,7 @@
           <a:p>
             <a:fld id="{760FBDFE-C587-4B4C-A407-44438C67B59E}" type="datetimeFigureOut">
               <a:rPr lang="zh-CN" altLang="en-US" smtClean="0"/>
-              <a:t>2018/7/29</a:t>
+              <a:t>2018/8/3</a:t>
             </a:fld>
             <a:endParaRPr lang="zh-CN" altLang="en-US"/>
           </a:p>
@@ -4996,7 +4996,7 @@
           <a:p>
             <a:fld id="{9EFD9D74-47D9-4702-A33C-335B63B48DBF}" type="datetimeFigureOut">
               <a:rPr lang="zh-CN" altLang="en-US" smtClean="0"/>
-              <a:t>2018/7/29</a:t>
+              <a:t>2018/8/3</a:t>
             </a:fld>
             <a:endParaRPr lang="zh-CN" altLang="en-US" dirty="0"/>
           </a:p>
@@ -5195,7 +5195,7 @@
           <a:p>
             <a:fld id="{760FBDFE-C587-4B4C-A407-44438C67B59E}" type="datetimeFigureOut">
               <a:rPr lang="zh-CN" altLang="en-US"/>
-              <a:t>2018/7/29</a:t>
+              <a:t>2018/8/3</a:t>
             </a:fld>
             <a:endParaRPr lang="zh-CN" altLang="en-US"/>
           </a:p>
@@ -5406,7 +5406,7 @@
           <a:p>
             <a:fld id="{760FBDFE-C587-4B4C-A407-44438C67B59E}" type="datetimeFigureOut">
               <a:rPr lang="zh-CN" altLang="en-US" smtClean="0"/>
-              <a:t>2018/7/29</a:t>
+              <a:t>2018/8/3</a:t>
             </a:fld>
             <a:endParaRPr lang="zh-CN" altLang="en-US"/>
           </a:p>
@@ -5514,7 +5514,7 @@
           <a:p>
             <a:fld id="{760FBDFE-C587-4B4C-A407-44438C67B59E}" type="datetimeFigureOut">
               <a:rPr lang="zh-CN" altLang="en-US" smtClean="0"/>
-              <a:t>2018/7/29</a:t>
+              <a:t>2018/8/3</a:t>
             </a:fld>
             <a:endParaRPr lang="zh-CN" altLang="en-US"/>
           </a:p>
@@ -5762,7 +5762,7 @@
           <a:p>
             <a:fld id="{760FBDFE-C587-4B4C-A407-44438C67B59E}" type="datetimeFigureOut">
               <a:rPr lang="zh-CN" altLang="en-US"/>
-              <a:t>2018/7/29</a:t>
+              <a:t>2018/8/3</a:t>
             </a:fld>
             <a:endParaRPr lang="zh-CN" altLang="en-US"/>
           </a:p>
@@ -6004,7 +6004,7 @@
           <a:p>
             <a:fld id="{760FBDFE-C587-4B4C-A407-44438C67B59E}" type="datetimeFigureOut">
               <a:rPr lang="zh-CN" altLang="en-US"/>
-              <a:t>2018/7/29</a:t>
+              <a:t>2018/8/3</a:t>
             </a:fld>
             <a:endParaRPr lang="zh-CN" altLang="en-US"/>
           </a:p>
@@ -6385,7 +6385,7 @@
           <a:p>
             <a:fld id="{760FBDFE-C587-4B4C-A407-44438C67B59E}" type="datetimeFigureOut">
               <a:rPr lang="zh-CN" altLang="en-US"/>
-              <a:t>2018/7/29</a:t>
+              <a:t>2018/8/3</a:t>
             </a:fld>
             <a:endParaRPr lang="zh-CN" altLang="en-US"/>
           </a:p>
@@ -6725,7 +6725,7 @@
           <a:p>
             <a:fld id="{760FBDFE-C587-4B4C-A407-44438C67B59E}" type="datetimeFigureOut">
               <a:rPr lang="zh-CN" altLang="en-US"/>
-              <a:t>2018/7/29</a:t>
+              <a:t>2018/8/3</a:t>
             </a:fld>
             <a:endParaRPr lang="zh-CN" altLang="en-US"/>
           </a:p>
@@ -6827,7 +6827,7 @@
           <a:p>
             <a:fld id="{760FBDFE-C587-4B4C-A407-44438C67B59E}" type="datetimeFigureOut">
               <a:rPr lang="zh-CN" altLang="en-US"/>
-              <a:t>2018/7/29</a:t>
+              <a:t>2018/8/3</a:t>
             </a:fld>
             <a:endParaRPr lang="zh-CN" altLang="en-US"/>
           </a:p>
@@ -7093,7 +7093,7 @@
           <a:p>
             <a:fld id="{9EFD9D74-47D9-4702-A33C-335B63B48DBF}" type="datetimeFigureOut">
               <a:rPr lang="zh-CN" altLang="en-US"/>
-              <a:t>2018/7/29</a:t>
+              <a:t>2018/8/3</a:t>
             </a:fld>
             <a:endParaRPr lang="zh-CN" altLang="en-US" dirty="0"/>
           </a:p>
@@ -7302,7 +7302,7 @@
           <a:p>
             <a:fld id="{760FBDFE-C587-4B4C-A407-44438C67B59E}" type="datetimeFigureOut">
               <a:rPr lang="zh-CN" altLang="en-US"/>
-              <a:t>2018/7/29</a:t>
+              <a:t>2018/8/3</a:t>
             </a:fld>
             <a:endParaRPr lang="zh-CN" altLang="en-US"/>
           </a:p>
@@ -7575,7 +7575,7 @@
           <a:p>
             <a:fld id="{760FBDFE-C587-4B4C-A407-44438C67B59E}" type="datetimeFigureOut">
               <a:rPr lang="zh-CN" altLang="en-US"/>
-              <a:t>2018/7/29</a:t>
+              <a:t>2018/8/3</a:t>
             </a:fld>
             <a:endParaRPr lang="zh-CN" altLang="en-US">
               <a:ea typeface="+mn-ea"/>
@@ -8345,7 +8345,7 @@
           <a:p>
             <a:fld id="{760FBDFE-C587-4B4C-A407-44438C67B59E}" type="datetimeFigureOut">
               <a:rPr lang="zh-CN" altLang="en-US" smtClean="0"/>
-              <a:t>2018/7/29</a:t>
+              <a:t>2018/8/3</a:t>
             </a:fld>
             <a:endParaRPr lang="zh-CN" altLang="en-US"/>
           </a:p>
@@ -9240,7 +9240,7 @@
         </p:spPr>
         <p:txBody>
           <a:bodyPr vert="horz" wrap="square" lIns="68580" tIns="34290" rIns="68580" bIns="34290" rtlCol="0" anchor="ctr">
-            <a:normAutofit/>
+            <a:normAutofit fontScale="85000" lnSpcReduction="10000"/>
           </a:bodyPr>
           <a:lstStyle>
             <a:lvl1pPr defTabSz="914400">
@@ -9267,9 +9267,12 @@
           <a:p>
             <a:r>
               <a:rPr lang="zh-CN" altLang="en-US" dirty="0"/>
-              <a:t>工厂模式的应用</a:t>
-            </a:r>
-            <a:endParaRPr lang="en-US" altLang="zh-CN" dirty="0"/>
+              <a:t>抽象工厂模式</a:t>
+            </a:r>
+            <a:r>
+              <a:rPr lang="en-US" altLang="zh-CN" dirty="0"/>
+              <a:t>(The Abstract Factory Pattern)</a:t>
+            </a:r>
           </a:p>
         </p:txBody>
       </p:sp>
@@ -9288,7 +9291,7 @@
         <p:spPr>
           <a:xfrm>
             <a:off x="566431" y="2057436"/>
-            <a:ext cx="8334776" cy="579967"/>
+            <a:ext cx="8334776" cy="4458849"/>
           </a:xfrm>
           <a:prstGeom prst="rect">
             <a:avLst/>
@@ -9301,7 +9304,7 @@
           </a:bodyPr>
           <a:lstStyle/>
           <a:p>
-            <a:pPr eaLnBrk="1" hangingPunct="1">
+            <a:pPr indent="628650" eaLnBrk="1" hangingPunct="1">
               <a:lnSpc>
                 <a:spcPct val="150000"/>
               </a:lnSpc>
@@ -9309,53 +9312,156 @@
               <a:buNone/>
             </a:pPr>
             <a:r>
+              <a:rPr lang="zh-CN" altLang="en-US" dirty="0"/>
+              <a:t>在介绍</a:t>
+            </a:r>
+            <a:r>
+              <a:rPr lang="en-US" altLang="zh-CN" dirty="0"/>
+              <a:t>Abstract Factory</a:t>
+            </a:r>
+            <a:r>
+              <a:rPr lang="zh-CN" altLang="en-US" dirty="0"/>
+              <a:t>之前，先回顾下</a:t>
+            </a:r>
+            <a:r>
+              <a:rPr lang="en-US" altLang="zh-CN" dirty="0"/>
+              <a:t>Factory</a:t>
+            </a:r>
+            <a:r>
+              <a:rPr lang="zh-CN" altLang="en-US" dirty="0"/>
+              <a:t>模式的</a:t>
+            </a:r>
+            <a:r>
+              <a:rPr lang="en-US" altLang="zh-CN" dirty="0"/>
+              <a:t>JDBC</a:t>
+            </a:r>
+            <a:r>
+              <a:rPr lang="zh-CN" altLang="en-US" dirty="0"/>
+              <a:t>应用。由于很多系统需要访问不同的数据库，故在得到</a:t>
+            </a:r>
+            <a:r>
+              <a:rPr lang="en-US" altLang="zh-CN" dirty="0"/>
+              <a:t>Connection</a:t>
+            </a:r>
+            <a:r>
+              <a:rPr lang="zh-CN" altLang="en-US" dirty="0"/>
+              <a:t>之前要获取不同的</a:t>
+            </a:r>
+            <a:r>
               <a:rPr lang="en-US" altLang="zh-CN" dirty="0" err="1"/>
-              <a:t>Logback</a:t>
-            </a:r>
-            <a:r>
-              <a:rPr lang="zh-CN" altLang="en-US" dirty="0"/>
-              <a:t>进行日志记录时：</a:t>
-            </a:r>
-          </a:p>
-        </p:txBody>
-      </p:sp>
-      <p:pic>
-        <p:nvPicPr>
-          <p:cNvPr id="2" name="图片 1">
-            <a:extLst>
-              <a:ext uri="{FF2B5EF4-FFF2-40B4-BE49-F238E27FC236}">
-                <a16:creationId xmlns:a16="http://schemas.microsoft.com/office/drawing/2014/main" id="{5E045BC6-49CD-4EF0-AE75-9E6BF1F51B34}"/>
-              </a:ext>
-            </a:extLst>
-          </p:cNvPr>
-          <p:cNvPicPr>
-            <a:picLocks noChangeAspect="1"/>
-          </p:cNvPicPr>
-          <p:nvPr/>
-        </p:nvPicPr>
-        <p:blipFill>
-          <a:blip r:embed="rId5"/>
-          <a:stretch>
-            <a:fillRect/>
-          </a:stretch>
-        </p:blipFill>
-        <p:spPr>
-          <a:xfrm>
-            <a:off x="241323" y="2625066"/>
-            <a:ext cx="8661353" cy="701966"/>
-          </a:xfrm>
-          <a:prstGeom prst="rect">
-            <a:avLst/>
-          </a:prstGeom>
-        </p:spPr>
-      </p:pic>
+              <a:t>DataSource</a:t>
+            </a:r>
+            <a:r>
+              <a:rPr lang="zh-CN" altLang="en-US" dirty="0"/>
+              <a:t>。于是我们又遇到了</a:t>
+            </a:r>
+            <a:r>
+              <a:rPr lang="en-US" altLang="zh-CN" dirty="0"/>
+              <a:t>Factory</a:t>
+            </a:r>
+            <a:r>
+              <a:rPr lang="zh-CN" altLang="en-US" dirty="0"/>
+              <a:t>模式所要解决的问题：创建一个</a:t>
+            </a:r>
+            <a:r>
+              <a:rPr lang="en-US" altLang="zh-CN" dirty="0"/>
+              <a:t>Factory</a:t>
+            </a:r>
+            <a:r>
+              <a:rPr lang="zh-CN" altLang="en-US" dirty="0"/>
+              <a:t>来获取不同的</a:t>
+            </a:r>
+            <a:r>
+              <a:rPr lang="en-US" altLang="zh-CN" dirty="0" err="1"/>
+              <a:t>DataSource</a:t>
+            </a:r>
+            <a:r>
+              <a:rPr lang="zh-CN" altLang="en-US" dirty="0"/>
+              <a:t>。而</a:t>
+            </a:r>
+            <a:r>
+              <a:rPr lang="en-US" altLang="zh-CN" dirty="0" err="1"/>
+              <a:t>DataSource</a:t>
+            </a:r>
+            <a:r>
+              <a:rPr lang="zh-CN" altLang="en-US" dirty="0"/>
+              <a:t>本身又是一个</a:t>
+            </a:r>
+            <a:r>
+              <a:rPr lang="en-US" altLang="zh-CN" dirty="0"/>
+              <a:t>Factory</a:t>
+            </a:r>
+            <a:r>
+              <a:rPr lang="zh-CN" altLang="en-US" dirty="0"/>
+              <a:t>。</a:t>
+            </a:r>
+          </a:p>
+          <a:p>
+            <a:pPr indent="628650" eaLnBrk="1" hangingPunct="1">
+              <a:lnSpc>
+                <a:spcPct val="150000"/>
+              </a:lnSpc>
+              <a:buFont typeface="Wingdings" panose="05000000000000000000" pitchFamily="2" charset="2"/>
+              <a:buNone/>
+            </a:pPr>
+            <a:r>
+              <a:rPr lang="zh-CN" altLang="en-US"/>
+              <a:t>由</a:t>
+            </a:r>
+            <a:r>
+              <a:rPr lang="zh-CN" altLang="en-US" dirty="0"/>
+              <a:t>上述我们不难引出</a:t>
+            </a:r>
+            <a:r>
+              <a:rPr lang="en-US" altLang="zh-CN" dirty="0"/>
+              <a:t>Abstract Factory</a:t>
+            </a:r>
+            <a:r>
+              <a:rPr lang="zh-CN" altLang="en-US" dirty="0"/>
+              <a:t>的定义，就是用于创建</a:t>
+            </a:r>
+            <a:r>
+              <a:rPr lang="en-US" altLang="zh-CN" dirty="0"/>
+              <a:t>Factory</a:t>
+            </a:r>
+            <a:r>
+              <a:rPr lang="zh-CN" altLang="en-US" dirty="0"/>
+              <a:t>的</a:t>
+            </a:r>
+            <a:r>
+              <a:rPr lang="en-US" altLang="zh-CN" dirty="0"/>
+              <a:t>Factory</a:t>
+            </a:r>
+            <a:r>
+              <a:rPr lang="zh-CN" altLang="en-US" dirty="0"/>
+              <a:t>。其设计思想和</a:t>
+            </a:r>
+            <a:r>
+              <a:rPr lang="en-US" altLang="zh-CN" dirty="0"/>
+              <a:t>Factory</a:t>
+            </a:r>
+            <a:r>
+              <a:rPr lang="zh-CN" altLang="en-US" dirty="0"/>
+              <a:t>的完全一致，不过是一种特殊的</a:t>
+            </a:r>
+            <a:r>
+              <a:rPr lang="en-US" altLang="zh-CN" dirty="0"/>
+              <a:t>Factory</a:t>
+            </a:r>
+            <a:r>
+              <a:rPr lang="zh-CN" altLang="en-US" dirty="0"/>
+              <a:t>而已。</a:t>
+            </a:r>
+          </a:p>
+        </p:txBody>
+      </p:sp>
     </p:spTree>
     <p:custDataLst>
       <p:tags r:id="rId1"/>
     </p:custDataLst>
     <p:extLst>
       <p:ext uri="{BB962C8B-B14F-4D97-AF65-F5344CB8AC3E}">
-        <p14:creationId xmlns:p14="http://schemas.microsoft.com/office/powerpoint/2010/main" val="3246040114"/>
+        <p14:creationId xmlns:p14="http://schemas.microsoft.com/office/powerpoint/2010/main" val="1719542924"/>
       </p:ext>
     </p:extLst>
   </p:cSld>

--- a/Design pattern/23种设计模式详解.pptx
+++ b/Design pattern/23种设计模式详解.pptx
@@ -3,27 +3,29 @@
 <p:presentation xmlns:a="http://schemas.openxmlformats.org/drawingml/2006/main" xmlns:r="http://schemas.openxmlformats.org/officeDocument/2006/relationships" xmlns:p="http://schemas.openxmlformats.org/presentationml/2006/main" showSpecialPlsOnTitleSld="0">
   <p:sldMasterIdLst>
     <p:sldMasterId id="2147483648" r:id="rId1"/>
-    <p:sldMasterId id="2147483660" r:id="rId2"/>
+    <p:sldMasterId id="2147483660" r:id="rId3"/>
   </p:sldMasterIdLst>
   <p:notesMasterIdLst>
-    <p:notesMasterId r:id="rId15"/>
+    <p:notesMasterId r:id="rId5"/>
   </p:notesMasterIdLst>
   <p:handoutMasterIdLst>
-    <p:handoutMasterId r:id="rId16"/>
+    <p:handoutMasterId r:id="rId19"/>
   </p:handoutMasterIdLst>
   <p:sldIdLst>
-    <p:sldId id="453" r:id="rId3"/>
-    <p:sldId id="583" r:id="rId4"/>
-    <p:sldId id="584" r:id="rId5"/>
-    <p:sldId id="585" r:id="rId6"/>
-    <p:sldId id="586" r:id="rId7"/>
-    <p:sldId id="587" r:id="rId8"/>
-    <p:sldId id="588" r:id="rId9"/>
-    <p:sldId id="589" r:id="rId10"/>
-    <p:sldId id="590" r:id="rId11"/>
-    <p:sldId id="592" r:id="rId12"/>
-    <p:sldId id="472" r:id="rId13"/>
-    <p:sldId id="577" r:id="rId14"/>
+    <p:sldId id="453" r:id="rId4"/>
+    <p:sldId id="583" r:id="rId6"/>
+    <p:sldId id="584" r:id="rId7"/>
+    <p:sldId id="585" r:id="rId8"/>
+    <p:sldId id="586" r:id="rId9"/>
+    <p:sldId id="587" r:id="rId10"/>
+    <p:sldId id="595" r:id="rId11"/>
+    <p:sldId id="596" r:id="rId12"/>
+    <p:sldId id="588" r:id="rId13"/>
+    <p:sldId id="589" r:id="rId14"/>
+    <p:sldId id="590" r:id="rId15"/>
+    <p:sldId id="592" r:id="rId16"/>
+    <p:sldId id="472" r:id="rId17"/>
+    <p:sldId id="577" r:id="rId18"/>
   </p:sldIdLst>
   <p:sldSz cx="9144000" cy="6858000" type="screen4x3"/>
   <p:notesSz cx="6858000" cy="9144000"/>
@@ -157,22 +159,6 @@
       </a:defRPr>
     </a:lvl9pPr>
   </p:defaultTextStyle>
-  <p:extLst>
-    <p:ext uri="{EFAFB233-063F-42B5-8137-9DF3F51BA10A}">
-      <p15:sldGuideLst xmlns:p15="http://schemas.microsoft.com/office/powerpoint/2012/main">
-        <p15:guide id="1" orient="horz" pos="2160">
-          <p15:clr>
-            <a:srgbClr val="A4A3A4"/>
-          </p15:clr>
-        </p15:guide>
-        <p15:guide id="2" pos="2880">
-          <p15:clr>
-            <a:srgbClr val="A4A3A4"/>
-          </p15:clr>
-        </p15:guide>
-      </p15:sldGuideLst>
-    </p:ext>
-  </p:extLst>
 </p:presentation>
 </file>
 
@@ -264,7 +250,6 @@
           <a:p>
             <a:fld id="{0F9B84EA-7D68-4D60-9CB1-D50884785D1C}" type="datetimeFigureOut">
               <a:rPr lang="zh-CN" altLang="en-US"/>
-              <a:t>2018/8/3</a:t>
             </a:fld>
             <a:endParaRPr lang="zh-CN" altLang="en-US">
               <a:ea typeface="+mn-ea"/>
@@ -336,7 +321,6 @@
           <a:p>
             <a:fld id="{9573C3F1-5DE1-49D7-85EF-378BB3AB6535}" type="slidenum">
               <a:rPr lang="zh-CN" altLang="en-US"/>
-              <a:t>‹#›</a:t>
             </a:fld>
             <a:endParaRPr lang="zh-CN" altLang="en-US">
               <a:ea typeface="+mn-ea"/>
@@ -512,6 +496,7 @@
               <a:rPr lang="en-US" noProof="0"/>
               <a:t>Click to edit Master text styles</a:t>
             </a:r>
+            <a:endParaRPr lang="en-US" noProof="0"/>
           </a:p>
           <a:p>
             <a:pPr lvl="1"/>
@@ -519,6 +504,7 @@
               <a:rPr lang="en-US" noProof="0"/>
               <a:t>Second level</a:t>
             </a:r>
+            <a:endParaRPr lang="en-US" noProof="0"/>
           </a:p>
           <a:p>
             <a:pPr lvl="2"/>
@@ -526,6 +512,7 @@
               <a:rPr lang="en-US" noProof="0"/>
               <a:t>Third level</a:t>
             </a:r>
+            <a:endParaRPr lang="en-US" noProof="0"/>
           </a:p>
           <a:p>
             <a:pPr lvl="3"/>
@@ -533,6 +520,7 @@
               <a:rPr lang="en-US" noProof="0"/>
               <a:t>Fourth level</a:t>
             </a:r>
+            <a:endParaRPr lang="en-US" noProof="0"/>
           </a:p>
           <a:p>
             <a:pPr lvl="4"/>
@@ -540,6 +528,7 @@
               <a:rPr lang="en-US" noProof="0"/>
               <a:t>Fifth level</a:t>
             </a:r>
+            <a:endParaRPr lang="en-US" noProof="0"/>
           </a:p>
         </p:txBody>
       </p:sp>
@@ -610,7 +599,6 @@
           <a:p>
             <a:fld id="{86CED120-70A4-4283-998F-973E88A2003A}" type="slidenum">
               <a:rPr lang="en-US" altLang="zh-CN"/>
-              <a:t>‹#›</a:t>
             </a:fld>
             <a:endParaRPr lang="en-US" altLang="zh-CN">
               <a:cs typeface="Arial" panose="020B0604020202020204" pitchFamily="34" charset="0"/>
@@ -970,7 +958,6 @@
           <a:p>
             <a:fld id="{110A0595-8C10-4F11-9D71-5A2D3C412DC6}" type="slidenum">
               <a:rPr lang="en-US" altLang="zh-CN" sz="1200" smtClean="0"/>
-              <a:t>1</a:t>
             </a:fld>
             <a:endParaRPr lang="en-US" altLang="zh-CN" sz="1200"/>
           </a:p>
@@ -985,6 +972,89 @@
 </file>
 
 <file path=ppt/notesSlides/notesSlide10.xml><?xml version="1.0" encoding="utf-8"?>
+<p:notes xmlns:a="http://schemas.openxmlformats.org/drawingml/2006/main" xmlns:r="http://schemas.openxmlformats.org/officeDocument/2006/relationships" xmlns:p="http://schemas.openxmlformats.org/presentationml/2006/main">
+  <p:cSld>
+    <p:spTree>
+      <p:nvGrpSpPr>
+        <p:cNvPr id="1" name=""/>
+        <p:cNvGrpSpPr/>
+        <p:nvPr/>
+      </p:nvGrpSpPr>
+      <p:grpSpPr>
+        <a:xfrm>
+          <a:off x="0" y="0"/>
+          <a:ext cx="0" cy="0"/>
+          <a:chOff x="0" y="0"/>
+          <a:chExt cx="0" cy="0"/>
+        </a:xfrm>
+      </p:grpSpPr>
+      <p:sp>
+        <p:nvSpPr>
+          <p:cNvPr id="2" name="幻灯片图像占位符 1"/>
+          <p:cNvSpPr>
+            <a:spLocks noGrp="1" noRot="1" noChangeAspect="1"/>
+          </p:cNvSpPr>
+          <p:nvPr>
+            <p:ph type="sldImg"/>
+          </p:nvPr>
+        </p:nvSpPr>
+        <p:spPr>
+          <a:xfrm>
+            <a:off x="1371600" y="1143000"/>
+            <a:ext cx="4114800" cy="3086100"/>
+          </a:xfrm>
+        </p:spPr>
+      </p:sp>
+      <p:sp>
+        <p:nvSpPr>
+          <p:cNvPr id="3" name="备注占位符 2"/>
+          <p:cNvSpPr>
+            <a:spLocks noGrp="1"/>
+          </p:cNvSpPr>
+          <p:nvPr>
+            <p:ph type="body" idx="1"/>
+          </p:nvPr>
+        </p:nvSpPr>
+        <p:spPr/>
+        <p:txBody>
+          <a:bodyPr/>
+          <a:lstStyle/>
+          <a:p>
+            <a:endParaRPr lang="zh-CN" altLang="en-US"/>
+          </a:p>
+        </p:txBody>
+      </p:sp>
+      <p:sp>
+        <p:nvSpPr>
+          <p:cNvPr id="4" name="灯片编号占位符 3"/>
+          <p:cNvSpPr>
+            <a:spLocks noGrp="1"/>
+          </p:cNvSpPr>
+          <p:nvPr>
+            <p:ph type="sldNum" sz="quarter" idx="10"/>
+          </p:nvPr>
+        </p:nvSpPr>
+        <p:spPr/>
+        <p:txBody>
+          <a:bodyPr/>
+          <a:lstStyle/>
+          <a:p>
+            <a:fld id="{2ED26FC3-015A-4F86-ACC3-780431FB8E4D}" type="slidenum">
+              <a:rPr lang="zh-CN" altLang="en-US" smtClean="0"/>
+            </a:fld>
+            <a:endParaRPr lang="zh-CN" altLang="en-US"/>
+          </a:p>
+        </p:txBody>
+      </p:sp>
+    </p:spTree>
+  </p:cSld>
+  <p:clrMapOvr>
+    <a:masterClrMapping/>
+  </p:clrMapOvr>
+</p:notes>
+</file>
+
+<file path=ppt/notesSlides/notesSlide11.xml><?xml version="1.0" encoding="utf-8"?>
 <p:notes xmlns:a="http://schemas.openxmlformats.org/drawingml/2006/main" xmlns:r="http://schemas.openxmlformats.org/officeDocument/2006/relationships" xmlns:p="http://schemas.openxmlformats.org/presentationml/2006/main">
   <p:cSld>
     <p:spTree>
@@ -1208,7 +1278,6 @@
           <a:p>
             <a:fld id="{B2E4F78C-D89C-4591-BABC-F2C1F612872E}" type="slidenum">
               <a:rPr lang="en-US" altLang="zh-CN" sz="1200" smtClean="0"/>
-              <a:t>11</a:t>
             </a:fld>
             <a:endParaRPr lang="en-US" altLang="zh-CN" sz="1200"/>
           </a:p>
@@ -1292,6 +1361,7 @@
               <a:rPr lang="zh-CN" altLang="en-US" dirty="0"/>
               <a:t>语言的应用而逐渐普及成熟。</a:t>
             </a:r>
+            <a:endParaRPr lang="zh-CN" altLang="en-US" dirty="0"/>
           </a:p>
           <a:p>
             <a:pPr eaLnBrk="1" hangingPunct="1"/>
@@ -1323,6 +1393,7 @@
               <a:rPr lang="en-US" altLang="zh-CN" dirty="0"/>
               <a:t>。</a:t>
             </a:r>
+            <a:endParaRPr lang="en-US" altLang="zh-CN" dirty="0"/>
           </a:p>
           <a:p>
             <a:pPr eaLnBrk="1" hangingPunct="1"/>
@@ -1346,6 +1417,7 @@
               <a:rPr lang="zh-CN" altLang="en-US" dirty="0"/>
               <a:t>等框架）。</a:t>
             </a:r>
+            <a:endParaRPr lang="zh-CN" altLang="en-US" dirty="0"/>
           </a:p>
           <a:p>
             <a:pPr eaLnBrk="1" hangingPunct="1"/>
@@ -1361,6 +1433,7 @@
               <a:rPr lang="zh-CN" altLang="en-US" dirty="0"/>
               <a:t>框架）。</a:t>
             </a:r>
+            <a:endParaRPr lang="zh-CN" altLang="en-US" dirty="0"/>
           </a:p>
         </p:txBody>
       </p:sp>
@@ -1381,7 +1454,6 @@
           <a:p>
             <a:fld id="{2ED26FC3-015A-4F86-ACC3-780431FB8E4D}" type="slidenum">
               <a:rPr lang="zh-CN" altLang="en-US" smtClean="0"/>
-              <a:t>2</a:t>
             </a:fld>
             <a:endParaRPr lang="zh-CN" altLang="en-US"/>
           </a:p>
@@ -1453,6 +1525,7 @@
               <a:rPr lang="en-US" altLang="zh-CN" dirty="0"/>
               <a:t>）</a:t>
             </a:r>
+            <a:endParaRPr lang="en-US" altLang="zh-CN" dirty="0"/>
           </a:p>
           <a:p>
             <a:pPr eaLnBrk="1" hangingPunct="1"/>
@@ -1460,6 +1533,7 @@
               <a:rPr lang="zh-CN" altLang="en-US" dirty="0"/>
               <a:t>重用是优化体系结构的前提。</a:t>
             </a:r>
+            <a:endParaRPr lang="zh-CN" altLang="en-US" dirty="0"/>
           </a:p>
           <a:p>
             <a:pPr eaLnBrk="1" hangingPunct="1"/>
@@ -1467,6 +1541,7 @@
               <a:rPr lang="zh-CN" altLang="en-US" dirty="0"/>
               <a:t>做到重用和体系结构合理后，自然系统在维护性和弹性会有出色表现。</a:t>
             </a:r>
+            <a:endParaRPr lang="zh-CN" altLang="en-US" dirty="0"/>
           </a:p>
           <a:p>
             <a:pPr eaLnBrk="1" hangingPunct="1"/>
@@ -1486,6 +1561,7 @@
               <a:rPr lang="zh-CN" altLang="en-US" dirty="0"/>
               <a:t>）。</a:t>
             </a:r>
+            <a:endParaRPr lang="zh-CN" altLang="en-US" dirty="0"/>
           </a:p>
           <a:p>
             <a:pPr eaLnBrk="1" hangingPunct="1"/>
@@ -1493,6 +1569,7 @@
               <a:rPr lang="zh-CN" altLang="en-US" dirty="0"/>
               <a:t>结构良好的系统更加容易优化性能。因为功能明晰、结构好，可以准确地判断出哪个地方存在性能瓶颈，从而优化之。</a:t>
             </a:r>
+            <a:endParaRPr lang="zh-CN" altLang="en-US" dirty="0"/>
           </a:p>
           <a:p>
             <a:pPr eaLnBrk="1" hangingPunct="1"/>
@@ -1500,6 +1577,7 @@
               <a:rPr lang="zh-CN" altLang="en-US" dirty="0"/>
               <a:t>上述条件满足，软件质量当然有保证。</a:t>
             </a:r>
+            <a:endParaRPr lang="zh-CN" altLang="en-US" dirty="0"/>
           </a:p>
           <a:p>
             <a:pPr eaLnBrk="1" hangingPunct="1"/>
@@ -1507,6 +1585,7 @@
               <a:rPr lang="zh-CN" altLang="en-US" dirty="0"/>
               <a:t>代码虽然是写给计算机执行，但最重要的是表达人的思想，写给人看的。因此提高代码可读性，方便团队交流非常重要。</a:t>
             </a:r>
+            <a:endParaRPr lang="zh-CN" altLang="en-US" dirty="0"/>
           </a:p>
           <a:p>
             <a:pPr eaLnBrk="1" hangingPunct="1"/>
@@ -1514,6 +1593,7 @@
               <a:rPr lang="zh-CN" altLang="en-US" dirty="0"/>
               <a:t>团队有统一的编码规范和设计模式，水平更加容易提高，因为设计模式能将成功的经验在团队中普及。</a:t>
             </a:r>
+            <a:endParaRPr lang="zh-CN" altLang="en-US" dirty="0"/>
           </a:p>
         </p:txBody>
       </p:sp>
@@ -1534,18 +1614,12 @@
           <a:p>
             <a:fld id="{2ED26FC3-015A-4F86-ACC3-780431FB8E4D}" type="slidenum">
               <a:rPr lang="zh-CN" altLang="en-US" smtClean="0"/>
-              <a:t>3</a:t>
             </a:fld>
             <a:endParaRPr lang="zh-CN" altLang="en-US"/>
           </a:p>
         </p:txBody>
       </p:sp>
     </p:spTree>
-    <p:extLst>
-      <p:ext uri="{BB962C8B-B14F-4D97-AF65-F5344CB8AC3E}">
-        <p14:creationId xmlns:p14="http://schemas.microsoft.com/office/powerpoint/2010/main" val="36752347"/>
-      </p:ext>
-    </p:extLst>
   </p:cSld>
   <p:clrMapOvr>
     <a:masterClrMapping/>
@@ -1627,6 +1701,7 @@
               <a:rPr lang="zh-CN" altLang="en-US" dirty="0"/>
               <a:t>重构的前提是设计模式和测试驱动（结合实践经验简要介绍，测试驱动并非只是为了检验软件的功能，更重要的在于重构和加速软件开发）</a:t>
             </a:r>
+            <a:endParaRPr lang="zh-CN" altLang="en-US" dirty="0"/>
           </a:p>
           <a:p>
             <a:pPr eaLnBrk="1" hangingPunct="1"/>
@@ -1638,6 +1713,7 @@
               <a:rPr lang="zh-CN" altLang="en-US" dirty="0"/>
               <a:t>设计过程中，常常面临很多困难，有时甚至是矛盾的抉择。如何权衡各方面的利弊而作出正确选择非常重要。前人的经验和教训总结无疑有非常大的帮助，这有助于我更加清晰地认识到所处环境的各种陷阱和潜在问题，从而作出正确选择。 反设计模式就是帮助开发人员度过该难关的有力工具。与设计模式不同， 反设计模式专注于防止我们犯错误，而设计模式指导我们做出精良的设计，两者是相辅相成的。</a:t>
             </a:r>
+            <a:endParaRPr lang="zh-CN" altLang="en-US" dirty="0"/>
           </a:p>
           <a:p>
             <a:pPr eaLnBrk="1" hangingPunct="1"/>
@@ -1665,6 +1741,7 @@
               <a:rPr lang="zh-CN" altLang="en-US" dirty="0"/>
               <a:t>之上的。</a:t>
             </a:r>
+            <a:endParaRPr lang="zh-CN" altLang="en-US" dirty="0"/>
           </a:p>
         </p:txBody>
       </p:sp>
@@ -1685,18 +1762,12 @@
           <a:p>
             <a:fld id="{2ED26FC3-015A-4F86-ACC3-780431FB8E4D}" type="slidenum">
               <a:rPr lang="zh-CN" altLang="en-US" smtClean="0"/>
-              <a:t>4</a:t>
             </a:fld>
             <a:endParaRPr lang="zh-CN" altLang="en-US"/>
           </a:p>
         </p:txBody>
       </p:sp>
     </p:spTree>
-    <p:extLst>
-      <p:ext uri="{BB962C8B-B14F-4D97-AF65-F5344CB8AC3E}">
-        <p14:creationId xmlns:p14="http://schemas.microsoft.com/office/powerpoint/2010/main" val="669117025"/>
-      </p:ext>
-    </p:extLst>
   </p:cSld>
   <p:clrMapOvr>
     <a:masterClrMapping/>
@@ -1766,6 +1837,7 @@
               <a:rPr lang="zh-CN" altLang="en-US" dirty="0"/>
               <a:t>的方法论，其内容就是如何设计对象的结构及其相互间的协作关系。</a:t>
             </a:r>
+            <a:endParaRPr lang="zh-CN" altLang="en-US" dirty="0"/>
           </a:p>
           <a:p>
             <a:pPr eaLnBrk="1" hangingPunct="1"/>
@@ -1793,6 +1865,7 @@
               <a:rPr lang="zh-CN" altLang="en-US" dirty="0"/>
               <a:t>模式举例</a:t>
             </a:r>
+            <a:endParaRPr lang="zh-CN" altLang="en-US" dirty="0"/>
           </a:p>
           <a:p>
             <a:pPr eaLnBrk="1" hangingPunct="1"/>
@@ -1812,6 +1885,7 @@
               <a:rPr lang="zh-CN" altLang="en-US" dirty="0"/>
               <a:t>来建模，表达整个软件的结构、流程等方方面面。</a:t>
             </a:r>
+            <a:endParaRPr lang="zh-CN" altLang="en-US" dirty="0"/>
           </a:p>
           <a:p>
             <a:pPr eaLnBrk="1" hangingPunct="1"/>
@@ -1835,6 +1909,7 @@
               <a:rPr lang="zh-CN" altLang="en-US" dirty="0"/>
               <a:t>的本意是表达设计思想，而非代码生成引擎。当然，随着技术进步，设计思想表达出来后，可利用代码生成引擎来加快开发速度。 </a:t>
             </a:r>
+            <a:endParaRPr lang="zh-CN" altLang="en-US" dirty="0"/>
           </a:p>
           <a:p>
             <a:pPr eaLnBrk="1" hangingPunct="1"/>
@@ -1862,6 +1937,7 @@
               <a:rPr lang="zh-CN" altLang="en-US" dirty="0"/>
               <a:t>应用和融入到软件设计中。</a:t>
             </a:r>
+            <a:endParaRPr lang="zh-CN" altLang="en-US" dirty="0"/>
           </a:p>
           <a:p>
             <a:pPr eaLnBrk="1" hangingPunct="1"/>
@@ -1881,6 +1957,7 @@
               <a:rPr lang="zh-CN" altLang="en-US" dirty="0"/>
               <a:t>来表达的。</a:t>
             </a:r>
+            <a:endParaRPr lang="zh-CN" altLang="en-US" dirty="0"/>
           </a:p>
         </p:txBody>
       </p:sp>
@@ -1901,18 +1978,12 @@
           <a:p>
             <a:fld id="{2ED26FC3-015A-4F86-ACC3-780431FB8E4D}" type="slidenum">
               <a:rPr lang="zh-CN" altLang="en-US" smtClean="0"/>
-              <a:t>5</a:t>
             </a:fld>
             <a:endParaRPr lang="zh-CN" altLang="en-US"/>
           </a:p>
         </p:txBody>
       </p:sp>
     </p:spTree>
-    <p:extLst>
-      <p:ext uri="{BB962C8B-B14F-4D97-AF65-F5344CB8AC3E}">
-        <p14:creationId xmlns:p14="http://schemas.microsoft.com/office/powerpoint/2010/main" val="1424015567"/>
-      </p:ext>
-    </p:extLst>
   </p:cSld>
   <p:clrMapOvr>
     <a:masterClrMapping/>
@@ -1990,18 +2061,12 @@
           <a:p>
             <a:fld id="{2ED26FC3-015A-4F86-ACC3-780431FB8E4D}" type="slidenum">
               <a:rPr lang="zh-CN" altLang="en-US" smtClean="0"/>
-              <a:t>6</a:t>
             </a:fld>
             <a:endParaRPr lang="zh-CN" altLang="en-US"/>
           </a:p>
         </p:txBody>
       </p:sp>
     </p:spTree>
-    <p:extLst>
-      <p:ext uri="{BB962C8B-B14F-4D97-AF65-F5344CB8AC3E}">
-        <p14:creationId xmlns:p14="http://schemas.microsoft.com/office/powerpoint/2010/main" val="3218722203"/>
-      </p:ext>
-    </p:extLst>
   </p:cSld>
   <p:clrMapOvr>
     <a:masterClrMapping/>
@@ -2058,7 +2123,7 @@
           <a:bodyPr/>
           <a:lstStyle/>
           <a:p>
-            <a:endParaRPr lang="zh-CN" altLang="en-US"/>
+            <a:endParaRPr lang="zh-CN" altLang="en-US" dirty="0"/>
           </a:p>
         </p:txBody>
       </p:sp>
@@ -2079,18 +2144,12 @@
           <a:p>
             <a:fld id="{2ED26FC3-015A-4F86-ACC3-780431FB8E4D}" type="slidenum">
               <a:rPr lang="zh-CN" altLang="en-US" smtClean="0"/>
-              <a:t>8</a:t>
             </a:fld>
             <a:endParaRPr lang="zh-CN" altLang="en-US"/>
           </a:p>
         </p:txBody>
       </p:sp>
     </p:spTree>
-    <p:extLst>
-      <p:ext uri="{BB962C8B-B14F-4D97-AF65-F5344CB8AC3E}">
-        <p14:creationId xmlns:p14="http://schemas.microsoft.com/office/powerpoint/2010/main" val="1406787356"/>
-      </p:ext>
-    </p:extLst>
   </p:cSld>
   <p:clrMapOvr>
     <a:masterClrMapping/>
@@ -2168,18 +2227,12 @@
           <a:p>
             <a:fld id="{2ED26FC3-015A-4F86-ACC3-780431FB8E4D}" type="slidenum">
               <a:rPr lang="zh-CN" altLang="en-US" smtClean="0"/>
-              <a:t>9</a:t>
             </a:fld>
             <a:endParaRPr lang="zh-CN" altLang="en-US"/>
           </a:p>
         </p:txBody>
       </p:sp>
     </p:spTree>
-    <p:extLst>
-      <p:ext uri="{BB962C8B-B14F-4D97-AF65-F5344CB8AC3E}">
-        <p14:creationId xmlns:p14="http://schemas.microsoft.com/office/powerpoint/2010/main" val="2132363596"/>
-      </p:ext>
-    </p:extLst>
   </p:cSld>
   <p:clrMapOvr>
     <a:masterClrMapping/>
@@ -2257,18 +2310,12 @@
           <a:p>
             <a:fld id="{2ED26FC3-015A-4F86-ACC3-780431FB8E4D}" type="slidenum">
               <a:rPr lang="zh-CN" altLang="en-US" smtClean="0"/>
-              <a:t>10</a:t>
             </a:fld>
             <a:endParaRPr lang="zh-CN" altLang="en-US"/>
           </a:p>
         </p:txBody>
       </p:sp>
     </p:spTree>
-    <p:extLst>
-      <p:ext uri="{BB962C8B-B14F-4D97-AF65-F5344CB8AC3E}">
-        <p14:creationId xmlns:p14="http://schemas.microsoft.com/office/powerpoint/2010/main" val="1561074673"/>
-      </p:ext>
-    </p:extLst>
   </p:cSld>
   <p:clrMapOvr>
     <a:masterClrMapping/>
@@ -2299,7 +2346,7 @@
           <p:cNvCxnSpPr/>
           <p:nvPr>
             <p:custDataLst>
-              <p:tags r:id="rId1"/>
+              <p:tags r:id="rId2"/>
             </p:custDataLst>
           </p:nvPr>
         </p:nvCxnSpPr>
@@ -2333,7 +2380,7 @@
           <p:cNvCxnSpPr/>
           <p:nvPr>
             <p:custDataLst>
-              <p:tags r:id="rId2"/>
+              <p:tags r:id="rId3"/>
             </p:custDataLst>
           </p:nvPr>
         </p:nvCxnSpPr>
@@ -2367,7 +2414,7 @@
           <p:cNvCxnSpPr/>
           <p:nvPr>
             <p:custDataLst>
-              <p:tags r:id="rId3"/>
+              <p:tags r:id="rId4"/>
             </p:custDataLst>
           </p:nvPr>
         </p:nvCxnSpPr>
@@ -2401,7 +2448,7 @@
           <p:cNvCxnSpPr/>
           <p:nvPr>
             <p:custDataLst>
-              <p:tags r:id="rId4"/>
+              <p:tags r:id="rId5"/>
             </p:custDataLst>
           </p:nvPr>
         </p:nvCxnSpPr>
@@ -2435,7 +2482,7 @@
           <p:cNvCxnSpPr/>
           <p:nvPr>
             <p:custDataLst>
-              <p:tags r:id="rId5"/>
+              <p:tags r:id="rId6"/>
             </p:custDataLst>
           </p:nvPr>
         </p:nvCxnSpPr>
@@ -2493,6 +2540,7 @@
               <a:rPr lang="zh-CN" altLang="en-US" noProof="1"/>
               <a:t>单击此处编辑标题</a:t>
             </a:r>
+            <a:endParaRPr lang="zh-CN" altLang="en-US" noProof="1"/>
           </a:p>
         </p:txBody>
       </p:sp>
@@ -2559,6 +2607,7 @@
               <a:rPr lang="zh-CN" altLang="en-US" noProof="1"/>
               <a:t>单击此处编辑母版副标题样式</a:t>
             </a:r>
+            <a:endParaRPr lang="zh-CN" altLang="en-US" noProof="1"/>
           </a:p>
         </p:txBody>
       </p:sp>
@@ -2583,7 +2632,6 @@
           <a:p>
             <a:fld id="{760FBDFE-C587-4B4C-A407-44438C67B59E}" type="datetimeFigureOut">
               <a:rPr lang="zh-CN" altLang="en-US"/>
-              <a:t>2018/8/3</a:t>
             </a:fld>
             <a:endParaRPr lang="zh-CN" altLang="en-US"/>
           </a:p>
@@ -2633,7 +2681,6 @@
           <a:p>
             <a:fld id="{B57485EF-07CB-4560-BDF9-ECAE85E048A8}" type="slidenum">
               <a:rPr lang="zh-CN" altLang="en-US"/>
-              <a:t>‹#›</a:t>
             </a:fld>
             <a:endParaRPr lang="zh-CN" altLang="en-US"/>
           </a:p>
@@ -2707,6 +2754,7 @@
               <a:rPr lang="zh-CN" altLang="en-US" noProof="1"/>
               <a:t>单击此处编辑母版文本样式</a:t>
             </a:r>
+            <a:endParaRPr lang="zh-CN" altLang="en-US" noProof="1"/>
           </a:p>
           <a:p>
             <a:pPr lvl="1"/>
@@ -2714,6 +2762,7 @@
               <a:rPr lang="zh-CN" altLang="en-US" noProof="1"/>
               <a:t>第二级</a:t>
             </a:r>
+            <a:endParaRPr lang="zh-CN" altLang="en-US" noProof="1"/>
           </a:p>
           <a:p>
             <a:pPr lvl="2"/>
@@ -2721,6 +2770,7 @@
               <a:rPr lang="zh-CN" altLang="en-US" noProof="1"/>
               <a:t>第三级</a:t>
             </a:r>
+            <a:endParaRPr lang="zh-CN" altLang="en-US" noProof="1"/>
           </a:p>
           <a:p>
             <a:pPr lvl="3"/>
@@ -2728,6 +2778,7 @@
               <a:rPr lang="zh-CN" altLang="en-US" noProof="1"/>
               <a:t>第四级</a:t>
             </a:r>
+            <a:endParaRPr lang="zh-CN" altLang="en-US" noProof="1"/>
           </a:p>
           <a:p>
             <a:pPr lvl="4"/>
@@ -2735,6 +2786,7 @@
               <a:rPr lang="zh-CN" altLang="en-US" noProof="1"/>
               <a:t>第五级</a:t>
             </a:r>
+            <a:endParaRPr lang="zh-CN" altLang="en-US" noProof="1"/>
           </a:p>
         </p:txBody>
       </p:sp>
@@ -2759,7 +2811,6 @@
           <a:p>
             <a:fld id="{760FBDFE-C587-4B4C-A407-44438C67B59E}" type="datetimeFigureOut">
               <a:rPr lang="zh-CN" altLang="en-US"/>
-              <a:t>2018/8/3</a:t>
             </a:fld>
             <a:endParaRPr lang="zh-CN" altLang="en-US"/>
           </a:p>
@@ -2809,7 +2860,6 @@
           <a:p>
             <a:fld id="{E99C5EC3-8103-43E4-B157-1AC5D340141F}" type="slidenum">
               <a:rPr lang="zh-CN" altLang="en-US"/>
-              <a:t>‹#›</a:t>
             </a:fld>
             <a:endParaRPr lang="zh-CN" altLang="en-US"/>
           </a:p>
@@ -2859,6 +2909,7 @@
               <a:rPr lang="zh-CN" altLang="en-US" noProof="1"/>
               <a:t>单击此处编辑母版标题样式</a:t>
             </a:r>
+            <a:endParaRPr lang="zh-CN" altLang="en-US" noProof="1"/>
           </a:p>
         </p:txBody>
       </p:sp>
@@ -2883,7 +2934,6 @@
           <a:p>
             <a:fld id="{760FBDFE-C587-4B4C-A407-44438C67B59E}" type="datetimeFigureOut">
               <a:rPr lang="zh-CN" altLang="en-US"/>
-              <a:t>2018/8/3</a:t>
             </a:fld>
             <a:endParaRPr lang="zh-CN" altLang="en-US"/>
           </a:p>
@@ -2933,7 +2983,6 @@
           <a:p>
             <a:fld id="{672E4197-9F2F-4415-85F8-93AEECACC1CD}" type="slidenum">
               <a:rPr lang="zh-CN" altLang="en-US"/>
-              <a:t>‹#›</a:t>
             </a:fld>
             <a:endParaRPr lang="zh-CN" altLang="en-US"/>
           </a:p>
@@ -2970,7 +3019,7 @@
           <p:cNvCxnSpPr/>
           <p:nvPr>
             <p:custDataLst>
-              <p:tags r:id="rId1"/>
+              <p:tags r:id="rId2"/>
             </p:custDataLst>
           </p:nvPr>
         </p:nvCxnSpPr>
@@ -3004,7 +3053,7 @@
           <p:cNvCxnSpPr/>
           <p:nvPr>
             <p:custDataLst>
-              <p:tags r:id="rId2"/>
+              <p:tags r:id="rId3"/>
             </p:custDataLst>
           </p:nvPr>
         </p:nvCxnSpPr>
@@ -3038,7 +3087,7 @@
           <p:cNvCxnSpPr/>
           <p:nvPr>
             <p:custDataLst>
-              <p:tags r:id="rId3"/>
+              <p:tags r:id="rId4"/>
             </p:custDataLst>
           </p:nvPr>
         </p:nvCxnSpPr>
@@ -3072,7 +3121,7 @@
           <p:cNvCxnSpPr/>
           <p:nvPr>
             <p:custDataLst>
-              <p:tags r:id="rId4"/>
+              <p:tags r:id="rId5"/>
             </p:custDataLst>
           </p:nvPr>
         </p:nvCxnSpPr>
@@ -3106,7 +3155,7 @@
           <p:cNvCxnSpPr/>
           <p:nvPr>
             <p:custDataLst>
-              <p:tags r:id="rId5"/>
+              <p:tags r:id="rId6"/>
             </p:custDataLst>
           </p:nvPr>
         </p:nvCxnSpPr>
@@ -3164,6 +3213,7 @@
               <a:rPr lang="zh-CN" altLang="en-US" dirty="0"/>
               <a:t>单击此处编辑标题</a:t>
             </a:r>
+            <a:endParaRPr lang="zh-CN" altLang="en-US" dirty="0"/>
           </a:p>
         </p:txBody>
       </p:sp>
@@ -3230,6 +3280,7 @@
               <a:rPr lang="zh-CN" altLang="en-US" dirty="0"/>
               <a:t>单击此处编辑母版副标题样式</a:t>
             </a:r>
+            <a:endParaRPr lang="zh-CN" altLang="en-US" dirty="0"/>
           </a:p>
         </p:txBody>
       </p:sp>
@@ -3256,7 +3307,6 @@
           <a:p>
             <a:fld id="{760FBDFE-C587-4B4C-A407-44438C67B59E}" type="datetimeFigureOut">
               <a:rPr lang="zh-CN" altLang="en-US" smtClean="0"/>
-              <a:t>2018/8/3</a:t>
             </a:fld>
             <a:endParaRPr lang="zh-CN" altLang="en-US"/>
           </a:p>
@@ -3310,7 +3360,6 @@
           <a:p>
             <a:fld id="{49AE70B2-8BF9-45C0-BB95-33D1B9D3A854}" type="slidenum">
               <a:rPr lang="zh-CN" altLang="en-US" smtClean="0"/>
-              <a:t>‹#›</a:t>
             </a:fld>
             <a:endParaRPr lang="zh-CN" altLang="en-US"/>
           </a:p>
@@ -3362,6 +3411,7 @@
               <a:rPr lang="zh-CN" altLang="en-US" dirty="0"/>
               <a:t>单击此处编辑母版标题样式</a:t>
             </a:r>
+            <a:endParaRPr lang="zh-CN" altLang="en-US" dirty="0"/>
           </a:p>
         </p:txBody>
       </p:sp>
@@ -3403,6 +3453,7 @@
               <a:rPr lang="zh-CN" altLang="en-US" dirty="0"/>
               <a:t>单击此处编辑母版文本样式</a:t>
             </a:r>
+            <a:endParaRPr lang="zh-CN" altLang="en-US" dirty="0"/>
           </a:p>
           <a:p>
             <a:pPr lvl="1"/>
@@ -3410,6 +3461,7 @@
               <a:rPr lang="zh-CN" altLang="en-US" dirty="0"/>
               <a:t>第二级</a:t>
             </a:r>
+            <a:endParaRPr lang="zh-CN" altLang="en-US" dirty="0"/>
           </a:p>
           <a:p>
             <a:pPr lvl="2"/>
@@ -3417,6 +3469,7 @@
               <a:rPr lang="zh-CN" altLang="en-US" dirty="0"/>
               <a:t>第三级</a:t>
             </a:r>
+            <a:endParaRPr lang="zh-CN" altLang="en-US" dirty="0"/>
           </a:p>
           <a:p>
             <a:pPr lvl="3"/>
@@ -3424,6 +3477,7 @@
               <a:rPr lang="zh-CN" altLang="en-US" dirty="0"/>
               <a:t>第四级</a:t>
             </a:r>
+            <a:endParaRPr lang="zh-CN" altLang="en-US" dirty="0"/>
           </a:p>
           <a:p>
             <a:pPr lvl="4"/>
@@ -3431,6 +3485,7 @@
               <a:rPr lang="zh-CN" altLang="en-US" dirty="0"/>
               <a:t>第五级</a:t>
             </a:r>
+            <a:endParaRPr lang="zh-CN" altLang="en-US" dirty="0"/>
           </a:p>
         </p:txBody>
       </p:sp>
@@ -3457,7 +3512,6 @@
           <a:p>
             <a:fld id="{760FBDFE-C587-4B4C-A407-44438C67B59E}" type="datetimeFigureOut">
               <a:rPr lang="zh-CN" altLang="en-US" smtClean="0"/>
-              <a:t>2018/8/3</a:t>
             </a:fld>
             <a:endParaRPr lang="zh-CN" altLang="en-US"/>
           </a:p>
@@ -3511,7 +3565,6 @@
           <a:p>
             <a:fld id="{49AE70B2-8BF9-45C0-BB95-33D1B9D3A854}" type="slidenum">
               <a:rPr lang="zh-CN" altLang="en-US" smtClean="0"/>
-              <a:t>‹#›</a:t>
             </a:fld>
             <a:endParaRPr lang="zh-CN" altLang="en-US"/>
           </a:p>
@@ -3572,6 +3625,7 @@
               <a:rPr lang="zh-CN" altLang="en-US" dirty="0"/>
               <a:t>单击此处编辑标题</a:t>
             </a:r>
+            <a:endParaRPr lang="zh-CN" altLang="en-US" dirty="0"/>
           </a:p>
         </p:txBody>
       </p:sp>
@@ -3598,7 +3652,6 @@
           <a:p>
             <a:fld id="{760FBDFE-C587-4B4C-A407-44438C67B59E}" type="datetimeFigureOut">
               <a:rPr lang="zh-CN" altLang="en-US" smtClean="0"/>
-              <a:t>2018/8/3</a:t>
             </a:fld>
             <a:endParaRPr lang="zh-CN" altLang="en-US"/>
           </a:p>
@@ -3652,7 +3705,6 @@
           <a:p>
             <a:fld id="{49AE70B2-8BF9-45C0-BB95-33D1B9D3A854}" type="slidenum">
               <a:rPr lang="zh-CN" altLang="en-US" smtClean="0"/>
-              <a:t>‹#›</a:t>
             </a:fld>
             <a:endParaRPr lang="zh-CN" altLang="en-US"/>
           </a:p>
@@ -3690,6 +3742,7 @@
               <a:rPr lang="zh-CN" altLang="en-US" dirty="0"/>
               <a:t>单击此处编辑文本</a:t>
             </a:r>
+            <a:endParaRPr lang="zh-CN" altLang="en-US" dirty="0"/>
           </a:p>
         </p:txBody>
       </p:sp>
@@ -3739,6 +3792,7 @@
               <a:rPr lang="zh-CN" altLang="en-US"/>
               <a:t>单击此处编辑母版标题样式</a:t>
             </a:r>
+            <a:endParaRPr lang="zh-CN" altLang="en-US"/>
           </a:p>
         </p:txBody>
       </p:sp>
@@ -3769,6 +3823,7 @@
               <a:rPr lang="zh-CN" altLang="en-US" dirty="0"/>
               <a:t>单击此处编辑母版文本样式</a:t>
             </a:r>
+            <a:endParaRPr lang="zh-CN" altLang="en-US" dirty="0"/>
           </a:p>
           <a:p>
             <a:pPr lvl="1"/>
@@ -3776,6 +3831,7 @@
               <a:rPr lang="zh-CN" altLang="en-US" dirty="0"/>
               <a:t>第二级</a:t>
             </a:r>
+            <a:endParaRPr lang="zh-CN" altLang="en-US" dirty="0"/>
           </a:p>
           <a:p>
             <a:pPr lvl="2"/>
@@ -3783,6 +3839,7 @@
               <a:rPr lang="zh-CN" altLang="en-US" dirty="0"/>
               <a:t>第三级</a:t>
             </a:r>
+            <a:endParaRPr lang="zh-CN" altLang="en-US" dirty="0"/>
           </a:p>
           <a:p>
             <a:pPr lvl="3"/>
@@ -3790,6 +3847,7 @@
               <a:rPr lang="zh-CN" altLang="en-US" dirty="0"/>
               <a:t>第四级</a:t>
             </a:r>
+            <a:endParaRPr lang="zh-CN" altLang="en-US" dirty="0"/>
           </a:p>
           <a:p>
             <a:pPr lvl="4"/>
@@ -3797,6 +3855,7 @@
               <a:rPr lang="zh-CN" altLang="en-US" dirty="0"/>
               <a:t>第五级</a:t>
             </a:r>
+            <a:endParaRPr lang="zh-CN" altLang="en-US" dirty="0"/>
           </a:p>
         </p:txBody>
       </p:sp>
@@ -3827,6 +3886,7 @@
               <a:rPr lang="zh-CN" altLang="en-US" dirty="0"/>
               <a:t>单击此处编辑母版文本样式</a:t>
             </a:r>
+            <a:endParaRPr lang="zh-CN" altLang="en-US" dirty="0"/>
           </a:p>
           <a:p>
             <a:pPr lvl="1"/>
@@ -3834,6 +3894,7 @@
               <a:rPr lang="zh-CN" altLang="en-US" dirty="0"/>
               <a:t>第二级</a:t>
             </a:r>
+            <a:endParaRPr lang="zh-CN" altLang="en-US" dirty="0"/>
           </a:p>
           <a:p>
             <a:pPr lvl="2"/>
@@ -3841,6 +3902,7 @@
               <a:rPr lang="zh-CN" altLang="en-US" dirty="0"/>
               <a:t>第三级</a:t>
             </a:r>
+            <a:endParaRPr lang="zh-CN" altLang="en-US" dirty="0"/>
           </a:p>
           <a:p>
             <a:pPr lvl="3"/>
@@ -3848,6 +3910,7 @@
               <a:rPr lang="zh-CN" altLang="en-US" dirty="0"/>
               <a:t>第四级</a:t>
             </a:r>
+            <a:endParaRPr lang="zh-CN" altLang="en-US" dirty="0"/>
           </a:p>
           <a:p>
             <a:pPr lvl="4"/>
@@ -3855,6 +3918,7 @@
               <a:rPr lang="zh-CN" altLang="en-US" dirty="0"/>
               <a:t>第五级</a:t>
             </a:r>
+            <a:endParaRPr lang="zh-CN" altLang="en-US" dirty="0"/>
           </a:p>
         </p:txBody>
       </p:sp>
@@ -3881,7 +3945,6 @@
           <a:p>
             <a:fld id="{760FBDFE-C587-4B4C-A407-44438C67B59E}" type="datetimeFigureOut">
               <a:rPr lang="zh-CN" altLang="en-US" smtClean="0"/>
-              <a:t>2018/8/3</a:t>
             </a:fld>
             <a:endParaRPr lang="zh-CN" altLang="en-US"/>
           </a:p>
@@ -3935,7 +3998,6 @@
           <a:p>
             <a:fld id="{49AE70B2-8BF9-45C0-BB95-33D1B9D3A854}" type="slidenum">
               <a:rPr lang="zh-CN" altLang="en-US" smtClean="0"/>
-              <a:t>‹#›</a:t>
             </a:fld>
             <a:endParaRPr lang="zh-CN" altLang="en-US"/>
           </a:p>
@@ -3992,6 +4054,7 @@
               <a:rPr lang="zh-CN" altLang="en-US"/>
               <a:t>单击此处编辑母版标题样式</a:t>
             </a:r>
+            <a:endParaRPr lang="zh-CN" altLang="en-US"/>
           </a:p>
         </p:txBody>
       </p:sp>
@@ -4059,6 +4122,7 @@
               <a:rPr lang="zh-CN" altLang="en-US" dirty="0"/>
               <a:t>单击此处编辑母版文本样式</a:t>
             </a:r>
+            <a:endParaRPr lang="zh-CN" altLang="en-US" dirty="0"/>
           </a:p>
         </p:txBody>
       </p:sp>
@@ -4089,6 +4153,7 @@
               <a:rPr lang="zh-CN" altLang="en-US" dirty="0"/>
               <a:t>单击此处编辑母版文本样式</a:t>
             </a:r>
+            <a:endParaRPr lang="zh-CN" altLang="en-US" dirty="0"/>
           </a:p>
           <a:p>
             <a:pPr lvl="1"/>
@@ -4096,6 +4161,7 @@
               <a:rPr lang="zh-CN" altLang="en-US" dirty="0"/>
               <a:t>第二级</a:t>
             </a:r>
+            <a:endParaRPr lang="zh-CN" altLang="en-US" dirty="0"/>
           </a:p>
           <a:p>
             <a:pPr lvl="2"/>
@@ -4103,6 +4169,7 @@
               <a:rPr lang="zh-CN" altLang="en-US" dirty="0"/>
               <a:t>第三级</a:t>
             </a:r>
+            <a:endParaRPr lang="zh-CN" altLang="en-US" dirty="0"/>
           </a:p>
           <a:p>
             <a:pPr lvl="3"/>
@@ -4110,6 +4177,7 @@
               <a:rPr lang="zh-CN" altLang="en-US" dirty="0"/>
               <a:t>第四级</a:t>
             </a:r>
+            <a:endParaRPr lang="zh-CN" altLang="en-US" dirty="0"/>
           </a:p>
           <a:p>
             <a:pPr lvl="4"/>
@@ -4117,6 +4185,7 @@
               <a:rPr lang="zh-CN" altLang="en-US" dirty="0"/>
               <a:t>第五级</a:t>
             </a:r>
+            <a:endParaRPr lang="zh-CN" altLang="en-US" dirty="0"/>
           </a:p>
         </p:txBody>
       </p:sp>
@@ -4184,6 +4253,7 @@
               <a:rPr lang="zh-CN" altLang="en-US" dirty="0"/>
               <a:t>单击此处编辑母版文本样式</a:t>
             </a:r>
+            <a:endParaRPr lang="zh-CN" altLang="en-US" dirty="0"/>
           </a:p>
         </p:txBody>
       </p:sp>
@@ -4214,6 +4284,7 @@
               <a:rPr lang="zh-CN" altLang="en-US" dirty="0"/>
               <a:t>单击此处编辑母版文本样式</a:t>
             </a:r>
+            <a:endParaRPr lang="zh-CN" altLang="en-US" dirty="0"/>
           </a:p>
           <a:p>
             <a:pPr lvl="1"/>
@@ -4221,6 +4292,7 @@
               <a:rPr lang="zh-CN" altLang="en-US" dirty="0"/>
               <a:t>第二级</a:t>
             </a:r>
+            <a:endParaRPr lang="zh-CN" altLang="en-US" dirty="0"/>
           </a:p>
           <a:p>
             <a:pPr lvl="2"/>
@@ -4228,6 +4300,7 @@
               <a:rPr lang="zh-CN" altLang="en-US" dirty="0"/>
               <a:t>第三级</a:t>
             </a:r>
+            <a:endParaRPr lang="zh-CN" altLang="en-US" dirty="0"/>
           </a:p>
           <a:p>
             <a:pPr lvl="3"/>
@@ -4235,6 +4308,7 @@
               <a:rPr lang="zh-CN" altLang="en-US" dirty="0"/>
               <a:t>第四级</a:t>
             </a:r>
+            <a:endParaRPr lang="zh-CN" altLang="en-US" dirty="0"/>
           </a:p>
           <a:p>
             <a:pPr lvl="4"/>
@@ -4242,6 +4316,7 @@
               <a:rPr lang="zh-CN" altLang="en-US" dirty="0"/>
               <a:t>第五级</a:t>
             </a:r>
+            <a:endParaRPr lang="zh-CN" altLang="en-US" dirty="0"/>
           </a:p>
         </p:txBody>
       </p:sp>
@@ -4268,7 +4343,6 @@
           <a:p>
             <a:fld id="{760FBDFE-C587-4B4C-A407-44438C67B59E}" type="datetimeFigureOut">
               <a:rPr lang="zh-CN" altLang="en-US" smtClean="0"/>
-              <a:t>2018/8/3</a:t>
             </a:fld>
             <a:endParaRPr lang="zh-CN" altLang="en-US"/>
           </a:p>
@@ -4322,7 +4396,6 @@
           <a:p>
             <a:fld id="{49AE70B2-8BF9-45C0-BB95-33D1B9D3A854}" type="slidenum">
               <a:rPr lang="zh-CN" altLang="en-US" smtClean="0"/>
-              <a:t>‹#›</a:t>
             </a:fld>
             <a:endParaRPr lang="zh-CN" altLang="en-US"/>
           </a:p>
@@ -4359,7 +4432,7 @@
           <p:cNvCxnSpPr/>
           <p:nvPr>
             <p:custDataLst>
-              <p:tags r:id="rId1"/>
+              <p:tags r:id="rId2"/>
             </p:custDataLst>
           </p:nvPr>
         </p:nvCxnSpPr>
@@ -4393,7 +4466,7 @@
           <p:cNvCxnSpPr/>
           <p:nvPr>
             <p:custDataLst>
-              <p:tags r:id="rId2"/>
+              <p:tags r:id="rId3"/>
             </p:custDataLst>
           </p:nvPr>
         </p:nvCxnSpPr>
@@ -4427,7 +4500,7 @@
           <p:cNvCxnSpPr/>
           <p:nvPr>
             <p:custDataLst>
-              <p:tags r:id="rId3"/>
+              <p:tags r:id="rId4"/>
             </p:custDataLst>
           </p:nvPr>
         </p:nvCxnSpPr>
@@ -4461,7 +4534,7 @@
           <p:cNvCxnSpPr/>
           <p:nvPr>
             <p:custDataLst>
-              <p:tags r:id="rId4"/>
+              <p:tags r:id="rId5"/>
             </p:custDataLst>
           </p:nvPr>
         </p:nvCxnSpPr>
@@ -4495,7 +4568,7 @@
           <p:cNvCxnSpPr/>
           <p:nvPr>
             <p:custDataLst>
-              <p:tags r:id="rId5"/>
+              <p:tags r:id="rId6"/>
             </p:custDataLst>
           </p:nvPr>
         </p:nvCxnSpPr>
@@ -4553,6 +4626,7 @@
               <a:rPr lang="zh-CN" altLang="en-US" dirty="0"/>
               <a:t>编辑标题</a:t>
             </a:r>
+            <a:endParaRPr lang="zh-CN" altLang="en-US" dirty="0"/>
           </a:p>
         </p:txBody>
       </p:sp>
@@ -4579,7 +4653,6 @@
           <a:p>
             <a:fld id="{760FBDFE-C587-4B4C-A407-44438C67B59E}" type="datetimeFigureOut">
               <a:rPr lang="zh-CN" altLang="en-US" smtClean="0"/>
-              <a:t>2018/8/3</a:t>
             </a:fld>
             <a:endParaRPr lang="zh-CN" altLang="en-US"/>
           </a:p>
@@ -4633,7 +4706,6 @@
           <a:p>
             <a:fld id="{49AE70B2-8BF9-45C0-BB95-33D1B9D3A854}" type="slidenum">
               <a:rPr lang="zh-CN" altLang="en-US" smtClean="0"/>
-              <a:t>‹#›</a:t>
             </a:fld>
             <a:endParaRPr lang="zh-CN" altLang="en-US"/>
           </a:p>
@@ -4671,6 +4743,7 @@
               <a:rPr lang="zh-CN" altLang="en-US" dirty="0"/>
               <a:t>单击此处编辑文本</a:t>
             </a:r>
+            <a:endParaRPr lang="zh-CN" altLang="en-US" dirty="0"/>
           </a:p>
         </p:txBody>
       </p:sp>
@@ -4722,7 +4795,6 @@
           <a:p>
             <a:fld id="{760FBDFE-C587-4B4C-A407-44438C67B59E}" type="datetimeFigureOut">
               <a:rPr lang="zh-CN" altLang="en-US" smtClean="0"/>
-              <a:t>2018/8/3</a:t>
             </a:fld>
             <a:endParaRPr lang="zh-CN" altLang="en-US"/>
           </a:p>
@@ -4776,7 +4848,6 @@
           <a:p>
             <a:fld id="{49AE70B2-8BF9-45C0-BB95-33D1B9D3A854}" type="slidenum">
               <a:rPr lang="zh-CN" altLang="en-US" smtClean="0"/>
-              <a:t>‹#›</a:t>
             </a:fld>
             <a:endParaRPr lang="zh-CN" altLang="en-US"/>
           </a:p>
@@ -4970,6 +5041,7 @@
               <a:rPr lang="zh-CN" altLang="en-US" dirty="0"/>
               <a:t>单击此处编辑母版文本样式</a:t>
             </a:r>
+            <a:endParaRPr lang="zh-CN" altLang="en-US" dirty="0"/>
           </a:p>
         </p:txBody>
       </p:sp>
@@ -4996,7 +5068,6 @@
           <a:p>
             <a:fld id="{9EFD9D74-47D9-4702-A33C-335B63B48DBF}" type="datetimeFigureOut">
               <a:rPr lang="zh-CN" altLang="en-US" smtClean="0"/>
-              <a:t>2018/8/3</a:t>
             </a:fld>
             <a:endParaRPr lang="zh-CN" altLang="en-US" dirty="0"/>
           </a:p>
@@ -5050,7 +5121,6 @@
           <a:p>
             <a:fld id="{FABC47A4-756D-490B-A52F-7D9E2C9FC05F}" type="slidenum">
               <a:rPr lang="zh-CN" altLang="en-US" smtClean="0"/>
-              <a:t>‹#›</a:t>
             </a:fld>
             <a:endParaRPr lang="zh-CN" altLang="en-US"/>
           </a:p>
@@ -5102,6 +5172,7 @@
               <a:rPr lang="zh-CN" altLang="en-US" noProof="1"/>
               <a:t>单击此处编辑母版标题样式</a:t>
             </a:r>
+            <a:endParaRPr lang="zh-CN" altLang="en-US" noProof="1"/>
           </a:p>
         </p:txBody>
       </p:sp>
@@ -5143,6 +5214,7 @@
               <a:rPr lang="zh-CN" altLang="en-US" noProof="1"/>
               <a:t>单击此处编辑母版文本样式</a:t>
             </a:r>
+            <a:endParaRPr lang="zh-CN" altLang="en-US" noProof="1"/>
           </a:p>
           <a:p>
             <a:pPr lvl="1"/>
@@ -5150,6 +5222,7 @@
               <a:rPr lang="zh-CN" altLang="en-US" noProof="1"/>
               <a:t>第二级</a:t>
             </a:r>
+            <a:endParaRPr lang="zh-CN" altLang="en-US" noProof="1"/>
           </a:p>
           <a:p>
             <a:pPr lvl="2"/>
@@ -5157,6 +5230,7 @@
               <a:rPr lang="zh-CN" altLang="en-US" noProof="1"/>
               <a:t>第三级</a:t>
             </a:r>
+            <a:endParaRPr lang="zh-CN" altLang="en-US" noProof="1"/>
           </a:p>
           <a:p>
             <a:pPr lvl="3"/>
@@ -5164,6 +5238,7 @@
               <a:rPr lang="zh-CN" altLang="en-US" noProof="1"/>
               <a:t>第四级</a:t>
             </a:r>
+            <a:endParaRPr lang="zh-CN" altLang="en-US" noProof="1"/>
           </a:p>
           <a:p>
             <a:pPr lvl="4"/>
@@ -5171,6 +5246,7 @@
               <a:rPr lang="zh-CN" altLang="en-US" noProof="1"/>
               <a:t>第五级</a:t>
             </a:r>
+            <a:endParaRPr lang="zh-CN" altLang="en-US" noProof="1"/>
           </a:p>
         </p:txBody>
       </p:sp>
@@ -5195,7 +5271,6 @@
           <a:p>
             <a:fld id="{760FBDFE-C587-4B4C-A407-44438C67B59E}" type="datetimeFigureOut">
               <a:rPr lang="zh-CN" altLang="en-US"/>
-              <a:t>2018/8/3</a:t>
             </a:fld>
             <a:endParaRPr lang="zh-CN" altLang="en-US"/>
           </a:p>
@@ -5245,7 +5320,6 @@
           <a:p>
             <a:fld id="{EF3E80A9-C089-480E-9D1E-3B913964BA25}" type="slidenum">
               <a:rPr lang="zh-CN" altLang="en-US"/>
-              <a:t>‹#›</a:t>
             </a:fld>
             <a:endParaRPr lang="zh-CN" altLang="en-US"/>
           </a:p>
@@ -5306,6 +5380,7 @@
               <a:rPr lang="zh-CN" altLang="en-US"/>
               <a:t>单击此处编辑母版标题样式</a:t>
             </a:r>
+            <a:endParaRPr lang="zh-CN" altLang="en-US"/>
           </a:p>
         </p:txBody>
       </p:sp>
@@ -5352,6 +5427,7 @@
               <a:rPr lang="zh-CN" altLang="en-US" dirty="0"/>
               <a:t>单击此处编辑母版文本样式</a:t>
             </a:r>
+            <a:endParaRPr lang="zh-CN" altLang="en-US" dirty="0"/>
           </a:p>
           <a:p>
             <a:pPr lvl="1"/>
@@ -5359,6 +5435,7 @@
               <a:rPr lang="zh-CN" altLang="en-US" dirty="0"/>
               <a:t>第二级</a:t>
             </a:r>
+            <a:endParaRPr lang="zh-CN" altLang="en-US" dirty="0"/>
           </a:p>
           <a:p>
             <a:pPr lvl="2"/>
@@ -5366,6 +5443,7 @@
               <a:rPr lang="zh-CN" altLang="en-US" dirty="0"/>
               <a:t>第三级</a:t>
             </a:r>
+            <a:endParaRPr lang="zh-CN" altLang="en-US" dirty="0"/>
           </a:p>
           <a:p>
             <a:pPr lvl="3"/>
@@ -5373,6 +5451,7 @@
               <a:rPr lang="zh-CN" altLang="en-US" dirty="0"/>
               <a:t>第四级</a:t>
             </a:r>
+            <a:endParaRPr lang="zh-CN" altLang="en-US" dirty="0"/>
           </a:p>
           <a:p>
             <a:pPr lvl="4"/>
@@ -5380,6 +5459,7 @@
               <a:rPr lang="zh-CN" altLang="en-US" dirty="0"/>
               <a:t>第五级</a:t>
             </a:r>
+            <a:endParaRPr lang="zh-CN" altLang="en-US" dirty="0"/>
           </a:p>
         </p:txBody>
       </p:sp>
@@ -5406,7 +5486,6 @@
           <a:p>
             <a:fld id="{760FBDFE-C587-4B4C-A407-44438C67B59E}" type="datetimeFigureOut">
               <a:rPr lang="zh-CN" altLang="en-US" smtClean="0"/>
-              <a:t>2018/8/3</a:t>
             </a:fld>
             <a:endParaRPr lang="zh-CN" altLang="en-US"/>
           </a:p>
@@ -5460,7 +5539,6 @@
           <a:p>
             <a:fld id="{49AE70B2-8BF9-45C0-BB95-33D1B9D3A854}" type="slidenum">
               <a:rPr lang="zh-CN" altLang="en-US" smtClean="0"/>
-              <a:t>‹#›</a:t>
             </a:fld>
             <a:endParaRPr lang="zh-CN" altLang="en-US"/>
           </a:p>
@@ -5514,7 +5592,6 @@
           <a:p>
             <a:fld id="{760FBDFE-C587-4B4C-A407-44438C67B59E}" type="datetimeFigureOut">
               <a:rPr lang="zh-CN" altLang="en-US" smtClean="0"/>
-              <a:t>2018/8/3</a:t>
             </a:fld>
             <a:endParaRPr lang="zh-CN" altLang="en-US"/>
           </a:p>
@@ -5568,7 +5645,6 @@
           <a:p>
             <a:fld id="{49AE70B2-8BF9-45C0-BB95-33D1B9D3A854}" type="slidenum">
               <a:rPr lang="zh-CN" altLang="en-US" smtClean="0"/>
-              <a:t>‹#›</a:t>
             </a:fld>
             <a:endParaRPr lang="zh-CN" altLang="en-US"/>
           </a:p>
@@ -5617,6 +5693,7 @@
               <a:rPr lang="zh-CN" altLang="en-US" dirty="0"/>
               <a:t>单击此处编辑母版文本样式</a:t>
             </a:r>
+            <a:endParaRPr lang="zh-CN" altLang="en-US" dirty="0"/>
           </a:p>
           <a:p>
             <a:pPr lvl="1"/>
@@ -5624,6 +5701,7 @@
               <a:rPr lang="zh-CN" altLang="en-US" dirty="0"/>
               <a:t>第二级</a:t>
             </a:r>
+            <a:endParaRPr lang="zh-CN" altLang="en-US" dirty="0"/>
           </a:p>
           <a:p>
             <a:pPr lvl="2"/>
@@ -5631,6 +5709,7 @@
               <a:rPr lang="zh-CN" altLang="en-US" dirty="0"/>
               <a:t>第三级</a:t>
             </a:r>
+            <a:endParaRPr lang="zh-CN" altLang="en-US" dirty="0"/>
           </a:p>
           <a:p>
             <a:pPr lvl="3"/>
@@ -5638,6 +5717,7 @@
               <a:rPr lang="zh-CN" altLang="en-US" dirty="0"/>
               <a:t>第四级</a:t>
             </a:r>
+            <a:endParaRPr lang="zh-CN" altLang="en-US" dirty="0"/>
           </a:p>
           <a:p>
             <a:pPr lvl="4"/>
@@ -5645,6 +5725,7 @@
               <a:rPr lang="zh-CN" altLang="en-US" dirty="0"/>
               <a:t>第五级</a:t>
             </a:r>
+            <a:endParaRPr lang="zh-CN" altLang="en-US" dirty="0"/>
           </a:p>
         </p:txBody>
       </p:sp>
@@ -5703,6 +5784,7 @@
               <a:rPr lang="zh-CN" altLang="en-US" noProof="1"/>
               <a:t>单击此处编辑标题</a:t>
             </a:r>
+            <a:endParaRPr lang="zh-CN" altLang="en-US" noProof="1"/>
           </a:p>
         </p:txBody>
       </p:sp>
@@ -5738,6 +5820,7 @@
               <a:rPr lang="zh-CN" altLang="en-US" noProof="1"/>
               <a:t>单击此处编辑文本</a:t>
             </a:r>
+            <a:endParaRPr lang="zh-CN" altLang="en-US" noProof="1"/>
           </a:p>
         </p:txBody>
       </p:sp>
@@ -5762,7 +5845,6 @@
           <a:p>
             <a:fld id="{760FBDFE-C587-4B4C-A407-44438C67B59E}" type="datetimeFigureOut">
               <a:rPr lang="zh-CN" altLang="en-US"/>
-              <a:t>2018/8/3</a:t>
             </a:fld>
             <a:endParaRPr lang="zh-CN" altLang="en-US"/>
           </a:p>
@@ -5812,7 +5894,6 @@
           <a:p>
             <a:fld id="{DCC8595C-B6D7-43EC-9577-AA0422BFAAE2}" type="slidenum">
               <a:rPr lang="zh-CN" altLang="en-US"/>
-              <a:t>‹#›</a:t>
             </a:fld>
             <a:endParaRPr lang="zh-CN" altLang="en-US"/>
           </a:p>
@@ -5864,6 +5945,7 @@
               <a:rPr lang="zh-CN" altLang="en-US" noProof="1"/>
               <a:t>单击此处编辑母版标题样式</a:t>
             </a:r>
+            <a:endParaRPr lang="zh-CN" altLang="en-US" noProof="1"/>
           </a:p>
         </p:txBody>
       </p:sp>
@@ -5894,6 +5976,7 @@
               <a:rPr lang="zh-CN" altLang="en-US" noProof="1"/>
               <a:t>单击此处编辑母版文本样式</a:t>
             </a:r>
+            <a:endParaRPr lang="zh-CN" altLang="en-US" noProof="1"/>
           </a:p>
           <a:p>
             <a:pPr lvl="1"/>
@@ -5901,6 +5984,7 @@
               <a:rPr lang="zh-CN" altLang="en-US" noProof="1"/>
               <a:t>第二级</a:t>
             </a:r>
+            <a:endParaRPr lang="zh-CN" altLang="en-US" noProof="1"/>
           </a:p>
           <a:p>
             <a:pPr lvl="2"/>
@@ -5908,6 +5992,7 @@
               <a:rPr lang="zh-CN" altLang="en-US" noProof="1"/>
               <a:t>第三级</a:t>
             </a:r>
+            <a:endParaRPr lang="zh-CN" altLang="en-US" noProof="1"/>
           </a:p>
           <a:p>
             <a:pPr lvl="3"/>
@@ -5915,6 +6000,7 @@
               <a:rPr lang="zh-CN" altLang="en-US" noProof="1"/>
               <a:t>第四级</a:t>
             </a:r>
+            <a:endParaRPr lang="zh-CN" altLang="en-US" noProof="1"/>
           </a:p>
           <a:p>
             <a:pPr lvl="4"/>
@@ -5922,6 +6008,7 @@
               <a:rPr lang="zh-CN" altLang="en-US" noProof="1"/>
               <a:t>第五级</a:t>
             </a:r>
+            <a:endParaRPr lang="zh-CN" altLang="en-US" noProof="1"/>
           </a:p>
         </p:txBody>
       </p:sp>
@@ -5952,6 +6039,7 @@
               <a:rPr lang="zh-CN" altLang="en-US" noProof="1"/>
               <a:t>单击此处编辑母版文本样式</a:t>
             </a:r>
+            <a:endParaRPr lang="zh-CN" altLang="en-US" noProof="1"/>
           </a:p>
           <a:p>
             <a:pPr lvl="1"/>
@@ -5959,6 +6047,7 @@
               <a:rPr lang="zh-CN" altLang="en-US" noProof="1"/>
               <a:t>第二级</a:t>
             </a:r>
+            <a:endParaRPr lang="zh-CN" altLang="en-US" noProof="1"/>
           </a:p>
           <a:p>
             <a:pPr lvl="2"/>
@@ -5966,6 +6055,7 @@
               <a:rPr lang="zh-CN" altLang="en-US" noProof="1"/>
               <a:t>第三级</a:t>
             </a:r>
+            <a:endParaRPr lang="zh-CN" altLang="en-US" noProof="1"/>
           </a:p>
           <a:p>
             <a:pPr lvl="3"/>
@@ -5973,6 +6063,7 @@
               <a:rPr lang="zh-CN" altLang="en-US" noProof="1"/>
               <a:t>第四级</a:t>
             </a:r>
+            <a:endParaRPr lang="zh-CN" altLang="en-US" noProof="1"/>
           </a:p>
           <a:p>
             <a:pPr lvl="4"/>
@@ -5980,6 +6071,7 @@
               <a:rPr lang="zh-CN" altLang="en-US" noProof="1"/>
               <a:t>第五级</a:t>
             </a:r>
+            <a:endParaRPr lang="zh-CN" altLang="en-US" noProof="1"/>
           </a:p>
         </p:txBody>
       </p:sp>
@@ -6004,7 +6096,6 @@
           <a:p>
             <a:fld id="{760FBDFE-C587-4B4C-A407-44438C67B59E}" type="datetimeFigureOut">
               <a:rPr lang="zh-CN" altLang="en-US"/>
-              <a:t>2018/8/3</a:t>
             </a:fld>
             <a:endParaRPr lang="zh-CN" altLang="en-US"/>
           </a:p>
@@ -6054,7 +6145,6 @@
           <a:p>
             <a:fld id="{A09486A2-9B4A-4F08-B491-129DAF4DDFA5}" type="slidenum">
               <a:rPr lang="zh-CN" altLang="en-US"/>
-              <a:t>‹#›</a:t>
             </a:fld>
             <a:endParaRPr lang="zh-CN" altLang="en-US"/>
           </a:p>
@@ -6111,6 +6201,7 @@
               <a:rPr lang="zh-CN" altLang="en-US" noProof="1"/>
               <a:t>单击此处编辑母版标题样式</a:t>
             </a:r>
+            <a:endParaRPr lang="zh-CN" altLang="en-US" noProof="1"/>
           </a:p>
         </p:txBody>
       </p:sp>
@@ -6178,6 +6269,7 @@
               <a:rPr lang="zh-CN" altLang="en-US" noProof="1"/>
               <a:t>单击此处编辑母版文本样式</a:t>
             </a:r>
+            <a:endParaRPr lang="zh-CN" altLang="en-US" noProof="1"/>
           </a:p>
         </p:txBody>
       </p:sp>
@@ -6208,6 +6300,7 @@
               <a:rPr lang="zh-CN" altLang="en-US" noProof="1"/>
               <a:t>单击此处编辑母版文本样式</a:t>
             </a:r>
+            <a:endParaRPr lang="zh-CN" altLang="en-US" noProof="1"/>
           </a:p>
           <a:p>
             <a:pPr lvl="1"/>
@@ -6215,6 +6308,7 @@
               <a:rPr lang="zh-CN" altLang="en-US" noProof="1"/>
               <a:t>第二级</a:t>
             </a:r>
+            <a:endParaRPr lang="zh-CN" altLang="en-US" noProof="1"/>
           </a:p>
           <a:p>
             <a:pPr lvl="2"/>
@@ -6222,6 +6316,7 @@
               <a:rPr lang="zh-CN" altLang="en-US" noProof="1"/>
               <a:t>第三级</a:t>
             </a:r>
+            <a:endParaRPr lang="zh-CN" altLang="en-US" noProof="1"/>
           </a:p>
           <a:p>
             <a:pPr lvl="3"/>
@@ -6229,6 +6324,7 @@
               <a:rPr lang="zh-CN" altLang="en-US" noProof="1"/>
               <a:t>第四级</a:t>
             </a:r>
+            <a:endParaRPr lang="zh-CN" altLang="en-US" noProof="1"/>
           </a:p>
           <a:p>
             <a:pPr lvl="4"/>
@@ -6236,6 +6332,7 @@
               <a:rPr lang="zh-CN" altLang="en-US" noProof="1"/>
               <a:t>第五级</a:t>
             </a:r>
+            <a:endParaRPr lang="zh-CN" altLang="en-US" noProof="1"/>
           </a:p>
         </p:txBody>
       </p:sp>
@@ -6303,6 +6400,7 @@
               <a:rPr lang="zh-CN" altLang="en-US" noProof="1"/>
               <a:t>单击此处编辑母版文本样式</a:t>
             </a:r>
+            <a:endParaRPr lang="zh-CN" altLang="en-US" noProof="1"/>
           </a:p>
         </p:txBody>
       </p:sp>
@@ -6333,6 +6431,7 @@
               <a:rPr lang="zh-CN" altLang="en-US" noProof="1"/>
               <a:t>单击此处编辑母版文本样式</a:t>
             </a:r>
+            <a:endParaRPr lang="zh-CN" altLang="en-US" noProof="1"/>
           </a:p>
           <a:p>
             <a:pPr lvl="1"/>
@@ -6340,6 +6439,7 @@
               <a:rPr lang="zh-CN" altLang="en-US" noProof="1"/>
               <a:t>第二级</a:t>
             </a:r>
+            <a:endParaRPr lang="zh-CN" altLang="en-US" noProof="1"/>
           </a:p>
           <a:p>
             <a:pPr lvl="2"/>
@@ -6347,6 +6447,7 @@
               <a:rPr lang="zh-CN" altLang="en-US" noProof="1"/>
               <a:t>第三级</a:t>
             </a:r>
+            <a:endParaRPr lang="zh-CN" altLang="en-US" noProof="1"/>
           </a:p>
           <a:p>
             <a:pPr lvl="3"/>
@@ -6354,6 +6455,7 @@
               <a:rPr lang="zh-CN" altLang="en-US" noProof="1"/>
               <a:t>第四级</a:t>
             </a:r>
+            <a:endParaRPr lang="zh-CN" altLang="en-US" noProof="1"/>
           </a:p>
           <a:p>
             <a:pPr lvl="4"/>
@@ -6361,6 +6463,7 @@
               <a:rPr lang="zh-CN" altLang="en-US" noProof="1"/>
               <a:t>第五级</a:t>
             </a:r>
+            <a:endParaRPr lang="zh-CN" altLang="en-US" noProof="1"/>
           </a:p>
         </p:txBody>
       </p:sp>
@@ -6385,7 +6488,6 @@
           <a:p>
             <a:fld id="{760FBDFE-C587-4B4C-A407-44438C67B59E}" type="datetimeFigureOut">
               <a:rPr lang="zh-CN" altLang="en-US"/>
-              <a:t>2018/8/3</a:t>
             </a:fld>
             <a:endParaRPr lang="zh-CN" altLang="en-US"/>
           </a:p>
@@ -6435,7 +6537,6 @@
           <a:p>
             <a:fld id="{C61880FD-51CA-4182-8801-831F4C9C2CEC}" type="slidenum">
               <a:rPr lang="zh-CN" altLang="en-US"/>
-              <a:t>‹#›</a:t>
             </a:fld>
             <a:endParaRPr lang="zh-CN" altLang="en-US"/>
           </a:p>
@@ -6472,7 +6573,7 @@
           <p:cNvCxnSpPr/>
           <p:nvPr>
             <p:custDataLst>
-              <p:tags r:id="rId1"/>
+              <p:tags r:id="rId2"/>
             </p:custDataLst>
           </p:nvPr>
         </p:nvCxnSpPr>
@@ -6506,7 +6607,7 @@
           <p:cNvCxnSpPr/>
           <p:nvPr>
             <p:custDataLst>
-              <p:tags r:id="rId2"/>
+              <p:tags r:id="rId3"/>
             </p:custDataLst>
           </p:nvPr>
         </p:nvCxnSpPr>
@@ -6540,7 +6641,7 @@
           <p:cNvCxnSpPr/>
           <p:nvPr>
             <p:custDataLst>
-              <p:tags r:id="rId3"/>
+              <p:tags r:id="rId4"/>
             </p:custDataLst>
           </p:nvPr>
         </p:nvCxnSpPr>
@@ -6574,7 +6675,7 @@
           <p:cNvCxnSpPr/>
           <p:nvPr>
             <p:custDataLst>
-              <p:tags r:id="rId4"/>
+              <p:tags r:id="rId5"/>
             </p:custDataLst>
           </p:nvPr>
         </p:nvCxnSpPr>
@@ -6608,7 +6709,7 @@
           <p:cNvCxnSpPr/>
           <p:nvPr>
             <p:custDataLst>
-              <p:tags r:id="rId5"/>
+              <p:tags r:id="rId6"/>
             </p:custDataLst>
           </p:nvPr>
         </p:nvCxnSpPr>
@@ -6666,6 +6767,7 @@
               <a:rPr lang="zh-CN" altLang="en-US" noProof="1"/>
               <a:t>编辑标题</a:t>
             </a:r>
+            <a:endParaRPr lang="zh-CN" altLang="en-US" noProof="1"/>
           </a:p>
         </p:txBody>
       </p:sp>
@@ -6701,6 +6803,7 @@
               <a:rPr lang="zh-CN" altLang="en-US" noProof="1"/>
               <a:t>单击此处编辑文本</a:t>
             </a:r>
+            <a:endParaRPr lang="zh-CN" altLang="en-US" noProof="1"/>
           </a:p>
         </p:txBody>
       </p:sp>
@@ -6725,7 +6828,6 @@
           <a:p>
             <a:fld id="{760FBDFE-C587-4B4C-A407-44438C67B59E}" type="datetimeFigureOut">
               <a:rPr lang="zh-CN" altLang="en-US"/>
-              <a:t>2018/8/3</a:t>
             </a:fld>
             <a:endParaRPr lang="zh-CN" altLang="en-US"/>
           </a:p>
@@ -6775,7 +6877,6 @@
           <a:p>
             <a:fld id="{6B29CE7E-9584-4E3D-A184-0EB8A5FF10A8}" type="slidenum">
               <a:rPr lang="zh-CN" altLang="en-US"/>
-              <a:t>‹#›</a:t>
             </a:fld>
             <a:endParaRPr lang="zh-CN" altLang="en-US"/>
           </a:p>
@@ -6827,7 +6928,6 @@
           <a:p>
             <a:fld id="{760FBDFE-C587-4B4C-A407-44438C67B59E}" type="datetimeFigureOut">
               <a:rPr lang="zh-CN" altLang="en-US"/>
-              <a:t>2018/8/3</a:t>
             </a:fld>
             <a:endParaRPr lang="zh-CN" altLang="en-US"/>
           </a:p>
@@ -6877,7 +6977,6 @@
           <a:p>
             <a:fld id="{61FD7337-7689-40E9-995D-FF92F58B836E}" type="slidenum">
               <a:rPr lang="zh-CN" altLang="en-US"/>
-              <a:t>‹#›</a:t>
             </a:fld>
             <a:endParaRPr lang="zh-CN" altLang="en-US"/>
           </a:p>
@@ -6938,6 +7037,7 @@
               <a:rPr lang="zh-CN" altLang="en-US" noProof="1"/>
               <a:t>单击此处编辑标题</a:t>
             </a:r>
+            <a:endParaRPr lang="zh-CN" altLang="en-US" noProof="1"/>
           </a:p>
         </p:txBody>
       </p:sp>
@@ -7002,6 +7102,7 @@
               <a:rPr lang="zh-CN" altLang="en-US" noProof="1"/>
               <a:t>图片</a:t>
             </a:r>
+            <a:endParaRPr lang="zh-CN" altLang="en-US" noProof="1"/>
           </a:p>
         </p:txBody>
       </p:sp>
@@ -7069,6 +7170,7 @@
               <a:rPr lang="zh-CN" altLang="en-US" noProof="1"/>
               <a:t>单击此处编辑母版文本样式</a:t>
             </a:r>
+            <a:endParaRPr lang="zh-CN" altLang="en-US" noProof="1"/>
           </a:p>
         </p:txBody>
       </p:sp>
@@ -7093,7 +7195,6 @@
           <a:p>
             <a:fld id="{9EFD9D74-47D9-4702-A33C-335B63B48DBF}" type="datetimeFigureOut">
               <a:rPr lang="zh-CN" altLang="en-US"/>
-              <a:t>2018/8/3</a:t>
             </a:fld>
             <a:endParaRPr lang="zh-CN" altLang="en-US" dirty="0"/>
           </a:p>
@@ -7143,7 +7244,6 @@
           <a:p>
             <a:fld id="{B2E1C370-EC47-44E1-BBFE-64D6DC550E06}" type="slidenum">
               <a:rPr lang="zh-CN" altLang="en-US"/>
-              <a:t>‹#›</a:t>
             </a:fld>
             <a:endParaRPr lang="zh-CN" altLang="en-US"/>
           </a:p>
@@ -7204,6 +7304,7 @@
               <a:rPr lang="zh-CN" altLang="en-US" noProof="1"/>
               <a:t>单击此处编辑母版标题样式</a:t>
             </a:r>
+            <a:endParaRPr lang="zh-CN" altLang="en-US" noProof="1"/>
           </a:p>
         </p:txBody>
       </p:sp>
@@ -7250,6 +7351,7 @@
               <a:rPr lang="zh-CN" altLang="en-US" noProof="1"/>
               <a:t>单击此处编辑母版文本样式</a:t>
             </a:r>
+            <a:endParaRPr lang="zh-CN" altLang="en-US" noProof="1"/>
           </a:p>
           <a:p>
             <a:pPr lvl="1"/>
@@ -7257,6 +7359,7 @@
               <a:rPr lang="zh-CN" altLang="en-US" noProof="1"/>
               <a:t>第二级</a:t>
             </a:r>
+            <a:endParaRPr lang="zh-CN" altLang="en-US" noProof="1"/>
           </a:p>
           <a:p>
             <a:pPr lvl="2"/>
@@ -7264,6 +7367,7 @@
               <a:rPr lang="zh-CN" altLang="en-US" noProof="1"/>
               <a:t>第三级</a:t>
             </a:r>
+            <a:endParaRPr lang="zh-CN" altLang="en-US" noProof="1"/>
           </a:p>
           <a:p>
             <a:pPr lvl="3"/>
@@ -7271,6 +7375,7 @@
               <a:rPr lang="zh-CN" altLang="en-US" noProof="1"/>
               <a:t>第四级</a:t>
             </a:r>
+            <a:endParaRPr lang="zh-CN" altLang="en-US" noProof="1"/>
           </a:p>
           <a:p>
             <a:pPr lvl="4"/>
@@ -7278,6 +7383,7 @@
               <a:rPr lang="zh-CN" altLang="en-US" noProof="1"/>
               <a:t>第五级</a:t>
             </a:r>
+            <a:endParaRPr lang="zh-CN" altLang="en-US" noProof="1"/>
           </a:p>
         </p:txBody>
       </p:sp>
@@ -7302,7 +7408,6 @@
           <a:p>
             <a:fld id="{760FBDFE-C587-4B4C-A407-44438C67B59E}" type="datetimeFigureOut">
               <a:rPr lang="zh-CN" altLang="en-US"/>
-              <a:t>2018/8/3</a:t>
             </a:fld>
             <a:endParaRPr lang="zh-CN" altLang="en-US"/>
           </a:p>
@@ -7352,7 +7457,6 @@
           <a:p>
             <a:fld id="{986C7E2C-DF09-4D8D-A4F6-C3EF5949F498}" type="slidenum">
               <a:rPr lang="zh-CN" altLang="en-US"/>
-              <a:t>‹#›</a:t>
             </a:fld>
             <a:endParaRPr lang="zh-CN" altLang="en-US"/>
           </a:p>
@@ -7400,7 +7504,7 @@
           <p:nvPr>
             <p:ph type="title" idx="4294967295"/>
             <p:custDataLst>
-              <p:tags r:id="rId13"/>
+              <p:tags r:id="rId12"/>
             </p:custDataLst>
           </p:nvPr>
         </p:nvSpPr>
@@ -7445,6 +7549,7 @@
               <a:rPr lang="zh-CN" altLang="en-US"/>
               <a:t>单击此处编辑母版标题样式</a:t>
             </a:r>
+            <a:endParaRPr lang="zh-CN" altLang="en-US"/>
           </a:p>
         </p:txBody>
       </p:sp>
@@ -7457,7 +7562,7 @@
           <p:nvPr>
             <p:ph type="body" idx="9"/>
             <p:custDataLst>
-              <p:tags r:id="rId14"/>
+              <p:tags r:id="rId13"/>
             </p:custDataLst>
           </p:nvPr>
         </p:nvSpPr>
@@ -7502,6 +7607,7 @@
               <a:rPr lang="zh-CN" altLang="en-US"/>
               <a:t>单击此处编辑母版文本样式</a:t>
             </a:r>
+            <a:endParaRPr lang="zh-CN" altLang="en-US"/>
           </a:p>
           <a:p>
             <a:pPr lvl="1"/>
@@ -7509,6 +7615,7 @@
               <a:rPr lang="zh-CN" altLang="en-US"/>
               <a:t>第二级</a:t>
             </a:r>
+            <a:endParaRPr lang="zh-CN" altLang="en-US"/>
           </a:p>
           <a:p>
             <a:pPr lvl="2"/>
@@ -7516,6 +7623,7 @@
               <a:rPr lang="zh-CN" altLang="en-US"/>
               <a:t>第三级</a:t>
             </a:r>
+            <a:endParaRPr lang="zh-CN" altLang="en-US"/>
           </a:p>
           <a:p>
             <a:pPr lvl="3"/>
@@ -7523,6 +7631,7 @@
               <a:rPr lang="zh-CN" altLang="en-US"/>
               <a:t>第四级</a:t>
             </a:r>
+            <a:endParaRPr lang="zh-CN" altLang="en-US"/>
           </a:p>
           <a:p>
             <a:pPr lvl="4"/>
@@ -7530,6 +7639,7 @@
               <a:rPr lang="zh-CN" altLang="en-US"/>
               <a:t>第五级</a:t>
             </a:r>
+            <a:endParaRPr lang="zh-CN" altLang="en-US"/>
           </a:p>
         </p:txBody>
       </p:sp>
@@ -7575,7 +7685,6 @@
           <a:p>
             <a:fld id="{760FBDFE-C587-4B4C-A407-44438C67B59E}" type="datetimeFigureOut">
               <a:rPr lang="zh-CN" altLang="en-US"/>
-              <a:t>2018/8/3</a:t>
             </a:fld>
             <a:endParaRPr lang="zh-CN" altLang="en-US">
               <a:ea typeface="+mn-ea"/>
@@ -7668,7 +7777,6 @@
           <a:p>
             <a:fld id="{ECA6A4FB-A520-4B09-AD78-B7CBC19CBDD9}" type="slidenum">
               <a:rPr lang="zh-CN" altLang="en-US"/>
-              <a:t>‹#›</a:t>
             </a:fld>
             <a:endParaRPr lang="zh-CN" altLang="en-US">
               <a:ea typeface="+mn-ea"/>
@@ -7683,7 +7791,7 @@
           <p:cNvSpPr/>
           <p:nvPr>
             <p:custDataLst>
-              <p:tags r:id="rId15"/>
+              <p:tags r:id="rId14"/>
             </p:custDataLst>
           </p:nvPr>
         </p:nvSpPr>
@@ -8215,7 +8323,7 @@
           <p:nvPr>
             <p:ph type="title"/>
             <p:custDataLst>
-              <p:tags r:id="rId12"/>
+              <p:tags r:id="rId11"/>
             </p:custDataLst>
           </p:nvPr>
         </p:nvSpPr>
@@ -8238,6 +8346,7 @@
               <a:rPr lang="zh-CN" altLang="en-US" dirty="0"/>
               <a:t>单击此处编辑母版标题样式</a:t>
             </a:r>
+            <a:endParaRPr lang="zh-CN" altLang="en-US" dirty="0"/>
           </a:p>
         </p:txBody>
       </p:sp>
@@ -8250,7 +8359,7 @@
           <p:nvPr>
             <p:ph type="body" idx="1"/>
             <p:custDataLst>
-              <p:tags r:id="rId13"/>
+              <p:tags r:id="rId12"/>
             </p:custDataLst>
           </p:nvPr>
         </p:nvSpPr>
@@ -8274,6 +8383,7 @@
               <a:rPr lang="zh-CN" altLang="en-US" dirty="0"/>
               <a:t>单击此处编辑母版文本样式</a:t>
             </a:r>
+            <a:endParaRPr lang="zh-CN" altLang="en-US" dirty="0"/>
           </a:p>
           <a:p>
             <a:pPr lvl="1"/>
@@ -8281,6 +8391,7 @@
               <a:rPr lang="zh-CN" altLang="en-US" dirty="0"/>
               <a:t>第二级</a:t>
             </a:r>
+            <a:endParaRPr lang="zh-CN" altLang="en-US" dirty="0"/>
           </a:p>
           <a:p>
             <a:pPr lvl="2"/>
@@ -8288,6 +8399,7 @@
               <a:rPr lang="zh-CN" altLang="en-US" dirty="0"/>
               <a:t>第三级</a:t>
             </a:r>
+            <a:endParaRPr lang="zh-CN" altLang="en-US" dirty="0"/>
           </a:p>
           <a:p>
             <a:pPr lvl="3"/>
@@ -8295,6 +8407,7 @@
               <a:rPr lang="zh-CN" altLang="en-US" dirty="0"/>
               <a:t>第四级</a:t>
             </a:r>
+            <a:endParaRPr lang="zh-CN" altLang="en-US" dirty="0"/>
           </a:p>
           <a:p>
             <a:pPr lvl="4"/>
@@ -8302,6 +8415,7 @@
               <a:rPr lang="zh-CN" altLang="en-US" dirty="0"/>
               <a:t>第五级</a:t>
             </a:r>
+            <a:endParaRPr lang="zh-CN" altLang="en-US" dirty="0"/>
           </a:p>
         </p:txBody>
       </p:sp>
@@ -8345,7 +8459,6 @@
           <a:p>
             <a:fld id="{760FBDFE-C587-4B4C-A407-44438C67B59E}" type="datetimeFigureOut">
               <a:rPr lang="zh-CN" altLang="en-US" smtClean="0"/>
-              <a:t>2018/8/3</a:t>
             </a:fld>
             <a:endParaRPr lang="zh-CN" altLang="en-US"/>
           </a:p>
@@ -8433,7 +8546,6 @@
           <a:p>
             <a:fld id="{49AE70B2-8BF9-45C0-BB95-33D1B9D3A854}" type="slidenum">
               <a:rPr lang="zh-CN" altLang="en-US" smtClean="0"/>
-              <a:t>‹#›</a:t>
             </a:fld>
             <a:endParaRPr lang="zh-CN" altLang="en-US"/>
           </a:p>
@@ -8445,7 +8557,7 @@
           <p:cNvSpPr/>
           <p:nvPr>
             <p:custDataLst>
-              <p:tags r:id="rId14"/>
+              <p:tags r:id="rId13"/>
             </p:custDataLst>
           </p:nvPr>
         </p:nvSpPr>
@@ -8824,7 +8936,7 @@
           </p:cNvSpPr>
           <p:nvPr>
             <p:custDataLst>
-              <p:tags r:id="rId2"/>
+              <p:tags r:id="rId1"/>
             </p:custDataLst>
           </p:nvPr>
         </p:nvSpPr>
@@ -9037,6 +9149,7 @@
               <a:rPr lang="zh-CN" altLang="en-US" sz="1800" dirty="0"/>
               <a:t>开发工程部  冯泽明</a:t>
             </a:r>
+            <a:endParaRPr lang="zh-CN" altLang="en-US" sz="1800" dirty="0"/>
           </a:p>
         </p:txBody>
       </p:sp>
@@ -9067,7 +9180,7 @@
             </a:pPr>
             <a:r>
               <a:rPr lang="en-US" altLang="zh-CN" dirty="0">
-                <a:hlinkClick r:id="rId7"/>
+                <a:hlinkClick r:id="rId2"/>
               </a:rPr>
               <a:t>https://github.com/newgr8player</a:t>
             </a:r>
@@ -9076,7 +9189,7 @@
           <a:p>
             <a:r>
               <a:rPr lang="en-US" altLang="zh-CN" dirty="0">
-                <a:hlinkClick r:id="rId8"/>
+                <a:hlinkClick r:id="rId3"/>
               </a:rPr>
               <a:t>https://newgr8player.gitee.io/</a:t>
             </a:r>
@@ -9093,7 +9206,7 @@
           <p:nvPr>
             <p:ph type="ctrTitle"/>
             <p:custDataLst>
-              <p:tags r:id="rId3"/>
+              <p:tags r:id="rId4"/>
             </p:custDataLst>
           </p:nvPr>
         </p:nvSpPr>
@@ -9126,7 +9239,7 @@
           <p:nvPr>
             <p:ph type="subTitle" idx="1"/>
             <p:custDataLst>
-              <p:tags r:id="rId4"/>
+              <p:tags r:id="rId5"/>
             </p:custDataLst>
           </p:nvPr>
         </p:nvSpPr>
@@ -9151,13 +9264,7 @@
       </p:sp>
       <p:sp>
         <p:nvSpPr>
-          <p:cNvPr id="7" name="文本框 6">
-            <a:extLst>
-              <a:ext uri="{FF2B5EF4-FFF2-40B4-BE49-F238E27FC236}">
-                <a16:creationId xmlns:a16="http://schemas.microsoft.com/office/drawing/2014/main" id="{C39AF679-0E84-4A07-B2FD-C411D867FABF}"/>
-              </a:ext>
-            </a:extLst>
-          </p:cNvPr>
+          <p:cNvPr id="7" name="文本框 6"/>
           <p:cNvSpPr txBox="1"/>
           <p:nvPr/>
         </p:nvSpPr>
@@ -9193,7 +9300,7 @@
       </p:sp>
     </p:spTree>
     <p:custDataLst>
-      <p:tags r:id="rId1"/>
+      <p:tags r:id="rId6"/>
     </p:custDataLst>
   </p:cSld>
   <p:clrMapOvr>
@@ -9225,7 +9332,376 @@
           <p:cNvSpPr txBox="1"/>
           <p:nvPr>
             <p:custDataLst>
-              <p:tags r:id="rId2"/>
+              <p:tags r:id="rId1"/>
+            </p:custDataLst>
+          </p:nvPr>
+        </p:nvSpPr>
+        <p:spPr>
+          <a:xfrm>
+            <a:off x="571608" y="661194"/>
+            <a:ext cx="7886700" cy="994172"/>
+          </a:xfrm>
+          <a:prstGeom prst="rect">
+            <a:avLst/>
+          </a:prstGeom>
+        </p:spPr>
+        <p:txBody>
+          <a:bodyPr vert="horz" wrap="square" lIns="68580" tIns="34290" rIns="68580" bIns="34290" rtlCol="0" anchor="ctr">
+            <a:normAutofit/>
+          </a:bodyPr>
+          <a:lstStyle>
+            <a:lvl1pPr defTabSz="914400">
+              <a:lnSpc>
+                <a:spcPct val="120000"/>
+              </a:lnSpc>
+              <a:spcBef>
+                <a:spcPct val="0"/>
+              </a:spcBef>
+              <a:buNone/>
+              <a:defRPr sz="3600">
+                <a:solidFill>
+                  <a:schemeClr val="tx1">
+                    <a:lumMod val="75000"/>
+                    <a:lumOff val="25000"/>
+                  </a:schemeClr>
+                </a:solidFill>
+                <a:latin typeface="+mj-lt"/>
+                <a:ea typeface="+mj-ea"/>
+                <a:cs typeface="+mj-cs"/>
+              </a:defRPr>
+            </a:lvl1pPr>
+          </a:lstStyle>
+          <a:p>
+            <a:r>
+              <a:rPr lang="zh-CN" altLang="en-US" dirty="0"/>
+              <a:t>设计模式分类</a:t>
+            </a:r>
+            <a:endParaRPr lang="zh-CN" altLang="en-US" dirty="0"/>
+          </a:p>
+        </p:txBody>
+      </p:sp>
+      <p:sp>
+        <p:nvSpPr>
+          <p:cNvPr id="3" name="文本框 2"/>
+          <p:cNvSpPr txBox="1"/>
+          <p:nvPr/>
+        </p:nvSpPr>
+        <p:spPr>
+          <a:xfrm>
+            <a:off x="566431" y="2057436"/>
+            <a:ext cx="8334776" cy="3674019"/>
+          </a:xfrm>
+          <a:prstGeom prst="rect">
+            <a:avLst/>
+          </a:prstGeom>
+          <a:noFill/>
+        </p:spPr>
+        <p:txBody>
+          <a:bodyPr wrap="square" rtlCol="0">
+            <a:spAutoFit/>
+          </a:bodyPr>
+          <a:lstStyle/>
+          <a:p>
+            <a:pPr marL="457200" indent="-457200">
+              <a:lnSpc>
+                <a:spcPct val="200000"/>
+              </a:lnSpc>
+              <a:buClr>
+                <a:srgbClr val="0070C0"/>
+              </a:buClr>
+              <a:buFont typeface="+mj-lt"/>
+              <a:buAutoNum type="arabicPeriod"/>
+            </a:pPr>
+            <a:r>
+              <a:rPr lang="zh-CN" altLang="en-US" dirty="0"/>
+              <a:t>工厂模式</a:t>
+            </a:r>
+            <a:r>
+              <a:rPr lang="en-US" altLang="zh-CN" dirty="0"/>
+              <a:t>(The Factory Pattern)</a:t>
+            </a:r>
+            <a:endParaRPr lang="en-US" altLang="zh-CN" dirty="0"/>
+          </a:p>
+          <a:p>
+            <a:pPr marL="457200" indent="-457200">
+              <a:lnSpc>
+                <a:spcPct val="200000"/>
+              </a:lnSpc>
+              <a:buClr>
+                <a:srgbClr val="0070C0"/>
+              </a:buClr>
+              <a:buFont typeface="+mj-lt"/>
+              <a:buAutoNum type="arabicPeriod"/>
+            </a:pPr>
+            <a:r>
+              <a:rPr lang="zh-CN" altLang="en-US" dirty="0"/>
+              <a:t>抽象工厂模式</a:t>
+            </a:r>
+            <a:r>
+              <a:rPr lang="en-US" altLang="zh-CN" dirty="0"/>
+              <a:t>(The Abstract Factory Pattern-)</a:t>
+            </a:r>
+            <a:endParaRPr lang="zh-CN" altLang="en-US" dirty="0"/>
+          </a:p>
+          <a:p>
+            <a:pPr marL="457200" indent="-457200" eaLnBrk="1" hangingPunct="1">
+              <a:lnSpc>
+                <a:spcPct val="200000"/>
+              </a:lnSpc>
+              <a:buClr>
+                <a:srgbClr val="0070C0"/>
+              </a:buClr>
+              <a:buFont typeface="+mj-lt"/>
+              <a:buAutoNum type="arabicPeriod"/>
+            </a:pPr>
+            <a:r>
+              <a:rPr lang="zh-CN" altLang="en-US" dirty="0"/>
+              <a:t>单例模式</a:t>
+            </a:r>
+            <a:r>
+              <a:rPr lang="en-US" altLang="zh-CN" dirty="0"/>
+              <a:t>(The Singleton Pattern)</a:t>
+            </a:r>
+            <a:endParaRPr lang="zh-CN" altLang="en-US" dirty="0"/>
+          </a:p>
+          <a:p>
+            <a:pPr marL="457200" indent="-457200" eaLnBrk="1" hangingPunct="1">
+              <a:lnSpc>
+                <a:spcPct val="200000"/>
+              </a:lnSpc>
+              <a:buClr>
+                <a:srgbClr val="0070C0"/>
+              </a:buClr>
+              <a:buFont typeface="+mj-lt"/>
+              <a:buAutoNum type="arabicPeriod"/>
+            </a:pPr>
+            <a:r>
+              <a:rPr lang="zh-CN" altLang="en-US" dirty="0"/>
+              <a:t>原型模式</a:t>
+            </a:r>
+            <a:r>
+              <a:rPr lang="en-US" altLang="zh-CN" dirty="0"/>
+              <a:t>(The Prototype Pattern)</a:t>
+            </a:r>
+            <a:endParaRPr lang="zh-CN" altLang="en-US" dirty="0"/>
+          </a:p>
+          <a:p>
+            <a:pPr marL="457200" indent="-457200" eaLnBrk="1" hangingPunct="1">
+              <a:lnSpc>
+                <a:spcPct val="200000"/>
+              </a:lnSpc>
+              <a:buClr>
+                <a:srgbClr val="0070C0"/>
+              </a:buClr>
+              <a:buFont typeface="+mj-lt"/>
+              <a:buAutoNum type="arabicPeriod"/>
+            </a:pPr>
+            <a:r>
+              <a:rPr lang="zh-CN" altLang="en-US" dirty="0"/>
+              <a:t>建造者模式</a:t>
+            </a:r>
+            <a:r>
+              <a:rPr lang="en-US" altLang="zh-CN" dirty="0"/>
+              <a:t>(Builder Pattern)</a:t>
+            </a:r>
+            <a:endParaRPr lang="zh-CN" altLang="en-US" dirty="0"/>
+          </a:p>
+        </p:txBody>
+      </p:sp>
+    </p:spTree>
+    <p:custDataLst>
+      <p:tags r:id="rId2"/>
+    </p:custDataLst>
+  </p:cSld>
+  <p:clrMapOvr>
+    <a:masterClrMapping/>
+  </p:clrMapOvr>
+</p:sld>
+</file>
+
+<file path=ppt/slides/slide11.xml><?xml version="1.0" encoding="utf-8"?>
+<p:sld xmlns:a="http://schemas.openxmlformats.org/drawingml/2006/main" xmlns:r="http://schemas.openxmlformats.org/officeDocument/2006/relationships" xmlns:p="http://schemas.openxmlformats.org/presentationml/2006/main">
+  <p:cSld>
+    <p:spTree>
+      <p:nvGrpSpPr>
+        <p:cNvPr id="1" name=""/>
+        <p:cNvGrpSpPr/>
+        <p:nvPr/>
+      </p:nvGrpSpPr>
+      <p:grpSpPr>
+        <a:xfrm>
+          <a:off x="0" y="0"/>
+          <a:ext cx="0" cy="0"/>
+          <a:chOff x="0" y="0"/>
+          <a:chExt cx="0" cy="0"/>
+        </a:xfrm>
+      </p:grpSpPr>
+      <p:sp>
+        <p:nvSpPr>
+          <p:cNvPr id="8" name="标题 1"/>
+          <p:cNvSpPr txBox="1"/>
+          <p:nvPr>
+            <p:custDataLst>
+              <p:tags r:id="rId1"/>
+            </p:custDataLst>
+          </p:nvPr>
+        </p:nvSpPr>
+        <p:spPr>
+          <a:xfrm>
+            <a:off x="571608" y="661194"/>
+            <a:ext cx="7886700" cy="994172"/>
+          </a:xfrm>
+          <a:prstGeom prst="rect">
+            <a:avLst/>
+          </a:prstGeom>
+        </p:spPr>
+        <p:txBody>
+          <a:bodyPr vert="horz" wrap="square" lIns="68580" tIns="34290" rIns="68580" bIns="34290" rtlCol="0" anchor="ctr">
+            <a:normAutofit/>
+          </a:bodyPr>
+          <a:lstStyle>
+            <a:lvl1pPr defTabSz="914400">
+              <a:lnSpc>
+                <a:spcPct val="120000"/>
+              </a:lnSpc>
+              <a:spcBef>
+                <a:spcPct val="0"/>
+              </a:spcBef>
+              <a:buNone/>
+              <a:defRPr sz="3600">
+                <a:solidFill>
+                  <a:schemeClr val="tx1">
+                    <a:lumMod val="75000"/>
+                    <a:lumOff val="25000"/>
+                  </a:schemeClr>
+                </a:solidFill>
+                <a:latin typeface="+mj-lt"/>
+                <a:ea typeface="+mj-ea"/>
+                <a:cs typeface="+mj-cs"/>
+              </a:defRPr>
+            </a:lvl1pPr>
+          </a:lstStyle>
+          <a:p>
+            <a:r>
+              <a:rPr lang="zh-CN" altLang="en-US" dirty="0"/>
+              <a:t>工厂模式</a:t>
+            </a:r>
+            <a:r>
+              <a:rPr lang="en-US" altLang="zh-CN" dirty="0"/>
+              <a:t>(The Factory Pattern)</a:t>
+            </a:r>
+            <a:endParaRPr lang="en-US" altLang="zh-CN" dirty="0"/>
+          </a:p>
+        </p:txBody>
+      </p:sp>
+      <p:sp>
+        <p:nvSpPr>
+          <p:cNvPr id="3" name="文本框 2"/>
+          <p:cNvSpPr txBox="1"/>
+          <p:nvPr/>
+        </p:nvSpPr>
+        <p:spPr>
+          <a:xfrm>
+            <a:off x="566431" y="2057436"/>
+            <a:ext cx="8334776" cy="2796856"/>
+          </a:xfrm>
+          <a:prstGeom prst="rect">
+            <a:avLst/>
+          </a:prstGeom>
+          <a:noFill/>
+        </p:spPr>
+        <p:txBody>
+          <a:bodyPr wrap="square" rtlCol="0">
+            <a:spAutoFit/>
+          </a:bodyPr>
+          <a:lstStyle/>
+          <a:p>
+            <a:pPr indent="628650" eaLnBrk="1" hangingPunct="1">
+              <a:lnSpc>
+                <a:spcPct val="150000"/>
+              </a:lnSpc>
+              <a:buFont typeface="Wingdings" panose="05000000000000000000" pitchFamily="2" charset="2"/>
+              <a:buNone/>
+            </a:pPr>
+            <a:r>
+              <a:rPr lang="zh-CN" altLang="en-US" dirty="0"/>
+              <a:t>工厂模式是最常见的设计模式之一，可帮助我们组织创建对象的代码，通常用于以下两种情况：</a:t>
+            </a:r>
+            <a:endParaRPr lang="zh-CN" altLang="en-US" dirty="0"/>
+          </a:p>
+          <a:p>
+            <a:pPr lvl="1" indent="-457200" eaLnBrk="1" hangingPunct="1">
+              <a:lnSpc>
+                <a:spcPct val="150000"/>
+              </a:lnSpc>
+              <a:buClr>
+                <a:srgbClr val="0070C0"/>
+              </a:buClr>
+              <a:buSzPct val="80000"/>
+              <a:buFont typeface="+mj-lt"/>
+              <a:buAutoNum type="arabicPeriod"/>
+            </a:pPr>
+            <a:r>
+              <a:rPr lang="zh-CN" altLang="en-US" dirty="0"/>
+              <a:t>创建复杂的对象，并进行初始化。</a:t>
+            </a:r>
+            <a:endParaRPr lang="en-US" altLang="zh-CN" dirty="0"/>
+          </a:p>
+          <a:p>
+            <a:pPr lvl="1" indent="-457200" eaLnBrk="1" hangingPunct="1">
+              <a:lnSpc>
+                <a:spcPct val="150000"/>
+              </a:lnSpc>
+              <a:buClr>
+                <a:srgbClr val="0070C0"/>
+              </a:buClr>
+              <a:buSzPct val="80000"/>
+              <a:buFont typeface="+mj-lt"/>
+              <a:buAutoNum type="arabicPeriod"/>
+            </a:pPr>
+            <a:r>
+              <a:rPr lang="zh-CN" altLang="en-US" dirty="0"/>
+              <a:t>根据不同的环境（输入参数），创建不同用途的对象。一般这些对象都是实现了相同的接口或继承于同一基类。</a:t>
+            </a:r>
+            <a:endParaRPr lang="zh-CN" altLang="en-US" dirty="0"/>
+          </a:p>
+        </p:txBody>
+      </p:sp>
+    </p:spTree>
+    <p:custDataLst>
+      <p:tags r:id="rId2"/>
+    </p:custDataLst>
+  </p:cSld>
+  <p:clrMapOvr>
+    <a:masterClrMapping/>
+  </p:clrMapOvr>
+</p:sld>
+</file>
+
+<file path=ppt/slides/slide12.xml><?xml version="1.0" encoding="utf-8"?>
+<p:sld xmlns:a="http://schemas.openxmlformats.org/drawingml/2006/main" xmlns:r="http://schemas.openxmlformats.org/officeDocument/2006/relationships" xmlns:p="http://schemas.openxmlformats.org/presentationml/2006/main">
+  <p:cSld>
+    <p:spTree>
+      <p:nvGrpSpPr>
+        <p:cNvPr id="1" name=""/>
+        <p:cNvGrpSpPr/>
+        <p:nvPr/>
+      </p:nvGrpSpPr>
+      <p:grpSpPr>
+        <a:xfrm>
+          <a:off x="0" y="0"/>
+          <a:ext cx="0" cy="0"/>
+          <a:chOff x="0" y="0"/>
+          <a:chExt cx="0" cy="0"/>
+        </a:xfrm>
+      </p:grpSpPr>
+      <p:sp>
+        <p:nvSpPr>
+          <p:cNvPr id="8" name="标题 1"/>
+          <p:cNvSpPr txBox="1"/>
+          <p:nvPr>
+            <p:custDataLst>
+              <p:tags r:id="rId1"/>
             </p:custDataLst>
           </p:nvPr>
         </p:nvSpPr>
@@ -9273,18 +9749,13 @@
               <a:rPr lang="en-US" altLang="zh-CN" dirty="0"/>
               <a:t>(The Abstract Factory Pattern)</a:t>
             </a:r>
-          </a:p>
-        </p:txBody>
-      </p:sp>
-      <p:sp>
-        <p:nvSpPr>
-          <p:cNvPr id="3" name="文本框 2">
-            <a:extLst>
-              <a:ext uri="{FF2B5EF4-FFF2-40B4-BE49-F238E27FC236}">
-                <a16:creationId xmlns:a16="http://schemas.microsoft.com/office/drawing/2014/main" id="{6FBF8D99-FB3D-4D87-A95F-C3882FE7B1C9}"/>
-              </a:ext>
-            </a:extLst>
-          </p:cNvPr>
+            <a:endParaRPr lang="en-US" altLang="zh-CN" dirty="0"/>
+          </a:p>
+        </p:txBody>
+      </p:sp>
+      <p:sp>
+        <p:nvSpPr>
+          <p:cNvPr id="3" name="文本框 2"/>
           <p:cNvSpPr txBox="1"/>
           <p:nvPr/>
         </p:nvSpPr>
@@ -9395,6 +9866,7 @@
               <a:rPr lang="zh-CN" altLang="en-US" dirty="0"/>
               <a:t>。</a:t>
             </a:r>
+            <a:endParaRPr lang="zh-CN" altLang="en-US" dirty="0"/>
           </a:p>
           <a:p>
             <a:pPr indent="628650" eaLnBrk="1" hangingPunct="1">
@@ -9452,18 +9924,14 @@
               <a:rPr lang="zh-CN" altLang="en-US" dirty="0"/>
               <a:t>而已。</a:t>
             </a:r>
+            <a:endParaRPr lang="zh-CN" altLang="en-US" dirty="0"/>
           </a:p>
         </p:txBody>
       </p:sp>
     </p:spTree>
     <p:custDataLst>
-      <p:tags r:id="rId1"/>
+      <p:tags r:id="rId2"/>
     </p:custDataLst>
-    <p:extLst>
-      <p:ext uri="{BB962C8B-B14F-4D97-AF65-F5344CB8AC3E}">
-        <p14:creationId xmlns:p14="http://schemas.microsoft.com/office/powerpoint/2010/main" val="1719542924"/>
-      </p:ext>
-    </p:extLst>
   </p:cSld>
   <p:clrMapOvr>
     <a:masterClrMapping/>
@@ -9471,7 +9939,7 @@
 </p:sld>
 </file>
 
-<file path=ppt/slides/slide11.xml><?xml version="1.0" encoding="utf-8"?>
+<file path=ppt/slides/slide13.xml><?xml version="1.0" encoding="utf-8"?>
 <p:sld xmlns:a="http://schemas.openxmlformats.org/drawingml/2006/main" xmlns:r="http://schemas.openxmlformats.org/officeDocument/2006/relationships" xmlns:p="http://schemas.openxmlformats.org/presentationml/2006/main">
   <p:cSld>
     <p:spTree>
@@ -9516,6 +9984,9 @@
               </a:rPr>
               <a:t>谢谢</a:t>
             </a:r>
+            <a:endParaRPr lang="zh-CN" altLang="en-US" dirty="0">
+              <a:ea typeface="宋体" panose="02010600030101010101" pitchFamily="2" charset="-122"/>
+            </a:endParaRPr>
           </a:p>
         </p:txBody>
       </p:sp>
@@ -9546,7 +10017,7 @@
             </a:pPr>
             <a:r>
               <a:rPr lang="en-US" altLang="zh-CN" dirty="0">
-                <a:hlinkClick r:id="rId4"/>
+                <a:hlinkClick r:id="rId1"/>
               </a:rPr>
               <a:t>https://github.com/newgr8player</a:t>
             </a:r>
@@ -9555,7 +10026,7 @@
           <a:p>
             <a:r>
               <a:rPr lang="en-US" altLang="zh-CN" dirty="0">
-                <a:hlinkClick r:id="rId5"/>
+                <a:hlinkClick r:id="rId2"/>
               </a:rPr>
               <a:t>https://newgr8player.gitee.io/</a:t>
             </a:r>
@@ -9565,7 +10036,7 @@
       </p:sp>
     </p:spTree>
     <p:custDataLst>
-      <p:tags r:id="rId1"/>
+      <p:tags r:id="rId3"/>
     </p:custDataLst>
   </p:cSld>
   <p:clrMapOvr>
@@ -9574,7 +10045,7 @@
 </p:sld>
 </file>
 
-<file path=ppt/slides/slide12.xml><?xml version="1.0" encoding="utf-8"?>
+<file path=ppt/slides/slide14.xml><?xml version="1.0" encoding="utf-8"?>
 <p:sld xmlns:a="http://schemas.openxmlformats.org/drawingml/2006/main" xmlns:r="http://schemas.openxmlformats.org/officeDocument/2006/relationships" xmlns:p="http://schemas.openxmlformats.org/presentationml/2006/main">
   <p:cSld>
     <p:spTree>
@@ -9625,7 +10096,7 @@
           <p:cNvSpPr txBox="1"/>
           <p:nvPr>
             <p:custDataLst>
-              <p:tags r:id="rId2"/>
+              <p:tags r:id="rId1"/>
             </p:custDataLst>
           </p:nvPr>
         </p:nvSpPr>
@@ -9669,18 +10140,13 @@
               <a:rPr lang="zh-CN" altLang="en-US" dirty="0"/>
               <a:t>什么是设计模式</a:t>
             </a:r>
-          </a:p>
-        </p:txBody>
-      </p:sp>
-      <p:sp>
-        <p:nvSpPr>
-          <p:cNvPr id="3" name="文本框 2">
-            <a:extLst>
-              <a:ext uri="{FF2B5EF4-FFF2-40B4-BE49-F238E27FC236}">
-                <a16:creationId xmlns:a16="http://schemas.microsoft.com/office/drawing/2014/main" id="{6FBF8D99-FB3D-4D87-A95F-C3882FE7B1C9}"/>
-              </a:ext>
-            </a:extLst>
-          </p:cNvPr>
+            <a:endParaRPr lang="zh-CN" altLang="en-US" dirty="0"/>
+          </a:p>
+        </p:txBody>
+      </p:sp>
+      <p:sp>
+        <p:nvSpPr>
+          <p:cNvPr id="3" name="文本框 2"/>
           <p:cNvSpPr txBox="1"/>
           <p:nvPr/>
         </p:nvSpPr>
@@ -9723,6 +10189,7 @@
               <a:rPr lang="en-US" altLang="zh-CN" dirty="0"/>
               <a:t>Design Pattern）。</a:t>
             </a:r>
+            <a:endParaRPr lang="en-US" altLang="zh-CN" dirty="0"/>
           </a:p>
           <a:p>
             <a:pPr eaLnBrk="1" hangingPunct="1">
@@ -9748,6 +10215,7 @@
               <a:rPr lang="zh-CN" altLang="en-US" dirty="0"/>
               <a:t>。从而指导设计，减少代码重复和优化体系结构。</a:t>
             </a:r>
+            <a:endParaRPr lang="zh-CN" altLang="en-US" dirty="0"/>
           </a:p>
           <a:p>
             <a:endParaRPr lang="zh-CN" altLang="en-US" dirty="0"/>
@@ -9756,7 +10224,7 @@
       </p:sp>
     </p:spTree>
     <p:custDataLst>
-      <p:tags r:id="rId1"/>
+      <p:tags r:id="rId2"/>
     </p:custDataLst>
   </p:cSld>
   <p:clrMapOvr>
@@ -9788,7 +10256,7 @@
           <p:cNvSpPr txBox="1"/>
           <p:nvPr>
             <p:custDataLst>
-              <p:tags r:id="rId2"/>
+              <p:tags r:id="rId1"/>
             </p:custDataLst>
           </p:nvPr>
         </p:nvSpPr>
@@ -9832,18 +10300,13 @@
               <a:rPr lang="zh-CN" altLang="en-US" dirty="0"/>
               <a:t>采用设计模式的好处</a:t>
             </a:r>
-          </a:p>
-        </p:txBody>
-      </p:sp>
-      <p:sp>
-        <p:nvSpPr>
-          <p:cNvPr id="3" name="文本框 2">
-            <a:extLst>
-              <a:ext uri="{FF2B5EF4-FFF2-40B4-BE49-F238E27FC236}">
-                <a16:creationId xmlns:a16="http://schemas.microsoft.com/office/drawing/2014/main" id="{6FBF8D99-FB3D-4D87-A95F-C3882FE7B1C9}"/>
-              </a:ext>
-            </a:extLst>
-          </p:cNvPr>
+            <a:endParaRPr lang="zh-CN" altLang="en-US" dirty="0"/>
+          </a:p>
+        </p:txBody>
+      </p:sp>
+      <p:sp>
+        <p:nvSpPr>
+          <p:cNvPr id="3" name="文本框 2"/>
           <p:cNvSpPr txBox="1"/>
           <p:nvPr/>
         </p:nvSpPr>
@@ -9877,6 +10340,7 @@
               <a:rPr lang="zh-CN" altLang="en-US" dirty="0"/>
               <a:t>重用，避免代码重复冗余</a:t>
             </a:r>
+            <a:endParaRPr lang="zh-CN" altLang="en-US" dirty="0"/>
           </a:p>
           <a:p>
             <a:pPr marL="342900" indent="-342900" eaLnBrk="1" hangingPunct="1">
@@ -9893,6 +10357,7 @@
               <a:rPr lang="zh-CN" altLang="en-US" dirty="0"/>
               <a:t>优化体系结构</a:t>
             </a:r>
+            <a:endParaRPr lang="zh-CN" altLang="en-US" dirty="0"/>
           </a:p>
           <a:p>
             <a:pPr marL="342900" indent="-342900" eaLnBrk="1" hangingPunct="1">
@@ -9909,6 +10374,7 @@
               <a:rPr lang="zh-CN" altLang="en-US" dirty="0"/>
               <a:t>提升系统的可维护性和弹性</a:t>
             </a:r>
+            <a:endParaRPr lang="zh-CN" altLang="en-US" dirty="0"/>
           </a:p>
           <a:p>
             <a:pPr marL="342900" indent="-342900" eaLnBrk="1" hangingPunct="1">
@@ -9925,6 +10391,7 @@
               <a:rPr lang="zh-CN" altLang="en-US" dirty="0"/>
               <a:t>代码更加容易测试，利于测试驱动</a:t>
             </a:r>
+            <a:endParaRPr lang="zh-CN" altLang="en-US" dirty="0"/>
           </a:p>
           <a:p>
             <a:pPr marL="342900" indent="-342900" eaLnBrk="1" hangingPunct="1">
@@ -9941,6 +10408,7 @@
               <a:rPr lang="zh-CN" altLang="en-US" dirty="0"/>
               <a:t>为性能优化提供便利</a:t>
             </a:r>
+            <a:endParaRPr lang="zh-CN" altLang="en-US" dirty="0"/>
           </a:p>
           <a:p>
             <a:pPr marL="342900" indent="-342900" eaLnBrk="1" hangingPunct="1">
@@ -9957,6 +10425,7 @@
               <a:rPr lang="zh-CN" altLang="en-US" dirty="0"/>
               <a:t>使软件质量更加有保证</a:t>
             </a:r>
+            <a:endParaRPr lang="zh-CN" altLang="en-US" dirty="0"/>
           </a:p>
           <a:p>
             <a:pPr marL="342900" indent="-342900" eaLnBrk="1" hangingPunct="1">
@@ -9973,6 +10442,7 @@
               <a:rPr lang="zh-CN" altLang="en-US" dirty="0"/>
               <a:t>增强代码可读性，便于团队交流</a:t>
             </a:r>
+            <a:endParaRPr lang="zh-CN" altLang="en-US" dirty="0"/>
           </a:p>
           <a:p>
             <a:pPr marL="342900" indent="-342900" eaLnBrk="1" hangingPunct="1">
@@ -9989,18 +10459,14 @@
               <a:rPr lang="zh-CN" altLang="en-US" dirty="0"/>
               <a:t>有助于整体提升团队水平</a:t>
             </a:r>
+            <a:endParaRPr lang="zh-CN" altLang="en-US" dirty="0"/>
           </a:p>
         </p:txBody>
       </p:sp>
     </p:spTree>
     <p:custDataLst>
-      <p:tags r:id="rId1"/>
+      <p:tags r:id="rId2"/>
     </p:custDataLst>
-    <p:extLst>
-      <p:ext uri="{BB962C8B-B14F-4D97-AF65-F5344CB8AC3E}">
-        <p14:creationId xmlns:p14="http://schemas.microsoft.com/office/powerpoint/2010/main" val="1933831668"/>
-      </p:ext>
-    </p:extLst>
   </p:cSld>
   <p:clrMapOvr>
     <a:masterClrMapping/>
@@ -10031,7 +10497,7 @@
           <p:cNvSpPr txBox="1"/>
           <p:nvPr>
             <p:custDataLst>
-              <p:tags r:id="rId2"/>
+              <p:tags r:id="rId1"/>
             </p:custDataLst>
           </p:nvPr>
         </p:nvSpPr>
@@ -10075,18 +10541,13 @@
               <a:rPr lang="zh-CN" altLang="en-US" dirty="0"/>
               <a:t>设计模式、重构和反设计模式</a:t>
             </a:r>
-          </a:p>
-        </p:txBody>
-      </p:sp>
-      <p:sp>
-        <p:nvSpPr>
-          <p:cNvPr id="3" name="文本框 2">
-            <a:extLst>
-              <a:ext uri="{FF2B5EF4-FFF2-40B4-BE49-F238E27FC236}">
-                <a16:creationId xmlns:a16="http://schemas.microsoft.com/office/drawing/2014/main" id="{6FBF8D99-FB3D-4D87-A95F-C3882FE7B1C9}"/>
-              </a:ext>
-            </a:extLst>
-          </p:cNvPr>
+            <a:endParaRPr lang="zh-CN" altLang="en-US" dirty="0"/>
+          </a:p>
+        </p:txBody>
+      </p:sp>
+      <p:sp>
+        <p:nvSpPr>
+          <p:cNvPr id="3" name="文本框 2"/>
           <p:cNvSpPr txBox="1"/>
           <p:nvPr/>
         </p:nvSpPr>
@@ -10128,6 +10589,7 @@
               <a:rPr lang="zh-CN" altLang="en-US" dirty="0"/>
               <a:t>是成功经验和最佳实践的总结，指导设计人员采用正确精良的设计。</a:t>
             </a:r>
+            <a:endParaRPr lang="zh-CN" altLang="en-US" dirty="0"/>
           </a:p>
           <a:p>
             <a:pPr marL="342900" indent="-342900" eaLnBrk="1" hangingPunct="1">
@@ -10160,6 +10622,7 @@
               <a:rPr lang="zh-CN" altLang="en-US" dirty="0"/>
               <a:t>专注于软件的渐进完善。通过消除重复冗余代码，并将存在体系结构缺陷的代码重新构建成符合设计模式的代码来达到设计精良软件的目的。</a:t>
             </a:r>
+            <a:endParaRPr lang="zh-CN" altLang="en-US" dirty="0"/>
           </a:p>
           <a:p>
             <a:pPr marL="342900" indent="-342900" eaLnBrk="1" hangingPunct="1">
@@ -10184,18 +10647,14 @@
               <a:rPr lang="zh-CN" altLang="en-US" dirty="0"/>
               <a:t>与设计模式相反，是失败教训的总结。其澄清了许多设计中经常面临的陷阱和容易混淆的问题，能有效防止开发人员犯错误，从而做出正确选择。</a:t>
             </a:r>
+            <a:endParaRPr lang="zh-CN" altLang="en-US" dirty="0"/>
           </a:p>
         </p:txBody>
       </p:sp>
     </p:spTree>
     <p:custDataLst>
-      <p:tags r:id="rId1"/>
+      <p:tags r:id="rId2"/>
     </p:custDataLst>
-    <p:extLst>
-      <p:ext uri="{BB962C8B-B14F-4D97-AF65-F5344CB8AC3E}">
-        <p14:creationId xmlns:p14="http://schemas.microsoft.com/office/powerpoint/2010/main" val="2700483493"/>
-      </p:ext>
-    </p:extLst>
   </p:cSld>
   <p:clrMapOvr>
     <a:masterClrMapping/>
@@ -10226,7 +10685,7 @@
           <p:cNvSpPr txBox="1"/>
           <p:nvPr>
             <p:custDataLst>
-              <p:tags r:id="rId2"/>
+              <p:tags r:id="rId1"/>
             </p:custDataLst>
           </p:nvPr>
         </p:nvSpPr>
@@ -10280,13 +10739,7 @@
       </p:sp>
       <p:sp>
         <p:nvSpPr>
-          <p:cNvPr id="3" name="文本框 2">
-            <a:extLst>
-              <a:ext uri="{FF2B5EF4-FFF2-40B4-BE49-F238E27FC236}">
-                <a16:creationId xmlns:a16="http://schemas.microsoft.com/office/drawing/2014/main" id="{6FBF8D99-FB3D-4D87-A95F-C3882FE7B1C9}"/>
-              </a:ext>
-            </a:extLst>
-          </p:cNvPr>
+          <p:cNvPr id="3" name="文本框 2"/>
           <p:cNvSpPr txBox="1"/>
           <p:nvPr/>
         </p:nvSpPr>
@@ -10306,7 +10759,7 @@
           </a:bodyPr>
           <a:lstStyle/>
           <a:p>
-            <a:pPr indent="534988" eaLnBrk="1" hangingPunct="1">
+            <a:pPr indent="535305" eaLnBrk="1" hangingPunct="1">
               <a:buFont typeface="Wingdings" panose="05000000000000000000" pitchFamily="2" charset="2"/>
               <a:buNone/>
             </a:pPr>
@@ -10330,6 +10783,7 @@
               <a:rPr lang="zh-CN" altLang="en-US" dirty="0"/>
               <a:t>的方法论，其内容描述基本是围绕对象的结构和协作关系设计。因此需要一种直观的模型将上述内容清晰地表示出来。</a:t>
             </a:r>
+            <a:endParaRPr lang="zh-CN" altLang="en-US" dirty="0"/>
           </a:p>
           <a:p>
             <a:pPr eaLnBrk="1" hangingPunct="1">
@@ -10376,18 +10830,14 @@
               <a:rPr lang="zh-CN" altLang="en-US" dirty="0"/>
               <a:t>已经被广泛用于软件设计，这也推动了设计模式的应用。</a:t>
             </a:r>
+            <a:endParaRPr lang="zh-CN" altLang="en-US" dirty="0"/>
           </a:p>
         </p:txBody>
       </p:sp>
     </p:spTree>
     <p:custDataLst>
-      <p:tags r:id="rId1"/>
+      <p:tags r:id="rId2"/>
     </p:custDataLst>
-    <p:extLst>
-      <p:ext uri="{BB962C8B-B14F-4D97-AF65-F5344CB8AC3E}">
-        <p14:creationId xmlns:p14="http://schemas.microsoft.com/office/powerpoint/2010/main" val="2317831257"/>
-      </p:ext>
-    </p:extLst>
   </p:cSld>
   <p:clrMapOvr>
     <a:masterClrMapping/>
@@ -10418,7 +10868,7 @@
           <p:cNvSpPr txBox="1"/>
           <p:nvPr>
             <p:custDataLst>
-              <p:tags r:id="rId2"/>
+              <p:tags r:id="rId1"/>
             </p:custDataLst>
           </p:nvPr>
         </p:nvSpPr>
@@ -10462,18 +10912,13 @@
               <a:rPr lang="zh-CN" altLang="en-US" dirty="0"/>
               <a:t>设计模式分类</a:t>
             </a:r>
-          </a:p>
-        </p:txBody>
-      </p:sp>
-      <p:sp>
-        <p:nvSpPr>
-          <p:cNvPr id="3" name="文本框 2">
-            <a:extLst>
-              <a:ext uri="{FF2B5EF4-FFF2-40B4-BE49-F238E27FC236}">
-                <a16:creationId xmlns:a16="http://schemas.microsoft.com/office/drawing/2014/main" id="{6FBF8D99-FB3D-4D87-A95F-C3882FE7B1C9}"/>
-              </a:ext>
-            </a:extLst>
-          </p:cNvPr>
+            <a:endParaRPr lang="zh-CN" altLang="en-US" dirty="0"/>
+          </a:p>
+        </p:txBody>
+      </p:sp>
+      <p:sp>
+        <p:nvSpPr>
+          <p:cNvPr id="3" name="文本框 2"/>
           <p:cNvSpPr txBox="1"/>
           <p:nvPr/>
         </p:nvSpPr>
@@ -10523,6 +10968,7 @@
               <a:rPr lang="zh-CN" altLang="en-US" dirty="0"/>
               <a:t>帮助我们更好地组织创建对象的代码。增强弹性，以应付在不同情况下创建和初始化对象的代码变更。</a:t>
             </a:r>
+            <a:endParaRPr lang="zh-CN" altLang="en-US" dirty="0"/>
           </a:p>
           <a:p>
             <a:pPr marL="342900" indent="-342900" eaLnBrk="1" hangingPunct="1">
@@ -10563,6 +11009,7 @@
               <a:rPr lang="zh-CN" altLang="en-US" dirty="0"/>
               <a:t>效应。</a:t>
             </a:r>
+            <a:endParaRPr lang="zh-CN" altLang="en-US" dirty="0"/>
           </a:p>
           <a:p>
             <a:pPr marL="342900" indent="-342900" eaLnBrk="1" hangingPunct="1">
@@ -10595,18 +11042,14 @@
               <a:rPr lang="zh-CN" altLang="en-US" dirty="0"/>
               <a:t>更好地定义对象间的协作关系，使复杂的程序流程变得清晰。</a:t>
             </a:r>
+            <a:endParaRPr lang="zh-CN" altLang="en-US" dirty="0"/>
           </a:p>
         </p:txBody>
       </p:sp>
     </p:spTree>
     <p:custDataLst>
-      <p:tags r:id="rId1"/>
+      <p:tags r:id="rId2"/>
     </p:custDataLst>
-    <p:extLst>
-      <p:ext uri="{BB962C8B-B14F-4D97-AF65-F5344CB8AC3E}">
-        <p14:creationId xmlns:p14="http://schemas.microsoft.com/office/powerpoint/2010/main" val="2817357683"/>
-      </p:ext>
-    </p:extLst>
   </p:cSld>
   <p:clrMapOvr>
     <a:masterClrMapping/>
@@ -10633,13 +11076,7 @@
       </p:grpSpPr>
       <p:sp>
         <p:nvSpPr>
-          <p:cNvPr id="2" name="标题 1">
-            <a:extLst>
-              <a:ext uri="{FF2B5EF4-FFF2-40B4-BE49-F238E27FC236}">
-                <a16:creationId xmlns:a16="http://schemas.microsoft.com/office/drawing/2014/main" id="{F328EA2B-492E-4889-A978-C1A0719E663F}"/>
-              </a:ext>
-            </a:extLst>
-          </p:cNvPr>
+          <p:cNvPr id="2" name="标题 1"/>
           <p:cNvSpPr>
             <a:spLocks noGrp="1"/>
           </p:cNvSpPr>
@@ -10650,30 +11087,21 @@
         <p:spPr/>
         <p:txBody>
           <a:bodyPr>
-            <a:normAutofit fontScale="90000"/>
+            <a:normAutofit/>
           </a:bodyPr>
           <a:lstStyle/>
           <a:p>
             <a:r>
-              <a:rPr lang="en-US" altLang="zh-CN" sz="3900" dirty="0"/>
-              <a:t>Creational Patterns</a:t>
-            </a:r>
-            <a:br>
-              <a:rPr lang="zh-CN" altLang="en-US" dirty="0"/>
-            </a:br>
+              <a:rPr lang="en-US" altLang="zh-CN" dirty="0"/>
+              <a:t>Basic Principle</a:t>
+            </a:r>
             <a:endParaRPr lang="zh-CN" altLang="en-US" dirty="0"/>
           </a:p>
         </p:txBody>
       </p:sp>
       <p:sp>
         <p:nvSpPr>
-          <p:cNvPr id="3" name="内容占位符 2">
-            <a:extLst>
-              <a:ext uri="{FF2B5EF4-FFF2-40B4-BE49-F238E27FC236}">
-                <a16:creationId xmlns:a16="http://schemas.microsoft.com/office/drawing/2014/main" id="{C3A115D0-779C-4BB4-A723-511F2C6BA4A7}"/>
-              </a:ext>
-            </a:extLst>
-          </p:cNvPr>
+          <p:cNvPr id="3" name="内容占位符 2"/>
           <p:cNvSpPr>
             <a:spLocks noGrp="1"/>
           </p:cNvSpPr>
@@ -10687,19 +11115,14 @@
           <a:lstStyle/>
           <a:p>
             <a:r>
-              <a:rPr lang="zh-CN" altLang="en-US" b="1" dirty="0"/>
-              <a:t>创建型模式</a:t>
+              <a:rPr lang="zh-CN" altLang="en-US" dirty="0"/>
+              <a:t>基本原则</a:t>
             </a:r>
             <a:endParaRPr lang="zh-CN" altLang="en-US" dirty="0"/>
           </a:p>
         </p:txBody>
       </p:sp>
     </p:spTree>
-    <p:extLst>
-      <p:ext uri="{BB962C8B-B14F-4D97-AF65-F5344CB8AC3E}">
-        <p14:creationId xmlns:p14="http://schemas.microsoft.com/office/powerpoint/2010/main" val="2628923534"/>
-      </p:ext>
-    </p:extLst>
   </p:cSld>
   <p:clrMapOvr>
     <a:masterClrMapping/>
@@ -10730,7 +11153,7 @@
           <p:cNvSpPr txBox="1"/>
           <p:nvPr>
             <p:custDataLst>
-              <p:tags r:id="rId2"/>
+              <p:tags r:id="rId1"/>
             </p:custDataLst>
           </p:nvPr>
         </p:nvSpPr>
@@ -10772,27 +11195,22 @@
           <a:p>
             <a:r>
               <a:rPr lang="zh-CN" altLang="en-US" dirty="0"/>
-              <a:t>设计模式分类</a:t>
-            </a:r>
-          </a:p>
-        </p:txBody>
-      </p:sp>
-      <p:sp>
-        <p:nvSpPr>
-          <p:cNvPr id="3" name="文本框 2">
-            <a:extLst>
-              <a:ext uri="{FF2B5EF4-FFF2-40B4-BE49-F238E27FC236}">
-                <a16:creationId xmlns:a16="http://schemas.microsoft.com/office/drawing/2014/main" id="{6FBF8D99-FB3D-4D87-A95F-C3882FE7B1C9}"/>
-              </a:ext>
-            </a:extLst>
-          </p:cNvPr>
+              <a:t>基本原则</a:t>
+            </a:r>
+            <a:endParaRPr lang="zh-CN" altLang="en-US" dirty="0"/>
+          </a:p>
+        </p:txBody>
+      </p:sp>
+      <p:sp>
+        <p:nvSpPr>
+          <p:cNvPr id="3" name="文本框 2"/>
           <p:cNvSpPr txBox="1"/>
           <p:nvPr/>
         </p:nvSpPr>
         <p:spPr>
           <a:xfrm>
             <a:off x="566431" y="2057436"/>
-            <a:ext cx="8334776" cy="3674019"/>
+            <a:ext cx="8334776" cy="1714500"/>
           </a:xfrm>
           <a:prstGeom prst="rect">
             <a:avLst/>
@@ -10805,120 +11223,75 @@
           </a:bodyPr>
           <a:lstStyle/>
           <a:p>
-            <a:pPr marL="457200" indent="-457200">
+            <a:pPr marL="342900" indent="-342900" eaLnBrk="1" hangingPunct="1">
               <a:lnSpc>
-                <a:spcPct val="200000"/>
+                <a:spcPct val="110000"/>
               </a:lnSpc>
               <a:buClr>
                 <a:srgbClr val="0070C0"/>
               </a:buClr>
-              <a:buFont typeface="+mj-lt"/>
-              <a:buAutoNum type="arabicPeriod"/>
+              <a:buFont typeface="Wingdings" panose="05000000000000000000" pitchFamily="2" charset="2"/>
+              <a:buChar char="Ø"/>
             </a:pPr>
             <a:r>
-              <a:rPr lang="zh-CN" altLang="en-US" dirty="0"/>
-              <a:t>工厂模式</a:t>
-            </a:r>
-            <a:r>
-              <a:rPr lang="en-US" altLang="zh-CN" dirty="0"/>
-              <a:t>(The Factory Pattern)</a:t>
-            </a:r>
-          </a:p>
-          <a:p>
-            <a:pPr marL="457200" indent="-457200">
+              <a:rPr lang="zh-CN" altLang="zh-CN" dirty="0"/>
+              <a:t>单一职责原则</a:t>
+            </a:r>
+            <a:endParaRPr lang="zh-CN" altLang="zh-CN" dirty="0"/>
+          </a:p>
+          <a:p>
+            <a:pPr marL="342900" indent="-342900" eaLnBrk="1" hangingPunct="1">
               <a:lnSpc>
-                <a:spcPct val="200000"/>
+                <a:spcPct val="110000"/>
               </a:lnSpc>
               <a:buClr>
                 <a:srgbClr val="0070C0"/>
               </a:buClr>
-              <a:buFont typeface="+mj-lt"/>
-              <a:buAutoNum type="arabicPeriod"/>
+              <a:buFont typeface="Wingdings" panose="05000000000000000000" pitchFamily="2" charset="2"/>
+              <a:buChar char="Ø"/>
             </a:pPr>
             <a:r>
-              <a:rPr lang="zh-CN" altLang="en-US" dirty="0"/>
-              <a:t>抽象工厂模式</a:t>
-            </a:r>
-            <a:r>
-              <a:rPr lang="en-US" altLang="zh-CN" dirty="0"/>
-              <a:t>(The Abstract Factory Pattern-)</a:t>
-            </a:r>
-            <a:endParaRPr lang="zh-CN" altLang="en-US" dirty="0"/>
-          </a:p>
-          <a:p>
-            <a:pPr marL="457200" indent="-457200" eaLnBrk="1" hangingPunct="1">
+              <a:rPr lang="zh-CN" altLang="zh-CN" dirty="0"/>
+              <a:t>里氏替换原则</a:t>
+            </a:r>
+            <a:endParaRPr lang="zh-CN" altLang="zh-CN" dirty="0"/>
+          </a:p>
+          <a:p>
+            <a:pPr marL="342900" indent="-342900" eaLnBrk="1" hangingPunct="1">
               <a:lnSpc>
-                <a:spcPct val="200000"/>
+                <a:spcPct val="110000"/>
               </a:lnSpc>
               <a:buClr>
                 <a:srgbClr val="0070C0"/>
               </a:buClr>
-              <a:buFont typeface="+mj-lt"/>
-              <a:buAutoNum type="arabicPeriod"/>
+              <a:buFont typeface="Wingdings" panose="05000000000000000000" pitchFamily="2" charset="2"/>
+              <a:buChar char="Ø"/>
             </a:pPr>
             <a:r>
-              <a:rPr lang="zh-CN" altLang="en-US" dirty="0"/>
-              <a:t>单例模式</a:t>
-            </a:r>
-            <a:r>
-              <a:rPr lang="en-US" altLang="zh-CN" dirty="0"/>
-              <a:t>(The Singleton Pattern)</a:t>
-            </a:r>
-            <a:endParaRPr lang="zh-CN" altLang="en-US" dirty="0"/>
-          </a:p>
-          <a:p>
-            <a:pPr marL="457200" indent="-457200" eaLnBrk="1" hangingPunct="1">
+              <a:rPr lang="zh-CN" altLang="zh-CN" dirty="0"/>
+              <a:t>依赖倒置原则</a:t>
+            </a:r>
+            <a:endParaRPr lang="zh-CN" altLang="zh-CN" dirty="0"/>
+          </a:p>
+          <a:p>
+            <a:pPr marL="342900" indent="-342900" eaLnBrk="1" hangingPunct="1">
               <a:lnSpc>
-                <a:spcPct val="200000"/>
+                <a:spcPct val="110000"/>
               </a:lnSpc>
               <a:buClr>
                 <a:srgbClr val="0070C0"/>
               </a:buClr>
-              <a:buFont typeface="+mj-lt"/>
-              <a:buAutoNum type="arabicPeriod"/>
+              <a:buFont typeface="Wingdings" panose="05000000000000000000" pitchFamily="2" charset="2"/>
+              <a:buChar char="Ø"/>
             </a:pPr>
-            <a:r>
-              <a:rPr lang="zh-CN" altLang="en-US" dirty="0"/>
-              <a:t>原型模式</a:t>
-            </a:r>
-            <a:r>
-              <a:rPr lang="en-US" altLang="zh-CN" dirty="0"/>
-              <a:t>(The Prototype Pattern)</a:t>
-            </a:r>
-            <a:endParaRPr lang="zh-CN" altLang="en-US" dirty="0"/>
-          </a:p>
-          <a:p>
-            <a:pPr marL="457200" indent="-457200" eaLnBrk="1" hangingPunct="1">
-              <a:lnSpc>
-                <a:spcPct val="200000"/>
-              </a:lnSpc>
-              <a:buClr>
-                <a:srgbClr val="0070C0"/>
-              </a:buClr>
-              <a:buFont typeface="+mj-lt"/>
-              <a:buAutoNum type="arabicPeriod"/>
-            </a:pPr>
-            <a:r>
-              <a:rPr lang="zh-CN" altLang="en-US" dirty="0"/>
-              <a:t>建造者模式</a:t>
-            </a:r>
-            <a:r>
-              <a:rPr lang="en-US" altLang="zh-CN" dirty="0"/>
-              <a:t>(Builder Pattern)</a:t>
-            </a:r>
-            <a:endParaRPr lang="zh-CN" altLang="en-US" dirty="0"/>
+            <a:endParaRPr lang="zh-CN" altLang="zh-CN" dirty="0"/>
           </a:p>
         </p:txBody>
       </p:sp>
     </p:spTree>
     <p:custDataLst>
-      <p:tags r:id="rId1"/>
+      <p:tags r:id="rId2"/>
     </p:custDataLst>
-    <p:extLst>
-      <p:ext uri="{BB962C8B-B14F-4D97-AF65-F5344CB8AC3E}">
-        <p14:creationId xmlns:p14="http://schemas.microsoft.com/office/powerpoint/2010/main" val="529526467"/>
-      </p:ext>
-    </p:extLst>
   </p:cSld>
   <p:clrMapOvr>
     <a:masterClrMapping/>
@@ -10945,147 +11318,56 @@
       </p:grpSpPr>
       <p:sp>
         <p:nvSpPr>
-          <p:cNvPr id="8" name="标题 1"/>
-          <p:cNvSpPr txBox="1"/>
-          <p:nvPr>
-            <p:custDataLst>
-              <p:tags r:id="rId2"/>
-            </p:custDataLst>
-          </p:nvPr>
-        </p:nvSpPr>
-        <p:spPr>
-          <a:xfrm>
-            <a:off x="571608" y="661194"/>
-            <a:ext cx="7886700" cy="994172"/>
-          </a:xfrm>
-          <a:prstGeom prst="rect">
-            <a:avLst/>
-          </a:prstGeom>
-        </p:spPr>
-        <p:txBody>
-          <a:bodyPr vert="horz" wrap="square" lIns="68580" tIns="34290" rIns="68580" bIns="34290" rtlCol="0" anchor="ctr">
-            <a:normAutofit/>
-          </a:bodyPr>
-          <a:lstStyle>
-            <a:lvl1pPr defTabSz="914400">
-              <a:lnSpc>
-                <a:spcPct val="120000"/>
-              </a:lnSpc>
-              <a:spcBef>
-                <a:spcPct val="0"/>
-              </a:spcBef>
-              <a:buNone/>
-              <a:defRPr sz="3600">
-                <a:solidFill>
-                  <a:schemeClr val="tx1">
-                    <a:lumMod val="75000"/>
-                    <a:lumOff val="25000"/>
-                  </a:schemeClr>
-                </a:solidFill>
-                <a:latin typeface="+mj-lt"/>
-                <a:ea typeface="+mj-ea"/>
-                <a:cs typeface="+mj-cs"/>
-              </a:defRPr>
-            </a:lvl1pPr>
-          </a:lstStyle>
-          <a:p>
-            <a:r>
-              <a:rPr lang="zh-CN" altLang="en-US" dirty="0"/>
-              <a:t>工厂模式</a:t>
-            </a:r>
-            <a:r>
-              <a:rPr lang="en-US" altLang="zh-CN" dirty="0"/>
-              <a:t>(The Factory Pattern)</a:t>
-            </a:r>
-          </a:p>
-        </p:txBody>
-      </p:sp>
-      <p:sp>
-        <p:nvSpPr>
-          <p:cNvPr id="3" name="文本框 2">
-            <a:extLst>
-              <a:ext uri="{FF2B5EF4-FFF2-40B4-BE49-F238E27FC236}">
-                <a16:creationId xmlns:a16="http://schemas.microsoft.com/office/drawing/2014/main" id="{6FBF8D99-FB3D-4D87-A95F-C3882FE7B1C9}"/>
-              </a:ext>
-            </a:extLst>
-          </p:cNvPr>
-          <p:cNvSpPr txBox="1"/>
-          <p:nvPr/>
-        </p:nvSpPr>
-        <p:spPr>
-          <a:xfrm>
-            <a:off x="566431" y="2057436"/>
-            <a:ext cx="8334776" cy="2796856"/>
-          </a:xfrm>
-          <a:prstGeom prst="rect">
-            <a:avLst/>
-          </a:prstGeom>
-          <a:noFill/>
-        </p:spPr>
-        <p:txBody>
-          <a:bodyPr wrap="square" rtlCol="0">
-            <a:spAutoFit/>
+          <p:cNvPr id="2" name="标题 1"/>
+          <p:cNvSpPr>
+            <a:spLocks noGrp="1"/>
+          </p:cNvSpPr>
+          <p:nvPr>
+            <p:ph type="title"/>
+          </p:nvPr>
+        </p:nvSpPr>
+        <p:spPr/>
+        <p:txBody>
+          <a:bodyPr>
+            <a:normAutofit fontScale="90000"/>
           </a:bodyPr>
           <a:lstStyle/>
           <a:p>
-            <a:pPr indent="628650" eaLnBrk="1" hangingPunct="1">
-              <a:lnSpc>
-                <a:spcPct val="150000"/>
-              </a:lnSpc>
-              <a:buFont typeface="Wingdings" panose="05000000000000000000" pitchFamily="2" charset="2"/>
-              <a:buNone/>
-            </a:pPr>
-            <a:r>
-              <a:rPr lang="zh-CN" altLang="en-US" dirty="0"/>
-              <a:t>工厂模式是最常见的设计模式之一，可帮助我们组织创建对象的代码，通常用于以下两种情况：</a:t>
-            </a:r>
-          </a:p>
-          <a:p>
-            <a:pPr lvl="1" indent="-457200" eaLnBrk="1" hangingPunct="1">
-              <a:lnSpc>
-                <a:spcPct val="150000"/>
-              </a:lnSpc>
-              <a:buClr>
-                <a:srgbClr val="0070C0"/>
-              </a:buClr>
-              <a:buSzPct val="80000"/>
-              <a:buFont typeface="+mj-lt"/>
-              <a:buAutoNum type="arabicPeriod"/>
-            </a:pPr>
-            <a:r>
-              <a:rPr lang="zh-CN" altLang="en-US" dirty="0"/>
-              <a:t>创建复杂的对象，并进行初始化。</a:t>
-            </a:r>
-            <a:endParaRPr lang="en-US" altLang="zh-CN" dirty="0"/>
-          </a:p>
-          <a:p>
-            <a:pPr lvl="1" indent="-457200" eaLnBrk="1" hangingPunct="1">
-              <a:lnSpc>
-                <a:spcPct val="150000"/>
-              </a:lnSpc>
-              <a:buClr>
-                <a:srgbClr val="0070C0"/>
-              </a:buClr>
-              <a:buSzPct val="80000"/>
-              <a:buFont typeface="+mj-lt"/>
-              <a:buAutoNum type="arabicPeriod"/>
-            </a:pPr>
-            <a:r>
-              <a:rPr lang="zh-CN" altLang="en-US" dirty="0"/>
-              <a:t>根据不同的环境（输入参数），创建不同用途的对象。一般这些对象都是实现了相同的接口或继承于同一基类。</a:t>
-            </a:r>
+            <a:r>
+              <a:rPr lang="en-US" altLang="zh-CN" sz="3900" dirty="0"/>
+              <a:t>Creational Patterns</a:t>
+            </a:r>
+            <a:br>
+              <a:rPr lang="zh-CN" altLang="en-US" dirty="0"/>
+            </a:br>
+            <a:endParaRPr lang="zh-CN" altLang="en-US" dirty="0"/>
+          </a:p>
+        </p:txBody>
+      </p:sp>
+      <p:sp>
+        <p:nvSpPr>
+          <p:cNvPr id="3" name="内容占位符 2"/>
+          <p:cNvSpPr>
+            <a:spLocks noGrp="1"/>
+          </p:cNvSpPr>
+          <p:nvPr>
+            <p:ph sz="quarter" idx="13"/>
+          </p:nvPr>
+        </p:nvSpPr>
+        <p:spPr/>
+        <p:txBody>
+          <a:bodyPr/>
+          <a:lstStyle/>
+          <a:p>
+            <a:r>
+              <a:rPr lang="zh-CN" altLang="en-US" b="1" dirty="0"/>
+              <a:t>创建型模式</a:t>
+            </a:r>
+            <a:endParaRPr lang="zh-CN" altLang="en-US" dirty="0"/>
           </a:p>
         </p:txBody>
       </p:sp>
     </p:spTree>
-    <p:custDataLst>
-      <p:tags r:id="rId1"/>
-    </p:custDataLst>
-    <p:extLst>
-      <p:ext uri="{BB962C8B-B14F-4D97-AF65-F5344CB8AC3E}">
-        <p14:creationId xmlns:p14="http://schemas.microsoft.com/office/powerpoint/2010/main" val="3779037495"/>
-      </p:ext>
-    </p:extLst>
   </p:cSld>
   <p:clrMapOvr>
     <a:masterClrMapping/>
@@ -11094,15 +11376,143 @@
 </file>
 
 <file path=ppt/tags/tag1.xml><?xml version="1.0" encoding="utf-8"?>
-<p:tagLst xmlns:a="http://schemas.openxmlformats.org/drawingml/2006/main" xmlns:r="http://schemas.openxmlformats.org/officeDocument/2006/relationships" xmlns:p="http://schemas.openxmlformats.org/presentationml/2006/main">
+<p:tagLst xmlns:p="http://schemas.openxmlformats.org/presentationml/2006/main">
+  <p:tag name="KSO_WM_TAG_VERSION" val="1.0"/>
+  <p:tag name="KSO_WM_BEAUTIFY_FLAG" val="#wm#"/>
+  <p:tag name="KSO_WM_UNIT_TYPE" val="i"/>
+  <p:tag name="KSO_WM_UNIT_ID" val="custom20184556_1*i*3"/>
+  <p:tag name="KSO_WM_TEMPLATE_CATEGORY" val="custom"/>
+  <p:tag name="KSO_WM_TEMPLATE_INDEX" val="20184556"/>
+  <p:tag name="KSO_WM_UNIT_INDEX" val="3"/>
+</p:tagLst>
+</file>
+
+<file path=ppt/tags/tag10.xml><?xml version="1.0" encoding="utf-8"?>
+<p:tagLst xmlns:p="http://schemas.openxmlformats.org/presentationml/2006/main">
+  <p:tag name="KSO_WM_TAG_VERSION" val="1.0"/>
+  <p:tag name="KSO_WM_BEAUTIFY_FLAG" val="#wm#"/>
+  <p:tag name="KSO_WM_UNIT_TYPE" val="i"/>
+  <p:tag name="KSO_WM_UNIT_ID" val="custom20184556_22*i*6"/>
+  <p:tag name="KSO_WM_TEMPLATE_CATEGORY" val="custom"/>
+  <p:tag name="KSO_WM_TEMPLATE_INDEX" val="20184556"/>
+  <p:tag name="KSO_WM_UNIT_INDEX" val="6"/>
+</p:tagLst>
+</file>
+
+<file path=ppt/tags/tag11.xml><?xml version="1.0" encoding="utf-8"?>
+<p:tagLst xmlns:p="http://schemas.openxmlformats.org/presentationml/2006/main">
   <p:tag name="KSO_WM_TAG_VERSION" val="1.0"/>
   <p:tag name="KSO_WM_TEMPLATE_CATEGORY" val="custom"/>
   <p:tag name="KSO_WM_TEMPLATE_INDEX" val="20186830"/>
 </p:tagLst>
 </file>
 
-<file path=ppt/tags/tag10.xml><?xml version="1.0" encoding="utf-8"?>
-<p:tagLst xmlns:a="http://schemas.openxmlformats.org/drawingml/2006/main" xmlns:r="http://schemas.openxmlformats.org/officeDocument/2006/relationships" xmlns:p="http://schemas.openxmlformats.org/presentationml/2006/main">
+<file path=ppt/tags/tag12.xml><?xml version="1.0" encoding="utf-8"?>
+<p:tagLst xmlns:p="http://schemas.openxmlformats.org/presentationml/2006/main">
+  <p:tag name="KSO_WM_TAG_VERSION" val="1.0"/>
+  <p:tag name="KSO_WM_TEMPLATE_CATEGORY" val="custom"/>
+  <p:tag name="KSO_WM_TEMPLATE_INDEX" val="20186830"/>
+</p:tagLst>
+</file>
+
+<file path=ppt/tags/tag13.xml><?xml version="1.0" encoding="utf-8"?>
+<p:tagLst xmlns:p="http://schemas.openxmlformats.org/presentationml/2006/main">
+  <p:tag name="KSO_WM_TAG_VERSION" val="1.0"/>
+  <p:tag name="KSO_WM_BEAUTIFY_FLAG" val="#wm#"/>
+  <p:tag name="KSO_WM_COMBINE_RELATE_SLIDE_ID" val="background20181909_1"/>
+  <p:tag name="KSO_WM_TEMPLATE_CATEGORY" val="custom"/>
+  <p:tag name="KSO_WM_TEMPLATE_INDEX" val="20186830"/>
+  <p:tag name="KSO_WM_TEMPLATE_SUBCATEGORY" val="combine"/>
+  <p:tag name="KSO_WM_TEMPLATE_THUMBS_INDEX" val="1、6、10、15、19、22"/>
+</p:tagLst>
+</file>
+
+<file path=ppt/tags/tag14.xml><?xml version="1.0" encoding="utf-8"?>
+<p:tagLst xmlns:p="http://schemas.openxmlformats.org/presentationml/2006/main">
+  <p:tag name="KSO_WM_TAG_VERSION" val="1.0"/>
+  <p:tag name="KSO_WM_BEAUTIFY_FLAG" val="#wm#"/>
+  <p:tag name="KSO_WM_UNIT_TYPE" val="i"/>
+  <p:tag name="KSO_WM_UNIT_ID" val="custom20184556_1*i*3"/>
+  <p:tag name="KSO_WM_TEMPLATE_CATEGORY" val="custom"/>
+  <p:tag name="KSO_WM_TEMPLATE_INDEX" val="20184556"/>
+  <p:tag name="KSO_WM_UNIT_INDEX" val="3"/>
+</p:tagLst>
+</file>
+
+<file path=ppt/tags/tag15.xml><?xml version="1.0" encoding="utf-8"?>
+<p:tagLst xmlns:p="http://schemas.openxmlformats.org/presentationml/2006/main">
+  <p:tag name="KSO_WM_TAG_VERSION" val="1.0"/>
+  <p:tag name="KSO_WM_BEAUTIFY_FLAG" val="#wm#"/>
+  <p:tag name="KSO_WM_UNIT_TYPE" val="i"/>
+  <p:tag name="KSO_WM_UNIT_ID" val="custom20184556_1*i*4"/>
+  <p:tag name="KSO_WM_TEMPLATE_CATEGORY" val="custom"/>
+  <p:tag name="KSO_WM_TEMPLATE_INDEX" val="20184556"/>
+  <p:tag name="KSO_WM_UNIT_INDEX" val="4"/>
+</p:tagLst>
+</file>
+
+<file path=ppt/tags/tag16.xml><?xml version="1.0" encoding="utf-8"?>
+<p:tagLst xmlns:p="http://schemas.openxmlformats.org/presentationml/2006/main">
+  <p:tag name="KSO_WM_TAG_VERSION" val="1.0"/>
+  <p:tag name="KSO_WM_BEAUTIFY_FLAG" val="#wm#"/>
+  <p:tag name="KSO_WM_UNIT_TYPE" val="i"/>
+  <p:tag name="KSO_WM_UNIT_ID" val="custom20184556_1*i*5"/>
+  <p:tag name="KSO_WM_TEMPLATE_CATEGORY" val="custom"/>
+  <p:tag name="KSO_WM_TEMPLATE_INDEX" val="20184556"/>
+  <p:tag name="KSO_WM_UNIT_INDEX" val="5"/>
+</p:tagLst>
+</file>
+
+<file path=ppt/tags/tag17.xml><?xml version="1.0" encoding="utf-8"?>
+<p:tagLst xmlns:p="http://schemas.openxmlformats.org/presentationml/2006/main">
+  <p:tag name="KSO_WM_TAG_VERSION" val="1.0"/>
+  <p:tag name="KSO_WM_BEAUTIFY_FLAG" val="#wm#"/>
+  <p:tag name="KSO_WM_UNIT_TYPE" val="i"/>
+  <p:tag name="KSO_WM_UNIT_ID" val="custom20184556_1*i*6"/>
+  <p:tag name="KSO_WM_TEMPLATE_CATEGORY" val="custom"/>
+  <p:tag name="KSO_WM_TEMPLATE_INDEX" val="20184556"/>
+  <p:tag name="KSO_WM_UNIT_INDEX" val="6"/>
+</p:tagLst>
+</file>
+
+<file path=ppt/tags/tag18.xml><?xml version="1.0" encoding="utf-8"?>
+<p:tagLst xmlns:p="http://schemas.openxmlformats.org/presentationml/2006/main">
+  <p:tag name="KSO_WM_TAG_VERSION" val="1.0"/>
+  <p:tag name="KSO_WM_BEAUTIFY_FLAG" val="#wm#"/>
+  <p:tag name="KSO_WM_UNIT_TYPE" val="i"/>
+  <p:tag name="KSO_WM_UNIT_ID" val="custom20184556_1*i*7"/>
+  <p:tag name="KSO_WM_TEMPLATE_CATEGORY" val="custom"/>
+  <p:tag name="KSO_WM_TEMPLATE_INDEX" val="20184556"/>
+  <p:tag name="KSO_WM_UNIT_INDEX" val="7"/>
+</p:tagLst>
+</file>
+
+<file path=ppt/tags/tag19.xml><?xml version="1.0" encoding="utf-8"?>
+<p:tagLst xmlns:p="http://schemas.openxmlformats.org/presentationml/2006/main">
+  <p:tag name="KSO_WM_TAG_VERSION" val="1.0"/>
+  <p:tag name="KSO_WM_BEAUTIFY_FLAG" val="#wm#"/>
+  <p:tag name="KSO_WM_UNIT_TYPE" val="i"/>
+  <p:tag name="KSO_WM_UNIT_ID" val="custom20184556_22*i*2"/>
+  <p:tag name="KSO_WM_TEMPLATE_CATEGORY" val="custom"/>
+  <p:tag name="KSO_WM_TEMPLATE_INDEX" val="20184556"/>
+  <p:tag name="KSO_WM_UNIT_INDEX" val="2"/>
+</p:tagLst>
+</file>
+
+<file path=ppt/tags/tag2.xml><?xml version="1.0" encoding="utf-8"?>
+<p:tagLst xmlns:p="http://schemas.openxmlformats.org/presentationml/2006/main">
+  <p:tag name="KSO_WM_TAG_VERSION" val="1.0"/>
+  <p:tag name="KSO_WM_BEAUTIFY_FLAG" val="#wm#"/>
+  <p:tag name="KSO_WM_UNIT_TYPE" val="i"/>
+  <p:tag name="KSO_WM_UNIT_ID" val="custom20184556_1*i*4"/>
+  <p:tag name="KSO_WM_TEMPLATE_CATEGORY" val="custom"/>
+  <p:tag name="KSO_WM_TEMPLATE_INDEX" val="20184556"/>
+  <p:tag name="KSO_WM_UNIT_INDEX" val="4"/>
+</p:tagLst>
+</file>
+
+<file path=ppt/tags/tag20.xml><?xml version="1.0" encoding="utf-8"?>
+<p:tagLst xmlns:p="http://schemas.openxmlformats.org/presentationml/2006/main">
   <p:tag name="KSO_WM_TAG_VERSION" val="1.0"/>
   <p:tag name="KSO_WM_BEAUTIFY_FLAG" val="#wm#"/>
   <p:tag name="KSO_WM_UNIT_TYPE" val="i"/>
@@ -11113,8 +11523,8 @@
 </p:tagLst>
 </file>
 
-<file path=ppt/tags/tag11.xml><?xml version="1.0" encoding="utf-8"?>
-<p:tagLst xmlns:a="http://schemas.openxmlformats.org/drawingml/2006/main" xmlns:r="http://schemas.openxmlformats.org/officeDocument/2006/relationships" xmlns:p="http://schemas.openxmlformats.org/presentationml/2006/main">
+<file path=ppt/tags/tag21.xml><?xml version="1.0" encoding="utf-8"?>
+<p:tagLst xmlns:p="http://schemas.openxmlformats.org/presentationml/2006/main">
   <p:tag name="KSO_WM_TAG_VERSION" val="1.0"/>
   <p:tag name="KSO_WM_BEAUTIFY_FLAG" val="#wm#"/>
   <p:tag name="KSO_WM_UNIT_TYPE" val="i"/>
@@ -11125,8 +11535,8 @@
 </p:tagLst>
 </file>
 
-<file path=ppt/tags/tag12.xml><?xml version="1.0" encoding="utf-8"?>
-<p:tagLst xmlns:a="http://schemas.openxmlformats.org/drawingml/2006/main" xmlns:r="http://schemas.openxmlformats.org/officeDocument/2006/relationships" xmlns:p="http://schemas.openxmlformats.org/presentationml/2006/main">
+<file path=ppt/tags/tag22.xml><?xml version="1.0" encoding="utf-8"?>
+<p:tagLst xmlns:p="http://schemas.openxmlformats.org/presentationml/2006/main">
   <p:tag name="KSO_WM_TAG_VERSION" val="1.0"/>
   <p:tag name="KSO_WM_BEAUTIFY_FLAG" val="#wm#"/>
   <p:tag name="KSO_WM_UNIT_TYPE" val="i"/>
@@ -11137,8 +11547,8 @@
 </p:tagLst>
 </file>
 
-<file path=ppt/tags/tag13.xml><?xml version="1.0" encoding="utf-8"?>
-<p:tagLst xmlns:a="http://schemas.openxmlformats.org/drawingml/2006/main" xmlns:r="http://schemas.openxmlformats.org/officeDocument/2006/relationships" xmlns:p="http://schemas.openxmlformats.org/presentationml/2006/main">
+<file path=ppt/tags/tag23.xml><?xml version="1.0" encoding="utf-8"?>
+<p:tagLst xmlns:p="http://schemas.openxmlformats.org/presentationml/2006/main">
   <p:tag name="KSO_WM_TAG_VERSION" val="1.0"/>
   <p:tag name="KSO_WM_BEAUTIFY_FLAG" val="#wm#"/>
   <p:tag name="KSO_WM_UNIT_TYPE" val="i"/>
@@ -11149,24 +11559,24 @@
 </p:tagLst>
 </file>
 
-<file path=ppt/tags/tag14.xml><?xml version="1.0" encoding="utf-8"?>
-<p:tagLst xmlns:a="http://schemas.openxmlformats.org/drawingml/2006/main" xmlns:r="http://schemas.openxmlformats.org/officeDocument/2006/relationships" xmlns:p="http://schemas.openxmlformats.org/presentationml/2006/main">
+<file path=ppt/tags/tag24.xml><?xml version="1.0" encoding="utf-8"?>
+<p:tagLst xmlns:p="http://schemas.openxmlformats.org/presentationml/2006/main">
   <p:tag name="KSO_WM_TAG_VERSION" val="1.0"/>
   <p:tag name="KSO_WM_TEMPLATE_CATEGORY" val="custom"/>
   <p:tag name="KSO_WM_TEMPLATE_INDEX" val="20186830"/>
 </p:tagLst>
 </file>
 
-<file path=ppt/tags/tag15.xml><?xml version="1.0" encoding="utf-8"?>
-<p:tagLst xmlns:a="http://schemas.openxmlformats.org/drawingml/2006/main" xmlns:r="http://schemas.openxmlformats.org/officeDocument/2006/relationships" xmlns:p="http://schemas.openxmlformats.org/presentationml/2006/main">
+<file path=ppt/tags/tag25.xml><?xml version="1.0" encoding="utf-8"?>
+<p:tagLst xmlns:p="http://schemas.openxmlformats.org/presentationml/2006/main">
   <p:tag name="KSO_WM_TAG_VERSION" val="1.0"/>
   <p:tag name="KSO_WM_TEMPLATE_CATEGORY" val="custom"/>
   <p:tag name="KSO_WM_TEMPLATE_INDEX" val="20186830"/>
 </p:tagLst>
 </file>
 
-<file path=ppt/tags/tag16.xml><?xml version="1.0" encoding="utf-8"?>
-<p:tagLst xmlns:a="http://schemas.openxmlformats.org/drawingml/2006/main" xmlns:r="http://schemas.openxmlformats.org/officeDocument/2006/relationships" xmlns:p="http://schemas.openxmlformats.org/presentationml/2006/main">
+<file path=ppt/tags/tag26.xml><?xml version="1.0" encoding="utf-8"?>
+<p:tagLst xmlns:p="http://schemas.openxmlformats.org/presentationml/2006/main">
   <p:tag name="KSO_WM_TAG_VERSION" val="1.0"/>
   <p:tag name="KSO_WM_BEAUTIFY_FLAG" val="#wm#"/>
   <p:tag name="KSO_WM_COMBINE_RELATE_SLIDE_ID" val="background20181909_1"/>
@@ -11177,155 +11587,27 @@
 </p:tagLst>
 </file>
 
-<file path=ppt/tags/tag17.xml><?xml version="1.0" encoding="utf-8"?>
-<p:tagLst xmlns:a="http://schemas.openxmlformats.org/drawingml/2006/main" xmlns:r="http://schemas.openxmlformats.org/officeDocument/2006/relationships" xmlns:p="http://schemas.openxmlformats.org/presentationml/2006/main">
+<file path=ppt/tags/tag27.xml><?xml version="1.0" encoding="utf-8"?>
+<p:tagLst xmlns:p="http://schemas.openxmlformats.org/presentationml/2006/main">
+  <p:tag name="KSO_WM_TEMPLATE_CATEGORY" val="custom"/>
+  <p:tag name="KSO_WM_TEMPLATE_INDEX" val="20186830"/>
   <p:tag name="KSO_WM_TAG_VERSION" val="1.0"/>
   <p:tag name="KSO_WM_BEAUTIFY_FLAG" val="#wm#"/>
-  <p:tag name="KSO_WM_UNIT_TYPE" val="i"/>
-  <p:tag name="KSO_WM_UNIT_ID" val="custom20184556_1*i*3"/>
-  <p:tag name="KSO_WM_TEMPLATE_CATEGORY" val="custom"/>
-  <p:tag name="KSO_WM_TEMPLATE_INDEX" val="20184556"/>
-  <p:tag name="KSO_WM_UNIT_INDEX" val="3"/>
-</p:tagLst>
-</file>
-
-<file path=ppt/tags/tag18.xml><?xml version="1.0" encoding="utf-8"?>
-<p:tagLst xmlns:a="http://schemas.openxmlformats.org/drawingml/2006/main" xmlns:r="http://schemas.openxmlformats.org/officeDocument/2006/relationships" xmlns:p="http://schemas.openxmlformats.org/presentationml/2006/main">
-  <p:tag name="KSO_WM_TAG_VERSION" val="1.0"/>
-  <p:tag name="KSO_WM_BEAUTIFY_FLAG" val="#wm#"/>
-  <p:tag name="KSO_WM_UNIT_TYPE" val="i"/>
-  <p:tag name="KSO_WM_UNIT_ID" val="custom20184556_1*i*4"/>
-  <p:tag name="KSO_WM_TEMPLATE_CATEGORY" val="custom"/>
-  <p:tag name="KSO_WM_TEMPLATE_INDEX" val="20184556"/>
-  <p:tag name="KSO_WM_UNIT_INDEX" val="4"/>
-</p:tagLst>
-</file>
-
-<file path=ppt/tags/tag19.xml><?xml version="1.0" encoding="utf-8"?>
-<p:tagLst xmlns:a="http://schemas.openxmlformats.org/drawingml/2006/main" xmlns:r="http://schemas.openxmlformats.org/officeDocument/2006/relationships" xmlns:p="http://schemas.openxmlformats.org/presentationml/2006/main">
-  <p:tag name="KSO_WM_TAG_VERSION" val="1.0"/>
-  <p:tag name="KSO_WM_BEAUTIFY_FLAG" val="#wm#"/>
-  <p:tag name="KSO_WM_UNIT_TYPE" val="i"/>
-  <p:tag name="KSO_WM_UNIT_ID" val="custom20184556_1*i*5"/>
-  <p:tag name="KSO_WM_TEMPLATE_CATEGORY" val="custom"/>
-  <p:tag name="KSO_WM_TEMPLATE_INDEX" val="20184556"/>
-  <p:tag name="KSO_WM_UNIT_INDEX" val="5"/>
-</p:tagLst>
-</file>
-
-<file path=ppt/tags/tag2.xml><?xml version="1.0" encoding="utf-8"?>
-<p:tagLst xmlns:a="http://schemas.openxmlformats.org/drawingml/2006/main" xmlns:r="http://schemas.openxmlformats.org/officeDocument/2006/relationships" xmlns:p="http://schemas.openxmlformats.org/presentationml/2006/main">
-  <p:tag name="KSO_WM_TAG_VERSION" val="1.0"/>
-  <p:tag name="KSO_WM_TEMPLATE_CATEGORY" val="custom"/>
-  <p:tag name="KSO_WM_TEMPLATE_INDEX" val="20186830"/>
-</p:tagLst>
-</file>
-
-<file path=ppt/tags/tag20.xml><?xml version="1.0" encoding="utf-8"?>
-<p:tagLst xmlns:a="http://schemas.openxmlformats.org/drawingml/2006/main" xmlns:r="http://schemas.openxmlformats.org/officeDocument/2006/relationships" xmlns:p="http://schemas.openxmlformats.org/presentationml/2006/main">
-  <p:tag name="KSO_WM_TAG_VERSION" val="1.0"/>
-  <p:tag name="KSO_WM_BEAUTIFY_FLAG" val="#wm#"/>
-  <p:tag name="KSO_WM_UNIT_TYPE" val="i"/>
-  <p:tag name="KSO_WM_UNIT_ID" val="custom20184556_1*i*6"/>
-  <p:tag name="KSO_WM_TEMPLATE_CATEGORY" val="custom"/>
-  <p:tag name="KSO_WM_TEMPLATE_INDEX" val="20184556"/>
-  <p:tag name="KSO_WM_UNIT_INDEX" val="6"/>
-</p:tagLst>
-</file>
-
-<file path=ppt/tags/tag21.xml><?xml version="1.0" encoding="utf-8"?>
-<p:tagLst xmlns:a="http://schemas.openxmlformats.org/drawingml/2006/main" xmlns:r="http://schemas.openxmlformats.org/officeDocument/2006/relationships" xmlns:p="http://schemas.openxmlformats.org/presentationml/2006/main">
-  <p:tag name="KSO_WM_TAG_VERSION" val="1.0"/>
-  <p:tag name="KSO_WM_BEAUTIFY_FLAG" val="#wm#"/>
-  <p:tag name="KSO_WM_UNIT_TYPE" val="i"/>
-  <p:tag name="KSO_WM_UNIT_ID" val="custom20184556_1*i*7"/>
-  <p:tag name="KSO_WM_TEMPLATE_CATEGORY" val="custom"/>
-  <p:tag name="KSO_WM_TEMPLATE_INDEX" val="20184556"/>
-  <p:tag name="KSO_WM_UNIT_INDEX" val="7"/>
-</p:tagLst>
-</file>
-
-<file path=ppt/tags/tag22.xml><?xml version="1.0" encoding="utf-8"?>
-<p:tagLst xmlns:a="http://schemas.openxmlformats.org/drawingml/2006/main" xmlns:r="http://schemas.openxmlformats.org/officeDocument/2006/relationships" xmlns:p="http://schemas.openxmlformats.org/presentationml/2006/main">
-  <p:tag name="KSO_WM_TAG_VERSION" val="1.0"/>
-  <p:tag name="KSO_WM_BEAUTIFY_FLAG" val="#wm#"/>
-  <p:tag name="KSO_WM_UNIT_TYPE" val="i"/>
-  <p:tag name="KSO_WM_UNIT_ID" val="custom20184556_22*i*2"/>
-  <p:tag name="KSO_WM_TEMPLATE_CATEGORY" val="custom"/>
-  <p:tag name="KSO_WM_TEMPLATE_INDEX" val="20184556"/>
-  <p:tag name="KSO_WM_UNIT_INDEX" val="2"/>
-</p:tagLst>
-</file>
-
-<file path=ppt/tags/tag23.xml><?xml version="1.0" encoding="utf-8"?>
-<p:tagLst xmlns:a="http://schemas.openxmlformats.org/drawingml/2006/main" xmlns:r="http://schemas.openxmlformats.org/officeDocument/2006/relationships" xmlns:p="http://schemas.openxmlformats.org/presentationml/2006/main">
-  <p:tag name="KSO_WM_TAG_VERSION" val="1.0"/>
-  <p:tag name="KSO_WM_BEAUTIFY_FLAG" val="#wm#"/>
-  <p:tag name="KSO_WM_UNIT_TYPE" val="i"/>
-  <p:tag name="KSO_WM_UNIT_ID" val="custom20184556_22*i*3"/>
-  <p:tag name="KSO_WM_TEMPLATE_CATEGORY" val="custom"/>
-  <p:tag name="KSO_WM_TEMPLATE_INDEX" val="20184556"/>
-  <p:tag name="KSO_WM_UNIT_INDEX" val="3"/>
-</p:tagLst>
-</file>
-
-<file path=ppt/tags/tag24.xml><?xml version="1.0" encoding="utf-8"?>
-<p:tagLst xmlns:a="http://schemas.openxmlformats.org/drawingml/2006/main" xmlns:r="http://schemas.openxmlformats.org/officeDocument/2006/relationships" xmlns:p="http://schemas.openxmlformats.org/presentationml/2006/main">
-  <p:tag name="KSO_WM_TAG_VERSION" val="1.0"/>
-  <p:tag name="KSO_WM_BEAUTIFY_FLAG" val="#wm#"/>
-  <p:tag name="KSO_WM_UNIT_TYPE" val="i"/>
-  <p:tag name="KSO_WM_UNIT_ID" val="custom20184556_22*i*4"/>
-  <p:tag name="KSO_WM_TEMPLATE_CATEGORY" val="custom"/>
-  <p:tag name="KSO_WM_TEMPLATE_INDEX" val="20184556"/>
-  <p:tag name="KSO_WM_UNIT_INDEX" val="4"/>
-</p:tagLst>
-</file>
-
-<file path=ppt/tags/tag25.xml><?xml version="1.0" encoding="utf-8"?>
-<p:tagLst xmlns:a="http://schemas.openxmlformats.org/drawingml/2006/main" xmlns:r="http://schemas.openxmlformats.org/officeDocument/2006/relationships" xmlns:p="http://schemas.openxmlformats.org/presentationml/2006/main">
-  <p:tag name="KSO_WM_TAG_VERSION" val="1.0"/>
-  <p:tag name="KSO_WM_BEAUTIFY_FLAG" val="#wm#"/>
-  <p:tag name="KSO_WM_UNIT_TYPE" val="i"/>
-  <p:tag name="KSO_WM_UNIT_ID" val="custom20184556_22*i*5"/>
-  <p:tag name="KSO_WM_TEMPLATE_CATEGORY" val="custom"/>
-  <p:tag name="KSO_WM_TEMPLATE_INDEX" val="20184556"/>
-  <p:tag name="KSO_WM_UNIT_INDEX" val="5"/>
-</p:tagLst>
-</file>
-
-<file path=ppt/tags/tag26.xml><?xml version="1.0" encoding="utf-8"?>
-<p:tagLst xmlns:a="http://schemas.openxmlformats.org/drawingml/2006/main" xmlns:r="http://schemas.openxmlformats.org/officeDocument/2006/relationships" xmlns:p="http://schemas.openxmlformats.org/presentationml/2006/main">
-  <p:tag name="KSO_WM_TAG_VERSION" val="1.0"/>
-  <p:tag name="KSO_WM_BEAUTIFY_FLAG" val="#wm#"/>
-  <p:tag name="KSO_WM_UNIT_TYPE" val="i"/>
-  <p:tag name="KSO_WM_UNIT_ID" val="custom20184556_22*i*6"/>
-  <p:tag name="KSO_WM_TEMPLATE_CATEGORY" val="custom"/>
-  <p:tag name="KSO_WM_TEMPLATE_INDEX" val="20184556"/>
-  <p:tag name="KSO_WM_UNIT_INDEX" val="6"/>
-</p:tagLst>
-</file>
-
-<file path=ppt/tags/tag27.xml><?xml version="1.0" encoding="utf-8"?>
-<p:tagLst xmlns:a="http://schemas.openxmlformats.org/drawingml/2006/main" xmlns:r="http://schemas.openxmlformats.org/officeDocument/2006/relationships" xmlns:p="http://schemas.openxmlformats.org/presentationml/2006/main">
-  <p:tag name="KSO_WM_TAG_VERSION" val="1.0"/>
-  <p:tag name="KSO_WM_SLIDE_ITEM_CNT" val="2"/>
-  <p:tag name="KSO_WM_SLIDE_LAYOUT" val="a_b_c"/>
-  <p:tag name="KSO_WM_SLIDE_LAYOUT_CNT" val="1_1_1"/>
-  <p:tag name="KSO_WM_SLIDE_TYPE" val="title"/>
-  <p:tag name="KSO_WM_BEAUTIFY_FLAG" val="#wm#"/>
-  <p:tag name="KSO_WM_COMBINE_RELATE_SLIDE_ID" val="background20181909_1"/>
-  <p:tag name="KSO_WM_TEMPLATE_CATEGORY" val="custom"/>
-  <p:tag name="KSO_WM_TEMPLATE_INDEX" val="20186830"/>
-  <p:tag name="KSO_WM_SLIDE_ID" val="custom20186830_1"/>
-  <p:tag name="KSO_WM_SLIDE_INDEX" val="1"/>
-  <p:tag name="KSO_WM_TEMPLATE_SUBCATEGORY" val="combine"/>
-  <p:tag name="KSO_WM_TEMPLATE_THUMBS_INDEX" val="1、6、10、15、19、22、"/>
-  <p:tag name="KSO_WM_SLIDE_SUBTYPE" val="pureTxt"/>
+  <p:tag name="KSO_WM_UNIT_TYPE" val="a"/>
+  <p:tag name="KSO_WM_UNIT_INDEX" val="1"/>
+  <p:tag name="KSO_WM_UNIT_ID" val="custom20186830_1*a*1"/>
+  <p:tag name="KSO_WM_UNIT_LAYERLEVEL" val="1"/>
+  <p:tag name="KSO_WM_UNIT_VALUE" val="9"/>
+  <p:tag name="KSO_WM_UNIT_ISCONTENTSTITLE" val="0"/>
+  <p:tag name="KSO_WM_UNIT_HIGHLIGHT" val="0"/>
+  <p:tag name="KSO_WM_UNIT_COMPATIBLE" val="0"/>
+  <p:tag name="KSO_WM_UNIT_CLEAR" val="0"/>
+  <p:tag name="KSO_WM_UNIT_PRESET_TEXT" val="黑白简约商务通用"/>
 </p:tagLst>
 </file>
 
 <file path=ppt/tags/tag28.xml><?xml version="1.0" encoding="utf-8"?>
-<p:tagLst xmlns:a="http://schemas.openxmlformats.org/drawingml/2006/main" xmlns:r="http://schemas.openxmlformats.org/officeDocument/2006/relationships" xmlns:p="http://schemas.openxmlformats.org/presentationml/2006/main">
+<p:tagLst xmlns:p="http://schemas.openxmlformats.org/presentationml/2006/main">
   <p:tag name="KSO_WM_TEMPLATE_CATEGORY" val="custom"/>
   <p:tag name="KSO_WM_TEMPLATE_INDEX" val="20186830"/>
   <p:tag name="KSO_WM_TAG_VERSION" val="1.0"/>
@@ -11344,38 +11626,7 @@
 </file>
 
 <file path=ppt/tags/tag29.xml><?xml version="1.0" encoding="utf-8"?>
-<p:tagLst xmlns:a="http://schemas.openxmlformats.org/drawingml/2006/main" xmlns:r="http://schemas.openxmlformats.org/officeDocument/2006/relationships" xmlns:p="http://schemas.openxmlformats.org/presentationml/2006/main">
-  <p:tag name="KSO_WM_TEMPLATE_CATEGORY" val="custom"/>
-  <p:tag name="KSO_WM_TEMPLATE_INDEX" val="20186830"/>
-  <p:tag name="KSO_WM_TAG_VERSION" val="1.0"/>
-  <p:tag name="KSO_WM_BEAUTIFY_FLAG" val="#wm#"/>
-  <p:tag name="KSO_WM_UNIT_TYPE" val="a"/>
-  <p:tag name="KSO_WM_UNIT_INDEX" val="1"/>
-  <p:tag name="KSO_WM_UNIT_ID" val="custom20186830_1*a*1"/>
-  <p:tag name="KSO_WM_UNIT_LAYERLEVEL" val="1"/>
-  <p:tag name="KSO_WM_UNIT_VALUE" val="9"/>
-  <p:tag name="KSO_WM_UNIT_ISCONTENTSTITLE" val="0"/>
-  <p:tag name="KSO_WM_UNIT_HIGHLIGHT" val="0"/>
-  <p:tag name="KSO_WM_UNIT_COMPATIBLE" val="0"/>
-  <p:tag name="KSO_WM_UNIT_CLEAR" val="0"/>
-  <p:tag name="KSO_WM_UNIT_PRESET_TEXT" val="黑白简约商务通用"/>
-</p:tagLst>
-</file>
-
-<file path=ppt/tags/tag3.xml><?xml version="1.0" encoding="utf-8"?>
-<p:tagLst xmlns:a="http://schemas.openxmlformats.org/drawingml/2006/main" xmlns:r="http://schemas.openxmlformats.org/officeDocument/2006/relationships" xmlns:p="http://schemas.openxmlformats.org/presentationml/2006/main">
-  <p:tag name="KSO_WM_TAG_VERSION" val="1.0"/>
-  <p:tag name="KSO_WM_BEAUTIFY_FLAG" val="#wm#"/>
-  <p:tag name="KSO_WM_COMBINE_RELATE_SLIDE_ID" val="background20181909_1"/>
-  <p:tag name="KSO_WM_TEMPLATE_CATEGORY" val="custom"/>
-  <p:tag name="KSO_WM_TEMPLATE_INDEX" val="20186830"/>
-  <p:tag name="KSO_WM_TEMPLATE_SUBCATEGORY" val="combine"/>
-  <p:tag name="KSO_WM_TEMPLATE_THUMBS_INDEX" val="1、6、10、15、19、22"/>
-</p:tagLst>
-</file>
-
-<file path=ppt/tags/tag30.xml><?xml version="1.0" encoding="utf-8"?>
-<p:tagLst xmlns:a="http://schemas.openxmlformats.org/drawingml/2006/main" xmlns:r="http://schemas.openxmlformats.org/officeDocument/2006/relationships" xmlns:p="http://schemas.openxmlformats.org/presentationml/2006/main">
+<p:tagLst xmlns:p="http://schemas.openxmlformats.org/presentationml/2006/main">
   <p:tag name="KSO_WM_TEMPLATE_CATEGORY" val="custom"/>
   <p:tag name="KSO_WM_TEMPLATE_INDEX" val="20186830"/>
   <p:tag name="KSO_WM_TAG_VERSION" val="1.0"/>
@@ -11394,27 +11645,39 @@
 </p:tagLst>
 </file>
 
-<file path=ppt/tags/tag31.xml><?xml version="1.0" encoding="utf-8"?>
-<p:tagLst xmlns:a="http://schemas.openxmlformats.org/drawingml/2006/main" xmlns:r="http://schemas.openxmlformats.org/officeDocument/2006/relationships" xmlns:p="http://schemas.openxmlformats.org/presentationml/2006/main">
+<file path=ppt/tags/tag3.xml><?xml version="1.0" encoding="utf-8"?>
+<p:tagLst xmlns:p="http://schemas.openxmlformats.org/presentationml/2006/main">
+  <p:tag name="KSO_WM_TAG_VERSION" val="1.0"/>
+  <p:tag name="KSO_WM_BEAUTIFY_FLAG" val="#wm#"/>
+  <p:tag name="KSO_WM_UNIT_TYPE" val="i"/>
+  <p:tag name="KSO_WM_UNIT_ID" val="custom20184556_1*i*5"/>
   <p:tag name="KSO_WM_TEMPLATE_CATEGORY" val="custom"/>
-  <p:tag name="KSO_WM_TEMPLATE_INDEX" val="20186830"/>
-  <p:tag name="KSO_WM_TAG_VERSION" val="1.0"/>
-  <p:tag name="KSO_WM_SLIDE_ID" val="custom20186830_7"/>
-  <p:tag name="KSO_WM_SLIDE_INDEX" val="7"/>
-  <p:tag name="KSO_WM_SLIDE_ITEM_CNT" val="1"/>
-  <p:tag name="KSO_WM_SLIDE_LAYOUT" val="a_l"/>
-  <p:tag name="KSO_WM_SLIDE_LAYOUT_CNT" val="1_1"/>
-  <p:tag name="KSO_WM_SLIDE_TYPE" val="text"/>
-  <p:tag name="KSO_WM_BEAUTIFY_FLAG" val="#wm#"/>
-  <p:tag name="KSO_WM_SLIDE_POSITION" val="25*85"/>
-  <p:tag name="KSO_WM_SLIDE_SIZE" val="452*279"/>
-  <p:tag name="KSO_WM_DIAGRAM_GROUP_CODE" val="l1-1"/>
-  <p:tag name="KSO_WM_SLIDE_SUBTYPE" val="diag"/>
+  <p:tag name="KSO_WM_TEMPLATE_INDEX" val="20184556"/>
+  <p:tag name="KSO_WM_UNIT_INDEX" val="5"/>
 </p:tagLst>
 </file>
 
-<file path=ppt/tags/tag32.xml><?xml version="1.0" encoding="utf-8"?>
-<p:tagLst xmlns:a="http://schemas.openxmlformats.org/drawingml/2006/main" xmlns:r="http://schemas.openxmlformats.org/officeDocument/2006/relationships" xmlns:p="http://schemas.openxmlformats.org/presentationml/2006/main">
+<file path=ppt/tags/tag30.xml><?xml version="1.0" encoding="utf-8"?>
+<p:tagLst xmlns:p="http://schemas.openxmlformats.org/presentationml/2006/main">
+  <p:tag name="KSO_WM_TAG_VERSION" val="1.0"/>
+  <p:tag name="KSO_WM_SLIDE_ITEM_CNT" val="2"/>
+  <p:tag name="KSO_WM_SLIDE_LAYOUT" val="a_b_c"/>
+  <p:tag name="KSO_WM_SLIDE_LAYOUT_CNT" val="1_1_1"/>
+  <p:tag name="KSO_WM_SLIDE_TYPE" val="title"/>
+  <p:tag name="KSO_WM_BEAUTIFY_FLAG" val="#wm#"/>
+  <p:tag name="KSO_WM_COMBINE_RELATE_SLIDE_ID" val="background20181909_1"/>
+  <p:tag name="KSO_WM_TEMPLATE_CATEGORY" val="custom"/>
+  <p:tag name="KSO_WM_TEMPLATE_INDEX" val="20186830"/>
+  <p:tag name="KSO_WM_SLIDE_ID" val="custom20186830_1"/>
+  <p:tag name="KSO_WM_SLIDE_INDEX" val="1"/>
+  <p:tag name="KSO_WM_TEMPLATE_SUBCATEGORY" val="combine"/>
+  <p:tag name="KSO_WM_TEMPLATE_THUMBS_INDEX" val="1、6、10、15、19、22、"/>
+  <p:tag name="KSO_WM_SLIDE_SUBTYPE" val="pureTxt"/>
+</p:tagLst>
+</file>
+
+<file path=ppt/tags/tag31.xml><?xml version="1.0" encoding="utf-8"?>
+<p:tagLst xmlns:p="http://schemas.openxmlformats.org/presentationml/2006/main">
   <p:tag name="KSO_WM_TEMPLATE_CATEGORY" val="custom"/>
   <p:tag name="KSO_WM_TEMPLATE_INDEX" val="20186830"/>
   <p:tag name="KSO_WM_TAG_VERSION" val="1.0"/>
@@ -11433,8 +11696,8 @@
 </p:tagLst>
 </file>
 
-<file path=ppt/tags/tag33.xml><?xml version="1.0" encoding="utf-8"?>
-<p:tagLst xmlns:a="http://schemas.openxmlformats.org/drawingml/2006/main" xmlns:r="http://schemas.openxmlformats.org/officeDocument/2006/relationships" xmlns:p="http://schemas.openxmlformats.org/presentationml/2006/main">
+<file path=ppt/tags/tag32.xml><?xml version="1.0" encoding="utf-8"?>
+<p:tagLst xmlns:p="http://schemas.openxmlformats.org/presentationml/2006/main">
   <p:tag name="KSO_WM_TEMPLATE_CATEGORY" val="custom"/>
   <p:tag name="KSO_WM_TEMPLATE_INDEX" val="20186830"/>
   <p:tag name="KSO_WM_TAG_VERSION" val="1.0"/>
@@ -11452,8 +11715,8 @@
 </p:tagLst>
 </file>
 
-<file path=ppt/tags/tag34.xml><?xml version="1.0" encoding="utf-8"?>
-<p:tagLst xmlns:a="http://schemas.openxmlformats.org/drawingml/2006/main" xmlns:r="http://schemas.openxmlformats.org/officeDocument/2006/relationships" xmlns:p="http://schemas.openxmlformats.org/presentationml/2006/main">
+<file path=ppt/tags/tag33.xml><?xml version="1.0" encoding="utf-8"?>
+<p:tagLst xmlns:p="http://schemas.openxmlformats.org/presentationml/2006/main">
   <p:tag name="KSO_WM_TEMPLATE_CATEGORY" val="custom"/>
   <p:tag name="KSO_WM_TEMPLATE_INDEX" val="20186830"/>
   <p:tag name="KSO_WM_TAG_VERSION" val="1.0"/>
@@ -11472,8 +11735,8 @@
 </p:tagLst>
 </file>
 
-<file path=ppt/tags/tag35.xml><?xml version="1.0" encoding="utf-8"?>
-<p:tagLst xmlns:a="http://schemas.openxmlformats.org/drawingml/2006/main" xmlns:r="http://schemas.openxmlformats.org/officeDocument/2006/relationships" xmlns:p="http://schemas.openxmlformats.org/presentationml/2006/main">
+<file path=ppt/tags/tag34.xml><?xml version="1.0" encoding="utf-8"?>
+<p:tagLst xmlns:p="http://schemas.openxmlformats.org/presentationml/2006/main">
   <p:tag name="KSO_WM_TEMPLATE_CATEGORY" val="custom"/>
   <p:tag name="KSO_WM_TEMPLATE_INDEX" val="20186830"/>
   <p:tag name="KSO_WM_TAG_VERSION" val="1.0"/>
@@ -11491,8 +11754,8 @@
 </p:tagLst>
 </file>
 
-<file path=ppt/tags/tag36.xml><?xml version="1.0" encoding="utf-8"?>
-<p:tagLst xmlns:a="http://schemas.openxmlformats.org/drawingml/2006/main" xmlns:r="http://schemas.openxmlformats.org/officeDocument/2006/relationships" xmlns:p="http://schemas.openxmlformats.org/presentationml/2006/main">
+<file path=ppt/tags/tag35.xml><?xml version="1.0" encoding="utf-8"?>
+<p:tagLst xmlns:p="http://schemas.openxmlformats.org/presentationml/2006/main">
   <p:tag name="KSO_WM_TEMPLATE_CATEGORY" val="custom"/>
   <p:tag name="KSO_WM_TEMPLATE_INDEX" val="20186830"/>
   <p:tag name="KSO_WM_TAG_VERSION" val="1.0"/>
@@ -11511,8 +11774,8 @@
 </p:tagLst>
 </file>
 
-<file path=ppt/tags/tag37.xml><?xml version="1.0" encoding="utf-8"?>
-<p:tagLst xmlns:a="http://schemas.openxmlformats.org/drawingml/2006/main" xmlns:r="http://schemas.openxmlformats.org/officeDocument/2006/relationships" xmlns:p="http://schemas.openxmlformats.org/presentationml/2006/main">
+<file path=ppt/tags/tag36.xml><?xml version="1.0" encoding="utf-8"?>
+<p:tagLst xmlns:p="http://schemas.openxmlformats.org/presentationml/2006/main">
   <p:tag name="KSO_WM_TEMPLATE_CATEGORY" val="custom"/>
   <p:tag name="KSO_WM_TEMPLATE_INDEX" val="20186830"/>
   <p:tag name="KSO_WM_TAG_VERSION" val="1.0"/>
@@ -11530,8 +11793,8 @@
 </p:tagLst>
 </file>
 
-<file path=ppt/tags/tag38.xml><?xml version="1.0" encoding="utf-8"?>
-<p:tagLst xmlns:a="http://schemas.openxmlformats.org/drawingml/2006/main" xmlns:r="http://schemas.openxmlformats.org/officeDocument/2006/relationships" xmlns:p="http://schemas.openxmlformats.org/presentationml/2006/main">
+<file path=ppt/tags/tag37.xml><?xml version="1.0" encoding="utf-8"?>
+<p:tagLst xmlns:p="http://schemas.openxmlformats.org/presentationml/2006/main">
   <p:tag name="KSO_WM_TEMPLATE_CATEGORY" val="custom"/>
   <p:tag name="KSO_WM_TEMPLATE_INDEX" val="20186830"/>
   <p:tag name="KSO_WM_TAG_VERSION" val="1.0"/>
@@ -11550,8 +11813,8 @@
 </p:tagLst>
 </file>
 
-<file path=ppt/tags/tag39.xml><?xml version="1.0" encoding="utf-8"?>
-<p:tagLst xmlns:a="http://schemas.openxmlformats.org/drawingml/2006/main" xmlns:r="http://schemas.openxmlformats.org/officeDocument/2006/relationships" xmlns:p="http://schemas.openxmlformats.org/presentationml/2006/main">
+<file path=ppt/tags/tag38.xml><?xml version="1.0" encoding="utf-8"?>
+<p:tagLst xmlns:p="http://schemas.openxmlformats.org/presentationml/2006/main">
   <p:tag name="KSO_WM_TEMPLATE_CATEGORY" val="custom"/>
   <p:tag name="KSO_WM_TEMPLATE_INDEX" val="20186830"/>
   <p:tag name="KSO_WM_TAG_VERSION" val="1.0"/>
@@ -11569,20 +11832,8 @@
 </p:tagLst>
 </file>
 
-<file path=ppt/tags/tag4.xml><?xml version="1.0" encoding="utf-8"?>
-<p:tagLst xmlns:a="http://schemas.openxmlformats.org/drawingml/2006/main" xmlns:r="http://schemas.openxmlformats.org/officeDocument/2006/relationships" xmlns:p="http://schemas.openxmlformats.org/presentationml/2006/main">
-  <p:tag name="KSO_WM_TAG_VERSION" val="1.0"/>
-  <p:tag name="KSO_WM_BEAUTIFY_FLAG" val="#wm#"/>
-  <p:tag name="KSO_WM_UNIT_TYPE" val="i"/>
-  <p:tag name="KSO_WM_UNIT_ID" val="custom20184556_1*i*3"/>
-  <p:tag name="KSO_WM_TEMPLATE_CATEGORY" val="custom"/>
-  <p:tag name="KSO_WM_TEMPLATE_INDEX" val="20184556"/>
-  <p:tag name="KSO_WM_UNIT_INDEX" val="3"/>
-</p:tagLst>
-</file>
-
-<file path=ppt/tags/tag40.xml><?xml version="1.0" encoding="utf-8"?>
-<p:tagLst xmlns:a="http://schemas.openxmlformats.org/drawingml/2006/main" xmlns:r="http://schemas.openxmlformats.org/officeDocument/2006/relationships" xmlns:p="http://schemas.openxmlformats.org/presentationml/2006/main">
+<file path=ppt/tags/tag39.xml><?xml version="1.0" encoding="utf-8"?>
+<p:tagLst xmlns:p="http://schemas.openxmlformats.org/presentationml/2006/main">
   <p:tag name="KSO_WM_TEMPLATE_CATEGORY" val="custom"/>
   <p:tag name="KSO_WM_TEMPLATE_INDEX" val="20186830"/>
   <p:tag name="KSO_WM_TAG_VERSION" val="1.0"/>
@@ -11601,8 +11852,20 @@
 </p:tagLst>
 </file>
 
-<file path=ppt/tags/tag41.xml><?xml version="1.0" encoding="utf-8"?>
-<p:tagLst xmlns:a="http://schemas.openxmlformats.org/drawingml/2006/main" xmlns:r="http://schemas.openxmlformats.org/officeDocument/2006/relationships" xmlns:p="http://schemas.openxmlformats.org/presentationml/2006/main">
+<file path=ppt/tags/tag4.xml><?xml version="1.0" encoding="utf-8"?>
+<p:tagLst xmlns:p="http://schemas.openxmlformats.org/presentationml/2006/main">
+  <p:tag name="KSO_WM_TAG_VERSION" val="1.0"/>
+  <p:tag name="KSO_WM_BEAUTIFY_FLAG" val="#wm#"/>
+  <p:tag name="KSO_WM_UNIT_TYPE" val="i"/>
+  <p:tag name="KSO_WM_UNIT_ID" val="custom20184556_1*i*6"/>
+  <p:tag name="KSO_WM_TEMPLATE_CATEGORY" val="custom"/>
+  <p:tag name="KSO_WM_TEMPLATE_INDEX" val="20184556"/>
+  <p:tag name="KSO_WM_UNIT_INDEX" val="6"/>
+</p:tagLst>
+</file>
+
+<file path=ppt/tags/tag40.xml><?xml version="1.0" encoding="utf-8"?>
+<p:tagLst xmlns:p="http://schemas.openxmlformats.org/presentationml/2006/main">
   <p:tag name="KSO_WM_TEMPLATE_CATEGORY" val="custom"/>
   <p:tag name="KSO_WM_TEMPLATE_INDEX" val="20186830"/>
   <p:tag name="KSO_WM_TAG_VERSION" val="1.0"/>
@@ -11620,8 +11883,8 @@
 </p:tagLst>
 </file>
 
-<file path=ppt/tags/tag42.xml><?xml version="1.0" encoding="utf-8"?>
-<p:tagLst xmlns:a="http://schemas.openxmlformats.org/drawingml/2006/main" xmlns:r="http://schemas.openxmlformats.org/officeDocument/2006/relationships" xmlns:p="http://schemas.openxmlformats.org/presentationml/2006/main">
+<file path=ppt/tags/tag41.xml><?xml version="1.0" encoding="utf-8"?>
+<p:tagLst xmlns:p="http://schemas.openxmlformats.org/presentationml/2006/main">
   <p:tag name="KSO_WM_TEMPLATE_CATEGORY" val="custom"/>
   <p:tag name="KSO_WM_TEMPLATE_INDEX" val="20186830"/>
   <p:tag name="KSO_WM_TAG_VERSION" val="1.0"/>
@@ -11640,8 +11903,8 @@
 </p:tagLst>
 </file>
 
-<file path=ppt/tags/tag43.xml><?xml version="1.0" encoding="utf-8"?>
-<p:tagLst xmlns:a="http://schemas.openxmlformats.org/drawingml/2006/main" xmlns:r="http://schemas.openxmlformats.org/officeDocument/2006/relationships" xmlns:p="http://schemas.openxmlformats.org/presentationml/2006/main">
+<file path=ppt/tags/tag42.xml><?xml version="1.0" encoding="utf-8"?>
+<p:tagLst xmlns:p="http://schemas.openxmlformats.org/presentationml/2006/main">
   <p:tag name="KSO_WM_TEMPLATE_CATEGORY" val="custom"/>
   <p:tag name="KSO_WM_TEMPLATE_INDEX" val="20186830"/>
   <p:tag name="KSO_WM_TAG_VERSION" val="1.0"/>
@@ -11659,8 +11922,8 @@
 </p:tagLst>
 </file>
 
-<file path=ppt/tags/tag44.xml><?xml version="1.0" encoding="utf-8"?>
-<p:tagLst xmlns:a="http://schemas.openxmlformats.org/drawingml/2006/main" xmlns:r="http://schemas.openxmlformats.org/officeDocument/2006/relationships" xmlns:p="http://schemas.openxmlformats.org/presentationml/2006/main">
+<file path=ppt/tags/tag43.xml><?xml version="1.0" encoding="utf-8"?>
+<p:tagLst xmlns:p="http://schemas.openxmlformats.org/presentationml/2006/main">
   <p:tag name="KSO_WM_TEMPLATE_CATEGORY" val="custom"/>
   <p:tag name="KSO_WM_TEMPLATE_INDEX" val="20186830"/>
   <p:tag name="KSO_WM_TAG_VERSION" val="1.0"/>
@@ -11679,8 +11942,8 @@
 </p:tagLst>
 </file>
 
-<file path=ppt/tags/tag45.xml><?xml version="1.0" encoding="utf-8"?>
-<p:tagLst xmlns:a="http://schemas.openxmlformats.org/drawingml/2006/main" xmlns:r="http://schemas.openxmlformats.org/officeDocument/2006/relationships" xmlns:p="http://schemas.openxmlformats.org/presentationml/2006/main">
+<file path=ppt/tags/tag44.xml><?xml version="1.0" encoding="utf-8"?>
+<p:tagLst xmlns:p="http://schemas.openxmlformats.org/presentationml/2006/main">
   <p:tag name="KSO_WM_TEMPLATE_CATEGORY" val="custom"/>
   <p:tag name="KSO_WM_TEMPLATE_INDEX" val="20186830"/>
   <p:tag name="KSO_WM_TAG_VERSION" val="1.0"/>
@@ -11698,8 +11961,8 @@
 </p:tagLst>
 </file>
 
-<file path=ppt/tags/tag46.xml><?xml version="1.0" encoding="utf-8"?>
-<p:tagLst xmlns:a="http://schemas.openxmlformats.org/drawingml/2006/main" xmlns:r="http://schemas.openxmlformats.org/officeDocument/2006/relationships" xmlns:p="http://schemas.openxmlformats.org/presentationml/2006/main">
+<file path=ppt/tags/tag45.xml><?xml version="1.0" encoding="utf-8"?>
+<p:tagLst xmlns:p="http://schemas.openxmlformats.org/presentationml/2006/main">
   <p:tag name="KSO_WM_TEMPLATE_CATEGORY" val="custom"/>
   <p:tag name="KSO_WM_TEMPLATE_INDEX" val="20186830"/>
   <p:tag name="KSO_WM_TAG_VERSION" val="1.0"/>
@@ -11718,59 +11981,73 @@
 </p:tagLst>
 </file>
 
-<file path=ppt/tags/tag47.xml><?xml version="1.0" encoding="utf-8"?>
-<p:tagLst xmlns:a="http://schemas.openxmlformats.org/drawingml/2006/main" xmlns:r="http://schemas.openxmlformats.org/officeDocument/2006/relationships" xmlns:p="http://schemas.openxmlformats.org/presentationml/2006/main">
+<file path=ppt/tags/tag46.xml><?xml version="1.0" encoding="utf-8"?>
+<p:tagLst xmlns:p="http://schemas.openxmlformats.org/presentationml/2006/main">
   <p:tag name="KSO_WM_TEMPLATE_CATEGORY" val="custom"/>
   <p:tag name="KSO_WM_TEMPLATE_INDEX" val="20186830"/>
+  <p:tag name="KSO_WM_TAG_VERSION" val="1.0"/>
+  <p:tag name="KSO_WM_SLIDE_ID" val="custom20186830_7"/>
+  <p:tag name="KSO_WM_SLIDE_INDEX" val="7"/>
+  <p:tag name="KSO_WM_SLIDE_ITEM_CNT" val="1"/>
+  <p:tag name="KSO_WM_SLIDE_LAYOUT" val="a_l"/>
+  <p:tag name="KSO_WM_SLIDE_LAYOUT_CNT" val="1_1"/>
+  <p:tag name="KSO_WM_SLIDE_TYPE" val="text"/>
+  <p:tag name="KSO_WM_BEAUTIFY_FLAG" val="#wm#"/>
+  <p:tag name="KSO_WM_SLIDE_POSITION" val="25*85"/>
+  <p:tag name="KSO_WM_SLIDE_SIZE" val="452*279"/>
+  <p:tag name="KSO_WM_DIAGRAM_GROUP_CODE" val="l1-1"/>
+  <p:tag name="KSO_WM_SLIDE_SUBTYPE" val="diag"/>
+</p:tagLst>
+</file>
+
+<file path=ppt/tags/tag47.xml><?xml version="1.0" encoding="utf-8"?>
+<p:tagLst xmlns:p="http://schemas.openxmlformats.org/presentationml/2006/main">
+  <p:tag name="KSO_WM_TEMPLATE_CATEGORY" val="custom"/>
+  <p:tag name="KSO_WM_TEMPLATE_INDEX" val="20186830"/>
+  <p:tag name="KSO_WM_TAG_VERSION" val="1.0"/>
+  <p:tag name="KSO_WM_BEAUTIFY_FLAG" val="#wm#"/>
+  <p:tag name="KSO_WM_UNIT_TYPE" val="a"/>
+  <p:tag name="KSO_WM_UNIT_INDEX" val="1"/>
+  <p:tag name="KSO_WM_UNIT_ID" val="custom20186830_7*a*1"/>
+  <p:tag name="KSO_WM_UNIT_LAYERLEVEL" val="1"/>
+  <p:tag name="KSO_WM_UNIT_VALUE" val="19"/>
+  <p:tag name="KSO_WM_UNIT_ISCONTENTSTITLE" val="0"/>
+  <p:tag name="KSO_WM_UNIT_HIGHLIGHT" val="0"/>
+  <p:tag name="KSO_WM_UNIT_COMPATIBLE" val="0"/>
+  <p:tag name="KSO_WM_UNIT_CLEAR" val="0"/>
+  <p:tag name="KSO_WM_UNIT_PRESET_TEXT_INDEX" val="3"/>
+  <p:tag name="KSO_WM_UNIT_PRESET_TEXT_LEN" val="17"/>
 </p:tagLst>
 </file>
 
 <file path=ppt/tags/tag48.xml><?xml version="1.0" encoding="utf-8"?>
-<p:tagLst xmlns:a="http://schemas.openxmlformats.org/drawingml/2006/main" xmlns:r="http://schemas.openxmlformats.org/officeDocument/2006/relationships" xmlns:p="http://schemas.openxmlformats.org/presentationml/2006/main">
+<p:tagLst xmlns:p="http://schemas.openxmlformats.org/presentationml/2006/main">
+  <p:tag name="KSO_WM_TEMPLATE_CATEGORY" val="custom"/>
+  <p:tag name="KSO_WM_TEMPLATE_INDEX" val="20186830"/>
+  <p:tag name="KSO_WM_TAG_VERSION" val="1.0"/>
+  <p:tag name="KSO_WM_SLIDE_ID" val="custom20186830_7"/>
+  <p:tag name="KSO_WM_SLIDE_INDEX" val="7"/>
+  <p:tag name="KSO_WM_SLIDE_ITEM_CNT" val="1"/>
+  <p:tag name="KSO_WM_SLIDE_LAYOUT" val="a_l"/>
+  <p:tag name="KSO_WM_SLIDE_LAYOUT_CNT" val="1_1"/>
+  <p:tag name="KSO_WM_SLIDE_TYPE" val="text"/>
   <p:tag name="KSO_WM_BEAUTIFY_FLAG" val="#wm#"/>
+  <p:tag name="KSO_WM_SLIDE_POSITION" val="25*85"/>
+  <p:tag name="KSO_WM_SLIDE_SIZE" val="452*279"/>
+  <p:tag name="KSO_WM_DIAGRAM_GROUP_CODE" val="l1-1"/>
+  <p:tag name="KSO_WM_SLIDE_SUBTYPE" val="diag"/>
+</p:tagLst>
+</file>
+
+<file path=ppt/tags/tag49.xml><?xml version="1.0" encoding="utf-8"?>
+<p:tagLst xmlns:p="http://schemas.openxmlformats.org/presentationml/2006/main">
   <p:tag name="KSO_WM_TEMPLATE_CATEGORY" val="custom"/>
   <p:tag name="KSO_WM_TEMPLATE_INDEX" val="20186830"/>
 </p:tagLst>
 </file>
 
 <file path=ppt/tags/tag5.xml><?xml version="1.0" encoding="utf-8"?>
-<p:tagLst xmlns:a="http://schemas.openxmlformats.org/drawingml/2006/main" xmlns:r="http://schemas.openxmlformats.org/officeDocument/2006/relationships" xmlns:p="http://schemas.openxmlformats.org/presentationml/2006/main">
-  <p:tag name="KSO_WM_TAG_VERSION" val="1.0"/>
-  <p:tag name="KSO_WM_BEAUTIFY_FLAG" val="#wm#"/>
-  <p:tag name="KSO_WM_UNIT_TYPE" val="i"/>
-  <p:tag name="KSO_WM_UNIT_ID" val="custom20184556_1*i*4"/>
-  <p:tag name="KSO_WM_TEMPLATE_CATEGORY" val="custom"/>
-  <p:tag name="KSO_WM_TEMPLATE_INDEX" val="20184556"/>
-  <p:tag name="KSO_WM_UNIT_INDEX" val="4"/>
-</p:tagLst>
-</file>
-
-<file path=ppt/tags/tag6.xml><?xml version="1.0" encoding="utf-8"?>
-<p:tagLst xmlns:a="http://schemas.openxmlformats.org/drawingml/2006/main" xmlns:r="http://schemas.openxmlformats.org/officeDocument/2006/relationships" xmlns:p="http://schemas.openxmlformats.org/presentationml/2006/main">
-  <p:tag name="KSO_WM_TAG_VERSION" val="1.0"/>
-  <p:tag name="KSO_WM_BEAUTIFY_FLAG" val="#wm#"/>
-  <p:tag name="KSO_WM_UNIT_TYPE" val="i"/>
-  <p:tag name="KSO_WM_UNIT_ID" val="custom20184556_1*i*5"/>
-  <p:tag name="KSO_WM_TEMPLATE_CATEGORY" val="custom"/>
-  <p:tag name="KSO_WM_TEMPLATE_INDEX" val="20184556"/>
-  <p:tag name="KSO_WM_UNIT_INDEX" val="5"/>
-</p:tagLst>
-</file>
-
-<file path=ppt/tags/tag7.xml><?xml version="1.0" encoding="utf-8"?>
-<p:tagLst xmlns:a="http://schemas.openxmlformats.org/drawingml/2006/main" xmlns:r="http://schemas.openxmlformats.org/officeDocument/2006/relationships" xmlns:p="http://schemas.openxmlformats.org/presentationml/2006/main">
-  <p:tag name="KSO_WM_TAG_VERSION" val="1.0"/>
-  <p:tag name="KSO_WM_BEAUTIFY_FLAG" val="#wm#"/>
-  <p:tag name="KSO_WM_UNIT_TYPE" val="i"/>
-  <p:tag name="KSO_WM_UNIT_ID" val="custom20184556_1*i*6"/>
-  <p:tag name="KSO_WM_TEMPLATE_CATEGORY" val="custom"/>
-  <p:tag name="KSO_WM_TEMPLATE_INDEX" val="20184556"/>
-  <p:tag name="KSO_WM_UNIT_INDEX" val="6"/>
-</p:tagLst>
-</file>
-
-<file path=ppt/tags/tag8.xml><?xml version="1.0" encoding="utf-8"?>
-<p:tagLst xmlns:a="http://schemas.openxmlformats.org/drawingml/2006/main" xmlns:r="http://schemas.openxmlformats.org/officeDocument/2006/relationships" xmlns:p="http://schemas.openxmlformats.org/presentationml/2006/main">
+<p:tagLst xmlns:p="http://schemas.openxmlformats.org/presentationml/2006/main">
   <p:tag name="KSO_WM_TAG_VERSION" val="1.0"/>
   <p:tag name="KSO_WM_BEAUTIFY_FLAG" val="#wm#"/>
   <p:tag name="KSO_WM_UNIT_TYPE" val="i"/>
@@ -11781,8 +12058,16 @@
 </p:tagLst>
 </file>
 
-<file path=ppt/tags/tag9.xml><?xml version="1.0" encoding="utf-8"?>
-<p:tagLst xmlns:a="http://schemas.openxmlformats.org/drawingml/2006/main" xmlns:r="http://schemas.openxmlformats.org/officeDocument/2006/relationships" xmlns:p="http://schemas.openxmlformats.org/presentationml/2006/main">
+<file path=ppt/tags/tag50.xml><?xml version="1.0" encoding="utf-8"?>
+<p:tagLst xmlns:p="http://schemas.openxmlformats.org/presentationml/2006/main">
+  <p:tag name="KSO_WM_BEAUTIFY_FLAG" val="#wm#"/>
+  <p:tag name="KSO_WM_TEMPLATE_CATEGORY" val="custom"/>
+  <p:tag name="KSO_WM_TEMPLATE_INDEX" val="20186830"/>
+</p:tagLst>
+</file>
+
+<file path=ppt/tags/tag6.xml><?xml version="1.0" encoding="utf-8"?>
+<p:tagLst xmlns:p="http://schemas.openxmlformats.org/presentationml/2006/main">
   <p:tag name="KSO_WM_TAG_VERSION" val="1.0"/>
   <p:tag name="KSO_WM_BEAUTIFY_FLAG" val="#wm#"/>
   <p:tag name="KSO_WM_UNIT_TYPE" val="i"/>
@@ -11790,6 +12075,42 @@
   <p:tag name="KSO_WM_TEMPLATE_CATEGORY" val="custom"/>
   <p:tag name="KSO_WM_TEMPLATE_INDEX" val="20184556"/>
   <p:tag name="KSO_WM_UNIT_INDEX" val="2"/>
+</p:tagLst>
+</file>
+
+<file path=ppt/tags/tag7.xml><?xml version="1.0" encoding="utf-8"?>
+<p:tagLst xmlns:p="http://schemas.openxmlformats.org/presentationml/2006/main">
+  <p:tag name="KSO_WM_TAG_VERSION" val="1.0"/>
+  <p:tag name="KSO_WM_BEAUTIFY_FLAG" val="#wm#"/>
+  <p:tag name="KSO_WM_UNIT_TYPE" val="i"/>
+  <p:tag name="KSO_WM_UNIT_ID" val="custom20184556_22*i*3"/>
+  <p:tag name="KSO_WM_TEMPLATE_CATEGORY" val="custom"/>
+  <p:tag name="KSO_WM_TEMPLATE_INDEX" val="20184556"/>
+  <p:tag name="KSO_WM_UNIT_INDEX" val="3"/>
+</p:tagLst>
+</file>
+
+<file path=ppt/tags/tag8.xml><?xml version="1.0" encoding="utf-8"?>
+<p:tagLst xmlns:p="http://schemas.openxmlformats.org/presentationml/2006/main">
+  <p:tag name="KSO_WM_TAG_VERSION" val="1.0"/>
+  <p:tag name="KSO_WM_BEAUTIFY_FLAG" val="#wm#"/>
+  <p:tag name="KSO_WM_UNIT_TYPE" val="i"/>
+  <p:tag name="KSO_WM_UNIT_ID" val="custom20184556_22*i*4"/>
+  <p:tag name="KSO_WM_TEMPLATE_CATEGORY" val="custom"/>
+  <p:tag name="KSO_WM_TEMPLATE_INDEX" val="20184556"/>
+  <p:tag name="KSO_WM_UNIT_INDEX" val="4"/>
+</p:tagLst>
+</file>
+
+<file path=ppt/tags/tag9.xml><?xml version="1.0" encoding="utf-8"?>
+<p:tagLst xmlns:p="http://schemas.openxmlformats.org/presentationml/2006/main">
+  <p:tag name="KSO_WM_TAG_VERSION" val="1.0"/>
+  <p:tag name="KSO_WM_BEAUTIFY_FLAG" val="#wm#"/>
+  <p:tag name="KSO_WM_UNIT_TYPE" val="i"/>
+  <p:tag name="KSO_WM_UNIT_ID" val="custom20184556_22*i*5"/>
+  <p:tag name="KSO_WM_TEMPLATE_CATEGORY" val="custom"/>
+  <p:tag name="KSO_WM_TEMPLATE_INDEX" val="20184556"/>
+  <p:tag name="KSO_WM_UNIT_INDEX" val="5"/>
 </p:tagLst>
 </file>
 
@@ -11984,8 +12305,6 @@
       </a:bgFillStyleLst>
     </a:fmtScheme>
   </a:themeElements>
-  <a:objectDefaults/>
-  <a:extraClrSchemeLst/>
   <a:extLst>
     <a:ext uri="{05A4C25C-085E-4340-85A3-A5531E510DB2}">
       <thm15:themeFamily xmlns:thm15="http://schemas.microsoft.com/office/thememl/2012/main" name="Office Theme" id="{62F939B6-93AF-4DB8-9C6B-D6C7DFDC589F}" vid="{4A3C46E8-61CC-4603-A589-7422A47A8E4A}"/>
@@ -12185,8 +12504,6 @@
       </a:bgFillStyleLst>
     </a:fmtScheme>
   </a:themeElements>
-  <a:objectDefaults/>
-  <a:extraClrSchemeLst/>
   <a:extLst>
     <a:ext uri="{05A4C25C-085E-4340-85A3-A5531E510DB2}">
       <thm15:themeFamily xmlns:thm15="http://schemas.microsoft.com/office/thememl/2012/main" name="Office Theme" id="{62F939B6-93AF-4DB8-9C6B-D6C7DFDC589F}" vid="{4A3C46E8-61CC-4603-A589-7422A47A8E4A}"/>
@@ -12473,8 +12790,6 @@
       </a:bgFillStyleLst>
     </a:fmtScheme>
   </a:themeElements>
-  <a:objectDefaults/>
-  <a:extraClrSchemeLst/>
   <a:extLst>
     <a:ext uri="{05A4C25C-085E-4340-85A3-A5531E510DB2}">
       <thm15:themeFamily xmlns:thm15="http://schemas.microsoft.com/office/thememl/2012/main" name="Office Theme" id="{62F939B6-93AF-4DB8-9C6B-D6C7DFDC589F}" vid="{4A3C46E8-61CC-4603-A589-7422A47A8E4A}"/>
@@ -12734,8 +13049,6 @@
       </a:bgFillStyleLst>
     </a:fmtScheme>
   </a:themeElements>
-  <a:objectDefaults/>
-  <a:extraClrSchemeLst/>
   <a:extLst>
     <a:ext uri="{05A4C25C-085E-4340-85A3-A5531E510DB2}">
       <thm15:themeFamily xmlns:thm15="http://schemas.microsoft.com/office/thememl/2012/main" name="Office Theme" id="{62F939B6-93AF-4DB8-9C6B-D6C7DFDC589F}" vid="{4A3C46E8-61CC-4603-A589-7422A47A8E4A}"/>

--- a/Design pattern/23种设计模式详解.pptx
+++ b/Design pattern/23种设计模式详解.pptx
@@ -3,29 +3,45 @@
 <p:presentation xmlns:a="http://schemas.openxmlformats.org/drawingml/2006/main" xmlns:r="http://schemas.openxmlformats.org/officeDocument/2006/relationships" xmlns:p="http://schemas.openxmlformats.org/presentationml/2006/main" showSpecialPlsOnTitleSld="0">
   <p:sldMasterIdLst>
     <p:sldMasterId id="2147483648" r:id="rId1"/>
-    <p:sldMasterId id="2147483660" r:id="rId3"/>
+    <p:sldMasterId id="2147483660" r:id="rId2"/>
   </p:sldMasterIdLst>
   <p:notesMasterIdLst>
-    <p:notesMasterId r:id="rId5"/>
+    <p:notesMasterId r:id="rId33"/>
   </p:notesMasterIdLst>
   <p:handoutMasterIdLst>
-    <p:handoutMasterId r:id="rId19"/>
+    <p:handoutMasterId r:id="rId34"/>
   </p:handoutMasterIdLst>
   <p:sldIdLst>
-    <p:sldId id="453" r:id="rId4"/>
-    <p:sldId id="583" r:id="rId6"/>
-    <p:sldId id="584" r:id="rId7"/>
-    <p:sldId id="585" r:id="rId8"/>
-    <p:sldId id="586" r:id="rId9"/>
-    <p:sldId id="587" r:id="rId10"/>
-    <p:sldId id="595" r:id="rId11"/>
-    <p:sldId id="596" r:id="rId12"/>
-    <p:sldId id="588" r:id="rId13"/>
-    <p:sldId id="589" r:id="rId14"/>
-    <p:sldId id="590" r:id="rId15"/>
-    <p:sldId id="592" r:id="rId16"/>
-    <p:sldId id="472" r:id="rId17"/>
-    <p:sldId id="577" r:id="rId18"/>
+    <p:sldId id="453" r:id="rId3"/>
+    <p:sldId id="583" r:id="rId4"/>
+    <p:sldId id="584" r:id="rId5"/>
+    <p:sldId id="585" r:id="rId6"/>
+    <p:sldId id="586" r:id="rId7"/>
+    <p:sldId id="587" r:id="rId8"/>
+    <p:sldId id="595" r:id="rId9"/>
+    <p:sldId id="596" r:id="rId10"/>
+    <p:sldId id="597" r:id="rId11"/>
+    <p:sldId id="604" r:id="rId12"/>
+    <p:sldId id="605" r:id="rId13"/>
+    <p:sldId id="607" r:id="rId14"/>
+    <p:sldId id="598" r:id="rId15"/>
+    <p:sldId id="614" r:id="rId16"/>
+    <p:sldId id="608" r:id="rId17"/>
+    <p:sldId id="612" r:id="rId18"/>
+    <p:sldId id="613" r:id="rId19"/>
+    <p:sldId id="609" r:id="rId20"/>
+    <p:sldId id="611" r:id="rId21"/>
+    <p:sldId id="599" r:id="rId22"/>
+    <p:sldId id="600" r:id="rId23"/>
+    <p:sldId id="601" r:id="rId24"/>
+    <p:sldId id="602" r:id="rId25"/>
+    <p:sldId id="603" r:id="rId26"/>
+    <p:sldId id="588" r:id="rId27"/>
+    <p:sldId id="589" r:id="rId28"/>
+    <p:sldId id="590" r:id="rId29"/>
+    <p:sldId id="592" r:id="rId30"/>
+    <p:sldId id="472" r:id="rId31"/>
+    <p:sldId id="577" r:id="rId32"/>
   </p:sldIdLst>
   <p:sldSz cx="9144000" cy="6858000" type="screen4x3"/>
   <p:notesSz cx="6858000" cy="9144000"/>
@@ -159,6 +175,22 @@
       </a:defRPr>
     </a:lvl9pPr>
   </p:defaultTextStyle>
+  <p:extLst>
+    <p:ext uri="{EFAFB233-063F-42B5-8137-9DF3F51BA10A}">
+      <p15:sldGuideLst xmlns:p15="http://schemas.microsoft.com/office/powerpoint/2012/main">
+        <p15:guide id="1" orient="horz" pos="2130">
+          <p15:clr>
+            <a:srgbClr val="A4A3A4"/>
+          </p15:clr>
+        </p15:guide>
+        <p15:guide id="2" pos="2880">
+          <p15:clr>
+            <a:srgbClr val="A4A3A4"/>
+          </p15:clr>
+        </p15:guide>
+      </p15:sldGuideLst>
+    </p:ext>
+  </p:extLst>
 </p:presentation>
 </file>
 
@@ -250,6 +282,7 @@
           <a:p>
             <a:fld id="{0F9B84EA-7D68-4D60-9CB1-D50884785D1C}" type="datetimeFigureOut">
               <a:rPr lang="zh-CN" altLang="en-US"/>
+              <a:t>2018/8/10</a:t>
             </a:fld>
             <a:endParaRPr lang="zh-CN" altLang="en-US">
               <a:ea typeface="+mn-ea"/>
@@ -321,6 +354,7 @@
           <a:p>
             <a:fld id="{9573C3F1-5DE1-49D7-85EF-378BB3AB6535}" type="slidenum">
               <a:rPr lang="zh-CN" altLang="en-US"/>
+              <a:t>‹#›</a:t>
             </a:fld>
             <a:endParaRPr lang="zh-CN" altLang="en-US">
               <a:ea typeface="+mn-ea"/>
@@ -496,7 +530,6 @@
               <a:rPr lang="en-US" noProof="0"/>
               <a:t>Click to edit Master text styles</a:t>
             </a:r>
-            <a:endParaRPr lang="en-US" noProof="0"/>
           </a:p>
           <a:p>
             <a:pPr lvl="1"/>
@@ -504,7 +537,6 @@
               <a:rPr lang="en-US" noProof="0"/>
               <a:t>Second level</a:t>
             </a:r>
-            <a:endParaRPr lang="en-US" noProof="0"/>
           </a:p>
           <a:p>
             <a:pPr lvl="2"/>
@@ -512,7 +544,6 @@
               <a:rPr lang="en-US" noProof="0"/>
               <a:t>Third level</a:t>
             </a:r>
-            <a:endParaRPr lang="en-US" noProof="0"/>
           </a:p>
           <a:p>
             <a:pPr lvl="3"/>
@@ -520,7 +551,6 @@
               <a:rPr lang="en-US" noProof="0"/>
               <a:t>Fourth level</a:t>
             </a:r>
-            <a:endParaRPr lang="en-US" noProof="0"/>
           </a:p>
           <a:p>
             <a:pPr lvl="4"/>
@@ -528,7 +558,6 @@
               <a:rPr lang="en-US" noProof="0"/>
               <a:t>Fifth level</a:t>
             </a:r>
-            <a:endParaRPr lang="en-US" noProof="0"/>
           </a:p>
         </p:txBody>
       </p:sp>
@@ -599,6 +628,7 @@
           <a:p>
             <a:fld id="{86CED120-70A4-4283-998F-973E88A2003A}" type="slidenum">
               <a:rPr lang="en-US" altLang="zh-CN"/>
+              <a:t>‹#›</a:t>
             </a:fld>
             <a:endParaRPr lang="en-US" altLang="zh-CN">
               <a:cs typeface="Arial" panose="020B0604020202020204" pitchFamily="34" charset="0"/>
@@ -958,6 +988,7 @@
           <a:p>
             <a:fld id="{110A0595-8C10-4F11-9D71-5A2D3C412DC6}" type="slidenum">
               <a:rPr lang="en-US" altLang="zh-CN" sz="1200" smtClean="0"/>
+              <a:t>1</a:t>
             </a:fld>
             <a:endParaRPr lang="en-US" altLang="zh-CN" sz="1200"/>
           </a:p>
@@ -1020,7 +1051,14 @@
           <a:bodyPr/>
           <a:lstStyle/>
           <a:p>
-            <a:endParaRPr lang="zh-CN" altLang="en-US"/>
+            <a:r>
+              <a:rPr lang="zh-CN" altLang="en-US" dirty="0"/>
+              <a:t>手机</a:t>
+            </a:r>
+            <a:endParaRPr lang="en-US" altLang="zh-CN" dirty="0"/>
+          </a:p>
+          <a:p>
+            <a:endParaRPr lang="zh-CN" altLang="en-US" dirty="0"/>
           </a:p>
         </p:txBody>
       </p:sp>
@@ -1041,6 +1079,774 @@
           <a:p>
             <a:fld id="{2ED26FC3-015A-4F86-ACC3-780431FB8E4D}" type="slidenum">
               <a:rPr lang="zh-CN" altLang="en-US" smtClean="0"/>
+              <a:t>12</a:t>
+            </a:fld>
+            <a:endParaRPr lang="zh-CN" altLang="en-US"/>
+          </a:p>
+        </p:txBody>
+      </p:sp>
+    </p:spTree>
+    <p:extLst>
+      <p:ext uri="{BB962C8B-B14F-4D97-AF65-F5344CB8AC3E}">
+        <p14:creationId xmlns:p14="http://schemas.microsoft.com/office/powerpoint/2010/main" val="179047885"/>
+      </p:ext>
+    </p:extLst>
+  </p:cSld>
+  <p:clrMapOvr>
+    <a:masterClrMapping/>
+  </p:clrMapOvr>
+</p:notes>
+</file>
+
+<file path=ppt/notesSlides/notesSlide11.xml><?xml version="1.0" encoding="utf-8"?>
+<p:notes xmlns:a="http://schemas.openxmlformats.org/drawingml/2006/main" xmlns:r="http://schemas.openxmlformats.org/officeDocument/2006/relationships" xmlns:p="http://schemas.openxmlformats.org/presentationml/2006/main">
+  <p:cSld>
+    <p:spTree>
+      <p:nvGrpSpPr>
+        <p:cNvPr id="1" name=""/>
+        <p:cNvGrpSpPr/>
+        <p:nvPr/>
+      </p:nvGrpSpPr>
+      <p:grpSpPr>
+        <a:xfrm>
+          <a:off x="0" y="0"/>
+          <a:ext cx="0" cy="0"/>
+          <a:chOff x="0" y="0"/>
+          <a:chExt cx="0" cy="0"/>
+        </a:xfrm>
+      </p:grpSpPr>
+      <p:sp>
+        <p:nvSpPr>
+          <p:cNvPr id="2" name="幻灯片图像占位符 1"/>
+          <p:cNvSpPr>
+            <a:spLocks noGrp="1" noRot="1" noChangeAspect="1"/>
+          </p:cNvSpPr>
+          <p:nvPr>
+            <p:ph type="sldImg"/>
+          </p:nvPr>
+        </p:nvSpPr>
+        <p:spPr>
+          <a:xfrm>
+            <a:off x="1371600" y="1143000"/>
+            <a:ext cx="4114800" cy="3086100"/>
+          </a:xfrm>
+        </p:spPr>
+      </p:sp>
+      <p:sp>
+        <p:nvSpPr>
+          <p:cNvPr id="3" name="备注占位符 2"/>
+          <p:cNvSpPr>
+            <a:spLocks noGrp="1"/>
+          </p:cNvSpPr>
+          <p:nvPr>
+            <p:ph type="body" idx="1"/>
+          </p:nvPr>
+        </p:nvSpPr>
+        <p:spPr/>
+        <p:txBody>
+          <a:bodyPr/>
+          <a:lstStyle/>
+          <a:p>
+            <a:r>
+              <a:rPr lang="zh-CN" altLang="en-US" dirty="0"/>
+              <a:t>例子</a:t>
+            </a:r>
+            <a:endParaRPr lang="en-US" altLang="zh-CN" dirty="0"/>
+          </a:p>
+          <a:p>
+            <a:r>
+              <a:rPr lang="en-US" altLang="zh-CN" dirty="0"/>
+              <a:t>1</a:t>
+            </a:r>
+            <a:r>
+              <a:rPr lang="zh-CN" altLang="en-US" dirty="0"/>
+              <a:t>、我喜欢动物，狗是动物，所以我喜欢狗</a:t>
+            </a:r>
+            <a:endParaRPr lang="en-US" altLang="zh-CN" dirty="0"/>
+          </a:p>
+          <a:p>
+            <a:r>
+              <a:rPr lang="en-US" altLang="zh-CN" dirty="0"/>
+              <a:t>2</a:t>
+            </a:r>
+            <a:r>
+              <a:rPr lang="zh-CN" altLang="en-US" dirty="0"/>
+              <a:t>、狗会汪汪叫，哈士奇会汪汪叫，金毛会汪汪叫</a:t>
+            </a:r>
+            <a:endParaRPr lang="en-US" altLang="zh-CN" dirty="0"/>
+          </a:p>
+        </p:txBody>
+      </p:sp>
+      <p:sp>
+        <p:nvSpPr>
+          <p:cNvPr id="4" name="灯片编号占位符 3"/>
+          <p:cNvSpPr>
+            <a:spLocks noGrp="1"/>
+          </p:cNvSpPr>
+          <p:nvPr>
+            <p:ph type="sldNum" sz="quarter" idx="10"/>
+          </p:nvPr>
+        </p:nvSpPr>
+        <p:spPr/>
+        <p:txBody>
+          <a:bodyPr/>
+          <a:lstStyle/>
+          <a:p>
+            <a:fld id="{2ED26FC3-015A-4F86-ACC3-780431FB8E4D}" type="slidenum">
+              <a:rPr lang="zh-CN" altLang="en-US" smtClean="0"/>
+              <a:t>14</a:t>
+            </a:fld>
+            <a:endParaRPr lang="zh-CN" altLang="en-US"/>
+          </a:p>
+        </p:txBody>
+      </p:sp>
+    </p:spTree>
+    <p:extLst>
+      <p:ext uri="{BB962C8B-B14F-4D97-AF65-F5344CB8AC3E}">
+        <p14:creationId xmlns:p14="http://schemas.microsoft.com/office/powerpoint/2010/main" val="1373590628"/>
+      </p:ext>
+    </p:extLst>
+  </p:cSld>
+  <p:clrMapOvr>
+    <a:masterClrMapping/>
+  </p:clrMapOvr>
+</p:notes>
+</file>
+
+<file path=ppt/notesSlides/notesSlide12.xml><?xml version="1.0" encoding="utf-8"?>
+<p:notes xmlns:a="http://schemas.openxmlformats.org/drawingml/2006/main" xmlns:r="http://schemas.openxmlformats.org/officeDocument/2006/relationships" xmlns:p="http://schemas.openxmlformats.org/presentationml/2006/main">
+  <p:cSld>
+    <p:spTree>
+      <p:nvGrpSpPr>
+        <p:cNvPr id="1" name=""/>
+        <p:cNvGrpSpPr/>
+        <p:nvPr/>
+      </p:nvGrpSpPr>
+      <p:grpSpPr>
+        <a:xfrm>
+          <a:off x="0" y="0"/>
+          <a:ext cx="0" cy="0"/>
+          <a:chOff x="0" y="0"/>
+          <a:chExt cx="0" cy="0"/>
+        </a:xfrm>
+      </p:grpSpPr>
+      <p:sp>
+        <p:nvSpPr>
+          <p:cNvPr id="2" name="幻灯片图像占位符 1"/>
+          <p:cNvSpPr>
+            <a:spLocks noGrp="1" noRot="1" noChangeAspect="1"/>
+          </p:cNvSpPr>
+          <p:nvPr>
+            <p:ph type="sldImg"/>
+          </p:nvPr>
+        </p:nvSpPr>
+        <p:spPr>
+          <a:xfrm>
+            <a:off x="1371600" y="1143000"/>
+            <a:ext cx="4114800" cy="3086100"/>
+          </a:xfrm>
+        </p:spPr>
+      </p:sp>
+      <p:sp>
+        <p:nvSpPr>
+          <p:cNvPr id="3" name="备注占位符 2"/>
+          <p:cNvSpPr>
+            <a:spLocks noGrp="1"/>
+          </p:cNvSpPr>
+          <p:nvPr>
+            <p:ph type="body" idx="1"/>
+          </p:nvPr>
+        </p:nvSpPr>
+        <p:spPr/>
+        <p:txBody>
+          <a:bodyPr/>
+          <a:lstStyle/>
+          <a:p>
+            <a:r>
+              <a:rPr lang="zh-CN" altLang="en-US" dirty="0"/>
+              <a:t>解释引入里氏替换原则下四点</a:t>
+            </a:r>
+            <a:endParaRPr lang="en-US" altLang="zh-CN" dirty="0"/>
+          </a:p>
+          <a:p>
+            <a:r>
+              <a:rPr lang="zh-CN" altLang="en-US" dirty="0"/>
+              <a:t>前提：我们现在决定引入里氏替换原则</a:t>
+            </a:r>
+          </a:p>
+        </p:txBody>
+      </p:sp>
+      <p:sp>
+        <p:nvSpPr>
+          <p:cNvPr id="4" name="灯片编号占位符 3"/>
+          <p:cNvSpPr>
+            <a:spLocks noGrp="1"/>
+          </p:cNvSpPr>
+          <p:nvPr>
+            <p:ph type="sldNum" sz="quarter" idx="10"/>
+          </p:nvPr>
+        </p:nvSpPr>
+        <p:spPr/>
+        <p:txBody>
+          <a:bodyPr/>
+          <a:lstStyle/>
+          <a:p>
+            <a:fld id="{2ED26FC3-015A-4F86-ACC3-780431FB8E4D}" type="slidenum">
+              <a:rPr lang="zh-CN" altLang="en-US" smtClean="0"/>
+              <a:t>15</a:t>
+            </a:fld>
+            <a:endParaRPr lang="zh-CN" altLang="en-US"/>
+          </a:p>
+        </p:txBody>
+      </p:sp>
+    </p:spTree>
+    <p:extLst>
+      <p:ext uri="{BB962C8B-B14F-4D97-AF65-F5344CB8AC3E}">
+        <p14:creationId xmlns:p14="http://schemas.microsoft.com/office/powerpoint/2010/main" val="3772025518"/>
+      </p:ext>
+    </p:extLst>
+  </p:cSld>
+  <p:clrMapOvr>
+    <a:masterClrMapping/>
+  </p:clrMapOvr>
+</p:notes>
+</file>
+
+<file path=ppt/notesSlides/notesSlide13.xml><?xml version="1.0" encoding="utf-8"?>
+<p:notes xmlns:a="http://schemas.openxmlformats.org/drawingml/2006/main" xmlns:r="http://schemas.openxmlformats.org/officeDocument/2006/relationships" xmlns:p="http://schemas.openxmlformats.org/presentationml/2006/main">
+  <p:cSld>
+    <p:spTree>
+      <p:nvGrpSpPr>
+        <p:cNvPr id="1" name=""/>
+        <p:cNvGrpSpPr/>
+        <p:nvPr/>
+      </p:nvGrpSpPr>
+      <p:grpSpPr>
+        <a:xfrm>
+          <a:off x="0" y="0"/>
+          <a:ext cx="0" cy="0"/>
+          <a:chOff x="0" y="0"/>
+          <a:chExt cx="0" cy="0"/>
+        </a:xfrm>
+      </p:grpSpPr>
+      <p:sp>
+        <p:nvSpPr>
+          <p:cNvPr id="2" name="幻灯片图像占位符 1"/>
+          <p:cNvSpPr>
+            <a:spLocks noGrp="1" noRot="1" noChangeAspect="1"/>
+          </p:cNvSpPr>
+          <p:nvPr>
+            <p:ph type="sldImg"/>
+          </p:nvPr>
+        </p:nvSpPr>
+        <p:spPr>
+          <a:xfrm>
+            <a:off x="1371600" y="1143000"/>
+            <a:ext cx="4114800" cy="3086100"/>
+          </a:xfrm>
+        </p:spPr>
+      </p:sp>
+      <p:sp>
+        <p:nvSpPr>
+          <p:cNvPr id="3" name="备注占位符 2"/>
+          <p:cNvSpPr>
+            <a:spLocks noGrp="1"/>
+          </p:cNvSpPr>
+          <p:nvPr>
+            <p:ph type="body" idx="1"/>
+          </p:nvPr>
+        </p:nvSpPr>
+        <p:spPr/>
+        <p:txBody>
+          <a:bodyPr/>
+          <a:lstStyle/>
+          <a:p>
+            <a:endParaRPr lang="zh-CN" altLang="en-US" dirty="0"/>
+          </a:p>
+        </p:txBody>
+      </p:sp>
+      <p:sp>
+        <p:nvSpPr>
+          <p:cNvPr id="4" name="灯片编号占位符 3"/>
+          <p:cNvSpPr>
+            <a:spLocks noGrp="1"/>
+          </p:cNvSpPr>
+          <p:nvPr>
+            <p:ph type="sldNum" sz="quarter" idx="10"/>
+          </p:nvPr>
+        </p:nvSpPr>
+        <p:spPr/>
+        <p:txBody>
+          <a:bodyPr/>
+          <a:lstStyle/>
+          <a:p>
+            <a:fld id="{2ED26FC3-015A-4F86-ACC3-780431FB8E4D}" type="slidenum">
+              <a:rPr lang="zh-CN" altLang="en-US" smtClean="0"/>
+              <a:t>16</a:t>
+            </a:fld>
+            <a:endParaRPr lang="zh-CN" altLang="en-US"/>
+          </a:p>
+        </p:txBody>
+      </p:sp>
+    </p:spTree>
+    <p:extLst>
+      <p:ext uri="{BB962C8B-B14F-4D97-AF65-F5344CB8AC3E}">
+        <p14:creationId xmlns:p14="http://schemas.microsoft.com/office/powerpoint/2010/main" val="3697604889"/>
+      </p:ext>
+    </p:extLst>
+  </p:cSld>
+  <p:clrMapOvr>
+    <a:masterClrMapping/>
+  </p:clrMapOvr>
+</p:notes>
+</file>
+
+<file path=ppt/notesSlides/notesSlide14.xml><?xml version="1.0" encoding="utf-8"?>
+<p:notes xmlns:a="http://schemas.openxmlformats.org/drawingml/2006/main" xmlns:r="http://schemas.openxmlformats.org/officeDocument/2006/relationships" xmlns:p="http://schemas.openxmlformats.org/presentationml/2006/main">
+  <p:cSld>
+    <p:spTree>
+      <p:nvGrpSpPr>
+        <p:cNvPr id="1" name=""/>
+        <p:cNvGrpSpPr/>
+        <p:nvPr/>
+      </p:nvGrpSpPr>
+      <p:grpSpPr>
+        <a:xfrm>
+          <a:off x="0" y="0"/>
+          <a:ext cx="0" cy="0"/>
+          <a:chOff x="0" y="0"/>
+          <a:chExt cx="0" cy="0"/>
+        </a:xfrm>
+      </p:grpSpPr>
+      <p:sp>
+        <p:nvSpPr>
+          <p:cNvPr id="2" name="幻灯片图像占位符 1"/>
+          <p:cNvSpPr>
+            <a:spLocks noGrp="1" noRot="1" noChangeAspect="1"/>
+          </p:cNvSpPr>
+          <p:nvPr>
+            <p:ph type="sldImg"/>
+          </p:nvPr>
+        </p:nvSpPr>
+        <p:spPr>
+          <a:xfrm>
+            <a:off x="1371600" y="1143000"/>
+            <a:ext cx="4114800" cy="3086100"/>
+          </a:xfrm>
+        </p:spPr>
+      </p:sp>
+      <p:sp>
+        <p:nvSpPr>
+          <p:cNvPr id="3" name="备注占位符 2"/>
+          <p:cNvSpPr>
+            <a:spLocks noGrp="1"/>
+          </p:cNvSpPr>
+          <p:nvPr>
+            <p:ph type="body" idx="1"/>
+          </p:nvPr>
+        </p:nvSpPr>
+        <p:spPr/>
+        <p:txBody>
+          <a:bodyPr/>
+          <a:lstStyle/>
+          <a:p>
+            <a:endParaRPr lang="zh-CN" altLang="en-US" dirty="0"/>
+          </a:p>
+        </p:txBody>
+      </p:sp>
+      <p:sp>
+        <p:nvSpPr>
+          <p:cNvPr id="4" name="灯片编号占位符 3"/>
+          <p:cNvSpPr>
+            <a:spLocks noGrp="1"/>
+          </p:cNvSpPr>
+          <p:nvPr>
+            <p:ph type="sldNum" sz="quarter" idx="10"/>
+          </p:nvPr>
+        </p:nvSpPr>
+        <p:spPr/>
+        <p:txBody>
+          <a:bodyPr/>
+          <a:lstStyle/>
+          <a:p>
+            <a:fld id="{2ED26FC3-015A-4F86-ACC3-780431FB8E4D}" type="slidenum">
+              <a:rPr lang="zh-CN" altLang="en-US" smtClean="0"/>
+              <a:t>17</a:t>
+            </a:fld>
+            <a:endParaRPr lang="zh-CN" altLang="en-US"/>
+          </a:p>
+        </p:txBody>
+      </p:sp>
+    </p:spTree>
+    <p:extLst>
+      <p:ext uri="{BB962C8B-B14F-4D97-AF65-F5344CB8AC3E}">
+        <p14:creationId xmlns:p14="http://schemas.microsoft.com/office/powerpoint/2010/main" val="3301610405"/>
+      </p:ext>
+    </p:extLst>
+  </p:cSld>
+  <p:clrMapOvr>
+    <a:masterClrMapping/>
+  </p:clrMapOvr>
+</p:notes>
+</file>
+
+<file path=ppt/notesSlides/notesSlide15.xml><?xml version="1.0" encoding="utf-8"?>
+<p:notes xmlns:a="http://schemas.openxmlformats.org/drawingml/2006/main" xmlns:r="http://schemas.openxmlformats.org/officeDocument/2006/relationships" xmlns:p="http://schemas.openxmlformats.org/presentationml/2006/main">
+  <p:cSld>
+    <p:spTree>
+      <p:nvGrpSpPr>
+        <p:cNvPr id="1" name=""/>
+        <p:cNvGrpSpPr/>
+        <p:nvPr/>
+      </p:nvGrpSpPr>
+      <p:grpSpPr>
+        <a:xfrm>
+          <a:off x="0" y="0"/>
+          <a:ext cx="0" cy="0"/>
+          <a:chOff x="0" y="0"/>
+          <a:chExt cx="0" cy="0"/>
+        </a:xfrm>
+      </p:grpSpPr>
+      <p:sp>
+        <p:nvSpPr>
+          <p:cNvPr id="2" name="幻灯片图像占位符 1"/>
+          <p:cNvSpPr>
+            <a:spLocks noGrp="1" noRot="1" noChangeAspect="1"/>
+          </p:cNvSpPr>
+          <p:nvPr>
+            <p:ph type="sldImg"/>
+          </p:nvPr>
+        </p:nvSpPr>
+        <p:spPr>
+          <a:xfrm>
+            <a:off x="1371600" y="1143000"/>
+            <a:ext cx="4114800" cy="3086100"/>
+          </a:xfrm>
+        </p:spPr>
+      </p:sp>
+      <p:sp>
+        <p:nvSpPr>
+          <p:cNvPr id="3" name="备注占位符 2"/>
+          <p:cNvSpPr>
+            <a:spLocks noGrp="1"/>
+          </p:cNvSpPr>
+          <p:nvPr>
+            <p:ph type="body" idx="1"/>
+          </p:nvPr>
+        </p:nvSpPr>
+        <p:spPr/>
+        <p:txBody>
+          <a:bodyPr/>
+          <a:lstStyle/>
+          <a:p>
+            <a:r>
+              <a:rPr lang="zh-CN" altLang="en-US" sz="1200" b="0" i="0" kern="1200" dirty="0">
+                <a:solidFill>
+                  <a:schemeClr val="tx1"/>
+                </a:solidFill>
+                <a:effectLst/>
+                <a:latin typeface="+mn-lt"/>
+                <a:ea typeface="+mn-ea"/>
+                <a:cs typeface="+mn-cs"/>
+              </a:rPr>
+              <a:t>里氏代换原则告诉我们，在软件中将一个基类对象替换成它的子类对象，程序将不会产生任何错误和异常，反过来则不成立，如果一个软件实体使用的是一个子类对象的话，那么它不一定能够使用基类对象。例如：我喜欢动物，那我一定喜欢狗，因为狗是动物的子类；但是我喜欢狗，不能据此断定我喜欢动物，因为我并不喜欢老鼠，虽然它也是动物。</a:t>
+            </a:r>
+            <a:endParaRPr lang="zh-CN" altLang="en-US" dirty="0"/>
+          </a:p>
+        </p:txBody>
+      </p:sp>
+      <p:sp>
+        <p:nvSpPr>
+          <p:cNvPr id="4" name="灯片编号占位符 3"/>
+          <p:cNvSpPr>
+            <a:spLocks noGrp="1"/>
+          </p:cNvSpPr>
+          <p:nvPr>
+            <p:ph type="sldNum" sz="quarter" idx="10"/>
+          </p:nvPr>
+        </p:nvSpPr>
+        <p:spPr/>
+        <p:txBody>
+          <a:bodyPr/>
+          <a:lstStyle/>
+          <a:p>
+            <a:fld id="{2ED26FC3-015A-4F86-ACC3-780431FB8E4D}" type="slidenum">
+              <a:rPr lang="zh-CN" altLang="en-US" smtClean="0"/>
+              <a:t>18</a:t>
+            </a:fld>
+            <a:endParaRPr lang="zh-CN" altLang="en-US"/>
+          </a:p>
+        </p:txBody>
+      </p:sp>
+    </p:spTree>
+    <p:extLst>
+      <p:ext uri="{BB962C8B-B14F-4D97-AF65-F5344CB8AC3E}">
+        <p14:creationId xmlns:p14="http://schemas.microsoft.com/office/powerpoint/2010/main" val="2545419587"/>
+      </p:ext>
+    </p:extLst>
+  </p:cSld>
+  <p:clrMapOvr>
+    <a:masterClrMapping/>
+  </p:clrMapOvr>
+</p:notes>
+</file>
+
+<file path=ppt/notesSlides/notesSlide16.xml><?xml version="1.0" encoding="utf-8"?>
+<p:notes xmlns:a="http://schemas.openxmlformats.org/drawingml/2006/main" xmlns:r="http://schemas.openxmlformats.org/officeDocument/2006/relationships" xmlns:p="http://schemas.openxmlformats.org/presentationml/2006/main">
+  <p:cSld>
+    <p:spTree>
+      <p:nvGrpSpPr>
+        <p:cNvPr id="1" name=""/>
+        <p:cNvGrpSpPr/>
+        <p:nvPr/>
+      </p:nvGrpSpPr>
+      <p:grpSpPr>
+        <a:xfrm>
+          <a:off x="0" y="0"/>
+          <a:ext cx="0" cy="0"/>
+          <a:chOff x="0" y="0"/>
+          <a:chExt cx="0" cy="0"/>
+        </a:xfrm>
+      </p:grpSpPr>
+      <p:sp>
+        <p:nvSpPr>
+          <p:cNvPr id="2" name="幻灯片图像占位符 1"/>
+          <p:cNvSpPr>
+            <a:spLocks noGrp="1" noRot="1" noChangeAspect="1"/>
+          </p:cNvSpPr>
+          <p:nvPr>
+            <p:ph type="sldImg"/>
+          </p:nvPr>
+        </p:nvSpPr>
+        <p:spPr>
+          <a:xfrm>
+            <a:off x="1371600" y="1143000"/>
+            <a:ext cx="4114800" cy="3086100"/>
+          </a:xfrm>
+        </p:spPr>
+      </p:sp>
+      <p:sp>
+        <p:nvSpPr>
+          <p:cNvPr id="3" name="备注占位符 2"/>
+          <p:cNvSpPr>
+            <a:spLocks noGrp="1"/>
+          </p:cNvSpPr>
+          <p:nvPr>
+            <p:ph type="body" idx="1"/>
+          </p:nvPr>
+        </p:nvSpPr>
+        <p:spPr/>
+        <p:txBody>
+          <a:bodyPr/>
+          <a:lstStyle/>
+          <a:p>
+            <a:r>
+              <a:rPr lang="zh-CN" altLang="en-US" dirty="0"/>
+              <a:t>手机</a:t>
+            </a:r>
+            <a:endParaRPr lang="en-US" altLang="zh-CN" dirty="0"/>
+          </a:p>
+          <a:p>
+            <a:endParaRPr lang="zh-CN" altLang="en-US" dirty="0"/>
+          </a:p>
+        </p:txBody>
+      </p:sp>
+      <p:sp>
+        <p:nvSpPr>
+          <p:cNvPr id="4" name="灯片编号占位符 3"/>
+          <p:cNvSpPr>
+            <a:spLocks noGrp="1"/>
+          </p:cNvSpPr>
+          <p:nvPr>
+            <p:ph type="sldNum" sz="quarter" idx="10"/>
+          </p:nvPr>
+        </p:nvSpPr>
+        <p:spPr/>
+        <p:txBody>
+          <a:bodyPr/>
+          <a:lstStyle/>
+          <a:p>
+            <a:fld id="{2ED26FC3-015A-4F86-ACC3-780431FB8E4D}" type="slidenum">
+              <a:rPr lang="zh-CN" altLang="en-US" smtClean="0"/>
+              <a:t>19</a:t>
+            </a:fld>
+            <a:endParaRPr lang="zh-CN" altLang="en-US"/>
+          </a:p>
+        </p:txBody>
+      </p:sp>
+    </p:spTree>
+    <p:extLst>
+      <p:ext uri="{BB962C8B-B14F-4D97-AF65-F5344CB8AC3E}">
+        <p14:creationId xmlns:p14="http://schemas.microsoft.com/office/powerpoint/2010/main" val="2574460582"/>
+      </p:ext>
+    </p:extLst>
+  </p:cSld>
+  <p:clrMapOvr>
+    <a:masterClrMapping/>
+  </p:clrMapOvr>
+</p:notes>
+</file>
+
+<file path=ppt/notesSlides/notesSlide17.xml><?xml version="1.0" encoding="utf-8"?>
+<p:notes xmlns:a="http://schemas.openxmlformats.org/drawingml/2006/main" xmlns:r="http://schemas.openxmlformats.org/officeDocument/2006/relationships" xmlns:p="http://schemas.openxmlformats.org/presentationml/2006/main">
+  <p:cSld>
+    <p:spTree>
+      <p:nvGrpSpPr>
+        <p:cNvPr id="1" name=""/>
+        <p:cNvGrpSpPr/>
+        <p:nvPr/>
+      </p:nvGrpSpPr>
+      <p:grpSpPr>
+        <a:xfrm>
+          <a:off x="0" y="0"/>
+          <a:ext cx="0" cy="0"/>
+          <a:chOff x="0" y="0"/>
+          <a:chExt cx="0" cy="0"/>
+        </a:xfrm>
+      </p:grpSpPr>
+      <p:sp>
+        <p:nvSpPr>
+          <p:cNvPr id="2" name="幻灯片图像占位符 1"/>
+          <p:cNvSpPr>
+            <a:spLocks noGrp="1" noRot="1" noChangeAspect="1"/>
+          </p:cNvSpPr>
+          <p:nvPr>
+            <p:ph type="sldImg"/>
+          </p:nvPr>
+        </p:nvSpPr>
+        <p:spPr>
+          <a:xfrm>
+            <a:off x="1371600" y="1143000"/>
+            <a:ext cx="4114800" cy="3086100"/>
+          </a:xfrm>
+        </p:spPr>
+      </p:sp>
+      <p:sp>
+        <p:nvSpPr>
+          <p:cNvPr id="3" name="备注占位符 2"/>
+          <p:cNvSpPr>
+            <a:spLocks noGrp="1"/>
+          </p:cNvSpPr>
+          <p:nvPr>
+            <p:ph type="body" idx="1"/>
+          </p:nvPr>
+        </p:nvSpPr>
+        <p:spPr/>
+        <p:txBody>
+          <a:bodyPr/>
+          <a:lstStyle/>
+          <a:p>
+            <a:endParaRPr lang="zh-CN" altLang="en-US"/>
+          </a:p>
+        </p:txBody>
+      </p:sp>
+      <p:sp>
+        <p:nvSpPr>
+          <p:cNvPr id="4" name="灯片编号占位符 3"/>
+          <p:cNvSpPr>
+            <a:spLocks noGrp="1"/>
+          </p:cNvSpPr>
+          <p:nvPr>
+            <p:ph type="sldNum" sz="quarter" idx="10"/>
+          </p:nvPr>
+        </p:nvSpPr>
+        <p:spPr/>
+        <p:txBody>
+          <a:bodyPr/>
+          <a:lstStyle/>
+          <a:p>
+            <a:fld id="{2ED26FC3-015A-4F86-ACC3-780431FB8E4D}" type="slidenum">
+              <a:rPr lang="zh-CN" altLang="en-US" smtClean="0"/>
+              <a:t>24</a:t>
+            </a:fld>
+            <a:endParaRPr lang="zh-CN" altLang="en-US"/>
+          </a:p>
+        </p:txBody>
+      </p:sp>
+    </p:spTree>
+    <p:extLst>
+      <p:ext uri="{BB962C8B-B14F-4D97-AF65-F5344CB8AC3E}">
+        <p14:creationId xmlns:p14="http://schemas.microsoft.com/office/powerpoint/2010/main" val="1748122313"/>
+      </p:ext>
+    </p:extLst>
+  </p:cSld>
+  <p:clrMapOvr>
+    <a:masterClrMapping/>
+  </p:clrMapOvr>
+</p:notes>
+</file>
+
+<file path=ppt/notesSlides/notesSlide18.xml><?xml version="1.0" encoding="utf-8"?>
+<p:notes xmlns:a="http://schemas.openxmlformats.org/drawingml/2006/main" xmlns:r="http://schemas.openxmlformats.org/officeDocument/2006/relationships" xmlns:p="http://schemas.openxmlformats.org/presentationml/2006/main">
+  <p:cSld>
+    <p:spTree>
+      <p:nvGrpSpPr>
+        <p:cNvPr id="1" name=""/>
+        <p:cNvGrpSpPr/>
+        <p:nvPr/>
+      </p:nvGrpSpPr>
+      <p:grpSpPr>
+        <a:xfrm>
+          <a:off x="0" y="0"/>
+          <a:ext cx="0" cy="0"/>
+          <a:chOff x="0" y="0"/>
+          <a:chExt cx="0" cy="0"/>
+        </a:xfrm>
+      </p:grpSpPr>
+      <p:sp>
+        <p:nvSpPr>
+          <p:cNvPr id="2" name="幻灯片图像占位符 1"/>
+          <p:cNvSpPr>
+            <a:spLocks noGrp="1" noRot="1" noChangeAspect="1"/>
+          </p:cNvSpPr>
+          <p:nvPr>
+            <p:ph type="sldImg"/>
+          </p:nvPr>
+        </p:nvSpPr>
+        <p:spPr>
+          <a:xfrm>
+            <a:off x="1371600" y="1143000"/>
+            <a:ext cx="4114800" cy="3086100"/>
+          </a:xfrm>
+        </p:spPr>
+      </p:sp>
+      <p:sp>
+        <p:nvSpPr>
+          <p:cNvPr id="3" name="备注占位符 2"/>
+          <p:cNvSpPr>
+            <a:spLocks noGrp="1"/>
+          </p:cNvSpPr>
+          <p:nvPr>
+            <p:ph type="body" idx="1"/>
+          </p:nvPr>
+        </p:nvSpPr>
+        <p:spPr/>
+        <p:txBody>
+          <a:bodyPr/>
+          <a:lstStyle/>
+          <a:p>
+            <a:endParaRPr lang="zh-CN" altLang="en-US"/>
+          </a:p>
+        </p:txBody>
+      </p:sp>
+      <p:sp>
+        <p:nvSpPr>
+          <p:cNvPr id="4" name="灯片编号占位符 3"/>
+          <p:cNvSpPr>
+            <a:spLocks noGrp="1"/>
+          </p:cNvSpPr>
+          <p:nvPr>
+            <p:ph type="sldNum" sz="quarter" idx="10"/>
+          </p:nvPr>
+        </p:nvSpPr>
+        <p:spPr/>
+        <p:txBody>
+          <a:bodyPr/>
+          <a:lstStyle/>
+          <a:p>
+            <a:fld id="{2ED26FC3-015A-4F86-ACC3-780431FB8E4D}" type="slidenum">
+              <a:rPr lang="zh-CN" altLang="en-US" smtClean="0"/>
+              <a:t>26</a:t>
             </a:fld>
             <a:endParaRPr lang="zh-CN" altLang="en-US"/>
           </a:p>
@@ -1054,7 +1860,348 @@
 </p:notes>
 </file>
 
-<file path=ppt/notesSlides/notesSlide11.xml><?xml version="1.0" encoding="utf-8"?>
+<file path=ppt/notesSlides/notesSlide19.xml><?xml version="1.0" encoding="utf-8"?>
+<p:notes xmlns:a="http://schemas.openxmlformats.org/drawingml/2006/main" xmlns:r="http://schemas.openxmlformats.org/officeDocument/2006/relationships" xmlns:p="http://schemas.openxmlformats.org/presentationml/2006/main">
+  <p:cSld>
+    <p:spTree>
+      <p:nvGrpSpPr>
+        <p:cNvPr id="1" name=""/>
+        <p:cNvGrpSpPr/>
+        <p:nvPr/>
+      </p:nvGrpSpPr>
+      <p:grpSpPr>
+        <a:xfrm>
+          <a:off x="0" y="0"/>
+          <a:ext cx="0" cy="0"/>
+          <a:chOff x="0" y="0"/>
+          <a:chExt cx="0" cy="0"/>
+        </a:xfrm>
+      </p:grpSpPr>
+      <p:sp>
+        <p:nvSpPr>
+          <p:cNvPr id="2" name="幻灯片图像占位符 1"/>
+          <p:cNvSpPr>
+            <a:spLocks noGrp="1" noRot="1" noChangeAspect="1"/>
+          </p:cNvSpPr>
+          <p:nvPr>
+            <p:ph type="sldImg"/>
+          </p:nvPr>
+        </p:nvSpPr>
+        <p:spPr>
+          <a:xfrm>
+            <a:off x="1371600" y="1143000"/>
+            <a:ext cx="4114800" cy="3086100"/>
+          </a:xfrm>
+        </p:spPr>
+      </p:sp>
+      <p:sp>
+        <p:nvSpPr>
+          <p:cNvPr id="3" name="备注占位符 2"/>
+          <p:cNvSpPr>
+            <a:spLocks noGrp="1"/>
+          </p:cNvSpPr>
+          <p:nvPr>
+            <p:ph type="body" idx="1"/>
+          </p:nvPr>
+        </p:nvSpPr>
+        <p:spPr/>
+        <p:txBody>
+          <a:bodyPr/>
+          <a:lstStyle/>
+          <a:p>
+            <a:endParaRPr lang="zh-CN" altLang="en-US"/>
+          </a:p>
+        </p:txBody>
+      </p:sp>
+      <p:sp>
+        <p:nvSpPr>
+          <p:cNvPr id="4" name="灯片编号占位符 3"/>
+          <p:cNvSpPr>
+            <a:spLocks noGrp="1"/>
+          </p:cNvSpPr>
+          <p:nvPr>
+            <p:ph type="sldNum" sz="quarter" idx="10"/>
+          </p:nvPr>
+        </p:nvSpPr>
+        <p:spPr/>
+        <p:txBody>
+          <a:bodyPr/>
+          <a:lstStyle/>
+          <a:p>
+            <a:fld id="{2ED26FC3-015A-4F86-ACC3-780431FB8E4D}" type="slidenum">
+              <a:rPr lang="zh-CN" altLang="en-US" smtClean="0"/>
+              <a:t>27</a:t>
+            </a:fld>
+            <a:endParaRPr lang="zh-CN" altLang="en-US"/>
+          </a:p>
+        </p:txBody>
+      </p:sp>
+    </p:spTree>
+  </p:cSld>
+  <p:clrMapOvr>
+    <a:masterClrMapping/>
+  </p:clrMapOvr>
+</p:notes>
+</file>
+
+<file path=ppt/notesSlides/notesSlide2.xml><?xml version="1.0" encoding="utf-8"?>
+<p:notes xmlns:a="http://schemas.openxmlformats.org/drawingml/2006/main" xmlns:r="http://schemas.openxmlformats.org/officeDocument/2006/relationships" xmlns:p="http://schemas.openxmlformats.org/presentationml/2006/main">
+  <p:cSld>
+    <p:spTree>
+      <p:nvGrpSpPr>
+        <p:cNvPr id="1" name=""/>
+        <p:cNvGrpSpPr/>
+        <p:nvPr/>
+      </p:nvGrpSpPr>
+      <p:grpSpPr>
+        <a:xfrm>
+          <a:off x="0" y="0"/>
+          <a:ext cx="0" cy="0"/>
+          <a:chOff x="0" y="0"/>
+          <a:chExt cx="0" cy="0"/>
+        </a:xfrm>
+      </p:grpSpPr>
+      <p:sp>
+        <p:nvSpPr>
+          <p:cNvPr id="2" name="幻灯片图像占位符 1"/>
+          <p:cNvSpPr>
+            <a:spLocks noGrp="1" noRot="1" noChangeAspect="1"/>
+          </p:cNvSpPr>
+          <p:nvPr>
+            <p:ph type="sldImg"/>
+          </p:nvPr>
+        </p:nvSpPr>
+        <p:spPr>
+          <a:xfrm>
+            <a:off x="1371600" y="1143000"/>
+            <a:ext cx="4114800" cy="3086100"/>
+          </a:xfrm>
+        </p:spPr>
+      </p:sp>
+      <p:sp>
+        <p:nvSpPr>
+          <p:cNvPr id="3" name="备注占位符 2"/>
+          <p:cNvSpPr>
+            <a:spLocks noGrp="1"/>
+          </p:cNvSpPr>
+          <p:nvPr>
+            <p:ph type="body" idx="1"/>
+          </p:nvPr>
+        </p:nvSpPr>
+        <p:spPr/>
+        <p:txBody>
+          <a:bodyPr/>
+          <a:lstStyle/>
+          <a:p>
+            <a:pPr eaLnBrk="1" hangingPunct="1"/>
+            <a:r>
+              <a:rPr lang="zh-CN" altLang="en-US" dirty="0"/>
+              <a:t>设计模式是</a:t>
+            </a:r>
+            <a:r>
+              <a:rPr lang="en-US" altLang="zh-CN" dirty="0"/>
+              <a:t>OOP</a:t>
+            </a:r>
+            <a:r>
+              <a:rPr lang="zh-CN" altLang="en-US" dirty="0"/>
+              <a:t>的方法论，随着</a:t>
+            </a:r>
+            <a:r>
+              <a:rPr lang="en-US" altLang="zh-CN" dirty="0"/>
+              <a:t>OOP</a:t>
+            </a:r>
+            <a:r>
+              <a:rPr lang="zh-CN" altLang="en-US" dirty="0"/>
+              <a:t>语言的应用而逐渐普及成熟。</a:t>
+            </a:r>
+          </a:p>
+          <a:p>
+            <a:pPr eaLnBrk="1" hangingPunct="1"/>
+            <a:endParaRPr lang="zh-CN" altLang="en-US" dirty="0"/>
+          </a:p>
+          <a:p>
+            <a:pPr eaLnBrk="1" hangingPunct="1"/>
+            <a:r>
+              <a:rPr lang="zh-CN" altLang="en-US" dirty="0"/>
+              <a:t>重用（举例 </a:t>
+            </a:r>
+            <a:r>
+              <a:rPr lang="en-US" altLang="zh-CN" dirty="0"/>
+              <a:t>Factory）</a:t>
+            </a:r>
+            <a:r>
+              <a:rPr lang="zh-CN" altLang="en-US" dirty="0"/>
+              <a:t> ，避免代码重复冗余是</a:t>
+            </a:r>
+            <a:r>
+              <a:rPr lang="en-US" altLang="zh-CN" dirty="0"/>
+              <a:t>OOP</a:t>
+            </a:r>
+            <a:r>
+              <a:rPr lang="zh-CN" altLang="en-US" dirty="0"/>
+              <a:t>的核心思想，也是设计模式的精髓所在</a:t>
+            </a:r>
+            <a:r>
+              <a:rPr lang="en-US" altLang="zh-CN" dirty="0"/>
+              <a:t>。</a:t>
+            </a:r>
+          </a:p>
+          <a:p>
+            <a:pPr eaLnBrk="1" hangingPunct="1"/>
+            <a:r>
+              <a:rPr lang="zh-CN" altLang="en-US" dirty="0"/>
+              <a:t>重用最直接的效果是减少了代码冗余，提高其维护性和弹性（快速开发的基础之一），但是它还有更加重要的意义：要做到重用，必须要能先发现问题所在，其次则必须经常总结经验和教训，从而提出更好的解决方案、开发新的技术和标准。这是软件设计的必备素质，否则无法进步。（如下面例子中的</a:t>
+            </a:r>
+            <a:r>
+              <a:rPr lang="en-US" altLang="zh-CN" dirty="0"/>
+              <a:t>MVC</a:t>
+            </a:r>
+            <a:r>
+              <a:rPr lang="zh-CN" altLang="en-US" dirty="0"/>
+              <a:t>发展出今日的</a:t>
+            </a:r>
+            <a:r>
+              <a:rPr lang="en-US" altLang="zh-CN" dirty="0"/>
+              <a:t>Struts</a:t>
+            </a:r>
+            <a:r>
+              <a:rPr lang="zh-CN" altLang="en-US" dirty="0"/>
+              <a:t>等框架）。</a:t>
+            </a:r>
+          </a:p>
+          <a:p>
+            <a:pPr eaLnBrk="1" hangingPunct="1"/>
+            <a:r>
+              <a:rPr lang="zh-CN" altLang="en-US" dirty="0"/>
+              <a:t>优化体系结构的关键是职能明晰（分而治之策略和涟漪效应）、粒度合适，举例 </a:t>
+            </a:r>
+            <a:r>
+              <a:rPr lang="en-US" altLang="zh-CN" dirty="0"/>
+              <a:t>MVC （Struts</a:t>
+            </a:r>
+            <a:r>
+              <a:rPr lang="zh-CN" altLang="en-US" dirty="0"/>
+              <a:t>框架）。</a:t>
+            </a:r>
+          </a:p>
+        </p:txBody>
+      </p:sp>
+      <p:sp>
+        <p:nvSpPr>
+          <p:cNvPr id="4" name="灯片编号占位符 3"/>
+          <p:cNvSpPr>
+            <a:spLocks noGrp="1"/>
+          </p:cNvSpPr>
+          <p:nvPr>
+            <p:ph type="sldNum" sz="quarter" idx="10"/>
+          </p:nvPr>
+        </p:nvSpPr>
+        <p:spPr/>
+        <p:txBody>
+          <a:bodyPr/>
+          <a:lstStyle/>
+          <a:p>
+            <a:fld id="{2ED26FC3-015A-4F86-ACC3-780431FB8E4D}" type="slidenum">
+              <a:rPr lang="zh-CN" altLang="en-US" smtClean="0"/>
+              <a:t>2</a:t>
+            </a:fld>
+            <a:endParaRPr lang="zh-CN" altLang="en-US"/>
+          </a:p>
+        </p:txBody>
+      </p:sp>
+    </p:spTree>
+  </p:cSld>
+  <p:clrMapOvr>
+    <a:masterClrMapping/>
+  </p:clrMapOvr>
+</p:notes>
+</file>
+
+<file path=ppt/notesSlides/notesSlide20.xml><?xml version="1.0" encoding="utf-8"?>
+<p:notes xmlns:a="http://schemas.openxmlformats.org/drawingml/2006/main" xmlns:r="http://schemas.openxmlformats.org/officeDocument/2006/relationships" xmlns:p="http://schemas.openxmlformats.org/presentationml/2006/main">
+  <p:cSld>
+    <p:spTree>
+      <p:nvGrpSpPr>
+        <p:cNvPr id="1" name=""/>
+        <p:cNvGrpSpPr/>
+        <p:nvPr/>
+      </p:nvGrpSpPr>
+      <p:grpSpPr>
+        <a:xfrm>
+          <a:off x="0" y="0"/>
+          <a:ext cx="0" cy="0"/>
+          <a:chOff x="0" y="0"/>
+          <a:chExt cx="0" cy="0"/>
+        </a:xfrm>
+      </p:grpSpPr>
+      <p:sp>
+        <p:nvSpPr>
+          <p:cNvPr id="2" name="幻灯片图像占位符 1"/>
+          <p:cNvSpPr>
+            <a:spLocks noGrp="1" noRot="1" noChangeAspect="1"/>
+          </p:cNvSpPr>
+          <p:nvPr>
+            <p:ph type="sldImg"/>
+          </p:nvPr>
+        </p:nvSpPr>
+        <p:spPr>
+          <a:xfrm>
+            <a:off x="1371600" y="1143000"/>
+            <a:ext cx="4114800" cy="3086100"/>
+          </a:xfrm>
+        </p:spPr>
+      </p:sp>
+      <p:sp>
+        <p:nvSpPr>
+          <p:cNvPr id="3" name="备注占位符 2"/>
+          <p:cNvSpPr>
+            <a:spLocks noGrp="1"/>
+          </p:cNvSpPr>
+          <p:nvPr>
+            <p:ph type="body" idx="1"/>
+          </p:nvPr>
+        </p:nvSpPr>
+        <p:spPr/>
+        <p:txBody>
+          <a:bodyPr/>
+          <a:lstStyle/>
+          <a:p>
+            <a:endParaRPr lang="zh-CN" altLang="en-US"/>
+          </a:p>
+        </p:txBody>
+      </p:sp>
+      <p:sp>
+        <p:nvSpPr>
+          <p:cNvPr id="4" name="灯片编号占位符 3"/>
+          <p:cNvSpPr>
+            <a:spLocks noGrp="1"/>
+          </p:cNvSpPr>
+          <p:nvPr>
+            <p:ph type="sldNum" sz="quarter" idx="10"/>
+          </p:nvPr>
+        </p:nvSpPr>
+        <p:spPr/>
+        <p:txBody>
+          <a:bodyPr/>
+          <a:lstStyle/>
+          <a:p>
+            <a:fld id="{2ED26FC3-015A-4F86-ACC3-780431FB8E4D}" type="slidenum">
+              <a:rPr lang="zh-CN" altLang="en-US" smtClean="0"/>
+              <a:t>28</a:t>
+            </a:fld>
+            <a:endParaRPr lang="zh-CN" altLang="en-US"/>
+          </a:p>
+        </p:txBody>
+      </p:sp>
+    </p:spTree>
+  </p:cSld>
+  <p:clrMapOvr>
+    <a:masterClrMapping/>
+  </p:clrMapOvr>
+</p:notes>
+</file>
+
+<file path=ppt/notesSlides/notesSlide21.xml><?xml version="1.0" encoding="utf-8"?>
 <p:notes xmlns:a="http://schemas.openxmlformats.org/drawingml/2006/main" xmlns:r="http://schemas.openxmlformats.org/officeDocument/2006/relationships" xmlns:p="http://schemas.openxmlformats.org/presentationml/2006/main">
   <p:cSld>
     <p:spTree>
@@ -1278,184 +2425,9 @@
           <a:p>
             <a:fld id="{B2E4F78C-D89C-4591-BABC-F2C1F612872E}" type="slidenum">
               <a:rPr lang="en-US" altLang="zh-CN" sz="1200" smtClean="0"/>
+              <a:t>29</a:t>
             </a:fld>
             <a:endParaRPr lang="en-US" altLang="zh-CN" sz="1200"/>
-          </a:p>
-        </p:txBody>
-      </p:sp>
-    </p:spTree>
-  </p:cSld>
-  <p:clrMapOvr>
-    <a:masterClrMapping/>
-  </p:clrMapOvr>
-</p:notes>
-</file>
-
-<file path=ppt/notesSlides/notesSlide2.xml><?xml version="1.0" encoding="utf-8"?>
-<p:notes xmlns:a="http://schemas.openxmlformats.org/drawingml/2006/main" xmlns:r="http://schemas.openxmlformats.org/officeDocument/2006/relationships" xmlns:p="http://schemas.openxmlformats.org/presentationml/2006/main">
-  <p:cSld>
-    <p:spTree>
-      <p:nvGrpSpPr>
-        <p:cNvPr id="1" name=""/>
-        <p:cNvGrpSpPr/>
-        <p:nvPr/>
-      </p:nvGrpSpPr>
-      <p:grpSpPr>
-        <a:xfrm>
-          <a:off x="0" y="0"/>
-          <a:ext cx="0" cy="0"/>
-          <a:chOff x="0" y="0"/>
-          <a:chExt cx="0" cy="0"/>
-        </a:xfrm>
-      </p:grpSpPr>
-      <p:sp>
-        <p:nvSpPr>
-          <p:cNvPr id="2" name="幻灯片图像占位符 1"/>
-          <p:cNvSpPr>
-            <a:spLocks noGrp="1" noRot="1" noChangeAspect="1"/>
-          </p:cNvSpPr>
-          <p:nvPr>
-            <p:ph type="sldImg"/>
-          </p:nvPr>
-        </p:nvSpPr>
-        <p:spPr>
-          <a:xfrm>
-            <a:off x="1371600" y="1143000"/>
-            <a:ext cx="4114800" cy="3086100"/>
-          </a:xfrm>
-        </p:spPr>
-      </p:sp>
-      <p:sp>
-        <p:nvSpPr>
-          <p:cNvPr id="3" name="备注占位符 2"/>
-          <p:cNvSpPr>
-            <a:spLocks noGrp="1"/>
-          </p:cNvSpPr>
-          <p:nvPr>
-            <p:ph type="body" idx="1"/>
-          </p:nvPr>
-        </p:nvSpPr>
-        <p:spPr/>
-        <p:txBody>
-          <a:bodyPr/>
-          <a:lstStyle/>
-          <a:p>
-            <a:pPr eaLnBrk="1" hangingPunct="1"/>
-            <a:r>
-              <a:rPr lang="zh-CN" altLang="en-US" dirty="0"/>
-              <a:t>设计模式是</a:t>
-            </a:r>
-            <a:r>
-              <a:rPr lang="en-US" altLang="zh-CN" dirty="0"/>
-              <a:t>OOP</a:t>
-            </a:r>
-            <a:r>
-              <a:rPr lang="zh-CN" altLang="en-US" dirty="0"/>
-              <a:t>的方法论，随着</a:t>
-            </a:r>
-            <a:r>
-              <a:rPr lang="en-US" altLang="zh-CN" dirty="0"/>
-              <a:t>OOP</a:t>
-            </a:r>
-            <a:r>
-              <a:rPr lang="zh-CN" altLang="en-US" dirty="0"/>
-              <a:t>语言的应用而逐渐普及成熟。</a:t>
-            </a:r>
-            <a:endParaRPr lang="zh-CN" altLang="en-US" dirty="0"/>
-          </a:p>
-          <a:p>
-            <a:pPr eaLnBrk="1" hangingPunct="1"/>
-            <a:endParaRPr lang="zh-CN" altLang="en-US" dirty="0"/>
-          </a:p>
-          <a:p>
-            <a:pPr eaLnBrk="1" hangingPunct="1"/>
-            <a:r>
-              <a:rPr lang="zh-CN" altLang="en-US" dirty="0"/>
-              <a:t>重用（举例 </a:t>
-            </a:r>
-            <a:r>
-              <a:rPr lang="en-US" altLang="zh-CN" dirty="0"/>
-              <a:t>Factory）</a:t>
-            </a:r>
-            <a:r>
-              <a:rPr lang="zh-CN" altLang="en-US" dirty="0"/>
-              <a:t> ，避免代码重复冗余是</a:t>
-            </a:r>
-            <a:r>
-              <a:rPr lang="en-US" altLang="zh-CN" dirty="0"/>
-              <a:t>OOP</a:t>
-            </a:r>
-            <a:r>
-              <a:rPr lang="zh-CN" altLang="en-US" dirty="0"/>
-              <a:t>的核心思想，也是设计模式的精髓所在</a:t>
-            </a:r>
-            <a:r>
-              <a:rPr lang="en-US" altLang="zh-CN" dirty="0"/>
-              <a:t>。</a:t>
-            </a:r>
-            <a:endParaRPr lang="en-US" altLang="zh-CN" dirty="0"/>
-          </a:p>
-          <a:p>
-            <a:pPr eaLnBrk="1" hangingPunct="1"/>
-            <a:r>
-              <a:rPr lang="zh-CN" altLang="en-US" dirty="0"/>
-              <a:t>重用最直接的效果是减少了代码冗余，提高其维护性和弹性（快速开发的基础之一），但是它还有更加重要的意义：要做到重用，必须要能先发现问题所在，其次则必须经常总结经验和教训，从而提出更好的解决方案、开发新的技术和标准。这是软件设计的必备素质，否则无法进步。（如下面例子中的</a:t>
-            </a:r>
-            <a:r>
-              <a:rPr lang="en-US" altLang="zh-CN" dirty="0"/>
-              <a:t>MVC</a:t>
-            </a:r>
-            <a:r>
-              <a:rPr lang="zh-CN" altLang="en-US" dirty="0"/>
-              <a:t>发展出今日的</a:t>
-            </a:r>
-            <a:r>
-              <a:rPr lang="en-US" altLang="zh-CN" dirty="0"/>
-              <a:t>Struts</a:t>
-            </a:r>
-            <a:r>
-              <a:rPr lang="zh-CN" altLang="en-US" dirty="0"/>
-              <a:t>等框架）。</a:t>
-            </a:r>
-            <a:endParaRPr lang="zh-CN" altLang="en-US" dirty="0"/>
-          </a:p>
-          <a:p>
-            <a:pPr eaLnBrk="1" hangingPunct="1"/>
-            <a:r>
-              <a:rPr lang="zh-CN" altLang="en-US" dirty="0"/>
-              <a:t>优化体系结构的关键是职能明晰（分而治之策略和涟漪效应）、粒度合适，举例 </a:t>
-            </a:r>
-            <a:r>
-              <a:rPr lang="en-US" altLang="zh-CN" dirty="0"/>
-              <a:t>MVC （Struts</a:t>
-            </a:r>
-            <a:r>
-              <a:rPr lang="zh-CN" altLang="en-US" dirty="0"/>
-              <a:t>框架）。</a:t>
-            </a:r>
-            <a:endParaRPr lang="zh-CN" altLang="en-US" dirty="0"/>
-          </a:p>
-        </p:txBody>
-      </p:sp>
-      <p:sp>
-        <p:nvSpPr>
-          <p:cNvPr id="4" name="灯片编号占位符 3"/>
-          <p:cNvSpPr>
-            <a:spLocks noGrp="1"/>
-          </p:cNvSpPr>
-          <p:nvPr>
-            <p:ph type="sldNum" sz="quarter" idx="10"/>
-          </p:nvPr>
-        </p:nvSpPr>
-        <p:spPr/>
-        <p:txBody>
-          <a:bodyPr/>
-          <a:lstStyle/>
-          <a:p>
-            <a:fld id="{2ED26FC3-015A-4F86-ACC3-780431FB8E4D}" type="slidenum">
-              <a:rPr lang="zh-CN" altLang="en-US" smtClean="0"/>
-            </a:fld>
-            <a:endParaRPr lang="zh-CN" altLang="en-US"/>
           </a:p>
         </p:txBody>
       </p:sp>
@@ -1525,7 +2497,6 @@
               <a:rPr lang="en-US" altLang="zh-CN" dirty="0"/>
               <a:t>）</a:t>
             </a:r>
-            <a:endParaRPr lang="en-US" altLang="zh-CN" dirty="0"/>
           </a:p>
           <a:p>
             <a:pPr eaLnBrk="1" hangingPunct="1"/>
@@ -1533,7 +2504,6 @@
               <a:rPr lang="zh-CN" altLang="en-US" dirty="0"/>
               <a:t>重用是优化体系结构的前提。</a:t>
             </a:r>
-            <a:endParaRPr lang="zh-CN" altLang="en-US" dirty="0"/>
           </a:p>
           <a:p>
             <a:pPr eaLnBrk="1" hangingPunct="1"/>
@@ -1541,7 +2511,6 @@
               <a:rPr lang="zh-CN" altLang="en-US" dirty="0"/>
               <a:t>做到重用和体系结构合理后，自然系统在维护性和弹性会有出色表现。</a:t>
             </a:r>
-            <a:endParaRPr lang="zh-CN" altLang="en-US" dirty="0"/>
           </a:p>
           <a:p>
             <a:pPr eaLnBrk="1" hangingPunct="1"/>
@@ -1561,7 +2530,6 @@
               <a:rPr lang="zh-CN" altLang="en-US" dirty="0"/>
               <a:t>）。</a:t>
             </a:r>
-            <a:endParaRPr lang="zh-CN" altLang="en-US" dirty="0"/>
           </a:p>
           <a:p>
             <a:pPr eaLnBrk="1" hangingPunct="1"/>
@@ -1569,7 +2537,6 @@
               <a:rPr lang="zh-CN" altLang="en-US" dirty="0"/>
               <a:t>结构良好的系统更加容易优化性能。因为功能明晰、结构好，可以准确地判断出哪个地方存在性能瓶颈，从而优化之。</a:t>
             </a:r>
-            <a:endParaRPr lang="zh-CN" altLang="en-US" dirty="0"/>
           </a:p>
           <a:p>
             <a:pPr eaLnBrk="1" hangingPunct="1"/>
@@ -1577,7 +2544,6 @@
               <a:rPr lang="zh-CN" altLang="en-US" dirty="0"/>
               <a:t>上述条件满足，软件质量当然有保证。</a:t>
             </a:r>
-            <a:endParaRPr lang="zh-CN" altLang="en-US" dirty="0"/>
           </a:p>
           <a:p>
             <a:pPr eaLnBrk="1" hangingPunct="1"/>
@@ -1585,7 +2551,6 @@
               <a:rPr lang="zh-CN" altLang="en-US" dirty="0"/>
               <a:t>代码虽然是写给计算机执行，但最重要的是表达人的思想，写给人看的。因此提高代码可读性，方便团队交流非常重要。</a:t>
             </a:r>
-            <a:endParaRPr lang="zh-CN" altLang="en-US" dirty="0"/>
           </a:p>
           <a:p>
             <a:pPr eaLnBrk="1" hangingPunct="1"/>
@@ -1593,7 +2558,6 @@
               <a:rPr lang="zh-CN" altLang="en-US" dirty="0"/>
               <a:t>团队有统一的编码规范和设计模式，水平更加容易提高，因为设计模式能将成功的经验在团队中普及。</a:t>
             </a:r>
-            <a:endParaRPr lang="zh-CN" altLang="en-US" dirty="0"/>
           </a:p>
         </p:txBody>
       </p:sp>
@@ -1614,6 +2578,7 @@
           <a:p>
             <a:fld id="{2ED26FC3-015A-4F86-ACC3-780431FB8E4D}" type="slidenum">
               <a:rPr lang="zh-CN" altLang="en-US" smtClean="0"/>
+              <a:t>3</a:t>
             </a:fld>
             <a:endParaRPr lang="zh-CN" altLang="en-US"/>
           </a:p>
@@ -1701,7 +2666,6 @@
               <a:rPr lang="zh-CN" altLang="en-US" dirty="0"/>
               <a:t>重构的前提是设计模式和测试驱动（结合实践经验简要介绍，测试驱动并非只是为了检验软件的功能，更重要的在于重构和加速软件开发）</a:t>
             </a:r>
-            <a:endParaRPr lang="zh-CN" altLang="en-US" dirty="0"/>
           </a:p>
           <a:p>
             <a:pPr eaLnBrk="1" hangingPunct="1"/>
@@ -1713,7 +2677,6 @@
               <a:rPr lang="zh-CN" altLang="en-US" dirty="0"/>
               <a:t>设计过程中，常常面临很多困难，有时甚至是矛盾的抉择。如何权衡各方面的利弊而作出正确选择非常重要。前人的经验和教训总结无疑有非常大的帮助，这有助于我更加清晰地认识到所处环境的各种陷阱和潜在问题，从而作出正确选择。 反设计模式就是帮助开发人员度过该难关的有力工具。与设计模式不同， 反设计模式专注于防止我们犯错误，而设计模式指导我们做出精良的设计，两者是相辅相成的。</a:t>
             </a:r>
-            <a:endParaRPr lang="zh-CN" altLang="en-US" dirty="0"/>
           </a:p>
           <a:p>
             <a:pPr eaLnBrk="1" hangingPunct="1"/>
@@ -1741,7 +2704,6 @@
               <a:rPr lang="zh-CN" altLang="en-US" dirty="0"/>
               <a:t>之上的。</a:t>
             </a:r>
-            <a:endParaRPr lang="zh-CN" altLang="en-US" dirty="0"/>
           </a:p>
         </p:txBody>
       </p:sp>
@@ -1762,6 +2724,7 @@
           <a:p>
             <a:fld id="{2ED26FC3-015A-4F86-ACC3-780431FB8E4D}" type="slidenum">
               <a:rPr lang="zh-CN" altLang="en-US" smtClean="0"/>
+              <a:t>4</a:t>
             </a:fld>
             <a:endParaRPr lang="zh-CN" altLang="en-US"/>
           </a:p>
@@ -1837,7 +2800,6 @@
               <a:rPr lang="zh-CN" altLang="en-US" dirty="0"/>
               <a:t>的方法论，其内容就是如何设计对象的结构及其相互间的协作关系。</a:t>
             </a:r>
-            <a:endParaRPr lang="zh-CN" altLang="en-US" dirty="0"/>
           </a:p>
           <a:p>
             <a:pPr eaLnBrk="1" hangingPunct="1"/>
@@ -1865,7 +2827,6 @@
               <a:rPr lang="zh-CN" altLang="en-US" dirty="0"/>
               <a:t>模式举例</a:t>
             </a:r>
-            <a:endParaRPr lang="zh-CN" altLang="en-US" dirty="0"/>
           </a:p>
           <a:p>
             <a:pPr eaLnBrk="1" hangingPunct="1"/>
@@ -1885,7 +2846,6 @@
               <a:rPr lang="zh-CN" altLang="en-US" dirty="0"/>
               <a:t>来建模，表达整个软件的结构、流程等方方面面。</a:t>
             </a:r>
-            <a:endParaRPr lang="zh-CN" altLang="en-US" dirty="0"/>
           </a:p>
           <a:p>
             <a:pPr eaLnBrk="1" hangingPunct="1"/>
@@ -1909,7 +2869,6 @@
               <a:rPr lang="zh-CN" altLang="en-US" dirty="0"/>
               <a:t>的本意是表达设计思想，而非代码生成引擎。当然，随着技术进步，设计思想表达出来后，可利用代码生成引擎来加快开发速度。 </a:t>
             </a:r>
-            <a:endParaRPr lang="zh-CN" altLang="en-US" dirty="0"/>
           </a:p>
           <a:p>
             <a:pPr eaLnBrk="1" hangingPunct="1"/>
@@ -1937,7 +2896,6 @@
               <a:rPr lang="zh-CN" altLang="en-US" dirty="0"/>
               <a:t>应用和融入到软件设计中。</a:t>
             </a:r>
-            <a:endParaRPr lang="zh-CN" altLang="en-US" dirty="0"/>
           </a:p>
           <a:p>
             <a:pPr eaLnBrk="1" hangingPunct="1"/>
@@ -1957,7 +2915,6 @@
               <a:rPr lang="zh-CN" altLang="en-US" dirty="0"/>
               <a:t>来表达的。</a:t>
             </a:r>
-            <a:endParaRPr lang="zh-CN" altLang="en-US" dirty="0"/>
           </a:p>
         </p:txBody>
       </p:sp>
@@ -1978,6 +2935,7 @@
           <a:p>
             <a:fld id="{2ED26FC3-015A-4F86-ACC3-780431FB8E4D}" type="slidenum">
               <a:rPr lang="zh-CN" altLang="en-US" smtClean="0"/>
+              <a:t>5</a:t>
             </a:fld>
             <a:endParaRPr lang="zh-CN" altLang="en-US"/>
           </a:p>
@@ -2061,6 +3019,7 @@
           <a:p>
             <a:fld id="{2ED26FC3-015A-4F86-ACC3-780431FB8E4D}" type="slidenum">
               <a:rPr lang="zh-CN" altLang="en-US" smtClean="0"/>
+              <a:t>6</a:t>
             </a:fld>
             <a:endParaRPr lang="zh-CN" altLang="en-US"/>
           </a:p>
@@ -2144,6 +3103,7 @@
           <a:p>
             <a:fld id="{2ED26FC3-015A-4F86-ACC3-780431FB8E4D}" type="slidenum">
               <a:rPr lang="zh-CN" altLang="en-US" smtClean="0"/>
+              <a:t>8</a:t>
             </a:fld>
             <a:endParaRPr lang="zh-CN" altLang="en-US"/>
           </a:p>
@@ -2206,7 +3166,7 @@
           <a:bodyPr/>
           <a:lstStyle/>
           <a:p>
-            <a:endParaRPr lang="zh-CN" altLang="en-US"/>
+            <a:endParaRPr lang="zh-CN" altLang="en-US" dirty="0"/>
           </a:p>
         </p:txBody>
       </p:sp>
@@ -2227,12 +3187,18 @@
           <a:p>
             <a:fld id="{2ED26FC3-015A-4F86-ACC3-780431FB8E4D}" type="slidenum">
               <a:rPr lang="zh-CN" altLang="en-US" smtClean="0"/>
+              <a:t>10</a:t>
             </a:fld>
             <a:endParaRPr lang="zh-CN" altLang="en-US"/>
           </a:p>
         </p:txBody>
       </p:sp>
     </p:spTree>
+    <p:extLst>
+      <p:ext uri="{BB962C8B-B14F-4D97-AF65-F5344CB8AC3E}">
+        <p14:creationId xmlns:p14="http://schemas.microsoft.com/office/powerpoint/2010/main" val="4020660591"/>
+      </p:ext>
+    </p:extLst>
   </p:cSld>
   <p:clrMapOvr>
     <a:masterClrMapping/>
@@ -2289,7 +3255,14 @@
           <a:bodyPr/>
           <a:lstStyle/>
           <a:p>
-            <a:endParaRPr lang="zh-CN" altLang="en-US"/>
+            <a:r>
+              <a:rPr lang="zh-CN" altLang="en-US" dirty="0"/>
+              <a:t>手机</a:t>
+            </a:r>
+            <a:endParaRPr lang="en-US" altLang="zh-CN" dirty="0"/>
+          </a:p>
+          <a:p>
+            <a:endParaRPr lang="zh-CN" altLang="en-US" dirty="0"/>
           </a:p>
         </p:txBody>
       </p:sp>
@@ -2310,12 +3283,18 @@
           <a:p>
             <a:fld id="{2ED26FC3-015A-4F86-ACC3-780431FB8E4D}" type="slidenum">
               <a:rPr lang="zh-CN" altLang="en-US" smtClean="0"/>
+              <a:t>11</a:t>
             </a:fld>
             <a:endParaRPr lang="zh-CN" altLang="en-US"/>
           </a:p>
         </p:txBody>
       </p:sp>
     </p:spTree>
+    <p:extLst>
+      <p:ext uri="{BB962C8B-B14F-4D97-AF65-F5344CB8AC3E}">
+        <p14:creationId xmlns:p14="http://schemas.microsoft.com/office/powerpoint/2010/main" val="4211783297"/>
+      </p:ext>
+    </p:extLst>
   </p:cSld>
   <p:clrMapOvr>
     <a:masterClrMapping/>
@@ -2346,7 +3325,7 @@
           <p:cNvCxnSpPr/>
           <p:nvPr>
             <p:custDataLst>
-              <p:tags r:id="rId2"/>
+              <p:tags r:id="rId1"/>
             </p:custDataLst>
           </p:nvPr>
         </p:nvCxnSpPr>
@@ -2380,7 +3359,7 @@
           <p:cNvCxnSpPr/>
           <p:nvPr>
             <p:custDataLst>
-              <p:tags r:id="rId3"/>
+              <p:tags r:id="rId2"/>
             </p:custDataLst>
           </p:nvPr>
         </p:nvCxnSpPr>
@@ -2414,7 +3393,7 @@
           <p:cNvCxnSpPr/>
           <p:nvPr>
             <p:custDataLst>
-              <p:tags r:id="rId4"/>
+              <p:tags r:id="rId3"/>
             </p:custDataLst>
           </p:nvPr>
         </p:nvCxnSpPr>
@@ -2448,7 +3427,7 @@
           <p:cNvCxnSpPr/>
           <p:nvPr>
             <p:custDataLst>
-              <p:tags r:id="rId5"/>
+              <p:tags r:id="rId4"/>
             </p:custDataLst>
           </p:nvPr>
         </p:nvCxnSpPr>
@@ -2482,7 +3461,7 @@
           <p:cNvCxnSpPr/>
           <p:nvPr>
             <p:custDataLst>
-              <p:tags r:id="rId6"/>
+              <p:tags r:id="rId5"/>
             </p:custDataLst>
           </p:nvPr>
         </p:nvCxnSpPr>
@@ -2540,7 +3519,6 @@
               <a:rPr lang="zh-CN" altLang="en-US" noProof="1"/>
               <a:t>单击此处编辑标题</a:t>
             </a:r>
-            <a:endParaRPr lang="zh-CN" altLang="en-US" noProof="1"/>
           </a:p>
         </p:txBody>
       </p:sp>
@@ -2607,7 +3585,6 @@
               <a:rPr lang="zh-CN" altLang="en-US" noProof="1"/>
               <a:t>单击此处编辑母版副标题样式</a:t>
             </a:r>
-            <a:endParaRPr lang="zh-CN" altLang="en-US" noProof="1"/>
           </a:p>
         </p:txBody>
       </p:sp>
@@ -2632,6 +3609,7 @@
           <a:p>
             <a:fld id="{760FBDFE-C587-4B4C-A407-44438C67B59E}" type="datetimeFigureOut">
               <a:rPr lang="zh-CN" altLang="en-US"/>
+              <a:t>2018/8/10</a:t>
             </a:fld>
             <a:endParaRPr lang="zh-CN" altLang="en-US"/>
           </a:p>
@@ -2681,6 +3659,7 @@
           <a:p>
             <a:fld id="{B57485EF-07CB-4560-BDF9-ECAE85E048A8}" type="slidenum">
               <a:rPr lang="zh-CN" altLang="en-US"/>
+              <a:t>‹#›</a:t>
             </a:fld>
             <a:endParaRPr lang="zh-CN" altLang="en-US"/>
           </a:p>
@@ -2754,7 +3733,6 @@
               <a:rPr lang="zh-CN" altLang="en-US" noProof="1"/>
               <a:t>单击此处编辑母版文本样式</a:t>
             </a:r>
-            <a:endParaRPr lang="zh-CN" altLang="en-US" noProof="1"/>
           </a:p>
           <a:p>
             <a:pPr lvl="1"/>
@@ -2762,7 +3740,6 @@
               <a:rPr lang="zh-CN" altLang="en-US" noProof="1"/>
               <a:t>第二级</a:t>
             </a:r>
-            <a:endParaRPr lang="zh-CN" altLang="en-US" noProof="1"/>
           </a:p>
           <a:p>
             <a:pPr lvl="2"/>
@@ -2770,7 +3747,6 @@
               <a:rPr lang="zh-CN" altLang="en-US" noProof="1"/>
               <a:t>第三级</a:t>
             </a:r>
-            <a:endParaRPr lang="zh-CN" altLang="en-US" noProof="1"/>
           </a:p>
           <a:p>
             <a:pPr lvl="3"/>
@@ -2778,7 +3754,6 @@
               <a:rPr lang="zh-CN" altLang="en-US" noProof="1"/>
               <a:t>第四级</a:t>
             </a:r>
-            <a:endParaRPr lang="zh-CN" altLang="en-US" noProof="1"/>
           </a:p>
           <a:p>
             <a:pPr lvl="4"/>
@@ -2786,7 +3761,6 @@
               <a:rPr lang="zh-CN" altLang="en-US" noProof="1"/>
               <a:t>第五级</a:t>
             </a:r>
-            <a:endParaRPr lang="zh-CN" altLang="en-US" noProof="1"/>
           </a:p>
         </p:txBody>
       </p:sp>
@@ -2811,6 +3785,7 @@
           <a:p>
             <a:fld id="{760FBDFE-C587-4B4C-A407-44438C67B59E}" type="datetimeFigureOut">
               <a:rPr lang="zh-CN" altLang="en-US"/>
+              <a:t>2018/8/10</a:t>
             </a:fld>
             <a:endParaRPr lang="zh-CN" altLang="en-US"/>
           </a:p>
@@ -2860,6 +3835,7 @@
           <a:p>
             <a:fld id="{E99C5EC3-8103-43E4-B157-1AC5D340141F}" type="slidenum">
               <a:rPr lang="zh-CN" altLang="en-US"/>
+              <a:t>‹#›</a:t>
             </a:fld>
             <a:endParaRPr lang="zh-CN" altLang="en-US"/>
           </a:p>
@@ -2909,7 +3885,6 @@
               <a:rPr lang="zh-CN" altLang="en-US" noProof="1"/>
               <a:t>单击此处编辑母版标题样式</a:t>
             </a:r>
-            <a:endParaRPr lang="zh-CN" altLang="en-US" noProof="1"/>
           </a:p>
         </p:txBody>
       </p:sp>
@@ -2934,6 +3909,7 @@
           <a:p>
             <a:fld id="{760FBDFE-C587-4B4C-A407-44438C67B59E}" type="datetimeFigureOut">
               <a:rPr lang="zh-CN" altLang="en-US"/>
+              <a:t>2018/8/10</a:t>
             </a:fld>
             <a:endParaRPr lang="zh-CN" altLang="en-US"/>
           </a:p>
@@ -2983,6 +3959,7 @@
           <a:p>
             <a:fld id="{672E4197-9F2F-4415-85F8-93AEECACC1CD}" type="slidenum">
               <a:rPr lang="zh-CN" altLang="en-US"/>
+              <a:t>‹#›</a:t>
             </a:fld>
             <a:endParaRPr lang="zh-CN" altLang="en-US"/>
           </a:p>
@@ -3019,7 +3996,7 @@
           <p:cNvCxnSpPr/>
           <p:nvPr>
             <p:custDataLst>
-              <p:tags r:id="rId2"/>
+              <p:tags r:id="rId1"/>
             </p:custDataLst>
           </p:nvPr>
         </p:nvCxnSpPr>
@@ -3053,7 +4030,7 @@
           <p:cNvCxnSpPr/>
           <p:nvPr>
             <p:custDataLst>
-              <p:tags r:id="rId3"/>
+              <p:tags r:id="rId2"/>
             </p:custDataLst>
           </p:nvPr>
         </p:nvCxnSpPr>
@@ -3087,7 +4064,7 @@
           <p:cNvCxnSpPr/>
           <p:nvPr>
             <p:custDataLst>
-              <p:tags r:id="rId4"/>
+              <p:tags r:id="rId3"/>
             </p:custDataLst>
           </p:nvPr>
         </p:nvCxnSpPr>
@@ -3121,7 +4098,7 @@
           <p:cNvCxnSpPr/>
           <p:nvPr>
             <p:custDataLst>
-              <p:tags r:id="rId5"/>
+              <p:tags r:id="rId4"/>
             </p:custDataLst>
           </p:nvPr>
         </p:nvCxnSpPr>
@@ -3155,7 +4132,7 @@
           <p:cNvCxnSpPr/>
           <p:nvPr>
             <p:custDataLst>
-              <p:tags r:id="rId6"/>
+              <p:tags r:id="rId5"/>
             </p:custDataLst>
           </p:nvPr>
         </p:nvCxnSpPr>
@@ -3213,7 +4190,6 @@
               <a:rPr lang="zh-CN" altLang="en-US" dirty="0"/>
               <a:t>单击此处编辑标题</a:t>
             </a:r>
-            <a:endParaRPr lang="zh-CN" altLang="en-US" dirty="0"/>
           </a:p>
         </p:txBody>
       </p:sp>
@@ -3280,7 +4256,6 @@
               <a:rPr lang="zh-CN" altLang="en-US" dirty="0"/>
               <a:t>单击此处编辑母版副标题样式</a:t>
             </a:r>
-            <a:endParaRPr lang="zh-CN" altLang="en-US" dirty="0"/>
           </a:p>
         </p:txBody>
       </p:sp>
@@ -3307,6 +4282,7 @@
           <a:p>
             <a:fld id="{760FBDFE-C587-4B4C-A407-44438C67B59E}" type="datetimeFigureOut">
               <a:rPr lang="zh-CN" altLang="en-US" smtClean="0"/>
+              <a:t>2018/8/10</a:t>
             </a:fld>
             <a:endParaRPr lang="zh-CN" altLang="en-US"/>
           </a:p>
@@ -3360,6 +4336,7 @@
           <a:p>
             <a:fld id="{49AE70B2-8BF9-45C0-BB95-33D1B9D3A854}" type="slidenum">
               <a:rPr lang="zh-CN" altLang="en-US" smtClean="0"/>
+              <a:t>‹#›</a:t>
             </a:fld>
             <a:endParaRPr lang="zh-CN" altLang="en-US"/>
           </a:p>
@@ -3411,7 +4388,6 @@
               <a:rPr lang="zh-CN" altLang="en-US" dirty="0"/>
               <a:t>单击此处编辑母版标题样式</a:t>
             </a:r>
-            <a:endParaRPr lang="zh-CN" altLang="en-US" dirty="0"/>
           </a:p>
         </p:txBody>
       </p:sp>
@@ -3453,7 +4429,6 @@
               <a:rPr lang="zh-CN" altLang="en-US" dirty="0"/>
               <a:t>单击此处编辑母版文本样式</a:t>
             </a:r>
-            <a:endParaRPr lang="zh-CN" altLang="en-US" dirty="0"/>
           </a:p>
           <a:p>
             <a:pPr lvl="1"/>
@@ -3461,7 +4436,6 @@
               <a:rPr lang="zh-CN" altLang="en-US" dirty="0"/>
               <a:t>第二级</a:t>
             </a:r>
-            <a:endParaRPr lang="zh-CN" altLang="en-US" dirty="0"/>
           </a:p>
           <a:p>
             <a:pPr lvl="2"/>
@@ -3469,7 +4443,6 @@
               <a:rPr lang="zh-CN" altLang="en-US" dirty="0"/>
               <a:t>第三级</a:t>
             </a:r>
-            <a:endParaRPr lang="zh-CN" altLang="en-US" dirty="0"/>
           </a:p>
           <a:p>
             <a:pPr lvl="3"/>
@@ -3477,7 +4450,6 @@
               <a:rPr lang="zh-CN" altLang="en-US" dirty="0"/>
               <a:t>第四级</a:t>
             </a:r>
-            <a:endParaRPr lang="zh-CN" altLang="en-US" dirty="0"/>
           </a:p>
           <a:p>
             <a:pPr lvl="4"/>
@@ -3485,7 +4457,6 @@
               <a:rPr lang="zh-CN" altLang="en-US" dirty="0"/>
               <a:t>第五级</a:t>
             </a:r>
-            <a:endParaRPr lang="zh-CN" altLang="en-US" dirty="0"/>
           </a:p>
         </p:txBody>
       </p:sp>
@@ -3512,6 +4483,7 @@
           <a:p>
             <a:fld id="{760FBDFE-C587-4B4C-A407-44438C67B59E}" type="datetimeFigureOut">
               <a:rPr lang="zh-CN" altLang="en-US" smtClean="0"/>
+              <a:t>2018/8/10</a:t>
             </a:fld>
             <a:endParaRPr lang="zh-CN" altLang="en-US"/>
           </a:p>
@@ -3565,6 +4537,7 @@
           <a:p>
             <a:fld id="{49AE70B2-8BF9-45C0-BB95-33D1B9D3A854}" type="slidenum">
               <a:rPr lang="zh-CN" altLang="en-US" smtClean="0"/>
+              <a:t>‹#›</a:t>
             </a:fld>
             <a:endParaRPr lang="zh-CN" altLang="en-US"/>
           </a:p>
@@ -3625,7 +4598,6 @@
               <a:rPr lang="zh-CN" altLang="en-US" dirty="0"/>
               <a:t>单击此处编辑标题</a:t>
             </a:r>
-            <a:endParaRPr lang="zh-CN" altLang="en-US" dirty="0"/>
           </a:p>
         </p:txBody>
       </p:sp>
@@ -3652,6 +4624,7 @@
           <a:p>
             <a:fld id="{760FBDFE-C587-4B4C-A407-44438C67B59E}" type="datetimeFigureOut">
               <a:rPr lang="zh-CN" altLang="en-US" smtClean="0"/>
+              <a:t>2018/8/10</a:t>
             </a:fld>
             <a:endParaRPr lang="zh-CN" altLang="en-US"/>
           </a:p>
@@ -3705,6 +4678,7 @@
           <a:p>
             <a:fld id="{49AE70B2-8BF9-45C0-BB95-33D1B9D3A854}" type="slidenum">
               <a:rPr lang="zh-CN" altLang="en-US" smtClean="0"/>
+              <a:t>‹#›</a:t>
             </a:fld>
             <a:endParaRPr lang="zh-CN" altLang="en-US"/>
           </a:p>
@@ -3742,7 +4716,6 @@
               <a:rPr lang="zh-CN" altLang="en-US" dirty="0"/>
               <a:t>单击此处编辑文本</a:t>
             </a:r>
-            <a:endParaRPr lang="zh-CN" altLang="en-US" dirty="0"/>
           </a:p>
         </p:txBody>
       </p:sp>
@@ -3792,7 +4765,6 @@
               <a:rPr lang="zh-CN" altLang="en-US"/>
               <a:t>单击此处编辑母版标题样式</a:t>
             </a:r>
-            <a:endParaRPr lang="zh-CN" altLang="en-US"/>
           </a:p>
         </p:txBody>
       </p:sp>
@@ -3823,7 +4795,6 @@
               <a:rPr lang="zh-CN" altLang="en-US" dirty="0"/>
               <a:t>单击此处编辑母版文本样式</a:t>
             </a:r>
-            <a:endParaRPr lang="zh-CN" altLang="en-US" dirty="0"/>
           </a:p>
           <a:p>
             <a:pPr lvl="1"/>
@@ -3831,7 +4802,6 @@
               <a:rPr lang="zh-CN" altLang="en-US" dirty="0"/>
               <a:t>第二级</a:t>
             </a:r>
-            <a:endParaRPr lang="zh-CN" altLang="en-US" dirty="0"/>
           </a:p>
           <a:p>
             <a:pPr lvl="2"/>
@@ -3839,7 +4809,6 @@
               <a:rPr lang="zh-CN" altLang="en-US" dirty="0"/>
               <a:t>第三级</a:t>
             </a:r>
-            <a:endParaRPr lang="zh-CN" altLang="en-US" dirty="0"/>
           </a:p>
           <a:p>
             <a:pPr lvl="3"/>
@@ -3847,7 +4816,6 @@
               <a:rPr lang="zh-CN" altLang="en-US" dirty="0"/>
               <a:t>第四级</a:t>
             </a:r>
-            <a:endParaRPr lang="zh-CN" altLang="en-US" dirty="0"/>
           </a:p>
           <a:p>
             <a:pPr lvl="4"/>
@@ -3855,7 +4823,6 @@
               <a:rPr lang="zh-CN" altLang="en-US" dirty="0"/>
               <a:t>第五级</a:t>
             </a:r>
-            <a:endParaRPr lang="zh-CN" altLang="en-US" dirty="0"/>
           </a:p>
         </p:txBody>
       </p:sp>
@@ -3886,7 +4853,6 @@
               <a:rPr lang="zh-CN" altLang="en-US" dirty="0"/>
               <a:t>单击此处编辑母版文本样式</a:t>
             </a:r>
-            <a:endParaRPr lang="zh-CN" altLang="en-US" dirty="0"/>
           </a:p>
           <a:p>
             <a:pPr lvl="1"/>
@@ -3894,7 +4860,6 @@
               <a:rPr lang="zh-CN" altLang="en-US" dirty="0"/>
               <a:t>第二级</a:t>
             </a:r>
-            <a:endParaRPr lang="zh-CN" altLang="en-US" dirty="0"/>
           </a:p>
           <a:p>
             <a:pPr lvl="2"/>
@@ -3902,7 +4867,6 @@
               <a:rPr lang="zh-CN" altLang="en-US" dirty="0"/>
               <a:t>第三级</a:t>
             </a:r>
-            <a:endParaRPr lang="zh-CN" altLang="en-US" dirty="0"/>
           </a:p>
           <a:p>
             <a:pPr lvl="3"/>
@@ -3910,7 +4874,6 @@
               <a:rPr lang="zh-CN" altLang="en-US" dirty="0"/>
               <a:t>第四级</a:t>
             </a:r>
-            <a:endParaRPr lang="zh-CN" altLang="en-US" dirty="0"/>
           </a:p>
           <a:p>
             <a:pPr lvl="4"/>
@@ -3918,7 +4881,6 @@
               <a:rPr lang="zh-CN" altLang="en-US" dirty="0"/>
               <a:t>第五级</a:t>
             </a:r>
-            <a:endParaRPr lang="zh-CN" altLang="en-US" dirty="0"/>
           </a:p>
         </p:txBody>
       </p:sp>
@@ -3945,6 +4907,7 @@
           <a:p>
             <a:fld id="{760FBDFE-C587-4B4C-A407-44438C67B59E}" type="datetimeFigureOut">
               <a:rPr lang="zh-CN" altLang="en-US" smtClean="0"/>
+              <a:t>2018/8/10</a:t>
             </a:fld>
             <a:endParaRPr lang="zh-CN" altLang="en-US"/>
           </a:p>
@@ -3998,6 +4961,7 @@
           <a:p>
             <a:fld id="{49AE70B2-8BF9-45C0-BB95-33D1B9D3A854}" type="slidenum">
               <a:rPr lang="zh-CN" altLang="en-US" smtClean="0"/>
+              <a:t>‹#›</a:t>
             </a:fld>
             <a:endParaRPr lang="zh-CN" altLang="en-US"/>
           </a:p>
@@ -4054,7 +5018,6 @@
               <a:rPr lang="zh-CN" altLang="en-US"/>
               <a:t>单击此处编辑母版标题样式</a:t>
             </a:r>
-            <a:endParaRPr lang="zh-CN" altLang="en-US"/>
           </a:p>
         </p:txBody>
       </p:sp>
@@ -4122,7 +5085,6 @@
               <a:rPr lang="zh-CN" altLang="en-US" dirty="0"/>
               <a:t>单击此处编辑母版文本样式</a:t>
             </a:r>
-            <a:endParaRPr lang="zh-CN" altLang="en-US" dirty="0"/>
           </a:p>
         </p:txBody>
       </p:sp>
@@ -4153,7 +5115,6 @@
               <a:rPr lang="zh-CN" altLang="en-US" dirty="0"/>
               <a:t>单击此处编辑母版文本样式</a:t>
             </a:r>
-            <a:endParaRPr lang="zh-CN" altLang="en-US" dirty="0"/>
           </a:p>
           <a:p>
             <a:pPr lvl="1"/>
@@ -4161,7 +5122,6 @@
               <a:rPr lang="zh-CN" altLang="en-US" dirty="0"/>
               <a:t>第二级</a:t>
             </a:r>
-            <a:endParaRPr lang="zh-CN" altLang="en-US" dirty="0"/>
           </a:p>
           <a:p>
             <a:pPr lvl="2"/>
@@ -4169,7 +5129,6 @@
               <a:rPr lang="zh-CN" altLang="en-US" dirty="0"/>
               <a:t>第三级</a:t>
             </a:r>
-            <a:endParaRPr lang="zh-CN" altLang="en-US" dirty="0"/>
           </a:p>
           <a:p>
             <a:pPr lvl="3"/>
@@ -4177,7 +5136,6 @@
               <a:rPr lang="zh-CN" altLang="en-US" dirty="0"/>
               <a:t>第四级</a:t>
             </a:r>
-            <a:endParaRPr lang="zh-CN" altLang="en-US" dirty="0"/>
           </a:p>
           <a:p>
             <a:pPr lvl="4"/>
@@ -4185,7 +5143,6 @@
               <a:rPr lang="zh-CN" altLang="en-US" dirty="0"/>
               <a:t>第五级</a:t>
             </a:r>
-            <a:endParaRPr lang="zh-CN" altLang="en-US" dirty="0"/>
           </a:p>
         </p:txBody>
       </p:sp>
@@ -4253,7 +5210,6 @@
               <a:rPr lang="zh-CN" altLang="en-US" dirty="0"/>
               <a:t>单击此处编辑母版文本样式</a:t>
             </a:r>
-            <a:endParaRPr lang="zh-CN" altLang="en-US" dirty="0"/>
           </a:p>
         </p:txBody>
       </p:sp>
@@ -4284,7 +5240,6 @@
               <a:rPr lang="zh-CN" altLang="en-US" dirty="0"/>
               <a:t>单击此处编辑母版文本样式</a:t>
             </a:r>
-            <a:endParaRPr lang="zh-CN" altLang="en-US" dirty="0"/>
           </a:p>
           <a:p>
             <a:pPr lvl="1"/>
@@ -4292,7 +5247,6 @@
               <a:rPr lang="zh-CN" altLang="en-US" dirty="0"/>
               <a:t>第二级</a:t>
             </a:r>
-            <a:endParaRPr lang="zh-CN" altLang="en-US" dirty="0"/>
           </a:p>
           <a:p>
             <a:pPr lvl="2"/>
@@ -4300,7 +5254,6 @@
               <a:rPr lang="zh-CN" altLang="en-US" dirty="0"/>
               <a:t>第三级</a:t>
             </a:r>
-            <a:endParaRPr lang="zh-CN" altLang="en-US" dirty="0"/>
           </a:p>
           <a:p>
             <a:pPr lvl="3"/>
@@ -4308,7 +5261,6 @@
               <a:rPr lang="zh-CN" altLang="en-US" dirty="0"/>
               <a:t>第四级</a:t>
             </a:r>
-            <a:endParaRPr lang="zh-CN" altLang="en-US" dirty="0"/>
           </a:p>
           <a:p>
             <a:pPr lvl="4"/>
@@ -4316,7 +5268,6 @@
               <a:rPr lang="zh-CN" altLang="en-US" dirty="0"/>
               <a:t>第五级</a:t>
             </a:r>
-            <a:endParaRPr lang="zh-CN" altLang="en-US" dirty="0"/>
           </a:p>
         </p:txBody>
       </p:sp>
@@ -4343,6 +5294,7 @@
           <a:p>
             <a:fld id="{760FBDFE-C587-4B4C-A407-44438C67B59E}" type="datetimeFigureOut">
               <a:rPr lang="zh-CN" altLang="en-US" smtClean="0"/>
+              <a:t>2018/8/10</a:t>
             </a:fld>
             <a:endParaRPr lang="zh-CN" altLang="en-US"/>
           </a:p>
@@ -4396,6 +5348,7 @@
           <a:p>
             <a:fld id="{49AE70B2-8BF9-45C0-BB95-33D1B9D3A854}" type="slidenum">
               <a:rPr lang="zh-CN" altLang="en-US" smtClean="0"/>
+              <a:t>‹#›</a:t>
             </a:fld>
             <a:endParaRPr lang="zh-CN" altLang="en-US"/>
           </a:p>
@@ -4432,7 +5385,7 @@
           <p:cNvCxnSpPr/>
           <p:nvPr>
             <p:custDataLst>
-              <p:tags r:id="rId2"/>
+              <p:tags r:id="rId1"/>
             </p:custDataLst>
           </p:nvPr>
         </p:nvCxnSpPr>
@@ -4466,7 +5419,7 @@
           <p:cNvCxnSpPr/>
           <p:nvPr>
             <p:custDataLst>
-              <p:tags r:id="rId3"/>
+              <p:tags r:id="rId2"/>
             </p:custDataLst>
           </p:nvPr>
         </p:nvCxnSpPr>
@@ -4500,7 +5453,7 @@
           <p:cNvCxnSpPr/>
           <p:nvPr>
             <p:custDataLst>
-              <p:tags r:id="rId4"/>
+              <p:tags r:id="rId3"/>
             </p:custDataLst>
           </p:nvPr>
         </p:nvCxnSpPr>
@@ -4534,7 +5487,7 @@
           <p:cNvCxnSpPr/>
           <p:nvPr>
             <p:custDataLst>
-              <p:tags r:id="rId5"/>
+              <p:tags r:id="rId4"/>
             </p:custDataLst>
           </p:nvPr>
         </p:nvCxnSpPr>
@@ -4568,7 +5521,7 @@
           <p:cNvCxnSpPr/>
           <p:nvPr>
             <p:custDataLst>
-              <p:tags r:id="rId6"/>
+              <p:tags r:id="rId5"/>
             </p:custDataLst>
           </p:nvPr>
         </p:nvCxnSpPr>
@@ -4626,7 +5579,6 @@
               <a:rPr lang="zh-CN" altLang="en-US" dirty="0"/>
               <a:t>编辑标题</a:t>
             </a:r>
-            <a:endParaRPr lang="zh-CN" altLang="en-US" dirty="0"/>
           </a:p>
         </p:txBody>
       </p:sp>
@@ -4653,6 +5605,7 @@
           <a:p>
             <a:fld id="{760FBDFE-C587-4B4C-A407-44438C67B59E}" type="datetimeFigureOut">
               <a:rPr lang="zh-CN" altLang="en-US" smtClean="0"/>
+              <a:t>2018/8/10</a:t>
             </a:fld>
             <a:endParaRPr lang="zh-CN" altLang="en-US"/>
           </a:p>
@@ -4706,6 +5659,7 @@
           <a:p>
             <a:fld id="{49AE70B2-8BF9-45C0-BB95-33D1B9D3A854}" type="slidenum">
               <a:rPr lang="zh-CN" altLang="en-US" smtClean="0"/>
+              <a:t>‹#›</a:t>
             </a:fld>
             <a:endParaRPr lang="zh-CN" altLang="en-US"/>
           </a:p>
@@ -4743,7 +5697,6 @@
               <a:rPr lang="zh-CN" altLang="en-US" dirty="0"/>
               <a:t>单击此处编辑文本</a:t>
             </a:r>
-            <a:endParaRPr lang="zh-CN" altLang="en-US" dirty="0"/>
           </a:p>
         </p:txBody>
       </p:sp>
@@ -4795,6 +5748,7 @@
           <a:p>
             <a:fld id="{760FBDFE-C587-4B4C-A407-44438C67B59E}" type="datetimeFigureOut">
               <a:rPr lang="zh-CN" altLang="en-US" smtClean="0"/>
+              <a:t>2018/8/10</a:t>
             </a:fld>
             <a:endParaRPr lang="zh-CN" altLang="en-US"/>
           </a:p>
@@ -4848,6 +5802,7 @@
           <a:p>
             <a:fld id="{49AE70B2-8BF9-45C0-BB95-33D1B9D3A854}" type="slidenum">
               <a:rPr lang="zh-CN" altLang="en-US" smtClean="0"/>
+              <a:t>‹#›</a:t>
             </a:fld>
             <a:endParaRPr lang="zh-CN" altLang="en-US"/>
           </a:p>
@@ -5041,7 +5996,6 @@
               <a:rPr lang="zh-CN" altLang="en-US" dirty="0"/>
               <a:t>单击此处编辑母版文本样式</a:t>
             </a:r>
-            <a:endParaRPr lang="zh-CN" altLang="en-US" dirty="0"/>
           </a:p>
         </p:txBody>
       </p:sp>
@@ -5068,6 +6022,7 @@
           <a:p>
             <a:fld id="{9EFD9D74-47D9-4702-A33C-335B63B48DBF}" type="datetimeFigureOut">
               <a:rPr lang="zh-CN" altLang="en-US" smtClean="0"/>
+              <a:t>2018/8/10</a:t>
             </a:fld>
             <a:endParaRPr lang="zh-CN" altLang="en-US" dirty="0"/>
           </a:p>
@@ -5121,6 +6076,7 @@
           <a:p>
             <a:fld id="{FABC47A4-756D-490B-A52F-7D9E2C9FC05F}" type="slidenum">
               <a:rPr lang="zh-CN" altLang="en-US" smtClean="0"/>
+              <a:t>‹#›</a:t>
             </a:fld>
             <a:endParaRPr lang="zh-CN" altLang="en-US"/>
           </a:p>
@@ -5172,7 +6128,6 @@
               <a:rPr lang="zh-CN" altLang="en-US" noProof="1"/>
               <a:t>单击此处编辑母版标题样式</a:t>
             </a:r>
-            <a:endParaRPr lang="zh-CN" altLang="en-US" noProof="1"/>
           </a:p>
         </p:txBody>
       </p:sp>
@@ -5214,7 +6169,6 @@
               <a:rPr lang="zh-CN" altLang="en-US" noProof="1"/>
               <a:t>单击此处编辑母版文本样式</a:t>
             </a:r>
-            <a:endParaRPr lang="zh-CN" altLang="en-US" noProof="1"/>
           </a:p>
           <a:p>
             <a:pPr lvl="1"/>
@@ -5222,7 +6176,6 @@
               <a:rPr lang="zh-CN" altLang="en-US" noProof="1"/>
               <a:t>第二级</a:t>
             </a:r>
-            <a:endParaRPr lang="zh-CN" altLang="en-US" noProof="1"/>
           </a:p>
           <a:p>
             <a:pPr lvl="2"/>
@@ -5230,7 +6183,6 @@
               <a:rPr lang="zh-CN" altLang="en-US" noProof="1"/>
               <a:t>第三级</a:t>
             </a:r>
-            <a:endParaRPr lang="zh-CN" altLang="en-US" noProof="1"/>
           </a:p>
           <a:p>
             <a:pPr lvl="3"/>
@@ -5238,7 +6190,6 @@
               <a:rPr lang="zh-CN" altLang="en-US" noProof="1"/>
               <a:t>第四级</a:t>
             </a:r>
-            <a:endParaRPr lang="zh-CN" altLang="en-US" noProof="1"/>
           </a:p>
           <a:p>
             <a:pPr lvl="4"/>
@@ -5246,7 +6197,6 @@
               <a:rPr lang="zh-CN" altLang="en-US" noProof="1"/>
               <a:t>第五级</a:t>
             </a:r>
-            <a:endParaRPr lang="zh-CN" altLang="en-US" noProof="1"/>
           </a:p>
         </p:txBody>
       </p:sp>
@@ -5271,6 +6221,7 @@
           <a:p>
             <a:fld id="{760FBDFE-C587-4B4C-A407-44438C67B59E}" type="datetimeFigureOut">
               <a:rPr lang="zh-CN" altLang="en-US"/>
+              <a:t>2018/8/10</a:t>
             </a:fld>
             <a:endParaRPr lang="zh-CN" altLang="en-US"/>
           </a:p>
@@ -5320,6 +6271,7 @@
           <a:p>
             <a:fld id="{EF3E80A9-C089-480E-9D1E-3B913964BA25}" type="slidenum">
               <a:rPr lang="zh-CN" altLang="en-US"/>
+              <a:t>‹#›</a:t>
             </a:fld>
             <a:endParaRPr lang="zh-CN" altLang="en-US"/>
           </a:p>
@@ -5380,7 +6332,6 @@
               <a:rPr lang="zh-CN" altLang="en-US"/>
               <a:t>单击此处编辑母版标题样式</a:t>
             </a:r>
-            <a:endParaRPr lang="zh-CN" altLang="en-US"/>
           </a:p>
         </p:txBody>
       </p:sp>
@@ -5427,7 +6378,6 @@
               <a:rPr lang="zh-CN" altLang="en-US" dirty="0"/>
               <a:t>单击此处编辑母版文本样式</a:t>
             </a:r>
-            <a:endParaRPr lang="zh-CN" altLang="en-US" dirty="0"/>
           </a:p>
           <a:p>
             <a:pPr lvl="1"/>
@@ -5435,7 +6385,6 @@
               <a:rPr lang="zh-CN" altLang="en-US" dirty="0"/>
               <a:t>第二级</a:t>
             </a:r>
-            <a:endParaRPr lang="zh-CN" altLang="en-US" dirty="0"/>
           </a:p>
           <a:p>
             <a:pPr lvl="2"/>
@@ -5443,7 +6392,6 @@
               <a:rPr lang="zh-CN" altLang="en-US" dirty="0"/>
               <a:t>第三级</a:t>
             </a:r>
-            <a:endParaRPr lang="zh-CN" altLang="en-US" dirty="0"/>
           </a:p>
           <a:p>
             <a:pPr lvl="3"/>
@@ -5451,7 +6399,6 @@
               <a:rPr lang="zh-CN" altLang="en-US" dirty="0"/>
               <a:t>第四级</a:t>
             </a:r>
-            <a:endParaRPr lang="zh-CN" altLang="en-US" dirty="0"/>
           </a:p>
           <a:p>
             <a:pPr lvl="4"/>
@@ -5459,7 +6406,6 @@
               <a:rPr lang="zh-CN" altLang="en-US" dirty="0"/>
               <a:t>第五级</a:t>
             </a:r>
-            <a:endParaRPr lang="zh-CN" altLang="en-US" dirty="0"/>
           </a:p>
         </p:txBody>
       </p:sp>
@@ -5486,6 +6432,7 @@
           <a:p>
             <a:fld id="{760FBDFE-C587-4B4C-A407-44438C67B59E}" type="datetimeFigureOut">
               <a:rPr lang="zh-CN" altLang="en-US" smtClean="0"/>
+              <a:t>2018/8/10</a:t>
             </a:fld>
             <a:endParaRPr lang="zh-CN" altLang="en-US"/>
           </a:p>
@@ -5539,6 +6486,7 @@
           <a:p>
             <a:fld id="{49AE70B2-8BF9-45C0-BB95-33D1B9D3A854}" type="slidenum">
               <a:rPr lang="zh-CN" altLang="en-US" smtClean="0"/>
+              <a:t>‹#›</a:t>
             </a:fld>
             <a:endParaRPr lang="zh-CN" altLang="en-US"/>
           </a:p>
@@ -5592,6 +6540,7 @@
           <a:p>
             <a:fld id="{760FBDFE-C587-4B4C-A407-44438C67B59E}" type="datetimeFigureOut">
               <a:rPr lang="zh-CN" altLang="en-US" smtClean="0"/>
+              <a:t>2018/8/10</a:t>
             </a:fld>
             <a:endParaRPr lang="zh-CN" altLang="en-US"/>
           </a:p>
@@ -5645,6 +6594,7 @@
           <a:p>
             <a:fld id="{49AE70B2-8BF9-45C0-BB95-33D1B9D3A854}" type="slidenum">
               <a:rPr lang="zh-CN" altLang="en-US" smtClean="0"/>
+              <a:t>‹#›</a:t>
             </a:fld>
             <a:endParaRPr lang="zh-CN" altLang="en-US"/>
           </a:p>
@@ -5693,7 +6643,6 @@
               <a:rPr lang="zh-CN" altLang="en-US" dirty="0"/>
               <a:t>单击此处编辑母版文本样式</a:t>
             </a:r>
-            <a:endParaRPr lang="zh-CN" altLang="en-US" dirty="0"/>
           </a:p>
           <a:p>
             <a:pPr lvl="1"/>
@@ -5701,7 +6650,6 @@
               <a:rPr lang="zh-CN" altLang="en-US" dirty="0"/>
               <a:t>第二级</a:t>
             </a:r>
-            <a:endParaRPr lang="zh-CN" altLang="en-US" dirty="0"/>
           </a:p>
           <a:p>
             <a:pPr lvl="2"/>
@@ -5709,7 +6657,6 @@
               <a:rPr lang="zh-CN" altLang="en-US" dirty="0"/>
               <a:t>第三级</a:t>
             </a:r>
-            <a:endParaRPr lang="zh-CN" altLang="en-US" dirty="0"/>
           </a:p>
           <a:p>
             <a:pPr lvl="3"/>
@@ -5717,7 +6664,6 @@
               <a:rPr lang="zh-CN" altLang="en-US" dirty="0"/>
               <a:t>第四级</a:t>
             </a:r>
-            <a:endParaRPr lang="zh-CN" altLang="en-US" dirty="0"/>
           </a:p>
           <a:p>
             <a:pPr lvl="4"/>
@@ -5725,7 +6671,6 @@
               <a:rPr lang="zh-CN" altLang="en-US" dirty="0"/>
               <a:t>第五级</a:t>
             </a:r>
-            <a:endParaRPr lang="zh-CN" altLang="en-US" dirty="0"/>
           </a:p>
         </p:txBody>
       </p:sp>
@@ -5784,7 +6729,6 @@
               <a:rPr lang="zh-CN" altLang="en-US" noProof="1"/>
               <a:t>单击此处编辑标题</a:t>
             </a:r>
-            <a:endParaRPr lang="zh-CN" altLang="en-US" noProof="1"/>
           </a:p>
         </p:txBody>
       </p:sp>
@@ -5820,7 +6764,6 @@
               <a:rPr lang="zh-CN" altLang="en-US" noProof="1"/>
               <a:t>单击此处编辑文本</a:t>
             </a:r>
-            <a:endParaRPr lang="zh-CN" altLang="en-US" noProof="1"/>
           </a:p>
         </p:txBody>
       </p:sp>
@@ -5845,6 +6788,7 @@
           <a:p>
             <a:fld id="{760FBDFE-C587-4B4C-A407-44438C67B59E}" type="datetimeFigureOut">
               <a:rPr lang="zh-CN" altLang="en-US"/>
+              <a:t>2018/8/10</a:t>
             </a:fld>
             <a:endParaRPr lang="zh-CN" altLang="en-US"/>
           </a:p>
@@ -5894,6 +6838,7 @@
           <a:p>
             <a:fld id="{DCC8595C-B6D7-43EC-9577-AA0422BFAAE2}" type="slidenum">
               <a:rPr lang="zh-CN" altLang="en-US"/>
+              <a:t>‹#›</a:t>
             </a:fld>
             <a:endParaRPr lang="zh-CN" altLang="en-US"/>
           </a:p>
@@ -5945,7 +6890,6 @@
               <a:rPr lang="zh-CN" altLang="en-US" noProof="1"/>
               <a:t>单击此处编辑母版标题样式</a:t>
             </a:r>
-            <a:endParaRPr lang="zh-CN" altLang="en-US" noProof="1"/>
           </a:p>
         </p:txBody>
       </p:sp>
@@ -5976,7 +6920,6 @@
               <a:rPr lang="zh-CN" altLang="en-US" noProof="1"/>
               <a:t>单击此处编辑母版文本样式</a:t>
             </a:r>
-            <a:endParaRPr lang="zh-CN" altLang="en-US" noProof="1"/>
           </a:p>
           <a:p>
             <a:pPr lvl="1"/>
@@ -5984,7 +6927,6 @@
               <a:rPr lang="zh-CN" altLang="en-US" noProof="1"/>
               <a:t>第二级</a:t>
             </a:r>
-            <a:endParaRPr lang="zh-CN" altLang="en-US" noProof="1"/>
           </a:p>
           <a:p>
             <a:pPr lvl="2"/>
@@ -5992,7 +6934,6 @@
               <a:rPr lang="zh-CN" altLang="en-US" noProof="1"/>
               <a:t>第三级</a:t>
             </a:r>
-            <a:endParaRPr lang="zh-CN" altLang="en-US" noProof="1"/>
           </a:p>
           <a:p>
             <a:pPr lvl="3"/>
@@ -6000,7 +6941,6 @@
               <a:rPr lang="zh-CN" altLang="en-US" noProof="1"/>
               <a:t>第四级</a:t>
             </a:r>
-            <a:endParaRPr lang="zh-CN" altLang="en-US" noProof="1"/>
           </a:p>
           <a:p>
             <a:pPr lvl="4"/>
@@ -6008,7 +6948,6 @@
               <a:rPr lang="zh-CN" altLang="en-US" noProof="1"/>
               <a:t>第五级</a:t>
             </a:r>
-            <a:endParaRPr lang="zh-CN" altLang="en-US" noProof="1"/>
           </a:p>
         </p:txBody>
       </p:sp>
@@ -6039,7 +6978,6 @@
               <a:rPr lang="zh-CN" altLang="en-US" noProof="1"/>
               <a:t>单击此处编辑母版文本样式</a:t>
             </a:r>
-            <a:endParaRPr lang="zh-CN" altLang="en-US" noProof="1"/>
           </a:p>
           <a:p>
             <a:pPr lvl="1"/>
@@ -6047,7 +6985,6 @@
               <a:rPr lang="zh-CN" altLang="en-US" noProof="1"/>
               <a:t>第二级</a:t>
             </a:r>
-            <a:endParaRPr lang="zh-CN" altLang="en-US" noProof="1"/>
           </a:p>
           <a:p>
             <a:pPr lvl="2"/>
@@ -6055,7 +6992,6 @@
               <a:rPr lang="zh-CN" altLang="en-US" noProof="1"/>
               <a:t>第三级</a:t>
             </a:r>
-            <a:endParaRPr lang="zh-CN" altLang="en-US" noProof="1"/>
           </a:p>
           <a:p>
             <a:pPr lvl="3"/>
@@ -6063,7 +6999,6 @@
               <a:rPr lang="zh-CN" altLang="en-US" noProof="1"/>
               <a:t>第四级</a:t>
             </a:r>
-            <a:endParaRPr lang="zh-CN" altLang="en-US" noProof="1"/>
           </a:p>
           <a:p>
             <a:pPr lvl="4"/>
@@ -6071,7 +7006,6 @@
               <a:rPr lang="zh-CN" altLang="en-US" noProof="1"/>
               <a:t>第五级</a:t>
             </a:r>
-            <a:endParaRPr lang="zh-CN" altLang="en-US" noProof="1"/>
           </a:p>
         </p:txBody>
       </p:sp>
@@ -6096,6 +7030,7 @@
           <a:p>
             <a:fld id="{760FBDFE-C587-4B4C-A407-44438C67B59E}" type="datetimeFigureOut">
               <a:rPr lang="zh-CN" altLang="en-US"/>
+              <a:t>2018/8/10</a:t>
             </a:fld>
             <a:endParaRPr lang="zh-CN" altLang="en-US"/>
           </a:p>
@@ -6145,6 +7080,7 @@
           <a:p>
             <a:fld id="{A09486A2-9B4A-4F08-B491-129DAF4DDFA5}" type="slidenum">
               <a:rPr lang="zh-CN" altLang="en-US"/>
+              <a:t>‹#›</a:t>
             </a:fld>
             <a:endParaRPr lang="zh-CN" altLang="en-US"/>
           </a:p>
@@ -6201,7 +7137,6 @@
               <a:rPr lang="zh-CN" altLang="en-US" noProof="1"/>
               <a:t>单击此处编辑母版标题样式</a:t>
             </a:r>
-            <a:endParaRPr lang="zh-CN" altLang="en-US" noProof="1"/>
           </a:p>
         </p:txBody>
       </p:sp>
@@ -6269,7 +7204,6 @@
               <a:rPr lang="zh-CN" altLang="en-US" noProof="1"/>
               <a:t>单击此处编辑母版文本样式</a:t>
             </a:r>
-            <a:endParaRPr lang="zh-CN" altLang="en-US" noProof="1"/>
           </a:p>
         </p:txBody>
       </p:sp>
@@ -6300,7 +7234,6 @@
               <a:rPr lang="zh-CN" altLang="en-US" noProof="1"/>
               <a:t>单击此处编辑母版文本样式</a:t>
             </a:r>
-            <a:endParaRPr lang="zh-CN" altLang="en-US" noProof="1"/>
           </a:p>
           <a:p>
             <a:pPr lvl="1"/>
@@ -6308,7 +7241,6 @@
               <a:rPr lang="zh-CN" altLang="en-US" noProof="1"/>
               <a:t>第二级</a:t>
             </a:r>
-            <a:endParaRPr lang="zh-CN" altLang="en-US" noProof="1"/>
           </a:p>
           <a:p>
             <a:pPr lvl="2"/>
@@ -6316,7 +7248,6 @@
               <a:rPr lang="zh-CN" altLang="en-US" noProof="1"/>
               <a:t>第三级</a:t>
             </a:r>
-            <a:endParaRPr lang="zh-CN" altLang="en-US" noProof="1"/>
           </a:p>
           <a:p>
             <a:pPr lvl="3"/>
@@ -6324,7 +7255,6 @@
               <a:rPr lang="zh-CN" altLang="en-US" noProof="1"/>
               <a:t>第四级</a:t>
             </a:r>
-            <a:endParaRPr lang="zh-CN" altLang="en-US" noProof="1"/>
           </a:p>
           <a:p>
             <a:pPr lvl="4"/>
@@ -6332,7 +7262,6 @@
               <a:rPr lang="zh-CN" altLang="en-US" noProof="1"/>
               <a:t>第五级</a:t>
             </a:r>
-            <a:endParaRPr lang="zh-CN" altLang="en-US" noProof="1"/>
           </a:p>
         </p:txBody>
       </p:sp>
@@ -6400,7 +7329,6 @@
               <a:rPr lang="zh-CN" altLang="en-US" noProof="1"/>
               <a:t>单击此处编辑母版文本样式</a:t>
             </a:r>
-            <a:endParaRPr lang="zh-CN" altLang="en-US" noProof="1"/>
           </a:p>
         </p:txBody>
       </p:sp>
@@ -6431,7 +7359,6 @@
               <a:rPr lang="zh-CN" altLang="en-US" noProof="1"/>
               <a:t>单击此处编辑母版文本样式</a:t>
             </a:r>
-            <a:endParaRPr lang="zh-CN" altLang="en-US" noProof="1"/>
           </a:p>
           <a:p>
             <a:pPr lvl="1"/>
@@ -6439,7 +7366,6 @@
               <a:rPr lang="zh-CN" altLang="en-US" noProof="1"/>
               <a:t>第二级</a:t>
             </a:r>
-            <a:endParaRPr lang="zh-CN" altLang="en-US" noProof="1"/>
           </a:p>
           <a:p>
             <a:pPr lvl="2"/>
@@ -6447,7 +7373,6 @@
               <a:rPr lang="zh-CN" altLang="en-US" noProof="1"/>
               <a:t>第三级</a:t>
             </a:r>
-            <a:endParaRPr lang="zh-CN" altLang="en-US" noProof="1"/>
           </a:p>
           <a:p>
             <a:pPr lvl="3"/>
@@ -6455,7 +7380,6 @@
               <a:rPr lang="zh-CN" altLang="en-US" noProof="1"/>
               <a:t>第四级</a:t>
             </a:r>
-            <a:endParaRPr lang="zh-CN" altLang="en-US" noProof="1"/>
           </a:p>
           <a:p>
             <a:pPr lvl="4"/>
@@ -6463,7 +7387,6 @@
               <a:rPr lang="zh-CN" altLang="en-US" noProof="1"/>
               <a:t>第五级</a:t>
             </a:r>
-            <a:endParaRPr lang="zh-CN" altLang="en-US" noProof="1"/>
           </a:p>
         </p:txBody>
       </p:sp>
@@ -6488,6 +7411,7 @@
           <a:p>
             <a:fld id="{760FBDFE-C587-4B4C-A407-44438C67B59E}" type="datetimeFigureOut">
               <a:rPr lang="zh-CN" altLang="en-US"/>
+              <a:t>2018/8/10</a:t>
             </a:fld>
             <a:endParaRPr lang="zh-CN" altLang="en-US"/>
           </a:p>
@@ -6537,6 +7461,7 @@
           <a:p>
             <a:fld id="{C61880FD-51CA-4182-8801-831F4C9C2CEC}" type="slidenum">
               <a:rPr lang="zh-CN" altLang="en-US"/>
+              <a:t>‹#›</a:t>
             </a:fld>
             <a:endParaRPr lang="zh-CN" altLang="en-US"/>
           </a:p>
@@ -6573,7 +7498,7 @@
           <p:cNvCxnSpPr/>
           <p:nvPr>
             <p:custDataLst>
-              <p:tags r:id="rId2"/>
+              <p:tags r:id="rId1"/>
             </p:custDataLst>
           </p:nvPr>
         </p:nvCxnSpPr>
@@ -6607,7 +7532,7 @@
           <p:cNvCxnSpPr/>
           <p:nvPr>
             <p:custDataLst>
-              <p:tags r:id="rId3"/>
+              <p:tags r:id="rId2"/>
             </p:custDataLst>
           </p:nvPr>
         </p:nvCxnSpPr>
@@ -6641,7 +7566,7 @@
           <p:cNvCxnSpPr/>
           <p:nvPr>
             <p:custDataLst>
-              <p:tags r:id="rId4"/>
+              <p:tags r:id="rId3"/>
             </p:custDataLst>
           </p:nvPr>
         </p:nvCxnSpPr>
@@ -6675,7 +7600,7 @@
           <p:cNvCxnSpPr/>
           <p:nvPr>
             <p:custDataLst>
-              <p:tags r:id="rId5"/>
+              <p:tags r:id="rId4"/>
             </p:custDataLst>
           </p:nvPr>
         </p:nvCxnSpPr>
@@ -6709,7 +7634,7 @@
           <p:cNvCxnSpPr/>
           <p:nvPr>
             <p:custDataLst>
-              <p:tags r:id="rId6"/>
+              <p:tags r:id="rId5"/>
             </p:custDataLst>
           </p:nvPr>
         </p:nvCxnSpPr>
@@ -6767,7 +7692,6 @@
               <a:rPr lang="zh-CN" altLang="en-US" noProof="1"/>
               <a:t>编辑标题</a:t>
             </a:r>
-            <a:endParaRPr lang="zh-CN" altLang="en-US" noProof="1"/>
           </a:p>
         </p:txBody>
       </p:sp>
@@ -6803,7 +7727,6 @@
               <a:rPr lang="zh-CN" altLang="en-US" noProof="1"/>
               <a:t>单击此处编辑文本</a:t>
             </a:r>
-            <a:endParaRPr lang="zh-CN" altLang="en-US" noProof="1"/>
           </a:p>
         </p:txBody>
       </p:sp>
@@ -6828,6 +7751,7 @@
           <a:p>
             <a:fld id="{760FBDFE-C587-4B4C-A407-44438C67B59E}" type="datetimeFigureOut">
               <a:rPr lang="zh-CN" altLang="en-US"/>
+              <a:t>2018/8/10</a:t>
             </a:fld>
             <a:endParaRPr lang="zh-CN" altLang="en-US"/>
           </a:p>
@@ -6877,6 +7801,7 @@
           <a:p>
             <a:fld id="{6B29CE7E-9584-4E3D-A184-0EB8A5FF10A8}" type="slidenum">
               <a:rPr lang="zh-CN" altLang="en-US"/>
+              <a:t>‹#›</a:t>
             </a:fld>
             <a:endParaRPr lang="zh-CN" altLang="en-US"/>
           </a:p>
@@ -6928,6 +7853,7 @@
           <a:p>
             <a:fld id="{760FBDFE-C587-4B4C-A407-44438C67B59E}" type="datetimeFigureOut">
               <a:rPr lang="zh-CN" altLang="en-US"/>
+              <a:t>2018/8/10</a:t>
             </a:fld>
             <a:endParaRPr lang="zh-CN" altLang="en-US"/>
           </a:p>
@@ -6977,6 +7903,7 @@
           <a:p>
             <a:fld id="{61FD7337-7689-40E9-995D-FF92F58B836E}" type="slidenum">
               <a:rPr lang="zh-CN" altLang="en-US"/>
+              <a:t>‹#›</a:t>
             </a:fld>
             <a:endParaRPr lang="zh-CN" altLang="en-US"/>
           </a:p>
@@ -7037,7 +7964,6 @@
               <a:rPr lang="zh-CN" altLang="en-US" noProof="1"/>
               <a:t>单击此处编辑标题</a:t>
             </a:r>
-            <a:endParaRPr lang="zh-CN" altLang="en-US" noProof="1"/>
           </a:p>
         </p:txBody>
       </p:sp>
@@ -7102,7 +8028,6 @@
               <a:rPr lang="zh-CN" altLang="en-US" noProof="1"/>
               <a:t>图片</a:t>
             </a:r>
-            <a:endParaRPr lang="zh-CN" altLang="en-US" noProof="1"/>
           </a:p>
         </p:txBody>
       </p:sp>
@@ -7170,7 +8095,6 @@
               <a:rPr lang="zh-CN" altLang="en-US" noProof="1"/>
               <a:t>单击此处编辑母版文本样式</a:t>
             </a:r>
-            <a:endParaRPr lang="zh-CN" altLang="en-US" noProof="1"/>
           </a:p>
         </p:txBody>
       </p:sp>
@@ -7195,6 +8119,7 @@
           <a:p>
             <a:fld id="{9EFD9D74-47D9-4702-A33C-335B63B48DBF}" type="datetimeFigureOut">
               <a:rPr lang="zh-CN" altLang="en-US"/>
+              <a:t>2018/8/10</a:t>
             </a:fld>
             <a:endParaRPr lang="zh-CN" altLang="en-US" dirty="0"/>
           </a:p>
@@ -7244,6 +8169,7 @@
           <a:p>
             <a:fld id="{B2E1C370-EC47-44E1-BBFE-64D6DC550E06}" type="slidenum">
               <a:rPr lang="zh-CN" altLang="en-US"/>
+              <a:t>‹#›</a:t>
             </a:fld>
             <a:endParaRPr lang="zh-CN" altLang="en-US"/>
           </a:p>
@@ -7304,7 +8230,6 @@
               <a:rPr lang="zh-CN" altLang="en-US" noProof="1"/>
               <a:t>单击此处编辑母版标题样式</a:t>
             </a:r>
-            <a:endParaRPr lang="zh-CN" altLang="en-US" noProof="1"/>
           </a:p>
         </p:txBody>
       </p:sp>
@@ -7351,7 +8276,6 @@
               <a:rPr lang="zh-CN" altLang="en-US" noProof="1"/>
               <a:t>单击此处编辑母版文本样式</a:t>
             </a:r>
-            <a:endParaRPr lang="zh-CN" altLang="en-US" noProof="1"/>
           </a:p>
           <a:p>
             <a:pPr lvl="1"/>
@@ -7359,7 +8283,6 @@
               <a:rPr lang="zh-CN" altLang="en-US" noProof="1"/>
               <a:t>第二级</a:t>
             </a:r>
-            <a:endParaRPr lang="zh-CN" altLang="en-US" noProof="1"/>
           </a:p>
           <a:p>
             <a:pPr lvl="2"/>
@@ -7367,7 +8290,6 @@
               <a:rPr lang="zh-CN" altLang="en-US" noProof="1"/>
               <a:t>第三级</a:t>
             </a:r>
-            <a:endParaRPr lang="zh-CN" altLang="en-US" noProof="1"/>
           </a:p>
           <a:p>
             <a:pPr lvl="3"/>
@@ -7375,7 +8297,6 @@
               <a:rPr lang="zh-CN" altLang="en-US" noProof="1"/>
               <a:t>第四级</a:t>
             </a:r>
-            <a:endParaRPr lang="zh-CN" altLang="en-US" noProof="1"/>
           </a:p>
           <a:p>
             <a:pPr lvl="4"/>
@@ -7383,7 +8304,6 @@
               <a:rPr lang="zh-CN" altLang="en-US" noProof="1"/>
               <a:t>第五级</a:t>
             </a:r>
-            <a:endParaRPr lang="zh-CN" altLang="en-US" noProof="1"/>
           </a:p>
         </p:txBody>
       </p:sp>
@@ -7408,6 +8328,7 @@
           <a:p>
             <a:fld id="{760FBDFE-C587-4B4C-A407-44438C67B59E}" type="datetimeFigureOut">
               <a:rPr lang="zh-CN" altLang="en-US"/>
+              <a:t>2018/8/10</a:t>
             </a:fld>
             <a:endParaRPr lang="zh-CN" altLang="en-US"/>
           </a:p>
@@ -7457,6 +8378,7 @@
           <a:p>
             <a:fld id="{986C7E2C-DF09-4D8D-A4F6-C3EF5949F498}" type="slidenum">
               <a:rPr lang="zh-CN" altLang="en-US"/>
+              <a:t>‹#›</a:t>
             </a:fld>
             <a:endParaRPr lang="zh-CN" altLang="en-US"/>
           </a:p>
@@ -7504,7 +8426,7 @@
           <p:nvPr>
             <p:ph type="title" idx="4294967295"/>
             <p:custDataLst>
-              <p:tags r:id="rId12"/>
+              <p:tags r:id="rId13"/>
             </p:custDataLst>
           </p:nvPr>
         </p:nvSpPr>
@@ -7549,7 +8471,6 @@
               <a:rPr lang="zh-CN" altLang="en-US"/>
               <a:t>单击此处编辑母版标题样式</a:t>
             </a:r>
-            <a:endParaRPr lang="zh-CN" altLang="en-US"/>
           </a:p>
         </p:txBody>
       </p:sp>
@@ -7562,7 +8483,7 @@
           <p:nvPr>
             <p:ph type="body" idx="9"/>
             <p:custDataLst>
-              <p:tags r:id="rId13"/>
+              <p:tags r:id="rId14"/>
             </p:custDataLst>
           </p:nvPr>
         </p:nvSpPr>
@@ -7607,7 +8528,6 @@
               <a:rPr lang="zh-CN" altLang="en-US"/>
               <a:t>单击此处编辑母版文本样式</a:t>
             </a:r>
-            <a:endParaRPr lang="zh-CN" altLang="en-US"/>
           </a:p>
           <a:p>
             <a:pPr lvl="1"/>
@@ -7615,7 +8535,6 @@
               <a:rPr lang="zh-CN" altLang="en-US"/>
               <a:t>第二级</a:t>
             </a:r>
-            <a:endParaRPr lang="zh-CN" altLang="en-US"/>
           </a:p>
           <a:p>
             <a:pPr lvl="2"/>
@@ -7623,7 +8542,6 @@
               <a:rPr lang="zh-CN" altLang="en-US"/>
               <a:t>第三级</a:t>
             </a:r>
-            <a:endParaRPr lang="zh-CN" altLang="en-US"/>
           </a:p>
           <a:p>
             <a:pPr lvl="3"/>
@@ -7631,7 +8549,6 @@
               <a:rPr lang="zh-CN" altLang="en-US"/>
               <a:t>第四级</a:t>
             </a:r>
-            <a:endParaRPr lang="zh-CN" altLang="en-US"/>
           </a:p>
           <a:p>
             <a:pPr lvl="4"/>
@@ -7639,7 +8556,6 @@
               <a:rPr lang="zh-CN" altLang="en-US"/>
               <a:t>第五级</a:t>
             </a:r>
-            <a:endParaRPr lang="zh-CN" altLang="en-US"/>
           </a:p>
         </p:txBody>
       </p:sp>
@@ -7685,6 +8601,7 @@
           <a:p>
             <a:fld id="{760FBDFE-C587-4B4C-A407-44438C67B59E}" type="datetimeFigureOut">
               <a:rPr lang="zh-CN" altLang="en-US"/>
+              <a:t>2018/8/10</a:t>
             </a:fld>
             <a:endParaRPr lang="zh-CN" altLang="en-US">
               <a:ea typeface="+mn-ea"/>
@@ -7777,6 +8694,7 @@
           <a:p>
             <a:fld id="{ECA6A4FB-A520-4B09-AD78-B7CBC19CBDD9}" type="slidenum">
               <a:rPr lang="zh-CN" altLang="en-US"/>
+              <a:t>‹#›</a:t>
             </a:fld>
             <a:endParaRPr lang="zh-CN" altLang="en-US">
               <a:ea typeface="+mn-ea"/>
@@ -7791,7 +8709,7 @@
           <p:cNvSpPr/>
           <p:nvPr>
             <p:custDataLst>
-              <p:tags r:id="rId14"/>
+              <p:tags r:id="rId15"/>
             </p:custDataLst>
           </p:nvPr>
         </p:nvSpPr>
@@ -8323,7 +9241,7 @@
           <p:nvPr>
             <p:ph type="title"/>
             <p:custDataLst>
-              <p:tags r:id="rId11"/>
+              <p:tags r:id="rId12"/>
             </p:custDataLst>
           </p:nvPr>
         </p:nvSpPr>
@@ -8346,7 +9264,6 @@
               <a:rPr lang="zh-CN" altLang="en-US" dirty="0"/>
               <a:t>单击此处编辑母版标题样式</a:t>
             </a:r>
-            <a:endParaRPr lang="zh-CN" altLang="en-US" dirty="0"/>
           </a:p>
         </p:txBody>
       </p:sp>
@@ -8359,7 +9276,7 @@
           <p:nvPr>
             <p:ph type="body" idx="1"/>
             <p:custDataLst>
-              <p:tags r:id="rId12"/>
+              <p:tags r:id="rId13"/>
             </p:custDataLst>
           </p:nvPr>
         </p:nvSpPr>
@@ -8383,7 +9300,6 @@
               <a:rPr lang="zh-CN" altLang="en-US" dirty="0"/>
               <a:t>单击此处编辑母版文本样式</a:t>
             </a:r>
-            <a:endParaRPr lang="zh-CN" altLang="en-US" dirty="0"/>
           </a:p>
           <a:p>
             <a:pPr lvl="1"/>
@@ -8391,7 +9307,6 @@
               <a:rPr lang="zh-CN" altLang="en-US" dirty="0"/>
               <a:t>第二级</a:t>
             </a:r>
-            <a:endParaRPr lang="zh-CN" altLang="en-US" dirty="0"/>
           </a:p>
           <a:p>
             <a:pPr lvl="2"/>
@@ -8399,7 +9314,6 @@
               <a:rPr lang="zh-CN" altLang="en-US" dirty="0"/>
               <a:t>第三级</a:t>
             </a:r>
-            <a:endParaRPr lang="zh-CN" altLang="en-US" dirty="0"/>
           </a:p>
           <a:p>
             <a:pPr lvl="3"/>
@@ -8407,7 +9321,6 @@
               <a:rPr lang="zh-CN" altLang="en-US" dirty="0"/>
               <a:t>第四级</a:t>
             </a:r>
-            <a:endParaRPr lang="zh-CN" altLang="en-US" dirty="0"/>
           </a:p>
           <a:p>
             <a:pPr lvl="4"/>
@@ -8415,7 +9328,6 @@
               <a:rPr lang="zh-CN" altLang="en-US" dirty="0"/>
               <a:t>第五级</a:t>
             </a:r>
-            <a:endParaRPr lang="zh-CN" altLang="en-US" dirty="0"/>
           </a:p>
         </p:txBody>
       </p:sp>
@@ -8459,6 +9371,7 @@
           <a:p>
             <a:fld id="{760FBDFE-C587-4B4C-A407-44438C67B59E}" type="datetimeFigureOut">
               <a:rPr lang="zh-CN" altLang="en-US" smtClean="0"/>
+              <a:t>2018/8/10</a:t>
             </a:fld>
             <a:endParaRPr lang="zh-CN" altLang="en-US"/>
           </a:p>
@@ -8546,6 +9459,7 @@
           <a:p>
             <a:fld id="{49AE70B2-8BF9-45C0-BB95-33D1B9D3A854}" type="slidenum">
               <a:rPr lang="zh-CN" altLang="en-US" smtClean="0"/>
+              <a:t>‹#›</a:t>
             </a:fld>
             <a:endParaRPr lang="zh-CN" altLang="en-US"/>
           </a:p>
@@ -8557,7 +9471,7 @@
           <p:cNvSpPr/>
           <p:nvPr>
             <p:custDataLst>
-              <p:tags r:id="rId13"/>
+              <p:tags r:id="rId14"/>
             </p:custDataLst>
           </p:nvPr>
         </p:nvSpPr>
@@ -8936,7 +9850,7 @@
           </p:cNvSpPr>
           <p:nvPr>
             <p:custDataLst>
-              <p:tags r:id="rId1"/>
+              <p:tags r:id="rId2"/>
             </p:custDataLst>
           </p:nvPr>
         </p:nvSpPr>
@@ -9149,7 +10063,6 @@
               <a:rPr lang="zh-CN" altLang="en-US" sz="1800" dirty="0"/>
               <a:t>开发工程部  冯泽明</a:t>
             </a:r>
-            <a:endParaRPr lang="zh-CN" altLang="en-US" sz="1800" dirty="0"/>
           </a:p>
         </p:txBody>
       </p:sp>
@@ -9180,7 +10093,7 @@
             </a:pPr>
             <a:r>
               <a:rPr lang="en-US" altLang="zh-CN" dirty="0">
-                <a:hlinkClick r:id="rId2"/>
+                <a:hlinkClick r:id="rId7"/>
               </a:rPr>
               <a:t>https://github.com/newgr8player</a:t>
             </a:r>
@@ -9189,7 +10102,7 @@
           <a:p>
             <a:r>
               <a:rPr lang="en-US" altLang="zh-CN" dirty="0">
-                <a:hlinkClick r:id="rId3"/>
+                <a:hlinkClick r:id="rId8"/>
               </a:rPr>
               <a:t>https://newgr8player.gitee.io/</a:t>
             </a:r>
@@ -9206,7 +10119,7 @@
           <p:nvPr>
             <p:ph type="ctrTitle"/>
             <p:custDataLst>
-              <p:tags r:id="rId4"/>
+              <p:tags r:id="rId3"/>
             </p:custDataLst>
           </p:nvPr>
         </p:nvSpPr>
@@ -9239,7 +10152,7 @@
           <p:nvPr>
             <p:ph type="subTitle" idx="1"/>
             <p:custDataLst>
-              <p:tags r:id="rId5"/>
+              <p:tags r:id="rId4"/>
             </p:custDataLst>
           </p:nvPr>
         </p:nvSpPr>
@@ -9300,7 +10213,7 @@
       </p:sp>
     </p:spTree>
     <p:custDataLst>
-      <p:tags r:id="rId6"/>
+      <p:tags r:id="rId1"/>
     </p:custDataLst>
   </p:cSld>
   <p:clrMapOvr>
@@ -9332,7 +10245,7 @@
           <p:cNvSpPr txBox="1"/>
           <p:nvPr>
             <p:custDataLst>
-              <p:tags r:id="rId1"/>
+              <p:tags r:id="rId2"/>
             </p:custDataLst>
           </p:nvPr>
         </p:nvSpPr>
@@ -9372,11 +10285,19 @@
             </a:lvl1pPr>
           </a:lstStyle>
           <a:p>
-            <a:r>
-              <a:rPr lang="zh-CN" altLang="en-US" dirty="0"/>
-              <a:t>设计模式分类</a:t>
-            </a:r>
-            <a:endParaRPr lang="zh-CN" altLang="en-US" dirty="0"/>
+            <a:pPr>
+              <a:lnSpc>
+                <a:spcPct val="110000"/>
+              </a:lnSpc>
+              <a:buClr>
+                <a:srgbClr val="0070C0"/>
+              </a:buClr>
+            </a:pPr>
+            <a:r>
+              <a:rPr lang="zh-CN" altLang="zh-CN" dirty="0"/>
+              <a:t>单一职责原则</a:t>
+            </a:r>
+            <a:endParaRPr lang="en-US" altLang="zh-CN" dirty="0"/>
           </a:p>
         </p:txBody>
       </p:sp>
@@ -9388,8 +10309,8 @@
         </p:nvSpPr>
         <p:spPr>
           <a:xfrm>
-            <a:off x="566431" y="2057436"/>
-            <a:ext cx="8334776" cy="3674019"/>
+            <a:off x="571608" y="1828842"/>
+            <a:ext cx="8334776" cy="4531818"/>
           </a:xfrm>
           <a:prstGeom prst="rect">
             <a:avLst/>
@@ -9402,116 +10323,177 @@
           </a:bodyPr>
           <a:lstStyle/>
           <a:p>
-            <a:pPr marL="457200" indent="-457200">
+            <a:pPr>
               <a:lnSpc>
-                <a:spcPct val="200000"/>
+                <a:spcPct val="110000"/>
               </a:lnSpc>
               <a:buClr>
                 <a:srgbClr val="0070C0"/>
               </a:buClr>
-              <a:buFont typeface="+mj-lt"/>
-              <a:buAutoNum type="arabicPeriod"/>
             </a:pPr>
             <a:r>
-              <a:rPr lang="zh-CN" altLang="en-US" dirty="0"/>
-              <a:t>工厂模式</a:t>
-            </a:r>
-            <a:r>
-              <a:rPr lang="en-US" altLang="zh-CN" dirty="0"/>
-              <a:t>(The Factory Pattern)</a:t>
-            </a:r>
-            <a:endParaRPr lang="en-US" altLang="zh-CN" dirty="0"/>
-          </a:p>
-          <a:p>
-            <a:pPr marL="457200" indent="-457200">
+              <a:rPr lang="zh-CN" altLang="en-US" b="1" dirty="0">
+                <a:solidFill>
+                  <a:srgbClr val="0070C0"/>
+                </a:solidFill>
+              </a:rPr>
+              <a:t>核心思想</a:t>
+            </a:r>
+          </a:p>
+          <a:p>
+            <a:pPr eaLnBrk="1" hangingPunct="1">
               <a:lnSpc>
-                <a:spcPct val="200000"/>
+                <a:spcPct val="110000"/>
               </a:lnSpc>
               <a:buClr>
                 <a:srgbClr val="0070C0"/>
               </a:buClr>
-              <a:buFont typeface="+mj-lt"/>
-              <a:buAutoNum type="arabicPeriod"/>
             </a:pPr>
             <a:r>
               <a:rPr lang="zh-CN" altLang="en-US" dirty="0"/>
-              <a:t>抽象工厂模式</a:t>
-            </a:r>
-            <a:r>
-              <a:rPr lang="en-US" altLang="zh-CN" dirty="0"/>
-              <a:t>(The Abstract Factory Pattern-)</a:t>
-            </a:r>
-            <a:endParaRPr lang="zh-CN" altLang="en-US" dirty="0"/>
-          </a:p>
-          <a:p>
-            <a:pPr marL="457200" indent="-457200" eaLnBrk="1" hangingPunct="1">
+              <a:t>一个类应该有且只有一个变化的原因。</a:t>
+            </a:r>
+            <a:endParaRPr lang="en-US" altLang="zh-CN" dirty="0"/>
+          </a:p>
+          <a:p>
+            <a:pPr eaLnBrk="1" hangingPunct="1">
               <a:lnSpc>
-                <a:spcPct val="200000"/>
+                <a:spcPct val="110000"/>
               </a:lnSpc>
               <a:buClr>
                 <a:srgbClr val="0070C0"/>
               </a:buClr>
-              <a:buFont typeface="+mj-lt"/>
-              <a:buAutoNum type="arabicPeriod"/>
             </a:pPr>
-            <a:r>
-              <a:rPr lang="zh-CN" altLang="en-US" dirty="0"/>
-              <a:t>单例模式</a:t>
-            </a:r>
-            <a:r>
-              <a:rPr lang="en-US" altLang="zh-CN" dirty="0"/>
-              <a:t>(The Singleton Pattern)</a:t>
-            </a:r>
-            <a:endParaRPr lang="zh-CN" altLang="en-US" dirty="0"/>
-          </a:p>
-          <a:p>
-            <a:pPr marL="457200" indent="-457200" eaLnBrk="1" hangingPunct="1">
+            <a:endParaRPr lang="en-US" altLang="zh-CN" dirty="0"/>
+          </a:p>
+          <a:p>
+            <a:pPr>
               <a:lnSpc>
-                <a:spcPct val="200000"/>
+                <a:spcPct val="110000"/>
               </a:lnSpc>
               <a:buClr>
                 <a:srgbClr val="0070C0"/>
               </a:buClr>
-              <a:buFont typeface="+mj-lt"/>
-              <a:buAutoNum type="arabicPeriod"/>
             </a:pPr>
             <a:r>
-              <a:rPr lang="zh-CN" altLang="en-US" dirty="0"/>
-              <a:t>原型模式</a:t>
-            </a:r>
-            <a:r>
-              <a:rPr lang="en-US" altLang="zh-CN" dirty="0"/>
-              <a:t>(The Prototype Pattern)</a:t>
-            </a:r>
-            <a:endParaRPr lang="zh-CN" altLang="en-US" dirty="0"/>
-          </a:p>
-          <a:p>
-            <a:pPr marL="457200" indent="-457200" eaLnBrk="1" hangingPunct="1">
+              <a:rPr lang="zh-CN" altLang="en-US" b="1" dirty="0">
+                <a:solidFill>
+                  <a:srgbClr val="0070C0"/>
+                </a:solidFill>
+              </a:rPr>
+              <a:t>为什么引入单一职责原则</a:t>
+            </a:r>
+          </a:p>
+          <a:p>
+            <a:pPr eaLnBrk="1" hangingPunct="1">
               <a:lnSpc>
-                <a:spcPct val="200000"/>
+                <a:spcPct val="110000"/>
               </a:lnSpc>
               <a:buClr>
                 <a:srgbClr val="0070C0"/>
               </a:buClr>
-              <a:buFont typeface="+mj-lt"/>
-              <a:buAutoNum type="arabicPeriod"/>
             </a:pPr>
             <a:r>
               <a:rPr lang="zh-CN" altLang="en-US" dirty="0"/>
-              <a:t>建造者模式</a:t>
+              <a:t>单一职责原则将不同的职责分离到单独的类，每一个职责都是一个变化的中心。</a:t>
+            </a:r>
+            <a:endParaRPr lang="en-US" altLang="zh-CN" dirty="0"/>
+          </a:p>
+          <a:p>
+            <a:pPr>
+              <a:lnSpc>
+                <a:spcPct val="110000"/>
+              </a:lnSpc>
+              <a:buClr>
+                <a:srgbClr val="0070C0"/>
+              </a:buClr>
+            </a:pPr>
+            <a:r>
+              <a:rPr lang="zh-CN" altLang="en-US" b="1" dirty="0">
+                <a:solidFill>
+                  <a:srgbClr val="0070C0"/>
+                </a:solidFill>
+              </a:rPr>
+              <a:t>单一职责原则的优点</a:t>
+            </a:r>
+          </a:p>
+          <a:p>
+            <a:pPr eaLnBrk="1" hangingPunct="1">
+              <a:lnSpc>
+                <a:spcPct val="110000"/>
+              </a:lnSpc>
+              <a:buClr>
+                <a:srgbClr val="0070C0"/>
+              </a:buClr>
+            </a:pPr>
+            <a:r>
+              <a:rPr lang="zh-CN" altLang="en-US" dirty="0"/>
+              <a:t>（</a:t>
             </a:r>
             <a:r>
               <a:rPr lang="en-US" altLang="zh-CN" dirty="0"/>
-              <a:t>(Builder Pattern)</a:t>
-            </a:r>
-            <a:endParaRPr lang="zh-CN" altLang="en-US" dirty="0"/>
+              <a:t>1</a:t>
+            </a:r>
+            <a:r>
+              <a:rPr lang="zh-CN" altLang="en-US" dirty="0"/>
+              <a:t>）降低类的复杂度；</a:t>
+            </a:r>
+            <a:br>
+              <a:rPr lang="zh-CN" altLang="en-US" dirty="0"/>
+            </a:br>
+            <a:r>
+              <a:rPr lang="zh-CN" altLang="en-US" dirty="0"/>
+              <a:t>（</a:t>
+            </a:r>
+            <a:r>
+              <a:rPr lang="en-US" altLang="zh-CN" dirty="0"/>
+              <a:t>2</a:t>
+            </a:r>
+            <a:r>
+              <a:rPr lang="zh-CN" altLang="en-US" dirty="0"/>
+              <a:t>）提高类的可读性，提高系统的可维护性；</a:t>
+            </a:r>
+            <a:br>
+              <a:rPr lang="zh-CN" altLang="en-US" dirty="0"/>
+            </a:br>
+            <a:r>
+              <a:rPr lang="zh-CN" altLang="en-US" dirty="0"/>
+              <a:t>（</a:t>
+            </a:r>
+            <a:r>
+              <a:rPr lang="en-US" altLang="zh-CN" dirty="0"/>
+              <a:t>3</a:t>
+            </a:r>
+            <a:r>
+              <a:rPr lang="zh-CN" altLang="en-US" dirty="0"/>
+              <a:t>）降低变更引起的风险（降低对其他功能的影响）。</a:t>
+            </a:r>
+            <a:endParaRPr lang="zh-CN" altLang="zh-CN" dirty="0"/>
+          </a:p>
+          <a:p>
+            <a:pPr marL="342900" indent="-342900" eaLnBrk="1" hangingPunct="1">
+              <a:lnSpc>
+                <a:spcPct val="110000"/>
+              </a:lnSpc>
+              <a:buClr>
+                <a:srgbClr val="0070C0"/>
+              </a:buClr>
+              <a:buFont typeface="Wingdings" panose="05000000000000000000" pitchFamily="2" charset="2"/>
+              <a:buChar char="Ø"/>
+            </a:pPr>
+            <a:endParaRPr lang="zh-CN" altLang="zh-CN" dirty="0"/>
           </a:p>
         </p:txBody>
       </p:sp>
     </p:spTree>
     <p:custDataLst>
-      <p:tags r:id="rId2"/>
+      <p:tags r:id="rId1"/>
     </p:custDataLst>
+    <p:extLst>
+      <p:ext uri="{BB962C8B-B14F-4D97-AF65-F5344CB8AC3E}">
+        <p14:creationId xmlns:p14="http://schemas.microsoft.com/office/powerpoint/2010/main" val="1311291756"/>
+      </p:ext>
+    </p:extLst>
   </p:cSld>
   <p:clrMapOvr>
     <a:masterClrMapping/>
@@ -9542,7 +10524,7 @@
           <p:cNvSpPr txBox="1"/>
           <p:nvPr>
             <p:custDataLst>
-              <p:tags r:id="rId1"/>
+              <p:tags r:id="rId2"/>
             </p:custDataLst>
           </p:nvPr>
         </p:nvSpPr>
@@ -9582,13 +10564,17 @@
             </a:lvl1pPr>
           </a:lstStyle>
           <a:p>
-            <a:r>
-              <a:rPr lang="zh-CN" altLang="en-US" dirty="0"/>
-              <a:t>工厂模式</a:t>
-            </a:r>
-            <a:r>
-              <a:rPr lang="en-US" altLang="zh-CN" dirty="0"/>
-              <a:t>(The Factory Pattern)</a:t>
+            <a:pPr>
+              <a:lnSpc>
+                <a:spcPct val="110000"/>
+              </a:lnSpc>
+              <a:buClr>
+                <a:srgbClr val="0070C0"/>
+              </a:buClr>
+            </a:pPr>
+            <a:r>
+              <a:rPr lang="zh-CN" altLang="zh-CN" dirty="0"/>
+              <a:t>单一职责原则</a:t>
             </a:r>
             <a:endParaRPr lang="en-US" altLang="zh-CN" dirty="0"/>
           </a:p>
@@ -9602,8 +10588,8 @@
         </p:nvSpPr>
         <p:spPr>
           <a:xfrm>
-            <a:off x="566431" y="2057436"/>
-            <a:ext cx="8334776" cy="2796856"/>
+            <a:off x="571608" y="1828842"/>
+            <a:ext cx="8334776" cy="1281698"/>
           </a:xfrm>
           <a:prstGeom prst="rect">
             <a:avLst/>
@@ -9616,61 +10602,101 @@
           </a:bodyPr>
           <a:lstStyle/>
           <a:p>
-            <a:pPr indent="628650" eaLnBrk="1" hangingPunct="1">
+            <a:pPr>
               <a:lnSpc>
-                <a:spcPct val="150000"/>
-              </a:lnSpc>
-              <a:buFont typeface="Wingdings" panose="05000000000000000000" pitchFamily="2" charset="2"/>
-              <a:buNone/>
-            </a:pPr>
-            <a:r>
-              <a:rPr lang="zh-CN" altLang="en-US" dirty="0"/>
-              <a:t>工厂模式是最常见的设计模式之一，可帮助我们组织创建对象的代码，通常用于以下两种情况：</a:t>
-            </a:r>
-            <a:endParaRPr lang="zh-CN" altLang="en-US" dirty="0"/>
-          </a:p>
-          <a:p>
-            <a:pPr lvl="1" indent="-457200" eaLnBrk="1" hangingPunct="1">
-              <a:lnSpc>
-                <a:spcPct val="150000"/>
+                <a:spcPct val="110000"/>
               </a:lnSpc>
               <a:buClr>
                 <a:srgbClr val="0070C0"/>
               </a:buClr>
-              <a:buSzPct val="80000"/>
-              <a:buFont typeface="+mj-lt"/>
-              <a:buAutoNum type="arabicPeriod"/>
             </a:pPr>
             <a:r>
-              <a:rPr lang="zh-CN" altLang="en-US" dirty="0"/>
-              <a:t>创建复杂的对象，并进行初始化。</a:t>
-            </a:r>
-            <a:endParaRPr lang="en-US" altLang="zh-CN" dirty="0"/>
-          </a:p>
-          <a:p>
-            <a:pPr lvl="1" indent="-457200" eaLnBrk="1" hangingPunct="1">
+              <a:rPr lang="zh-CN" altLang="en-US" b="1" dirty="0">
+                <a:solidFill>
+                  <a:srgbClr val="0070C0"/>
+                </a:solidFill>
+              </a:rPr>
+              <a:t>单一职责原则关键点</a:t>
+            </a:r>
+            <a:endParaRPr lang="en-US" altLang="zh-CN" b="1" dirty="0">
+              <a:solidFill>
+                <a:srgbClr val="0070C0"/>
+              </a:solidFill>
+            </a:endParaRPr>
+          </a:p>
+          <a:p>
+            <a:pPr>
               <a:lnSpc>
-                <a:spcPct val="150000"/>
+                <a:spcPct val="110000"/>
               </a:lnSpc>
               <a:buClr>
                 <a:srgbClr val="0070C0"/>
               </a:buClr>
-              <a:buSzPct val="80000"/>
-              <a:buFont typeface="+mj-lt"/>
-              <a:buAutoNum type="arabicPeriod"/>
             </a:pPr>
             <a:r>
               <a:rPr lang="zh-CN" altLang="en-US" dirty="0"/>
-              <a:t>根据不同的环境（输入参数），创建不同用途的对象。一般这些对象都是实现了相同的接口或继承于同一基类。</a:t>
-            </a:r>
-            <a:endParaRPr lang="zh-CN" altLang="en-US" dirty="0"/>
-          </a:p>
-        </p:txBody>
-      </p:sp>
+              <a:t>要求接口的职责单一，从而实现该接口的类的职责单一。</a:t>
+            </a:r>
+            <a:endParaRPr lang="en-US" altLang="zh-CN" dirty="0"/>
+          </a:p>
+          <a:p>
+            <a:pPr>
+              <a:lnSpc>
+                <a:spcPct val="110000"/>
+              </a:lnSpc>
+              <a:buClr>
+                <a:srgbClr val="0070C0"/>
+              </a:buClr>
+            </a:pPr>
+            <a:endParaRPr lang="zh-CN" altLang="zh-CN" dirty="0"/>
+          </a:p>
+        </p:txBody>
+      </p:sp>
+      <p:pic>
+        <p:nvPicPr>
+          <p:cNvPr id="5" name="图片 4">
+            <a:extLst>
+              <a:ext uri="{FF2B5EF4-FFF2-40B4-BE49-F238E27FC236}">
+                <a16:creationId xmlns:a16="http://schemas.microsoft.com/office/drawing/2014/main" id="{E06DDDE1-49E1-480C-9D48-849F8B1E6A51}"/>
+              </a:ext>
+            </a:extLst>
+          </p:cNvPr>
+          <p:cNvPicPr>
+            <a:picLocks noChangeAspect="1"/>
+          </p:cNvPicPr>
+          <p:nvPr/>
+        </p:nvPicPr>
+        <p:blipFill>
+          <a:blip r:embed="rId5">
+            <a:extLst>
+              <a:ext uri="{28A0092B-C50C-407E-A947-70E740481C1C}">
+                <a14:useLocalDpi xmlns:a14="http://schemas.microsoft.com/office/drawing/2010/main" val="0"/>
+              </a:ext>
+            </a:extLst>
+          </a:blip>
+          <a:stretch>
+            <a:fillRect/>
+          </a:stretch>
+        </p:blipFill>
+        <p:spPr>
+          <a:xfrm>
+            <a:off x="1066892" y="2895614"/>
+            <a:ext cx="6219825" cy="3429000"/>
+          </a:xfrm>
+          <a:prstGeom prst="rect">
+            <a:avLst/>
+          </a:prstGeom>
+        </p:spPr>
+      </p:pic>
     </p:spTree>
     <p:custDataLst>
-      <p:tags r:id="rId2"/>
+      <p:tags r:id="rId1"/>
     </p:custDataLst>
+    <p:extLst>
+      <p:ext uri="{BB962C8B-B14F-4D97-AF65-F5344CB8AC3E}">
+        <p14:creationId xmlns:p14="http://schemas.microsoft.com/office/powerpoint/2010/main" val="2460003045"/>
+      </p:ext>
+    </p:extLst>
   </p:cSld>
   <p:clrMapOvr>
     <a:masterClrMapping/>
@@ -9701,7 +10727,2831 @@
           <p:cNvSpPr txBox="1"/>
           <p:nvPr>
             <p:custDataLst>
-              <p:tags r:id="rId1"/>
+              <p:tags r:id="rId2"/>
+            </p:custDataLst>
+          </p:nvPr>
+        </p:nvSpPr>
+        <p:spPr>
+          <a:xfrm>
+            <a:off x="571608" y="661194"/>
+            <a:ext cx="7886700" cy="994172"/>
+          </a:xfrm>
+          <a:prstGeom prst="rect">
+            <a:avLst/>
+          </a:prstGeom>
+        </p:spPr>
+        <p:txBody>
+          <a:bodyPr vert="horz" wrap="square" lIns="68580" tIns="34290" rIns="68580" bIns="34290" rtlCol="0" anchor="ctr">
+            <a:normAutofit/>
+          </a:bodyPr>
+          <a:lstStyle>
+            <a:lvl1pPr defTabSz="914400">
+              <a:lnSpc>
+                <a:spcPct val="120000"/>
+              </a:lnSpc>
+              <a:spcBef>
+                <a:spcPct val="0"/>
+              </a:spcBef>
+              <a:buNone/>
+              <a:defRPr sz="3600">
+                <a:solidFill>
+                  <a:schemeClr val="tx1">
+                    <a:lumMod val="75000"/>
+                    <a:lumOff val="25000"/>
+                  </a:schemeClr>
+                </a:solidFill>
+                <a:latin typeface="+mj-lt"/>
+                <a:ea typeface="+mj-ea"/>
+                <a:cs typeface="+mj-cs"/>
+              </a:defRPr>
+            </a:lvl1pPr>
+          </a:lstStyle>
+          <a:p>
+            <a:pPr>
+              <a:lnSpc>
+                <a:spcPct val="110000"/>
+              </a:lnSpc>
+              <a:buClr>
+                <a:srgbClr val="0070C0"/>
+              </a:buClr>
+            </a:pPr>
+            <a:r>
+              <a:rPr lang="zh-CN" altLang="zh-CN" dirty="0"/>
+              <a:t>单一职责原则</a:t>
+            </a:r>
+            <a:endParaRPr lang="en-US" altLang="zh-CN" dirty="0"/>
+          </a:p>
+        </p:txBody>
+      </p:sp>
+      <p:sp>
+        <p:nvSpPr>
+          <p:cNvPr id="3" name="文本框 2"/>
+          <p:cNvSpPr txBox="1"/>
+          <p:nvPr/>
+        </p:nvSpPr>
+        <p:spPr>
+          <a:xfrm>
+            <a:off x="571608" y="1828842"/>
+            <a:ext cx="8334776" cy="2907655"/>
+          </a:xfrm>
+          <a:prstGeom prst="rect">
+            <a:avLst/>
+          </a:prstGeom>
+          <a:noFill/>
+        </p:spPr>
+        <p:txBody>
+          <a:bodyPr wrap="square" rtlCol="0">
+            <a:spAutoFit/>
+          </a:bodyPr>
+          <a:lstStyle/>
+          <a:p>
+            <a:pPr>
+              <a:lnSpc>
+                <a:spcPct val="110000"/>
+              </a:lnSpc>
+              <a:buClr>
+                <a:srgbClr val="0070C0"/>
+              </a:buClr>
+            </a:pPr>
+            <a:r>
+              <a:rPr lang="zh-CN" altLang="en-US" b="1" dirty="0">
+                <a:solidFill>
+                  <a:srgbClr val="0070C0"/>
+                </a:solidFill>
+              </a:rPr>
+              <a:t>注意点</a:t>
+            </a:r>
+            <a:endParaRPr lang="en-US" altLang="zh-CN" b="1" dirty="0">
+              <a:solidFill>
+                <a:srgbClr val="0070C0"/>
+              </a:solidFill>
+            </a:endParaRPr>
+          </a:p>
+          <a:p>
+            <a:pPr marL="457200" indent="-457200">
+              <a:lnSpc>
+                <a:spcPct val="110000"/>
+              </a:lnSpc>
+              <a:buClr>
+                <a:srgbClr val="0070C0"/>
+              </a:buClr>
+              <a:buFont typeface="+mj-lt"/>
+              <a:buAutoNum type="arabicPeriod"/>
+            </a:pPr>
+            <a:r>
+              <a:rPr lang="zh-CN" altLang="en-US" dirty="0"/>
+              <a:t>单一职责最难划分的是</a:t>
+            </a:r>
+            <a:r>
+              <a:rPr lang="zh-CN" altLang="en-US" dirty="0">
+                <a:solidFill>
+                  <a:srgbClr val="0070C0"/>
+                </a:solidFill>
+              </a:rPr>
+              <a:t>职责</a:t>
+            </a:r>
+            <a:r>
+              <a:rPr lang="zh-CN" altLang="en-US" dirty="0"/>
+              <a:t>。</a:t>
+            </a:r>
+            <a:endParaRPr lang="en-US" altLang="zh-CN" dirty="0"/>
+          </a:p>
+          <a:p>
+            <a:pPr marL="457200" indent="-457200">
+              <a:lnSpc>
+                <a:spcPct val="110000"/>
+              </a:lnSpc>
+              <a:buClr>
+                <a:srgbClr val="0070C0"/>
+              </a:buClr>
+              <a:buFont typeface="+mj-lt"/>
+              <a:buAutoNum type="arabicPeriod"/>
+            </a:pPr>
+            <a:r>
+              <a:rPr lang="zh-CN" altLang="en-US" dirty="0"/>
+              <a:t>单一职责原则</a:t>
+            </a:r>
+            <a:r>
+              <a:rPr lang="zh-CN" altLang="en-US" dirty="0">
+                <a:solidFill>
+                  <a:srgbClr val="0070C0"/>
+                </a:solidFill>
+              </a:rPr>
+              <a:t>提出标准</a:t>
+            </a:r>
+            <a:r>
+              <a:rPr lang="zh-CN" altLang="en-US" dirty="0"/>
+              <a:t>：用职责和变化原因来衡量接口或类设计的是否优良，但是职责和变化原因都是不可度量的，因项目、环境而异。</a:t>
+            </a:r>
+            <a:endParaRPr lang="en-US" altLang="zh-CN" dirty="0"/>
+          </a:p>
+          <a:p>
+            <a:pPr marL="457200" indent="-457200">
+              <a:lnSpc>
+                <a:spcPct val="110000"/>
+              </a:lnSpc>
+              <a:buClr>
+                <a:srgbClr val="0070C0"/>
+              </a:buClr>
+              <a:buFont typeface="+mj-lt"/>
+              <a:buAutoNum type="arabicPeriod"/>
+            </a:pPr>
+            <a:r>
+              <a:rPr lang="zh-CN" altLang="en-US" dirty="0"/>
+              <a:t>接口一定要做到单一职责，类的设计尽量做到只有</a:t>
+            </a:r>
+            <a:r>
+              <a:rPr lang="zh-CN" altLang="en-US" dirty="0">
+                <a:solidFill>
+                  <a:srgbClr val="0070C0"/>
+                </a:solidFill>
+              </a:rPr>
+              <a:t>一个原因</a:t>
+            </a:r>
+            <a:r>
+              <a:rPr lang="zh-CN" altLang="en-US" dirty="0"/>
+              <a:t>引起变化。</a:t>
+            </a:r>
+            <a:endParaRPr lang="en-US" altLang="zh-CN" dirty="0"/>
+          </a:p>
+        </p:txBody>
+      </p:sp>
+    </p:spTree>
+    <p:custDataLst>
+      <p:tags r:id="rId1"/>
+    </p:custDataLst>
+    <p:extLst>
+      <p:ext uri="{BB962C8B-B14F-4D97-AF65-F5344CB8AC3E}">
+        <p14:creationId xmlns:p14="http://schemas.microsoft.com/office/powerpoint/2010/main" val="370408196"/>
+      </p:ext>
+    </p:extLst>
+  </p:cSld>
+  <p:clrMapOvr>
+    <a:masterClrMapping/>
+  </p:clrMapOvr>
+</p:sld>
+</file>
+
+<file path=ppt/slides/slide13.xml><?xml version="1.0" encoding="utf-8"?>
+<p:sld xmlns:a="http://schemas.openxmlformats.org/drawingml/2006/main" xmlns:r="http://schemas.openxmlformats.org/officeDocument/2006/relationships" xmlns:p="http://schemas.openxmlformats.org/presentationml/2006/main">
+  <p:cSld>
+    <p:spTree>
+      <p:nvGrpSpPr>
+        <p:cNvPr id="1" name=""/>
+        <p:cNvGrpSpPr/>
+        <p:nvPr/>
+      </p:nvGrpSpPr>
+      <p:grpSpPr>
+        <a:xfrm>
+          <a:off x="0" y="0"/>
+          <a:ext cx="0" cy="0"/>
+          <a:chOff x="0" y="0"/>
+          <a:chExt cx="0" cy="0"/>
+        </a:xfrm>
+      </p:grpSpPr>
+      <p:sp>
+        <p:nvSpPr>
+          <p:cNvPr id="2" name="标题 1"/>
+          <p:cNvSpPr>
+            <a:spLocks noGrp="1"/>
+          </p:cNvSpPr>
+          <p:nvPr>
+            <p:ph type="title"/>
+          </p:nvPr>
+        </p:nvSpPr>
+        <p:spPr>
+          <a:xfrm>
+            <a:off x="1138792" y="3078833"/>
+            <a:ext cx="6856892" cy="830998"/>
+          </a:xfrm>
+        </p:spPr>
+        <p:txBody>
+          <a:bodyPr>
+            <a:noAutofit/>
+          </a:bodyPr>
+          <a:lstStyle/>
+          <a:p>
+            <a:r>
+              <a:rPr lang="en-US" altLang="zh-CN" sz="3600" dirty="0" err="1"/>
+              <a:t>Liskov</a:t>
+            </a:r>
+            <a:r>
+              <a:rPr lang="en-US" altLang="zh-CN" sz="3600" dirty="0"/>
+              <a:t> Substitution Principle</a:t>
+            </a:r>
+            <a:r>
+              <a:rPr lang="zh-CN" altLang="en-US" sz="3600" dirty="0"/>
+              <a:t>（</a:t>
+            </a:r>
+            <a:r>
+              <a:rPr lang="en-US" altLang="zh-CN" sz="3600" dirty="0"/>
+              <a:t>LSP</a:t>
+            </a:r>
+            <a:r>
+              <a:rPr lang="zh-CN" altLang="en-US" sz="3600" dirty="0"/>
+              <a:t>）</a:t>
+            </a:r>
+          </a:p>
+        </p:txBody>
+      </p:sp>
+      <p:sp>
+        <p:nvSpPr>
+          <p:cNvPr id="3" name="内容占位符 2"/>
+          <p:cNvSpPr>
+            <a:spLocks noGrp="1"/>
+          </p:cNvSpPr>
+          <p:nvPr>
+            <p:ph sz="quarter" idx="13"/>
+          </p:nvPr>
+        </p:nvSpPr>
+        <p:spPr/>
+        <p:txBody>
+          <a:bodyPr/>
+          <a:lstStyle/>
+          <a:p>
+            <a:pPr>
+              <a:lnSpc>
+                <a:spcPct val="110000"/>
+              </a:lnSpc>
+              <a:buClr>
+                <a:srgbClr val="0070C0"/>
+              </a:buClr>
+            </a:pPr>
+            <a:r>
+              <a:rPr lang="zh-CN" altLang="zh-CN" dirty="0"/>
+              <a:t>里氏替换原则</a:t>
+            </a:r>
+            <a:endParaRPr lang="en-US" altLang="zh-CN" dirty="0"/>
+          </a:p>
+        </p:txBody>
+      </p:sp>
+    </p:spTree>
+    <p:extLst>
+      <p:ext uri="{BB962C8B-B14F-4D97-AF65-F5344CB8AC3E}">
+        <p14:creationId xmlns:p14="http://schemas.microsoft.com/office/powerpoint/2010/main" val="3721727063"/>
+      </p:ext>
+    </p:extLst>
+  </p:cSld>
+  <p:clrMapOvr>
+    <a:masterClrMapping/>
+  </p:clrMapOvr>
+</p:sld>
+</file>
+
+<file path=ppt/slides/slide14.xml><?xml version="1.0" encoding="utf-8"?>
+<p:sld xmlns:a="http://schemas.openxmlformats.org/drawingml/2006/main" xmlns:r="http://schemas.openxmlformats.org/officeDocument/2006/relationships" xmlns:p="http://schemas.openxmlformats.org/presentationml/2006/main">
+  <p:cSld>
+    <p:spTree>
+      <p:nvGrpSpPr>
+        <p:cNvPr id="1" name=""/>
+        <p:cNvGrpSpPr/>
+        <p:nvPr/>
+      </p:nvGrpSpPr>
+      <p:grpSpPr>
+        <a:xfrm>
+          <a:off x="0" y="0"/>
+          <a:ext cx="0" cy="0"/>
+          <a:chOff x="0" y="0"/>
+          <a:chExt cx="0" cy="0"/>
+        </a:xfrm>
+      </p:grpSpPr>
+      <p:sp>
+        <p:nvSpPr>
+          <p:cNvPr id="8" name="标题 1"/>
+          <p:cNvSpPr txBox="1"/>
+          <p:nvPr>
+            <p:custDataLst>
+              <p:tags r:id="rId2"/>
+            </p:custDataLst>
+          </p:nvPr>
+        </p:nvSpPr>
+        <p:spPr>
+          <a:xfrm>
+            <a:off x="571608" y="661194"/>
+            <a:ext cx="7886700" cy="994172"/>
+          </a:xfrm>
+          <a:prstGeom prst="rect">
+            <a:avLst/>
+          </a:prstGeom>
+        </p:spPr>
+        <p:txBody>
+          <a:bodyPr vert="horz" wrap="square" lIns="68580" tIns="34290" rIns="68580" bIns="34290" rtlCol="0" anchor="ctr">
+            <a:normAutofit/>
+          </a:bodyPr>
+          <a:lstStyle>
+            <a:lvl1pPr defTabSz="914400">
+              <a:lnSpc>
+                <a:spcPct val="120000"/>
+              </a:lnSpc>
+              <a:spcBef>
+                <a:spcPct val="0"/>
+              </a:spcBef>
+              <a:buNone/>
+              <a:defRPr sz="3600">
+                <a:solidFill>
+                  <a:schemeClr val="tx1">
+                    <a:lumMod val="75000"/>
+                    <a:lumOff val="25000"/>
+                  </a:schemeClr>
+                </a:solidFill>
+                <a:latin typeface="+mj-lt"/>
+                <a:ea typeface="+mj-ea"/>
+                <a:cs typeface="+mj-cs"/>
+              </a:defRPr>
+            </a:lvl1pPr>
+          </a:lstStyle>
+          <a:p>
+            <a:pPr>
+              <a:lnSpc>
+                <a:spcPct val="110000"/>
+              </a:lnSpc>
+              <a:buClr>
+                <a:srgbClr val="0070C0"/>
+              </a:buClr>
+            </a:pPr>
+            <a:r>
+              <a:rPr lang="zh-CN" altLang="zh-CN" dirty="0"/>
+              <a:t>里氏替换原则</a:t>
+            </a:r>
+            <a:endParaRPr lang="en-US" altLang="zh-CN" dirty="0"/>
+          </a:p>
+        </p:txBody>
+      </p:sp>
+      <p:sp>
+        <p:nvSpPr>
+          <p:cNvPr id="3" name="文本框 2"/>
+          <p:cNvSpPr txBox="1"/>
+          <p:nvPr/>
+        </p:nvSpPr>
+        <p:spPr>
+          <a:xfrm>
+            <a:off x="571608" y="1828842"/>
+            <a:ext cx="8334776" cy="5676747"/>
+          </a:xfrm>
+          <a:prstGeom prst="rect">
+            <a:avLst/>
+          </a:prstGeom>
+          <a:noFill/>
+        </p:spPr>
+        <p:txBody>
+          <a:bodyPr wrap="square" rtlCol="0">
+            <a:spAutoFit/>
+          </a:bodyPr>
+          <a:lstStyle/>
+          <a:p>
+            <a:pPr>
+              <a:lnSpc>
+                <a:spcPct val="110000"/>
+              </a:lnSpc>
+              <a:buClr>
+                <a:srgbClr val="0070C0"/>
+              </a:buClr>
+            </a:pPr>
+            <a:r>
+              <a:rPr lang="zh-CN" altLang="en-US" b="1" dirty="0">
+                <a:solidFill>
+                  <a:srgbClr val="0070C0"/>
+                </a:solidFill>
+              </a:rPr>
+              <a:t>定义</a:t>
+            </a:r>
+            <a:endParaRPr lang="en-US" altLang="zh-CN" b="1" dirty="0">
+              <a:solidFill>
+                <a:srgbClr val="0070C0"/>
+              </a:solidFill>
+            </a:endParaRPr>
+          </a:p>
+          <a:p>
+            <a:pPr marL="457200" indent="-457200">
+              <a:buClr>
+                <a:srgbClr val="0070C0"/>
+              </a:buClr>
+              <a:buFont typeface="+mj-lt"/>
+              <a:buAutoNum type="arabicPeriod"/>
+            </a:pPr>
+            <a:r>
+              <a:rPr lang="en-US" altLang="zh-CN" dirty="0"/>
+              <a:t>If for each object o1 of type S there is an object o2 of type T such that for all programs P defined in terms of T, the behavior of P is unchanged when o1 is substituted for o2 then S is a subtype of T.</a:t>
+            </a:r>
+          </a:p>
+          <a:p>
+            <a:pPr marL="457200" indent="-457200">
+              <a:buClr>
+                <a:srgbClr val="0070C0"/>
+              </a:buClr>
+              <a:buFont typeface="+mj-lt"/>
+              <a:buAutoNum type="arabicPeriod"/>
+            </a:pPr>
+            <a:r>
+              <a:rPr lang="en-US" altLang="zh-CN" dirty="0"/>
+              <a:t>Functions that use pointers or references to base classes must be able to use objects of derived classes without knowing it.</a:t>
+            </a:r>
+          </a:p>
+          <a:p>
+            <a:pPr>
+              <a:buClr>
+                <a:srgbClr val="0070C0"/>
+              </a:buClr>
+            </a:pPr>
+            <a:endParaRPr lang="en-US" altLang="zh-CN" dirty="0"/>
+          </a:p>
+          <a:p>
+            <a:pPr marL="457200" indent="-457200">
+              <a:buClr>
+                <a:srgbClr val="0070C0"/>
+              </a:buClr>
+              <a:buFont typeface="+mj-lt"/>
+              <a:buAutoNum type="arabicPeriod"/>
+            </a:pPr>
+            <a:r>
+              <a:rPr lang="zh-CN" altLang="en-US" dirty="0"/>
+              <a:t>如果对每一个类型为</a:t>
+            </a:r>
+            <a:r>
+              <a:rPr lang="en-US" altLang="zh-CN" dirty="0"/>
+              <a:t>T1</a:t>
+            </a:r>
+            <a:r>
+              <a:rPr lang="zh-CN" altLang="en-US" dirty="0"/>
+              <a:t>的对象</a:t>
+            </a:r>
+            <a:r>
+              <a:rPr lang="en-US" altLang="zh-CN" dirty="0"/>
+              <a:t>o1</a:t>
+            </a:r>
+            <a:r>
+              <a:rPr lang="zh-CN" altLang="en-US" dirty="0"/>
+              <a:t>，都有类型为</a:t>
+            </a:r>
+            <a:r>
+              <a:rPr lang="en-US" altLang="zh-CN" dirty="0"/>
+              <a:t>T2</a:t>
+            </a:r>
+            <a:r>
+              <a:rPr lang="zh-CN" altLang="en-US" dirty="0"/>
+              <a:t>的对象</a:t>
+            </a:r>
+            <a:r>
+              <a:rPr lang="en-US" altLang="zh-CN" dirty="0"/>
+              <a:t>o2</a:t>
+            </a:r>
+            <a:r>
+              <a:rPr lang="zh-CN" altLang="en-US" dirty="0"/>
+              <a:t>，使得以</a:t>
+            </a:r>
+            <a:r>
+              <a:rPr lang="en-US" altLang="zh-CN" dirty="0"/>
+              <a:t>T1</a:t>
+            </a:r>
+            <a:r>
+              <a:rPr lang="zh-CN" altLang="en-US" dirty="0"/>
+              <a:t>定义的所有程序</a:t>
+            </a:r>
+            <a:r>
+              <a:rPr lang="en-US" altLang="zh-CN" dirty="0"/>
+              <a:t>P</a:t>
+            </a:r>
+            <a:r>
+              <a:rPr lang="zh-CN" altLang="en-US" dirty="0"/>
+              <a:t>在所有的对象</a:t>
+            </a:r>
+            <a:r>
+              <a:rPr lang="en-US" altLang="zh-CN" dirty="0"/>
+              <a:t>o1</a:t>
+            </a:r>
+            <a:r>
+              <a:rPr lang="zh-CN" altLang="en-US" dirty="0"/>
+              <a:t>都代换成</a:t>
+            </a:r>
+            <a:r>
+              <a:rPr lang="en-US" altLang="zh-CN" dirty="0"/>
+              <a:t>o2</a:t>
+            </a:r>
+            <a:r>
+              <a:rPr lang="zh-CN" altLang="en-US" dirty="0"/>
+              <a:t>时，程序</a:t>
+            </a:r>
+            <a:r>
+              <a:rPr lang="en-US" altLang="zh-CN" dirty="0"/>
+              <a:t>P</a:t>
+            </a:r>
+            <a:r>
+              <a:rPr lang="zh-CN" altLang="en-US" dirty="0"/>
+              <a:t>的行为没有发生变化，那么类型</a:t>
+            </a:r>
+            <a:r>
+              <a:rPr lang="en-US" altLang="zh-CN" dirty="0"/>
+              <a:t>T2</a:t>
+            </a:r>
+            <a:r>
+              <a:rPr lang="zh-CN" altLang="en-US" dirty="0"/>
+              <a:t>是类型</a:t>
+            </a:r>
+            <a:r>
+              <a:rPr lang="en-US" altLang="zh-CN" dirty="0"/>
+              <a:t>T1</a:t>
+            </a:r>
+            <a:r>
+              <a:rPr lang="zh-CN" altLang="en-US" dirty="0"/>
+              <a:t>的子类型。</a:t>
+            </a:r>
+            <a:endParaRPr lang="en-US" altLang="zh-CN" dirty="0"/>
+          </a:p>
+          <a:p>
+            <a:pPr marL="457200" indent="-457200">
+              <a:buClr>
+                <a:srgbClr val="0070C0"/>
+              </a:buClr>
+              <a:buFont typeface="+mj-lt"/>
+              <a:buAutoNum type="arabicPeriod"/>
+            </a:pPr>
+            <a:r>
+              <a:rPr lang="zh-CN" altLang="en-US" dirty="0"/>
+              <a:t>所有引用基类的地方必须能透明地使用其子类的对象。</a:t>
+            </a:r>
+          </a:p>
+          <a:p>
+            <a:endParaRPr lang="zh-CN" altLang="en-US" dirty="0"/>
+          </a:p>
+          <a:p>
+            <a:pPr>
+              <a:lnSpc>
+                <a:spcPct val="110000"/>
+              </a:lnSpc>
+              <a:buClr>
+                <a:srgbClr val="0070C0"/>
+              </a:buClr>
+            </a:pPr>
+            <a:endParaRPr lang="zh-CN" altLang="en-US" dirty="0"/>
+          </a:p>
+        </p:txBody>
+      </p:sp>
+    </p:spTree>
+    <p:custDataLst>
+      <p:tags r:id="rId1"/>
+    </p:custDataLst>
+    <p:extLst>
+      <p:ext uri="{BB962C8B-B14F-4D97-AF65-F5344CB8AC3E}">
+        <p14:creationId xmlns:p14="http://schemas.microsoft.com/office/powerpoint/2010/main" val="180492238"/>
+      </p:ext>
+    </p:extLst>
+  </p:cSld>
+  <p:clrMapOvr>
+    <a:masterClrMapping/>
+  </p:clrMapOvr>
+</p:sld>
+</file>
+
+<file path=ppt/slides/slide15.xml><?xml version="1.0" encoding="utf-8"?>
+<p:sld xmlns:a="http://schemas.openxmlformats.org/drawingml/2006/main" xmlns:r="http://schemas.openxmlformats.org/officeDocument/2006/relationships" xmlns:p="http://schemas.openxmlformats.org/presentationml/2006/main">
+  <p:cSld>
+    <p:spTree>
+      <p:nvGrpSpPr>
+        <p:cNvPr id="1" name=""/>
+        <p:cNvGrpSpPr/>
+        <p:nvPr/>
+      </p:nvGrpSpPr>
+      <p:grpSpPr>
+        <a:xfrm>
+          <a:off x="0" y="0"/>
+          <a:ext cx="0" cy="0"/>
+          <a:chOff x="0" y="0"/>
+          <a:chExt cx="0" cy="0"/>
+        </a:xfrm>
+      </p:grpSpPr>
+      <p:sp>
+        <p:nvSpPr>
+          <p:cNvPr id="8" name="标题 1"/>
+          <p:cNvSpPr txBox="1"/>
+          <p:nvPr>
+            <p:custDataLst>
+              <p:tags r:id="rId2"/>
+            </p:custDataLst>
+          </p:nvPr>
+        </p:nvSpPr>
+        <p:spPr>
+          <a:xfrm>
+            <a:off x="571608" y="661194"/>
+            <a:ext cx="7886700" cy="994172"/>
+          </a:xfrm>
+          <a:prstGeom prst="rect">
+            <a:avLst/>
+          </a:prstGeom>
+        </p:spPr>
+        <p:txBody>
+          <a:bodyPr vert="horz" wrap="square" lIns="68580" tIns="34290" rIns="68580" bIns="34290" rtlCol="0" anchor="ctr">
+            <a:normAutofit/>
+          </a:bodyPr>
+          <a:lstStyle>
+            <a:lvl1pPr defTabSz="914400">
+              <a:lnSpc>
+                <a:spcPct val="120000"/>
+              </a:lnSpc>
+              <a:spcBef>
+                <a:spcPct val="0"/>
+              </a:spcBef>
+              <a:buNone/>
+              <a:defRPr sz="3600">
+                <a:solidFill>
+                  <a:schemeClr val="tx1">
+                    <a:lumMod val="75000"/>
+                    <a:lumOff val="25000"/>
+                  </a:schemeClr>
+                </a:solidFill>
+                <a:latin typeface="+mj-lt"/>
+                <a:ea typeface="+mj-ea"/>
+                <a:cs typeface="+mj-cs"/>
+              </a:defRPr>
+            </a:lvl1pPr>
+          </a:lstStyle>
+          <a:p>
+            <a:pPr>
+              <a:lnSpc>
+                <a:spcPct val="110000"/>
+              </a:lnSpc>
+              <a:buClr>
+                <a:srgbClr val="0070C0"/>
+              </a:buClr>
+            </a:pPr>
+            <a:r>
+              <a:rPr lang="zh-CN" altLang="zh-CN" dirty="0"/>
+              <a:t>里氏替换原则</a:t>
+            </a:r>
+            <a:endParaRPr lang="en-US" altLang="zh-CN" dirty="0"/>
+          </a:p>
+        </p:txBody>
+      </p:sp>
+      <p:sp>
+        <p:nvSpPr>
+          <p:cNvPr id="3" name="文本框 2"/>
+          <p:cNvSpPr txBox="1"/>
+          <p:nvPr/>
+        </p:nvSpPr>
+        <p:spPr>
+          <a:xfrm>
+            <a:off x="571608" y="1828842"/>
+            <a:ext cx="8334776" cy="3683252"/>
+          </a:xfrm>
+          <a:prstGeom prst="rect">
+            <a:avLst/>
+          </a:prstGeom>
+          <a:noFill/>
+        </p:spPr>
+        <p:txBody>
+          <a:bodyPr wrap="square" rtlCol="0">
+            <a:spAutoFit/>
+          </a:bodyPr>
+          <a:lstStyle/>
+          <a:p>
+            <a:pPr>
+              <a:lnSpc>
+                <a:spcPct val="110000"/>
+              </a:lnSpc>
+              <a:buClr>
+                <a:srgbClr val="0070C0"/>
+              </a:buClr>
+            </a:pPr>
+            <a:r>
+              <a:rPr lang="zh-CN" altLang="en-US" b="1" dirty="0">
+                <a:solidFill>
+                  <a:srgbClr val="0070C0"/>
+                </a:solidFill>
+              </a:rPr>
+              <a:t>核心思想</a:t>
+            </a:r>
+          </a:p>
+          <a:p>
+            <a:pPr eaLnBrk="1" hangingPunct="1">
+              <a:lnSpc>
+                <a:spcPct val="110000"/>
+              </a:lnSpc>
+              <a:buClr>
+                <a:srgbClr val="0070C0"/>
+              </a:buClr>
+            </a:pPr>
+            <a:r>
+              <a:rPr lang="zh-CN" altLang="en-US" dirty="0"/>
+              <a:t>在使用基类的的地方可以任意使用其子类，能保证子类完美替换基类。</a:t>
+            </a:r>
+            <a:endParaRPr lang="en-US" altLang="zh-CN" dirty="0"/>
+          </a:p>
+          <a:p>
+            <a:pPr eaLnBrk="1" hangingPunct="1">
+              <a:lnSpc>
+                <a:spcPct val="110000"/>
+              </a:lnSpc>
+              <a:buClr>
+                <a:srgbClr val="0070C0"/>
+              </a:buClr>
+            </a:pPr>
+            <a:endParaRPr lang="en-US" altLang="zh-CN" dirty="0"/>
+          </a:p>
+          <a:p>
+            <a:pPr>
+              <a:lnSpc>
+                <a:spcPct val="110000"/>
+              </a:lnSpc>
+              <a:buClr>
+                <a:srgbClr val="0070C0"/>
+              </a:buClr>
+            </a:pPr>
+            <a:r>
+              <a:rPr lang="zh-CN" altLang="en-US" b="1" dirty="0">
+                <a:solidFill>
+                  <a:srgbClr val="0070C0"/>
+                </a:solidFill>
+              </a:rPr>
+              <a:t>引入里氏替换原则需要注意</a:t>
+            </a:r>
+          </a:p>
+          <a:p>
+            <a:pPr marL="457200" indent="-457200">
+              <a:buClr>
+                <a:srgbClr val="0070C0"/>
+              </a:buClr>
+              <a:buFont typeface="+mj-lt"/>
+              <a:buAutoNum type="arabicPeriod"/>
+            </a:pPr>
+            <a:r>
+              <a:rPr lang="zh-CN" altLang="en-US" dirty="0"/>
+              <a:t>子类必须完全实现父类的方法</a:t>
+            </a:r>
+          </a:p>
+          <a:p>
+            <a:pPr marL="457200" indent="-457200">
+              <a:lnSpc>
+                <a:spcPct val="110000"/>
+              </a:lnSpc>
+              <a:buClr>
+                <a:srgbClr val="0070C0"/>
+              </a:buClr>
+              <a:buFont typeface="+mj-lt"/>
+              <a:buAutoNum type="arabicPeriod"/>
+            </a:pPr>
+            <a:r>
+              <a:rPr lang="zh-CN" altLang="en-US" dirty="0"/>
+              <a:t>子类可以有自己的个性</a:t>
+            </a:r>
+          </a:p>
+          <a:p>
+            <a:pPr marL="457200" indent="-457200">
+              <a:lnSpc>
+                <a:spcPct val="110000"/>
+              </a:lnSpc>
+              <a:buClr>
+                <a:srgbClr val="0070C0"/>
+              </a:buClr>
+              <a:buFont typeface="+mj-lt"/>
+              <a:buAutoNum type="arabicPeriod"/>
+            </a:pPr>
+            <a:r>
+              <a:rPr lang="zh-CN" altLang="en-US" dirty="0"/>
+              <a:t>覆盖或实现父类的方法时输入参数可以被放大</a:t>
+            </a:r>
+          </a:p>
+          <a:p>
+            <a:pPr marL="457200" indent="-457200">
+              <a:lnSpc>
+                <a:spcPct val="110000"/>
+              </a:lnSpc>
+              <a:buClr>
+                <a:srgbClr val="0070C0"/>
+              </a:buClr>
+              <a:buFont typeface="+mj-lt"/>
+              <a:buAutoNum type="arabicPeriod"/>
+            </a:pPr>
+            <a:r>
+              <a:rPr lang="zh-CN" altLang="en-US" dirty="0"/>
+              <a:t>覆盖或实现父类的方法时输出结果可以被缩小</a:t>
+            </a:r>
+          </a:p>
+        </p:txBody>
+      </p:sp>
+    </p:spTree>
+    <p:custDataLst>
+      <p:tags r:id="rId1"/>
+    </p:custDataLst>
+    <p:extLst>
+      <p:ext uri="{BB962C8B-B14F-4D97-AF65-F5344CB8AC3E}">
+        <p14:creationId xmlns:p14="http://schemas.microsoft.com/office/powerpoint/2010/main" val="3073483632"/>
+      </p:ext>
+    </p:extLst>
+  </p:cSld>
+  <p:clrMapOvr>
+    <a:masterClrMapping/>
+  </p:clrMapOvr>
+</p:sld>
+</file>
+
+<file path=ppt/slides/slide16.xml><?xml version="1.0" encoding="utf-8"?>
+<p:sld xmlns:a="http://schemas.openxmlformats.org/drawingml/2006/main" xmlns:r="http://schemas.openxmlformats.org/officeDocument/2006/relationships" xmlns:p="http://schemas.openxmlformats.org/presentationml/2006/main">
+  <p:cSld>
+    <p:spTree>
+      <p:nvGrpSpPr>
+        <p:cNvPr id="1" name=""/>
+        <p:cNvGrpSpPr/>
+        <p:nvPr/>
+      </p:nvGrpSpPr>
+      <p:grpSpPr>
+        <a:xfrm>
+          <a:off x="0" y="0"/>
+          <a:ext cx="0" cy="0"/>
+          <a:chOff x="0" y="0"/>
+          <a:chExt cx="0" cy="0"/>
+        </a:xfrm>
+      </p:grpSpPr>
+      <p:sp>
+        <p:nvSpPr>
+          <p:cNvPr id="8" name="标题 1"/>
+          <p:cNvSpPr txBox="1"/>
+          <p:nvPr>
+            <p:custDataLst>
+              <p:tags r:id="rId2"/>
+            </p:custDataLst>
+          </p:nvPr>
+        </p:nvSpPr>
+        <p:spPr>
+          <a:xfrm>
+            <a:off x="571608" y="661194"/>
+            <a:ext cx="7886700" cy="994172"/>
+          </a:xfrm>
+          <a:prstGeom prst="rect">
+            <a:avLst/>
+          </a:prstGeom>
+        </p:spPr>
+        <p:txBody>
+          <a:bodyPr vert="horz" wrap="square" lIns="68580" tIns="34290" rIns="68580" bIns="34290" rtlCol="0" anchor="ctr">
+            <a:normAutofit/>
+          </a:bodyPr>
+          <a:lstStyle>
+            <a:lvl1pPr defTabSz="914400">
+              <a:lnSpc>
+                <a:spcPct val="120000"/>
+              </a:lnSpc>
+              <a:spcBef>
+                <a:spcPct val="0"/>
+              </a:spcBef>
+              <a:buNone/>
+              <a:defRPr sz="3600">
+                <a:solidFill>
+                  <a:schemeClr val="tx1">
+                    <a:lumMod val="75000"/>
+                    <a:lumOff val="25000"/>
+                  </a:schemeClr>
+                </a:solidFill>
+                <a:latin typeface="+mj-lt"/>
+                <a:ea typeface="+mj-ea"/>
+                <a:cs typeface="+mj-cs"/>
+              </a:defRPr>
+            </a:lvl1pPr>
+          </a:lstStyle>
+          <a:p>
+            <a:pPr>
+              <a:lnSpc>
+                <a:spcPct val="110000"/>
+              </a:lnSpc>
+              <a:buClr>
+                <a:srgbClr val="0070C0"/>
+              </a:buClr>
+            </a:pPr>
+            <a:r>
+              <a:rPr lang="zh-CN" altLang="zh-CN" dirty="0"/>
+              <a:t>里氏替换原则</a:t>
+            </a:r>
+            <a:endParaRPr lang="en-US" altLang="zh-CN" dirty="0"/>
+          </a:p>
+        </p:txBody>
+      </p:sp>
+      <p:sp>
+        <p:nvSpPr>
+          <p:cNvPr id="3" name="文本框 2"/>
+          <p:cNvSpPr txBox="1"/>
+          <p:nvPr/>
+        </p:nvSpPr>
+        <p:spPr>
+          <a:xfrm>
+            <a:off x="571608" y="1828842"/>
+            <a:ext cx="8334776" cy="4311117"/>
+          </a:xfrm>
+          <a:prstGeom prst="rect">
+            <a:avLst/>
+          </a:prstGeom>
+          <a:noFill/>
+        </p:spPr>
+        <p:txBody>
+          <a:bodyPr wrap="square" rtlCol="0">
+            <a:spAutoFit/>
+          </a:bodyPr>
+          <a:lstStyle/>
+          <a:p>
+            <a:pPr>
+              <a:lnSpc>
+                <a:spcPct val="110000"/>
+              </a:lnSpc>
+              <a:buClr>
+                <a:srgbClr val="0070C0"/>
+              </a:buClr>
+            </a:pPr>
+            <a:r>
+              <a:rPr lang="zh-CN" altLang="en-US" b="1" dirty="0">
+                <a:solidFill>
+                  <a:srgbClr val="0070C0"/>
+                </a:solidFill>
+              </a:rPr>
+              <a:t>里氏替换原则的优点</a:t>
+            </a:r>
+          </a:p>
+          <a:p>
+            <a:pPr marL="457200" indent="-457200" eaLnBrk="1" hangingPunct="1">
+              <a:lnSpc>
+                <a:spcPct val="150000"/>
+              </a:lnSpc>
+              <a:buClr>
+                <a:srgbClr val="0070C0"/>
+              </a:buClr>
+              <a:buFont typeface="+mj-lt"/>
+              <a:buAutoNum type="arabicPeriod"/>
+            </a:pPr>
+            <a:r>
+              <a:rPr lang="zh-CN" altLang="en-US" dirty="0"/>
+              <a:t>代码共享，减少创建类的工作量，每个子类都拥有父类的方法和属性</a:t>
+            </a:r>
+          </a:p>
+          <a:p>
+            <a:pPr marL="457200" indent="-457200" eaLnBrk="1" hangingPunct="1">
+              <a:lnSpc>
+                <a:spcPct val="150000"/>
+              </a:lnSpc>
+              <a:buClr>
+                <a:srgbClr val="0070C0"/>
+              </a:buClr>
+              <a:buFont typeface="+mj-lt"/>
+              <a:buAutoNum type="arabicPeriod"/>
+            </a:pPr>
+            <a:r>
+              <a:rPr lang="zh-CN" altLang="en-US" dirty="0"/>
+              <a:t>提高代码的重用性</a:t>
+            </a:r>
+          </a:p>
+          <a:p>
+            <a:pPr marL="457200" indent="-457200" eaLnBrk="1" hangingPunct="1">
+              <a:lnSpc>
+                <a:spcPct val="150000"/>
+              </a:lnSpc>
+              <a:buClr>
+                <a:srgbClr val="0070C0"/>
+              </a:buClr>
+              <a:buFont typeface="+mj-lt"/>
+              <a:buAutoNum type="arabicPeriod"/>
+            </a:pPr>
+            <a:r>
+              <a:rPr lang="zh-CN" altLang="en-US" dirty="0"/>
+              <a:t>子类可以形似父类，但是又异于父类。</a:t>
+            </a:r>
+          </a:p>
+          <a:p>
+            <a:pPr marL="457200" indent="-457200" eaLnBrk="1" hangingPunct="1">
+              <a:lnSpc>
+                <a:spcPct val="150000"/>
+              </a:lnSpc>
+              <a:buClr>
+                <a:srgbClr val="0070C0"/>
+              </a:buClr>
+              <a:buFont typeface="+mj-lt"/>
+              <a:buAutoNum type="arabicPeriod"/>
+            </a:pPr>
+            <a:r>
+              <a:rPr lang="zh-CN" altLang="en-US" dirty="0"/>
+              <a:t>提高代码的可扩展性，实现父类的方法就可以了。许多开源框架的扩展接口都是通过继承父类来完成。</a:t>
+            </a:r>
+          </a:p>
+          <a:p>
+            <a:pPr marL="457200" indent="-457200" eaLnBrk="1" hangingPunct="1">
+              <a:lnSpc>
+                <a:spcPct val="150000"/>
+              </a:lnSpc>
+              <a:buClr>
+                <a:srgbClr val="0070C0"/>
+              </a:buClr>
+              <a:buFont typeface="+mj-lt"/>
+              <a:buAutoNum type="arabicPeriod"/>
+            </a:pPr>
+            <a:r>
+              <a:rPr lang="zh-CN" altLang="en-US" dirty="0"/>
+              <a:t>提高产品或项目的开放性</a:t>
+            </a:r>
+            <a:endParaRPr lang="zh-CN" altLang="zh-CN" dirty="0"/>
+          </a:p>
+        </p:txBody>
+      </p:sp>
+    </p:spTree>
+    <p:custDataLst>
+      <p:tags r:id="rId1"/>
+    </p:custDataLst>
+    <p:extLst>
+      <p:ext uri="{BB962C8B-B14F-4D97-AF65-F5344CB8AC3E}">
+        <p14:creationId xmlns:p14="http://schemas.microsoft.com/office/powerpoint/2010/main" val="3697805402"/>
+      </p:ext>
+    </p:extLst>
+  </p:cSld>
+  <p:clrMapOvr>
+    <a:masterClrMapping/>
+  </p:clrMapOvr>
+</p:sld>
+</file>
+
+<file path=ppt/slides/slide17.xml><?xml version="1.0" encoding="utf-8"?>
+<p:sld xmlns:a="http://schemas.openxmlformats.org/drawingml/2006/main" xmlns:r="http://schemas.openxmlformats.org/officeDocument/2006/relationships" xmlns:p="http://schemas.openxmlformats.org/presentationml/2006/main">
+  <p:cSld>
+    <p:spTree>
+      <p:nvGrpSpPr>
+        <p:cNvPr id="1" name=""/>
+        <p:cNvGrpSpPr/>
+        <p:nvPr/>
+      </p:nvGrpSpPr>
+      <p:grpSpPr>
+        <a:xfrm>
+          <a:off x="0" y="0"/>
+          <a:ext cx="0" cy="0"/>
+          <a:chOff x="0" y="0"/>
+          <a:chExt cx="0" cy="0"/>
+        </a:xfrm>
+      </p:grpSpPr>
+      <p:sp>
+        <p:nvSpPr>
+          <p:cNvPr id="8" name="标题 1"/>
+          <p:cNvSpPr txBox="1"/>
+          <p:nvPr>
+            <p:custDataLst>
+              <p:tags r:id="rId2"/>
+            </p:custDataLst>
+          </p:nvPr>
+        </p:nvSpPr>
+        <p:spPr>
+          <a:xfrm>
+            <a:off x="571608" y="661194"/>
+            <a:ext cx="7886700" cy="994172"/>
+          </a:xfrm>
+          <a:prstGeom prst="rect">
+            <a:avLst/>
+          </a:prstGeom>
+        </p:spPr>
+        <p:txBody>
+          <a:bodyPr vert="horz" wrap="square" lIns="68580" tIns="34290" rIns="68580" bIns="34290" rtlCol="0" anchor="ctr">
+            <a:normAutofit/>
+          </a:bodyPr>
+          <a:lstStyle>
+            <a:lvl1pPr defTabSz="914400">
+              <a:lnSpc>
+                <a:spcPct val="120000"/>
+              </a:lnSpc>
+              <a:spcBef>
+                <a:spcPct val="0"/>
+              </a:spcBef>
+              <a:buNone/>
+              <a:defRPr sz="3600">
+                <a:solidFill>
+                  <a:schemeClr val="tx1">
+                    <a:lumMod val="75000"/>
+                    <a:lumOff val="25000"/>
+                  </a:schemeClr>
+                </a:solidFill>
+                <a:latin typeface="+mj-lt"/>
+                <a:ea typeface="+mj-ea"/>
+                <a:cs typeface="+mj-cs"/>
+              </a:defRPr>
+            </a:lvl1pPr>
+          </a:lstStyle>
+          <a:p>
+            <a:pPr>
+              <a:lnSpc>
+                <a:spcPct val="110000"/>
+              </a:lnSpc>
+              <a:buClr>
+                <a:srgbClr val="0070C0"/>
+              </a:buClr>
+            </a:pPr>
+            <a:r>
+              <a:rPr lang="zh-CN" altLang="zh-CN" dirty="0"/>
+              <a:t>里氏替换原则</a:t>
+            </a:r>
+            <a:endParaRPr lang="en-US" altLang="zh-CN" dirty="0"/>
+          </a:p>
+        </p:txBody>
+      </p:sp>
+      <p:sp>
+        <p:nvSpPr>
+          <p:cNvPr id="3" name="文本框 2"/>
+          <p:cNvSpPr txBox="1"/>
+          <p:nvPr/>
+        </p:nvSpPr>
+        <p:spPr>
+          <a:xfrm>
+            <a:off x="571608" y="1828842"/>
+            <a:ext cx="8334776" cy="4311117"/>
+          </a:xfrm>
+          <a:prstGeom prst="rect">
+            <a:avLst/>
+          </a:prstGeom>
+          <a:noFill/>
+        </p:spPr>
+        <p:txBody>
+          <a:bodyPr wrap="square" rtlCol="0">
+            <a:spAutoFit/>
+          </a:bodyPr>
+          <a:lstStyle/>
+          <a:p>
+            <a:pPr>
+              <a:lnSpc>
+                <a:spcPct val="110000"/>
+              </a:lnSpc>
+              <a:buClr>
+                <a:srgbClr val="0070C0"/>
+              </a:buClr>
+            </a:pPr>
+            <a:r>
+              <a:rPr lang="zh-CN" altLang="en-US" b="1" dirty="0">
+                <a:solidFill>
+                  <a:srgbClr val="0070C0"/>
+                </a:solidFill>
+              </a:rPr>
+              <a:t>里氏替换原则的缺点</a:t>
+            </a:r>
+          </a:p>
+          <a:p>
+            <a:pPr marL="457200" indent="-457200" eaLnBrk="1" hangingPunct="1">
+              <a:lnSpc>
+                <a:spcPct val="150000"/>
+              </a:lnSpc>
+              <a:buClr>
+                <a:srgbClr val="0070C0"/>
+              </a:buClr>
+              <a:buFont typeface="+mj-lt"/>
+              <a:buAutoNum type="arabicPeriod"/>
+            </a:pPr>
+            <a:r>
+              <a:rPr lang="zh-CN" altLang="en-US" dirty="0"/>
+              <a:t>继承是侵入性的，只要继承，就必须拥有父类的所有方法和属性</a:t>
+            </a:r>
+          </a:p>
+          <a:p>
+            <a:pPr marL="457200" indent="-457200" eaLnBrk="1" hangingPunct="1">
+              <a:lnSpc>
+                <a:spcPct val="150000"/>
+              </a:lnSpc>
+              <a:buClr>
+                <a:srgbClr val="0070C0"/>
+              </a:buClr>
+              <a:buFont typeface="+mj-lt"/>
+              <a:buAutoNum type="arabicPeriod"/>
+            </a:pPr>
+            <a:r>
+              <a:rPr lang="zh-CN" altLang="en-US" dirty="0"/>
+              <a:t>降低了代码的灵活性，子类必须拥有父类的属性和方法，让子类有了一些约束</a:t>
+            </a:r>
+          </a:p>
+          <a:p>
+            <a:pPr marL="457200" indent="-457200" eaLnBrk="1" hangingPunct="1">
+              <a:lnSpc>
+                <a:spcPct val="150000"/>
+              </a:lnSpc>
+              <a:buClr>
+                <a:srgbClr val="0070C0"/>
+              </a:buClr>
+              <a:buFont typeface="+mj-lt"/>
+              <a:buAutoNum type="arabicPeriod"/>
+            </a:pPr>
+            <a:r>
+              <a:rPr lang="zh-CN" altLang="en-US" dirty="0"/>
+              <a:t>增加了耦合性，当父类的常量，变量和方法被修改了，需要考虑子类的修改，这种修改可能带来非常糟糕的结果，要重构大量的代码。</a:t>
+            </a:r>
+            <a:endParaRPr lang="zh-CN" altLang="zh-CN" dirty="0"/>
+          </a:p>
+        </p:txBody>
+      </p:sp>
+    </p:spTree>
+    <p:custDataLst>
+      <p:tags r:id="rId1"/>
+    </p:custDataLst>
+    <p:extLst>
+      <p:ext uri="{BB962C8B-B14F-4D97-AF65-F5344CB8AC3E}">
+        <p14:creationId xmlns:p14="http://schemas.microsoft.com/office/powerpoint/2010/main" val="896374721"/>
+      </p:ext>
+    </p:extLst>
+  </p:cSld>
+  <p:clrMapOvr>
+    <a:masterClrMapping/>
+  </p:clrMapOvr>
+</p:sld>
+</file>
+
+<file path=ppt/slides/slide18.xml><?xml version="1.0" encoding="utf-8"?>
+<p:sld xmlns:a="http://schemas.openxmlformats.org/drawingml/2006/main" xmlns:r="http://schemas.openxmlformats.org/officeDocument/2006/relationships" xmlns:p="http://schemas.openxmlformats.org/presentationml/2006/main">
+  <p:cSld>
+    <p:spTree>
+      <p:nvGrpSpPr>
+        <p:cNvPr id="1" name=""/>
+        <p:cNvGrpSpPr/>
+        <p:nvPr/>
+      </p:nvGrpSpPr>
+      <p:grpSpPr>
+        <a:xfrm>
+          <a:off x="0" y="0"/>
+          <a:ext cx="0" cy="0"/>
+          <a:chOff x="0" y="0"/>
+          <a:chExt cx="0" cy="0"/>
+        </a:xfrm>
+      </p:grpSpPr>
+      <p:sp>
+        <p:nvSpPr>
+          <p:cNvPr id="8" name="标题 1"/>
+          <p:cNvSpPr txBox="1"/>
+          <p:nvPr>
+            <p:custDataLst>
+              <p:tags r:id="rId2"/>
+            </p:custDataLst>
+          </p:nvPr>
+        </p:nvSpPr>
+        <p:spPr>
+          <a:xfrm>
+            <a:off x="571608" y="661194"/>
+            <a:ext cx="7886700" cy="994172"/>
+          </a:xfrm>
+          <a:prstGeom prst="rect">
+            <a:avLst/>
+          </a:prstGeom>
+        </p:spPr>
+        <p:txBody>
+          <a:bodyPr vert="horz" wrap="square" lIns="68580" tIns="34290" rIns="68580" bIns="34290" rtlCol="0" anchor="ctr">
+            <a:normAutofit/>
+          </a:bodyPr>
+          <a:lstStyle>
+            <a:lvl1pPr defTabSz="914400">
+              <a:lnSpc>
+                <a:spcPct val="120000"/>
+              </a:lnSpc>
+              <a:spcBef>
+                <a:spcPct val="0"/>
+              </a:spcBef>
+              <a:buNone/>
+              <a:defRPr sz="3600">
+                <a:solidFill>
+                  <a:schemeClr val="tx1">
+                    <a:lumMod val="75000"/>
+                    <a:lumOff val="25000"/>
+                  </a:schemeClr>
+                </a:solidFill>
+                <a:latin typeface="+mj-lt"/>
+                <a:ea typeface="+mj-ea"/>
+                <a:cs typeface="+mj-cs"/>
+              </a:defRPr>
+            </a:lvl1pPr>
+          </a:lstStyle>
+          <a:p>
+            <a:pPr>
+              <a:lnSpc>
+                <a:spcPct val="110000"/>
+              </a:lnSpc>
+              <a:buClr>
+                <a:srgbClr val="0070C0"/>
+              </a:buClr>
+            </a:pPr>
+            <a:r>
+              <a:rPr lang="zh-CN" altLang="zh-CN" dirty="0"/>
+              <a:t>里氏替换原则</a:t>
+            </a:r>
+            <a:endParaRPr lang="en-US" altLang="zh-CN" dirty="0"/>
+          </a:p>
+        </p:txBody>
+      </p:sp>
+      <p:pic>
+        <p:nvPicPr>
+          <p:cNvPr id="4" name="图片 3">
+            <a:extLst>
+              <a:ext uri="{FF2B5EF4-FFF2-40B4-BE49-F238E27FC236}">
+                <a16:creationId xmlns:a16="http://schemas.microsoft.com/office/drawing/2014/main" id="{96CAA774-3065-4711-B218-EDDB0243F668}"/>
+              </a:ext>
+            </a:extLst>
+          </p:cNvPr>
+          <p:cNvPicPr>
+            <a:picLocks noChangeAspect="1"/>
+          </p:cNvPicPr>
+          <p:nvPr/>
+        </p:nvPicPr>
+        <p:blipFill>
+          <a:blip r:embed="rId5">
+            <a:extLst>
+              <a:ext uri="{28A0092B-C50C-407E-A947-70E740481C1C}">
+                <a14:useLocalDpi xmlns:a14="http://schemas.microsoft.com/office/drawing/2010/main" val="0"/>
+              </a:ext>
+            </a:extLst>
+          </a:blip>
+          <a:stretch>
+            <a:fillRect/>
+          </a:stretch>
+        </p:blipFill>
+        <p:spPr>
+          <a:xfrm>
+            <a:off x="2590852" y="1655366"/>
+            <a:ext cx="3581306" cy="4979170"/>
+          </a:xfrm>
+          <a:prstGeom prst="rect">
+            <a:avLst/>
+          </a:prstGeom>
+        </p:spPr>
+      </p:pic>
+    </p:spTree>
+    <p:custDataLst>
+      <p:tags r:id="rId1"/>
+    </p:custDataLst>
+    <p:extLst>
+      <p:ext uri="{BB962C8B-B14F-4D97-AF65-F5344CB8AC3E}">
+        <p14:creationId xmlns:p14="http://schemas.microsoft.com/office/powerpoint/2010/main" val="1330933403"/>
+      </p:ext>
+    </p:extLst>
+  </p:cSld>
+  <p:clrMapOvr>
+    <a:masterClrMapping/>
+  </p:clrMapOvr>
+</p:sld>
+</file>
+
+<file path=ppt/slides/slide19.xml><?xml version="1.0" encoding="utf-8"?>
+<p:sld xmlns:a="http://schemas.openxmlformats.org/drawingml/2006/main" xmlns:r="http://schemas.openxmlformats.org/officeDocument/2006/relationships" xmlns:p="http://schemas.openxmlformats.org/presentationml/2006/main">
+  <p:cSld>
+    <p:spTree>
+      <p:nvGrpSpPr>
+        <p:cNvPr id="1" name=""/>
+        <p:cNvGrpSpPr/>
+        <p:nvPr/>
+      </p:nvGrpSpPr>
+      <p:grpSpPr>
+        <a:xfrm>
+          <a:off x="0" y="0"/>
+          <a:ext cx="0" cy="0"/>
+          <a:chOff x="0" y="0"/>
+          <a:chExt cx="0" cy="0"/>
+        </a:xfrm>
+      </p:grpSpPr>
+      <p:sp>
+        <p:nvSpPr>
+          <p:cNvPr id="8" name="标题 1"/>
+          <p:cNvSpPr txBox="1"/>
+          <p:nvPr>
+            <p:custDataLst>
+              <p:tags r:id="rId2"/>
+            </p:custDataLst>
+          </p:nvPr>
+        </p:nvSpPr>
+        <p:spPr>
+          <a:xfrm>
+            <a:off x="571608" y="661194"/>
+            <a:ext cx="7886700" cy="994172"/>
+          </a:xfrm>
+          <a:prstGeom prst="rect">
+            <a:avLst/>
+          </a:prstGeom>
+        </p:spPr>
+        <p:txBody>
+          <a:bodyPr vert="horz" wrap="square" lIns="68580" tIns="34290" rIns="68580" bIns="34290" rtlCol="0" anchor="ctr">
+            <a:normAutofit/>
+          </a:bodyPr>
+          <a:lstStyle>
+            <a:lvl1pPr defTabSz="914400">
+              <a:lnSpc>
+                <a:spcPct val="120000"/>
+              </a:lnSpc>
+              <a:spcBef>
+                <a:spcPct val="0"/>
+              </a:spcBef>
+              <a:buNone/>
+              <a:defRPr sz="3600">
+                <a:solidFill>
+                  <a:schemeClr val="tx1">
+                    <a:lumMod val="75000"/>
+                    <a:lumOff val="25000"/>
+                  </a:schemeClr>
+                </a:solidFill>
+                <a:latin typeface="+mj-lt"/>
+                <a:ea typeface="+mj-ea"/>
+                <a:cs typeface="+mj-cs"/>
+              </a:defRPr>
+            </a:lvl1pPr>
+          </a:lstStyle>
+          <a:p>
+            <a:pPr>
+              <a:lnSpc>
+                <a:spcPct val="110000"/>
+              </a:lnSpc>
+              <a:buClr>
+                <a:srgbClr val="0070C0"/>
+              </a:buClr>
+            </a:pPr>
+            <a:r>
+              <a:rPr lang="zh-CN" altLang="zh-CN" dirty="0"/>
+              <a:t>里氏替换原则</a:t>
+            </a:r>
+            <a:endParaRPr lang="en-US" altLang="zh-CN" dirty="0"/>
+          </a:p>
+        </p:txBody>
+      </p:sp>
+      <p:sp>
+        <p:nvSpPr>
+          <p:cNvPr id="3" name="文本框 2"/>
+          <p:cNvSpPr txBox="1"/>
+          <p:nvPr/>
+        </p:nvSpPr>
+        <p:spPr>
+          <a:xfrm>
+            <a:off x="571608" y="1828842"/>
+            <a:ext cx="8334776" cy="4938981"/>
+          </a:xfrm>
+          <a:prstGeom prst="rect">
+            <a:avLst/>
+          </a:prstGeom>
+          <a:noFill/>
+        </p:spPr>
+        <p:txBody>
+          <a:bodyPr wrap="square" rtlCol="0">
+            <a:spAutoFit/>
+          </a:bodyPr>
+          <a:lstStyle/>
+          <a:p>
+            <a:pPr>
+              <a:lnSpc>
+                <a:spcPct val="110000"/>
+              </a:lnSpc>
+              <a:buClr>
+                <a:srgbClr val="0070C0"/>
+              </a:buClr>
+            </a:pPr>
+            <a:r>
+              <a:rPr lang="zh-CN" altLang="en-US" b="1" dirty="0">
+                <a:solidFill>
+                  <a:srgbClr val="0070C0"/>
+                </a:solidFill>
+              </a:rPr>
+              <a:t>注意点</a:t>
+            </a:r>
+            <a:endParaRPr lang="en-US" altLang="zh-CN" b="1" dirty="0">
+              <a:solidFill>
+                <a:srgbClr val="0070C0"/>
+              </a:solidFill>
+            </a:endParaRPr>
+          </a:p>
+          <a:p>
+            <a:pPr marL="457200" indent="-457200">
+              <a:lnSpc>
+                <a:spcPct val="110000"/>
+              </a:lnSpc>
+              <a:buClr>
+                <a:srgbClr val="0070C0"/>
+              </a:buClr>
+              <a:buFont typeface="+mj-lt"/>
+              <a:buAutoNum type="arabicPeriod"/>
+            </a:pPr>
+            <a:r>
+              <a:rPr lang="zh-CN" altLang="en-US" dirty="0">
+                <a:solidFill>
+                  <a:srgbClr val="0070C0"/>
+                </a:solidFill>
+              </a:rPr>
+              <a:t>子类的所有方法必须在父类中声明，或子类必须实现父类中声明的所有方法。</a:t>
+            </a:r>
+            <a:r>
+              <a:rPr lang="zh-CN" altLang="en-US" dirty="0"/>
+              <a:t>根据里氏代换原则，为了保证系统的扩展性，在程序中通常使用父类来进行定义，如果一个方法只存在子类中，在父类中不提供相应的声明，则无法在以父类定义的对象中使用该方法。</a:t>
+            </a:r>
+          </a:p>
+          <a:p>
+            <a:pPr marL="457200" indent="-457200">
+              <a:lnSpc>
+                <a:spcPct val="110000"/>
+              </a:lnSpc>
+              <a:buClr>
+                <a:srgbClr val="0070C0"/>
+              </a:buClr>
+              <a:buFont typeface="+mj-lt"/>
+              <a:buAutoNum type="arabicPeriod"/>
+            </a:pPr>
+            <a:r>
+              <a:rPr lang="zh-CN" altLang="en-US" dirty="0"/>
+              <a:t>我们在运用里氏代换原则时，</a:t>
+            </a:r>
+            <a:r>
+              <a:rPr lang="zh-CN" altLang="en-US" dirty="0">
+                <a:solidFill>
+                  <a:srgbClr val="0070C0"/>
+                </a:solidFill>
+              </a:rPr>
+              <a:t>尽量把父类设计为抽象类或者接口，让子类继承父类或实现父接口，并实现在父类中声明的方法，运行时，子类实例替换父类实例</a:t>
+            </a:r>
+            <a:r>
+              <a:rPr lang="zh-CN" altLang="en-US" dirty="0"/>
+              <a:t>，我们可以很方便地扩展系统的功能，同时无须修改原有子类的代码，增加新的功能可以通过增加一个新的子类来实现。里氏代换原则是开闭原则的具体实现手段之一。</a:t>
+            </a:r>
+            <a:endParaRPr lang="en-US" altLang="zh-CN" dirty="0"/>
+          </a:p>
+        </p:txBody>
+      </p:sp>
+    </p:spTree>
+    <p:custDataLst>
+      <p:tags r:id="rId1"/>
+    </p:custDataLst>
+    <p:extLst>
+      <p:ext uri="{BB962C8B-B14F-4D97-AF65-F5344CB8AC3E}">
+        <p14:creationId xmlns:p14="http://schemas.microsoft.com/office/powerpoint/2010/main" val="188784583"/>
+      </p:ext>
+    </p:extLst>
+  </p:cSld>
+  <p:clrMapOvr>
+    <a:masterClrMapping/>
+  </p:clrMapOvr>
+</p:sld>
+</file>
+
+<file path=ppt/slides/slide2.xml><?xml version="1.0" encoding="utf-8"?>
+<p:sld xmlns:a="http://schemas.openxmlformats.org/drawingml/2006/main" xmlns:r="http://schemas.openxmlformats.org/officeDocument/2006/relationships" xmlns:p="http://schemas.openxmlformats.org/presentationml/2006/main">
+  <p:cSld>
+    <p:spTree>
+      <p:nvGrpSpPr>
+        <p:cNvPr id="1" name=""/>
+        <p:cNvGrpSpPr/>
+        <p:nvPr/>
+      </p:nvGrpSpPr>
+      <p:grpSpPr>
+        <a:xfrm>
+          <a:off x="0" y="0"/>
+          <a:ext cx="0" cy="0"/>
+          <a:chOff x="0" y="0"/>
+          <a:chExt cx="0" cy="0"/>
+        </a:xfrm>
+      </p:grpSpPr>
+      <p:sp>
+        <p:nvSpPr>
+          <p:cNvPr id="8" name="标题 1"/>
+          <p:cNvSpPr txBox="1"/>
+          <p:nvPr>
+            <p:custDataLst>
+              <p:tags r:id="rId2"/>
+            </p:custDataLst>
+          </p:nvPr>
+        </p:nvSpPr>
+        <p:spPr>
+          <a:xfrm>
+            <a:off x="571608" y="661194"/>
+            <a:ext cx="7886700" cy="994172"/>
+          </a:xfrm>
+          <a:prstGeom prst="rect">
+            <a:avLst/>
+          </a:prstGeom>
+        </p:spPr>
+        <p:txBody>
+          <a:bodyPr vert="horz" wrap="square" lIns="68580" tIns="34290" rIns="68580" bIns="34290" rtlCol="0" anchor="ctr">
+            <a:normAutofit/>
+          </a:bodyPr>
+          <a:lstStyle>
+            <a:lvl1pPr defTabSz="914400">
+              <a:lnSpc>
+                <a:spcPct val="120000"/>
+              </a:lnSpc>
+              <a:spcBef>
+                <a:spcPct val="0"/>
+              </a:spcBef>
+              <a:buNone/>
+              <a:defRPr sz="3600">
+                <a:solidFill>
+                  <a:schemeClr val="tx1">
+                    <a:lumMod val="75000"/>
+                    <a:lumOff val="25000"/>
+                  </a:schemeClr>
+                </a:solidFill>
+                <a:latin typeface="+mj-lt"/>
+                <a:ea typeface="+mj-ea"/>
+                <a:cs typeface="+mj-cs"/>
+              </a:defRPr>
+            </a:lvl1pPr>
+          </a:lstStyle>
+          <a:p>
+            <a:r>
+              <a:rPr lang="zh-CN" altLang="en-US" dirty="0"/>
+              <a:t>什么是设计模式</a:t>
+            </a:r>
+          </a:p>
+        </p:txBody>
+      </p:sp>
+      <p:sp>
+        <p:nvSpPr>
+          <p:cNvPr id="3" name="文本框 2"/>
+          <p:cNvSpPr txBox="1"/>
+          <p:nvPr/>
+        </p:nvSpPr>
+        <p:spPr>
+          <a:xfrm>
+            <a:off x="566431" y="2057436"/>
+            <a:ext cx="8334776" cy="3231654"/>
+          </a:xfrm>
+          <a:prstGeom prst="rect">
+            <a:avLst/>
+          </a:prstGeom>
+          <a:noFill/>
+        </p:spPr>
+        <p:txBody>
+          <a:bodyPr wrap="square" rtlCol="0">
+            <a:spAutoFit/>
+          </a:bodyPr>
+          <a:lstStyle/>
+          <a:p>
+            <a:pPr indent="628650" eaLnBrk="1" hangingPunct="1">
+              <a:lnSpc>
+                <a:spcPct val="150000"/>
+              </a:lnSpc>
+              <a:buFont typeface="Wingdings" panose="05000000000000000000" pitchFamily="2" charset="2"/>
+              <a:buNone/>
+            </a:pPr>
+            <a:r>
+              <a:rPr lang="zh-CN" altLang="en-US" dirty="0"/>
+              <a:t>在面向对象程序设计（</a:t>
+            </a:r>
+            <a:r>
+              <a:rPr lang="en-US" altLang="zh-CN" dirty="0"/>
+              <a:t>OOP）</a:t>
+            </a:r>
+            <a:r>
+              <a:rPr lang="zh-CN" altLang="en-US" dirty="0"/>
+              <a:t>过程中，我们经常会遇到很多重复出现的问题，总结解决这些问题的成功经验和最佳实践便形成了设计模式（</a:t>
+            </a:r>
+            <a:r>
+              <a:rPr lang="en-US" altLang="zh-CN" dirty="0"/>
+              <a:t>Design Pattern）。</a:t>
+            </a:r>
+          </a:p>
+          <a:p>
+            <a:pPr eaLnBrk="1" hangingPunct="1">
+              <a:lnSpc>
+                <a:spcPct val="150000"/>
+              </a:lnSpc>
+              <a:buFont typeface="Wingdings" panose="05000000000000000000" pitchFamily="2" charset="2"/>
+              <a:buNone/>
+            </a:pPr>
+            <a:r>
+              <a:rPr lang="zh-CN" altLang="en-US" dirty="0"/>
+              <a:t>        其核心思想是</a:t>
+            </a:r>
+            <a:r>
+              <a:rPr lang="zh-CN" altLang="en-US" u="sng" dirty="0">
+                <a:solidFill>
+                  <a:srgbClr val="0070C0"/>
+                </a:solidFill>
+              </a:rPr>
+              <a:t>将可重用的解决方案总结出来，并分门别类</a:t>
+            </a:r>
+            <a:r>
+              <a:rPr lang="zh-CN" altLang="en-US" dirty="0"/>
+              <a:t>。从而指导设计，减少代码重复和优化体系结构。</a:t>
+            </a:r>
+          </a:p>
+          <a:p>
+            <a:endParaRPr lang="zh-CN" altLang="en-US" dirty="0"/>
+          </a:p>
+        </p:txBody>
+      </p:sp>
+    </p:spTree>
+    <p:custDataLst>
+      <p:tags r:id="rId1"/>
+    </p:custDataLst>
+  </p:cSld>
+  <p:clrMapOvr>
+    <a:masterClrMapping/>
+  </p:clrMapOvr>
+</p:sld>
+</file>
+
+<file path=ppt/slides/slide20.xml><?xml version="1.0" encoding="utf-8"?>
+<p:sld xmlns:a="http://schemas.openxmlformats.org/drawingml/2006/main" xmlns:r="http://schemas.openxmlformats.org/officeDocument/2006/relationships" xmlns:p="http://schemas.openxmlformats.org/presentationml/2006/main">
+  <p:cSld>
+    <p:spTree>
+      <p:nvGrpSpPr>
+        <p:cNvPr id="1" name=""/>
+        <p:cNvGrpSpPr/>
+        <p:nvPr/>
+      </p:nvGrpSpPr>
+      <p:grpSpPr>
+        <a:xfrm>
+          <a:off x="0" y="0"/>
+          <a:ext cx="0" cy="0"/>
+          <a:chOff x="0" y="0"/>
+          <a:chExt cx="0" cy="0"/>
+        </a:xfrm>
+      </p:grpSpPr>
+      <p:sp>
+        <p:nvSpPr>
+          <p:cNvPr id="2" name="标题 1"/>
+          <p:cNvSpPr>
+            <a:spLocks noGrp="1"/>
+          </p:cNvSpPr>
+          <p:nvPr>
+            <p:ph type="title"/>
+          </p:nvPr>
+        </p:nvSpPr>
+        <p:spPr>
+          <a:xfrm>
+            <a:off x="1138792" y="3078833"/>
+            <a:ext cx="6856892" cy="830998"/>
+          </a:xfrm>
+        </p:spPr>
+        <p:txBody>
+          <a:bodyPr>
+            <a:noAutofit/>
+          </a:bodyPr>
+          <a:lstStyle/>
+          <a:p>
+            <a:r>
+              <a:rPr lang="en-US" altLang="zh-CN" sz="3600" dirty="0"/>
+              <a:t>Dependence Inversion Principle</a:t>
+            </a:r>
+            <a:r>
+              <a:rPr lang="zh-CN" altLang="en-US" sz="3600" dirty="0"/>
+              <a:t>（</a:t>
+            </a:r>
+            <a:r>
+              <a:rPr lang="en-US" altLang="zh-CN" sz="3600" dirty="0"/>
+              <a:t>DIP</a:t>
+            </a:r>
+            <a:r>
+              <a:rPr lang="zh-CN" altLang="en-US" sz="3600" dirty="0"/>
+              <a:t>）</a:t>
+            </a:r>
+          </a:p>
+        </p:txBody>
+      </p:sp>
+      <p:sp>
+        <p:nvSpPr>
+          <p:cNvPr id="3" name="内容占位符 2"/>
+          <p:cNvSpPr>
+            <a:spLocks noGrp="1"/>
+          </p:cNvSpPr>
+          <p:nvPr>
+            <p:ph sz="quarter" idx="13"/>
+          </p:nvPr>
+        </p:nvSpPr>
+        <p:spPr/>
+        <p:txBody>
+          <a:bodyPr/>
+          <a:lstStyle/>
+          <a:p>
+            <a:pPr>
+              <a:lnSpc>
+                <a:spcPct val="110000"/>
+              </a:lnSpc>
+              <a:buClr>
+                <a:srgbClr val="0070C0"/>
+              </a:buClr>
+            </a:pPr>
+            <a:r>
+              <a:rPr lang="zh-CN" altLang="zh-CN" dirty="0"/>
+              <a:t>依赖倒置原则</a:t>
+            </a:r>
+            <a:endParaRPr lang="en-US" altLang="zh-CN" dirty="0"/>
+          </a:p>
+        </p:txBody>
+      </p:sp>
+    </p:spTree>
+    <p:extLst>
+      <p:ext uri="{BB962C8B-B14F-4D97-AF65-F5344CB8AC3E}">
+        <p14:creationId xmlns:p14="http://schemas.microsoft.com/office/powerpoint/2010/main" val="2893778799"/>
+      </p:ext>
+    </p:extLst>
+  </p:cSld>
+  <p:clrMapOvr>
+    <a:masterClrMapping/>
+  </p:clrMapOvr>
+</p:sld>
+</file>
+
+<file path=ppt/slides/slide21.xml><?xml version="1.0" encoding="utf-8"?>
+<p:sld xmlns:a="http://schemas.openxmlformats.org/drawingml/2006/main" xmlns:r="http://schemas.openxmlformats.org/officeDocument/2006/relationships" xmlns:p="http://schemas.openxmlformats.org/presentationml/2006/main">
+  <p:cSld>
+    <p:spTree>
+      <p:nvGrpSpPr>
+        <p:cNvPr id="1" name=""/>
+        <p:cNvGrpSpPr/>
+        <p:nvPr/>
+      </p:nvGrpSpPr>
+      <p:grpSpPr>
+        <a:xfrm>
+          <a:off x="0" y="0"/>
+          <a:ext cx="0" cy="0"/>
+          <a:chOff x="0" y="0"/>
+          <a:chExt cx="0" cy="0"/>
+        </a:xfrm>
+      </p:grpSpPr>
+      <p:sp>
+        <p:nvSpPr>
+          <p:cNvPr id="2" name="标题 1"/>
+          <p:cNvSpPr>
+            <a:spLocks noGrp="1"/>
+          </p:cNvSpPr>
+          <p:nvPr>
+            <p:ph type="title"/>
+          </p:nvPr>
+        </p:nvSpPr>
+        <p:spPr>
+          <a:xfrm>
+            <a:off x="1138792" y="3078833"/>
+            <a:ext cx="6856892" cy="830998"/>
+          </a:xfrm>
+        </p:spPr>
+        <p:txBody>
+          <a:bodyPr>
+            <a:noAutofit/>
+          </a:bodyPr>
+          <a:lstStyle/>
+          <a:p>
+            <a:r>
+              <a:rPr lang="en-US" altLang="zh-CN" sz="3600" dirty="0"/>
+              <a:t>Interface Segregation Principle</a:t>
+            </a:r>
+            <a:r>
+              <a:rPr lang="zh-CN" altLang="en-US" sz="3600" dirty="0"/>
+              <a:t>（</a:t>
+            </a:r>
+            <a:r>
+              <a:rPr lang="en-US" altLang="zh-CN" sz="3600" dirty="0"/>
+              <a:t>ISP</a:t>
+            </a:r>
+            <a:r>
+              <a:rPr lang="zh-CN" altLang="en-US" sz="3600" dirty="0"/>
+              <a:t>）</a:t>
+            </a:r>
+          </a:p>
+        </p:txBody>
+      </p:sp>
+      <p:sp>
+        <p:nvSpPr>
+          <p:cNvPr id="3" name="内容占位符 2"/>
+          <p:cNvSpPr>
+            <a:spLocks noGrp="1"/>
+          </p:cNvSpPr>
+          <p:nvPr>
+            <p:ph sz="quarter" idx="13"/>
+          </p:nvPr>
+        </p:nvSpPr>
+        <p:spPr/>
+        <p:txBody>
+          <a:bodyPr/>
+          <a:lstStyle/>
+          <a:p>
+            <a:pPr>
+              <a:lnSpc>
+                <a:spcPct val="110000"/>
+              </a:lnSpc>
+              <a:buClr>
+                <a:srgbClr val="0070C0"/>
+              </a:buClr>
+            </a:pPr>
+            <a:r>
+              <a:rPr lang="zh-CN" altLang="en-US" dirty="0"/>
+              <a:t>接口隔离原则</a:t>
+            </a:r>
+            <a:endParaRPr lang="en-US" altLang="zh-CN" dirty="0"/>
+          </a:p>
+        </p:txBody>
+      </p:sp>
+    </p:spTree>
+    <p:extLst>
+      <p:ext uri="{BB962C8B-B14F-4D97-AF65-F5344CB8AC3E}">
+        <p14:creationId xmlns:p14="http://schemas.microsoft.com/office/powerpoint/2010/main" val="183246416"/>
+      </p:ext>
+    </p:extLst>
+  </p:cSld>
+  <p:clrMapOvr>
+    <a:masterClrMapping/>
+  </p:clrMapOvr>
+</p:sld>
+</file>
+
+<file path=ppt/slides/slide22.xml><?xml version="1.0" encoding="utf-8"?>
+<p:sld xmlns:a="http://schemas.openxmlformats.org/drawingml/2006/main" xmlns:r="http://schemas.openxmlformats.org/officeDocument/2006/relationships" xmlns:p="http://schemas.openxmlformats.org/presentationml/2006/main">
+  <p:cSld>
+    <p:spTree>
+      <p:nvGrpSpPr>
+        <p:cNvPr id="1" name=""/>
+        <p:cNvGrpSpPr/>
+        <p:nvPr/>
+      </p:nvGrpSpPr>
+      <p:grpSpPr>
+        <a:xfrm>
+          <a:off x="0" y="0"/>
+          <a:ext cx="0" cy="0"/>
+          <a:chOff x="0" y="0"/>
+          <a:chExt cx="0" cy="0"/>
+        </a:xfrm>
+      </p:grpSpPr>
+      <p:sp>
+        <p:nvSpPr>
+          <p:cNvPr id="2" name="标题 1"/>
+          <p:cNvSpPr>
+            <a:spLocks noGrp="1"/>
+          </p:cNvSpPr>
+          <p:nvPr>
+            <p:ph type="title"/>
+          </p:nvPr>
+        </p:nvSpPr>
+        <p:spPr>
+          <a:xfrm>
+            <a:off x="1138792" y="3078833"/>
+            <a:ext cx="6856892" cy="830998"/>
+          </a:xfrm>
+        </p:spPr>
+        <p:txBody>
+          <a:bodyPr>
+            <a:noAutofit/>
+          </a:bodyPr>
+          <a:lstStyle/>
+          <a:p>
+            <a:r>
+              <a:rPr lang="en-US" altLang="zh-CN" sz="3600" dirty="0"/>
+              <a:t>Least Knowledge Principle</a:t>
+            </a:r>
+            <a:r>
+              <a:rPr lang="zh-CN" altLang="en-US" sz="3600" dirty="0"/>
+              <a:t>（</a:t>
+            </a:r>
+            <a:r>
+              <a:rPr lang="en-US" altLang="zh-CN" sz="3600" dirty="0"/>
+              <a:t>LKP</a:t>
+            </a:r>
+            <a:r>
+              <a:rPr lang="zh-CN" altLang="en-US" sz="3600" dirty="0"/>
+              <a:t>）</a:t>
+            </a:r>
+          </a:p>
+        </p:txBody>
+      </p:sp>
+      <p:sp>
+        <p:nvSpPr>
+          <p:cNvPr id="3" name="内容占位符 2"/>
+          <p:cNvSpPr>
+            <a:spLocks noGrp="1"/>
+          </p:cNvSpPr>
+          <p:nvPr>
+            <p:ph sz="quarter" idx="13"/>
+          </p:nvPr>
+        </p:nvSpPr>
+        <p:spPr/>
+        <p:txBody>
+          <a:bodyPr/>
+          <a:lstStyle/>
+          <a:p>
+            <a:pPr>
+              <a:lnSpc>
+                <a:spcPct val="110000"/>
+              </a:lnSpc>
+              <a:buClr>
+                <a:srgbClr val="0070C0"/>
+              </a:buClr>
+            </a:pPr>
+            <a:r>
+              <a:rPr lang="zh-CN" altLang="en-US" dirty="0"/>
+              <a:t>最少知识原则</a:t>
+            </a:r>
+            <a:endParaRPr lang="en-US" altLang="zh-CN" dirty="0"/>
+          </a:p>
+        </p:txBody>
+      </p:sp>
+    </p:spTree>
+    <p:extLst>
+      <p:ext uri="{BB962C8B-B14F-4D97-AF65-F5344CB8AC3E}">
+        <p14:creationId xmlns:p14="http://schemas.microsoft.com/office/powerpoint/2010/main" val="4264077835"/>
+      </p:ext>
+    </p:extLst>
+  </p:cSld>
+  <p:clrMapOvr>
+    <a:masterClrMapping/>
+  </p:clrMapOvr>
+</p:sld>
+</file>
+
+<file path=ppt/slides/slide23.xml><?xml version="1.0" encoding="utf-8"?>
+<p:sld xmlns:a="http://schemas.openxmlformats.org/drawingml/2006/main" xmlns:r="http://schemas.openxmlformats.org/officeDocument/2006/relationships" xmlns:p="http://schemas.openxmlformats.org/presentationml/2006/main">
+  <p:cSld>
+    <p:spTree>
+      <p:nvGrpSpPr>
+        <p:cNvPr id="1" name=""/>
+        <p:cNvGrpSpPr/>
+        <p:nvPr/>
+      </p:nvGrpSpPr>
+      <p:grpSpPr>
+        <a:xfrm>
+          <a:off x="0" y="0"/>
+          <a:ext cx="0" cy="0"/>
+          <a:chOff x="0" y="0"/>
+          <a:chExt cx="0" cy="0"/>
+        </a:xfrm>
+      </p:grpSpPr>
+      <p:sp>
+        <p:nvSpPr>
+          <p:cNvPr id="2" name="标题 1"/>
+          <p:cNvSpPr>
+            <a:spLocks noGrp="1"/>
+          </p:cNvSpPr>
+          <p:nvPr>
+            <p:ph type="title"/>
+          </p:nvPr>
+        </p:nvSpPr>
+        <p:spPr>
+          <a:xfrm>
+            <a:off x="1138792" y="3078833"/>
+            <a:ext cx="6856892" cy="830998"/>
+          </a:xfrm>
+        </p:spPr>
+        <p:txBody>
+          <a:bodyPr>
+            <a:noAutofit/>
+          </a:bodyPr>
+          <a:lstStyle/>
+          <a:p>
+            <a:r>
+              <a:rPr lang="en-US" altLang="zh-CN" sz="3600" dirty="0"/>
+              <a:t>Open Closed Principle</a:t>
+            </a:r>
+            <a:br>
+              <a:rPr lang="en-US" altLang="zh-CN" sz="3600" dirty="0"/>
+            </a:br>
+            <a:r>
+              <a:rPr lang="zh-CN" altLang="en-US" sz="3600" dirty="0"/>
+              <a:t>（</a:t>
+            </a:r>
+            <a:r>
+              <a:rPr lang="en-US" altLang="zh-CN" sz="3600" dirty="0"/>
+              <a:t>OCP</a:t>
+            </a:r>
+            <a:r>
+              <a:rPr lang="zh-CN" altLang="en-US" sz="3600" dirty="0"/>
+              <a:t>）</a:t>
+            </a:r>
+          </a:p>
+        </p:txBody>
+      </p:sp>
+      <p:sp>
+        <p:nvSpPr>
+          <p:cNvPr id="3" name="内容占位符 2"/>
+          <p:cNvSpPr>
+            <a:spLocks noGrp="1"/>
+          </p:cNvSpPr>
+          <p:nvPr>
+            <p:ph sz="quarter" idx="13"/>
+          </p:nvPr>
+        </p:nvSpPr>
+        <p:spPr/>
+        <p:txBody>
+          <a:bodyPr/>
+          <a:lstStyle/>
+          <a:p>
+            <a:pPr>
+              <a:lnSpc>
+                <a:spcPct val="110000"/>
+              </a:lnSpc>
+              <a:buClr>
+                <a:srgbClr val="0070C0"/>
+              </a:buClr>
+            </a:pPr>
+            <a:r>
+              <a:rPr lang="zh-CN" altLang="en-US" dirty="0"/>
+              <a:t>开闭原则</a:t>
+            </a:r>
+            <a:endParaRPr lang="en-US" altLang="zh-CN" dirty="0"/>
+          </a:p>
+        </p:txBody>
+      </p:sp>
+    </p:spTree>
+    <p:extLst>
+      <p:ext uri="{BB962C8B-B14F-4D97-AF65-F5344CB8AC3E}">
+        <p14:creationId xmlns:p14="http://schemas.microsoft.com/office/powerpoint/2010/main" val="3514289066"/>
+      </p:ext>
+    </p:extLst>
+  </p:cSld>
+  <p:clrMapOvr>
+    <a:masterClrMapping/>
+  </p:clrMapOvr>
+</p:sld>
+</file>
+
+<file path=ppt/slides/slide24.xml><?xml version="1.0" encoding="utf-8"?>
+<p:sld xmlns:a="http://schemas.openxmlformats.org/drawingml/2006/main" xmlns:r="http://schemas.openxmlformats.org/officeDocument/2006/relationships" xmlns:p="http://schemas.openxmlformats.org/presentationml/2006/main">
+  <p:cSld>
+    <p:spTree>
+      <p:nvGrpSpPr>
+        <p:cNvPr id="1" name=""/>
+        <p:cNvGrpSpPr/>
+        <p:nvPr/>
+      </p:nvGrpSpPr>
+      <p:grpSpPr>
+        <a:xfrm>
+          <a:off x="0" y="0"/>
+          <a:ext cx="0" cy="0"/>
+          <a:chOff x="0" y="0"/>
+          <a:chExt cx="0" cy="0"/>
+        </a:xfrm>
+      </p:grpSpPr>
+      <p:sp>
+        <p:nvSpPr>
+          <p:cNvPr id="8" name="标题 1"/>
+          <p:cNvSpPr txBox="1"/>
+          <p:nvPr>
+            <p:custDataLst>
+              <p:tags r:id="rId2"/>
+            </p:custDataLst>
+          </p:nvPr>
+        </p:nvSpPr>
+        <p:spPr>
+          <a:xfrm>
+            <a:off x="571608" y="661194"/>
+            <a:ext cx="7886700" cy="994172"/>
+          </a:xfrm>
+          <a:prstGeom prst="rect">
+            <a:avLst/>
+          </a:prstGeom>
+        </p:spPr>
+        <p:txBody>
+          <a:bodyPr vert="horz" wrap="square" lIns="68580" tIns="34290" rIns="68580" bIns="34290" rtlCol="0" anchor="ctr">
+            <a:normAutofit/>
+          </a:bodyPr>
+          <a:lstStyle>
+            <a:lvl1pPr defTabSz="914400">
+              <a:lnSpc>
+                <a:spcPct val="120000"/>
+              </a:lnSpc>
+              <a:spcBef>
+                <a:spcPct val="0"/>
+              </a:spcBef>
+              <a:buNone/>
+              <a:defRPr sz="3600">
+                <a:solidFill>
+                  <a:schemeClr val="tx1">
+                    <a:lumMod val="75000"/>
+                    <a:lumOff val="25000"/>
+                  </a:schemeClr>
+                </a:solidFill>
+                <a:latin typeface="+mj-lt"/>
+                <a:ea typeface="+mj-ea"/>
+                <a:cs typeface="+mj-cs"/>
+              </a:defRPr>
+            </a:lvl1pPr>
+          </a:lstStyle>
+          <a:p>
+            <a:r>
+              <a:rPr lang="zh-CN" altLang="en-US" dirty="0"/>
+              <a:t>设计模式</a:t>
+            </a:r>
+          </a:p>
+        </p:txBody>
+      </p:sp>
+      <p:sp>
+        <p:nvSpPr>
+          <p:cNvPr id="3" name="文本框 2"/>
+          <p:cNvSpPr txBox="1"/>
+          <p:nvPr/>
+        </p:nvSpPr>
+        <p:spPr>
+          <a:xfrm>
+            <a:off x="566431" y="2057436"/>
+            <a:ext cx="8334776" cy="3674019"/>
+          </a:xfrm>
+          <a:prstGeom prst="rect">
+            <a:avLst/>
+          </a:prstGeom>
+          <a:noFill/>
+        </p:spPr>
+        <p:txBody>
+          <a:bodyPr wrap="square" rtlCol="0">
+            <a:spAutoFit/>
+          </a:bodyPr>
+          <a:lstStyle/>
+          <a:p>
+            <a:pPr marL="457200" indent="-457200">
+              <a:lnSpc>
+                <a:spcPct val="200000"/>
+              </a:lnSpc>
+              <a:buClr>
+                <a:srgbClr val="0070C0"/>
+              </a:buClr>
+              <a:buFont typeface="+mj-lt"/>
+              <a:buAutoNum type="arabicPeriod"/>
+            </a:pPr>
+            <a:r>
+              <a:rPr lang="zh-CN" altLang="en-US" dirty="0"/>
+              <a:t>创建型模式（</a:t>
+            </a:r>
+            <a:r>
+              <a:rPr lang="en-US" altLang="zh-CN" dirty="0"/>
+              <a:t> Creational Patterns </a:t>
+            </a:r>
+            <a:r>
+              <a:rPr lang="zh-CN" altLang="en-US" dirty="0"/>
+              <a:t>）</a:t>
+            </a:r>
+            <a:endParaRPr lang="en-US" altLang="zh-CN" dirty="0"/>
+          </a:p>
+          <a:p>
+            <a:pPr marL="457200" indent="-457200">
+              <a:lnSpc>
+                <a:spcPct val="200000"/>
+              </a:lnSpc>
+              <a:buClr>
+                <a:srgbClr val="0070C0"/>
+              </a:buClr>
+              <a:buFont typeface="+mj-lt"/>
+              <a:buAutoNum type="arabicPeriod"/>
+            </a:pPr>
+            <a:endParaRPr lang="en-US" altLang="zh-CN" dirty="0"/>
+          </a:p>
+          <a:p>
+            <a:pPr marL="457200" indent="-457200">
+              <a:lnSpc>
+                <a:spcPct val="200000"/>
+              </a:lnSpc>
+              <a:buClr>
+                <a:srgbClr val="0070C0"/>
+              </a:buClr>
+              <a:buFont typeface="+mj-lt"/>
+              <a:buAutoNum type="arabicPeriod"/>
+            </a:pPr>
+            <a:r>
+              <a:rPr lang="zh-CN" altLang="en-US" dirty="0"/>
+              <a:t>结构型模式（</a:t>
+            </a:r>
+            <a:r>
+              <a:rPr lang="en-US" altLang="zh-CN" dirty="0"/>
+              <a:t> Structural Patterns</a:t>
+            </a:r>
+            <a:r>
+              <a:rPr lang="zh-CN" altLang="en-US" dirty="0"/>
+              <a:t>）</a:t>
+            </a:r>
+            <a:endParaRPr lang="en-US" altLang="zh-CN" dirty="0"/>
+          </a:p>
+          <a:p>
+            <a:pPr marL="457200" indent="-457200">
+              <a:lnSpc>
+                <a:spcPct val="200000"/>
+              </a:lnSpc>
+              <a:buClr>
+                <a:srgbClr val="0070C0"/>
+              </a:buClr>
+              <a:buFont typeface="+mj-lt"/>
+              <a:buAutoNum type="arabicPeriod"/>
+            </a:pPr>
+            <a:endParaRPr lang="en-US" altLang="zh-CN" dirty="0"/>
+          </a:p>
+          <a:p>
+            <a:pPr marL="457200" indent="-457200">
+              <a:lnSpc>
+                <a:spcPct val="200000"/>
+              </a:lnSpc>
+              <a:buClr>
+                <a:srgbClr val="0070C0"/>
+              </a:buClr>
+              <a:buFont typeface="+mj-lt"/>
+              <a:buAutoNum type="arabicPeriod"/>
+            </a:pPr>
+            <a:r>
+              <a:rPr lang="zh-CN" altLang="en-US" dirty="0"/>
+              <a:t>行为型模式（</a:t>
+            </a:r>
+            <a:r>
+              <a:rPr lang="en-US" altLang="zh-CN" dirty="0"/>
+              <a:t>Behavioral Patterns</a:t>
+            </a:r>
+            <a:r>
+              <a:rPr lang="zh-CN" altLang="en-US" dirty="0"/>
+              <a:t>）</a:t>
+            </a:r>
+            <a:endParaRPr lang="en-US" altLang="zh-CN" dirty="0"/>
+          </a:p>
+        </p:txBody>
+      </p:sp>
+    </p:spTree>
+    <p:custDataLst>
+      <p:tags r:id="rId1"/>
+    </p:custDataLst>
+    <p:extLst>
+      <p:ext uri="{BB962C8B-B14F-4D97-AF65-F5344CB8AC3E}">
+        <p14:creationId xmlns:p14="http://schemas.microsoft.com/office/powerpoint/2010/main" val="3808424649"/>
+      </p:ext>
+    </p:extLst>
+  </p:cSld>
+  <p:clrMapOvr>
+    <a:masterClrMapping/>
+  </p:clrMapOvr>
+</p:sld>
+</file>
+
+<file path=ppt/slides/slide25.xml><?xml version="1.0" encoding="utf-8"?>
+<p:sld xmlns:a="http://schemas.openxmlformats.org/drawingml/2006/main" xmlns:r="http://schemas.openxmlformats.org/officeDocument/2006/relationships" xmlns:p="http://schemas.openxmlformats.org/presentationml/2006/main">
+  <p:cSld>
+    <p:spTree>
+      <p:nvGrpSpPr>
+        <p:cNvPr id="1" name=""/>
+        <p:cNvGrpSpPr/>
+        <p:nvPr/>
+      </p:nvGrpSpPr>
+      <p:grpSpPr>
+        <a:xfrm>
+          <a:off x="0" y="0"/>
+          <a:ext cx="0" cy="0"/>
+          <a:chOff x="0" y="0"/>
+          <a:chExt cx="0" cy="0"/>
+        </a:xfrm>
+      </p:grpSpPr>
+      <p:sp>
+        <p:nvSpPr>
+          <p:cNvPr id="2" name="标题 1"/>
+          <p:cNvSpPr>
+            <a:spLocks noGrp="1"/>
+          </p:cNvSpPr>
+          <p:nvPr>
+            <p:ph type="title"/>
+          </p:nvPr>
+        </p:nvSpPr>
+        <p:spPr/>
+        <p:txBody>
+          <a:bodyPr>
+            <a:normAutofit fontScale="90000"/>
+          </a:bodyPr>
+          <a:lstStyle/>
+          <a:p>
+            <a:r>
+              <a:rPr lang="en-US" altLang="zh-CN" sz="3900" dirty="0"/>
+              <a:t>Creational Patterns</a:t>
+            </a:r>
+            <a:br>
+              <a:rPr lang="zh-CN" altLang="en-US" dirty="0"/>
+            </a:br>
+            <a:endParaRPr lang="zh-CN" altLang="en-US" dirty="0"/>
+          </a:p>
+        </p:txBody>
+      </p:sp>
+      <p:sp>
+        <p:nvSpPr>
+          <p:cNvPr id="3" name="内容占位符 2"/>
+          <p:cNvSpPr>
+            <a:spLocks noGrp="1"/>
+          </p:cNvSpPr>
+          <p:nvPr>
+            <p:ph sz="quarter" idx="13"/>
+          </p:nvPr>
+        </p:nvSpPr>
+        <p:spPr/>
+        <p:txBody>
+          <a:bodyPr/>
+          <a:lstStyle/>
+          <a:p>
+            <a:r>
+              <a:rPr lang="zh-CN" altLang="en-US" b="1" dirty="0"/>
+              <a:t>创建型模式</a:t>
+            </a:r>
+            <a:endParaRPr lang="zh-CN" altLang="en-US" dirty="0"/>
+          </a:p>
+        </p:txBody>
+      </p:sp>
+    </p:spTree>
+  </p:cSld>
+  <p:clrMapOvr>
+    <a:masterClrMapping/>
+  </p:clrMapOvr>
+</p:sld>
+</file>
+
+<file path=ppt/slides/slide26.xml><?xml version="1.0" encoding="utf-8"?>
+<p:sld xmlns:a="http://schemas.openxmlformats.org/drawingml/2006/main" xmlns:r="http://schemas.openxmlformats.org/officeDocument/2006/relationships" xmlns:p="http://schemas.openxmlformats.org/presentationml/2006/main">
+  <p:cSld>
+    <p:spTree>
+      <p:nvGrpSpPr>
+        <p:cNvPr id="1" name=""/>
+        <p:cNvGrpSpPr/>
+        <p:nvPr/>
+      </p:nvGrpSpPr>
+      <p:grpSpPr>
+        <a:xfrm>
+          <a:off x="0" y="0"/>
+          <a:ext cx="0" cy="0"/>
+          <a:chOff x="0" y="0"/>
+          <a:chExt cx="0" cy="0"/>
+        </a:xfrm>
+      </p:grpSpPr>
+      <p:sp>
+        <p:nvSpPr>
+          <p:cNvPr id="8" name="标题 1"/>
+          <p:cNvSpPr txBox="1"/>
+          <p:nvPr>
+            <p:custDataLst>
+              <p:tags r:id="rId2"/>
+            </p:custDataLst>
+          </p:nvPr>
+        </p:nvSpPr>
+        <p:spPr>
+          <a:xfrm>
+            <a:off x="571608" y="661194"/>
+            <a:ext cx="7886700" cy="994172"/>
+          </a:xfrm>
+          <a:prstGeom prst="rect">
+            <a:avLst/>
+          </a:prstGeom>
+        </p:spPr>
+        <p:txBody>
+          <a:bodyPr vert="horz" wrap="square" lIns="68580" tIns="34290" rIns="68580" bIns="34290" rtlCol="0" anchor="ctr">
+            <a:normAutofit/>
+          </a:bodyPr>
+          <a:lstStyle>
+            <a:lvl1pPr defTabSz="914400">
+              <a:lnSpc>
+                <a:spcPct val="120000"/>
+              </a:lnSpc>
+              <a:spcBef>
+                <a:spcPct val="0"/>
+              </a:spcBef>
+              <a:buNone/>
+              <a:defRPr sz="3600">
+                <a:solidFill>
+                  <a:schemeClr val="tx1">
+                    <a:lumMod val="75000"/>
+                    <a:lumOff val="25000"/>
+                  </a:schemeClr>
+                </a:solidFill>
+                <a:latin typeface="+mj-lt"/>
+                <a:ea typeface="+mj-ea"/>
+                <a:cs typeface="+mj-cs"/>
+              </a:defRPr>
+            </a:lvl1pPr>
+          </a:lstStyle>
+          <a:p>
+            <a:r>
+              <a:rPr lang="zh-CN" altLang="en-US" dirty="0"/>
+              <a:t>创建型模式</a:t>
+            </a:r>
+          </a:p>
+        </p:txBody>
+      </p:sp>
+      <p:sp>
+        <p:nvSpPr>
+          <p:cNvPr id="3" name="文本框 2"/>
+          <p:cNvSpPr txBox="1"/>
+          <p:nvPr/>
+        </p:nvSpPr>
+        <p:spPr>
+          <a:xfrm>
+            <a:off x="566431" y="2057436"/>
+            <a:ext cx="8334776" cy="3674019"/>
+          </a:xfrm>
+          <a:prstGeom prst="rect">
+            <a:avLst/>
+          </a:prstGeom>
+          <a:noFill/>
+        </p:spPr>
+        <p:txBody>
+          <a:bodyPr wrap="square" rtlCol="0">
+            <a:spAutoFit/>
+          </a:bodyPr>
+          <a:lstStyle/>
+          <a:p>
+            <a:pPr marL="457200" indent="-457200">
+              <a:lnSpc>
+                <a:spcPct val="200000"/>
+              </a:lnSpc>
+              <a:buClr>
+                <a:srgbClr val="0070C0"/>
+              </a:buClr>
+              <a:buFont typeface="+mj-lt"/>
+              <a:buAutoNum type="arabicPeriod"/>
+            </a:pPr>
+            <a:r>
+              <a:rPr lang="zh-CN" altLang="en-US" dirty="0"/>
+              <a:t>工厂模式</a:t>
+            </a:r>
+            <a:r>
+              <a:rPr lang="en-US" altLang="zh-CN" dirty="0"/>
+              <a:t>(The Factory Pattern)</a:t>
+            </a:r>
+          </a:p>
+          <a:p>
+            <a:pPr marL="457200" indent="-457200">
+              <a:lnSpc>
+                <a:spcPct val="200000"/>
+              </a:lnSpc>
+              <a:buClr>
+                <a:srgbClr val="0070C0"/>
+              </a:buClr>
+              <a:buFont typeface="+mj-lt"/>
+              <a:buAutoNum type="arabicPeriod"/>
+            </a:pPr>
+            <a:r>
+              <a:rPr lang="zh-CN" altLang="en-US" dirty="0"/>
+              <a:t>抽象工厂模式</a:t>
+            </a:r>
+            <a:r>
+              <a:rPr lang="en-US" altLang="zh-CN" dirty="0"/>
+              <a:t>(The Abstract Factory Pattern-)</a:t>
+            </a:r>
+            <a:endParaRPr lang="zh-CN" altLang="en-US" dirty="0"/>
+          </a:p>
+          <a:p>
+            <a:pPr marL="457200" indent="-457200" eaLnBrk="1" hangingPunct="1">
+              <a:lnSpc>
+                <a:spcPct val="200000"/>
+              </a:lnSpc>
+              <a:buClr>
+                <a:srgbClr val="0070C0"/>
+              </a:buClr>
+              <a:buFont typeface="+mj-lt"/>
+              <a:buAutoNum type="arabicPeriod"/>
+            </a:pPr>
+            <a:r>
+              <a:rPr lang="zh-CN" altLang="en-US" dirty="0"/>
+              <a:t>单例模式</a:t>
+            </a:r>
+            <a:r>
+              <a:rPr lang="en-US" altLang="zh-CN" dirty="0"/>
+              <a:t>(The Singleton Pattern)</a:t>
+            </a:r>
+            <a:endParaRPr lang="zh-CN" altLang="en-US" dirty="0"/>
+          </a:p>
+          <a:p>
+            <a:pPr marL="457200" indent="-457200" eaLnBrk="1" hangingPunct="1">
+              <a:lnSpc>
+                <a:spcPct val="200000"/>
+              </a:lnSpc>
+              <a:buClr>
+                <a:srgbClr val="0070C0"/>
+              </a:buClr>
+              <a:buFont typeface="+mj-lt"/>
+              <a:buAutoNum type="arabicPeriod"/>
+            </a:pPr>
+            <a:r>
+              <a:rPr lang="zh-CN" altLang="en-US" dirty="0"/>
+              <a:t>原型模式</a:t>
+            </a:r>
+            <a:r>
+              <a:rPr lang="en-US" altLang="zh-CN" dirty="0"/>
+              <a:t>(The Prototype Pattern)</a:t>
+            </a:r>
+            <a:endParaRPr lang="zh-CN" altLang="en-US" dirty="0"/>
+          </a:p>
+          <a:p>
+            <a:pPr marL="457200" indent="-457200" eaLnBrk="1" hangingPunct="1">
+              <a:lnSpc>
+                <a:spcPct val="200000"/>
+              </a:lnSpc>
+              <a:buClr>
+                <a:srgbClr val="0070C0"/>
+              </a:buClr>
+              <a:buFont typeface="+mj-lt"/>
+              <a:buAutoNum type="arabicPeriod"/>
+            </a:pPr>
+            <a:r>
+              <a:rPr lang="zh-CN" altLang="en-US" dirty="0"/>
+              <a:t>建造者模式</a:t>
+            </a:r>
+            <a:r>
+              <a:rPr lang="en-US" altLang="zh-CN" dirty="0"/>
+              <a:t>(Builder Pattern)</a:t>
+            </a:r>
+            <a:endParaRPr lang="zh-CN" altLang="en-US" dirty="0"/>
+          </a:p>
+        </p:txBody>
+      </p:sp>
+    </p:spTree>
+    <p:custDataLst>
+      <p:tags r:id="rId1"/>
+    </p:custDataLst>
+  </p:cSld>
+  <p:clrMapOvr>
+    <a:masterClrMapping/>
+  </p:clrMapOvr>
+</p:sld>
+</file>
+
+<file path=ppt/slides/slide27.xml><?xml version="1.0" encoding="utf-8"?>
+<p:sld xmlns:a="http://schemas.openxmlformats.org/drawingml/2006/main" xmlns:r="http://schemas.openxmlformats.org/officeDocument/2006/relationships" xmlns:p="http://schemas.openxmlformats.org/presentationml/2006/main">
+  <p:cSld>
+    <p:spTree>
+      <p:nvGrpSpPr>
+        <p:cNvPr id="1" name=""/>
+        <p:cNvGrpSpPr/>
+        <p:nvPr/>
+      </p:nvGrpSpPr>
+      <p:grpSpPr>
+        <a:xfrm>
+          <a:off x="0" y="0"/>
+          <a:ext cx="0" cy="0"/>
+          <a:chOff x="0" y="0"/>
+          <a:chExt cx="0" cy="0"/>
+        </a:xfrm>
+      </p:grpSpPr>
+      <p:sp>
+        <p:nvSpPr>
+          <p:cNvPr id="8" name="标题 1"/>
+          <p:cNvSpPr txBox="1"/>
+          <p:nvPr>
+            <p:custDataLst>
+              <p:tags r:id="rId2"/>
+            </p:custDataLst>
+          </p:nvPr>
+        </p:nvSpPr>
+        <p:spPr>
+          <a:xfrm>
+            <a:off x="571608" y="661194"/>
+            <a:ext cx="7886700" cy="994172"/>
+          </a:xfrm>
+          <a:prstGeom prst="rect">
+            <a:avLst/>
+          </a:prstGeom>
+        </p:spPr>
+        <p:txBody>
+          <a:bodyPr vert="horz" wrap="square" lIns="68580" tIns="34290" rIns="68580" bIns="34290" rtlCol="0" anchor="ctr">
+            <a:normAutofit/>
+          </a:bodyPr>
+          <a:lstStyle>
+            <a:lvl1pPr defTabSz="914400">
+              <a:lnSpc>
+                <a:spcPct val="120000"/>
+              </a:lnSpc>
+              <a:spcBef>
+                <a:spcPct val="0"/>
+              </a:spcBef>
+              <a:buNone/>
+              <a:defRPr sz="3600">
+                <a:solidFill>
+                  <a:schemeClr val="tx1">
+                    <a:lumMod val="75000"/>
+                    <a:lumOff val="25000"/>
+                  </a:schemeClr>
+                </a:solidFill>
+                <a:latin typeface="+mj-lt"/>
+                <a:ea typeface="+mj-ea"/>
+                <a:cs typeface="+mj-cs"/>
+              </a:defRPr>
+            </a:lvl1pPr>
+          </a:lstStyle>
+          <a:p>
+            <a:r>
+              <a:rPr lang="zh-CN" altLang="en-US" dirty="0"/>
+              <a:t>工厂模式</a:t>
+            </a:r>
+            <a:r>
+              <a:rPr lang="en-US" altLang="zh-CN" dirty="0"/>
+              <a:t>(The Factory Pattern)</a:t>
+            </a:r>
+          </a:p>
+        </p:txBody>
+      </p:sp>
+      <p:sp>
+        <p:nvSpPr>
+          <p:cNvPr id="3" name="文本框 2"/>
+          <p:cNvSpPr txBox="1"/>
+          <p:nvPr/>
+        </p:nvSpPr>
+        <p:spPr>
+          <a:xfrm>
+            <a:off x="566431" y="2057436"/>
+            <a:ext cx="8334776" cy="2796856"/>
+          </a:xfrm>
+          <a:prstGeom prst="rect">
+            <a:avLst/>
+          </a:prstGeom>
+          <a:noFill/>
+        </p:spPr>
+        <p:txBody>
+          <a:bodyPr wrap="square" rtlCol="0">
+            <a:spAutoFit/>
+          </a:bodyPr>
+          <a:lstStyle/>
+          <a:p>
+            <a:pPr indent="628650" eaLnBrk="1" hangingPunct="1">
+              <a:lnSpc>
+                <a:spcPct val="150000"/>
+              </a:lnSpc>
+              <a:buFont typeface="Wingdings" panose="05000000000000000000" pitchFamily="2" charset="2"/>
+              <a:buNone/>
+            </a:pPr>
+            <a:r>
+              <a:rPr lang="zh-CN" altLang="en-US" dirty="0"/>
+              <a:t>工厂模式是最常见的设计模式之一，可帮助我们组织创建对象的代码，通常用于以下两种情况：</a:t>
+            </a:r>
+          </a:p>
+          <a:p>
+            <a:pPr lvl="1" indent="-457200" eaLnBrk="1" hangingPunct="1">
+              <a:lnSpc>
+                <a:spcPct val="150000"/>
+              </a:lnSpc>
+              <a:buClr>
+                <a:srgbClr val="0070C0"/>
+              </a:buClr>
+              <a:buSzPct val="80000"/>
+              <a:buFont typeface="+mj-lt"/>
+              <a:buAutoNum type="arabicPeriod"/>
+            </a:pPr>
+            <a:r>
+              <a:rPr lang="zh-CN" altLang="en-US" dirty="0"/>
+              <a:t>创建复杂的对象，并进行初始化。</a:t>
+            </a:r>
+            <a:endParaRPr lang="en-US" altLang="zh-CN" dirty="0"/>
+          </a:p>
+          <a:p>
+            <a:pPr lvl="1" indent="-457200" eaLnBrk="1" hangingPunct="1">
+              <a:lnSpc>
+                <a:spcPct val="150000"/>
+              </a:lnSpc>
+              <a:buClr>
+                <a:srgbClr val="0070C0"/>
+              </a:buClr>
+              <a:buSzPct val="80000"/>
+              <a:buFont typeface="+mj-lt"/>
+              <a:buAutoNum type="arabicPeriod"/>
+            </a:pPr>
+            <a:r>
+              <a:rPr lang="zh-CN" altLang="en-US" dirty="0"/>
+              <a:t>根据不同的环境（输入参数），创建不同用途的对象。一般这些对象都是实现了相同的接口或继承于同一基类。</a:t>
+            </a:r>
+          </a:p>
+        </p:txBody>
+      </p:sp>
+    </p:spTree>
+    <p:custDataLst>
+      <p:tags r:id="rId1"/>
+    </p:custDataLst>
+  </p:cSld>
+  <p:clrMapOvr>
+    <a:masterClrMapping/>
+  </p:clrMapOvr>
+</p:sld>
+</file>
+
+<file path=ppt/slides/slide28.xml><?xml version="1.0" encoding="utf-8"?>
+<p:sld xmlns:a="http://schemas.openxmlformats.org/drawingml/2006/main" xmlns:r="http://schemas.openxmlformats.org/officeDocument/2006/relationships" xmlns:p="http://schemas.openxmlformats.org/presentationml/2006/main">
+  <p:cSld>
+    <p:spTree>
+      <p:nvGrpSpPr>
+        <p:cNvPr id="1" name=""/>
+        <p:cNvGrpSpPr/>
+        <p:nvPr/>
+      </p:nvGrpSpPr>
+      <p:grpSpPr>
+        <a:xfrm>
+          <a:off x="0" y="0"/>
+          <a:ext cx="0" cy="0"/>
+          <a:chOff x="0" y="0"/>
+          <a:chExt cx="0" cy="0"/>
+        </a:xfrm>
+      </p:grpSpPr>
+      <p:sp>
+        <p:nvSpPr>
+          <p:cNvPr id="8" name="标题 1"/>
+          <p:cNvSpPr txBox="1"/>
+          <p:nvPr>
+            <p:custDataLst>
+              <p:tags r:id="rId2"/>
             </p:custDataLst>
           </p:nvPr>
         </p:nvSpPr>
@@ -9749,7 +13599,6 @@
               <a:rPr lang="en-US" altLang="zh-CN" dirty="0"/>
               <a:t>(The Abstract Factory Pattern)</a:t>
             </a:r>
-            <a:endParaRPr lang="en-US" altLang="zh-CN" dirty="0"/>
           </a:p>
         </p:txBody>
       </p:sp>
@@ -9866,7 +13715,6 @@
               <a:rPr lang="zh-CN" altLang="en-US" dirty="0"/>
               <a:t>。</a:t>
             </a:r>
-            <a:endParaRPr lang="zh-CN" altLang="en-US" dirty="0"/>
           </a:p>
           <a:p>
             <a:pPr indent="628650" eaLnBrk="1" hangingPunct="1">
@@ -9924,13 +13772,12 @@
               <a:rPr lang="zh-CN" altLang="en-US" dirty="0"/>
               <a:t>而已。</a:t>
             </a:r>
-            <a:endParaRPr lang="zh-CN" altLang="en-US" dirty="0"/>
           </a:p>
         </p:txBody>
       </p:sp>
     </p:spTree>
     <p:custDataLst>
-      <p:tags r:id="rId2"/>
+      <p:tags r:id="rId1"/>
     </p:custDataLst>
   </p:cSld>
   <p:clrMapOvr>
@@ -9939,7 +13786,7 @@
 </p:sld>
 </file>
 
-<file path=ppt/slides/slide13.xml><?xml version="1.0" encoding="utf-8"?>
+<file path=ppt/slides/slide29.xml><?xml version="1.0" encoding="utf-8"?>
 <p:sld xmlns:a="http://schemas.openxmlformats.org/drawingml/2006/main" xmlns:r="http://schemas.openxmlformats.org/officeDocument/2006/relationships" xmlns:p="http://schemas.openxmlformats.org/presentationml/2006/main">
   <p:cSld>
     <p:spTree>
@@ -9984,9 +13831,6 @@
               </a:rPr>
               <a:t>谢谢</a:t>
             </a:r>
-            <a:endParaRPr lang="zh-CN" altLang="en-US" dirty="0">
-              <a:ea typeface="宋体" panose="02010600030101010101" pitchFamily="2" charset="-122"/>
-            </a:endParaRPr>
           </a:p>
         </p:txBody>
       </p:sp>
@@ -10017,7 +13861,7 @@
             </a:pPr>
             <a:r>
               <a:rPr lang="en-US" altLang="zh-CN" dirty="0">
-                <a:hlinkClick r:id="rId1"/>
+                <a:hlinkClick r:id="rId4"/>
               </a:rPr>
               <a:t>https://github.com/newgr8player</a:t>
             </a:r>
@@ -10026,7 +13870,7 @@
           <a:p>
             <a:r>
               <a:rPr lang="en-US" altLang="zh-CN" dirty="0">
-                <a:hlinkClick r:id="rId2"/>
+                <a:hlinkClick r:id="rId5"/>
               </a:rPr>
               <a:t>https://newgr8player.gitee.io/</a:t>
             </a:r>
@@ -10036,7 +13880,7 @@
       </p:sp>
     </p:spTree>
     <p:custDataLst>
-      <p:tags r:id="rId3"/>
+      <p:tags r:id="rId1"/>
     </p:custDataLst>
   </p:cSld>
   <p:clrMapOvr>
@@ -10045,7 +13889,239 @@
 </p:sld>
 </file>
 
-<file path=ppt/slides/slide14.xml><?xml version="1.0" encoding="utf-8"?>
+<file path=ppt/slides/slide3.xml><?xml version="1.0" encoding="utf-8"?>
+<p:sld xmlns:a="http://schemas.openxmlformats.org/drawingml/2006/main" xmlns:r="http://schemas.openxmlformats.org/officeDocument/2006/relationships" xmlns:p="http://schemas.openxmlformats.org/presentationml/2006/main">
+  <p:cSld>
+    <p:spTree>
+      <p:nvGrpSpPr>
+        <p:cNvPr id="1" name=""/>
+        <p:cNvGrpSpPr/>
+        <p:nvPr/>
+      </p:nvGrpSpPr>
+      <p:grpSpPr>
+        <a:xfrm>
+          <a:off x="0" y="0"/>
+          <a:ext cx="0" cy="0"/>
+          <a:chOff x="0" y="0"/>
+          <a:chExt cx="0" cy="0"/>
+        </a:xfrm>
+      </p:grpSpPr>
+      <p:sp>
+        <p:nvSpPr>
+          <p:cNvPr id="8" name="标题 1"/>
+          <p:cNvSpPr txBox="1"/>
+          <p:nvPr>
+            <p:custDataLst>
+              <p:tags r:id="rId2"/>
+            </p:custDataLst>
+          </p:nvPr>
+        </p:nvSpPr>
+        <p:spPr>
+          <a:xfrm>
+            <a:off x="571608" y="661194"/>
+            <a:ext cx="7886700" cy="994172"/>
+          </a:xfrm>
+          <a:prstGeom prst="rect">
+            <a:avLst/>
+          </a:prstGeom>
+        </p:spPr>
+        <p:txBody>
+          <a:bodyPr vert="horz" wrap="square" lIns="68580" tIns="34290" rIns="68580" bIns="34290" rtlCol="0" anchor="ctr">
+            <a:normAutofit/>
+          </a:bodyPr>
+          <a:lstStyle>
+            <a:lvl1pPr defTabSz="914400">
+              <a:lnSpc>
+                <a:spcPct val="120000"/>
+              </a:lnSpc>
+              <a:spcBef>
+                <a:spcPct val="0"/>
+              </a:spcBef>
+              <a:buNone/>
+              <a:defRPr sz="3600">
+                <a:solidFill>
+                  <a:schemeClr val="tx1">
+                    <a:lumMod val="75000"/>
+                    <a:lumOff val="25000"/>
+                  </a:schemeClr>
+                </a:solidFill>
+                <a:latin typeface="+mj-lt"/>
+                <a:ea typeface="+mj-ea"/>
+                <a:cs typeface="+mj-cs"/>
+              </a:defRPr>
+            </a:lvl1pPr>
+          </a:lstStyle>
+          <a:p>
+            <a:r>
+              <a:rPr lang="zh-CN" altLang="en-US" dirty="0"/>
+              <a:t>采用设计模式的好处</a:t>
+            </a:r>
+          </a:p>
+        </p:txBody>
+      </p:sp>
+      <p:sp>
+        <p:nvSpPr>
+          <p:cNvPr id="3" name="文本框 2"/>
+          <p:cNvSpPr txBox="1"/>
+          <p:nvPr/>
+        </p:nvSpPr>
+        <p:spPr>
+          <a:xfrm>
+            <a:off x="566431" y="2057436"/>
+            <a:ext cx="8334776" cy="4458849"/>
+          </a:xfrm>
+          <a:prstGeom prst="rect">
+            <a:avLst/>
+          </a:prstGeom>
+          <a:noFill/>
+        </p:spPr>
+        <p:txBody>
+          <a:bodyPr wrap="square" rtlCol="0">
+            <a:spAutoFit/>
+          </a:bodyPr>
+          <a:lstStyle/>
+          <a:p>
+            <a:pPr marL="342900" indent="-342900" eaLnBrk="1" hangingPunct="1">
+              <a:lnSpc>
+                <a:spcPct val="150000"/>
+              </a:lnSpc>
+              <a:buClr>
+                <a:srgbClr val="0070C0"/>
+              </a:buClr>
+              <a:buFont typeface="Wingdings" panose="05000000000000000000" pitchFamily="2" charset="2"/>
+              <a:buChar char="Ø"/>
+            </a:pPr>
+            <a:r>
+              <a:rPr lang="zh-CN" altLang="en-US" dirty="0"/>
+              <a:t>重用，避免代码重复冗余</a:t>
+            </a:r>
+          </a:p>
+          <a:p>
+            <a:pPr marL="342900" indent="-342900" eaLnBrk="1" hangingPunct="1">
+              <a:lnSpc>
+                <a:spcPct val="150000"/>
+              </a:lnSpc>
+              <a:buClr>
+                <a:srgbClr val="0070C0"/>
+              </a:buClr>
+              <a:buFont typeface="Wingdings" panose="05000000000000000000" pitchFamily="2" charset="2"/>
+              <a:buChar char="Ø"/>
+            </a:pPr>
+            <a:r>
+              <a:rPr lang="zh-CN" altLang="en-US" dirty="0"/>
+              <a:t>优化体系结构</a:t>
+            </a:r>
+          </a:p>
+          <a:p>
+            <a:pPr marL="342900" indent="-342900" eaLnBrk="1" hangingPunct="1">
+              <a:lnSpc>
+                <a:spcPct val="150000"/>
+              </a:lnSpc>
+              <a:buClr>
+                <a:srgbClr val="0070C0"/>
+              </a:buClr>
+              <a:buFont typeface="Wingdings" panose="05000000000000000000" pitchFamily="2" charset="2"/>
+              <a:buChar char="Ø"/>
+            </a:pPr>
+            <a:r>
+              <a:rPr lang="zh-CN" altLang="en-US" dirty="0"/>
+              <a:t>提升系统的可维护性和弹性</a:t>
+            </a:r>
+          </a:p>
+          <a:p>
+            <a:pPr marL="342900" indent="-342900" eaLnBrk="1" hangingPunct="1">
+              <a:lnSpc>
+                <a:spcPct val="150000"/>
+              </a:lnSpc>
+              <a:buClr>
+                <a:srgbClr val="0070C0"/>
+              </a:buClr>
+              <a:buFont typeface="Wingdings" panose="05000000000000000000" pitchFamily="2" charset="2"/>
+              <a:buChar char="Ø"/>
+            </a:pPr>
+            <a:r>
+              <a:rPr lang="zh-CN" altLang="en-US" dirty="0"/>
+              <a:t>代码更加容易测试，利于测试驱动</a:t>
+            </a:r>
+          </a:p>
+          <a:p>
+            <a:pPr marL="342900" indent="-342900" eaLnBrk="1" hangingPunct="1">
+              <a:lnSpc>
+                <a:spcPct val="150000"/>
+              </a:lnSpc>
+              <a:buClr>
+                <a:srgbClr val="0070C0"/>
+              </a:buClr>
+              <a:buFont typeface="Wingdings" panose="05000000000000000000" pitchFamily="2" charset="2"/>
+              <a:buChar char="Ø"/>
+            </a:pPr>
+            <a:r>
+              <a:rPr lang="zh-CN" altLang="en-US" dirty="0"/>
+              <a:t>为性能优化提供便利</a:t>
+            </a:r>
+          </a:p>
+          <a:p>
+            <a:pPr marL="342900" indent="-342900" eaLnBrk="1" hangingPunct="1">
+              <a:lnSpc>
+                <a:spcPct val="150000"/>
+              </a:lnSpc>
+              <a:buClr>
+                <a:srgbClr val="0070C0"/>
+              </a:buClr>
+              <a:buFont typeface="Wingdings" panose="05000000000000000000" pitchFamily="2" charset="2"/>
+              <a:buChar char="Ø"/>
+            </a:pPr>
+            <a:r>
+              <a:rPr lang="zh-CN" altLang="en-US" dirty="0"/>
+              <a:t>使软件质量更加有保证</a:t>
+            </a:r>
+          </a:p>
+          <a:p>
+            <a:pPr marL="342900" indent="-342900" eaLnBrk="1" hangingPunct="1">
+              <a:lnSpc>
+                <a:spcPct val="150000"/>
+              </a:lnSpc>
+              <a:buClr>
+                <a:srgbClr val="0070C0"/>
+              </a:buClr>
+              <a:buFont typeface="Wingdings" panose="05000000000000000000" pitchFamily="2" charset="2"/>
+              <a:buChar char="Ø"/>
+            </a:pPr>
+            <a:r>
+              <a:rPr lang="zh-CN" altLang="en-US" dirty="0"/>
+              <a:t>增强代码可读性，便于团队交流</a:t>
+            </a:r>
+          </a:p>
+          <a:p>
+            <a:pPr marL="342900" indent="-342900" eaLnBrk="1" hangingPunct="1">
+              <a:lnSpc>
+                <a:spcPct val="150000"/>
+              </a:lnSpc>
+              <a:buClr>
+                <a:srgbClr val="0070C0"/>
+              </a:buClr>
+              <a:buFont typeface="Wingdings" panose="05000000000000000000" pitchFamily="2" charset="2"/>
+              <a:buChar char="Ø"/>
+            </a:pPr>
+            <a:r>
+              <a:rPr lang="zh-CN" altLang="en-US" dirty="0"/>
+              <a:t>有助于整体提升团队水平</a:t>
+            </a:r>
+          </a:p>
+        </p:txBody>
+      </p:sp>
+    </p:spTree>
+    <p:custDataLst>
+      <p:tags r:id="rId1"/>
+    </p:custDataLst>
+  </p:cSld>
+  <p:clrMapOvr>
+    <a:masterClrMapping/>
+  </p:clrMapOvr>
+</p:sld>
+</file>
+
+<file path=ppt/slides/slide30.xml><?xml version="1.0" encoding="utf-8"?>
 <p:sld xmlns:a="http://schemas.openxmlformats.org/drawingml/2006/main" xmlns:r="http://schemas.openxmlformats.org/officeDocument/2006/relationships" xmlns:p="http://schemas.openxmlformats.org/presentationml/2006/main">
   <p:cSld>
     <p:spTree>
@@ -10073,7 +14149,7 @@
 </p:sld>
 </file>
 
-<file path=ppt/slides/slide2.xml><?xml version="1.0" encoding="utf-8"?>
+<file path=ppt/slides/slide4.xml><?xml version="1.0" encoding="utf-8"?>
 <p:sld xmlns:a="http://schemas.openxmlformats.org/drawingml/2006/main" xmlns:r="http://schemas.openxmlformats.org/officeDocument/2006/relationships" xmlns:p="http://schemas.openxmlformats.org/presentationml/2006/main">
   <p:cSld>
     <p:spTree>
@@ -10096,7 +14172,7 @@
           <p:cNvSpPr txBox="1"/>
           <p:nvPr>
             <p:custDataLst>
-              <p:tags r:id="rId1"/>
+              <p:tags r:id="rId2"/>
             </p:custDataLst>
           </p:nvPr>
         </p:nvSpPr>
@@ -10138,9 +14214,8 @@
           <a:p>
             <a:r>
               <a:rPr lang="zh-CN" altLang="en-US" dirty="0"/>
-              <a:t>什么是设计模式</a:t>
-            </a:r>
-            <a:endParaRPr lang="zh-CN" altLang="en-US" dirty="0"/>
+              <a:t>设计模式、重构和反设计模式</a:t>
+            </a:r>
           </a:p>
         </p:txBody>
       </p:sp>
@@ -10153,7 +14228,7 @@
         <p:spPr>
           <a:xfrm>
             <a:off x="566431" y="2057436"/>
-            <a:ext cx="8334776" cy="3231654"/>
+            <a:ext cx="8334776" cy="3170804"/>
           </a:xfrm>
           <a:prstGeom prst="rect">
             <a:avLst/>
@@ -10166,65 +14241,90 @@
           </a:bodyPr>
           <a:lstStyle/>
           <a:p>
-            <a:pPr indent="628650" eaLnBrk="1" hangingPunct="1">
+            <a:pPr marL="342900" indent="-342900" eaLnBrk="1" hangingPunct="1">
               <a:lnSpc>
-                <a:spcPct val="150000"/>
+                <a:spcPct val="105000"/>
               </a:lnSpc>
+              <a:buClr>
+                <a:srgbClr val="0070C0"/>
+              </a:buClr>
               <a:buFont typeface="Wingdings" panose="05000000000000000000" pitchFamily="2" charset="2"/>
-              <a:buNone/>
+              <a:buChar char="Ø"/>
             </a:pPr>
             <a:r>
-              <a:rPr lang="zh-CN" altLang="en-US" dirty="0"/>
-              <a:t>在面向对象程序设计（</a:t>
-            </a:r>
-            <a:r>
-              <a:rPr lang="en-US" altLang="zh-CN" dirty="0"/>
-              <a:t>OOP）</a:t>
-            </a:r>
-            <a:r>
-              <a:rPr lang="zh-CN" altLang="en-US" dirty="0"/>
-              <a:t>过程中，我们经常会遇到很多重复出现的问题，总结解决这些问题的成功经验和最佳实践便形成了设计模式（</a:t>
-            </a:r>
-            <a:r>
-              <a:rPr lang="en-US" altLang="zh-CN" dirty="0"/>
-              <a:t>Design Pattern）。</a:t>
-            </a:r>
-            <a:endParaRPr lang="en-US" altLang="zh-CN" dirty="0"/>
-          </a:p>
-          <a:p>
-            <a:pPr eaLnBrk="1" hangingPunct="1">
-              <a:lnSpc>
-                <a:spcPct val="150000"/>
-              </a:lnSpc>
-              <a:buFont typeface="Wingdings" panose="05000000000000000000" pitchFamily="2" charset="2"/>
-              <a:buNone/>
-            </a:pPr>
-            <a:r>
-              <a:rPr lang="zh-CN" altLang="en-US" dirty="0"/>
-              <a:t>        其核心思想是</a:t>
-            </a:r>
-            <a:r>
-              <a:rPr lang="zh-CN" altLang="en-US" u="sng" dirty="0">
+              <a:rPr lang="zh-CN" altLang="en-US" dirty="0">
                 <a:solidFill>
                   <a:srgbClr val="0070C0"/>
                 </a:solidFill>
               </a:rPr>
-              <a:t>将可重用的解决方案总结出来，并分门别类</a:t>
-            </a:r>
-            <a:r>
-              <a:rPr lang="zh-CN" altLang="en-US" dirty="0"/>
-              <a:t>。从而指导设计，减少代码重复和优化体系结构。</a:t>
-            </a:r>
-            <a:endParaRPr lang="zh-CN" altLang="en-US" dirty="0"/>
-          </a:p>
-          <a:p>
-            <a:endParaRPr lang="zh-CN" altLang="en-US" dirty="0"/>
+              <a:t>设计模式</a:t>
+            </a:r>
+            <a:r>
+              <a:rPr lang="zh-CN" altLang="en-US" dirty="0"/>
+              <a:t>是成功经验和最佳实践的总结，指导设计人员采用正确精良的设计。</a:t>
+            </a:r>
+          </a:p>
+          <a:p>
+            <a:pPr marL="342900" indent="-342900" eaLnBrk="1" hangingPunct="1">
+              <a:lnSpc>
+                <a:spcPct val="105000"/>
+              </a:lnSpc>
+              <a:buClr>
+                <a:srgbClr val="0070C0"/>
+              </a:buClr>
+              <a:buFont typeface="Wingdings" panose="05000000000000000000" pitchFamily="2" charset="2"/>
+              <a:buChar char="Ø"/>
+            </a:pPr>
+            <a:r>
+              <a:rPr lang="zh-CN" altLang="en-US" dirty="0">
+                <a:solidFill>
+                  <a:srgbClr val="0070C0"/>
+                </a:solidFill>
+              </a:rPr>
+              <a:t>重构（</a:t>
+            </a:r>
+            <a:r>
+              <a:rPr lang="en-US" altLang="zh-CN" dirty="0">
+                <a:solidFill>
+                  <a:srgbClr val="0070C0"/>
+                </a:solidFill>
+              </a:rPr>
+              <a:t>Refactor）</a:t>
+            </a:r>
+            <a:r>
+              <a:rPr lang="zh-CN" altLang="en-US" dirty="0"/>
+              <a:t>专注于软件的渐进完善。通过消除重复冗余代码，并将存在体系结构缺陷的代码重新构建成符合设计模式的代码来达到设计精良软件的目的。</a:t>
+            </a:r>
+          </a:p>
+          <a:p>
+            <a:pPr marL="342900" indent="-342900" eaLnBrk="1" hangingPunct="1">
+              <a:lnSpc>
+                <a:spcPct val="105000"/>
+              </a:lnSpc>
+              <a:buClr>
+                <a:srgbClr val="0070C0"/>
+              </a:buClr>
+              <a:buFont typeface="Wingdings" panose="05000000000000000000" pitchFamily="2" charset="2"/>
+              <a:buChar char="Ø"/>
+            </a:pPr>
+            <a:r>
+              <a:rPr lang="zh-CN" altLang="en-US" dirty="0">
+                <a:solidFill>
+                  <a:srgbClr val="0070C0"/>
+                </a:solidFill>
+              </a:rPr>
+              <a:t>反设计模式</a:t>
+            </a:r>
+            <a:r>
+              <a:rPr lang="zh-CN" altLang="en-US" dirty="0"/>
+              <a:t>与设计模式相反，是失败教训的总结。其澄清了许多设计中经常面临的陷阱和容易混淆的问题，能有效防止开发人员犯错误，从而做出正确选择。</a:t>
+            </a:r>
           </a:p>
         </p:txBody>
       </p:sp>
     </p:spTree>
     <p:custDataLst>
-      <p:tags r:id="rId2"/>
+      <p:tags r:id="rId1"/>
     </p:custDataLst>
   </p:cSld>
   <p:clrMapOvr>
@@ -10233,7 +14333,7 @@
 </p:sld>
 </file>
 
-<file path=ppt/slides/slide3.xml><?xml version="1.0" encoding="utf-8"?>
+<file path=ppt/slides/slide5.xml><?xml version="1.0" encoding="utf-8"?>
 <p:sld xmlns:a="http://schemas.openxmlformats.org/drawingml/2006/main" xmlns:r="http://schemas.openxmlformats.org/officeDocument/2006/relationships" xmlns:p="http://schemas.openxmlformats.org/presentationml/2006/main">
   <p:cSld>
     <p:spTree>
@@ -10256,7 +14356,7 @@
           <p:cNvSpPr txBox="1"/>
           <p:nvPr>
             <p:custDataLst>
-              <p:tags r:id="rId1"/>
+              <p:tags r:id="rId2"/>
             </p:custDataLst>
           </p:nvPr>
         </p:nvSpPr>
@@ -10298,7 +14398,11 @@
           <a:p>
             <a:r>
               <a:rPr lang="zh-CN" altLang="en-US" dirty="0"/>
-              <a:t>采用设计模式的好处</a:t>
+              <a:t>设计模式与</a:t>
+            </a:r>
+            <a:r>
+              <a:rPr lang="en-US" altLang="zh-CN" dirty="0"/>
+              <a:t>UML</a:t>
             </a:r>
             <a:endParaRPr lang="zh-CN" altLang="en-US" dirty="0"/>
           </a:p>
@@ -10313,7 +14417,7 @@
         <p:spPr>
           <a:xfrm>
             <a:off x="566431" y="2057436"/>
-            <a:ext cx="8334776" cy="4458849"/>
+            <a:ext cx="8334776" cy="2677656"/>
           </a:xfrm>
           <a:prstGeom prst="rect">
             <a:avLst/>
@@ -10326,146 +14430,82 @@
           </a:bodyPr>
           <a:lstStyle/>
           <a:p>
-            <a:pPr marL="342900" indent="-342900" eaLnBrk="1" hangingPunct="1">
-              <a:lnSpc>
-                <a:spcPct val="150000"/>
-              </a:lnSpc>
-              <a:buClr>
-                <a:srgbClr val="0070C0"/>
-              </a:buClr>
+            <a:pPr indent="535305" eaLnBrk="1" hangingPunct="1">
               <a:buFont typeface="Wingdings" panose="05000000000000000000" pitchFamily="2" charset="2"/>
-              <a:buChar char="Ø"/>
+              <a:buNone/>
             </a:pPr>
             <a:r>
-              <a:rPr lang="zh-CN" altLang="en-US" dirty="0"/>
-              <a:t>重用，避免代码重复冗余</a:t>
-            </a:r>
-            <a:endParaRPr lang="zh-CN" altLang="en-US" dirty="0"/>
-          </a:p>
-          <a:p>
-            <a:pPr marL="342900" indent="-342900" eaLnBrk="1" hangingPunct="1">
-              <a:lnSpc>
-                <a:spcPct val="150000"/>
-              </a:lnSpc>
-              <a:buClr>
-                <a:srgbClr val="0070C0"/>
-              </a:buClr>
+              <a:rPr lang="zh-CN" altLang="en-US" dirty="0">
+                <a:solidFill>
+                  <a:srgbClr val="0070C0"/>
+                </a:solidFill>
+              </a:rPr>
+              <a:t>设计模式</a:t>
+            </a:r>
+            <a:r>
+              <a:rPr lang="zh-CN" altLang="en-US" dirty="0"/>
+              <a:t>是</a:t>
+            </a:r>
+            <a:r>
+              <a:rPr lang="en-US" altLang="zh-CN" dirty="0"/>
+              <a:t>OOP</a:t>
+            </a:r>
+            <a:r>
+              <a:rPr lang="zh-CN" altLang="en-US" dirty="0"/>
+              <a:t>的方法论，其内容描述基本是围绕对象的结构和协作关系设计。因此需要一种直观的模型将上述内容清晰地表示出来。</a:t>
+            </a:r>
+          </a:p>
+          <a:p>
+            <a:pPr eaLnBrk="1" hangingPunct="1">
               <a:buFont typeface="Wingdings" panose="05000000000000000000" pitchFamily="2" charset="2"/>
-              <a:buChar char="Ø"/>
+              <a:buNone/>
             </a:pPr>
             <a:r>
               <a:rPr lang="zh-CN" altLang="en-US" dirty="0"/>
-              <a:t>优化体系结构</a:t>
-            </a:r>
-            <a:endParaRPr lang="zh-CN" altLang="en-US" dirty="0"/>
-          </a:p>
-          <a:p>
-            <a:pPr marL="342900" indent="-342900" eaLnBrk="1" hangingPunct="1">
-              <a:lnSpc>
-                <a:spcPct val="150000"/>
-              </a:lnSpc>
-              <a:buClr>
-                <a:srgbClr val="0070C0"/>
-              </a:buClr>
-              <a:buFont typeface="Wingdings" panose="05000000000000000000" pitchFamily="2" charset="2"/>
-              <a:buChar char="Ø"/>
-            </a:pPr>
-            <a:r>
-              <a:rPr lang="zh-CN" altLang="en-US" dirty="0"/>
-              <a:t>提升系统的可维护性和弹性</a:t>
-            </a:r>
-            <a:endParaRPr lang="zh-CN" altLang="en-US" dirty="0"/>
-          </a:p>
-          <a:p>
-            <a:pPr marL="342900" indent="-342900" eaLnBrk="1" hangingPunct="1">
-              <a:lnSpc>
-                <a:spcPct val="150000"/>
-              </a:lnSpc>
-              <a:buClr>
-                <a:srgbClr val="0070C0"/>
-              </a:buClr>
-              <a:buFont typeface="Wingdings" panose="05000000000000000000" pitchFamily="2" charset="2"/>
-              <a:buChar char="Ø"/>
-            </a:pPr>
-            <a:r>
-              <a:rPr lang="zh-CN" altLang="en-US" dirty="0"/>
-              <a:t>代码更加容易测试，利于测试驱动</a:t>
-            </a:r>
-            <a:endParaRPr lang="zh-CN" altLang="en-US" dirty="0"/>
-          </a:p>
-          <a:p>
-            <a:pPr marL="342900" indent="-342900" eaLnBrk="1" hangingPunct="1">
-              <a:lnSpc>
-                <a:spcPct val="150000"/>
-              </a:lnSpc>
-              <a:buClr>
-                <a:srgbClr val="0070C0"/>
-              </a:buClr>
-              <a:buFont typeface="Wingdings" panose="05000000000000000000" pitchFamily="2" charset="2"/>
-              <a:buChar char="Ø"/>
-            </a:pPr>
-            <a:r>
-              <a:rPr lang="zh-CN" altLang="en-US" dirty="0"/>
-              <a:t>为性能优化提供便利</a:t>
-            </a:r>
-            <a:endParaRPr lang="zh-CN" altLang="en-US" dirty="0"/>
-          </a:p>
-          <a:p>
-            <a:pPr marL="342900" indent="-342900" eaLnBrk="1" hangingPunct="1">
-              <a:lnSpc>
-                <a:spcPct val="150000"/>
-              </a:lnSpc>
-              <a:buClr>
-                <a:srgbClr val="0070C0"/>
-              </a:buClr>
-              <a:buFont typeface="Wingdings" panose="05000000000000000000" pitchFamily="2" charset="2"/>
-              <a:buChar char="Ø"/>
-            </a:pPr>
-            <a:r>
-              <a:rPr lang="zh-CN" altLang="en-US" dirty="0"/>
-              <a:t>使软件质量更加有保证</a:t>
-            </a:r>
-            <a:endParaRPr lang="zh-CN" altLang="en-US" dirty="0"/>
-          </a:p>
-          <a:p>
-            <a:pPr marL="342900" indent="-342900" eaLnBrk="1" hangingPunct="1">
-              <a:lnSpc>
-                <a:spcPct val="150000"/>
-              </a:lnSpc>
-              <a:buClr>
-                <a:srgbClr val="0070C0"/>
-              </a:buClr>
-              <a:buFont typeface="Wingdings" panose="05000000000000000000" pitchFamily="2" charset="2"/>
-              <a:buChar char="Ø"/>
-            </a:pPr>
-            <a:r>
-              <a:rPr lang="zh-CN" altLang="en-US" dirty="0"/>
-              <a:t>增强代码可读性，便于团队交流</a:t>
-            </a:r>
-            <a:endParaRPr lang="zh-CN" altLang="en-US" dirty="0"/>
-          </a:p>
-          <a:p>
-            <a:pPr marL="342900" indent="-342900" eaLnBrk="1" hangingPunct="1">
-              <a:lnSpc>
-                <a:spcPct val="150000"/>
-              </a:lnSpc>
-              <a:buClr>
-                <a:srgbClr val="0070C0"/>
-              </a:buClr>
-              <a:buFont typeface="Wingdings" panose="05000000000000000000" pitchFamily="2" charset="2"/>
-              <a:buChar char="Ø"/>
-            </a:pPr>
-            <a:r>
-              <a:rPr lang="zh-CN" altLang="en-US" dirty="0"/>
-              <a:t>有助于整体提升团队水平</a:t>
-            </a:r>
-            <a:endParaRPr lang="zh-CN" altLang="en-US" dirty="0"/>
+              <a:t>       </a:t>
+            </a:r>
+            <a:r>
+              <a:rPr lang="zh-CN" altLang="en-US" dirty="0">
+                <a:solidFill>
+                  <a:srgbClr val="0070C0"/>
+                </a:solidFill>
+              </a:rPr>
+              <a:t>统一建模语言（</a:t>
+            </a:r>
+            <a:r>
+              <a:rPr lang="en-US" altLang="zh-CN" dirty="0">
+                <a:solidFill>
+                  <a:srgbClr val="0070C0"/>
+                </a:solidFill>
+              </a:rPr>
+              <a:t>UML）</a:t>
+            </a:r>
+            <a:r>
+              <a:rPr lang="zh-CN" altLang="en-US" dirty="0"/>
+              <a:t>是</a:t>
+            </a:r>
+            <a:r>
+              <a:rPr lang="en-US" altLang="zh-CN" dirty="0"/>
+              <a:t>OOP</a:t>
+            </a:r>
+            <a:r>
+              <a:rPr lang="zh-CN" altLang="en-US" dirty="0"/>
+              <a:t>的建模语言，其核心就是把软件的设计思想通过建模的方法表达出来。故非常适合于表达设计模式。同时</a:t>
+            </a:r>
+            <a:r>
+              <a:rPr lang="en-US" altLang="zh-CN" dirty="0"/>
+              <a:t>UML</a:t>
+            </a:r>
+            <a:r>
+              <a:rPr lang="zh-CN" altLang="en-US" dirty="0"/>
+              <a:t>已经被广泛用于软件设计，这也推动了设计模式的应用。</a:t>
+            </a:r>
           </a:p>
         </p:txBody>
       </p:sp>
     </p:spTree>
     <p:custDataLst>
-      <p:tags r:id="rId2"/>
+      <p:tags r:id="rId1"/>
     </p:custDataLst>
   </p:cSld>
   <p:clrMapOvr>
@@ -10474,7 +14514,7 @@
 </p:sld>
 </file>
 
-<file path=ppt/slides/slide4.xml><?xml version="1.0" encoding="utf-8"?>
+<file path=ppt/slides/slide6.xml><?xml version="1.0" encoding="utf-8"?>
 <p:sld xmlns:a="http://schemas.openxmlformats.org/drawingml/2006/main" xmlns:r="http://schemas.openxmlformats.org/officeDocument/2006/relationships" xmlns:p="http://schemas.openxmlformats.org/presentationml/2006/main">
   <p:cSld>
     <p:spTree>
@@ -10497,7 +14537,7 @@
           <p:cNvSpPr txBox="1"/>
           <p:nvPr>
             <p:custDataLst>
-              <p:tags r:id="rId1"/>
+              <p:tags r:id="rId2"/>
             </p:custDataLst>
           </p:nvPr>
         </p:nvSpPr>
@@ -10539,9 +14579,8 @@
           <a:p>
             <a:r>
               <a:rPr lang="zh-CN" altLang="en-US" dirty="0"/>
-              <a:t>设计模式、重构和反设计模式</a:t>
-            </a:r>
-            <a:endParaRPr lang="zh-CN" altLang="en-US" dirty="0"/>
+              <a:t>设计模式分类</a:t>
+            </a:r>
           </a:p>
         </p:txBody>
       </p:sp>
@@ -10554,7 +14593,7 @@
         <p:spPr>
           <a:xfrm>
             <a:off x="566431" y="2057436"/>
-            <a:ext cx="8334776" cy="3170804"/>
+            <a:ext cx="8334776" cy="3313921"/>
           </a:xfrm>
           <a:prstGeom prst="rect">
             <a:avLst/>
@@ -10569,7 +14608,7 @@
           <a:p>
             <a:pPr marL="342900" indent="-342900" eaLnBrk="1" hangingPunct="1">
               <a:lnSpc>
-                <a:spcPct val="105000"/>
+                <a:spcPct val="110000"/>
               </a:lnSpc>
               <a:buClr>
                 <a:srgbClr val="0070C0"/>
@@ -10583,18 +14622,25 @@
                   <a:srgbClr val="0070C0"/>
                 </a:solidFill>
               </a:rPr>
-              <a:t>设计模式</a:t>
-            </a:r>
-            <a:r>
-              <a:rPr lang="zh-CN" altLang="en-US" dirty="0"/>
-              <a:t>是成功经验和最佳实践的总结，指导设计人员采用正确精良的设计。</a:t>
-            </a:r>
-            <a:endParaRPr lang="zh-CN" altLang="en-US" dirty="0"/>
+              <a:t>创建型模式</a:t>
+            </a:r>
+            <a:r>
+              <a:rPr lang="en-US" altLang="zh-CN" dirty="0">
+                <a:solidFill>
+                  <a:srgbClr val="0070C0"/>
+                </a:solidFill>
+              </a:rPr>
+              <a:t>(Creational patterns) </a:t>
+            </a:r>
+            <a:r>
+              <a:rPr lang="zh-CN" altLang="en-US" dirty="0"/>
+              <a:t>帮助我们更好地组织创建对象的代码。增强弹性，以应付在不同情况下创建和初始化对象的代码变更。</a:t>
+            </a:r>
           </a:p>
           <a:p>
             <a:pPr marL="342900" indent="-342900" eaLnBrk="1" hangingPunct="1">
               <a:lnSpc>
-                <a:spcPct val="105000"/>
+                <a:spcPct val="110000"/>
               </a:lnSpc>
               <a:buClr>
                 <a:srgbClr val="0070C0"/>
@@ -10608,7 +14654,7 @@
                   <a:srgbClr val="0070C0"/>
                 </a:solidFill>
               </a:rPr>
-              <a:t>重构（</a:t>
+              <a:t>结构型模式</a:t>
             </a:r>
             <a:r>
               <a:rPr lang="en-US" altLang="zh-CN" dirty="0">
@@ -10616,18 +14662,25 @@
                   <a:srgbClr val="0070C0"/>
                 </a:solidFill>
               </a:rPr>
-              <a:t>Refactor）</a:t>
-            </a:r>
-            <a:r>
-              <a:rPr lang="zh-CN" altLang="en-US" dirty="0"/>
-              <a:t>专注于软件的渐进完善。通过消除重复冗余代码，并将存在体系结构缺陷的代码重新构建成符合设计模式的代码来达到设计精良软件的目的。</a:t>
-            </a:r>
-            <a:endParaRPr lang="zh-CN" altLang="en-US" dirty="0"/>
+              <a:t>(Structural patterns) </a:t>
+            </a:r>
+            <a:r>
+              <a:rPr lang="zh-CN" altLang="en-US" dirty="0"/>
+              <a:t>增强代码重用，优化对象结构，使其职责分明、粒度合适，以松耦合的体系结构来减低代码的</a:t>
+            </a:r>
+            <a:r>
+              <a:rPr lang="en-US" altLang="zh-CN" dirty="0"/>
+              <a:t>rippling</a:t>
+            </a:r>
+            <a:r>
+              <a:rPr lang="zh-CN" altLang="en-US" dirty="0"/>
+              <a:t>效应。</a:t>
+            </a:r>
           </a:p>
           <a:p>
             <a:pPr marL="342900" indent="-342900" eaLnBrk="1" hangingPunct="1">
               <a:lnSpc>
-                <a:spcPct val="105000"/>
+                <a:spcPct val="110000"/>
               </a:lnSpc>
               <a:buClr>
                 <a:srgbClr val="0070C0"/>
@@ -10641,19 +14694,26 @@
                   <a:srgbClr val="0070C0"/>
                 </a:solidFill>
               </a:rPr>
-              <a:t>反设计模式</a:t>
-            </a:r>
-            <a:r>
-              <a:rPr lang="zh-CN" altLang="en-US" dirty="0"/>
-              <a:t>与设计模式相反，是失败教训的总结。其澄清了许多设计中经常面临的陷阱和容易混淆的问题，能有效防止开发人员犯错误，从而做出正确选择。</a:t>
-            </a:r>
-            <a:endParaRPr lang="zh-CN" altLang="en-US" dirty="0"/>
+              <a:t>行为型模式</a:t>
+            </a:r>
+            <a:r>
+              <a:rPr lang="en-US" altLang="zh-CN" dirty="0">
+                <a:solidFill>
+                  <a:srgbClr val="0070C0"/>
+                </a:solidFill>
+              </a:rPr>
+              <a:t>(Behavioral patterns) </a:t>
+            </a:r>
+            <a:r>
+              <a:rPr lang="zh-CN" altLang="en-US" dirty="0"/>
+              <a:t>更好地定义对象间的协作关系，使复杂的程序流程变得清晰。</a:t>
+            </a:r>
           </a:p>
         </p:txBody>
       </p:sp>
     </p:spTree>
     <p:custDataLst>
-      <p:tags r:id="rId2"/>
+      <p:tags r:id="rId1"/>
     </p:custDataLst>
   </p:cSld>
   <p:clrMapOvr>
@@ -10662,7 +14722,7 @@
 </p:sld>
 </file>
 
-<file path=ppt/slides/slide5.xml><?xml version="1.0" encoding="utf-8"?>
+<file path=ppt/slides/slide7.xml><?xml version="1.0" encoding="utf-8"?>
 <p:sld xmlns:a="http://schemas.openxmlformats.org/drawingml/2006/main" xmlns:r="http://schemas.openxmlformats.org/officeDocument/2006/relationships" xmlns:p="http://schemas.openxmlformats.org/presentationml/2006/main">
   <p:cSld>
     <p:spTree>
@@ -10681,11 +14741,83 @@
       </p:grpSpPr>
       <p:sp>
         <p:nvSpPr>
+          <p:cNvPr id="2" name="标题 1"/>
+          <p:cNvSpPr>
+            <a:spLocks noGrp="1"/>
+          </p:cNvSpPr>
+          <p:nvPr>
+            <p:ph type="title"/>
+          </p:nvPr>
+        </p:nvSpPr>
+        <p:spPr/>
+        <p:txBody>
+          <a:bodyPr>
+            <a:normAutofit/>
+          </a:bodyPr>
+          <a:lstStyle/>
+          <a:p>
+            <a:r>
+              <a:rPr lang="en-US" altLang="zh-CN" dirty="0"/>
+              <a:t>Design Principle</a:t>
+            </a:r>
+            <a:endParaRPr lang="zh-CN" altLang="en-US" dirty="0"/>
+          </a:p>
+        </p:txBody>
+      </p:sp>
+      <p:sp>
+        <p:nvSpPr>
+          <p:cNvPr id="3" name="内容占位符 2"/>
+          <p:cNvSpPr>
+            <a:spLocks noGrp="1"/>
+          </p:cNvSpPr>
+          <p:nvPr>
+            <p:ph sz="quarter" idx="13"/>
+          </p:nvPr>
+        </p:nvSpPr>
+        <p:spPr/>
+        <p:txBody>
+          <a:bodyPr/>
+          <a:lstStyle/>
+          <a:p>
+            <a:r>
+              <a:rPr lang="zh-CN" altLang="en-US" dirty="0"/>
+              <a:t>设计原则</a:t>
+            </a:r>
+          </a:p>
+        </p:txBody>
+      </p:sp>
+    </p:spTree>
+  </p:cSld>
+  <p:clrMapOvr>
+    <a:masterClrMapping/>
+  </p:clrMapOvr>
+</p:sld>
+</file>
+
+<file path=ppt/slides/slide8.xml><?xml version="1.0" encoding="utf-8"?>
+<p:sld xmlns:a="http://schemas.openxmlformats.org/drawingml/2006/main" xmlns:r="http://schemas.openxmlformats.org/officeDocument/2006/relationships" xmlns:p="http://schemas.openxmlformats.org/presentationml/2006/main">
+  <p:cSld>
+    <p:spTree>
+      <p:nvGrpSpPr>
+        <p:cNvPr id="1" name=""/>
+        <p:cNvGrpSpPr/>
+        <p:nvPr/>
+      </p:nvGrpSpPr>
+      <p:grpSpPr>
+        <a:xfrm>
+          <a:off x="0" y="0"/>
+          <a:ext cx="0" cy="0"/>
+          <a:chOff x="0" y="0"/>
+          <a:chExt cx="0" cy="0"/>
+        </a:xfrm>
+      </p:grpSpPr>
+      <p:sp>
+        <p:nvSpPr>
           <p:cNvPr id="8" name="标题 1"/>
           <p:cNvSpPr txBox="1"/>
           <p:nvPr>
             <p:custDataLst>
-              <p:tags r:id="rId1"/>
+              <p:tags r:id="rId2"/>
             </p:custDataLst>
           </p:nvPr>
         </p:nvSpPr>
@@ -10727,13 +14859,8 @@
           <a:p>
             <a:r>
               <a:rPr lang="zh-CN" altLang="en-US" dirty="0"/>
-              <a:t>设计模式与</a:t>
-            </a:r>
-            <a:r>
-              <a:rPr lang="en-US" altLang="zh-CN" dirty="0"/>
-              <a:t>UML</a:t>
-            </a:r>
-            <a:endParaRPr lang="zh-CN" altLang="en-US" dirty="0"/>
+              <a:t>设计原则</a:t>
+            </a:r>
           </a:p>
         </p:txBody>
       </p:sp>
@@ -10745,187 +14872,8 @@
         </p:nvSpPr>
         <p:spPr>
           <a:xfrm>
-            <a:off x="566431" y="2057436"/>
-            <a:ext cx="8334776" cy="2677656"/>
-          </a:xfrm>
-          <a:prstGeom prst="rect">
-            <a:avLst/>
-          </a:prstGeom>
-          <a:noFill/>
-        </p:spPr>
-        <p:txBody>
-          <a:bodyPr wrap="square" rtlCol="0">
-            <a:spAutoFit/>
-          </a:bodyPr>
-          <a:lstStyle/>
-          <a:p>
-            <a:pPr indent="535305" eaLnBrk="1" hangingPunct="1">
-              <a:buFont typeface="Wingdings" panose="05000000000000000000" pitchFamily="2" charset="2"/>
-              <a:buNone/>
-            </a:pPr>
-            <a:r>
-              <a:rPr lang="zh-CN" altLang="en-US" dirty="0">
-                <a:solidFill>
-                  <a:srgbClr val="0070C0"/>
-                </a:solidFill>
-              </a:rPr>
-              <a:t>设计模式</a:t>
-            </a:r>
-            <a:r>
-              <a:rPr lang="zh-CN" altLang="en-US" dirty="0"/>
-              <a:t>是</a:t>
-            </a:r>
-            <a:r>
-              <a:rPr lang="en-US" altLang="zh-CN" dirty="0"/>
-              <a:t>OOP</a:t>
-            </a:r>
-            <a:r>
-              <a:rPr lang="zh-CN" altLang="en-US" dirty="0"/>
-              <a:t>的方法论，其内容描述基本是围绕对象的结构和协作关系设计。因此需要一种直观的模型将上述内容清晰地表示出来。</a:t>
-            </a:r>
-            <a:endParaRPr lang="zh-CN" altLang="en-US" dirty="0"/>
-          </a:p>
-          <a:p>
-            <a:pPr eaLnBrk="1" hangingPunct="1">
-              <a:buFont typeface="Wingdings" panose="05000000000000000000" pitchFamily="2" charset="2"/>
-              <a:buNone/>
-            </a:pPr>
-            <a:r>
-              <a:rPr lang="zh-CN" altLang="en-US" dirty="0"/>
-              <a:t>       </a:t>
-            </a:r>
-            <a:r>
-              <a:rPr lang="zh-CN" altLang="en-US" dirty="0">
-                <a:solidFill>
-                  <a:srgbClr val="0070C0"/>
-                </a:solidFill>
-              </a:rPr>
-              <a:t>统一建模语言（</a:t>
-            </a:r>
-            <a:r>
-              <a:rPr lang="en-US" altLang="zh-CN" dirty="0">
-                <a:solidFill>
-                  <a:srgbClr val="0070C0"/>
-                </a:solidFill>
-              </a:rPr>
-              <a:t>UML）</a:t>
-            </a:r>
-            <a:r>
-              <a:rPr lang="zh-CN" altLang="en-US" dirty="0"/>
-              <a:t>是</a:t>
-            </a:r>
-            <a:r>
-              <a:rPr lang="en-US" altLang="zh-CN" dirty="0"/>
-              <a:t>OOP</a:t>
-            </a:r>
-            <a:r>
-              <a:rPr lang="zh-CN" altLang="en-US" dirty="0"/>
-              <a:t>的建模语言，其核心就是把软件的设计思想通过建模的方法表达出来。故非常适合于表达设计模式。同时</a:t>
-            </a:r>
-            <a:r>
-              <a:rPr lang="en-US" altLang="zh-CN" dirty="0"/>
-              <a:t>UML</a:t>
-            </a:r>
-            <a:r>
-              <a:rPr lang="zh-CN" altLang="en-US" dirty="0"/>
-              <a:t>已经被广泛用于软件设计，这也推动了设计模式的应用。</a:t>
-            </a:r>
-            <a:endParaRPr lang="zh-CN" altLang="en-US" dirty="0"/>
-          </a:p>
-        </p:txBody>
-      </p:sp>
-    </p:spTree>
-    <p:custDataLst>
-      <p:tags r:id="rId2"/>
-    </p:custDataLst>
-  </p:cSld>
-  <p:clrMapOvr>
-    <a:masterClrMapping/>
-  </p:clrMapOvr>
-</p:sld>
-</file>
-
-<file path=ppt/slides/slide6.xml><?xml version="1.0" encoding="utf-8"?>
-<p:sld xmlns:a="http://schemas.openxmlformats.org/drawingml/2006/main" xmlns:r="http://schemas.openxmlformats.org/officeDocument/2006/relationships" xmlns:p="http://schemas.openxmlformats.org/presentationml/2006/main">
-  <p:cSld>
-    <p:spTree>
-      <p:nvGrpSpPr>
-        <p:cNvPr id="1" name=""/>
-        <p:cNvGrpSpPr/>
-        <p:nvPr/>
-      </p:nvGrpSpPr>
-      <p:grpSpPr>
-        <a:xfrm>
-          <a:off x="0" y="0"/>
-          <a:ext cx="0" cy="0"/>
-          <a:chOff x="0" y="0"/>
-          <a:chExt cx="0" cy="0"/>
-        </a:xfrm>
-      </p:grpSpPr>
-      <p:sp>
-        <p:nvSpPr>
-          <p:cNvPr id="8" name="标题 1"/>
-          <p:cNvSpPr txBox="1"/>
-          <p:nvPr>
-            <p:custDataLst>
-              <p:tags r:id="rId1"/>
-            </p:custDataLst>
-          </p:nvPr>
-        </p:nvSpPr>
-        <p:spPr>
-          <a:xfrm>
-            <a:off x="571608" y="661194"/>
-            <a:ext cx="7886700" cy="994172"/>
-          </a:xfrm>
-          <a:prstGeom prst="rect">
-            <a:avLst/>
-          </a:prstGeom>
-        </p:spPr>
-        <p:txBody>
-          <a:bodyPr vert="horz" wrap="square" lIns="68580" tIns="34290" rIns="68580" bIns="34290" rtlCol="0" anchor="ctr">
-            <a:normAutofit/>
-          </a:bodyPr>
-          <a:lstStyle>
-            <a:lvl1pPr defTabSz="914400">
-              <a:lnSpc>
-                <a:spcPct val="120000"/>
-              </a:lnSpc>
-              <a:spcBef>
-                <a:spcPct val="0"/>
-              </a:spcBef>
-              <a:buNone/>
-              <a:defRPr sz="3600">
-                <a:solidFill>
-                  <a:schemeClr val="tx1">
-                    <a:lumMod val="75000"/>
-                    <a:lumOff val="25000"/>
-                  </a:schemeClr>
-                </a:solidFill>
-                <a:latin typeface="+mj-lt"/>
-                <a:ea typeface="+mj-ea"/>
-                <a:cs typeface="+mj-cs"/>
-              </a:defRPr>
-            </a:lvl1pPr>
-          </a:lstStyle>
-          <a:p>
-            <a:r>
-              <a:rPr lang="zh-CN" altLang="en-US" dirty="0"/>
-              <a:t>设计模式分类</a:t>
-            </a:r>
-            <a:endParaRPr lang="zh-CN" altLang="en-US" dirty="0"/>
-          </a:p>
-        </p:txBody>
-      </p:sp>
-      <p:sp>
-        <p:nvSpPr>
-          <p:cNvPr id="3" name="文本框 2"/>
-          <p:cNvSpPr txBox="1"/>
-          <p:nvPr/>
-        </p:nvSpPr>
-        <p:spPr>
-          <a:xfrm>
-            <a:off x="566431" y="2057436"/>
-            <a:ext cx="8334776" cy="3313921"/>
+            <a:off x="571608" y="1828842"/>
+            <a:ext cx="8334776" cy="4938083"/>
           </a:xfrm>
           <a:prstGeom prst="rect">
             <a:avLst/>
@@ -10949,26 +14897,41 @@
               <a:buChar char="Ø"/>
             </a:pPr>
             <a:r>
-              <a:rPr lang="zh-CN" altLang="en-US" dirty="0">
-                <a:solidFill>
-                  <a:srgbClr val="0070C0"/>
-                </a:solidFill>
-              </a:rPr>
-              <a:t>创建型模式</a:t>
-            </a:r>
-            <a:r>
-              <a:rPr lang="en-US" altLang="zh-CN" dirty="0">
-                <a:solidFill>
-                  <a:srgbClr val="0070C0"/>
-                </a:solidFill>
-              </a:rPr>
-              <a:t>(Creational patterns) </a:t>
-            </a:r>
-            <a:r>
-              <a:rPr lang="zh-CN" altLang="en-US" dirty="0"/>
-              <a:t>帮助我们更好地组织创建对象的代码。增强弹性，以应付在不同情况下创建和初始化对象的代码变更。</a:t>
-            </a:r>
-            <a:endParaRPr lang="zh-CN" altLang="en-US" dirty="0"/>
+              <a:rPr lang="zh-CN" altLang="zh-CN" dirty="0"/>
+              <a:t>单一职责原则</a:t>
+            </a:r>
+            <a:r>
+              <a:rPr lang="zh-CN" altLang="en-US" dirty="0"/>
+              <a:t>（</a:t>
+            </a:r>
+            <a:r>
+              <a:rPr lang="en-US" altLang="zh-CN" dirty="0"/>
+              <a:t>Single Responsibility Principle</a:t>
+            </a:r>
+            <a:r>
+              <a:rPr lang="zh-CN" altLang="en-US" dirty="0"/>
+              <a:t>，</a:t>
+            </a:r>
+            <a:r>
+              <a:rPr lang="en-US" altLang="zh-CN" dirty="0"/>
+              <a:t>SRP</a:t>
+            </a:r>
+            <a:r>
+              <a:rPr lang="zh-CN" altLang="en-US" dirty="0"/>
+              <a:t>）</a:t>
+            </a:r>
+            <a:endParaRPr lang="en-US" altLang="zh-CN" dirty="0"/>
+          </a:p>
+          <a:p>
+            <a:pPr eaLnBrk="1" hangingPunct="1">
+              <a:lnSpc>
+                <a:spcPct val="110000"/>
+              </a:lnSpc>
+              <a:buClr>
+                <a:srgbClr val="0070C0"/>
+              </a:buClr>
+            </a:pPr>
+            <a:endParaRPr lang="zh-CN" altLang="zh-CN" dirty="0"/>
           </a:p>
           <a:p>
             <a:pPr marL="342900" indent="-342900" eaLnBrk="1" hangingPunct="1">
@@ -10982,34 +14945,45 @@
               <a:buChar char="Ø"/>
             </a:pPr>
             <a:r>
-              <a:rPr lang="zh-CN" altLang="en-US" dirty="0">
-                <a:solidFill>
-                  <a:srgbClr val="0070C0"/>
-                </a:solidFill>
-              </a:rPr>
-              <a:t>结构型模式</a:t>
-            </a:r>
-            <a:r>
-              <a:rPr lang="en-US" altLang="zh-CN" dirty="0">
-                <a:solidFill>
-                  <a:srgbClr val="0070C0"/>
-                </a:solidFill>
-              </a:rPr>
-              <a:t>(Structural patterns) </a:t>
-            </a:r>
-            <a:r>
-              <a:rPr lang="zh-CN" altLang="en-US" dirty="0"/>
-              <a:t>增强代码重用，优化对象结构，使其职责分明、粒度合适，以松耦合的体系结构来减低代码的</a:t>
+              <a:rPr lang="zh-CN" altLang="zh-CN" dirty="0"/>
+              <a:t>里氏替换原则</a:t>
+            </a:r>
+            <a:r>
+              <a:rPr lang="zh-CN" altLang="en-US" dirty="0"/>
+              <a:t>（</a:t>
+            </a:r>
+            <a:r>
+              <a:rPr lang="en-US" altLang="zh-CN" dirty="0" err="1"/>
+              <a:t>Liskov</a:t>
             </a:r>
             <a:r>
               <a:rPr lang="en-US" altLang="zh-CN" dirty="0"/>
-              <a:t>rippling</a:t>
-            </a:r>
-            <a:r>
-              <a:rPr lang="zh-CN" altLang="en-US" dirty="0"/>
-              <a:t>效应。</a:t>
-            </a:r>
-            <a:endParaRPr lang="zh-CN" altLang="en-US" dirty="0"/>
+              <a:t> Substitution Principle</a:t>
+            </a:r>
+            <a:r>
+              <a:rPr lang="zh-CN" altLang="en-US" dirty="0"/>
+              <a:t>，</a:t>
+            </a:r>
+            <a:r>
+              <a:rPr lang="en-US" altLang="zh-CN" dirty="0"/>
+              <a:t>LSP</a:t>
+            </a:r>
+            <a:r>
+              <a:rPr lang="zh-CN" altLang="en-US" dirty="0"/>
+              <a:t>）</a:t>
+            </a:r>
+            <a:endParaRPr lang="en-US" altLang="zh-CN" dirty="0"/>
+          </a:p>
+          <a:p>
+            <a:pPr eaLnBrk="1" hangingPunct="1">
+              <a:lnSpc>
+                <a:spcPct val="110000"/>
+              </a:lnSpc>
+              <a:buClr>
+                <a:srgbClr val="0070C0"/>
+              </a:buClr>
+            </a:pPr>
+            <a:endParaRPr lang="zh-CN" altLang="zh-CN" dirty="0"/>
           </a:p>
           <a:p>
             <a:pPr marL="342900" indent="-342900" eaLnBrk="1" hangingPunct="1">
@@ -11023,205 +14997,42 @@
               <a:buChar char="Ø"/>
             </a:pPr>
             <a:r>
-              <a:rPr lang="zh-CN" altLang="en-US" dirty="0">
-                <a:solidFill>
-                  <a:srgbClr val="0070C0"/>
-                </a:solidFill>
-              </a:rPr>
-              <a:t>行为型模式</a:t>
-            </a:r>
-            <a:r>
-              <a:rPr lang="en-US" altLang="zh-CN" dirty="0">
-                <a:solidFill>
-                  <a:srgbClr val="0070C0"/>
-                </a:solidFill>
-              </a:rPr>
-              <a:t>(Behavioral patterns) </a:t>
-            </a:r>
-            <a:r>
-              <a:rPr lang="zh-CN" altLang="en-US" dirty="0"/>
-              <a:t>更好地定义对象间的协作关系，使复杂的程序流程变得清晰。</a:t>
-            </a:r>
-            <a:endParaRPr lang="zh-CN" altLang="en-US" dirty="0"/>
-          </a:p>
-        </p:txBody>
-      </p:sp>
-    </p:spTree>
-    <p:custDataLst>
-      <p:tags r:id="rId2"/>
-    </p:custDataLst>
-  </p:cSld>
-  <p:clrMapOvr>
-    <a:masterClrMapping/>
-  </p:clrMapOvr>
-</p:sld>
-</file>
-
-<file path=ppt/slides/slide7.xml><?xml version="1.0" encoding="utf-8"?>
-<p:sld xmlns:a="http://schemas.openxmlformats.org/drawingml/2006/main" xmlns:r="http://schemas.openxmlformats.org/officeDocument/2006/relationships" xmlns:p="http://schemas.openxmlformats.org/presentationml/2006/main">
-  <p:cSld>
-    <p:spTree>
-      <p:nvGrpSpPr>
-        <p:cNvPr id="1" name=""/>
-        <p:cNvGrpSpPr/>
-        <p:nvPr/>
-      </p:nvGrpSpPr>
-      <p:grpSpPr>
-        <a:xfrm>
-          <a:off x="0" y="0"/>
-          <a:ext cx="0" cy="0"/>
-          <a:chOff x="0" y="0"/>
-          <a:chExt cx="0" cy="0"/>
-        </a:xfrm>
-      </p:grpSpPr>
-      <p:sp>
-        <p:nvSpPr>
-          <p:cNvPr id="2" name="标题 1"/>
-          <p:cNvSpPr>
-            <a:spLocks noGrp="1"/>
-          </p:cNvSpPr>
-          <p:nvPr>
-            <p:ph type="title"/>
-          </p:nvPr>
-        </p:nvSpPr>
-        <p:spPr/>
-        <p:txBody>
-          <a:bodyPr>
-            <a:normAutofit/>
-          </a:bodyPr>
-          <a:lstStyle/>
-          <a:p>
+              <a:rPr lang="zh-CN" altLang="zh-CN" dirty="0"/>
+              <a:t>依赖倒置原则</a:t>
+            </a:r>
+            <a:r>
+              <a:rPr lang="zh-CN" altLang="en-US" dirty="0"/>
+              <a:t>（</a:t>
+            </a:r>
             <a:r>
               <a:rPr lang="en-US" altLang="zh-CN" dirty="0"/>
-              <a:t>Basic Principle</a:t>
-            </a:r>
-            <a:endParaRPr lang="zh-CN" altLang="en-US" dirty="0"/>
-          </a:p>
-        </p:txBody>
-      </p:sp>
-      <p:sp>
-        <p:nvSpPr>
-          <p:cNvPr id="3" name="内容占位符 2"/>
-          <p:cNvSpPr>
-            <a:spLocks noGrp="1"/>
-          </p:cNvSpPr>
-          <p:nvPr>
-            <p:ph sz="quarter" idx="13"/>
-          </p:nvPr>
-        </p:nvSpPr>
-        <p:spPr/>
-        <p:txBody>
-          <a:bodyPr/>
-          <a:lstStyle/>
-          <a:p>
-            <a:r>
-              <a:rPr lang="zh-CN" altLang="en-US" dirty="0"/>
-              <a:t>基本原则</a:t>
-            </a:r>
-            <a:endParaRPr lang="zh-CN" altLang="en-US" dirty="0"/>
-          </a:p>
-        </p:txBody>
-      </p:sp>
-    </p:spTree>
-  </p:cSld>
-  <p:clrMapOvr>
-    <a:masterClrMapping/>
-  </p:clrMapOvr>
-</p:sld>
-</file>
-
-<file path=ppt/slides/slide8.xml><?xml version="1.0" encoding="utf-8"?>
-<p:sld xmlns:a="http://schemas.openxmlformats.org/drawingml/2006/main" xmlns:r="http://schemas.openxmlformats.org/officeDocument/2006/relationships" xmlns:p="http://schemas.openxmlformats.org/presentationml/2006/main">
-  <p:cSld>
-    <p:spTree>
-      <p:nvGrpSpPr>
-        <p:cNvPr id="1" name=""/>
-        <p:cNvGrpSpPr/>
-        <p:nvPr/>
-      </p:nvGrpSpPr>
-      <p:grpSpPr>
-        <a:xfrm>
-          <a:off x="0" y="0"/>
-          <a:ext cx="0" cy="0"/>
-          <a:chOff x="0" y="0"/>
-          <a:chExt cx="0" cy="0"/>
-        </a:xfrm>
-      </p:grpSpPr>
-      <p:sp>
-        <p:nvSpPr>
-          <p:cNvPr id="8" name="标题 1"/>
-          <p:cNvSpPr txBox="1"/>
-          <p:nvPr>
-            <p:custDataLst>
-              <p:tags r:id="rId1"/>
-            </p:custDataLst>
-          </p:nvPr>
-        </p:nvSpPr>
-        <p:spPr>
-          <a:xfrm>
-            <a:off x="571608" y="661194"/>
-            <a:ext cx="7886700" cy="994172"/>
-          </a:xfrm>
-          <a:prstGeom prst="rect">
-            <a:avLst/>
-          </a:prstGeom>
-        </p:spPr>
-        <p:txBody>
-          <a:bodyPr vert="horz" wrap="square" lIns="68580" tIns="34290" rIns="68580" bIns="34290" rtlCol="0" anchor="ctr">
-            <a:normAutofit/>
-          </a:bodyPr>
-          <a:lstStyle>
-            <a:lvl1pPr defTabSz="914400">
+              <a:t>Dependence Inversion Principle</a:t>
+            </a:r>
+            <a:r>
+              <a:rPr lang="zh-CN" altLang="en-US" dirty="0"/>
+              <a:t>，</a:t>
+            </a:r>
+            <a:r>
+              <a:rPr lang="en-US" altLang="zh-CN" dirty="0"/>
+              <a:t>DIP</a:t>
+            </a:r>
+            <a:r>
+              <a:rPr lang="zh-CN" altLang="en-US" dirty="0"/>
+              <a:t>）</a:t>
+            </a:r>
+            <a:endParaRPr lang="en-US" altLang="zh-CN" dirty="0"/>
+          </a:p>
+          <a:p>
+            <a:pPr eaLnBrk="1" hangingPunct="1">
               <a:lnSpc>
-                <a:spcPct val="120000"/>
+                <a:spcPct val="110000"/>
               </a:lnSpc>
-              <a:spcBef>
-                <a:spcPct val="0"/>
-              </a:spcBef>
-              <a:buNone/>
-              <a:defRPr sz="3600">
-                <a:solidFill>
-                  <a:schemeClr val="tx1">
-                    <a:lumMod val="75000"/>
-                    <a:lumOff val="25000"/>
-                  </a:schemeClr>
-                </a:solidFill>
-                <a:latin typeface="+mj-lt"/>
-                <a:ea typeface="+mj-ea"/>
-                <a:cs typeface="+mj-cs"/>
-              </a:defRPr>
-            </a:lvl1pPr>
-          </a:lstStyle>
-          <a:p>
-            <a:r>
-              <a:rPr lang="zh-CN" altLang="en-US" dirty="0"/>
-              <a:t>基本原则</a:t>
-            </a:r>
-            <a:endParaRPr lang="zh-CN" altLang="en-US" dirty="0"/>
-          </a:p>
-        </p:txBody>
-      </p:sp>
-      <p:sp>
-        <p:nvSpPr>
-          <p:cNvPr id="3" name="文本框 2"/>
-          <p:cNvSpPr txBox="1"/>
-          <p:nvPr/>
-        </p:nvSpPr>
-        <p:spPr>
-          <a:xfrm>
-            <a:off x="566431" y="2057436"/>
-            <a:ext cx="8334776" cy="1714500"/>
-          </a:xfrm>
-          <a:prstGeom prst="rect">
-            <a:avLst/>
-          </a:prstGeom>
-          <a:noFill/>
-        </p:spPr>
-        <p:txBody>
-          <a:bodyPr wrap="square" rtlCol="0">
-            <a:spAutoFit/>
-          </a:bodyPr>
-          <a:lstStyle/>
+              <a:buClr>
+                <a:srgbClr val="0070C0"/>
+              </a:buClr>
+            </a:pPr>
+            <a:endParaRPr lang="en-US" altLang="zh-CN" dirty="0"/>
+          </a:p>
           <a:p>
             <a:pPr marL="342900" indent="-342900" eaLnBrk="1" hangingPunct="1">
               <a:lnSpc>
@@ -11234,10 +15045,37 @@
               <a:buChar char="Ø"/>
             </a:pPr>
             <a:r>
-              <a:rPr lang="zh-CN" altLang="zh-CN" dirty="0"/>
-              <a:t>单一职责原则</a:t>
-            </a:r>
-            <a:endParaRPr lang="zh-CN" altLang="zh-CN" dirty="0"/>
+              <a:rPr lang="zh-CN" altLang="en-US" dirty="0"/>
+              <a:t>接口隔离原则（</a:t>
+            </a:r>
+            <a:r>
+              <a:rPr lang="en-US" altLang="zh-CN" dirty="0"/>
+              <a:t>Interface Segregation Principle</a:t>
+            </a:r>
+            <a:r>
+              <a:rPr lang="zh-CN" altLang="en-US" dirty="0"/>
+              <a:t>，</a:t>
+            </a:r>
+            <a:r>
+              <a:rPr lang="en-US" altLang="zh-CN" dirty="0"/>
+              <a:t>ISP</a:t>
+            </a:r>
+            <a:r>
+              <a:rPr lang="zh-CN" altLang="en-US" dirty="0"/>
+              <a:t>）</a:t>
+            </a:r>
+            <a:endParaRPr lang="en-US" altLang="zh-CN" dirty="0"/>
+          </a:p>
+          <a:p>
+            <a:pPr eaLnBrk="1" hangingPunct="1">
+              <a:lnSpc>
+                <a:spcPct val="110000"/>
+              </a:lnSpc>
+              <a:buClr>
+                <a:srgbClr val="0070C0"/>
+              </a:buClr>
+            </a:pPr>
+            <a:endParaRPr lang="en-US" altLang="zh-CN" dirty="0"/>
           </a:p>
           <a:p>
             <a:pPr marL="342900" indent="-342900" eaLnBrk="1" hangingPunct="1">
@@ -11251,10 +15089,37 @@
               <a:buChar char="Ø"/>
             </a:pPr>
             <a:r>
-              <a:rPr lang="zh-CN" altLang="zh-CN" dirty="0"/>
-              <a:t>里氏替换原则</a:t>
-            </a:r>
-            <a:endParaRPr lang="zh-CN" altLang="zh-CN" dirty="0"/>
+              <a:rPr lang="zh-CN" altLang="en-US" dirty="0"/>
+              <a:t>最少知识原则（</a:t>
+            </a:r>
+            <a:r>
+              <a:rPr lang="en-US" altLang="zh-CN" dirty="0"/>
+              <a:t> Least Knowledge Principle </a:t>
+            </a:r>
+            <a:r>
+              <a:rPr lang="zh-CN" altLang="en-US" dirty="0"/>
+              <a:t>，</a:t>
+            </a:r>
+            <a:r>
+              <a:rPr lang="en-US" altLang="zh-CN" dirty="0"/>
+              <a:t>LKP</a:t>
+            </a:r>
+            <a:r>
+              <a:rPr lang="zh-CN" altLang="en-US" dirty="0"/>
+              <a:t>）</a:t>
+            </a:r>
+            <a:endParaRPr lang="en-US" altLang="zh-CN" dirty="0"/>
+          </a:p>
+          <a:p>
+            <a:pPr eaLnBrk="1" hangingPunct="1">
+              <a:lnSpc>
+                <a:spcPct val="110000"/>
+              </a:lnSpc>
+              <a:buClr>
+                <a:srgbClr val="0070C0"/>
+              </a:buClr>
+            </a:pPr>
+            <a:endParaRPr lang="en-US" altLang="zh-CN" dirty="0"/>
           </a:p>
           <a:p>
             <a:pPr marL="342900" indent="-342900" eaLnBrk="1" hangingPunct="1">
@@ -11268,8 +15133,24 @@
               <a:buChar char="Ø"/>
             </a:pPr>
             <a:r>
-              <a:rPr lang="zh-CN" altLang="zh-CN" dirty="0"/>
-              <a:t>依赖倒置原则</a:t>
+              <a:rPr lang="zh-CN" altLang="en-US" dirty="0"/>
+              <a:t>开闭原则（</a:t>
+            </a:r>
+            <a:r>
+              <a:rPr lang="en-US" altLang="zh-CN" dirty="0"/>
+              <a:t>Open Closed Principle</a:t>
+            </a:r>
+            <a:r>
+              <a:rPr lang="zh-CN" altLang="en-US" dirty="0"/>
+              <a:t>，</a:t>
+            </a:r>
+            <a:r>
+              <a:rPr lang="en-US" altLang="zh-CN" dirty="0"/>
+              <a:t>OCP</a:t>
+            </a:r>
+            <a:r>
+              <a:rPr lang="zh-CN" altLang="en-US" dirty="0"/>
+              <a:t>）</a:t>
             </a:r>
             <a:endParaRPr lang="zh-CN" altLang="zh-CN" dirty="0"/>
           </a:p>
@@ -11290,7 +15171,7 @@
       </p:sp>
     </p:spTree>
     <p:custDataLst>
-      <p:tags r:id="rId2"/>
+      <p:tags r:id="rId1"/>
     </p:custDataLst>
   </p:cSld>
   <p:clrMapOvr>
@@ -11326,21 +15207,34 @@
             <p:ph type="title"/>
           </p:nvPr>
         </p:nvSpPr>
-        <p:spPr/>
+        <p:spPr>
+          <a:xfrm>
+            <a:off x="1138792" y="3078833"/>
+            <a:ext cx="6856892" cy="830998"/>
+          </a:xfrm>
+        </p:spPr>
         <p:txBody>
           <a:bodyPr>
-            <a:normAutofit fontScale="90000"/>
+            <a:noAutofit/>
           </a:bodyPr>
           <a:lstStyle/>
           <a:p>
             <a:r>
-              <a:rPr lang="en-US" altLang="zh-CN" sz="3900" dirty="0"/>
-              <a:t>Creational Patterns</a:t>
-            </a:r>
-            <a:br>
-              <a:rPr lang="zh-CN" altLang="en-US" dirty="0"/>
-            </a:br>
-            <a:endParaRPr lang="zh-CN" altLang="en-US" dirty="0"/>
+              <a:rPr lang="en-US" altLang="zh-CN" sz="3600" dirty="0"/>
+              <a:t>Single Responsibility Principle</a:t>
+            </a:r>
+            <a:r>
+              <a:rPr lang="zh-CN" altLang="en-US" sz="3600" dirty="0"/>
+              <a:t>（</a:t>
+            </a:r>
+            <a:r>
+              <a:rPr lang="en-US" altLang="zh-CN" sz="3600" dirty="0"/>
+              <a:t>SRP</a:t>
+            </a:r>
+            <a:r>
+              <a:rPr lang="zh-CN" altLang="en-US" sz="3600" dirty="0"/>
+              <a:t>）</a:t>
+            </a:r>
           </a:p>
         </p:txBody>
       </p:sp>
@@ -11359,15 +15253,28 @@
           <a:bodyPr/>
           <a:lstStyle/>
           <a:p>
-            <a:r>
-              <a:rPr lang="zh-CN" altLang="en-US" b="1" dirty="0"/>
-              <a:t>创建型模式</a:t>
-            </a:r>
-            <a:endParaRPr lang="zh-CN" altLang="en-US" dirty="0"/>
+            <a:pPr>
+              <a:lnSpc>
+                <a:spcPct val="110000"/>
+              </a:lnSpc>
+              <a:buClr>
+                <a:srgbClr val="0070C0"/>
+              </a:buClr>
+            </a:pPr>
+            <a:r>
+              <a:rPr lang="zh-CN" altLang="zh-CN" dirty="0"/>
+              <a:t>单一职责原则</a:t>
+            </a:r>
+            <a:endParaRPr lang="en-US" altLang="zh-CN" dirty="0"/>
           </a:p>
         </p:txBody>
       </p:sp>
     </p:spTree>
+    <p:extLst>
+      <p:ext uri="{BB962C8B-B14F-4D97-AF65-F5344CB8AC3E}">
+        <p14:creationId xmlns:p14="http://schemas.microsoft.com/office/powerpoint/2010/main" val="2521730982"/>
+      </p:ext>
+    </p:extLst>
   </p:cSld>
   <p:clrMapOvr>
     <a:masterClrMapping/>
@@ -11376,7 +15283,91 @@
 </file>
 
 <file path=ppt/tags/tag1.xml><?xml version="1.0" encoding="utf-8"?>
-<p:tagLst xmlns:p="http://schemas.openxmlformats.org/presentationml/2006/main">
+<p:tagLst xmlns:a="http://schemas.openxmlformats.org/drawingml/2006/main" xmlns:r="http://schemas.openxmlformats.org/officeDocument/2006/relationships" xmlns:p="http://schemas.openxmlformats.org/presentationml/2006/main">
+  <p:tag name="KSO_WM_TAG_VERSION" val="1.0"/>
+  <p:tag name="KSO_WM_TEMPLATE_CATEGORY" val="custom"/>
+  <p:tag name="KSO_WM_TEMPLATE_INDEX" val="20186830"/>
+</p:tagLst>
+</file>
+
+<file path=ppt/tags/tag10.xml><?xml version="1.0" encoding="utf-8"?>
+<p:tagLst xmlns:a="http://schemas.openxmlformats.org/drawingml/2006/main" xmlns:r="http://schemas.openxmlformats.org/officeDocument/2006/relationships" xmlns:p="http://schemas.openxmlformats.org/presentationml/2006/main">
+  <p:tag name="KSO_WM_TAG_VERSION" val="1.0"/>
+  <p:tag name="KSO_WM_BEAUTIFY_FLAG" val="#wm#"/>
+  <p:tag name="KSO_WM_UNIT_TYPE" val="i"/>
+  <p:tag name="KSO_WM_UNIT_ID" val="custom20184556_22*i*3"/>
+  <p:tag name="KSO_WM_TEMPLATE_CATEGORY" val="custom"/>
+  <p:tag name="KSO_WM_TEMPLATE_INDEX" val="20184556"/>
+  <p:tag name="KSO_WM_UNIT_INDEX" val="3"/>
+</p:tagLst>
+</file>
+
+<file path=ppt/tags/tag11.xml><?xml version="1.0" encoding="utf-8"?>
+<p:tagLst xmlns:a="http://schemas.openxmlformats.org/drawingml/2006/main" xmlns:r="http://schemas.openxmlformats.org/officeDocument/2006/relationships" xmlns:p="http://schemas.openxmlformats.org/presentationml/2006/main">
+  <p:tag name="KSO_WM_TAG_VERSION" val="1.0"/>
+  <p:tag name="KSO_WM_BEAUTIFY_FLAG" val="#wm#"/>
+  <p:tag name="KSO_WM_UNIT_TYPE" val="i"/>
+  <p:tag name="KSO_WM_UNIT_ID" val="custom20184556_22*i*4"/>
+  <p:tag name="KSO_WM_TEMPLATE_CATEGORY" val="custom"/>
+  <p:tag name="KSO_WM_TEMPLATE_INDEX" val="20184556"/>
+  <p:tag name="KSO_WM_UNIT_INDEX" val="4"/>
+</p:tagLst>
+</file>
+
+<file path=ppt/tags/tag12.xml><?xml version="1.0" encoding="utf-8"?>
+<p:tagLst xmlns:a="http://schemas.openxmlformats.org/drawingml/2006/main" xmlns:r="http://schemas.openxmlformats.org/officeDocument/2006/relationships" xmlns:p="http://schemas.openxmlformats.org/presentationml/2006/main">
+  <p:tag name="KSO_WM_TAG_VERSION" val="1.0"/>
+  <p:tag name="KSO_WM_BEAUTIFY_FLAG" val="#wm#"/>
+  <p:tag name="KSO_WM_UNIT_TYPE" val="i"/>
+  <p:tag name="KSO_WM_UNIT_ID" val="custom20184556_22*i*5"/>
+  <p:tag name="KSO_WM_TEMPLATE_CATEGORY" val="custom"/>
+  <p:tag name="KSO_WM_TEMPLATE_INDEX" val="20184556"/>
+  <p:tag name="KSO_WM_UNIT_INDEX" val="5"/>
+</p:tagLst>
+</file>
+
+<file path=ppt/tags/tag13.xml><?xml version="1.0" encoding="utf-8"?>
+<p:tagLst xmlns:a="http://schemas.openxmlformats.org/drawingml/2006/main" xmlns:r="http://schemas.openxmlformats.org/officeDocument/2006/relationships" xmlns:p="http://schemas.openxmlformats.org/presentationml/2006/main">
+  <p:tag name="KSO_WM_TAG_VERSION" val="1.0"/>
+  <p:tag name="KSO_WM_BEAUTIFY_FLAG" val="#wm#"/>
+  <p:tag name="KSO_WM_UNIT_TYPE" val="i"/>
+  <p:tag name="KSO_WM_UNIT_ID" val="custom20184556_22*i*6"/>
+  <p:tag name="KSO_WM_TEMPLATE_CATEGORY" val="custom"/>
+  <p:tag name="KSO_WM_TEMPLATE_INDEX" val="20184556"/>
+  <p:tag name="KSO_WM_UNIT_INDEX" val="6"/>
+</p:tagLst>
+</file>
+
+<file path=ppt/tags/tag14.xml><?xml version="1.0" encoding="utf-8"?>
+<p:tagLst xmlns:a="http://schemas.openxmlformats.org/drawingml/2006/main" xmlns:r="http://schemas.openxmlformats.org/officeDocument/2006/relationships" xmlns:p="http://schemas.openxmlformats.org/presentationml/2006/main">
+  <p:tag name="KSO_WM_TAG_VERSION" val="1.0"/>
+  <p:tag name="KSO_WM_TEMPLATE_CATEGORY" val="custom"/>
+  <p:tag name="KSO_WM_TEMPLATE_INDEX" val="20186830"/>
+</p:tagLst>
+</file>
+
+<file path=ppt/tags/tag15.xml><?xml version="1.0" encoding="utf-8"?>
+<p:tagLst xmlns:a="http://schemas.openxmlformats.org/drawingml/2006/main" xmlns:r="http://schemas.openxmlformats.org/officeDocument/2006/relationships" xmlns:p="http://schemas.openxmlformats.org/presentationml/2006/main">
+  <p:tag name="KSO_WM_TAG_VERSION" val="1.0"/>
+  <p:tag name="KSO_WM_TEMPLATE_CATEGORY" val="custom"/>
+  <p:tag name="KSO_WM_TEMPLATE_INDEX" val="20186830"/>
+</p:tagLst>
+</file>
+
+<file path=ppt/tags/tag16.xml><?xml version="1.0" encoding="utf-8"?>
+<p:tagLst xmlns:a="http://schemas.openxmlformats.org/drawingml/2006/main" xmlns:r="http://schemas.openxmlformats.org/officeDocument/2006/relationships" xmlns:p="http://schemas.openxmlformats.org/presentationml/2006/main">
+  <p:tag name="KSO_WM_TAG_VERSION" val="1.0"/>
+  <p:tag name="KSO_WM_BEAUTIFY_FLAG" val="#wm#"/>
+  <p:tag name="KSO_WM_COMBINE_RELATE_SLIDE_ID" val="background20181909_1"/>
+  <p:tag name="KSO_WM_TEMPLATE_CATEGORY" val="custom"/>
+  <p:tag name="KSO_WM_TEMPLATE_INDEX" val="20186830"/>
+  <p:tag name="KSO_WM_TEMPLATE_SUBCATEGORY" val="combine"/>
+  <p:tag name="KSO_WM_TEMPLATE_THUMBS_INDEX" val="1、6、10、15、19、22"/>
+</p:tagLst>
+</file>
+
+<file path=ppt/tags/tag17.xml><?xml version="1.0" encoding="utf-8"?>
+<p:tagLst xmlns:a="http://schemas.openxmlformats.org/drawingml/2006/main" xmlns:r="http://schemas.openxmlformats.org/officeDocument/2006/relationships" xmlns:p="http://schemas.openxmlformats.org/presentationml/2006/main">
   <p:tag name="KSO_WM_TAG_VERSION" val="1.0"/>
   <p:tag name="KSO_WM_BEAUTIFY_FLAG" val="#wm#"/>
   <p:tag name="KSO_WM_UNIT_TYPE" val="i"/>
@@ -11387,8 +15378,112 @@
 </p:tagLst>
 </file>
 
-<file path=ppt/tags/tag10.xml><?xml version="1.0" encoding="utf-8"?>
-<p:tagLst xmlns:p="http://schemas.openxmlformats.org/presentationml/2006/main">
+<file path=ppt/tags/tag18.xml><?xml version="1.0" encoding="utf-8"?>
+<p:tagLst xmlns:a="http://schemas.openxmlformats.org/drawingml/2006/main" xmlns:r="http://schemas.openxmlformats.org/officeDocument/2006/relationships" xmlns:p="http://schemas.openxmlformats.org/presentationml/2006/main">
+  <p:tag name="KSO_WM_TAG_VERSION" val="1.0"/>
+  <p:tag name="KSO_WM_BEAUTIFY_FLAG" val="#wm#"/>
+  <p:tag name="KSO_WM_UNIT_TYPE" val="i"/>
+  <p:tag name="KSO_WM_UNIT_ID" val="custom20184556_1*i*4"/>
+  <p:tag name="KSO_WM_TEMPLATE_CATEGORY" val="custom"/>
+  <p:tag name="KSO_WM_TEMPLATE_INDEX" val="20184556"/>
+  <p:tag name="KSO_WM_UNIT_INDEX" val="4"/>
+</p:tagLst>
+</file>
+
+<file path=ppt/tags/tag19.xml><?xml version="1.0" encoding="utf-8"?>
+<p:tagLst xmlns:a="http://schemas.openxmlformats.org/drawingml/2006/main" xmlns:r="http://schemas.openxmlformats.org/officeDocument/2006/relationships" xmlns:p="http://schemas.openxmlformats.org/presentationml/2006/main">
+  <p:tag name="KSO_WM_TAG_VERSION" val="1.0"/>
+  <p:tag name="KSO_WM_BEAUTIFY_FLAG" val="#wm#"/>
+  <p:tag name="KSO_WM_UNIT_TYPE" val="i"/>
+  <p:tag name="KSO_WM_UNIT_ID" val="custom20184556_1*i*5"/>
+  <p:tag name="KSO_WM_TEMPLATE_CATEGORY" val="custom"/>
+  <p:tag name="KSO_WM_TEMPLATE_INDEX" val="20184556"/>
+  <p:tag name="KSO_WM_UNIT_INDEX" val="5"/>
+</p:tagLst>
+</file>
+
+<file path=ppt/tags/tag2.xml><?xml version="1.0" encoding="utf-8"?>
+<p:tagLst xmlns:a="http://schemas.openxmlformats.org/drawingml/2006/main" xmlns:r="http://schemas.openxmlformats.org/officeDocument/2006/relationships" xmlns:p="http://schemas.openxmlformats.org/presentationml/2006/main">
+  <p:tag name="KSO_WM_TAG_VERSION" val="1.0"/>
+  <p:tag name="KSO_WM_TEMPLATE_CATEGORY" val="custom"/>
+  <p:tag name="KSO_WM_TEMPLATE_INDEX" val="20186830"/>
+</p:tagLst>
+</file>
+
+<file path=ppt/tags/tag20.xml><?xml version="1.0" encoding="utf-8"?>
+<p:tagLst xmlns:a="http://schemas.openxmlformats.org/drawingml/2006/main" xmlns:r="http://schemas.openxmlformats.org/officeDocument/2006/relationships" xmlns:p="http://schemas.openxmlformats.org/presentationml/2006/main">
+  <p:tag name="KSO_WM_TAG_VERSION" val="1.0"/>
+  <p:tag name="KSO_WM_BEAUTIFY_FLAG" val="#wm#"/>
+  <p:tag name="KSO_WM_UNIT_TYPE" val="i"/>
+  <p:tag name="KSO_WM_UNIT_ID" val="custom20184556_1*i*6"/>
+  <p:tag name="KSO_WM_TEMPLATE_CATEGORY" val="custom"/>
+  <p:tag name="KSO_WM_TEMPLATE_INDEX" val="20184556"/>
+  <p:tag name="KSO_WM_UNIT_INDEX" val="6"/>
+</p:tagLst>
+</file>
+
+<file path=ppt/tags/tag21.xml><?xml version="1.0" encoding="utf-8"?>
+<p:tagLst xmlns:a="http://schemas.openxmlformats.org/drawingml/2006/main" xmlns:r="http://schemas.openxmlformats.org/officeDocument/2006/relationships" xmlns:p="http://schemas.openxmlformats.org/presentationml/2006/main">
+  <p:tag name="KSO_WM_TAG_VERSION" val="1.0"/>
+  <p:tag name="KSO_WM_BEAUTIFY_FLAG" val="#wm#"/>
+  <p:tag name="KSO_WM_UNIT_TYPE" val="i"/>
+  <p:tag name="KSO_WM_UNIT_ID" val="custom20184556_1*i*7"/>
+  <p:tag name="KSO_WM_TEMPLATE_CATEGORY" val="custom"/>
+  <p:tag name="KSO_WM_TEMPLATE_INDEX" val="20184556"/>
+  <p:tag name="KSO_WM_UNIT_INDEX" val="7"/>
+</p:tagLst>
+</file>
+
+<file path=ppt/tags/tag22.xml><?xml version="1.0" encoding="utf-8"?>
+<p:tagLst xmlns:a="http://schemas.openxmlformats.org/drawingml/2006/main" xmlns:r="http://schemas.openxmlformats.org/officeDocument/2006/relationships" xmlns:p="http://schemas.openxmlformats.org/presentationml/2006/main">
+  <p:tag name="KSO_WM_TAG_VERSION" val="1.0"/>
+  <p:tag name="KSO_WM_BEAUTIFY_FLAG" val="#wm#"/>
+  <p:tag name="KSO_WM_UNIT_TYPE" val="i"/>
+  <p:tag name="KSO_WM_UNIT_ID" val="custom20184556_22*i*2"/>
+  <p:tag name="KSO_WM_TEMPLATE_CATEGORY" val="custom"/>
+  <p:tag name="KSO_WM_TEMPLATE_INDEX" val="20184556"/>
+  <p:tag name="KSO_WM_UNIT_INDEX" val="2"/>
+</p:tagLst>
+</file>
+
+<file path=ppt/tags/tag23.xml><?xml version="1.0" encoding="utf-8"?>
+<p:tagLst xmlns:a="http://schemas.openxmlformats.org/drawingml/2006/main" xmlns:r="http://schemas.openxmlformats.org/officeDocument/2006/relationships" xmlns:p="http://schemas.openxmlformats.org/presentationml/2006/main">
+  <p:tag name="KSO_WM_TAG_VERSION" val="1.0"/>
+  <p:tag name="KSO_WM_BEAUTIFY_FLAG" val="#wm#"/>
+  <p:tag name="KSO_WM_UNIT_TYPE" val="i"/>
+  <p:tag name="KSO_WM_UNIT_ID" val="custom20184556_22*i*3"/>
+  <p:tag name="KSO_WM_TEMPLATE_CATEGORY" val="custom"/>
+  <p:tag name="KSO_WM_TEMPLATE_INDEX" val="20184556"/>
+  <p:tag name="KSO_WM_UNIT_INDEX" val="3"/>
+</p:tagLst>
+</file>
+
+<file path=ppt/tags/tag24.xml><?xml version="1.0" encoding="utf-8"?>
+<p:tagLst xmlns:a="http://schemas.openxmlformats.org/drawingml/2006/main" xmlns:r="http://schemas.openxmlformats.org/officeDocument/2006/relationships" xmlns:p="http://schemas.openxmlformats.org/presentationml/2006/main">
+  <p:tag name="KSO_WM_TAG_VERSION" val="1.0"/>
+  <p:tag name="KSO_WM_BEAUTIFY_FLAG" val="#wm#"/>
+  <p:tag name="KSO_WM_UNIT_TYPE" val="i"/>
+  <p:tag name="KSO_WM_UNIT_ID" val="custom20184556_22*i*4"/>
+  <p:tag name="KSO_WM_TEMPLATE_CATEGORY" val="custom"/>
+  <p:tag name="KSO_WM_TEMPLATE_INDEX" val="20184556"/>
+  <p:tag name="KSO_WM_UNIT_INDEX" val="4"/>
+</p:tagLst>
+</file>
+
+<file path=ppt/tags/tag25.xml><?xml version="1.0" encoding="utf-8"?>
+<p:tagLst xmlns:a="http://schemas.openxmlformats.org/drawingml/2006/main" xmlns:r="http://schemas.openxmlformats.org/officeDocument/2006/relationships" xmlns:p="http://schemas.openxmlformats.org/presentationml/2006/main">
+  <p:tag name="KSO_WM_TAG_VERSION" val="1.0"/>
+  <p:tag name="KSO_WM_BEAUTIFY_FLAG" val="#wm#"/>
+  <p:tag name="KSO_WM_UNIT_TYPE" val="i"/>
+  <p:tag name="KSO_WM_UNIT_ID" val="custom20184556_22*i*5"/>
+  <p:tag name="KSO_WM_TEMPLATE_CATEGORY" val="custom"/>
+  <p:tag name="KSO_WM_TEMPLATE_INDEX" val="20184556"/>
+  <p:tag name="KSO_WM_UNIT_INDEX" val="5"/>
+</p:tagLst>
+</file>
+
+<file path=ppt/tags/tag26.xml><?xml version="1.0" encoding="utf-8"?>
+<p:tagLst xmlns:a="http://schemas.openxmlformats.org/drawingml/2006/main" xmlns:r="http://schemas.openxmlformats.org/officeDocument/2006/relationships" xmlns:p="http://schemas.openxmlformats.org/presentationml/2006/main">
   <p:tag name="KSO_WM_TAG_VERSION" val="1.0"/>
   <p:tag name="KSO_WM_BEAUTIFY_FLAG" val="#wm#"/>
   <p:tag name="KSO_WM_UNIT_TYPE" val="i"/>
@@ -11399,215 +15494,27 @@
 </p:tagLst>
 </file>
 
-<file path=ppt/tags/tag11.xml><?xml version="1.0" encoding="utf-8"?>
-<p:tagLst xmlns:p="http://schemas.openxmlformats.org/presentationml/2006/main">
+<file path=ppt/tags/tag27.xml><?xml version="1.0" encoding="utf-8"?>
+<p:tagLst xmlns:a="http://schemas.openxmlformats.org/drawingml/2006/main" xmlns:r="http://schemas.openxmlformats.org/officeDocument/2006/relationships" xmlns:p="http://schemas.openxmlformats.org/presentationml/2006/main">
   <p:tag name="KSO_WM_TAG_VERSION" val="1.0"/>
-  <p:tag name="KSO_WM_TEMPLATE_CATEGORY" val="custom"/>
-  <p:tag name="KSO_WM_TEMPLATE_INDEX" val="20186830"/>
-</p:tagLst>
-</file>
-
-<file path=ppt/tags/tag12.xml><?xml version="1.0" encoding="utf-8"?>
-<p:tagLst xmlns:p="http://schemas.openxmlformats.org/presentationml/2006/main">
-  <p:tag name="KSO_WM_TAG_VERSION" val="1.0"/>
-  <p:tag name="KSO_WM_TEMPLATE_CATEGORY" val="custom"/>
-  <p:tag name="KSO_WM_TEMPLATE_INDEX" val="20186830"/>
-</p:tagLst>
-</file>
-
-<file path=ppt/tags/tag13.xml><?xml version="1.0" encoding="utf-8"?>
-<p:tagLst xmlns:p="http://schemas.openxmlformats.org/presentationml/2006/main">
-  <p:tag name="KSO_WM_TAG_VERSION" val="1.0"/>
+  <p:tag name="KSO_WM_SLIDE_ITEM_CNT" val="2"/>
+  <p:tag name="KSO_WM_SLIDE_LAYOUT" val="a_b_c"/>
+  <p:tag name="KSO_WM_SLIDE_LAYOUT_CNT" val="1_1_1"/>
+  <p:tag name="KSO_WM_SLIDE_TYPE" val="title"/>
   <p:tag name="KSO_WM_BEAUTIFY_FLAG" val="#wm#"/>
   <p:tag name="KSO_WM_COMBINE_RELATE_SLIDE_ID" val="background20181909_1"/>
   <p:tag name="KSO_WM_TEMPLATE_CATEGORY" val="custom"/>
   <p:tag name="KSO_WM_TEMPLATE_INDEX" val="20186830"/>
+  <p:tag name="KSO_WM_SLIDE_ID" val="custom20186830_1"/>
+  <p:tag name="KSO_WM_SLIDE_INDEX" val="1"/>
   <p:tag name="KSO_WM_TEMPLATE_SUBCATEGORY" val="combine"/>
-  <p:tag name="KSO_WM_TEMPLATE_THUMBS_INDEX" val="1、6、10、15、19、22"/>
-</p:tagLst>
-</file>
-
-<file path=ppt/tags/tag14.xml><?xml version="1.0" encoding="utf-8"?>
-<p:tagLst xmlns:p="http://schemas.openxmlformats.org/presentationml/2006/main">
-  <p:tag name="KSO_WM_TAG_VERSION" val="1.0"/>
-  <p:tag name="KSO_WM_BEAUTIFY_FLAG" val="#wm#"/>
-  <p:tag name="KSO_WM_UNIT_TYPE" val="i"/>
-  <p:tag name="KSO_WM_UNIT_ID" val="custom20184556_1*i*3"/>
-  <p:tag name="KSO_WM_TEMPLATE_CATEGORY" val="custom"/>
-  <p:tag name="KSO_WM_TEMPLATE_INDEX" val="20184556"/>
-  <p:tag name="KSO_WM_UNIT_INDEX" val="3"/>
-</p:tagLst>
-</file>
-
-<file path=ppt/tags/tag15.xml><?xml version="1.0" encoding="utf-8"?>
-<p:tagLst xmlns:p="http://schemas.openxmlformats.org/presentationml/2006/main">
-  <p:tag name="KSO_WM_TAG_VERSION" val="1.0"/>
-  <p:tag name="KSO_WM_BEAUTIFY_FLAG" val="#wm#"/>
-  <p:tag name="KSO_WM_UNIT_TYPE" val="i"/>
-  <p:tag name="KSO_WM_UNIT_ID" val="custom20184556_1*i*4"/>
-  <p:tag name="KSO_WM_TEMPLATE_CATEGORY" val="custom"/>
-  <p:tag name="KSO_WM_TEMPLATE_INDEX" val="20184556"/>
-  <p:tag name="KSO_WM_UNIT_INDEX" val="4"/>
-</p:tagLst>
-</file>
-
-<file path=ppt/tags/tag16.xml><?xml version="1.0" encoding="utf-8"?>
-<p:tagLst xmlns:p="http://schemas.openxmlformats.org/presentationml/2006/main">
-  <p:tag name="KSO_WM_TAG_VERSION" val="1.0"/>
-  <p:tag name="KSO_WM_BEAUTIFY_FLAG" val="#wm#"/>
-  <p:tag name="KSO_WM_UNIT_TYPE" val="i"/>
-  <p:tag name="KSO_WM_UNIT_ID" val="custom20184556_1*i*5"/>
-  <p:tag name="KSO_WM_TEMPLATE_CATEGORY" val="custom"/>
-  <p:tag name="KSO_WM_TEMPLATE_INDEX" val="20184556"/>
-  <p:tag name="KSO_WM_UNIT_INDEX" val="5"/>
-</p:tagLst>
-</file>
-
-<file path=ppt/tags/tag17.xml><?xml version="1.0" encoding="utf-8"?>
-<p:tagLst xmlns:p="http://schemas.openxmlformats.org/presentationml/2006/main">
-  <p:tag name="KSO_WM_TAG_VERSION" val="1.0"/>
-  <p:tag name="KSO_WM_BEAUTIFY_FLAG" val="#wm#"/>
-  <p:tag name="KSO_WM_UNIT_TYPE" val="i"/>
-  <p:tag name="KSO_WM_UNIT_ID" val="custom20184556_1*i*6"/>
-  <p:tag name="KSO_WM_TEMPLATE_CATEGORY" val="custom"/>
-  <p:tag name="KSO_WM_TEMPLATE_INDEX" val="20184556"/>
-  <p:tag name="KSO_WM_UNIT_INDEX" val="6"/>
-</p:tagLst>
-</file>
-
-<file path=ppt/tags/tag18.xml><?xml version="1.0" encoding="utf-8"?>
-<p:tagLst xmlns:p="http://schemas.openxmlformats.org/presentationml/2006/main">
-  <p:tag name="KSO_WM_TAG_VERSION" val="1.0"/>
-  <p:tag name="KSO_WM_BEAUTIFY_FLAG" val="#wm#"/>
-  <p:tag name="KSO_WM_UNIT_TYPE" val="i"/>
-  <p:tag name="KSO_WM_UNIT_ID" val="custom20184556_1*i*7"/>
-  <p:tag name="KSO_WM_TEMPLATE_CATEGORY" val="custom"/>
-  <p:tag name="KSO_WM_TEMPLATE_INDEX" val="20184556"/>
-  <p:tag name="KSO_WM_UNIT_INDEX" val="7"/>
-</p:tagLst>
-</file>
-
-<file path=ppt/tags/tag19.xml><?xml version="1.0" encoding="utf-8"?>
-<p:tagLst xmlns:p="http://schemas.openxmlformats.org/presentationml/2006/main">
-  <p:tag name="KSO_WM_TAG_VERSION" val="1.0"/>
-  <p:tag name="KSO_WM_BEAUTIFY_FLAG" val="#wm#"/>
-  <p:tag name="KSO_WM_UNIT_TYPE" val="i"/>
-  <p:tag name="KSO_WM_UNIT_ID" val="custom20184556_22*i*2"/>
-  <p:tag name="KSO_WM_TEMPLATE_CATEGORY" val="custom"/>
-  <p:tag name="KSO_WM_TEMPLATE_INDEX" val="20184556"/>
-  <p:tag name="KSO_WM_UNIT_INDEX" val="2"/>
-</p:tagLst>
-</file>
-
-<file path=ppt/tags/tag2.xml><?xml version="1.0" encoding="utf-8"?>
-<p:tagLst xmlns:p="http://schemas.openxmlformats.org/presentationml/2006/main">
-  <p:tag name="KSO_WM_TAG_VERSION" val="1.0"/>
-  <p:tag name="KSO_WM_BEAUTIFY_FLAG" val="#wm#"/>
-  <p:tag name="KSO_WM_UNIT_TYPE" val="i"/>
-  <p:tag name="KSO_WM_UNIT_ID" val="custom20184556_1*i*4"/>
-  <p:tag name="KSO_WM_TEMPLATE_CATEGORY" val="custom"/>
-  <p:tag name="KSO_WM_TEMPLATE_INDEX" val="20184556"/>
-  <p:tag name="KSO_WM_UNIT_INDEX" val="4"/>
-</p:tagLst>
-</file>
-
-<file path=ppt/tags/tag20.xml><?xml version="1.0" encoding="utf-8"?>
-<p:tagLst xmlns:p="http://schemas.openxmlformats.org/presentationml/2006/main">
-  <p:tag name="KSO_WM_TAG_VERSION" val="1.0"/>
-  <p:tag name="KSO_WM_BEAUTIFY_FLAG" val="#wm#"/>
-  <p:tag name="KSO_WM_UNIT_TYPE" val="i"/>
-  <p:tag name="KSO_WM_UNIT_ID" val="custom20184556_22*i*3"/>
-  <p:tag name="KSO_WM_TEMPLATE_CATEGORY" val="custom"/>
-  <p:tag name="KSO_WM_TEMPLATE_INDEX" val="20184556"/>
-  <p:tag name="KSO_WM_UNIT_INDEX" val="3"/>
-</p:tagLst>
-</file>
-
-<file path=ppt/tags/tag21.xml><?xml version="1.0" encoding="utf-8"?>
-<p:tagLst xmlns:p="http://schemas.openxmlformats.org/presentationml/2006/main">
-  <p:tag name="KSO_WM_TAG_VERSION" val="1.0"/>
-  <p:tag name="KSO_WM_BEAUTIFY_FLAG" val="#wm#"/>
-  <p:tag name="KSO_WM_UNIT_TYPE" val="i"/>
-  <p:tag name="KSO_WM_UNIT_ID" val="custom20184556_22*i*4"/>
-  <p:tag name="KSO_WM_TEMPLATE_CATEGORY" val="custom"/>
-  <p:tag name="KSO_WM_TEMPLATE_INDEX" val="20184556"/>
-  <p:tag name="KSO_WM_UNIT_INDEX" val="4"/>
-</p:tagLst>
-</file>
-
-<file path=ppt/tags/tag22.xml><?xml version="1.0" encoding="utf-8"?>
-<p:tagLst xmlns:p="http://schemas.openxmlformats.org/presentationml/2006/main">
-  <p:tag name="KSO_WM_TAG_VERSION" val="1.0"/>
-  <p:tag name="KSO_WM_BEAUTIFY_FLAG" val="#wm#"/>
-  <p:tag name="KSO_WM_UNIT_TYPE" val="i"/>
-  <p:tag name="KSO_WM_UNIT_ID" val="custom20184556_22*i*5"/>
-  <p:tag name="KSO_WM_TEMPLATE_CATEGORY" val="custom"/>
-  <p:tag name="KSO_WM_TEMPLATE_INDEX" val="20184556"/>
-  <p:tag name="KSO_WM_UNIT_INDEX" val="5"/>
-</p:tagLst>
-</file>
-
-<file path=ppt/tags/tag23.xml><?xml version="1.0" encoding="utf-8"?>
-<p:tagLst xmlns:p="http://schemas.openxmlformats.org/presentationml/2006/main">
-  <p:tag name="KSO_WM_TAG_VERSION" val="1.0"/>
-  <p:tag name="KSO_WM_BEAUTIFY_FLAG" val="#wm#"/>
-  <p:tag name="KSO_WM_UNIT_TYPE" val="i"/>
-  <p:tag name="KSO_WM_UNIT_ID" val="custom20184556_22*i*6"/>
-  <p:tag name="KSO_WM_TEMPLATE_CATEGORY" val="custom"/>
-  <p:tag name="KSO_WM_TEMPLATE_INDEX" val="20184556"/>
-  <p:tag name="KSO_WM_UNIT_INDEX" val="6"/>
-</p:tagLst>
-</file>
-
-<file path=ppt/tags/tag24.xml><?xml version="1.0" encoding="utf-8"?>
-<p:tagLst xmlns:p="http://schemas.openxmlformats.org/presentationml/2006/main">
-  <p:tag name="KSO_WM_TAG_VERSION" val="1.0"/>
-  <p:tag name="KSO_WM_TEMPLATE_CATEGORY" val="custom"/>
-  <p:tag name="KSO_WM_TEMPLATE_INDEX" val="20186830"/>
-</p:tagLst>
-</file>
-
-<file path=ppt/tags/tag25.xml><?xml version="1.0" encoding="utf-8"?>
-<p:tagLst xmlns:p="http://schemas.openxmlformats.org/presentationml/2006/main">
-  <p:tag name="KSO_WM_TAG_VERSION" val="1.0"/>
-  <p:tag name="KSO_WM_TEMPLATE_CATEGORY" val="custom"/>
-  <p:tag name="KSO_WM_TEMPLATE_INDEX" val="20186830"/>
-</p:tagLst>
-</file>
-
-<file path=ppt/tags/tag26.xml><?xml version="1.0" encoding="utf-8"?>
-<p:tagLst xmlns:p="http://schemas.openxmlformats.org/presentationml/2006/main">
-  <p:tag name="KSO_WM_TAG_VERSION" val="1.0"/>
-  <p:tag name="KSO_WM_BEAUTIFY_FLAG" val="#wm#"/>
-  <p:tag name="KSO_WM_COMBINE_RELATE_SLIDE_ID" val="background20181909_1"/>
-  <p:tag name="KSO_WM_TEMPLATE_CATEGORY" val="custom"/>
-  <p:tag name="KSO_WM_TEMPLATE_INDEX" val="20186830"/>
-  <p:tag name="KSO_WM_TEMPLATE_SUBCATEGORY" val="combine"/>
-  <p:tag name="KSO_WM_TEMPLATE_THUMBS_INDEX" val="1、6、10、15、19、22"/>
-</p:tagLst>
-</file>
-
-<file path=ppt/tags/tag27.xml><?xml version="1.0" encoding="utf-8"?>
-<p:tagLst xmlns:p="http://schemas.openxmlformats.org/presentationml/2006/main">
-  <p:tag name="KSO_WM_TEMPLATE_CATEGORY" val="custom"/>
-  <p:tag name="KSO_WM_TEMPLATE_INDEX" val="20186830"/>
-  <p:tag name="KSO_WM_TAG_VERSION" val="1.0"/>
-  <p:tag name="KSO_WM_BEAUTIFY_FLAG" val="#wm#"/>
-  <p:tag name="KSO_WM_UNIT_TYPE" val="a"/>
-  <p:tag name="KSO_WM_UNIT_INDEX" val="1"/>
-  <p:tag name="KSO_WM_UNIT_ID" val="custom20186830_1*a*1"/>
-  <p:tag name="KSO_WM_UNIT_LAYERLEVEL" val="1"/>
-  <p:tag name="KSO_WM_UNIT_VALUE" val="9"/>
-  <p:tag name="KSO_WM_UNIT_ISCONTENTSTITLE" val="0"/>
-  <p:tag name="KSO_WM_UNIT_HIGHLIGHT" val="0"/>
-  <p:tag name="KSO_WM_UNIT_COMPATIBLE" val="0"/>
-  <p:tag name="KSO_WM_UNIT_CLEAR" val="0"/>
-  <p:tag name="KSO_WM_UNIT_PRESET_TEXT" val="黑白简约商务通用"/>
+  <p:tag name="KSO_WM_TEMPLATE_THUMBS_INDEX" val="1、6、10、15、19、22、"/>
+  <p:tag name="KSO_WM_SLIDE_SUBTYPE" val="pureTxt"/>
 </p:tagLst>
 </file>
 
 <file path=ppt/tags/tag28.xml><?xml version="1.0" encoding="utf-8"?>
-<p:tagLst xmlns:p="http://schemas.openxmlformats.org/presentationml/2006/main">
+<p:tagLst xmlns:a="http://schemas.openxmlformats.org/drawingml/2006/main" xmlns:r="http://schemas.openxmlformats.org/officeDocument/2006/relationships" xmlns:p="http://schemas.openxmlformats.org/presentationml/2006/main">
   <p:tag name="KSO_WM_TEMPLATE_CATEGORY" val="custom"/>
   <p:tag name="KSO_WM_TEMPLATE_INDEX" val="20186830"/>
   <p:tag name="KSO_WM_TAG_VERSION" val="1.0"/>
@@ -11626,7 +15533,38 @@
 </file>
 
 <file path=ppt/tags/tag29.xml><?xml version="1.0" encoding="utf-8"?>
-<p:tagLst xmlns:p="http://schemas.openxmlformats.org/presentationml/2006/main">
+<p:tagLst xmlns:a="http://schemas.openxmlformats.org/drawingml/2006/main" xmlns:r="http://schemas.openxmlformats.org/officeDocument/2006/relationships" xmlns:p="http://schemas.openxmlformats.org/presentationml/2006/main">
+  <p:tag name="KSO_WM_TEMPLATE_CATEGORY" val="custom"/>
+  <p:tag name="KSO_WM_TEMPLATE_INDEX" val="20186830"/>
+  <p:tag name="KSO_WM_TAG_VERSION" val="1.0"/>
+  <p:tag name="KSO_WM_BEAUTIFY_FLAG" val="#wm#"/>
+  <p:tag name="KSO_WM_UNIT_TYPE" val="a"/>
+  <p:tag name="KSO_WM_UNIT_INDEX" val="1"/>
+  <p:tag name="KSO_WM_UNIT_ID" val="custom20186830_1*a*1"/>
+  <p:tag name="KSO_WM_UNIT_LAYERLEVEL" val="1"/>
+  <p:tag name="KSO_WM_UNIT_VALUE" val="9"/>
+  <p:tag name="KSO_WM_UNIT_ISCONTENTSTITLE" val="0"/>
+  <p:tag name="KSO_WM_UNIT_HIGHLIGHT" val="0"/>
+  <p:tag name="KSO_WM_UNIT_COMPATIBLE" val="0"/>
+  <p:tag name="KSO_WM_UNIT_CLEAR" val="0"/>
+  <p:tag name="KSO_WM_UNIT_PRESET_TEXT" val="黑白简约商务通用"/>
+</p:tagLst>
+</file>
+
+<file path=ppt/tags/tag3.xml><?xml version="1.0" encoding="utf-8"?>
+<p:tagLst xmlns:a="http://schemas.openxmlformats.org/drawingml/2006/main" xmlns:r="http://schemas.openxmlformats.org/officeDocument/2006/relationships" xmlns:p="http://schemas.openxmlformats.org/presentationml/2006/main">
+  <p:tag name="KSO_WM_TAG_VERSION" val="1.0"/>
+  <p:tag name="KSO_WM_BEAUTIFY_FLAG" val="#wm#"/>
+  <p:tag name="KSO_WM_COMBINE_RELATE_SLIDE_ID" val="background20181909_1"/>
+  <p:tag name="KSO_WM_TEMPLATE_CATEGORY" val="custom"/>
+  <p:tag name="KSO_WM_TEMPLATE_INDEX" val="20186830"/>
+  <p:tag name="KSO_WM_TEMPLATE_SUBCATEGORY" val="combine"/>
+  <p:tag name="KSO_WM_TEMPLATE_THUMBS_INDEX" val="1、6、10、15、19、22"/>
+</p:tagLst>
+</file>
+
+<file path=ppt/tags/tag30.xml><?xml version="1.0" encoding="utf-8"?>
+<p:tagLst xmlns:a="http://schemas.openxmlformats.org/drawingml/2006/main" xmlns:r="http://schemas.openxmlformats.org/officeDocument/2006/relationships" xmlns:p="http://schemas.openxmlformats.org/presentationml/2006/main">
   <p:tag name="KSO_WM_TEMPLATE_CATEGORY" val="custom"/>
   <p:tag name="KSO_WM_TEMPLATE_INDEX" val="20186830"/>
   <p:tag name="KSO_WM_TAG_VERSION" val="1.0"/>
@@ -11645,39 +15583,27 @@
 </p:tagLst>
 </file>
 
-<file path=ppt/tags/tag3.xml><?xml version="1.0" encoding="utf-8"?>
-<p:tagLst xmlns:p="http://schemas.openxmlformats.org/presentationml/2006/main">
+<file path=ppt/tags/tag31.xml><?xml version="1.0" encoding="utf-8"?>
+<p:tagLst xmlns:a="http://schemas.openxmlformats.org/drawingml/2006/main" xmlns:r="http://schemas.openxmlformats.org/officeDocument/2006/relationships" xmlns:p="http://schemas.openxmlformats.org/presentationml/2006/main">
+  <p:tag name="KSO_WM_TEMPLATE_CATEGORY" val="custom"/>
+  <p:tag name="KSO_WM_TEMPLATE_INDEX" val="20186830"/>
   <p:tag name="KSO_WM_TAG_VERSION" val="1.0"/>
+  <p:tag name="KSO_WM_SLIDE_ID" val="custom20186830_7"/>
+  <p:tag name="KSO_WM_SLIDE_INDEX" val="7"/>
+  <p:tag name="KSO_WM_SLIDE_ITEM_CNT" val="1"/>
+  <p:tag name="KSO_WM_SLIDE_LAYOUT" val="a_l"/>
+  <p:tag name="KSO_WM_SLIDE_LAYOUT_CNT" val="1_1"/>
+  <p:tag name="KSO_WM_SLIDE_TYPE" val="text"/>
   <p:tag name="KSO_WM_BEAUTIFY_FLAG" val="#wm#"/>
-  <p:tag name="KSO_WM_UNIT_TYPE" val="i"/>
-  <p:tag name="KSO_WM_UNIT_ID" val="custom20184556_1*i*5"/>
-  <p:tag name="KSO_WM_TEMPLATE_CATEGORY" val="custom"/>
-  <p:tag name="KSO_WM_TEMPLATE_INDEX" val="20184556"/>
-  <p:tag name="KSO_WM_UNIT_INDEX" val="5"/>
+  <p:tag name="KSO_WM_SLIDE_POSITION" val="25*85"/>
+  <p:tag name="KSO_WM_SLIDE_SIZE" val="452*279"/>
+  <p:tag name="KSO_WM_DIAGRAM_GROUP_CODE" val="l1-1"/>
+  <p:tag name="KSO_WM_SLIDE_SUBTYPE" val="diag"/>
 </p:tagLst>
 </file>
 
-<file path=ppt/tags/tag30.xml><?xml version="1.0" encoding="utf-8"?>
-<p:tagLst xmlns:p="http://schemas.openxmlformats.org/presentationml/2006/main">
-  <p:tag name="KSO_WM_TAG_VERSION" val="1.0"/>
-  <p:tag name="KSO_WM_SLIDE_ITEM_CNT" val="2"/>
-  <p:tag name="KSO_WM_SLIDE_LAYOUT" val="a_b_c"/>
-  <p:tag name="KSO_WM_SLIDE_LAYOUT_CNT" val="1_1_1"/>
-  <p:tag name="KSO_WM_SLIDE_TYPE" val="title"/>
-  <p:tag name="KSO_WM_BEAUTIFY_FLAG" val="#wm#"/>
-  <p:tag name="KSO_WM_COMBINE_RELATE_SLIDE_ID" val="background20181909_1"/>
-  <p:tag name="KSO_WM_TEMPLATE_CATEGORY" val="custom"/>
-  <p:tag name="KSO_WM_TEMPLATE_INDEX" val="20186830"/>
-  <p:tag name="KSO_WM_SLIDE_ID" val="custom20186830_1"/>
-  <p:tag name="KSO_WM_SLIDE_INDEX" val="1"/>
-  <p:tag name="KSO_WM_TEMPLATE_SUBCATEGORY" val="combine"/>
-  <p:tag name="KSO_WM_TEMPLATE_THUMBS_INDEX" val="1、6、10、15、19、22、"/>
-  <p:tag name="KSO_WM_SLIDE_SUBTYPE" val="pureTxt"/>
-</p:tagLst>
-</file>
-
-<file path=ppt/tags/tag31.xml><?xml version="1.0" encoding="utf-8"?>
-<p:tagLst xmlns:p="http://schemas.openxmlformats.org/presentationml/2006/main">
+<file path=ppt/tags/tag32.xml><?xml version="1.0" encoding="utf-8"?>
+<p:tagLst xmlns:a="http://schemas.openxmlformats.org/drawingml/2006/main" xmlns:r="http://schemas.openxmlformats.org/officeDocument/2006/relationships" xmlns:p="http://schemas.openxmlformats.org/presentationml/2006/main">
   <p:tag name="KSO_WM_TEMPLATE_CATEGORY" val="custom"/>
   <p:tag name="KSO_WM_TEMPLATE_INDEX" val="20186830"/>
   <p:tag name="KSO_WM_TAG_VERSION" val="1.0"/>
@@ -11696,8 +15622,8 @@
 </p:tagLst>
 </file>
 
-<file path=ppt/tags/tag32.xml><?xml version="1.0" encoding="utf-8"?>
-<p:tagLst xmlns:p="http://schemas.openxmlformats.org/presentationml/2006/main">
+<file path=ppt/tags/tag33.xml><?xml version="1.0" encoding="utf-8"?>
+<p:tagLst xmlns:a="http://schemas.openxmlformats.org/drawingml/2006/main" xmlns:r="http://schemas.openxmlformats.org/officeDocument/2006/relationships" xmlns:p="http://schemas.openxmlformats.org/presentationml/2006/main">
   <p:tag name="KSO_WM_TEMPLATE_CATEGORY" val="custom"/>
   <p:tag name="KSO_WM_TEMPLATE_INDEX" val="20186830"/>
   <p:tag name="KSO_WM_TAG_VERSION" val="1.0"/>
@@ -11715,8 +15641,8 @@
 </p:tagLst>
 </file>
 
-<file path=ppt/tags/tag33.xml><?xml version="1.0" encoding="utf-8"?>
-<p:tagLst xmlns:p="http://schemas.openxmlformats.org/presentationml/2006/main">
+<file path=ppt/tags/tag34.xml><?xml version="1.0" encoding="utf-8"?>
+<p:tagLst xmlns:a="http://schemas.openxmlformats.org/drawingml/2006/main" xmlns:r="http://schemas.openxmlformats.org/officeDocument/2006/relationships" xmlns:p="http://schemas.openxmlformats.org/presentationml/2006/main">
   <p:tag name="KSO_WM_TEMPLATE_CATEGORY" val="custom"/>
   <p:tag name="KSO_WM_TEMPLATE_INDEX" val="20186830"/>
   <p:tag name="KSO_WM_TAG_VERSION" val="1.0"/>
@@ -11735,8 +15661,8 @@
 </p:tagLst>
 </file>
 
-<file path=ppt/tags/tag34.xml><?xml version="1.0" encoding="utf-8"?>
-<p:tagLst xmlns:p="http://schemas.openxmlformats.org/presentationml/2006/main">
+<file path=ppt/tags/tag35.xml><?xml version="1.0" encoding="utf-8"?>
+<p:tagLst xmlns:a="http://schemas.openxmlformats.org/drawingml/2006/main" xmlns:r="http://schemas.openxmlformats.org/officeDocument/2006/relationships" xmlns:p="http://schemas.openxmlformats.org/presentationml/2006/main">
   <p:tag name="KSO_WM_TEMPLATE_CATEGORY" val="custom"/>
   <p:tag name="KSO_WM_TEMPLATE_INDEX" val="20186830"/>
   <p:tag name="KSO_WM_TAG_VERSION" val="1.0"/>
@@ -11754,8 +15680,8 @@
 </p:tagLst>
 </file>
 
-<file path=ppt/tags/tag35.xml><?xml version="1.0" encoding="utf-8"?>
-<p:tagLst xmlns:p="http://schemas.openxmlformats.org/presentationml/2006/main">
+<file path=ppt/tags/tag36.xml><?xml version="1.0" encoding="utf-8"?>
+<p:tagLst xmlns:a="http://schemas.openxmlformats.org/drawingml/2006/main" xmlns:r="http://schemas.openxmlformats.org/officeDocument/2006/relationships" xmlns:p="http://schemas.openxmlformats.org/presentationml/2006/main">
   <p:tag name="KSO_WM_TEMPLATE_CATEGORY" val="custom"/>
   <p:tag name="KSO_WM_TEMPLATE_INDEX" val="20186830"/>
   <p:tag name="KSO_WM_TAG_VERSION" val="1.0"/>
@@ -11774,8 +15700,8 @@
 </p:tagLst>
 </file>
 
-<file path=ppt/tags/tag36.xml><?xml version="1.0" encoding="utf-8"?>
-<p:tagLst xmlns:p="http://schemas.openxmlformats.org/presentationml/2006/main">
+<file path=ppt/tags/tag37.xml><?xml version="1.0" encoding="utf-8"?>
+<p:tagLst xmlns:a="http://schemas.openxmlformats.org/drawingml/2006/main" xmlns:r="http://schemas.openxmlformats.org/officeDocument/2006/relationships" xmlns:p="http://schemas.openxmlformats.org/presentationml/2006/main">
   <p:tag name="KSO_WM_TEMPLATE_CATEGORY" val="custom"/>
   <p:tag name="KSO_WM_TEMPLATE_INDEX" val="20186830"/>
   <p:tag name="KSO_WM_TAG_VERSION" val="1.0"/>
@@ -11793,8 +15719,8 @@
 </p:tagLst>
 </file>
 
-<file path=ppt/tags/tag37.xml><?xml version="1.0" encoding="utf-8"?>
-<p:tagLst xmlns:p="http://schemas.openxmlformats.org/presentationml/2006/main">
+<file path=ppt/tags/tag38.xml><?xml version="1.0" encoding="utf-8"?>
+<p:tagLst xmlns:a="http://schemas.openxmlformats.org/drawingml/2006/main" xmlns:r="http://schemas.openxmlformats.org/officeDocument/2006/relationships" xmlns:p="http://schemas.openxmlformats.org/presentationml/2006/main">
   <p:tag name="KSO_WM_TEMPLATE_CATEGORY" val="custom"/>
   <p:tag name="KSO_WM_TEMPLATE_INDEX" val="20186830"/>
   <p:tag name="KSO_WM_TAG_VERSION" val="1.0"/>
@@ -11813,8 +15739,8 @@
 </p:tagLst>
 </file>
 
-<file path=ppt/tags/tag38.xml><?xml version="1.0" encoding="utf-8"?>
-<p:tagLst xmlns:p="http://schemas.openxmlformats.org/presentationml/2006/main">
+<file path=ppt/tags/tag39.xml><?xml version="1.0" encoding="utf-8"?>
+<p:tagLst xmlns:a="http://schemas.openxmlformats.org/drawingml/2006/main" xmlns:r="http://schemas.openxmlformats.org/officeDocument/2006/relationships" xmlns:p="http://schemas.openxmlformats.org/presentationml/2006/main">
   <p:tag name="KSO_WM_TEMPLATE_CATEGORY" val="custom"/>
   <p:tag name="KSO_WM_TEMPLATE_INDEX" val="20186830"/>
   <p:tag name="KSO_WM_TAG_VERSION" val="1.0"/>
@@ -11832,8 +15758,20 @@
 </p:tagLst>
 </file>
 
-<file path=ppt/tags/tag39.xml><?xml version="1.0" encoding="utf-8"?>
-<p:tagLst xmlns:p="http://schemas.openxmlformats.org/presentationml/2006/main">
+<file path=ppt/tags/tag4.xml><?xml version="1.0" encoding="utf-8"?>
+<p:tagLst xmlns:a="http://schemas.openxmlformats.org/drawingml/2006/main" xmlns:r="http://schemas.openxmlformats.org/officeDocument/2006/relationships" xmlns:p="http://schemas.openxmlformats.org/presentationml/2006/main">
+  <p:tag name="KSO_WM_TAG_VERSION" val="1.0"/>
+  <p:tag name="KSO_WM_BEAUTIFY_FLAG" val="#wm#"/>
+  <p:tag name="KSO_WM_UNIT_TYPE" val="i"/>
+  <p:tag name="KSO_WM_UNIT_ID" val="custom20184556_1*i*3"/>
+  <p:tag name="KSO_WM_TEMPLATE_CATEGORY" val="custom"/>
+  <p:tag name="KSO_WM_TEMPLATE_INDEX" val="20184556"/>
+  <p:tag name="KSO_WM_UNIT_INDEX" val="3"/>
+</p:tagLst>
+</file>
+
+<file path=ppt/tags/tag40.xml><?xml version="1.0" encoding="utf-8"?>
+<p:tagLst xmlns:a="http://schemas.openxmlformats.org/drawingml/2006/main" xmlns:r="http://schemas.openxmlformats.org/officeDocument/2006/relationships" xmlns:p="http://schemas.openxmlformats.org/presentationml/2006/main">
   <p:tag name="KSO_WM_TEMPLATE_CATEGORY" val="custom"/>
   <p:tag name="KSO_WM_TEMPLATE_INDEX" val="20186830"/>
   <p:tag name="KSO_WM_TAG_VERSION" val="1.0"/>
@@ -11852,20 +15790,8 @@
 </p:tagLst>
 </file>
 
-<file path=ppt/tags/tag4.xml><?xml version="1.0" encoding="utf-8"?>
-<p:tagLst xmlns:p="http://schemas.openxmlformats.org/presentationml/2006/main">
-  <p:tag name="KSO_WM_TAG_VERSION" val="1.0"/>
-  <p:tag name="KSO_WM_BEAUTIFY_FLAG" val="#wm#"/>
-  <p:tag name="KSO_WM_UNIT_TYPE" val="i"/>
-  <p:tag name="KSO_WM_UNIT_ID" val="custom20184556_1*i*6"/>
-  <p:tag name="KSO_WM_TEMPLATE_CATEGORY" val="custom"/>
-  <p:tag name="KSO_WM_TEMPLATE_INDEX" val="20184556"/>
-  <p:tag name="KSO_WM_UNIT_INDEX" val="6"/>
-</p:tagLst>
-</file>
-
-<file path=ppt/tags/tag40.xml><?xml version="1.0" encoding="utf-8"?>
-<p:tagLst xmlns:p="http://schemas.openxmlformats.org/presentationml/2006/main">
+<file path=ppt/tags/tag41.xml><?xml version="1.0" encoding="utf-8"?>
+<p:tagLst xmlns:a="http://schemas.openxmlformats.org/drawingml/2006/main" xmlns:r="http://schemas.openxmlformats.org/officeDocument/2006/relationships" xmlns:p="http://schemas.openxmlformats.org/presentationml/2006/main">
   <p:tag name="KSO_WM_TEMPLATE_CATEGORY" val="custom"/>
   <p:tag name="KSO_WM_TEMPLATE_INDEX" val="20186830"/>
   <p:tag name="KSO_WM_TAG_VERSION" val="1.0"/>
@@ -11883,8 +15809,8 @@
 </p:tagLst>
 </file>
 
-<file path=ppt/tags/tag41.xml><?xml version="1.0" encoding="utf-8"?>
-<p:tagLst xmlns:p="http://schemas.openxmlformats.org/presentationml/2006/main">
+<file path=ppt/tags/tag42.xml><?xml version="1.0" encoding="utf-8"?>
+<p:tagLst xmlns:a="http://schemas.openxmlformats.org/drawingml/2006/main" xmlns:r="http://schemas.openxmlformats.org/officeDocument/2006/relationships" xmlns:p="http://schemas.openxmlformats.org/presentationml/2006/main">
   <p:tag name="KSO_WM_TEMPLATE_CATEGORY" val="custom"/>
   <p:tag name="KSO_WM_TEMPLATE_INDEX" val="20186830"/>
   <p:tag name="KSO_WM_TAG_VERSION" val="1.0"/>
@@ -11903,8 +15829,8 @@
 </p:tagLst>
 </file>
 
-<file path=ppt/tags/tag42.xml><?xml version="1.0" encoding="utf-8"?>
-<p:tagLst xmlns:p="http://schemas.openxmlformats.org/presentationml/2006/main">
+<file path=ppt/tags/tag43.xml><?xml version="1.0" encoding="utf-8"?>
+<p:tagLst xmlns:a="http://schemas.openxmlformats.org/drawingml/2006/main" xmlns:r="http://schemas.openxmlformats.org/officeDocument/2006/relationships" xmlns:p="http://schemas.openxmlformats.org/presentationml/2006/main">
   <p:tag name="KSO_WM_TEMPLATE_CATEGORY" val="custom"/>
   <p:tag name="KSO_WM_TEMPLATE_INDEX" val="20186830"/>
   <p:tag name="KSO_WM_TAG_VERSION" val="1.0"/>
@@ -11922,8 +15848,8 @@
 </p:tagLst>
 </file>
 
-<file path=ppt/tags/tag43.xml><?xml version="1.0" encoding="utf-8"?>
-<p:tagLst xmlns:p="http://schemas.openxmlformats.org/presentationml/2006/main">
+<file path=ppt/tags/tag44.xml><?xml version="1.0" encoding="utf-8"?>
+<p:tagLst xmlns:a="http://schemas.openxmlformats.org/drawingml/2006/main" xmlns:r="http://schemas.openxmlformats.org/officeDocument/2006/relationships" xmlns:p="http://schemas.openxmlformats.org/presentationml/2006/main">
   <p:tag name="KSO_WM_TEMPLATE_CATEGORY" val="custom"/>
   <p:tag name="KSO_WM_TEMPLATE_INDEX" val="20186830"/>
   <p:tag name="KSO_WM_TAG_VERSION" val="1.0"/>
@@ -11942,8 +15868,8 @@
 </p:tagLst>
 </file>
 
-<file path=ppt/tags/tag44.xml><?xml version="1.0" encoding="utf-8"?>
-<p:tagLst xmlns:p="http://schemas.openxmlformats.org/presentationml/2006/main">
+<file path=ppt/tags/tag45.xml><?xml version="1.0" encoding="utf-8"?>
+<p:tagLst xmlns:a="http://schemas.openxmlformats.org/drawingml/2006/main" xmlns:r="http://schemas.openxmlformats.org/officeDocument/2006/relationships" xmlns:p="http://schemas.openxmlformats.org/presentationml/2006/main">
   <p:tag name="KSO_WM_TEMPLATE_CATEGORY" val="custom"/>
   <p:tag name="KSO_WM_TEMPLATE_INDEX" val="20186830"/>
   <p:tag name="KSO_WM_TAG_VERSION" val="1.0"/>
@@ -11961,8 +15887,8 @@
 </p:tagLst>
 </file>
 
-<file path=ppt/tags/tag45.xml><?xml version="1.0" encoding="utf-8"?>
-<p:tagLst xmlns:p="http://schemas.openxmlformats.org/presentationml/2006/main">
+<file path=ppt/tags/tag46.xml><?xml version="1.0" encoding="utf-8"?>
+<p:tagLst xmlns:a="http://schemas.openxmlformats.org/drawingml/2006/main" xmlns:r="http://schemas.openxmlformats.org/officeDocument/2006/relationships" xmlns:p="http://schemas.openxmlformats.org/presentationml/2006/main">
   <p:tag name="KSO_WM_TEMPLATE_CATEGORY" val="custom"/>
   <p:tag name="KSO_WM_TEMPLATE_INDEX" val="20186830"/>
   <p:tag name="KSO_WM_TAG_VERSION" val="1.0"/>
@@ -11981,8 +15907,8 @@
 </p:tagLst>
 </file>
 
-<file path=ppt/tags/tag46.xml><?xml version="1.0" encoding="utf-8"?>
-<p:tagLst xmlns:p="http://schemas.openxmlformats.org/presentationml/2006/main">
+<file path=ppt/tags/tag47.xml><?xml version="1.0" encoding="utf-8"?>
+<p:tagLst xmlns:a="http://schemas.openxmlformats.org/drawingml/2006/main" xmlns:r="http://schemas.openxmlformats.org/officeDocument/2006/relationships" xmlns:p="http://schemas.openxmlformats.org/presentationml/2006/main">
   <p:tag name="KSO_WM_TEMPLATE_CATEGORY" val="custom"/>
   <p:tag name="KSO_WM_TEMPLATE_INDEX" val="20186830"/>
   <p:tag name="KSO_WM_TAG_VERSION" val="1.0"/>
@@ -12000,8 +15926,8 @@
 </p:tagLst>
 </file>
 
-<file path=ppt/tags/tag47.xml><?xml version="1.0" encoding="utf-8"?>
-<p:tagLst xmlns:p="http://schemas.openxmlformats.org/presentationml/2006/main">
+<file path=ppt/tags/tag48.xml><?xml version="1.0" encoding="utf-8"?>
+<p:tagLst xmlns:a="http://schemas.openxmlformats.org/drawingml/2006/main" xmlns:r="http://schemas.openxmlformats.org/officeDocument/2006/relationships" xmlns:p="http://schemas.openxmlformats.org/presentationml/2006/main">
   <p:tag name="KSO_WM_TEMPLATE_CATEGORY" val="custom"/>
   <p:tag name="KSO_WM_TEMPLATE_INDEX" val="20186830"/>
   <p:tag name="KSO_WM_TAG_VERSION" val="1.0"/>
@@ -12020,8 +15946,8 @@
 </p:tagLst>
 </file>
 
-<file path=ppt/tags/tag48.xml><?xml version="1.0" encoding="utf-8"?>
-<p:tagLst xmlns:p="http://schemas.openxmlformats.org/presentationml/2006/main">
+<file path=ppt/tags/tag49.xml><?xml version="1.0" encoding="utf-8"?>
+<p:tagLst xmlns:a="http://schemas.openxmlformats.org/drawingml/2006/main" xmlns:r="http://schemas.openxmlformats.org/officeDocument/2006/relationships" xmlns:p="http://schemas.openxmlformats.org/presentationml/2006/main">
   <p:tag name="KSO_WM_TEMPLATE_CATEGORY" val="custom"/>
   <p:tag name="KSO_WM_TEMPLATE_INDEX" val="20186830"/>
   <p:tag name="KSO_WM_TAG_VERSION" val="1.0"/>
@@ -12039,15 +15965,430 @@
 </p:tagLst>
 </file>
 
-<file path=ppt/tags/tag49.xml><?xml version="1.0" encoding="utf-8"?>
-<p:tagLst xmlns:p="http://schemas.openxmlformats.org/presentationml/2006/main">
+<file path=ppt/tags/tag5.xml><?xml version="1.0" encoding="utf-8"?>
+<p:tagLst xmlns:a="http://schemas.openxmlformats.org/drawingml/2006/main" xmlns:r="http://schemas.openxmlformats.org/officeDocument/2006/relationships" xmlns:p="http://schemas.openxmlformats.org/presentationml/2006/main">
+  <p:tag name="KSO_WM_TAG_VERSION" val="1.0"/>
+  <p:tag name="KSO_WM_BEAUTIFY_FLAG" val="#wm#"/>
+  <p:tag name="KSO_WM_UNIT_TYPE" val="i"/>
+  <p:tag name="KSO_WM_UNIT_ID" val="custom20184556_1*i*4"/>
+  <p:tag name="KSO_WM_TEMPLATE_CATEGORY" val="custom"/>
+  <p:tag name="KSO_WM_TEMPLATE_INDEX" val="20184556"/>
+  <p:tag name="KSO_WM_UNIT_INDEX" val="4"/>
+</p:tagLst>
+</file>
+
+<file path=ppt/tags/tag50.xml><?xml version="1.0" encoding="utf-8"?>
+<p:tagLst xmlns:a="http://schemas.openxmlformats.org/drawingml/2006/main" xmlns:r="http://schemas.openxmlformats.org/officeDocument/2006/relationships" xmlns:p="http://schemas.openxmlformats.org/presentationml/2006/main">
+  <p:tag name="KSO_WM_TEMPLATE_CATEGORY" val="custom"/>
+  <p:tag name="KSO_WM_TEMPLATE_INDEX" val="20186830"/>
+  <p:tag name="KSO_WM_TAG_VERSION" val="1.0"/>
+  <p:tag name="KSO_WM_BEAUTIFY_FLAG" val="#wm#"/>
+  <p:tag name="KSO_WM_UNIT_TYPE" val="a"/>
+  <p:tag name="KSO_WM_UNIT_INDEX" val="1"/>
+  <p:tag name="KSO_WM_UNIT_ID" val="custom20186830_7*a*1"/>
+  <p:tag name="KSO_WM_UNIT_LAYERLEVEL" val="1"/>
+  <p:tag name="KSO_WM_UNIT_VALUE" val="19"/>
+  <p:tag name="KSO_WM_UNIT_ISCONTENTSTITLE" val="0"/>
+  <p:tag name="KSO_WM_UNIT_HIGHLIGHT" val="0"/>
+  <p:tag name="KSO_WM_UNIT_COMPATIBLE" val="0"/>
+  <p:tag name="KSO_WM_UNIT_CLEAR" val="0"/>
+  <p:tag name="KSO_WM_UNIT_PRESET_TEXT_INDEX" val="3"/>
+  <p:tag name="KSO_WM_UNIT_PRESET_TEXT_LEN" val="17"/>
+</p:tagLst>
+</file>
+
+<file path=ppt/tags/tag51.xml><?xml version="1.0" encoding="utf-8"?>
+<p:tagLst xmlns:a="http://schemas.openxmlformats.org/drawingml/2006/main" xmlns:r="http://schemas.openxmlformats.org/officeDocument/2006/relationships" xmlns:p="http://schemas.openxmlformats.org/presentationml/2006/main">
+  <p:tag name="KSO_WM_TEMPLATE_CATEGORY" val="custom"/>
+  <p:tag name="KSO_WM_TEMPLATE_INDEX" val="20186830"/>
+  <p:tag name="KSO_WM_TAG_VERSION" val="1.0"/>
+  <p:tag name="KSO_WM_SLIDE_ID" val="custom20186830_7"/>
+  <p:tag name="KSO_WM_SLIDE_INDEX" val="7"/>
+  <p:tag name="KSO_WM_SLIDE_ITEM_CNT" val="1"/>
+  <p:tag name="KSO_WM_SLIDE_LAYOUT" val="a_l"/>
+  <p:tag name="KSO_WM_SLIDE_LAYOUT_CNT" val="1_1"/>
+  <p:tag name="KSO_WM_SLIDE_TYPE" val="text"/>
+  <p:tag name="KSO_WM_BEAUTIFY_FLAG" val="#wm#"/>
+  <p:tag name="KSO_WM_SLIDE_POSITION" val="25*85"/>
+  <p:tag name="KSO_WM_SLIDE_SIZE" val="452*279"/>
+  <p:tag name="KSO_WM_DIAGRAM_GROUP_CODE" val="l1-1"/>
+  <p:tag name="KSO_WM_SLIDE_SUBTYPE" val="diag"/>
+</p:tagLst>
+</file>
+
+<file path=ppt/tags/tag52.xml><?xml version="1.0" encoding="utf-8"?>
+<p:tagLst xmlns:a="http://schemas.openxmlformats.org/drawingml/2006/main" xmlns:r="http://schemas.openxmlformats.org/officeDocument/2006/relationships" xmlns:p="http://schemas.openxmlformats.org/presentationml/2006/main">
+  <p:tag name="KSO_WM_TEMPLATE_CATEGORY" val="custom"/>
+  <p:tag name="KSO_WM_TEMPLATE_INDEX" val="20186830"/>
+  <p:tag name="KSO_WM_TAG_VERSION" val="1.0"/>
+  <p:tag name="KSO_WM_BEAUTIFY_FLAG" val="#wm#"/>
+  <p:tag name="KSO_WM_UNIT_TYPE" val="a"/>
+  <p:tag name="KSO_WM_UNIT_INDEX" val="1"/>
+  <p:tag name="KSO_WM_UNIT_ID" val="custom20186830_7*a*1"/>
+  <p:tag name="KSO_WM_UNIT_LAYERLEVEL" val="1"/>
+  <p:tag name="KSO_WM_UNIT_VALUE" val="19"/>
+  <p:tag name="KSO_WM_UNIT_ISCONTENTSTITLE" val="0"/>
+  <p:tag name="KSO_WM_UNIT_HIGHLIGHT" val="0"/>
+  <p:tag name="KSO_WM_UNIT_COMPATIBLE" val="0"/>
+  <p:tag name="KSO_WM_UNIT_CLEAR" val="0"/>
+  <p:tag name="KSO_WM_UNIT_PRESET_TEXT_INDEX" val="3"/>
+  <p:tag name="KSO_WM_UNIT_PRESET_TEXT_LEN" val="17"/>
+</p:tagLst>
+</file>
+
+<file path=ppt/tags/tag53.xml><?xml version="1.0" encoding="utf-8"?>
+<p:tagLst xmlns:a="http://schemas.openxmlformats.org/drawingml/2006/main" xmlns:r="http://schemas.openxmlformats.org/officeDocument/2006/relationships" xmlns:p="http://schemas.openxmlformats.org/presentationml/2006/main">
+  <p:tag name="KSO_WM_TEMPLATE_CATEGORY" val="custom"/>
+  <p:tag name="KSO_WM_TEMPLATE_INDEX" val="20186830"/>
+  <p:tag name="KSO_WM_TAG_VERSION" val="1.0"/>
+  <p:tag name="KSO_WM_SLIDE_ID" val="custom20186830_7"/>
+  <p:tag name="KSO_WM_SLIDE_INDEX" val="7"/>
+  <p:tag name="KSO_WM_SLIDE_ITEM_CNT" val="1"/>
+  <p:tag name="KSO_WM_SLIDE_LAYOUT" val="a_l"/>
+  <p:tag name="KSO_WM_SLIDE_LAYOUT_CNT" val="1_1"/>
+  <p:tag name="KSO_WM_SLIDE_TYPE" val="text"/>
+  <p:tag name="KSO_WM_BEAUTIFY_FLAG" val="#wm#"/>
+  <p:tag name="KSO_WM_SLIDE_POSITION" val="25*85"/>
+  <p:tag name="KSO_WM_SLIDE_SIZE" val="452*279"/>
+  <p:tag name="KSO_WM_DIAGRAM_GROUP_CODE" val="l1-1"/>
+  <p:tag name="KSO_WM_SLIDE_SUBTYPE" val="diag"/>
+</p:tagLst>
+</file>
+
+<file path=ppt/tags/tag54.xml><?xml version="1.0" encoding="utf-8"?>
+<p:tagLst xmlns:a="http://schemas.openxmlformats.org/drawingml/2006/main" xmlns:r="http://schemas.openxmlformats.org/officeDocument/2006/relationships" xmlns:p="http://schemas.openxmlformats.org/presentationml/2006/main">
+  <p:tag name="KSO_WM_TEMPLATE_CATEGORY" val="custom"/>
+  <p:tag name="KSO_WM_TEMPLATE_INDEX" val="20186830"/>
+  <p:tag name="KSO_WM_TAG_VERSION" val="1.0"/>
+  <p:tag name="KSO_WM_BEAUTIFY_FLAG" val="#wm#"/>
+  <p:tag name="KSO_WM_UNIT_TYPE" val="a"/>
+  <p:tag name="KSO_WM_UNIT_INDEX" val="1"/>
+  <p:tag name="KSO_WM_UNIT_ID" val="custom20186830_7*a*1"/>
+  <p:tag name="KSO_WM_UNIT_LAYERLEVEL" val="1"/>
+  <p:tag name="KSO_WM_UNIT_VALUE" val="19"/>
+  <p:tag name="KSO_WM_UNIT_ISCONTENTSTITLE" val="0"/>
+  <p:tag name="KSO_WM_UNIT_HIGHLIGHT" val="0"/>
+  <p:tag name="KSO_WM_UNIT_COMPATIBLE" val="0"/>
+  <p:tag name="KSO_WM_UNIT_CLEAR" val="0"/>
+  <p:tag name="KSO_WM_UNIT_PRESET_TEXT_INDEX" val="3"/>
+  <p:tag name="KSO_WM_UNIT_PRESET_TEXT_LEN" val="17"/>
+</p:tagLst>
+</file>
+
+<file path=ppt/tags/tag55.xml><?xml version="1.0" encoding="utf-8"?>
+<p:tagLst xmlns:a="http://schemas.openxmlformats.org/drawingml/2006/main" xmlns:r="http://schemas.openxmlformats.org/officeDocument/2006/relationships" xmlns:p="http://schemas.openxmlformats.org/presentationml/2006/main">
+  <p:tag name="KSO_WM_TEMPLATE_CATEGORY" val="custom"/>
+  <p:tag name="KSO_WM_TEMPLATE_INDEX" val="20186830"/>
+  <p:tag name="KSO_WM_TAG_VERSION" val="1.0"/>
+  <p:tag name="KSO_WM_SLIDE_ID" val="custom20186830_7"/>
+  <p:tag name="KSO_WM_SLIDE_INDEX" val="7"/>
+  <p:tag name="KSO_WM_SLIDE_ITEM_CNT" val="1"/>
+  <p:tag name="KSO_WM_SLIDE_LAYOUT" val="a_l"/>
+  <p:tag name="KSO_WM_SLIDE_LAYOUT_CNT" val="1_1"/>
+  <p:tag name="KSO_WM_SLIDE_TYPE" val="text"/>
+  <p:tag name="KSO_WM_BEAUTIFY_FLAG" val="#wm#"/>
+  <p:tag name="KSO_WM_SLIDE_POSITION" val="25*85"/>
+  <p:tag name="KSO_WM_SLIDE_SIZE" val="452*279"/>
+  <p:tag name="KSO_WM_DIAGRAM_GROUP_CODE" val="l1-1"/>
+  <p:tag name="KSO_WM_SLIDE_SUBTYPE" val="diag"/>
+</p:tagLst>
+</file>
+
+<file path=ppt/tags/tag56.xml><?xml version="1.0" encoding="utf-8"?>
+<p:tagLst xmlns:a="http://schemas.openxmlformats.org/drawingml/2006/main" xmlns:r="http://schemas.openxmlformats.org/officeDocument/2006/relationships" xmlns:p="http://schemas.openxmlformats.org/presentationml/2006/main">
+  <p:tag name="KSO_WM_TEMPLATE_CATEGORY" val="custom"/>
+  <p:tag name="KSO_WM_TEMPLATE_INDEX" val="20186830"/>
+  <p:tag name="KSO_WM_TAG_VERSION" val="1.0"/>
+  <p:tag name="KSO_WM_BEAUTIFY_FLAG" val="#wm#"/>
+  <p:tag name="KSO_WM_UNIT_TYPE" val="a"/>
+  <p:tag name="KSO_WM_UNIT_INDEX" val="1"/>
+  <p:tag name="KSO_WM_UNIT_ID" val="custom20186830_7*a*1"/>
+  <p:tag name="KSO_WM_UNIT_LAYERLEVEL" val="1"/>
+  <p:tag name="KSO_WM_UNIT_VALUE" val="19"/>
+  <p:tag name="KSO_WM_UNIT_ISCONTENTSTITLE" val="0"/>
+  <p:tag name="KSO_WM_UNIT_HIGHLIGHT" val="0"/>
+  <p:tag name="KSO_WM_UNIT_COMPATIBLE" val="0"/>
+  <p:tag name="KSO_WM_UNIT_CLEAR" val="0"/>
+  <p:tag name="KSO_WM_UNIT_PRESET_TEXT_INDEX" val="3"/>
+  <p:tag name="KSO_WM_UNIT_PRESET_TEXT_LEN" val="17"/>
+</p:tagLst>
+</file>
+
+<file path=ppt/tags/tag57.xml><?xml version="1.0" encoding="utf-8"?>
+<p:tagLst xmlns:a="http://schemas.openxmlformats.org/drawingml/2006/main" xmlns:r="http://schemas.openxmlformats.org/officeDocument/2006/relationships" xmlns:p="http://schemas.openxmlformats.org/presentationml/2006/main">
+  <p:tag name="KSO_WM_TEMPLATE_CATEGORY" val="custom"/>
+  <p:tag name="KSO_WM_TEMPLATE_INDEX" val="20186830"/>
+  <p:tag name="KSO_WM_TAG_VERSION" val="1.0"/>
+  <p:tag name="KSO_WM_SLIDE_ID" val="custom20186830_7"/>
+  <p:tag name="KSO_WM_SLIDE_INDEX" val="7"/>
+  <p:tag name="KSO_WM_SLIDE_ITEM_CNT" val="1"/>
+  <p:tag name="KSO_WM_SLIDE_LAYOUT" val="a_l"/>
+  <p:tag name="KSO_WM_SLIDE_LAYOUT_CNT" val="1_1"/>
+  <p:tag name="KSO_WM_SLIDE_TYPE" val="text"/>
+  <p:tag name="KSO_WM_BEAUTIFY_FLAG" val="#wm#"/>
+  <p:tag name="KSO_WM_SLIDE_POSITION" val="25*85"/>
+  <p:tag name="KSO_WM_SLIDE_SIZE" val="452*279"/>
+  <p:tag name="KSO_WM_DIAGRAM_GROUP_CODE" val="l1-1"/>
+  <p:tag name="KSO_WM_SLIDE_SUBTYPE" val="diag"/>
+</p:tagLst>
+</file>
+
+<file path=ppt/tags/tag58.xml><?xml version="1.0" encoding="utf-8"?>
+<p:tagLst xmlns:a="http://schemas.openxmlformats.org/drawingml/2006/main" xmlns:r="http://schemas.openxmlformats.org/officeDocument/2006/relationships" xmlns:p="http://schemas.openxmlformats.org/presentationml/2006/main">
+  <p:tag name="KSO_WM_TEMPLATE_CATEGORY" val="custom"/>
+  <p:tag name="KSO_WM_TEMPLATE_INDEX" val="20186830"/>
+  <p:tag name="KSO_WM_TAG_VERSION" val="1.0"/>
+  <p:tag name="KSO_WM_BEAUTIFY_FLAG" val="#wm#"/>
+  <p:tag name="KSO_WM_UNIT_TYPE" val="a"/>
+  <p:tag name="KSO_WM_UNIT_INDEX" val="1"/>
+  <p:tag name="KSO_WM_UNIT_ID" val="custom20186830_7*a*1"/>
+  <p:tag name="KSO_WM_UNIT_LAYERLEVEL" val="1"/>
+  <p:tag name="KSO_WM_UNIT_VALUE" val="19"/>
+  <p:tag name="KSO_WM_UNIT_ISCONTENTSTITLE" val="0"/>
+  <p:tag name="KSO_WM_UNIT_HIGHLIGHT" val="0"/>
+  <p:tag name="KSO_WM_UNIT_COMPATIBLE" val="0"/>
+  <p:tag name="KSO_WM_UNIT_CLEAR" val="0"/>
+  <p:tag name="KSO_WM_UNIT_PRESET_TEXT_INDEX" val="3"/>
+  <p:tag name="KSO_WM_UNIT_PRESET_TEXT_LEN" val="17"/>
+</p:tagLst>
+</file>
+
+<file path=ppt/tags/tag59.xml><?xml version="1.0" encoding="utf-8"?>
+<p:tagLst xmlns:a="http://schemas.openxmlformats.org/drawingml/2006/main" xmlns:r="http://schemas.openxmlformats.org/officeDocument/2006/relationships" xmlns:p="http://schemas.openxmlformats.org/presentationml/2006/main">
+  <p:tag name="KSO_WM_TEMPLATE_CATEGORY" val="custom"/>
+  <p:tag name="KSO_WM_TEMPLATE_INDEX" val="20186830"/>
+  <p:tag name="KSO_WM_TAG_VERSION" val="1.0"/>
+  <p:tag name="KSO_WM_SLIDE_ID" val="custom20186830_7"/>
+  <p:tag name="KSO_WM_SLIDE_INDEX" val="7"/>
+  <p:tag name="KSO_WM_SLIDE_ITEM_CNT" val="1"/>
+  <p:tag name="KSO_WM_SLIDE_LAYOUT" val="a_l"/>
+  <p:tag name="KSO_WM_SLIDE_LAYOUT_CNT" val="1_1"/>
+  <p:tag name="KSO_WM_SLIDE_TYPE" val="text"/>
+  <p:tag name="KSO_WM_BEAUTIFY_FLAG" val="#wm#"/>
+  <p:tag name="KSO_WM_SLIDE_POSITION" val="25*85"/>
+  <p:tag name="KSO_WM_SLIDE_SIZE" val="452*279"/>
+  <p:tag name="KSO_WM_DIAGRAM_GROUP_CODE" val="l1-1"/>
+  <p:tag name="KSO_WM_SLIDE_SUBTYPE" val="diag"/>
+</p:tagLst>
+</file>
+
+<file path=ppt/tags/tag6.xml><?xml version="1.0" encoding="utf-8"?>
+<p:tagLst xmlns:a="http://schemas.openxmlformats.org/drawingml/2006/main" xmlns:r="http://schemas.openxmlformats.org/officeDocument/2006/relationships" xmlns:p="http://schemas.openxmlformats.org/presentationml/2006/main">
+  <p:tag name="KSO_WM_TAG_VERSION" val="1.0"/>
+  <p:tag name="KSO_WM_BEAUTIFY_FLAG" val="#wm#"/>
+  <p:tag name="KSO_WM_UNIT_TYPE" val="i"/>
+  <p:tag name="KSO_WM_UNIT_ID" val="custom20184556_1*i*5"/>
+  <p:tag name="KSO_WM_TEMPLATE_CATEGORY" val="custom"/>
+  <p:tag name="KSO_WM_TEMPLATE_INDEX" val="20184556"/>
+  <p:tag name="KSO_WM_UNIT_INDEX" val="5"/>
+</p:tagLst>
+</file>
+
+<file path=ppt/tags/tag60.xml><?xml version="1.0" encoding="utf-8"?>
+<p:tagLst xmlns:a="http://schemas.openxmlformats.org/drawingml/2006/main" xmlns:r="http://schemas.openxmlformats.org/officeDocument/2006/relationships" xmlns:p="http://schemas.openxmlformats.org/presentationml/2006/main">
+  <p:tag name="KSO_WM_TEMPLATE_CATEGORY" val="custom"/>
+  <p:tag name="KSO_WM_TEMPLATE_INDEX" val="20186830"/>
+  <p:tag name="KSO_WM_TAG_VERSION" val="1.0"/>
+  <p:tag name="KSO_WM_BEAUTIFY_FLAG" val="#wm#"/>
+  <p:tag name="KSO_WM_UNIT_TYPE" val="a"/>
+  <p:tag name="KSO_WM_UNIT_INDEX" val="1"/>
+  <p:tag name="KSO_WM_UNIT_ID" val="custom20186830_7*a*1"/>
+  <p:tag name="KSO_WM_UNIT_LAYERLEVEL" val="1"/>
+  <p:tag name="KSO_WM_UNIT_VALUE" val="19"/>
+  <p:tag name="KSO_WM_UNIT_ISCONTENTSTITLE" val="0"/>
+  <p:tag name="KSO_WM_UNIT_HIGHLIGHT" val="0"/>
+  <p:tag name="KSO_WM_UNIT_COMPATIBLE" val="0"/>
+  <p:tag name="KSO_WM_UNIT_CLEAR" val="0"/>
+  <p:tag name="KSO_WM_UNIT_PRESET_TEXT_INDEX" val="3"/>
+  <p:tag name="KSO_WM_UNIT_PRESET_TEXT_LEN" val="17"/>
+</p:tagLst>
+</file>
+
+<file path=ppt/tags/tag61.xml><?xml version="1.0" encoding="utf-8"?>
+<p:tagLst xmlns:a="http://schemas.openxmlformats.org/drawingml/2006/main" xmlns:r="http://schemas.openxmlformats.org/officeDocument/2006/relationships" xmlns:p="http://schemas.openxmlformats.org/presentationml/2006/main">
+  <p:tag name="KSO_WM_TEMPLATE_CATEGORY" val="custom"/>
+  <p:tag name="KSO_WM_TEMPLATE_INDEX" val="20186830"/>
+  <p:tag name="KSO_WM_TAG_VERSION" val="1.0"/>
+  <p:tag name="KSO_WM_SLIDE_ID" val="custom20186830_7"/>
+  <p:tag name="KSO_WM_SLIDE_INDEX" val="7"/>
+  <p:tag name="KSO_WM_SLIDE_ITEM_CNT" val="1"/>
+  <p:tag name="KSO_WM_SLIDE_LAYOUT" val="a_l"/>
+  <p:tag name="KSO_WM_SLIDE_LAYOUT_CNT" val="1_1"/>
+  <p:tag name="KSO_WM_SLIDE_TYPE" val="text"/>
+  <p:tag name="KSO_WM_BEAUTIFY_FLAG" val="#wm#"/>
+  <p:tag name="KSO_WM_SLIDE_POSITION" val="25*85"/>
+  <p:tag name="KSO_WM_SLIDE_SIZE" val="452*279"/>
+  <p:tag name="KSO_WM_DIAGRAM_GROUP_CODE" val="l1-1"/>
+  <p:tag name="KSO_WM_SLIDE_SUBTYPE" val="diag"/>
+</p:tagLst>
+</file>
+
+<file path=ppt/tags/tag62.xml><?xml version="1.0" encoding="utf-8"?>
+<p:tagLst xmlns:a="http://schemas.openxmlformats.org/drawingml/2006/main" xmlns:r="http://schemas.openxmlformats.org/officeDocument/2006/relationships" xmlns:p="http://schemas.openxmlformats.org/presentationml/2006/main">
+  <p:tag name="KSO_WM_TEMPLATE_CATEGORY" val="custom"/>
+  <p:tag name="KSO_WM_TEMPLATE_INDEX" val="20186830"/>
+  <p:tag name="KSO_WM_TAG_VERSION" val="1.0"/>
+  <p:tag name="KSO_WM_BEAUTIFY_FLAG" val="#wm#"/>
+  <p:tag name="KSO_WM_UNIT_TYPE" val="a"/>
+  <p:tag name="KSO_WM_UNIT_INDEX" val="1"/>
+  <p:tag name="KSO_WM_UNIT_ID" val="custom20186830_7*a*1"/>
+  <p:tag name="KSO_WM_UNIT_LAYERLEVEL" val="1"/>
+  <p:tag name="KSO_WM_UNIT_VALUE" val="19"/>
+  <p:tag name="KSO_WM_UNIT_ISCONTENTSTITLE" val="0"/>
+  <p:tag name="KSO_WM_UNIT_HIGHLIGHT" val="0"/>
+  <p:tag name="KSO_WM_UNIT_COMPATIBLE" val="0"/>
+  <p:tag name="KSO_WM_UNIT_CLEAR" val="0"/>
+  <p:tag name="KSO_WM_UNIT_PRESET_TEXT_INDEX" val="3"/>
+  <p:tag name="KSO_WM_UNIT_PRESET_TEXT_LEN" val="17"/>
+</p:tagLst>
+</file>
+
+<file path=ppt/tags/tag63.xml><?xml version="1.0" encoding="utf-8"?>
+<p:tagLst xmlns:a="http://schemas.openxmlformats.org/drawingml/2006/main" xmlns:r="http://schemas.openxmlformats.org/officeDocument/2006/relationships" xmlns:p="http://schemas.openxmlformats.org/presentationml/2006/main">
+  <p:tag name="KSO_WM_TEMPLATE_CATEGORY" val="custom"/>
+  <p:tag name="KSO_WM_TEMPLATE_INDEX" val="20186830"/>
+  <p:tag name="KSO_WM_TAG_VERSION" val="1.0"/>
+  <p:tag name="KSO_WM_SLIDE_ID" val="custom20186830_7"/>
+  <p:tag name="KSO_WM_SLIDE_INDEX" val="7"/>
+  <p:tag name="KSO_WM_SLIDE_ITEM_CNT" val="1"/>
+  <p:tag name="KSO_WM_SLIDE_LAYOUT" val="a_l"/>
+  <p:tag name="KSO_WM_SLIDE_LAYOUT_CNT" val="1_1"/>
+  <p:tag name="KSO_WM_SLIDE_TYPE" val="text"/>
+  <p:tag name="KSO_WM_BEAUTIFY_FLAG" val="#wm#"/>
+  <p:tag name="KSO_WM_SLIDE_POSITION" val="25*85"/>
+  <p:tag name="KSO_WM_SLIDE_SIZE" val="452*279"/>
+  <p:tag name="KSO_WM_DIAGRAM_GROUP_CODE" val="l1-1"/>
+  <p:tag name="KSO_WM_SLIDE_SUBTYPE" val="diag"/>
+</p:tagLst>
+</file>
+
+<file path=ppt/tags/tag64.xml><?xml version="1.0" encoding="utf-8"?>
+<p:tagLst xmlns:a="http://schemas.openxmlformats.org/drawingml/2006/main" xmlns:r="http://schemas.openxmlformats.org/officeDocument/2006/relationships" xmlns:p="http://schemas.openxmlformats.org/presentationml/2006/main">
+  <p:tag name="KSO_WM_TEMPLATE_CATEGORY" val="custom"/>
+  <p:tag name="KSO_WM_TEMPLATE_INDEX" val="20186830"/>
+  <p:tag name="KSO_WM_TAG_VERSION" val="1.0"/>
+  <p:tag name="KSO_WM_BEAUTIFY_FLAG" val="#wm#"/>
+  <p:tag name="KSO_WM_UNIT_TYPE" val="a"/>
+  <p:tag name="KSO_WM_UNIT_INDEX" val="1"/>
+  <p:tag name="KSO_WM_UNIT_ID" val="custom20186830_7*a*1"/>
+  <p:tag name="KSO_WM_UNIT_LAYERLEVEL" val="1"/>
+  <p:tag name="KSO_WM_UNIT_VALUE" val="19"/>
+  <p:tag name="KSO_WM_UNIT_ISCONTENTSTITLE" val="0"/>
+  <p:tag name="KSO_WM_UNIT_HIGHLIGHT" val="0"/>
+  <p:tag name="KSO_WM_UNIT_COMPATIBLE" val="0"/>
+  <p:tag name="KSO_WM_UNIT_CLEAR" val="0"/>
+  <p:tag name="KSO_WM_UNIT_PRESET_TEXT_INDEX" val="3"/>
+  <p:tag name="KSO_WM_UNIT_PRESET_TEXT_LEN" val="17"/>
+</p:tagLst>
+</file>
+
+<file path=ppt/tags/tag65.xml><?xml version="1.0" encoding="utf-8"?>
+<p:tagLst xmlns:a="http://schemas.openxmlformats.org/drawingml/2006/main" xmlns:r="http://schemas.openxmlformats.org/officeDocument/2006/relationships" xmlns:p="http://schemas.openxmlformats.org/presentationml/2006/main">
+  <p:tag name="KSO_WM_TEMPLATE_CATEGORY" val="custom"/>
+  <p:tag name="KSO_WM_TEMPLATE_INDEX" val="20186830"/>
+  <p:tag name="KSO_WM_TAG_VERSION" val="1.0"/>
+  <p:tag name="KSO_WM_SLIDE_ID" val="custom20186830_7"/>
+  <p:tag name="KSO_WM_SLIDE_INDEX" val="7"/>
+  <p:tag name="KSO_WM_SLIDE_ITEM_CNT" val="1"/>
+  <p:tag name="KSO_WM_SLIDE_LAYOUT" val="a_l"/>
+  <p:tag name="KSO_WM_SLIDE_LAYOUT_CNT" val="1_1"/>
+  <p:tag name="KSO_WM_SLIDE_TYPE" val="text"/>
+  <p:tag name="KSO_WM_BEAUTIFY_FLAG" val="#wm#"/>
+  <p:tag name="KSO_WM_SLIDE_POSITION" val="25*85"/>
+  <p:tag name="KSO_WM_SLIDE_SIZE" val="452*279"/>
+  <p:tag name="KSO_WM_DIAGRAM_GROUP_CODE" val="l1-1"/>
+  <p:tag name="KSO_WM_SLIDE_SUBTYPE" val="diag"/>
+</p:tagLst>
+</file>
+
+<file path=ppt/tags/tag66.xml><?xml version="1.0" encoding="utf-8"?>
+<p:tagLst xmlns:a="http://schemas.openxmlformats.org/drawingml/2006/main" xmlns:r="http://schemas.openxmlformats.org/officeDocument/2006/relationships" xmlns:p="http://schemas.openxmlformats.org/presentationml/2006/main">
+  <p:tag name="KSO_WM_TEMPLATE_CATEGORY" val="custom"/>
+  <p:tag name="KSO_WM_TEMPLATE_INDEX" val="20186830"/>
+  <p:tag name="KSO_WM_TAG_VERSION" val="1.0"/>
+  <p:tag name="KSO_WM_BEAUTIFY_FLAG" val="#wm#"/>
+  <p:tag name="KSO_WM_UNIT_TYPE" val="a"/>
+  <p:tag name="KSO_WM_UNIT_INDEX" val="1"/>
+  <p:tag name="KSO_WM_UNIT_ID" val="custom20186830_7*a*1"/>
+  <p:tag name="KSO_WM_UNIT_LAYERLEVEL" val="1"/>
+  <p:tag name="KSO_WM_UNIT_VALUE" val="19"/>
+  <p:tag name="KSO_WM_UNIT_ISCONTENTSTITLE" val="0"/>
+  <p:tag name="KSO_WM_UNIT_HIGHLIGHT" val="0"/>
+  <p:tag name="KSO_WM_UNIT_COMPATIBLE" val="0"/>
+  <p:tag name="KSO_WM_UNIT_CLEAR" val="0"/>
+  <p:tag name="KSO_WM_UNIT_PRESET_TEXT_INDEX" val="3"/>
+  <p:tag name="KSO_WM_UNIT_PRESET_TEXT_LEN" val="17"/>
+</p:tagLst>
+</file>
+
+<file path=ppt/tags/tag67.xml><?xml version="1.0" encoding="utf-8"?>
+<p:tagLst xmlns:a="http://schemas.openxmlformats.org/drawingml/2006/main" xmlns:r="http://schemas.openxmlformats.org/officeDocument/2006/relationships" xmlns:p="http://schemas.openxmlformats.org/presentationml/2006/main">
+  <p:tag name="KSO_WM_TEMPLATE_CATEGORY" val="custom"/>
+  <p:tag name="KSO_WM_TEMPLATE_INDEX" val="20186830"/>
+  <p:tag name="KSO_WM_TAG_VERSION" val="1.0"/>
+  <p:tag name="KSO_WM_SLIDE_ID" val="custom20186830_7"/>
+  <p:tag name="KSO_WM_SLIDE_INDEX" val="7"/>
+  <p:tag name="KSO_WM_SLIDE_ITEM_CNT" val="1"/>
+  <p:tag name="KSO_WM_SLIDE_LAYOUT" val="a_l"/>
+  <p:tag name="KSO_WM_SLIDE_LAYOUT_CNT" val="1_1"/>
+  <p:tag name="KSO_WM_SLIDE_TYPE" val="text"/>
+  <p:tag name="KSO_WM_BEAUTIFY_FLAG" val="#wm#"/>
+  <p:tag name="KSO_WM_SLIDE_POSITION" val="25*85"/>
+  <p:tag name="KSO_WM_SLIDE_SIZE" val="452*279"/>
+  <p:tag name="KSO_WM_DIAGRAM_GROUP_CODE" val="l1-1"/>
+  <p:tag name="KSO_WM_SLIDE_SUBTYPE" val="diag"/>
+</p:tagLst>
+</file>
+
+<file path=ppt/tags/tag68.xml><?xml version="1.0" encoding="utf-8"?>
+<p:tagLst xmlns:a="http://schemas.openxmlformats.org/drawingml/2006/main" xmlns:r="http://schemas.openxmlformats.org/officeDocument/2006/relationships" xmlns:p="http://schemas.openxmlformats.org/presentationml/2006/main">
+  <p:tag name="KSO_WM_TEMPLATE_CATEGORY" val="custom"/>
+  <p:tag name="KSO_WM_TEMPLATE_INDEX" val="20186830"/>
+  <p:tag name="KSO_WM_TAG_VERSION" val="1.0"/>
+  <p:tag name="KSO_WM_BEAUTIFY_FLAG" val="#wm#"/>
+  <p:tag name="KSO_WM_UNIT_TYPE" val="a"/>
+  <p:tag name="KSO_WM_UNIT_INDEX" val="1"/>
+  <p:tag name="KSO_WM_UNIT_ID" val="custom20186830_7*a*1"/>
+  <p:tag name="KSO_WM_UNIT_LAYERLEVEL" val="1"/>
+  <p:tag name="KSO_WM_UNIT_VALUE" val="19"/>
+  <p:tag name="KSO_WM_UNIT_ISCONTENTSTITLE" val="0"/>
+  <p:tag name="KSO_WM_UNIT_HIGHLIGHT" val="0"/>
+  <p:tag name="KSO_WM_UNIT_COMPATIBLE" val="0"/>
+  <p:tag name="KSO_WM_UNIT_CLEAR" val="0"/>
+  <p:tag name="KSO_WM_UNIT_PRESET_TEXT_INDEX" val="3"/>
+  <p:tag name="KSO_WM_UNIT_PRESET_TEXT_LEN" val="17"/>
+</p:tagLst>
+</file>
+
+<file path=ppt/tags/tag69.xml><?xml version="1.0" encoding="utf-8"?>
+<p:tagLst xmlns:a="http://schemas.openxmlformats.org/drawingml/2006/main" xmlns:r="http://schemas.openxmlformats.org/officeDocument/2006/relationships" xmlns:p="http://schemas.openxmlformats.org/presentationml/2006/main">
   <p:tag name="KSO_WM_TEMPLATE_CATEGORY" val="custom"/>
   <p:tag name="KSO_WM_TEMPLATE_INDEX" val="20186830"/>
 </p:tagLst>
 </file>
 
-<file path=ppt/tags/tag5.xml><?xml version="1.0" encoding="utf-8"?>
-<p:tagLst xmlns:p="http://schemas.openxmlformats.org/presentationml/2006/main">
+<file path=ppt/tags/tag7.xml><?xml version="1.0" encoding="utf-8"?>
+<p:tagLst xmlns:a="http://schemas.openxmlformats.org/drawingml/2006/main" xmlns:r="http://schemas.openxmlformats.org/officeDocument/2006/relationships" xmlns:p="http://schemas.openxmlformats.org/presentationml/2006/main">
+  <p:tag name="KSO_WM_TAG_VERSION" val="1.0"/>
+  <p:tag name="KSO_WM_BEAUTIFY_FLAG" val="#wm#"/>
+  <p:tag name="KSO_WM_UNIT_TYPE" val="i"/>
+  <p:tag name="KSO_WM_UNIT_ID" val="custom20184556_1*i*6"/>
+  <p:tag name="KSO_WM_TEMPLATE_CATEGORY" val="custom"/>
+  <p:tag name="KSO_WM_TEMPLATE_INDEX" val="20184556"/>
+  <p:tag name="KSO_WM_UNIT_INDEX" val="6"/>
+</p:tagLst>
+</file>
+
+<file path=ppt/tags/tag70.xml><?xml version="1.0" encoding="utf-8"?>
+<p:tagLst xmlns:a="http://schemas.openxmlformats.org/drawingml/2006/main" xmlns:r="http://schemas.openxmlformats.org/officeDocument/2006/relationships" xmlns:p="http://schemas.openxmlformats.org/presentationml/2006/main">
+  <p:tag name="KSO_WM_BEAUTIFY_FLAG" val="#wm#"/>
+  <p:tag name="KSO_WM_TEMPLATE_CATEGORY" val="custom"/>
+  <p:tag name="KSO_WM_TEMPLATE_INDEX" val="20186830"/>
+</p:tagLst>
+</file>
+
+<file path=ppt/tags/tag8.xml><?xml version="1.0" encoding="utf-8"?>
+<p:tagLst xmlns:a="http://schemas.openxmlformats.org/drawingml/2006/main" xmlns:r="http://schemas.openxmlformats.org/officeDocument/2006/relationships" xmlns:p="http://schemas.openxmlformats.org/presentationml/2006/main">
   <p:tag name="KSO_WM_TAG_VERSION" val="1.0"/>
   <p:tag name="KSO_WM_BEAUTIFY_FLAG" val="#wm#"/>
   <p:tag name="KSO_WM_UNIT_TYPE" val="i"/>
@@ -12058,16 +16399,8 @@
 </p:tagLst>
 </file>
 
-<file path=ppt/tags/tag50.xml><?xml version="1.0" encoding="utf-8"?>
-<p:tagLst xmlns:p="http://schemas.openxmlformats.org/presentationml/2006/main">
-  <p:tag name="KSO_WM_BEAUTIFY_FLAG" val="#wm#"/>
-  <p:tag name="KSO_WM_TEMPLATE_CATEGORY" val="custom"/>
-  <p:tag name="KSO_WM_TEMPLATE_INDEX" val="20186830"/>
-</p:tagLst>
-</file>
-
-<file path=ppt/tags/tag6.xml><?xml version="1.0" encoding="utf-8"?>
-<p:tagLst xmlns:p="http://schemas.openxmlformats.org/presentationml/2006/main">
+<file path=ppt/tags/tag9.xml><?xml version="1.0" encoding="utf-8"?>
+<p:tagLst xmlns:a="http://schemas.openxmlformats.org/drawingml/2006/main" xmlns:r="http://schemas.openxmlformats.org/officeDocument/2006/relationships" xmlns:p="http://schemas.openxmlformats.org/presentationml/2006/main">
   <p:tag name="KSO_WM_TAG_VERSION" val="1.0"/>
   <p:tag name="KSO_WM_BEAUTIFY_FLAG" val="#wm#"/>
   <p:tag name="KSO_WM_UNIT_TYPE" val="i"/>
@@ -12075,42 +16408,6 @@
   <p:tag name="KSO_WM_TEMPLATE_CATEGORY" val="custom"/>
   <p:tag name="KSO_WM_TEMPLATE_INDEX" val="20184556"/>
   <p:tag name="KSO_WM_UNIT_INDEX" val="2"/>
-</p:tagLst>
-</file>
-
-<file path=ppt/tags/tag7.xml><?xml version="1.0" encoding="utf-8"?>
-<p:tagLst xmlns:p="http://schemas.openxmlformats.org/presentationml/2006/main">
-  <p:tag name="KSO_WM_TAG_VERSION" val="1.0"/>
-  <p:tag name="KSO_WM_BEAUTIFY_FLAG" val="#wm#"/>
-  <p:tag name="KSO_WM_UNIT_TYPE" val="i"/>
-  <p:tag name="KSO_WM_UNIT_ID" val="custom20184556_22*i*3"/>
-  <p:tag name="KSO_WM_TEMPLATE_CATEGORY" val="custom"/>
-  <p:tag name="KSO_WM_TEMPLATE_INDEX" val="20184556"/>
-  <p:tag name="KSO_WM_UNIT_INDEX" val="3"/>
-</p:tagLst>
-</file>
-
-<file path=ppt/tags/tag8.xml><?xml version="1.0" encoding="utf-8"?>
-<p:tagLst xmlns:p="http://schemas.openxmlformats.org/presentationml/2006/main">
-  <p:tag name="KSO_WM_TAG_VERSION" val="1.0"/>
-  <p:tag name="KSO_WM_BEAUTIFY_FLAG" val="#wm#"/>
-  <p:tag name="KSO_WM_UNIT_TYPE" val="i"/>
-  <p:tag name="KSO_WM_UNIT_ID" val="custom20184556_22*i*4"/>
-  <p:tag name="KSO_WM_TEMPLATE_CATEGORY" val="custom"/>
-  <p:tag name="KSO_WM_TEMPLATE_INDEX" val="20184556"/>
-  <p:tag name="KSO_WM_UNIT_INDEX" val="4"/>
-</p:tagLst>
-</file>
-
-<file path=ppt/tags/tag9.xml><?xml version="1.0" encoding="utf-8"?>
-<p:tagLst xmlns:p="http://schemas.openxmlformats.org/presentationml/2006/main">
-  <p:tag name="KSO_WM_TAG_VERSION" val="1.0"/>
-  <p:tag name="KSO_WM_BEAUTIFY_FLAG" val="#wm#"/>
-  <p:tag name="KSO_WM_UNIT_TYPE" val="i"/>
-  <p:tag name="KSO_WM_UNIT_ID" val="custom20184556_22*i*5"/>
-  <p:tag name="KSO_WM_TEMPLATE_CATEGORY" val="custom"/>
-  <p:tag name="KSO_WM_TEMPLATE_INDEX" val="20184556"/>
-  <p:tag name="KSO_WM_UNIT_INDEX" val="5"/>
 </p:tagLst>
 </file>
 
@@ -12305,6 +16602,8 @@
       </a:bgFillStyleLst>
     </a:fmtScheme>
   </a:themeElements>
+  <a:objectDefaults/>
+  <a:extraClrSchemeLst/>
   <a:extLst>
     <a:ext uri="{05A4C25C-085E-4340-85A3-A5531E510DB2}">
       <thm15:themeFamily xmlns:thm15="http://schemas.microsoft.com/office/thememl/2012/main" name="Office Theme" id="{62F939B6-93AF-4DB8-9C6B-D6C7DFDC589F}" vid="{4A3C46E8-61CC-4603-A589-7422A47A8E4A}"/>
@@ -12504,6 +16803,8 @@
       </a:bgFillStyleLst>
     </a:fmtScheme>
   </a:themeElements>
+  <a:objectDefaults/>
+  <a:extraClrSchemeLst/>
   <a:extLst>
     <a:ext uri="{05A4C25C-085E-4340-85A3-A5531E510DB2}">
       <thm15:themeFamily xmlns:thm15="http://schemas.microsoft.com/office/thememl/2012/main" name="Office Theme" id="{62F939B6-93AF-4DB8-9C6B-D6C7DFDC589F}" vid="{4A3C46E8-61CC-4603-A589-7422A47A8E4A}"/>
@@ -12790,6 +17091,8 @@
       </a:bgFillStyleLst>
     </a:fmtScheme>
   </a:themeElements>
+  <a:objectDefaults/>
+  <a:extraClrSchemeLst/>
   <a:extLst>
     <a:ext uri="{05A4C25C-085E-4340-85A3-A5531E510DB2}">
       <thm15:themeFamily xmlns:thm15="http://schemas.microsoft.com/office/thememl/2012/main" name="Office Theme" id="{62F939B6-93AF-4DB8-9C6B-D6C7DFDC589F}" vid="{4A3C46E8-61CC-4603-A589-7422A47A8E4A}"/>
@@ -13049,6 +17352,8 @@
       </a:bgFillStyleLst>
     </a:fmtScheme>
   </a:themeElements>
+  <a:objectDefaults/>
+  <a:extraClrSchemeLst/>
   <a:extLst>
     <a:ext uri="{05A4C25C-085E-4340-85A3-A5531E510DB2}">
       <thm15:themeFamily xmlns:thm15="http://schemas.microsoft.com/office/thememl/2012/main" name="Office Theme" id="{62F939B6-93AF-4DB8-9C6B-D6C7DFDC589F}" vid="{4A3C46E8-61CC-4603-A589-7422A47A8E4A}"/>

--- a/Design pattern/23种设计模式详解.pptx
+++ b/Design pattern/23种设计模式详解.pptx
@@ -3,45 +3,51 @@
 <p:presentation xmlns:a="http://schemas.openxmlformats.org/drawingml/2006/main" xmlns:r="http://schemas.openxmlformats.org/officeDocument/2006/relationships" xmlns:p="http://schemas.openxmlformats.org/presentationml/2006/main" showSpecialPlsOnTitleSld="0">
   <p:sldMasterIdLst>
     <p:sldMasterId id="2147483648" r:id="rId1"/>
-    <p:sldMasterId id="2147483660" r:id="rId2"/>
+    <p:sldMasterId id="2147483660" r:id="rId3"/>
   </p:sldMasterIdLst>
   <p:notesMasterIdLst>
-    <p:notesMasterId r:id="rId33"/>
+    <p:notesMasterId r:id="rId5"/>
   </p:notesMasterIdLst>
   <p:handoutMasterIdLst>
-    <p:handoutMasterId r:id="rId34"/>
+    <p:handoutMasterId r:id="rId41"/>
   </p:handoutMasterIdLst>
   <p:sldIdLst>
-    <p:sldId id="453" r:id="rId3"/>
-    <p:sldId id="583" r:id="rId4"/>
-    <p:sldId id="584" r:id="rId5"/>
-    <p:sldId id="585" r:id="rId6"/>
-    <p:sldId id="586" r:id="rId7"/>
-    <p:sldId id="587" r:id="rId8"/>
-    <p:sldId id="595" r:id="rId9"/>
-    <p:sldId id="596" r:id="rId10"/>
-    <p:sldId id="597" r:id="rId11"/>
-    <p:sldId id="604" r:id="rId12"/>
-    <p:sldId id="605" r:id="rId13"/>
-    <p:sldId id="607" r:id="rId14"/>
-    <p:sldId id="598" r:id="rId15"/>
-    <p:sldId id="614" r:id="rId16"/>
-    <p:sldId id="608" r:id="rId17"/>
-    <p:sldId id="612" r:id="rId18"/>
-    <p:sldId id="613" r:id="rId19"/>
-    <p:sldId id="609" r:id="rId20"/>
-    <p:sldId id="611" r:id="rId21"/>
-    <p:sldId id="599" r:id="rId22"/>
-    <p:sldId id="600" r:id="rId23"/>
-    <p:sldId id="601" r:id="rId24"/>
-    <p:sldId id="602" r:id="rId25"/>
-    <p:sldId id="603" r:id="rId26"/>
-    <p:sldId id="588" r:id="rId27"/>
-    <p:sldId id="589" r:id="rId28"/>
-    <p:sldId id="590" r:id="rId29"/>
-    <p:sldId id="592" r:id="rId30"/>
-    <p:sldId id="472" r:id="rId31"/>
-    <p:sldId id="577" r:id="rId32"/>
+    <p:sldId id="453" r:id="rId4"/>
+    <p:sldId id="583" r:id="rId6"/>
+    <p:sldId id="584" r:id="rId7"/>
+    <p:sldId id="585" r:id="rId8"/>
+    <p:sldId id="586" r:id="rId9"/>
+    <p:sldId id="587" r:id="rId10"/>
+    <p:sldId id="595" r:id="rId11"/>
+    <p:sldId id="596" r:id="rId12"/>
+    <p:sldId id="597" r:id="rId13"/>
+    <p:sldId id="604" r:id="rId14"/>
+    <p:sldId id="605" r:id="rId15"/>
+    <p:sldId id="607" r:id="rId16"/>
+    <p:sldId id="598" r:id="rId17"/>
+    <p:sldId id="614" r:id="rId18"/>
+    <p:sldId id="608" r:id="rId19"/>
+    <p:sldId id="612" r:id="rId20"/>
+    <p:sldId id="613" r:id="rId21"/>
+    <p:sldId id="609" r:id="rId22"/>
+    <p:sldId id="611" r:id="rId23"/>
+    <p:sldId id="599" r:id="rId24"/>
+    <p:sldId id="631" r:id="rId25"/>
+    <p:sldId id="632" r:id="rId26"/>
+    <p:sldId id="633" r:id="rId27"/>
+    <p:sldId id="634" r:id="rId28"/>
+    <p:sldId id="635" r:id="rId29"/>
+    <p:sldId id="636" r:id="rId30"/>
+    <p:sldId id="600" r:id="rId31"/>
+    <p:sldId id="601" r:id="rId32"/>
+    <p:sldId id="602" r:id="rId33"/>
+    <p:sldId id="603" r:id="rId34"/>
+    <p:sldId id="588" r:id="rId35"/>
+    <p:sldId id="589" r:id="rId36"/>
+    <p:sldId id="590" r:id="rId37"/>
+    <p:sldId id="592" r:id="rId38"/>
+    <p:sldId id="472" r:id="rId39"/>
+    <p:sldId id="577" r:id="rId40"/>
   </p:sldIdLst>
   <p:sldSz cx="9144000" cy="6858000" type="screen4x3"/>
   <p:notesSz cx="6858000" cy="9144000"/>
@@ -175,22 +181,6 @@
       </a:defRPr>
     </a:lvl9pPr>
   </p:defaultTextStyle>
-  <p:extLst>
-    <p:ext uri="{EFAFB233-063F-42B5-8137-9DF3F51BA10A}">
-      <p15:sldGuideLst xmlns:p15="http://schemas.microsoft.com/office/powerpoint/2012/main">
-        <p15:guide id="1" orient="horz" pos="2130">
-          <p15:clr>
-            <a:srgbClr val="A4A3A4"/>
-          </p15:clr>
-        </p15:guide>
-        <p15:guide id="2" pos="2880">
-          <p15:clr>
-            <a:srgbClr val="A4A3A4"/>
-          </p15:clr>
-        </p15:guide>
-      </p15:sldGuideLst>
-    </p:ext>
-  </p:extLst>
 </p:presentation>
 </file>
 
@@ -282,7 +272,6 @@
           <a:p>
             <a:fld id="{0F9B84EA-7D68-4D60-9CB1-D50884785D1C}" type="datetimeFigureOut">
               <a:rPr lang="zh-CN" altLang="en-US"/>
-              <a:t>2018/8/10</a:t>
             </a:fld>
             <a:endParaRPr lang="zh-CN" altLang="en-US">
               <a:ea typeface="+mn-ea"/>
@@ -354,7 +343,6 @@
           <a:p>
             <a:fld id="{9573C3F1-5DE1-49D7-85EF-378BB3AB6535}" type="slidenum">
               <a:rPr lang="zh-CN" altLang="en-US"/>
-              <a:t>‹#›</a:t>
             </a:fld>
             <a:endParaRPr lang="zh-CN" altLang="en-US">
               <a:ea typeface="+mn-ea"/>
@@ -530,6 +518,7 @@
               <a:rPr lang="en-US" noProof="0"/>
               <a:t>Click to edit Master text styles</a:t>
             </a:r>
+            <a:endParaRPr lang="en-US" noProof="0"/>
           </a:p>
           <a:p>
             <a:pPr lvl="1"/>
@@ -537,6 +526,7 @@
               <a:rPr lang="en-US" noProof="0"/>
               <a:t>Second level</a:t>
             </a:r>
+            <a:endParaRPr lang="en-US" noProof="0"/>
           </a:p>
           <a:p>
             <a:pPr lvl="2"/>
@@ -544,6 +534,7 @@
               <a:rPr lang="en-US" noProof="0"/>
               <a:t>Third level</a:t>
             </a:r>
+            <a:endParaRPr lang="en-US" noProof="0"/>
           </a:p>
           <a:p>
             <a:pPr lvl="3"/>
@@ -551,6 +542,7 @@
               <a:rPr lang="en-US" noProof="0"/>
               <a:t>Fourth level</a:t>
             </a:r>
+            <a:endParaRPr lang="en-US" noProof="0"/>
           </a:p>
           <a:p>
             <a:pPr lvl="4"/>
@@ -558,6 +550,7 @@
               <a:rPr lang="en-US" noProof="0"/>
               <a:t>Fifth level</a:t>
             </a:r>
+            <a:endParaRPr lang="en-US" noProof="0"/>
           </a:p>
         </p:txBody>
       </p:sp>
@@ -628,7 +621,6 @@
           <a:p>
             <a:fld id="{86CED120-70A4-4283-998F-973E88A2003A}" type="slidenum">
               <a:rPr lang="en-US" altLang="zh-CN"/>
-              <a:t>‹#›</a:t>
             </a:fld>
             <a:endParaRPr lang="en-US" altLang="zh-CN">
               <a:cs typeface="Arial" panose="020B0604020202020204" pitchFamily="34" charset="0"/>
@@ -988,7 +980,6 @@
           <a:p>
             <a:fld id="{110A0595-8C10-4F11-9D71-5A2D3C412DC6}" type="slidenum">
               <a:rPr lang="en-US" altLang="zh-CN" sz="1200" smtClean="0"/>
-              <a:t>1</a:t>
             </a:fld>
             <a:endParaRPr lang="en-US" altLang="zh-CN" sz="1200"/>
           </a:p>
@@ -1079,18 +1070,12 @@
           <a:p>
             <a:fld id="{2ED26FC3-015A-4F86-ACC3-780431FB8E4D}" type="slidenum">
               <a:rPr lang="zh-CN" altLang="en-US" smtClean="0"/>
-              <a:t>12</a:t>
             </a:fld>
             <a:endParaRPr lang="zh-CN" altLang="en-US"/>
           </a:p>
         </p:txBody>
       </p:sp>
     </p:spTree>
-    <p:extLst>
-      <p:ext uri="{BB962C8B-B14F-4D97-AF65-F5344CB8AC3E}">
-        <p14:creationId xmlns:p14="http://schemas.microsoft.com/office/powerpoint/2010/main" val="179047885"/>
-      </p:ext>
-    </p:extLst>
   </p:cSld>
   <p:clrMapOvr>
     <a:masterClrMapping/>
@@ -1194,18 +1179,12 @@
           <a:p>
             <a:fld id="{2ED26FC3-015A-4F86-ACC3-780431FB8E4D}" type="slidenum">
               <a:rPr lang="zh-CN" altLang="en-US" smtClean="0"/>
-              <a:t>14</a:t>
             </a:fld>
             <a:endParaRPr lang="zh-CN" altLang="en-US"/>
           </a:p>
         </p:txBody>
       </p:sp>
     </p:spTree>
-    <p:extLst>
-      <p:ext uri="{BB962C8B-B14F-4D97-AF65-F5344CB8AC3E}">
-        <p14:creationId xmlns:p14="http://schemas.microsoft.com/office/powerpoint/2010/main" val="1373590628"/>
-      </p:ext>
-    </p:extLst>
   </p:cSld>
   <p:clrMapOvr>
     <a:masterClrMapping/>
@@ -1273,6 +1252,7 @@
               <a:rPr lang="zh-CN" altLang="en-US" dirty="0"/>
               <a:t>前提：我们现在决定引入里氏替换原则</a:t>
             </a:r>
+            <a:endParaRPr lang="zh-CN" altLang="en-US" dirty="0"/>
           </a:p>
         </p:txBody>
       </p:sp>
@@ -1293,18 +1273,12 @@
           <a:p>
             <a:fld id="{2ED26FC3-015A-4F86-ACC3-780431FB8E4D}" type="slidenum">
               <a:rPr lang="zh-CN" altLang="en-US" smtClean="0"/>
-              <a:t>15</a:t>
             </a:fld>
             <a:endParaRPr lang="zh-CN" altLang="en-US"/>
           </a:p>
         </p:txBody>
       </p:sp>
     </p:spTree>
-    <p:extLst>
-      <p:ext uri="{BB962C8B-B14F-4D97-AF65-F5344CB8AC3E}">
-        <p14:creationId xmlns:p14="http://schemas.microsoft.com/office/powerpoint/2010/main" val="3772025518"/>
-      </p:ext>
-    </p:extLst>
   </p:cSld>
   <p:clrMapOvr>
     <a:masterClrMapping/>
@@ -1382,18 +1356,12 @@
           <a:p>
             <a:fld id="{2ED26FC3-015A-4F86-ACC3-780431FB8E4D}" type="slidenum">
               <a:rPr lang="zh-CN" altLang="en-US" smtClean="0"/>
-              <a:t>16</a:t>
             </a:fld>
             <a:endParaRPr lang="zh-CN" altLang="en-US"/>
           </a:p>
         </p:txBody>
       </p:sp>
     </p:spTree>
-    <p:extLst>
-      <p:ext uri="{BB962C8B-B14F-4D97-AF65-F5344CB8AC3E}">
-        <p14:creationId xmlns:p14="http://schemas.microsoft.com/office/powerpoint/2010/main" val="3697604889"/>
-      </p:ext>
-    </p:extLst>
   </p:cSld>
   <p:clrMapOvr>
     <a:masterClrMapping/>
@@ -1471,18 +1439,12 @@
           <a:p>
             <a:fld id="{2ED26FC3-015A-4F86-ACC3-780431FB8E4D}" type="slidenum">
               <a:rPr lang="zh-CN" altLang="en-US" smtClean="0"/>
-              <a:t>17</a:t>
             </a:fld>
             <a:endParaRPr lang="zh-CN" altLang="en-US"/>
           </a:p>
         </p:txBody>
       </p:sp>
     </p:spTree>
-    <p:extLst>
-      <p:ext uri="{BB962C8B-B14F-4D97-AF65-F5344CB8AC3E}">
-        <p14:creationId xmlns:p14="http://schemas.microsoft.com/office/powerpoint/2010/main" val="3301610405"/>
-      </p:ext>
-    </p:extLst>
   </p:cSld>
   <p:clrMapOvr>
     <a:masterClrMapping/>
@@ -1572,18 +1534,12 @@
           <a:p>
             <a:fld id="{2ED26FC3-015A-4F86-ACC3-780431FB8E4D}" type="slidenum">
               <a:rPr lang="zh-CN" altLang="en-US" smtClean="0"/>
-              <a:t>18</a:t>
             </a:fld>
             <a:endParaRPr lang="zh-CN" altLang="en-US"/>
           </a:p>
         </p:txBody>
       </p:sp>
     </p:spTree>
-    <p:extLst>
-      <p:ext uri="{BB962C8B-B14F-4D97-AF65-F5344CB8AC3E}">
-        <p14:creationId xmlns:p14="http://schemas.microsoft.com/office/powerpoint/2010/main" val="2545419587"/>
-      </p:ext>
-    </p:extLst>
   </p:cSld>
   <p:clrMapOvr>
     <a:masterClrMapping/>
@@ -1668,18 +1624,12 @@
           <a:p>
             <a:fld id="{2ED26FC3-015A-4F86-ACC3-780431FB8E4D}" type="slidenum">
               <a:rPr lang="zh-CN" altLang="en-US" smtClean="0"/>
-              <a:t>19</a:t>
             </a:fld>
             <a:endParaRPr lang="zh-CN" altLang="en-US"/>
           </a:p>
         </p:txBody>
       </p:sp>
     </p:spTree>
-    <p:extLst>
-      <p:ext uri="{BB962C8B-B14F-4D97-AF65-F5344CB8AC3E}">
-        <p14:creationId xmlns:p14="http://schemas.microsoft.com/office/powerpoint/2010/main" val="2574460582"/>
-      </p:ext>
-    </p:extLst>
   </p:cSld>
   <p:clrMapOvr>
     <a:masterClrMapping/>
@@ -1736,7 +1686,33 @@
           <a:bodyPr/>
           <a:lstStyle/>
           <a:p>
-            <a:endParaRPr lang="zh-CN" altLang="en-US"/>
+            <a:r>
+              <a:rPr lang="zh-CN" altLang="en-US" dirty="0"/>
+              <a:t>例子</a:t>
+            </a:r>
+            <a:endParaRPr lang="en-US" altLang="zh-CN" dirty="0"/>
+          </a:p>
+          <a:p>
+            <a:r>
+              <a:rPr lang="en-US" altLang="zh-CN" dirty="0"/>
+              <a:t>1</a:t>
+            </a:r>
+            <a:r>
+              <a:rPr lang="zh-CN" altLang="en-US" dirty="0"/>
+              <a:t>、我喜欢动物，狗是动物，所以我喜欢狗</a:t>
+            </a:r>
+            <a:endParaRPr lang="en-US" altLang="zh-CN" dirty="0"/>
+          </a:p>
+          <a:p>
+            <a:r>
+              <a:rPr lang="en-US" altLang="zh-CN" dirty="0"/>
+              <a:t>2</a:t>
+            </a:r>
+            <a:r>
+              <a:rPr lang="zh-CN" altLang="en-US" dirty="0"/>
+              <a:t>、狗会汪汪叫，哈士奇会汪汪叫，金毛会汪汪叫</a:t>
+            </a:r>
+            <a:endParaRPr lang="en-US" altLang="zh-CN" dirty="0"/>
           </a:p>
         </p:txBody>
       </p:sp>
@@ -1757,18 +1733,12 @@
           <a:p>
             <a:fld id="{2ED26FC3-015A-4F86-ACC3-780431FB8E4D}" type="slidenum">
               <a:rPr lang="zh-CN" altLang="en-US" smtClean="0"/>
-              <a:t>24</a:t>
             </a:fld>
             <a:endParaRPr lang="zh-CN" altLang="en-US"/>
           </a:p>
         </p:txBody>
       </p:sp>
     </p:spTree>
-    <p:extLst>
-      <p:ext uri="{BB962C8B-B14F-4D97-AF65-F5344CB8AC3E}">
-        <p14:creationId xmlns:p14="http://schemas.microsoft.com/office/powerpoint/2010/main" val="1748122313"/>
-      </p:ext>
-    </p:extLst>
   </p:cSld>
   <p:clrMapOvr>
     <a:masterClrMapping/>
@@ -1825,7 +1795,18 @@
           <a:bodyPr/>
           <a:lstStyle/>
           <a:p>
-            <a:endParaRPr lang="zh-CN" altLang="en-US"/>
+            <a:r>
+              <a:rPr lang="zh-CN" altLang="en-US" dirty="0"/>
+              <a:t>解释引入里氏替换原则下四点</a:t>
+            </a:r>
+            <a:endParaRPr lang="en-US" altLang="zh-CN" dirty="0"/>
+          </a:p>
+          <a:p>
+            <a:r>
+              <a:rPr lang="zh-CN" altLang="en-US" dirty="0"/>
+              <a:t>前提：我们现在决定引入里氏替换原则</a:t>
+            </a:r>
+            <a:endParaRPr lang="zh-CN" altLang="en-US" dirty="0"/>
           </a:p>
         </p:txBody>
       </p:sp>
@@ -1846,7 +1827,6 @@
           <a:p>
             <a:fld id="{2ED26FC3-015A-4F86-ACC3-780431FB8E4D}" type="slidenum">
               <a:rPr lang="zh-CN" altLang="en-US" smtClean="0"/>
-              <a:t>26</a:t>
             </a:fld>
             <a:endParaRPr lang="zh-CN" altLang="en-US"/>
           </a:p>
@@ -1909,7 +1889,7 @@
           <a:bodyPr/>
           <a:lstStyle/>
           <a:p>
-            <a:endParaRPr lang="zh-CN" altLang="en-US"/>
+            <a:endParaRPr lang="zh-CN" altLang="en-US" dirty="0"/>
           </a:p>
         </p:txBody>
       </p:sp>
@@ -1930,7 +1910,6 @@
           <a:p>
             <a:fld id="{2ED26FC3-015A-4F86-ACC3-780431FB8E4D}" type="slidenum">
               <a:rPr lang="zh-CN" altLang="en-US" smtClean="0"/>
-              <a:t>27</a:t>
             </a:fld>
             <a:endParaRPr lang="zh-CN" altLang="en-US"/>
           </a:p>
@@ -2014,6 +1993,7 @@
               <a:rPr lang="zh-CN" altLang="en-US" dirty="0"/>
               <a:t>语言的应用而逐渐普及成熟。</a:t>
             </a:r>
+            <a:endParaRPr lang="zh-CN" altLang="en-US" dirty="0"/>
           </a:p>
           <a:p>
             <a:pPr eaLnBrk="1" hangingPunct="1"/>
@@ -2045,6 +2025,7 @@
               <a:rPr lang="en-US" altLang="zh-CN" dirty="0"/>
               <a:t>。</a:t>
             </a:r>
+            <a:endParaRPr lang="en-US" altLang="zh-CN" dirty="0"/>
           </a:p>
           <a:p>
             <a:pPr eaLnBrk="1" hangingPunct="1"/>
@@ -2068,6 +2049,7 @@
               <a:rPr lang="zh-CN" altLang="en-US" dirty="0"/>
               <a:t>等框架）。</a:t>
             </a:r>
+            <a:endParaRPr lang="zh-CN" altLang="en-US" dirty="0"/>
           </a:p>
           <a:p>
             <a:pPr eaLnBrk="1" hangingPunct="1"/>
@@ -2083,6 +2065,7 @@
               <a:rPr lang="zh-CN" altLang="en-US" dirty="0"/>
               <a:t>框架）。</a:t>
             </a:r>
+            <a:endParaRPr lang="zh-CN" altLang="en-US" dirty="0"/>
           </a:p>
         </p:txBody>
       </p:sp>
@@ -2103,7 +2086,6 @@
           <a:p>
             <a:fld id="{2ED26FC3-015A-4F86-ACC3-780431FB8E4D}" type="slidenum">
               <a:rPr lang="zh-CN" altLang="en-US" smtClean="0"/>
-              <a:t>2</a:t>
             </a:fld>
             <a:endParaRPr lang="zh-CN" altLang="en-US"/>
           </a:p>
@@ -2166,7 +2148,7 @@
           <a:bodyPr/>
           <a:lstStyle/>
           <a:p>
-            <a:endParaRPr lang="zh-CN" altLang="en-US"/>
+            <a:endParaRPr lang="zh-CN" altLang="en-US" dirty="0"/>
           </a:p>
         </p:txBody>
       </p:sp>
@@ -2187,7 +2169,6 @@
           <a:p>
             <a:fld id="{2ED26FC3-015A-4F86-ACC3-780431FB8E4D}" type="slidenum">
               <a:rPr lang="zh-CN" altLang="en-US" smtClean="0"/>
-              <a:t>28</a:t>
             </a:fld>
             <a:endParaRPr lang="zh-CN" altLang="en-US"/>
           </a:p>
@@ -2202,6 +2183,523 @@
 </file>
 
 <file path=ppt/notesSlides/notesSlide21.xml><?xml version="1.0" encoding="utf-8"?>
+<p:notes xmlns:a="http://schemas.openxmlformats.org/drawingml/2006/main" xmlns:r="http://schemas.openxmlformats.org/officeDocument/2006/relationships" xmlns:p="http://schemas.openxmlformats.org/presentationml/2006/main">
+  <p:cSld>
+    <p:spTree>
+      <p:nvGrpSpPr>
+        <p:cNvPr id="1" name=""/>
+        <p:cNvGrpSpPr/>
+        <p:nvPr/>
+      </p:nvGrpSpPr>
+      <p:grpSpPr>
+        <a:xfrm>
+          <a:off x="0" y="0"/>
+          <a:ext cx="0" cy="0"/>
+          <a:chOff x="0" y="0"/>
+          <a:chExt cx="0" cy="0"/>
+        </a:xfrm>
+      </p:grpSpPr>
+      <p:sp>
+        <p:nvSpPr>
+          <p:cNvPr id="2" name="幻灯片图像占位符 1"/>
+          <p:cNvSpPr>
+            <a:spLocks noGrp="1" noRot="1" noChangeAspect="1"/>
+          </p:cNvSpPr>
+          <p:nvPr>
+            <p:ph type="sldImg"/>
+          </p:nvPr>
+        </p:nvSpPr>
+        <p:spPr>
+          <a:xfrm>
+            <a:off x="1371600" y="1143000"/>
+            <a:ext cx="4114800" cy="3086100"/>
+          </a:xfrm>
+        </p:spPr>
+      </p:sp>
+      <p:sp>
+        <p:nvSpPr>
+          <p:cNvPr id="3" name="备注占位符 2"/>
+          <p:cNvSpPr>
+            <a:spLocks noGrp="1"/>
+          </p:cNvSpPr>
+          <p:nvPr>
+            <p:ph type="body" idx="1"/>
+          </p:nvPr>
+        </p:nvSpPr>
+        <p:spPr/>
+        <p:txBody>
+          <a:bodyPr/>
+          <a:lstStyle/>
+          <a:p>
+            <a:r>
+              <a:rPr lang="zh-CN" altLang="en-US" sz="1200" b="0" i="0" kern="1200" dirty="0">
+                <a:solidFill>
+                  <a:schemeClr val="tx1"/>
+                </a:solidFill>
+                <a:effectLst/>
+                <a:latin typeface="+mn-lt"/>
+                <a:ea typeface="+mn-ea"/>
+                <a:cs typeface="+mn-cs"/>
+              </a:rPr>
+              <a:t>里氏代换原则告诉我们，在软件中将一个基类对象替换成它的子类对象，程序将不会产生任何错误和异常，反过来则不成立，如果一个软件实体使用的是一个子类对象的话，那么它不一定能够使用基类对象。例如：我喜欢动物，那我一定喜欢狗，因为狗是动物的子类；但是我喜欢狗，不能据此断定我喜欢动物，因为我并不喜欢老鼠，虽然它也是动物。</a:t>
+            </a:r>
+            <a:endParaRPr lang="zh-CN" altLang="en-US" dirty="0"/>
+          </a:p>
+        </p:txBody>
+      </p:sp>
+      <p:sp>
+        <p:nvSpPr>
+          <p:cNvPr id="4" name="灯片编号占位符 3"/>
+          <p:cNvSpPr>
+            <a:spLocks noGrp="1"/>
+          </p:cNvSpPr>
+          <p:nvPr>
+            <p:ph type="sldNum" sz="quarter" idx="10"/>
+          </p:nvPr>
+        </p:nvSpPr>
+        <p:spPr/>
+        <p:txBody>
+          <a:bodyPr/>
+          <a:lstStyle/>
+          <a:p>
+            <a:fld id="{2ED26FC3-015A-4F86-ACC3-780431FB8E4D}" type="slidenum">
+              <a:rPr lang="zh-CN" altLang="en-US" smtClean="0"/>
+            </a:fld>
+            <a:endParaRPr lang="zh-CN" altLang="en-US"/>
+          </a:p>
+        </p:txBody>
+      </p:sp>
+    </p:spTree>
+  </p:cSld>
+  <p:clrMapOvr>
+    <a:masterClrMapping/>
+  </p:clrMapOvr>
+</p:notes>
+</file>
+
+<file path=ppt/notesSlides/notesSlide22.xml><?xml version="1.0" encoding="utf-8"?>
+<p:notes xmlns:a="http://schemas.openxmlformats.org/drawingml/2006/main" xmlns:r="http://schemas.openxmlformats.org/officeDocument/2006/relationships" xmlns:p="http://schemas.openxmlformats.org/presentationml/2006/main">
+  <p:cSld>
+    <p:spTree>
+      <p:nvGrpSpPr>
+        <p:cNvPr id="1" name=""/>
+        <p:cNvGrpSpPr/>
+        <p:nvPr/>
+      </p:nvGrpSpPr>
+      <p:grpSpPr>
+        <a:xfrm>
+          <a:off x="0" y="0"/>
+          <a:ext cx="0" cy="0"/>
+          <a:chOff x="0" y="0"/>
+          <a:chExt cx="0" cy="0"/>
+        </a:xfrm>
+      </p:grpSpPr>
+      <p:sp>
+        <p:nvSpPr>
+          <p:cNvPr id="2" name="幻灯片图像占位符 1"/>
+          <p:cNvSpPr>
+            <a:spLocks noGrp="1" noRot="1" noChangeAspect="1"/>
+          </p:cNvSpPr>
+          <p:nvPr>
+            <p:ph type="sldImg"/>
+          </p:nvPr>
+        </p:nvSpPr>
+        <p:spPr>
+          <a:xfrm>
+            <a:off x="1371600" y="1143000"/>
+            <a:ext cx="4114800" cy="3086100"/>
+          </a:xfrm>
+        </p:spPr>
+      </p:sp>
+      <p:sp>
+        <p:nvSpPr>
+          <p:cNvPr id="3" name="备注占位符 2"/>
+          <p:cNvSpPr>
+            <a:spLocks noGrp="1"/>
+          </p:cNvSpPr>
+          <p:nvPr>
+            <p:ph type="body" idx="1"/>
+          </p:nvPr>
+        </p:nvSpPr>
+        <p:spPr/>
+        <p:txBody>
+          <a:bodyPr/>
+          <a:lstStyle/>
+          <a:p>
+            <a:r>
+              <a:rPr lang="zh-CN" altLang="en-US" dirty="0"/>
+              <a:t>手机</a:t>
+            </a:r>
+            <a:endParaRPr lang="en-US" altLang="zh-CN" dirty="0"/>
+          </a:p>
+          <a:p>
+            <a:endParaRPr lang="zh-CN" altLang="en-US" dirty="0"/>
+          </a:p>
+        </p:txBody>
+      </p:sp>
+      <p:sp>
+        <p:nvSpPr>
+          <p:cNvPr id="4" name="灯片编号占位符 3"/>
+          <p:cNvSpPr>
+            <a:spLocks noGrp="1"/>
+          </p:cNvSpPr>
+          <p:nvPr>
+            <p:ph type="sldNum" sz="quarter" idx="10"/>
+          </p:nvPr>
+        </p:nvSpPr>
+        <p:spPr/>
+        <p:txBody>
+          <a:bodyPr/>
+          <a:lstStyle/>
+          <a:p>
+            <a:fld id="{2ED26FC3-015A-4F86-ACC3-780431FB8E4D}" type="slidenum">
+              <a:rPr lang="zh-CN" altLang="en-US" smtClean="0"/>
+            </a:fld>
+            <a:endParaRPr lang="zh-CN" altLang="en-US"/>
+          </a:p>
+        </p:txBody>
+      </p:sp>
+    </p:spTree>
+  </p:cSld>
+  <p:clrMapOvr>
+    <a:masterClrMapping/>
+  </p:clrMapOvr>
+</p:notes>
+</file>
+
+<file path=ppt/notesSlides/notesSlide23.xml><?xml version="1.0" encoding="utf-8"?>
+<p:notes xmlns:a="http://schemas.openxmlformats.org/drawingml/2006/main" xmlns:r="http://schemas.openxmlformats.org/officeDocument/2006/relationships" xmlns:p="http://schemas.openxmlformats.org/presentationml/2006/main">
+  <p:cSld>
+    <p:spTree>
+      <p:nvGrpSpPr>
+        <p:cNvPr id="1" name=""/>
+        <p:cNvGrpSpPr/>
+        <p:nvPr/>
+      </p:nvGrpSpPr>
+      <p:grpSpPr>
+        <a:xfrm>
+          <a:off x="0" y="0"/>
+          <a:ext cx="0" cy="0"/>
+          <a:chOff x="0" y="0"/>
+          <a:chExt cx="0" cy="0"/>
+        </a:xfrm>
+      </p:grpSpPr>
+      <p:sp>
+        <p:nvSpPr>
+          <p:cNvPr id="2" name="幻灯片图像占位符 1"/>
+          <p:cNvSpPr>
+            <a:spLocks noGrp="1" noRot="1" noChangeAspect="1"/>
+          </p:cNvSpPr>
+          <p:nvPr>
+            <p:ph type="sldImg"/>
+          </p:nvPr>
+        </p:nvSpPr>
+        <p:spPr>
+          <a:xfrm>
+            <a:off x="1371600" y="1143000"/>
+            <a:ext cx="4114800" cy="3086100"/>
+          </a:xfrm>
+        </p:spPr>
+      </p:sp>
+      <p:sp>
+        <p:nvSpPr>
+          <p:cNvPr id="3" name="备注占位符 2"/>
+          <p:cNvSpPr>
+            <a:spLocks noGrp="1"/>
+          </p:cNvSpPr>
+          <p:nvPr>
+            <p:ph type="body" idx="1"/>
+          </p:nvPr>
+        </p:nvSpPr>
+        <p:spPr/>
+        <p:txBody>
+          <a:bodyPr/>
+          <a:lstStyle/>
+          <a:p>
+            <a:endParaRPr lang="zh-CN" altLang="en-US"/>
+          </a:p>
+        </p:txBody>
+      </p:sp>
+      <p:sp>
+        <p:nvSpPr>
+          <p:cNvPr id="4" name="灯片编号占位符 3"/>
+          <p:cNvSpPr>
+            <a:spLocks noGrp="1"/>
+          </p:cNvSpPr>
+          <p:nvPr>
+            <p:ph type="sldNum" sz="quarter" idx="10"/>
+          </p:nvPr>
+        </p:nvSpPr>
+        <p:spPr/>
+        <p:txBody>
+          <a:bodyPr/>
+          <a:lstStyle/>
+          <a:p>
+            <a:fld id="{2ED26FC3-015A-4F86-ACC3-780431FB8E4D}" type="slidenum">
+              <a:rPr lang="zh-CN" altLang="en-US" smtClean="0"/>
+            </a:fld>
+            <a:endParaRPr lang="zh-CN" altLang="en-US"/>
+          </a:p>
+        </p:txBody>
+      </p:sp>
+    </p:spTree>
+  </p:cSld>
+  <p:clrMapOvr>
+    <a:masterClrMapping/>
+  </p:clrMapOvr>
+</p:notes>
+</file>
+
+<file path=ppt/notesSlides/notesSlide24.xml><?xml version="1.0" encoding="utf-8"?>
+<p:notes xmlns:a="http://schemas.openxmlformats.org/drawingml/2006/main" xmlns:r="http://schemas.openxmlformats.org/officeDocument/2006/relationships" xmlns:p="http://schemas.openxmlformats.org/presentationml/2006/main">
+  <p:cSld>
+    <p:spTree>
+      <p:nvGrpSpPr>
+        <p:cNvPr id="1" name=""/>
+        <p:cNvGrpSpPr/>
+        <p:nvPr/>
+      </p:nvGrpSpPr>
+      <p:grpSpPr>
+        <a:xfrm>
+          <a:off x="0" y="0"/>
+          <a:ext cx="0" cy="0"/>
+          <a:chOff x="0" y="0"/>
+          <a:chExt cx="0" cy="0"/>
+        </a:xfrm>
+      </p:grpSpPr>
+      <p:sp>
+        <p:nvSpPr>
+          <p:cNvPr id="2" name="幻灯片图像占位符 1"/>
+          <p:cNvSpPr>
+            <a:spLocks noGrp="1" noRot="1" noChangeAspect="1"/>
+          </p:cNvSpPr>
+          <p:nvPr>
+            <p:ph type="sldImg"/>
+          </p:nvPr>
+        </p:nvSpPr>
+        <p:spPr>
+          <a:xfrm>
+            <a:off x="1371600" y="1143000"/>
+            <a:ext cx="4114800" cy="3086100"/>
+          </a:xfrm>
+        </p:spPr>
+      </p:sp>
+      <p:sp>
+        <p:nvSpPr>
+          <p:cNvPr id="3" name="备注占位符 2"/>
+          <p:cNvSpPr>
+            <a:spLocks noGrp="1"/>
+          </p:cNvSpPr>
+          <p:nvPr>
+            <p:ph type="body" idx="1"/>
+          </p:nvPr>
+        </p:nvSpPr>
+        <p:spPr/>
+        <p:txBody>
+          <a:bodyPr/>
+          <a:lstStyle/>
+          <a:p>
+            <a:endParaRPr lang="zh-CN" altLang="en-US"/>
+          </a:p>
+        </p:txBody>
+      </p:sp>
+      <p:sp>
+        <p:nvSpPr>
+          <p:cNvPr id="4" name="灯片编号占位符 3"/>
+          <p:cNvSpPr>
+            <a:spLocks noGrp="1"/>
+          </p:cNvSpPr>
+          <p:nvPr>
+            <p:ph type="sldNum" sz="quarter" idx="10"/>
+          </p:nvPr>
+        </p:nvSpPr>
+        <p:spPr/>
+        <p:txBody>
+          <a:bodyPr/>
+          <a:lstStyle/>
+          <a:p>
+            <a:fld id="{2ED26FC3-015A-4F86-ACC3-780431FB8E4D}" type="slidenum">
+              <a:rPr lang="zh-CN" altLang="en-US" smtClean="0"/>
+            </a:fld>
+            <a:endParaRPr lang="zh-CN" altLang="en-US"/>
+          </a:p>
+        </p:txBody>
+      </p:sp>
+    </p:spTree>
+  </p:cSld>
+  <p:clrMapOvr>
+    <a:masterClrMapping/>
+  </p:clrMapOvr>
+</p:notes>
+</file>
+
+<file path=ppt/notesSlides/notesSlide25.xml><?xml version="1.0" encoding="utf-8"?>
+<p:notes xmlns:a="http://schemas.openxmlformats.org/drawingml/2006/main" xmlns:r="http://schemas.openxmlformats.org/officeDocument/2006/relationships" xmlns:p="http://schemas.openxmlformats.org/presentationml/2006/main">
+  <p:cSld>
+    <p:spTree>
+      <p:nvGrpSpPr>
+        <p:cNvPr id="1" name=""/>
+        <p:cNvGrpSpPr/>
+        <p:nvPr/>
+      </p:nvGrpSpPr>
+      <p:grpSpPr>
+        <a:xfrm>
+          <a:off x="0" y="0"/>
+          <a:ext cx="0" cy="0"/>
+          <a:chOff x="0" y="0"/>
+          <a:chExt cx="0" cy="0"/>
+        </a:xfrm>
+      </p:grpSpPr>
+      <p:sp>
+        <p:nvSpPr>
+          <p:cNvPr id="2" name="幻灯片图像占位符 1"/>
+          <p:cNvSpPr>
+            <a:spLocks noGrp="1" noRot="1" noChangeAspect="1"/>
+          </p:cNvSpPr>
+          <p:nvPr>
+            <p:ph type="sldImg"/>
+          </p:nvPr>
+        </p:nvSpPr>
+        <p:spPr>
+          <a:xfrm>
+            <a:off x="1371600" y="1143000"/>
+            <a:ext cx="4114800" cy="3086100"/>
+          </a:xfrm>
+        </p:spPr>
+      </p:sp>
+      <p:sp>
+        <p:nvSpPr>
+          <p:cNvPr id="3" name="备注占位符 2"/>
+          <p:cNvSpPr>
+            <a:spLocks noGrp="1"/>
+          </p:cNvSpPr>
+          <p:nvPr>
+            <p:ph type="body" idx="1"/>
+          </p:nvPr>
+        </p:nvSpPr>
+        <p:spPr/>
+        <p:txBody>
+          <a:bodyPr/>
+          <a:lstStyle/>
+          <a:p>
+            <a:endParaRPr lang="zh-CN" altLang="en-US"/>
+          </a:p>
+        </p:txBody>
+      </p:sp>
+      <p:sp>
+        <p:nvSpPr>
+          <p:cNvPr id="4" name="灯片编号占位符 3"/>
+          <p:cNvSpPr>
+            <a:spLocks noGrp="1"/>
+          </p:cNvSpPr>
+          <p:nvPr>
+            <p:ph type="sldNum" sz="quarter" idx="10"/>
+          </p:nvPr>
+        </p:nvSpPr>
+        <p:spPr/>
+        <p:txBody>
+          <a:bodyPr/>
+          <a:lstStyle/>
+          <a:p>
+            <a:fld id="{2ED26FC3-015A-4F86-ACC3-780431FB8E4D}" type="slidenum">
+              <a:rPr lang="zh-CN" altLang="en-US" smtClean="0"/>
+            </a:fld>
+            <a:endParaRPr lang="zh-CN" altLang="en-US"/>
+          </a:p>
+        </p:txBody>
+      </p:sp>
+    </p:spTree>
+  </p:cSld>
+  <p:clrMapOvr>
+    <a:masterClrMapping/>
+  </p:clrMapOvr>
+</p:notes>
+</file>
+
+<file path=ppt/notesSlides/notesSlide26.xml><?xml version="1.0" encoding="utf-8"?>
+<p:notes xmlns:a="http://schemas.openxmlformats.org/drawingml/2006/main" xmlns:r="http://schemas.openxmlformats.org/officeDocument/2006/relationships" xmlns:p="http://schemas.openxmlformats.org/presentationml/2006/main">
+  <p:cSld>
+    <p:spTree>
+      <p:nvGrpSpPr>
+        <p:cNvPr id="1" name=""/>
+        <p:cNvGrpSpPr/>
+        <p:nvPr/>
+      </p:nvGrpSpPr>
+      <p:grpSpPr>
+        <a:xfrm>
+          <a:off x="0" y="0"/>
+          <a:ext cx="0" cy="0"/>
+          <a:chOff x="0" y="0"/>
+          <a:chExt cx="0" cy="0"/>
+        </a:xfrm>
+      </p:grpSpPr>
+      <p:sp>
+        <p:nvSpPr>
+          <p:cNvPr id="2" name="幻灯片图像占位符 1"/>
+          <p:cNvSpPr>
+            <a:spLocks noGrp="1" noRot="1" noChangeAspect="1"/>
+          </p:cNvSpPr>
+          <p:nvPr>
+            <p:ph type="sldImg"/>
+          </p:nvPr>
+        </p:nvSpPr>
+        <p:spPr>
+          <a:xfrm>
+            <a:off x="1371600" y="1143000"/>
+            <a:ext cx="4114800" cy="3086100"/>
+          </a:xfrm>
+        </p:spPr>
+      </p:sp>
+      <p:sp>
+        <p:nvSpPr>
+          <p:cNvPr id="3" name="备注占位符 2"/>
+          <p:cNvSpPr>
+            <a:spLocks noGrp="1"/>
+          </p:cNvSpPr>
+          <p:nvPr>
+            <p:ph type="body" idx="1"/>
+          </p:nvPr>
+        </p:nvSpPr>
+        <p:spPr/>
+        <p:txBody>
+          <a:bodyPr/>
+          <a:lstStyle/>
+          <a:p>
+            <a:endParaRPr lang="zh-CN" altLang="en-US"/>
+          </a:p>
+        </p:txBody>
+      </p:sp>
+      <p:sp>
+        <p:nvSpPr>
+          <p:cNvPr id="4" name="灯片编号占位符 3"/>
+          <p:cNvSpPr>
+            <a:spLocks noGrp="1"/>
+          </p:cNvSpPr>
+          <p:nvPr>
+            <p:ph type="sldNum" sz="quarter" idx="10"/>
+          </p:nvPr>
+        </p:nvSpPr>
+        <p:spPr/>
+        <p:txBody>
+          <a:bodyPr/>
+          <a:lstStyle/>
+          <a:p>
+            <a:fld id="{2ED26FC3-015A-4F86-ACC3-780431FB8E4D}" type="slidenum">
+              <a:rPr lang="zh-CN" altLang="en-US" smtClean="0"/>
+            </a:fld>
+            <a:endParaRPr lang="zh-CN" altLang="en-US"/>
+          </a:p>
+        </p:txBody>
+      </p:sp>
+    </p:spTree>
+  </p:cSld>
+  <p:clrMapOvr>
+    <a:masterClrMapping/>
+  </p:clrMapOvr>
+</p:notes>
+</file>
+
+<file path=ppt/notesSlides/notesSlide27.xml><?xml version="1.0" encoding="utf-8"?>
 <p:notes xmlns:a="http://schemas.openxmlformats.org/drawingml/2006/main" xmlns:r="http://schemas.openxmlformats.org/officeDocument/2006/relationships" xmlns:p="http://schemas.openxmlformats.org/presentationml/2006/main">
   <p:cSld>
     <p:spTree>
@@ -2425,7 +2923,6 @@
           <a:p>
             <a:fld id="{B2E4F78C-D89C-4591-BABC-F2C1F612872E}" type="slidenum">
               <a:rPr lang="en-US" altLang="zh-CN" sz="1200" smtClean="0"/>
-              <a:t>29</a:t>
             </a:fld>
             <a:endParaRPr lang="en-US" altLang="zh-CN" sz="1200"/>
           </a:p>
@@ -2497,6 +2994,7 @@
               <a:rPr lang="en-US" altLang="zh-CN" dirty="0"/>
               <a:t>）</a:t>
             </a:r>
+            <a:endParaRPr lang="en-US" altLang="zh-CN" dirty="0"/>
           </a:p>
           <a:p>
             <a:pPr eaLnBrk="1" hangingPunct="1"/>
@@ -2504,6 +3002,7 @@
               <a:rPr lang="zh-CN" altLang="en-US" dirty="0"/>
               <a:t>重用是优化体系结构的前提。</a:t>
             </a:r>
+            <a:endParaRPr lang="zh-CN" altLang="en-US" dirty="0"/>
           </a:p>
           <a:p>
             <a:pPr eaLnBrk="1" hangingPunct="1"/>
@@ -2511,6 +3010,7 @@
               <a:rPr lang="zh-CN" altLang="en-US" dirty="0"/>
               <a:t>做到重用和体系结构合理后，自然系统在维护性和弹性会有出色表现。</a:t>
             </a:r>
+            <a:endParaRPr lang="zh-CN" altLang="en-US" dirty="0"/>
           </a:p>
           <a:p>
             <a:pPr eaLnBrk="1" hangingPunct="1"/>
@@ -2530,6 +3030,7 @@
               <a:rPr lang="zh-CN" altLang="en-US" dirty="0"/>
               <a:t>）。</a:t>
             </a:r>
+            <a:endParaRPr lang="zh-CN" altLang="en-US" dirty="0"/>
           </a:p>
           <a:p>
             <a:pPr eaLnBrk="1" hangingPunct="1"/>
@@ -2537,6 +3038,7 @@
               <a:rPr lang="zh-CN" altLang="en-US" dirty="0"/>
               <a:t>结构良好的系统更加容易优化性能。因为功能明晰、结构好，可以准确地判断出哪个地方存在性能瓶颈，从而优化之。</a:t>
             </a:r>
+            <a:endParaRPr lang="zh-CN" altLang="en-US" dirty="0"/>
           </a:p>
           <a:p>
             <a:pPr eaLnBrk="1" hangingPunct="1"/>
@@ -2544,6 +3046,7 @@
               <a:rPr lang="zh-CN" altLang="en-US" dirty="0"/>
               <a:t>上述条件满足，软件质量当然有保证。</a:t>
             </a:r>
+            <a:endParaRPr lang="zh-CN" altLang="en-US" dirty="0"/>
           </a:p>
           <a:p>
             <a:pPr eaLnBrk="1" hangingPunct="1"/>
@@ -2551,6 +3054,7 @@
               <a:rPr lang="zh-CN" altLang="en-US" dirty="0"/>
               <a:t>代码虽然是写给计算机执行，但最重要的是表达人的思想，写给人看的。因此提高代码可读性，方便团队交流非常重要。</a:t>
             </a:r>
+            <a:endParaRPr lang="zh-CN" altLang="en-US" dirty="0"/>
           </a:p>
           <a:p>
             <a:pPr eaLnBrk="1" hangingPunct="1"/>
@@ -2558,6 +3062,7 @@
               <a:rPr lang="zh-CN" altLang="en-US" dirty="0"/>
               <a:t>团队有统一的编码规范和设计模式，水平更加容易提高，因为设计模式能将成功的经验在团队中普及。</a:t>
             </a:r>
+            <a:endParaRPr lang="zh-CN" altLang="en-US" dirty="0"/>
           </a:p>
         </p:txBody>
       </p:sp>
@@ -2578,7 +3083,6 @@
           <a:p>
             <a:fld id="{2ED26FC3-015A-4F86-ACC3-780431FB8E4D}" type="slidenum">
               <a:rPr lang="zh-CN" altLang="en-US" smtClean="0"/>
-              <a:t>3</a:t>
             </a:fld>
             <a:endParaRPr lang="zh-CN" altLang="en-US"/>
           </a:p>
@@ -2666,6 +3170,7 @@
               <a:rPr lang="zh-CN" altLang="en-US" dirty="0"/>
               <a:t>重构的前提是设计模式和测试驱动（结合实践经验简要介绍，测试驱动并非只是为了检验软件的功能，更重要的在于重构和加速软件开发）</a:t>
             </a:r>
+            <a:endParaRPr lang="zh-CN" altLang="en-US" dirty="0"/>
           </a:p>
           <a:p>
             <a:pPr eaLnBrk="1" hangingPunct="1"/>
@@ -2677,6 +3182,7 @@
               <a:rPr lang="zh-CN" altLang="en-US" dirty="0"/>
               <a:t>设计过程中，常常面临很多困难，有时甚至是矛盾的抉择。如何权衡各方面的利弊而作出正确选择非常重要。前人的经验和教训总结无疑有非常大的帮助，这有助于我更加清晰地认识到所处环境的各种陷阱和潜在问题，从而作出正确选择。 反设计模式就是帮助开发人员度过该难关的有力工具。与设计模式不同， 反设计模式专注于防止我们犯错误，而设计模式指导我们做出精良的设计，两者是相辅相成的。</a:t>
             </a:r>
+            <a:endParaRPr lang="zh-CN" altLang="en-US" dirty="0"/>
           </a:p>
           <a:p>
             <a:pPr eaLnBrk="1" hangingPunct="1"/>
@@ -2704,6 +3210,7 @@
               <a:rPr lang="zh-CN" altLang="en-US" dirty="0"/>
               <a:t>之上的。</a:t>
             </a:r>
+            <a:endParaRPr lang="zh-CN" altLang="en-US" dirty="0"/>
           </a:p>
         </p:txBody>
       </p:sp>
@@ -2724,7 +3231,6 @@
           <a:p>
             <a:fld id="{2ED26FC3-015A-4F86-ACC3-780431FB8E4D}" type="slidenum">
               <a:rPr lang="zh-CN" altLang="en-US" smtClean="0"/>
-              <a:t>4</a:t>
             </a:fld>
             <a:endParaRPr lang="zh-CN" altLang="en-US"/>
           </a:p>
@@ -2800,6 +3306,7 @@
               <a:rPr lang="zh-CN" altLang="en-US" dirty="0"/>
               <a:t>的方法论，其内容就是如何设计对象的结构及其相互间的协作关系。</a:t>
             </a:r>
+            <a:endParaRPr lang="zh-CN" altLang="en-US" dirty="0"/>
           </a:p>
           <a:p>
             <a:pPr eaLnBrk="1" hangingPunct="1"/>
@@ -2827,6 +3334,7 @@
               <a:rPr lang="zh-CN" altLang="en-US" dirty="0"/>
               <a:t>模式举例</a:t>
             </a:r>
+            <a:endParaRPr lang="zh-CN" altLang="en-US" dirty="0"/>
           </a:p>
           <a:p>
             <a:pPr eaLnBrk="1" hangingPunct="1"/>
@@ -2846,6 +3354,7 @@
               <a:rPr lang="zh-CN" altLang="en-US" dirty="0"/>
               <a:t>来建模，表达整个软件的结构、流程等方方面面。</a:t>
             </a:r>
+            <a:endParaRPr lang="zh-CN" altLang="en-US" dirty="0"/>
           </a:p>
           <a:p>
             <a:pPr eaLnBrk="1" hangingPunct="1"/>
@@ -2869,6 +3378,7 @@
               <a:rPr lang="zh-CN" altLang="en-US" dirty="0"/>
               <a:t>的本意是表达设计思想，而非代码生成引擎。当然，随着技术进步，设计思想表达出来后，可利用代码生成引擎来加快开发速度。 </a:t>
             </a:r>
+            <a:endParaRPr lang="zh-CN" altLang="en-US" dirty="0"/>
           </a:p>
           <a:p>
             <a:pPr eaLnBrk="1" hangingPunct="1"/>
@@ -2896,6 +3406,7 @@
               <a:rPr lang="zh-CN" altLang="en-US" dirty="0"/>
               <a:t>应用和融入到软件设计中。</a:t>
             </a:r>
+            <a:endParaRPr lang="zh-CN" altLang="en-US" dirty="0"/>
           </a:p>
           <a:p>
             <a:pPr eaLnBrk="1" hangingPunct="1"/>
@@ -2915,6 +3426,7 @@
               <a:rPr lang="zh-CN" altLang="en-US" dirty="0"/>
               <a:t>来表达的。</a:t>
             </a:r>
+            <a:endParaRPr lang="zh-CN" altLang="en-US" dirty="0"/>
           </a:p>
         </p:txBody>
       </p:sp>
@@ -2935,7 +3447,6 @@
           <a:p>
             <a:fld id="{2ED26FC3-015A-4F86-ACC3-780431FB8E4D}" type="slidenum">
               <a:rPr lang="zh-CN" altLang="en-US" smtClean="0"/>
-              <a:t>5</a:t>
             </a:fld>
             <a:endParaRPr lang="zh-CN" altLang="en-US"/>
           </a:p>
@@ -3019,7 +3530,6 @@
           <a:p>
             <a:fld id="{2ED26FC3-015A-4F86-ACC3-780431FB8E4D}" type="slidenum">
               <a:rPr lang="zh-CN" altLang="en-US" smtClean="0"/>
-              <a:t>6</a:t>
             </a:fld>
             <a:endParaRPr lang="zh-CN" altLang="en-US"/>
           </a:p>
@@ -3103,7 +3613,6 @@
           <a:p>
             <a:fld id="{2ED26FC3-015A-4F86-ACC3-780431FB8E4D}" type="slidenum">
               <a:rPr lang="zh-CN" altLang="en-US" smtClean="0"/>
-              <a:t>8</a:t>
             </a:fld>
             <a:endParaRPr lang="zh-CN" altLang="en-US"/>
           </a:p>
@@ -3187,18 +3696,12 @@
           <a:p>
             <a:fld id="{2ED26FC3-015A-4F86-ACC3-780431FB8E4D}" type="slidenum">
               <a:rPr lang="zh-CN" altLang="en-US" smtClean="0"/>
-              <a:t>10</a:t>
             </a:fld>
             <a:endParaRPr lang="zh-CN" altLang="en-US"/>
           </a:p>
         </p:txBody>
       </p:sp>
     </p:spTree>
-    <p:extLst>
-      <p:ext uri="{BB962C8B-B14F-4D97-AF65-F5344CB8AC3E}">
-        <p14:creationId xmlns:p14="http://schemas.microsoft.com/office/powerpoint/2010/main" val="4020660591"/>
-      </p:ext>
-    </p:extLst>
   </p:cSld>
   <p:clrMapOvr>
     <a:masterClrMapping/>
@@ -3283,18 +3786,12 @@
           <a:p>
             <a:fld id="{2ED26FC3-015A-4F86-ACC3-780431FB8E4D}" type="slidenum">
               <a:rPr lang="zh-CN" altLang="en-US" smtClean="0"/>
-              <a:t>11</a:t>
             </a:fld>
             <a:endParaRPr lang="zh-CN" altLang="en-US"/>
           </a:p>
         </p:txBody>
       </p:sp>
     </p:spTree>
-    <p:extLst>
-      <p:ext uri="{BB962C8B-B14F-4D97-AF65-F5344CB8AC3E}">
-        <p14:creationId xmlns:p14="http://schemas.microsoft.com/office/powerpoint/2010/main" val="4211783297"/>
-      </p:ext>
-    </p:extLst>
   </p:cSld>
   <p:clrMapOvr>
     <a:masterClrMapping/>
@@ -3325,7 +3822,7 @@
           <p:cNvCxnSpPr/>
           <p:nvPr>
             <p:custDataLst>
-              <p:tags r:id="rId1"/>
+              <p:tags r:id="rId2"/>
             </p:custDataLst>
           </p:nvPr>
         </p:nvCxnSpPr>
@@ -3359,7 +3856,7 @@
           <p:cNvCxnSpPr/>
           <p:nvPr>
             <p:custDataLst>
-              <p:tags r:id="rId2"/>
+              <p:tags r:id="rId3"/>
             </p:custDataLst>
           </p:nvPr>
         </p:nvCxnSpPr>
@@ -3393,7 +3890,7 @@
           <p:cNvCxnSpPr/>
           <p:nvPr>
             <p:custDataLst>
-              <p:tags r:id="rId3"/>
+              <p:tags r:id="rId4"/>
             </p:custDataLst>
           </p:nvPr>
         </p:nvCxnSpPr>
@@ -3427,7 +3924,7 @@
           <p:cNvCxnSpPr/>
           <p:nvPr>
             <p:custDataLst>
-              <p:tags r:id="rId4"/>
+              <p:tags r:id="rId5"/>
             </p:custDataLst>
           </p:nvPr>
         </p:nvCxnSpPr>
@@ -3461,7 +3958,7 @@
           <p:cNvCxnSpPr/>
           <p:nvPr>
             <p:custDataLst>
-              <p:tags r:id="rId5"/>
+              <p:tags r:id="rId6"/>
             </p:custDataLst>
           </p:nvPr>
         </p:nvCxnSpPr>
@@ -3519,6 +4016,7 @@
               <a:rPr lang="zh-CN" altLang="en-US" noProof="1"/>
               <a:t>单击此处编辑标题</a:t>
             </a:r>
+            <a:endParaRPr lang="zh-CN" altLang="en-US" noProof="1"/>
           </a:p>
         </p:txBody>
       </p:sp>
@@ -3585,6 +4083,7 @@
               <a:rPr lang="zh-CN" altLang="en-US" noProof="1"/>
               <a:t>单击此处编辑母版副标题样式</a:t>
             </a:r>
+            <a:endParaRPr lang="zh-CN" altLang="en-US" noProof="1"/>
           </a:p>
         </p:txBody>
       </p:sp>
@@ -3609,7 +4108,6 @@
           <a:p>
             <a:fld id="{760FBDFE-C587-4B4C-A407-44438C67B59E}" type="datetimeFigureOut">
               <a:rPr lang="zh-CN" altLang="en-US"/>
-              <a:t>2018/8/10</a:t>
             </a:fld>
             <a:endParaRPr lang="zh-CN" altLang="en-US"/>
           </a:p>
@@ -3659,7 +4157,6 @@
           <a:p>
             <a:fld id="{B57485EF-07CB-4560-BDF9-ECAE85E048A8}" type="slidenum">
               <a:rPr lang="zh-CN" altLang="en-US"/>
-              <a:t>‹#›</a:t>
             </a:fld>
             <a:endParaRPr lang="zh-CN" altLang="en-US"/>
           </a:p>
@@ -3733,6 +4230,7 @@
               <a:rPr lang="zh-CN" altLang="en-US" noProof="1"/>
               <a:t>单击此处编辑母版文本样式</a:t>
             </a:r>
+            <a:endParaRPr lang="zh-CN" altLang="en-US" noProof="1"/>
           </a:p>
           <a:p>
             <a:pPr lvl="1"/>
@@ -3740,6 +4238,7 @@
               <a:rPr lang="zh-CN" altLang="en-US" noProof="1"/>
               <a:t>第二级</a:t>
             </a:r>
+            <a:endParaRPr lang="zh-CN" altLang="en-US" noProof="1"/>
           </a:p>
           <a:p>
             <a:pPr lvl="2"/>
@@ -3747,6 +4246,7 @@
               <a:rPr lang="zh-CN" altLang="en-US" noProof="1"/>
               <a:t>第三级</a:t>
             </a:r>
+            <a:endParaRPr lang="zh-CN" altLang="en-US" noProof="1"/>
           </a:p>
           <a:p>
             <a:pPr lvl="3"/>
@@ -3754,6 +4254,7 @@
               <a:rPr lang="zh-CN" altLang="en-US" noProof="1"/>
               <a:t>第四级</a:t>
             </a:r>
+            <a:endParaRPr lang="zh-CN" altLang="en-US" noProof="1"/>
           </a:p>
           <a:p>
             <a:pPr lvl="4"/>
@@ -3761,6 +4262,7 @@
               <a:rPr lang="zh-CN" altLang="en-US" noProof="1"/>
               <a:t>第五级</a:t>
             </a:r>
+            <a:endParaRPr lang="zh-CN" altLang="en-US" noProof="1"/>
           </a:p>
         </p:txBody>
       </p:sp>
@@ -3785,7 +4287,6 @@
           <a:p>
             <a:fld id="{760FBDFE-C587-4B4C-A407-44438C67B59E}" type="datetimeFigureOut">
               <a:rPr lang="zh-CN" altLang="en-US"/>
-              <a:t>2018/8/10</a:t>
             </a:fld>
             <a:endParaRPr lang="zh-CN" altLang="en-US"/>
           </a:p>
@@ -3835,7 +4336,6 @@
           <a:p>
             <a:fld id="{E99C5EC3-8103-43E4-B157-1AC5D340141F}" type="slidenum">
               <a:rPr lang="zh-CN" altLang="en-US"/>
-              <a:t>‹#›</a:t>
             </a:fld>
             <a:endParaRPr lang="zh-CN" altLang="en-US"/>
           </a:p>
@@ -3885,6 +4385,7 @@
               <a:rPr lang="zh-CN" altLang="en-US" noProof="1"/>
               <a:t>单击此处编辑母版标题样式</a:t>
             </a:r>
+            <a:endParaRPr lang="zh-CN" altLang="en-US" noProof="1"/>
           </a:p>
         </p:txBody>
       </p:sp>
@@ -3909,7 +4410,6 @@
           <a:p>
             <a:fld id="{760FBDFE-C587-4B4C-A407-44438C67B59E}" type="datetimeFigureOut">
               <a:rPr lang="zh-CN" altLang="en-US"/>
-              <a:t>2018/8/10</a:t>
             </a:fld>
             <a:endParaRPr lang="zh-CN" altLang="en-US"/>
           </a:p>
@@ -3959,7 +4459,6 @@
           <a:p>
             <a:fld id="{672E4197-9F2F-4415-85F8-93AEECACC1CD}" type="slidenum">
               <a:rPr lang="zh-CN" altLang="en-US"/>
-              <a:t>‹#›</a:t>
             </a:fld>
             <a:endParaRPr lang="zh-CN" altLang="en-US"/>
           </a:p>
@@ -3996,7 +4495,7 @@
           <p:cNvCxnSpPr/>
           <p:nvPr>
             <p:custDataLst>
-              <p:tags r:id="rId1"/>
+              <p:tags r:id="rId2"/>
             </p:custDataLst>
           </p:nvPr>
         </p:nvCxnSpPr>
@@ -4030,7 +4529,7 @@
           <p:cNvCxnSpPr/>
           <p:nvPr>
             <p:custDataLst>
-              <p:tags r:id="rId2"/>
+              <p:tags r:id="rId3"/>
             </p:custDataLst>
           </p:nvPr>
         </p:nvCxnSpPr>
@@ -4064,7 +4563,7 @@
           <p:cNvCxnSpPr/>
           <p:nvPr>
             <p:custDataLst>
-              <p:tags r:id="rId3"/>
+              <p:tags r:id="rId4"/>
             </p:custDataLst>
           </p:nvPr>
         </p:nvCxnSpPr>
@@ -4098,7 +4597,7 @@
           <p:cNvCxnSpPr/>
           <p:nvPr>
             <p:custDataLst>
-              <p:tags r:id="rId4"/>
+              <p:tags r:id="rId5"/>
             </p:custDataLst>
           </p:nvPr>
         </p:nvCxnSpPr>
@@ -4132,7 +4631,7 @@
           <p:cNvCxnSpPr/>
           <p:nvPr>
             <p:custDataLst>
-              <p:tags r:id="rId5"/>
+              <p:tags r:id="rId6"/>
             </p:custDataLst>
           </p:nvPr>
         </p:nvCxnSpPr>
@@ -4190,6 +4689,7 @@
               <a:rPr lang="zh-CN" altLang="en-US" dirty="0"/>
               <a:t>单击此处编辑标题</a:t>
             </a:r>
+            <a:endParaRPr lang="zh-CN" altLang="en-US" dirty="0"/>
           </a:p>
         </p:txBody>
       </p:sp>
@@ -4256,6 +4756,7 @@
               <a:rPr lang="zh-CN" altLang="en-US" dirty="0"/>
               <a:t>单击此处编辑母版副标题样式</a:t>
             </a:r>
+            <a:endParaRPr lang="zh-CN" altLang="en-US" dirty="0"/>
           </a:p>
         </p:txBody>
       </p:sp>
@@ -4282,7 +4783,6 @@
           <a:p>
             <a:fld id="{760FBDFE-C587-4B4C-A407-44438C67B59E}" type="datetimeFigureOut">
               <a:rPr lang="zh-CN" altLang="en-US" smtClean="0"/>
-              <a:t>2018/8/10</a:t>
             </a:fld>
             <a:endParaRPr lang="zh-CN" altLang="en-US"/>
           </a:p>
@@ -4336,7 +4836,6 @@
           <a:p>
             <a:fld id="{49AE70B2-8BF9-45C0-BB95-33D1B9D3A854}" type="slidenum">
               <a:rPr lang="zh-CN" altLang="en-US" smtClean="0"/>
-              <a:t>‹#›</a:t>
             </a:fld>
             <a:endParaRPr lang="zh-CN" altLang="en-US"/>
           </a:p>
@@ -4388,6 +4887,7 @@
               <a:rPr lang="zh-CN" altLang="en-US" dirty="0"/>
               <a:t>单击此处编辑母版标题样式</a:t>
             </a:r>
+            <a:endParaRPr lang="zh-CN" altLang="en-US" dirty="0"/>
           </a:p>
         </p:txBody>
       </p:sp>
@@ -4429,6 +4929,7 @@
               <a:rPr lang="zh-CN" altLang="en-US" dirty="0"/>
               <a:t>单击此处编辑母版文本样式</a:t>
             </a:r>
+            <a:endParaRPr lang="zh-CN" altLang="en-US" dirty="0"/>
           </a:p>
           <a:p>
             <a:pPr lvl="1"/>
@@ -4436,6 +4937,7 @@
               <a:rPr lang="zh-CN" altLang="en-US" dirty="0"/>
               <a:t>第二级</a:t>
             </a:r>
+            <a:endParaRPr lang="zh-CN" altLang="en-US" dirty="0"/>
           </a:p>
           <a:p>
             <a:pPr lvl="2"/>
@@ -4443,6 +4945,7 @@
               <a:rPr lang="zh-CN" altLang="en-US" dirty="0"/>
               <a:t>第三级</a:t>
             </a:r>
+            <a:endParaRPr lang="zh-CN" altLang="en-US" dirty="0"/>
           </a:p>
           <a:p>
             <a:pPr lvl="3"/>
@@ -4450,6 +4953,7 @@
               <a:rPr lang="zh-CN" altLang="en-US" dirty="0"/>
               <a:t>第四级</a:t>
             </a:r>
+            <a:endParaRPr lang="zh-CN" altLang="en-US" dirty="0"/>
           </a:p>
           <a:p>
             <a:pPr lvl="4"/>
@@ -4457,6 +4961,7 @@
               <a:rPr lang="zh-CN" altLang="en-US" dirty="0"/>
               <a:t>第五级</a:t>
             </a:r>
+            <a:endParaRPr lang="zh-CN" altLang="en-US" dirty="0"/>
           </a:p>
         </p:txBody>
       </p:sp>
@@ -4483,7 +4988,6 @@
           <a:p>
             <a:fld id="{760FBDFE-C587-4B4C-A407-44438C67B59E}" type="datetimeFigureOut">
               <a:rPr lang="zh-CN" altLang="en-US" smtClean="0"/>
-              <a:t>2018/8/10</a:t>
             </a:fld>
             <a:endParaRPr lang="zh-CN" altLang="en-US"/>
           </a:p>
@@ -4537,7 +5041,6 @@
           <a:p>
             <a:fld id="{49AE70B2-8BF9-45C0-BB95-33D1B9D3A854}" type="slidenum">
               <a:rPr lang="zh-CN" altLang="en-US" smtClean="0"/>
-              <a:t>‹#›</a:t>
             </a:fld>
             <a:endParaRPr lang="zh-CN" altLang="en-US"/>
           </a:p>
@@ -4598,6 +5101,7 @@
               <a:rPr lang="zh-CN" altLang="en-US" dirty="0"/>
               <a:t>单击此处编辑标题</a:t>
             </a:r>
+            <a:endParaRPr lang="zh-CN" altLang="en-US" dirty="0"/>
           </a:p>
         </p:txBody>
       </p:sp>
@@ -4624,7 +5128,6 @@
           <a:p>
             <a:fld id="{760FBDFE-C587-4B4C-A407-44438C67B59E}" type="datetimeFigureOut">
               <a:rPr lang="zh-CN" altLang="en-US" smtClean="0"/>
-              <a:t>2018/8/10</a:t>
             </a:fld>
             <a:endParaRPr lang="zh-CN" altLang="en-US"/>
           </a:p>
@@ -4678,7 +5181,6 @@
           <a:p>
             <a:fld id="{49AE70B2-8BF9-45C0-BB95-33D1B9D3A854}" type="slidenum">
               <a:rPr lang="zh-CN" altLang="en-US" smtClean="0"/>
-              <a:t>‹#›</a:t>
             </a:fld>
             <a:endParaRPr lang="zh-CN" altLang="en-US"/>
           </a:p>
@@ -4716,6 +5218,7 @@
               <a:rPr lang="zh-CN" altLang="en-US" dirty="0"/>
               <a:t>单击此处编辑文本</a:t>
             </a:r>
+            <a:endParaRPr lang="zh-CN" altLang="en-US" dirty="0"/>
           </a:p>
         </p:txBody>
       </p:sp>
@@ -4765,6 +5268,7 @@
               <a:rPr lang="zh-CN" altLang="en-US"/>
               <a:t>单击此处编辑母版标题样式</a:t>
             </a:r>
+            <a:endParaRPr lang="zh-CN" altLang="en-US"/>
           </a:p>
         </p:txBody>
       </p:sp>
@@ -4795,6 +5299,7 @@
               <a:rPr lang="zh-CN" altLang="en-US" dirty="0"/>
               <a:t>单击此处编辑母版文本样式</a:t>
             </a:r>
+            <a:endParaRPr lang="zh-CN" altLang="en-US" dirty="0"/>
           </a:p>
           <a:p>
             <a:pPr lvl="1"/>
@@ -4802,6 +5307,7 @@
               <a:rPr lang="zh-CN" altLang="en-US" dirty="0"/>
               <a:t>第二级</a:t>
             </a:r>
+            <a:endParaRPr lang="zh-CN" altLang="en-US" dirty="0"/>
           </a:p>
           <a:p>
             <a:pPr lvl="2"/>
@@ -4809,6 +5315,7 @@
               <a:rPr lang="zh-CN" altLang="en-US" dirty="0"/>
               <a:t>第三级</a:t>
             </a:r>
+            <a:endParaRPr lang="zh-CN" altLang="en-US" dirty="0"/>
           </a:p>
           <a:p>
             <a:pPr lvl="3"/>
@@ -4816,6 +5323,7 @@
               <a:rPr lang="zh-CN" altLang="en-US" dirty="0"/>
               <a:t>第四级</a:t>
             </a:r>
+            <a:endParaRPr lang="zh-CN" altLang="en-US" dirty="0"/>
           </a:p>
           <a:p>
             <a:pPr lvl="4"/>
@@ -4823,6 +5331,7 @@
               <a:rPr lang="zh-CN" altLang="en-US" dirty="0"/>
               <a:t>第五级</a:t>
             </a:r>
+            <a:endParaRPr lang="zh-CN" altLang="en-US" dirty="0"/>
           </a:p>
         </p:txBody>
       </p:sp>
@@ -4853,6 +5362,7 @@
               <a:rPr lang="zh-CN" altLang="en-US" dirty="0"/>
               <a:t>单击此处编辑母版文本样式</a:t>
             </a:r>
+            <a:endParaRPr lang="zh-CN" altLang="en-US" dirty="0"/>
           </a:p>
           <a:p>
             <a:pPr lvl="1"/>
@@ -4860,6 +5370,7 @@
               <a:rPr lang="zh-CN" altLang="en-US" dirty="0"/>
               <a:t>第二级</a:t>
             </a:r>
+            <a:endParaRPr lang="zh-CN" altLang="en-US" dirty="0"/>
           </a:p>
           <a:p>
             <a:pPr lvl="2"/>
@@ -4867,6 +5378,7 @@
               <a:rPr lang="zh-CN" altLang="en-US" dirty="0"/>
               <a:t>第三级</a:t>
             </a:r>
+            <a:endParaRPr lang="zh-CN" altLang="en-US" dirty="0"/>
           </a:p>
           <a:p>
             <a:pPr lvl="3"/>
@@ -4874,6 +5386,7 @@
               <a:rPr lang="zh-CN" altLang="en-US" dirty="0"/>
               <a:t>第四级</a:t>
             </a:r>
+            <a:endParaRPr lang="zh-CN" altLang="en-US" dirty="0"/>
           </a:p>
           <a:p>
             <a:pPr lvl="4"/>
@@ -4881,6 +5394,7 @@
               <a:rPr lang="zh-CN" altLang="en-US" dirty="0"/>
               <a:t>第五级</a:t>
             </a:r>
+            <a:endParaRPr lang="zh-CN" altLang="en-US" dirty="0"/>
           </a:p>
         </p:txBody>
       </p:sp>
@@ -4907,7 +5421,6 @@
           <a:p>
             <a:fld id="{760FBDFE-C587-4B4C-A407-44438C67B59E}" type="datetimeFigureOut">
               <a:rPr lang="zh-CN" altLang="en-US" smtClean="0"/>
-              <a:t>2018/8/10</a:t>
             </a:fld>
             <a:endParaRPr lang="zh-CN" altLang="en-US"/>
           </a:p>
@@ -4961,7 +5474,6 @@
           <a:p>
             <a:fld id="{49AE70B2-8BF9-45C0-BB95-33D1B9D3A854}" type="slidenum">
               <a:rPr lang="zh-CN" altLang="en-US" smtClean="0"/>
-              <a:t>‹#›</a:t>
             </a:fld>
             <a:endParaRPr lang="zh-CN" altLang="en-US"/>
           </a:p>
@@ -5018,6 +5530,7 @@
               <a:rPr lang="zh-CN" altLang="en-US"/>
               <a:t>单击此处编辑母版标题样式</a:t>
             </a:r>
+            <a:endParaRPr lang="zh-CN" altLang="en-US"/>
           </a:p>
         </p:txBody>
       </p:sp>
@@ -5085,6 +5598,7 @@
               <a:rPr lang="zh-CN" altLang="en-US" dirty="0"/>
               <a:t>单击此处编辑母版文本样式</a:t>
             </a:r>
+            <a:endParaRPr lang="zh-CN" altLang="en-US" dirty="0"/>
           </a:p>
         </p:txBody>
       </p:sp>
@@ -5115,6 +5629,7 @@
               <a:rPr lang="zh-CN" altLang="en-US" dirty="0"/>
               <a:t>单击此处编辑母版文本样式</a:t>
             </a:r>
+            <a:endParaRPr lang="zh-CN" altLang="en-US" dirty="0"/>
           </a:p>
           <a:p>
             <a:pPr lvl="1"/>
@@ -5122,6 +5637,7 @@
               <a:rPr lang="zh-CN" altLang="en-US" dirty="0"/>
               <a:t>第二级</a:t>
             </a:r>
+            <a:endParaRPr lang="zh-CN" altLang="en-US" dirty="0"/>
           </a:p>
           <a:p>
             <a:pPr lvl="2"/>
@@ -5129,6 +5645,7 @@
               <a:rPr lang="zh-CN" altLang="en-US" dirty="0"/>
               <a:t>第三级</a:t>
             </a:r>
+            <a:endParaRPr lang="zh-CN" altLang="en-US" dirty="0"/>
           </a:p>
           <a:p>
             <a:pPr lvl="3"/>
@@ -5136,6 +5653,7 @@
               <a:rPr lang="zh-CN" altLang="en-US" dirty="0"/>
               <a:t>第四级</a:t>
             </a:r>
+            <a:endParaRPr lang="zh-CN" altLang="en-US" dirty="0"/>
           </a:p>
           <a:p>
             <a:pPr lvl="4"/>
@@ -5143,6 +5661,7 @@
               <a:rPr lang="zh-CN" altLang="en-US" dirty="0"/>
               <a:t>第五级</a:t>
             </a:r>
+            <a:endParaRPr lang="zh-CN" altLang="en-US" dirty="0"/>
           </a:p>
         </p:txBody>
       </p:sp>
@@ -5210,6 +5729,7 @@
               <a:rPr lang="zh-CN" altLang="en-US" dirty="0"/>
               <a:t>单击此处编辑母版文本样式</a:t>
             </a:r>
+            <a:endParaRPr lang="zh-CN" altLang="en-US" dirty="0"/>
           </a:p>
         </p:txBody>
       </p:sp>
@@ -5240,6 +5760,7 @@
               <a:rPr lang="zh-CN" altLang="en-US" dirty="0"/>
               <a:t>单击此处编辑母版文本样式</a:t>
             </a:r>
+            <a:endParaRPr lang="zh-CN" altLang="en-US" dirty="0"/>
           </a:p>
           <a:p>
             <a:pPr lvl="1"/>
@@ -5247,6 +5768,7 @@
               <a:rPr lang="zh-CN" altLang="en-US" dirty="0"/>
               <a:t>第二级</a:t>
             </a:r>
+            <a:endParaRPr lang="zh-CN" altLang="en-US" dirty="0"/>
           </a:p>
           <a:p>
             <a:pPr lvl="2"/>
@@ -5254,6 +5776,7 @@
               <a:rPr lang="zh-CN" altLang="en-US" dirty="0"/>
               <a:t>第三级</a:t>
             </a:r>
+            <a:endParaRPr lang="zh-CN" altLang="en-US" dirty="0"/>
           </a:p>
           <a:p>
             <a:pPr lvl="3"/>
@@ -5261,6 +5784,7 @@
               <a:rPr lang="zh-CN" altLang="en-US" dirty="0"/>
               <a:t>第四级</a:t>
             </a:r>
+            <a:endParaRPr lang="zh-CN" altLang="en-US" dirty="0"/>
           </a:p>
           <a:p>
             <a:pPr lvl="4"/>
@@ -5268,6 +5792,7 @@
               <a:rPr lang="zh-CN" altLang="en-US" dirty="0"/>
               <a:t>第五级</a:t>
             </a:r>
+            <a:endParaRPr lang="zh-CN" altLang="en-US" dirty="0"/>
           </a:p>
         </p:txBody>
       </p:sp>
@@ -5294,7 +5819,6 @@
           <a:p>
             <a:fld id="{760FBDFE-C587-4B4C-A407-44438C67B59E}" type="datetimeFigureOut">
               <a:rPr lang="zh-CN" altLang="en-US" smtClean="0"/>
-              <a:t>2018/8/10</a:t>
             </a:fld>
             <a:endParaRPr lang="zh-CN" altLang="en-US"/>
           </a:p>
@@ -5348,7 +5872,6 @@
           <a:p>
             <a:fld id="{49AE70B2-8BF9-45C0-BB95-33D1B9D3A854}" type="slidenum">
               <a:rPr lang="zh-CN" altLang="en-US" smtClean="0"/>
-              <a:t>‹#›</a:t>
             </a:fld>
             <a:endParaRPr lang="zh-CN" altLang="en-US"/>
           </a:p>
@@ -5385,7 +5908,7 @@
           <p:cNvCxnSpPr/>
           <p:nvPr>
             <p:custDataLst>
-              <p:tags r:id="rId1"/>
+              <p:tags r:id="rId2"/>
             </p:custDataLst>
           </p:nvPr>
         </p:nvCxnSpPr>
@@ -5419,7 +5942,7 @@
           <p:cNvCxnSpPr/>
           <p:nvPr>
             <p:custDataLst>
-              <p:tags r:id="rId2"/>
+              <p:tags r:id="rId3"/>
             </p:custDataLst>
           </p:nvPr>
         </p:nvCxnSpPr>
@@ -5453,7 +5976,7 @@
           <p:cNvCxnSpPr/>
           <p:nvPr>
             <p:custDataLst>
-              <p:tags r:id="rId3"/>
+              <p:tags r:id="rId4"/>
             </p:custDataLst>
           </p:nvPr>
         </p:nvCxnSpPr>
@@ -5487,7 +6010,7 @@
           <p:cNvCxnSpPr/>
           <p:nvPr>
             <p:custDataLst>
-              <p:tags r:id="rId4"/>
+              <p:tags r:id="rId5"/>
             </p:custDataLst>
           </p:nvPr>
         </p:nvCxnSpPr>
@@ -5521,7 +6044,7 @@
           <p:cNvCxnSpPr/>
           <p:nvPr>
             <p:custDataLst>
-              <p:tags r:id="rId5"/>
+              <p:tags r:id="rId6"/>
             </p:custDataLst>
           </p:nvPr>
         </p:nvCxnSpPr>
@@ -5579,6 +6102,7 @@
               <a:rPr lang="zh-CN" altLang="en-US" dirty="0"/>
               <a:t>编辑标题</a:t>
             </a:r>
+            <a:endParaRPr lang="zh-CN" altLang="en-US" dirty="0"/>
           </a:p>
         </p:txBody>
       </p:sp>
@@ -5605,7 +6129,6 @@
           <a:p>
             <a:fld id="{760FBDFE-C587-4B4C-A407-44438C67B59E}" type="datetimeFigureOut">
               <a:rPr lang="zh-CN" altLang="en-US" smtClean="0"/>
-              <a:t>2018/8/10</a:t>
             </a:fld>
             <a:endParaRPr lang="zh-CN" altLang="en-US"/>
           </a:p>
@@ -5659,7 +6182,6 @@
           <a:p>
             <a:fld id="{49AE70B2-8BF9-45C0-BB95-33D1B9D3A854}" type="slidenum">
               <a:rPr lang="zh-CN" altLang="en-US" smtClean="0"/>
-              <a:t>‹#›</a:t>
             </a:fld>
             <a:endParaRPr lang="zh-CN" altLang="en-US"/>
           </a:p>
@@ -5697,6 +6219,7 @@
               <a:rPr lang="zh-CN" altLang="en-US" dirty="0"/>
               <a:t>单击此处编辑文本</a:t>
             </a:r>
+            <a:endParaRPr lang="zh-CN" altLang="en-US" dirty="0"/>
           </a:p>
         </p:txBody>
       </p:sp>
@@ -5748,7 +6271,6 @@
           <a:p>
             <a:fld id="{760FBDFE-C587-4B4C-A407-44438C67B59E}" type="datetimeFigureOut">
               <a:rPr lang="zh-CN" altLang="en-US" smtClean="0"/>
-              <a:t>2018/8/10</a:t>
             </a:fld>
             <a:endParaRPr lang="zh-CN" altLang="en-US"/>
           </a:p>
@@ -5802,7 +6324,6 @@
           <a:p>
             <a:fld id="{49AE70B2-8BF9-45C0-BB95-33D1B9D3A854}" type="slidenum">
               <a:rPr lang="zh-CN" altLang="en-US" smtClean="0"/>
-              <a:t>‹#›</a:t>
             </a:fld>
             <a:endParaRPr lang="zh-CN" altLang="en-US"/>
           </a:p>
@@ -5996,6 +6517,7 @@
               <a:rPr lang="zh-CN" altLang="en-US" dirty="0"/>
               <a:t>单击此处编辑母版文本样式</a:t>
             </a:r>
+            <a:endParaRPr lang="zh-CN" altLang="en-US" dirty="0"/>
           </a:p>
         </p:txBody>
       </p:sp>
@@ -6022,7 +6544,6 @@
           <a:p>
             <a:fld id="{9EFD9D74-47D9-4702-A33C-335B63B48DBF}" type="datetimeFigureOut">
               <a:rPr lang="zh-CN" altLang="en-US" smtClean="0"/>
-              <a:t>2018/8/10</a:t>
             </a:fld>
             <a:endParaRPr lang="zh-CN" altLang="en-US" dirty="0"/>
           </a:p>
@@ -6076,7 +6597,6 @@
           <a:p>
             <a:fld id="{FABC47A4-756D-490B-A52F-7D9E2C9FC05F}" type="slidenum">
               <a:rPr lang="zh-CN" altLang="en-US" smtClean="0"/>
-              <a:t>‹#›</a:t>
             </a:fld>
             <a:endParaRPr lang="zh-CN" altLang="en-US"/>
           </a:p>
@@ -6128,6 +6648,7 @@
               <a:rPr lang="zh-CN" altLang="en-US" noProof="1"/>
               <a:t>单击此处编辑母版标题样式</a:t>
             </a:r>
+            <a:endParaRPr lang="zh-CN" altLang="en-US" noProof="1"/>
           </a:p>
         </p:txBody>
       </p:sp>
@@ -6169,6 +6690,7 @@
               <a:rPr lang="zh-CN" altLang="en-US" noProof="1"/>
               <a:t>单击此处编辑母版文本样式</a:t>
             </a:r>
+            <a:endParaRPr lang="zh-CN" altLang="en-US" noProof="1"/>
           </a:p>
           <a:p>
             <a:pPr lvl="1"/>
@@ -6176,6 +6698,7 @@
               <a:rPr lang="zh-CN" altLang="en-US" noProof="1"/>
               <a:t>第二级</a:t>
             </a:r>
+            <a:endParaRPr lang="zh-CN" altLang="en-US" noProof="1"/>
           </a:p>
           <a:p>
             <a:pPr lvl="2"/>
@@ -6183,6 +6706,7 @@
               <a:rPr lang="zh-CN" altLang="en-US" noProof="1"/>
               <a:t>第三级</a:t>
             </a:r>
+            <a:endParaRPr lang="zh-CN" altLang="en-US" noProof="1"/>
           </a:p>
           <a:p>
             <a:pPr lvl="3"/>
@@ -6190,6 +6714,7 @@
               <a:rPr lang="zh-CN" altLang="en-US" noProof="1"/>
               <a:t>第四级</a:t>
             </a:r>
+            <a:endParaRPr lang="zh-CN" altLang="en-US" noProof="1"/>
           </a:p>
           <a:p>
             <a:pPr lvl="4"/>
@@ -6197,6 +6722,7 @@
               <a:rPr lang="zh-CN" altLang="en-US" noProof="1"/>
               <a:t>第五级</a:t>
             </a:r>
+            <a:endParaRPr lang="zh-CN" altLang="en-US" noProof="1"/>
           </a:p>
         </p:txBody>
       </p:sp>
@@ -6221,7 +6747,6 @@
           <a:p>
             <a:fld id="{760FBDFE-C587-4B4C-A407-44438C67B59E}" type="datetimeFigureOut">
               <a:rPr lang="zh-CN" altLang="en-US"/>
-              <a:t>2018/8/10</a:t>
             </a:fld>
             <a:endParaRPr lang="zh-CN" altLang="en-US"/>
           </a:p>
@@ -6271,7 +6796,6 @@
           <a:p>
             <a:fld id="{EF3E80A9-C089-480E-9D1E-3B913964BA25}" type="slidenum">
               <a:rPr lang="zh-CN" altLang="en-US"/>
-              <a:t>‹#›</a:t>
             </a:fld>
             <a:endParaRPr lang="zh-CN" altLang="en-US"/>
           </a:p>
@@ -6332,6 +6856,7 @@
               <a:rPr lang="zh-CN" altLang="en-US"/>
               <a:t>单击此处编辑母版标题样式</a:t>
             </a:r>
+            <a:endParaRPr lang="zh-CN" altLang="en-US"/>
           </a:p>
         </p:txBody>
       </p:sp>
@@ -6378,6 +6903,7 @@
               <a:rPr lang="zh-CN" altLang="en-US" dirty="0"/>
               <a:t>单击此处编辑母版文本样式</a:t>
             </a:r>
+            <a:endParaRPr lang="zh-CN" altLang="en-US" dirty="0"/>
           </a:p>
           <a:p>
             <a:pPr lvl="1"/>
@@ -6385,6 +6911,7 @@
               <a:rPr lang="zh-CN" altLang="en-US" dirty="0"/>
               <a:t>第二级</a:t>
             </a:r>
+            <a:endParaRPr lang="zh-CN" altLang="en-US" dirty="0"/>
           </a:p>
           <a:p>
             <a:pPr lvl="2"/>
@@ -6392,6 +6919,7 @@
               <a:rPr lang="zh-CN" altLang="en-US" dirty="0"/>
               <a:t>第三级</a:t>
             </a:r>
+            <a:endParaRPr lang="zh-CN" altLang="en-US" dirty="0"/>
           </a:p>
           <a:p>
             <a:pPr lvl="3"/>
@@ -6399,6 +6927,7 @@
               <a:rPr lang="zh-CN" altLang="en-US" dirty="0"/>
               <a:t>第四级</a:t>
             </a:r>
+            <a:endParaRPr lang="zh-CN" altLang="en-US" dirty="0"/>
           </a:p>
           <a:p>
             <a:pPr lvl="4"/>
@@ -6406,6 +6935,7 @@
               <a:rPr lang="zh-CN" altLang="en-US" dirty="0"/>
               <a:t>第五级</a:t>
             </a:r>
+            <a:endParaRPr lang="zh-CN" altLang="en-US" dirty="0"/>
           </a:p>
         </p:txBody>
       </p:sp>
@@ -6432,7 +6962,6 @@
           <a:p>
             <a:fld id="{760FBDFE-C587-4B4C-A407-44438C67B59E}" type="datetimeFigureOut">
               <a:rPr lang="zh-CN" altLang="en-US" smtClean="0"/>
-              <a:t>2018/8/10</a:t>
             </a:fld>
             <a:endParaRPr lang="zh-CN" altLang="en-US"/>
           </a:p>
@@ -6486,7 +7015,6 @@
           <a:p>
             <a:fld id="{49AE70B2-8BF9-45C0-BB95-33D1B9D3A854}" type="slidenum">
               <a:rPr lang="zh-CN" altLang="en-US" smtClean="0"/>
-              <a:t>‹#›</a:t>
             </a:fld>
             <a:endParaRPr lang="zh-CN" altLang="en-US"/>
           </a:p>
@@ -6540,7 +7068,6 @@
           <a:p>
             <a:fld id="{760FBDFE-C587-4B4C-A407-44438C67B59E}" type="datetimeFigureOut">
               <a:rPr lang="zh-CN" altLang="en-US" smtClean="0"/>
-              <a:t>2018/8/10</a:t>
             </a:fld>
             <a:endParaRPr lang="zh-CN" altLang="en-US"/>
           </a:p>
@@ -6594,7 +7121,6 @@
           <a:p>
             <a:fld id="{49AE70B2-8BF9-45C0-BB95-33D1B9D3A854}" type="slidenum">
               <a:rPr lang="zh-CN" altLang="en-US" smtClean="0"/>
-              <a:t>‹#›</a:t>
             </a:fld>
             <a:endParaRPr lang="zh-CN" altLang="en-US"/>
           </a:p>
@@ -6643,6 +7169,7 @@
               <a:rPr lang="zh-CN" altLang="en-US" dirty="0"/>
               <a:t>单击此处编辑母版文本样式</a:t>
             </a:r>
+            <a:endParaRPr lang="zh-CN" altLang="en-US" dirty="0"/>
           </a:p>
           <a:p>
             <a:pPr lvl="1"/>
@@ -6650,6 +7177,7 @@
               <a:rPr lang="zh-CN" altLang="en-US" dirty="0"/>
               <a:t>第二级</a:t>
             </a:r>
+            <a:endParaRPr lang="zh-CN" altLang="en-US" dirty="0"/>
           </a:p>
           <a:p>
             <a:pPr lvl="2"/>
@@ -6657,6 +7185,7 @@
               <a:rPr lang="zh-CN" altLang="en-US" dirty="0"/>
               <a:t>第三级</a:t>
             </a:r>
+            <a:endParaRPr lang="zh-CN" altLang="en-US" dirty="0"/>
           </a:p>
           <a:p>
             <a:pPr lvl="3"/>
@@ -6664,6 +7193,7 @@
               <a:rPr lang="zh-CN" altLang="en-US" dirty="0"/>
               <a:t>第四级</a:t>
             </a:r>
+            <a:endParaRPr lang="zh-CN" altLang="en-US" dirty="0"/>
           </a:p>
           <a:p>
             <a:pPr lvl="4"/>
@@ -6671,6 +7201,7 @@
               <a:rPr lang="zh-CN" altLang="en-US" dirty="0"/>
               <a:t>第五级</a:t>
             </a:r>
+            <a:endParaRPr lang="zh-CN" altLang="en-US" dirty="0"/>
           </a:p>
         </p:txBody>
       </p:sp>
@@ -6729,6 +7260,7 @@
               <a:rPr lang="zh-CN" altLang="en-US" noProof="1"/>
               <a:t>单击此处编辑标题</a:t>
             </a:r>
+            <a:endParaRPr lang="zh-CN" altLang="en-US" noProof="1"/>
           </a:p>
         </p:txBody>
       </p:sp>
@@ -6764,6 +7296,7 @@
               <a:rPr lang="zh-CN" altLang="en-US" noProof="1"/>
               <a:t>单击此处编辑文本</a:t>
             </a:r>
+            <a:endParaRPr lang="zh-CN" altLang="en-US" noProof="1"/>
           </a:p>
         </p:txBody>
       </p:sp>
@@ -6788,7 +7321,6 @@
           <a:p>
             <a:fld id="{760FBDFE-C587-4B4C-A407-44438C67B59E}" type="datetimeFigureOut">
               <a:rPr lang="zh-CN" altLang="en-US"/>
-              <a:t>2018/8/10</a:t>
             </a:fld>
             <a:endParaRPr lang="zh-CN" altLang="en-US"/>
           </a:p>
@@ -6838,7 +7370,6 @@
           <a:p>
             <a:fld id="{DCC8595C-B6D7-43EC-9577-AA0422BFAAE2}" type="slidenum">
               <a:rPr lang="zh-CN" altLang="en-US"/>
-              <a:t>‹#›</a:t>
             </a:fld>
             <a:endParaRPr lang="zh-CN" altLang="en-US"/>
           </a:p>
@@ -6890,6 +7421,7 @@
               <a:rPr lang="zh-CN" altLang="en-US" noProof="1"/>
               <a:t>单击此处编辑母版标题样式</a:t>
             </a:r>
+            <a:endParaRPr lang="zh-CN" altLang="en-US" noProof="1"/>
           </a:p>
         </p:txBody>
       </p:sp>
@@ -6920,6 +7452,7 @@
               <a:rPr lang="zh-CN" altLang="en-US" noProof="1"/>
               <a:t>单击此处编辑母版文本样式</a:t>
             </a:r>
+            <a:endParaRPr lang="zh-CN" altLang="en-US" noProof="1"/>
           </a:p>
           <a:p>
             <a:pPr lvl="1"/>
@@ -6927,6 +7460,7 @@
               <a:rPr lang="zh-CN" altLang="en-US" noProof="1"/>
               <a:t>第二级</a:t>
             </a:r>
+            <a:endParaRPr lang="zh-CN" altLang="en-US" noProof="1"/>
           </a:p>
           <a:p>
             <a:pPr lvl="2"/>
@@ -6934,6 +7468,7 @@
               <a:rPr lang="zh-CN" altLang="en-US" noProof="1"/>
               <a:t>第三级</a:t>
             </a:r>
+            <a:endParaRPr lang="zh-CN" altLang="en-US" noProof="1"/>
           </a:p>
           <a:p>
             <a:pPr lvl="3"/>
@@ -6941,6 +7476,7 @@
               <a:rPr lang="zh-CN" altLang="en-US" noProof="1"/>
               <a:t>第四级</a:t>
             </a:r>
+            <a:endParaRPr lang="zh-CN" altLang="en-US" noProof="1"/>
           </a:p>
           <a:p>
             <a:pPr lvl="4"/>
@@ -6948,6 +7484,7 @@
               <a:rPr lang="zh-CN" altLang="en-US" noProof="1"/>
               <a:t>第五级</a:t>
             </a:r>
+            <a:endParaRPr lang="zh-CN" altLang="en-US" noProof="1"/>
           </a:p>
         </p:txBody>
       </p:sp>
@@ -6978,6 +7515,7 @@
               <a:rPr lang="zh-CN" altLang="en-US" noProof="1"/>
               <a:t>单击此处编辑母版文本样式</a:t>
             </a:r>
+            <a:endParaRPr lang="zh-CN" altLang="en-US" noProof="1"/>
           </a:p>
           <a:p>
             <a:pPr lvl="1"/>
@@ -6985,6 +7523,7 @@
               <a:rPr lang="zh-CN" altLang="en-US" noProof="1"/>
               <a:t>第二级</a:t>
             </a:r>
+            <a:endParaRPr lang="zh-CN" altLang="en-US" noProof="1"/>
           </a:p>
           <a:p>
             <a:pPr lvl="2"/>
@@ -6992,6 +7531,7 @@
               <a:rPr lang="zh-CN" altLang="en-US" noProof="1"/>
               <a:t>第三级</a:t>
             </a:r>
+            <a:endParaRPr lang="zh-CN" altLang="en-US" noProof="1"/>
           </a:p>
           <a:p>
             <a:pPr lvl="3"/>
@@ -6999,6 +7539,7 @@
               <a:rPr lang="zh-CN" altLang="en-US" noProof="1"/>
               <a:t>第四级</a:t>
             </a:r>
+            <a:endParaRPr lang="zh-CN" altLang="en-US" noProof="1"/>
           </a:p>
           <a:p>
             <a:pPr lvl="4"/>
@@ -7006,6 +7547,7 @@
               <a:rPr lang="zh-CN" altLang="en-US" noProof="1"/>
               <a:t>第五级</a:t>
             </a:r>
+            <a:endParaRPr lang="zh-CN" altLang="en-US" noProof="1"/>
           </a:p>
         </p:txBody>
       </p:sp>
@@ -7030,7 +7572,6 @@
           <a:p>
             <a:fld id="{760FBDFE-C587-4B4C-A407-44438C67B59E}" type="datetimeFigureOut">
               <a:rPr lang="zh-CN" altLang="en-US"/>
-              <a:t>2018/8/10</a:t>
             </a:fld>
             <a:endParaRPr lang="zh-CN" altLang="en-US"/>
           </a:p>
@@ -7080,7 +7621,6 @@
           <a:p>
             <a:fld id="{A09486A2-9B4A-4F08-B491-129DAF4DDFA5}" type="slidenum">
               <a:rPr lang="zh-CN" altLang="en-US"/>
-              <a:t>‹#›</a:t>
             </a:fld>
             <a:endParaRPr lang="zh-CN" altLang="en-US"/>
           </a:p>
@@ -7137,6 +7677,7 @@
               <a:rPr lang="zh-CN" altLang="en-US" noProof="1"/>
               <a:t>单击此处编辑母版标题样式</a:t>
             </a:r>
+            <a:endParaRPr lang="zh-CN" altLang="en-US" noProof="1"/>
           </a:p>
         </p:txBody>
       </p:sp>
@@ -7204,6 +7745,7 @@
               <a:rPr lang="zh-CN" altLang="en-US" noProof="1"/>
               <a:t>单击此处编辑母版文本样式</a:t>
             </a:r>
+            <a:endParaRPr lang="zh-CN" altLang="en-US" noProof="1"/>
           </a:p>
         </p:txBody>
       </p:sp>
@@ -7234,6 +7776,7 @@
               <a:rPr lang="zh-CN" altLang="en-US" noProof="1"/>
               <a:t>单击此处编辑母版文本样式</a:t>
             </a:r>
+            <a:endParaRPr lang="zh-CN" altLang="en-US" noProof="1"/>
           </a:p>
           <a:p>
             <a:pPr lvl="1"/>
@@ -7241,6 +7784,7 @@
               <a:rPr lang="zh-CN" altLang="en-US" noProof="1"/>
               <a:t>第二级</a:t>
             </a:r>
+            <a:endParaRPr lang="zh-CN" altLang="en-US" noProof="1"/>
           </a:p>
           <a:p>
             <a:pPr lvl="2"/>
@@ -7248,6 +7792,7 @@
               <a:rPr lang="zh-CN" altLang="en-US" noProof="1"/>
               <a:t>第三级</a:t>
             </a:r>
+            <a:endParaRPr lang="zh-CN" altLang="en-US" noProof="1"/>
           </a:p>
           <a:p>
             <a:pPr lvl="3"/>
@@ -7255,6 +7800,7 @@
               <a:rPr lang="zh-CN" altLang="en-US" noProof="1"/>
               <a:t>第四级</a:t>
             </a:r>
+            <a:endParaRPr lang="zh-CN" altLang="en-US" noProof="1"/>
           </a:p>
           <a:p>
             <a:pPr lvl="4"/>
@@ -7262,6 +7808,7 @@
               <a:rPr lang="zh-CN" altLang="en-US" noProof="1"/>
               <a:t>第五级</a:t>
             </a:r>
+            <a:endParaRPr lang="zh-CN" altLang="en-US" noProof="1"/>
           </a:p>
         </p:txBody>
       </p:sp>
@@ -7329,6 +7876,7 @@
               <a:rPr lang="zh-CN" altLang="en-US" noProof="1"/>
               <a:t>单击此处编辑母版文本样式</a:t>
             </a:r>
+            <a:endParaRPr lang="zh-CN" altLang="en-US" noProof="1"/>
           </a:p>
         </p:txBody>
       </p:sp>
@@ -7359,6 +7907,7 @@
               <a:rPr lang="zh-CN" altLang="en-US" noProof="1"/>
               <a:t>单击此处编辑母版文本样式</a:t>
             </a:r>
+            <a:endParaRPr lang="zh-CN" altLang="en-US" noProof="1"/>
           </a:p>
           <a:p>
             <a:pPr lvl="1"/>
@@ -7366,6 +7915,7 @@
               <a:rPr lang="zh-CN" altLang="en-US" noProof="1"/>
               <a:t>第二级</a:t>
             </a:r>
+            <a:endParaRPr lang="zh-CN" altLang="en-US" noProof="1"/>
           </a:p>
           <a:p>
             <a:pPr lvl="2"/>
@@ -7373,6 +7923,7 @@
               <a:rPr lang="zh-CN" altLang="en-US" noProof="1"/>
               <a:t>第三级</a:t>
             </a:r>
+            <a:endParaRPr lang="zh-CN" altLang="en-US" noProof="1"/>
           </a:p>
           <a:p>
             <a:pPr lvl="3"/>
@@ -7380,6 +7931,7 @@
               <a:rPr lang="zh-CN" altLang="en-US" noProof="1"/>
               <a:t>第四级</a:t>
             </a:r>
+            <a:endParaRPr lang="zh-CN" altLang="en-US" noProof="1"/>
           </a:p>
           <a:p>
             <a:pPr lvl="4"/>
@@ -7387,6 +7939,7 @@
               <a:rPr lang="zh-CN" altLang="en-US" noProof="1"/>
               <a:t>第五级</a:t>
             </a:r>
+            <a:endParaRPr lang="zh-CN" altLang="en-US" noProof="1"/>
           </a:p>
         </p:txBody>
       </p:sp>
@@ -7411,7 +7964,6 @@
           <a:p>
             <a:fld id="{760FBDFE-C587-4B4C-A407-44438C67B59E}" type="datetimeFigureOut">
               <a:rPr lang="zh-CN" altLang="en-US"/>
-              <a:t>2018/8/10</a:t>
             </a:fld>
             <a:endParaRPr lang="zh-CN" altLang="en-US"/>
           </a:p>
@@ -7461,7 +8013,6 @@
           <a:p>
             <a:fld id="{C61880FD-51CA-4182-8801-831F4C9C2CEC}" type="slidenum">
               <a:rPr lang="zh-CN" altLang="en-US"/>
-              <a:t>‹#›</a:t>
             </a:fld>
             <a:endParaRPr lang="zh-CN" altLang="en-US"/>
           </a:p>
@@ -7498,7 +8049,7 @@
           <p:cNvCxnSpPr/>
           <p:nvPr>
             <p:custDataLst>
-              <p:tags r:id="rId1"/>
+              <p:tags r:id="rId2"/>
             </p:custDataLst>
           </p:nvPr>
         </p:nvCxnSpPr>
@@ -7532,7 +8083,7 @@
           <p:cNvCxnSpPr/>
           <p:nvPr>
             <p:custDataLst>
-              <p:tags r:id="rId2"/>
+              <p:tags r:id="rId3"/>
             </p:custDataLst>
           </p:nvPr>
         </p:nvCxnSpPr>
@@ -7566,7 +8117,7 @@
           <p:cNvCxnSpPr/>
           <p:nvPr>
             <p:custDataLst>
-              <p:tags r:id="rId3"/>
+              <p:tags r:id="rId4"/>
             </p:custDataLst>
           </p:nvPr>
         </p:nvCxnSpPr>
@@ -7600,7 +8151,7 @@
           <p:cNvCxnSpPr/>
           <p:nvPr>
             <p:custDataLst>
-              <p:tags r:id="rId4"/>
+              <p:tags r:id="rId5"/>
             </p:custDataLst>
           </p:nvPr>
         </p:nvCxnSpPr>
@@ -7634,7 +8185,7 @@
           <p:cNvCxnSpPr/>
           <p:nvPr>
             <p:custDataLst>
-              <p:tags r:id="rId5"/>
+              <p:tags r:id="rId6"/>
             </p:custDataLst>
           </p:nvPr>
         </p:nvCxnSpPr>
@@ -7692,6 +8243,7 @@
               <a:rPr lang="zh-CN" altLang="en-US" noProof="1"/>
               <a:t>编辑标题</a:t>
             </a:r>
+            <a:endParaRPr lang="zh-CN" altLang="en-US" noProof="1"/>
           </a:p>
         </p:txBody>
       </p:sp>
@@ -7727,6 +8279,7 @@
               <a:rPr lang="zh-CN" altLang="en-US" noProof="1"/>
               <a:t>单击此处编辑文本</a:t>
             </a:r>
+            <a:endParaRPr lang="zh-CN" altLang="en-US" noProof="1"/>
           </a:p>
         </p:txBody>
       </p:sp>
@@ -7751,7 +8304,6 @@
           <a:p>
             <a:fld id="{760FBDFE-C587-4B4C-A407-44438C67B59E}" type="datetimeFigureOut">
               <a:rPr lang="zh-CN" altLang="en-US"/>
-              <a:t>2018/8/10</a:t>
             </a:fld>
             <a:endParaRPr lang="zh-CN" altLang="en-US"/>
           </a:p>
@@ -7801,7 +8353,6 @@
           <a:p>
             <a:fld id="{6B29CE7E-9584-4E3D-A184-0EB8A5FF10A8}" type="slidenum">
               <a:rPr lang="zh-CN" altLang="en-US"/>
-              <a:t>‹#›</a:t>
             </a:fld>
             <a:endParaRPr lang="zh-CN" altLang="en-US"/>
           </a:p>
@@ -7853,7 +8404,6 @@
           <a:p>
             <a:fld id="{760FBDFE-C587-4B4C-A407-44438C67B59E}" type="datetimeFigureOut">
               <a:rPr lang="zh-CN" altLang="en-US"/>
-              <a:t>2018/8/10</a:t>
             </a:fld>
             <a:endParaRPr lang="zh-CN" altLang="en-US"/>
           </a:p>
@@ -7903,7 +8453,6 @@
           <a:p>
             <a:fld id="{61FD7337-7689-40E9-995D-FF92F58B836E}" type="slidenum">
               <a:rPr lang="zh-CN" altLang="en-US"/>
-              <a:t>‹#›</a:t>
             </a:fld>
             <a:endParaRPr lang="zh-CN" altLang="en-US"/>
           </a:p>
@@ -7964,6 +8513,7 @@
               <a:rPr lang="zh-CN" altLang="en-US" noProof="1"/>
               <a:t>单击此处编辑标题</a:t>
             </a:r>
+            <a:endParaRPr lang="zh-CN" altLang="en-US" noProof="1"/>
           </a:p>
         </p:txBody>
       </p:sp>
@@ -8028,6 +8578,7 @@
               <a:rPr lang="zh-CN" altLang="en-US" noProof="1"/>
               <a:t>图片</a:t>
             </a:r>
+            <a:endParaRPr lang="zh-CN" altLang="en-US" noProof="1"/>
           </a:p>
         </p:txBody>
       </p:sp>
@@ -8095,6 +8646,7 @@
               <a:rPr lang="zh-CN" altLang="en-US" noProof="1"/>
               <a:t>单击此处编辑母版文本样式</a:t>
             </a:r>
+            <a:endParaRPr lang="zh-CN" altLang="en-US" noProof="1"/>
           </a:p>
         </p:txBody>
       </p:sp>
@@ -8119,7 +8671,6 @@
           <a:p>
             <a:fld id="{9EFD9D74-47D9-4702-A33C-335B63B48DBF}" type="datetimeFigureOut">
               <a:rPr lang="zh-CN" altLang="en-US"/>
-              <a:t>2018/8/10</a:t>
             </a:fld>
             <a:endParaRPr lang="zh-CN" altLang="en-US" dirty="0"/>
           </a:p>
@@ -8169,7 +8720,6 @@
           <a:p>
             <a:fld id="{B2E1C370-EC47-44E1-BBFE-64D6DC550E06}" type="slidenum">
               <a:rPr lang="zh-CN" altLang="en-US"/>
-              <a:t>‹#›</a:t>
             </a:fld>
             <a:endParaRPr lang="zh-CN" altLang="en-US"/>
           </a:p>
@@ -8230,6 +8780,7 @@
               <a:rPr lang="zh-CN" altLang="en-US" noProof="1"/>
               <a:t>单击此处编辑母版标题样式</a:t>
             </a:r>
+            <a:endParaRPr lang="zh-CN" altLang="en-US" noProof="1"/>
           </a:p>
         </p:txBody>
       </p:sp>
@@ -8276,6 +8827,7 @@
               <a:rPr lang="zh-CN" altLang="en-US" noProof="1"/>
               <a:t>单击此处编辑母版文本样式</a:t>
             </a:r>
+            <a:endParaRPr lang="zh-CN" altLang="en-US" noProof="1"/>
           </a:p>
           <a:p>
             <a:pPr lvl="1"/>
@@ -8283,6 +8835,7 @@
               <a:rPr lang="zh-CN" altLang="en-US" noProof="1"/>
               <a:t>第二级</a:t>
             </a:r>
+            <a:endParaRPr lang="zh-CN" altLang="en-US" noProof="1"/>
           </a:p>
           <a:p>
             <a:pPr lvl="2"/>
@@ -8290,6 +8843,7 @@
               <a:rPr lang="zh-CN" altLang="en-US" noProof="1"/>
               <a:t>第三级</a:t>
             </a:r>
+            <a:endParaRPr lang="zh-CN" altLang="en-US" noProof="1"/>
           </a:p>
           <a:p>
             <a:pPr lvl="3"/>
@@ -8297,6 +8851,7 @@
               <a:rPr lang="zh-CN" altLang="en-US" noProof="1"/>
               <a:t>第四级</a:t>
             </a:r>
+            <a:endParaRPr lang="zh-CN" altLang="en-US" noProof="1"/>
           </a:p>
           <a:p>
             <a:pPr lvl="4"/>
@@ -8304,6 +8859,7 @@
               <a:rPr lang="zh-CN" altLang="en-US" noProof="1"/>
               <a:t>第五级</a:t>
             </a:r>
+            <a:endParaRPr lang="zh-CN" altLang="en-US" noProof="1"/>
           </a:p>
         </p:txBody>
       </p:sp>
@@ -8328,7 +8884,6 @@
           <a:p>
             <a:fld id="{760FBDFE-C587-4B4C-A407-44438C67B59E}" type="datetimeFigureOut">
               <a:rPr lang="zh-CN" altLang="en-US"/>
-              <a:t>2018/8/10</a:t>
             </a:fld>
             <a:endParaRPr lang="zh-CN" altLang="en-US"/>
           </a:p>
@@ -8378,7 +8933,6 @@
           <a:p>
             <a:fld id="{986C7E2C-DF09-4D8D-A4F6-C3EF5949F498}" type="slidenum">
               <a:rPr lang="zh-CN" altLang="en-US"/>
-              <a:t>‹#›</a:t>
             </a:fld>
             <a:endParaRPr lang="zh-CN" altLang="en-US"/>
           </a:p>
@@ -8426,7 +8980,7 @@
           <p:nvPr>
             <p:ph type="title" idx="4294967295"/>
             <p:custDataLst>
-              <p:tags r:id="rId13"/>
+              <p:tags r:id="rId12"/>
             </p:custDataLst>
           </p:nvPr>
         </p:nvSpPr>
@@ -8471,6 +9025,7 @@
               <a:rPr lang="zh-CN" altLang="en-US"/>
               <a:t>单击此处编辑母版标题样式</a:t>
             </a:r>
+            <a:endParaRPr lang="zh-CN" altLang="en-US"/>
           </a:p>
         </p:txBody>
       </p:sp>
@@ -8483,7 +9038,7 @@
           <p:nvPr>
             <p:ph type="body" idx="9"/>
             <p:custDataLst>
-              <p:tags r:id="rId14"/>
+              <p:tags r:id="rId13"/>
             </p:custDataLst>
           </p:nvPr>
         </p:nvSpPr>
@@ -8528,6 +9083,7 @@
               <a:rPr lang="zh-CN" altLang="en-US"/>
               <a:t>单击此处编辑母版文本样式</a:t>
             </a:r>
+            <a:endParaRPr lang="zh-CN" altLang="en-US"/>
           </a:p>
           <a:p>
             <a:pPr lvl="1"/>
@@ -8535,6 +9091,7 @@
               <a:rPr lang="zh-CN" altLang="en-US"/>
               <a:t>第二级</a:t>
             </a:r>
+            <a:endParaRPr lang="zh-CN" altLang="en-US"/>
           </a:p>
           <a:p>
             <a:pPr lvl="2"/>
@@ -8542,6 +9099,7 @@
               <a:rPr lang="zh-CN" altLang="en-US"/>
               <a:t>第三级</a:t>
             </a:r>
+            <a:endParaRPr lang="zh-CN" altLang="en-US"/>
           </a:p>
           <a:p>
             <a:pPr lvl="3"/>
@@ -8549,6 +9107,7 @@
               <a:rPr lang="zh-CN" altLang="en-US"/>
               <a:t>第四级</a:t>
             </a:r>
+            <a:endParaRPr lang="zh-CN" altLang="en-US"/>
           </a:p>
           <a:p>
             <a:pPr lvl="4"/>
@@ -8556,6 +9115,7 @@
               <a:rPr lang="zh-CN" altLang="en-US"/>
               <a:t>第五级</a:t>
             </a:r>
+            <a:endParaRPr lang="zh-CN" altLang="en-US"/>
           </a:p>
         </p:txBody>
       </p:sp>
@@ -8601,7 +9161,6 @@
           <a:p>
             <a:fld id="{760FBDFE-C587-4B4C-A407-44438C67B59E}" type="datetimeFigureOut">
               <a:rPr lang="zh-CN" altLang="en-US"/>
-              <a:t>2018/8/10</a:t>
             </a:fld>
             <a:endParaRPr lang="zh-CN" altLang="en-US">
               <a:ea typeface="+mn-ea"/>
@@ -8694,7 +9253,6 @@
           <a:p>
             <a:fld id="{ECA6A4FB-A520-4B09-AD78-B7CBC19CBDD9}" type="slidenum">
               <a:rPr lang="zh-CN" altLang="en-US"/>
-              <a:t>‹#›</a:t>
             </a:fld>
             <a:endParaRPr lang="zh-CN" altLang="en-US">
               <a:ea typeface="+mn-ea"/>
@@ -8709,7 +9267,7 @@
           <p:cNvSpPr/>
           <p:nvPr>
             <p:custDataLst>
-              <p:tags r:id="rId15"/>
+              <p:tags r:id="rId14"/>
             </p:custDataLst>
           </p:nvPr>
         </p:nvSpPr>
@@ -9241,7 +9799,7 @@
           <p:nvPr>
             <p:ph type="title"/>
             <p:custDataLst>
-              <p:tags r:id="rId12"/>
+              <p:tags r:id="rId11"/>
             </p:custDataLst>
           </p:nvPr>
         </p:nvSpPr>
@@ -9264,6 +9822,7 @@
               <a:rPr lang="zh-CN" altLang="en-US" dirty="0"/>
               <a:t>单击此处编辑母版标题样式</a:t>
             </a:r>
+            <a:endParaRPr lang="zh-CN" altLang="en-US" dirty="0"/>
           </a:p>
         </p:txBody>
       </p:sp>
@@ -9276,7 +9835,7 @@
           <p:nvPr>
             <p:ph type="body" idx="1"/>
             <p:custDataLst>
-              <p:tags r:id="rId13"/>
+              <p:tags r:id="rId12"/>
             </p:custDataLst>
           </p:nvPr>
         </p:nvSpPr>
@@ -9300,6 +9859,7 @@
               <a:rPr lang="zh-CN" altLang="en-US" dirty="0"/>
               <a:t>单击此处编辑母版文本样式</a:t>
             </a:r>
+            <a:endParaRPr lang="zh-CN" altLang="en-US" dirty="0"/>
           </a:p>
           <a:p>
             <a:pPr lvl="1"/>
@@ -9307,6 +9867,7 @@
               <a:rPr lang="zh-CN" altLang="en-US" dirty="0"/>
               <a:t>第二级</a:t>
             </a:r>
+            <a:endParaRPr lang="zh-CN" altLang="en-US" dirty="0"/>
           </a:p>
           <a:p>
             <a:pPr lvl="2"/>
@@ -9314,6 +9875,7 @@
               <a:rPr lang="zh-CN" altLang="en-US" dirty="0"/>
               <a:t>第三级</a:t>
             </a:r>
+            <a:endParaRPr lang="zh-CN" altLang="en-US" dirty="0"/>
           </a:p>
           <a:p>
             <a:pPr lvl="3"/>
@@ -9321,6 +9883,7 @@
               <a:rPr lang="zh-CN" altLang="en-US" dirty="0"/>
               <a:t>第四级</a:t>
             </a:r>
+            <a:endParaRPr lang="zh-CN" altLang="en-US" dirty="0"/>
           </a:p>
           <a:p>
             <a:pPr lvl="4"/>
@@ -9328,6 +9891,7 @@
               <a:rPr lang="zh-CN" altLang="en-US" dirty="0"/>
               <a:t>第五级</a:t>
             </a:r>
+            <a:endParaRPr lang="zh-CN" altLang="en-US" dirty="0"/>
           </a:p>
         </p:txBody>
       </p:sp>
@@ -9371,7 +9935,6 @@
           <a:p>
             <a:fld id="{760FBDFE-C587-4B4C-A407-44438C67B59E}" type="datetimeFigureOut">
               <a:rPr lang="zh-CN" altLang="en-US" smtClean="0"/>
-              <a:t>2018/8/10</a:t>
             </a:fld>
             <a:endParaRPr lang="zh-CN" altLang="en-US"/>
           </a:p>
@@ -9459,7 +10022,6 @@
           <a:p>
             <a:fld id="{49AE70B2-8BF9-45C0-BB95-33D1B9D3A854}" type="slidenum">
               <a:rPr lang="zh-CN" altLang="en-US" smtClean="0"/>
-              <a:t>‹#›</a:t>
             </a:fld>
             <a:endParaRPr lang="zh-CN" altLang="en-US"/>
           </a:p>
@@ -9471,7 +10033,7 @@
           <p:cNvSpPr/>
           <p:nvPr>
             <p:custDataLst>
-              <p:tags r:id="rId14"/>
+              <p:tags r:id="rId13"/>
             </p:custDataLst>
           </p:nvPr>
         </p:nvSpPr>
@@ -9850,7 +10412,7 @@
           </p:cNvSpPr>
           <p:nvPr>
             <p:custDataLst>
-              <p:tags r:id="rId2"/>
+              <p:tags r:id="rId1"/>
             </p:custDataLst>
           </p:nvPr>
         </p:nvSpPr>
@@ -10063,6 +10625,7 @@
               <a:rPr lang="zh-CN" altLang="en-US" sz="1800" dirty="0"/>
               <a:t>开发工程部  冯泽明</a:t>
             </a:r>
+            <a:endParaRPr lang="zh-CN" altLang="en-US" sz="1800" dirty="0"/>
           </a:p>
         </p:txBody>
       </p:sp>
@@ -10093,7 +10656,7 @@
             </a:pPr>
             <a:r>
               <a:rPr lang="en-US" altLang="zh-CN" dirty="0">
-                <a:hlinkClick r:id="rId7"/>
+                <a:hlinkClick r:id="rId2"/>
               </a:rPr>
               <a:t>https://github.com/newgr8player</a:t>
             </a:r>
@@ -10102,7 +10665,7 @@
           <a:p>
             <a:r>
               <a:rPr lang="en-US" altLang="zh-CN" dirty="0">
-                <a:hlinkClick r:id="rId8"/>
+                <a:hlinkClick r:id="rId3"/>
               </a:rPr>
               <a:t>https://newgr8player.gitee.io/</a:t>
             </a:r>
@@ -10119,7 +10682,7 @@
           <p:nvPr>
             <p:ph type="ctrTitle"/>
             <p:custDataLst>
-              <p:tags r:id="rId3"/>
+              <p:tags r:id="rId4"/>
             </p:custDataLst>
           </p:nvPr>
         </p:nvSpPr>
@@ -10152,7 +10715,7 @@
           <p:nvPr>
             <p:ph type="subTitle" idx="1"/>
             <p:custDataLst>
-              <p:tags r:id="rId4"/>
+              <p:tags r:id="rId5"/>
             </p:custDataLst>
           </p:nvPr>
         </p:nvSpPr>
@@ -10213,7 +10776,7 @@
       </p:sp>
     </p:spTree>
     <p:custDataLst>
-      <p:tags r:id="rId1"/>
+      <p:tags r:id="rId6"/>
     </p:custDataLst>
   </p:cSld>
   <p:clrMapOvr>
@@ -10245,7 +10808,7 @@
           <p:cNvSpPr txBox="1"/>
           <p:nvPr>
             <p:custDataLst>
-              <p:tags r:id="rId2"/>
+              <p:tags r:id="rId1"/>
             </p:custDataLst>
           </p:nvPr>
         </p:nvSpPr>
@@ -10339,6 +10902,11 @@
               </a:rPr>
               <a:t>核心思想</a:t>
             </a:r>
+            <a:endParaRPr lang="zh-CN" altLang="en-US" b="1" dirty="0">
+              <a:solidFill>
+                <a:srgbClr val="0070C0"/>
+              </a:solidFill>
+            </a:endParaRPr>
           </a:p>
           <a:p>
             <a:pPr eaLnBrk="1" hangingPunct="1">
@@ -10383,6 +10951,11 @@
               </a:rPr>
               <a:t>为什么引入单一职责原则</a:t>
             </a:r>
+            <a:endParaRPr lang="zh-CN" altLang="en-US" b="1" dirty="0">
+              <a:solidFill>
+                <a:srgbClr val="0070C0"/>
+              </a:solidFill>
+            </a:endParaRPr>
           </a:p>
           <a:p>
             <a:pPr eaLnBrk="1" hangingPunct="1">
@@ -10416,6 +10989,11 @@
               </a:rPr>
               <a:t>单一职责原则的优点</a:t>
             </a:r>
+            <a:endParaRPr lang="zh-CN" altLang="en-US" b="1" dirty="0">
+              <a:solidFill>
+                <a:srgbClr val="0070C0"/>
+              </a:solidFill>
+            </a:endParaRPr>
           </a:p>
           <a:p>
             <a:pPr eaLnBrk="1" hangingPunct="1">
@@ -10487,13 +11065,8 @@
       </p:sp>
     </p:spTree>
     <p:custDataLst>
-      <p:tags r:id="rId1"/>
+      <p:tags r:id="rId2"/>
     </p:custDataLst>
-    <p:extLst>
-      <p:ext uri="{BB962C8B-B14F-4D97-AF65-F5344CB8AC3E}">
-        <p14:creationId xmlns:p14="http://schemas.microsoft.com/office/powerpoint/2010/main" val="1311291756"/>
-      </p:ext>
-    </p:extLst>
   </p:cSld>
   <p:clrMapOvr>
     <a:masterClrMapping/>
@@ -10524,7 +11097,7 @@
           <p:cNvSpPr txBox="1"/>
           <p:nvPr>
             <p:custDataLst>
-              <p:tags r:id="rId2"/>
+              <p:tags r:id="rId1"/>
             </p:custDataLst>
           </p:nvPr>
         </p:nvSpPr>
@@ -10654,34 +11227,22 @@
       </p:sp>
       <p:pic>
         <p:nvPicPr>
-          <p:cNvPr id="5" name="图片 4">
-            <a:extLst>
-              <a:ext uri="{FF2B5EF4-FFF2-40B4-BE49-F238E27FC236}">
-                <a16:creationId xmlns:a16="http://schemas.microsoft.com/office/drawing/2014/main" id="{E06DDDE1-49E1-480C-9D48-849F8B1E6A51}"/>
-              </a:ext>
-            </a:extLst>
-          </p:cNvPr>
+          <p:cNvPr id="11" name="图片 10" descr="单一职责原则"/>
           <p:cNvPicPr>
             <a:picLocks noChangeAspect="1"/>
           </p:cNvPicPr>
           <p:nvPr/>
         </p:nvPicPr>
         <p:blipFill>
-          <a:blip r:embed="rId5">
-            <a:extLst>
-              <a:ext uri="{28A0092B-C50C-407E-A947-70E740481C1C}">
-                <a14:useLocalDpi xmlns:a14="http://schemas.microsoft.com/office/drawing/2010/main" val="0"/>
-              </a:ext>
-            </a:extLst>
-          </a:blip>
+          <a:blip r:embed="rId2"/>
           <a:stretch>
             <a:fillRect/>
           </a:stretch>
         </p:blipFill>
         <p:spPr>
           <a:xfrm>
-            <a:off x="1066892" y="2895614"/>
-            <a:ext cx="6219825" cy="3429000"/>
+            <a:off x="1209040" y="2689225"/>
+            <a:ext cx="6442075" cy="3624580"/>
           </a:xfrm>
           <a:prstGeom prst="rect">
             <a:avLst/>
@@ -10690,13 +11251,8 @@
       </p:pic>
     </p:spTree>
     <p:custDataLst>
-      <p:tags r:id="rId1"/>
+      <p:tags r:id="rId3"/>
     </p:custDataLst>
-    <p:extLst>
-      <p:ext uri="{BB962C8B-B14F-4D97-AF65-F5344CB8AC3E}">
-        <p14:creationId xmlns:p14="http://schemas.microsoft.com/office/powerpoint/2010/main" val="2460003045"/>
-      </p:ext>
-    </p:extLst>
   </p:cSld>
   <p:clrMapOvr>
     <a:masterClrMapping/>
@@ -10727,7 +11283,7 @@
           <p:cNvSpPr txBox="1"/>
           <p:nvPr>
             <p:custDataLst>
-              <p:tags r:id="rId2"/>
+              <p:tags r:id="rId1"/>
             </p:custDataLst>
           </p:nvPr>
         </p:nvSpPr>
@@ -10918,13 +11474,8 @@
       </p:sp>
     </p:spTree>
     <p:custDataLst>
-      <p:tags r:id="rId1"/>
+      <p:tags r:id="rId2"/>
     </p:custDataLst>
-    <p:extLst>
-      <p:ext uri="{BB962C8B-B14F-4D97-AF65-F5344CB8AC3E}">
-        <p14:creationId xmlns:p14="http://schemas.microsoft.com/office/powerpoint/2010/main" val="370408196"/>
-      </p:ext>
-    </p:extLst>
   </p:cSld>
   <p:clrMapOvr>
     <a:masterClrMapping/>
@@ -10991,6 +11542,7 @@
               <a:rPr lang="zh-CN" altLang="en-US" sz="3600" dirty="0"/>
               <a:t>）</a:t>
             </a:r>
+            <a:endParaRPr lang="zh-CN" altLang="en-US" sz="3600" dirty="0"/>
           </a:p>
         </p:txBody>
       </p:sp>
@@ -11026,11 +11578,6 @@
         </p:txBody>
       </p:sp>
     </p:spTree>
-    <p:extLst>
-      <p:ext uri="{BB962C8B-B14F-4D97-AF65-F5344CB8AC3E}">
-        <p14:creationId xmlns:p14="http://schemas.microsoft.com/office/powerpoint/2010/main" val="3721727063"/>
-      </p:ext>
-    </p:extLst>
   </p:cSld>
   <p:clrMapOvr>
     <a:masterClrMapping/>
@@ -11061,7 +11608,7 @@
           <p:cNvSpPr txBox="1"/>
           <p:nvPr>
             <p:custDataLst>
-              <p:tags r:id="rId2"/>
+              <p:tags r:id="rId1"/>
             </p:custDataLst>
           </p:nvPr>
         </p:nvSpPr>
@@ -11173,6 +11720,7 @@
               <a:rPr lang="en-US" altLang="zh-CN" dirty="0"/>
               <a:t>If for each object o1 of type S there is an object o2 of type T such that for all programs P defined in terms of T, the behavior of P is unchanged when o1 is substituted for o2 then S is a subtype of T.</a:t>
             </a:r>
+            <a:endParaRPr lang="en-US" altLang="zh-CN" dirty="0"/>
           </a:p>
           <a:p>
             <a:pPr marL="457200" indent="-457200">
@@ -11186,6 +11734,7 @@
               <a:rPr lang="en-US" altLang="zh-CN" dirty="0"/>
               <a:t>Functions that use pointers or references to base classes must be able to use objects of derived classes without knowing it.</a:t>
             </a:r>
+            <a:endParaRPr lang="en-US" altLang="zh-CN" dirty="0"/>
           </a:p>
           <a:p>
             <a:pPr>
@@ -11309,6 +11858,7 @@
               <a:rPr lang="zh-CN" altLang="en-US" dirty="0"/>
               <a:t>所有引用基类的地方必须能透明地使用其子类的对象。</a:t>
             </a:r>
+            <a:endParaRPr lang="zh-CN" altLang="en-US" dirty="0"/>
           </a:p>
           <a:p>
             <a:endParaRPr lang="zh-CN" altLang="en-US" dirty="0"/>
@@ -11328,13 +11878,8 @@
       </p:sp>
     </p:spTree>
     <p:custDataLst>
-      <p:tags r:id="rId1"/>
+      <p:tags r:id="rId2"/>
     </p:custDataLst>
-    <p:extLst>
-      <p:ext uri="{BB962C8B-B14F-4D97-AF65-F5344CB8AC3E}">
-        <p14:creationId xmlns:p14="http://schemas.microsoft.com/office/powerpoint/2010/main" val="180492238"/>
-      </p:ext>
-    </p:extLst>
   </p:cSld>
   <p:clrMapOvr>
     <a:masterClrMapping/>
@@ -11365,7 +11910,7 @@
           <p:cNvSpPr txBox="1"/>
           <p:nvPr>
             <p:custDataLst>
-              <p:tags r:id="rId2"/>
+              <p:tags r:id="rId1"/>
             </p:custDataLst>
           </p:nvPr>
         </p:nvSpPr>
@@ -11459,6 +12004,11 @@
               </a:rPr>
               <a:t>核心思想</a:t>
             </a:r>
+            <a:endParaRPr lang="zh-CN" altLang="en-US" b="1" dirty="0">
+              <a:solidFill>
+                <a:srgbClr val="0070C0"/>
+              </a:solidFill>
+            </a:endParaRPr>
           </a:p>
           <a:p>
             <a:pPr eaLnBrk="1" hangingPunct="1">
@@ -11503,6 +12053,11 @@
               </a:rPr>
               <a:t>引入里氏替换原则需要注意</a:t>
             </a:r>
+            <a:endParaRPr lang="zh-CN" altLang="en-US" b="1" dirty="0">
+              <a:solidFill>
+                <a:srgbClr val="0070C0"/>
+              </a:solidFill>
+            </a:endParaRPr>
           </a:p>
           <a:p>
             <a:pPr marL="457200" indent="-457200">
@@ -11516,6 +12071,7 @@
               <a:rPr lang="zh-CN" altLang="en-US" dirty="0"/>
               <a:t>子类必须完全实现父类的方法</a:t>
             </a:r>
+            <a:endParaRPr lang="zh-CN" altLang="en-US" dirty="0"/>
           </a:p>
           <a:p>
             <a:pPr marL="457200" indent="-457200">
@@ -11532,6 +12088,7 @@
               <a:rPr lang="zh-CN" altLang="en-US" dirty="0"/>
               <a:t>子类可以有自己的个性</a:t>
             </a:r>
+            <a:endParaRPr lang="zh-CN" altLang="en-US" dirty="0"/>
           </a:p>
           <a:p>
             <a:pPr marL="457200" indent="-457200">
@@ -11548,6 +12105,7 @@
               <a:rPr lang="zh-CN" altLang="en-US" dirty="0"/>
               <a:t>覆盖或实现父类的方法时输入参数可以被放大</a:t>
             </a:r>
+            <a:endParaRPr lang="zh-CN" altLang="en-US" dirty="0"/>
           </a:p>
           <a:p>
             <a:pPr marL="457200" indent="-457200">
@@ -11564,18 +12122,14 @@
               <a:rPr lang="zh-CN" altLang="en-US" dirty="0"/>
               <a:t>覆盖或实现父类的方法时输出结果可以被缩小</a:t>
             </a:r>
+            <a:endParaRPr lang="zh-CN" altLang="en-US" dirty="0"/>
           </a:p>
         </p:txBody>
       </p:sp>
     </p:spTree>
     <p:custDataLst>
-      <p:tags r:id="rId1"/>
+      <p:tags r:id="rId2"/>
     </p:custDataLst>
-    <p:extLst>
-      <p:ext uri="{BB962C8B-B14F-4D97-AF65-F5344CB8AC3E}">
-        <p14:creationId xmlns:p14="http://schemas.microsoft.com/office/powerpoint/2010/main" val="3073483632"/>
-      </p:ext>
-    </p:extLst>
   </p:cSld>
   <p:clrMapOvr>
     <a:masterClrMapping/>
@@ -11606,7 +12160,7 @@
           <p:cNvSpPr txBox="1"/>
           <p:nvPr>
             <p:custDataLst>
-              <p:tags r:id="rId2"/>
+              <p:tags r:id="rId1"/>
             </p:custDataLst>
           </p:nvPr>
         </p:nvSpPr>
@@ -11700,6 +12254,11 @@
               </a:rPr>
               <a:t>里氏替换原则的优点</a:t>
             </a:r>
+            <a:endParaRPr lang="zh-CN" altLang="en-US" b="1" dirty="0">
+              <a:solidFill>
+                <a:srgbClr val="0070C0"/>
+              </a:solidFill>
+            </a:endParaRPr>
           </a:p>
           <a:p>
             <a:pPr marL="457200" indent="-457200" eaLnBrk="1" hangingPunct="1">
@@ -11716,6 +12275,7 @@
               <a:rPr lang="zh-CN" altLang="en-US" dirty="0"/>
               <a:t>代码共享，减少创建类的工作量，每个子类都拥有父类的方法和属性</a:t>
             </a:r>
+            <a:endParaRPr lang="zh-CN" altLang="en-US" dirty="0"/>
           </a:p>
           <a:p>
             <a:pPr marL="457200" indent="-457200" eaLnBrk="1" hangingPunct="1">
@@ -11732,6 +12292,7 @@
               <a:rPr lang="zh-CN" altLang="en-US" dirty="0"/>
               <a:t>提高代码的重用性</a:t>
             </a:r>
+            <a:endParaRPr lang="zh-CN" altLang="en-US" dirty="0"/>
           </a:p>
           <a:p>
             <a:pPr marL="457200" indent="-457200" eaLnBrk="1" hangingPunct="1">
@@ -11748,6 +12309,7 @@
               <a:rPr lang="zh-CN" altLang="en-US" dirty="0"/>
               <a:t>子类可以形似父类，但是又异于父类。</a:t>
             </a:r>
+            <a:endParaRPr lang="zh-CN" altLang="en-US" dirty="0"/>
           </a:p>
           <a:p>
             <a:pPr marL="457200" indent="-457200" eaLnBrk="1" hangingPunct="1">
@@ -11764,6 +12326,7 @@
               <a:rPr lang="zh-CN" altLang="en-US" dirty="0"/>
               <a:t>提高代码的可扩展性，实现父类的方法就可以了。许多开源框架的扩展接口都是通过继承父类来完成。</a:t>
             </a:r>
+            <a:endParaRPr lang="zh-CN" altLang="en-US" dirty="0"/>
           </a:p>
           <a:p>
             <a:pPr marL="457200" indent="-457200" eaLnBrk="1" hangingPunct="1">
@@ -11786,13 +12349,8 @@
       </p:sp>
     </p:spTree>
     <p:custDataLst>
-      <p:tags r:id="rId1"/>
+      <p:tags r:id="rId2"/>
     </p:custDataLst>
-    <p:extLst>
-      <p:ext uri="{BB962C8B-B14F-4D97-AF65-F5344CB8AC3E}">
-        <p14:creationId xmlns:p14="http://schemas.microsoft.com/office/powerpoint/2010/main" val="3697805402"/>
-      </p:ext>
-    </p:extLst>
   </p:cSld>
   <p:clrMapOvr>
     <a:masterClrMapping/>
@@ -11823,7 +12381,7 @@
           <p:cNvSpPr txBox="1"/>
           <p:nvPr>
             <p:custDataLst>
-              <p:tags r:id="rId2"/>
+              <p:tags r:id="rId1"/>
             </p:custDataLst>
           </p:nvPr>
         </p:nvSpPr>
@@ -11917,6 +12475,11 @@
               </a:rPr>
               <a:t>里氏替换原则的缺点</a:t>
             </a:r>
+            <a:endParaRPr lang="zh-CN" altLang="en-US" b="1" dirty="0">
+              <a:solidFill>
+                <a:srgbClr val="0070C0"/>
+              </a:solidFill>
+            </a:endParaRPr>
           </a:p>
           <a:p>
             <a:pPr marL="457200" indent="-457200" eaLnBrk="1" hangingPunct="1">
@@ -11933,6 +12496,7 @@
               <a:rPr lang="zh-CN" altLang="en-US" dirty="0"/>
               <a:t>继承是侵入性的，只要继承，就必须拥有父类的所有方法和属性</a:t>
             </a:r>
+            <a:endParaRPr lang="zh-CN" altLang="en-US" dirty="0"/>
           </a:p>
           <a:p>
             <a:pPr marL="457200" indent="-457200" eaLnBrk="1" hangingPunct="1">
@@ -11949,6 +12513,7 @@
               <a:rPr lang="zh-CN" altLang="en-US" dirty="0"/>
               <a:t>降低了代码的灵活性，子类必须拥有父类的属性和方法，让子类有了一些约束</a:t>
             </a:r>
+            <a:endParaRPr lang="zh-CN" altLang="en-US" dirty="0"/>
           </a:p>
           <a:p>
             <a:pPr marL="457200" indent="-457200" eaLnBrk="1" hangingPunct="1">
@@ -11971,13 +12536,8 @@
       </p:sp>
     </p:spTree>
     <p:custDataLst>
-      <p:tags r:id="rId1"/>
+      <p:tags r:id="rId2"/>
     </p:custDataLst>
-    <p:extLst>
-      <p:ext uri="{BB962C8B-B14F-4D97-AF65-F5344CB8AC3E}">
-        <p14:creationId xmlns:p14="http://schemas.microsoft.com/office/powerpoint/2010/main" val="896374721"/>
-      </p:ext>
-    </p:extLst>
   </p:cSld>
   <p:clrMapOvr>
     <a:masterClrMapping/>
@@ -12008,7 +12568,7 @@
           <p:cNvSpPr txBox="1"/>
           <p:nvPr>
             <p:custDataLst>
-              <p:tags r:id="rId2"/>
+              <p:tags r:id="rId1"/>
             </p:custDataLst>
           </p:nvPr>
         </p:nvSpPr>
@@ -12066,20 +12626,14 @@
       </p:sp>
       <p:pic>
         <p:nvPicPr>
-          <p:cNvPr id="4" name="图片 3">
-            <a:extLst>
-              <a:ext uri="{FF2B5EF4-FFF2-40B4-BE49-F238E27FC236}">
-                <a16:creationId xmlns:a16="http://schemas.microsoft.com/office/drawing/2014/main" id="{96CAA774-3065-4711-B218-EDDB0243F668}"/>
-              </a:ext>
-            </a:extLst>
-          </p:cNvPr>
+          <p:cNvPr id="4" name="图片 3"/>
           <p:cNvPicPr>
             <a:picLocks noChangeAspect="1"/>
           </p:cNvPicPr>
           <p:nvPr/>
         </p:nvPicPr>
         <p:blipFill>
-          <a:blip r:embed="rId5">
+          <a:blip r:embed="rId2">
             <a:extLst>
               <a:ext uri="{28A0092B-C50C-407E-A947-70E740481C1C}">
                 <a14:useLocalDpi xmlns:a14="http://schemas.microsoft.com/office/drawing/2010/main" val="0"/>
@@ -12102,13 +12656,8 @@
       </p:pic>
     </p:spTree>
     <p:custDataLst>
-      <p:tags r:id="rId1"/>
+      <p:tags r:id="rId3"/>
     </p:custDataLst>
-    <p:extLst>
-      <p:ext uri="{BB962C8B-B14F-4D97-AF65-F5344CB8AC3E}">
-        <p14:creationId xmlns:p14="http://schemas.microsoft.com/office/powerpoint/2010/main" val="1330933403"/>
-      </p:ext>
-    </p:extLst>
   </p:cSld>
   <p:clrMapOvr>
     <a:masterClrMapping/>
@@ -12139,7 +12688,7 @@
           <p:cNvSpPr txBox="1"/>
           <p:nvPr>
             <p:custDataLst>
-              <p:tags r:id="rId2"/>
+              <p:tags r:id="rId1"/>
             </p:custDataLst>
           </p:nvPr>
         </p:nvSpPr>
@@ -12262,6 +12811,7 @@
               <a:rPr lang="zh-CN" altLang="en-US" dirty="0"/>
               <a:t>根据里氏代换原则，为了保证系统的扩展性，在程序中通常使用父类来进行定义，如果一个方法只存在子类中，在父类中不提供相应的声明，则无法在以父类定义的对象中使用该方法。</a:t>
             </a:r>
+            <a:endParaRPr lang="zh-CN" altLang="en-US" dirty="0"/>
           </a:p>
           <a:p>
             <a:pPr marL="457200" indent="-457200">
@@ -12296,13 +12846,8 @@
       </p:sp>
     </p:spTree>
     <p:custDataLst>
-      <p:tags r:id="rId1"/>
+      <p:tags r:id="rId2"/>
     </p:custDataLst>
-    <p:extLst>
-      <p:ext uri="{BB962C8B-B14F-4D97-AF65-F5344CB8AC3E}">
-        <p14:creationId xmlns:p14="http://schemas.microsoft.com/office/powerpoint/2010/main" val="188784583"/>
-      </p:ext>
-    </p:extLst>
   </p:cSld>
   <p:clrMapOvr>
     <a:masterClrMapping/>
@@ -12333,7 +12878,7 @@
           <p:cNvSpPr txBox="1"/>
           <p:nvPr>
             <p:custDataLst>
-              <p:tags r:id="rId2"/>
+              <p:tags r:id="rId1"/>
             </p:custDataLst>
           </p:nvPr>
         </p:nvSpPr>
@@ -12377,6 +12922,7 @@
               <a:rPr lang="zh-CN" altLang="en-US" dirty="0"/>
               <a:t>什么是设计模式</a:t>
             </a:r>
+            <a:endParaRPr lang="zh-CN" altLang="en-US" dirty="0"/>
           </a:p>
         </p:txBody>
       </p:sp>
@@ -12425,6 +12971,7 @@
               <a:rPr lang="en-US" altLang="zh-CN" dirty="0"/>
               <a:t>Design Pattern）。</a:t>
             </a:r>
+            <a:endParaRPr lang="en-US" altLang="zh-CN" dirty="0"/>
           </a:p>
           <a:p>
             <a:pPr eaLnBrk="1" hangingPunct="1">
@@ -12450,6 +12997,7 @@
               <a:rPr lang="zh-CN" altLang="en-US" dirty="0"/>
               <a:t>。从而指导设计，减少代码重复和优化体系结构。</a:t>
             </a:r>
+            <a:endParaRPr lang="zh-CN" altLang="en-US" dirty="0"/>
           </a:p>
           <a:p>
             <a:endParaRPr lang="zh-CN" altLang="en-US" dirty="0"/>
@@ -12458,7 +13006,7 @@
       </p:sp>
     </p:spTree>
     <p:custDataLst>
-      <p:tags r:id="rId1"/>
+      <p:tags r:id="rId2"/>
     </p:custDataLst>
   </p:cSld>
   <p:clrMapOvr>
@@ -12522,6 +13070,7 @@
               <a:rPr lang="zh-CN" altLang="en-US" sz="3600" dirty="0"/>
               <a:t>）</a:t>
             </a:r>
+            <a:endParaRPr lang="zh-CN" altLang="en-US" sz="3600" dirty="0"/>
           </a:p>
         </p:txBody>
       </p:sp>
@@ -12557,11 +13106,6 @@
         </p:txBody>
       </p:sp>
     </p:spTree>
-    <p:extLst>
-      <p:ext uri="{BB962C8B-B14F-4D97-AF65-F5344CB8AC3E}">
-        <p14:creationId xmlns:p14="http://schemas.microsoft.com/office/powerpoint/2010/main" val="2893778799"/>
-      </p:ext>
-    </p:extLst>
   </p:cSld>
   <p:clrMapOvr>
     <a:masterClrMapping/>
@@ -12588,320 +13132,11 @@
       </p:grpSpPr>
       <p:sp>
         <p:nvSpPr>
-          <p:cNvPr id="2" name="标题 1"/>
-          <p:cNvSpPr>
-            <a:spLocks noGrp="1"/>
-          </p:cNvSpPr>
-          <p:nvPr>
-            <p:ph type="title"/>
-          </p:nvPr>
-        </p:nvSpPr>
-        <p:spPr>
-          <a:xfrm>
-            <a:off x="1138792" y="3078833"/>
-            <a:ext cx="6856892" cy="830998"/>
-          </a:xfrm>
-        </p:spPr>
-        <p:txBody>
-          <a:bodyPr>
-            <a:noAutofit/>
-          </a:bodyPr>
-          <a:lstStyle/>
-          <a:p>
-            <a:r>
-              <a:rPr lang="en-US" altLang="zh-CN" sz="3600" dirty="0"/>
-              <a:t>Interface Segregation Principle</a:t>
-            </a:r>
-            <a:r>
-              <a:rPr lang="zh-CN" altLang="en-US" sz="3600" dirty="0"/>
-              <a:t>（</a:t>
-            </a:r>
-            <a:r>
-              <a:rPr lang="en-US" altLang="zh-CN" sz="3600" dirty="0"/>
-              <a:t>ISP</a:t>
-            </a:r>
-            <a:r>
-              <a:rPr lang="zh-CN" altLang="en-US" sz="3600" dirty="0"/>
-              <a:t>）</a:t>
-            </a:r>
-          </a:p>
-        </p:txBody>
-      </p:sp>
-      <p:sp>
-        <p:nvSpPr>
-          <p:cNvPr id="3" name="内容占位符 2"/>
-          <p:cNvSpPr>
-            <a:spLocks noGrp="1"/>
-          </p:cNvSpPr>
-          <p:nvPr>
-            <p:ph sz="quarter" idx="13"/>
-          </p:nvPr>
-        </p:nvSpPr>
-        <p:spPr/>
-        <p:txBody>
-          <a:bodyPr/>
-          <a:lstStyle/>
-          <a:p>
-            <a:pPr>
-              <a:lnSpc>
-                <a:spcPct val="110000"/>
-              </a:lnSpc>
-              <a:buClr>
-                <a:srgbClr val="0070C0"/>
-              </a:buClr>
-            </a:pPr>
-            <a:r>
-              <a:rPr lang="zh-CN" altLang="en-US" dirty="0"/>
-              <a:t>接口隔离原则</a:t>
-            </a:r>
-            <a:endParaRPr lang="en-US" altLang="zh-CN" dirty="0"/>
-          </a:p>
-        </p:txBody>
-      </p:sp>
-    </p:spTree>
-    <p:extLst>
-      <p:ext uri="{BB962C8B-B14F-4D97-AF65-F5344CB8AC3E}">
-        <p14:creationId xmlns:p14="http://schemas.microsoft.com/office/powerpoint/2010/main" val="183246416"/>
-      </p:ext>
-    </p:extLst>
-  </p:cSld>
-  <p:clrMapOvr>
-    <a:masterClrMapping/>
-  </p:clrMapOvr>
-</p:sld>
-</file>
-
-<file path=ppt/slides/slide22.xml><?xml version="1.0" encoding="utf-8"?>
-<p:sld xmlns:a="http://schemas.openxmlformats.org/drawingml/2006/main" xmlns:r="http://schemas.openxmlformats.org/officeDocument/2006/relationships" xmlns:p="http://schemas.openxmlformats.org/presentationml/2006/main">
-  <p:cSld>
-    <p:spTree>
-      <p:nvGrpSpPr>
-        <p:cNvPr id="1" name=""/>
-        <p:cNvGrpSpPr/>
-        <p:nvPr/>
-      </p:nvGrpSpPr>
-      <p:grpSpPr>
-        <a:xfrm>
-          <a:off x="0" y="0"/>
-          <a:ext cx="0" cy="0"/>
-          <a:chOff x="0" y="0"/>
-          <a:chExt cx="0" cy="0"/>
-        </a:xfrm>
-      </p:grpSpPr>
-      <p:sp>
-        <p:nvSpPr>
-          <p:cNvPr id="2" name="标题 1"/>
-          <p:cNvSpPr>
-            <a:spLocks noGrp="1"/>
-          </p:cNvSpPr>
-          <p:nvPr>
-            <p:ph type="title"/>
-          </p:nvPr>
-        </p:nvSpPr>
-        <p:spPr>
-          <a:xfrm>
-            <a:off x="1138792" y="3078833"/>
-            <a:ext cx="6856892" cy="830998"/>
-          </a:xfrm>
-        </p:spPr>
-        <p:txBody>
-          <a:bodyPr>
-            <a:noAutofit/>
-          </a:bodyPr>
-          <a:lstStyle/>
-          <a:p>
-            <a:r>
-              <a:rPr lang="en-US" altLang="zh-CN" sz="3600" dirty="0"/>
-              <a:t>Least Knowledge Principle</a:t>
-            </a:r>
-            <a:r>
-              <a:rPr lang="zh-CN" altLang="en-US" sz="3600" dirty="0"/>
-              <a:t>（</a:t>
-            </a:r>
-            <a:r>
-              <a:rPr lang="en-US" altLang="zh-CN" sz="3600" dirty="0"/>
-              <a:t>LKP</a:t>
-            </a:r>
-            <a:r>
-              <a:rPr lang="zh-CN" altLang="en-US" sz="3600" dirty="0"/>
-              <a:t>）</a:t>
-            </a:r>
-          </a:p>
-        </p:txBody>
-      </p:sp>
-      <p:sp>
-        <p:nvSpPr>
-          <p:cNvPr id="3" name="内容占位符 2"/>
-          <p:cNvSpPr>
-            <a:spLocks noGrp="1"/>
-          </p:cNvSpPr>
-          <p:nvPr>
-            <p:ph sz="quarter" idx="13"/>
-          </p:nvPr>
-        </p:nvSpPr>
-        <p:spPr/>
-        <p:txBody>
-          <a:bodyPr/>
-          <a:lstStyle/>
-          <a:p>
-            <a:pPr>
-              <a:lnSpc>
-                <a:spcPct val="110000"/>
-              </a:lnSpc>
-              <a:buClr>
-                <a:srgbClr val="0070C0"/>
-              </a:buClr>
-            </a:pPr>
-            <a:r>
-              <a:rPr lang="zh-CN" altLang="en-US" dirty="0"/>
-              <a:t>最少知识原则</a:t>
-            </a:r>
-            <a:endParaRPr lang="en-US" altLang="zh-CN" dirty="0"/>
-          </a:p>
-        </p:txBody>
-      </p:sp>
-    </p:spTree>
-    <p:extLst>
-      <p:ext uri="{BB962C8B-B14F-4D97-AF65-F5344CB8AC3E}">
-        <p14:creationId xmlns:p14="http://schemas.microsoft.com/office/powerpoint/2010/main" val="4264077835"/>
-      </p:ext>
-    </p:extLst>
-  </p:cSld>
-  <p:clrMapOvr>
-    <a:masterClrMapping/>
-  </p:clrMapOvr>
-</p:sld>
-</file>
-
-<file path=ppt/slides/slide23.xml><?xml version="1.0" encoding="utf-8"?>
-<p:sld xmlns:a="http://schemas.openxmlformats.org/drawingml/2006/main" xmlns:r="http://schemas.openxmlformats.org/officeDocument/2006/relationships" xmlns:p="http://schemas.openxmlformats.org/presentationml/2006/main">
-  <p:cSld>
-    <p:spTree>
-      <p:nvGrpSpPr>
-        <p:cNvPr id="1" name=""/>
-        <p:cNvGrpSpPr/>
-        <p:nvPr/>
-      </p:nvGrpSpPr>
-      <p:grpSpPr>
-        <a:xfrm>
-          <a:off x="0" y="0"/>
-          <a:ext cx="0" cy="0"/>
-          <a:chOff x="0" y="0"/>
-          <a:chExt cx="0" cy="0"/>
-        </a:xfrm>
-      </p:grpSpPr>
-      <p:sp>
-        <p:nvSpPr>
-          <p:cNvPr id="2" name="标题 1"/>
-          <p:cNvSpPr>
-            <a:spLocks noGrp="1"/>
-          </p:cNvSpPr>
-          <p:nvPr>
-            <p:ph type="title"/>
-          </p:nvPr>
-        </p:nvSpPr>
-        <p:spPr>
-          <a:xfrm>
-            <a:off x="1138792" y="3078833"/>
-            <a:ext cx="6856892" cy="830998"/>
-          </a:xfrm>
-        </p:spPr>
-        <p:txBody>
-          <a:bodyPr>
-            <a:noAutofit/>
-          </a:bodyPr>
-          <a:lstStyle/>
-          <a:p>
-            <a:r>
-              <a:rPr lang="en-US" altLang="zh-CN" sz="3600" dirty="0"/>
-              <a:t>Open Closed Principle</a:t>
-            </a:r>
-            <a:br>
-              <a:rPr lang="en-US" altLang="zh-CN" sz="3600" dirty="0"/>
-            </a:br>
-            <a:r>
-              <a:rPr lang="zh-CN" altLang="en-US" sz="3600" dirty="0"/>
-              <a:t>（</a:t>
-            </a:r>
-            <a:r>
-              <a:rPr lang="en-US" altLang="zh-CN" sz="3600" dirty="0"/>
-              <a:t>OCP</a:t>
-            </a:r>
-            <a:r>
-              <a:rPr lang="zh-CN" altLang="en-US" sz="3600" dirty="0"/>
-              <a:t>）</a:t>
-            </a:r>
-          </a:p>
-        </p:txBody>
-      </p:sp>
-      <p:sp>
-        <p:nvSpPr>
-          <p:cNvPr id="3" name="内容占位符 2"/>
-          <p:cNvSpPr>
-            <a:spLocks noGrp="1"/>
-          </p:cNvSpPr>
-          <p:nvPr>
-            <p:ph sz="quarter" idx="13"/>
-          </p:nvPr>
-        </p:nvSpPr>
-        <p:spPr/>
-        <p:txBody>
-          <a:bodyPr/>
-          <a:lstStyle/>
-          <a:p>
-            <a:pPr>
-              <a:lnSpc>
-                <a:spcPct val="110000"/>
-              </a:lnSpc>
-              <a:buClr>
-                <a:srgbClr val="0070C0"/>
-              </a:buClr>
-            </a:pPr>
-            <a:r>
-              <a:rPr lang="zh-CN" altLang="en-US" dirty="0"/>
-              <a:t>开闭原则</a:t>
-            </a:r>
-            <a:endParaRPr lang="en-US" altLang="zh-CN" dirty="0"/>
-          </a:p>
-        </p:txBody>
-      </p:sp>
-    </p:spTree>
-    <p:extLst>
-      <p:ext uri="{BB962C8B-B14F-4D97-AF65-F5344CB8AC3E}">
-        <p14:creationId xmlns:p14="http://schemas.microsoft.com/office/powerpoint/2010/main" val="3514289066"/>
-      </p:ext>
-    </p:extLst>
-  </p:cSld>
-  <p:clrMapOvr>
-    <a:masterClrMapping/>
-  </p:clrMapOvr>
-</p:sld>
-</file>
-
-<file path=ppt/slides/slide24.xml><?xml version="1.0" encoding="utf-8"?>
-<p:sld xmlns:a="http://schemas.openxmlformats.org/drawingml/2006/main" xmlns:r="http://schemas.openxmlformats.org/officeDocument/2006/relationships" xmlns:p="http://schemas.openxmlformats.org/presentationml/2006/main">
-  <p:cSld>
-    <p:spTree>
-      <p:nvGrpSpPr>
-        <p:cNvPr id="1" name=""/>
-        <p:cNvGrpSpPr/>
-        <p:nvPr/>
-      </p:nvGrpSpPr>
-      <p:grpSpPr>
-        <a:xfrm>
-          <a:off x="0" y="0"/>
-          <a:ext cx="0" cy="0"/>
-          <a:chOff x="0" y="0"/>
-          <a:chExt cx="0" cy="0"/>
-        </a:xfrm>
-      </p:grpSpPr>
-      <p:sp>
-        <p:nvSpPr>
           <p:cNvPr id="8" name="标题 1"/>
           <p:cNvSpPr txBox="1"/>
           <p:nvPr>
             <p:custDataLst>
-              <p:tags r:id="rId2"/>
+              <p:tags r:id="rId1"/>
             </p:custDataLst>
           </p:nvPr>
         </p:nvSpPr>
@@ -12941,10 +13176,19 @@
             </a:lvl1pPr>
           </a:lstStyle>
           <a:p>
-            <a:r>
-              <a:rPr lang="zh-CN" altLang="en-US" dirty="0"/>
-              <a:t>设计模式</a:t>
-            </a:r>
+            <a:pPr>
+              <a:lnSpc>
+                <a:spcPct val="110000"/>
+              </a:lnSpc>
+              <a:buClr>
+                <a:srgbClr val="0070C0"/>
+              </a:buClr>
+            </a:pPr>
+            <a:r>
+              <a:rPr lang="zh-CN" altLang="zh-CN" dirty="0"/>
+              <a:t>依赖倒置原则</a:t>
+            </a:r>
+            <a:endParaRPr lang="zh-CN" altLang="zh-CN" dirty="0"/>
           </a:p>
         </p:txBody>
       </p:sp>
@@ -12956,8 +13200,8 @@
         </p:nvSpPr>
         <p:spPr>
           <a:xfrm>
-            <a:off x="566431" y="2057436"/>
-            <a:ext cx="8334776" cy="3674019"/>
+            <a:off x="571608" y="1828842"/>
+            <a:ext cx="8334776" cy="4227195"/>
           </a:xfrm>
           <a:prstGeom prst="rect">
             <a:avLst/>
@@ -12970,10 +13214,30 @@
           </a:bodyPr>
           <a:lstStyle/>
           <a:p>
+            <a:pPr>
+              <a:lnSpc>
+                <a:spcPct val="110000"/>
+              </a:lnSpc>
+              <a:buClr>
+                <a:srgbClr val="0070C0"/>
+              </a:buClr>
+            </a:pPr>
+            <a:r>
+              <a:rPr lang="zh-CN" altLang="en-US" b="1" dirty="0">
+                <a:solidFill>
+                  <a:srgbClr val="0070C0"/>
+                </a:solidFill>
+              </a:rPr>
+              <a:t>定义</a:t>
+            </a:r>
+            <a:endParaRPr lang="en-US" altLang="zh-CN" b="1" dirty="0">
+              <a:solidFill>
+                <a:srgbClr val="0070C0"/>
+              </a:solidFill>
+            </a:endParaRPr>
+          </a:p>
+          <a:p>
             <a:pPr marL="457200" indent="-457200">
-              <a:lnSpc>
-                <a:spcPct val="200000"/>
-              </a:lnSpc>
               <a:buClr>
                 <a:srgbClr val="0070C0"/>
               </a:buClr>
@@ -12981,37 +13245,27 @@
               <a:buAutoNum type="arabicPeriod"/>
             </a:pPr>
             <a:r>
-              <a:rPr lang="zh-CN" altLang="en-US" dirty="0"/>
-              <a:t>创建型模式（</a:t>
-            </a:r>
-            <a:r>
               <a:rPr lang="en-US" altLang="zh-CN" dirty="0"/>
-              <a:t> Creational Patterns </a:t>
-            </a:r>
-            <a:r>
-              <a:rPr lang="zh-CN" altLang="en-US" dirty="0"/>
-              <a:t>）</a:t>
+              <a:t>High level modules should not depend upon low level modules.Both should depend upon abstractions.</a:t>
             </a:r>
             <a:endParaRPr lang="en-US" altLang="zh-CN" dirty="0"/>
           </a:p>
           <a:p>
             <a:pPr marL="457200" indent="-457200">
-              <a:lnSpc>
-                <a:spcPct val="200000"/>
-              </a:lnSpc>
               <a:buClr>
                 <a:srgbClr val="0070C0"/>
               </a:buClr>
               <a:buFont typeface="+mj-lt"/>
               <a:buAutoNum type="arabicPeriod"/>
             </a:pPr>
+            <a:r>
+              <a:rPr lang="en-US" altLang="zh-CN" dirty="0"/>
+              <a:t>Abstractions should not depend upon details.</a:t>
+            </a:r>
             <a:endParaRPr lang="en-US" altLang="zh-CN" dirty="0"/>
           </a:p>
           <a:p>
             <a:pPr marL="457200" indent="-457200">
-              <a:lnSpc>
-                <a:spcPct val="200000"/>
-              </a:lnSpc>
               <a:buClr>
                 <a:srgbClr val="0070C0"/>
               </a:buClr>
@@ -13019,37 +13273,35 @@
               <a:buAutoNum type="arabicPeriod"/>
             </a:pPr>
             <a:r>
-              <a:rPr lang="zh-CN" altLang="en-US" dirty="0"/>
-              <a:t>结构型模式（</a:t>
-            </a:r>
-            <a:r>
               <a:rPr lang="en-US" altLang="zh-CN" dirty="0"/>
-              <a:t> Structural Patterns</a:t>
-            </a:r>
-            <a:r>
-              <a:rPr lang="zh-CN" altLang="en-US" dirty="0"/>
-              <a:t>）</a:t>
+              <a:t>Details should depend upon abstractions.</a:t>
             </a:r>
             <a:endParaRPr lang="en-US" altLang="zh-CN" dirty="0"/>
           </a:p>
           <a:p>
+            <a:pPr>
+              <a:buClr>
+                <a:srgbClr val="0070C0"/>
+              </a:buClr>
+            </a:pPr>
+            <a:endParaRPr lang="en-US" altLang="zh-CN" dirty="0"/>
+          </a:p>
+          <a:p>
             <a:pPr marL="457200" indent="-457200">
-              <a:lnSpc>
-                <a:spcPct val="200000"/>
-              </a:lnSpc>
               <a:buClr>
                 <a:srgbClr val="0070C0"/>
               </a:buClr>
               <a:buFont typeface="+mj-lt"/>
               <a:buAutoNum type="arabicPeriod"/>
             </a:pPr>
-            <a:endParaRPr lang="en-US" altLang="zh-CN" dirty="0"/>
+            <a:r>
+              <a:rPr lang="zh-CN" altLang="en-US" dirty="0"/>
+              <a:t>高层模块不应该依赖低层模块， 两者都应该依赖其抽象；</a:t>
+            </a:r>
+            <a:endParaRPr lang="zh-CN" altLang="en-US" dirty="0"/>
           </a:p>
           <a:p>
             <a:pPr marL="457200" indent="-457200">
-              <a:lnSpc>
-                <a:spcPct val="200000"/>
-              </a:lnSpc>
               <a:buClr>
                 <a:srgbClr val="0070C0"/>
               </a:buClr>
@@ -13058,29 +13310,44 @@
             </a:pPr>
             <a:r>
               <a:rPr lang="zh-CN" altLang="en-US" dirty="0"/>
-              <a:t>行为型模式（</a:t>
-            </a:r>
-            <a:r>
-              <a:rPr lang="en-US" altLang="zh-CN" dirty="0"/>
-              <a:t>Behavioral Patterns</a:t>
-            </a:r>
-            <a:r>
-              <a:rPr lang="zh-CN" altLang="en-US" dirty="0"/>
-              <a:t>）</a:t>
-            </a:r>
-            <a:endParaRPr lang="en-US" altLang="zh-CN" dirty="0"/>
+              <a:t>抽象不应该依赖细节；</a:t>
+            </a:r>
+            <a:endParaRPr lang="zh-CN" altLang="en-US" dirty="0"/>
+          </a:p>
+          <a:p>
+            <a:pPr marL="457200" indent="-457200">
+              <a:buClr>
+                <a:srgbClr val="0070C0"/>
+              </a:buClr>
+              <a:buFont typeface="+mj-lt"/>
+              <a:buAutoNum type="arabicPeriod"/>
+            </a:pPr>
+            <a:r>
+              <a:rPr lang="zh-CN" altLang="en-US" dirty="0"/>
+              <a:t>细节应该依赖抽象。</a:t>
+            </a:r>
+            <a:endParaRPr lang="zh-CN" altLang="en-US" dirty="0"/>
+          </a:p>
+          <a:p>
+            <a:endParaRPr lang="zh-CN" altLang="en-US" dirty="0"/>
+          </a:p>
+          <a:p>
+            <a:pPr>
+              <a:lnSpc>
+                <a:spcPct val="110000"/>
+              </a:lnSpc>
+              <a:buClr>
+                <a:srgbClr val="0070C0"/>
+              </a:buClr>
+            </a:pPr>
+            <a:endParaRPr lang="zh-CN" altLang="en-US" dirty="0"/>
           </a:p>
         </p:txBody>
       </p:sp>
     </p:spTree>
     <p:custDataLst>
-      <p:tags r:id="rId1"/>
+      <p:tags r:id="rId2"/>
     </p:custDataLst>
-    <p:extLst>
-      <p:ext uri="{BB962C8B-B14F-4D97-AF65-F5344CB8AC3E}">
-        <p14:creationId xmlns:p14="http://schemas.microsoft.com/office/powerpoint/2010/main" val="3808424649"/>
-      </p:ext>
-    </p:extLst>
   </p:cSld>
   <p:clrMapOvr>
     <a:masterClrMapping/>
@@ -13088,7 +13355,7 @@
 </p:sld>
 </file>
 
-<file path=ppt/slides/slide25.xml><?xml version="1.0" encoding="utf-8"?>
+<file path=ppt/slides/slide22.xml><?xml version="1.0" encoding="utf-8"?>
 <p:sld xmlns:a="http://schemas.openxmlformats.org/drawingml/2006/main" xmlns:r="http://schemas.openxmlformats.org/officeDocument/2006/relationships" xmlns:p="http://schemas.openxmlformats.org/presentationml/2006/main">
   <p:cSld>
     <p:spTree>
@@ -13107,87 +13374,11 @@
       </p:grpSpPr>
       <p:sp>
         <p:nvSpPr>
-          <p:cNvPr id="2" name="标题 1"/>
-          <p:cNvSpPr>
-            <a:spLocks noGrp="1"/>
-          </p:cNvSpPr>
-          <p:nvPr>
-            <p:ph type="title"/>
-          </p:nvPr>
-        </p:nvSpPr>
-        <p:spPr/>
-        <p:txBody>
-          <a:bodyPr>
-            <a:normAutofit fontScale="90000"/>
-          </a:bodyPr>
-          <a:lstStyle/>
-          <a:p>
-            <a:r>
-              <a:rPr lang="en-US" altLang="zh-CN" sz="3900" dirty="0"/>
-              <a:t>Creational Patterns</a:t>
-            </a:r>
-            <a:br>
-              <a:rPr lang="zh-CN" altLang="en-US" dirty="0"/>
-            </a:br>
-            <a:endParaRPr lang="zh-CN" altLang="en-US" dirty="0"/>
-          </a:p>
-        </p:txBody>
-      </p:sp>
-      <p:sp>
-        <p:nvSpPr>
-          <p:cNvPr id="3" name="内容占位符 2"/>
-          <p:cNvSpPr>
-            <a:spLocks noGrp="1"/>
-          </p:cNvSpPr>
-          <p:nvPr>
-            <p:ph sz="quarter" idx="13"/>
-          </p:nvPr>
-        </p:nvSpPr>
-        <p:spPr/>
-        <p:txBody>
-          <a:bodyPr/>
-          <a:lstStyle/>
-          <a:p>
-            <a:r>
-              <a:rPr lang="zh-CN" altLang="en-US" b="1" dirty="0"/>
-              <a:t>创建型模式</a:t>
-            </a:r>
-            <a:endParaRPr lang="zh-CN" altLang="en-US" dirty="0"/>
-          </a:p>
-        </p:txBody>
-      </p:sp>
-    </p:spTree>
-  </p:cSld>
-  <p:clrMapOvr>
-    <a:masterClrMapping/>
-  </p:clrMapOvr>
-</p:sld>
-</file>
-
-<file path=ppt/slides/slide26.xml><?xml version="1.0" encoding="utf-8"?>
-<p:sld xmlns:a="http://schemas.openxmlformats.org/drawingml/2006/main" xmlns:r="http://schemas.openxmlformats.org/officeDocument/2006/relationships" xmlns:p="http://schemas.openxmlformats.org/presentationml/2006/main">
-  <p:cSld>
-    <p:spTree>
-      <p:nvGrpSpPr>
-        <p:cNvPr id="1" name=""/>
-        <p:cNvGrpSpPr/>
-        <p:nvPr/>
-      </p:nvGrpSpPr>
-      <p:grpSpPr>
-        <a:xfrm>
-          <a:off x="0" y="0"/>
-          <a:ext cx="0" cy="0"/>
-          <a:chOff x="0" y="0"/>
-          <a:chExt cx="0" cy="0"/>
-        </a:xfrm>
-      </p:grpSpPr>
-      <p:sp>
-        <p:nvSpPr>
           <p:cNvPr id="8" name="标题 1"/>
           <p:cNvSpPr txBox="1"/>
           <p:nvPr>
             <p:custDataLst>
-              <p:tags r:id="rId2"/>
+              <p:tags r:id="rId1"/>
             </p:custDataLst>
           </p:nvPr>
         </p:nvSpPr>
@@ -13227,10 +13418,21 @@
             </a:lvl1pPr>
           </a:lstStyle>
           <a:p>
-            <a:r>
-              <a:rPr lang="zh-CN" altLang="en-US" dirty="0"/>
-              <a:t>创建型模式</a:t>
-            </a:r>
+            <a:pPr>
+              <a:lnSpc>
+                <a:spcPct val="110000"/>
+              </a:lnSpc>
+              <a:buClr>
+                <a:srgbClr val="0070C0"/>
+              </a:buClr>
+            </a:pPr>
+            <a:r>
+              <a:rPr lang="zh-CN" altLang="zh-CN" dirty="0">
+                <a:sym typeface="+mn-ea"/>
+              </a:rPr>
+              <a:t>依赖倒置原则</a:t>
+            </a:r>
+            <a:endParaRPr lang="en-US" altLang="zh-CN" dirty="0"/>
           </a:p>
         </p:txBody>
       </p:sp>
@@ -13242,8 +13444,8 @@
         </p:nvSpPr>
         <p:spPr>
           <a:xfrm>
-            <a:off x="566431" y="2057436"/>
-            <a:ext cx="8334776" cy="3674019"/>
+            <a:off x="571608" y="1828842"/>
+            <a:ext cx="8334776" cy="3930650"/>
           </a:xfrm>
           <a:prstGeom prst="rect">
             <a:avLst/>
@@ -13256,9 +13458,289 @@
           </a:bodyPr>
           <a:lstStyle/>
           <a:p>
+            <a:pPr>
+              <a:lnSpc>
+                <a:spcPct val="110000"/>
+              </a:lnSpc>
+              <a:buClr>
+                <a:srgbClr val="0070C0"/>
+              </a:buClr>
+            </a:pPr>
+            <a:r>
+              <a:rPr lang="zh-CN" altLang="en-US" b="1" dirty="0">
+                <a:solidFill>
+                  <a:srgbClr val="0070C0"/>
+                </a:solidFill>
+              </a:rPr>
+              <a:t>核心思想</a:t>
+            </a:r>
+            <a:endParaRPr lang="zh-CN" altLang="en-US" b="1" dirty="0">
+              <a:solidFill>
+                <a:srgbClr val="0070C0"/>
+              </a:solidFill>
+            </a:endParaRPr>
+          </a:p>
+          <a:p>
+            <a:pPr eaLnBrk="1" hangingPunct="1">
+              <a:lnSpc>
+                <a:spcPct val="110000"/>
+              </a:lnSpc>
+              <a:buClr>
+                <a:srgbClr val="0070C0"/>
+              </a:buClr>
+            </a:pPr>
+            <a:r>
+              <a:rPr lang="zh-CN" altLang="en-US" dirty="0"/>
+              <a:t>面向接口编程</a:t>
+            </a:r>
+            <a:endParaRPr lang="zh-CN" altLang="en-US" dirty="0"/>
+          </a:p>
+          <a:p>
+            <a:pPr eaLnBrk="1" hangingPunct="1">
+              <a:lnSpc>
+                <a:spcPct val="110000"/>
+              </a:lnSpc>
+              <a:buClr>
+                <a:srgbClr val="0070C0"/>
+              </a:buClr>
+            </a:pPr>
+            <a:endParaRPr lang="en-US" altLang="zh-CN" dirty="0"/>
+          </a:p>
+          <a:p>
+            <a:pPr>
+              <a:lnSpc>
+                <a:spcPct val="110000"/>
+              </a:lnSpc>
+              <a:buClr>
+                <a:srgbClr val="0070C0"/>
+              </a:buClr>
+            </a:pPr>
+            <a:r>
+              <a:rPr lang="zh-CN" altLang="en-US" b="1" dirty="0">
+                <a:solidFill>
+                  <a:srgbClr val="0070C0"/>
+                </a:solidFill>
+              </a:rPr>
+              <a:t>引入依赖倒置原则需要注意</a:t>
+            </a:r>
+            <a:endParaRPr lang="zh-CN" altLang="en-US" b="1" dirty="0">
+              <a:solidFill>
+                <a:srgbClr val="0070C0"/>
+              </a:solidFill>
+            </a:endParaRPr>
+          </a:p>
+          <a:p>
             <a:pPr marL="457200" indent="-457200">
+              <a:buClr>
+                <a:srgbClr val="0070C0"/>
+              </a:buClr>
+              <a:buFont typeface="+mj-lt"/>
+              <a:buAutoNum type="arabicPeriod"/>
+            </a:pPr>
+            <a:r>
+              <a:rPr lang="zh-CN" altLang="en-US" dirty="0"/>
+              <a:t>每个类尽量都有接口或抽象类， 或者抽象类和接口两者都具备；</a:t>
+            </a:r>
+            <a:endParaRPr lang="zh-CN" altLang="en-US" dirty="0"/>
+          </a:p>
+          <a:p>
+            <a:pPr marL="457200" indent="-457200">
+              <a:buClr>
+                <a:srgbClr val="0070C0"/>
+              </a:buClr>
+              <a:buFont typeface="+mj-lt"/>
+              <a:buAutoNum type="arabicPeriod"/>
+            </a:pPr>
+            <a:r>
+              <a:rPr lang="zh-CN" altLang="en-US" dirty="0"/>
+              <a:t>变量的表面类型尽量是接口或者是抽象类；</a:t>
+            </a:r>
+            <a:endParaRPr lang="zh-CN" altLang="en-US" dirty="0"/>
+          </a:p>
+          <a:p>
+            <a:pPr marL="457200" indent="-457200">
+              <a:buClr>
+                <a:srgbClr val="0070C0"/>
+              </a:buClr>
+              <a:buFont typeface="+mj-lt"/>
+              <a:buAutoNum type="arabicPeriod"/>
+            </a:pPr>
+            <a:r>
+              <a:rPr lang="zh-CN" altLang="en-US" dirty="0"/>
+              <a:t>任何类都不应该从具体类派生；</a:t>
+            </a:r>
+            <a:endParaRPr lang="zh-CN" altLang="en-US" dirty="0"/>
+          </a:p>
+          <a:p>
+            <a:pPr marL="457200" indent="-457200">
+              <a:buClr>
+                <a:srgbClr val="0070C0"/>
+              </a:buClr>
+              <a:buFont typeface="+mj-lt"/>
+              <a:buAutoNum type="arabicPeriod"/>
+            </a:pPr>
+            <a:r>
+              <a:rPr lang="zh-CN" altLang="en-US" dirty="0"/>
+              <a:t>尽量不要覆写基类的方法；</a:t>
+            </a:r>
+            <a:endParaRPr lang="zh-CN" altLang="en-US" dirty="0"/>
+          </a:p>
+          <a:p>
+            <a:pPr marL="457200" indent="-457200">
+              <a:buClr>
+                <a:srgbClr val="0070C0"/>
+              </a:buClr>
+              <a:buFont typeface="+mj-lt"/>
+              <a:buAutoNum type="arabicPeriod"/>
+            </a:pPr>
+            <a:r>
+              <a:rPr lang="zh-CN" altLang="en-US" dirty="0"/>
+              <a:t>结合里氏替换原则使用。</a:t>
+            </a:r>
+            <a:endParaRPr lang="zh-CN" altLang="en-US" dirty="0"/>
+          </a:p>
+        </p:txBody>
+      </p:sp>
+    </p:spTree>
+    <p:custDataLst>
+      <p:tags r:id="rId2"/>
+    </p:custDataLst>
+  </p:cSld>
+  <p:clrMapOvr>
+    <a:masterClrMapping/>
+  </p:clrMapOvr>
+</p:sld>
+</file>
+
+<file path=ppt/slides/slide23.xml><?xml version="1.0" encoding="utf-8"?>
+<p:sld xmlns:a="http://schemas.openxmlformats.org/drawingml/2006/main" xmlns:r="http://schemas.openxmlformats.org/officeDocument/2006/relationships" xmlns:p="http://schemas.openxmlformats.org/presentationml/2006/main">
+  <p:cSld>
+    <p:spTree>
+      <p:nvGrpSpPr>
+        <p:cNvPr id="1" name=""/>
+        <p:cNvGrpSpPr/>
+        <p:nvPr/>
+      </p:nvGrpSpPr>
+      <p:grpSpPr>
+        <a:xfrm>
+          <a:off x="0" y="0"/>
+          <a:ext cx="0" cy="0"/>
+          <a:chOff x="0" y="0"/>
+          <a:chExt cx="0" cy="0"/>
+        </a:xfrm>
+      </p:grpSpPr>
+      <p:sp>
+        <p:nvSpPr>
+          <p:cNvPr id="8" name="标题 1"/>
+          <p:cNvSpPr txBox="1"/>
+          <p:nvPr>
+            <p:custDataLst>
+              <p:tags r:id="rId1"/>
+            </p:custDataLst>
+          </p:nvPr>
+        </p:nvSpPr>
+        <p:spPr>
+          <a:xfrm>
+            <a:off x="571608" y="661194"/>
+            <a:ext cx="7886700" cy="994172"/>
+          </a:xfrm>
+          <a:prstGeom prst="rect">
+            <a:avLst/>
+          </a:prstGeom>
+        </p:spPr>
+        <p:txBody>
+          <a:bodyPr vert="horz" wrap="square" lIns="68580" tIns="34290" rIns="68580" bIns="34290" rtlCol="0" anchor="ctr">
+            <a:normAutofit/>
+          </a:bodyPr>
+          <a:lstStyle>
+            <a:lvl1pPr defTabSz="914400">
               <a:lnSpc>
-                <a:spcPct val="200000"/>
+                <a:spcPct val="120000"/>
+              </a:lnSpc>
+              <a:spcBef>
+                <a:spcPct val="0"/>
+              </a:spcBef>
+              <a:buNone/>
+              <a:defRPr sz="3600">
+                <a:solidFill>
+                  <a:schemeClr val="tx1">
+                    <a:lumMod val="75000"/>
+                    <a:lumOff val="25000"/>
+                  </a:schemeClr>
+                </a:solidFill>
+                <a:latin typeface="+mj-lt"/>
+                <a:ea typeface="+mj-ea"/>
+                <a:cs typeface="+mj-cs"/>
+              </a:defRPr>
+            </a:lvl1pPr>
+          </a:lstStyle>
+          <a:p>
+            <a:pPr>
+              <a:lnSpc>
+                <a:spcPct val="110000"/>
+              </a:lnSpc>
+              <a:buClr>
+                <a:srgbClr val="0070C0"/>
+              </a:buClr>
+            </a:pPr>
+            <a:r>
+              <a:rPr lang="zh-CN" altLang="zh-CN" dirty="0">
+                <a:sym typeface="+mn-ea"/>
+              </a:rPr>
+              <a:t>依赖倒置原则</a:t>
+            </a:r>
+            <a:endParaRPr lang="en-US" altLang="zh-CN" dirty="0"/>
+          </a:p>
+        </p:txBody>
+      </p:sp>
+      <p:sp>
+        <p:nvSpPr>
+          <p:cNvPr id="3" name="文本框 2"/>
+          <p:cNvSpPr txBox="1"/>
+          <p:nvPr/>
+        </p:nvSpPr>
+        <p:spPr>
+          <a:xfrm>
+            <a:off x="571608" y="1828842"/>
+            <a:ext cx="8334776" cy="3821430"/>
+          </a:xfrm>
+          <a:prstGeom prst="rect">
+            <a:avLst/>
+          </a:prstGeom>
+          <a:noFill/>
+        </p:spPr>
+        <p:txBody>
+          <a:bodyPr wrap="square" rtlCol="0">
+            <a:spAutoFit/>
+          </a:bodyPr>
+          <a:lstStyle/>
+          <a:p>
+            <a:pPr>
+              <a:lnSpc>
+                <a:spcPct val="110000"/>
+              </a:lnSpc>
+              <a:buClr>
+                <a:srgbClr val="0070C0"/>
+              </a:buClr>
+            </a:pPr>
+            <a:r>
+              <a:rPr lang="zh-CN" altLang="en-US" b="1" dirty="0">
+                <a:solidFill>
+                  <a:srgbClr val="0070C0"/>
+                </a:solidFill>
+              </a:rPr>
+              <a:t>依赖倒置原则的优点</a:t>
+            </a:r>
+            <a:endParaRPr lang="zh-CN" altLang="en-US" b="1" dirty="0">
+              <a:solidFill>
+                <a:srgbClr val="0070C0"/>
+              </a:solidFill>
+            </a:endParaRPr>
+          </a:p>
+          <a:p>
+            <a:pPr marL="457200" indent="-457200" eaLnBrk="1" hangingPunct="1">
+              <a:lnSpc>
+                <a:spcPct val="150000"/>
               </a:lnSpc>
               <a:buClr>
                 <a:srgbClr val="0070C0"/>
@@ -13267,18 +13749,15 @@
               <a:buAutoNum type="arabicPeriod"/>
             </a:pPr>
             <a:r>
-              <a:rPr lang="zh-CN" altLang="en-US" dirty="0"/>
-              <a:t>工厂模式</a:t>
-            </a:r>
-            <a:r>
-              <a:rPr lang="en-US" altLang="zh-CN" dirty="0"/>
-              <a:t>(The Factory Pattern)</a:t>
-            </a:r>
-          </a:p>
-          <a:p>
-            <a:pPr marL="457200" indent="-457200">
+              <a:rPr lang="zh-CN" altLang="zh-CN" dirty="0"/>
+              <a:t>面向接口使得程序在数据处理中间过程变得更灵活，在大项目中业务变更的成本变小；</a:t>
+            </a:r>
+            <a:endParaRPr lang="zh-CN" altLang="zh-CN" dirty="0"/>
+          </a:p>
+          <a:p>
+            <a:pPr marL="457200" indent="-457200" eaLnBrk="1" hangingPunct="1">
               <a:lnSpc>
-                <a:spcPct val="200000"/>
+                <a:spcPct val="150000"/>
               </a:lnSpc>
               <a:buClr>
                 <a:srgbClr val="0070C0"/>
@@ -13287,19 +13766,15 @@
               <a:buAutoNum type="arabicPeriod"/>
             </a:pPr>
             <a:r>
-              <a:rPr lang="zh-CN" altLang="en-US" dirty="0"/>
-              <a:t>抽象工厂模式</a:t>
-            </a:r>
-            <a:r>
-              <a:rPr lang="en-US" altLang="zh-CN" dirty="0"/>
-              <a:t>(The Abstract Factory Pattern-)</a:t>
-            </a:r>
-            <a:endParaRPr lang="zh-CN" altLang="en-US" dirty="0"/>
+              <a:rPr lang="zh-CN" altLang="zh-CN" dirty="0"/>
+              <a:t>利于项目的水平拓展，增加新的功能；</a:t>
+            </a:r>
+            <a:endParaRPr lang="zh-CN" altLang="zh-CN" dirty="0"/>
           </a:p>
           <a:p>
             <a:pPr marL="457200" indent="-457200" eaLnBrk="1" hangingPunct="1">
               <a:lnSpc>
-                <a:spcPct val="200000"/>
+                <a:spcPct val="150000"/>
               </a:lnSpc>
               <a:buClr>
                 <a:srgbClr val="0070C0"/>
@@ -13308,19 +13783,15 @@
               <a:buAutoNum type="arabicPeriod"/>
             </a:pPr>
             <a:r>
-              <a:rPr lang="zh-CN" altLang="en-US" dirty="0"/>
-              <a:t>单例模式</a:t>
-            </a:r>
-            <a:r>
-              <a:rPr lang="en-US" altLang="zh-CN" dirty="0"/>
-              <a:t>(The Singleton Pattern)</a:t>
-            </a:r>
-            <a:endParaRPr lang="zh-CN" altLang="en-US" dirty="0"/>
+              <a:rPr lang="zh-CN" altLang="zh-CN" dirty="0"/>
+              <a:t>通过采用依赖倒置原则设计的接口或抽象类对实现类进行约束，可以减少需求变化引起的工作量剧增的情况；</a:t>
+            </a:r>
+            <a:endParaRPr lang="zh-CN" altLang="zh-CN" dirty="0"/>
           </a:p>
           <a:p>
             <a:pPr marL="457200" indent="-457200" eaLnBrk="1" hangingPunct="1">
               <a:lnSpc>
-                <a:spcPct val="200000"/>
+                <a:spcPct val="150000"/>
               </a:lnSpc>
               <a:buClr>
                 <a:srgbClr val="0070C0"/>
@@ -13329,19 +13800,153 @@
               <a:buAutoNum type="arabicPeriod"/>
             </a:pPr>
             <a:r>
-              <a:rPr lang="zh-CN" altLang="en-US" dirty="0"/>
-              <a:t>原型模式</a:t>
-            </a:r>
-            <a:r>
-              <a:rPr lang="en-US" altLang="zh-CN" dirty="0"/>
-              <a:t>(The Prototype Pattern)</a:t>
-            </a:r>
-            <a:endParaRPr lang="zh-CN" altLang="en-US" dirty="0"/>
+              <a:rPr lang="zh-CN" altLang="zh-CN" dirty="0"/>
+              <a:t>人员变动时对项目影响能适当变小。</a:t>
+            </a:r>
+            <a:endParaRPr lang="zh-CN" altLang="zh-CN" dirty="0"/>
+          </a:p>
+        </p:txBody>
+      </p:sp>
+    </p:spTree>
+    <p:custDataLst>
+      <p:tags r:id="rId2"/>
+    </p:custDataLst>
+  </p:cSld>
+  <p:clrMapOvr>
+    <a:masterClrMapping/>
+  </p:clrMapOvr>
+</p:sld>
+</file>
+
+<file path=ppt/slides/slide24.xml><?xml version="1.0" encoding="utf-8"?>
+<p:sld xmlns:a="http://schemas.openxmlformats.org/drawingml/2006/main" xmlns:r="http://schemas.openxmlformats.org/officeDocument/2006/relationships" xmlns:p="http://schemas.openxmlformats.org/presentationml/2006/main">
+  <p:cSld>
+    <p:spTree>
+      <p:nvGrpSpPr>
+        <p:cNvPr id="1" name=""/>
+        <p:cNvGrpSpPr/>
+        <p:nvPr/>
+      </p:nvGrpSpPr>
+      <p:grpSpPr>
+        <a:xfrm>
+          <a:off x="0" y="0"/>
+          <a:ext cx="0" cy="0"/>
+          <a:chOff x="0" y="0"/>
+          <a:chExt cx="0" cy="0"/>
+        </a:xfrm>
+      </p:grpSpPr>
+      <p:sp>
+        <p:nvSpPr>
+          <p:cNvPr id="8" name="标题 1"/>
+          <p:cNvSpPr txBox="1"/>
+          <p:nvPr>
+            <p:custDataLst>
+              <p:tags r:id="rId1"/>
+            </p:custDataLst>
+          </p:nvPr>
+        </p:nvSpPr>
+        <p:spPr>
+          <a:xfrm>
+            <a:off x="571608" y="661194"/>
+            <a:ext cx="7886700" cy="994172"/>
+          </a:xfrm>
+          <a:prstGeom prst="rect">
+            <a:avLst/>
+          </a:prstGeom>
+        </p:spPr>
+        <p:txBody>
+          <a:bodyPr vert="horz" wrap="square" lIns="68580" tIns="34290" rIns="68580" bIns="34290" rtlCol="0" anchor="ctr">
+            <a:normAutofit/>
+          </a:bodyPr>
+          <a:lstStyle>
+            <a:lvl1pPr defTabSz="914400">
+              <a:lnSpc>
+                <a:spcPct val="120000"/>
+              </a:lnSpc>
+              <a:spcBef>
+                <a:spcPct val="0"/>
+              </a:spcBef>
+              <a:buNone/>
+              <a:defRPr sz="3600">
+                <a:solidFill>
+                  <a:schemeClr val="tx1">
+                    <a:lumMod val="75000"/>
+                    <a:lumOff val="25000"/>
+                  </a:schemeClr>
+                </a:solidFill>
+                <a:latin typeface="+mj-lt"/>
+                <a:ea typeface="+mj-ea"/>
+                <a:cs typeface="+mj-cs"/>
+              </a:defRPr>
+            </a:lvl1pPr>
+          </a:lstStyle>
+          <a:p>
+            <a:pPr>
+              <a:lnSpc>
+                <a:spcPct val="110000"/>
+              </a:lnSpc>
+              <a:buClr>
+                <a:srgbClr val="0070C0"/>
+              </a:buClr>
+            </a:pPr>
+            <a:r>
+              <a:rPr lang="zh-CN" altLang="zh-CN" dirty="0">
+                <a:sym typeface="+mn-ea"/>
+              </a:rPr>
+              <a:t>依赖倒置原则</a:t>
+            </a:r>
+            <a:endParaRPr lang="en-US" altLang="zh-CN" dirty="0"/>
+          </a:p>
+        </p:txBody>
+      </p:sp>
+      <p:sp>
+        <p:nvSpPr>
+          <p:cNvPr id="3" name="文本框 2"/>
+          <p:cNvSpPr txBox="1"/>
+          <p:nvPr/>
+        </p:nvSpPr>
+        <p:spPr>
+          <a:xfrm>
+            <a:off x="571608" y="1828842"/>
+            <a:ext cx="8334776" cy="3821430"/>
+          </a:xfrm>
+          <a:prstGeom prst="rect">
+            <a:avLst/>
+          </a:prstGeom>
+          <a:noFill/>
+        </p:spPr>
+        <p:txBody>
+          <a:bodyPr wrap="square" rtlCol="0">
+            <a:spAutoFit/>
+          </a:bodyPr>
+          <a:lstStyle/>
+          <a:p>
+            <a:pPr>
+              <a:lnSpc>
+                <a:spcPct val="110000"/>
+              </a:lnSpc>
+              <a:buClr>
+                <a:srgbClr val="0070C0"/>
+              </a:buClr>
+            </a:pPr>
+            <a:r>
+              <a:rPr lang="zh-CN" altLang="en-US" b="1" dirty="0">
+                <a:solidFill>
+                  <a:srgbClr val="0070C0"/>
+                </a:solidFill>
+              </a:rPr>
+              <a:t>依赖倒置原则的缺点</a:t>
+            </a:r>
+            <a:endParaRPr lang="zh-CN" altLang="en-US" b="1" dirty="0">
+              <a:solidFill>
+                <a:srgbClr val="0070C0"/>
+              </a:solidFill>
+            </a:endParaRPr>
           </a:p>
           <a:p>
             <a:pPr marL="457200" indent="-457200" eaLnBrk="1" hangingPunct="1">
               <a:lnSpc>
-                <a:spcPct val="200000"/>
+                <a:spcPct val="150000"/>
               </a:lnSpc>
               <a:buClr>
                 <a:srgbClr val="0070C0"/>
@@ -13350,20 +13955,334 @@
               <a:buAutoNum type="arabicPeriod"/>
             </a:pPr>
             <a:r>
-              <a:rPr lang="zh-CN" altLang="en-US" dirty="0"/>
-              <a:t>建造者模式</a:t>
-            </a:r>
-            <a:r>
-              <a:rPr lang="en-US" altLang="zh-CN" dirty="0"/>
-              <a:t>(Builder Pattern)</a:t>
-            </a:r>
-            <a:endParaRPr lang="zh-CN" altLang="en-US" dirty="0"/>
+              <a:rPr lang="zh-CN" altLang="zh-CN" dirty="0"/>
+              <a:t>现实中并不是所有东西都依赖抽象，比如法律，就必须依赖细节；</a:t>
+            </a:r>
+            <a:endParaRPr lang="zh-CN" altLang="zh-CN" dirty="0"/>
+          </a:p>
+          <a:p>
+            <a:pPr marL="457200" indent="-457200" eaLnBrk="1" hangingPunct="1">
+              <a:lnSpc>
+                <a:spcPct val="150000"/>
+              </a:lnSpc>
+              <a:buClr>
+                <a:srgbClr val="0070C0"/>
+              </a:buClr>
+              <a:buFont typeface="+mj-lt"/>
+              <a:buAutoNum type="arabicPeriod"/>
+            </a:pPr>
+            <a:r>
+              <a:rPr lang="zh-CN" altLang="zh-CN" dirty="0"/>
+              <a:t>如果项目规模并不大且业务很确定可能增加项目前期的设计成本；</a:t>
+            </a:r>
+            <a:endParaRPr lang="zh-CN" altLang="zh-CN" dirty="0"/>
+          </a:p>
+          <a:p>
+            <a:pPr marL="457200" indent="-457200" eaLnBrk="1" hangingPunct="1">
+              <a:lnSpc>
+                <a:spcPct val="150000"/>
+              </a:lnSpc>
+              <a:buClr>
+                <a:srgbClr val="0070C0"/>
+              </a:buClr>
+              <a:buFont typeface="+mj-lt"/>
+              <a:buAutoNum type="arabicPeriod"/>
+            </a:pPr>
+            <a:r>
+              <a:rPr lang="zh-CN" altLang="zh-CN" dirty="0"/>
+              <a:t>接口设计的通用性与可拓展性决定了后期维护与二次开发的成本，很考验设计人员的设计能力。</a:t>
+            </a:r>
+            <a:endParaRPr lang="zh-CN" altLang="zh-CN" dirty="0"/>
           </a:p>
         </p:txBody>
       </p:sp>
     </p:spTree>
     <p:custDataLst>
-      <p:tags r:id="rId1"/>
+      <p:tags r:id="rId2"/>
+    </p:custDataLst>
+  </p:cSld>
+  <p:clrMapOvr>
+    <a:masterClrMapping/>
+  </p:clrMapOvr>
+</p:sld>
+</file>
+
+<file path=ppt/slides/slide25.xml><?xml version="1.0" encoding="utf-8"?>
+<p:sld xmlns:a="http://schemas.openxmlformats.org/drawingml/2006/main" xmlns:r="http://schemas.openxmlformats.org/officeDocument/2006/relationships" xmlns:p="http://schemas.openxmlformats.org/presentationml/2006/main">
+  <p:cSld>
+    <p:spTree>
+      <p:nvGrpSpPr>
+        <p:cNvPr id="1" name=""/>
+        <p:cNvGrpSpPr/>
+        <p:nvPr/>
+      </p:nvGrpSpPr>
+      <p:grpSpPr>
+        <a:xfrm>
+          <a:off x="0" y="0"/>
+          <a:ext cx="0" cy="0"/>
+          <a:chOff x="0" y="0"/>
+          <a:chExt cx="0" cy="0"/>
+        </a:xfrm>
+      </p:grpSpPr>
+      <p:sp>
+        <p:nvSpPr>
+          <p:cNvPr id="8" name="标题 1"/>
+          <p:cNvSpPr txBox="1"/>
+          <p:nvPr>
+            <p:custDataLst>
+              <p:tags r:id="rId1"/>
+            </p:custDataLst>
+          </p:nvPr>
+        </p:nvSpPr>
+        <p:spPr>
+          <a:xfrm>
+            <a:off x="571608" y="661194"/>
+            <a:ext cx="7886700" cy="994172"/>
+          </a:xfrm>
+          <a:prstGeom prst="rect">
+            <a:avLst/>
+          </a:prstGeom>
+        </p:spPr>
+        <p:txBody>
+          <a:bodyPr vert="horz" wrap="square" lIns="68580" tIns="34290" rIns="68580" bIns="34290" rtlCol="0" anchor="ctr">
+            <a:normAutofit/>
+          </a:bodyPr>
+          <a:lstStyle>
+            <a:lvl1pPr defTabSz="914400">
+              <a:lnSpc>
+                <a:spcPct val="120000"/>
+              </a:lnSpc>
+              <a:spcBef>
+                <a:spcPct val="0"/>
+              </a:spcBef>
+              <a:buNone/>
+              <a:defRPr sz="3600">
+                <a:solidFill>
+                  <a:schemeClr val="tx1">
+                    <a:lumMod val="75000"/>
+                    <a:lumOff val="25000"/>
+                  </a:schemeClr>
+                </a:solidFill>
+                <a:latin typeface="+mj-lt"/>
+                <a:ea typeface="+mj-ea"/>
+                <a:cs typeface="+mj-cs"/>
+              </a:defRPr>
+            </a:lvl1pPr>
+          </a:lstStyle>
+          <a:p>
+            <a:pPr>
+              <a:lnSpc>
+                <a:spcPct val="110000"/>
+              </a:lnSpc>
+              <a:buClr>
+                <a:srgbClr val="0070C0"/>
+              </a:buClr>
+            </a:pPr>
+            <a:r>
+              <a:rPr lang="zh-CN" altLang="zh-CN" dirty="0">
+                <a:sym typeface="+mn-ea"/>
+              </a:rPr>
+              <a:t>依赖倒置原则</a:t>
+            </a:r>
+            <a:endParaRPr lang="en-US" altLang="zh-CN" dirty="0"/>
+          </a:p>
+        </p:txBody>
+      </p:sp>
+    </p:spTree>
+    <p:custDataLst>
+      <p:tags r:id="rId2"/>
+    </p:custDataLst>
+  </p:cSld>
+  <p:clrMapOvr>
+    <a:masterClrMapping/>
+  </p:clrMapOvr>
+</p:sld>
+</file>
+
+<file path=ppt/slides/slide26.xml><?xml version="1.0" encoding="utf-8"?>
+<p:sld xmlns:a="http://schemas.openxmlformats.org/drawingml/2006/main" xmlns:r="http://schemas.openxmlformats.org/officeDocument/2006/relationships" xmlns:p="http://schemas.openxmlformats.org/presentationml/2006/main">
+  <p:cSld>
+    <p:spTree>
+      <p:nvGrpSpPr>
+        <p:cNvPr id="1" name=""/>
+        <p:cNvGrpSpPr/>
+        <p:nvPr/>
+      </p:nvGrpSpPr>
+      <p:grpSpPr>
+        <a:xfrm>
+          <a:off x="0" y="0"/>
+          <a:ext cx="0" cy="0"/>
+          <a:chOff x="0" y="0"/>
+          <a:chExt cx="0" cy="0"/>
+        </a:xfrm>
+      </p:grpSpPr>
+      <p:sp>
+        <p:nvSpPr>
+          <p:cNvPr id="8" name="标题 1"/>
+          <p:cNvSpPr txBox="1"/>
+          <p:nvPr>
+            <p:custDataLst>
+              <p:tags r:id="rId1"/>
+            </p:custDataLst>
+          </p:nvPr>
+        </p:nvSpPr>
+        <p:spPr>
+          <a:xfrm>
+            <a:off x="571608" y="661194"/>
+            <a:ext cx="7886700" cy="994172"/>
+          </a:xfrm>
+          <a:prstGeom prst="rect">
+            <a:avLst/>
+          </a:prstGeom>
+        </p:spPr>
+        <p:txBody>
+          <a:bodyPr vert="horz" wrap="square" lIns="68580" tIns="34290" rIns="68580" bIns="34290" rtlCol="0" anchor="ctr">
+            <a:normAutofit/>
+          </a:bodyPr>
+          <a:lstStyle>
+            <a:lvl1pPr defTabSz="914400">
+              <a:lnSpc>
+                <a:spcPct val="120000"/>
+              </a:lnSpc>
+              <a:spcBef>
+                <a:spcPct val="0"/>
+              </a:spcBef>
+              <a:buNone/>
+              <a:defRPr sz="3600">
+                <a:solidFill>
+                  <a:schemeClr val="tx1">
+                    <a:lumMod val="75000"/>
+                    <a:lumOff val="25000"/>
+                  </a:schemeClr>
+                </a:solidFill>
+                <a:latin typeface="+mj-lt"/>
+                <a:ea typeface="+mj-ea"/>
+                <a:cs typeface="+mj-cs"/>
+              </a:defRPr>
+            </a:lvl1pPr>
+          </a:lstStyle>
+          <a:p>
+            <a:pPr>
+              <a:lnSpc>
+                <a:spcPct val="110000"/>
+              </a:lnSpc>
+              <a:buClr>
+                <a:srgbClr val="0070C0"/>
+              </a:buClr>
+            </a:pPr>
+            <a:r>
+              <a:rPr lang="zh-CN" altLang="zh-CN" dirty="0">
+                <a:sym typeface="+mn-ea"/>
+              </a:rPr>
+              <a:t>依赖倒置原则</a:t>
+            </a:r>
+            <a:endParaRPr lang="en-US" altLang="zh-CN" dirty="0"/>
+          </a:p>
+        </p:txBody>
+      </p:sp>
+      <p:sp>
+        <p:nvSpPr>
+          <p:cNvPr id="3" name="文本框 2"/>
+          <p:cNvSpPr txBox="1"/>
+          <p:nvPr/>
+        </p:nvSpPr>
+        <p:spPr>
+          <a:xfrm>
+            <a:off x="571608" y="1828842"/>
+            <a:ext cx="8334776" cy="4938981"/>
+          </a:xfrm>
+          <a:prstGeom prst="rect">
+            <a:avLst/>
+          </a:prstGeom>
+          <a:noFill/>
+        </p:spPr>
+        <p:txBody>
+          <a:bodyPr wrap="square" rtlCol="0">
+            <a:spAutoFit/>
+          </a:bodyPr>
+          <a:lstStyle/>
+          <a:p>
+            <a:pPr>
+              <a:lnSpc>
+                <a:spcPct val="110000"/>
+              </a:lnSpc>
+              <a:buClr>
+                <a:srgbClr val="0070C0"/>
+              </a:buClr>
+            </a:pPr>
+            <a:r>
+              <a:rPr lang="zh-CN" altLang="en-US" b="1" dirty="0">
+                <a:solidFill>
+                  <a:srgbClr val="0070C0"/>
+                </a:solidFill>
+              </a:rPr>
+              <a:t>注意点</a:t>
+            </a:r>
+            <a:endParaRPr lang="en-US" altLang="zh-CN" b="1" dirty="0">
+              <a:solidFill>
+                <a:srgbClr val="0070C0"/>
+              </a:solidFill>
+            </a:endParaRPr>
+          </a:p>
+          <a:p>
+            <a:pPr marL="457200" indent="-457200">
+              <a:lnSpc>
+                <a:spcPct val="110000"/>
+              </a:lnSpc>
+              <a:buClr>
+                <a:srgbClr val="0070C0"/>
+              </a:buClr>
+              <a:buFont typeface="+mj-lt"/>
+              <a:buAutoNum type="arabicPeriod"/>
+            </a:pPr>
+            <a:r>
+              <a:rPr lang="zh-CN" altLang="en-US" dirty="0">
+                <a:solidFill>
+                  <a:srgbClr val="0070C0"/>
+                </a:solidFill>
+              </a:rPr>
+              <a:t>子类的所有方法必须在父类中声明，或子类必须实现父类中声明的所有方法。</a:t>
+            </a:r>
+            <a:r>
+              <a:rPr lang="zh-CN" altLang="en-US" dirty="0"/>
+              <a:t>根据里氏代换原则，为了保证系统的扩展性，在程序中通常使用父类来进行定义，如果一个方法只存在子类中，在父类中不提供相应的声明，则无法在以父类定义的对象中使用该方法。</a:t>
+            </a:r>
+            <a:endParaRPr lang="zh-CN" altLang="en-US" dirty="0"/>
+          </a:p>
+          <a:p>
+            <a:pPr marL="457200" indent="-457200">
+              <a:lnSpc>
+                <a:spcPct val="110000"/>
+              </a:lnSpc>
+              <a:buClr>
+                <a:srgbClr val="0070C0"/>
+              </a:buClr>
+              <a:buFont typeface="+mj-lt"/>
+              <a:buAutoNum type="arabicPeriod"/>
+            </a:pPr>
+            <a:r>
+              <a:rPr lang="zh-CN" altLang="en-US" dirty="0"/>
+              <a:t>我们在运用里氏代换原则时，</a:t>
+            </a:r>
+            <a:r>
+              <a:rPr lang="zh-CN" altLang="en-US" dirty="0">
+                <a:solidFill>
+                  <a:srgbClr val="0070C0"/>
+                </a:solidFill>
+              </a:rPr>
+              <a:t>尽量把父类设计为抽象类或者接口，让子类继承父类或实现父接口，并实现在父类中声明的方法，运行时，子类实例替换父类实例</a:t>
+            </a:r>
+            <a:r>
+              <a:rPr lang="zh-CN" altLang="en-US" dirty="0"/>
+              <a:t>，我们可以很方便地扩展系统的功能，同时无须修改原有子类的代码，增加新的功能可以通过增加一个新的子类来实现。里氏代换原则是开闭原则的具体实现手段之一。</a:t>
+            </a:r>
+            <a:endParaRPr lang="en-US" altLang="zh-CN" dirty="0"/>
+          </a:p>
+        </p:txBody>
+      </p:sp>
+    </p:spTree>
+    <p:custDataLst>
+      <p:tags r:id="rId2"/>
     </p:custDataLst>
   </p:cSld>
   <p:clrMapOvr>
@@ -13391,11 +14310,308 @@
       </p:grpSpPr>
       <p:sp>
         <p:nvSpPr>
+          <p:cNvPr id="2" name="标题 1"/>
+          <p:cNvSpPr>
+            <a:spLocks noGrp="1"/>
+          </p:cNvSpPr>
+          <p:nvPr>
+            <p:ph type="title"/>
+          </p:nvPr>
+        </p:nvSpPr>
+        <p:spPr>
+          <a:xfrm>
+            <a:off x="1138792" y="3078833"/>
+            <a:ext cx="6856892" cy="830998"/>
+          </a:xfrm>
+        </p:spPr>
+        <p:txBody>
+          <a:bodyPr>
+            <a:noAutofit/>
+          </a:bodyPr>
+          <a:lstStyle/>
+          <a:p>
+            <a:r>
+              <a:rPr lang="en-US" altLang="zh-CN" sz="3600" dirty="0"/>
+              <a:t>Interface Segregation Principle</a:t>
+            </a:r>
+            <a:r>
+              <a:rPr lang="zh-CN" altLang="en-US" sz="3600" dirty="0"/>
+              <a:t>（</a:t>
+            </a:r>
+            <a:r>
+              <a:rPr lang="en-US" altLang="zh-CN" sz="3600" dirty="0"/>
+              <a:t>ISP</a:t>
+            </a:r>
+            <a:r>
+              <a:rPr lang="zh-CN" altLang="en-US" sz="3600" dirty="0"/>
+              <a:t>）</a:t>
+            </a:r>
+            <a:endParaRPr lang="zh-CN" altLang="en-US" sz="3600" dirty="0"/>
+          </a:p>
+        </p:txBody>
+      </p:sp>
+      <p:sp>
+        <p:nvSpPr>
+          <p:cNvPr id="3" name="内容占位符 2"/>
+          <p:cNvSpPr>
+            <a:spLocks noGrp="1"/>
+          </p:cNvSpPr>
+          <p:nvPr>
+            <p:ph sz="quarter" idx="13"/>
+          </p:nvPr>
+        </p:nvSpPr>
+        <p:spPr/>
+        <p:txBody>
+          <a:bodyPr/>
+          <a:lstStyle/>
+          <a:p>
+            <a:pPr>
+              <a:lnSpc>
+                <a:spcPct val="110000"/>
+              </a:lnSpc>
+              <a:buClr>
+                <a:srgbClr val="0070C0"/>
+              </a:buClr>
+            </a:pPr>
+            <a:r>
+              <a:rPr lang="zh-CN" altLang="en-US" dirty="0"/>
+              <a:t>接口隔离原则</a:t>
+            </a:r>
+            <a:endParaRPr lang="en-US" altLang="zh-CN" dirty="0"/>
+          </a:p>
+        </p:txBody>
+      </p:sp>
+    </p:spTree>
+  </p:cSld>
+  <p:clrMapOvr>
+    <a:masterClrMapping/>
+  </p:clrMapOvr>
+</p:sld>
+</file>
+
+<file path=ppt/slides/slide28.xml><?xml version="1.0" encoding="utf-8"?>
+<p:sld xmlns:a="http://schemas.openxmlformats.org/drawingml/2006/main" xmlns:r="http://schemas.openxmlformats.org/officeDocument/2006/relationships" xmlns:p="http://schemas.openxmlformats.org/presentationml/2006/main">
+  <p:cSld>
+    <p:spTree>
+      <p:nvGrpSpPr>
+        <p:cNvPr id="1" name=""/>
+        <p:cNvGrpSpPr/>
+        <p:nvPr/>
+      </p:nvGrpSpPr>
+      <p:grpSpPr>
+        <a:xfrm>
+          <a:off x="0" y="0"/>
+          <a:ext cx="0" cy="0"/>
+          <a:chOff x="0" y="0"/>
+          <a:chExt cx="0" cy="0"/>
+        </a:xfrm>
+      </p:grpSpPr>
+      <p:sp>
+        <p:nvSpPr>
+          <p:cNvPr id="2" name="标题 1"/>
+          <p:cNvSpPr>
+            <a:spLocks noGrp="1"/>
+          </p:cNvSpPr>
+          <p:nvPr>
+            <p:ph type="title"/>
+          </p:nvPr>
+        </p:nvSpPr>
+        <p:spPr>
+          <a:xfrm>
+            <a:off x="1138792" y="3078833"/>
+            <a:ext cx="6856892" cy="830998"/>
+          </a:xfrm>
+        </p:spPr>
+        <p:txBody>
+          <a:bodyPr>
+            <a:noAutofit/>
+          </a:bodyPr>
+          <a:lstStyle/>
+          <a:p>
+            <a:r>
+              <a:rPr lang="en-US" altLang="zh-CN" sz="3600" dirty="0"/>
+              <a:t>Least Knowledge Principle</a:t>
+            </a:r>
+            <a:r>
+              <a:rPr lang="zh-CN" altLang="en-US" sz="3600" dirty="0"/>
+              <a:t>（</a:t>
+            </a:r>
+            <a:r>
+              <a:rPr lang="en-US" altLang="zh-CN" sz="3600" dirty="0"/>
+              <a:t>LKP</a:t>
+            </a:r>
+            <a:r>
+              <a:rPr lang="zh-CN" altLang="en-US" sz="3600" dirty="0"/>
+              <a:t>）</a:t>
+            </a:r>
+            <a:endParaRPr lang="zh-CN" altLang="en-US" sz="3600" dirty="0"/>
+          </a:p>
+        </p:txBody>
+      </p:sp>
+      <p:sp>
+        <p:nvSpPr>
+          <p:cNvPr id="3" name="内容占位符 2"/>
+          <p:cNvSpPr>
+            <a:spLocks noGrp="1"/>
+          </p:cNvSpPr>
+          <p:nvPr>
+            <p:ph sz="quarter" idx="13"/>
+          </p:nvPr>
+        </p:nvSpPr>
+        <p:spPr/>
+        <p:txBody>
+          <a:bodyPr/>
+          <a:lstStyle/>
+          <a:p>
+            <a:pPr>
+              <a:lnSpc>
+                <a:spcPct val="110000"/>
+              </a:lnSpc>
+              <a:buClr>
+                <a:srgbClr val="0070C0"/>
+              </a:buClr>
+            </a:pPr>
+            <a:r>
+              <a:rPr lang="zh-CN" altLang="en-US" dirty="0"/>
+              <a:t>最少知识原则</a:t>
+            </a:r>
+            <a:endParaRPr lang="en-US" altLang="zh-CN" dirty="0"/>
+          </a:p>
+        </p:txBody>
+      </p:sp>
+    </p:spTree>
+  </p:cSld>
+  <p:clrMapOvr>
+    <a:masterClrMapping/>
+  </p:clrMapOvr>
+</p:sld>
+</file>
+
+<file path=ppt/slides/slide29.xml><?xml version="1.0" encoding="utf-8"?>
+<p:sld xmlns:a="http://schemas.openxmlformats.org/drawingml/2006/main" xmlns:r="http://schemas.openxmlformats.org/officeDocument/2006/relationships" xmlns:p="http://schemas.openxmlformats.org/presentationml/2006/main">
+  <p:cSld>
+    <p:spTree>
+      <p:nvGrpSpPr>
+        <p:cNvPr id="1" name=""/>
+        <p:cNvGrpSpPr/>
+        <p:nvPr/>
+      </p:nvGrpSpPr>
+      <p:grpSpPr>
+        <a:xfrm>
+          <a:off x="0" y="0"/>
+          <a:ext cx="0" cy="0"/>
+          <a:chOff x="0" y="0"/>
+          <a:chExt cx="0" cy="0"/>
+        </a:xfrm>
+      </p:grpSpPr>
+      <p:sp>
+        <p:nvSpPr>
+          <p:cNvPr id="2" name="标题 1"/>
+          <p:cNvSpPr>
+            <a:spLocks noGrp="1"/>
+          </p:cNvSpPr>
+          <p:nvPr>
+            <p:ph type="title"/>
+          </p:nvPr>
+        </p:nvSpPr>
+        <p:spPr>
+          <a:xfrm>
+            <a:off x="1138792" y="3078833"/>
+            <a:ext cx="6856892" cy="830998"/>
+          </a:xfrm>
+        </p:spPr>
+        <p:txBody>
+          <a:bodyPr>
+            <a:noAutofit/>
+          </a:bodyPr>
+          <a:lstStyle/>
+          <a:p>
+            <a:r>
+              <a:rPr lang="en-US" altLang="zh-CN" sz="3600" dirty="0"/>
+              <a:t>Open Closed Principle</a:t>
+            </a:r>
+            <a:br>
+              <a:rPr lang="en-US" altLang="zh-CN" sz="3600" dirty="0"/>
+            </a:br>
+            <a:r>
+              <a:rPr lang="zh-CN" altLang="en-US" sz="3600" dirty="0"/>
+              <a:t>（</a:t>
+            </a:r>
+            <a:r>
+              <a:rPr lang="en-US" altLang="zh-CN" sz="3600" dirty="0"/>
+              <a:t>OCP</a:t>
+            </a:r>
+            <a:r>
+              <a:rPr lang="zh-CN" altLang="en-US" sz="3600" dirty="0"/>
+              <a:t>）</a:t>
+            </a:r>
+            <a:endParaRPr lang="zh-CN" altLang="en-US" sz="3600" dirty="0"/>
+          </a:p>
+        </p:txBody>
+      </p:sp>
+      <p:sp>
+        <p:nvSpPr>
+          <p:cNvPr id="3" name="内容占位符 2"/>
+          <p:cNvSpPr>
+            <a:spLocks noGrp="1"/>
+          </p:cNvSpPr>
+          <p:nvPr>
+            <p:ph sz="quarter" idx="13"/>
+          </p:nvPr>
+        </p:nvSpPr>
+        <p:spPr/>
+        <p:txBody>
+          <a:bodyPr/>
+          <a:lstStyle/>
+          <a:p>
+            <a:pPr>
+              <a:lnSpc>
+                <a:spcPct val="110000"/>
+              </a:lnSpc>
+              <a:buClr>
+                <a:srgbClr val="0070C0"/>
+              </a:buClr>
+            </a:pPr>
+            <a:r>
+              <a:rPr lang="zh-CN" altLang="en-US" dirty="0"/>
+              <a:t>开闭原则</a:t>
+            </a:r>
+            <a:endParaRPr lang="en-US" altLang="zh-CN" dirty="0"/>
+          </a:p>
+        </p:txBody>
+      </p:sp>
+    </p:spTree>
+  </p:cSld>
+  <p:clrMapOvr>
+    <a:masterClrMapping/>
+  </p:clrMapOvr>
+</p:sld>
+</file>
+
+<file path=ppt/slides/slide3.xml><?xml version="1.0" encoding="utf-8"?>
+<p:sld xmlns:a="http://schemas.openxmlformats.org/drawingml/2006/main" xmlns:r="http://schemas.openxmlformats.org/officeDocument/2006/relationships" xmlns:p="http://schemas.openxmlformats.org/presentationml/2006/main">
+  <p:cSld>
+    <p:spTree>
+      <p:nvGrpSpPr>
+        <p:cNvPr id="1" name=""/>
+        <p:cNvGrpSpPr/>
+        <p:nvPr/>
+      </p:nvGrpSpPr>
+      <p:grpSpPr>
+        <a:xfrm>
+          <a:off x="0" y="0"/>
+          <a:ext cx="0" cy="0"/>
+          <a:chOff x="0" y="0"/>
+          <a:chExt cx="0" cy="0"/>
+        </a:xfrm>
+      </p:grpSpPr>
+      <p:sp>
+        <p:nvSpPr>
           <p:cNvPr id="8" name="标题 1"/>
           <p:cNvSpPr txBox="1"/>
           <p:nvPr>
             <p:custDataLst>
-              <p:tags r:id="rId2"/>
+              <p:tags r:id="rId1"/>
             </p:custDataLst>
           </p:nvPr>
         </p:nvSpPr>
@@ -13437,12 +14653,9 @@
           <a:p>
             <a:r>
               <a:rPr lang="zh-CN" altLang="en-US" dirty="0"/>
-              <a:t>工厂模式</a:t>
-            </a:r>
-            <a:r>
-              <a:rPr lang="en-US" altLang="zh-CN" dirty="0"/>
-              <a:t>(The Factory Pattern)</a:t>
-            </a:r>
+              <a:t>采用设计模式的好处</a:t>
+            </a:r>
+            <a:endParaRPr lang="zh-CN" altLang="en-US" dirty="0"/>
           </a:p>
         </p:txBody>
       </p:sp>
@@ -13455,7 +14668,7 @@
         <p:spPr>
           <a:xfrm>
             <a:off x="566431" y="2057436"/>
-            <a:ext cx="8334776" cy="2796856"/>
+            <a:ext cx="8334776" cy="4458849"/>
           </a:xfrm>
           <a:prstGeom prst="rect">
             <a:avLst/>
@@ -13468,58 +14681,146 @@
           </a:bodyPr>
           <a:lstStyle/>
           <a:p>
-            <a:pPr indent="628650" eaLnBrk="1" hangingPunct="1">
-              <a:lnSpc>
-                <a:spcPct val="150000"/>
-              </a:lnSpc>
-              <a:buFont typeface="Wingdings" panose="05000000000000000000" pitchFamily="2" charset="2"/>
-              <a:buNone/>
-            </a:pPr>
-            <a:r>
-              <a:rPr lang="zh-CN" altLang="en-US" dirty="0"/>
-              <a:t>工厂模式是最常见的设计模式之一，可帮助我们组织创建对象的代码，通常用于以下两种情况：</a:t>
-            </a:r>
-          </a:p>
-          <a:p>
-            <a:pPr lvl="1" indent="-457200" eaLnBrk="1" hangingPunct="1">
+            <a:pPr marL="342900" indent="-342900" eaLnBrk="1" hangingPunct="1">
               <a:lnSpc>
                 <a:spcPct val="150000"/>
               </a:lnSpc>
               <a:buClr>
                 <a:srgbClr val="0070C0"/>
               </a:buClr>
-              <a:buSzPct val="80000"/>
-              <a:buFont typeface="+mj-lt"/>
-              <a:buAutoNum type="arabicPeriod"/>
+              <a:buFont typeface="Wingdings" panose="05000000000000000000" pitchFamily="2" charset="2"/>
+              <a:buChar char="Ø"/>
             </a:pPr>
             <a:r>
               <a:rPr lang="zh-CN" altLang="en-US" dirty="0"/>
-              <a:t>创建复杂的对象，并进行初始化。</a:t>
-            </a:r>
-            <a:endParaRPr lang="en-US" altLang="zh-CN" dirty="0"/>
-          </a:p>
-          <a:p>
-            <a:pPr lvl="1" indent="-457200" eaLnBrk="1" hangingPunct="1">
+              <a:t>重用，避免代码重复冗余</a:t>
+            </a:r>
+            <a:endParaRPr lang="zh-CN" altLang="en-US" dirty="0"/>
+          </a:p>
+          <a:p>
+            <a:pPr marL="342900" indent="-342900" eaLnBrk="1" hangingPunct="1">
               <a:lnSpc>
                 <a:spcPct val="150000"/>
               </a:lnSpc>
               <a:buClr>
                 <a:srgbClr val="0070C0"/>
               </a:buClr>
-              <a:buSzPct val="80000"/>
-              <a:buFont typeface="+mj-lt"/>
-              <a:buAutoNum type="arabicPeriod"/>
+              <a:buFont typeface="Wingdings" panose="05000000000000000000" pitchFamily="2" charset="2"/>
+              <a:buChar char="Ø"/>
             </a:pPr>
             <a:r>
               <a:rPr lang="zh-CN" altLang="en-US" dirty="0"/>
-              <a:t>根据不同的环境（输入参数），创建不同用途的对象。一般这些对象都是实现了相同的接口或继承于同一基类。</a:t>
-            </a:r>
+              <a:t>优化体系结构</a:t>
+            </a:r>
+            <a:endParaRPr lang="zh-CN" altLang="en-US" dirty="0"/>
+          </a:p>
+          <a:p>
+            <a:pPr marL="342900" indent="-342900" eaLnBrk="1" hangingPunct="1">
+              <a:lnSpc>
+                <a:spcPct val="150000"/>
+              </a:lnSpc>
+              <a:buClr>
+                <a:srgbClr val="0070C0"/>
+              </a:buClr>
+              <a:buFont typeface="Wingdings" panose="05000000000000000000" pitchFamily="2" charset="2"/>
+              <a:buChar char="Ø"/>
+            </a:pPr>
+            <a:r>
+              <a:rPr lang="zh-CN" altLang="en-US" dirty="0"/>
+              <a:t>提升系统的可维护性和弹性</a:t>
+            </a:r>
+            <a:endParaRPr lang="zh-CN" altLang="en-US" dirty="0"/>
+          </a:p>
+          <a:p>
+            <a:pPr marL="342900" indent="-342900" eaLnBrk="1" hangingPunct="1">
+              <a:lnSpc>
+                <a:spcPct val="150000"/>
+              </a:lnSpc>
+              <a:buClr>
+                <a:srgbClr val="0070C0"/>
+              </a:buClr>
+              <a:buFont typeface="Wingdings" panose="05000000000000000000" pitchFamily="2" charset="2"/>
+              <a:buChar char="Ø"/>
+            </a:pPr>
+            <a:r>
+              <a:rPr lang="zh-CN" altLang="en-US" dirty="0"/>
+              <a:t>代码更加容易测试，利于测试驱动</a:t>
+            </a:r>
+            <a:endParaRPr lang="zh-CN" altLang="en-US" dirty="0"/>
+          </a:p>
+          <a:p>
+            <a:pPr marL="342900" indent="-342900" eaLnBrk="1" hangingPunct="1">
+              <a:lnSpc>
+                <a:spcPct val="150000"/>
+              </a:lnSpc>
+              <a:buClr>
+                <a:srgbClr val="0070C0"/>
+              </a:buClr>
+              <a:buFont typeface="Wingdings" panose="05000000000000000000" pitchFamily="2" charset="2"/>
+              <a:buChar char="Ø"/>
+            </a:pPr>
+            <a:r>
+              <a:rPr lang="zh-CN" altLang="en-US" dirty="0"/>
+              <a:t>为性能优化提供便利</a:t>
+            </a:r>
+            <a:endParaRPr lang="zh-CN" altLang="en-US" dirty="0"/>
+          </a:p>
+          <a:p>
+            <a:pPr marL="342900" indent="-342900" eaLnBrk="1" hangingPunct="1">
+              <a:lnSpc>
+                <a:spcPct val="150000"/>
+              </a:lnSpc>
+              <a:buClr>
+                <a:srgbClr val="0070C0"/>
+              </a:buClr>
+              <a:buFont typeface="Wingdings" panose="05000000000000000000" pitchFamily="2" charset="2"/>
+              <a:buChar char="Ø"/>
+            </a:pPr>
+            <a:r>
+              <a:rPr lang="zh-CN" altLang="en-US" dirty="0"/>
+              <a:t>使软件质量更加有保证</a:t>
+            </a:r>
+            <a:endParaRPr lang="zh-CN" altLang="en-US" dirty="0"/>
+          </a:p>
+          <a:p>
+            <a:pPr marL="342900" indent="-342900" eaLnBrk="1" hangingPunct="1">
+              <a:lnSpc>
+                <a:spcPct val="150000"/>
+              </a:lnSpc>
+              <a:buClr>
+                <a:srgbClr val="0070C0"/>
+              </a:buClr>
+              <a:buFont typeface="Wingdings" panose="05000000000000000000" pitchFamily="2" charset="2"/>
+              <a:buChar char="Ø"/>
+            </a:pPr>
+            <a:r>
+              <a:rPr lang="zh-CN" altLang="en-US" dirty="0"/>
+              <a:t>增强代码可读性，便于团队交流</a:t>
+            </a:r>
+            <a:endParaRPr lang="zh-CN" altLang="en-US" dirty="0"/>
+          </a:p>
+          <a:p>
+            <a:pPr marL="342900" indent="-342900" eaLnBrk="1" hangingPunct="1">
+              <a:lnSpc>
+                <a:spcPct val="150000"/>
+              </a:lnSpc>
+              <a:buClr>
+                <a:srgbClr val="0070C0"/>
+              </a:buClr>
+              <a:buFont typeface="Wingdings" panose="05000000000000000000" pitchFamily="2" charset="2"/>
+              <a:buChar char="Ø"/>
+            </a:pPr>
+            <a:r>
+              <a:rPr lang="zh-CN" altLang="en-US" dirty="0"/>
+              <a:t>有助于整体提升团队水平</a:t>
+            </a:r>
+            <a:endParaRPr lang="zh-CN" altLang="en-US" dirty="0"/>
           </a:p>
         </p:txBody>
       </p:sp>
     </p:spTree>
     <p:custDataLst>
-      <p:tags r:id="rId1"/>
+      <p:tags r:id="rId2"/>
     </p:custDataLst>
   </p:cSld>
   <p:clrMapOvr>
@@ -13528,7 +14829,7 @@
 </p:sld>
 </file>
 
-<file path=ppt/slides/slide28.xml><?xml version="1.0" encoding="utf-8"?>
+<file path=ppt/slides/slide30.xml><?xml version="1.0" encoding="utf-8"?>
 <p:sld xmlns:a="http://schemas.openxmlformats.org/drawingml/2006/main" xmlns:r="http://schemas.openxmlformats.org/officeDocument/2006/relationships" xmlns:p="http://schemas.openxmlformats.org/presentationml/2006/main">
   <p:cSld>
     <p:spTree>
@@ -13551,7 +14852,658 @@
           <p:cNvSpPr txBox="1"/>
           <p:nvPr>
             <p:custDataLst>
-              <p:tags r:id="rId2"/>
+              <p:tags r:id="rId1"/>
+            </p:custDataLst>
+          </p:nvPr>
+        </p:nvSpPr>
+        <p:spPr>
+          <a:xfrm>
+            <a:off x="571608" y="661194"/>
+            <a:ext cx="7886700" cy="994172"/>
+          </a:xfrm>
+          <a:prstGeom prst="rect">
+            <a:avLst/>
+          </a:prstGeom>
+        </p:spPr>
+        <p:txBody>
+          <a:bodyPr vert="horz" wrap="square" lIns="68580" tIns="34290" rIns="68580" bIns="34290" rtlCol="0" anchor="ctr">
+            <a:normAutofit/>
+          </a:bodyPr>
+          <a:lstStyle>
+            <a:lvl1pPr defTabSz="914400">
+              <a:lnSpc>
+                <a:spcPct val="120000"/>
+              </a:lnSpc>
+              <a:spcBef>
+                <a:spcPct val="0"/>
+              </a:spcBef>
+              <a:buNone/>
+              <a:defRPr sz="3600">
+                <a:solidFill>
+                  <a:schemeClr val="tx1">
+                    <a:lumMod val="75000"/>
+                    <a:lumOff val="25000"/>
+                  </a:schemeClr>
+                </a:solidFill>
+                <a:latin typeface="+mj-lt"/>
+                <a:ea typeface="+mj-ea"/>
+                <a:cs typeface="+mj-cs"/>
+              </a:defRPr>
+            </a:lvl1pPr>
+          </a:lstStyle>
+          <a:p>
+            <a:r>
+              <a:rPr lang="zh-CN" altLang="en-US" dirty="0"/>
+              <a:t>设计模式</a:t>
+            </a:r>
+            <a:endParaRPr lang="zh-CN" altLang="en-US" dirty="0"/>
+          </a:p>
+        </p:txBody>
+      </p:sp>
+      <p:sp>
+        <p:nvSpPr>
+          <p:cNvPr id="3" name="文本框 2"/>
+          <p:cNvSpPr txBox="1"/>
+          <p:nvPr/>
+        </p:nvSpPr>
+        <p:spPr>
+          <a:xfrm>
+            <a:off x="566431" y="2057436"/>
+            <a:ext cx="8334776" cy="3674019"/>
+          </a:xfrm>
+          <a:prstGeom prst="rect">
+            <a:avLst/>
+          </a:prstGeom>
+          <a:noFill/>
+        </p:spPr>
+        <p:txBody>
+          <a:bodyPr wrap="square" rtlCol="0">
+            <a:spAutoFit/>
+          </a:bodyPr>
+          <a:lstStyle/>
+          <a:p>
+            <a:pPr marL="457200" indent="-457200">
+              <a:lnSpc>
+                <a:spcPct val="200000"/>
+              </a:lnSpc>
+              <a:buClr>
+                <a:srgbClr val="0070C0"/>
+              </a:buClr>
+              <a:buFont typeface="+mj-lt"/>
+              <a:buAutoNum type="arabicPeriod"/>
+            </a:pPr>
+            <a:r>
+              <a:rPr lang="zh-CN" altLang="en-US" dirty="0"/>
+              <a:t>创建型模式（</a:t>
+            </a:r>
+            <a:r>
+              <a:rPr lang="en-US" altLang="zh-CN" dirty="0"/>
+              <a:t> Creational Patterns </a:t>
+            </a:r>
+            <a:r>
+              <a:rPr lang="zh-CN" altLang="en-US" dirty="0"/>
+              <a:t>）</a:t>
+            </a:r>
+            <a:endParaRPr lang="en-US" altLang="zh-CN" dirty="0"/>
+          </a:p>
+          <a:p>
+            <a:pPr marL="457200" indent="-457200">
+              <a:lnSpc>
+                <a:spcPct val="200000"/>
+              </a:lnSpc>
+              <a:buClr>
+                <a:srgbClr val="0070C0"/>
+              </a:buClr>
+              <a:buFont typeface="+mj-lt"/>
+              <a:buAutoNum type="arabicPeriod"/>
+            </a:pPr>
+            <a:endParaRPr lang="en-US" altLang="zh-CN" dirty="0"/>
+          </a:p>
+          <a:p>
+            <a:pPr marL="457200" indent="-457200">
+              <a:lnSpc>
+                <a:spcPct val="200000"/>
+              </a:lnSpc>
+              <a:buClr>
+                <a:srgbClr val="0070C0"/>
+              </a:buClr>
+              <a:buFont typeface="+mj-lt"/>
+              <a:buAutoNum type="arabicPeriod"/>
+            </a:pPr>
+            <a:r>
+              <a:rPr lang="zh-CN" altLang="en-US" dirty="0"/>
+              <a:t>结构型模式（</a:t>
+            </a:r>
+            <a:r>
+              <a:rPr lang="en-US" altLang="zh-CN" dirty="0"/>
+              <a:t> Structural Patterns</a:t>
+            </a:r>
+            <a:r>
+              <a:rPr lang="zh-CN" altLang="en-US" dirty="0"/>
+              <a:t>）</a:t>
+            </a:r>
+            <a:endParaRPr lang="en-US" altLang="zh-CN" dirty="0"/>
+          </a:p>
+          <a:p>
+            <a:pPr marL="457200" indent="-457200">
+              <a:lnSpc>
+                <a:spcPct val="200000"/>
+              </a:lnSpc>
+              <a:buClr>
+                <a:srgbClr val="0070C0"/>
+              </a:buClr>
+              <a:buFont typeface="+mj-lt"/>
+              <a:buAutoNum type="arabicPeriod"/>
+            </a:pPr>
+            <a:endParaRPr lang="en-US" altLang="zh-CN" dirty="0"/>
+          </a:p>
+          <a:p>
+            <a:pPr marL="457200" indent="-457200">
+              <a:lnSpc>
+                <a:spcPct val="200000"/>
+              </a:lnSpc>
+              <a:buClr>
+                <a:srgbClr val="0070C0"/>
+              </a:buClr>
+              <a:buFont typeface="+mj-lt"/>
+              <a:buAutoNum type="arabicPeriod"/>
+            </a:pPr>
+            <a:r>
+              <a:rPr lang="zh-CN" altLang="en-US" dirty="0"/>
+              <a:t>行为型模式（</a:t>
+            </a:r>
+            <a:r>
+              <a:rPr lang="en-US" altLang="zh-CN" dirty="0"/>
+              <a:t>Behavioral Patterns</a:t>
+            </a:r>
+            <a:r>
+              <a:rPr lang="zh-CN" altLang="en-US" dirty="0"/>
+              <a:t>）</a:t>
+            </a:r>
+            <a:endParaRPr lang="en-US" altLang="zh-CN" dirty="0"/>
+          </a:p>
+        </p:txBody>
+      </p:sp>
+    </p:spTree>
+    <p:custDataLst>
+      <p:tags r:id="rId2"/>
+    </p:custDataLst>
+  </p:cSld>
+  <p:clrMapOvr>
+    <a:masterClrMapping/>
+  </p:clrMapOvr>
+</p:sld>
+</file>
+
+<file path=ppt/slides/slide31.xml><?xml version="1.0" encoding="utf-8"?>
+<p:sld xmlns:a="http://schemas.openxmlformats.org/drawingml/2006/main" xmlns:r="http://schemas.openxmlformats.org/officeDocument/2006/relationships" xmlns:p="http://schemas.openxmlformats.org/presentationml/2006/main">
+  <p:cSld>
+    <p:spTree>
+      <p:nvGrpSpPr>
+        <p:cNvPr id="1" name=""/>
+        <p:cNvGrpSpPr/>
+        <p:nvPr/>
+      </p:nvGrpSpPr>
+      <p:grpSpPr>
+        <a:xfrm>
+          <a:off x="0" y="0"/>
+          <a:ext cx="0" cy="0"/>
+          <a:chOff x="0" y="0"/>
+          <a:chExt cx="0" cy="0"/>
+        </a:xfrm>
+      </p:grpSpPr>
+      <p:sp>
+        <p:nvSpPr>
+          <p:cNvPr id="2" name="标题 1"/>
+          <p:cNvSpPr>
+            <a:spLocks noGrp="1"/>
+          </p:cNvSpPr>
+          <p:nvPr>
+            <p:ph type="title"/>
+          </p:nvPr>
+        </p:nvSpPr>
+        <p:spPr/>
+        <p:txBody>
+          <a:bodyPr>
+            <a:normAutofit fontScale="90000"/>
+          </a:bodyPr>
+          <a:lstStyle/>
+          <a:p>
+            <a:r>
+              <a:rPr lang="en-US" altLang="zh-CN" sz="3900" dirty="0"/>
+              <a:t>Creational Patterns</a:t>
+            </a:r>
+            <a:br>
+              <a:rPr lang="zh-CN" altLang="en-US" dirty="0"/>
+            </a:br>
+            <a:endParaRPr lang="zh-CN" altLang="en-US" dirty="0"/>
+          </a:p>
+        </p:txBody>
+      </p:sp>
+      <p:sp>
+        <p:nvSpPr>
+          <p:cNvPr id="3" name="内容占位符 2"/>
+          <p:cNvSpPr>
+            <a:spLocks noGrp="1"/>
+          </p:cNvSpPr>
+          <p:nvPr>
+            <p:ph sz="quarter" idx="13"/>
+          </p:nvPr>
+        </p:nvSpPr>
+        <p:spPr/>
+        <p:txBody>
+          <a:bodyPr/>
+          <a:lstStyle/>
+          <a:p>
+            <a:r>
+              <a:rPr lang="zh-CN" altLang="en-US" b="1" dirty="0"/>
+              <a:t>创建型模式</a:t>
+            </a:r>
+            <a:endParaRPr lang="zh-CN" altLang="en-US" dirty="0"/>
+          </a:p>
+        </p:txBody>
+      </p:sp>
+    </p:spTree>
+  </p:cSld>
+  <p:clrMapOvr>
+    <a:masterClrMapping/>
+  </p:clrMapOvr>
+</p:sld>
+</file>
+
+<file path=ppt/slides/slide32.xml><?xml version="1.0" encoding="utf-8"?>
+<p:sld xmlns:a="http://schemas.openxmlformats.org/drawingml/2006/main" xmlns:r="http://schemas.openxmlformats.org/officeDocument/2006/relationships" xmlns:p="http://schemas.openxmlformats.org/presentationml/2006/main">
+  <p:cSld>
+    <p:spTree>
+      <p:nvGrpSpPr>
+        <p:cNvPr id="1" name=""/>
+        <p:cNvGrpSpPr/>
+        <p:nvPr/>
+      </p:nvGrpSpPr>
+      <p:grpSpPr>
+        <a:xfrm>
+          <a:off x="0" y="0"/>
+          <a:ext cx="0" cy="0"/>
+          <a:chOff x="0" y="0"/>
+          <a:chExt cx="0" cy="0"/>
+        </a:xfrm>
+      </p:grpSpPr>
+      <p:sp>
+        <p:nvSpPr>
+          <p:cNvPr id="8" name="标题 1"/>
+          <p:cNvSpPr txBox="1"/>
+          <p:nvPr>
+            <p:custDataLst>
+              <p:tags r:id="rId1"/>
+            </p:custDataLst>
+          </p:nvPr>
+        </p:nvSpPr>
+        <p:spPr>
+          <a:xfrm>
+            <a:off x="571608" y="661194"/>
+            <a:ext cx="7886700" cy="994172"/>
+          </a:xfrm>
+          <a:prstGeom prst="rect">
+            <a:avLst/>
+          </a:prstGeom>
+        </p:spPr>
+        <p:txBody>
+          <a:bodyPr vert="horz" wrap="square" lIns="68580" tIns="34290" rIns="68580" bIns="34290" rtlCol="0" anchor="ctr">
+            <a:normAutofit/>
+          </a:bodyPr>
+          <a:lstStyle>
+            <a:lvl1pPr defTabSz="914400">
+              <a:lnSpc>
+                <a:spcPct val="120000"/>
+              </a:lnSpc>
+              <a:spcBef>
+                <a:spcPct val="0"/>
+              </a:spcBef>
+              <a:buNone/>
+              <a:defRPr sz="3600">
+                <a:solidFill>
+                  <a:schemeClr val="tx1">
+                    <a:lumMod val="75000"/>
+                    <a:lumOff val="25000"/>
+                  </a:schemeClr>
+                </a:solidFill>
+                <a:latin typeface="+mj-lt"/>
+                <a:ea typeface="+mj-ea"/>
+                <a:cs typeface="+mj-cs"/>
+              </a:defRPr>
+            </a:lvl1pPr>
+          </a:lstStyle>
+          <a:p>
+            <a:r>
+              <a:rPr lang="zh-CN" altLang="en-US" dirty="0"/>
+              <a:t>创建型模式</a:t>
+            </a:r>
+            <a:endParaRPr lang="zh-CN" altLang="en-US" dirty="0"/>
+          </a:p>
+        </p:txBody>
+      </p:sp>
+      <p:sp>
+        <p:nvSpPr>
+          <p:cNvPr id="3" name="文本框 2"/>
+          <p:cNvSpPr txBox="1"/>
+          <p:nvPr/>
+        </p:nvSpPr>
+        <p:spPr>
+          <a:xfrm>
+            <a:off x="566431" y="2057436"/>
+            <a:ext cx="8334776" cy="3674019"/>
+          </a:xfrm>
+          <a:prstGeom prst="rect">
+            <a:avLst/>
+          </a:prstGeom>
+          <a:noFill/>
+        </p:spPr>
+        <p:txBody>
+          <a:bodyPr wrap="square" rtlCol="0">
+            <a:spAutoFit/>
+          </a:bodyPr>
+          <a:lstStyle/>
+          <a:p>
+            <a:pPr marL="457200" indent="-457200">
+              <a:lnSpc>
+                <a:spcPct val="200000"/>
+              </a:lnSpc>
+              <a:buClr>
+                <a:srgbClr val="0070C0"/>
+              </a:buClr>
+              <a:buFont typeface="+mj-lt"/>
+              <a:buAutoNum type="arabicPeriod"/>
+            </a:pPr>
+            <a:r>
+              <a:rPr lang="zh-CN" altLang="en-US" dirty="0"/>
+              <a:t>工厂模式</a:t>
+            </a:r>
+            <a:r>
+              <a:rPr lang="en-US" altLang="zh-CN" dirty="0"/>
+              <a:t>(The Factory Pattern)</a:t>
+            </a:r>
+            <a:endParaRPr lang="en-US" altLang="zh-CN" dirty="0"/>
+          </a:p>
+          <a:p>
+            <a:pPr marL="457200" indent="-457200">
+              <a:lnSpc>
+                <a:spcPct val="200000"/>
+              </a:lnSpc>
+              <a:buClr>
+                <a:srgbClr val="0070C0"/>
+              </a:buClr>
+              <a:buFont typeface="+mj-lt"/>
+              <a:buAutoNum type="arabicPeriod"/>
+            </a:pPr>
+            <a:r>
+              <a:rPr lang="zh-CN" altLang="en-US" dirty="0"/>
+              <a:t>抽象工厂模式</a:t>
+            </a:r>
+            <a:r>
+              <a:rPr lang="en-US" altLang="zh-CN" dirty="0"/>
+              <a:t>(The Abstract Factory Pattern-)</a:t>
+            </a:r>
+            <a:endParaRPr lang="zh-CN" altLang="en-US" dirty="0"/>
+          </a:p>
+          <a:p>
+            <a:pPr marL="457200" indent="-457200" eaLnBrk="1" hangingPunct="1">
+              <a:lnSpc>
+                <a:spcPct val="200000"/>
+              </a:lnSpc>
+              <a:buClr>
+                <a:srgbClr val="0070C0"/>
+              </a:buClr>
+              <a:buFont typeface="+mj-lt"/>
+              <a:buAutoNum type="arabicPeriod"/>
+            </a:pPr>
+            <a:r>
+              <a:rPr lang="zh-CN" altLang="en-US" dirty="0"/>
+              <a:t>单例模式</a:t>
+            </a:r>
+            <a:r>
+              <a:rPr lang="en-US" altLang="zh-CN" dirty="0"/>
+              <a:t>(The Singleton Pattern)</a:t>
+            </a:r>
+            <a:endParaRPr lang="zh-CN" altLang="en-US" dirty="0"/>
+          </a:p>
+          <a:p>
+            <a:pPr marL="457200" indent="-457200" eaLnBrk="1" hangingPunct="1">
+              <a:lnSpc>
+                <a:spcPct val="200000"/>
+              </a:lnSpc>
+              <a:buClr>
+                <a:srgbClr val="0070C0"/>
+              </a:buClr>
+              <a:buFont typeface="+mj-lt"/>
+              <a:buAutoNum type="arabicPeriod"/>
+            </a:pPr>
+            <a:r>
+              <a:rPr lang="zh-CN" altLang="en-US" dirty="0"/>
+              <a:t>原型模式</a:t>
+            </a:r>
+            <a:r>
+              <a:rPr lang="en-US" altLang="zh-CN" dirty="0"/>
+              <a:t>(The Prototype Pattern)</a:t>
+            </a:r>
+            <a:endParaRPr lang="zh-CN" altLang="en-US" dirty="0"/>
+          </a:p>
+          <a:p>
+            <a:pPr marL="457200" indent="-457200" eaLnBrk="1" hangingPunct="1">
+              <a:lnSpc>
+                <a:spcPct val="200000"/>
+              </a:lnSpc>
+              <a:buClr>
+                <a:srgbClr val="0070C0"/>
+              </a:buClr>
+              <a:buFont typeface="+mj-lt"/>
+              <a:buAutoNum type="arabicPeriod"/>
+            </a:pPr>
+            <a:r>
+              <a:rPr lang="zh-CN" altLang="en-US" dirty="0"/>
+              <a:t>建造者模式</a:t>
+            </a:r>
+            <a:r>
+              <a:rPr lang="en-US" altLang="zh-CN" dirty="0"/>
+              <a:t>(Builder Pattern)</a:t>
+            </a:r>
+            <a:endParaRPr lang="zh-CN" altLang="en-US" dirty="0"/>
+          </a:p>
+        </p:txBody>
+      </p:sp>
+    </p:spTree>
+    <p:custDataLst>
+      <p:tags r:id="rId2"/>
+    </p:custDataLst>
+  </p:cSld>
+  <p:clrMapOvr>
+    <a:masterClrMapping/>
+  </p:clrMapOvr>
+</p:sld>
+</file>
+
+<file path=ppt/slides/slide33.xml><?xml version="1.0" encoding="utf-8"?>
+<p:sld xmlns:a="http://schemas.openxmlformats.org/drawingml/2006/main" xmlns:r="http://schemas.openxmlformats.org/officeDocument/2006/relationships" xmlns:p="http://schemas.openxmlformats.org/presentationml/2006/main">
+  <p:cSld>
+    <p:spTree>
+      <p:nvGrpSpPr>
+        <p:cNvPr id="1" name=""/>
+        <p:cNvGrpSpPr/>
+        <p:nvPr/>
+      </p:nvGrpSpPr>
+      <p:grpSpPr>
+        <a:xfrm>
+          <a:off x="0" y="0"/>
+          <a:ext cx="0" cy="0"/>
+          <a:chOff x="0" y="0"/>
+          <a:chExt cx="0" cy="0"/>
+        </a:xfrm>
+      </p:grpSpPr>
+      <p:sp>
+        <p:nvSpPr>
+          <p:cNvPr id="8" name="标题 1"/>
+          <p:cNvSpPr txBox="1"/>
+          <p:nvPr>
+            <p:custDataLst>
+              <p:tags r:id="rId1"/>
+            </p:custDataLst>
+          </p:nvPr>
+        </p:nvSpPr>
+        <p:spPr>
+          <a:xfrm>
+            <a:off x="571608" y="661194"/>
+            <a:ext cx="7886700" cy="994172"/>
+          </a:xfrm>
+          <a:prstGeom prst="rect">
+            <a:avLst/>
+          </a:prstGeom>
+        </p:spPr>
+        <p:txBody>
+          <a:bodyPr vert="horz" wrap="square" lIns="68580" tIns="34290" rIns="68580" bIns="34290" rtlCol="0" anchor="ctr">
+            <a:normAutofit/>
+          </a:bodyPr>
+          <a:lstStyle>
+            <a:lvl1pPr defTabSz="914400">
+              <a:lnSpc>
+                <a:spcPct val="120000"/>
+              </a:lnSpc>
+              <a:spcBef>
+                <a:spcPct val="0"/>
+              </a:spcBef>
+              <a:buNone/>
+              <a:defRPr sz="3600">
+                <a:solidFill>
+                  <a:schemeClr val="tx1">
+                    <a:lumMod val="75000"/>
+                    <a:lumOff val="25000"/>
+                  </a:schemeClr>
+                </a:solidFill>
+                <a:latin typeface="+mj-lt"/>
+                <a:ea typeface="+mj-ea"/>
+                <a:cs typeface="+mj-cs"/>
+              </a:defRPr>
+            </a:lvl1pPr>
+          </a:lstStyle>
+          <a:p>
+            <a:r>
+              <a:rPr lang="zh-CN" altLang="en-US" dirty="0"/>
+              <a:t>工厂模式</a:t>
+            </a:r>
+            <a:r>
+              <a:rPr lang="en-US" altLang="zh-CN" dirty="0"/>
+              <a:t>(The Factory Pattern)</a:t>
+            </a:r>
+            <a:endParaRPr lang="en-US" altLang="zh-CN" dirty="0"/>
+          </a:p>
+        </p:txBody>
+      </p:sp>
+      <p:sp>
+        <p:nvSpPr>
+          <p:cNvPr id="3" name="文本框 2"/>
+          <p:cNvSpPr txBox="1"/>
+          <p:nvPr/>
+        </p:nvSpPr>
+        <p:spPr>
+          <a:xfrm>
+            <a:off x="566431" y="2057436"/>
+            <a:ext cx="8334776" cy="2796856"/>
+          </a:xfrm>
+          <a:prstGeom prst="rect">
+            <a:avLst/>
+          </a:prstGeom>
+          <a:noFill/>
+        </p:spPr>
+        <p:txBody>
+          <a:bodyPr wrap="square" rtlCol="0">
+            <a:spAutoFit/>
+          </a:bodyPr>
+          <a:lstStyle/>
+          <a:p>
+            <a:pPr indent="628650" eaLnBrk="1" hangingPunct="1">
+              <a:lnSpc>
+                <a:spcPct val="150000"/>
+              </a:lnSpc>
+              <a:buFont typeface="Wingdings" panose="05000000000000000000" pitchFamily="2" charset="2"/>
+              <a:buNone/>
+            </a:pPr>
+            <a:r>
+              <a:rPr lang="zh-CN" altLang="en-US" dirty="0"/>
+              <a:t>工厂模式是最常见的设计模式之一，可帮助我们组织创建对象的代码，通常用于以下两种情况：</a:t>
+            </a:r>
+            <a:endParaRPr lang="zh-CN" altLang="en-US" dirty="0"/>
+          </a:p>
+          <a:p>
+            <a:pPr lvl="1" indent="-457200" eaLnBrk="1" hangingPunct="1">
+              <a:lnSpc>
+                <a:spcPct val="150000"/>
+              </a:lnSpc>
+              <a:buClr>
+                <a:srgbClr val="0070C0"/>
+              </a:buClr>
+              <a:buSzPct val="80000"/>
+              <a:buFont typeface="+mj-lt"/>
+              <a:buAutoNum type="arabicPeriod"/>
+            </a:pPr>
+            <a:r>
+              <a:rPr lang="zh-CN" altLang="en-US" dirty="0"/>
+              <a:t>创建复杂的对象，并进行初始化。</a:t>
+            </a:r>
+            <a:endParaRPr lang="en-US" altLang="zh-CN" dirty="0"/>
+          </a:p>
+          <a:p>
+            <a:pPr lvl="1" indent="-457200" eaLnBrk="1" hangingPunct="1">
+              <a:lnSpc>
+                <a:spcPct val="150000"/>
+              </a:lnSpc>
+              <a:buClr>
+                <a:srgbClr val="0070C0"/>
+              </a:buClr>
+              <a:buSzPct val="80000"/>
+              <a:buFont typeface="+mj-lt"/>
+              <a:buAutoNum type="arabicPeriod"/>
+            </a:pPr>
+            <a:r>
+              <a:rPr lang="zh-CN" altLang="en-US" dirty="0"/>
+              <a:t>根据不同的环境（输入参数），创建不同用途的对象。一般这些对象都是实现了相同的接口或继承于同一基类。</a:t>
+            </a:r>
+            <a:endParaRPr lang="zh-CN" altLang="en-US" dirty="0"/>
+          </a:p>
+        </p:txBody>
+      </p:sp>
+    </p:spTree>
+    <p:custDataLst>
+      <p:tags r:id="rId2"/>
+    </p:custDataLst>
+  </p:cSld>
+  <p:clrMapOvr>
+    <a:masterClrMapping/>
+  </p:clrMapOvr>
+</p:sld>
+</file>
+
+<file path=ppt/slides/slide34.xml><?xml version="1.0" encoding="utf-8"?>
+<p:sld xmlns:a="http://schemas.openxmlformats.org/drawingml/2006/main" xmlns:r="http://schemas.openxmlformats.org/officeDocument/2006/relationships" xmlns:p="http://schemas.openxmlformats.org/presentationml/2006/main">
+  <p:cSld>
+    <p:spTree>
+      <p:nvGrpSpPr>
+        <p:cNvPr id="1" name=""/>
+        <p:cNvGrpSpPr/>
+        <p:nvPr/>
+      </p:nvGrpSpPr>
+      <p:grpSpPr>
+        <a:xfrm>
+          <a:off x="0" y="0"/>
+          <a:ext cx="0" cy="0"/>
+          <a:chOff x="0" y="0"/>
+          <a:chExt cx="0" cy="0"/>
+        </a:xfrm>
+      </p:grpSpPr>
+      <p:sp>
+        <p:nvSpPr>
+          <p:cNvPr id="8" name="标题 1"/>
+          <p:cNvSpPr txBox="1"/>
+          <p:nvPr>
+            <p:custDataLst>
+              <p:tags r:id="rId1"/>
             </p:custDataLst>
           </p:nvPr>
         </p:nvSpPr>
@@ -13599,6 +15551,7 @@
               <a:rPr lang="en-US" altLang="zh-CN" dirty="0"/>
               <a:t>(The Abstract Factory Pattern)</a:t>
             </a:r>
+            <a:endParaRPr lang="en-US" altLang="zh-CN" dirty="0"/>
           </a:p>
         </p:txBody>
       </p:sp>
@@ -13715,6 +15668,7 @@
               <a:rPr lang="zh-CN" altLang="en-US" dirty="0"/>
               <a:t>。</a:t>
             </a:r>
+            <a:endParaRPr lang="zh-CN" altLang="en-US" dirty="0"/>
           </a:p>
           <a:p>
             <a:pPr indent="628650" eaLnBrk="1" hangingPunct="1">
@@ -13772,12 +15726,13 @@
               <a:rPr lang="zh-CN" altLang="en-US" dirty="0"/>
               <a:t>而已。</a:t>
             </a:r>
+            <a:endParaRPr lang="zh-CN" altLang="en-US" dirty="0"/>
           </a:p>
         </p:txBody>
       </p:sp>
     </p:spTree>
     <p:custDataLst>
-      <p:tags r:id="rId1"/>
+      <p:tags r:id="rId2"/>
     </p:custDataLst>
   </p:cSld>
   <p:clrMapOvr>
@@ -13786,7 +15741,7 @@
 </p:sld>
 </file>
 
-<file path=ppt/slides/slide29.xml><?xml version="1.0" encoding="utf-8"?>
+<file path=ppt/slides/slide35.xml><?xml version="1.0" encoding="utf-8"?>
 <p:sld xmlns:a="http://schemas.openxmlformats.org/drawingml/2006/main" xmlns:r="http://schemas.openxmlformats.org/officeDocument/2006/relationships" xmlns:p="http://schemas.openxmlformats.org/presentationml/2006/main">
   <p:cSld>
     <p:spTree>
@@ -13831,6 +15786,9 @@
               </a:rPr>
               <a:t>谢谢</a:t>
             </a:r>
+            <a:endParaRPr lang="zh-CN" altLang="en-US" dirty="0">
+              <a:ea typeface="宋体" panose="02010600030101010101" pitchFamily="2" charset="-122"/>
+            </a:endParaRPr>
           </a:p>
         </p:txBody>
       </p:sp>
@@ -13861,7 +15819,7 @@
             </a:pPr>
             <a:r>
               <a:rPr lang="en-US" altLang="zh-CN" dirty="0">
-                <a:hlinkClick r:id="rId4"/>
+                <a:hlinkClick r:id="rId1"/>
               </a:rPr>
               <a:t>https://github.com/newgr8player</a:t>
             </a:r>
@@ -13870,7 +15828,7 @@
           <a:p>
             <a:r>
               <a:rPr lang="en-US" altLang="zh-CN" dirty="0">
-                <a:hlinkClick r:id="rId5"/>
+                <a:hlinkClick r:id="rId2"/>
               </a:rPr>
               <a:t>https://newgr8player.gitee.io/</a:t>
             </a:r>
@@ -13880,7 +15838,7 @@
       </p:sp>
     </p:spTree>
     <p:custDataLst>
-      <p:tags r:id="rId1"/>
+      <p:tags r:id="rId3"/>
     </p:custDataLst>
   </p:cSld>
   <p:clrMapOvr>
@@ -13889,239 +15847,7 @@
 </p:sld>
 </file>
 
-<file path=ppt/slides/slide3.xml><?xml version="1.0" encoding="utf-8"?>
-<p:sld xmlns:a="http://schemas.openxmlformats.org/drawingml/2006/main" xmlns:r="http://schemas.openxmlformats.org/officeDocument/2006/relationships" xmlns:p="http://schemas.openxmlformats.org/presentationml/2006/main">
-  <p:cSld>
-    <p:spTree>
-      <p:nvGrpSpPr>
-        <p:cNvPr id="1" name=""/>
-        <p:cNvGrpSpPr/>
-        <p:nvPr/>
-      </p:nvGrpSpPr>
-      <p:grpSpPr>
-        <a:xfrm>
-          <a:off x="0" y="0"/>
-          <a:ext cx="0" cy="0"/>
-          <a:chOff x="0" y="0"/>
-          <a:chExt cx="0" cy="0"/>
-        </a:xfrm>
-      </p:grpSpPr>
-      <p:sp>
-        <p:nvSpPr>
-          <p:cNvPr id="8" name="标题 1"/>
-          <p:cNvSpPr txBox="1"/>
-          <p:nvPr>
-            <p:custDataLst>
-              <p:tags r:id="rId2"/>
-            </p:custDataLst>
-          </p:nvPr>
-        </p:nvSpPr>
-        <p:spPr>
-          <a:xfrm>
-            <a:off x="571608" y="661194"/>
-            <a:ext cx="7886700" cy="994172"/>
-          </a:xfrm>
-          <a:prstGeom prst="rect">
-            <a:avLst/>
-          </a:prstGeom>
-        </p:spPr>
-        <p:txBody>
-          <a:bodyPr vert="horz" wrap="square" lIns="68580" tIns="34290" rIns="68580" bIns="34290" rtlCol="0" anchor="ctr">
-            <a:normAutofit/>
-          </a:bodyPr>
-          <a:lstStyle>
-            <a:lvl1pPr defTabSz="914400">
-              <a:lnSpc>
-                <a:spcPct val="120000"/>
-              </a:lnSpc>
-              <a:spcBef>
-                <a:spcPct val="0"/>
-              </a:spcBef>
-              <a:buNone/>
-              <a:defRPr sz="3600">
-                <a:solidFill>
-                  <a:schemeClr val="tx1">
-                    <a:lumMod val="75000"/>
-                    <a:lumOff val="25000"/>
-                  </a:schemeClr>
-                </a:solidFill>
-                <a:latin typeface="+mj-lt"/>
-                <a:ea typeface="+mj-ea"/>
-                <a:cs typeface="+mj-cs"/>
-              </a:defRPr>
-            </a:lvl1pPr>
-          </a:lstStyle>
-          <a:p>
-            <a:r>
-              <a:rPr lang="zh-CN" altLang="en-US" dirty="0"/>
-              <a:t>采用设计模式的好处</a:t>
-            </a:r>
-          </a:p>
-        </p:txBody>
-      </p:sp>
-      <p:sp>
-        <p:nvSpPr>
-          <p:cNvPr id="3" name="文本框 2"/>
-          <p:cNvSpPr txBox="1"/>
-          <p:nvPr/>
-        </p:nvSpPr>
-        <p:spPr>
-          <a:xfrm>
-            <a:off x="566431" y="2057436"/>
-            <a:ext cx="8334776" cy="4458849"/>
-          </a:xfrm>
-          <a:prstGeom prst="rect">
-            <a:avLst/>
-          </a:prstGeom>
-          <a:noFill/>
-        </p:spPr>
-        <p:txBody>
-          <a:bodyPr wrap="square" rtlCol="0">
-            <a:spAutoFit/>
-          </a:bodyPr>
-          <a:lstStyle/>
-          <a:p>
-            <a:pPr marL="342900" indent="-342900" eaLnBrk="1" hangingPunct="1">
-              <a:lnSpc>
-                <a:spcPct val="150000"/>
-              </a:lnSpc>
-              <a:buClr>
-                <a:srgbClr val="0070C0"/>
-              </a:buClr>
-              <a:buFont typeface="Wingdings" panose="05000000000000000000" pitchFamily="2" charset="2"/>
-              <a:buChar char="Ø"/>
-            </a:pPr>
-            <a:r>
-              <a:rPr lang="zh-CN" altLang="en-US" dirty="0"/>
-              <a:t>重用，避免代码重复冗余</a:t>
-            </a:r>
-          </a:p>
-          <a:p>
-            <a:pPr marL="342900" indent="-342900" eaLnBrk="1" hangingPunct="1">
-              <a:lnSpc>
-                <a:spcPct val="150000"/>
-              </a:lnSpc>
-              <a:buClr>
-                <a:srgbClr val="0070C0"/>
-              </a:buClr>
-              <a:buFont typeface="Wingdings" panose="05000000000000000000" pitchFamily="2" charset="2"/>
-              <a:buChar char="Ø"/>
-            </a:pPr>
-            <a:r>
-              <a:rPr lang="zh-CN" altLang="en-US" dirty="0"/>
-              <a:t>优化体系结构</a:t>
-            </a:r>
-          </a:p>
-          <a:p>
-            <a:pPr marL="342900" indent="-342900" eaLnBrk="1" hangingPunct="1">
-              <a:lnSpc>
-                <a:spcPct val="150000"/>
-              </a:lnSpc>
-              <a:buClr>
-                <a:srgbClr val="0070C0"/>
-              </a:buClr>
-              <a:buFont typeface="Wingdings" panose="05000000000000000000" pitchFamily="2" charset="2"/>
-              <a:buChar char="Ø"/>
-            </a:pPr>
-            <a:r>
-              <a:rPr lang="zh-CN" altLang="en-US" dirty="0"/>
-              <a:t>提升系统的可维护性和弹性</a:t>
-            </a:r>
-          </a:p>
-          <a:p>
-            <a:pPr marL="342900" indent="-342900" eaLnBrk="1" hangingPunct="1">
-              <a:lnSpc>
-                <a:spcPct val="150000"/>
-              </a:lnSpc>
-              <a:buClr>
-                <a:srgbClr val="0070C0"/>
-              </a:buClr>
-              <a:buFont typeface="Wingdings" panose="05000000000000000000" pitchFamily="2" charset="2"/>
-              <a:buChar char="Ø"/>
-            </a:pPr>
-            <a:r>
-              <a:rPr lang="zh-CN" altLang="en-US" dirty="0"/>
-              <a:t>代码更加容易测试，利于测试驱动</a:t>
-            </a:r>
-          </a:p>
-          <a:p>
-            <a:pPr marL="342900" indent="-342900" eaLnBrk="1" hangingPunct="1">
-              <a:lnSpc>
-                <a:spcPct val="150000"/>
-              </a:lnSpc>
-              <a:buClr>
-                <a:srgbClr val="0070C0"/>
-              </a:buClr>
-              <a:buFont typeface="Wingdings" panose="05000000000000000000" pitchFamily="2" charset="2"/>
-              <a:buChar char="Ø"/>
-            </a:pPr>
-            <a:r>
-              <a:rPr lang="zh-CN" altLang="en-US" dirty="0"/>
-              <a:t>为性能优化提供便利</a:t>
-            </a:r>
-          </a:p>
-          <a:p>
-            <a:pPr marL="342900" indent="-342900" eaLnBrk="1" hangingPunct="1">
-              <a:lnSpc>
-                <a:spcPct val="150000"/>
-              </a:lnSpc>
-              <a:buClr>
-                <a:srgbClr val="0070C0"/>
-              </a:buClr>
-              <a:buFont typeface="Wingdings" panose="05000000000000000000" pitchFamily="2" charset="2"/>
-              <a:buChar char="Ø"/>
-            </a:pPr>
-            <a:r>
-              <a:rPr lang="zh-CN" altLang="en-US" dirty="0"/>
-              <a:t>使软件质量更加有保证</a:t>
-            </a:r>
-          </a:p>
-          <a:p>
-            <a:pPr marL="342900" indent="-342900" eaLnBrk="1" hangingPunct="1">
-              <a:lnSpc>
-                <a:spcPct val="150000"/>
-              </a:lnSpc>
-              <a:buClr>
-                <a:srgbClr val="0070C0"/>
-              </a:buClr>
-              <a:buFont typeface="Wingdings" panose="05000000000000000000" pitchFamily="2" charset="2"/>
-              <a:buChar char="Ø"/>
-            </a:pPr>
-            <a:r>
-              <a:rPr lang="zh-CN" altLang="en-US" dirty="0"/>
-              <a:t>增强代码可读性，便于团队交流</a:t>
-            </a:r>
-          </a:p>
-          <a:p>
-            <a:pPr marL="342900" indent="-342900" eaLnBrk="1" hangingPunct="1">
-              <a:lnSpc>
-                <a:spcPct val="150000"/>
-              </a:lnSpc>
-              <a:buClr>
-                <a:srgbClr val="0070C0"/>
-              </a:buClr>
-              <a:buFont typeface="Wingdings" panose="05000000000000000000" pitchFamily="2" charset="2"/>
-              <a:buChar char="Ø"/>
-            </a:pPr>
-            <a:r>
-              <a:rPr lang="zh-CN" altLang="en-US" dirty="0"/>
-              <a:t>有助于整体提升团队水平</a:t>
-            </a:r>
-          </a:p>
-        </p:txBody>
-      </p:sp>
-    </p:spTree>
-    <p:custDataLst>
-      <p:tags r:id="rId1"/>
-    </p:custDataLst>
-  </p:cSld>
-  <p:clrMapOvr>
-    <a:masterClrMapping/>
-  </p:clrMapOvr>
-</p:sld>
-</file>
-
-<file path=ppt/slides/slide30.xml><?xml version="1.0" encoding="utf-8"?>
+<file path=ppt/slides/slide36.xml><?xml version="1.0" encoding="utf-8"?>
 <p:sld xmlns:a="http://schemas.openxmlformats.org/drawingml/2006/main" xmlns:r="http://schemas.openxmlformats.org/officeDocument/2006/relationships" xmlns:p="http://schemas.openxmlformats.org/presentationml/2006/main">
   <p:cSld>
     <p:spTree>
@@ -14172,7 +15898,7 @@
           <p:cNvSpPr txBox="1"/>
           <p:nvPr>
             <p:custDataLst>
-              <p:tags r:id="rId2"/>
+              <p:tags r:id="rId1"/>
             </p:custDataLst>
           </p:nvPr>
         </p:nvSpPr>
@@ -14216,6 +15942,7 @@
               <a:rPr lang="zh-CN" altLang="en-US" dirty="0"/>
               <a:t>设计模式、重构和反设计模式</a:t>
             </a:r>
+            <a:endParaRPr lang="zh-CN" altLang="en-US" dirty="0"/>
           </a:p>
         </p:txBody>
       </p:sp>
@@ -14263,6 +15990,7 @@
               <a:rPr lang="zh-CN" altLang="en-US" dirty="0"/>
               <a:t>是成功经验和最佳实践的总结，指导设计人员采用正确精良的设计。</a:t>
             </a:r>
+            <a:endParaRPr lang="zh-CN" altLang="en-US" dirty="0"/>
           </a:p>
           <a:p>
             <a:pPr marL="342900" indent="-342900" eaLnBrk="1" hangingPunct="1">
@@ -14295,6 +16023,7 @@
               <a:rPr lang="zh-CN" altLang="en-US" dirty="0"/>
               <a:t>专注于软件的渐进完善。通过消除重复冗余代码，并将存在体系结构缺陷的代码重新构建成符合设计模式的代码来达到设计精良软件的目的。</a:t>
             </a:r>
+            <a:endParaRPr lang="zh-CN" altLang="en-US" dirty="0"/>
           </a:p>
           <a:p>
             <a:pPr marL="342900" indent="-342900" eaLnBrk="1" hangingPunct="1">
@@ -14319,12 +16048,13 @@
               <a:rPr lang="zh-CN" altLang="en-US" dirty="0"/>
               <a:t>与设计模式相反，是失败教训的总结。其澄清了许多设计中经常面临的陷阱和容易混淆的问题，能有效防止开发人员犯错误，从而做出正确选择。</a:t>
             </a:r>
+            <a:endParaRPr lang="zh-CN" altLang="en-US" dirty="0"/>
           </a:p>
         </p:txBody>
       </p:sp>
     </p:spTree>
     <p:custDataLst>
-      <p:tags r:id="rId1"/>
+      <p:tags r:id="rId2"/>
     </p:custDataLst>
   </p:cSld>
   <p:clrMapOvr>
@@ -14356,7 +16086,7 @@
           <p:cNvSpPr txBox="1"/>
           <p:nvPr>
             <p:custDataLst>
-              <p:tags r:id="rId2"/>
+              <p:tags r:id="rId1"/>
             </p:custDataLst>
           </p:nvPr>
         </p:nvSpPr>
@@ -14454,6 +16184,7 @@
               <a:rPr lang="zh-CN" altLang="en-US" dirty="0"/>
               <a:t>的方法论，其内容描述基本是围绕对象的结构和协作关系设计。因此需要一种直观的模型将上述内容清晰地表示出来。</a:t>
             </a:r>
+            <a:endParaRPr lang="zh-CN" altLang="en-US" dirty="0"/>
           </a:p>
           <a:p>
             <a:pPr eaLnBrk="1" hangingPunct="1">
@@ -14500,12 +16231,13 @@
               <a:rPr lang="zh-CN" altLang="en-US" dirty="0"/>
               <a:t>已经被广泛用于软件设计，这也推动了设计模式的应用。</a:t>
             </a:r>
+            <a:endParaRPr lang="zh-CN" altLang="en-US" dirty="0"/>
           </a:p>
         </p:txBody>
       </p:sp>
     </p:spTree>
     <p:custDataLst>
-      <p:tags r:id="rId1"/>
+      <p:tags r:id="rId2"/>
     </p:custDataLst>
   </p:cSld>
   <p:clrMapOvr>
@@ -14537,7 +16269,7 @@
           <p:cNvSpPr txBox="1"/>
           <p:nvPr>
             <p:custDataLst>
-              <p:tags r:id="rId2"/>
+              <p:tags r:id="rId1"/>
             </p:custDataLst>
           </p:nvPr>
         </p:nvSpPr>
@@ -14581,6 +16313,7 @@
               <a:rPr lang="zh-CN" altLang="en-US" dirty="0"/>
               <a:t>设计模式分类</a:t>
             </a:r>
+            <a:endParaRPr lang="zh-CN" altLang="en-US" dirty="0"/>
           </a:p>
         </p:txBody>
       </p:sp>
@@ -14593,7 +16326,7 @@
         <p:spPr>
           <a:xfrm>
             <a:off x="566431" y="2057436"/>
-            <a:ext cx="8334776" cy="3313921"/>
+            <a:ext cx="8334776" cy="3338195"/>
           </a:xfrm>
           <a:prstGeom prst="rect">
             <a:avLst/>
@@ -14636,6 +16369,7 @@
               <a:rPr lang="zh-CN" altLang="en-US" dirty="0"/>
               <a:t>帮助我们更好地组织创建对象的代码。增强弹性，以应付在不同情况下创建和初始化对象的代码变更。</a:t>
             </a:r>
+            <a:endParaRPr lang="zh-CN" altLang="en-US" dirty="0"/>
           </a:p>
           <a:p>
             <a:pPr marL="342900" indent="-342900" eaLnBrk="1" hangingPunct="1">
@@ -14674,8 +16408,43 @@
             </a:r>
             <a:r>
               <a:rPr lang="zh-CN" altLang="en-US" dirty="0"/>
-              <a:t>效应。</a:t>
-            </a:r>
+              <a:t>效应</a:t>
+            </a:r>
+            <a:r>
+              <a:rPr lang="en-US" altLang="zh-CN" dirty="0">
+                <a:sym typeface="+mn-ea"/>
+              </a:rPr>
+              <a:t>(</a:t>
+            </a:r>
+            <a:r>
+              <a:rPr lang="zh-CN" altLang="zh-CN" dirty="0">
+                <a:sym typeface="+mn-ea"/>
+              </a:rPr>
+              <a:t>涟漪</a:t>
+            </a:r>
+            <a:r>
+              <a:rPr lang="en-US" altLang="zh-CN" dirty="0">
+                <a:sym typeface="+mn-ea"/>
+              </a:rPr>
+              <a:t>/</a:t>
+            </a:r>
+            <a:r>
+              <a:rPr lang="zh-CN" altLang="en-US" dirty="0">
+                <a:sym typeface="+mn-ea"/>
+              </a:rPr>
+              <a:t>蝴蝶效应</a:t>
+            </a:r>
+            <a:r>
+              <a:rPr lang="en-US" altLang="zh-CN" dirty="0">
+                <a:sym typeface="+mn-ea"/>
+              </a:rPr>
+              <a:t>)</a:t>
+            </a:r>
+            <a:r>
+              <a:rPr lang="zh-CN" altLang="en-US" dirty="0"/>
+              <a:t>。</a:t>
+            </a:r>
+            <a:endParaRPr lang="zh-CN" altLang="en-US" dirty="0"/>
           </a:p>
           <a:p>
             <a:pPr marL="342900" indent="-342900" eaLnBrk="1" hangingPunct="1">
@@ -14708,12 +16477,13 @@
               <a:rPr lang="zh-CN" altLang="en-US" dirty="0"/>
               <a:t>更好地定义对象间的协作关系，使复杂的程序流程变得清晰。</a:t>
             </a:r>
+            <a:endParaRPr lang="zh-CN" altLang="en-US" dirty="0"/>
           </a:p>
         </p:txBody>
       </p:sp>
     </p:spTree>
     <p:custDataLst>
-      <p:tags r:id="rId1"/>
+      <p:tags r:id="rId2"/>
     </p:custDataLst>
   </p:cSld>
   <p:clrMapOvr>
@@ -14783,6 +16553,7 @@
               <a:rPr lang="zh-CN" altLang="en-US" dirty="0"/>
               <a:t>设计原则</a:t>
             </a:r>
+            <a:endParaRPr lang="zh-CN" altLang="en-US" dirty="0"/>
           </a:p>
         </p:txBody>
       </p:sp>
@@ -14817,7 +16588,7 @@
           <p:cNvSpPr txBox="1"/>
           <p:nvPr>
             <p:custDataLst>
-              <p:tags r:id="rId2"/>
+              <p:tags r:id="rId1"/>
             </p:custDataLst>
           </p:nvPr>
         </p:nvSpPr>
@@ -14861,6 +16632,7 @@
               <a:rPr lang="zh-CN" altLang="en-US" dirty="0"/>
               <a:t>设计原则</a:t>
             </a:r>
+            <a:endParaRPr lang="zh-CN" altLang="en-US" dirty="0"/>
           </a:p>
         </p:txBody>
       </p:sp>
@@ -15171,7 +16943,7 @@
       </p:sp>
     </p:spTree>
     <p:custDataLst>
-      <p:tags r:id="rId1"/>
+      <p:tags r:id="rId2"/>
     </p:custDataLst>
   </p:cSld>
   <p:clrMapOvr>
@@ -15235,6 +17007,7 @@
               <a:rPr lang="zh-CN" altLang="en-US" sz="3600" dirty="0"/>
               <a:t>）</a:t>
             </a:r>
+            <a:endParaRPr lang="zh-CN" altLang="en-US" sz="3600" dirty="0"/>
           </a:p>
         </p:txBody>
       </p:sp>
@@ -15270,11 +17043,6 @@
         </p:txBody>
       </p:sp>
     </p:spTree>
-    <p:extLst>
-      <p:ext uri="{BB962C8B-B14F-4D97-AF65-F5344CB8AC3E}">
-        <p14:creationId xmlns:p14="http://schemas.microsoft.com/office/powerpoint/2010/main" val="2521730982"/>
-      </p:ext>
-    </p:extLst>
   </p:cSld>
   <p:clrMapOvr>
     <a:masterClrMapping/>
@@ -15283,15 +17051,143 @@
 </file>
 
 <file path=ppt/tags/tag1.xml><?xml version="1.0" encoding="utf-8"?>
-<p:tagLst xmlns:a="http://schemas.openxmlformats.org/drawingml/2006/main" xmlns:r="http://schemas.openxmlformats.org/officeDocument/2006/relationships" xmlns:p="http://schemas.openxmlformats.org/presentationml/2006/main">
+<p:tagLst xmlns:p="http://schemas.openxmlformats.org/presentationml/2006/main">
+  <p:tag name="KSO_WM_TAG_VERSION" val="1.0"/>
+  <p:tag name="KSO_WM_BEAUTIFY_FLAG" val="#wm#"/>
+  <p:tag name="KSO_WM_UNIT_TYPE" val="i"/>
+  <p:tag name="KSO_WM_UNIT_ID" val="custom20184556_1*i*3"/>
+  <p:tag name="KSO_WM_TEMPLATE_CATEGORY" val="custom"/>
+  <p:tag name="KSO_WM_TEMPLATE_INDEX" val="20184556"/>
+  <p:tag name="KSO_WM_UNIT_INDEX" val="3"/>
+</p:tagLst>
+</file>
+
+<file path=ppt/tags/tag10.xml><?xml version="1.0" encoding="utf-8"?>
+<p:tagLst xmlns:p="http://schemas.openxmlformats.org/presentationml/2006/main">
+  <p:tag name="KSO_WM_TAG_VERSION" val="1.0"/>
+  <p:tag name="KSO_WM_BEAUTIFY_FLAG" val="#wm#"/>
+  <p:tag name="KSO_WM_UNIT_TYPE" val="i"/>
+  <p:tag name="KSO_WM_UNIT_ID" val="custom20184556_22*i*6"/>
+  <p:tag name="KSO_WM_TEMPLATE_CATEGORY" val="custom"/>
+  <p:tag name="KSO_WM_TEMPLATE_INDEX" val="20184556"/>
+  <p:tag name="KSO_WM_UNIT_INDEX" val="6"/>
+</p:tagLst>
+</file>
+
+<file path=ppt/tags/tag11.xml><?xml version="1.0" encoding="utf-8"?>
+<p:tagLst xmlns:p="http://schemas.openxmlformats.org/presentationml/2006/main">
   <p:tag name="KSO_WM_TAG_VERSION" val="1.0"/>
   <p:tag name="KSO_WM_TEMPLATE_CATEGORY" val="custom"/>
   <p:tag name="KSO_WM_TEMPLATE_INDEX" val="20186830"/>
 </p:tagLst>
 </file>
 
-<file path=ppt/tags/tag10.xml><?xml version="1.0" encoding="utf-8"?>
-<p:tagLst xmlns:a="http://schemas.openxmlformats.org/drawingml/2006/main" xmlns:r="http://schemas.openxmlformats.org/officeDocument/2006/relationships" xmlns:p="http://schemas.openxmlformats.org/presentationml/2006/main">
+<file path=ppt/tags/tag12.xml><?xml version="1.0" encoding="utf-8"?>
+<p:tagLst xmlns:p="http://schemas.openxmlformats.org/presentationml/2006/main">
+  <p:tag name="KSO_WM_TAG_VERSION" val="1.0"/>
+  <p:tag name="KSO_WM_TEMPLATE_CATEGORY" val="custom"/>
+  <p:tag name="KSO_WM_TEMPLATE_INDEX" val="20186830"/>
+</p:tagLst>
+</file>
+
+<file path=ppt/tags/tag13.xml><?xml version="1.0" encoding="utf-8"?>
+<p:tagLst xmlns:p="http://schemas.openxmlformats.org/presentationml/2006/main">
+  <p:tag name="KSO_WM_TAG_VERSION" val="1.0"/>
+  <p:tag name="KSO_WM_BEAUTIFY_FLAG" val="#wm#"/>
+  <p:tag name="KSO_WM_COMBINE_RELATE_SLIDE_ID" val="background20181909_1"/>
+  <p:tag name="KSO_WM_TEMPLATE_CATEGORY" val="custom"/>
+  <p:tag name="KSO_WM_TEMPLATE_INDEX" val="20186830"/>
+  <p:tag name="KSO_WM_TEMPLATE_SUBCATEGORY" val="combine"/>
+  <p:tag name="KSO_WM_TEMPLATE_THUMBS_INDEX" val="1、6、10、15、19、22"/>
+</p:tagLst>
+</file>
+
+<file path=ppt/tags/tag14.xml><?xml version="1.0" encoding="utf-8"?>
+<p:tagLst xmlns:p="http://schemas.openxmlformats.org/presentationml/2006/main">
+  <p:tag name="KSO_WM_TAG_VERSION" val="1.0"/>
+  <p:tag name="KSO_WM_BEAUTIFY_FLAG" val="#wm#"/>
+  <p:tag name="KSO_WM_UNIT_TYPE" val="i"/>
+  <p:tag name="KSO_WM_UNIT_ID" val="custom20184556_1*i*3"/>
+  <p:tag name="KSO_WM_TEMPLATE_CATEGORY" val="custom"/>
+  <p:tag name="KSO_WM_TEMPLATE_INDEX" val="20184556"/>
+  <p:tag name="KSO_WM_UNIT_INDEX" val="3"/>
+</p:tagLst>
+</file>
+
+<file path=ppt/tags/tag15.xml><?xml version="1.0" encoding="utf-8"?>
+<p:tagLst xmlns:p="http://schemas.openxmlformats.org/presentationml/2006/main">
+  <p:tag name="KSO_WM_TAG_VERSION" val="1.0"/>
+  <p:tag name="KSO_WM_BEAUTIFY_FLAG" val="#wm#"/>
+  <p:tag name="KSO_WM_UNIT_TYPE" val="i"/>
+  <p:tag name="KSO_WM_UNIT_ID" val="custom20184556_1*i*4"/>
+  <p:tag name="KSO_WM_TEMPLATE_CATEGORY" val="custom"/>
+  <p:tag name="KSO_WM_TEMPLATE_INDEX" val="20184556"/>
+  <p:tag name="KSO_WM_UNIT_INDEX" val="4"/>
+</p:tagLst>
+</file>
+
+<file path=ppt/tags/tag16.xml><?xml version="1.0" encoding="utf-8"?>
+<p:tagLst xmlns:p="http://schemas.openxmlformats.org/presentationml/2006/main">
+  <p:tag name="KSO_WM_TAG_VERSION" val="1.0"/>
+  <p:tag name="KSO_WM_BEAUTIFY_FLAG" val="#wm#"/>
+  <p:tag name="KSO_WM_UNIT_TYPE" val="i"/>
+  <p:tag name="KSO_WM_UNIT_ID" val="custom20184556_1*i*5"/>
+  <p:tag name="KSO_WM_TEMPLATE_CATEGORY" val="custom"/>
+  <p:tag name="KSO_WM_TEMPLATE_INDEX" val="20184556"/>
+  <p:tag name="KSO_WM_UNIT_INDEX" val="5"/>
+</p:tagLst>
+</file>
+
+<file path=ppt/tags/tag17.xml><?xml version="1.0" encoding="utf-8"?>
+<p:tagLst xmlns:p="http://schemas.openxmlformats.org/presentationml/2006/main">
+  <p:tag name="KSO_WM_TAG_VERSION" val="1.0"/>
+  <p:tag name="KSO_WM_BEAUTIFY_FLAG" val="#wm#"/>
+  <p:tag name="KSO_WM_UNIT_TYPE" val="i"/>
+  <p:tag name="KSO_WM_UNIT_ID" val="custom20184556_1*i*6"/>
+  <p:tag name="KSO_WM_TEMPLATE_CATEGORY" val="custom"/>
+  <p:tag name="KSO_WM_TEMPLATE_INDEX" val="20184556"/>
+  <p:tag name="KSO_WM_UNIT_INDEX" val="6"/>
+</p:tagLst>
+</file>
+
+<file path=ppt/tags/tag18.xml><?xml version="1.0" encoding="utf-8"?>
+<p:tagLst xmlns:p="http://schemas.openxmlformats.org/presentationml/2006/main">
+  <p:tag name="KSO_WM_TAG_VERSION" val="1.0"/>
+  <p:tag name="KSO_WM_BEAUTIFY_FLAG" val="#wm#"/>
+  <p:tag name="KSO_WM_UNIT_TYPE" val="i"/>
+  <p:tag name="KSO_WM_UNIT_ID" val="custom20184556_1*i*7"/>
+  <p:tag name="KSO_WM_TEMPLATE_CATEGORY" val="custom"/>
+  <p:tag name="KSO_WM_TEMPLATE_INDEX" val="20184556"/>
+  <p:tag name="KSO_WM_UNIT_INDEX" val="7"/>
+</p:tagLst>
+</file>
+
+<file path=ppt/tags/tag19.xml><?xml version="1.0" encoding="utf-8"?>
+<p:tagLst xmlns:p="http://schemas.openxmlformats.org/presentationml/2006/main">
+  <p:tag name="KSO_WM_TAG_VERSION" val="1.0"/>
+  <p:tag name="KSO_WM_BEAUTIFY_FLAG" val="#wm#"/>
+  <p:tag name="KSO_WM_UNIT_TYPE" val="i"/>
+  <p:tag name="KSO_WM_UNIT_ID" val="custom20184556_22*i*2"/>
+  <p:tag name="KSO_WM_TEMPLATE_CATEGORY" val="custom"/>
+  <p:tag name="KSO_WM_TEMPLATE_INDEX" val="20184556"/>
+  <p:tag name="KSO_WM_UNIT_INDEX" val="2"/>
+</p:tagLst>
+</file>
+
+<file path=ppt/tags/tag2.xml><?xml version="1.0" encoding="utf-8"?>
+<p:tagLst xmlns:p="http://schemas.openxmlformats.org/presentationml/2006/main">
+  <p:tag name="KSO_WM_TAG_VERSION" val="1.0"/>
+  <p:tag name="KSO_WM_BEAUTIFY_FLAG" val="#wm#"/>
+  <p:tag name="KSO_WM_UNIT_TYPE" val="i"/>
+  <p:tag name="KSO_WM_UNIT_ID" val="custom20184556_1*i*4"/>
+  <p:tag name="KSO_WM_TEMPLATE_CATEGORY" val="custom"/>
+  <p:tag name="KSO_WM_TEMPLATE_INDEX" val="20184556"/>
+  <p:tag name="KSO_WM_UNIT_INDEX" val="4"/>
+</p:tagLst>
+</file>
+
+<file path=ppt/tags/tag20.xml><?xml version="1.0" encoding="utf-8"?>
+<p:tagLst xmlns:p="http://schemas.openxmlformats.org/presentationml/2006/main">
   <p:tag name="KSO_WM_TAG_VERSION" val="1.0"/>
   <p:tag name="KSO_WM_BEAUTIFY_FLAG" val="#wm#"/>
   <p:tag name="KSO_WM_UNIT_TYPE" val="i"/>
@@ -15302,8 +17198,8 @@
 </p:tagLst>
 </file>
 
-<file path=ppt/tags/tag11.xml><?xml version="1.0" encoding="utf-8"?>
-<p:tagLst xmlns:a="http://schemas.openxmlformats.org/drawingml/2006/main" xmlns:r="http://schemas.openxmlformats.org/officeDocument/2006/relationships" xmlns:p="http://schemas.openxmlformats.org/presentationml/2006/main">
+<file path=ppt/tags/tag21.xml><?xml version="1.0" encoding="utf-8"?>
+<p:tagLst xmlns:p="http://schemas.openxmlformats.org/presentationml/2006/main">
   <p:tag name="KSO_WM_TAG_VERSION" val="1.0"/>
   <p:tag name="KSO_WM_BEAUTIFY_FLAG" val="#wm#"/>
   <p:tag name="KSO_WM_UNIT_TYPE" val="i"/>
@@ -15314,8 +17210,8 @@
 </p:tagLst>
 </file>
 
-<file path=ppt/tags/tag12.xml><?xml version="1.0" encoding="utf-8"?>
-<p:tagLst xmlns:a="http://schemas.openxmlformats.org/drawingml/2006/main" xmlns:r="http://schemas.openxmlformats.org/officeDocument/2006/relationships" xmlns:p="http://schemas.openxmlformats.org/presentationml/2006/main">
+<file path=ppt/tags/tag22.xml><?xml version="1.0" encoding="utf-8"?>
+<p:tagLst xmlns:p="http://schemas.openxmlformats.org/presentationml/2006/main">
   <p:tag name="KSO_WM_TAG_VERSION" val="1.0"/>
   <p:tag name="KSO_WM_BEAUTIFY_FLAG" val="#wm#"/>
   <p:tag name="KSO_WM_UNIT_TYPE" val="i"/>
@@ -15326,8 +17222,8 @@
 </p:tagLst>
 </file>
 
-<file path=ppt/tags/tag13.xml><?xml version="1.0" encoding="utf-8"?>
-<p:tagLst xmlns:a="http://schemas.openxmlformats.org/drawingml/2006/main" xmlns:r="http://schemas.openxmlformats.org/officeDocument/2006/relationships" xmlns:p="http://schemas.openxmlformats.org/presentationml/2006/main">
+<file path=ppt/tags/tag23.xml><?xml version="1.0" encoding="utf-8"?>
+<p:tagLst xmlns:p="http://schemas.openxmlformats.org/presentationml/2006/main">
   <p:tag name="KSO_WM_TAG_VERSION" val="1.0"/>
   <p:tag name="KSO_WM_BEAUTIFY_FLAG" val="#wm#"/>
   <p:tag name="KSO_WM_UNIT_TYPE" val="i"/>
@@ -15338,24 +17234,24 @@
 </p:tagLst>
 </file>
 
-<file path=ppt/tags/tag14.xml><?xml version="1.0" encoding="utf-8"?>
-<p:tagLst xmlns:a="http://schemas.openxmlformats.org/drawingml/2006/main" xmlns:r="http://schemas.openxmlformats.org/officeDocument/2006/relationships" xmlns:p="http://schemas.openxmlformats.org/presentationml/2006/main">
+<file path=ppt/tags/tag24.xml><?xml version="1.0" encoding="utf-8"?>
+<p:tagLst xmlns:p="http://schemas.openxmlformats.org/presentationml/2006/main">
   <p:tag name="KSO_WM_TAG_VERSION" val="1.0"/>
   <p:tag name="KSO_WM_TEMPLATE_CATEGORY" val="custom"/>
   <p:tag name="KSO_WM_TEMPLATE_INDEX" val="20186830"/>
 </p:tagLst>
 </file>
 
-<file path=ppt/tags/tag15.xml><?xml version="1.0" encoding="utf-8"?>
-<p:tagLst xmlns:a="http://schemas.openxmlformats.org/drawingml/2006/main" xmlns:r="http://schemas.openxmlformats.org/officeDocument/2006/relationships" xmlns:p="http://schemas.openxmlformats.org/presentationml/2006/main">
+<file path=ppt/tags/tag25.xml><?xml version="1.0" encoding="utf-8"?>
+<p:tagLst xmlns:p="http://schemas.openxmlformats.org/presentationml/2006/main">
   <p:tag name="KSO_WM_TAG_VERSION" val="1.0"/>
   <p:tag name="KSO_WM_TEMPLATE_CATEGORY" val="custom"/>
   <p:tag name="KSO_WM_TEMPLATE_INDEX" val="20186830"/>
 </p:tagLst>
 </file>
 
-<file path=ppt/tags/tag16.xml><?xml version="1.0" encoding="utf-8"?>
-<p:tagLst xmlns:a="http://schemas.openxmlformats.org/drawingml/2006/main" xmlns:r="http://schemas.openxmlformats.org/officeDocument/2006/relationships" xmlns:p="http://schemas.openxmlformats.org/presentationml/2006/main">
+<file path=ppt/tags/tag26.xml><?xml version="1.0" encoding="utf-8"?>
+<p:tagLst xmlns:p="http://schemas.openxmlformats.org/presentationml/2006/main">
   <p:tag name="KSO_WM_TAG_VERSION" val="1.0"/>
   <p:tag name="KSO_WM_BEAUTIFY_FLAG" val="#wm#"/>
   <p:tag name="KSO_WM_COMBINE_RELATE_SLIDE_ID" val="background20181909_1"/>
@@ -15366,155 +17262,27 @@
 </p:tagLst>
 </file>
 
-<file path=ppt/tags/tag17.xml><?xml version="1.0" encoding="utf-8"?>
-<p:tagLst xmlns:a="http://schemas.openxmlformats.org/drawingml/2006/main" xmlns:r="http://schemas.openxmlformats.org/officeDocument/2006/relationships" xmlns:p="http://schemas.openxmlformats.org/presentationml/2006/main">
+<file path=ppt/tags/tag27.xml><?xml version="1.0" encoding="utf-8"?>
+<p:tagLst xmlns:p="http://schemas.openxmlformats.org/presentationml/2006/main">
+  <p:tag name="KSO_WM_TEMPLATE_CATEGORY" val="custom"/>
+  <p:tag name="KSO_WM_TEMPLATE_INDEX" val="20186830"/>
   <p:tag name="KSO_WM_TAG_VERSION" val="1.0"/>
   <p:tag name="KSO_WM_BEAUTIFY_FLAG" val="#wm#"/>
-  <p:tag name="KSO_WM_UNIT_TYPE" val="i"/>
-  <p:tag name="KSO_WM_UNIT_ID" val="custom20184556_1*i*3"/>
-  <p:tag name="KSO_WM_TEMPLATE_CATEGORY" val="custom"/>
-  <p:tag name="KSO_WM_TEMPLATE_INDEX" val="20184556"/>
-  <p:tag name="KSO_WM_UNIT_INDEX" val="3"/>
-</p:tagLst>
-</file>
-
-<file path=ppt/tags/tag18.xml><?xml version="1.0" encoding="utf-8"?>
-<p:tagLst xmlns:a="http://schemas.openxmlformats.org/drawingml/2006/main" xmlns:r="http://schemas.openxmlformats.org/officeDocument/2006/relationships" xmlns:p="http://schemas.openxmlformats.org/presentationml/2006/main">
-  <p:tag name="KSO_WM_TAG_VERSION" val="1.0"/>
-  <p:tag name="KSO_WM_BEAUTIFY_FLAG" val="#wm#"/>
-  <p:tag name="KSO_WM_UNIT_TYPE" val="i"/>
-  <p:tag name="KSO_WM_UNIT_ID" val="custom20184556_1*i*4"/>
-  <p:tag name="KSO_WM_TEMPLATE_CATEGORY" val="custom"/>
-  <p:tag name="KSO_WM_TEMPLATE_INDEX" val="20184556"/>
-  <p:tag name="KSO_WM_UNIT_INDEX" val="4"/>
-</p:tagLst>
-</file>
-
-<file path=ppt/tags/tag19.xml><?xml version="1.0" encoding="utf-8"?>
-<p:tagLst xmlns:a="http://schemas.openxmlformats.org/drawingml/2006/main" xmlns:r="http://schemas.openxmlformats.org/officeDocument/2006/relationships" xmlns:p="http://schemas.openxmlformats.org/presentationml/2006/main">
-  <p:tag name="KSO_WM_TAG_VERSION" val="1.0"/>
-  <p:tag name="KSO_WM_BEAUTIFY_FLAG" val="#wm#"/>
-  <p:tag name="KSO_WM_UNIT_TYPE" val="i"/>
-  <p:tag name="KSO_WM_UNIT_ID" val="custom20184556_1*i*5"/>
-  <p:tag name="KSO_WM_TEMPLATE_CATEGORY" val="custom"/>
-  <p:tag name="KSO_WM_TEMPLATE_INDEX" val="20184556"/>
-  <p:tag name="KSO_WM_UNIT_INDEX" val="5"/>
-</p:tagLst>
-</file>
-
-<file path=ppt/tags/tag2.xml><?xml version="1.0" encoding="utf-8"?>
-<p:tagLst xmlns:a="http://schemas.openxmlformats.org/drawingml/2006/main" xmlns:r="http://schemas.openxmlformats.org/officeDocument/2006/relationships" xmlns:p="http://schemas.openxmlformats.org/presentationml/2006/main">
-  <p:tag name="KSO_WM_TAG_VERSION" val="1.0"/>
-  <p:tag name="KSO_WM_TEMPLATE_CATEGORY" val="custom"/>
-  <p:tag name="KSO_WM_TEMPLATE_INDEX" val="20186830"/>
-</p:tagLst>
-</file>
-
-<file path=ppt/tags/tag20.xml><?xml version="1.0" encoding="utf-8"?>
-<p:tagLst xmlns:a="http://schemas.openxmlformats.org/drawingml/2006/main" xmlns:r="http://schemas.openxmlformats.org/officeDocument/2006/relationships" xmlns:p="http://schemas.openxmlformats.org/presentationml/2006/main">
-  <p:tag name="KSO_WM_TAG_VERSION" val="1.0"/>
-  <p:tag name="KSO_WM_BEAUTIFY_FLAG" val="#wm#"/>
-  <p:tag name="KSO_WM_UNIT_TYPE" val="i"/>
-  <p:tag name="KSO_WM_UNIT_ID" val="custom20184556_1*i*6"/>
-  <p:tag name="KSO_WM_TEMPLATE_CATEGORY" val="custom"/>
-  <p:tag name="KSO_WM_TEMPLATE_INDEX" val="20184556"/>
-  <p:tag name="KSO_WM_UNIT_INDEX" val="6"/>
-</p:tagLst>
-</file>
-
-<file path=ppt/tags/tag21.xml><?xml version="1.0" encoding="utf-8"?>
-<p:tagLst xmlns:a="http://schemas.openxmlformats.org/drawingml/2006/main" xmlns:r="http://schemas.openxmlformats.org/officeDocument/2006/relationships" xmlns:p="http://schemas.openxmlformats.org/presentationml/2006/main">
-  <p:tag name="KSO_WM_TAG_VERSION" val="1.0"/>
-  <p:tag name="KSO_WM_BEAUTIFY_FLAG" val="#wm#"/>
-  <p:tag name="KSO_WM_UNIT_TYPE" val="i"/>
-  <p:tag name="KSO_WM_UNIT_ID" val="custom20184556_1*i*7"/>
-  <p:tag name="KSO_WM_TEMPLATE_CATEGORY" val="custom"/>
-  <p:tag name="KSO_WM_TEMPLATE_INDEX" val="20184556"/>
-  <p:tag name="KSO_WM_UNIT_INDEX" val="7"/>
-</p:tagLst>
-</file>
-
-<file path=ppt/tags/tag22.xml><?xml version="1.0" encoding="utf-8"?>
-<p:tagLst xmlns:a="http://schemas.openxmlformats.org/drawingml/2006/main" xmlns:r="http://schemas.openxmlformats.org/officeDocument/2006/relationships" xmlns:p="http://schemas.openxmlformats.org/presentationml/2006/main">
-  <p:tag name="KSO_WM_TAG_VERSION" val="1.0"/>
-  <p:tag name="KSO_WM_BEAUTIFY_FLAG" val="#wm#"/>
-  <p:tag name="KSO_WM_UNIT_TYPE" val="i"/>
-  <p:tag name="KSO_WM_UNIT_ID" val="custom20184556_22*i*2"/>
-  <p:tag name="KSO_WM_TEMPLATE_CATEGORY" val="custom"/>
-  <p:tag name="KSO_WM_TEMPLATE_INDEX" val="20184556"/>
-  <p:tag name="KSO_WM_UNIT_INDEX" val="2"/>
-</p:tagLst>
-</file>
-
-<file path=ppt/tags/tag23.xml><?xml version="1.0" encoding="utf-8"?>
-<p:tagLst xmlns:a="http://schemas.openxmlformats.org/drawingml/2006/main" xmlns:r="http://schemas.openxmlformats.org/officeDocument/2006/relationships" xmlns:p="http://schemas.openxmlformats.org/presentationml/2006/main">
-  <p:tag name="KSO_WM_TAG_VERSION" val="1.0"/>
-  <p:tag name="KSO_WM_BEAUTIFY_FLAG" val="#wm#"/>
-  <p:tag name="KSO_WM_UNIT_TYPE" val="i"/>
-  <p:tag name="KSO_WM_UNIT_ID" val="custom20184556_22*i*3"/>
-  <p:tag name="KSO_WM_TEMPLATE_CATEGORY" val="custom"/>
-  <p:tag name="KSO_WM_TEMPLATE_INDEX" val="20184556"/>
-  <p:tag name="KSO_WM_UNIT_INDEX" val="3"/>
-</p:tagLst>
-</file>
-
-<file path=ppt/tags/tag24.xml><?xml version="1.0" encoding="utf-8"?>
-<p:tagLst xmlns:a="http://schemas.openxmlformats.org/drawingml/2006/main" xmlns:r="http://schemas.openxmlformats.org/officeDocument/2006/relationships" xmlns:p="http://schemas.openxmlformats.org/presentationml/2006/main">
-  <p:tag name="KSO_WM_TAG_VERSION" val="1.0"/>
-  <p:tag name="KSO_WM_BEAUTIFY_FLAG" val="#wm#"/>
-  <p:tag name="KSO_WM_UNIT_TYPE" val="i"/>
-  <p:tag name="KSO_WM_UNIT_ID" val="custom20184556_22*i*4"/>
-  <p:tag name="KSO_WM_TEMPLATE_CATEGORY" val="custom"/>
-  <p:tag name="KSO_WM_TEMPLATE_INDEX" val="20184556"/>
-  <p:tag name="KSO_WM_UNIT_INDEX" val="4"/>
-</p:tagLst>
-</file>
-
-<file path=ppt/tags/tag25.xml><?xml version="1.0" encoding="utf-8"?>
-<p:tagLst xmlns:a="http://schemas.openxmlformats.org/drawingml/2006/main" xmlns:r="http://schemas.openxmlformats.org/officeDocument/2006/relationships" xmlns:p="http://schemas.openxmlformats.org/presentationml/2006/main">
-  <p:tag name="KSO_WM_TAG_VERSION" val="1.0"/>
-  <p:tag name="KSO_WM_BEAUTIFY_FLAG" val="#wm#"/>
-  <p:tag name="KSO_WM_UNIT_TYPE" val="i"/>
-  <p:tag name="KSO_WM_UNIT_ID" val="custom20184556_22*i*5"/>
-  <p:tag name="KSO_WM_TEMPLATE_CATEGORY" val="custom"/>
-  <p:tag name="KSO_WM_TEMPLATE_INDEX" val="20184556"/>
-  <p:tag name="KSO_WM_UNIT_INDEX" val="5"/>
-</p:tagLst>
-</file>
-
-<file path=ppt/tags/tag26.xml><?xml version="1.0" encoding="utf-8"?>
-<p:tagLst xmlns:a="http://schemas.openxmlformats.org/drawingml/2006/main" xmlns:r="http://schemas.openxmlformats.org/officeDocument/2006/relationships" xmlns:p="http://schemas.openxmlformats.org/presentationml/2006/main">
-  <p:tag name="KSO_WM_TAG_VERSION" val="1.0"/>
-  <p:tag name="KSO_WM_BEAUTIFY_FLAG" val="#wm#"/>
-  <p:tag name="KSO_WM_UNIT_TYPE" val="i"/>
-  <p:tag name="KSO_WM_UNIT_ID" val="custom20184556_22*i*6"/>
-  <p:tag name="KSO_WM_TEMPLATE_CATEGORY" val="custom"/>
-  <p:tag name="KSO_WM_TEMPLATE_INDEX" val="20184556"/>
-  <p:tag name="KSO_WM_UNIT_INDEX" val="6"/>
-</p:tagLst>
-</file>
-
-<file path=ppt/tags/tag27.xml><?xml version="1.0" encoding="utf-8"?>
-<p:tagLst xmlns:a="http://schemas.openxmlformats.org/drawingml/2006/main" xmlns:r="http://schemas.openxmlformats.org/officeDocument/2006/relationships" xmlns:p="http://schemas.openxmlformats.org/presentationml/2006/main">
-  <p:tag name="KSO_WM_TAG_VERSION" val="1.0"/>
-  <p:tag name="KSO_WM_SLIDE_ITEM_CNT" val="2"/>
-  <p:tag name="KSO_WM_SLIDE_LAYOUT" val="a_b_c"/>
-  <p:tag name="KSO_WM_SLIDE_LAYOUT_CNT" val="1_1_1"/>
-  <p:tag name="KSO_WM_SLIDE_TYPE" val="title"/>
-  <p:tag name="KSO_WM_BEAUTIFY_FLAG" val="#wm#"/>
-  <p:tag name="KSO_WM_COMBINE_RELATE_SLIDE_ID" val="background20181909_1"/>
-  <p:tag name="KSO_WM_TEMPLATE_CATEGORY" val="custom"/>
-  <p:tag name="KSO_WM_TEMPLATE_INDEX" val="20186830"/>
-  <p:tag name="KSO_WM_SLIDE_ID" val="custom20186830_1"/>
-  <p:tag name="KSO_WM_SLIDE_INDEX" val="1"/>
-  <p:tag name="KSO_WM_TEMPLATE_SUBCATEGORY" val="combine"/>
-  <p:tag name="KSO_WM_TEMPLATE_THUMBS_INDEX" val="1、6、10、15、19、22、"/>
-  <p:tag name="KSO_WM_SLIDE_SUBTYPE" val="pureTxt"/>
+  <p:tag name="KSO_WM_UNIT_TYPE" val="a"/>
+  <p:tag name="KSO_WM_UNIT_INDEX" val="1"/>
+  <p:tag name="KSO_WM_UNIT_ID" val="custom20186830_1*a*1"/>
+  <p:tag name="KSO_WM_UNIT_LAYERLEVEL" val="1"/>
+  <p:tag name="KSO_WM_UNIT_VALUE" val="9"/>
+  <p:tag name="KSO_WM_UNIT_ISCONTENTSTITLE" val="0"/>
+  <p:tag name="KSO_WM_UNIT_HIGHLIGHT" val="0"/>
+  <p:tag name="KSO_WM_UNIT_COMPATIBLE" val="0"/>
+  <p:tag name="KSO_WM_UNIT_CLEAR" val="0"/>
+  <p:tag name="KSO_WM_UNIT_PRESET_TEXT" val="黑白简约商务通用"/>
 </p:tagLst>
 </file>
 
 <file path=ppt/tags/tag28.xml><?xml version="1.0" encoding="utf-8"?>
-<p:tagLst xmlns:a="http://schemas.openxmlformats.org/drawingml/2006/main" xmlns:r="http://schemas.openxmlformats.org/officeDocument/2006/relationships" xmlns:p="http://schemas.openxmlformats.org/presentationml/2006/main">
+<p:tagLst xmlns:p="http://schemas.openxmlformats.org/presentationml/2006/main">
   <p:tag name="KSO_WM_TEMPLATE_CATEGORY" val="custom"/>
   <p:tag name="KSO_WM_TEMPLATE_INDEX" val="20186830"/>
   <p:tag name="KSO_WM_TAG_VERSION" val="1.0"/>
@@ -15533,38 +17301,7 @@
 </file>
 
 <file path=ppt/tags/tag29.xml><?xml version="1.0" encoding="utf-8"?>
-<p:tagLst xmlns:a="http://schemas.openxmlformats.org/drawingml/2006/main" xmlns:r="http://schemas.openxmlformats.org/officeDocument/2006/relationships" xmlns:p="http://schemas.openxmlformats.org/presentationml/2006/main">
-  <p:tag name="KSO_WM_TEMPLATE_CATEGORY" val="custom"/>
-  <p:tag name="KSO_WM_TEMPLATE_INDEX" val="20186830"/>
-  <p:tag name="KSO_WM_TAG_VERSION" val="1.0"/>
-  <p:tag name="KSO_WM_BEAUTIFY_FLAG" val="#wm#"/>
-  <p:tag name="KSO_WM_UNIT_TYPE" val="a"/>
-  <p:tag name="KSO_WM_UNIT_INDEX" val="1"/>
-  <p:tag name="KSO_WM_UNIT_ID" val="custom20186830_1*a*1"/>
-  <p:tag name="KSO_WM_UNIT_LAYERLEVEL" val="1"/>
-  <p:tag name="KSO_WM_UNIT_VALUE" val="9"/>
-  <p:tag name="KSO_WM_UNIT_ISCONTENTSTITLE" val="0"/>
-  <p:tag name="KSO_WM_UNIT_HIGHLIGHT" val="0"/>
-  <p:tag name="KSO_WM_UNIT_COMPATIBLE" val="0"/>
-  <p:tag name="KSO_WM_UNIT_CLEAR" val="0"/>
-  <p:tag name="KSO_WM_UNIT_PRESET_TEXT" val="黑白简约商务通用"/>
-</p:tagLst>
-</file>
-
-<file path=ppt/tags/tag3.xml><?xml version="1.0" encoding="utf-8"?>
-<p:tagLst xmlns:a="http://schemas.openxmlformats.org/drawingml/2006/main" xmlns:r="http://schemas.openxmlformats.org/officeDocument/2006/relationships" xmlns:p="http://schemas.openxmlformats.org/presentationml/2006/main">
-  <p:tag name="KSO_WM_TAG_VERSION" val="1.0"/>
-  <p:tag name="KSO_WM_BEAUTIFY_FLAG" val="#wm#"/>
-  <p:tag name="KSO_WM_COMBINE_RELATE_SLIDE_ID" val="background20181909_1"/>
-  <p:tag name="KSO_WM_TEMPLATE_CATEGORY" val="custom"/>
-  <p:tag name="KSO_WM_TEMPLATE_INDEX" val="20186830"/>
-  <p:tag name="KSO_WM_TEMPLATE_SUBCATEGORY" val="combine"/>
-  <p:tag name="KSO_WM_TEMPLATE_THUMBS_INDEX" val="1、6、10、15、19、22"/>
-</p:tagLst>
-</file>
-
-<file path=ppt/tags/tag30.xml><?xml version="1.0" encoding="utf-8"?>
-<p:tagLst xmlns:a="http://schemas.openxmlformats.org/drawingml/2006/main" xmlns:r="http://schemas.openxmlformats.org/officeDocument/2006/relationships" xmlns:p="http://schemas.openxmlformats.org/presentationml/2006/main">
+<p:tagLst xmlns:p="http://schemas.openxmlformats.org/presentationml/2006/main">
   <p:tag name="KSO_WM_TEMPLATE_CATEGORY" val="custom"/>
   <p:tag name="KSO_WM_TEMPLATE_INDEX" val="20186830"/>
   <p:tag name="KSO_WM_TAG_VERSION" val="1.0"/>
@@ -15583,27 +17320,39 @@
 </p:tagLst>
 </file>
 
-<file path=ppt/tags/tag31.xml><?xml version="1.0" encoding="utf-8"?>
-<p:tagLst xmlns:a="http://schemas.openxmlformats.org/drawingml/2006/main" xmlns:r="http://schemas.openxmlformats.org/officeDocument/2006/relationships" xmlns:p="http://schemas.openxmlformats.org/presentationml/2006/main">
+<file path=ppt/tags/tag3.xml><?xml version="1.0" encoding="utf-8"?>
+<p:tagLst xmlns:p="http://schemas.openxmlformats.org/presentationml/2006/main">
+  <p:tag name="KSO_WM_TAG_VERSION" val="1.0"/>
+  <p:tag name="KSO_WM_BEAUTIFY_FLAG" val="#wm#"/>
+  <p:tag name="KSO_WM_UNIT_TYPE" val="i"/>
+  <p:tag name="KSO_WM_UNIT_ID" val="custom20184556_1*i*5"/>
   <p:tag name="KSO_WM_TEMPLATE_CATEGORY" val="custom"/>
-  <p:tag name="KSO_WM_TEMPLATE_INDEX" val="20186830"/>
-  <p:tag name="KSO_WM_TAG_VERSION" val="1.0"/>
-  <p:tag name="KSO_WM_SLIDE_ID" val="custom20186830_7"/>
-  <p:tag name="KSO_WM_SLIDE_INDEX" val="7"/>
-  <p:tag name="KSO_WM_SLIDE_ITEM_CNT" val="1"/>
-  <p:tag name="KSO_WM_SLIDE_LAYOUT" val="a_l"/>
-  <p:tag name="KSO_WM_SLIDE_LAYOUT_CNT" val="1_1"/>
-  <p:tag name="KSO_WM_SLIDE_TYPE" val="text"/>
-  <p:tag name="KSO_WM_BEAUTIFY_FLAG" val="#wm#"/>
-  <p:tag name="KSO_WM_SLIDE_POSITION" val="25*85"/>
-  <p:tag name="KSO_WM_SLIDE_SIZE" val="452*279"/>
-  <p:tag name="KSO_WM_DIAGRAM_GROUP_CODE" val="l1-1"/>
-  <p:tag name="KSO_WM_SLIDE_SUBTYPE" val="diag"/>
+  <p:tag name="KSO_WM_TEMPLATE_INDEX" val="20184556"/>
+  <p:tag name="KSO_WM_UNIT_INDEX" val="5"/>
 </p:tagLst>
 </file>
 
-<file path=ppt/tags/tag32.xml><?xml version="1.0" encoding="utf-8"?>
-<p:tagLst xmlns:a="http://schemas.openxmlformats.org/drawingml/2006/main" xmlns:r="http://schemas.openxmlformats.org/officeDocument/2006/relationships" xmlns:p="http://schemas.openxmlformats.org/presentationml/2006/main">
+<file path=ppt/tags/tag30.xml><?xml version="1.0" encoding="utf-8"?>
+<p:tagLst xmlns:p="http://schemas.openxmlformats.org/presentationml/2006/main">
+  <p:tag name="KSO_WM_TAG_VERSION" val="1.0"/>
+  <p:tag name="KSO_WM_SLIDE_ITEM_CNT" val="2"/>
+  <p:tag name="KSO_WM_SLIDE_LAYOUT" val="a_b_c"/>
+  <p:tag name="KSO_WM_SLIDE_LAYOUT_CNT" val="1_1_1"/>
+  <p:tag name="KSO_WM_SLIDE_TYPE" val="title"/>
+  <p:tag name="KSO_WM_BEAUTIFY_FLAG" val="#wm#"/>
+  <p:tag name="KSO_WM_COMBINE_RELATE_SLIDE_ID" val="background20181909_1"/>
+  <p:tag name="KSO_WM_TEMPLATE_CATEGORY" val="custom"/>
+  <p:tag name="KSO_WM_TEMPLATE_INDEX" val="20186830"/>
+  <p:tag name="KSO_WM_SLIDE_ID" val="custom20186830_1"/>
+  <p:tag name="KSO_WM_SLIDE_INDEX" val="1"/>
+  <p:tag name="KSO_WM_TEMPLATE_SUBCATEGORY" val="combine"/>
+  <p:tag name="KSO_WM_TEMPLATE_THUMBS_INDEX" val="1、6、10、15、19、22、"/>
+  <p:tag name="KSO_WM_SLIDE_SUBTYPE" val="pureTxt"/>
+</p:tagLst>
+</file>
+
+<file path=ppt/tags/tag31.xml><?xml version="1.0" encoding="utf-8"?>
+<p:tagLst xmlns:p="http://schemas.openxmlformats.org/presentationml/2006/main">
   <p:tag name="KSO_WM_TEMPLATE_CATEGORY" val="custom"/>
   <p:tag name="KSO_WM_TEMPLATE_INDEX" val="20186830"/>
   <p:tag name="KSO_WM_TAG_VERSION" val="1.0"/>
@@ -15622,8 +17371,8 @@
 </p:tagLst>
 </file>
 
-<file path=ppt/tags/tag33.xml><?xml version="1.0" encoding="utf-8"?>
-<p:tagLst xmlns:a="http://schemas.openxmlformats.org/drawingml/2006/main" xmlns:r="http://schemas.openxmlformats.org/officeDocument/2006/relationships" xmlns:p="http://schemas.openxmlformats.org/presentationml/2006/main">
+<file path=ppt/tags/tag32.xml><?xml version="1.0" encoding="utf-8"?>
+<p:tagLst xmlns:p="http://schemas.openxmlformats.org/presentationml/2006/main">
   <p:tag name="KSO_WM_TEMPLATE_CATEGORY" val="custom"/>
   <p:tag name="KSO_WM_TEMPLATE_INDEX" val="20186830"/>
   <p:tag name="KSO_WM_TAG_VERSION" val="1.0"/>
@@ -15641,8 +17390,8 @@
 </p:tagLst>
 </file>
 
-<file path=ppt/tags/tag34.xml><?xml version="1.0" encoding="utf-8"?>
-<p:tagLst xmlns:a="http://schemas.openxmlformats.org/drawingml/2006/main" xmlns:r="http://schemas.openxmlformats.org/officeDocument/2006/relationships" xmlns:p="http://schemas.openxmlformats.org/presentationml/2006/main">
+<file path=ppt/tags/tag33.xml><?xml version="1.0" encoding="utf-8"?>
+<p:tagLst xmlns:p="http://schemas.openxmlformats.org/presentationml/2006/main">
   <p:tag name="KSO_WM_TEMPLATE_CATEGORY" val="custom"/>
   <p:tag name="KSO_WM_TEMPLATE_INDEX" val="20186830"/>
   <p:tag name="KSO_WM_TAG_VERSION" val="1.0"/>
@@ -15661,8 +17410,8 @@
 </p:tagLst>
 </file>
 
-<file path=ppt/tags/tag35.xml><?xml version="1.0" encoding="utf-8"?>
-<p:tagLst xmlns:a="http://schemas.openxmlformats.org/drawingml/2006/main" xmlns:r="http://schemas.openxmlformats.org/officeDocument/2006/relationships" xmlns:p="http://schemas.openxmlformats.org/presentationml/2006/main">
+<file path=ppt/tags/tag34.xml><?xml version="1.0" encoding="utf-8"?>
+<p:tagLst xmlns:p="http://schemas.openxmlformats.org/presentationml/2006/main">
   <p:tag name="KSO_WM_TEMPLATE_CATEGORY" val="custom"/>
   <p:tag name="KSO_WM_TEMPLATE_INDEX" val="20186830"/>
   <p:tag name="KSO_WM_TAG_VERSION" val="1.0"/>
@@ -15680,8 +17429,8 @@
 </p:tagLst>
 </file>
 
-<file path=ppt/tags/tag36.xml><?xml version="1.0" encoding="utf-8"?>
-<p:tagLst xmlns:a="http://schemas.openxmlformats.org/drawingml/2006/main" xmlns:r="http://schemas.openxmlformats.org/officeDocument/2006/relationships" xmlns:p="http://schemas.openxmlformats.org/presentationml/2006/main">
+<file path=ppt/tags/tag35.xml><?xml version="1.0" encoding="utf-8"?>
+<p:tagLst xmlns:p="http://schemas.openxmlformats.org/presentationml/2006/main">
   <p:tag name="KSO_WM_TEMPLATE_CATEGORY" val="custom"/>
   <p:tag name="KSO_WM_TEMPLATE_INDEX" val="20186830"/>
   <p:tag name="KSO_WM_TAG_VERSION" val="1.0"/>
@@ -15700,8 +17449,8 @@
 </p:tagLst>
 </file>
 
-<file path=ppt/tags/tag37.xml><?xml version="1.0" encoding="utf-8"?>
-<p:tagLst xmlns:a="http://schemas.openxmlformats.org/drawingml/2006/main" xmlns:r="http://schemas.openxmlformats.org/officeDocument/2006/relationships" xmlns:p="http://schemas.openxmlformats.org/presentationml/2006/main">
+<file path=ppt/tags/tag36.xml><?xml version="1.0" encoding="utf-8"?>
+<p:tagLst xmlns:p="http://schemas.openxmlformats.org/presentationml/2006/main">
   <p:tag name="KSO_WM_TEMPLATE_CATEGORY" val="custom"/>
   <p:tag name="KSO_WM_TEMPLATE_INDEX" val="20186830"/>
   <p:tag name="KSO_WM_TAG_VERSION" val="1.0"/>
@@ -15719,8 +17468,8 @@
 </p:tagLst>
 </file>
 
-<file path=ppt/tags/tag38.xml><?xml version="1.0" encoding="utf-8"?>
-<p:tagLst xmlns:a="http://schemas.openxmlformats.org/drawingml/2006/main" xmlns:r="http://schemas.openxmlformats.org/officeDocument/2006/relationships" xmlns:p="http://schemas.openxmlformats.org/presentationml/2006/main">
+<file path=ppt/tags/tag37.xml><?xml version="1.0" encoding="utf-8"?>
+<p:tagLst xmlns:p="http://schemas.openxmlformats.org/presentationml/2006/main">
   <p:tag name="KSO_WM_TEMPLATE_CATEGORY" val="custom"/>
   <p:tag name="KSO_WM_TEMPLATE_INDEX" val="20186830"/>
   <p:tag name="KSO_WM_TAG_VERSION" val="1.0"/>
@@ -15739,8 +17488,8 @@
 </p:tagLst>
 </file>
 
-<file path=ppt/tags/tag39.xml><?xml version="1.0" encoding="utf-8"?>
-<p:tagLst xmlns:a="http://schemas.openxmlformats.org/drawingml/2006/main" xmlns:r="http://schemas.openxmlformats.org/officeDocument/2006/relationships" xmlns:p="http://schemas.openxmlformats.org/presentationml/2006/main">
+<file path=ppt/tags/tag38.xml><?xml version="1.0" encoding="utf-8"?>
+<p:tagLst xmlns:p="http://schemas.openxmlformats.org/presentationml/2006/main">
   <p:tag name="KSO_WM_TEMPLATE_CATEGORY" val="custom"/>
   <p:tag name="KSO_WM_TEMPLATE_INDEX" val="20186830"/>
   <p:tag name="KSO_WM_TAG_VERSION" val="1.0"/>
@@ -15758,20 +17507,8 @@
 </p:tagLst>
 </file>
 
-<file path=ppt/tags/tag4.xml><?xml version="1.0" encoding="utf-8"?>
-<p:tagLst xmlns:a="http://schemas.openxmlformats.org/drawingml/2006/main" xmlns:r="http://schemas.openxmlformats.org/officeDocument/2006/relationships" xmlns:p="http://schemas.openxmlformats.org/presentationml/2006/main">
-  <p:tag name="KSO_WM_TAG_VERSION" val="1.0"/>
-  <p:tag name="KSO_WM_BEAUTIFY_FLAG" val="#wm#"/>
-  <p:tag name="KSO_WM_UNIT_TYPE" val="i"/>
-  <p:tag name="KSO_WM_UNIT_ID" val="custom20184556_1*i*3"/>
-  <p:tag name="KSO_WM_TEMPLATE_CATEGORY" val="custom"/>
-  <p:tag name="KSO_WM_TEMPLATE_INDEX" val="20184556"/>
-  <p:tag name="KSO_WM_UNIT_INDEX" val="3"/>
-</p:tagLst>
-</file>
-
-<file path=ppt/tags/tag40.xml><?xml version="1.0" encoding="utf-8"?>
-<p:tagLst xmlns:a="http://schemas.openxmlformats.org/drawingml/2006/main" xmlns:r="http://schemas.openxmlformats.org/officeDocument/2006/relationships" xmlns:p="http://schemas.openxmlformats.org/presentationml/2006/main">
+<file path=ppt/tags/tag39.xml><?xml version="1.0" encoding="utf-8"?>
+<p:tagLst xmlns:p="http://schemas.openxmlformats.org/presentationml/2006/main">
   <p:tag name="KSO_WM_TEMPLATE_CATEGORY" val="custom"/>
   <p:tag name="KSO_WM_TEMPLATE_INDEX" val="20186830"/>
   <p:tag name="KSO_WM_TAG_VERSION" val="1.0"/>
@@ -15790,8 +17527,20 @@
 </p:tagLst>
 </file>
 
-<file path=ppt/tags/tag41.xml><?xml version="1.0" encoding="utf-8"?>
-<p:tagLst xmlns:a="http://schemas.openxmlformats.org/drawingml/2006/main" xmlns:r="http://schemas.openxmlformats.org/officeDocument/2006/relationships" xmlns:p="http://schemas.openxmlformats.org/presentationml/2006/main">
+<file path=ppt/tags/tag4.xml><?xml version="1.0" encoding="utf-8"?>
+<p:tagLst xmlns:p="http://schemas.openxmlformats.org/presentationml/2006/main">
+  <p:tag name="KSO_WM_TAG_VERSION" val="1.0"/>
+  <p:tag name="KSO_WM_BEAUTIFY_FLAG" val="#wm#"/>
+  <p:tag name="KSO_WM_UNIT_TYPE" val="i"/>
+  <p:tag name="KSO_WM_UNIT_ID" val="custom20184556_1*i*6"/>
+  <p:tag name="KSO_WM_TEMPLATE_CATEGORY" val="custom"/>
+  <p:tag name="KSO_WM_TEMPLATE_INDEX" val="20184556"/>
+  <p:tag name="KSO_WM_UNIT_INDEX" val="6"/>
+</p:tagLst>
+</file>
+
+<file path=ppt/tags/tag40.xml><?xml version="1.0" encoding="utf-8"?>
+<p:tagLst xmlns:p="http://schemas.openxmlformats.org/presentationml/2006/main">
   <p:tag name="KSO_WM_TEMPLATE_CATEGORY" val="custom"/>
   <p:tag name="KSO_WM_TEMPLATE_INDEX" val="20186830"/>
   <p:tag name="KSO_WM_TAG_VERSION" val="1.0"/>
@@ -15809,8 +17558,8 @@
 </p:tagLst>
 </file>
 
-<file path=ppt/tags/tag42.xml><?xml version="1.0" encoding="utf-8"?>
-<p:tagLst xmlns:a="http://schemas.openxmlformats.org/drawingml/2006/main" xmlns:r="http://schemas.openxmlformats.org/officeDocument/2006/relationships" xmlns:p="http://schemas.openxmlformats.org/presentationml/2006/main">
+<file path=ppt/tags/tag41.xml><?xml version="1.0" encoding="utf-8"?>
+<p:tagLst xmlns:p="http://schemas.openxmlformats.org/presentationml/2006/main">
   <p:tag name="KSO_WM_TEMPLATE_CATEGORY" val="custom"/>
   <p:tag name="KSO_WM_TEMPLATE_INDEX" val="20186830"/>
   <p:tag name="KSO_WM_TAG_VERSION" val="1.0"/>
@@ -15829,8 +17578,8 @@
 </p:tagLst>
 </file>
 
-<file path=ppt/tags/tag43.xml><?xml version="1.0" encoding="utf-8"?>
-<p:tagLst xmlns:a="http://schemas.openxmlformats.org/drawingml/2006/main" xmlns:r="http://schemas.openxmlformats.org/officeDocument/2006/relationships" xmlns:p="http://schemas.openxmlformats.org/presentationml/2006/main">
+<file path=ppt/tags/tag42.xml><?xml version="1.0" encoding="utf-8"?>
+<p:tagLst xmlns:p="http://schemas.openxmlformats.org/presentationml/2006/main">
   <p:tag name="KSO_WM_TEMPLATE_CATEGORY" val="custom"/>
   <p:tag name="KSO_WM_TEMPLATE_INDEX" val="20186830"/>
   <p:tag name="KSO_WM_TAG_VERSION" val="1.0"/>
@@ -15848,8 +17597,8 @@
 </p:tagLst>
 </file>
 
-<file path=ppt/tags/tag44.xml><?xml version="1.0" encoding="utf-8"?>
-<p:tagLst xmlns:a="http://schemas.openxmlformats.org/drawingml/2006/main" xmlns:r="http://schemas.openxmlformats.org/officeDocument/2006/relationships" xmlns:p="http://schemas.openxmlformats.org/presentationml/2006/main">
+<file path=ppt/tags/tag43.xml><?xml version="1.0" encoding="utf-8"?>
+<p:tagLst xmlns:p="http://schemas.openxmlformats.org/presentationml/2006/main">
   <p:tag name="KSO_WM_TEMPLATE_CATEGORY" val="custom"/>
   <p:tag name="KSO_WM_TEMPLATE_INDEX" val="20186830"/>
   <p:tag name="KSO_WM_TAG_VERSION" val="1.0"/>
@@ -15868,8 +17617,8 @@
 </p:tagLst>
 </file>
 
-<file path=ppt/tags/tag45.xml><?xml version="1.0" encoding="utf-8"?>
-<p:tagLst xmlns:a="http://schemas.openxmlformats.org/drawingml/2006/main" xmlns:r="http://schemas.openxmlformats.org/officeDocument/2006/relationships" xmlns:p="http://schemas.openxmlformats.org/presentationml/2006/main">
+<file path=ppt/tags/tag44.xml><?xml version="1.0" encoding="utf-8"?>
+<p:tagLst xmlns:p="http://schemas.openxmlformats.org/presentationml/2006/main">
   <p:tag name="KSO_WM_TEMPLATE_CATEGORY" val="custom"/>
   <p:tag name="KSO_WM_TEMPLATE_INDEX" val="20186830"/>
   <p:tag name="KSO_WM_TAG_VERSION" val="1.0"/>
@@ -15887,8 +17636,8 @@
 </p:tagLst>
 </file>
 
-<file path=ppt/tags/tag46.xml><?xml version="1.0" encoding="utf-8"?>
-<p:tagLst xmlns:a="http://schemas.openxmlformats.org/drawingml/2006/main" xmlns:r="http://schemas.openxmlformats.org/officeDocument/2006/relationships" xmlns:p="http://schemas.openxmlformats.org/presentationml/2006/main">
+<file path=ppt/tags/tag45.xml><?xml version="1.0" encoding="utf-8"?>
+<p:tagLst xmlns:p="http://schemas.openxmlformats.org/presentationml/2006/main">
   <p:tag name="KSO_WM_TEMPLATE_CATEGORY" val="custom"/>
   <p:tag name="KSO_WM_TEMPLATE_INDEX" val="20186830"/>
   <p:tag name="KSO_WM_TAG_VERSION" val="1.0"/>
@@ -15907,8 +17656,8 @@
 </p:tagLst>
 </file>
 
-<file path=ppt/tags/tag47.xml><?xml version="1.0" encoding="utf-8"?>
-<p:tagLst xmlns:a="http://schemas.openxmlformats.org/drawingml/2006/main" xmlns:r="http://schemas.openxmlformats.org/officeDocument/2006/relationships" xmlns:p="http://schemas.openxmlformats.org/presentationml/2006/main">
+<file path=ppt/tags/tag46.xml><?xml version="1.0" encoding="utf-8"?>
+<p:tagLst xmlns:p="http://schemas.openxmlformats.org/presentationml/2006/main">
   <p:tag name="KSO_WM_TEMPLATE_CATEGORY" val="custom"/>
   <p:tag name="KSO_WM_TEMPLATE_INDEX" val="20186830"/>
   <p:tag name="KSO_WM_TAG_VERSION" val="1.0"/>
@@ -15926,8 +17675,8 @@
 </p:tagLst>
 </file>
 
-<file path=ppt/tags/tag48.xml><?xml version="1.0" encoding="utf-8"?>
-<p:tagLst xmlns:a="http://schemas.openxmlformats.org/drawingml/2006/main" xmlns:r="http://schemas.openxmlformats.org/officeDocument/2006/relationships" xmlns:p="http://schemas.openxmlformats.org/presentationml/2006/main">
+<file path=ppt/tags/tag47.xml><?xml version="1.0" encoding="utf-8"?>
+<p:tagLst xmlns:p="http://schemas.openxmlformats.org/presentationml/2006/main">
   <p:tag name="KSO_WM_TEMPLATE_CATEGORY" val="custom"/>
   <p:tag name="KSO_WM_TEMPLATE_INDEX" val="20186830"/>
   <p:tag name="KSO_WM_TAG_VERSION" val="1.0"/>
@@ -15946,8 +17695,8 @@
 </p:tagLst>
 </file>
 
-<file path=ppt/tags/tag49.xml><?xml version="1.0" encoding="utf-8"?>
-<p:tagLst xmlns:a="http://schemas.openxmlformats.org/drawingml/2006/main" xmlns:r="http://schemas.openxmlformats.org/officeDocument/2006/relationships" xmlns:p="http://schemas.openxmlformats.org/presentationml/2006/main">
+<file path=ppt/tags/tag48.xml><?xml version="1.0" encoding="utf-8"?>
+<p:tagLst xmlns:p="http://schemas.openxmlformats.org/presentationml/2006/main">
   <p:tag name="KSO_WM_TEMPLATE_CATEGORY" val="custom"/>
   <p:tag name="KSO_WM_TEMPLATE_INDEX" val="20186830"/>
   <p:tag name="KSO_WM_TAG_VERSION" val="1.0"/>
@@ -15965,20 +17714,8 @@
 </p:tagLst>
 </file>
 
-<file path=ppt/tags/tag5.xml><?xml version="1.0" encoding="utf-8"?>
-<p:tagLst xmlns:a="http://schemas.openxmlformats.org/drawingml/2006/main" xmlns:r="http://schemas.openxmlformats.org/officeDocument/2006/relationships" xmlns:p="http://schemas.openxmlformats.org/presentationml/2006/main">
-  <p:tag name="KSO_WM_TAG_VERSION" val="1.0"/>
-  <p:tag name="KSO_WM_BEAUTIFY_FLAG" val="#wm#"/>
-  <p:tag name="KSO_WM_UNIT_TYPE" val="i"/>
-  <p:tag name="KSO_WM_UNIT_ID" val="custom20184556_1*i*4"/>
-  <p:tag name="KSO_WM_TEMPLATE_CATEGORY" val="custom"/>
-  <p:tag name="KSO_WM_TEMPLATE_INDEX" val="20184556"/>
-  <p:tag name="KSO_WM_UNIT_INDEX" val="4"/>
-</p:tagLst>
-</file>
-
-<file path=ppt/tags/tag50.xml><?xml version="1.0" encoding="utf-8"?>
-<p:tagLst xmlns:a="http://schemas.openxmlformats.org/drawingml/2006/main" xmlns:r="http://schemas.openxmlformats.org/officeDocument/2006/relationships" xmlns:p="http://schemas.openxmlformats.org/presentationml/2006/main">
+<file path=ppt/tags/tag49.xml><?xml version="1.0" encoding="utf-8"?>
+<p:tagLst xmlns:p="http://schemas.openxmlformats.org/presentationml/2006/main">
   <p:tag name="KSO_WM_TEMPLATE_CATEGORY" val="custom"/>
   <p:tag name="KSO_WM_TEMPLATE_INDEX" val="20186830"/>
   <p:tag name="KSO_WM_TAG_VERSION" val="1.0"/>
@@ -15997,8 +17734,20 @@
 </p:tagLst>
 </file>
 
-<file path=ppt/tags/tag51.xml><?xml version="1.0" encoding="utf-8"?>
-<p:tagLst xmlns:a="http://schemas.openxmlformats.org/drawingml/2006/main" xmlns:r="http://schemas.openxmlformats.org/officeDocument/2006/relationships" xmlns:p="http://schemas.openxmlformats.org/presentationml/2006/main">
+<file path=ppt/tags/tag5.xml><?xml version="1.0" encoding="utf-8"?>
+<p:tagLst xmlns:p="http://schemas.openxmlformats.org/presentationml/2006/main">
+  <p:tag name="KSO_WM_TAG_VERSION" val="1.0"/>
+  <p:tag name="KSO_WM_BEAUTIFY_FLAG" val="#wm#"/>
+  <p:tag name="KSO_WM_UNIT_TYPE" val="i"/>
+  <p:tag name="KSO_WM_UNIT_ID" val="custom20184556_1*i*7"/>
+  <p:tag name="KSO_WM_TEMPLATE_CATEGORY" val="custom"/>
+  <p:tag name="KSO_WM_TEMPLATE_INDEX" val="20184556"/>
+  <p:tag name="KSO_WM_UNIT_INDEX" val="7"/>
+</p:tagLst>
+</file>
+
+<file path=ppt/tags/tag50.xml><?xml version="1.0" encoding="utf-8"?>
+<p:tagLst xmlns:p="http://schemas.openxmlformats.org/presentationml/2006/main">
   <p:tag name="KSO_WM_TEMPLATE_CATEGORY" val="custom"/>
   <p:tag name="KSO_WM_TEMPLATE_INDEX" val="20186830"/>
   <p:tag name="KSO_WM_TAG_VERSION" val="1.0"/>
@@ -16016,8 +17765,8 @@
 </p:tagLst>
 </file>
 
-<file path=ppt/tags/tag52.xml><?xml version="1.0" encoding="utf-8"?>
-<p:tagLst xmlns:a="http://schemas.openxmlformats.org/drawingml/2006/main" xmlns:r="http://schemas.openxmlformats.org/officeDocument/2006/relationships" xmlns:p="http://schemas.openxmlformats.org/presentationml/2006/main">
+<file path=ppt/tags/tag51.xml><?xml version="1.0" encoding="utf-8"?>
+<p:tagLst xmlns:p="http://schemas.openxmlformats.org/presentationml/2006/main">
   <p:tag name="KSO_WM_TEMPLATE_CATEGORY" val="custom"/>
   <p:tag name="KSO_WM_TEMPLATE_INDEX" val="20186830"/>
   <p:tag name="KSO_WM_TAG_VERSION" val="1.0"/>
@@ -16036,8 +17785,8 @@
 </p:tagLst>
 </file>
 
-<file path=ppt/tags/tag53.xml><?xml version="1.0" encoding="utf-8"?>
-<p:tagLst xmlns:a="http://schemas.openxmlformats.org/drawingml/2006/main" xmlns:r="http://schemas.openxmlformats.org/officeDocument/2006/relationships" xmlns:p="http://schemas.openxmlformats.org/presentationml/2006/main">
+<file path=ppt/tags/tag52.xml><?xml version="1.0" encoding="utf-8"?>
+<p:tagLst xmlns:p="http://schemas.openxmlformats.org/presentationml/2006/main">
   <p:tag name="KSO_WM_TEMPLATE_CATEGORY" val="custom"/>
   <p:tag name="KSO_WM_TEMPLATE_INDEX" val="20186830"/>
   <p:tag name="KSO_WM_TAG_VERSION" val="1.0"/>
@@ -16055,8 +17804,8 @@
 </p:tagLst>
 </file>
 
-<file path=ppt/tags/tag54.xml><?xml version="1.0" encoding="utf-8"?>
-<p:tagLst xmlns:a="http://schemas.openxmlformats.org/drawingml/2006/main" xmlns:r="http://schemas.openxmlformats.org/officeDocument/2006/relationships" xmlns:p="http://schemas.openxmlformats.org/presentationml/2006/main">
+<file path=ppt/tags/tag53.xml><?xml version="1.0" encoding="utf-8"?>
+<p:tagLst xmlns:p="http://schemas.openxmlformats.org/presentationml/2006/main">
   <p:tag name="KSO_WM_TEMPLATE_CATEGORY" val="custom"/>
   <p:tag name="KSO_WM_TEMPLATE_INDEX" val="20186830"/>
   <p:tag name="KSO_WM_TAG_VERSION" val="1.0"/>
@@ -16075,8 +17824,8 @@
 </p:tagLst>
 </file>
 
-<file path=ppt/tags/tag55.xml><?xml version="1.0" encoding="utf-8"?>
-<p:tagLst xmlns:a="http://schemas.openxmlformats.org/drawingml/2006/main" xmlns:r="http://schemas.openxmlformats.org/officeDocument/2006/relationships" xmlns:p="http://schemas.openxmlformats.org/presentationml/2006/main">
+<file path=ppt/tags/tag54.xml><?xml version="1.0" encoding="utf-8"?>
+<p:tagLst xmlns:p="http://schemas.openxmlformats.org/presentationml/2006/main">
   <p:tag name="KSO_WM_TEMPLATE_CATEGORY" val="custom"/>
   <p:tag name="KSO_WM_TEMPLATE_INDEX" val="20186830"/>
   <p:tag name="KSO_WM_TAG_VERSION" val="1.0"/>
@@ -16094,8 +17843,8 @@
 </p:tagLst>
 </file>
 
-<file path=ppt/tags/tag56.xml><?xml version="1.0" encoding="utf-8"?>
-<p:tagLst xmlns:a="http://schemas.openxmlformats.org/drawingml/2006/main" xmlns:r="http://schemas.openxmlformats.org/officeDocument/2006/relationships" xmlns:p="http://schemas.openxmlformats.org/presentationml/2006/main">
+<file path=ppt/tags/tag55.xml><?xml version="1.0" encoding="utf-8"?>
+<p:tagLst xmlns:p="http://schemas.openxmlformats.org/presentationml/2006/main">
   <p:tag name="KSO_WM_TEMPLATE_CATEGORY" val="custom"/>
   <p:tag name="KSO_WM_TEMPLATE_INDEX" val="20186830"/>
   <p:tag name="KSO_WM_TAG_VERSION" val="1.0"/>
@@ -16114,8 +17863,8 @@
 </p:tagLst>
 </file>
 
-<file path=ppt/tags/tag57.xml><?xml version="1.0" encoding="utf-8"?>
-<p:tagLst xmlns:a="http://schemas.openxmlformats.org/drawingml/2006/main" xmlns:r="http://schemas.openxmlformats.org/officeDocument/2006/relationships" xmlns:p="http://schemas.openxmlformats.org/presentationml/2006/main">
+<file path=ppt/tags/tag56.xml><?xml version="1.0" encoding="utf-8"?>
+<p:tagLst xmlns:p="http://schemas.openxmlformats.org/presentationml/2006/main">
   <p:tag name="KSO_WM_TEMPLATE_CATEGORY" val="custom"/>
   <p:tag name="KSO_WM_TEMPLATE_INDEX" val="20186830"/>
   <p:tag name="KSO_WM_TAG_VERSION" val="1.0"/>
@@ -16133,8 +17882,8 @@
 </p:tagLst>
 </file>
 
-<file path=ppt/tags/tag58.xml><?xml version="1.0" encoding="utf-8"?>
-<p:tagLst xmlns:a="http://schemas.openxmlformats.org/drawingml/2006/main" xmlns:r="http://schemas.openxmlformats.org/officeDocument/2006/relationships" xmlns:p="http://schemas.openxmlformats.org/presentationml/2006/main">
+<file path=ppt/tags/tag57.xml><?xml version="1.0" encoding="utf-8"?>
+<p:tagLst xmlns:p="http://schemas.openxmlformats.org/presentationml/2006/main">
   <p:tag name="KSO_WM_TEMPLATE_CATEGORY" val="custom"/>
   <p:tag name="KSO_WM_TEMPLATE_INDEX" val="20186830"/>
   <p:tag name="KSO_WM_TAG_VERSION" val="1.0"/>
@@ -16153,8 +17902,8 @@
 </p:tagLst>
 </file>
 
-<file path=ppt/tags/tag59.xml><?xml version="1.0" encoding="utf-8"?>
-<p:tagLst xmlns:a="http://schemas.openxmlformats.org/drawingml/2006/main" xmlns:r="http://schemas.openxmlformats.org/officeDocument/2006/relationships" xmlns:p="http://schemas.openxmlformats.org/presentationml/2006/main">
+<file path=ppt/tags/tag58.xml><?xml version="1.0" encoding="utf-8"?>
+<p:tagLst xmlns:p="http://schemas.openxmlformats.org/presentationml/2006/main">
   <p:tag name="KSO_WM_TEMPLATE_CATEGORY" val="custom"/>
   <p:tag name="KSO_WM_TEMPLATE_INDEX" val="20186830"/>
   <p:tag name="KSO_WM_TAG_VERSION" val="1.0"/>
@@ -16172,20 +17921,8 @@
 </p:tagLst>
 </file>
 
-<file path=ppt/tags/tag6.xml><?xml version="1.0" encoding="utf-8"?>
-<p:tagLst xmlns:a="http://schemas.openxmlformats.org/drawingml/2006/main" xmlns:r="http://schemas.openxmlformats.org/officeDocument/2006/relationships" xmlns:p="http://schemas.openxmlformats.org/presentationml/2006/main">
-  <p:tag name="KSO_WM_TAG_VERSION" val="1.0"/>
-  <p:tag name="KSO_WM_BEAUTIFY_FLAG" val="#wm#"/>
-  <p:tag name="KSO_WM_UNIT_TYPE" val="i"/>
-  <p:tag name="KSO_WM_UNIT_ID" val="custom20184556_1*i*5"/>
-  <p:tag name="KSO_WM_TEMPLATE_CATEGORY" val="custom"/>
-  <p:tag name="KSO_WM_TEMPLATE_INDEX" val="20184556"/>
-  <p:tag name="KSO_WM_UNIT_INDEX" val="5"/>
-</p:tagLst>
-</file>
-
-<file path=ppt/tags/tag60.xml><?xml version="1.0" encoding="utf-8"?>
-<p:tagLst xmlns:a="http://schemas.openxmlformats.org/drawingml/2006/main" xmlns:r="http://schemas.openxmlformats.org/officeDocument/2006/relationships" xmlns:p="http://schemas.openxmlformats.org/presentationml/2006/main">
+<file path=ppt/tags/tag59.xml><?xml version="1.0" encoding="utf-8"?>
+<p:tagLst xmlns:p="http://schemas.openxmlformats.org/presentationml/2006/main">
   <p:tag name="KSO_WM_TEMPLATE_CATEGORY" val="custom"/>
   <p:tag name="KSO_WM_TEMPLATE_INDEX" val="20186830"/>
   <p:tag name="KSO_WM_TAG_VERSION" val="1.0"/>
@@ -16204,8 +17941,20 @@
 </p:tagLst>
 </file>
 
-<file path=ppt/tags/tag61.xml><?xml version="1.0" encoding="utf-8"?>
-<p:tagLst xmlns:a="http://schemas.openxmlformats.org/drawingml/2006/main" xmlns:r="http://schemas.openxmlformats.org/officeDocument/2006/relationships" xmlns:p="http://schemas.openxmlformats.org/presentationml/2006/main">
+<file path=ppt/tags/tag6.xml><?xml version="1.0" encoding="utf-8"?>
+<p:tagLst xmlns:p="http://schemas.openxmlformats.org/presentationml/2006/main">
+  <p:tag name="KSO_WM_TAG_VERSION" val="1.0"/>
+  <p:tag name="KSO_WM_BEAUTIFY_FLAG" val="#wm#"/>
+  <p:tag name="KSO_WM_UNIT_TYPE" val="i"/>
+  <p:tag name="KSO_WM_UNIT_ID" val="custom20184556_22*i*2"/>
+  <p:tag name="KSO_WM_TEMPLATE_CATEGORY" val="custom"/>
+  <p:tag name="KSO_WM_TEMPLATE_INDEX" val="20184556"/>
+  <p:tag name="KSO_WM_UNIT_INDEX" val="2"/>
+</p:tagLst>
+</file>
+
+<file path=ppt/tags/tag60.xml><?xml version="1.0" encoding="utf-8"?>
+<p:tagLst xmlns:p="http://schemas.openxmlformats.org/presentationml/2006/main">
   <p:tag name="KSO_WM_TEMPLATE_CATEGORY" val="custom"/>
   <p:tag name="KSO_WM_TEMPLATE_INDEX" val="20186830"/>
   <p:tag name="KSO_WM_TAG_VERSION" val="1.0"/>
@@ -16223,8 +17972,8 @@
 </p:tagLst>
 </file>
 
-<file path=ppt/tags/tag62.xml><?xml version="1.0" encoding="utf-8"?>
-<p:tagLst xmlns:a="http://schemas.openxmlformats.org/drawingml/2006/main" xmlns:r="http://schemas.openxmlformats.org/officeDocument/2006/relationships" xmlns:p="http://schemas.openxmlformats.org/presentationml/2006/main">
+<file path=ppt/tags/tag61.xml><?xml version="1.0" encoding="utf-8"?>
+<p:tagLst xmlns:p="http://schemas.openxmlformats.org/presentationml/2006/main">
   <p:tag name="KSO_WM_TEMPLATE_CATEGORY" val="custom"/>
   <p:tag name="KSO_WM_TEMPLATE_INDEX" val="20186830"/>
   <p:tag name="KSO_WM_TAG_VERSION" val="1.0"/>
@@ -16243,8 +17992,8 @@
 </p:tagLst>
 </file>
 
-<file path=ppt/tags/tag63.xml><?xml version="1.0" encoding="utf-8"?>
-<p:tagLst xmlns:a="http://schemas.openxmlformats.org/drawingml/2006/main" xmlns:r="http://schemas.openxmlformats.org/officeDocument/2006/relationships" xmlns:p="http://schemas.openxmlformats.org/presentationml/2006/main">
+<file path=ppt/tags/tag62.xml><?xml version="1.0" encoding="utf-8"?>
+<p:tagLst xmlns:p="http://schemas.openxmlformats.org/presentationml/2006/main">
   <p:tag name="KSO_WM_TEMPLATE_CATEGORY" val="custom"/>
   <p:tag name="KSO_WM_TEMPLATE_INDEX" val="20186830"/>
   <p:tag name="KSO_WM_TAG_VERSION" val="1.0"/>
@@ -16262,8 +18011,8 @@
 </p:tagLst>
 </file>
 
-<file path=ppt/tags/tag64.xml><?xml version="1.0" encoding="utf-8"?>
-<p:tagLst xmlns:a="http://schemas.openxmlformats.org/drawingml/2006/main" xmlns:r="http://schemas.openxmlformats.org/officeDocument/2006/relationships" xmlns:p="http://schemas.openxmlformats.org/presentationml/2006/main">
+<file path=ppt/tags/tag63.xml><?xml version="1.0" encoding="utf-8"?>
+<p:tagLst xmlns:p="http://schemas.openxmlformats.org/presentationml/2006/main">
   <p:tag name="KSO_WM_TEMPLATE_CATEGORY" val="custom"/>
   <p:tag name="KSO_WM_TEMPLATE_INDEX" val="20186830"/>
   <p:tag name="KSO_WM_TAG_VERSION" val="1.0"/>
@@ -16282,8 +18031,8 @@
 </p:tagLst>
 </file>
 
-<file path=ppt/tags/tag65.xml><?xml version="1.0" encoding="utf-8"?>
-<p:tagLst xmlns:a="http://schemas.openxmlformats.org/drawingml/2006/main" xmlns:r="http://schemas.openxmlformats.org/officeDocument/2006/relationships" xmlns:p="http://schemas.openxmlformats.org/presentationml/2006/main">
+<file path=ppt/tags/tag64.xml><?xml version="1.0" encoding="utf-8"?>
+<p:tagLst xmlns:p="http://schemas.openxmlformats.org/presentationml/2006/main">
   <p:tag name="KSO_WM_TEMPLATE_CATEGORY" val="custom"/>
   <p:tag name="KSO_WM_TEMPLATE_INDEX" val="20186830"/>
   <p:tag name="KSO_WM_TAG_VERSION" val="1.0"/>
@@ -16301,8 +18050,8 @@
 </p:tagLst>
 </file>
 
-<file path=ppt/tags/tag66.xml><?xml version="1.0" encoding="utf-8"?>
-<p:tagLst xmlns:a="http://schemas.openxmlformats.org/drawingml/2006/main" xmlns:r="http://schemas.openxmlformats.org/officeDocument/2006/relationships" xmlns:p="http://schemas.openxmlformats.org/presentationml/2006/main">
+<file path=ppt/tags/tag65.xml><?xml version="1.0" encoding="utf-8"?>
+<p:tagLst xmlns:p="http://schemas.openxmlformats.org/presentationml/2006/main">
   <p:tag name="KSO_WM_TEMPLATE_CATEGORY" val="custom"/>
   <p:tag name="KSO_WM_TEMPLATE_INDEX" val="20186830"/>
   <p:tag name="KSO_WM_TAG_VERSION" val="1.0"/>
@@ -16321,8 +18070,8 @@
 </p:tagLst>
 </file>
 
-<file path=ppt/tags/tag67.xml><?xml version="1.0" encoding="utf-8"?>
-<p:tagLst xmlns:a="http://schemas.openxmlformats.org/drawingml/2006/main" xmlns:r="http://schemas.openxmlformats.org/officeDocument/2006/relationships" xmlns:p="http://schemas.openxmlformats.org/presentationml/2006/main">
+<file path=ppt/tags/tag66.xml><?xml version="1.0" encoding="utf-8"?>
+<p:tagLst xmlns:p="http://schemas.openxmlformats.org/presentationml/2006/main">
   <p:tag name="KSO_WM_TEMPLATE_CATEGORY" val="custom"/>
   <p:tag name="KSO_WM_TEMPLATE_INDEX" val="20186830"/>
   <p:tag name="KSO_WM_TAG_VERSION" val="1.0"/>
@@ -16340,8 +18089,8 @@
 </p:tagLst>
 </file>
 
-<file path=ppt/tags/tag68.xml><?xml version="1.0" encoding="utf-8"?>
-<p:tagLst xmlns:a="http://schemas.openxmlformats.org/drawingml/2006/main" xmlns:r="http://schemas.openxmlformats.org/officeDocument/2006/relationships" xmlns:p="http://schemas.openxmlformats.org/presentationml/2006/main">
+<file path=ppt/tags/tag67.xml><?xml version="1.0" encoding="utf-8"?>
+<p:tagLst xmlns:p="http://schemas.openxmlformats.org/presentationml/2006/main">
   <p:tag name="KSO_WM_TEMPLATE_CATEGORY" val="custom"/>
   <p:tag name="KSO_WM_TEMPLATE_INDEX" val="20186830"/>
   <p:tag name="KSO_WM_TAG_VERSION" val="1.0"/>
@@ -16360,54 +18109,307 @@
 </p:tagLst>
 </file>
 
+<file path=ppt/tags/tag68.xml><?xml version="1.0" encoding="utf-8"?>
+<p:tagLst xmlns:p="http://schemas.openxmlformats.org/presentationml/2006/main">
+  <p:tag name="KSO_WM_TEMPLATE_CATEGORY" val="custom"/>
+  <p:tag name="KSO_WM_TEMPLATE_INDEX" val="20186830"/>
+  <p:tag name="KSO_WM_TAG_VERSION" val="1.0"/>
+  <p:tag name="KSO_WM_SLIDE_ID" val="custom20186830_7"/>
+  <p:tag name="KSO_WM_SLIDE_INDEX" val="7"/>
+  <p:tag name="KSO_WM_SLIDE_ITEM_CNT" val="1"/>
+  <p:tag name="KSO_WM_SLIDE_LAYOUT" val="a_l"/>
+  <p:tag name="KSO_WM_SLIDE_LAYOUT_CNT" val="1_1"/>
+  <p:tag name="KSO_WM_SLIDE_TYPE" val="text"/>
+  <p:tag name="KSO_WM_BEAUTIFY_FLAG" val="#wm#"/>
+  <p:tag name="KSO_WM_SLIDE_POSITION" val="25*85"/>
+  <p:tag name="KSO_WM_SLIDE_SIZE" val="452*279"/>
+  <p:tag name="KSO_WM_DIAGRAM_GROUP_CODE" val="l1-1"/>
+  <p:tag name="KSO_WM_SLIDE_SUBTYPE" val="diag"/>
+</p:tagLst>
+</file>
+
 <file path=ppt/tags/tag69.xml><?xml version="1.0" encoding="utf-8"?>
-<p:tagLst xmlns:a="http://schemas.openxmlformats.org/drawingml/2006/main" xmlns:r="http://schemas.openxmlformats.org/officeDocument/2006/relationships" xmlns:p="http://schemas.openxmlformats.org/presentationml/2006/main">
+<p:tagLst xmlns:p="http://schemas.openxmlformats.org/presentationml/2006/main">
+  <p:tag name="KSO_WM_TEMPLATE_CATEGORY" val="custom"/>
+  <p:tag name="KSO_WM_TEMPLATE_INDEX" val="20186830"/>
+  <p:tag name="KSO_WM_TAG_VERSION" val="1.0"/>
+  <p:tag name="KSO_WM_BEAUTIFY_FLAG" val="#wm#"/>
+  <p:tag name="KSO_WM_UNIT_TYPE" val="a"/>
+  <p:tag name="KSO_WM_UNIT_INDEX" val="1"/>
+  <p:tag name="KSO_WM_UNIT_ID" val="custom20186830_7*a*1"/>
+  <p:tag name="KSO_WM_UNIT_LAYERLEVEL" val="1"/>
+  <p:tag name="KSO_WM_UNIT_VALUE" val="19"/>
+  <p:tag name="KSO_WM_UNIT_ISCONTENTSTITLE" val="0"/>
+  <p:tag name="KSO_WM_UNIT_HIGHLIGHT" val="0"/>
+  <p:tag name="KSO_WM_UNIT_COMPATIBLE" val="0"/>
+  <p:tag name="KSO_WM_UNIT_CLEAR" val="0"/>
+  <p:tag name="KSO_WM_UNIT_PRESET_TEXT_INDEX" val="3"/>
+  <p:tag name="KSO_WM_UNIT_PRESET_TEXT_LEN" val="17"/>
+</p:tagLst>
+</file>
+
+<file path=ppt/tags/tag7.xml><?xml version="1.0" encoding="utf-8"?>
+<p:tagLst xmlns:p="http://schemas.openxmlformats.org/presentationml/2006/main">
+  <p:tag name="KSO_WM_TAG_VERSION" val="1.0"/>
+  <p:tag name="KSO_WM_BEAUTIFY_FLAG" val="#wm#"/>
+  <p:tag name="KSO_WM_UNIT_TYPE" val="i"/>
+  <p:tag name="KSO_WM_UNIT_ID" val="custom20184556_22*i*3"/>
+  <p:tag name="KSO_WM_TEMPLATE_CATEGORY" val="custom"/>
+  <p:tag name="KSO_WM_TEMPLATE_INDEX" val="20184556"/>
+  <p:tag name="KSO_WM_UNIT_INDEX" val="3"/>
+</p:tagLst>
+</file>
+
+<file path=ppt/tags/tag70.xml><?xml version="1.0" encoding="utf-8"?>
+<p:tagLst xmlns:p="http://schemas.openxmlformats.org/presentationml/2006/main">
+  <p:tag name="KSO_WM_TEMPLATE_CATEGORY" val="custom"/>
+  <p:tag name="KSO_WM_TEMPLATE_INDEX" val="20186830"/>
+  <p:tag name="KSO_WM_TAG_VERSION" val="1.0"/>
+  <p:tag name="KSO_WM_SLIDE_ID" val="custom20186830_7"/>
+  <p:tag name="KSO_WM_SLIDE_INDEX" val="7"/>
+  <p:tag name="KSO_WM_SLIDE_ITEM_CNT" val="1"/>
+  <p:tag name="KSO_WM_SLIDE_LAYOUT" val="a_l"/>
+  <p:tag name="KSO_WM_SLIDE_LAYOUT_CNT" val="1_1"/>
+  <p:tag name="KSO_WM_SLIDE_TYPE" val="text"/>
+  <p:tag name="KSO_WM_BEAUTIFY_FLAG" val="#wm#"/>
+  <p:tag name="KSO_WM_SLIDE_POSITION" val="25*85"/>
+  <p:tag name="KSO_WM_SLIDE_SIZE" val="452*279"/>
+  <p:tag name="KSO_WM_DIAGRAM_GROUP_CODE" val="l1-1"/>
+  <p:tag name="KSO_WM_SLIDE_SUBTYPE" val="diag"/>
+</p:tagLst>
+</file>
+
+<file path=ppt/tags/tag71.xml><?xml version="1.0" encoding="utf-8"?>
+<p:tagLst xmlns:p="http://schemas.openxmlformats.org/presentationml/2006/main">
+  <p:tag name="KSO_WM_TEMPLATE_CATEGORY" val="custom"/>
+  <p:tag name="KSO_WM_TEMPLATE_INDEX" val="20186830"/>
+  <p:tag name="KSO_WM_TAG_VERSION" val="1.0"/>
+  <p:tag name="KSO_WM_BEAUTIFY_FLAG" val="#wm#"/>
+  <p:tag name="KSO_WM_UNIT_TYPE" val="a"/>
+  <p:tag name="KSO_WM_UNIT_INDEX" val="1"/>
+  <p:tag name="KSO_WM_UNIT_ID" val="custom20186830_7*a*1"/>
+  <p:tag name="KSO_WM_UNIT_LAYERLEVEL" val="1"/>
+  <p:tag name="KSO_WM_UNIT_VALUE" val="19"/>
+  <p:tag name="KSO_WM_UNIT_ISCONTENTSTITLE" val="0"/>
+  <p:tag name="KSO_WM_UNIT_HIGHLIGHT" val="0"/>
+  <p:tag name="KSO_WM_UNIT_COMPATIBLE" val="0"/>
+  <p:tag name="KSO_WM_UNIT_CLEAR" val="0"/>
+  <p:tag name="KSO_WM_UNIT_PRESET_TEXT_INDEX" val="3"/>
+  <p:tag name="KSO_WM_UNIT_PRESET_TEXT_LEN" val="17"/>
+</p:tagLst>
+</file>
+
+<file path=ppt/tags/tag72.xml><?xml version="1.0" encoding="utf-8"?>
+<p:tagLst xmlns:p="http://schemas.openxmlformats.org/presentationml/2006/main">
+  <p:tag name="KSO_WM_TEMPLATE_CATEGORY" val="custom"/>
+  <p:tag name="KSO_WM_TEMPLATE_INDEX" val="20186830"/>
+  <p:tag name="KSO_WM_TAG_VERSION" val="1.0"/>
+  <p:tag name="KSO_WM_SLIDE_ID" val="custom20186830_7"/>
+  <p:tag name="KSO_WM_SLIDE_INDEX" val="7"/>
+  <p:tag name="KSO_WM_SLIDE_ITEM_CNT" val="1"/>
+  <p:tag name="KSO_WM_SLIDE_LAYOUT" val="a_l"/>
+  <p:tag name="KSO_WM_SLIDE_LAYOUT_CNT" val="1_1"/>
+  <p:tag name="KSO_WM_SLIDE_TYPE" val="text"/>
+  <p:tag name="KSO_WM_BEAUTIFY_FLAG" val="#wm#"/>
+  <p:tag name="KSO_WM_SLIDE_POSITION" val="25*85"/>
+  <p:tag name="KSO_WM_SLIDE_SIZE" val="452*279"/>
+  <p:tag name="KSO_WM_DIAGRAM_GROUP_CODE" val="l1-1"/>
+  <p:tag name="KSO_WM_SLIDE_SUBTYPE" val="diag"/>
+</p:tagLst>
+</file>
+
+<file path=ppt/tags/tag73.xml><?xml version="1.0" encoding="utf-8"?>
+<p:tagLst xmlns:p="http://schemas.openxmlformats.org/presentationml/2006/main">
+  <p:tag name="KSO_WM_TEMPLATE_CATEGORY" val="custom"/>
+  <p:tag name="KSO_WM_TEMPLATE_INDEX" val="20186830"/>
+  <p:tag name="KSO_WM_TAG_VERSION" val="1.0"/>
+  <p:tag name="KSO_WM_BEAUTIFY_FLAG" val="#wm#"/>
+  <p:tag name="KSO_WM_UNIT_TYPE" val="a"/>
+  <p:tag name="KSO_WM_UNIT_INDEX" val="1"/>
+  <p:tag name="KSO_WM_UNIT_ID" val="custom20186830_7*a*1"/>
+  <p:tag name="KSO_WM_UNIT_LAYERLEVEL" val="1"/>
+  <p:tag name="KSO_WM_UNIT_VALUE" val="19"/>
+  <p:tag name="KSO_WM_UNIT_ISCONTENTSTITLE" val="0"/>
+  <p:tag name="KSO_WM_UNIT_HIGHLIGHT" val="0"/>
+  <p:tag name="KSO_WM_UNIT_COMPATIBLE" val="0"/>
+  <p:tag name="KSO_WM_UNIT_CLEAR" val="0"/>
+  <p:tag name="KSO_WM_UNIT_PRESET_TEXT_INDEX" val="3"/>
+  <p:tag name="KSO_WM_UNIT_PRESET_TEXT_LEN" val="17"/>
+</p:tagLst>
+</file>
+
+<file path=ppt/tags/tag74.xml><?xml version="1.0" encoding="utf-8"?>
+<p:tagLst xmlns:p="http://schemas.openxmlformats.org/presentationml/2006/main">
+  <p:tag name="KSO_WM_TEMPLATE_CATEGORY" val="custom"/>
+  <p:tag name="KSO_WM_TEMPLATE_INDEX" val="20186830"/>
+  <p:tag name="KSO_WM_TAG_VERSION" val="1.0"/>
+  <p:tag name="KSO_WM_SLIDE_ID" val="custom20186830_7"/>
+  <p:tag name="KSO_WM_SLIDE_INDEX" val="7"/>
+  <p:tag name="KSO_WM_SLIDE_ITEM_CNT" val="1"/>
+  <p:tag name="KSO_WM_SLIDE_LAYOUT" val="a_l"/>
+  <p:tag name="KSO_WM_SLIDE_LAYOUT_CNT" val="1_1"/>
+  <p:tag name="KSO_WM_SLIDE_TYPE" val="text"/>
+  <p:tag name="KSO_WM_BEAUTIFY_FLAG" val="#wm#"/>
+  <p:tag name="KSO_WM_SLIDE_POSITION" val="25*85"/>
+  <p:tag name="KSO_WM_SLIDE_SIZE" val="452*279"/>
+  <p:tag name="KSO_WM_DIAGRAM_GROUP_CODE" val="l1-1"/>
+  <p:tag name="KSO_WM_SLIDE_SUBTYPE" val="diag"/>
+</p:tagLst>
+</file>
+
+<file path=ppt/tags/tag75.xml><?xml version="1.0" encoding="utf-8"?>
+<p:tagLst xmlns:p="http://schemas.openxmlformats.org/presentationml/2006/main">
+  <p:tag name="KSO_WM_TEMPLATE_CATEGORY" val="custom"/>
+  <p:tag name="KSO_WM_TEMPLATE_INDEX" val="20186830"/>
+  <p:tag name="KSO_WM_TAG_VERSION" val="1.0"/>
+  <p:tag name="KSO_WM_BEAUTIFY_FLAG" val="#wm#"/>
+  <p:tag name="KSO_WM_UNIT_TYPE" val="a"/>
+  <p:tag name="KSO_WM_UNIT_INDEX" val="1"/>
+  <p:tag name="KSO_WM_UNIT_ID" val="custom20186830_7*a*1"/>
+  <p:tag name="KSO_WM_UNIT_LAYERLEVEL" val="1"/>
+  <p:tag name="KSO_WM_UNIT_VALUE" val="19"/>
+  <p:tag name="KSO_WM_UNIT_ISCONTENTSTITLE" val="0"/>
+  <p:tag name="KSO_WM_UNIT_HIGHLIGHT" val="0"/>
+  <p:tag name="KSO_WM_UNIT_COMPATIBLE" val="0"/>
+  <p:tag name="KSO_WM_UNIT_CLEAR" val="0"/>
+  <p:tag name="KSO_WM_UNIT_PRESET_TEXT_INDEX" val="3"/>
+  <p:tag name="KSO_WM_UNIT_PRESET_TEXT_LEN" val="17"/>
+</p:tagLst>
+</file>
+
+<file path=ppt/tags/tag76.xml><?xml version="1.0" encoding="utf-8"?>
+<p:tagLst xmlns:p="http://schemas.openxmlformats.org/presentationml/2006/main">
+  <p:tag name="KSO_WM_TEMPLATE_CATEGORY" val="custom"/>
+  <p:tag name="KSO_WM_TEMPLATE_INDEX" val="20186830"/>
+  <p:tag name="KSO_WM_TAG_VERSION" val="1.0"/>
+  <p:tag name="KSO_WM_SLIDE_ID" val="custom20186830_7"/>
+  <p:tag name="KSO_WM_SLIDE_INDEX" val="7"/>
+  <p:tag name="KSO_WM_SLIDE_ITEM_CNT" val="1"/>
+  <p:tag name="KSO_WM_SLIDE_LAYOUT" val="a_l"/>
+  <p:tag name="KSO_WM_SLIDE_LAYOUT_CNT" val="1_1"/>
+  <p:tag name="KSO_WM_SLIDE_TYPE" val="text"/>
+  <p:tag name="KSO_WM_BEAUTIFY_FLAG" val="#wm#"/>
+  <p:tag name="KSO_WM_SLIDE_POSITION" val="25*85"/>
+  <p:tag name="KSO_WM_SLIDE_SIZE" val="452*279"/>
+  <p:tag name="KSO_WM_DIAGRAM_GROUP_CODE" val="l1-1"/>
+  <p:tag name="KSO_WM_SLIDE_SUBTYPE" val="diag"/>
+</p:tagLst>
+</file>
+
+<file path=ppt/tags/tag77.xml><?xml version="1.0" encoding="utf-8"?>
+<p:tagLst xmlns:p="http://schemas.openxmlformats.org/presentationml/2006/main">
+  <p:tag name="KSO_WM_TEMPLATE_CATEGORY" val="custom"/>
+  <p:tag name="KSO_WM_TEMPLATE_INDEX" val="20186830"/>
+  <p:tag name="KSO_WM_TAG_VERSION" val="1.0"/>
+  <p:tag name="KSO_WM_BEAUTIFY_FLAG" val="#wm#"/>
+  <p:tag name="KSO_WM_UNIT_TYPE" val="a"/>
+  <p:tag name="KSO_WM_UNIT_INDEX" val="1"/>
+  <p:tag name="KSO_WM_UNIT_ID" val="custom20186830_7*a*1"/>
+  <p:tag name="KSO_WM_UNIT_LAYERLEVEL" val="1"/>
+  <p:tag name="KSO_WM_UNIT_VALUE" val="19"/>
+  <p:tag name="KSO_WM_UNIT_ISCONTENTSTITLE" val="0"/>
+  <p:tag name="KSO_WM_UNIT_HIGHLIGHT" val="0"/>
+  <p:tag name="KSO_WM_UNIT_COMPATIBLE" val="0"/>
+  <p:tag name="KSO_WM_UNIT_CLEAR" val="0"/>
+  <p:tag name="KSO_WM_UNIT_PRESET_TEXT_INDEX" val="3"/>
+  <p:tag name="KSO_WM_UNIT_PRESET_TEXT_LEN" val="17"/>
+</p:tagLst>
+</file>
+
+<file path=ppt/tags/tag78.xml><?xml version="1.0" encoding="utf-8"?>
+<p:tagLst xmlns:p="http://schemas.openxmlformats.org/presentationml/2006/main">
+  <p:tag name="KSO_WM_TEMPLATE_CATEGORY" val="custom"/>
+  <p:tag name="KSO_WM_TEMPLATE_INDEX" val="20186830"/>
+  <p:tag name="KSO_WM_TAG_VERSION" val="1.0"/>
+  <p:tag name="KSO_WM_SLIDE_ID" val="custom20186830_7"/>
+  <p:tag name="KSO_WM_SLIDE_INDEX" val="7"/>
+  <p:tag name="KSO_WM_SLIDE_ITEM_CNT" val="1"/>
+  <p:tag name="KSO_WM_SLIDE_LAYOUT" val="a_l"/>
+  <p:tag name="KSO_WM_SLIDE_LAYOUT_CNT" val="1_1"/>
+  <p:tag name="KSO_WM_SLIDE_TYPE" val="text"/>
+  <p:tag name="KSO_WM_BEAUTIFY_FLAG" val="#wm#"/>
+  <p:tag name="KSO_WM_SLIDE_POSITION" val="25*85"/>
+  <p:tag name="KSO_WM_SLIDE_SIZE" val="452*279"/>
+  <p:tag name="KSO_WM_DIAGRAM_GROUP_CODE" val="l1-1"/>
+  <p:tag name="KSO_WM_SLIDE_SUBTYPE" val="diag"/>
+</p:tagLst>
+</file>
+
+<file path=ppt/tags/tag79.xml><?xml version="1.0" encoding="utf-8"?>
+<p:tagLst xmlns:p="http://schemas.openxmlformats.org/presentationml/2006/main">
+  <p:tag name="KSO_WM_TEMPLATE_CATEGORY" val="custom"/>
+  <p:tag name="KSO_WM_TEMPLATE_INDEX" val="20186830"/>
+  <p:tag name="KSO_WM_TAG_VERSION" val="1.0"/>
+  <p:tag name="KSO_WM_BEAUTIFY_FLAG" val="#wm#"/>
+  <p:tag name="KSO_WM_UNIT_TYPE" val="a"/>
+  <p:tag name="KSO_WM_UNIT_INDEX" val="1"/>
+  <p:tag name="KSO_WM_UNIT_ID" val="custom20186830_7*a*1"/>
+  <p:tag name="KSO_WM_UNIT_LAYERLEVEL" val="1"/>
+  <p:tag name="KSO_WM_UNIT_VALUE" val="19"/>
+  <p:tag name="KSO_WM_UNIT_ISCONTENTSTITLE" val="0"/>
+  <p:tag name="KSO_WM_UNIT_HIGHLIGHT" val="0"/>
+  <p:tag name="KSO_WM_UNIT_COMPATIBLE" val="0"/>
+  <p:tag name="KSO_WM_UNIT_CLEAR" val="0"/>
+  <p:tag name="KSO_WM_UNIT_PRESET_TEXT_INDEX" val="3"/>
+  <p:tag name="KSO_WM_UNIT_PRESET_TEXT_LEN" val="17"/>
+</p:tagLst>
+</file>
+
+<file path=ppt/tags/tag8.xml><?xml version="1.0" encoding="utf-8"?>
+<p:tagLst xmlns:p="http://schemas.openxmlformats.org/presentationml/2006/main">
+  <p:tag name="KSO_WM_TAG_VERSION" val="1.0"/>
+  <p:tag name="KSO_WM_BEAUTIFY_FLAG" val="#wm#"/>
+  <p:tag name="KSO_WM_UNIT_TYPE" val="i"/>
+  <p:tag name="KSO_WM_UNIT_ID" val="custom20184556_22*i*4"/>
+  <p:tag name="KSO_WM_TEMPLATE_CATEGORY" val="custom"/>
+  <p:tag name="KSO_WM_TEMPLATE_INDEX" val="20184556"/>
+  <p:tag name="KSO_WM_UNIT_INDEX" val="4"/>
+</p:tagLst>
+</file>
+
+<file path=ppt/tags/tag80.xml><?xml version="1.0" encoding="utf-8"?>
+<p:tagLst xmlns:p="http://schemas.openxmlformats.org/presentationml/2006/main">
+  <p:tag name="KSO_WM_TEMPLATE_CATEGORY" val="custom"/>
+  <p:tag name="KSO_WM_TEMPLATE_INDEX" val="20186830"/>
+  <p:tag name="KSO_WM_TAG_VERSION" val="1.0"/>
+  <p:tag name="KSO_WM_SLIDE_ID" val="custom20186830_7"/>
+  <p:tag name="KSO_WM_SLIDE_INDEX" val="7"/>
+  <p:tag name="KSO_WM_SLIDE_ITEM_CNT" val="1"/>
+  <p:tag name="KSO_WM_SLIDE_LAYOUT" val="a_l"/>
+  <p:tag name="KSO_WM_SLIDE_LAYOUT_CNT" val="1_1"/>
+  <p:tag name="KSO_WM_SLIDE_TYPE" val="text"/>
+  <p:tag name="KSO_WM_BEAUTIFY_FLAG" val="#wm#"/>
+  <p:tag name="KSO_WM_SLIDE_POSITION" val="25*85"/>
+  <p:tag name="KSO_WM_SLIDE_SIZE" val="452*279"/>
+  <p:tag name="KSO_WM_DIAGRAM_GROUP_CODE" val="l1-1"/>
+  <p:tag name="KSO_WM_SLIDE_SUBTYPE" val="diag"/>
+</p:tagLst>
+</file>
+
+<file path=ppt/tags/tag81.xml><?xml version="1.0" encoding="utf-8"?>
+<p:tagLst xmlns:p="http://schemas.openxmlformats.org/presentationml/2006/main">
   <p:tag name="KSO_WM_TEMPLATE_CATEGORY" val="custom"/>
   <p:tag name="KSO_WM_TEMPLATE_INDEX" val="20186830"/>
 </p:tagLst>
 </file>
 
-<file path=ppt/tags/tag7.xml><?xml version="1.0" encoding="utf-8"?>
-<p:tagLst xmlns:a="http://schemas.openxmlformats.org/drawingml/2006/main" xmlns:r="http://schemas.openxmlformats.org/officeDocument/2006/relationships" xmlns:p="http://schemas.openxmlformats.org/presentationml/2006/main">
-  <p:tag name="KSO_WM_TAG_VERSION" val="1.0"/>
-  <p:tag name="KSO_WM_BEAUTIFY_FLAG" val="#wm#"/>
-  <p:tag name="KSO_WM_UNIT_TYPE" val="i"/>
-  <p:tag name="KSO_WM_UNIT_ID" val="custom20184556_1*i*6"/>
-  <p:tag name="KSO_WM_TEMPLATE_CATEGORY" val="custom"/>
-  <p:tag name="KSO_WM_TEMPLATE_INDEX" val="20184556"/>
-  <p:tag name="KSO_WM_UNIT_INDEX" val="6"/>
-</p:tagLst>
-</file>
-
-<file path=ppt/tags/tag70.xml><?xml version="1.0" encoding="utf-8"?>
-<p:tagLst xmlns:a="http://schemas.openxmlformats.org/drawingml/2006/main" xmlns:r="http://schemas.openxmlformats.org/officeDocument/2006/relationships" xmlns:p="http://schemas.openxmlformats.org/presentationml/2006/main">
+<file path=ppt/tags/tag82.xml><?xml version="1.0" encoding="utf-8"?>
+<p:tagLst xmlns:p="http://schemas.openxmlformats.org/presentationml/2006/main">
   <p:tag name="KSO_WM_BEAUTIFY_FLAG" val="#wm#"/>
   <p:tag name="KSO_WM_TEMPLATE_CATEGORY" val="custom"/>
   <p:tag name="KSO_WM_TEMPLATE_INDEX" val="20186830"/>
 </p:tagLst>
 </file>
 
-<file path=ppt/tags/tag8.xml><?xml version="1.0" encoding="utf-8"?>
-<p:tagLst xmlns:a="http://schemas.openxmlformats.org/drawingml/2006/main" xmlns:r="http://schemas.openxmlformats.org/officeDocument/2006/relationships" xmlns:p="http://schemas.openxmlformats.org/presentationml/2006/main">
+<file path=ppt/tags/tag9.xml><?xml version="1.0" encoding="utf-8"?>
+<p:tagLst xmlns:p="http://schemas.openxmlformats.org/presentationml/2006/main">
   <p:tag name="KSO_WM_TAG_VERSION" val="1.0"/>
   <p:tag name="KSO_WM_BEAUTIFY_FLAG" val="#wm#"/>
   <p:tag name="KSO_WM_UNIT_TYPE" val="i"/>
-  <p:tag name="KSO_WM_UNIT_ID" val="custom20184556_1*i*7"/>
+  <p:tag name="KSO_WM_UNIT_ID" val="custom20184556_22*i*5"/>
   <p:tag name="KSO_WM_TEMPLATE_CATEGORY" val="custom"/>
   <p:tag name="KSO_WM_TEMPLATE_INDEX" val="20184556"/>
-  <p:tag name="KSO_WM_UNIT_INDEX" val="7"/>
-</p:tagLst>
-</file>
-
-<file path=ppt/tags/tag9.xml><?xml version="1.0" encoding="utf-8"?>
-<p:tagLst xmlns:a="http://schemas.openxmlformats.org/drawingml/2006/main" xmlns:r="http://schemas.openxmlformats.org/officeDocument/2006/relationships" xmlns:p="http://schemas.openxmlformats.org/presentationml/2006/main">
-  <p:tag name="KSO_WM_TAG_VERSION" val="1.0"/>
-  <p:tag name="KSO_WM_BEAUTIFY_FLAG" val="#wm#"/>
-  <p:tag name="KSO_WM_UNIT_TYPE" val="i"/>
-  <p:tag name="KSO_WM_UNIT_ID" val="custom20184556_22*i*2"/>
-  <p:tag name="KSO_WM_TEMPLATE_CATEGORY" val="custom"/>
-  <p:tag name="KSO_WM_TEMPLATE_INDEX" val="20184556"/>
-  <p:tag name="KSO_WM_UNIT_INDEX" val="2"/>
+  <p:tag name="KSO_WM_UNIT_INDEX" val="5"/>
 </p:tagLst>
 </file>
 
@@ -16602,8 +18604,6 @@
       </a:bgFillStyleLst>
     </a:fmtScheme>
   </a:themeElements>
-  <a:objectDefaults/>
-  <a:extraClrSchemeLst/>
   <a:extLst>
     <a:ext uri="{05A4C25C-085E-4340-85A3-A5531E510DB2}">
       <thm15:themeFamily xmlns:thm15="http://schemas.microsoft.com/office/thememl/2012/main" name="Office Theme" id="{62F939B6-93AF-4DB8-9C6B-D6C7DFDC589F}" vid="{4A3C46E8-61CC-4603-A589-7422A47A8E4A}"/>
@@ -16803,8 +18803,6 @@
       </a:bgFillStyleLst>
     </a:fmtScheme>
   </a:themeElements>
-  <a:objectDefaults/>
-  <a:extraClrSchemeLst/>
   <a:extLst>
     <a:ext uri="{05A4C25C-085E-4340-85A3-A5531E510DB2}">
       <thm15:themeFamily xmlns:thm15="http://schemas.microsoft.com/office/thememl/2012/main" name="Office Theme" id="{62F939B6-93AF-4DB8-9C6B-D6C7DFDC589F}" vid="{4A3C46E8-61CC-4603-A589-7422A47A8E4A}"/>
@@ -17091,8 +19089,6 @@
       </a:bgFillStyleLst>
     </a:fmtScheme>
   </a:themeElements>
-  <a:objectDefaults/>
-  <a:extraClrSchemeLst/>
   <a:extLst>
     <a:ext uri="{05A4C25C-085E-4340-85A3-A5531E510DB2}">
       <thm15:themeFamily xmlns:thm15="http://schemas.microsoft.com/office/thememl/2012/main" name="Office Theme" id="{62F939B6-93AF-4DB8-9C6B-D6C7DFDC589F}" vid="{4A3C46E8-61CC-4603-A589-7422A47A8E4A}"/>
@@ -17352,8 +19348,6 @@
       </a:bgFillStyleLst>
     </a:fmtScheme>
   </a:themeElements>
-  <a:objectDefaults/>
-  <a:extraClrSchemeLst/>
   <a:extLst>
     <a:ext uri="{05A4C25C-085E-4340-85A3-A5531E510DB2}">
       <thm15:themeFamily xmlns:thm15="http://schemas.microsoft.com/office/thememl/2012/main" name="Office Theme" id="{62F939B6-93AF-4DB8-9C6B-D6C7DFDC589F}" vid="{4A3C46E8-61CC-4603-A589-7422A47A8E4A}"/>

--- a/Design pattern/23种设计模式详解.pptx
+++ b/Design pattern/23种设计模式详解.pptx
@@ -3,42 +3,44 @@
 <p:presentation xmlns:a="http://schemas.openxmlformats.org/drawingml/2006/main" xmlns:r="http://schemas.openxmlformats.org/officeDocument/2006/relationships" xmlns:p="http://schemas.openxmlformats.org/presentationml/2006/main" showSpecialPlsOnTitleSld="0">
   <p:sldMasterIdLst>
     <p:sldMasterId id="2147483648" r:id="rId1"/>
-    <p:sldMasterId id="2147483660" r:id="rId3"/>
+    <p:sldMasterId id="2147483660" r:id="rId2"/>
   </p:sldMasterIdLst>
   <p:notesMasterIdLst>
-    <p:notesMasterId r:id="rId5"/>
+    <p:notesMasterId r:id="rId41"/>
   </p:notesMasterIdLst>
   <p:handoutMasterIdLst>
-    <p:handoutMasterId r:id="rId41"/>
+    <p:handoutMasterId r:id="rId42"/>
   </p:handoutMasterIdLst>
   <p:sldIdLst>
-    <p:sldId id="453" r:id="rId4"/>
-    <p:sldId id="583" r:id="rId6"/>
-    <p:sldId id="584" r:id="rId7"/>
-    <p:sldId id="585" r:id="rId8"/>
-    <p:sldId id="586" r:id="rId9"/>
-    <p:sldId id="587" r:id="rId10"/>
-    <p:sldId id="595" r:id="rId11"/>
-    <p:sldId id="596" r:id="rId12"/>
-    <p:sldId id="597" r:id="rId13"/>
-    <p:sldId id="604" r:id="rId14"/>
-    <p:sldId id="605" r:id="rId15"/>
-    <p:sldId id="607" r:id="rId16"/>
-    <p:sldId id="598" r:id="rId17"/>
-    <p:sldId id="614" r:id="rId18"/>
-    <p:sldId id="608" r:id="rId19"/>
-    <p:sldId id="612" r:id="rId20"/>
-    <p:sldId id="613" r:id="rId21"/>
-    <p:sldId id="609" r:id="rId22"/>
-    <p:sldId id="611" r:id="rId23"/>
-    <p:sldId id="599" r:id="rId24"/>
-    <p:sldId id="631" r:id="rId25"/>
-    <p:sldId id="632" r:id="rId26"/>
-    <p:sldId id="633" r:id="rId27"/>
-    <p:sldId id="634" r:id="rId28"/>
-    <p:sldId id="635" r:id="rId29"/>
-    <p:sldId id="636" r:id="rId30"/>
-    <p:sldId id="600" r:id="rId31"/>
+    <p:sldId id="453" r:id="rId3"/>
+    <p:sldId id="583" r:id="rId4"/>
+    <p:sldId id="584" r:id="rId5"/>
+    <p:sldId id="585" r:id="rId6"/>
+    <p:sldId id="586" r:id="rId7"/>
+    <p:sldId id="587" r:id="rId8"/>
+    <p:sldId id="595" r:id="rId9"/>
+    <p:sldId id="596" r:id="rId10"/>
+    <p:sldId id="597" r:id="rId11"/>
+    <p:sldId id="604" r:id="rId12"/>
+    <p:sldId id="607" r:id="rId13"/>
+    <p:sldId id="598" r:id="rId14"/>
+    <p:sldId id="614" r:id="rId15"/>
+    <p:sldId id="608" r:id="rId16"/>
+    <p:sldId id="612" r:id="rId17"/>
+    <p:sldId id="613" r:id="rId18"/>
+    <p:sldId id="611" r:id="rId19"/>
+    <p:sldId id="599" r:id="rId20"/>
+    <p:sldId id="631" r:id="rId21"/>
+    <p:sldId id="632" r:id="rId22"/>
+    <p:sldId id="633" r:id="rId23"/>
+    <p:sldId id="634" r:id="rId24"/>
+    <p:sldId id="636" r:id="rId25"/>
+    <p:sldId id="600" r:id="rId26"/>
+    <p:sldId id="637" r:id="rId27"/>
+    <p:sldId id="638" r:id="rId28"/>
+    <p:sldId id="639" r:id="rId29"/>
+    <p:sldId id="640" r:id="rId30"/>
+    <p:sldId id="641" r:id="rId31"/>
     <p:sldId id="601" r:id="rId32"/>
     <p:sldId id="602" r:id="rId33"/>
     <p:sldId id="603" r:id="rId34"/>
@@ -181,6 +183,22 @@
       </a:defRPr>
     </a:lvl9pPr>
   </p:defaultTextStyle>
+  <p:extLst>
+    <p:ext uri="{EFAFB233-063F-42B5-8137-9DF3F51BA10A}">
+      <p15:sldGuideLst xmlns:p15="http://schemas.microsoft.com/office/powerpoint/2012/main">
+        <p15:guide id="1" orient="horz" pos="2130">
+          <p15:clr>
+            <a:srgbClr val="A4A3A4"/>
+          </p15:clr>
+        </p15:guide>
+        <p15:guide id="2" pos="2844">
+          <p15:clr>
+            <a:srgbClr val="A4A3A4"/>
+          </p15:clr>
+        </p15:guide>
+      </p15:sldGuideLst>
+    </p:ext>
+  </p:extLst>
 </p:presentation>
 </file>
 
@@ -272,6 +290,7 @@
           <a:p>
             <a:fld id="{0F9B84EA-7D68-4D60-9CB1-D50884785D1C}" type="datetimeFigureOut">
               <a:rPr lang="zh-CN" altLang="en-US"/>
+              <a:t>2018/8/11</a:t>
             </a:fld>
             <a:endParaRPr lang="zh-CN" altLang="en-US">
               <a:ea typeface="+mn-ea"/>
@@ -343,6 +362,7 @@
           <a:p>
             <a:fld id="{9573C3F1-5DE1-49D7-85EF-378BB3AB6535}" type="slidenum">
               <a:rPr lang="zh-CN" altLang="en-US"/>
+              <a:t>‹#›</a:t>
             </a:fld>
             <a:endParaRPr lang="zh-CN" altLang="en-US">
               <a:ea typeface="+mn-ea"/>
@@ -518,7 +538,6 @@
               <a:rPr lang="en-US" noProof="0"/>
               <a:t>Click to edit Master text styles</a:t>
             </a:r>
-            <a:endParaRPr lang="en-US" noProof="0"/>
           </a:p>
           <a:p>
             <a:pPr lvl="1"/>
@@ -526,7 +545,6 @@
               <a:rPr lang="en-US" noProof="0"/>
               <a:t>Second level</a:t>
             </a:r>
-            <a:endParaRPr lang="en-US" noProof="0"/>
           </a:p>
           <a:p>
             <a:pPr lvl="2"/>
@@ -534,7 +552,6 @@
               <a:rPr lang="en-US" noProof="0"/>
               <a:t>Third level</a:t>
             </a:r>
-            <a:endParaRPr lang="en-US" noProof="0"/>
           </a:p>
           <a:p>
             <a:pPr lvl="3"/>
@@ -542,7 +559,6 @@
               <a:rPr lang="en-US" noProof="0"/>
               <a:t>Fourth level</a:t>
             </a:r>
-            <a:endParaRPr lang="en-US" noProof="0"/>
           </a:p>
           <a:p>
             <a:pPr lvl="4"/>
@@ -550,7 +566,6 @@
               <a:rPr lang="en-US" noProof="0"/>
               <a:t>Fifth level</a:t>
             </a:r>
-            <a:endParaRPr lang="en-US" noProof="0"/>
           </a:p>
         </p:txBody>
       </p:sp>
@@ -621,6 +636,7 @@
           <a:p>
             <a:fld id="{86CED120-70A4-4283-998F-973E88A2003A}" type="slidenum">
               <a:rPr lang="en-US" altLang="zh-CN"/>
+              <a:t>‹#›</a:t>
             </a:fld>
             <a:endParaRPr lang="en-US" altLang="zh-CN">
               <a:cs typeface="Arial" panose="020B0604020202020204" pitchFamily="34" charset="0"/>
@@ -980,6 +996,7 @@
           <a:p>
             <a:fld id="{110A0595-8C10-4F11-9D71-5A2D3C412DC6}" type="slidenum">
               <a:rPr lang="en-US" altLang="zh-CN" sz="1200" smtClean="0"/>
+              <a:t>1</a:t>
             </a:fld>
             <a:endParaRPr lang="en-US" altLang="zh-CN" sz="1200"/>
           </a:p>
@@ -1044,12 +1061,31 @@
           <a:p>
             <a:r>
               <a:rPr lang="zh-CN" altLang="en-US" dirty="0"/>
-              <a:t>手机</a:t>
+              <a:t>例子</a:t>
             </a:r>
             <a:endParaRPr lang="en-US" altLang="zh-CN" dirty="0"/>
           </a:p>
           <a:p>
-            <a:endParaRPr lang="zh-CN" altLang="en-US" dirty="0"/>
+            <a:r>
+              <a:rPr lang="en-US" altLang="zh-CN" dirty="0"/>
+              <a:t>1</a:t>
+            </a:r>
+            <a:r>
+              <a:rPr lang="zh-CN" altLang="en-US" dirty="0"/>
+              <a:t>、我喜欢动物，狗是动物，所以我喜欢狗</a:t>
+            </a:r>
+            <a:endParaRPr lang="en-US" altLang="zh-CN" dirty="0"/>
+          </a:p>
+          <a:p>
+            <a:r>
+              <a:rPr lang="en-US" altLang="zh-CN" dirty="0"/>
+              <a:t>2</a:t>
+            </a:r>
+            <a:r>
+              <a:rPr lang="zh-CN" altLang="en-US" dirty="0"/>
+              <a:t>、狗会汪汪叫，哈士奇会汪汪叫，金毛会汪汪叫</a:t>
+            </a:r>
+            <a:endParaRPr lang="en-US" altLang="zh-CN" dirty="0"/>
           </a:p>
         </p:txBody>
       </p:sp>
@@ -1070,6 +1106,7 @@
           <a:p>
             <a:fld id="{2ED26FC3-015A-4F86-ACC3-780431FB8E4D}" type="slidenum">
               <a:rPr lang="zh-CN" altLang="en-US" smtClean="0"/>
+              <a:t>13</a:t>
             </a:fld>
             <a:endParaRPr lang="zh-CN" altLang="en-US"/>
           </a:p>
@@ -1134,31 +1171,15 @@
           <a:p>
             <a:r>
               <a:rPr lang="zh-CN" altLang="en-US" dirty="0"/>
-              <a:t>例子</a:t>
+              <a:t>解释引入里氏替换原则下四点</a:t>
             </a:r>
             <a:endParaRPr lang="en-US" altLang="zh-CN" dirty="0"/>
           </a:p>
           <a:p>
             <a:r>
-              <a:rPr lang="en-US" altLang="zh-CN" dirty="0"/>
-              <a:t>1</a:t>
-            </a:r>
-            <a:r>
-              <a:rPr lang="zh-CN" altLang="en-US" dirty="0"/>
-              <a:t>、我喜欢动物，狗是动物，所以我喜欢狗</a:t>
-            </a:r>
-            <a:endParaRPr lang="en-US" altLang="zh-CN" dirty="0"/>
-          </a:p>
-          <a:p>
-            <a:r>
-              <a:rPr lang="en-US" altLang="zh-CN" dirty="0"/>
-              <a:t>2</a:t>
-            </a:r>
-            <a:r>
-              <a:rPr lang="zh-CN" altLang="en-US" dirty="0"/>
-              <a:t>、狗会汪汪叫，哈士奇会汪汪叫，金毛会汪汪叫</a:t>
-            </a:r>
-            <a:endParaRPr lang="en-US" altLang="zh-CN" dirty="0"/>
+              <a:rPr lang="zh-CN" altLang="en-US" dirty="0"/>
+              <a:t>前提：我们现在决定引入里氏替换原则</a:t>
+            </a:r>
           </a:p>
         </p:txBody>
       </p:sp>
@@ -1179,6 +1200,7 @@
           <a:p>
             <a:fld id="{2ED26FC3-015A-4F86-ACC3-780431FB8E4D}" type="slidenum">
               <a:rPr lang="zh-CN" altLang="en-US" smtClean="0"/>
+              <a:t>14</a:t>
             </a:fld>
             <a:endParaRPr lang="zh-CN" altLang="en-US"/>
           </a:p>
@@ -1241,17 +1263,6 @@
           <a:bodyPr/>
           <a:lstStyle/>
           <a:p>
-            <a:r>
-              <a:rPr lang="zh-CN" altLang="en-US" dirty="0"/>
-              <a:t>解释引入里氏替换原则下四点</a:t>
-            </a:r>
-            <a:endParaRPr lang="en-US" altLang="zh-CN" dirty="0"/>
-          </a:p>
-          <a:p>
-            <a:r>
-              <a:rPr lang="zh-CN" altLang="en-US" dirty="0"/>
-              <a:t>前提：我们现在决定引入里氏替换原则</a:t>
-            </a:r>
             <a:endParaRPr lang="zh-CN" altLang="en-US" dirty="0"/>
           </a:p>
         </p:txBody>
@@ -1273,6 +1284,7 @@
           <a:p>
             <a:fld id="{2ED26FC3-015A-4F86-ACC3-780431FB8E4D}" type="slidenum">
               <a:rPr lang="zh-CN" altLang="en-US" smtClean="0"/>
+              <a:t>15</a:t>
             </a:fld>
             <a:endParaRPr lang="zh-CN" altLang="en-US"/>
           </a:p>
@@ -1356,6 +1368,7 @@
           <a:p>
             <a:fld id="{2ED26FC3-015A-4F86-ACC3-780431FB8E4D}" type="slidenum">
               <a:rPr lang="zh-CN" altLang="en-US" smtClean="0"/>
+              <a:t>16</a:t>
             </a:fld>
             <a:endParaRPr lang="zh-CN" altLang="en-US"/>
           </a:p>
@@ -1418,7 +1431,7 @@
           <a:bodyPr/>
           <a:lstStyle/>
           <a:p>
-            <a:endParaRPr lang="zh-CN" altLang="en-US" dirty="0"/>
+            <a:endParaRPr lang="en-US" altLang="zh-CN" dirty="0"/>
           </a:p>
         </p:txBody>
       </p:sp>
@@ -1439,6 +1452,7 @@
           <a:p>
             <a:fld id="{2ED26FC3-015A-4F86-ACC3-780431FB8E4D}" type="slidenum">
               <a:rPr lang="zh-CN" altLang="en-US" smtClean="0"/>
+              <a:t>17</a:t>
             </a:fld>
             <a:endParaRPr lang="zh-CN" altLang="en-US"/>
           </a:p>
@@ -1501,19 +1515,7 @@
           <a:bodyPr/>
           <a:lstStyle/>
           <a:p>
-            <a:r>
-              <a:rPr lang="zh-CN" altLang="en-US" sz="1200" b="0" i="0" kern="1200" dirty="0">
-                <a:solidFill>
-                  <a:schemeClr val="tx1"/>
-                </a:solidFill>
-                <a:effectLst/>
-                <a:latin typeface="+mn-lt"/>
-                <a:ea typeface="+mn-ea"/>
-                <a:cs typeface="+mn-cs"/>
-              </a:rPr>
-              <a:t>里氏代换原则告诉我们，在软件中将一个基类对象替换成它的子类对象，程序将不会产生任何错误和异常，反过来则不成立，如果一个软件实体使用的是一个子类对象的话，那么它不一定能够使用基类对象。例如：我喜欢动物，那我一定喜欢狗，因为狗是动物的子类；但是我喜欢狗，不能据此断定我喜欢动物，因为我并不喜欢老鼠，虽然它也是动物。</a:t>
-            </a:r>
-            <a:endParaRPr lang="zh-CN" altLang="en-US" dirty="0"/>
+            <a:endParaRPr lang="en-US" altLang="zh-CN" dirty="0"/>
           </a:p>
         </p:txBody>
       </p:sp>
@@ -1534,6 +1536,7 @@
           <a:p>
             <a:fld id="{2ED26FC3-015A-4F86-ACC3-780431FB8E4D}" type="slidenum">
               <a:rPr lang="zh-CN" altLang="en-US" smtClean="0"/>
+              <a:t>19</a:t>
             </a:fld>
             <a:endParaRPr lang="zh-CN" altLang="en-US"/>
           </a:p>
@@ -1596,13 +1599,6 @@
           <a:bodyPr/>
           <a:lstStyle/>
           <a:p>
-            <a:r>
-              <a:rPr lang="zh-CN" altLang="en-US" dirty="0"/>
-              <a:t>手机</a:t>
-            </a:r>
-            <a:endParaRPr lang="en-US" altLang="zh-CN" dirty="0"/>
-          </a:p>
-          <a:p>
             <a:endParaRPr lang="zh-CN" altLang="en-US" dirty="0"/>
           </a:p>
         </p:txBody>
@@ -1624,6 +1620,7 @@
           <a:p>
             <a:fld id="{2ED26FC3-015A-4F86-ACC3-780431FB8E4D}" type="slidenum">
               <a:rPr lang="zh-CN" altLang="en-US" smtClean="0"/>
+              <a:t>20</a:t>
             </a:fld>
             <a:endParaRPr lang="zh-CN" altLang="en-US"/>
           </a:p>
@@ -1686,33 +1683,7 @@
           <a:bodyPr/>
           <a:lstStyle/>
           <a:p>
-            <a:r>
-              <a:rPr lang="zh-CN" altLang="en-US" dirty="0"/>
-              <a:t>例子</a:t>
-            </a:r>
-            <a:endParaRPr lang="en-US" altLang="zh-CN" dirty="0"/>
-          </a:p>
-          <a:p>
-            <a:r>
-              <a:rPr lang="en-US" altLang="zh-CN" dirty="0"/>
-              <a:t>1</a:t>
-            </a:r>
-            <a:r>
-              <a:rPr lang="zh-CN" altLang="en-US" dirty="0"/>
-              <a:t>、我喜欢动物，狗是动物，所以我喜欢狗</a:t>
-            </a:r>
-            <a:endParaRPr lang="en-US" altLang="zh-CN" dirty="0"/>
-          </a:p>
-          <a:p>
-            <a:r>
-              <a:rPr lang="en-US" altLang="zh-CN" dirty="0"/>
-              <a:t>2</a:t>
-            </a:r>
-            <a:r>
-              <a:rPr lang="zh-CN" altLang="en-US" dirty="0"/>
-              <a:t>、狗会汪汪叫，哈士奇会汪汪叫，金毛会汪汪叫</a:t>
-            </a:r>
-            <a:endParaRPr lang="en-US" altLang="zh-CN" dirty="0"/>
+            <a:endParaRPr lang="zh-CN" altLang="en-US" dirty="0"/>
           </a:p>
         </p:txBody>
       </p:sp>
@@ -1733,6 +1704,7 @@
           <a:p>
             <a:fld id="{2ED26FC3-015A-4F86-ACC3-780431FB8E4D}" type="slidenum">
               <a:rPr lang="zh-CN" altLang="en-US" smtClean="0"/>
+              <a:t>21</a:t>
             </a:fld>
             <a:endParaRPr lang="zh-CN" altLang="en-US"/>
           </a:p>
@@ -1795,17 +1767,6 @@
           <a:bodyPr/>
           <a:lstStyle/>
           <a:p>
-            <a:r>
-              <a:rPr lang="zh-CN" altLang="en-US" dirty="0"/>
-              <a:t>解释引入里氏替换原则下四点</a:t>
-            </a:r>
-            <a:endParaRPr lang="en-US" altLang="zh-CN" dirty="0"/>
-          </a:p>
-          <a:p>
-            <a:r>
-              <a:rPr lang="zh-CN" altLang="en-US" dirty="0"/>
-              <a:t>前提：我们现在决定引入里氏替换原则</a:t>
-            </a:r>
             <a:endParaRPr lang="zh-CN" altLang="en-US" dirty="0"/>
           </a:p>
         </p:txBody>
@@ -1827,6 +1788,7 @@
           <a:p>
             <a:fld id="{2ED26FC3-015A-4F86-ACC3-780431FB8E4D}" type="slidenum">
               <a:rPr lang="zh-CN" altLang="en-US" smtClean="0"/>
+              <a:t>22</a:t>
             </a:fld>
             <a:endParaRPr lang="zh-CN" altLang="en-US"/>
           </a:p>
@@ -1889,6 +1851,9 @@
           <a:bodyPr/>
           <a:lstStyle/>
           <a:p>
+            <a:endParaRPr lang="en-US" altLang="zh-CN" dirty="0"/>
+          </a:p>
+          <a:p>
             <a:endParaRPr lang="zh-CN" altLang="en-US" dirty="0"/>
           </a:p>
         </p:txBody>
@@ -1910,6 +1875,7 @@
           <a:p>
             <a:fld id="{2ED26FC3-015A-4F86-ACC3-780431FB8E4D}" type="slidenum">
               <a:rPr lang="zh-CN" altLang="en-US" smtClean="0"/>
+              <a:t>23</a:t>
             </a:fld>
             <a:endParaRPr lang="zh-CN" altLang="en-US"/>
           </a:p>
@@ -1993,7 +1959,6 @@
               <a:rPr lang="zh-CN" altLang="en-US" dirty="0"/>
               <a:t>语言的应用而逐渐普及成熟。</a:t>
             </a:r>
-            <a:endParaRPr lang="zh-CN" altLang="en-US" dirty="0"/>
           </a:p>
           <a:p>
             <a:pPr eaLnBrk="1" hangingPunct="1"/>
@@ -2025,7 +1990,6 @@
               <a:rPr lang="en-US" altLang="zh-CN" dirty="0"/>
               <a:t>。</a:t>
             </a:r>
-            <a:endParaRPr lang="en-US" altLang="zh-CN" dirty="0"/>
           </a:p>
           <a:p>
             <a:pPr eaLnBrk="1" hangingPunct="1"/>
@@ -2049,7 +2013,6 @@
               <a:rPr lang="zh-CN" altLang="en-US" dirty="0"/>
               <a:t>等框架）。</a:t>
             </a:r>
-            <a:endParaRPr lang="zh-CN" altLang="en-US" dirty="0"/>
           </a:p>
           <a:p>
             <a:pPr eaLnBrk="1" hangingPunct="1"/>
@@ -2065,7 +2028,6 @@
               <a:rPr lang="zh-CN" altLang="en-US" dirty="0"/>
               <a:t>框架）。</a:t>
             </a:r>
-            <a:endParaRPr lang="zh-CN" altLang="en-US" dirty="0"/>
           </a:p>
         </p:txBody>
       </p:sp>
@@ -2086,6 +2048,7 @@
           <a:p>
             <a:fld id="{2ED26FC3-015A-4F86-ACC3-780431FB8E4D}" type="slidenum">
               <a:rPr lang="zh-CN" altLang="en-US" smtClean="0"/>
+              <a:t>2</a:t>
             </a:fld>
             <a:endParaRPr lang="zh-CN" altLang="en-US"/>
           </a:p>
@@ -2148,7 +2111,7 @@
           <a:bodyPr/>
           <a:lstStyle/>
           <a:p>
-            <a:endParaRPr lang="zh-CN" altLang="en-US" dirty="0"/>
+            <a:endParaRPr lang="en-US" altLang="zh-CN" dirty="0"/>
           </a:p>
         </p:txBody>
       </p:sp>
@@ -2169,12 +2132,18 @@
           <a:p>
             <a:fld id="{2ED26FC3-015A-4F86-ACC3-780431FB8E4D}" type="slidenum">
               <a:rPr lang="zh-CN" altLang="en-US" smtClean="0"/>
+              <a:t>25</a:t>
             </a:fld>
             <a:endParaRPr lang="zh-CN" altLang="en-US"/>
           </a:p>
         </p:txBody>
       </p:sp>
     </p:spTree>
+    <p:extLst>
+      <p:ext uri="{BB962C8B-B14F-4D97-AF65-F5344CB8AC3E}">
+        <p14:creationId xmlns:p14="http://schemas.microsoft.com/office/powerpoint/2010/main" val="1114931310"/>
+      </p:ext>
+    </p:extLst>
   </p:cSld>
   <p:clrMapOvr>
     <a:masterClrMapping/>
@@ -2231,18 +2200,6 @@
           <a:bodyPr/>
           <a:lstStyle/>
           <a:p>
-            <a:r>
-              <a:rPr lang="zh-CN" altLang="en-US" sz="1200" b="0" i="0" kern="1200" dirty="0">
-                <a:solidFill>
-                  <a:schemeClr val="tx1"/>
-                </a:solidFill>
-                <a:effectLst/>
-                <a:latin typeface="+mn-lt"/>
-                <a:ea typeface="+mn-ea"/>
-                <a:cs typeface="+mn-cs"/>
-              </a:rPr>
-              <a:t>里氏代换原则告诉我们，在软件中将一个基类对象替换成它的子类对象，程序将不会产生任何错误和异常，反过来则不成立，如果一个软件实体使用的是一个子类对象的话，那么它不一定能够使用基类对象。例如：我喜欢动物，那我一定喜欢狗，因为狗是动物的子类；但是我喜欢狗，不能据此断定我喜欢动物，因为我并不喜欢老鼠，虽然它也是动物。</a:t>
-            </a:r>
             <a:endParaRPr lang="zh-CN" altLang="en-US" dirty="0"/>
           </a:p>
         </p:txBody>
@@ -2264,12 +2221,18 @@
           <a:p>
             <a:fld id="{2ED26FC3-015A-4F86-ACC3-780431FB8E4D}" type="slidenum">
               <a:rPr lang="zh-CN" altLang="en-US" smtClean="0"/>
+              <a:t>26</a:t>
             </a:fld>
             <a:endParaRPr lang="zh-CN" altLang="en-US"/>
           </a:p>
         </p:txBody>
       </p:sp>
     </p:spTree>
+    <p:extLst>
+      <p:ext uri="{BB962C8B-B14F-4D97-AF65-F5344CB8AC3E}">
+        <p14:creationId xmlns:p14="http://schemas.microsoft.com/office/powerpoint/2010/main" val="4111034161"/>
+      </p:ext>
+    </p:extLst>
   </p:cSld>
   <p:clrMapOvr>
     <a:masterClrMapping/>
@@ -2326,13 +2289,6 @@
           <a:bodyPr/>
           <a:lstStyle/>
           <a:p>
-            <a:r>
-              <a:rPr lang="zh-CN" altLang="en-US" dirty="0"/>
-              <a:t>手机</a:t>
-            </a:r>
-            <a:endParaRPr lang="en-US" altLang="zh-CN" dirty="0"/>
-          </a:p>
-          <a:p>
             <a:endParaRPr lang="zh-CN" altLang="en-US" dirty="0"/>
           </a:p>
         </p:txBody>
@@ -2354,12 +2310,18 @@
           <a:p>
             <a:fld id="{2ED26FC3-015A-4F86-ACC3-780431FB8E4D}" type="slidenum">
               <a:rPr lang="zh-CN" altLang="en-US" smtClean="0"/>
+              <a:t>27</a:t>
             </a:fld>
             <a:endParaRPr lang="zh-CN" altLang="en-US"/>
           </a:p>
         </p:txBody>
       </p:sp>
     </p:spTree>
+    <p:extLst>
+      <p:ext uri="{BB962C8B-B14F-4D97-AF65-F5344CB8AC3E}">
+        <p14:creationId xmlns:p14="http://schemas.microsoft.com/office/powerpoint/2010/main" val="980992104"/>
+      </p:ext>
+    </p:extLst>
   </p:cSld>
   <p:clrMapOvr>
     <a:masterClrMapping/>
@@ -2416,7 +2378,7 @@
           <a:bodyPr/>
           <a:lstStyle/>
           <a:p>
-            <a:endParaRPr lang="zh-CN" altLang="en-US"/>
+            <a:endParaRPr lang="zh-CN" altLang="en-US" dirty="0"/>
           </a:p>
         </p:txBody>
       </p:sp>
@@ -2437,12 +2399,18 @@
           <a:p>
             <a:fld id="{2ED26FC3-015A-4F86-ACC3-780431FB8E4D}" type="slidenum">
               <a:rPr lang="zh-CN" altLang="en-US" smtClean="0"/>
+              <a:t>28</a:t>
             </a:fld>
             <a:endParaRPr lang="zh-CN" altLang="en-US"/>
           </a:p>
         </p:txBody>
       </p:sp>
     </p:spTree>
+    <p:extLst>
+      <p:ext uri="{BB962C8B-B14F-4D97-AF65-F5344CB8AC3E}">
+        <p14:creationId xmlns:p14="http://schemas.microsoft.com/office/powerpoint/2010/main" val="298400934"/>
+      </p:ext>
+    </p:extLst>
   </p:cSld>
   <p:clrMapOvr>
     <a:masterClrMapping/>
@@ -2499,7 +2467,14 @@
           <a:bodyPr/>
           <a:lstStyle/>
           <a:p>
-            <a:endParaRPr lang="zh-CN" altLang="en-US"/>
+            <a:r>
+              <a:rPr lang="zh-CN" altLang="en-US" dirty="0"/>
+              <a:t>手机</a:t>
+            </a:r>
+            <a:endParaRPr lang="en-US" altLang="zh-CN" dirty="0"/>
+          </a:p>
+          <a:p>
+            <a:endParaRPr lang="zh-CN" altLang="en-US" dirty="0"/>
           </a:p>
         </p:txBody>
       </p:sp>
@@ -2520,12 +2495,18 @@
           <a:p>
             <a:fld id="{2ED26FC3-015A-4F86-ACC3-780431FB8E4D}" type="slidenum">
               <a:rPr lang="zh-CN" altLang="en-US" smtClean="0"/>
+              <a:t>29</a:t>
             </a:fld>
             <a:endParaRPr lang="zh-CN" altLang="en-US"/>
           </a:p>
         </p:txBody>
       </p:sp>
     </p:spTree>
+    <p:extLst>
+      <p:ext uri="{BB962C8B-B14F-4D97-AF65-F5344CB8AC3E}">
+        <p14:creationId xmlns:p14="http://schemas.microsoft.com/office/powerpoint/2010/main" val="1268120678"/>
+      </p:ext>
+    </p:extLst>
   </p:cSld>
   <p:clrMapOvr>
     <a:masterClrMapping/>
@@ -2603,6 +2584,7 @@
           <a:p>
             <a:fld id="{2ED26FC3-015A-4F86-ACC3-780431FB8E4D}" type="slidenum">
               <a:rPr lang="zh-CN" altLang="en-US" smtClean="0"/>
+              <a:t>32</a:t>
             </a:fld>
             <a:endParaRPr lang="zh-CN" altLang="en-US"/>
           </a:p>
@@ -2686,6 +2668,7 @@
           <a:p>
             <a:fld id="{2ED26FC3-015A-4F86-ACC3-780431FB8E4D}" type="slidenum">
               <a:rPr lang="zh-CN" altLang="en-US" smtClean="0"/>
+              <a:t>34</a:t>
             </a:fld>
             <a:endParaRPr lang="zh-CN" altLang="en-US"/>
           </a:p>
@@ -2700,6 +2683,174 @@
 </file>
 
 <file path=ppt/notesSlides/notesSlide27.xml><?xml version="1.0" encoding="utf-8"?>
+<p:notes xmlns:a="http://schemas.openxmlformats.org/drawingml/2006/main" xmlns:r="http://schemas.openxmlformats.org/officeDocument/2006/relationships" xmlns:p="http://schemas.openxmlformats.org/presentationml/2006/main">
+  <p:cSld>
+    <p:spTree>
+      <p:nvGrpSpPr>
+        <p:cNvPr id="1" name=""/>
+        <p:cNvGrpSpPr/>
+        <p:nvPr/>
+      </p:nvGrpSpPr>
+      <p:grpSpPr>
+        <a:xfrm>
+          <a:off x="0" y="0"/>
+          <a:ext cx="0" cy="0"/>
+          <a:chOff x="0" y="0"/>
+          <a:chExt cx="0" cy="0"/>
+        </a:xfrm>
+      </p:grpSpPr>
+      <p:sp>
+        <p:nvSpPr>
+          <p:cNvPr id="2" name="幻灯片图像占位符 1"/>
+          <p:cNvSpPr>
+            <a:spLocks noGrp="1" noRot="1" noChangeAspect="1"/>
+          </p:cNvSpPr>
+          <p:nvPr>
+            <p:ph type="sldImg"/>
+          </p:nvPr>
+        </p:nvSpPr>
+        <p:spPr>
+          <a:xfrm>
+            <a:off x="1371600" y="1143000"/>
+            <a:ext cx="4114800" cy="3086100"/>
+          </a:xfrm>
+        </p:spPr>
+      </p:sp>
+      <p:sp>
+        <p:nvSpPr>
+          <p:cNvPr id="3" name="备注占位符 2"/>
+          <p:cNvSpPr>
+            <a:spLocks noGrp="1"/>
+          </p:cNvSpPr>
+          <p:nvPr>
+            <p:ph type="body" idx="1"/>
+          </p:nvPr>
+        </p:nvSpPr>
+        <p:spPr/>
+        <p:txBody>
+          <a:bodyPr/>
+          <a:lstStyle/>
+          <a:p>
+            <a:endParaRPr lang="zh-CN" altLang="en-US"/>
+          </a:p>
+        </p:txBody>
+      </p:sp>
+      <p:sp>
+        <p:nvSpPr>
+          <p:cNvPr id="4" name="灯片编号占位符 3"/>
+          <p:cNvSpPr>
+            <a:spLocks noGrp="1"/>
+          </p:cNvSpPr>
+          <p:nvPr>
+            <p:ph type="sldNum" sz="quarter" idx="10"/>
+          </p:nvPr>
+        </p:nvSpPr>
+        <p:spPr/>
+        <p:txBody>
+          <a:bodyPr/>
+          <a:lstStyle/>
+          <a:p>
+            <a:fld id="{2ED26FC3-015A-4F86-ACC3-780431FB8E4D}" type="slidenum">
+              <a:rPr lang="zh-CN" altLang="en-US" smtClean="0"/>
+              <a:t>35</a:t>
+            </a:fld>
+            <a:endParaRPr lang="zh-CN" altLang="en-US"/>
+          </a:p>
+        </p:txBody>
+      </p:sp>
+    </p:spTree>
+  </p:cSld>
+  <p:clrMapOvr>
+    <a:masterClrMapping/>
+  </p:clrMapOvr>
+</p:notes>
+</file>
+
+<file path=ppt/notesSlides/notesSlide28.xml><?xml version="1.0" encoding="utf-8"?>
+<p:notes xmlns:a="http://schemas.openxmlformats.org/drawingml/2006/main" xmlns:r="http://schemas.openxmlformats.org/officeDocument/2006/relationships" xmlns:p="http://schemas.openxmlformats.org/presentationml/2006/main">
+  <p:cSld>
+    <p:spTree>
+      <p:nvGrpSpPr>
+        <p:cNvPr id="1" name=""/>
+        <p:cNvGrpSpPr/>
+        <p:nvPr/>
+      </p:nvGrpSpPr>
+      <p:grpSpPr>
+        <a:xfrm>
+          <a:off x="0" y="0"/>
+          <a:ext cx="0" cy="0"/>
+          <a:chOff x="0" y="0"/>
+          <a:chExt cx="0" cy="0"/>
+        </a:xfrm>
+      </p:grpSpPr>
+      <p:sp>
+        <p:nvSpPr>
+          <p:cNvPr id="2" name="幻灯片图像占位符 1"/>
+          <p:cNvSpPr>
+            <a:spLocks noGrp="1" noRot="1" noChangeAspect="1"/>
+          </p:cNvSpPr>
+          <p:nvPr>
+            <p:ph type="sldImg"/>
+          </p:nvPr>
+        </p:nvSpPr>
+        <p:spPr>
+          <a:xfrm>
+            <a:off x="1371600" y="1143000"/>
+            <a:ext cx="4114800" cy="3086100"/>
+          </a:xfrm>
+        </p:spPr>
+      </p:sp>
+      <p:sp>
+        <p:nvSpPr>
+          <p:cNvPr id="3" name="备注占位符 2"/>
+          <p:cNvSpPr>
+            <a:spLocks noGrp="1"/>
+          </p:cNvSpPr>
+          <p:nvPr>
+            <p:ph type="body" idx="1"/>
+          </p:nvPr>
+        </p:nvSpPr>
+        <p:spPr/>
+        <p:txBody>
+          <a:bodyPr/>
+          <a:lstStyle/>
+          <a:p>
+            <a:endParaRPr lang="zh-CN" altLang="en-US"/>
+          </a:p>
+        </p:txBody>
+      </p:sp>
+      <p:sp>
+        <p:nvSpPr>
+          <p:cNvPr id="4" name="灯片编号占位符 3"/>
+          <p:cNvSpPr>
+            <a:spLocks noGrp="1"/>
+          </p:cNvSpPr>
+          <p:nvPr>
+            <p:ph type="sldNum" sz="quarter" idx="10"/>
+          </p:nvPr>
+        </p:nvSpPr>
+        <p:spPr/>
+        <p:txBody>
+          <a:bodyPr/>
+          <a:lstStyle/>
+          <a:p>
+            <a:fld id="{2ED26FC3-015A-4F86-ACC3-780431FB8E4D}" type="slidenum">
+              <a:rPr lang="zh-CN" altLang="en-US" smtClean="0"/>
+              <a:t>36</a:t>
+            </a:fld>
+            <a:endParaRPr lang="zh-CN" altLang="en-US"/>
+          </a:p>
+        </p:txBody>
+      </p:sp>
+    </p:spTree>
+  </p:cSld>
+  <p:clrMapOvr>
+    <a:masterClrMapping/>
+  </p:clrMapOvr>
+</p:notes>
+</file>
+
+<file path=ppt/notesSlides/notesSlide29.xml><?xml version="1.0" encoding="utf-8"?>
 <p:notes xmlns:a="http://schemas.openxmlformats.org/drawingml/2006/main" xmlns:r="http://schemas.openxmlformats.org/officeDocument/2006/relationships" xmlns:p="http://schemas.openxmlformats.org/presentationml/2006/main">
   <p:cSld>
     <p:spTree>
@@ -2923,6 +3074,7 @@
           <a:p>
             <a:fld id="{B2E4F78C-D89C-4591-BABC-F2C1F612872E}" type="slidenum">
               <a:rPr lang="en-US" altLang="zh-CN" sz="1200" smtClean="0"/>
+              <a:t>37</a:t>
             </a:fld>
             <a:endParaRPr lang="en-US" altLang="zh-CN" sz="1200"/>
           </a:p>
@@ -2994,7 +3146,6 @@
               <a:rPr lang="en-US" altLang="zh-CN" dirty="0"/>
               <a:t>）</a:t>
             </a:r>
-            <a:endParaRPr lang="en-US" altLang="zh-CN" dirty="0"/>
           </a:p>
           <a:p>
             <a:pPr eaLnBrk="1" hangingPunct="1"/>
@@ -3002,7 +3153,6 @@
               <a:rPr lang="zh-CN" altLang="en-US" dirty="0"/>
               <a:t>重用是优化体系结构的前提。</a:t>
             </a:r>
-            <a:endParaRPr lang="zh-CN" altLang="en-US" dirty="0"/>
           </a:p>
           <a:p>
             <a:pPr eaLnBrk="1" hangingPunct="1"/>
@@ -3010,7 +3160,6 @@
               <a:rPr lang="zh-CN" altLang="en-US" dirty="0"/>
               <a:t>做到重用和体系结构合理后，自然系统在维护性和弹性会有出色表现。</a:t>
             </a:r>
-            <a:endParaRPr lang="zh-CN" altLang="en-US" dirty="0"/>
           </a:p>
           <a:p>
             <a:pPr eaLnBrk="1" hangingPunct="1"/>
@@ -3030,7 +3179,6 @@
               <a:rPr lang="zh-CN" altLang="en-US" dirty="0"/>
               <a:t>）。</a:t>
             </a:r>
-            <a:endParaRPr lang="zh-CN" altLang="en-US" dirty="0"/>
           </a:p>
           <a:p>
             <a:pPr eaLnBrk="1" hangingPunct="1"/>
@@ -3038,7 +3186,6 @@
               <a:rPr lang="zh-CN" altLang="en-US" dirty="0"/>
               <a:t>结构良好的系统更加容易优化性能。因为功能明晰、结构好，可以准确地判断出哪个地方存在性能瓶颈，从而优化之。</a:t>
             </a:r>
-            <a:endParaRPr lang="zh-CN" altLang="en-US" dirty="0"/>
           </a:p>
           <a:p>
             <a:pPr eaLnBrk="1" hangingPunct="1"/>
@@ -3046,7 +3193,6 @@
               <a:rPr lang="zh-CN" altLang="en-US" dirty="0"/>
               <a:t>上述条件满足，软件质量当然有保证。</a:t>
             </a:r>
-            <a:endParaRPr lang="zh-CN" altLang="en-US" dirty="0"/>
           </a:p>
           <a:p>
             <a:pPr eaLnBrk="1" hangingPunct="1"/>
@@ -3054,7 +3200,6 @@
               <a:rPr lang="zh-CN" altLang="en-US" dirty="0"/>
               <a:t>代码虽然是写给计算机执行，但最重要的是表达人的思想，写给人看的。因此提高代码可读性，方便团队交流非常重要。</a:t>
             </a:r>
-            <a:endParaRPr lang="zh-CN" altLang="en-US" dirty="0"/>
           </a:p>
           <a:p>
             <a:pPr eaLnBrk="1" hangingPunct="1"/>
@@ -3062,7 +3207,6 @@
               <a:rPr lang="zh-CN" altLang="en-US" dirty="0"/>
               <a:t>团队有统一的编码规范和设计模式，水平更加容易提高，因为设计模式能将成功的经验在团队中普及。</a:t>
             </a:r>
-            <a:endParaRPr lang="zh-CN" altLang="en-US" dirty="0"/>
           </a:p>
         </p:txBody>
       </p:sp>
@@ -3083,6 +3227,7 @@
           <a:p>
             <a:fld id="{2ED26FC3-015A-4F86-ACC3-780431FB8E4D}" type="slidenum">
               <a:rPr lang="zh-CN" altLang="en-US" smtClean="0"/>
+              <a:t>3</a:t>
             </a:fld>
             <a:endParaRPr lang="zh-CN" altLang="en-US"/>
           </a:p>
@@ -3170,7 +3315,6 @@
               <a:rPr lang="zh-CN" altLang="en-US" dirty="0"/>
               <a:t>重构的前提是设计模式和测试驱动（结合实践经验简要介绍，测试驱动并非只是为了检验软件的功能，更重要的在于重构和加速软件开发）</a:t>
             </a:r>
-            <a:endParaRPr lang="zh-CN" altLang="en-US" dirty="0"/>
           </a:p>
           <a:p>
             <a:pPr eaLnBrk="1" hangingPunct="1"/>
@@ -3182,7 +3326,6 @@
               <a:rPr lang="zh-CN" altLang="en-US" dirty="0"/>
               <a:t>设计过程中，常常面临很多困难，有时甚至是矛盾的抉择。如何权衡各方面的利弊而作出正确选择非常重要。前人的经验和教训总结无疑有非常大的帮助，这有助于我更加清晰地认识到所处环境的各种陷阱和潜在问题，从而作出正确选择。 反设计模式就是帮助开发人员度过该难关的有力工具。与设计模式不同， 反设计模式专注于防止我们犯错误，而设计模式指导我们做出精良的设计，两者是相辅相成的。</a:t>
             </a:r>
-            <a:endParaRPr lang="zh-CN" altLang="en-US" dirty="0"/>
           </a:p>
           <a:p>
             <a:pPr eaLnBrk="1" hangingPunct="1"/>
@@ -3210,7 +3353,6 @@
               <a:rPr lang="zh-CN" altLang="en-US" dirty="0"/>
               <a:t>之上的。</a:t>
             </a:r>
-            <a:endParaRPr lang="zh-CN" altLang="en-US" dirty="0"/>
           </a:p>
         </p:txBody>
       </p:sp>
@@ -3231,6 +3373,7 @@
           <a:p>
             <a:fld id="{2ED26FC3-015A-4F86-ACC3-780431FB8E4D}" type="slidenum">
               <a:rPr lang="zh-CN" altLang="en-US" smtClean="0"/>
+              <a:t>4</a:t>
             </a:fld>
             <a:endParaRPr lang="zh-CN" altLang="en-US"/>
           </a:p>
@@ -3306,7 +3449,6 @@
               <a:rPr lang="zh-CN" altLang="en-US" dirty="0"/>
               <a:t>的方法论，其内容就是如何设计对象的结构及其相互间的协作关系。</a:t>
             </a:r>
-            <a:endParaRPr lang="zh-CN" altLang="en-US" dirty="0"/>
           </a:p>
           <a:p>
             <a:pPr eaLnBrk="1" hangingPunct="1"/>
@@ -3334,7 +3476,6 @@
               <a:rPr lang="zh-CN" altLang="en-US" dirty="0"/>
               <a:t>模式举例</a:t>
             </a:r>
-            <a:endParaRPr lang="zh-CN" altLang="en-US" dirty="0"/>
           </a:p>
           <a:p>
             <a:pPr eaLnBrk="1" hangingPunct="1"/>
@@ -3354,7 +3495,6 @@
               <a:rPr lang="zh-CN" altLang="en-US" dirty="0"/>
               <a:t>来建模，表达整个软件的结构、流程等方方面面。</a:t>
             </a:r>
-            <a:endParaRPr lang="zh-CN" altLang="en-US" dirty="0"/>
           </a:p>
           <a:p>
             <a:pPr eaLnBrk="1" hangingPunct="1"/>
@@ -3378,7 +3518,6 @@
               <a:rPr lang="zh-CN" altLang="en-US" dirty="0"/>
               <a:t>的本意是表达设计思想，而非代码生成引擎。当然，随着技术进步，设计思想表达出来后，可利用代码生成引擎来加快开发速度。 </a:t>
             </a:r>
-            <a:endParaRPr lang="zh-CN" altLang="en-US" dirty="0"/>
           </a:p>
           <a:p>
             <a:pPr eaLnBrk="1" hangingPunct="1"/>
@@ -3406,7 +3545,6 @@
               <a:rPr lang="zh-CN" altLang="en-US" dirty="0"/>
               <a:t>应用和融入到软件设计中。</a:t>
             </a:r>
-            <a:endParaRPr lang="zh-CN" altLang="en-US" dirty="0"/>
           </a:p>
           <a:p>
             <a:pPr eaLnBrk="1" hangingPunct="1"/>
@@ -3426,7 +3564,6 @@
               <a:rPr lang="zh-CN" altLang="en-US" dirty="0"/>
               <a:t>来表达的。</a:t>
             </a:r>
-            <a:endParaRPr lang="zh-CN" altLang="en-US" dirty="0"/>
           </a:p>
         </p:txBody>
       </p:sp>
@@ -3447,6 +3584,7 @@
           <a:p>
             <a:fld id="{2ED26FC3-015A-4F86-ACC3-780431FB8E4D}" type="slidenum">
               <a:rPr lang="zh-CN" altLang="en-US" smtClean="0"/>
+              <a:t>5</a:t>
             </a:fld>
             <a:endParaRPr lang="zh-CN" altLang="en-US"/>
           </a:p>
@@ -3530,6 +3668,7 @@
           <a:p>
             <a:fld id="{2ED26FC3-015A-4F86-ACC3-780431FB8E4D}" type="slidenum">
               <a:rPr lang="zh-CN" altLang="en-US" smtClean="0"/>
+              <a:t>6</a:t>
             </a:fld>
             <a:endParaRPr lang="zh-CN" altLang="en-US"/>
           </a:p>
@@ -3613,6 +3752,7 @@
           <a:p>
             <a:fld id="{2ED26FC3-015A-4F86-ACC3-780431FB8E4D}" type="slidenum">
               <a:rPr lang="zh-CN" altLang="en-US" smtClean="0"/>
+              <a:t>8</a:t>
             </a:fld>
             <a:endParaRPr lang="zh-CN" altLang="en-US"/>
           </a:p>
@@ -3696,6 +3836,7 @@
           <a:p>
             <a:fld id="{2ED26FC3-015A-4F86-ACC3-780431FB8E4D}" type="slidenum">
               <a:rPr lang="zh-CN" altLang="en-US" smtClean="0"/>
+              <a:t>10</a:t>
             </a:fld>
             <a:endParaRPr lang="zh-CN" altLang="en-US"/>
           </a:p>
@@ -3786,6 +3927,7 @@
           <a:p>
             <a:fld id="{2ED26FC3-015A-4F86-ACC3-780431FB8E4D}" type="slidenum">
               <a:rPr lang="zh-CN" altLang="en-US" smtClean="0"/>
+              <a:t>11</a:t>
             </a:fld>
             <a:endParaRPr lang="zh-CN" altLang="en-US"/>
           </a:p>
@@ -3822,7 +3964,7 @@
           <p:cNvCxnSpPr/>
           <p:nvPr>
             <p:custDataLst>
-              <p:tags r:id="rId2"/>
+              <p:tags r:id="rId1"/>
             </p:custDataLst>
           </p:nvPr>
         </p:nvCxnSpPr>
@@ -3856,7 +3998,7 @@
           <p:cNvCxnSpPr/>
           <p:nvPr>
             <p:custDataLst>
-              <p:tags r:id="rId3"/>
+              <p:tags r:id="rId2"/>
             </p:custDataLst>
           </p:nvPr>
         </p:nvCxnSpPr>
@@ -3890,7 +4032,7 @@
           <p:cNvCxnSpPr/>
           <p:nvPr>
             <p:custDataLst>
-              <p:tags r:id="rId4"/>
+              <p:tags r:id="rId3"/>
             </p:custDataLst>
           </p:nvPr>
         </p:nvCxnSpPr>
@@ -3924,7 +4066,7 @@
           <p:cNvCxnSpPr/>
           <p:nvPr>
             <p:custDataLst>
-              <p:tags r:id="rId5"/>
+              <p:tags r:id="rId4"/>
             </p:custDataLst>
           </p:nvPr>
         </p:nvCxnSpPr>
@@ -3958,7 +4100,7 @@
           <p:cNvCxnSpPr/>
           <p:nvPr>
             <p:custDataLst>
-              <p:tags r:id="rId6"/>
+              <p:tags r:id="rId5"/>
             </p:custDataLst>
           </p:nvPr>
         </p:nvCxnSpPr>
@@ -4016,7 +4158,6 @@
               <a:rPr lang="zh-CN" altLang="en-US" noProof="1"/>
               <a:t>单击此处编辑标题</a:t>
             </a:r>
-            <a:endParaRPr lang="zh-CN" altLang="en-US" noProof="1"/>
           </a:p>
         </p:txBody>
       </p:sp>
@@ -4083,7 +4224,6 @@
               <a:rPr lang="zh-CN" altLang="en-US" noProof="1"/>
               <a:t>单击此处编辑母版副标题样式</a:t>
             </a:r>
-            <a:endParaRPr lang="zh-CN" altLang="en-US" noProof="1"/>
           </a:p>
         </p:txBody>
       </p:sp>
@@ -4108,6 +4248,7 @@
           <a:p>
             <a:fld id="{760FBDFE-C587-4B4C-A407-44438C67B59E}" type="datetimeFigureOut">
               <a:rPr lang="zh-CN" altLang="en-US"/>
+              <a:t>2018/8/11</a:t>
             </a:fld>
             <a:endParaRPr lang="zh-CN" altLang="en-US"/>
           </a:p>
@@ -4157,6 +4298,7 @@
           <a:p>
             <a:fld id="{B57485EF-07CB-4560-BDF9-ECAE85E048A8}" type="slidenum">
               <a:rPr lang="zh-CN" altLang="en-US"/>
+              <a:t>‹#›</a:t>
             </a:fld>
             <a:endParaRPr lang="zh-CN" altLang="en-US"/>
           </a:p>
@@ -4230,7 +4372,6 @@
               <a:rPr lang="zh-CN" altLang="en-US" noProof="1"/>
               <a:t>单击此处编辑母版文本样式</a:t>
             </a:r>
-            <a:endParaRPr lang="zh-CN" altLang="en-US" noProof="1"/>
           </a:p>
           <a:p>
             <a:pPr lvl="1"/>
@@ -4238,7 +4379,6 @@
               <a:rPr lang="zh-CN" altLang="en-US" noProof="1"/>
               <a:t>第二级</a:t>
             </a:r>
-            <a:endParaRPr lang="zh-CN" altLang="en-US" noProof="1"/>
           </a:p>
           <a:p>
             <a:pPr lvl="2"/>
@@ -4246,7 +4386,6 @@
               <a:rPr lang="zh-CN" altLang="en-US" noProof="1"/>
               <a:t>第三级</a:t>
             </a:r>
-            <a:endParaRPr lang="zh-CN" altLang="en-US" noProof="1"/>
           </a:p>
           <a:p>
             <a:pPr lvl="3"/>
@@ -4254,7 +4393,6 @@
               <a:rPr lang="zh-CN" altLang="en-US" noProof="1"/>
               <a:t>第四级</a:t>
             </a:r>
-            <a:endParaRPr lang="zh-CN" altLang="en-US" noProof="1"/>
           </a:p>
           <a:p>
             <a:pPr lvl="4"/>
@@ -4262,7 +4400,6 @@
               <a:rPr lang="zh-CN" altLang="en-US" noProof="1"/>
               <a:t>第五级</a:t>
             </a:r>
-            <a:endParaRPr lang="zh-CN" altLang="en-US" noProof="1"/>
           </a:p>
         </p:txBody>
       </p:sp>
@@ -4287,6 +4424,7 @@
           <a:p>
             <a:fld id="{760FBDFE-C587-4B4C-A407-44438C67B59E}" type="datetimeFigureOut">
               <a:rPr lang="zh-CN" altLang="en-US"/>
+              <a:t>2018/8/11</a:t>
             </a:fld>
             <a:endParaRPr lang="zh-CN" altLang="en-US"/>
           </a:p>
@@ -4336,6 +4474,7 @@
           <a:p>
             <a:fld id="{E99C5EC3-8103-43E4-B157-1AC5D340141F}" type="slidenum">
               <a:rPr lang="zh-CN" altLang="en-US"/>
+              <a:t>‹#›</a:t>
             </a:fld>
             <a:endParaRPr lang="zh-CN" altLang="en-US"/>
           </a:p>
@@ -4385,7 +4524,6 @@
               <a:rPr lang="zh-CN" altLang="en-US" noProof="1"/>
               <a:t>单击此处编辑母版标题样式</a:t>
             </a:r>
-            <a:endParaRPr lang="zh-CN" altLang="en-US" noProof="1"/>
           </a:p>
         </p:txBody>
       </p:sp>
@@ -4410,6 +4548,7 @@
           <a:p>
             <a:fld id="{760FBDFE-C587-4B4C-A407-44438C67B59E}" type="datetimeFigureOut">
               <a:rPr lang="zh-CN" altLang="en-US"/>
+              <a:t>2018/8/11</a:t>
             </a:fld>
             <a:endParaRPr lang="zh-CN" altLang="en-US"/>
           </a:p>
@@ -4459,6 +4598,7 @@
           <a:p>
             <a:fld id="{672E4197-9F2F-4415-85F8-93AEECACC1CD}" type="slidenum">
               <a:rPr lang="zh-CN" altLang="en-US"/>
+              <a:t>‹#›</a:t>
             </a:fld>
             <a:endParaRPr lang="zh-CN" altLang="en-US"/>
           </a:p>
@@ -4495,7 +4635,7 @@
           <p:cNvCxnSpPr/>
           <p:nvPr>
             <p:custDataLst>
-              <p:tags r:id="rId2"/>
+              <p:tags r:id="rId1"/>
             </p:custDataLst>
           </p:nvPr>
         </p:nvCxnSpPr>
@@ -4529,7 +4669,7 @@
           <p:cNvCxnSpPr/>
           <p:nvPr>
             <p:custDataLst>
-              <p:tags r:id="rId3"/>
+              <p:tags r:id="rId2"/>
             </p:custDataLst>
           </p:nvPr>
         </p:nvCxnSpPr>
@@ -4563,7 +4703,7 @@
           <p:cNvCxnSpPr/>
           <p:nvPr>
             <p:custDataLst>
-              <p:tags r:id="rId4"/>
+              <p:tags r:id="rId3"/>
             </p:custDataLst>
           </p:nvPr>
         </p:nvCxnSpPr>
@@ -4597,7 +4737,7 @@
           <p:cNvCxnSpPr/>
           <p:nvPr>
             <p:custDataLst>
-              <p:tags r:id="rId5"/>
+              <p:tags r:id="rId4"/>
             </p:custDataLst>
           </p:nvPr>
         </p:nvCxnSpPr>
@@ -4631,7 +4771,7 @@
           <p:cNvCxnSpPr/>
           <p:nvPr>
             <p:custDataLst>
-              <p:tags r:id="rId6"/>
+              <p:tags r:id="rId5"/>
             </p:custDataLst>
           </p:nvPr>
         </p:nvCxnSpPr>
@@ -4689,7 +4829,6 @@
               <a:rPr lang="zh-CN" altLang="en-US" dirty="0"/>
               <a:t>单击此处编辑标题</a:t>
             </a:r>
-            <a:endParaRPr lang="zh-CN" altLang="en-US" dirty="0"/>
           </a:p>
         </p:txBody>
       </p:sp>
@@ -4756,7 +4895,6 @@
               <a:rPr lang="zh-CN" altLang="en-US" dirty="0"/>
               <a:t>单击此处编辑母版副标题样式</a:t>
             </a:r>
-            <a:endParaRPr lang="zh-CN" altLang="en-US" dirty="0"/>
           </a:p>
         </p:txBody>
       </p:sp>
@@ -4783,6 +4921,7 @@
           <a:p>
             <a:fld id="{760FBDFE-C587-4B4C-A407-44438C67B59E}" type="datetimeFigureOut">
               <a:rPr lang="zh-CN" altLang="en-US" smtClean="0"/>
+              <a:t>2018/8/11</a:t>
             </a:fld>
             <a:endParaRPr lang="zh-CN" altLang="en-US"/>
           </a:p>
@@ -4836,6 +4975,7 @@
           <a:p>
             <a:fld id="{49AE70B2-8BF9-45C0-BB95-33D1B9D3A854}" type="slidenum">
               <a:rPr lang="zh-CN" altLang="en-US" smtClean="0"/>
+              <a:t>‹#›</a:t>
             </a:fld>
             <a:endParaRPr lang="zh-CN" altLang="en-US"/>
           </a:p>
@@ -4887,7 +5027,6 @@
               <a:rPr lang="zh-CN" altLang="en-US" dirty="0"/>
               <a:t>单击此处编辑母版标题样式</a:t>
             </a:r>
-            <a:endParaRPr lang="zh-CN" altLang="en-US" dirty="0"/>
           </a:p>
         </p:txBody>
       </p:sp>
@@ -4929,7 +5068,6 @@
               <a:rPr lang="zh-CN" altLang="en-US" dirty="0"/>
               <a:t>单击此处编辑母版文本样式</a:t>
             </a:r>
-            <a:endParaRPr lang="zh-CN" altLang="en-US" dirty="0"/>
           </a:p>
           <a:p>
             <a:pPr lvl="1"/>
@@ -4937,7 +5075,6 @@
               <a:rPr lang="zh-CN" altLang="en-US" dirty="0"/>
               <a:t>第二级</a:t>
             </a:r>
-            <a:endParaRPr lang="zh-CN" altLang="en-US" dirty="0"/>
           </a:p>
           <a:p>
             <a:pPr lvl="2"/>
@@ -4945,7 +5082,6 @@
               <a:rPr lang="zh-CN" altLang="en-US" dirty="0"/>
               <a:t>第三级</a:t>
             </a:r>
-            <a:endParaRPr lang="zh-CN" altLang="en-US" dirty="0"/>
           </a:p>
           <a:p>
             <a:pPr lvl="3"/>
@@ -4953,7 +5089,6 @@
               <a:rPr lang="zh-CN" altLang="en-US" dirty="0"/>
               <a:t>第四级</a:t>
             </a:r>
-            <a:endParaRPr lang="zh-CN" altLang="en-US" dirty="0"/>
           </a:p>
           <a:p>
             <a:pPr lvl="4"/>
@@ -4961,7 +5096,6 @@
               <a:rPr lang="zh-CN" altLang="en-US" dirty="0"/>
               <a:t>第五级</a:t>
             </a:r>
-            <a:endParaRPr lang="zh-CN" altLang="en-US" dirty="0"/>
           </a:p>
         </p:txBody>
       </p:sp>
@@ -4988,6 +5122,7 @@
           <a:p>
             <a:fld id="{760FBDFE-C587-4B4C-A407-44438C67B59E}" type="datetimeFigureOut">
               <a:rPr lang="zh-CN" altLang="en-US" smtClean="0"/>
+              <a:t>2018/8/11</a:t>
             </a:fld>
             <a:endParaRPr lang="zh-CN" altLang="en-US"/>
           </a:p>
@@ -5041,6 +5176,7 @@
           <a:p>
             <a:fld id="{49AE70B2-8BF9-45C0-BB95-33D1B9D3A854}" type="slidenum">
               <a:rPr lang="zh-CN" altLang="en-US" smtClean="0"/>
+              <a:t>‹#›</a:t>
             </a:fld>
             <a:endParaRPr lang="zh-CN" altLang="en-US"/>
           </a:p>
@@ -5101,7 +5237,6 @@
               <a:rPr lang="zh-CN" altLang="en-US" dirty="0"/>
               <a:t>单击此处编辑标题</a:t>
             </a:r>
-            <a:endParaRPr lang="zh-CN" altLang="en-US" dirty="0"/>
           </a:p>
         </p:txBody>
       </p:sp>
@@ -5128,6 +5263,7 @@
           <a:p>
             <a:fld id="{760FBDFE-C587-4B4C-A407-44438C67B59E}" type="datetimeFigureOut">
               <a:rPr lang="zh-CN" altLang="en-US" smtClean="0"/>
+              <a:t>2018/8/11</a:t>
             </a:fld>
             <a:endParaRPr lang="zh-CN" altLang="en-US"/>
           </a:p>
@@ -5181,6 +5317,7 @@
           <a:p>
             <a:fld id="{49AE70B2-8BF9-45C0-BB95-33D1B9D3A854}" type="slidenum">
               <a:rPr lang="zh-CN" altLang="en-US" smtClean="0"/>
+              <a:t>‹#›</a:t>
             </a:fld>
             <a:endParaRPr lang="zh-CN" altLang="en-US"/>
           </a:p>
@@ -5218,7 +5355,6 @@
               <a:rPr lang="zh-CN" altLang="en-US" dirty="0"/>
               <a:t>单击此处编辑文本</a:t>
             </a:r>
-            <a:endParaRPr lang="zh-CN" altLang="en-US" dirty="0"/>
           </a:p>
         </p:txBody>
       </p:sp>
@@ -5268,7 +5404,6 @@
               <a:rPr lang="zh-CN" altLang="en-US"/>
               <a:t>单击此处编辑母版标题样式</a:t>
             </a:r>
-            <a:endParaRPr lang="zh-CN" altLang="en-US"/>
           </a:p>
         </p:txBody>
       </p:sp>
@@ -5299,7 +5434,6 @@
               <a:rPr lang="zh-CN" altLang="en-US" dirty="0"/>
               <a:t>单击此处编辑母版文本样式</a:t>
             </a:r>
-            <a:endParaRPr lang="zh-CN" altLang="en-US" dirty="0"/>
           </a:p>
           <a:p>
             <a:pPr lvl="1"/>
@@ -5307,7 +5441,6 @@
               <a:rPr lang="zh-CN" altLang="en-US" dirty="0"/>
               <a:t>第二级</a:t>
             </a:r>
-            <a:endParaRPr lang="zh-CN" altLang="en-US" dirty="0"/>
           </a:p>
           <a:p>
             <a:pPr lvl="2"/>
@@ -5315,7 +5448,6 @@
               <a:rPr lang="zh-CN" altLang="en-US" dirty="0"/>
               <a:t>第三级</a:t>
             </a:r>
-            <a:endParaRPr lang="zh-CN" altLang="en-US" dirty="0"/>
           </a:p>
           <a:p>
             <a:pPr lvl="3"/>
@@ -5323,7 +5455,6 @@
               <a:rPr lang="zh-CN" altLang="en-US" dirty="0"/>
               <a:t>第四级</a:t>
             </a:r>
-            <a:endParaRPr lang="zh-CN" altLang="en-US" dirty="0"/>
           </a:p>
           <a:p>
             <a:pPr lvl="4"/>
@@ -5331,7 +5462,6 @@
               <a:rPr lang="zh-CN" altLang="en-US" dirty="0"/>
               <a:t>第五级</a:t>
             </a:r>
-            <a:endParaRPr lang="zh-CN" altLang="en-US" dirty="0"/>
           </a:p>
         </p:txBody>
       </p:sp>
@@ -5362,7 +5492,6 @@
               <a:rPr lang="zh-CN" altLang="en-US" dirty="0"/>
               <a:t>单击此处编辑母版文本样式</a:t>
             </a:r>
-            <a:endParaRPr lang="zh-CN" altLang="en-US" dirty="0"/>
           </a:p>
           <a:p>
             <a:pPr lvl="1"/>
@@ -5370,7 +5499,6 @@
               <a:rPr lang="zh-CN" altLang="en-US" dirty="0"/>
               <a:t>第二级</a:t>
             </a:r>
-            <a:endParaRPr lang="zh-CN" altLang="en-US" dirty="0"/>
           </a:p>
           <a:p>
             <a:pPr lvl="2"/>
@@ -5378,7 +5506,6 @@
               <a:rPr lang="zh-CN" altLang="en-US" dirty="0"/>
               <a:t>第三级</a:t>
             </a:r>
-            <a:endParaRPr lang="zh-CN" altLang="en-US" dirty="0"/>
           </a:p>
           <a:p>
             <a:pPr lvl="3"/>
@@ -5386,7 +5513,6 @@
               <a:rPr lang="zh-CN" altLang="en-US" dirty="0"/>
               <a:t>第四级</a:t>
             </a:r>
-            <a:endParaRPr lang="zh-CN" altLang="en-US" dirty="0"/>
           </a:p>
           <a:p>
             <a:pPr lvl="4"/>
@@ -5394,7 +5520,6 @@
               <a:rPr lang="zh-CN" altLang="en-US" dirty="0"/>
               <a:t>第五级</a:t>
             </a:r>
-            <a:endParaRPr lang="zh-CN" altLang="en-US" dirty="0"/>
           </a:p>
         </p:txBody>
       </p:sp>
@@ -5421,6 +5546,7 @@
           <a:p>
             <a:fld id="{760FBDFE-C587-4B4C-A407-44438C67B59E}" type="datetimeFigureOut">
               <a:rPr lang="zh-CN" altLang="en-US" smtClean="0"/>
+              <a:t>2018/8/11</a:t>
             </a:fld>
             <a:endParaRPr lang="zh-CN" altLang="en-US"/>
           </a:p>
@@ -5474,6 +5600,7 @@
           <a:p>
             <a:fld id="{49AE70B2-8BF9-45C0-BB95-33D1B9D3A854}" type="slidenum">
               <a:rPr lang="zh-CN" altLang="en-US" smtClean="0"/>
+              <a:t>‹#›</a:t>
             </a:fld>
             <a:endParaRPr lang="zh-CN" altLang="en-US"/>
           </a:p>
@@ -5530,7 +5657,6 @@
               <a:rPr lang="zh-CN" altLang="en-US"/>
               <a:t>单击此处编辑母版标题样式</a:t>
             </a:r>
-            <a:endParaRPr lang="zh-CN" altLang="en-US"/>
           </a:p>
         </p:txBody>
       </p:sp>
@@ -5598,7 +5724,6 @@
               <a:rPr lang="zh-CN" altLang="en-US" dirty="0"/>
               <a:t>单击此处编辑母版文本样式</a:t>
             </a:r>
-            <a:endParaRPr lang="zh-CN" altLang="en-US" dirty="0"/>
           </a:p>
         </p:txBody>
       </p:sp>
@@ -5629,7 +5754,6 @@
               <a:rPr lang="zh-CN" altLang="en-US" dirty="0"/>
               <a:t>单击此处编辑母版文本样式</a:t>
             </a:r>
-            <a:endParaRPr lang="zh-CN" altLang="en-US" dirty="0"/>
           </a:p>
           <a:p>
             <a:pPr lvl="1"/>
@@ -5637,7 +5761,6 @@
               <a:rPr lang="zh-CN" altLang="en-US" dirty="0"/>
               <a:t>第二级</a:t>
             </a:r>
-            <a:endParaRPr lang="zh-CN" altLang="en-US" dirty="0"/>
           </a:p>
           <a:p>
             <a:pPr lvl="2"/>
@@ -5645,7 +5768,6 @@
               <a:rPr lang="zh-CN" altLang="en-US" dirty="0"/>
               <a:t>第三级</a:t>
             </a:r>
-            <a:endParaRPr lang="zh-CN" altLang="en-US" dirty="0"/>
           </a:p>
           <a:p>
             <a:pPr lvl="3"/>
@@ -5653,7 +5775,6 @@
               <a:rPr lang="zh-CN" altLang="en-US" dirty="0"/>
               <a:t>第四级</a:t>
             </a:r>
-            <a:endParaRPr lang="zh-CN" altLang="en-US" dirty="0"/>
           </a:p>
           <a:p>
             <a:pPr lvl="4"/>
@@ -5661,7 +5782,6 @@
               <a:rPr lang="zh-CN" altLang="en-US" dirty="0"/>
               <a:t>第五级</a:t>
             </a:r>
-            <a:endParaRPr lang="zh-CN" altLang="en-US" dirty="0"/>
           </a:p>
         </p:txBody>
       </p:sp>
@@ -5729,7 +5849,6 @@
               <a:rPr lang="zh-CN" altLang="en-US" dirty="0"/>
               <a:t>单击此处编辑母版文本样式</a:t>
             </a:r>
-            <a:endParaRPr lang="zh-CN" altLang="en-US" dirty="0"/>
           </a:p>
         </p:txBody>
       </p:sp>
@@ -5760,7 +5879,6 @@
               <a:rPr lang="zh-CN" altLang="en-US" dirty="0"/>
               <a:t>单击此处编辑母版文本样式</a:t>
             </a:r>
-            <a:endParaRPr lang="zh-CN" altLang="en-US" dirty="0"/>
           </a:p>
           <a:p>
             <a:pPr lvl="1"/>
@@ -5768,7 +5886,6 @@
               <a:rPr lang="zh-CN" altLang="en-US" dirty="0"/>
               <a:t>第二级</a:t>
             </a:r>
-            <a:endParaRPr lang="zh-CN" altLang="en-US" dirty="0"/>
           </a:p>
           <a:p>
             <a:pPr lvl="2"/>
@@ -5776,7 +5893,6 @@
               <a:rPr lang="zh-CN" altLang="en-US" dirty="0"/>
               <a:t>第三级</a:t>
             </a:r>
-            <a:endParaRPr lang="zh-CN" altLang="en-US" dirty="0"/>
           </a:p>
           <a:p>
             <a:pPr lvl="3"/>
@@ -5784,7 +5900,6 @@
               <a:rPr lang="zh-CN" altLang="en-US" dirty="0"/>
               <a:t>第四级</a:t>
             </a:r>
-            <a:endParaRPr lang="zh-CN" altLang="en-US" dirty="0"/>
           </a:p>
           <a:p>
             <a:pPr lvl="4"/>
@@ -5792,7 +5907,6 @@
               <a:rPr lang="zh-CN" altLang="en-US" dirty="0"/>
               <a:t>第五级</a:t>
             </a:r>
-            <a:endParaRPr lang="zh-CN" altLang="en-US" dirty="0"/>
           </a:p>
         </p:txBody>
       </p:sp>
@@ -5819,6 +5933,7 @@
           <a:p>
             <a:fld id="{760FBDFE-C587-4B4C-A407-44438C67B59E}" type="datetimeFigureOut">
               <a:rPr lang="zh-CN" altLang="en-US" smtClean="0"/>
+              <a:t>2018/8/11</a:t>
             </a:fld>
             <a:endParaRPr lang="zh-CN" altLang="en-US"/>
           </a:p>
@@ -5872,6 +5987,7 @@
           <a:p>
             <a:fld id="{49AE70B2-8BF9-45C0-BB95-33D1B9D3A854}" type="slidenum">
               <a:rPr lang="zh-CN" altLang="en-US" smtClean="0"/>
+              <a:t>‹#›</a:t>
             </a:fld>
             <a:endParaRPr lang="zh-CN" altLang="en-US"/>
           </a:p>
@@ -5908,7 +6024,7 @@
           <p:cNvCxnSpPr/>
           <p:nvPr>
             <p:custDataLst>
-              <p:tags r:id="rId2"/>
+              <p:tags r:id="rId1"/>
             </p:custDataLst>
           </p:nvPr>
         </p:nvCxnSpPr>
@@ -5942,7 +6058,7 @@
           <p:cNvCxnSpPr/>
           <p:nvPr>
             <p:custDataLst>
-              <p:tags r:id="rId3"/>
+              <p:tags r:id="rId2"/>
             </p:custDataLst>
           </p:nvPr>
         </p:nvCxnSpPr>
@@ -5976,7 +6092,7 @@
           <p:cNvCxnSpPr/>
           <p:nvPr>
             <p:custDataLst>
-              <p:tags r:id="rId4"/>
+              <p:tags r:id="rId3"/>
             </p:custDataLst>
           </p:nvPr>
         </p:nvCxnSpPr>
@@ -6010,7 +6126,7 @@
           <p:cNvCxnSpPr/>
           <p:nvPr>
             <p:custDataLst>
-              <p:tags r:id="rId5"/>
+              <p:tags r:id="rId4"/>
             </p:custDataLst>
           </p:nvPr>
         </p:nvCxnSpPr>
@@ -6044,7 +6160,7 @@
           <p:cNvCxnSpPr/>
           <p:nvPr>
             <p:custDataLst>
-              <p:tags r:id="rId6"/>
+              <p:tags r:id="rId5"/>
             </p:custDataLst>
           </p:nvPr>
         </p:nvCxnSpPr>
@@ -6102,7 +6218,6 @@
               <a:rPr lang="zh-CN" altLang="en-US" dirty="0"/>
               <a:t>编辑标题</a:t>
             </a:r>
-            <a:endParaRPr lang="zh-CN" altLang="en-US" dirty="0"/>
           </a:p>
         </p:txBody>
       </p:sp>
@@ -6129,6 +6244,7 @@
           <a:p>
             <a:fld id="{760FBDFE-C587-4B4C-A407-44438C67B59E}" type="datetimeFigureOut">
               <a:rPr lang="zh-CN" altLang="en-US" smtClean="0"/>
+              <a:t>2018/8/11</a:t>
             </a:fld>
             <a:endParaRPr lang="zh-CN" altLang="en-US"/>
           </a:p>
@@ -6182,6 +6298,7 @@
           <a:p>
             <a:fld id="{49AE70B2-8BF9-45C0-BB95-33D1B9D3A854}" type="slidenum">
               <a:rPr lang="zh-CN" altLang="en-US" smtClean="0"/>
+              <a:t>‹#›</a:t>
             </a:fld>
             <a:endParaRPr lang="zh-CN" altLang="en-US"/>
           </a:p>
@@ -6219,7 +6336,6 @@
               <a:rPr lang="zh-CN" altLang="en-US" dirty="0"/>
               <a:t>单击此处编辑文本</a:t>
             </a:r>
-            <a:endParaRPr lang="zh-CN" altLang="en-US" dirty="0"/>
           </a:p>
         </p:txBody>
       </p:sp>
@@ -6271,6 +6387,7 @@
           <a:p>
             <a:fld id="{760FBDFE-C587-4B4C-A407-44438C67B59E}" type="datetimeFigureOut">
               <a:rPr lang="zh-CN" altLang="en-US" smtClean="0"/>
+              <a:t>2018/8/11</a:t>
             </a:fld>
             <a:endParaRPr lang="zh-CN" altLang="en-US"/>
           </a:p>
@@ -6324,6 +6441,7 @@
           <a:p>
             <a:fld id="{49AE70B2-8BF9-45C0-BB95-33D1B9D3A854}" type="slidenum">
               <a:rPr lang="zh-CN" altLang="en-US" smtClean="0"/>
+              <a:t>‹#›</a:t>
             </a:fld>
             <a:endParaRPr lang="zh-CN" altLang="en-US"/>
           </a:p>
@@ -6517,7 +6635,6 @@
               <a:rPr lang="zh-CN" altLang="en-US" dirty="0"/>
               <a:t>单击此处编辑母版文本样式</a:t>
             </a:r>
-            <a:endParaRPr lang="zh-CN" altLang="en-US" dirty="0"/>
           </a:p>
         </p:txBody>
       </p:sp>
@@ -6544,6 +6661,7 @@
           <a:p>
             <a:fld id="{9EFD9D74-47D9-4702-A33C-335B63B48DBF}" type="datetimeFigureOut">
               <a:rPr lang="zh-CN" altLang="en-US" smtClean="0"/>
+              <a:t>2018/8/11</a:t>
             </a:fld>
             <a:endParaRPr lang="zh-CN" altLang="en-US" dirty="0"/>
           </a:p>
@@ -6597,6 +6715,7 @@
           <a:p>
             <a:fld id="{FABC47A4-756D-490B-A52F-7D9E2C9FC05F}" type="slidenum">
               <a:rPr lang="zh-CN" altLang="en-US" smtClean="0"/>
+              <a:t>‹#›</a:t>
             </a:fld>
             <a:endParaRPr lang="zh-CN" altLang="en-US"/>
           </a:p>
@@ -6648,7 +6767,6 @@
               <a:rPr lang="zh-CN" altLang="en-US" noProof="1"/>
               <a:t>单击此处编辑母版标题样式</a:t>
             </a:r>
-            <a:endParaRPr lang="zh-CN" altLang="en-US" noProof="1"/>
           </a:p>
         </p:txBody>
       </p:sp>
@@ -6690,7 +6808,6 @@
               <a:rPr lang="zh-CN" altLang="en-US" noProof="1"/>
               <a:t>单击此处编辑母版文本样式</a:t>
             </a:r>
-            <a:endParaRPr lang="zh-CN" altLang="en-US" noProof="1"/>
           </a:p>
           <a:p>
             <a:pPr lvl="1"/>
@@ -6698,7 +6815,6 @@
               <a:rPr lang="zh-CN" altLang="en-US" noProof="1"/>
               <a:t>第二级</a:t>
             </a:r>
-            <a:endParaRPr lang="zh-CN" altLang="en-US" noProof="1"/>
           </a:p>
           <a:p>
             <a:pPr lvl="2"/>
@@ -6706,7 +6822,6 @@
               <a:rPr lang="zh-CN" altLang="en-US" noProof="1"/>
               <a:t>第三级</a:t>
             </a:r>
-            <a:endParaRPr lang="zh-CN" altLang="en-US" noProof="1"/>
           </a:p>
           <a:p>
             <a:pPr lvl="3"/>
@@ -6714,7 +6829,6 @@
               <a:rPr lang="zh-CN" altLang="en-US" noProof="1"/>
               <a:t>第四级</a:t>
             </a:r>
-            <a:endParaRPr lang="zh-CN" altLang="en-US" noProof="1"/>
           </a:p>
           <a:p>
             <a:pPr lvl="4"/>
@@ -6722,7 +6836,6 @@
               <a:rPr lang="zh-CN" altLang="en-US" noProof="1"/>
               <a:t>第五级</a:t>
             </a:r>
-            <a:endParaRPr lang="zh-CN" altLang="en-US" noProof="1"/>
           </a:p>
         </p:txBody>
       </p:sp>
@@ -6747,6 +6860,7 @@
           <a:p>
             <a:fld id="{760FBDFE-C587-4B4C-A407-44438C67B59E}" type="datetimeFigureOut">
               <a:rPr lang="zh-CN" altLang="en-US"/>
+              <a:t>2018/8/11</a:t>
             </a:fld>
             <a:endParaRPr lang="zh-CN" altLang="en-US"/>
           </a:p>
@@ -6796,6 +6910,7 @@
           <a:p>
             <a:fld id="{EF3E80A9-C089-480E-9D1E-3B913964BA25}" type="slidenum">
               <a:rPr lang="zh-CN" altLang="en-US"/>
+              <a:t>‹#›</a:t>
             </a:fld>
             <a:endParaRPr lang="zh-CN" altLang="en-US"/>
           </a:p>
@@ -6856,7 +6971,6 @@
               <a:rPr lang="zh-CN" altLang="en-US"/>
               <a:t>单击此处编辑母版标题样式</a:t>
             </a:r>
-            <a:endParaRPr lang="zh-CN" altLang="en-US"/>
           </a:p>
         </p:txBody>
       </p:sp>
@@ -6903,7 +7017,6 @@
               <a:rPr lang="zh-CN" altLang="en-US" dirty="0"/>
               <a:t>单击此处编辑母版文本样式</a:t>
             </a:r>
-            <a:endParaRPr lang="zh-CN" altLang="en-US" dirty="0"/>
           </a:p>
           <a:p>
             <a:pPr lvl="1"/>
@@ -6911,7 +7024,6 @@
               <a:rPr lang="zh-CN" altLang="en-US" dirty="0"/>
               <a:t>第二级</a:t>
             </a:r>
-            <a:endParaRPr lang="zh-CN" altLang="en-US" dirty="0"/>
           </a:p>
           <a:p>
             <a:pPr lvl="2"/>
@@ -6919,7 +7031,6 @@
               <a:rPr lang="zh-CN" altLang="en-US" dirty="0"/>
               <a:t>第三级</a:t>
             </a:r>
-            <a:endParaRPr lang="zh-CN" altLang="en-US" dirty="0"/>
           </a:p>
           <a:p>
             <a:pPr lvl="3"/>
@@ -6927,7 +7038,6 @@
               <a:rPr lang="zh-CN" altLang="en-US" dirty="0"/>
               <a:t>第四级</a:t>
             </a:r>
-            <a:endParaRPr lang="zh-CN" altLang="en-US" dirty="0"/>
           </a:p>
           <a:p>
             <a:pPr lvl="4"/>
@@ -6935,7 +7045,6 @@
               <a:rPr lang="zh-CN" altLang="en-US" dirty="0"/>
               <a:t>第五级</a:t>
             </a:r>
-            <a:endParaRPr lang="zh-CN" altLang="en-US" dirty="0"/>
           </a:p>
         </p:txBody>
       </p:sp>
@@ -6962,6 +7071,7 @@
           <a:p>
             <a:fld id="{760FBDFE-C587-4B4C-A407-44438C67B59E}" type="datetimeFigureOut">
               <a:rPr lang="zh-CN" altLang="en-US" smtClean="0"/>
+              <a:t>2018/8/11</a:t>
             </a:fld>
             <a:endParaRPr lang="zh-CN" altLang="en-US"/>
           </a:p>
@@ -7015,6 +7125,7 @@
           <a:p>
             <a:fld id="{49AE70B2-8BF9-45C0-BB95-33D1B9D3A854}" type="slidenum">
               <a:rPr lang="zh-CN" altLang="en-US" smtClean="0"/>
+              <a:t>‹#›</a:t>
             </a:fld>
             <a:endParaRPr lang="zh-CN" altLang="en-US"/>
           </a:p>
@@ -7068,6 +7179,7 @@
           <a:p>
             <a:fld id="{760FBDFE-C587-4B4C-A407-44438C67B59E}" type="datetimeFigureOut">
               <a:rPr lang="zh-CN" altLang="en-US" smtClean="0"/>
+              <a:t>2018/8/11</a:t>
             </a:fld>
             <a:endParaRPr lang="zh-CN" altLang="en-US"/>
           </a:p>
@@ -7121,6 +7233,7 @@
           <a:p>
             <a:fld id="{49AE70B2-8BF9-45C0-BB95-33D1B9D3A854}" type="slidenum">
               <a:rPr lang="zh-CN" altLang="en-US" smtClean="0"/>
+              <a:t>‹#›</a:t>
             </a:fld>
             <a:endParaRPr lang="zh-CN" altLang="en-US"/>
           </a:p>
@@ -7169,7 +7282,6 @@
               <a:rPr lang="zh-CN" altLang="en-US" dirty="0"/>
               <a:t>单击此处编辑母版文本样式</a:t>
             </a:r>
-            <a:endParaRPr lang="zh-CN" altLang="en-US" dirty="0"/>
           </a:p>
           <a:p>
             <a:pPr lvl="1"/>
@@ -7177,7 +7289,6 @@
               <a:rPr lang="zh-CN" altLang="en-US" dirty="0"/>
               <a:t>第二级</a:t>
             </a:r>
-            <a:endParaRPr lang="zh-CN" altLang="en-US" dirty="0"/>
           </a:p>
           <a:p>
             <a:pPr lvl="2"/>
@@ -7185,7 +7296,6 @@
               <a:rPr lang="zh-CN" altLang="en-US" dirty="0"/>
               <a:t>第三级</a:t>
             </a:r>
-            <a:endParaRPr lang="zh-CN" altLang="en-US" dirty="0"/>
           </a:p>
           <a:p>
             <a:pPr lvl="3"/>
@@ -7193,7 +7303,6 @@
               <a:rPr lang="zh-CN" altLang="en-US" dirty="0"/>
               <a:t>第四级</a:t>
             </a:r>
-            <a:endParaRPr lang="zh-CN" altLang="en-US" dirty="0"/>
           </a:p>
           <a:p>
             <a:pPr lvl="4"/>
@@ -7201,7 +7310,6 @@
               <a:rPr lang="zh-CN" altLang="en-US" dirty="0"/>
               <a:t>第五级</a:t>
             </a:r>
-            <a:endParaRPr lang="zh-CN" altLang="en-US" dirty="0"/>
           </a:p>
         </p:txBody>
       </p:sp>
@@ -7260,7 +7368,6 @@
               <a:rPr lang="zh-CN" altLang="en-US" noProof="1"/>
               <a:t>单击此处编辑标题</a:t>
             </a:r>
-            <a:endParaRPr lang="zh-CN" altLang="en-US" noProof="1"/>
           </a:p>
         </p:txBody>
       </p:sp>
@@ -7296,7 +7403,6 @@
               <a:rPr lang="zh-CN" altLang="en-US" noProof="1"/>
               <a:t>单击此处编辑文本</a:t>
             </a:r>
-            <a:endParaRPr lang="zh-CN" altLang="en-US" noProof="1"/>
           </a:p>
         </p:txBody>
       </p:sp>
@@ -7321,6 +7427,7 @@
           <a:p>
             <a:fld id="{760FBDFE-C587-4B4C-A407-44438C67B59E}" type="datetimeFigureOut">
               <a:rPr lang="zh-CN" altLang="en-US"/>
+              <a:t>2018/8/11</a:t>
             </a:fld>
             <a:endParaRPr lang="zh-CN" altLang="en-US"/>
           </a:p>
@@ -7370,6 +7477,7 @@
           <a:p>
             <a:fld id="{DCC8595C-B6D7-43EC-9577-AA0422BFAAE2}" type="slidenum">
               <a:rPr lang="zh-CN" altLang="en-US"/>
+              <a:t>‹#›</a:t>
             </a:fld>
             <a:endParaRPr lang="zh-CN" altLang="en-US"/>
           </a:p>
@@ -7421,7 +7529,6 @@
               <a:rPr lang="zh-CN" altLang="en-US" noProof="1"/>
               <a:t>单击此处编辑母版标题样式</a:t>
             </a:r>
-            <a:endParaRPr lang="zh-CN" altLang="en-US" noProof="1"/>
           </a:p>
         </p:txBody>
       </p:sp>
@@ -7452,7 +7559,6 @@
               <a:rPr lang="zh-CN" altLang="en-US" noProof="1"/>
               <a:t>单击此处编辑母版文本样式</a:t>
             </a:r>
-            <a:endParaRPr lang="zh-CN" altLang="en-US" noProof="1"/>
           </a:p>
           <a:p>
             <a:pPr lvl="1"/>
@@ -7460,7 +7566,6 @@
               <a:rPr lang="zh-CN" altLang="en-US" noProof="1"/>
               <a:t>第二级</a:t>
             </a:r>
-            <a:endParaRPr lang="zh-CN" altLang="en-US" noProof="1"/>
           </a:p>
           <a:p>
             <a:pPr lvl="2"/>
@@ -7468,7 +7573,6 @@
               <a:rPr lang="zh-CN" altLang="en-US" noProof="1"/>
               <a:t>第三级</a:t>
             </a:r>
-            <a:endParaRPr lang="zh-CN" altLang="en-US" noProof="1"/>
           </a:p>
           <a:p>
             <a:pPr lvl="3"/>
@@ -7476,7 +7580,6 @@
               <a:rPr lang="zh-CN" altLang="en-US" noProof="1"/>
               <a:t>第四级</a:t>
             </a:r>
-            <a:endParaRPr lang="zh-CN" altLang="en-US" noProof="1"/>
           </a:p>
           <a:p>
             <a:pPr lvl="4"/>
@@ -7484,7 +7587,6 @@
               <a:rPr lang="zh-CN" altLang="en-US" noProof="1"/>
               <a:t>第五级</a:t>
             </a:r>
-            <a:endParaRPr lang="zh-CN" altLang="en-US" noProof="1"/>
           </a:p>
         </p:txBody>
       </p:sp>
@@ -7515,7 +7617,6 @@
               <a:rPr lang="zh-CN" altLang="en-US" noProof="1"/>
               <a:t>单击此处编辑母版文本样式</a:t>
             </a:r>
-            <a:endParaRPr lang="zh-CN" altLang="en-US" noProof="1"/>
           </a:p>
           <a:p>
             <a:pPr lvl="1"/>
@@ -7523,7 +7624,6 @@
               <a:rPr lang="zh-CN" altLang="en-US" noProof="1"/>
               <a:t>第二级</a:t>
             </a:r>
-            <a:endParaRPr lang="zh-CN" altLang="en-US" noProof="1"/>
           </a:p>
           <a:p>
             <a:pPr lvl="2"/>
@@ -7531,7 +7631,6 @@
               <a:rPr lang="zh-CN" altLang="en-US" noProof="1"/>
               <a:t>第三级</a:t>
             </a:r>
-            <a:endParaRPr lang="zh-CN" altLang="en-US" noProof="1"/>
           </a:p>
           <a:p>
             <a:pPr lvl="3"/>
@@ -7539,7 +7638,6 @@
               <a:rPr lang="zh-CN" altLang="en-US" noProof="1"/>
               <a:t>第四级</a:t>
             </a:r>
-            <a:endParaRPr lang="zh-CN" altLang="en-US" noProof="1"/>
           </a:p>
           <a:p>
             <a:pPr lvl="4"/>
@@ -7547,7 +7645,6 @@
               <a:rPr lang="zh-CN" altLang="en-US" noProof="1"/>
               <a:t>第五级</a:t>
             </a:r>
-            <a:endParaRPr lang="zh-CN" altLang="en-US" noProof="1"/>
           </a:p>
         </p:txBody>
       </p:sp>
@@ -7572,6 +7669,7 @@
           <a:p>
             <a:fld id="{760FBDFE-C587-4B4C-A407-44438C67B59E}" type="datetimeFigureOut">
               <a:rPr lang="zh-CN" altLang="en-US"/>
+              <a:t>2018/8/11</a:t>
             </a:fld>
             <a:endParaRPr lang="zh-CN" altLang="en-US"/>
           </a:p>
@@ -7621,6 +7719,7 @@
           <a:p>
             <a:fld id="{A09486A2-9B4A-4F08-B491-129DAF4DDFA5}" type="slidenum">
               <a:rPr lang="zh-CN" altLang="en-US"/>
+              <a:t>‹#›</a:t>
             </a:fld>
             <a:endParaRPr lang="zh-CN" altLang="en-US"/>
           </a:p>
@@ -7677,7 +7776,6 @@
               <a:rPr lang="zh-CN" altLang="en-US" noProof="1"/>
               <a:t>单击此处编辑母版标题样式</a:t>
             </a:r>
-            <a:endParaRPr lang="zh-CN" altLang="en-US" noProof="1"/>
           </a:p>
         </p:txBody>
       </p:sp>
@@ -7745,7 +7843,6 @@
               <a:rPr lang="zh-CN" altLang="en-US" noProof="1"/>
               <a:t>单击此处编辑母版文本样式</a:t>
             </a:r>
-            <a:endParaRPr lang="zh-CN" altLang="en-US" noProof="1"/>
           </a:p>
         </p:txBody>
       </p:sp>
@@ -7776,7 +7873,6 @@
               <a:rPr lang="zh-CN" altLang="en-US" noProof="1"/>
               <a:t>单击此处编辑母版文本样式</a:t>
             </a:r>
-            <a:endParaRPr lang="zh-CN" altLang="en-US" noProof="1"/>
           </a:p>
           <a:p>
             <a:pPr lvl="1"/>
@@ -7784,7 +7880,6 @@
               <a:rPr lang="zh-CN" altLang="en-US" noProof="1"/>
               <a:t>第二级</a:t>
             </a:r>
-            <a:endParaRPr lang="zh-CN" altLang="en-US" noProof="1"/>
           </a:p>
           <a:p>
             <a:pPr lvl="2"/>
@@ -7792,7 +7887,6 @@
               <a:rPr lang="zh-CN" altLang="en-US" noProof="1"/>
               <a:t>第三级</a:t>
             </a:r>
-            <a:endParaRPr lang="zh-CN" altLang="en-US" noProof="1"/>
           </a:p>
           <a:p>
             <a:pPr lvl="3"/>
@@ -7800,7 +7894,6 @@
               <a:rPr lang="zh-CN" altLang="en-US" noProof="1"/>
               <a:t>第四级</a:t>
             </a:r>
-            <a:endParaRPr lang="zh-CN" altLang="en-US" noProof="1"/>
           </a:p>
           <a:p>
             <a:pPr lvl="4"/>
@@ -7808,7 +7901,6 @@
               <a:rPr lang="zh-CN" altLang="en-US" noProof="1"/>
               <a:t>第五级</a:t>
             </a:r>
-            <a:endParaRPr lang="zh-CN" altLang="en-US" noProof="1"/>
           </a:p>
         </p:txBody>
       </p:sp>
@@ -7876,7 +7968,6 @@
               <a:rPr lang="zh-CN" altLang="en-US" noProof="1"/>
               <a:t>单击此处编辑母版文本样式</a:t>
             </a:r>
-            <a:endParaRPr lang="zh-CN" altLang="en-US" noProof="1"/>
           </a:p>
         </p:txBody>
       </p:sp>
@@ -7907,7 +7998,6 @@
               <a:rPr lang="zh-CN" altLang="en-US" noProof="1"/>
               <a:t>单击此处编辑母版文本样式</a:t>
             </a:r>
-            <a:endParaRPr lang="zh-CN" altLang="en-US" noProof="1"/>
           </a:p>
           <a:p>
             <a:pPr lvl="1"/>
@@ -7915,7 +8005,6 @@
               <a:rPr lang="zh-CN" altLang="en-US" noProof="1"/>
               <a:t>第二级</a:t>
             </a:r>
-            <a:endParaRPr lang="zh-CN" altLang="en-US" noProof="1"/>
           </a:p>
           <a:p>
             <a:pPr lvl="2"/>
@@ -7923,7 +8012,6 @@
               <a:rPr lang="zh-CN" altLang="en-US" noProof="1"/>
               <a:t>第三级</a:t>
             </a:r>
-            <a:endParaRPr lang="zh-CN" altLang="en-US" noProof="1"/>
           </a:p>
           <a:p>
             <a:pPr lvl="3"/>
@@ -7931,7 +8019,6 @@
               <a:rPr lang="zh-CN" altLang="en-US" noProof="1"/>
               <a:t>第四级</a:t>
             </a:r>
-            <a:endParaRPr lang="zh-CN" altLang="en-US" noProof="1"/>
           </a:p>
           <a:p>
             <a:pPr lvl="4"/>
@@ -7939,7 +8026,6 @@
               <a:rPr lang="zh-CN" altLang="en-US" noProof="1"/>
               <a:t>第五级</a:t>
             </a:r>
-            <a:endParaRPr lang="zh-CN" altLang="en-US" noProof="1"/>
           </a:p>
         </p:txBody>
       </p:sp>
@@ -7964,6 +8050,7 @@
           <a:p>
             <a:fld id="{760FBDFE-C587-4B4C-A407-44438C67B59E}" type="datetimeFigureOut">
               <a:rPr lang="zh-CN" altLang="en-US"/>
+              <a:t>2018/8/11</a:t>
             </a:fld>
             <a:endParaRPr lang="zh-CN" altLang="en-US"/>
           </a:p>
@@ -8013,6 +8100,7 @@
           <a:p>
             <a:fld id="{C61880FD-51CA-4182-8801-831F4C9C2CEC}" type="slidenum">
               <a:rPr lang="zh-CN" altLang="en-US"/>
+              <a:t>‹#›</a:t>
             </a:fld>
             <a:endParaRPr lang="zh-CN" altLang="en-US"/>
           </a:p>
@@ -8049,7 +8137,7 @@
           <p:cNvCxnSpPr/>
           <p:nvPr>
             <p:custDataLst>
-              <p:tags r:id="rId2"/>
+              <p:tags r:id="rId1"/>
             </p:custDataLst>
           </p:nvPr>
         </p:nvCxnSpPr>
@@ -8083,7 +8171,7 @@
           <p:cNvCxnSpPr/>
           <p:nvPr>
             <p:custDataLst>
-              <p:tags r:id="rId3"/>
+              <p:tags r:id="rId2"/>
             </p:custDataLst>
           </p:nvPr>
         </p:nvCxnSpPr>
@@ -8117,7 +8205,7 @@
           <p:cNvCxnSpPr/>
           <p:nvPr>
             <p:custDataLst>
-              <p:tags r:id="rId4"/>
+              <p:tags r:id="rId3"/>
             </p:custDataLst>
           </p:nvPr>
         </p:nvCxnSpPr>
@@ -8151,7 +8239,7 @@
           <p:cNvCxnSpPr/>
           <p:nvPr>
             <p:custDataLst>
-              <p:tags r:id="rId5"/>
+              <p:tags r:id="rId4"/>
             </p:custDataLst>
           </p:nvPr>
         </p:nvCxnSpPr>
@@ -8185,7 +8273,7 @@
           <p:cNvCxnSpPr/>
           <p:nvPr>
             <p:custDataLst>
-              <p:tags r:id="rId6"/>
+              <p:tags r:id="rId5"/>
             </p:custDataLst>
           </p:nvPr>
         </p:nvCxnSpPr>
@@ -8243,7 +8331,6 @@
               <a:rPr lang="zh-CN" altLang="en-US" noProof="1"/>
               <a:t>编辑标题</a:t>
             </a:r>
-            <a:endParaRPr lang="zh-CN" altLang="en-US" noProof="1"/>
           </a:p>
         </p:txBody>
       </p:sp>
@@ -8279,7 +8366,6 @@
               <a:rPr lang="zh-CN" altLang="en-US" noProof="1"/>
               <a:t>单击此处编辑文本</a:t>
             </a:r>
-            <a:endParaRPr lang="zh-CN" altLang="en-US" noProof="1"/>
           </a:p>
         </p:txBody>
       </p:sp>
@@ -8304,6 +8390,7 @@
           <a:p>
             <a:fld id="{760FBDFE-C587-4B4C-A407-44438C67B59E}" type="datetimeFigureOut">
               <a:rPr lang="zh-CN" altLang="en-US"/>
+              <a:t>2018/8/11</a:t>
             </a:fld>
             <a:endParaRPr lang="zh-CN" altLang="en-US"/>
           </a:p>
@@ -8353,6 +8440,7 @@
           <a:p>
             <a:fld id="{6B29CE7E-9584-4E3D-A184-0EB8A5FF10A8}" type="slidenum">
               <a:rPr lang="zh-CN" altLang="en-US"/>
+              <a:t>‹#›</a:t>
             </a:fld>
             <a:endParaRPr lang="zh-CN" altLang="en-US"/>
           </a:p>
@@ -8404,6 +8492,7 @@
           <a:p>
             <a:fld id="{760FBDFE-C587-4B4C-A407-44438C67B59E}" type="datetimeFigureOut">
               <a:rPr lang="zh-CN" altLang="en-US"/>
+              <a:t>2018/8/11</a:t>
             </a:fld>
             <a:endParaRPr lang="zh-CN" altLang="en-US"/>
           </a:p>
@@ -8453,6 +8542,7 @@
           <a:p>
             <a:fld id="{61FD7337-7689-40E9-995D-FF92F58B836E}" type="slidenum">
               <a:rPr lang="zh-CN" altLang="en-US"/>
+              <a:t>‹#›</a:t>
             </a:fld>
             <a:endParaRPr lang="zh-CN" altLang="en-US"/>
           </a:p>
@@ -8513,7 +8603,6 @@
               <a:rPr lang="zh-CN" altLang="en-US" noProof="1"/>
               <a:t>单击此处编辑标题</a:t>
             </a:r>
-            <a:endParaRPr lang="zh-CN" altLang="en-US" noProof="1"/>
           </a:p>
         </p:txBody>
       </p:sp>
@@ -8578,7 +8667,6 @@
               <a:rPr lang="zh-CN" altLang="en-US" noProof="1"/>
               <a:t>图片</a:t>
             </a:r>
-            <a:endParaRPr lang="zh-CN" altLang="en-US" noProof="1"/>
           </a:p>
         </p:txBody>
       </p:sp>
@@ -8646,7 +8734,6 @@
               <a:rPr lang="zh-CN" altLang="en-US" noProof="1"/>
               <a:t>单击此处编辑母版文本样式</a:t>
             </a:r>
-            <a:endParaRPr lang="zh-CN" altLang="en-US" noProof="1"/>
           </a:p>
         </p:txBody>
       </p:sp>
@@ -8671,6 +8758,7 @@
           <a:p>
             <a:fld id="{9EFD9D74-47D9-4702-A33C-335B63B48DBF}" type="datetimeFigureOut">
               <a:rPr lang="zh-CN" altLang="en-US"/>
+              <a:t>2018/8/11</a:t>
             </a:fld>
             <a:endParaRPr lang="zh-CN" altLang="en-US" dirty="0"/>
           </a:p>
@@ -8720,6 +8808,7 @@
           <a:p>
             <a:fld id="{B2E1C370-EC47-44E1-BBFE-64D6DC550E06}" type="slidenum">
               <a:rPr lang="zh-CN" altLang="en-US"/>
+              <a:t>‹#›</a:t>
             </a:fld>
             <a:endParaRPr lang="zh-CN" altLang="en-US"/>
           </a:p>
@@ -8780,7 +8869,6 @@
               <a:rPr lang="zh-CN" altLang="en-US" noProof="1"/>
               <a:t>单击此处编辑母版标题样式</a:t>
             </a:r>
-            <a:endParaRPr lang="zh-CN" altLang="en-US" noProof="1"/>
           </a:p>
         </p:txBody>
       </p:sp>
@@ -8827,7 +8915,6 @@
               <a:rPr lang="zh-CN" altLang="en-US" noProof="1"/>
               <a:t>单击此处编辑母版文本样式</a:t>
             </a:r>
-            <a:endParaRPr lang="zh-CN" altLang="en-US" noProof="1"/>
           </a:p>
           <a:p>
             <a:pPr lvl="1"/>
@@ -8835,7 +8922,6 @@
               <a:rPr lang="zh-CN" altLang="en-US" noProof="1"/>
               <a:t>第二级</a:t>
             </a:r>
-            <a:endParaRPr lang="zh-CN" altLang="en-US" noProof="1"/>
           </a:p>
           <a:p>
             <a:pPr lvl="2"/>
@@ -8843,7 +8929,6 @@
               <a:rPr lang="zh-CN" altLang="en-US" noProof="1"/>
               <a:t>第三级</a:t>
             </a:r>
-            <a:endParaRPr lang="zh-CN" altLang="en-US" noProof="1"/>
           </a:p>
           <a:p>
             <a:pPr lvl="3"/>
@@ -8851,7 +8936,6 @@
               <a:rPr lang="zh-CN" altLang="en-US" noProof="1"/>
               <a:t>第四级</a:t>
             </a:r>
-            <a:endParaRPr lang="zh-CN" altLang="en-US" noProof="1"/>
           </a:p>
           <a:p>
             <a:pPr lvl="4"/>
@@ -8859,7 +8943,6 @@
               <a:rPr lang="zh-CN" altLang="en-US" noProof="1"/>
               <a:t>第五级</a:t>
             </a:r>
-            <a:endParaRPr lang="zh-CN" altLang="en-US" noProof="1"/>
           </a:p>
         </p:txBody>
       </p:sp>
@@ -8884,6 +8967,7 @@
           <a:p>
             <a:fld id="{760FBDFE-C587-4B4C-A407-44438C67B59E}" type="datetimeFigureOut">
               <a:rPr lang="zh-CN" altLang="en-US"/>
+              <a:t>2018/8/11</a:t>
             </a:fld>
             <a:endParaRPr lang="zh-CN" altLang="en-US"/>
           </a:p>
@@ -8933,6 +9017,7 @@
           <a:p>
             <a:fld id="{986C7E2C-DF09-4D8D-A4F6-C3EF5949F498}" type="slidenum">
               <a:rPr lang="zh-CN" altLang="en-US"/>
+              <a:t>‹#›</a:t>
             </a:fld>
             <a:endParaRPr lang="zh-CN" altLang="en-US"/>
           </a:p>
@@ -8980,7 +9065,7 @@
           <p:nvPr>
             <p:ph type="title" idx="4294967295"/>
             <p:custDataLst>
-              <p:tags r:id="rId12"/>
+              <p:tags r:id="rId13"/>
             </p:custDataLst>
           </p:nvPr>
         </p:nvSpPr>
@@ -9025,7 +9110,6 @@
               <a:rPr lang="zh-CN" altLang="en-US"/>
               <a:t>单击此处编辑母版标题样式</a:t>
             </a:r>
-            <a:endParaRPr lang="zh-CN" altLang="en-US"/>
           </a:p>
         </p:txBody>
       </p:sp>
@@ -9038,7 +9122,7 @@
           <p:nvPr>
             <p:ph type="body" idx="9"/>
             <p:custDataLst>
-              <p:tags r:id="rId13"/>
+              <p:tags r:id="rId14"/>
             </p:custDataLst>
           </p:nvPr>
         </p:nvSpPr>
@@ -9083,7 +9167,6 @@
               <a:rPr lang="zh-CN" altLang="en-US"/>
               <a:t>单击此处编辑母版文本样式</a:t>
             </a:r>
-            <a:endParaRPr lang="zh-CN" altLang="en-US"/>
           </a:p>
           <a:p>
             <a:pPr lvl="1"/>
@@ -9091,7 +9174,6 @@
               <a:rPr lang="zh-CN" altLang="en-US"/>
               <a:t>第二级</a:t>
             </a:r>
-            <a:endParaRPr lang="zh-CN" altLang="en-US"/>
           </a:p>
           <a:p>
             <a:pPr lvl="2"/>
@@ -9099,7 +9181,6 @@
               <a:rPr lang="zh-CN" altLang="en-US"/>
               <a:t>第三级</a:t>
             </a:r>
-            <a:endParaRPr lang="zh-CN" altLang="en-US"/>
           </a:p>
           <a:p>
             <a:pPr lvl="3"/>
@@ -9107,7 +9188,6 @@
               <a:rPr lang="zh-CN" altLang="en-US"/>
               <a:t>第四级</a:t>
             </a:r>
-            <a:endParaRPr lang="zh-CN" altLang="en-US"/>
           </a:p>
           <a:p>
             <a:pPr lvl="4"/>
@@ -9115,7 +9195,6 @@
               <a:rPr lang="zh-CN" altLang="en-US"/>
               <a:t>第五级</a:t>
             </a:r>
-            <a:endParaRPr lang="zh-CN" altLang="en-US"/>
           </a:p>
         </p:txBody>
       </p:sp>
@@ -9161,6 +9240,7 @@
           <a:p>
             <a:fld id="{760FBDFE-C587-4B4C-A407-44438C67B59E}" type="datetimeFigureOut">
               <a:rPr lang="zh-CN" altLang="en-US"/>
+              <a:t>2018/8/11</a:t>
             </a:fld>
             <a:endParaRPr lang="zh-CN" altLang="en-US">
               <a:ea typeface="+mn-ea"/>
@@ -9253,6 +9333,7 @@
           <a:p>
             <a:fld id="{ECA6A4FB-A520-4B09-AD78-B7CBC19CBDD9}" type="slidenum">
               <a:rPr lang="zh-CN" altLang="en-US"/>
+              <a:t>‹#›</a:t>
             </a:fld>
             <a:endParaRPr lang="zh-CN" altLang="en-US">
               <a:ea typeface="+mn-ea"/>
@@ -9267,7 +9348,7 @@
           <p:cNvSpPr/>
           <p:nvPr>
             <p:custDataLst>
-              <p:tags r:id="rId14"/>
+              <p:tags r:id="rId15"/>
             </p:custDataLst>
           </p:nvPr>
         </p:nvSpPr>
@@ -9799,7 +9880,7 @@
           <p:nvPr>
             <p:ph type="title"/>
             <p:custDataLst>
-              <p:tags r:id="rId11"/>
+              <p:tags r:id="rId12"/>
             </p:custDataLst>
           </p:nvPr>
         </p:nvSpPr>
@@ -9822,7 +9903,6 @@
               <a:rPr lang="zh-CN" altLang="en-US" dirty="0"/>
               <a:t>单击此处编辑母版标题样式</a:t>
             </a:r>
-            <a:endParaRPr lang="zh-CN" altLang="en-US" dirty="0"/>
           </a:p>
         </p:txBody>
       </p:sp>
@@ -9835,7 +9915,7 @@
           <p:nvPr>
             <p:ph type="body" idx="1"/>
             <p:custDataLst>
-              <p:tags r:id="rId12"/>
+              <p:tags r:id="rId13"/>
             </p:custDataLst>
           </p:nvPr>
         </p:nvSpPr>
@@ -9859,7 +9939,6 @@
               <a:rPr lang="zh-CN" altLang="en-US" dirty="0"/>
               <a:t>单击此处编辑母版文本样式</a:t>
             </a:r>
-            <a:endParaRPr lang="zh-CN" altLang="en-US" dirty="0"/>
           </a:p>
           <a:p>
             <a:pPr lvl="1"/>
@@ -9867,7 +9946,6 @@
               <a:rPr lang="zh-CN" altLang="en-US" dirty="0"/>
               <a:t>第二级</a:t>
             </a:r>
-            <a:endParaRPr lang="zh-CN" altLang="en-US" dirty="0"/>
           </a:p>
           <a:p>
             <a:pPr lvl="2"/>
@@ -9875,7 +9953,6 @@
               <a:rPr lang="zh-CN" altLang="en-US" dirty="0"/>
               <a:t>第三级</a:t>
             </a:r>
-            <a:endParaRPr lang="zh-CN" altLang="en-US" dirty="0"/>
           </a:p>
           <a:p>
             <a:pPr lvl="3"/>
@@ -9883,7 +9960,6 @@
               <a:rPr lang="zh-CN" altLang="en-US" dirty="0"/>
               <a:t>第四级</a:t>
             </a:r>
-            <a:endParaRPr lang="zh-CN" altLang="en-US" dirty="0"/>
           </a:p>
           <a:p>
             <a:pPr lvl="4"/>
@@ -9891,7 +9967,6 @@
               <a:rPr lang="zh-CN" altLang="en-US" dirty="0"/>
               <a:t>第五级</a:t>
             </a:r>
-            <a:endParaRPr lang="zh-CN" altLang="en-US" dirty="0"/>
           </a:p>
         </p:txBody>
       </p:sp>
@@ -9935,6 +10010,7 @@
           <a:p>
             <a:fld id="{760FBDFE-C587-4B4C-A407-44438C67B59E}" type="datetimeFigureOut">
               <a:rPr lang="zh-CN" altLang="en-US" smtClean="0"/>
+              <a:t>2018/8/11</a:t>
             </a:fld>
             <a:endParaRPr lang="zh-CN" altLang="en-US"/>
           </a:p>
@@ -10022,6 +10098,7 @@
           <a:p>
             <a:fld id="{49AE70B2-8BF9-45C0-BB95-33D1B9D3A854}" type="slidenum">
               <a:rPr lang="zh-CN" altLang="en-US" smtClean="0"/>
+              <a:t>‹#›</a:t>
             </a:fld>
             <a:endParaRPr lang="zh-CN" altLang="en-US"/>
           </a:p>
@@ -10033,7 +10110,7 @@
           <p:cNvSpPr/>
           <p:nvPr>
             <p:custDataLst>
-              <p:tags r:id="rId13"/>
+              <p:tags r:id="rId14"/>
             </p:custDataLst>
           </p:nvPr>
         </p:nvSpPr>
@@ -10412,7 +10489,7 @@
           </p:cNvSpPr>
           <p:nvPr>
             <p:custDataLst>
-              <p:tags r:id="rId1"/>
+              <p:tags r:id="rId2"/>
             </p:custDataLst>
           </p:nvPr>
         </p:nvSpPr>
@@ -10625,7 +10702,6 @@
               <a:rPr lang="zh-CN" altLang="en-US" sz="1800" dirty="0"/>
               <a:t>开发工程部  冯泽明</a:t>
             </a:r>
-            <a:endParaRPr lang="zh-CN" altLang="en-US" sz="1800" dirty="0"/>
           </a:p>
         </p:txBody>
       </p:sp>
@@ -10656,7 +10732,7 @@
             </a:pPr>
             <a:r>
               <a:rPr lang="en-US" altLang="zh-CN" dirty="0">
-                <a:hlinkClick r:id="rId2"/>
+                <a:hlinkClick r:id="rId7"/>
               </a:rPr>
               <a:t>https://github.com/newgr8player</a:t>
             </a:r>
@@ -10665,7 +10741,7 @@
           <a:p>
             <a:r>
               <a:rPr lang="en-US" altLang="zh-CN" dirty="0">
-                <a:hlinkClick r:id="rId3"/>
+                <a:hlinkClick r:id="rId8"/>
               </a:rPr>
               <a:t>https://newgr8player.gitee.io/</a:t>
             </a:r>
@@ -10682,7 +10758,7 @@
           <p:nvPr>
             <p:ph type="ctrTitle"/>
             <p:custDataLst>
-              <p:tags r:id="rId4"/>
+              <p:tags r:id="rId3"/>
             </p:custDataLst>
           </p:nvPr>
         </p:nvSpPr>
@@ -10715,7 +10791,7 @@
           <p:nvPr>
             <p:ph type="subTitle" idx="1"/>
             <p:custDataLst>
-              <p:tags r:id="rId5"/>
+              <p:tags r:id="rId4"/>
             </p:custDataLst>
           </p:nvPr>
         </p:nvSpPr>
@@ -10776,7 +10852,7 @@
       </p:sp>
     </p:spTree>
     <p:custDataLst>
-      <p:tags r:id="rId6"/>
+      <p:tags r:id="rId1"/>
     </p:custDataLst>
   </p:cSld>
   <p:clrMapOvr>
@@ -10808,7 +10884,7 @@
           <p:cNvSpPr txBox="1"/>
           <p:nvPr>
             <p:custDataLst>
-              <p:tags r:id="rId1"/>
+              <p:tags r:id="rId2"/>
             </p:custDataLst>
           </p:nvPr>
         </p:nvSpPr>
@@ -10902,11 +10978,6 @@
               </a:rPr>
               <a:t>核心思想</a:t>
             </a:r>
-            <a:endParaRPr lang="zh-CN" altLang="en-US" b="1" dirty="0">
-              <a:solidFill>
-                <a:srgbClr val="0070C0"/>
-              </a:solidFill>
-            </a:endParaRPr>
           </a:p>
           <a:p>
             <a:pPr eaLnBrk="1" hangingPunct="1">
@@ -10951,11 +11022,6 @@
               </a:rPr>
               <a:t>为什么引入单一职责原则</a:t>
             </a:r>
-            <a:endParaRPr lang="zh-CN" altLang="en-US" b="1" dirty="0">
-              <a:solidFill>
-                <a:srgbClr val="0070C0"/>
-              </a:solidFill>
-            </a:endParaRPr>
           </a:p>
           <a:p>
             <a:pPr eaLnBrk="1" hangingPunct="1">
@@ -10989,11 +11055,6 @@
               </a:rPr>
               <a:t>单一职责原则的优点</a:t>
             </a:r>
-            <a:endParaRPr lang="zh-CN" altLang="en-US" b="1" dirty="0">
-              <a:solidFill>
-                <a:srgbClr val="0070C0"/>
-              </a:solidFill>
-            </a:endParaRPr>
           </a:p>
           <a:p>
             <a:pPr eaLnBrk="1" hangingPunct="1">
@@ -11065,7 +11126,7 @@
       </p:sp>
     </p:spTree>
     <p:custDataLst>
-      <p:tags r:id="rId2"/>
+      <p:tags r:id="rId1"/>
     </p:custDataLst>
   </p:cSld>
   <p:clrMapOvr>
@@ -11097,7 +11158,7 @@
           <p:cNvSpPr txBox="1"/>
           <p:nvPr>
             <p:custDataLst>
-              <p:tags r:id="rId1"/>
+              <p:tags r:id="rId2"/>
             </p:custDataLst>
           </p:nvPr>
         </p:nvSpPr>
@@ -11161,7 +11222,146 @@
         </p:nvSpPr>
         <p:spPr>
           <a:xfrm>
-            <a:off x="571608" y="1828842"/>
+            <a:off x="571608" y="3289193"/>
+            <a:ext cx="8334776" cy="2907655"/>
+          </a:xfrm>
+          <a:prstGeom prst="rect">
+            <a:avLst/>
+          </a:prstGeom>
+          <a:noFill/>
+        </p:spPr>
+        <p:txBody>
+          <a:bodyPr wrap="square" rtlCol="0">
+            <a:spAutoFit/>
+          </a:bodyPr>
+          <a:lstStyle/>
+          <a:p>
+            <a:pPr>
+              <a:lnSpc>
+                <a:spcPct val="110000"/>
+              </a:lnSpc>
+              <a:buClr>
+                <a:srgbClr val="0070C0"/>
+              </a:buClr>
+            </a:pPr>
+            <a:r>
+              <a:rPr lang="zh-CN" altLang="en-US" b="1" dirty="0">
+                <a:solidFill>
+                  <a:srgbClr val="0070C0"/>
+                </a:solidFill>
+              </a:rPr>
+              <a:t>注意点</a:t>
+            </a:r>
+            <a:endParaRPr lang="en-US" altLang="zh-CN" b="1" dirty="0">
+              <a:solidFill>
+                <a:srgbClr val="0070C0"/>
+              </a:solidFill>
+            </a:endParaRPr>
+          </a:p>
+          <a:p>
+            <a:pPr marL="457200" indent="-457200">
+              <a:lnSpc>
+                <a:spcPct val="110000"/>
+              </a:lnSpc>
+              <a:buClr>
+                <a:srgbClr val="0070C0"/>
+              </a:buClr>
+              <a:buFont typeface="+mj-lt"/>
+              <a:buAutoNum type="arabicPeriod"/>
+            </a:pPr>
+            <a:r>
+              <a:rPr lang="zh-CN" altLang="en-US" dirty="0"/>
+              <a:t>单一职责最难划分的是</a:t>
+            </a:r>
+            <a:r>
+              <a:rPr lang="zh-CN" altLang="en-US" dirty="0">
+                <a:solidFill>
+                  <a:srgbClr val="0070C0"/>
+                </a:solidFill>
+              </a:rPr>
+              <a:t>职责</a:t>
+            </a:r>
+            <a:r>
+              <a:rPr lang="zh-CN" altLang="en-US" dirty="0"/>
+              <a:t>。</a:t>
+            </a:r>
+            <a:endParaRPr lang="en-US" altLang="zh-CN" dirty="0"/>
+          </a:p>
+          <a:p>
+            <a:pPr marL="457200" indent="-457200">
+              <a:lnSpc>
+                <a:spcPct val="110000"/>
+              </a:lnSpc>
+              <a:buClr>
+                <a:srgbClr val="0070C0"/>
+              </a:buClr>
+              <a:buFont typeface="+mj-lt"/>
+              <a:buAutoNum type="arabicPeriod"/>
+            </a:pPr>
+            <a:r>
+              <a:rPr lang="zh-CN" altLang="en-US" dirty="0"/>
+              <a:t>单一职责原则</a:t>
+            </a:r>
+            <a:r>
+              <a:rPr lang="zh-CN" altLang="en-US" dirty="0">
+                <a:solidFill>
+                  <a:srgbClr val="0070C0"/>
+                </a:solidFill>
+              </a:rPr>
+              <a:t>提出标准</a:t>
+            </a:r>
+            <a:r>
+              <a:rPr lang="zh-CN" altLang="en-US" dirty="0"/>
+              <a:t>：用职责和变化原因来衡量接口或类设计的是否优良，但是职责和变化原因都是不可度量的，因项目、环境而异。</a:t>
+            </a:r>
+            <a:endParaRPr lang="en-US" altLang="zh-CN" dirty="0"/>
+          </a:p>
+          <a:p>
+            <a:pPr marL="457200" indent="-457200">
+              <a:lnSpc>
+                <a:spcPct val="110000"/>
+              </a:lnSpc>
+              <a:buClr>
+                <a:srgbClr val="0070C0"/>
+              </a:buClr>
+              <a:buFont typeface="+mj-lt"/>
+              <a:buAutoNum type="arabicPeriod"/>
+            </a:pPr>
+            <a:r>
+              <a:rPr lang="zh-CN" altLang="en-US" dirty="0"/>
+              <a:t>接口一定要做到单一职责，类的设计尽量做到只有</a:t>
+            </a:r>
+            <a:r>
+              <a:rPr lang="zh-CN" altLang="en-US" dirty="0">
+                <a:solidFill>
+                  <a:srgbClr val="0070C0"/>
+                </a:solidFill>
+              </a:rPr>
+              <a:t>一个原因</a:t>
+            </a:r>
+            <a:r>
+              <a:rPr lang="zh-CN" altLang="en-US" dirty="0"/>
+              <a:t>引起变化。</a:t>
+            </a:r>
+            <a:endParaRPr lang="en-US" altLang="zh-CN" dirty="0"/>
+          </a:p>
+        </p:txBody>
+      </p:sp>
+      <p:sp>
+        <p:nvSpPr>
+          <p:cNvPr id="4" name="文本框 3">
+            <a:extLst>
+              <a:ext uri="{FF2B5EF4-FFF2-40B4-BE49-F238E27FC236}">
+                <a16:creationId xmlns:a16="http://schemas.microsoft.com/office/drawing/2014/main" id="{6C9CE264-A012-4B41-B318-5B2F5178B21B}"/>
+              </a:ext>
+            </a:extLst>
+          </p:cNvPr>
+          <p:cNvSpPr txBox="1"/>
+          <p:nvPr/>
+        </p:nvSpPr>
+        <p:spPr>
+          <a:xfrm>
+            <a:off x="571608" y="1831430"/>
             <a:ext cx="8334776" cy="1281698"/>
           </a:xfrm>
           <a:prstGeom prst="rect">
@@ -11225,33 +11425,9 @@
           </a:p>
         </p:txBody>
       </p:sp>
-      <p:pic>
-        <p:nvPicPr>
-          <p:cNvPr id="11" name="图片 10" descr="单一职责原则"/>
-          <p:cNvPicPr>
-            <a:picLocks noChangeAspect="1"/>
-          </p:cNvPicPr>
-          <p:nvPr/>
-        </p:nvPicPr>
-        <p:blipFill>
-          <a:blip r:embed="rId2"/>
-          <a:stretch>
-            <a:fillRect/>
-          </a:stretch>
-        </p:blipFill>
-        <p:spPr>
-          <a:xfrm>
-            <a:off x="1209040" y="2689225"/>
-            <a:ext cx="6442075" cy="3624580"/>
-          </a:xfrm>
-          <a:prstGeom prst="rect">
-            <a:avLst/>
-          </a:prstGeom>
-        </p:spPr>
-      </p:pic>
     </p:spTree>
     <p:custDataLst>
-      <p:tags r:id="rId3"/>
+      <p:tags r:id="rId1"/>
     </p:custDataLst>
   </p:cSld>
   <p:clrMapOvr>
@@ -11279,11 +11455,112 @@
       </p:grpSpPr>
       <p:sp>
         <p:nvSpPr>
+          <p:cNvPr id="2" name="标题 1"/>
+          <p:cNvSpPr>
+            <a:spLocks noGrp="1"/>
+          </p:cNvSpPr>
+          <p:nvPr>
+            <p:ph type="title"/>
+          </p:nvPr>
+        </p:nvSpPr>
+        <p:spPr>
+          <a:xfrm>
+            <a:off x="1138792" y="3078833"/>
+            <a:ext cx="6856892" cy="830998"/>
+          </a:xfrm>
+        </p:spPr>
+        <p:txBody>
+          <a:bodyPr>
+            <a:noAutofit/>
+          </a:bodyPr>
+          <a:lstStyle/>
+          <a:p>
+            <a:r>
+              <a:rPr lang="en-US" altLang="zh-CN" sz="3600" dirty="0" err="1"/>
+              <a:t>Liskov</a:t>
+            </a:r>
+            <a:r>
+              <a:rPr lang="en-US" altLang="zh-CN" sz="3600" dirty="0"/>
+              <a:t> Substitution Principle</a:t>
+            </a:r>
+            <a:r>
+              <a:rPr lang="zh-CN" altLang="en-US" sz="3600" dirty="0"/>
+              <a:t>（</a:t>
+            </a:r>
+            <a:r>
+              <a:rPr lang="en-US" altLang="zh-CN" sz="3600" dirty="0"/>
+              <a:t>LSP</a:t>
+            </a:r>
+            <a:r>
+              <a:rPr lang="zh-CN" altLang="en-US" sz="3600" dirty="0"/>
+              <a:t>）</a:t>
+            </a:r>
+          </a:p>
+        </p:txBody>
+      </p:sp>
+      <p:sp>
+        <p:nvSpPr>
+          <p:cNvPr id="3" name="内容占位符 2"/>
+          <p:cNvSpPr>
+            <a:spLocks noGrp="1"/>
+          </p:cNvSpPr>
+          <p:nvPr>
+            <p:ph sz="quarter" idx="13"/>
+          </p:nvPr>
+        </p:nvSpPr>
+        <p:spPr/>
+        <p:txBody>
+          <a:bodyPr/>
+          <a:lstStyle/>
+          <a:p>
+            <a:pPr>
+              <a:lnSpc>
+                <a:spcPct val="110000"/>
+              </a:lnSpc>
+              <a:buClr>
+                <a:srgbClr val="0070C0"/>
+              </a:buClr>
+            </a:pPr>
+            <a:r>
+              <a:rPr lang="zh-CN" altLang="zh-CN" dirty="0"/>
+              <a:t>里氏替换原则</a:t>
+            </a:r>
+            <a:endParaRPr lang="en-US" altLang="zh-CN" dirty="0"/>
+          </a:p>
+        </p:txBody>
+      </p:sp>
+    </p:spTree>
+  </p:cSld>
+  <p:clrMapOvr>
+    <a:masterClrMapping/>
+  </p:clrMapOvr>
+</p:sld>
+</file>
+
+<file path=ppt/slides/slide13.xml><?xml version="1.0" encoding="utf-8"?>
+<p:sld xmlns:a="http://schemas.openxmlformats.org/drawingml/2006/main" xmlns:r="http://schemas.openxmlformats.org/officeDocument/2006/relationships" xmlns:p="http://schemas.openxmlformats.org/presentationml/2006/main">
+  <p:cSld>
+    <p:spTree>
+      <p:nvGrpSpPr>
+        <p:cNvPr id="1" name=""/>
+        <p:cNvGrpSpPr/>
+        <p:nvPr/>
+      </p:nvGrpSpPr>
+      <p:grpSpPr>
+        <a:xfrm>
+          <a:off x="0" y="0"/>
+          <a:ext cx="0" cy="0"/>
+          <a:chOff x="0" y="0"/>
+          <a:chExt cx="0" cy="0"/>
+        </a:xfrm>
+      </p:grpSpPr>
+      <p:sp>
+        <p:nvSpPr>
           <p:cNvPr id="8" name="标题 1"/>
           <p:cNvSpPr txBox="1"/>
           <p:nvPr>
             <p:custDataLst>
-              <p:tags r:id="rId1"/>
+              <p:tags r:id="rId2"/>
             </p:custDataLst>
           </p:nvPr>
         </p:nvSpPr>
@@ -11333,7 +11610,7 @@
             </a:pPr>
             <a:r>
               <a:rPr lang="zh-CN" altLang="zh-CN" dirty="0"/>
-              <a:t>单一职责原则</a:t>
+              <a:t>里氏替换原则</a:t>
             </a:r>
             <a:endParaRPr lang="en-US" altLang="zh-CN" dirty="0"/>
           </a:p>
@@ -11348,7 +11625,7 @@
         <p:spPr>
           <a:xfrm>
             <a:off x="571608" y="1828842"/>
-            <a:ext cx="8334776" cy="2907655"/>
+            <a:ext cx="8334776" cy="5676747"/>
           </a:xfrm>
           <a:prstGeom prst="rect">
             <a:avLst/>
@@ -11375,7 +11652,7 @@
                   <a:srgbClr val="0070C0"/>
                 </a:solidFill>
               </a:rPr>
-              <a:t>注意点</a:t>
+              <a:t>定义</a:t>
             </a:r>
             <a:endParaRPr lang="en-US" altLang="zh-CN" b="1" dirty="0">
               <a:solidFill>
@@ -11385,9 +11662,6 @@
           </a:p>
           <a:p>
             <a:pPr marL="457200" indent="-457200">
-              <a:lnSpc>
-                <a:spcPct val="110000"/>
-              </a:lnSpc>
               <a:buClr>
                 <a:srgbClr val="0070C0"/>
               </a:buClr>
@@ -11395,28 +11669,12 @@
               <a:buAutoNum type="arabicPeriod"/>
             </a:pPr>
             <a:r>
-              <a:rPr lang="zh-CN" altLang="en-US" dirty="0"/>
-              <a:t>单一职责最难划分的是</a:t>
-            </a:r>
-            <a:r>
-              <a:rPr lang="zh-CN" altLang="en-US" dirty="0">
-                <a:solidFill>
-                  <a:srgbClr val="0070C0"/>
-                </a:solidFill>
-              </a:rPr>
-              <a:t>职责</a:t>
-            </a:r>
-            <a:r>
-              <a:rPr lang="zh-CN" altLang="en-US" dirty="0"/>
-              <a:t>。</a:t>
-            </a:r>
-            <a:endParaRPr lang="en-US" altLang="zh-CN" dirty="0"/>
+              <a:rPr lang="en-US" altLang="zh-CN" dirty="0"/>
+              <a:t>If for each object o1 of type S there is an object o2 of type T such that for all programs P defined in terms of T, the behavior of P is unchanged when o1 is substituted for o2 then S is a subtype of T.</a:t>
+            </a:r>
           </a:p>
           <a:p>
             <a:pPr marL="457200" indent="-457200">
-              <a:lnSpc>
-                <a:spcPct val="110000"/>
-              </a:lnSpc>
               <a:buClr>
                 <a:srgbClr val="0070C0"/>
               </a:buClr>
@@ -11424,28 +11682,20 @@
               <a:buAutoNum type="arabicPeriod"/>
             </a:pPr>
             <a:r>
-              <a:rPr lang="zh-CN" altLang="en-US" dirty="0"/>
-              <a:t>单一职责原则</a:t>
-            </a:r>
-            <a:r>
-              <a:rPr lang="zh-CN" altLang="en-US" dirty="0">
-                <a:solidFill>
-                  <a:srgbClr val="0070C0"/>
-                </a:solidFill>
-              </a:rPr>
-              <a:t>提出标准</a:t>
-            </a:r>
-            <a:r>
-              <a:rPr lang="zh-CN" altLang="en-US" dirty="0"/>
-              <a:t>：用职责和变化原因来衡量接口或类设计的是否优良，但是职责和变化原因都是不可度量的，因项目、环境而异。</a:t>
-            </a:r>
+              <a:rPr lang="en-US" altLang="zh-CN" dirty="0"/>
+              <a:t>Functions that use pointers or references to base classes must be able to use objects of derived classes without knowing it.</a:t>
+            </a:r>
+          </a:p>
+          <a:p>
+            <a:pPr>
+              <a:buClr>
+                <a:srgbClr val="0070C0"/>
+              </a:buClr>
+            </a:pPr>
             <a:endParaRPr lang="en-US" altLang="zh-CN" dirty="0"/>
           </a:p>
           <a:p>
             <a:pPr marL="457200" indent="-457200">
-              <a:lnSpc>
-                <a:spcPct val="110000"/>
-              </a:lnSpc>
               <a:buClr>
                 <a:srgbClr val="0070C0"/>
               </a:buClr>
@@ -11454,112 +11704,114 @@
             </a:pPr>
             <a:r>
               <a:rPr lang="zh-CN" altLang="en-US" dirty="0"/>
-              <a:t>接口一定要做到单一职责，类的设计尽量做到只有</a:t>
-            </a:r>
-            <a:r>
-              <a:rPr lang="zh-CN" altLang="en-US" dirty="0">
-                <a:solidFill>
-                  <a:srgbClr val="0070C0"/>
-                </a:solidFill>
-              </a:rPr>
-              <a:t>一个原因</a:t>
-            </a:r>
-            <a:r>
-              <a:rPr lang="zh-CN" altLang="en-US" dirty="0"/>
-              <a:t>引起变化。</a:t>
+              <a:t>如果对每一个类型为</a:t>
+            </a:r>
+            <a:r>
+              <a:rPr lang="en-US" altLang="zh-CN" dirty="0"/>
+              <a:t>T1</a:t>
+            </a:r>
+            <a:r>
+              <a:rPr lang="zh-CN" altLang="en-US" dirty="0"/>
+              <a:t>的对象</a:t>
+            </a:r>
+            <a:r>
+              <a:rPr lang="en-US" altLang="zh-CN" dirty="0"/>
+              <a:t>o1</a:t>
+            </a:r>
+            <a:r>
+              <a:rPr lang="zh-CN" altLang="en-US" dirty="0"/>
+              <a:t>，都有类型为</a:t>
+            </a:r>
+            <a:r>
+              <a:rPr lang="en-US" altLang="zh-CN" dirty="0"/>
+              <a:t>T2</a:t>
+            </a:r>
+            <a:r>
+              <a:rPr lang="zh-CN" altLang="en-US" dirty="0"/>
+              <a:t>的对象</a:t>
+            </a:r>
+            <a:r>
+              <a:rPr lang="en-US" altLang="zh-CN" dirty="0"/>
+              <a:t>o2</a:t>
+            </a:r>
+            <a:r>
+              <a:rPr lang="zh-CN" altLang="en-US" dirty="0"/>
+              <a:t>，使得以</a:t>
+            </a:r>
+            <a:r>
+              <a:rPr lang="en-US" altLang="zh-CN" dirty="0"/>
+              <a:t>T1</a:t>
+            </a:r>
+            <a:r>
+              <a:rPr lang="zh-CN" altLang="en-US" dirty="0"/>
+              <a:t>定义的所有程序</a:t>
+            </a:r>
+            <a:r>
+              <a:rPr lang="en-US" altLang="zh-CN" dirty="0"/>
+              <a:t>P</a:t>
+            </a:r>
+            <a:r>
+              <a:rPr lang="zh-CN" altLang="en-US" dirty="0"/>
+              <a:t>在所有的对象</a:t>
+            </a:r>
+            <a:r>
+              <a:rPr lang="en-US" altLang="zh-CN" dirty="0"/>
+              <a:t>o1</a:t>
+            </a:r>
+            <a:r>
+              <a:rPr lang="zh-CN" altLang="en-US" dirty="0"/>
+              <a:t>都代换成</a:t>
+            </a:r>
+            <a:r>
+              <a:rPr lang="en-US" altLang="zh-CN" dirty="0"/>
+              <a:t>o2</a:t>
+            </a:r>
+            <a:r>
+              <a:rPr lang="zh-CN" altLang="en-US" dirty="0"/>
+              <a:t>时，程序</a:t>
+            </a:r>
+            <a:r>
+              <a:rPr lang="en-US" altLang="zh-CN" dirty="0"/>
+              <a:t>P</a:t>
+            </a:r>
+            <a:r>
+              <a:rPr lang="zh-CN" altLang="en-US" dirty="0"/>
+              <a:t>的行为没有发生变化，那么类型</a:t>
+            </a:r>
+            <a:r>
+              <a:rPr lang="en-US" altLang="zh-CN" dirty="0"/>
+              <a:t>T2</a:t>
+            </a:r>
+            <a:r>
+              <a:rPr lang="zh-CN" altLang="en-US" dirty="0"/>
+              <a:t>是类型</a:t>
+            </a:r>
+            <a:r>
+              <a:rPr lang="en-US" altLang="zh-CN" dirty="0"/>
+              <a:t>T1</a:t>
+            </a:r>
+            <a:r>
+              <a:rPr lang="zh-CN" altLang="en-US" dirty="0"/>
+              <a:t>的子类型。</a:t>
             </a:r>
             <a:endParaRPr lang="en-US" altLang="zh-CN" dirty="0"/>
           </a:p>
-        </p:txBody>
-      </p:sp>
-    </p:spTree>
-    <p:custDataLst>
-      <p:tags r:id="rId2"/>
-    </p:custDataLst>
-  </p:cSld>
-  <p:clrMapOvr>
-    <a:masterClrMapping/>
-  </p:clrMapOvr>
-</p:sld>
-</file>
-
-<file path=ppt/slides/slide13.xml><?xml version="1.0" encoding="utf-8"?>
-<p:sld xmlns:a="http://schemas.openxmlformats.org/drawingml/2006/main" xmlns:r="http://schemas.openxmlformats.org/officeDocument/2006/relationships" xmlns:p="http://schemas.openxmlformats.org/presentationml/2006/main">
-  <p:cSld>
-    <p:spTree>
-      <p:nvGrpSpPr>
-        <p:cNvPr id="1" name=""/>
-        <p:cNvGrpSpPr/>
-        <p:nvPr/>
-      </p:nvGrpSpPr>
-      <p:grpSpPr>
-        <a:xfrm>
-          <a:off x="0" y="0"/>
-          <a:ext cx="0" cy="0"/>
-          <a:chOff x="0" y="0"/>
-          <a:chExt cx="0" cy="0"/>
-        </a:xfrm>
-      </p:grpSpPr>
-      <p:sp>
-        <p:nvSpPr>
-          <p:cNvPr id="2" name="标题 1"/>
-          <p:cNvSpPr>
-            <a:spLocks noGrp="1"/>
-          </p:cNvSpPr>
-          <p:nvPr>
-            <p:ph type="title"/>
-          </p:nvPr>
-        </p:nvSpPr>
-        <p:spPr>
-          <a:xfrm>
-            <a:off x="1138792" y="3078833"/>
-            <a:ext cx="6856892" cy="830998"/>
-          </a:xfrm>
-        </p:spPr>
-        <p:txBody>
-          <a:bodyPr>
-            <a:noAutofit/>
-          </a:bodyPr>
-          <a:lstStyle/>
-          <a:p>
-            <a:r>
-              <a:rPr lang="en-US" altLang="zh-CN" sz="3600" dirty="0" err="1"/>
-              <a:t>Liskov</a:t>
-            </a:r>
-            <a:r>
-              <a:rPr lang="en-US" altLang="zh-CN" sz="3600" dirty="0"/>
-              <a:t> Substitution Principle</a:t>
-            </a:r>
-            <a:r>
-              <a:rPr lang="zh-CN" altLang="en-US" sz="3600" dirty="0"/>
-              <a:t>（</a:t>
-            </a:r>
-            <a:r>
-              <a:rPr lang="en-US" altLang="zh-CN" sz="3600" dirty="0"/>
-              <a:t>LSP</a:t>
-            </a:r>
-            <a:r>
-              <a:rPr lang="zh-CN" altLang="en-US" sz="3600" dirty="0"/>
-              <a:t>）</a:t>
-            </a:r>
-            <a:endParaRPr lang="zh-CN" altLang="en-US" sz="3600" dirty="0"/>
-          </a:p>
-        </p:txBody>
-      </p:sp>
-      <p:sp>
-        <p:nvSpPr>
-          <p:cNvPr id="3" name="内容占位符 2"/>
-          <p:cNvSpPr>
-            <a:spLocks noGrp="1"/>
-          </p:cNvSpPr>
-          <p:nvPr>
-            <p:ph sz="quarter" idx="13"/>
-          </p:nvPr>
-        </p:nvSpPr>
-        <p:spPr/>
-        <p:txBody>
-          <a:bodyPr/>
-          <a:lstStyle/>
+          <a:p>
+            <a:pPr marL="457200" indent="-457200">
+              <a:buClr>
+                <a:srgbClr val="0070C0"/>
+              </a:buClr>
+              <a:buFont typeface="+mj-lt"/>
+              <a:buAutoNum type="arabicPeriod"/>
+            </a:pPr>
+            <a:r>
+              <a:rPr lang="zh-CN" altLang="en-US" dirty="0"/>
+              <a:t>所有引用基类的地方必须能透明地使用其子类的对象。</a:t>
+            </a:r>
+          </a:p>
+          <a:p>
+            <a:endParaRPr lang="zh-CN" altLang="en-US" dirty="0"/>
+          </a:p>
           <a:p>
             <a:pPr>
               <a:lnSpc>
@@ -11569,15 +11821,14 @@
                 <a:srgbClr val="0070C0"/>
               </a:buClr>
             </a:pPr>
-            <a:r>
-              <a:rPr lang="zh-CN" altLang="zh-CN" dirty="0"/>
-              <a:t>里氏替换原则</a:t>
-            </a:r>
-            <a:endParaRPr lang="en-US" altLang="zh-CN" dirty="0"/>
+            <a:endParaRPr lang="zh-CN" altLang="en-US" dirty="0"/>
           </a:p>
         </p:txBody>
       </p:sp>
     </p:spTree>
+    <p:custDataLst>
+      <p:tags r:id="rId1"/>
+    </p:custDataLst>
   </p:cSld>
   <p:clrMapOvr>
     <a:masterClrMapping/>
@@ -11608,7 +11859,7 @@
           <p:cNvSpPr txBox="1"/>
           <p:nvPr>
             <p:custDataLst>
-              <p:tags r:id="rId1"/>
+              <p:tags r:id="rId2"/>
             </p:custDataLst>
           </p:nvPr>
         </p:nvSpPr>
@@ -11673,7 +11924,7 @@
         <p:spPr>
           <a:xfrm>
             <a:off x="571608" y="1828842"/>
-            <a:ext cx="8334776" cy="5676747"/>
+            <a:ext cx="8334776" cy="3683252"/>
           </a:xfrm>
           <a:prstGeom prst="rect">
             <a:avLst/>
@@ -11700,168 +11951,34 @@
                   <a:srgbClr val="0070C0"/>
                 </a:solidFill>
               </a:rPr>
-              <a:t>定义</a:t>
-            </a:r>
-            <a:endParaRPr lang="en-US" altLang="zh-CN" b="1" dirty="0">
-              <a:solidFill>
-                <a:srgbClr val="0070C0"/>
-              </a:solidFill>
-            </a:endParaRPr>
-          </a:p>
-          <a:p>
-            <a:pPr marL="457200" indent="-457200">
+              <a:t>核心思想</a:t>
+            </a:r>
+          </a:p>
+          <a:p>
+            <a:pPr eaLnBrk="1" hangingPunct="1">
+              <a:lnSpc>
+                <a:spcPct val="110000"/>
+              </a:lnSpc>
               <a:buClr>
                 <a:srgbClr val="0070C0"/>
               </a:buClr>
-              <a:buFont typeface="+mj-lt"/>
-              <a:buAutoNum type="arabicPeriod"/>
             </a:pPr>
             <a:r>
-              <a:rPr lang="en-US" altLang="zh-CN" dirty="0"/>
-              <a:t>If for each object o1 of type S there is an object o2 of type T such that for all programs P defined in terms of T, the behavior of P is unchanged when o1 is substituted for o2 then S is a subtype of T.</a:t>
+              <a:rPr lang="zh-CN" altLang="en-US" dirty="0"/>
+              <a:t>在使用基类的的地方可以任意使用其子类，能保证子类完美替换基类。</a:t>
             </a:r>
             <a:endParaRPr lang="en-US" altLang="zh-CN" dirty="0"/>
           </a:p>
           <a:p>
-            <a:pPr marL="457200" indent="-457200">
-              <a:buClr>
-                <a:srgbClr val="0070C0"/>
-              </a:buClr>
-              <a:buFont typeface="+mj-lt"/>
-              <a:buAutoNum type="arabicPeriod"/>
-            </a:pPr>
-            <a:r>
-              <a:rPr lang="en-US" altLang="zh-CN" dirty="0"/>
-              <a:t>Functions that use pointers or references to base classes must be able to use objects of derived classes without knowing it.</a:t>
-            </a:r>
-            <a:endParaRPr lang="en-US" altLang="zh-CN" dirty="0"/>
-          </a:p>
-          <a:p>
-            <a:pPr>
+            <a:pPr eaLnBrk="1" hangingPunct="1">
+              <a:lnSpc>
+                <a:spcPct val="110000"/>
+              </a:lnSpc>
               <a:buClr>
                 <a:srgbClr val="0070C0"/>
               </a:buClr>
             </a:pPr>
             <a:endParaRPr lang="en-US" altLang="zh-CN" dirty="0"/>
-          </a:p>
-          <a:p>
-            <a:pPr marL="457200" indent="-457200">
-              <a:buClr>
-                <a:srgbClr val="0070C0"/>
-              </a:buClr>
-              <a:buFont typeface="+mj-lt"/>
-              <a:buAutoNum type="arabicPeriod"/>
-            </a:pPr>
-            <a:r>
-              <a:rPr lang="zh-CN" altLang="en-US" dirty="0"/>
-              <a:t>如果对每一个类型为</a:t>
-            </a:r>
-            <a:r>
-              <a:rPr lang="en-US" altLang="zh-CN" dirty="0"/>
-              <a:t>T1</a:t>
-            </a:r>
-            <a:r>
-              <a:rPr lang="zh-CN" altLang="en-US" dirty="0"/>
-              <a:t>的对象</a:t>
-            </a:r>
-            <a:r>
-              <a:rPr lang="en-US" altLang="zh-CN" dirty="0"/>
-              <a:t>o1</a:t>
-            </a:r>
-            <a:r>
-              <a:rPr lang="zh-CN" altLang="en-US" dirty="0"/>
-              <a:t>，都有类型为</a:t>
-            </a:r>
-            <a:r>
-              <a:rPr lang="en-US" altLang="zh-CN" dirty="0"/>
-              <a:t>T2</a:t>
-            </a:r>
-            <a:r>
-              <a:rPr lang="zh-CN" altLang="en-US" dirty="0"/>
-              <a:t>的对象</a:t>
-            </a:r>
-            <a:r>
-              <a:rPr lang="en-US" altLang="zh-CN" dirty="0"/>
-              <a:t>o2</a:t>
-            </a:r>
-            <a:r>
-              <a:rPr lang="zh-CN" altLang="en-US" dirty="0"/>
-              <a:t>，使得以</a:t>
-            </a:r>
-            <a:r>
-              <a:rPr lang="en-US" altLang="zh-CN" dirty="0"/>
-              <a:t>T1</a:t>
-            </a:r>
-            <a:r>
-              <a:rPr lang="zh-CN" altLang="en-US" dirty="0"/>
-              <a:t>定义的所有程序</a:t>
-            </a:r>
-            <a:r>
-              <a:rPr lang="en-US" altLang="zh-CN" dirty="0"/>
-              <a:t>P</a:t>
-            </a:r>
-            <a:r>
-              <a:rPr lang="zh-CN" altLang="en-US" dirty="0"/>
-              <a:t>在所有的对象</a:t>
-            </a:r>
-            <a:r>
-              <a:rPr lang="en-US" altLang="zh-CN" dirty="0"/>
-              <a:t>o1</a:t>
-            </a:r>
-            <a:r>
-              <a:rPr lang="zh-CN" altLang="en-US" dirty="0"/>
-              <a:t>都代换成</a:t>
-            </a:r>
-            <a:r>
-              <a:rPr lang="en-US" altLang="zh-CN" dirty="0"/>
-              <a:t>o2</a:t>
-            </a:r>
-            <a:r>
-              <a:rPr lang="zh-CN" altLang="en-US" dirty="0"/>
-              <a:t>时，程序</a:t>
-            </a:r>
-            <a:r>
-              <a:rPr lang="en-US" altLang="zh-CN" dirty="0"/>
-              <a:t>P</a:t>
-            </a:r>
-            <a:r>
-              <a:rPr lang="zh-CN" altLang="en-US" dirty="0"/>
-              <a:t>的行为没有发生变化，那么类型</a:t>
-            </a:r>
-            <a:r>
-              <a:rPr lang="en-US" altLang="zh-CN" dirty="0"/>
-              <a:t>T2</a:t>
-            </a:r>
-            <a:r>
-              <a:rPr lang="zh-CN" altLang="en-US" dirty="0"/>
-              <a:t>是类型</a:t>
-            </a:r>
-            <a:r>
-              <a:rPr lang="en-US" altLang="zh-CN" dirty="0"/>
-              <a:t>T1</a:t>
-            </a:r>
-            <a:r>
-              <a:rPr lang="zh-CN" altLang="en-US" dirty="0"/>
-              <a:t>的子类型。</a:t>
-            </a:r>
-            <a:endParaRPr lang="en-US" altLang="zh-CN" dirty="0"/>
-          </a:p>
-          <a:p>
-            <a:pPr marL="457200" indent="-457200">
-              <a:buClr>
-                <a:srgbClr val="0070C0"/>
-              </a:buClr>
-              <a:buFont typeface="+mj-lt"/>
-              <a:buAutoNum type="arabicPeriod"/>
-            </a:pPr>
-            <a:r>
-              <a:rPr lang="zh-CN" altLang="en-US" dirty="0"/>
-              <a:t>所有引用基类的地方必须能透明地使用其子类的对象。</a:t>
-            </a:r>
-            <a:endParaRPr lang="zh-CN" altLang="en-US" dirty="0"/>
-          </a:p>
-          <a:p>
-            <a:endParaRPr lang="zh-CN" altLang="en-US" dirty="0"/>
           </a:p>
           <a:p>
             <a:pPr>
@@ -11872,13 +11989,81 @@
                 <a:srgbClr val="0070C0"/>
               </a:buClr>
             </a:pPr>
-            <a:endParaRPr lang="zh-CN" altLang="en-US" dirty="0"/>
+            <a:r>
+              <a:rPr lang="zh-CN" altLang="en-US" b="1" dirty="0">
+                <a:solidFill>
+                  <a:srgbClr val="0070C0"/>
+                </a:solidFill>
+              </a:rPr>
+              <a:t>引入里氏替换原则需要注意</a:t>
+            </a:r>
+          </a:p>
+          <a:p>
+            <a:pPr marL="457200" indent="-457200">
+              <a:buClr>
+                <a:srgbClr val="0070C0"/>
+              </a:buClr>
+              <a:buFont typeface="+mj-lt"/>
+              <a:buAutoNum type="arabicPeriod"/>
+            </a:pPr>
+            <a:r>
+              <a:rPr lang="zh-CN" altLang="en-US" dirty="0"/>
+              <a:t>子类必须完全实现父类的方法</a:t>
+            </a:r>
+          </a:p>
+          <a:p>
+            <a:pPr marL="457200" indent="-457200">
+              <a:lnSpc>
+                <a:spcPct val="110000"/>
+              </a:lnSpc>
+              <a:buClr>
+                <a:srgbClr val="0070C0"/>
+              </a:buClr>
+              <a:buFont typeface="+mj-lt"/>
+              <a:buAutoNum type="arabicPeriod"/>
+            </a:pPr>
+            <a:r>
+              <a:rPr lang="zh-CN" altLang="en-US" dirty="0"/>
+              <a:t>子类可以有自己的个性</a:t>
+            </a:r>
+          </a:p>
+          <a:p>
+            <a:pPr marL="457200" indent="-457200">
+              <a:lnSpc>
+                <a:spcPct val="110000"/>
+              </a:lnSpc>
+              <a:buClr>
+                <a:srgbClr val="0070C0"/>
+              </a:buClr>
+              <a:buFont typeface="+mj-lt"/>
+              <a:buAutoNum type="arabicPeriod"/>
+            </a:pPr>
+            <a:r>
+              <a:rPr lang="zh-CN" altLang="en-US" dirty="0"/>
+              <a:t>覆盖或实现父类的方法时输入参数可以被放大</a:t>
+            </a:r>
+          </a:p>
+          <a:p>
+            <a:pPr marL="457200" indent="-457200">
+              <a:lnSpc>
+                <a:spcPct val="110000"/>
+              </a:lnSpc>
+              <a:buClr>
+                <a:srgbClr val="0070C0"/>
+              </a:buClr>
+              <a:buFont typeface="+mj-lt"/>
+              <a:buAutoNum type="arabicPeriod"/>
+            </a:pPr>
+            <a:r>
+              <a:rPr lang="zh-CN" altLang="en-US" dirty="0"/>
+              <a:t>覆盖或实现父类的方法时输出结果可以被缩小</a:t>
+            </a:r>
           </a:p>
         </p:txBody>
       </p:sp>
     </p:spTree>
     <p:custDataLst>
-      <p:tags r:id="rId2"/>
+      <p:tags r:id="rId1"/>
     </p:custDataLst>
   </p:cSld>
   <p:clrMapOvr>
@@ -11910,7 +12095,7 @@
           <p:cNvSpPr txBox="1"/>
           <p:nvPr>
             <p:custDataLst>
-              <p:tags r:id="rId1"/>
+              <p:tags r:id="rId2"/>
             </p:custDataLst>
           </p:nvPr>
         </p:nvSpPr>
@@ -11975,7 +12160,7 @@
         <p:spPr>
           <a:xfrm>
             <a:off x="571608" y="1828842"/>
-            <a:ext cx="8334776" cy="3683252"/>
+            <a:ext cx="8334776" cy="4311117"/>
           </a:xfrm>
           <a:prstGeom prst="rect">
             <a:avLst/>
@@ -12002,81 +12187,13 @@
                   <a:srgbClr val="0070C0"/>
                 </a:solidFill>
               </a:rPr>
-              <a:t>核心思想</a:t>
-            </a:r>
-            <a:endParaRPr lang="zh-CN" altLang="en-US" b="1" dirty="0">
-              <a:solidFill>
-                <a:srgbClr val="0070C0"/>
-              </a:solidFill>
-            </a:endParaRPr>
-          </a:p>
-          <a:p>
-            <a:pPr eaLnBrk="1" hangingPunct="1">
+              <a:t>里氏替换原则的优点</a:t>
+            </a:r>
+          </a:p>
+          <a:p>
+            <a:pPr marL="457200" indent="-457200" eaLnBrk="1" hangingPunct="1">
               <a:lnSpc>
-                <a:spcPct val="110000"/>
-              </a:lnSpc>
-              <a:buClr>
-                <a:srgbClr val="0070C0"/>
-              </a:buClr>
-            </a:pPr>
-            <a:r>
-              <a:rPr lang="zh-CN" altLang="en-US" dirty="0"/>
-              <a:t>在使用基类的的地方可以任意使用其子类，能保证子类完美替换基类。</a:t>
-            </a:r>
-            <a:endParaRPr lang="en-US" altLang="zh-CN" dirty="0"/>
-          </a:p>
-          <a:p>
-            <a:pPr eaLnBrk="1" hangingPunct="1">
-              <a:lnSpc>
-                <a:spcPct val="110000"/>
-              </a:lnSpc>
-              <a:buClr>
-                <a:srgbClr val="0070C0"/>
-              </a:buClr>
-            </a:pPr>
-            <a:endParaRPr lang="en-US" altLang="zh-CN" dirty="0"/>
-          </a:p>
-          <a:p>
-            <a:pPr>
-              <a:lnSpc>
-                <a:spcPct val="110000"/>
-              </a:lnSpc>
-              <a:buClr>
-                <a:srgbClr val="0070C0"/>
-              </a:buClr>
-            </a:pPr>
-            <a:r>
-              <a:rPr lang="zh-CN" altLang="en-US" b="1" dirty="0">
-                <a:solidFill>
-                  <a:srgbClr val="0070C0"/>
-                </a:solidFill>
-              </a:rPr>
-              <a:t>引入里氏替换原则需要注意</a:t>
-            </a:r>
-            <a:endParaRPr lang="zh-CN" altLang="en-US" b="1" dirty="0">
-              <a:solidFill>
-                <a:srgbClr val="0070C0"/>
-              </a:solidFill>
-            </a:endParaRPr>
-          </a:p>
-          <a:p>
-            <a:pPr marL="457200" indent="-457200">
-              <a:buClr>
-                <a:srgbClr val="0070C0"/>
-              </a:buClr>
-              <a:buFont typeface="+mj-lt"/>
-              <a:buAutoNum type="arabicPeriod"/>
-            </a:pPr>
-            <a:r>
-              <a:rPr lang="zh-CN" altLang="en-US" dirty="0"/>
-              <a:t>子类必须完全实现父类的方法</a:t>
-            </a:r>
-            <a:endParaRPr lang="zh-CN" altLang="en-US" dirty="0"/>
-          </a:p>
-          <a:p>
-            <a:pPr marL="457200" indent="-457200">
-              <a:lnSpc>
-                <a:spcPct val="110000"/>
+                <a:spcPct val="150000"/>
               </a:lnSpc>
               <a:buClr>
                 <a:srgbClr val="0070C0"/>
@@ -12086,14 +12203,13 @@
             </a:pPr>
             <a:r>
               <a:rPr lang="zh-CN" altLang="en-US" dirty="0"/>
-              <a:t>子类可以有自己的个性</a:t>
-            </a:r>
-            <a:endParaRPr lang="zh-CN" altLang="en-US" dirty="0"/>
-          </a:p>
-          <a:p>
-            <a:pPr marL="457200" indent="-457200">
+              <a:t>代码共享，减少创建类的工作量，每个子类都拥有父类的方法和属性</a:t>
+            </a:r>
+          </a:p>
+          <a:p>
+            <a:pPr marL="457200" indent="-457200" eaLnBrk="1" hangingPunct="1">
               <a:lnSpc>
-                <a:spcPct val="110000"/>
+                <a:spcPct val="150000"/>
               </a:lnSpc>
               <a:buClr>
                 <a:srgbClr val="0070C0"/>
@@ -12103,14 +12219,13 @@
             </a:pPr>
             <a:r>
               <a:rPr lang="zh-CN" altLang="en-US" dirty="0"/>
-              <a:t>覆盖或实现父类的方法时输入参数可以被放大</a:t>
-            </a:r>
-            <a:endParaRPr lang="zh-CN" altLang="en-US" dirty="0"/>
-          </a:p>
-          <a:p>
-            <a:pPr marL="457200" indent="-457200">
+              <a:t>提高代码的重用性</a:t>
+            </a:r>
+          </a:p>
+          <a:p>
+            <a:pPr marL="457200" indent="-457200" eaLnBrk="1" hangingPunct="1">
               <a:lnSpc>
-                <a:spcPct val="110000"/>
+                <a:spcPct val="150000"/>
               </a:lnSpc>
               <a:buClr>
                 <a:srgbClr val="0070C0"/>
@@ -12120,15 +12235,47 @@
             </a:pPr>
             <a:r>
               <a:rPr lang="zh-CN" altLang="en-US" dirty="0"/>
-              <a:t>覆盖或实现父类的方法时输出结果可以被缩小</a:t>
-            </a:r>
-            <a:endParaRPr lang="zh-CN" altLang="en-US" dirty="0"/>
+              <a:t>子类可以形似父类，但是又异于父类。</a:t>
+            </a:r>
+          </a:p>
+          <a:p>
+            <a:pPr marL="457200" indent="-457200" eaLnBrk="1" hangingPunct="1">
+              <a:lnSpc>
+                <a:spcPct val="150000"/>
+              </a:lnSpc>
+              <a:buClr>
+                <a:srgbClr val="0070C0"/>
+              </a:buClr>
+              <a:buFont typeface="+mj-lt"/>
+              <a:buAutoNum type="arabicPeriod"/>
+            </a:pPr>
+            <a:r>
+              <a:rPr lang="zh-CN" altLang="en-US" dirty="0"/>
+              <a:t>提高代码的可扩展性，实现父类的方法就可以了。许多开源框架的扩展接口都是通过继承父类来完成。</a:t>
+            </a:r>
+          </a:p>
+          <a:p>
+            <a:pPr marL="457200" indent="-457200" eaLnBrk="1" hangingPunct="1">
+              <a:lnSpc>
+                <a:spcPct val="150000"/>
+              </a:lnSpc>
+              <a:buClr>
+                <a:srgbClr val="0070C0"/>
+              </a:buClr>
+              <a:buFont typeface="+mj-lt"/>
+              <a:buAutoNum type="arabicPeriod"/>
+            </a:pPr>
+            <a:r>
+              <a:rPr lang="zh-CN" altLang="en-US" dirty="0"/>
+              <a:t>提高产品或项目的开放性</a:t>
+            </a:r>
+            <a:endParaRPr lang="zh-CN" altLang="zh-CN" dirty="0"/>
           </a:p>
         </p:txBody>
       </p:sp>
     </p:spTree>
     <p:custDataLst>
-      <p:tags r:id="rId2"/>
+      <p:tags r:id="rId1"/>
     </p:custDataLst>
   </p:cSld>
   <p:clrMapOvr>
@@ -12160,7 +12307,7 @@
           <p:cNvSpPr txBox="1"/>
           <p:nvPr>
             <p:custDataLst>
-              <p:tags r:id="rId1"/>
+              <p:tags r:id="rId2"/>
             </p:custDataLst>
           </p:nvPr>
         </p:nvSpPr>
@@ -12252,13 +12399,8 @@
                   <a:srgbClr val="0070C0"/>
                 </a:solidFill>
               </a:rPr>
-              <a:t>里氏替换原则的优点</a:t>
-            </a:r>
-            <a:endParaRPr lang="zh-CN" altLang="en-US" b="1" dirty="0">
-              <a:solidFill>
-                <a:srgbClr val="0070C0"/>
-              </a:solidFill>
-            </a:endParaRPr>
+              <a:t>里氏替换原则的缺点</a:t>
+            </a:r>
           </a:p>
           <a:p>
             <a:pPr marL="457200" indent="-457200" eaLnBrk="1" hangingPunct="1">
@@ -12273,9 +12415,8 @@
             </a:pPr>
             <a:r>
               <a:rPr lang="zh-CN" altLang="en-US" dirty="0"/>
-              <a:t>代码共享，减少创建类的工作量，每个子类都拥有父类的方法和属性</a:t>
-            </a:r>
-            <a:endParaRPr lang="zh-CN" altLang="en-US" dirty="0"/>
+              <a:t>继承是侵入性的，只要继承，就必须拥有父类的所有方法和属性</a:t>
+            </a:r>
           </a:p>
           <a:p>
             <a:pPr marL="457200" indent="-457200" eaLnBrk="1" hangingPunct="1">
@@ -12290,9 +12431,8 @@
             </a:pPr>
             <a:r>
               <a:rPr lang="zh-CN" altLang="en-US" dirty="0"/>
-              <a:t>提高代码的重用性</a:t>
-            </a:r>
-            <a:endParaRPr lang="zh-CN" altLang="en-US" dirty="0"/>
+              <a:t>降低了代码的灵活性，子类必须拥有父类的属性和方法，让子类有了一些约束</a:t>
+            </a:r>
           </a:p>
           <a:p>
             <a:pPr marL="457200" indent="-457200" eaLnBrk="1" hangingPunct="1">
@@ -12307,41 +12447,7 @@
             </a:pPr>
             <a:r>
               <a:rPr lang="zh-CN" altLang="en-US" dirty="0"/>
-              <a:t>子类可以形似父类，但是又异于父类。</a:t>
-            </a:r>
-            <a:endParaRPr lang="zh-CN" altLang="en-US" dirty="0"/>
-          </a:p>
-          <a:p>
-            <a:pPr marL="457200" indent="-457200" eaLnBrk="1" hangingPunct="1">
-              <a:lnSpc>
-                <a:spcPct val="150000"/>
-              </a:lnSpc>
-              <a:buClr>
-                <a:srgbClr val="0070C0"/>
-              </a:buClr>
-              <a:buFont typeface="+mj-lt"/>
-              <a:buAutoNum type="arabicPeriod"/>
-            </a:pPr>
-            <a:r>
-              <a:rPr lang="zh-CN" altLang="en-US" dirty="0"/>
-              <a:t>提高代码的可扩展性，实现父类的方法就可以了。许多开源框架的扩展接口都是通过继承父类来完成。</a:t>
-            </a:r>
-            <a:endParaRPr lang="zh-CN" altLang="en-US" dirty="0"/>
-          </a:p>
-          <a:p>
-            <a:pPr marL="457200" indent="-457200" eaLnBrk="1" hangingPunct="1">
-              <a:lnSpc>
-                <a:spcPct val="150000"/>
-              </a:lnSpc>
-              <a:buClr>
-                <a:srgbClr val="0070C0"/>
-              </a:buClr>
-              <a:buFont typeface="+mj-lt"/>
-              <a:buAutoNum type="arabicPeriod"/>
-            </a:pPr>
-            <a:r>
-              <a:rPr lang="zh-CN" altLang="en-US" dirty="0"/>
-              <a:t>提高产品或项目的开放性</a:t>
+              <a:t>增加了耦合性，当父类的常量，变量和方法被修改了，需要考虑子类的修改，这种修改可能带来非常糟糕的结果，要重构大量的代码。</a:t>
             </a:r>
             <a:endParaRPr lang="zh-CN" altLang="zh-CN" dirty="0"/>
           </a:p>
@@ -12349,7 +12455,7 @@
       </p:sp>
     </p:spTree>
     <p:custDataLst>
-      <p:tags r:id="rId2"/>
+      <p:tags r:id="rId1"/>
     </p:custDataLst>
   </p:cSld>
   <p:clrMapOvr>
@@ -12381,7 +12487,7 @@
           <p:cNvSpPr txBox="1"/>
           <p:nvPr>
             <p:custDataLst>
-              <p:tags r:id="rId1"/>
+              <p:tags r:id="rId2"/>
             </p:custDataLst>
           </p:nvPr>
         </p:nvSpPr>
@@ -12446,7 +12552,7 @@
         <p:spPr>
           <a:xfrm>
             <a:off x="571608" y="1828842"/>
-            <a:ext cx="8334776" cy="4311117"/>
+            <a:ext cx="8334776" cy="4938981"/>
           </a:xfrm>
           <a:prstGeom prst="rect">
             <a:avLst/>
@@ -12473,18 +12579,18 @@
                   <a:srgbClr val="0070C0"/>
                 </a:solidFill>
               </a:rPr>
-              <a:t>里氏替换原则的缺点</a:t>
-            </a:r>
-            <a:endParaRPr lang="zh-CN" altLang="en-US" b="1" dirty="0">
+              <a:t>注意点</a:t>
+            </a:r>
+            <a:endParaRPr lang="en-US" altLang="zh-CN" b="1" dirty="0">
               <a:solidFill>
                 <a:srgbClr val="0070C0"/>
               </a:solidFill>
             </a:endParaRPr>
           </a:p>
           <a:p>
-            <a:pPr marL="457200" indent="-457200" eaLnBrk="1" hangingPunct="1">
+            <a:pPr marL="457200" indent="-457200">
               <a:lnSpc>
-                <a:spcPct val="150000"/>
+                <a:spcPct val="110000"/>
               </a:lnSpc>
               <a:buClr>
                 <a:srgbClr val="0070C0"/>
@@ -12493,15 +12599,22 @@
               <a:buAutoNum type="arabicPeriod"/>
             </a:pPr>
             <a:r>
-              <a:rPr lang="zh-CN" altLang="en-US" dirty="0"/>
-              <a:t>继承是侵入性的，只要继承，就必须拥有父类的所有方法和属性</a:t>
-            </a:r>
-            <a:endParaRPr lang="zh-CN" altLang="en-US" dirty="0"/>
-          </a:p>
-          <a:p>
-            <a:pPr marL="457200" indent="-457200" eaLnBrk="1" hangingPunct="1">
+              <a:rPr lang="zh-CN" altLang="en-US" dirty="0">
+                <a:solidFill>
+                  <a:srgbClr val="0070C0"/>
+                </a:solidFill>
+              </a:rPr>
+              <a:t>子类的所有方法必须在父类中声明，或子类必须实现父类中声明的所有方法。</a:t>
+            </a:r>
+            <a:r>
+              <a:rPr lang="zh-CN" altLang="en-US" dirty="0"/>
+              <a:t>根据里氏代换原则，为了保证系统的扩展性，在程序中通常使用父类来进行定义，如果一个方法只存在子类中，在父类中不提供相应的声明，则无法在以父类定义的对象中使用该方法。</a:t>
+            </a:r>
+          </a:p>
+          <a:p>
+            <a:pPr marL="457200" indent="-457200">
               <a:lnSpc>
-                <a:spcPct val="150000"/>
+                <a:spcPct val="110000"/>
               </a:lnSpc>
               <a:buClr>
                 <a:srgbClr val="0070C0"/>
@@ -12511,32 +12624,27 @@
             </a:pPr>
             <a:r>
               <a:rPr lang="zh-CN" altLang="en-US" dirty="0"/>
-              <a:t>降低了代码的灵活性，子类必须拥有父类的属性和方法，让子类有了一些约束</a:t>
-            </a:r>
-            <a:endParaRPr lang="zh-CN" altLang="en-US" dirty="0"/>
-          </a:p>
-          <a:p>
-            <a:pPr marL="457200" indent="-457200" eaLnBrk="1" hangingPunct="1">
-              <a:lnSpc>
-                <a:spcPct val="150000"/>
-              </a:lnSpc>
-              <a:buClr>
-                <a:srgbClr val="0070C0"/>
-              </a:buClr>
-              <a:buFont typeface="+mj-lt"/>
-              <a:buAutoNum type="arabicPeriod"/>
-            </a:pPr>
-            <a:r>
-              <a:rPr lang="zh-CN" altLang="en-US" dirty="0"/>
-              <a:t>增加了耦合性，当父类的常量，变量和方法被修改了，需要考虑子类的修改，这种修改可能带来非常糟糕的结果，要重构大量的代码。</a:t>
-            </a:r>
-            <a:endParaRPr lang="zh-CN" altLang="zh-CN" dirty="0"/>
+              <a:t>我们在运用里氏代换原则时，</a:t>
+            </a:r>
+            <a:r>
+              <a:rPr lang="zh-CN" altLang="en-US" dirty="0">
+                <a:solidFill>
+                  <a:srgbClr val="0070C0"/>
+                </a:solidFill>
+              </a:rPr>
+              <a:t>尽量把父类设计为抽象类或者接口，让子类继承父类或实现父接口，并实现在父类中声明的方法，运行时，子类实例替换父类实例</a:t>
+            </a:r>
+            <a:r>
+              <a:rPr lang="zh-CN" altLang="en-US" dirty="0"/>
+              <a:t>，我们可以很方便地扩展系统的功能，同时无须修改原有子类的代码，增加新的功能可以通过增加一个新的子类来实现。里氏代换原则是开闭原则的具体实现手段之一。</a:t>
+            </a:r>
+            <a:endParaRPr lang="en-US" altLang="zh-CN" dirty="0"/>
           </a:p>
         </p:txBody>
       </p:sp>
     </p:spTree>
     <p:custDataLst>
-      <p:tags r:id="rId2"/>
+      <p:tags r:id="rId1"/>
     </p:custDataLst>
   </p:cSld>
   <p:clrMapOvr>
@@ -12564,11 +12672,108 @@
       </p:grpSpPr>
       <p:sp>
         <p:nvSpPr>
+          <p:cNvPr id="2" name="标题 1"/>
+          <p:cNvSpPr>
+            <a:spLocks noGrp="1"/>
+          </p:cNvSpPr>
+          <p:nvPr>
+            <p:ph type="title"/>
+          </p:nvPr>
+        </p:nvSpPr>
+        <p:spPr>
+          <a:xfrm>
+            <a:off x="1138792" y="3078833"/>
+            <a:ext cx="6856892" cy="830998"/>
+          </a:xfrm>
+        </p:spPr>
+        <p:txBody>
+          <a:bodyPr>
+            <a:noAutofit/>
+          </a:bodyPr>
+          <a:lstStyle/>
+          <a:p>
+            <a:r>
+              <a:rPr lang="en-US" altLang="zh-CN" sz="3600" dirty="0"/>
+              <a:t>Dependence Inversion Principle</a:t>
+            </a:r>
+            <a:r>
+              <a:rPr lang="zh-CN" altLang="en-US" sz="3600" dirty="0"/>
+              <a:t>（</a:t>
+            </a:r>
+            <a:r>
+              <a:rPr lang="en-US" altLang="zh-CN" sz="3600" dirty="0"/>
+              <a:t>DIP</a:t>
+            </a:r>
+            <a:r>
+              <a:rPr lang="zh-CN" altLang="en-US" sz="3600" dirty="0"/>
+              <a:t>）</a:t>
+            </a:r>
+          </a:p>
+        </p:txBody>
+      </p:sp>
+      <p:sp>
+        <p:nvSpPr>
+          <p:cNvPr id="3" name="内容占位符 2"/>
+          <p:cNvSpPr>
+            <a:spLocks noGrp="1"/>
+          </p:cNvSpPr>
+          <p:nvPr>
+            <p:ph sz="quarter" idx="13"/>
+          </p:nvPr>
+        </p:nvSpPr>
+        <p:spPr/>
+        <p:txBody>
+          <a:bodyPr/>
+          <a:lstStyle/>
+          <a:p>
+            <a:pPr>
+              <a:lnSpc>
+                <a:spcPct val="110000"/>
+              </a:lnSpc>
+              <a:buClr>
+                <a:srgbClr val="0070C0"/>
+              </a:buClr>
+            </a:pPr>
+            <a:r>
+              <a:rPr lang="zh-CN" altLang="zh-CN" dirty="0"/>
+              <a:t>依赖倒置原则</a:t>
+            </a:r>
+            <a:endParaRPr lang="en-US" altLang="zh-CN" dirty="0"/>
+          </a:p>
+        </p:txBody>
+      </p:sp>
+    </p:spTree>
+  </p:cSld>
+  <p:clrMapOvr>
+    <a:masterClrMapping/>
+  </p:clrMapOvr>
+</p:sld>
+</file>
+
+<file path=ppt/slides/slide19.xml><?xml version="1.0" encoding="utf-8"?>
+<p:sld xmlns:a="http://schemas.openxmlformats.org/drawingml/2006/main" xmlns:r="http://schemas.openxmlformats.org/officeDocument/2006/relationships" xmlns:p="http://schemas.openxmlformats.org/presentationml/2006/main">
+  <p:cSld>
+    <p:spTree>
+      <p:nvGrpSpPr>
+        <p:cNvPr id="1" name=""/>
+        <p:cNvGrpSpPr/>
+        <p:nvPr/>
+      </p:nvGrpSpPr>
+      <p:grpSpPr>
+        <a:xfrm>
+          <a:off x="0" y="0"/>
+          <a:ext cx="0" cy="0"/>
+          <a:chOff x="0" y="0"/>
+          <a:chExt cx="0" cy="0"/>
+        </a:xfrm>
+      </p:grpSpPr>
+      <p:sp>
+        <p:nvSpPr>
           <p:cNvPr id="8" name="标题 1"/>
           <p:cNvSpPr txBox="1"/>
           <p:nvPr>
             <p:custDataLst>
-              <p:tags r:id="rId1"/>
+              <p:tags r:id="rId2"/>
             </p:custDataLst>
           </p:nvPr>
         </p:nvSpPr>
@@ -12618,45 +12823,160 @@
             </a:pPr>
             <a:r>
               <a:rPr lang="zh-CN" altLang="zh-CN" dirty="0"/>
-              <a:t>里氏替换原则</a:t>
-            </a:r>
-            <a:endParaRPr lang="en-US" altLang="zh-CN" dirty="0"/>
-          </a:p>
-        </p:txBody>
-      </p:sp>
-      <p:pic>
-        <p:nvPicPr>
-          <p:cNvPr id="4" name="图片 3"/>
-          <p:cNvPicPr>
-            <a:picLocks noChangeAspect="1"/>
-          </p:cNvPicPr>
+              <a:t>依赖倒置原则</a:t>
+            </a:r>
+          </a:p>
+        </p:txBody>
+      </p:sp>
+      <p:sp>
+        <p:nvSpPr>
+          <p:cNvPr id="3" name="文本框 2"/>
+          <p:cNvSpPr txBox="1"/>
           <p:nvPr/>
-        </p:nvPicPr>
-        <p:blipFill>
-          <a:blip r:embed="rId2">
-            <a:extLst>
-              <a:ext uri="{28A0092B-C50C-407E-A947-70E740481C1C}">
-                <a14:useLocalDpi xmlns:a14="http://schemas.microsoft.com/office/drawing/2010/main" val="0"/>
-              </a:ext>
-            </a:extLst>
-          </a:blip>
-          <a:stretch>
-            <a:fillRect/>
-          </a:stretch>
-        </p:blipFill>
+        </p:nvSpPr>
         <p:spPr>
           <a:xfrm>
-            <a:off x="2590852" y="1655366"/>
-            <a:ext cx="3581306" cy="4979170"/>
+            <a:off x="571608" y="1828842"/>
+            <a:ext cx="8334776" cy="4227195"/>
           </a:xfrm>
           <a:prstGeom prst="rect">
             <a:avLst/>
           </a:prstGeom>
+          <a:noFill/>
         </p:spPr>
-      </p:pic>
+        <p:txBody>
+          <a:bodyPr wrap="square" rtlCol="0">
+            <a:spAutoFit/>
+          </a:bodyPr>
+          <a:lstStyle/>
+          <a:p>
+            <a:pPr>
+              <a:lnSpc>
+                <a:spcPct val="110000"/>
+              </a:lnSpc>
+              <a:buClr>
+                <a:srgbClr val="0070C0"/>
+              </a:buClr>
+            </a:pPr>
+            <a:r>
+              <a:rPr lang="zh-CN" altLang="en-US" b="1" dirty="0">
+                <a:solidFill>
+                  <a:srgbClr val="0070C0"/>
+                </a:solidFill>
+              </a:rPr>
+              <a:t>定义</a:t>
+            </a:r>
+            <a:endParaRPr lang="en-US" altLang="zh-CN" b="1" dirty="0">
+              <a:solidFill>
+                <a:srgbClr val="0070C0"/>
+              </a:solidFill>
+            </a:endParaRPr>
+          </a:p>
+          <a:p>
+            <a:pPr marL="457200" indent="-457200">
+              <a:buClr>
+                <a:srgbClr val="0070C0"/>
+              </a:buClr>
+              <a:buFont typeface="+mj-lt"/>
+              <a:buAutoNum type="arabicPeriod"/>
+            </a:pPr>
+            <a:r>
+              <a:rPr lang="en-US" altLang="zh-CN" dirty="0"/>
+              <a:t>High level modules should not depend upon low level modules.Both should depend upon abstractions.</a:t>
+            </a:r>
+          </a:p>
+          <a:p>
+            <a:pPr marL="457200" indent="-457200">
+              <a:buClr>
+                <a:srgbClr val="0070C0"/>
+              </a:buClr>
+              <a:buFont typeface="+mj-lt"/>
+              <a:buAutoNum type="arabicPeriod"/>
+            </a:pPr>
+            <a:r>
+              <a:rPr lang="en-US" altLang="zh-CN" dirty="0"/>
+              <a:t>Abstractions should not depend upon details.</a:t>
+            </a:r>
+          </a:p>
+          <a:p>
+            <a:pPr marL="457200" indent="-457200">
+              <a:buClr>
+                <a:srgbClr val="0070C0"/>
+              </a:buClr>
+              <a:buFont typeface="+mj-lt"/>
+              <a:buAutoNum type="arabicPeriod"/>
+            </a:pPr>
+            <a:r>
+              <a:rPr lang="en-US" altLang="zh-CN" dirty="0"/>
+              <a:t>Details should depend upon abstractions.</a:t>
+            </a:r>
+          </a:p>
+          <a:p>
+            <a:pPr>
+              <a:buClr>
+                <a:srgbClr val="0070C0"/>
+              </a:buClr>
+            </a:pPr>
+            <a:endParaRPr lang="en-US" altLang="zh-CN" dirty="0"/>
+          </a:p>
+          <a:p>
+            <a:pPr marL="457200" indent="-457200">
+              <a:buClr>
+                <a:srgbClr val="0070C0"/>
+              </a:buClr>
+              <a:buFont typeface="+mj-lt"/>
+              <a:buAutoNum type="arabicPeriod"/>
+            </a:pPr>
+            <a:r>
+              <a:rPr lang="zh-CN" altLang="en-US" dirty="0"/>
+              <a:t>高层模块不应该依赖低层模块， 两者都应该依赖其抽象；</a:t>
+            </a:r>
+          </a:p>
+          <a:p>
+            <a:pPr marL="457200" indent="-457200">
+              <a:buClr>
+                <a:srgbClr val="0070C0"/>
+              </a:buClr>
+              <a:buFont typeface="+mj-lt"/>
+              <a:buAutoNum type="arabicPeriod"/>
+            </a:pPr>
+            <a:r>
+              <a:rPr lang="zh-CN" altLang="en-US" dirty="0"/>
+              <a:t>抽象不应该依赖细节；</a:t>
+            </a:r>
+          </a:p>
+          <a:p>
+            <a:pPr marL="457200" indent="-457200">
+              <a:buClr>
+                <a:srgbClr val="0070C0"/>
+              </a:buClr>
+              <a:buFont typeface="+mj-lt"/>
+              <a:buAutoNum type="arabicPeriod"/>
+            </a:pPr>
+            <a:r>
+              <a:rPr lang="zh-CN" altLang="en-US" dirty="0"/>
+              <a:t>细节应该依赖抽象。</a:t>
+            </a:r>
+          </a:p>
+          <a:p>
+            <a:endParaRPr lang="zh-CN" altLang="en-US" dirty="0"/>
+          </a:p>
+          <a:p>
+            <a:pPr>
+              <a:lnSpc>
+                <a:spcPct val="110000"/>
+              </a:lnSpc>
+              <a:buClr>
+                <a:srgbClr val="0070C0"/>
+              </a:buClr>
+            </a:pPr>
+            <a:endParaRPr lang="zh-CN" altLang="en-US" dirty="0"/>
+          </a:p>
+        </p:txBody>
+      </p:sp>
     </p:spTree>
     <p:custDataLst>
-      <p:tags r:id="rId3"/>
+      <p:tags r:id="rId1"/>
     </p:custDataLst>
   </p:cSld>
   <p:clrMapOvr>
@@ -12665,7 +12985,7 @@
 </p:sld>
 </file>
 
-<file path=ppt/slides/slide19.xml><?xml version="1.0" encoding="utf-8"?>
+<file path=ppt/slides/slide2.xml><?xml version="1.0" encoding="utf-8"?>
 <p:sld xmlns:a="http://schemas.openxmlformats.org/drawingml/2006/main" xmlns:r="http://schemas.openxmlformats.org/officeDocument/2006/relationships" xmlns:p="http://schemas.openxmlformats.org/presentationml/2006/main">
   <p:cSld>
     <p:spTree>
@@ -12688,7 +13008,7 @@
           <p:cNvSpPr txBox="1"/>
           <p:nvPr>
             <p:custDataLst>
-              <p:tags r:id="rId1"/>
+              <p:tags r:id="rId2"/>
             </p:custDataLst>
           </p:nvPr>
         </p:nvSpPr>
@@ -12728,19 +13048,10 @@
             </a:lvl1pPr>
           </a:lstStyle>
           <a:p>
-            <a:pPr>
-              <a:lnSpc>
-                <a:spcPct val="110000"/>
-              </a:lnSpc>
-              <a:buClr>
-                <a:srgbClr val="0070C0"/>
-              </a:buClr>
-            </a:pPr>
-            <a:r>
-              <a:rPr lang="zh-CN" altLang="zh-CN" dirty="0"/>
-              <a:t>里氏替换原则</a:t>
-            </a:r>
-            <a:endParaRPr lang="en-US" altLang="zh-CN" dirty="0"/>
+            <a:r>
+              <a:rPr lang="zh-CN" altLang="en-US" dirty="0"/>
+              <a:t>什么是设计模式</a:t>
+            </a:r>
           </a:p>
         </p:txBody>
       </p:sp>
@@ -12752,8 +13063,8 @@
         </p:nvSpPr>
         <p:spPr>
           <a:xfrm>
-            <a:off x="571608" y="1828842"/>
-            <a:ext cx="8334776" cy="4938981"/>
+            <a:off x="566431" y="2057436"/>
+            <a:ext cx="8334776" cy="3231654"/>
           </a:xfrm>
           <a:prstGeom prst="rect">
             <a:avLst/>
@@ -12766,87 +13077,63 @@
           </a:bodyPr>
           <a:lstStyle/>
           <a:p>
-            <a:pPr>
+            <a:pPr indent="628650" eaLnBrk="1" hangingPunct="1">
               <a:lnSpc>
-                <a:spcPct val="110000"/>
+                <a:spcPct val="150000"/>
               </a:lnSpc>
-              <a:buClr>
-                <a:srgbClr val="0070C0"/>
-              </a:buClr>
+              <a:buFont typeface="Wingdings" panose="05000000000000000000" pitchFamily="2" charset="2"/>
+              <a:buNone/>
             </a:pPr>
             <a:r>
-              <a:rPr lang="zh-CN" altLang="en-US" b="1" dirty="0">
+              <a:rPr lang="zh-CN" altLang="en-US" dirty="0"/>
+              <a:t>在面向对象程序设计（</a:t>
+            </a:r>
+            <a:r>
+              <a:rPr lang="en-US" altLang="zh-CN" dirty="0"/>
+              <a:t>OOP）</a:t>
+            </a:r>
+            <a:r>
+              <a:rPr lang="zh-CN" altLang="en-US" dirty="0"/>
+              <a:t>过程中，我们经常会遇到很多重复出现的问题，总结解决这些问题的成功经验和最佳实践便形成了设计模式（</a:t>
+            </a:r>
+            <a:r>
+              <a:rPr lang="en-US" altLang="zh-CN" dirty="0"/>
+              <a:t>Design Pattern）。</a:t>
+            </a:r>
+          </a:p>
+          <a:p>
+            <a:pPr eaLnBrk="1" hangingPunct="1">
+              <a:lnSpc>
+                <a:spcPct val="150000"/>
+              </a:lnSpc>
+              <a:buFont typeface="Wingdings" panose="05000000000000000000" pitchFamily="2" charset="2"/>
+              <a:buNone/>
+            </a:pPr>
+            <a:r>
+              <a:rPr lang="zh-CN" altLang="en-US" dirty="0"/>
+              <a:t>        其核心思想是</a:t>
+            </a:r>
+            <a:r>
+              <a:rPr lang="zh-CN" altLang="en-US" u="sng" dirty="0">
                 <a:solidFill>
                   <a:srgbClr val="0070C0"/>
                 </a:solidFill>
               </a:rPr>
-              <a:t>注意点</a:t>
-            </a:r>
-            <a:endParaRPr lang="en-US" altLang="zh-CN" b="1" dirty="0">
-              <a:solidFill>
-                <a:srgbClr val="0070C0"/>
-              </a:solidFill>
-            </a:endParaRPr>
-          </a:p>
-          <a:p>
-            <a:pPr marL="457200" indent="-457200">
-              <a:lnSpc>
-                <a:spcPct val="110000"/>
-              </a:lnSpc>
-              <a:buClr>
-                <a:srgbClr val="0070C0"/>
-              </a:buClr>
-              <a:buFont typeface="+mj-lt"/>
-              <a:buAutoNum type="arabicPeriod"/>
-            </a:pPr>
-            <a:r>
-              <a:rPr lang="zh-CN" altLang="en-US" dirty="0">
-                <a:solidFill>
-                  <a:srgbClr val="0070C0"/>
-                </a:solidFill>
-              </a:rPr>
-              <a:t>子类的所有方法必须在父类中声明，或子类必须实现父类中声明的所有方法。</a:t>
-            </a:r>
-            <a:r>
-              <a:rPr lang="zh-CN" altLang="en-US" dirty="0"/>
-              <a:t>根据里氏代换原则，为了保证系统的扩展性，在程序中通常使用父类来进行定义，如果一个方法只存在子类中，在父类中不提供相应的声明，则无法在以父类定义的对象中使用该方法。</a:t>
-            </a:r>
+              <a:t>将可重用的解决方案总结出来，并分门别类</a:t>
+            </a:r>
+            <a:r>
+              <a:rPr lang="zh-CN" altLang="en-US" dirty="0"/>
+              <a:t>。从而指导设计，减少代码重复和优化体系结构。</a:t>
+            </a:r>
+          </a:p>
+          <a:p>
             <a:endParaRPr lang="zh-CN" altLang="en-US" dirty="0"/>
-          </a:p>
-          <a:p>
-            <a:pPr marL="457200" indent="-457200">
-              <a:lnSpc>
-                <a:spcPct val="110000"/>
-              </a:lnSpc>
-              <a:buClr>
-                <a:srgbClr val="0070C0"/>
-              </a:buClr>
-              <a:buFont typeface="+mj-lt"/>
-              <a:buAutoNum type="arabicPeriod"/>
-            </a:pPr>
-            <a:r>
-              <a:rPr lang="zh-CN" altLang="en-US" dirty="0"/>
-              <a:t>我们在运用里氏代换原则时，</a:t>
-            </a:r>
-            <a:r>
-              <a:rPr lang="zh-CN" altLang="en-US" dirty="0">
-                <a:solidFill>
-                  <a:srgbClr val="0070C0"/>
-                </a:solidFill>
-              </a:rPr>
-              <a:t>尽量把父类设计为抽象类或者接口，让子类继承父类或实现父接口，并实现在父类中声明的方法，运行时，子类实例替换父类实例</a:t>
-            </a:r>
-            <a:r>
-              <a:rPr lang="zh-CN" altLang="en-US" dirty="0"/>
-              <a:t>，我们可以很方便地扩展系统的功能，同时无须修改原有子类的代码，增加新的功能可以通过增加一个新的子类来实现。里氏代换原则是开闭原则的具体实现手段之一。</a:t>
-            </a:r>
-            <a:endParaRPr lang="en-US" altLang="zh-CN" dirty="0"/>
           </a:p>
         </p:txBody>
       </p:sp>
     </p:spTree>
     <p:custDataLst>
-      <p:tags r:id="rId2"/>
+      <p:tags r:id="rId1"/>
     </p:custDataLst>
   </p:cSld>
   <p:clrMapOvr>
@@ -12855,7 +13142,7 @@
 </p:sld>
 </file>
 
-<file path=ppt/slides/slide2.xml><?xml version="1.0" encoding="utf-8"?>
+<file path=ppt/slides/slide20.xml><?xml version="1.0" encoding="utf-8"?>
 <p:sld xmlns:a="http://schemas.openxmlformats.org/drawingml/2006/main" xmlns:r="http://schemas.openxmlformats.org/officeDocument/2006/relationships" xmlns:p="http://schemas.openxmlformats.org/presentationml/2006/main">
   <p:cSld>
     <p:spTree>
@@ -12878,7 +13165,7 @@
           <p:cNvSpPr txBox="1"/>
           <p:nvPr>
             <p:custDataLst>
-              <p:tags r:id="rId1"/>
+              <p:tags r:id="rId2"/>
             </p:custDataLst>
           </p:nvPr>
         </p:nvSpPr>
@@ -12918,177 +13205,6 @@
             </a:lvl1pPr>
           </a:lstStyle>
           <a:p>
-            <a:r>
-              <a:rPr lang="zh-CN" altLang="en-US" dirty="0"/>
-              <a:t>什么是设计模式</a:t>
-            </a:r>
-            <a:endParaRPr lang="zh-CN" altLang="en-US" dirty="0"/>
-          </a:p>
-        </p:txBody>
-      </p:sp>
-      <p:sp>
-        <p:nvSpPr>
-          <p:cNvPr id="3" name="文本框 2"/>
-          <p:cNvSpPr txBox="1"/>
-          <p:nvPr/>
-        </p:nvSpPr>
-        <p:spPr>
-          <a:xfrm>
-            <a:off x="566431" y="2057436"/>
-            <a:ext cx="8334776" cy="3231654"/>
-          </a:xfrm>
-          <a:prstGeom prst="rect">
-            <a:avLst/>
-          </a:prstGeom>
-          <a:noFill/>
-        </p:spPr>
-        <p:txBody>
-          <a:bodyPr wrap="square" rtlCol="0">
-            <a:spAutoFit/>
-          </a:bodyPr>
-          <a:lstStyle/>
-          <a:p>
-            <a:pPr indent="628650" eaLnBrk="1" hangingPunct="1">
-              <a:lnSpc>
-                <a:spcPct val="150000"/>
-              </a:lnSpc>
-              <a:buFont typeface="Wingdings" panose="05000000000000000000" pitchFamily="2" charset="2"/>
-              <a:buNone/>
-            </a:pPr>
-            <a:r>
-              <a:rPr lang="zh-CN" altLang="en-US" dirty="0"/>
-              <a:t>在面向对象程序设计（</a:t>
-            </a:r>
-            <a:r>
-              <a:rPr lang="en-US" altLang="zh-CN" dirty="0"/>
-              <a:t>OOP）</a:t>
-            </a:r>
-            <a:r>
-              <a:rPr lang="zh-CN" altLang="en-US" dirty="0"/>
-              <a:t>过程中，我们经常会遇到很多重复出现的问题，总结解决这些问题的成功经验和最佳实践便形成了设计模式（</a:t>
-            </a:r>
-            <a:r>
-              <a:rPr lang="en-US" altLang="zh-CN" dirty="0"/>
-              <a:t>Design Pattern）。</a:t>
-            </a:r>
-            <a:endParaRPr lang="en-US" altLang="zh-CN" dirty="0"/>
-          </a:p>
-          <a:p>
-            <a:pPr eaLnBrk="1" hangingPunct="1">
-              <a:lnSpc>
-                <a:spcPct val="150000"/>
-              </a:lnSpc>
-              <a:buFont typeface="Wingdings" panose="05000000000000000000" pitchFamily="2" charset="2"/>
-              <a:buNone/>
-            </a:pPr>
-            <a:r>
-              <a:rPr lang="zh-CN" altLang="en-US" dirty="0"/>
-              <a:t>        其核心思想是</a:t>
-            </a:r>
-            <a:r>
-              <a:rPr lang="zh-CN" altLang="en-US" u="sng" dirty="0">
-                <a:solidFill>
-                  <a:srgbClr val="0070C0"/>
-                </a:solidFill>
-              </a:rPr>
-              <a:t>将可重用的解决方案总结出来，并分门别类</a:t>
-            </a:r>
-            <a:r>
-              <a:rPr lang="zh-CN" altLang="en-US" dirty="0"/>
-              <a:t>。从而指导设计，减少代码重复和优化体系结构。</a:t>
-            </a:r>
-            <a:endParaRPr lang="zh-CN" altLang="en-US" dirty="0"/>
-          </a:p>
-          <a:p>
-            <a:endParaRPr lang="zh-CN" altLang="en-US" dirty="0"/>
-          </a:p>
-        </p:txBody>
-      </p:sp>
-    </p:spTree>
-    <p:custDataLst>
-      <p:tags r:id="rId2"/>
-    </p:custDataLst>
-  </p:cSld>
-  <p:clrMapOvr>
-    <a:masterClrMapping/>
-  </p:clrMapOvr>
-</p:sld>
-</file>
-
-<file path=ppt/slides/slide20.xml><?xml version="1.0" encoding="utf-8"?>
-<p:sld xmlns:a="http://schemas.openxmlformats.org/drawingml/2006/main" xmlns:r="http://schemas.openxmlformats.org/officeDocument/2006/relationships" xmlns:p="http://schemas.openxmlformats.org/presentationml/2006/main">
-  <p:cSld>
-    <p:spTree>
-      <p:nvGrpSpPr>
-        <p:cNvPr id="1" name=""/>
-        <p:cNvGrpSpPr/>
-        <p:nvPr/>
-      </p:nvGrpSpPr>
-      <p:grpSpPr>
-        <a:xfrm>
-          <a:off x="0" y="0"/>
-          <a:ext cx="0" cy="0"/>
-          <a:chOff x="0" y="0"/>
-          <a:chExt cx="0" cy="0"/>
-        </a:xfrm>
-      </p:grpSpPr>
-      <p:sp>
-        <p:nvSpPr>
-          <p:cNvPr id="2" name="标题 1"/>
-          <p:cNvSpPr>
-            <a:spLocks noGrp="1"/>
-          </p:cNvSpPr>
-          <p:nvPr>
-            <p:ph type="title"/>
-          </p:nvPr>
-        </p:nvSpPr>
-        <p:spPr>
-          <a:xfrm>
-            <a:off x="1138792" y="3078833"/>
-            <a:ext cx="6856892" cy="830998"/>
-          </a:xfrm>
-        </p:spPr>
-        <p:txBody>
-          <a:bodyPr>
-            <a:noAutofit/>
-          </a:bodyPr>
-          <a:lstStyle/>
-          <a:p>
-            <a:r>
-              <a:rPr lang="en-US" altLang="zh-CN" sz="3600" dirty="0"/>
-              <a:t>Dependence Inversion Principle</a:t>
-            </a:r>
-            <a:r>
-              <a:rPr lang="zh-CN" altLang="en-US" sz="3600" dirty="0"/>
-              <a:t>（</a:t>
-            </a:r>
-            <a:r>
-              <a:rPr lang="en-US" altLang="zh-CN" sz="3600" dirty="0"/>
-              <a:t>DIP</a:t>
-            </a:r>
-            <a:r>
-              <a:rPr lang="zh-CN" altLang="en-US" sz="3600" dirty="0"/>
-              <a:t>）</a:t>
-            </a:r>
-            <a:endParaRPr lang="zh-CN" altLang="en-US" sz="3600" dirty="0"/>
-          </a:p>
-        </p:txBody>
-      </p:sp>
-      <p:sp>
-        <p:nvSpPr>
-          <p:cNvPr id="3" name="内容占位符 2"/>
-          <p:cNvSpPr>
-            <a:spLocks noGrp="1"/>
-          </p:cNvSpPr>
-          <p:nvPr>
-            <p:ph sz="quarter" idx="13"/>
-          </p:nvPr>
-        </p:nvSpPr>
-        <p:spPr/>
-        <p:txBody>
-          <a:bodyPr/>
-          <a:lstStyle/>
-          <a:p>
             <a:pPr>
               <a:lnSpc>
                 <a:spcPct val="110000"/>
@@ -13098,14 +13214,168 @@
               </a:buClr>
             </a:pPr>
             <a:r>
-              <a:rPr lang="zh-CN" altLang="zh-CN" dirty="0"/>
+              <a:rPr lang="zh-CN" altLang="zh-CN" dirty="0">
+                <a:sym typeface="+mn-ea"/>
+              </a:rPr>
               <a:t>依赖倒置原则</a:t>
             </a:r>
             <a:endParaRPr lang="en-US" altLang="zh-CN" dirty="0"/>
           </a:p>
         </p:txBody>
       </p:sp>
+      <p:sp>
+        <p:nvSpPr>
+          <p:cNvPr id="3" name="文本框 2"/>
+          <p:cNvSpPr txBox="1"/>
+          <p:nvPr/>
+        </p:nvSpPr>
+        <p:spPr>
+          <a:xfrm>
+            <a:off x="571608" y="1828842"/>
+            <a:ext cx="8334776" cy="3930650"/>
+          </a:xfrm>
+          <a:prstGeom prst="rect">
+            <a:avLst/>
+          </a:prstGeom>
+          <a:noFill/>
+        </p:spPr>
+        <p:txBody>
+          <a:bodyPr wrap="square" rtlCol="0">
+            <a:spAutoFit/>
+          </a:bodyPr>
+          <a:lstStyle/>
+          <a:p>
+            <a:pPr>
+              <a:lnSpc>
+                <a:spcPct val="110000"/>
+              </a:lnSpc>
+              <a:buClr>
+                <a:srgbClr val="0070C0"/>
+              </a:buClr>
+            </a:pPr>
+            <a:r>
+              <a:rPr lang="zh-CN" altLang="en-US" b="1" dirty="0">
+                <a:solidFill>
+                  <a:srgbClr val="0070C0"/>
+                </a:solidFill>
+              </a:rPr>
+              <a:t>核心思想</a:t>
+            </a:r>
+          </a:p>
+          <a:p>
+            <a:pPr eaLnBrk="1" hangingPunct="1">
+              <a:lnSpc>
+                <a:spcPct val="110000"/>
+              </a:lnSpc>
+              <a:buClr>
+                <a:srgbClr val="0070C0"/>
+              </a:buClr>
+            </a:pPr>
+            <a:r>
+              <a:rPr lang="zh-CN" altLang="en-US" dirty="0"/>
+              <a:t>面向接口编程</a:t>
+            </a:r>
+          </a:p>
+          <a:p>
+            <a:pPr eaLnBrk="1" hangingPunct="1">
+              <a:lnSpc>
+                <a:spcPct val="110000"/>
+              </a:lnSpc>
+              <a:buClr>
+                <a:srgbClr val="0070C0"/>
+              </a:buClr>
+            </a:pPr>
+            <a:endParaRPr lang="en-US" altLang="zh-CN" dirty="0"/>
+          </a:p>
+          <a:p>
+            <a:pPr>
+              <a:lnSpc>
+                <a:spcPct val="110000"/>
+              </a:lnSpc>
+              <a:buClr>
+                <a:srgbClr val="0070C0"/>
+              </a:buClr>
+            </a:pPr>
+            <a:r>
+              <a:rPr lang="zh-CN" altLang="en-US" b="1" dirty="0">
+                <a:solidFill>
+                  <a:srgbClr val="0070C0"/>
+                </a:solidFill>
+              </a:rPr>
+              <a:t>引入依赖倒置原则需要注意</a:t>
+            </a:r>
+          </a:p>
+          <a:p>
+            <a:pPr marL="457200" indent="-457200">
+              <a:buClr>
+                <a:srgbClr val="0070C0"/>
+              </a:buClr>
+              <a:buFont typeface="+mj-lt"/>
+              <a:buAutoNum type="arabicPeriod"/>
+            </a:pPr>
+            <a:r>
+              <a:rPr lang="zh-CN" altLang="en-US" dirty="0"/>
+              <a:t>每个类尽量都有接口或抽象类， 或者抽象类和接口两者都具备；</a:t>
+            </a:r>
+          </a:p>
+          <a:p>
+            <a:pPr marL="457200" indent="-457200">
+              <a:buClr>
+                <a:srgbClr val="0070C0"/>
+              </a:buClr>
+              <a:buFont typeface="+mj-lt"/>
+              <a:buAutoNum type="arabicPeriod"/>
+            </a:pPr>
+            <a:r>
+              <a:rPr lang="zh-CN" altLang="en-US" dirty="0"/>
+              <a:t>变量的表面类型尽量是接口或者是抽象类；</a:t>
+            </a:r>
+          </a:p>
+          <a:p>
+            <a:pPr marL="457200" indent="-457200">
+              <a:buClr>
+                <a:srgbClr val="0070C0"/>
+              </a:buClr>
+              <a:buFont typeface="+mj-lt"/>
+              <a:buAutoNum type="arabicPeriod"/>
+            </a:pPr>
+            <a:r>
+              <a:rPr lang="zh-CN" altLang="en-US" dirty="0"/>
+              <a:t>任何类都不应该从具体类派生；</a:t>
+            </a:r>
+          </a:p>
+          <a:p>
+            <a:pPr marL="457200" indent="-457200">
+              <a:buClr>
+                <a:srgbClr val="0070C0"/>
+              </a:buClr>
+              <a:buFont typeface="+mj-lt"/>
+              <a:buAutoNum type="arabicPeriod"/>
+            </a:pPr>
+            <a:r>
+              <a:rPr lang="zh-CN" altLang="en-US" dirty="0"/>
+              <a:t>尽量不要覆写基类的方法；</a:t>
+            </a:r>
+          </a:p>
+          <a:p>
+            <a:pPr marL="457200" indent="-457200">
+              <a:buClr>
+                <a:srgbClr val="0070C0"/>
+              </a:buClr>
+              <a:buFont typeface="+mj-lt"/>
+              <a:buAutoNum type="arabicPeriod"/>
+            </a:pPr>
+            <a:r>
+              <a:rPr lang="zh-CN" altLang="en-US" dirty="0"/>
+              <a:t>结合里氏替换原则使用。</a:t>
+            </a:r>
+          </a:p>
+        </p:txBody>
+      </p:sp>
     </p:spTree>
+    <p:custDataLst>
+      <p:tags r:id="rId1"/>
+    </p:custDataLst>
   </p:cSld>
   <p:clrMapOvr>
     <a:masterClrMapping/>
@@ -13136,7 +13406,7 @@
           <p:cNvSpPr txBox="1"/>
           <p:nvPr>
             <p:custDataLst>
-              <p:tags r:id="rId1"/>
+              <p:tags r:id="rId2"/>
             </p:custDataLst>
           </p:nvPr>
         </p:nvSpPr>
@@ -13185,10 +13455,12 @@
               </a:buClr>
             </a:pPr>
             <a:r>
-              <a:rPr lang="zh-CN" altLang="zh-CN" dirty="0"/>
+              <a:rPr lang="zh-CN" altLang="zh-CN" dirty="0">
+                <a:sym typeface="+mn-ea"/>
+              </a:rPr>
               <a:t>依赖倒置原则</a:t>
             </a:r>
-            <a:endParaRPr lang="zh-CN" altLang="zh-CN" dirty="0"/>
+            <a:endParaRPr lang="en-US" altLang="zh-CN" dirty="0"/>
           </a:p>
         </p:txBody>
       </p:sp>
@@ -13201,7 +13473,7 @@
         <p:spPr>
           <a:xfrm>
             <a:off x="571608" y="1828842"/>
-            <a:ext cx="8334776" cy="4227195"/>
+            <a:ext cx="8334776" cy="3821430"/>
           </a:xfrm>
           <a:prstGeom prst="rect">
             <a:avLst/>
@@ -13228,16 +13500,14 @@
                   <a:srgbClr val="0070C0"/>
                 </a:solidFill>
               </a:rPr>
-              <a:t>定义</a:t>
-            </a:r>
-            <a:endParaRPr lang="en-US" altLang="zh-CN" b="1" dirty="0">
-              <a:solidFill>
-                <a:srgbClr val="0070C0"/>
-              </a:solidFill>
-            </a:endParaRPr>
-          </a:p>
-          <a:p>
-            <a:pPr marL="457200" indent="-457200">
+              <a:t>依赖倒置原则的优点</a:t>
+            </a:r>
+          </a:p>
+          <a:p>
+            <a:pPr marL="457200" indent="-457200" eaLnBrk="1" hangingPunct="1">
+              <a:lnSpc>
+                <a:spcPct val="150000"/>
+              </a:lnSpc>
               <a:buClr>
                 <a:srgbClr val="0070C0"/>
               </a:buClr>
@@ -13245,13 +13515,15 @@
               <a:buAutoNum type="arabicPeriod"/>
             </a:pPr>
             <a:r>
-              <a:rPr lang="en-US" altLang="zh-CN" dirty="0"/>
-              <a:t>High level modules should not depend upon low level modules.Both should depend upon abstractions.</a:t>
-            </a:r>
-            <a:endParaRPr lang="en-US" altLang="zh-CN" dirty="0"/>
-          </a:p>
-          <a:p>
-            <a:pPr marL="457200" indent="-457200">
+              <a:rPr lang="zh-CN" altLang="zh-CN" dirty="0"/>
+              <a:t>面向接口使得程序在数据处理中间过程变得更灵活，在大项目中业务变更的成本变小；</a:t>
+            </a:r>
+          </a:p>
+          <a:p>
+            <a:pPr marL="457200" indent="-457200" eaLnBrk="1" hangingPunct="1">
+              <a:lnSpc>
+                <a:spcPct val="150000"/>
+              </a:lnSpc>
               <a:buClr>
                 <a:srgbClr val="0070C0"/>
               </a:buClr>
@@ -13259,13 +13531,15 @@
               <a:buAutoNum type="arabicPeriod"/>
             </a:pPr>
             <a:r>
-              <a:rPr lang="en-US" altLang="zh-CN" dirty="0"/>
-              <a:t>Abstractions should not depend upon details.</a:t>
-            </a:r>
-            <a:endParaRPr lang="en-US" altLang="zh-CN" dirty="0"/>
-          </a:p>
-          <a:p>
-            <a:pPr marL="457200" indent="-457200">
+              <a:rPr lang="zh-CN" altLang="zh-CN" dirty="0"/>
+              <a:t>利于项目的水平拓展，增加新的功能；</a:t>
+            </a:r>
+          </a:p>
+          <a:p>
+            <a:pPr marL="457200" indent="-457200" eaLnBrk="1" hangingPunct="1">
+              <a:lnSpc>
+                <a:spcPct val="150000"/>
+              </a:lnSpc>
               <a:buClr>
                 <a:srgbClr val="0070C0"/>
               </a:buClr>
@@ -13273,21 +13547,15 @@
               <a:buAutoNum type="arabicPeriod"/>
             </a:pPr>
             <a:r>
-              <a:rPr lang="en-US" altLang="zh-CN" dirty="0"/>
-              <a:t>Details should depend upon abstractions.</a:t>
-            </a:r>
-            <a:endParaRPr lang="en-US" altLang="zh-CN" dirty="0"/>
-          </a:p>
-          <a:p>
-            <a:pPr>
-              <a:buClr>
-                <a:srgbClr val="0070C0"/>
-              </a:buClr>
-            </a:pPr>
-            <a:endParaRPr lang="en-US" altLang="zh-CN" dirty="0"/>
-          </a:p>
-          <a:p>
-            <a:pPr marL="457200" indent="-457200">
+              <a:rPr lang="zh-CN" altLang="zh-CN" dirty="0"/>
+              <a:t>通过采用依赖倒置原则设计的接口或抽象类对实现类进行约束，可以减少需求变化引起的工作量剧增的情况；</a:t>
+            </a:r>
+          </a:p>
+          <a:p>
+            <a:pPr marL="457200" indent="-457200" eaLnBrk="1" hangingPunct="1">
+              <a:lnSpc>
+                <a:spcPct val="150000"/>
+              </a:lnSpc>
               <a:buClr>
                 <a:srgbClr val="0070C0"/>
               </a:buClr>
@@ -13295,58 +13563,15 @@
               <a:buAutoNum type="arabicPeriod"/>
             </a:pPr>
             <a:r>
-              <a:rPr lang="zh-CN" altLang="en-US" dirty="0"/>
-              <a:t>高层模块不应该依赖低层模块， 两者都应该依赖其抽象；</a:t>
-            </a:r>
-            <a:endParaRPr lang="zh-CN" altLang="en-US" dirty="0"/>
-          </a:p>
-          <a:p>
-            <a:pPr marL="457200" indent="-457200">
-              <a:buClr>
-                <a:srgbClr val="0070C0"/>
-              </a:buClr>
-              <a:buFont typeface="+mj-lt"/>
-              <a:buAutoNum type="arabicPeriod"/>
-            </a:pPr>
-            <a:r>
-              <a:rPr lang="zh-CN" altLang="en-US" dirty="0"/>
-              <a:t>抽象不应该依赖细节；</a:t>
-            </a:r>
-            <a:endParaRPr lang="zh-CN" altLang="en-US" dirty="0"/>
-          </a:p>
-          <a:p>
-            <a:pPr marL="457200" indent="-457200">
-              <a:buClr>
-                <a:srgbClr val="0070C0"/>
-              </a:buClr>
-              <a:buFont typeface="+mj-lt"/>
-              <a:buAutoNum type="arabicPeriod"/>
-            </a:pPr>
-            <a:r>
-              <a:rPr lang="zh-CN" altLang="en-US" dirty="0"/>
-              <a:t>细节应该依赖抽象。</a:t>
-            </a:r>
-            <a:endParaRPr lang="zh-CN" altLang="en-US" dirty="0"/>
-          </a:p>
-          <a:p>
-            <a:endParaRPr lang="zh-CN" altLang="en-US" dirty="0"/>
-          </a:p>
-          <a:p>
-            <a:pPr>
-              <a:lnSpc>
-                <a:spcPct val="110000"/>
-              </a:lnSpc>
-              <a:buClr>
-                <a:srgbClr val="0070C0"/>
-              </a:buClr>
-            </a:pPr>
-            <a:endParaRPr lang="zh-CN" altLang="en-US" dirty="0"/>
+              <a:rPr lang="zh-CN" altLang="zh-CN" dirty="0"/>
+              <a:t>人员变动时对项目影响能适当变小。</a:t>
+            </a:r>
           </a:p>
         </p:txBody>
       </p:sp>
     </p:spTree>
     <p:custDataLst>
-      <p:tags r:id="rId2"/>
+      <p:tags r:id="rId1"/>
     </p:custDataLst>
   </p:cSld>
   <p:clrMapOvr>
@@ -13378,7 +13603,7 @@
           <p:cNvSpPr txBox="1"/>
           <p:nvPr>
             <p:custDataLst>
-              <p:tags r:id="rId1"/>
+              <p:tags r:id="rId2"/>
             </p:custDataLst>
           </p:nvPr>
         </p:nvSpPr>
@@ -13445,7 +13670,7 @@
         <p:spPr>
           <a:xfrm>
             <a:off x="571608" y="1828842"/>
-            <a:ext cx="8334776" cy="3930650"/>
+            <a:ext cx="8334776" cy="3821430"/>
           </a:xfrm>
           <a:prstGeom prst="rect">
             <a:avLst/>
@@ -13472,65 +13697,14 @@
                   <a:srgbClr val="0070C0"/>
                 </a:solidFill>
               </a:rPr>
-              <a:t>核心思想</a:t>
-            </a:r>
-            <a:endParaRPr lang="zh-CN" altLang="en-US" b="1" dirty="0">
-              <a:solidFill>
-                <a:srgbClr val="0070C0"/>
-              </a:solidFill>
-            </a:endParaRPr>
-          </a:p>
-          <a:p>
-            <a:pPr eaLnBrk="1" hangingPunct="1">
+              <a:t>依赖倒置原则的缺点</a:t>
+            </a:r>
+          </a:p>
+          <a:p>
+            <a:pPr marL="457200" indent="-457200" eaLnBrk="1" hangingPunct="1">
               <a:lnSpc>
-                <a:spcPct val="110000"/>
+                <a:spcPct val="150000"/>
               </a:lnSpc>
-              <a:buClr>
-                <a:srgbClr val="0070C0"/>
-              </a:buClr>
-            </a:pPr>
-            <a:r>
-              <a:rPr lang="zh-CN" altLang="en-US" dirty="0"/>
-              <a:t>面向接口编程</a:t>
-            </a:r>
-            <a:endParaRPr lang="zh-CN" altLang="en-US" dirty="0"/>
-          </a:p>
-          <a:p>
-            <a:pPr eaLnBrk="1" hangingPunct="1">
-              <a:lnSpc>
-                <a:spcPct val="110000"/>
-              </a:lnSpc>
-              <a:buClr>
-                <a:srgbClr val="0070C0"/>
-              </a:buClr>
-            </a:pPr>
-            <a:endParaRPr lang="en-US" altLang="zh-CN" dirty="0"/>
-          </a:p>
-          <a:p>
-            <a:pPr>
-              <a:lnSpc>
-                <a:spcPct val="110000"/>
-              </a:lnSpc>
-              <a:buClr>
-                <a:srgbClr val="0070C0"/>
-              </a:buClr>
-            </a:pPr>
-            <a:r>
-              <a:rPr lang="zh-CN" altLang="en-US" b="1" dirty="0">
-                <a:solidFill>
-                  <a:srgbClr val="0070C0"/>
-                </a:solidFill>
-              </a:rPr>
-              <a:t>引入依赖倒置原则需要注意</a:t>
-            </a:r>
-            <a:endParaRPr lang="zh-CN" altLang="en-US" b="1" dirty="0">
-              <a:solidFill>
-                <a:srgbClr val="0070C0"/>
-              </a:solidFill>
-            </a:endParaRPr>
-          </a:p>
-          <a:p>
-            <a:pPr marL="457200" indent="-457200">
               <a:buClr>
                 <a:srgbClr val="0070C0"/>
               </a:buClr>
@@ -13538,13 +13712,15 @@
               <a:buAutoNum type="arabicPeriod"/>
             </a:pPr>
             <a:r>
-              <a:rPr lang="zh-CN" altLang="en-US" dirty="0"/>
-              <a:t>每个类尽量都有接口或抽象类， 或者抽象类和接口两者都具备；</a:t>
-            </a:r>
-            <a:endParaRPr lang="zh-CN" altLang="en-US" dirty="0"/>
-          </a:p>
-          <a:p>
-            <a:pPr marL="457200" indent="-457200">
+              <a:rPr lang="zh-CN" altLang="zh-CN" dirty="0"/>
+              <a:t>现实中并不是所有东西都依赖抽象，比如法律，就必须依赖细节；</a:t>
+            </a:r>
+          </a:p>
+          <a:p>
+            <a:pPr marL="457200" indent="-457200" eaLnBrk="1" hangingPunct="1">
+              <a:lnSpc>
+                <a:spcPct val="150000"/>
+              </a:lnSpc>
               <a:buClr>
                 <a:srgbClr val="0070C0"/>
               </a:buClr>
@@ -13552,13 +13728,15 @@
               <a:buAutoNum type="arabicPeriod"/>
             </a:pPr>
             <a:r>
-              <a:rPr lang="zh-CN" altLang="en-US" dirty="0"/>
-              <a:t>变量的表面类型尽量是接口或者是抽象类；</a:t>
-            </a:r>
-            <a:endParaRPr lang="zh-CN" altLang="en-US" dirty="0"/>
-          </a:p>
-          <a:p>
-            <a:pPr marL="457200" indent="-457200">
+              <a:rPr lang="zh-CN" altLang="zh-CN" dirty="0"/>
+              <a:t>如果项目规模并不大且业务很确定可能增加项目前期的设计成本；</a:t>
+            </a:r>
+          </a:p>
+          <a:p>
+            <a:pPr marL="457200" indent="-457200" eaLnBrk="1" hangingPunct="1">
+              <a:lnSpc>
+                <a:spcPct val="150000"/>
+              </a:lnSpc>
               <a:buClr>
                 <a:srgbClr val="0070C0"/>
               </a:buClr>
@@ -13566,44 +13744,15 @@
               <a:buAutoNum type="arabicPeriod"/>
             </a:pPr>
             <a:r>
-              <a:rPr lang="zh-CN" altLang="en-US" dirty="0"/>
-              <a:t>任何类都不应该从具体类派生；</a:t>
-            </a:r>
-            <a:endParaRPr lang="zh-CN" altLang="en-US" dirty="0"/>
-          </a:p>
-          <a:p>
-            <a:pPr marL="457200" indent="-457200">
-              <a:buClr>
-                <a:srgbClr val="0070C0"/>
-              </a:buClr>
-              <a:buFont typeface="+mj-lt"/>
-              <a:buAutoNum type="arabicPeriod"/>
-            </a:pPr>
-            <a:r>
-              <a:rPr lang="zh-CN" altLang="en-US" dirty="0"/>
-              <a:t>尽量不要覆写基类的方法；</a:t>
-            </a:r>
-            <a:endParaRPr lang="zh-CN" altLang="en-US" dirty="0"/>
-          </a:p>
-          <a:p>
-            <a:pPr marL="457200" indent="-457200">
-              <a:buClr>
-                <a:srgbClr val="0070C0"/>
-              </a:buClr>
-              <a:buFont typeface="+mj-lt"/>
-              <a:buAutoNum type="arabicPeriod"/>
-            </a:pPr>
-            <a:r>
-              <a:rPr lang="zh-CN" altLang="en-US" dirty="0"/>
-              <a:t>结合里氏替换原则使用。</a:t>
-            </a:r>
-            <a:endParaRPr lang="zh-CN" altLang="en-US" dirty="0"/>
+              <a:rPr lang="zh-CN" altLang="zh-CN" dirty="0"/>
+              <a:t>接口设计的通用性与可拓展性决定了后期维护与二次开发的成本，很考验设计人员的设计能力。</a:t>
+            </a:r>
           </a:p>
         </p:txBody>
       </p:sp>
     </p:spTree>
     <p:custDataLst>
-      <p:tags r:id="rId2"/>
+      <p:tags r:id="rId1"/>
     </p:custDataLst>
   </p:cSld>
   <p:clrMapOvr>
@@ -13635,7 +13784,7 @@
           <p:cNvSpPr txBox="1"/>
           <p:nvPr>
             <p:custDataLst>
-              <p:tags r:id="rId1"/>
+              <p:tags r:id="rId2"/>
             </p:custDataLst>
           </p:nvPr>
         </p:nvSpPr>
@@ -13702,7 +13851,7 @@
         <p:spPr>
           <a:xfrm>
             <a:off x="571608" y="1828842"/>
-            <a:ext cx="8334776" cy="3821430"/>
+            <a:ext cx="8334776" cy="4938981"/>
           </a:xfrm>
           <a:prstGeom prst="rect">
             <a:avLst/>
@@ -13729,18 +13878,18 @@
                   <a:srgbClr val="0070C0"/>
                 </a:solidFill>
               </a:rPr>
-              <a:t>依赖倒置原则的优点</a:t>
-            </a:r>
-            <a:endParaRPr lang="zh-CN" altLang="en-US" b="1" dirty="0">
+              <a:t>注意点</a:t>
+            </a:r>
+            <a:endParaRPr lang="en-US" altLang="zh-CN" b="1" dirty="0">
               <a:solidFill>
                 <a:srgbClr val="0070C0"/>
               </a:solidFill>
             </a:endParaRPr>
           </a:p>
           <a:p>
-            <a:pPr marL="457200" indent="-457200" eaLnBrk="1" hangingPunct="1">
+            <a:pPr marL="457200" indent="-457200">
               <a:lnSpc>
-                <a:spcPct val="150000"/>
+                <a:spcPct val="110000"/>
               </a:lnSpc>
               <a:buClr>
                 <a:srgbClr val="0070C0"/>
@@ -13749,15 +13898,22 @@
               <a:buAutoNum type="arabicPeriod"/>
             </a:pPr>
             <a:r>
-              <a:rPr lang="zh-CN" altLang="zh-CN" dirty="0"/>
-              <a:t>面向接口使得程序在数据处理中间过程变得更灵活，在大项目中业务变更的成本变小；</a:t>
-            </a:r>
-            <a:endParaRPr lang="zh-CN" altLang="zh-CN" dirty="0"/>
-          </a:p>
-          <a:p>
-            <a:pPr marL="457200" indent="-457200" eaLnBrk="1" hangingPunct="1">
+              <a:rPr lang="zh-CN" altLang="en-US" dirty="0">
+                <a:solidFill>
+                  <a:srgbClr val="0070C0"/>
+                </a:solidFill>
+              </a:rPr>
+              <a:t>子类的所有方法必须在父类中声明，或子类必须实现父类中声明的所有方法。</a:t>
+            </a:r>
+            <a:r>
+              <a:rPr lang="zh-CN" altLang="en-US" dirty="0"/>
+              <a:t>根据里氏代换原则，为了保证系统的扩展性，在程序中通常使用父类来进行定义，如果一个方法只存在子类中，在父类中不提供相应的声明，则无法在以父类定义的对象中使用该方法。</a:t>
+            </a:r>
+          </a:p>
+          <a:p>
+            <a:pPr marL="457200" indent="-457200">
               <a:lnSpc>
-                <a:spcPct val="150000"/>
+                <a:spcPct val="110000"/>
               </a:lnSpc>
               <a:buClr>
                 <a:srgbClr val="0070C0"/>
@@ -13766,50 +13922,28 @@
               <a:buAutoNum type="arabicPeriod"/>
             </a:pPr>
             <a:r>
-              <a:rPr lang="zh-CN" altLang="zh-CN" dirty="0"/>
-              <a:t>利于项目的水平拓展，增加新的功能；</a:t>
-            </a:r>
-            <a:endParaRPr lang="zh-CN" altLang="zh-CN" dirty="0"/>
-          </a:p>
-          <a:p>
-            <a:pPr marL="457200" indent="-457200" eaLnBrk="1" hangingPunct="1">
-              <a:lnSpc>
-                <a:spcPct val="150000"/>
-              </a:lnSpc>
-              <a:buClr>
-                <a:srgbClr val="0070C0"/>
-              </a:buClr>
-              <a:buFont typeface="+mj-lt"/>
-              <a:buAutoNum type="arabicPeriod"/>
-            </a:pPr>
-            <a:r>
-              <a:rPr lang="zh-CN" altLang="zh-CN" dirty="0"/>
-              <a:t>通过采用依赖倒置原则设计的接口或抽象类对实现类进行约束，可以减少需求变化引起的工作量剧增的情况；</a:t>
-            </a:r>
-            <a:endParaRPr lang="zh-CN" altLang="zh-CN" dirty="0"/>
-          </a:p>
-          <a:p>
-            <a:pPr marL="457200" indent="-457200" eaLnBrk="1" hangingPunct="1">
-              <a:lnSpc>
-                <a:spcPct val="150000"/>
-              </a:lnSpc>
-              <a:buClr>
-                <a:srgbClr val="0070C0"/>
-              </a:buClr>
-              <a:buFont typeface="+mj-lt"/>
-              <a:buAutoNum type="arabicPeriod"/>
-            </a:pPr>
-            <a:r>
-              <a:rPr lang="zh-CN" altLang="zh-CN" dirty="0"/>
-              <a:t>人员变动时对项目影响能适当变小。</a:t>
-            </a:r>
-            <a:endParaRPr lang="zh-CN" altLang="zh-CN" dirty="0"/>
+              <a:rPr lang="zh-CN" altLang="en-US" dirty="0"/>
+              <a:t>我们在运用里氏代换原则时，</a:t>
+            </a:r>
+            <a:r>
+              <a:rPr lang="zh-CN" altLang="en-US" dirty="0">
+                <a:solidFill>
+                  <a:srgbClr val="0070C0"/>
+                </a:solidFill>
+              </a:rPr>
+              <a:t>尽量把父类设计为抽象类或者接口，让子类继承父类或实现父接口，并实现在父类中声明的方法，运行时，子类实例替换父类实例</a:t>
+            </a:r>
+            <a:r>
+              <a:rPr lang="zh-CN" altLang="en-US" dirty="0"/>
+              <a:t>，我们可以很方便地扩展系统的功能，同时无须修改原有子类的代码，增加新的功能可以通过增加一个新的子类来实现。里氏代换原则是开闭原则的具体实现手段之一。</a:t>
+            </a:r>
+            <a:endParaRPr lang="en-US" altLang="zh-CN" dirty="0"/>
           </a:p>
         </p:txBody>
       </p:sp>
     </p:spTree>
     <p:custDataLst>
-      <p:tags r:id="rId2"/>
+      <p:tags r:id="rId1"/>
     </p:custDataLst>
   </p:cSld>
   <p:clrMapOvr>
@@ -13837,11 +13971,108 @@
       </p:grpSpPr>
       <p:sp>
         <p:nvSpPr>
+          <p:cNvPr id="2" name="标题 1"/>
+          <p:cNvSpPr>
+            <a:spLocks noGrp="1"/>
+          </p:cNvSpPr>
+          <p:nvPr>
+            <p:ph type="title"/>
+          </p:nvPr>
+        </p:nvSpPr>
+        <p:spPr>
+          <a:xfrm>
+            <a:off x="1138792" y="3078833"/>
+            <a:ext cx="6856892" cy="830998"/>
+          </a:xfrm>
+        </p:spPr>
+        <p:txBody>
+          <a:bodyPr>
+            <a:noAutofit/>
+          </a:bodyPr>
+          <a:lstStyle/>
+          <a:p>
+            <a:r>
+              <a:rPr lang="en-US" altLang="zh-CN" sz="3600" dirty="0"/>
+              <a:t>Interface Segregation Principle</a:t>
+            </a:r>
+            <a:r>
+              <a:rPr lang="zh-CN" altLang="en-US" sz="3600" dirty="0"/>
+              <a:t>（</a:t>
+            </a:r>
+            <a:r>
+              <a:rPr lang="en-US" altLang="zh-CN" sz="3600" dirty="0"/>
+              <a:t>ISP</a:t>
+            </a:r>
+            <a:r>
+              <a:rPr lang="zh-CN" altLang="en-US" sz="3600" dirty="0"/>
+              <a:t>）</a:t>
+            </a:r>
+          </a:p>
+        </p:txBody>
+      </p:sp>
+      <p:sp>
+        <p:nvSpPr>
+          <p:cNvPr id="3" name="内容占位符 2"/>
+          <p:cNvSpPr>
+            <a:spLocks noGrp="1"/>
+          </p:cNvSpPr>
+          <p:nvPr>
+            <p:ph sz="quarter" idx="13"/>
+          </p:nvPr>
+        </p:nvSpPr>
+        <p:spPr/>
+        <p:txBody>
+          <a:bodyPr/>
+          <a:lstStyle/>
+          <a:p>
+            <a:pPr>
+              <a:lnSpc>
+                <a:spcPct val="110000"/>
+              </a:lnSpc>
+              <a:buClr>
+                <a:srgbClr val="0070C0"/>
+              </a:buClr>
+            </a:pPr>
+            <a:r>
+              <a:rPr lang="zh-CN" altLang="en-US" dirty="0"/>
+              <a:t>接口隔离原则</a:t>
+            </a:r>
+            <a:endParaRPr lang="en-US" altLang="zh-CN" dirty="0"/>
+          </a:p>
+        </p:txBody>
+      </p:sp>
+    </p:spTree>
+  </p:cSld>
+  <p:clrMapOvr>
+    <a:masterClrMapping/>
+  </p:clrMapOvr>
+</p:sld>
+</file>
+
+<file path=ppt/slides/slide25.xml><?xml version="1.0" encoding="utf-8"?>
+<p:sld xmlns:a="http://schemas.openxmlformats.org/drawingml/2006/main" xmlns:r="http://schemas.openxmlformats.org/officeDocument/2006/relationships" xmlns:p="http://schemas.openxmlformats.org/presentationml/2006/main">
+  <p:cSld>
+    <p:spTree>
+      <p:nvGrpSpPr>
+        <p:cNvPr id="1" name=""/>
+        <p:cNvGrpSpPr/>
+        <p:nvPr/>
+      </p:nvGrpSpPr>
+      <p:grpSpPr>
+        <a:xfrm>
+          <a:off x="0" y="0"/>
+          <a:ext cx="0" cy="0"/>
+          <a:chOff x="0" y="0"/>
+          <a:chExt cx="0" cy="0"/>
+        </a:xfrm>
+      </p:grpSpPr>
+      <p:sp>
+        <p:nvSpPr>
           <p:cNvPr id="8" name="标题 1"/>
           <p:cNvSpPr txBox="1"/>
           <p:nvPr>
             <p:custDataLst>
-              <p:tags r:id="rId1"/>
+              <p:tags r:id="rId2"/>
             </p:custDataLst>
           </p:nvPr>
         </p:nvSpPr>
@@ -13890,10 +14121,8 @@
               </a:buClr>
             </a:pPr>
             <a:r>
-              <a:rPr lang="zh-CN" altLang="zh-CN" dirty="0">
-                <a:sym typeface="+mn-ea"/>
-              </a:rPr>
-              <a:t>依赖倒置原则</a:t>
+              <a:rPr lang="zh-CN" altLang="en-US" dirty="0"/>
+              <a:t>接口隔离原则</a:t>
             </a:r>
             <a:endParaRPr lang="en-US" altLang="zh-CN" dirty="0"/>
           </a:p>
@@ -13908,7 +14137,7 @@
         <p:spPr>
           <a:xfrm>
             <a:off x="571608" y="1828842"/>
-            <a:ext cx="8334776" cy="3821430"/>
+            <a:ext cx="8334776" cy="3534622"/>
           </a:xfrm>
           <a:prstGeom prst="rect">
             <a:avLst/>
@@ -13935,18 +14164,18 @@
                   <a:srgbClr val="0070C0"/>
                 </a:solidFill>
               </a:rPr>
-              <a:t>依赖倒置原则的缺点</a:t>
-            </a:r>
-            <a:endParaRPr lang="zh-CN" altLang="en-US" b="1" dirty="0">
+              <a:t>定义</a:t>
+            </a:r>
+            <a:endParaRPr lang="en-US" altLang="zh-CN" b="1" dirty="0">
               <a:solidFill>
                 <a:srgbClr val="0070C0"/>
               </a:solidFill>
             </a:endParaRPr>
           </a:p>
           <a:p>
-            <a:pPr marL="457200" indent="-457200" eaLnBrk="1" hangingPunct="1">
+            <a:pPr marL="457200" indent="-457200">
               <a:lnSpc>
-                <a:spcPct val="150000"/>
+                <a:spcPct val="110000"/>
               </a:lnSpc>
               <a:buClr>
                 <a:srgbClr val="0070C0"/>
@@ -13955,16 +14184,16 @@
               <a:buAutoNum type="arabicPeriod"/>
             </a:pPr>
             <a:r>
-              <a:rPr lang="zh-CN" altLang="zh-CN" dirty="0"/>
-              <a:t>现实中并不是所有东西都依赖抽象，比如法律，就必须依赖细节；</a:t>
-            </a:r>
-            <a:endParaRPr lang="zh-CN" altLang="zh-CN" dirty="0"/>
-          </a:p>
-          <a:p>
-            <a:pPr marL="457200" indent="-457200" eaLnBrk="1" hangingPunct="1">
-              <a:lnSpc>
-                <a:spcPct val="150000"/>
-              </a:lnSpc>
+              <a:rPr lang="en-US" altLang="zh-CN" dirty="0"/>
+              <a:t>Clients should not be forced to depend upon interfaces that they don’t use</a:t>
+            </a:r>
+            <a:r>
+              <a:rPr lang="zh-CN" altLang="en-US" dirty="0"/>
+              <a:t>；</a:t>
+            </a:r>
+          </a:p>
+          <a:p>
+            <a:pPr marL="457200" indent="-457200" latinLnBrk="1">
               <a:buClr>
                 <a:srgbClr val="0070C0"/>
               </a:buClr>
@@ -13972,16 +14201,21 @@
               <a:buAutoNum type="arabicPeriod"/>
             </a:pPr>
             <a:r>
-              <a:rPr lang="zh-CN" altLang="zh-CN" dirty="0"/>
-              <a:t>如果项目规模并不大且业务很确定可能增加项目前期的设计成本；</a:t>
-            </a:r>
-            <a:endParaRPr lang="zh-CN" altLang="zh-CN" dirty="0"/>
-          </a:p>
-          <a:p>
-            <a:pPr marL="457200" indent="-457200" eaLnBrk="1" hangingPunct="1">
-              <a:lnSpc>
-                <a:spcPct val="150000"/>
-              </a:lnSpc>
+              <a:rPr lang="en-US" altLang="zh-CN" dirty="0"/>
+              <a:t>The dependency of one class to another one should depend on the smallest possible interface</a:t>
+            </a:r>
+            <a:r>
+              <a:rPr lang="zh-CN" altLang="en-US" dirty="0"/>
+              <a:t>。</a:t>
+            </a:r>
+            <a:endParaRPr lang="en-US" altLang="zh-CN" dirty="0"/>
+          </a:p>
+          <a:p>
+            <a:pPr latinLnBrk="1"/>
+            <a:endParaRPr lang="en-US" altLang="zh-CN" dirty="0"/>
+          </a:p>
+          <a:p>
+            <a:pPr marL="457200" indent="-457200" latinLnBrk="1">
               <a:buClr>
                 <a:srgbClr val="0070C0"/>
               </a:buClr>
@@ -13989,17 +14223,45 @@
               <a:buAutoNum type="arabicPeriod"/>
             </a:pPr>
             <a:r>
-              <a:rPr lang="zh-CN" altLang="zh-CN" dirty="0"/>
-              <a:t>接口设计的通用性与可拓展性决定了后期维护与二次开发的成本，很考验设计人员的设计能力。</a:t>
-            </a:r>
-            <a:endParaRPr lang="zh-CN" altLang="zh-CN" dirty="0"/>
+              <a:rPr lang="zh-CN" altLang="en-US" dirty="0"/>
+              <a:t>客户端不应该依赖它不需用的接口；</a:t>
+            </a:r>
+          </a:p>
+          <a:p>
+            <a:pPr marL="457200" indent="-457200">
+              <a:buClr>
+                <a:srgbClr val="0070C0"/>
+              </a:buClr>
+              <a:buFont typeface="+mj-lt"/>
+              <a:buAutoNum type="arabicPeriod"/>
+            </a:pPr>
+            <a:r>
+              <a:rPr lang="zh-CN" altLang="en-US" dirty="0"/>
+              <a:t>类间的依赖关系应该建立在最小的接口上。</a:t>
+            </a:r>
+          </a:p>
+          <a:p>
+            <a:pPr>
+              <a:lnSpc>
+                <a:spcPct val="110000"/>
+              </a:lnSpc>
+              <a:buClr>
+                <a:srgbClr val="0070C0"/>
+              </a:buClr>
+            </a:pPr>
+            <a:endParaRPr lang="zh-CN" altLang="en-US" dirty="0"/>
           </a:p>
         </p:txBody>
       </p:sp>
     </p:spTree>
     <p:custDataLst>
-      <p:tags r:id="rId2"/>
+      <p:tags r:id="rId1"/>
     </p:custDataLst>
+    <p:extLst>
+      <p:ext uri="{BB962C8B-B14F-4D97-AF65-F5344CB8AC3E}">
+        <p14:creationId xmlns:p14="http://schemas.microsoft.com/office/powerpoint/2010/main" val="139860320"/>
+      </p:ext>
+    </p:extLst>
   </p:cSld>
   <p:clrMapOvr>
     <a:masterClrMapping/>
@@ -14007,7 +14269,7 @@
 </p:sld>
 </file>
 
-<file path=ppt/slides/slide25.xml><?xml version="1.0" encoding="utf-8"?>
+<file path=ppt/slides/slide26.xml><?xml version="1.0" encoding="utf-8"?>
 <p:sld xmlns:a="http://schemas.openxmlformats.org/drawingml/2006/main" xmlns:r="http://schemas.openxmlformats.org/officeDocument/2006/relationships" xmlns:p="http://schemas.openxmlformats.org/presentationml/2006/main">
   <p:cSld>
     <p:spTree>
@@ -14030,7 +14292,7 @@
           <p:cNvSpPr txBox="1"/>
           <p:nvPr>
             <p:custDataLst>
-              <p:tags r:id="rId1"/>
+              <p:tags r:id="rId2"/>
             </p:custDataLst>
           </p:nvPr>
         </p:nvSpPr>
@@ -14079,19 +14341,163 @@
               </a:buClr>
             </a:pPr>
             <a:r>
-              <a:rPr lang="zh-CN" altLang="zh-CN" dirty="0">
-                <a:sym typeface="+mn-ea"/>
+              <a:rPr lang="zh-CN" altLang="en-US" dirty="0"/>
+              <a:t>接口隔离原则</a:t>
+            </a:r>
+            <a:endParaRPr lang="en-US" altLang="zh-CN" dirty="0"/>
+          </a:p>
+        </p:txBody>
+      </p:sp>
+      <p:sp>
+        <p:nvSpPr>
+          <p:cNvPr id="3" name="文本框 2"/>
+          <p:cNvSpPr txBox="1"/>
+          <p:nvPr/>
+        </p:nvSpPr>
+        <p:spPr>
+          <a:xfrm>
+            <a:off x="571608" y="1828842"/>
+            <a:ext cx="8334776" cy="3933384"/>
+          </a:xfrm>
+          <a:prstGeom prst="rect">
+            <a:avLst/>
+          </a:prstGeom>
+          <a:noFill/>
+        </p:spPr>
+        <p:txBody>
+          <a:bodyPr wrap="square" rtlCol="0">
+            <a:spAutoFit/>
+          </a:bodyPr>
+          <a:lstStyle/>
+          <a:p>
+            <a:pPr>
+              <a:lnSpc>
+                <a:spcPct val="110000"/>
+              </a:lnSpc>
+              <a:buClr>
+                <a:srgbClr val="0070C0"/>
+              </a:buClr>
+            </a:pPr>
+            <a:r>
+              <a:rPr lang="zh-CN" altLang="en-US" b="1" dirty="0">
+                <a:solidFill>
+                  <a:srgbClr val="0070C0"/>
+                </a:solidFill>
               </a:rPr>
-              <a:t>依赖倒置原则</a:t>
+              <a:t>核心思想</a:t>
+            </a:r>
+          </a:p>
+          <a:p>
+            <a:pPr eaLnBrk="1" hangingPunct="1">
+              <a:lnSpc>
+                <a:spcPct val="110000"/>
+              </a:lnSpc>
+              <a:buClr>
+                <a:srgbClr val="0070C0"/>
+              </a:buClr>
+            </a:pPr>
+            <a:r>
+              <a:rPr lang="zh-CN" altLang="en-US" dirty="0"/>
+              <a:t>建立单一接口，不要建立臃肿庞大的接口。</a:t>
             </a:r>
             <a:endParaRPr lang="en-US" altLang="zh-CN" dirty="0"/>
+          </a:p>
+          <a:p>
+            <a:pPr eaLnBrk="1" hangingPunct="1">
+              <a:lnSpc>
+                <a:spcPct val="110000"/>
+              </a:lnSpc>
+              <a:buClr>
+                <a:srgbClr val="0070C0"/>
+              </a:buClr>
+            </a:pPr>
+            <a:r>
+              <a:rPr lang="zh-CN" altLang="en-US" dirty="0"/>
+              <a:t>（接口尽量细化，同时接口中的方法尽量的少）</a:t>
+            </a:r>
+            <a:endParaRPr lang="en-US" altLang="zh-CN" dirty="0"/>
+          </a:p>
+          <a:p>
+            <a:pPr>
+              <a:lnSpc>
+                <a:spcPct val="110000"/>
+              </a:lnSpc>
+              <a:buClr>
+                <a:srgbClr val="0070C0"/>
+              </a:buClr>
+            </a:pPr>
+            <a:r>
+              <a:rPr lang="zh-CN" altLang="en-US" b="1" dirty="0">
+                <a:solidFill>
+                  <a:srgbClr val="0070C0"/>
+                </a:solidFill>
+              </a:rPr>
+              <a:t>引入接口隔离原则需要注意</a:t>
+            </a:r>
+          </a:p>
+          <a:p>
+            <a:pPr marL="457200" indent="-457200">
+              <a:buClr>
+                <a:srgbClr val="0070C0"/>
+              </a:buClr>
+              <a:buFont typeface="+mj-lt"/>
+              <a:buAutoNum type="arabicPeriod"/>
+            </a:pPr>
+            <a:r>
+              <a:rPr lang="zh-CN" altLang="en-US" dirty="0"/>
+              <a:t>避免一个接口拥有过多功能，尽量保证单一接口功能不能再细化或无必要再细化；</a:t>
+            </a:r>
+            <a:endParaRPr lang="en-US" altLang="zh-CN" dirty="0"/>
+          </a:p>
+          <a:p>
+            <a:pPr marL="457200" indent="-457200">
+              <a:buClr>
+                <a:srgbClr val="0070C0"/>
+              </a:buClr>
+              <a:buFont typeface="+mj-lt"/>
+              <a:buAutoNum type="arabicPeriod"/>
+            </a:pPr>
+            <a:r>
+              <a:rPr lang="zh-CN" altLang="en-US" dirty="0"/>
+              <a:t>拥有公共功能的接口应提取为公共接口，并且避免在公共接口中添加个性方法；</a:t>
+            </a:r>
+            <a:endParaRPr lang="en-US" altLang="zh-CN" dirty="0"/>
+          </a:p>
+          <a:p>
+            <a:pPr marL="457200" indent="-457200">
+              <a:buClr>
+                <a:srgbClr val="0070C0"/>
+              </a:buClr>
+              <a:buFont typeface="+mj-lt"/>
+              <a:buAutoNum type="arabicPeriod"/>
+            </a:pPr>
+            <a:r>
+              <a:rPr lang="zh-CN" altLang="en-US" dirty="0"/>
+              <a:t>避免编码混乱造成后期维护成本增加。</a:t>
+            </a:r>
+            <a:endParaRPr lang="en-US" altLang="zh-CN" dirty="0"/>
+          </a:p>
+          <a:p>
+            <a:pPr marL="457200" indent="-457200">
+              <a:buClr>
+                <a:srgbClr val="0070C0"/>
+              </a:buClr>
+              <a:buFont typeface="+mj-lt"/>
+              <a:buAutoNum type="arabicPeriod"/>
+            </a:pPr>
+            <a:endParaRPr lang="zh-CN" altLang="en-US" dirty="0"/>
           </a:p>
         </p:txBody>
       </p:sp>
     </p:spTree>
     <p:custDataLst>
-      <p:tags r:id="rId2"/>
+      <p:tags r:id="rId1"/>
     </p:custDataLst>
+    <p:extLst>
+      <p:ext uri="{BB962C8B-B14F-4D97-AF65-F5344CB8AC3E}">
+        <p14:creationId xmlns:p14="http://schemas.microsoft.com/office/powerpoint/2010/main" val="3755684246"/>
+      </p:ext>
+    </p:extLst>
   </p:cSld>
   <p:clrMapOvr>
     <a:masterClrMapping/>
@@ -14099,7 +14505,7 @@
 </p:sld>
 </file>
 
-<file path=ppt/slides/slide26.xml><?xml version="1.0" encoding="utf-8"?>
+<file path=ppt/slides/slide27.xml><?xml version="1.0" encoding="utf-8"?>
 <p:sld xmlns:a="http://schemas.openxmlformats.org/drawingml/2006/main" xmlns:r="http://schemas.openxmlformats.org/officeDocument/2006/relationships" xmlns:p="http://schemas.openxmlformats.org/presentationml/2006/main">
   <p:cSld>
     <p:spTree>
@@ -14122,7 +14528,7 @@
           <p:cNvSpPr txBox="1"/>
           <p:nvPr>
             <p:custDataLst>
-              <p:tags r:id="rId1"/>
+              <p:tags r:id="rId2"/>
             </p:custDataLst>
           </p:nvPr>
         </p:nvSpPr>
@@ -14171,10 +14577,8 @@
               </a:buClr>
             </a:pPr>
             <a:r>
-              <a:rPr lang="zh-CN" altLang="zh-CN" dirty="0">
-                <a:sym typeface="+mn-ea"/>
-              </a:rPr>
-              <a:t>依赖倒置原则</a:t>
+              <a:rPr lang="zh-CN" altLang="en-US" dirty="0"/>
+              <a:t>接口隔离原则</a:t>
             </a:r>
             <a:endParaRPr lang="en-US" altLang="zh-CN" dirty="0"/>
           </a:p>
@@ -14189,7 +14593,7 @@
         <p:spPr>
           <a:xfrm>
             <a:off x="571608" y="1828842"/>
-            <a:ext cx="8334776" cy="4938981"/>
+            <a:ext cx="8334776" cy="2095125"/>
           </a:xfrm>
           <a:prstGeom prst="rect">
             <a:avLst/>
@@ -14216,18 +14620,13 @@
                   <a:srgbClr val="0070C0"/>
                 </a:solidFill>
               </a:rPr>
-              <a:t>注意点</a:t>
-            </a:r>
-            <a:endParaRPr lang="en-US" altLang="zh-CN" b="1" dirty="0">
-              <a:solidFill>
-                <a:srgbClr val="0070C0"/>
-              </a:solidFill>
-            </a:endParaRPr>
-          </a:p>
-          <a:p>
-            <a:pPr marL="457200" indent="-457200">
+              <a:t>接口隔离原则优点</a:t>
+            </a:r>
+          </a:p>
+          <a:p>
+            <a:pPr marL="457200" indent="-457200" eaLnBrk="1" hangingPunct="1">
               <a:lnSpc>
-                <a:spcPct val="110000"/>
+                <a:spcPct val="150000"/>
               </a:lnSpc>
               <a:buClr>
                 <a:srgbClr val="0070C0"/>
@@ -14236,23 +14635,15 @@
               <a:buAutoNum type="arabicPeriod"/>
             </a:pPr>
             <a:r>
-              <a:rPr lang="zh-CN" altLang="en-US" dirty="0">
-                <a:solidFill>
-                  <a:srgbClr val="0070C0"/>
-                </a:solidFill>
-              </a:rPr>
-              <a:t>子类的所有方法必须在父类中声明，或子类必须实现父类中声明的所有方法。</a:t>
-            </a:r>
-            <a:r>
-              <a:rPr lang="zh-CN" altLang="en-US" dirty="0"/>
-              <a:t>根据里氏代换原则，为了保证系统的扩展性，在程序中通常使用父类来进行定义，如果一个方法只存在子类中，在父类中不提供相应的声明，则无法在以父类定义的对象中使用该方法。</a:t>
-            </a:r>
-            <a:endParaRPr lang="zh-CN" altLang="en-US" dirty="0"/>
-          </a:p>
-          <a:p>
-            <a:pPr marL="457200" indent="-457200">
+              <a:rPr lang="zh-CN" altLang="en-US" dirty="0"/>
+              <a:t>接口如果能够保持粒度够小，就能保证它足够稳定。</a:t>
+            </a:r>
+            <a:endParaRPr lang="en-US" altLang="zh-CN" dirty="0"/>
+          </a:p>
+          <a:p>
+            <a:pPr marL="457200" indent="-457200" eaLnBrk="1" hangingPunct="1">
               <a:lnSpc>
-                <a:spcPct val="110000"/>
+                <a:spcPct val="150000"/>
               </a:lnSpc>
               <a:buClr>
                 <a:srgbClr val="0070C0"/>
@@ -14262,126 +14653,21 @@
             </a:pPr>
             <a:r>
               <a:rPr lang="zh-CN" altLang="en-US" dirty="0"/>
-              <a:t>我们在运用里氏代换原则时，</a:t>
-            </a:r>
-            <a:r>
-              <a:rPr lang="zh-CN" altLang="en-US" dirty="0">
-                <a:solidFill>
-                  <a:srgbClr val="0070C0"/>
-                </a:solidFill>
-              </a:rPr>
-              <a:t>尽量把父类设计为抽象类或者接口，让子类继承父类或实现父接口，并实现在父类中声明的方法，运行时，子类实例替换父类实例</a:t>
-            </a:r>
-            <a:r>
-              <a:rPr lang="zh-CN" altLang="en-US" dirty="0"/>
-              <a:t>，我们可以很方便地扩展系统的功能，同时无须修改原有子类的代码，增加新的功能可以通过增加一个新的子类来实现。里氏代换原则是开闭原则的具体实现手段之一。</a:t>
-            </a:r>
-            <a:endParaRPr lang="en-US" altLang="zh-CN" dirty="0"/>
+              <a:t>使用多个专门的接口还能够体现对象的层次，因为我们可以通过接口的继承，实现对总接口的定义。</a:t>
+            </a:r>
+            <a:endParaRPr lang="zh-CN" altLang="zh-CN" dirty="0"/>
           </a:p>
         </p:txBody>
       </p:sp>
     </p:spTree>
     <p:custDataLst>
-      <p:tags r:id="rId2"/>
+      <p:tags r:id="rId1"/>
     </p:custDataLst>
-  </p:cSld>
-  <p:clrMapOvr>
-    <a:masterClrMapping/>
-  </p:clrMapOvr>
-</p:sld>
-</file>
-
-<file path=ppt/slides/slide27.xml><?xml version="1.0" encoding="utf-8"?>
-<p:sld xmlns:a="http://schemas.openxmlformats.org/drawingml/2006/main" xmlns:r="http://schemas.openxmlformats.org/officeDocument/2006/relationships" xmlns:p="http://schemas.openxmlformats.org/presentationml/2006/main">
-  <p:cSld>
-    <p:spTree>
-      <p:nvGrpSpPr>
-        <p:cNvPr id="1" name=""/>
-        <p:cNvGrpSpPr/>
-        <p:nvPr/>
-      </p:nvGrpSpPr>
-      <p:grpSpPr>
-        <a:xfrm>
-          <a:off x="0" y="0"/>
-          <a:ext cx="0" cy="0"/>
-          <a:chOff x="0" y="0"/>
-          <a:chExt cx="0" cy="0"/>
-        </a:xfrm>
-      </p:grpSpPr>
-      <p:sp>
-        <p:nvSpPr>
-          <p:cNvPr id="2" name="标题 1"/>
-          <p:cNvSpPr>
-            <a:spLocks noGrp="1"/>
-          </p:cNvSpPr>
-          <p:nvPr>
-            <p:ph type="title"/>
-          </p:nvPr>
-        </p:nvSpPr>
-        <p:spPr>
-          <a:xfrm>
-            <a:off x="1138792" y="3078833"/>
-            <a:ext cx="6856892" cy="830998"/>
-          </a:xfrm>
-        </p:spPr>
-        <p:txBody>
-          <a:bodyPr>
-            <a:noAutofit/>
-          </a:bodyPr>
-          <a:lstStyle/>
-          <a:p>
-            <a:r>
-              <a:rPr lang="en-US" altLang="zh-CN" sz="3600" dirty="0"/>
-              <a:t>Interface Segregation Principle</a:t>
-            </a:r>
-            <a:r>
-              <a:rPr lang="zh-CN" altLang="en-US" sz="3600" dirty="0"/>
-              <a:t>（</a:t>
-            </a:r>
-            <a:r>
-              <a:rPr lang="en-US" altLang="zh-CN" sz="3600" dirty="0"/>
-              <a:t>ISP</a:t>
-            </a:r>
-            <a:r>
-              <a:rPr lang="zh-CN" altLang="en-US" sz="3600" dirty="0"/>
-              <a:t>）</a:t>
-            </a:r>
-            <a:endParaRPr lang="zh-CN" altLang="en-US" sz="3600" dirty="0"/>
-          </a:p>
-        </p:txBody>
-      </p:sp>
-      <p:sp>
-        <p:nvSpPr>
-          <p:cNvPr id="3" name="内容占位符 2"/>
-          <p:cNvSpPr>
-            <a:spLocks noGrp="1"/>
-          </p:cNvSpPr>
-          <p:nvPr>
-            <p:ph sz="quarter" idx="13"/>
-          </p:nvPr>
-        </p:nvSpPr>
-        <p:spPr/>
-        <p:txBody>
-          <a:bodyPr/>
-          <a:lstStyle/>
-          <a:p>
-            <a:pPr>
-              <a:lnSpc>
-                <a:spcPct val="110000"/>
-              </a:lnSpc>
-              <a:buClr>
-                <a:srgbClr val="0070C0"/>
-              </a:buClr>
-            </a:pPr>
-            <a:r>
-              <a:rPr lang="zh-CN" altLang="en-US" dirty="0"/>
-              <a:t>接口隔离原则</a:t>
-            </a:r>
-            <a:endParaRPr lang="en-US" altLang="zh-CN" dirty="0"/>
-          </a:p>
-        </p:txBody>
-      </p:sp>
-    </p:spTree>
+    <p:extLst>
+      <p:ext uri="{BB962C8B-B14F-4D97-AF65-F5344CB8AC3E}">
+        <p14:creationId xmlns:p14="http://schemas.microsoft.com/office/powerpoint/2010/main" val="841017265"/>
+      </p:ext>
+    </p:extLst>
   </p:cSld>
   <p:clrMapOvr>
     <a:masterClrMapping/>
@@ -14408,210 +14694,11 @@
       </p:grpSpPr>
       <p:sp>
         <p:nvSpPr>
-          <p:cNvPr id="2" name="标题 1"/>
-          <p:cNvSpPr>
-            <a:spLocks noGrp="1"/>
-          </p:cNvSpPr>
-          <p:nvPr>
-            <p:ph type="title"/>
-          </p:nvPr>
-        </p:nvSpPr>
-        <p:spPr>
-          <a:xfrm>
-            <a:off x="1138792" y="3078833"/>
-            <a:ext cx="6856892" cy="830998"/>
-          </a:xfrm>
-        </p:spPr>
-        <p:txBody>
-          <a:bodyPr>
-            <a:noAutofit/>
-          </a:bodyPr>
-          <a:lstStyle/>
-          <a:p>
-            <a:r>
-              <a:rPr lang="en-US" altLang="zh-CN" sz="3600" dirty="0"/>
-              <a:t>Least Knowledge Principle</a:t>
-            </a:r>
-            <a:r>
-              <a:rPr lang="zh-CN" altLang="en-US" sz="3600" dirty="0"/>
-              <a:t>（</a:t>
-            </a:r>
-            <a:r>
-              <a:rPr lang="en-US" altLang="zh-CN" sz="3600" dirty="0"/>
-              <a:t>LKP</a:t>
-            </a:r>
-            <a:r>
-              <a:rPr lang="zh-CN" altLang="en-US" sz="3600" dirty="0"/>
-              <a:t>）</a:t>
-            </a:r>
-            <a:endParaRPr lang="zh-CN" altLang="en-US" sz="3600" dirty="0"/>
-          </a:p>
-        </p:txBody>
-      </p:sp>
-      <p:sp>
-        <p:nvSpPr>
-          <p:cNvPr id="3" name="内容占位符 2"/>
-          <p:cNvSpPr>
-            <a:spLocks noGrp="1"/>
-          </p:cNvSpPr>
-          <p:nvPr>
-            <p:ph sz="quarter" idx="13"/>
-          </p:nvPr>
-        </p:nvSpPr>
-        <p:spPr/>
-        <p:txBody>
-          <a:bodyPr/>
-          <a:lstStyle/>
-          <a:p>
-            <a:pPr>
-              <a:lnSpc>
-                <a:spcPct val="110000"/>
-              </a:lnSpc>
-              <a:buClr>
-                <a:srgbClr val="0070C0"/>
-              </a:buClr>
-            </a:pPr>
-            <a:r>
-              <a:rPr lang="zh-CN" altLang="en-US" dirty="0"/>
-              <a:t>最少知识原则</a:t>
-            </a:r>
-            <a:endParaRPr lang="en-US" altLang="zh-CN" dirty="0"/>
-          </a:p>
-        </p:txBody>
-      </p:sp>
-    </p:spTree>
-  </p:cSld>
-  <p:clrMapOvr>
-    <a:masterClrMapping/>
-  </p:clrMapOvr>
-</p:sld>
-</file>
-
-<file path=ppt/slides/slide29.xml><?xml version="1.0" encoding="utf-8"?>
-<p:sld xmlns:a="http://schemas.openxmlformats.org/drawingml/2006/main" xmlns:r="http://schemas.openxmlformats.org/officeDocument/2006/relationships" xmlns:p="http://schemas.openxmlformats.org/presentationml/2006/main">
-  <p:cSld>
-    <p:spTree>
-      <p:nvGrpSpPr>
-        <p:cNvPr id="1" name=""/>
-        <p:cNvGrpSpPr/>
-        <p:nvPr/>
-      </p:nvGrpSpPr>
-      <p:grpSpPr>
-        <a:xfrm>
-          <a:off x="0" y="0"/>
-          <a:ext cx="0" cy="0"/>
-          <a:chOff x="0" y="0"/>
-          <a:chExt cx="0" cy="0"/>
-        </a:xfrm>
-      </p:grpSpPr>
-      <p:sp>
-        <p:nvSpPr>
-          <p:cNvPr id="2" name="标题 1"/>
-          <p:cNvSpPr>
-            <a:spLocks noGrp="1"/>
-          </p:cNvSpPr>
-          <p:nvPr>
-            <p:ph type="title"/>
-          </p:nvPr>
-        </p:nvSpPr>
-        <p:spPr>
-          <a:xfrm>
-            <a:off x="1138792" y="3078833"/>
-            <a:ext cx="6856892" cy="830998"/>
-          </a:xfrm>
-        </p:spPr>
-        <p:txBody>
-          <a:bodyPr>
-            <a:noAutofit/>
-          </a:bodyPr>
-          <a:lstStyle/>
-          <a:p>
-            <a:r>
-              <a:rPr lang="en-US" altLang="zh-CN" sz="3600" dirty="0"/>
-              <a:t>Open Closed Principle</a:t>
-            </a:r>
-            <a:br>
-              <a:rPr lang="en-US" altLang="zh-CN" sz="3600" dirty="0"/>
-            </a:br>
-            <a:r>
-              <a:rPr lang="zh-CN" altLang="en-US" sz="3600" dirty="0"/>
-              <a:t>（</a:t>
-            </a:r>
-            <a:r>
-              <a:rPr lang="en-US" altLang="zh-CN" sz="3600" dirty="0"/>
-              <a:t>OCP</a:t>
-            </a:r>
-            <a:r>
-              <a:rPr lang="zh-CN" altLang="en-US" sz="3600" dirty="0"/>
-              <a:t>）</a:t>
-            </a:r>
-            <a:endParaRPr lang="zh-CN" altLang="en-US" sz="3600" dirty="0"/>
-          </a:p>
-        </p:txBody>
-      </p:sp>
-      <p:sp>
-        <p:nvSpPr>
-          <p:cNvPr id="3" name="内容占位符 2"/>
-          <p:cNvSpPr>
-            <a:spLocks noGrp="1"/>
-          </p:cNvSpPr>
-          <p:nvPr>
-            <p:ph sz="quarter" idx="13"/>
-          </p:nvPr>
-        </p:nvSpPr>
-        <p:spPr/>
-        <p:txBody>
-          <a:bodyPr/>
-          <a:lstStyle/>
-          <a:p>
-            <a:pPr>
-              <a:lnSpc>
-                <a:spcPct val="110000"/>
-              </a:lnSpc>
-              <a:buClr>
-                <a:srgbClr val="0070C0"/>
-              </a:buClr>
-            </a:pPr>
-            <a:r>
-              <a:rPr lang="zh-CN" altLang="en-US" dirty="0"/>
-              <a:t>开闭原则</a:t>
-            </a:r>
-            <a:endParaRPr lang="en-US" altLang="zh-CN" dirty="0"/>
-          </a:p>
-        </p:txBody>
-      </p:sp>
-    </p:spTree>
-  </p:cSld>
-  <p:clrMapOvr>
-    <a:masterClrMapping/>
-  </p:clrMapOvr>
-</p:sld>
-</file>
-
-<file path=ppt/slides/slide3.xml><?xml version="1.0" encoding="utf-8"?>
-<p:sld xmlns:a="http://schemas.openxmlformats.org/drawingml/2006/main" xmlns:r="http://schemas.openxmlformats.org/officeDocument/2006/relationships" xmlns:p="http://schemas.openxmlformats.org/presentationml/2006/main">
-  <p:cSld>
-    <p:spTree>
-      <p:nvGrpSpPr>
-        <p:cNvPr id="1" name=""/>
-        <p:cNvGrpSpPr/>
-        <p:nvPr/>
-      </p:nvGrpSpPr>
-      <p:grpSpPr>
-        <a:xfrm>
-          <a:off x="0" y="0"/>
-          <a:ext cx="0" cy="0"/>
-          <a:chOff x="0" y="0"/>
-          <a:chExt cx="0" cy="0"/>
-        </a:xfrm>
-      </p:grpSpPr>
-      <p:sp>
-        <p:nvSpPr>
           <p:cNvPr id="8" name="标题 1"/>
           <p:cNvSpPr txBox="1"/>
           <p:nvPr>
             <p:custDataLst>
-              <p:tags r:id="rId1"/>
+              <p:tags r:id="rId2"/>
             </p:custDataLst>
           </p:nvPr>
         </p:nvSpPr>
@@ -14651,11 +14738,385 @@
             </a:lvl1pPr>
           </a:lstStyle>
           <a:p>
+            <a:pPr>
+              <a:lnSpc>
+                <a:spcPct val="110000"/>
+              </a:lnSpc>
+              <a:buClr>
+                <a:srgbClr val="0070C0"/>
+              </a:buClr>
+            </a:pPr>
+            <a:r>
+              <a:rPr lang="zh-CN" altLang="en-US" dirty="0"/>
+              <a:t>接口隔离原则</a:t>
+            </a:r>
+            <a:endParaRPr lang="en-US" altLang="zh-CN" dirty="0"/>
+          </a:p>
+        </p:txBody>
+      </p:sp>
+      <p:sp>
+        <p:nvSpPr>
+          <p:cNvPr id="3" name="文本框 2"/>
+          <p:cNvSpPr txBox="1"/>
+          <p:nvPr/>
+        </p:nvSpPr>
+        <p:spPr>
+          <a:xfrm>
+            <a:off x="571608" y="1828842"/>
+            <a:ext cx="8334776" cy="1541128"/>
+          </a:xfrm>
+          <a:prstGeom prst="rect">
+            <a:avLst/>
+          </a:prstGeom>
+          <a:noFill/>
+        </p:spPr>
+        <p:txBody>
+          <a:bodyPr wrap="square" rtlCol="0">
+            <a:spAutoFit/>
+          </a:bodyPr>
+          <a:lstStyle/>
+          <a:p>
+            <a:pPr>
+              <a:lnSpc>
+                <a:spcPct val="110000"/>
+              </a:lnSpc>
+              <a:buClr>
+                <a:srgbClr val="0070C0"/>
+              </a:buClr>
+            </a:pPr>
+            <a:r>
+              <a:rPr lang="zh-CN" altLang="en-US" b="1" dirty="0">
+                <a:solidFill>
+                  <a:srgbClr val="0070C0"/>
+                </a:solidFill>
+              </a:rPr>
+              <a:t>接口隔离原则的缺点</a:t>
+            </a:r>
+          </a:p>
+          <a:p>
+            <a:pPr marL="457200" indent="-457200" eaLnBrk="1" hangingPunct="1">
+              <a:lnSpc>
+                <a:spcPct val="150000"/>
+              </a:lnSpc>
+              <a:buClr>
+                <a:srgbClr val="0070C0"/>
+              </a:buClr>
+              <a:buFont typeface="+mj-lt"/>
+              <a:buAutoNum type="arabicPeriod"/>
+            </a:pPr>
+            <a:r>
+              <a:rPr lang="zh-CN" altLang="en-US" dirty="0"/>
+              <a:t>在实际项目中，应该注意度的把握，接口设计的过大或过小都不好，应该根据实际情况多思考再进行设计。</a:t>
+            </a:r>
+            <a:endParaRPr lang="zh-CN" altLang="zh-CN" dirty="0"/>
+          </a:p>
+        </p:txBody>
+      </p:sp>
+    </p:spTree>
+    <p:custDataLst>
+      <p:tags r:id="rId1"/>
+    </p:custDataLst>
+    <p:extLst>
+      <p:ext uri="{BB962C8B-B14F-4D97-AF65-F5344CB8AC3E}">
+        <p14:creationId xmlns:p14="http://schemas.microsoft.com/office/powerpoint/2010/main" val="3246074445"/>
+      </p:ext>
+    </p:extLst>
+  </p:cSld>
+  <p:clrMapOvr>
+    <a:masterClrMapping/>
+  </p:clrMapOvr>
+</p:sld>
+</file>
+
+<file path=ppt/slides/slide29.xml><?xml version="1.0" encoding="utf-8"?>
+<p:sld xmlns:a="http://schemas.openxmlformats.org/drawingml/2006/main" xmlns:r="http://schemas.openxmlformats.org/officeDocument/2006/relationships" xmlns:p="http://schemas.openxmlformats.org/presentationml/2006/main">
+  <p:cSld>
+    <p:spTree>
+      <p:nvGrpSpPr>
+        <p:cNvPr id="1" name=""/>
+        <p:cNvGrpSpPr/>
+        <p:nvPr/>
+      </p:nvGrpSpPr>
+      <p:grpSpPr>
+        <a:xfrm>
+          <a:off x="0" y="0"/>
+          <a:ext cx="0" cy="0"/>
+          <a:chOff x="0" y="0"/>
+          <a:chExt cx="0" cy="0"/>
+        </a:xfrm>
+      </p:grpSpPr>
+      <p:sp>
+        <p:nvSpPr>
+          <p:cNvPr id="8" name="标题 1"/>
+          <p:cNvSpPr txBox="1"/>
+          <p:nvPr>
+            <p:custDataLst>
+              <p:tags r:id="rId2"/>
+            </p:custDataLst>
+          </p:nvPr>
+        </p:nvSpPr>
+        <p:spPr>
+          <a:xfrm>
+            <a:off x="571608" y="661194"/>
+            <a:ext cx="7886700" cy="994172"/>
+          </a:xfrm>
+          <a:prstGeom prst="rect">
+            <a:avLst/>
+          </a:prstGeom>
+        </p:spPr>
+        <p:txBody>
+          <a:bodyPr vert="horz" wrap="square" lIns="68580" tIns="34290" rIns="68580" bIns="34290" rtlCol="0" anchor="ctr">
+            <a:normAutofit/>
+          </a:bodyPr>
+          <a:lstStyle>
+            <a:lvl1pPr defTabSz="914400">
+              <a:lnSpc>
+                <a:spcPct val="120000"/>
+              </a:lnSpc>
+              <a:spcBef>
+                <a:spcPct val="0"/>
+              </a:spcBef>
+              <a:buNone/>
+              <a:defRPr sz="3600">
+                <a:solidFill>
+                  <a:schemeClr val="tx1">
+                    <a:lumMod val="75000"/>
+                    <a:lumOff val="25000"/>
+                  </a:schemeClr>
+                </a:solidFill>
+                <a:latin typeface="+mj-lt"/>
+                <a:ea typeface="+mj-ea"/>
+                <a:cs typeface="+mj-cs"/>
+              </a:defRPr>
+            </a:lvl1pPr>
+          </a:lstStyle>
+          <a:p>
+            <a:pPr>
+              <a:lnSpc>
+                <a:spcPct val="110000"/>
+              </a:lnSpc>
+              <a:buClr>
+                <a:srgbClr val="0070C0"/>
+              </a:buClr>
+            </a:pPr>
+            <a:r>
+              <a:rPr lang="zh-CN" altLang="en-US" dirty="0"/>
+              <a:t>接口隔离原则</a:t>
+            </a:r>
+            <a:endParaRPr lang="en-US" altLang="zh-CN" dirty="0"/>
+          </a:p>
+        </p:txBody>
+      </p:sp>
+      <p:sp>
+        <p:nvSpPr>
+          <p:cNvPr id="3" name="文本框 2"/>
+          <p:cNvSpPr txBox="1"/>
+          <p:nvPr/>
+        </p:nvSpPr>
+        <p:spPr>
+          <a:xfrm>
+            <a:off x="571608" y="1828842"/>
+            <a:ext cx="8334776" cy="4532716"/>
+          </a:xfrm>
+          <a:prstGeom prst="rect">
+            <a:avLst/>
+          </a:prstGeom>
+          <a:noFill/>
+        </p:spPr>
+        <p:txBody>
+          <a:bodyPr wrap="square" rtlCol="0">
+            <a:spAutoFit/>
+          </a:bodyPr>
+          <a:lstStyle/>
+          <a:p>
+            <a:pPr>
+              <a:lnSpc>
+                <a:spcPct val="110000"/>
+              </a:lnSpc>
+              <a:buClr>
+                <a:srgbClr val="0070C0"/>
+              </a:buClr>
+            </a:pPr>
+            <a:r>
+              <a:rPr lang="zh-CN" altLang="en-US" b="1" dirty="0">
+                <a:solidFill>
+                  <a:srgbClr val="0070C0"/>
+                </a:solidFill>
+              </a:rPr>
+              <a:t>注意点</a:t>
+            </a:r>
+            <a:endParaRPr lang="en-US" altLang="zh-CN" b="1" dirty="0">
+              <a:solidFill>
+                <a:srgbClr val="0070C0"/>
+              </a:solidFill>
+            </a:endParaRPr>
+          </a:p>
+          <a:p>
+            <a:pPr marL="457200" indent="-457200">
+              <a:lnSpc>
+                <a:spcPct val="110000"/>
+              </a:lnSpc>
+              <a:buClr>
+                <a:srgbClr val="0070C0"/>
+              </a:buClr>
+              <a:buFont typeface="+mj-lt"/>
+              <a:buAutoNum type="arabicPeriod"/>
+            </a:pPr>
+            <a:r>
+              <a:rPr lang="zh-CN" altLang="en-US" dirty="0"/>
+              <a:t>接口要尽量小（核心定义），但“小”也有限，首先不能违反单一职责原则；</a:t>
+            </a:r>
+          </a:p>
+          <a:p>
+            <a:pPr marL="457200" indent="-457200">
+              <a:lnSpc>
+                <a:spcPct val="110000"/>
+              </a:lnSpc>
+              <a:buClr>
+                <a:srgbClr val="0070C0"/>
+              </a:buClr>
+              <a:buFont typeface="+mj-lt"/>
+              <a:buAutoNum type="arabicPeriod"/>
+            </a:pPr>
+            <a:r>
+              <a:rPr lang="zh-CN" altLang="en-US" dirty="0"/>
+              <a:t>接口要高内聚，具体到接口隔离原则 ，就是要求在接口中尽量少公布</a:t>
+            </a:r>
+            <a:r>
+              <a:rPr lang="en-US" altLang="zh-CN" dirty="0"/>
+              <a:t>public</a:t>
+            </a:r>
+            <a:r>
+              <a:rPr lang="zh-CN" altLang="en-US" dirty="0"/>
+              <a:t>方法，接口是对外的承诺，承诺越少对系统的开发越有利，变更的风险也就越少，同时也有利于降低成本；</a:t>
+            </a:r>
+          </a:p>
+          <a:p>
+            <a:pPr marL="457200" indent="-457200">
+              <a:lnSpc>
+                <a:spcPct val="110000"/>
+              </a:lnSpc>
+              <a:buClr>
+                <a:srgbClr val="0070C0"/>
+              </a:buClr>
+              <a:buFont typeface="+mj-lt"/>
+              <a:buAutoNum type="arabicPeriod"/>
+            </a:pPr>
+            <a:r>
+              <a:rPr lang="zh-CN" altLang="en-US" dirty="0"/>
+              <a:t>定制服务，一个系统或系统内的模块之间必然会有耦合，有耦合就要有相互访问的接口，在设计时，就需要为各个访问者定制服务本质也是</a:t>
+            </a:r>
+            <a:r>
+              <a:rPr lang="en-US" altLang="zh-CN" dirty="0"/>
+              <a:t>ISP</a:t>
+            </a:r>
+            <a:r>
+              <a:rPr lang="zh-CN" altLang="en-US" dirty="0"/>
+              <a:t>，按需拆分接口；</a:t>
+            </a:r>
+          </a:p>
+          <a:p>
+            <a:pPr marL="457200" indent="-457200">
+              <a:lnSpc>
+                <a:spcPct val="110000"/>
+              </a:lnSpc>
+              <a:buClr>
+                <a:srgbClr val="0070C0"/>
+              </a:buClr>
+              <a:buFont typeface="+mj-lt"/>
+              <a:buAutoNum type="arabicPeriod"/>
+            </a:pPr>
+            <a:r>
+              <a:rPr lang="zh-CN" altLang="en-US" dirty="0"/>
+              <a:t>接口设计是有限度的，但无固化标准。</a:t>
+            </a:r>
+            <a:endParaRPr lang="en-US" altLang="zh-CN" dirty="0"/>
+          </a:p>
+        </p:txBody>
+      </p:sp>
+    </p:spTree>
+    <p:custDataLst>
+      <p:tags r:id="rId1"/>
+    </p:custDataLst>
+    <p:extLst>
+      <p:ext uri="{BB962C8B-B14F-4D97-AF65-F5344CB8AC3E}">
+        <p14:creationId xmlns:p14="http://schemas.microsoft.com/office/powerpoint/2010/main" val="2583862401"/>
+      </p:ext>
+    </p:extLst>
+  </p:cSld>
+  <p:clrMapOvr>
+    <a:masterClrMapping/>
+  </p:clrMapOvr>
+</p:sld>
+</file>
+
+<file path=ppt/slides/slide3.xml><?xml version="1.0" encoding="utf-8"?>
+<p:sld xmlns:a="http://schemas.openxmlformats.org/drawingml/2006/main" xmlns:r="http://schemas.openxmlformats.org/officeDocument/2006/relationships" xmlns:p="http://schemas.openxmlformats.org/presentationml/2006/main">
+  <p:cSld>
+    <p:spTree>
+      <p:nvGrpSpPr>
+        <p:cNvPr id="1" name=""/>
+        <p:cNvGrpSpPr/>
+        <p:nvPr/>
+      </p:nvGrpSpPr>
+      <p:grpSpPr>
+        <a:xfrm>
+          <a:off x="0" y="0"/>
+          <a:ext cx="0" cy="0"/>
+          <a:chOff x="0" y="0"/>
+          <a:chExt cx="0" cy="0"/>
+        </a:xfrm>
+      </p:grpSpPr>
+      <p:sp>
+        <p:nvSpPr>
+          <p:cNvPr id="8" name="标题 1"/>
+          <p:cNvSpPr txBox="1"/>
+          <p:nvPr>
+            <p:custDataLst>
+              <p:tags r:id="rId2"/>
+            </p:custDataLst>
+          </p:nvPr>
+        </p:nvSpPr>
+        <p:spPr>
+          <a:xfrm>
+            <a:off x="571608" y="661194"/>
+            <a:ext cx="7886700" cy="994172"/>
+          </a:xfrm>
+          <a:prstGeom prst="rect">
+            <a:avLst/>
+          </a:prstGeom>
+        </p:spPr>
+        <p:txBody>
+          <a:bodyPr vert="horz" wrap="square" lIns="68580" tIns="34290" rIns="68580" bIns="34290" rtlCol="0" anchor="ctr">
+            <a:normAutofit/>
+          </a:bodyPr>
+          <a:lstStyle>
+            <a:lvl1pPr defTabSz="914400">
+              <a:lnSpc>
+                <a:spcPct val="120000"/>
+              </a:lnSpc>
+              <a:spcBef>
+                <a:spcPct val="0"/>
+              </a:spcBef>
+              <a:buNone/>
+              <a:defRPr sz="3600">
+                <a:solidFill>
+                  <a:schemeClr val="tx1">
+                    <a:lumMod val="75000"/>
+                    <a:lumOff val="25000"/>
+                  </a:schemeClr>
+                </a:solidFill>
+                <a:latin typeface="+mj-lt"/>
+                <a:ea typeface="+mj-ea"/>
+                <a:cs typeface="+mj-cs"/>
+              </a:defRPr>
+            </a:lvl1pPr>
+          </a:lstStyle>
+          <a:p>
             <a:r>
               <a:rPr lang="zh-CN" altLang="en-US" dirty="0"/>
               <a:t>采用设计模式的好处</a:t>
             </a:r>
-            <a:endParaRPr lang="zh-CN" altLang="en-US" dirty="0"/>
           </a:p>
         </p:txBody>
       </p:sp>
@@ -14695,7 +15156,6 @@
               <a:rPr lang="zh-CN" altLang="en-US" dirty="0"/>
               <a:t>重用，避免代码重复冗余</a:t>
             </a:r>
-            <a:endParaRPr lang="zh-CN" altLang="en-US" dirty="0"/>
           </a:p>
           <a:p>
             <a:pPr marL="342900" indent="-342900" eaLnBrk="1" hangingPunct="1">
@@ -14712,7 +15172,6 @@
               <a:rPr lang="zh-CN" altLang="en-US" dirty="0"/>
               <a:t>优化体系结构</a:t>
             </a:r>
-            <a:endParaRPr lang="zh-CN" altLang="en-US" dirty="0"/>
           </a:p>
           <a:p>
             <a:pPr marL="342900" indent="-342900" eaLnBrk="1" hangingPunct="1">
@@ -14729,7 +15188,6 @@
               <a:rPr lang="zh-CN" altLang="en-US" dirty="0"/>
               <a:t>提升系统的可维护性和弹性</a:t>
             </a:r>
-            <a:endParaRPr lang="zh-CN" altLang="en-US" dirty="0"/>
           </a:p>
           <a:p>
             <a:pPr marL="342900" indent="-342900" eaLnBrk="1" hangingPunct="1">
@@ -14746,7 +15204,6 @@
               <a:rPr lang="zh-CN" altLang="en-US" dirty="0"/>
               <a:t>代码更加容易测试，利于测试驱动</a:t>
             </a:r>
-            <a:endParaRPr lang="zh-CN" altLang="en-US" dirty="0"/>
           </a:p>
           <a:p>
             <a:pPr marL="342900" indent="-342900" eaLnBrk="1" hangingPunct="1">
@@ -14763,7 +15220,6 @@
               <a:rPr lang="zh-CN" altLang="en-US" dirty="0"/>
               <a:t>为性能优化提供便利</a:t>
             </a:r>
-            <a:endParaRPr lang="zh-CN" altLang="en-US" dirty="0"/>
           </a:p>
           <a:p>
             <a:pPr marL="342900" indent="-342900" eaLnBrk="1" hangingPunct="1">
@@ -14780,7 +15236,6 @@
               <a:rPr lang="zh-CN" altLang="en-US" dirty="0"/>
               <a:t>使软件质量更加有保证</a:t>
             </a:r>
-            <a:endParaRPr lang="zh-CN" altLang="en-US" dirty="0"/>
           </a:p>
           <a:p>
             <a:pPr marL="342900" indent="-342900" eaLnBrk="1" hangingPunct="1">
@@ -14797,7 +15252,6 @@
               <a:rPr lang="zh-CN" altLang="en-US" dirty="0"/>
               <a:t>增强代码可读性，便于团队交流</a:t>
             </a:r>
-            <a:endParaRPr lang="zh-CN" altLang="en-US" dirty="0"/>
           </a:p>
           <a:p>
             <a:pPr marL="342900" indent="-342900" eaLnBrk="1" hangingPunct="1">
@@ -14814,13 +15268,12 @@
               <a:rPr lang="zh-CN" altLang="en-US" dirty="0"/>
               <a:t>有助于整体提升团队水平</a:t>
             </a:r>
-            <a:endParaRPr lang="zh-CN" altLang="en-US" dirty="0"/>
           </a:p>
         </p:txBody>
       </p:sp>
     </p:spTree>
     <p:custDataLst>
-      <p:tags r:id="rId2"/>
+      <p:tags r:id="rId1"/>
     </p:custDataLst>
   </p:cSld>
   <p:clrMapOvr>
@@ -14848,11 +15301,208 @@
       </p:grpSpPr>
       <p:sp>
         <p:nvSpPr>
+          <p:cNvPr id="2" name="标题 1"/>
+          <p:cNvSpPr>
+            <a:spLocks noGrp="1"/>
+          </p:cNvSpPr>
+          <p:nvPr>
+            <p:ph type="title"/>
+          </p:nvPr>
+        </p:nvSpPr>
+        <p:spPr>
+          <a:xfrm>
+            <a:off x="1138792" y="3078833"/>
+            <a:ext cx="6856892" cy="830998"/>
+          </a:xfrm>
+        </p:spPr>
+        <p:txBody>
+          <a:bodyPr>
+            <a:noAutofit/>
+          </a:bodyPr>
+          <a:lstStyle/>
+          <a:p>
+            <a:r>
+              <a:rPr lang="en-US" altLang="zh-CN" sz="3600" dirty="0"/>
+              <a:t>Least Knowledge Principle</a:t>
+            </a:r>
+            <a:r>
+              <a:rPr lang="zh-CN" altLang="en-US" sz="3600" dirty="0"/>
+              <a:t>（</a:t>
+            </a:r>
+            <a:r>
+              <a:rPr lang="en-US" altLang="zh-CN" sz="3600" dirty="0"/>
+              <a:t>LKP</a:t>
+            </a:r>
+            <a:r>
+              <a:rPr lang="zh-CN" altLang="en-US" sz="3600" dirty="0"/>
+              <a:t>）</a:t>
+            </a:r>
+          </a:p>
+        </p:txBody>
+      </p:sp>
+      <p:sp>
+        <p:nvSpPr>
+          <p:cNvPr id="3" name="内容占位符 2"/>
+          <p:cNvSpPr>
+            <a:spLocks noGrp="1"/>
+          </p:cNvSpPr>
+          <p:nvPr>
+            <p:ph sz="quarter" idx="13"/>
+          </p:nvPr>
+        </p:nvSpPr>
+        <p:spPr/>
+        <p:txBody>
+          <a:bodyPr/>
+          <a:lstStyle/>
+          <a:p>
+            <a:pPr>
+              <a:lnSpc>
+                <a:spcPct val="110000"/>
+              </a:lnSpc>
+              <a:buClr>
+                <a:srgbClr val="0070C0"/>
+              </a:buClr>
+            </a:pPr>
+            <a:r>
+              <a:rPr lang="zh-CN" altLang="en-US" dirty="0"/>
+              <a:t>最少知识原则</a:t>
+            </a:r>
+            <a:endParaRPr lang="en-US" altLang="zh-CN" dirty="0"/>
+          </a:p>
+        </p:txBody>
+      </p:sp>
+    </p:spTree>
+  </p:cSld>
+  <p:clrMapOvr>
+    <a:masterClrMapping/>
+  </p:clrMapOvr>
+</p:sld>
+</file>
+
+<file path=ppt/slides/slide31.xml><?xml version="1.0" encoding="utf-8"?>
+<p:sld xmlns:a="http://schemas.openxmlformats.org/drawingml/2006/main" xmlns:r="http://schemas.openxmlformats.org/officeDocument/2006/relationships" xmlns:p="http://schemas.openxmlformats.org/presentationml/2006/main">
+  <p:cSld>
+    <p:spTree>
+      <p:nvGrpSpPr>
+        <p:cNvPr id="1" name=""/>
+        <p:cNvGrpSpPr/>
+        <p:nvPr/>
+      </p:nvGrpSpPr>
+      <p:grpSpPr>
+        <a:xfrm>
+          <a:off x="0" y="0"/>
+          <a:ext cx="0" cy="0"/>
+          <a:chOff x="0" y="0"/>
+          <a:chExt cx="0" cy="0"/>
+        </a:xfrm>
+      </p:grpSpPr>
+      <p:sp>
+        <p:nvSpPr>
+          <p:cNvPr id="2" name="标题 1"/>
+          <p:cNvSpPr>
+            <a:spLocks noGrp="1"/>
+          </p:cNvSpPr>
+          <p:nvPr>
+            <p:ph type="title"/>
+          </p:nvPr>
+        </p:nvSpPr>
+        <p:spPr>
+          <a:xfrm>
+            <a:off x="1138792" y="3078833"/>
+            <a:ext cx="6856892" cy="830998"/>
+          </a:xfrm>
+        </p:spPr>
+        <p:txBody>
+          <a:bodyPr>
+            <a:noAutofit/>
+          </a:bodyPr>
+          <a:lstStyle/>
+          <a:p>
+            <a:r>
+              <a:rPr lang="en-US" altLang="zh-CN" sz="3600" dirty="0"/>
+              <a:t>Open Closed Principle</a:t>
+            </a:r>
+            <a:br>
+              <a:rPr lang="en-US" altLang="zh-CN" sz="3600" dirty="0"/>
+            </a:br>
+            <a:r>
+              <a:rPr lang="zh-CN" altLang="en-US" sz="3600" dirty="0"/>
+              <a:t>（</a:t>
+            </a:r>
+            <a:r>
+              <a:rPr lang="en-US" altLang="zh-CN" sz="3600" dirty="0"/>
+              <a:t>OCP</a:t>
+            </a:r>
+            <a:r>
+              <a:rPr lang="zh-CN" altLang="en-US" sz="3600" dirty="0"/>
+              <a:t>）</a:t>
+            </a:r>
+          </a:p>
+        </p:txBody>
+      </p:sp>
+      <p:sp>
+        <p:nvSpPr>
+          <p:cNvPr id="3" name="内容占位符 2"/>
+          <p:cNvSpPr>
+            <a:spLocks noGrp="1"/>
+          </p:cNvSpPr>
+          <p:nvPr>
+            <p:ph sz="quarter" idx="13"/>
+          </p:nvPr>
+        </p:nvSpPr>
+        <p:spPr/>
+        <p:txBody>
+          <a:bodyPr/>
+          <a:lstStyle/>
+          <a:p>
+            <a:pPr>
+              <a:lnSpc>
+                <a:spcPct val="110000"/>
+              </a:lnSpc>
+              <a:buClr>
+                <a:srgbClr val="0070C0"/>
+              </a:buClr>
+            </a:pPr>
+            <a:r>
+              <a:rPr lang="zh-CN" altLang="en-US" dirty="0"/>
+              <a:t>开闭原则</a:t>
+            </a:r>
+            <a:endParaRPr lang="en-US" altLang="zh-CN" dirty="0"/>
+          </a:p>
+        </p:txBody>
+      </p:sp>
+    </p:spTree>
+  </p:cSld>
+  <p:clrMapOvr>
+    <a:masterClrMapping/>
+  </p:clrMapOvr>
+</p:sld>
+</file>
+
+<file path=ppt/slides/slide32.xml><?xml version="1.0" encoding="utf-8"?>
+<p:sld xmlns:a="http://schemas.openxmlformats.org/drawingml/2006/main" xmlns:r="http://schemas.openxmlformats.org/officeDocument/2006/relationships" xmlns:p="http://schemas.openxmlformats.org/presentationml/2006/main">
+  <p:cSld>
+    <p:spTree>
+      <p:nvGrpSpPr>
+        <p:cNvPr id="1" name=""/>
+        <p:cNvGrpSpPr/>
+        <p:nvPr/>
+      </p:nvGrpSpPr>
+      <p:grpSpPr>
+        <a:xfrm>
+          <a:off x="0" y="0"/>
+          <a:ext cx="0" cy="0"/>
+          <a:chOff x="0" y="0"/>
+          <a:chExt cx="0" cy="0"/>
+        </a:xfrm>
+      </p:grpSpPr>
+      <p:sp>
+        <p:nvSpPr>
           <p:cNvPr id="8" name="标题 1"/>
           <p:cNvSpPr txBox="1"/>
           <p:nvPr>
             <p:custDataLst>
-              <p:tags r:id="rId1"/>
+              <p:tags r:id="rId2"/>
             </p:custDataLst>
           </p:nvPr>
         </p:nvSpPr>
@@ -14896,7 +15546,6 @@
               <a:rPr lang="zh-CN" altLang="en-US" dirty="0"/>
               <a:t>设计模式</a:t>
             </a:r>
-            <a:endParaRPr lang="zh-CN" altLang="en-US" dirty="0"/>
           </a:p>
         </p:txBody>
       </p:sp>
@@ -15026,7 +15675,7 @@
       </p:sp>
     </p:spTree>
     <p:custDataLst>
-      <p:tags r:id="rId2"/>
+      <p:tags r:id="rId1"/>
     </p:custDataLst>
   </p:cSld>
   <p:clrMapOvr>
@@ -15035,7 +15684,7 @@
 </p:sld>
 </file>
 
-<file path=ppt/slides/slide31.xml><?xml version="1.0" encoding="utf-8"?>
+<file path=ppt/slides/slide33.xml><?xml version="1.0" encoding="utf-8"?>
 <p:sld xmlns:a="http://schemas.openxmlformats.org/drawingml/2006/main" xmlns:r="http://schemas.openxmlformats.org/officeDocument/2006/relationships" xmlns:p="http://schemas.openxmlformats.org/presentationml/2006/main">
   <p:cSld>
     <p:spTree>
@@ -15111,7 +15760,7 @@
 </p:sld>
 </file>
 
-<file path=ppt/slides/slide32.xml><?xml version="1.0" encoding="utf-8"?>
+<file path=ppt/slides/slide34.xml><?xml version="1.0" encoding="utf-8"?>
 <p:sld xmlns:a="http://schemas.openxmlformats.org/drawingml/2006/main" xmlns:r="http://schemas.openxmlformats.org/officeDocument/2006/relationships" xmlns:p="http://schemas.openxmlformats.org/presentationml/2006/main">
   <p:cSld>
     <p:spTree>
@@ -15134,7 +15783,7 @@
           <p:cNvSpPr txBox="1"/>
           <p:nvPr>
             <p:custDataLst>
-              <p:tags r:id="rId1"/>
+              <p:tags r:id="rId2"/>
             </p:custDataLst>
           </p:nvPr>
         </p:nvSpPr>
@@ -15178,7 +15827,6 @@
               <a:rPr lang="zh-CN" altLang="en-US" dirty="0"/>
               <a:t>创建型模式</a:t>
             </a:r>
-            <a:endParaRPr lang="zh-CN" altLang="en-US" dirty="0"/>
           </a:p>
         </p:txBody>
       </p:sp>
@@ -15222,7 +15870,6 @@
               <a:rPr lang="en-US" altLang="zh-CN" dirty="0"/>
               <a:t>(The Factory Pattern)</a:t>
             </a:r>
-            <a:endParaRPr lang="en-US" altLang="zh-CN" dirty="0"/>
           </a:p>
           <a:p>
             <a:pPr marL="457200" indent="-457200">
@@ -15312,7 +15959,7 @@
       </p:sp>
     </p:spTree>
     <p:custDataLst>
-      <p:tags r:id="rId2"/>
+      <p:tags r:id="rId1"/>
     </p:custDataLst>
   </p:cSld>
   <p:clrMapOvr>
@@ -15321,7 +15968,7 @@
 </p:sld>
 </file>
 
-<file path=ppt/slides/slide33.xml><?xml version="1.0" encoding="utf-8"?>
+<file path=ppt/slides/slide35.xml><?xml version="1.0" encoding="utf-8"?>
 <p:sld xmlns:a="http://schemas.openxmlformats.org/drawingml/2006/main" xmlns:r="http://schemas.openxmlformats.org/officeDocument/2006/relationships" xmlns:p="http://schemas.openxmlformats.org/presentationml/2006/main">
   <p:cSld>
     <p:spTree>
@@ -15344,7 +15991,7 @@
           <p:cNvSpPr txBox="1"/>
           <p:nvPr>
             <p:custDataLst>
-              <p:tags r:id="rId1"/>
+              <p:tags r:id="rId2"/>
             </p:custDataLst>
           </p:nvPr>
         </p:nvSpPr>
@@ -15392,7 +16039,6 @@
               <a:rPr lang="en-US" altLang="zh-CN" dirty="0"/>
               <a:t>(The Factory Pattern)</a:t>
             </a:r>
-            <a:endParaRPr lang="en-US" altLang="zh-CN" dirty="0"/>
           </a:p>
         </p:txBody>
       </p:sp>
@@ -15429,7 +16075,6 @@
               <a:rPr lang="zh-CN" altLang="en-US" dirty="0"/>
               <a:t>工厂模式是最常见的设计模式之一，可帮助我们组织创建对象的代码，通常用于以下两种情况：</a:t>
             </a:r>
-            <a:endParaRPr lang="zh-CN" altLang="en-US" dirty="0"/>
           </a:p>
           <a:p>
             <a:pPr lvl="1" indent="-457200" eaLnBrk="1" hangingPunct="1">
@@ -15465,13 +16110,12 @@
               <a:rPr lang="zh-CN" altLang="en-US" dirty="0"/>
               <a:t>根据不同的环境（输入参数），创建不同用途的对象。一般这些对象都是实现了相同的接口或继承于同一基类。</a:t>
             </a:r>
-            <a:endParaRPr lang="zh-CN" altLang="en-US" dirty="0"/>
           </a:p>
         </p:txBody>
       </p:sp>
     </p:spTree>
     <p:custDataLst>
-      <p:tags r:id="rId2"/>
+      <p:tags r:id="rId1"/>
     </p:custDataLst>
   </p:cSld>
   <p:clrMapOvr>
@@ -15480,7 +16124,7 @@
 </p:sld>
 </file>
 
-<file path=ppt/slides/slide34.xml><?xml version="1.0" encoding="utf-8"?>
+<file path=ppt/slides/slide36.xml><?xml version="1.0" encoding="utf-8"?>
 <p:sld xmlns:a="http://schemas.openxmlformats.org/drawingml/2006/main" xmlns:r="http://schemas.openxmlformats.org/officeDocument/2006/relationships" xmlns:p="http://schemas.openxmlformats.org/presentationml/2006/main">
   <p:cSld>
     <p:spTree>
@@ -15503,7 +16147,7 @@
           <p:cNvSpPr txBox="1"/>
           <p:nvPr>
             <p:custDataLst>
-              <p:tags r:id="rId1"/>
+              <p:tags r:id="rId2"/>
             </p:custDataLst>
           </p:nvPr>
         </p:nvSpPr>
@@ -15551,7 +16195,6 @@
               <a:rPr lang="en-US" altLang="zh-CN" dirty="0"/>
               <a:t>(The Abstract Factory Pattern)</a:t>
             </a:r>
-            <a:endParaRPr lang="en-US" altLang="zh-CN" dirty="0"/>
           </a:p>
         </p:txBody>
       </p:sp>
@@ -15668,7 +16311,6 @@
               <a:rPr lang="zh-CN" altLang="en-US" dirty="0"/>
               <a:t>。</a:t>
             </a:r>
-            <a:endParaRPr lang="zh-CN" altLang="en-US" dirty="0"/>
           </a:p>
           <a:p>
             <a:pPr indent="628650" eaLnBrk="1" hangingPunct="1">
@@ -15726,13 +16368,12 @@
               <a:rPr lang="zh-CN" altLang="en-US" dirty="0"/>
               <a:t>而已。</a:t>
             </a:r>
-            <a:endParaRPr lang="zh-CN" altLang="en-US" dirty="0"/>
           </a:p>
         </p:txBody>
       </p:sp>
     </p:spTree>
     <p:custDataLst>
-      <p:tags r:id="rId2"/>
+      <p:tags r:id="rId1"/>
     </p:custDataLst>
   </p:cSld>
   <p:clrMapOvr>
@@ -15741,7 +16382,7 @@
 </p:sld>
 </file>
 
-<file path=ppt/slides/slide35.xml><?xml version="1.0" encoding="utf-8"?>
+<file path=ppt/slides/slide37.xml><?xml version="1.0" encoding="utf-8"?>
 <p:sld xmlns:a="http://schemas.openxmlformats.org/drawingml/2006/main" xmlns:r="http://schemas.openxmlformats.org/officeDocument/2006/relationships" xmlns:p="http://schemas.openxmlformats.org/presentationml/2006/main">
   <p:cSld>
     <p:spTree>
@@ -15786,9 +16427,6 @@
               </a:rPr>
               <a:t>谢谢</a:t>
             </a:r>
-            <a:endParaRPr lang="zh-CN" altLang="en-US" dirty="0">
-              <a:ea typeface="宋体" panose="02010600030101010101" pitchFamily="2" charset="-122"/>
-            </a:endParaRPr>
           </a:p>
         </p:txBody>
       </p:sp>
@@ -15819,7 +16457,7 @@
             </a:pPr>
             <a:r>
               <a:rPr lang="en-US" altLang="zh-CN" dirty="0">
-                <a:hlinkClick r:id="rId1"/>
+                <a:hlinkClick r:id="rId4"/>
               </a:rPr>
               <a:t>https://github.com/newgr8player</a:t>
             </a:r>
@@ -15828,7 +16466,7 @@
           <a:p>
             <a:r>
               <a:rPr lang="en-US" altLang="zh-CN" dirty="0">
-                <a:hlinkClick r:id="rId2"/>
+                <a:hlinkClick r:id="rId5"/>
               </a:rPr>
               <a:t>https://newgr8player.gitee.io/</a:t>
             </a:r>
@@ -15838,7 +16476,7 @@
       </p:sp>
     </p:spTree>
     <p:custDataLst>
-      <p:tags r:id="rId3"/>
+      <p:tags r:id="rId1"/>
     </p:custDataLst>
   </p:cSld>
   <p:clrMapOvr>
@@ -15847,7 +16485,7 @@
 </p:sld>
 </file>
 
-<file path=ppt/slides/slide36.xml><?xml version="1.0" encoding="utf-8"?>
+<file path=ppt/slides/slide38.xml><?xml version="1.0" encoding="utf-8"?>
 <p:sld xmlns:a="http://schemas.openxmlformats.org/drawingml/2006/main" xmlns:r="http://schemas.openxmlformats.org/officeDocument/2006/relationships" xmlns:p="http://schemas.openxmlformats.org/presentationml/2006/main">
   <p:cSld>
     <p:spTree>
@@ -15898,7 +16536,7 @@
           <p:cNvSpPr txBox="1"/>
           <p:nvPr>
             <p:custDataLst>
-              <p:tags r:id="rId1"/>
+              <p:tags r:id="rId2"/>
             </p:custDataLst>
           </p:nvPr>
         </p:nvSpPr>
@@ -15942,7 +16580,6 @@
               <a:rPr lang="zh-CN" altLang="en-US" dirty="0"/>
               <a:t>设计模式、重构和反设计模式</a:t>
             </a:r>
-            <a:endParaRPr lang="zh-CN" altLang="en-US" dirty="0"/>
           </a:p>
         </p:txBody>
       </p:sp>
@@ -15990,7 +16627,6 @@
               <a:rPr lang="zh-CN" altLang="en-US" dirty="0"/>
               <a:t>是成功经验和最佳实践的总结，指导设计人员采用正确精良的设计。</a:t>
             </a:r>
-            <a:endParaRPr lang="zh-CN" altLang="en-US" dirty="0"/>
           </a:p>
           <a:p>
             <a:pPr marL="342900" indent="-342900" eaLnBrk="1" hangingPunct="1">
@@ -16023,7 +16659,6 @@
               <a:rPr lang="zh-CN" altLang="en-US" dirty="0"/>
               <a:t>专注于软件的渐进完善。通过消除重复冗余代码，并将存在体系结构缺陷的代码重新构建成符合设计模式的代码来达到设计精良软件的目的。</a:t>
             </a:r>
-            <a:endParaRPr lang="zh-CN" altLang="en-US" dirty="0"/>
           </a:p>
           <a:p>
             <a:pPr marL="342900" indent="-342900" eaLnBrk="1" hangingPunct="1">
@@ -16048,13 +16683,12 @@
               <a:rPr lang="zh-CN" altLang="en-US" dirty="0"/>
               <a:t>与设计模式相反，是失败教训的总结。其澄清了许多设计中经常面临的陷阱和容易混淆的问题，能有效防止开发人员犯错误，从而做出正确选择。</a:t>
             </a:r>
-            <a:endParaRPr lang="zh-CN" altLang="en-US" dirty="0"/>
           </a:p>
         </p:txBody>
       </p:sp>
     </p:spTree>
     <p:custDataLst>
-      <p:tags r:id="rId2"/>
+      <p:tags r:id="rId1"/>
     </p:custDataLst>
   </p:cSld>
   <p:clrMapOvr>
@@ -16086,7 +16720,7 @@
           <p:cNvSpPr txBox="1"/>
           <p:nvPr>
             <p:custDataLst>
-              <p:tags r:id="rId1"/>
+              <p:tags r:id="rId2"/>
             </p:custDataLst>
           </p:nvPr>
         </p:nvSpPr>
@@ -16184,7 +16818,6 @@
               <a:rPr lang="zh-CN" altLang="en-US" dirty="0"/>
               <a:t>的方法论，其内容描述基本是围绕对象的结构和协作关系设计。因此需要一种直观的模型将上述内容清晰地表示出来。</a:t>
             </a:r>
-            <a:endParaRPr lang="zh-CN" altLang="en-US" dirty="0"/>
           </a:p>
           <a:p>
             <a:pPr eaLnBrk="1" hangingPunct="1">
@@ -16231,13 +16864,12 @@
               <a:rPr lang="zh-CN" altLang="en-US" dirty="0"/>
               <a:t>已经被广泛用于软件设计，这也推动了设计模式的应用。</a:t>
             </a:r>
-            <a:endParaRPr lang="zh-CN" altLang="en-US" dirty="0"/>
           </a:p>
         </p:txBody>
       </p:sp>
     </p:spTree>
     <p:custDataLst>
-      <p:tags r:id="rId2"/>
+      <p:tags r:id="rId1"/>
     </p:custDataLst>
   </p:cSld>
   <p:clrMapOvr>
@@ -16269,7 +16901,7 @@
           <p:cNvSpPr txBox="1"/>
           <p:nvPr>
             <p:custDataLst>
-              <p:tags r:id="rId1"/>
+              <p:tags r:id="rId2"/>
             </p:custDataLst>
           </p:nvPr>
         </p:nvSpPr>
@@ -16313,7 +16945,6 @@
               <a:rPr lang="zh-CN" altLang="en-US" dirty="0"/>
               <a:t>设计模式分类</a:t>
             </a:r>
-            <a:endParaRPr lang="zh-CN" altLang="en-US" dirty="0"/>
           </a:p>
         </p:txBody>
       </p:sp>
@@ -16369,7 +17000,6 @@
               <a:rPr lang="zh-CN" altLang="en-US" dirty="0"/>
               <a:t>帮助我们更好地组织创建对象的代码。增强弹性，以应付在不同情况下创建和初始化对象的代码变更。</a:t>
             </a:r>
-            <a:endParaRPr lang="zh-CN" altLang="en-US" dirty="0"/>
           </a:p>
           <a:p>
             <a:pPr marL="342900" indent="-342900" eaLnBrk="1" hangingPunct="1">
@@ -16444,7 +17074,6 @@
               <a:rPr lang="zh-CN" altLang="en-US" dirty="0"/>
               <a:t>。</a:t>
             </a:r>
-            <a:endParaRPr lang="zh-CN" altLang="en-US" dirty="0"/>
           </a:p>
           <a:p>
             <a:pPr marL="342900" indent="-342900" eaLnBrk="1" hangingPunct="1">
@@ -16477,13 +17106,12 @@
               <a:rPr lang="zh-CN" altLang="en-US" dirty="0"/>
               <a:t>更好地定义对象间的协作关系，使复杂的程序流程变得清晰。</a:t>
             </a:r>
-            <a:endParaRPr lang="zh-CN" altLang="en-US" dirty="0"/>
           </a:p>
         </p:txBody>
       </p:sp>
     </p:spTree>
     <p:custDataLst>
-      <p:tags r:id="rId2"/>
+      <p:tags r:id="rId1"/>
     </p:custDataLst>
   </p:cSld>
   <p:clrMapOvr>
@@ -16553,7 +17181,6 @@
               <a:rPr lang="zh-CN" altLang="en-US" dirty="0"/>
               <a:t>设计原则</a:t>
             </a:r>
-            <a:endParaRPr lang="zh-CN" altLang="en-US" dirty="0"/>
           </a:p>
         </p:txBody>
       </p:sp>
@@ -16588,7 +17215,7 @@
           <p:cNvSpPr txBox="1"/>
           <p:nvPr>
             <p:custDataLst>
-              <p:tags r:id="rId1"/>
+              <p:tags r:id="rId2"/>
             </p:custDataLst>
           </p:nvPr>
         </p:nvSpPr>
@@ -16632,7 +17259,6 @@
               <a:rPr lang="zh-CN" altLang="en-US" dirty="0"/>
               <a:t>设计原则</a:t>
             </a:r>
-            <a:endParaRPr lang="zh-CN" altLang="en-US" dirty="0"/>
           </a:p>
         </p:txBody>
       </p:sp>
@@ -16943,7 +17569,7 @@
       </p:sp>
     </p:spTree>
     <p:custDataLst>
-      <p:tags r:id="rId2"/>
+      <p:tags r:id="rId1"/>
     </p:custDataLst>
   </p:cSld>
   <p:clrMapOvr>
@@ -17007,7 +17633,6 @@
               <a:rPr lang="zh-CN" altLang="en-US" sz="3600" dirty="0"/>
               <a:t>）</a:t>
             </a:r>
-            <a:endParaRPr lang="zh-CN" altLang="en-US" sz="3600" dirty="0"/>
           </a:p>
         </p:txBody>
       </p:sp>
@@ -17051,7 +17676,91 @@
 </file>
 
 <file path=ppt/tags/tag1.xml><?xml version="1.0" encoding="utf-8"?>
-<p:tagLst xmlns:p="http://schemas.openxmlformats.org/presentationml/2006/main">
+<p:tagLst xmlns:a="http://schemas.openxmlformats.org/drawingml/2006/main" xmlns:r="http://schemas.openxmlformats.org/officeDocument/2006/relationships" xmlns:p="http://schemas.openxmlformats.org/presentationml/2006/main">
+  <p:tag name="KSO_WM_TAG_VERSION" val="1.0"/>
+  <p:tag name="KSO_WM_TEMPLATE_CATEGORY" val="custom"/>
+  <p:tag name="KSO_WM_TEMPLATE_INDEX" val="20186830"/>
+</p:tagLst>
+</file>
+
+<file path=ppt/tags/tag10.xml><?xml version="1.0" encoding="utf-8"?>
+<p:tagLst xmlns:a="http://schemas.openxmlformats.org/drawingml/2006/main" xmlns:r="http://schemas.openxmlformats.org/officeDocument/2006/relationships" xmlns:p="http://schemas.openxmlformats.org/presentationml/2006/main">
+  <p:tag name="KSO_WM_TAG_VERSION" val="1.0"/>
+  <p:tag name="KSO_WM_BEAUTIFY_FLAG" val="#wm#"/>
+  <p:tag name="KSO_WM_UNIT_TYPE" val="i"/>
+  <p:tag name="KSO_WM_UNIT_ID" val="custom20184556_22*i*3"/>
+  <p:tag name="KSO_WM_TEMPLATE_CATEGORY" val="custom"/>
+  <p:tag name="KSO_WM_TEMPLATE_INDEX" val="20184556"/>
+  <p:tag name="KSO_WM_UNIT_INDEX" val="3"/>
+</p:tagLst>
+</file>
+
+<file path=ppt/tags/tag11.xml><?xml version="1.0" encoding="utf-8"?>
+<p:tagLst xmlns:a="http://schemas.openxmlformats.org/drawingml/2006/main" xmlns:r="http://schemas.openxmlformats.org/officeDocument/2006/relationships" xmlns:p="http://schemas.openxmlformats.org/presentationml/2006/main">
+  <p:tag name="KSO_WM_TAG_VERSION" val="1.0"/>
+  <p:tag name="KSO_WM_BEAUTIFY_FLAG" val="#wm#"/>
+  <p:tag name="KSO_WM_UNIT_TYPE" val="i"/>
+  <p:tag name="KSO_WM_UNIT_ID" val="custom20184556_22*i*4"/>
+  <p:tag name="KSO_WM_TEMPLATE_CATEGORY" val="custom"/>
+  <p:tag name="KSO_WM_TEMPLATE_INDEX" val="20184556"/>
+  <p:tag name="KSO_WM_UNIT_INDEX" val="4"/>
+</p:tagLst>
+</file>
+
+<file path=ppt/tags/tag12.xml><?xml version="1.0" encoding="utf-8"?>
+<p:tagLst xmlns:a="http://schemas.openxmlformats.org/drawingml/2006/main" xmlns:r="http://schemas.openxmlformats.org/officeDocument/2006/relationships" xmlns:p="http://schemas.openxmlformats.org/presentationml/2006/main">
+  <p:tag name="KSO_WM_TAG_VERSION" val="1.0"/>
+  <p:tag name="KSO_WM_BEAUTIFY_FLAG" val="#wm#"/>
+  <p:tag name="KSO_WM_UNIT_TYPE" val="i"/>
+  <p:tag name="KSO_WM_UNIT_ID" val="custom20184556_22*i*5"/>
+  <p:tag name="KSO_WM_TEMPLATE_CATEGORY" val="custom"/>
+  <p:tag name="KSO_WM_TEMPLATE_INDEX" val="20184556"/>
+  <p:tag name="KSO_WM_UNIT_INDEX" val="5"/>
+</p:tagLst>
+</file>
+
+<file path=ppt/tags/tag13.xml><?xml version="1.0" encoding="utf-8"?>
+<p:tagLst xmlns:a="http://schemas.openxmlformats.org/drawingml/2006/main" xmlns:r="http://schemas.openxmlformats.org/officeDocument/2006/relationships" xmlns:p="http://schemas.openxmlformats.org/presentationml/2006/main">
+  <p:tag name="KSO_WM_TAG_VERSION" val="1.0"/>
+  <p:tag name="KSO_WM_BEAUTIFY_FLAG" val="#wm#"/>
+  <p:tag name="KSO_WM_UNIT_TYPE" val="i"/>
+  <p:tag name="KSO_WM_UNIT_ID" val="custom20184556_22*i*6"/>
+  <p:tag name="KSO_WM_TEMPLATE_CATEGORY" val="custom"/>
+  <p:tag name="KSO_WM_TEMPLATE_INDEX" val="20184556"/>
+  <p:tag name="KSO_WM_UNIT_INDEX" val="6"/>
+</p:tagLst>
+</file>
+
+<file path=ppt/tags/tag14.xml><?xml version="1.0" encoding="utf-8"?>
+<p:tagLst xmlns:a="http://schemas.openxmlformats.org/drawingml/2006/main" xmlns:r="http://schemas.openxmlformats.org/officeDocument/2006/relationships" xmlns:p="http://schemas.openxmlformats.org/presentationml/2006/main">
+  <p:tag name="KSO_WM_TAG_VERSION" val="1.0"/>
+  <p:tag name="KSO_WM_TEMPLATE_CATEGORY" val="custom"/>
+  <p:tag name="KSO_WM_TEMPLATE_INDEX" val="20186830"/>
+</p:tagLst>
+</file>
+
+<file path=ppt/tags/tag15.xml><?xml version="1.0" encoding="utf-8"?>
+<p:tagLst xmlns:a="http://schemas.openxmlformats.org/drawingml/2006/main" xmlns:r="http://schemas.openxmlformats.org/officeDocument/2006/relationships" xmlns:p="http://schemas.openxmlformats.org/presentationml/2006/main">
+  <p:tag name="KSO_WM_TAG_VERSION" val="1.0"/>
+  <p:tag name="KSO_WM_TEMPLATE_CATEGORY" val="custom"/>
+  <p:tag name="KSO_WM_TEMPLATE_INDEX" val="20186830"/>
+</p:tagLst>
+</file>
+
+<file path=ppt/tags/tag16.xml><?xml version="1.0" encoding="utf-8"?>
+<p:tagLst xmlns:a="http://schemas.openxmlformats.org/drawingml/2006/main" xmlns:r="http://schemas.openxmlformats.org/officeDocument/2006/relationships" xmlns:p="http://schemas.openxmlformats.org/presentationml/2006/main">
+  <p:tag name="KSO_WM_TAG_VERSION" val="1.0"/>
+  <p:tag name="KSO_WM_BEAUTIFY_FLAG" val="#wm#"/>
+  <p:tag name="KSO_WM_COMBINE_RELATE_SLIDE_ID" val="background20181909_1"/>
+  <p:tag name="KSO_WM_TEMPLATE_CATEGORY" val="custom"/>
+  <p:tag name="KSO_WM_TEMPLATE_INDEX" val="20186830"/>
+  <p:tag name="KSO_WM_TEMPLATE_SUBCATEGORY" val="combine"/>
+  <p:tag name="KSO_WM_TEMPLATE_THUMBS_INDEX" val="1、6、10、15、19、22"/>
+</p:tagLst>
+</file>
+
+<file path=ppt/tags/tag17.xml><?xml version="1.0" encoding="utf-8"?>
+<p:tagLst xmlns:a="http://schemas.openxmlformats.org/drawingml/2006/main" xmlns:r="http://schemas.openxmlformats.org/officeDocument/2006/relationships" xmlns:p="http://schemas.openxmlformats.org/presentationml/2006/main">
   <p:tag name="KSO_WM_TAG_VERSION" val="1.0"/>
   <p:tag name="KSO_WM_BEAUTIFY_FLAG" val="#wm#"/>
   <p:tag name="KSO_WM_UNIT_TYPE" val="i"/>
@@ -17062,8 +17771,112 @@
 </p:tagLst>
 </file>
 
-<file path=ppt/tags/tag10.xml><?xml version="1.0" encoding="utf-8"?>
-<p:tagLst xmlns:p="http://schemas.openxmlformats.org/presentationml/2006/main">
+<file path=ppt/tags/tag18.xml><?xml version="1.0" encoding="utf-8"?>
+<p:tagLst xmlns:a="http://schemas.openxmlformats.org/drawingml/2006/main" xmlns:r="http://schemas.openxmlformats.org/officeDocument/2006/relationships" xmlns:p="http://schemas.openxmlformats.org/presentationml/2006/main">
+  <p:tag name="KSO_WM_TAG_VERSION" val="1.0"/>
+  <p:tag name="KSO_WM_BEAUTIFY_FLAG" val="#wm#"/>
+  <p:tag name="KSO_WM_UNIT_TYPE" val="i"/>
+  <p:tag name="KSO_WM_UNIT_ID" val="custom20184556_1*i*4"/>
+  <p:tag name="KSO_WM_TEMPLATE_CATEGORY" val="custom"/>
+  <p:tag name="KSO_WM_TEMPLATE_INDEX" val="20184556"/>
+  <p:tag name="KSO_WM_UNIT_INDEX" val="4"/>
+</p:tagLst>
+</file>
+
+<file path=ppt/tags/tag19.xml><?xml version="1.0" encoding="utf-8"?>
+<p:tagLst xmlns:a="http://schemas.openxmlformats.org/drawingml/2006/main" xmlns:r="http://schemas.openxmlformats.org/officeDocument/2006/relationships" xmlns:p="http://schemas.openxmlformats.org/presentationml/2006/main">
+  <p:tag name="KSO_WM_TAG_VERSION" val="1.0"/>
+  <p:tag name="KSO_WM_BEAUTIFY_FLAG" val="#wm#"/>
+  <p:tag name="KSO_WM_UNIT_TYPE" val="i"/>
+  <p:tag name="KSO_WM_UNIT_ID" val="custom20184556_1*i*5"/>
+  <p:tag name="KSO_WM_TEMPLATE_CATEGORY" val="custom"/>
+  <p:tag name="KSO_WM_TEMPLATE_INDEX" val="20184556"/>
+  <p:tag name="KSO_WM_UNIT_INDEX" val="5"/>
+</p:tagLst>
+</file>
+
+<file path=ppt/tags/tag2.xml><?xml version="1.0" encoding="utf-8"?>
+<p:tagLst xmlns:a="http://schemas.openxmlformats.org/drawingml/2006/main" xmlns:r="http://schemas.openxmlformats.org/officeDocument/2006/relationships" xmlns:p="http://schemas.openxmlformats.org/presentationml/2006/main">
+  <p:tag name="KSO_WM_TAG_VERSION" val="1.0"/>
+  <p:tag name="KSO_WM_TEMPLATE_CATEGORY" val="custom"/>
+  <p:tag name="KSO_WM_TEMPLATE_INDEX" val="20186830"/>
+</p:tagLst>
+</file>
+
+<file path=ppt/tags/tag20.xml><?xml version="1.0" encoding="utf-8"?>
+<p:tagLst xmlns:a="http://schemas.openxmlformats.org/drawingml/2006/main" xmlns:r="http://schemas.openxmlformats.org/officeDocument/2006/relationships" xmlns:p="http://schemas.openxmlformats.org/presentationml/2006/main">
+  <p:tag name="KSO_WM_TAG_VERSION" val="1.0"/>
+  <p:tag name="KSO_WM_BEAUTIFY_FLAG" val="#wm#"/>
+  <p:tag name="KSO_WM_UNIT_TYPE" val="i"/>
+  <p:tag name="KSO_WM_UNIT_ID" val="custom20184556_1*i*6"/>
+  <p:tag name="KSO_WM_TEMPLATE_CATEGORY" val="custom"/>
+  <p:tag name="KSO_WM_TEMPLATE_INDEX" val="20184556"/>
+  <p:tag name="KSO_WM_UNIT_INDEX" val="6"/>
+</p:tagLst>
+</file>
+
+<file path=ppt/tags/tag21.xml><?xml version="1.0" encoding="utf-8"?>
+<p:tagLst xmlns:a="http://schemas.openxmlformats.org/drawingml/2006/main" xmlns:r="http://schemas.openxmlformats.org/officeDocument/2006/relationships" xmlns:p="http://schemas.openxmlformats.org/presentationml/2006/main">
+  <p:tag name="KSO_WM_TAG_VERSION" val="1.0"/>
+  <p:tag name="KSO_WM_BEAUTIFY_FLAG" val="#wm#"/>
+  <p:tag name="KSO_WM_UNIT_TYPE" val="i"/>
+  <p:tag name="KSO_WM_UNIT_ID" val="custom20184556_1*i*7"/>
+  <p:tag name="KSO_WM_TEMPLATE_CATEGORY" val="custom"/>
+  <p:tag name="KSO_WM_TEMPLATE_INDEX" val="20184556"/>
+  <p:tag name="KSO_WM_UNIT_INDEX" val="7"/>
+</p:tagLst>
+</file>
+
+<file path=ppt/tags/tag22.xml><?xml version="1.0" encoding="utf-8"?>
+<p:tagLst xmlns:a="http://schemas.openxmlformats.org/drawingml/2006/main" xmlns:r="http://schemas.openxmlformats.org/officeDocument/2006/relationships" xmlns:p="http://schemas.openxmlformats.org/presentationml/2006/main">
+  <p:tag name="KSO_WM_TAG_VERSION" val="1.0"/>
+  <p:tag name="KSO_WM_BEAUTIFY_FLAG" val="#wm#"/>
+  <p:tag name="KSO_WM_UNIT_TYPE" val="i"/>
+  <p:tag name="KSO_WM_UNIT_ID" val="custom20184556_22*i*2"/>
+  <p:tag name="KSO_WM_TEMPLATE_CATEGORY" val="custom"/>
+  <p:tag name="KSO_WM_TEMPLATE_INDEX" val="20184556"/>
+  <p:tag name="KSO_WM_UNIT_INDEX" val="2"/>
+</p:tagLst>
+</file>
+
+<file path=ppt/tags/tag23.xml><?xml version="1.0" encoding="utf-8"?>
+<p:tagLst xmlns:a="http://schemas.openxmlformats.org/drawingml/2006/main" xmlns:r="http://schemas.openxmlformats.org/officeDocument/2006/relationships" xmlns:p="http://schemas.openxmlformats.org/presentationml/2006/main">
+  <p:tag name="KSO_WM_TAG_VERSION" val="1.0"/>
+  <p:tag name="KSO_WM_BEAUTIFY_FLAG" val="#wm#"/>
+  <p:tag name="KSO_WM_UNIT_TYPE" val="i"/>
+  <p:tag name="KSO_WM_UNIT_ID" val="custom20184556_22*i*3"/>
+  <p:tag name="KSO_WM_TEMPLATE_CATEGORY" val="custom"/>
+  <p:tag name="KSO_WM_TEMPLATE_INDEX" val="20184556"/>
+  <p:tag name="KSO_WM_UNIT_INDEX" val="3"/>
+</p:tagLst>
+</file>
+
+<file path=ppt/tags/tag24.xml><?xml version="1.0" encoding="utf-8"?>
+<p:tagLst xmlns:a="http://schemas.openxmlformats.org/drawingml/2006/main" xmlns:r="http://schemas.openxmlformats.org/officeDocument/2006/relationships" xmlns:p="http://schemas.openxmlformats.org/presentationml/2006/main">
+  <p:tag name="KSO_WM_TAG_VERSION" val="1.0"/>
+  <p:tag name="KSO_WM_BEAUTIFY_FLAG" val="#wm#"/>
+  <p:tag name="KSO_WM_UNIT_TYPE" val="i"/>
+  <p:tag name="KSO_WM_UNIT_ID" val="custom20184556_22*i*4"/>
+  <p:tag name="KSO_WM_TEMPLATE_CATEGORY" val="custom"/>
+  <p:tag name="KSO_WM_TEMPLATE_INDEX" val="20184556"/>
+  <p:tag name="KSO_WM_UNIT_INDEX" val="4"/>
+</p:tagLst>
+</file>
+
+<file path=ppt/tags/tag25.xml><?xml version="1.0" encoding="utf-8"?>
+<p:tagLst xmlns:a="http://schemas.openxmlformats.org/drawingml/2006/main" xmlns:r="http://schemas.openxmlformats.org/officeDocument/2006/relationships" xmlns:p="http://schemas.openxmlformats.org/presentationml/2006/main">
+  <p:tag name="KSO_WM_TAG_VERSION" val="1.0"/>
+  <p:tag name="KSO_WM_BEAUTIFY_FLAG" val="#wm#"/>
+  <p:tag name="KSO_WM_UNIT_TYPE" val="i"/>
+  <p:tag name="KSO_WM_UNIT_ID" val="custom20184556_22*i*5"/>
+  <p:tag name="KSO_WM_TEMPLATE_CATEGORY" val="custom"/>
+  <p:tag name="KSO_WM_TEMPLATE_INDEX" val="20184556"/>
+  <p:tag name="KSO_WM_UNIT_INDEX" val="5"/>
+</p:tagLst>
+</file>
+
+<file path=ppt/tags/tag26.xml><?xml version="1.0" encoding="utf-8"?>
+<p:tagLst xmlns:a="http://schemas.openxmlformats.org/drawingml/2006/main" xmlns:r="http://schemas.openxmlformats.org/officeDocument/2006/relationships" xmlns:p="http://schemas.openxmlformats.org/presentationml/2006/main">
   <p:tag name="KSO_WM_TAG_VERSION" val="1.0"/>
   <p:tag name="KSO_WM_BEAUTIFY_FLAG" val="#wm#"/>
   <p:tag name="KSO_WM_UNIT_TYPE" val="i"/>
@@ -17074,215 +17887,27 @@
 </p:tagLst>
 </file>
 
-<file path=ppt/tags/tag11.xml><?xml version="1.0" encoding="utf-8"?>
-<p:tagLst xmlns:p="http://schemas.openxmlformats.org/presentationml/2006/main">
+<file path=ppt/tags/tag27.xml><?xml version="1.0" encoding="utf-8"?>
+<p:tagLst xmlns:a="http://schemas.openxmlformats.org/drawingml/2006/main" xmlns:r="http://schemas.openxmlformats.org/officeDocument/2006/relationships" xmlns:p="http://schemas.openxmlformats.org/presentationml/2006/main">
   <p:tag name="KSO_WM_TAG_VERSION" val="1.0"/>
-  <p:tag name="KSO_WM_TEMPLATE_CATEGORY" val="custom"/>
-  <p:tag name="KSO_WM_TEMPLATE_INDEX" val="20186830"/>
-</p:tagLst>
-</file>
-
-<file path=ppt/tags/tag12.xml><?xml version="1.0" encoding="utf-8"?>
-<p:tagLst xmlns:p="http://schemas.openxmlformats.org/presentationml/2006/main">
-  <p:tag name="KSO_WM_TAG_VERSION" val="1.0"/>
-  <p:tag name="KSO_WM_TEMPLATE_CATEGORY" val="custom"/>
-  <p:tag name="KSO_WM_TEMPLATE_INDEX" val="20186830"/>
-</p:tagLst>
-</file>
-
-<file path=ppt/tags/tag13.xml><?xml version="1.0" encoding="utf-8"?>
-<p:tagLst xmlns:p="http://schemas.openxmlformats.org/presentationml/2006/main">
-  <p:tag name="KSO_WM_TAG_VERSION" val="1.0"/>
+  <p:tag name="KSO_WM_SLIDE_ITEM_CNT" val="2"/>
+  <p:tag name="KSO_WM_SLIDE_LAYOUT" val="a_b_c"/>
+  <p:tag name="KSO_WM_SLIDE_LAYOUT_CNT" val="1_1_1"/>
+  <p:tag name="KSO_WM_SLIDE_TYPE" val="title"/>
   <p:tag name="KSO_WM_BEAUTIFY_FLAG" val="#wm#"/>
   <p:tag name="KSO_WM_COMBINE_RELATE_SLIDE_ID" val="background20181909_1"/>
   <p:tag name="KSO_WM_TEMPLATE_CATEGORY" val="custom"/>
   <p:tag name="KSO_WM_TEMPLATE_INDEX" val="20186830"/>
+  <p:tag name="KSO_WM_SLIDE_ID" val="custom20186830_1"/>
+  <p:tag name="KSO_WM_SLIDE_INDEX" val="1"/>
   <p:tag name="KSO_WM_TEMPLATE_SUBCATEGORY" val="combine"/>
-  <p:tag name="KSO_WM_TEMPLATE_THUMBS_INDEX" val="1、6、10、15、19、22"/>
-</p:tagLst>
-</file>
-
-<file path=ppt/tags/tag14.xml><?xml version="1.0" encoding="utf-8"?>
-<p:tagLst xmlns:p="http://schemas.openxmlformats.org/presentationml/2006/main">
-  <p:tag name="KSO_WM_TAG_VERSION" val="1.0"/>
-  <p:tag name="KSO_WM_BEAUTIFY_FLAG" val="#wm#"/>
-  <p:tag name="KSO_WM_UNIT_TYPE" val="i"/>
-  <p:tag name="KSO_WM_UNIT_ID" val="custom20184556_1*i*3"/>
-  <p:tag name="KSO_WM_TEMPLATE_CATEGORY" val="custom"/>
-  <p:tag name="KSO_WM_TEMPLATE_INDEX" val="20184556"/>
-  <p:tag name="KSO_WM_UNIT_INDEX" val="3"/>
-</p:tagLst>
-</file>
-
-<file path=ppt/tags/tag15.xml><?xml version="1.0" encoding="utf-8"?>
-<p:tagLst xmlns:p="http://schemas.openxmlformats.org/presentationml/2006/main">
-  <p:tag name="KSO_WM_TAG_VERSION" val="1.0"/>
-  <p:tag name="KSO_WM_BEAUTIFY_FLAG" val="#wm#"/>
-  <p:tag name="KSO_WM_UNIT_TYPE" val="i"/>
-  <p:tag name="KSO_WM_UNIT_ID" val="custom20184556_1*i*4"/>
-  <p:tag name="KSO_WM_TEMPLATE_CATEGORY" val="custom"/>
-  <p:tag name="KSO_WM_TEMPLATE_INDEX" val="20184556"/>
-  <p:tag name="KSO_WM_UNIT_INDEX" val="4"/>
-</p:tagLst>
-</file>
-
-<file path=ppt/tags/tag16.xml><?xml version="1.0" encoding="utf-8"?>
-<p:tagLst xmlns:p="http://schemas.openxmlformats.org/presentationml/2006/main">
-  <p:tag name="KSO_WM_TAG_VERSION" val="1.0"/>
-  <p:tag name="KSO_WM_BEAUTIFY_FLAG" val="#wm#"/>
-  <p:tag name="KSO_WM_UNIT_TYPE" val="i"/>
-  <p:tag name="KSO_WM_UNIT_ID" val="custom20184556_1*i*5"/>
-  <p:tag name="KSO_WM_TEMPLATE_CATEGORY" val="custom"/>
-  <p:tag name="KSO_WM_TEMPLATE_INDEX" val="20184556"/>
-  <p:tag name="KSO_WM_UNIT_INDEX" val="5"/>
-</p:tagLst>
-</file>
-
-<file path=ppt/tags/tag17.xml><?xml version="1.0" encoding="utf-8"?>
-<p:tagLst xmlns:p="http://schemas.openxmlformats.org/presentationml/2006/main">
-  <p:tag name="KSO_WM_TAG_VERSION" val="1.0"/>
-  <p:tag name="KSO_WM_BEAUTIFY_FLAG" val="#wm#"/>
-  <p:tag name="KSO_WM_UNIT_TYPE" val="i"/>
-  <p:tag name="KSO_WM_UNIT_ID" val="custom20184556_1*i*6"/>
-  <p:tag name="KSO_WM_TEMPLATE_CATEGORY" val="custom"/>
-  <p:tag name="KSO_WM_TEMPLATE_INDEX" val="20184556"/>
-  <p:tag name="KSO_WM_UNIT_INDEX" val="6"/>
-</p:tagLst>
-</file>
-
-<file path=ppt/tags/tag18.xml><?xml version="1.0" encoding="utf-8"?>
-<p:tagLst xmlns:p="http://schemas.openxmlformats.org/presentationml/2006/main">
-  <p:tag name="KSO_WM_TAG_VERSION" val="1.0"/>
-  <p:tag name="KSO_WM_BEAUTIFY_FLAG" val="#wm#"/>
-  <p:tag name="KSO_WM_UNIT_TYPE" val="i"/>
-  <p:tag name="KSO_WM_UNIT_ID" val="custom20184556_1*i*7"/>
-  <p:tag name="KSO_WM_TEMPLATE_CATEGORY" val="custom"/>
-  <p:tag name="KSO_WM_TEMPLATE_INDEX" val="20184556"/>
-  <p:tag name="KSO_WM_UNIT_INDEX" val="7"/>
-</p:tagLst>
-</file>
-
-<file path=ppt/tags/tag19.xml><?xml version="1.0" encoding="utf-8"?>
-<p:tagLst xmlns:p="http://schemas.openxmlformats.org/presentationml/2006/main">
-  <p:tag name="KSO_WM_TAG_VERSION" val="1.0"/>
-  <p:tag name="KSO_WM_BEAUTIFY_FLAG" val="#wm#"/>
-  <p:tag name="KSO_WM_UNIT_TYPE" val="i"/>
-  <p:tag name="KSO_WM_UNIT_ID" val="custom20184556_22*i*2"/>
-  <p:tag name="KSO_WM_TEMPLATE_CATEGORY" val="custom"/>
-  <p:tag name="KSO_WM_TEMPLATE_INDEX" val="20184556"/>
-  <p:tag name="KSO_WM_UNIT_INDEX" val="2"/>
-</p:tagLst>
-</file>
-
-<file path=ppt/tags/tag2.xml><?xml version="1.0" encoding="utf-8"?>
-<p:tagLst xmlns:p="http://schemas.openxmlformats.org/presentationml/2006/main">
-  <p:tag name="KSO_WM_TAG_VERSION" val="1.0"/>
-  <p:tag name="KSO_WM_BEAUTIFY_FLAG" val="#wm#"/>
-  <p:tag name="KSO_WM_UNIT_TYPE" val="i"/>
-  <p:tag name="KSO_WM_UNIT_ID" val="custom20184556_1*i*4"/>
-  <p:tag name="KSO_WM_TEMPLATE_CATEGORY" val="custom"/>
-  <p:tag name="KSO_WM_TEMPLATE_INDEX" val="20184556"/>
-  <p:tag name="KSO_WM_UNIT_INDEX" val="4"/>
-</p:tagLst>
-</file>
-
-<file path=ppt/tags/tag20.xml><?xml version="1.0" encoding="utf-8"?>
-<p:tagLst xmlns:p="http://schemas.openxmlformats.org/presentationml/2006/main">
-  <p:tag name="KSO_WM_TAG_VERSION" val="1.0"/>
-  <p:tag name="KSO_WM_BEAUTIFY_FLAG" val="#wm#"/>
-  <p:tag name="KSO_WM_UNIT_TYPE" val="i"/>
-  <p:tag name="KSO_WM_UNIT_ID" val="custom20184556_22*i*3"/>
-  <p:tag name="KSO_WM_TEMPLATE_CATEGORY" val="custom"/>
-  <p:tag name="KSO_WM_TEMPLATE_INDEX" val="20184556"/>
-  <p:tag name="KSO_WM_UNIT_INDEX" val="3"/>
-</p:tagLst>
-</file>
-
-<file path=ppt/tags/tag21.xml><?xml version="1.0" encoding="utf-8"?>
-<p:tagLst xmlns:p="http://schemas.openxmlformats.org/presentationml/2006/main">
-  <p:tag name="KSO_WM_TAG_VERSION" val="1.0"/>
-  <p:tag name="KSO_WM_BEAUTIFY_FLAG" val="#wm#"/>
-  <p:tag name="KSO_WM_UNIT_TYPE" val="i"/>
-  <p:tag name="KSO_WM_UNIT_ID" val="custom20184556_22*i*4"/>
-  <p:tag name="KSO_WM_TEMPLATE_CATEGORY" val="custom"/>
-  <p:tag name="KSO_WM_TEMPLATE_INDEX" val="20184556"/>
-  <p:tag name="KSO_WM_UNIT_INDEX" val="4"/>
-</p:tagLst>
-</file>
-
-<file path=ppt/tags/tag22.xml><?xml version="1.0" encoding="utf-8"?>
-<p:tagLst xmlns:p="http://schemas.openxmlformats.org/presentationml/2006/main">
-  <p:tag name="KSO_WM_TAG_VERSION" val="1.0"/>
-  <p:tag name="KSO_WM_BEAUTIFY_FLAG" val="#wm#"/>
-  <p:tag name="KSO_WM_UNIT_TYPE" val="i"/>
-  <p:tag name="KSO_WM_UNIT_ID" val="custom20184556_22*i*5"/>
-  <p:tag name="KSO_WM_TEMPLATE_CATEGORY" val="custom"/>
-  <p:tag name="KSO_WM_TEMPLATE_INDEX" val="20184556"/>
-  <p:tag name="KSO_WM_UNIT_INDEX" val="5"/>
-</p:tagLst>
-</file>
-
-<file path=ppt/tags/tag23.xml><?xml version="1.0" encoding="utf-8"?>
-<p:tagLst xmlns:p="http://schemas.openxmlformats.org/presentationml/2006/main">
-  <p:tag name="KSO_WM_TAG_VERSION" val="1.0"/>
-  <p:tag name="KSO_WM_BEAUTIFY_FLAG" val="#wm#"/>
-  <p:tag name="KSO_WM_UNIT_TYPE" val="i"/>
-  <p:tag name="KSO_WM_UNIT_ID" val="custom20184556_22*i*6"/>
-  <p:tag name="KSO_WM_TEMPLATE_CATEGORY" val="custom"/>
-  <p:tag name="KSO_WM_TEMPLATE_INDEX" val="20184556"/>
-  <p:tag name="KSO_WM_UNIT_INDEX" val="6"/>
-</p:tagLst>
-</file>
-
-<file path=ppt/tags/tag24.xml><?xml version="1.0" encoding="utf-8"?>
-<p:tagLst xmlns:p="http://schemas.openxmlformats.org/presentationml/2006/main">
-  <p:tag name="KSO_WM_TAG_VERSION" val="1.0"/>
-  <p:tag name="KSO_WM_TEMPLATE_CATEGORY" val="custom"/>
-  <p:tag name="KSO_WM_TEMPLATE_INDEX" val="20186830"/>
-</p:tagLst>
-</file>
-
-<file path=ppt/tags/tag25.xml><?xml version="1.0" encoding="utf-8"?>
-<p:tagLst xmlns:p="http://schemas.openxmlformats.org/presentationml/2006/main">
-  <p:tag name="KSO_WM_TAG_VERSION" val="1.0"/>
-  <p:tag name="KSO_WM_TEMPLATE_CATEGORY" val="custom"/>
-  <p:tag name="KSO_WM_TEMPLATE_INDEX" val="20186830"/>
-</p:tagLst>
-</file>
-
-<file path=ppt/tags/tag26.xml><?xml version="1.0" encoding="utf-8"?>
-<p:tagLst xmlns:p="http://schemas.openxmlformats.org/presentationml/2006/main">
-  <p:tag name="KSO_WM_TAG_VERSION" val="1.0"/>
-  <p:tag name="KSO_WM_BEAUTIFY_FLAG" val="#wm#"/>
-  <p:tag name="KSO_WM_COMBINE_RELATE_SLIDE_ID" val="background20181909_1"/>
-  <p:tag name="KSO_WM_TEMPLATE_CATEGORY" val="custom"/>
-  <p:tag name="KSO_WM_TEMPLATE_INDEX" val="20186830"/>
-  <p:tag name="KSO_WM_TEMPLATE_SUBCATEGORY" val="combine"/>
-  <p:tag name="KSO_WM_TEMPLATE_THUMBS_INDEX" val="1、6、10、15、19、22"/>
-</p:tagLst>
-</file>
-
-<file path=ppt/tags/tag27.xml><?xml version="1.0" encoding="utf-8"?>
-<p:tagLst xmlns:p="http://schemas.openxmlformats.org/presentationml/2006/main">
-  <p:tag name="KSO_WM_TEMPLATE_CATEGORY" val="custom"/>
-  <p:tag name="KSO_WM_TEMPLATE_INDEX" val="20186830"/>
-  <p:tag name="KSO_WM_TAG_VERSION" val="1.0"/>
-  <p:tag name="KSO_WM_BEAUTIFY_FLAG" val="#wm#"/>
-  <p:tag name="KSO_WM_UNIT_TYPE" val="a"/>
-  <p:tag name="KSO_WM_UNIT_INDEX" val="1"/>
-  <p:tag name="KSO_WM_UNIT_ID" val="custom20186830_1*a*1"/>
-  <p:tag name="KSO_WM_UNIT_LAYERLEVEL" val="1"/>
-  <p:tag name="KSO_WM_UNIT_VALUE" val="9"/>
-  <p:tag name="KSO_WM_UNIT_ISCONTENTSTITLE" val="0"/>
-  <p:tag name="KSO_WM_UNIT_HIGHLIGHT" val="0"/>
-  <p:tag name="KSO_WM_UNIT_COMPATIBLE" val="0"/>
-  <p:tag name="KSO_WM_UNIT_CLEAR" val="0"/>
-  <p:tag name="KSO_WM_UNIT_PRESET_TEXT" val="黑白简约商务通用"/>
+  <p:tag name="KSO_WM_TEMPLATE_THUMBS_INDEX" val="1、6、10、15、19、22、"/>
+  <p:tag name="KSO_WM_SLIDE_SUBTYPE" val="pureTxt"/>
 </p:tagLst>
 </file>
 
 <file path=ppt/tags/tag28.xml><?xml version="1.0" encoding="utf-8"?>
-<p:tagLst xmlns:p="http://schemas.openxmlformats.org/presentationml/2006/main">
+<p:tagLst xmlns:a="http://schemas.openxmlformats.org/drawingml/2006/main" xmlns:r="http://schemas.openxmlformats.org/officeDocument/2006/relationships" xmlns:p="http://schemas.openxmlformats.org/presentationml/2006/main">
   <p:tag name="KSO_WM_TEMPLATE_CATEGORY" val="custom"/>
   <p:tag name="KSO_WM_TEMPLATE_INDEX" val="20186830"/>
   <p:tag name="KSO_WM_TAG_VERSION" val="1.0"/>
@@ -17301,7 +17926,38 @@
 </file>
 
 <file path=ppt/tags/tag29.xml><?xml version="1.0" encoding="utf-8"?>
-<p:tagLst xmlns:p="http://schemas.openxmlformats.org/presentationml/2006/main">
+<p:tagLst xmlns:a="http://schemas.openxmlformats.org/drawingml/2006/main" xmlns:r="http://schemas.openxmlformats.org/officeDocument/2006/relationships" xmlns:p="http://schemas.openxmlformats.org/presentationml/2006/main">
+  <p:tag name="KSO_WM_TEMPLATE_CATEGORY" val="custom"/>
+  <p:tag name="KSO_WM_TEMPLATE_INDEX" val="20186830"/>
+  <p:tag name="KSO_WM_TAG_VERSION" val="1.0"/>
+  <p:tag name="KSO_WM_BEAUTIFY_FLAG" val="#wm#"/>
+  <p:tag name="KSO_WM_UNIT_TYPE" val="a"/>
+  <p:tag name="KSO_WM_UNIT_INDEX" val="1"/>
+  <p:tag name="KSO_WM_UNIT_ID" val="custom20186830_1*a*1"/>
+  <p:tag name="KSO_WM_UNIT_LAYERLEVEL" val="1"/>
+  <p:tag name="KSO_WM_UNIT_VALUE" val="9"/>
+  <p:tag name="KSO_WM_UNIT_ISCONTENTSTITLE" val="0"/>
+  <p:tag name="KSO_WM_UNIT_HIGHLIGHT" val="0"/>
+  <p:tag name="KSO_WM_UNIT_COMPATIBLE" val="0"/>
+  <p:tag name="KSO_WM_UNIT_CLEAR" val="0"/>
+  <p:tag name="KSO_WM_UNIT_PRESET_TEXT" val="黑白简约商务通用"/>
+</p:tagLst>
+</file>
+
+<file path=ppt/tags/tag3.xml><?xml version="1.0" encoding="utf-8"?>
+<p:tagLst xmlns:a="http://schemas.openxmlformats.org/drawingml/2006/main" xmlns:r="http://schemas.openxmlformats.org/officeDocument/2006/relationships" xmlns:p="http://schemas.openxmlformats.org/presentationml/2006/main">
+  <p:tag name="KSO_WM_TAG_VERSION" val="1.0"/>
+  <p:tag name="KSO_WM_BEAUTIFY_FLAG" val="#wm#"/>
+  <p:tag name="KSO_WM_COMBINE_RELATE_SLIDE_ID" val="background20181909_1"/>
+  <p:tag name="KSO_WM_TEMPLATE_CATEGORY" val="custom"/>
+  <p:tag name="KSO_WM_TEMPLATE_INDEX" val="20186830"/>
+  <p:tag name="KSO_WM_TEMPLATE_SUBCATEGORY" val="combine"/>
+  <p:tag name="KSO_WM_TEMPLATE_THUMBS_INDEX" val="1、6、10、15、19、22"/>
+</p:tagLst>
+</file>
+
+<file path=ppt/tags/tag30.xml><?xml version="1.0" encoding="utf-8"?>
+<p:tagLst xmlns:a="http://schemas.openxmlformats.org/drawingml/2006/main" xmlns:r="http://schemas.openxmlformats.org/officeDocument/2006/relationships" xmlns:p="http://schemas.openxmlformats.org/presentationml/2006/main">
   <p:tag name="KSO_WM_TEMPLATE_CATEGORY" val="custom"/>
   <p:tag name="KSO_WM_TEMPLATE_INDEX" val="20186830"/>
   <p:tag name="KSO_WM_TAG_VERSION" val="1.0"/>
@@ -17320,39 +17976,27 @@
 </p:tagLst>
 </file>
 
-<file path=ppt/tags/tag3.xml><?xml version="1.0" encoding="utf-8"?>
-<p:tagLst xmlns:p="http://schemas.openxmlformats.org/presentationml/2006/main">
+<file path=ppt/tags/tag31.xml><?xml version="1.0" encoding="utf-8"?>
+<p:tagLst xmlns:a="http://schemas.openxmlformats.org/drawingml/2006/main" xmlns:r="http://schemas.openxmlformats.org/officeDocument/2006/relationships" xmlns:p="http://schemas.openxmlformats.org/presentationml/2006/main">
+  <p:tag name="KSO_WM_TEMPLATE_CATEGORY" val="custom"/>
+  <p:tag name="KSO_WM_TEMPLATE_INDEX" val="20186830"/>
   <p:tag name="KSO_WM_TAG_VERSION" val="1.0"/>
+  <p:tag name="KSO_WM_SLIDE_ID" val="custom20186830_7"/>
+  <p:tag name="KSO_WM_SLIDE_INDEX" val="7"/>
+  <p:tag name="KSO_WM_SLIDE_ITEM_CNT" val="1"/>
+  <p:tag name="KSO_WM_SLIDE_LAYOUT" val="a_l"/>
+  <p:tag name="KSO_WM_SLIDE_LAYOUT_CNT" val="1_1"/>
+  <p:tag name="KSO_WM_SLIDE_TYPE" val="text"/>
   <p:tag name="KSO_WM_BEAUTIFY_FLAG" val="#wm#"/>
-  <p:tag name="KSO_WM_UNIT_TYPE" val="i"/>
-  <p:tag name="KSO_WM_UNIT_ID" val="custom20184556_1*i*5"/>
-  <p:tag name="KSO_WM_TEMPLATE_CATEGORY" val="custom"/>
-  <p:tag name="KSO_WM_TEMPLATE_INDEX" val="20184556"/>
-  <p:tag name="KSO_WM_UNIT_INDEX" val="5"/>
+  <p:tag name="KSO_WM_SLIDE_POSITION" val="25*85"/>
+  <p:tag name="KSO_WM_SLIDE_SIZE" val="452*279"/>
+  <p:tag name="KSO_WM_DIAGRAM_GROUP_CODE" val="l1-1"/>
+  <p:tag name="KSO_WM_SLIDE_SUBTYPE" val="diag"/>
 </p:tagLst>
 </file>
 
-<file path=ppt/tags/tag30.xml><?xml version="1.0" encoding="utf-8"?>
-<p:tagLst xmlns:p="http://schemas.openxmlformats.org/presentationml/2006/main">
-  <p:tag name="KSO_WM_TAG_VERSION" val="1.0"/>
-  <p:tag name="KSO_WM_SLIDE_ITEM_CNT" val="2"/>
-  <p:tag name="KSO_WM_SLIDE_LAYOUT" val="a_b_c"/>
-  <p:tag name="KSO_WM_SLIDE_LAYOUT_CNT" val="1_1_1"/>
-  <p:tag name="KSO_WM_SLIDE_TYPE" val="title"/>
-  <p:tag name="KSO_WM_BEAUTIFY_FLAG" val="#wm#"/>
-  <p:tag name="KSO_WM_COMBINE_RELATE_SLIDE_ID" val="background20181909_1"/>
-  <p:tag name="KSO_WM_TEMPLATE_CATEGORY" val="custom"/>
-  <p:tag name="KSO_WM_TEMPLATE_INDEX" val="20186830"/>
-  <p:tag name="KSO_WM_SLIDE_ID" val="custom20186830_1"/>
-  <p:tag name="KSO_WM_SLIDE_INDEX" val="1"/>
-  <p:tag name="KSO_WM_TEMPLATE_SUBCATEGORY" val="combine"/>
-  <p:tag name="KSO_WM_TEMPLATE_THUMBS_INDEX" val="1、6、10、15、19、22、"/>
-  <p:tag name="KSO_WM_SLIDE_SUBTYPE" val="pureTxt"/>
-</p:tagLst>
-</file>
-
-<file path=ppt/tags/tag31.xml><?xml version="1.0" encoding="utf-8"?>
-<p:tagLst xmlns:p="http://schemas.openxmlformats.org/presentationml/2006/main">
+<file path=ppt/tags/tag32.xml><?xml version="1.0" encoding="utf-8"?>
+<p:tagLst xmlns:a="http://schemas.openxmlformats.org/drawingml/2006/main" xmlns:r="http://schemas.openxmlformats.org/officeDocument/2006/relationships" xmlns:p="http://schemas.openxmlformats.org/presentationml/2006/main">
   <p:tag name="KSO_WM_TEMPLATE_CATEGORY" val="custom"/>
   <p:tag name="KSO_WM_TEMPLATE_INDEX" val="20186830"/>
   <p:tag name="KSO_WM_TAG_VERSION" val="1.0"/>
@@ -17371,8 +18015,8 @@
 </p:tagLst>
 </file>
 
-<file path=ppt/tags/tag32.xml><?xml version="1.0" encoding="utf-8"?>
-<p:tagLst xmlns:p="http://schemas.openxmlformats.org/presentationml/2006/main">
+<file path=ppt/tags/tag33.xml><?xml version="1.0" encoding="utf-8"?>
+<p:tagLst xmlns:a="http://schemas.openxmlformats.org/drawingml/2006/main" xmlns:r="http://schemas.openxmlformats.org/officeDocument/2006/relationships" xmlns:p="http://schemas.openxmlformats.org/presentationml/2006/main">
   <p:tag name="KSO_WM_TEMPLATE_CATEGORY" val="custom"/>
   <p:tag name="KSO_WM_TEMPLATE_INDEX" val="20186830"/>
   <p:tag name="KSO_WM_TAG_VERSION" val="1.0"/>
@@ -17390,8 +18034,8 @@
 </p:tagLst>
 </file>
 
-<file path=ppt/tags/tag33.xml><?xml version="1.0" encoding="utf-8"?>
-<p:tagLst xmlns:p="http://schemas.openxmlformats.org/presentationml/2006/main">
+<file path=ppt/tags/tag34.xml><?xml version="1.0" encoding="utf-8"?>
+<p:tagLst xmlns:a="http://schemas.openxmlformats.org/drawingml/2006/main" xmlns:r="http://schemas.openxmlformats.org/officeDocument/2006/relationships" xmlns:p="http://schemas.openxmlformats.org/presentationml/2006/main">
   <p:tag name="KSO_WM_TEMPLATE_CATEGORY" val="custom"/>
   <p:tag name="KSO_WM_TEMPLATE_INDEX" val="20186830"/>
   <p:tag name="KSO_WM_TAG_VERSION" val="1.0"/>
@@ -17410,8 +18054,8 @@
 </p:tagLst>
 </file>
 
-<file path=ppt/tags/tag34.xml><?xml version="1.0" encoding="utf-8"?>
-<p:tagLst xmlns:p="http://schemas.openxmlformats.org/presentationml/2006/main">
+<file path=ppt/tags/tag35.xml><?xml version="1.0" encoding="utf-8"?>
+<p:tagLst xmlns:a="http://schemas.openxmlformats.org/drawingml/2006/main" xmlns:r="http://schemas.openxmlformats.org/officeDocument/2006/relationships" xmlns:p="http://schemas.openxmlformats.org/presentationml/2006/main">
   <p:tag name="KSO_WM_TEMPLATE_CATEGORY" val="custom"/>
   <p:tag name="KSO_WM_TEMPLATE_INDEX" val="20186830"/>
   <p:tag name="KSO_WM_TAG_VERSION" val="1.0"/>
@@ -17429,8 +18073,8 @@
 </p:tagLst>
 </file>
 
-<file path=ppt/tags/tag35.xml><?xml version="1.0" encoding="utf-8"?>
-<p:tagLst xmlns:p="http://schemas.openxmlformats.org/presentationml/2006/main">
+<file path=ppt/tags/tag36.xml><?xml version="1.0" encoding="utf-8"?>
+<p:tagLst xmlns:a="http://schemas.openxmlformats.org/drawingml/2006/main" xmlns:r="http://schemas.openxmlformats.org/officeDocument/2006/relationships" xmlns:p="http://schemas.openxmlformats.org/presentationml/2006/main">
   <p:tag name="KSO_WM_TEMPLATE_CATEGORY" val="custom"/>
   <p:tag name="KSO_WM_TEMPLATE_INDEX" val="20186830"/>
   <p:tag name="KSO_WM_TAG_VERSION" val="1.0"/>
@@ -17449,8 +18093,8 @@
 </p:tagLst>
 </file>
 
-<file path=ppt/tags/tag36.xml><?xml version="1.0" encoding="utf-8"?>
-<p:tagLst xmlns:p="http://schemas.openxmlformats.org/presentationml/2006/main">
+<file path=ppt/tags/tag37.xml><?xml version="1.0" encoding="utf-8"?>
+<p:tagLst xmlns:a="http://schemas.openxmlformats.org/drawingml/2006/main" xmlns:r="http://schemas.openxmlformats.org/officeDocument/2006/relationships" xmlns:p="http://schemas.openxmlformats.org/presentationml/2006/main">
   <p:tag name="KSO_WM_TEMPLATE_CATEGORY" val="custom"/>
   <p:tag name="KSO_WM_TEMPLATE_INDEX" val="20186830"/>
   <p:tag name="KSO_WM_TAG_VERSION" val="1.0"/>
@@ -17468,8 +18112,8 @@
 </p:tagLst>
 </file>
 
-<file path=ppt/tags/tag37.xml><?xml version="1.0" encoding="utf-8"?>
-<p:tagLst xmlns:p="http://schemas.openxmlformats.org/presentationml/2006/main">
+<file path=ppt/tags/tag38.xml><?xml version="1.0" encoding="utf-8"?>
+<p:tagLst xmlns:a="http://schemas.openxmlformats.org/drawingml/2006/main" xmlns:r="http://schemas.openxmlformats.org/officeDocument/2006/relationships" xmlns:p="http://schemas.openxmlformats.org/presentationml/2006/main">
   <p:tag name="KSO_WM_TEMPLATE_CATEGORY" val="custom"/>
   <p:tag name="KSO_WM_TEMPLATE_INDEX" val="20186830"/>
   <p:tag name="KSO_WM_TAG_VERSION" val="1.0"/>
@@ -17488,8 +18132,8 @@
 </p:tagLst>
 </file>
 
-<file path=ppt/tags/tag38.xml><?xml version="1.0" encoding="utf-8"?>
-<p:tagLst xmlns:p="http://schemas.openxmlformats.org/presentationml/2006/main">
+<file path=ppt/tags/tag39.xml><?xml version="1.0" encoding="utf-8"?>
+<p:tagLst xmlns:a="http://schemas.openxmlformats.org/drawingml/2006/main" xmlns:r="http://schemas.openxmlformats.org/officeDocument/2006/relationships" xmlns:p="http://schemas.openxmlformats.org/presentationml/2006/main">
   <p:tag name="KSO_WM_TEMPLATE_CATEGORY" val="custom"/>
   <p:tag name="KSO_WM_TEMPLATE_INDEX" val="20186830"/>
   <p:tag name="KSO_WM_TAG_VERSION" val="1.0"/>
@@ -17507,8 +18151,20 @@
 </p:tagLst>
 </file>
 
-<file path=ppt/tags/tag39.xml><?xml version="1.0" encoding="utf-8"?>
-<p:tagLst xmlns:p="http://schemas.openxmlformats.org/presentationml/2006/main">
+<file path=ppt/tags/tag4.xml><?xml version="1.0" encoding="utf-8"?>
+<p:tagLst xmlns:a="http://schemas.openxmlformats.org/drawingml/2006/main" xmlns:r="http://schemas.openxmlformats.org/officeDocument/2006/relationships" xmlns:p="http://schemas.openxmlformats.org/presentationml/2006/main">
+  <p:tag name="KSO_WM_TAG_VERSION" val="1.0"/>
+  <p:tag name="KSO_WM_BEAUTIFY_FLAG" val="#wm#"/>
+  <p:tag name="KSO_WM_UNIT_TYPE" val="i"/>
+  <p:tag name="KSO_WM_UNIT_ID" val="custom20184556_1*i*3"/>
+  <p:tag name="KSO_WM_TEMPLATE_CATEGORY" val="custom"/>
+  <p:tag name="KSO_WM_TEMPLATE_INDEX" val="20184556"/>
+  <p:tag name="KSO_WM_UNIT_INDEX" val="3"/>
+</p:tagLst>
+</file>
+
+<file path=ppt/tags/tag40.xml><?xml version="1.0" encoding="utf-8"?>
+<p:tagLst xmlns:a="http://schemas.openxmlformats.org/drawingml/2006/main" xmlns:r="http://schemas.openxmlformats.org/officeDocument/2006/relationships" xmlns:p="http://schemas.openxmlformats.org/presentationml/2006/main">
   <p:tag name="KSO_WM_TEMPLATE_CATEGORY" val="custom"/>
   <p:tag name="KSO_WM_TEMPLATE_INDEX" val="20186830"/>
   <p:tag name="KSO_WM_TAG_VERSION" val="1.0"/>
@@ -17527,20 +18183,8 @@
 </p:tagLst>
 </file>
 
-<file path=ppt/tags/tag4.xml><?xml version="1.0" encoding="utf-8"?>
-<p:tagLst xmlns:p="http://schemas.openxmlformats.org/presentationml/2006/main">
-  <p:tag name="KSO_WM_TAG_VERSION" val="1.0"/>
-  <p:tag name="KSO_WM_BEAUTIFY_FLAG" val="#wm#"/>
-  <p:tag name="KSO_WM_UNIT_TYPE" val="i"/>
-  <p:tag name="KSO_WM_UNIT_ID" val="custom20184556_1*i*6"/>
-  <p:tag name="KSO_WM_TEMPLATE_CATEGORY" val="custom"/>
-  <p:tag name="KSO_WM_TEMPLATE_INDEX" val="20184556"/>
-  <p:tag name="KSO_WM_UNIT_INDEX" val="6"/>
-</p:tagLst>
-</file>
-
-<file path=ppt/tags/tag40.xml><?xml version="1.0" encoding="utf-8"?>
-<p:tagLst xmlns:p="http://schemas.openxmlformats.org/presentationml/2006/main">
+<file path=ppt/tags/tag41.xml><?xml version="1.0" encoding="utf-8"?>
+<p:tagLst xmlns:a="http://schemas.openxmlformats.org/drawingml/2006/main" xmlns:r="http://schemas.openxmlformats.org/officeDocument/2006/relationships" xmlns:p="http://schemas.openxmlformats.org/presentationml/2006/main">
   <p:tag name="KSO_WM_TEMPLATE_CATEGORY" val="custom"/>
   <p:tag name="KSO_WM_TEMPLATE_INDEX" val="20186830"/>
   <p:tag name="KSO_WM_TAG_VERSION" val="1.0"/>
@@ -17558,8 +18202,8 @@
 </p:tagLst>
 </file>
 
-<file path=ppt/tags/tag41.xml><?xml version="1.0" encoding="utf-8"?>
-<p:tagLst xmlns:p="http://schemas.openxmlformats.org/presentationml/2006/main">
+<file path=ppt/tags/tag42.xml><?xml version="1.0" encoding="utf-8"?>
+<p:tagLst xmlns:a="http://schemas.openxmlformats.org/drawingml/2006/main" xmlns:r="http://schemas.openxmlformats.org/officeDocument/2006/relationships" xmlns:p="http://schemas.openxmlformats.org/presentationml/2006/main">
   <p:tag name="KSO_WM_TEMPLATE_CATEGORY" val="custom"/>
   <p:tag name="KSO_WM_TEMPLATE_INDEX" val="20186830"/>
   <p:tag name="KSO_WM_TAG_VERSION" val="1.0"/>
@@ -17578,8 +18222,8 @@
 </p:tagLst>
 </file>
 
-<file path=ppt/tags/tag42.xml><?xml version="1.0" encoding="utf-8"?>
-<p:tagLst xmlns:p="http://schemas.openxmlformats.org/presentationml/2006/main">
+<file path=ppt/tags/tag43.xml><?xml version="1.0" encoding="utf-8"?>
+<p:tagLst xmlns:a="http://schemas.openxmlformats.org/drawingml/2006/main" xmlns:r="http://schemas.openxmlformats.org/officeDocument/2006/relationships" xmlns:p="http://schemas.openxmlformats.org/presentationml/2006/main">
   <p:tag name="KSO_WM_TEMPLATE_CATEGORY" val="custom"/>
   <p:tag name="KSO_WM_TEMPLATE_INDEX" val="20186830"/>
   <p:tag name="KSO_WM_TAG_VERSION" val="1.0"/>
@@ -17597,8 +18241,8 @@
 </p:tagLst>
 </file>
 
-<file path=ppt/tags/tag43.xml><?xml version="1.0" encoding="utf-8"?>
-<p:tagLst xmlns:p="http://schemas.openxmlformats.org/presentationml/2006/main">
+<file path=ppt/tags/tag44.xml><?xml version="1.0" encoding="utf-8"?>
+<p:tagLst xmlns:a="http://schemas.openxmlformats.org/drawingml/2006/main" xmlns:r="http://schemas.openxmlformats.org/officeDocument/2006/relationships" xmlns:p="http://schemas.openxmlformats.org/presentationml/2006/main">
   <p:tag name="KSO_WM_TEMPLATE_CATEGORY" val="custom"/>
   <p:tag name="KSO_WM_TEMPLATE_INDEX" val="20186830"/>
   <p:tag name="KSO_WM_TAG_VERSION" val="1.0"/>
@@ -17617,8 +18261,8 @@
 </p:tagLst>
 </file>
 
-<file path=ppt/tags/tag44.xml><?xml version="1.0" encoding="utf-8"?>
-<p:tagLst xmlns:p="http://schemas.openxmlformats.org/presentationml/2006/main">
+<file path=ppt/tags/tag45.xml><?xml version="1.0" encoding="utf-8"?>
+<p:tagLst xmlns:a="http://schemas.openxmlformats.org/drawingml/2006/main" xmlns:r="http://schemas.openxmlformats.org/officeDocument/2006/relationships" xmlns:p="http://schemas.openxmlformats.org/presentationml/2006/main">
   <p:tag name="KSO_WM_TEMPLATE_CATEGORY" val="custom"/>
   <p:tag name="KSO_WM_TEMPLATE_INDEX" val="20186830"/>
   <p:tag name="KSO_WM_TAG_VERSION" val="1.0"/>
@@ -17636,8 +18280,8 @@
 </p:tagLst>
 </file>
 
-<file path=ppt/tags/tag45.xml><?xml version="1.0" encoding="utf-8"?>
-<p:tagLst xmlns:p="http://schemas.openxmlformats.org/presentationml/2006/main">
+<file path=ppt/tags/tag46.xml><?xml version="1.0" encoding="utf-8"?>
+<p:tagLst xmlns:a="http://schemas.openxmlformats.org/drawingml/2006/main" xmlns:r="http://schemas.openxmlformats.org/officeDocument/2006/relationships" xmlns:p="http://schemas.openxmlformats.org/presentationml/2006/main">
   <p:tag name="KSO_WM_TEMPLATE_CATEGORY" val="custom"/>
   <p:tag name="KSO_WM_TEMPLATE_INDEX" val="20186830"/>
   <p:tag name="KSO_WM_TAG_VERSION" val="1.0"/>
@@ -17656,8 +18300,8 @@
 </p:tagLst>
 </file>
 
-<file path=ppt/tags/tag46.xml><?xml version="1.0" encoding="utf-8"?>
-<p:tagLst xmlns:p="http://schemas.openxmlformats.org/presentationml/2006/main">
+<file path=ppt/tags/tag47.xml><?xml version="1.0" encoding="utf-8"?>
+<p:tagLst xmlns:a="http://schemas.openxmlformats.org/drawingml/2006/main" xmlns:r="http://schemas.openxmlformats.org/officeDocument/2006/relationships" xmlns:p="http://schemas.openxmlformats.org/presentationml/2006/main">
   <p:tag name="KSO_WM_TEMPLATE_CATEGORY" val="custom"/>
   <p:tag name="KSO_WM_TEMPLATE_INDEX" val="20186830"/>
   <p:tag name="KSO_WM_TAG_VERSION" val="1.0"/>
@@ -17675,8 +18319,8 @@
 </p:tagLst>
 </file>
 
-<file path=ppt/tags/tag47.xml><?xml version="1.0" encoding="utf-8"?>
-<p:tagLst xmlns:p="http://schemas.openxmlformats.org/presentationml/2006/main">
+<file path=ppt/tags/tag48.xml><?xml version="1.0" encoding="utf-8"?>
+<p:tagLst xmlns:a="http://schemas.openxmlformats.org/drawingml/2006/main" xmlns:r="http://schemas.openxmlformats.org/officeDocument/2006/relationships" xmlns:p="http://schemas.openxmlformats.org/presentationml/2006/main">
   <p:tag name="KSO_WM_TEMPLATE_CATEGORY" val="custom"/>
   <p:tag name="KSO_WM_TEMPLATE_INDEX" val="20186830"/>
   <p:tag name="KSO_WM_TAG_VERSION" val="1.0"/>
@@ -17695,8 +18339,8 @@
 </p:tagLst>
 </file>
 
-<file path=ppt/tags/tag48.xml><?xml version="1.0" encoding="utf-8"?>
-<p:tagLst xmlns:p="http://schemas.openxmlformats.org/presentationml/2006/main">
+<file path=ppt/tags/tag49.xml><?xml version="1.0" encoding="utf-8"?>
+<p:tagLst xmlns:a="http://schemas.openxmlformats.org/drawingml/2006/main" xmlns:r="http://schemas.openxmlformats.org/officeDocument/2006/relationships" xmlns:p="http://schemas.openxmlformats.org/presentationml/2006/main">
   <p:tag name="KSO_WM_TEMPLATE_CATEGORY" val="custom"/>
   <p:tag name="KSO_WM_TEMPLATE_INDEX" val="20186830"/>
   <p:tag name="KSO_WM_TAG_VERSION" val="1.0"/>
@@ -17714,8 +18358,20 @@
 </p:tagLst>
 </file>
 
-<file path=ppt/tags/tag49.xml><?xml version="1.0" encoding="utf-8"?>
-<p:tagLst xmlns:p="http://schemas.openxmlformats.org/presentationml/2006/main">
+<file path=ppt/tags/tag5.xml><?xml version="1.0" encoding="utf-8"?>
+<p:tagLst xmlns:a="http://schemas.openxmlformats.org/drawingml/2006/main" xmlns:r="http://schemas.openxmlformats.org/officeDocument/2006/relationships" xmlns:p="http://schemas.openxmlformats.org/presentationml/2006/main">
+  <p:tag name="KSO_WM_TAG_VERSION" val="1.0"/>
+  <p:tag name="KSO_WM_BEAUTIFY_FLAG" val="#wm#"/>
+  <p:tag name="KSO_WM_UNIT_TYPE" val="i"/>
+  <p:tag name="KSO_WM_UNIT_ID" val="custom20184556_1*i*4"/>
+  <p:tag name="KSO_WM_TEMPLATE_CATEGORY" val="custom"/>
+  <p:tag name="KSO_WM_TEMPLATE_INDEX" val="20184556"/>
+  <p:tag name="KSO_WM_UNIT_INDEX" val="4"/>
+</p:tagLst>
+</file>
+
+<file path=ppt/tags/tag50.xml><?xml version="1.0" encoding="utf-8"?>
+<p:tagLst xmlns:a="http://schemas.openxmlformats.org/drawingml/2006/main" xmlns:r="http://schemas.openxmlformats.org/officeDocument/2006/relationships" xmlns:p="http://schemas.openxmlformats.org/presentationml/2006/main">
   <p:tag name="KSO_WM_TEMPLATE_CATEGORY" val="custom"/>
   <p:tag name="KSO_WM_TEMPLATE_INDEX" val="20186830"/>
   <p:tag name="KSO_WM_TAG_VERSION" val="1.0"/>
@@ -17734,20 +18390,8 @@
 </p:tagLst>
 </file>
 
-<file path=ppt/tags/tag5.xml><?xml version="1.0" encoding="utf-8"?>
-<p:tagLst xmlns:p="http://schemas.openxmlformats.org/presentationml/2006/main">
-  <p:tag name="KSO_WM_TAG_VERSION" val="1.0"/>
-  <p:tag name="KSO_WM_BEAUTIFY_FLAG" val="#wm#"/>
-  <p:tag name="KSO_WM_UNIT_TYPE" val="i"/>
-  <p:tag name="KSO_WM_UNIT_ID" val="custom20184556_1*i*7"/>
-  <p:tag name="KSO_WM_TEMPLATE_CATEGORY" val="custom"/>
-  <p:tag name="KSO_WM_TEMPLATE_INDEX" val="20184556"/>
-  <p:tag name="KSO_WM_UNIT_INDEX" val="7"/>
-</p:tagLst>
-</file>
-
-<file path=ppt/tags/tag50.xml><?xml version="1.0" encoding="utf-8"?>
-<p:tagLst xmlns:p="http://schemas.openxmlformats.org/presentationml/2006/main">
+<file path=ppt/tags/tag51.xml><?xml version="1.0" encoding="utf-8"?>
+<p:tagLst xmlns:a="http://schemas.openxmlformats.org/drawingml/2006/main" xmlns:r="http://schemas.openxmlformats.org/officeDocument/2006/relationships" xmlns:p="http://schemas.openxmlformats.org/presentationml/2006/main">
   <p:tag name="KSO_WM_TEMPLATE_CATEGORY" val="custom"/>
   <p:tag name="KSO_WM_TEMPLATE_INDEX" val="20186830"/>
   <p:tag name="KSO_WM_TAG_VERSION" val="1.0"/>
@@ -17765,8 +18409,8 @@
 </p:tagLst>
 </file>
 
-<file path=ppt/tags/tag51.xml><?xml version="1.0" encoding="utf-8"?>
-<p:tagLst xmlns:p="http://schemas.openxmlformats.org/presentationml/2006/main">
+<file path=ppt/tags/tag52.xml><?xml version="1.0" encoding="utf-8"?>
+<p:tagLst xmlns:a="http://schemas.openxmlformats.org/drawingml/2006/main" xmlns:r="http://schemas.openxmlformats.org/officeDocument/2006/relationships" xmlns:p="http://schemas.openxmlformats.org/presentationml/2006/main">
   <p:tag name="KSO_WM_TEMPLATE_CATEGORY" val="custom"/>
   <p:tag name="KSO_WM_TEMPLATE_INDEX" val="20186830"/>
   <p:tag name="KSO_WM_TAG_VERSION" val="1.0"/>
@@ -17785,8 +18429,8 @@
 </p:tagLst>
 </file>
 
-<file path=ppt/tags/tag52.xml><?xml version="1.0" encoding="utf-8"?>
-<p:tagLst xmlns:p="http://schemas.openxmlformats.org/presentationml/2006/main">
+<file path=ppt/tags/tag53.xml><?xml version="1.0" encoding="utf-8"?>
+<p:tagLst xmlns:a="http://schemas.openxmlformats.org/drawingml/2006/main" xmlns:r="http://schemas.openxmlformats.org/officeDocument/2006/relationships" xmlns:p="http://schemas.openxmlformats.org/presentationml/2006/main">
   <p:tag name="KSO_WM_TEMPLATE_CATEGORY" val="custom"/>
   <p:tag name="KSO_WM_TEMPLATE_INDEX" val="20186830"/>
   <p:tag name="KSO_WM_TAG_VERSION" val="1.0"/>
@@ -17804,8 +18448,8 @@
 </p:tagLst>
 </file>
 
-<file path=ppt/tags/tag53.xml><?xml version="1.0" encoding="utf-8"?>
-<p:tagLst xmlns:p="http://schemas.openxmlformats.org/presentationml/2006/main">
+<file path=ppt/tags/tag54.xml><?xml version="1.0" encoding="utf-8"?>
+<p:tagLst xmlns:a="http://schemas.openxmlformats.org/drawingml/2006/main" xmlns:r="http://schemas.openxmlformats.org/officeDocument/2006/relationships" xmlns:p="http://schemas.openxmlformats.org/presentationml/2006/main">
   <p:tag name="KSO_WM_TEMPLATE_CATEGORY" val="custom"/>
   <p:tag name="KSO_WM_TEMPLATE_INDEX" val="20186830"/>
   <p:tag name="KSO_WM_TAG_VERSION" val="1.0"/>
@@ -17824,8 +18468,8 @@
 </p:tagLst>
 </file>
 
-<file path=ppt/tags/tag54.xml><?xml version="1.0" encoding="utf-8"?>
-<p:tagLst xmlns:p="http://schemas.openxmlformats.org/presentationml/2006/main">
+<file path=ppt/tags/tag55.xml><?xml version="1.0" encoding="utf-8"?>
+<p:tagLst xmlns:a="http://schemas.openxmlformats.org/drawingml/2006/main" xmlns:r="http://schemas.openxmlformats.org/officeDocument/2006/relationships" xmlns:p="http://schemas.openxmlformats.org/presentationml/2006/main">
   <p:tag name="KSO_WM_TEMPLATE_CATEGORY" val="custom"/>
   <p:tag name="KSO_WM_TEMPLATE_INDEX" val="20186830"/>
   <p:tag name="KSO_WM_TAG_VERSION" val="1.0"/>
@@ -17843,8 +18487,8 @@
 </p:tagLst>
 </file>
 
-<file path=ppt/tags/tag55.xml><?xml version="1.0" encoding="utf-8"?>
-<p:tagLst xmlns:p="http://schemas.openxmlformats.org/presentationml/2006/main">
+<file path=ppt/tags/tag56.xml><?xml version="1.0" encoding="utf-8"?>
+<p:tagLst xmlns:a="http://schemas.openxmlformats.org/drawingml/2006/main" xmlns:r="http://schemas.openxmlformats.org/officeDocument/2006/relationships" xmlns:p="http://schemas.openxmlformats.org/presentationml/2006/main">
   <p:tag name="KSO_WM_TEMPLATE_CATEGORY" val="custom"/>
   <p:tag name="KSO_WM_TEMPLATE_INDEX" val="20186830"/>
   <p:tag name="KSO_WM_TAG_VERSION" val="1.0"/>
@@ -17863,8 +18507,8 @@
 </p:tagLst>
 </file>
 
-<file path=ppt/tags/tag56.xml><?xml version="1.0" encoding="utf-8"?>
-<p:tagLst xmlns:p="http://schemas.openxmlformats.org/presentationml/2006/main">
+<file path=ppt/tags/tag57.xml><?xml version="1.0" encoding="utf-8"?>
+<p:tagLst xmlns:a="http://schemas.openxmlformats.org/drawingml/2006/main" xmlns:r="http://schemas.openxmlformats.org/officeDocument/2006/relationships" xmlns:p="http://schemas.openxmlformats.org/presentationml/2006/main">
   <p:tag name="KSO_WM_TEMPLATE_CATEGORY" val="custom"/>
   <p:tag name="KSO_WM_TEMPLATE_INDEX" val="20186830"/>
   <p:tag name="KSO_WM_TAG_VERSION" val="1.0"/>
@@ -17882,8 +18526,8 @@
 </p:tagLst>
 </file>
 
-<file path=ppt/tags/tag57.xml><?xml version="1.0" encoding="utf-8"?>
-<p:tagLst xmlns:p="http://schemas.openxmlformats.org/presentationml/2006/main">
+<file path=ppt/tags/tag58.xml><?xml version="1.0" encoding="utf-8"?>
+<p:tagLst xmlns:a="http://schemas.openxmlformats.org/drawingml/2006/main" xmlns:r="http://schemas.openxmlformats.org/officeDocument/2006/relationships" xmlns:p="http://schemas.openxmlformats.org/presentationml/2006/main">
   <p:tag name="KSO_WM_TEMPLATE_CATEGORY" val="custom"/>
   <p:tag name="KSO_WM_TEMPLATE_INDEX" val="20186830"/>
   <p:tag name="KSO_WM_TAG_VERSION" val="1.0"/>
@@ -17902,8 +18546,8 @@
 </p:tagLst>
 </file>
 
-<file path=ppt/tags/tag58.xml><?xml version="1.0" encoding="utf-8"?>
-<p:tagLst xmlns:p="http://schemas.openxmlformats.org/presentationml/2006/main">
+<file path=ppt/tags/tag59.xml><?xml version="1.0" encoding="utf-8"?>
+<p:tagLst xmlns:a="http://schemas.openxmlformats.org/drawingml/2006/main" xmlns:r="http://schemas.openxmlformats.org/officeDocument/2006/relationships" xmlns:p="http://schemas.openxmlformats.org/presentationml/2006/main">
   <p:tag name="KSO_WM_TEMPLATE_CATEGORY" val="custom"/>
   <p:tag name="KSO_WM_TEMPLATE_INDEX" val="20186830"/>
   <p:tag name="KSO_WM_TAG_VERSION" val="1.0"/>
@@ -17921,8 +18565,20 @@
 </p:tagLst>
 </file>
 
-<file path=ppt/tags/tag59.xml><?xml version="1.0" encoding="utf-8"?>
-<p:tagLst xmlns:p="http://schemas.openxmlformats.org/presentationml/2006/main">
+<file path=ppt/tags/tag6.xml><?xml version="1.0" encoding="utf-8"?>
+<p:tagLst xmlns:a="http://schemas.openxmlformats.org/drawingml/2006/main" xmlns:r="http://schemas.openxmlformats.org/officeDocument/2006/relationships" xmlns:p="http://schemas.openxmlformats.org/presentationml/2006/main">
+  <p:tag name="KSO_WM_TAG_VERSION" val="1.0"/>
+  <p:tag name="KSO_WM_BEAUTIFY_FLAG" val="#wm#"/>
+  <p:tag name="KSO_WM_UNIT_TYPE" val="i"/>
+  <p:tag name="KSO_WM_UNIT_ID" val="custom20184556_1*i*5"/>
+  <p:tag name="KSO_WM_TEMPLATE_CATEGORY" val="custom"/>
+  <p:tag name="KSO_WM_TEMPLATE_INDEX" val="20184556"/>
+  <p:tag name="KSO_WM_UNIT_INDEX" val="5"/>
+</p:tagLst>
+</file>
+
+<file path=ppt/tags/tag60.xml><?xml version="1.0" encoding="utf-8"?>
+<p:tagLst xmlns:a="http://schemas.openxmlformats.org/drawingml/2006/main" xmlns:r="http://schemas.openxmlformats.org/officeDocument/2006/relationships" xmlns:p="http://schemas.openxmlformats.org/presentationml/2006/main">
   <p:tag name="KSO_WM_TEMPLATE_CATEGORY" val="custom"/>
   <p:tag name="KSO_WM_TEMPLATE_INDEX" val="20186830"/>
   <p:tag name="KSO_WM_TAG_VERSION" val="1.0"/>
@@ -17941,20 +18597,8 @@
 </p:tagLst>
 </file>
 
-<file path=ppt/tags/tag6.xml><?xml version="1.0" encoding="utf-8"?>
-<p:tagLst xmlns:p="http://schemas.openxmlformats.org/presentationml/2006/main">
-  <p:tag name="KSO_WM_TAG_VERSION" val="1.0"/>
-  <p:tag name="KSO_WM_BEAUTIFY_FLAG" val="#wm#"/>
-  <p:tag name="KSO_WM_UNIT_TYPE" val="i"/>
-  <p:tag name="KSO_WM_UNIT_ID" val="custom20184556_22*i*2"/>
-  <p:tag name="KSO_WM_TEMPLATE_CATEGORY" val="custom"/>
-  <p:tag name="KSO_WM_TEMPLATE_INDEX" val="20184556"/>
-  <p:tag name="KSO_WM_UNIT_INDEX" val="2"/>
-</p:tagLst>
-</file>
-
-<file path=ppt/tags/tag60.xml><?xml version="1.0" encoding="utf-8"?>
-<p:tagLst xmlns:p="http://schemas.openxmlformats.org/presentationml/2006/main">
+<file path=ppt/tags/tag61.xml><?xml version="1.0" encoding="utf-8"?>
+<p:tagLst xmlns:a="http://schemas.openxmlformats.org/drawingml/2006/main" xmlns:r="http://schemas.openxmlformats.org/officeDocument/2006/relationships" xmlns:p="http://schemas.openxmlformats.org/presentationml/2006/main">
   <p:tag name="KSO_WM_TEMPLATE_CATEGORY" val="custom"/>
   <p:tag name="KSO_WM_TEMPLATE_INDEX" val="20186830"/>
   <p:tag name="KSO_WM_TAG_VERSION" val="1.0"/>
@@ -17972,8 +18616,8 @@
 </p:tagLst>
 </file>
 
-<file path=ppt/tags/tag61.xml><?xml version="1.0" encoding="utf-8"?>
-<p:tagLst xmlns:p="http://schemas.openxmlformats.org/presentationml/2006/main">
+<file path=ppt/tags/tag62.xml><?xml version="1.0" encoding="utf-8"?>
+<p:tagLst xmlns:a="http://schemas.openxmlformats.org/drawingml/2006/main" xmlns:r="http://schemas.openxmlformats.org/officeDocument/2006/relationships" xmlns:p="http://schemas.openxmlformats.org/presentationml/2006/main">
   <p:tag name="KSO_WM_TEMPLATE_CATEGORY" val="custom"/>
   <p:tag name="KSO_WM_TEMPLATE_INDEX" val="20186830"/>
   <p:tag name="KSO_WM_TAG_VERSION" val="1.0"/>
@@ -17992,8 +18636,8 @@
 </p:tagLst>
 </file>
 
-<file path=ppt/tags/tag62.xml><?xml version="1.0" encoding="utf-8"?>
-<p:tagLst xmlns:p="http://schemas.openxmlformats.org/presentationml/2006/main">
+<file path=ppt/tags/tag63.xml><?xml version="1.0" encoding="utf-8"?>
+<p:tagLst xmlns:a="http://schemas.openxmlformats.org/drawingml/2006/main" xmlns:r="http://schemas.openxmlformats.org/officeDocument/2006/relationships" xmlns:p="http://schemas.openxmlformats.org/presentationml/2006/main">
   <p:tag name="KSO_WM_TEMPLATE_CATEGORY" val="custom"/>
   <p:tag name="KSO_WM_TEMPLATE_INDEX" val="20186830"/>
   <p:tag name="KSO_WM_TAG_VERSION" val="1.0"/>
@@ -18011,8 +18655,8 @@
 </p:tagLst>
 </file>
 
-<file path=ppt/tags/tag63.xml><?xml version="1.0" encoding="utf-8"?>
-<p:tagLst xmlns:p="http://schemas.openxmlformats.org/presentationml/2006/main">
+<file path=ppt/tags/tag64.xml><?xml version="1.0" encoding="utf-8"?>
+<p:tagLst xmlns:a="http://schemas.openxmlformats.org/drawingml/2006/main" xmlns:r="http://schemas.openxmlformats.org/officeDocument/2006/relationships" xmlns:p="http://schemas.openxmlformats.org/presentationml/2006/main">
   <p:tag name="KSO_WM_TEMPLATE_CATEGORY" val="custom"/>
   <p:tag name="KSO_WM_TEMPLATE_INDEX" val="20186830"/>
   <p:tag name="KSO_WM_TAG_VERSION" val="1.0"/>
@@ -18031,8 +18675,8 @@
 </p:tagLst>
 </file>
 
-<file path=ppt/tags/tag64.xml><?xml version="1.0" encoding="utf-8"?>
-<p:tagLst xmlns:p="http://schemas.openxmlformats.org/presentationml/2006/main">
+<file path=ppt/tags/tag65.xml><?xml version="1.0" encoding="utf-8"?>
+<p:tagLst xmlns:a="http://schemas.openxmlformats.org/drawingml/2006/main" xmlns:r="http://schemas.openxmlformats.org/officeDocument/2006/relationships" xmlns:p="http://schemas.openxmlformats.org/presentationml/2006/main">
   <p:tag name="KSO_WM_TEMPLATE_CATEGORY" val="custom"/>
   <p:tag name="KSO_WM_TEMPLATE_INDEX" val="20186830"/>
   <p:tag name="KSO_WM_TAG_VERSION" val="1.0"/>
@@ -18050,8 +18694,8 @@
 </p:tagLst>
 </file>
 
-<file path=ppt/tags/tag65.xml><?xml version="1.0" encoding="utf-8"?>
-<p:tagLst xmlns:p="http://schemas.openxmlformats.org/presentationml/2006/main">
+<file path=ppt/tags/tag66.xml><?xml version="1.0" encoding="utf-8"?>
+<p:tagLst xmlns:a="http://schemas.openxmlformats.org/drawingml/2006/main" xmlns:r="http://schemas.openxmlformats.org/officeDocument/2006/relationships" xmlns:p="http://schemas.openxmlformats.org/presentationml/2006/main">
   <p:tag name="KSO_WM_TEMPLATE_CATEGORY" val="custom"/>
   <p:tag name="KSO_WM_TEMPLATE_INDEX" val="20186830"/>
   <p:tag name="KSO_WM_TAG_VERSION" val="1.0"/>
@@ -18070,8 +18714,8 @@
 </p:tagLst>
 </file>
 
-<file path=ppt/tags/tag66.xml><?xml version="1.0" encoding="utf-8"?>
-<p:tagLst xmlns:p="http://schemas.openxmlformats.org/presentationml/2006/main">
+<file path=ppt/tags/tag67.xml><?xml version="1.0" encoding="utf-8"?>
+<p:tagLst xmlns:a="http://schemas.openxmlformats.org/drawingml/2006/main" xmlns:r="http://schemas.openxmlformats.org/officeDocument/2006/relationships" xmlns:p="http://schemas.openxmlformats.org/presentationml/2006/main">
   <p:tag name="KSO_WM_TEMPLATE_CATEGORY" val="custom"/>
   <p:tag name="KSO_WM_TEMPLATE_INDEX" val="20186830"/>
   <p:tag name="KSO_WM_TAG_VERSION" val="1.0"/>
@@ -18089,8 +18733,8 @@
 </p:tagLst>
 </file>
 
-<file path=ppt/tags/tag67.xml><?xml version="1.0" encoding="utf-8"?>
-<p:tagLst xmlns:p="http://schemas.openxmlformats.org/presentationml/2006/main">
+<file path=ppt/tags/tag68.xml><?xml version="1.0" encoding="utf-8"?>
+<p:tagLst xmlns:a="http://schemas.openxmlformats.org/drawingml/2006/main" xmlns:r="http://schemas.openxmlformats.org/officeDocument/2006/relationships" xmlns:p="http://schemas.openxmlformats.org/presentationml/2006/main">
   <p:tag name="KSO_WM_TEMPLATE_CATEGORY" val="custom"/>
   <p:tag name="KSO_WM_TEMPLATE_INDEX" val="20186830"/>
   <p:tag name="KSO_WM_TAG_VERSION" val="1.0"/>
@@ -18109,8 +18753,8 @@
 </p:tagLst>
 </file>
 
-<file path=ppt/tags/tag68.xml><?xml version="1.0" encoding="utf-8"?>
-<p:tagLst xmlns:p="http://schemas.openxmlformats.org/presentationml/2006/main">
+<file path=ppt/tags/tag69.xml><?xml version="1.0" encoding="utf-8"?>
+<p:tagLst xmlns:a="http://schemas.openxmlformats.org/drawingml/2006/main" xmlns:r="http://schemas.openxmlformats.org/officeDocument/2006/relationships" xmlns:p="http://schemas.openxmlformats.org/presentationml/2006/main">
   <p:tag name="KSO_WM_TEMPLATE_CATEGORY" val="custom"/>
   <p:tag name="KSO_WM_TEMPLATE_INDEX" val="20186830"/>
   <p:tag name="KSO_WM_TAG_VERSION" val="1.0"/>
@@ -18128,8 +18772,20 @@
 </p:tagLst>
 </file>
 
-<file path=ppt/tags/tag69.xml><?xml version="1.0" encoding="utf-8"?>
-<p:tagLst xmlns:p="http://schemas.openxmlformats.org/presentationml/2006/main">
+<file path=ppt/tags/tag7.xml><?xml version="1.0" encoding="utf-8"?>
+<p:tagLst xmlns:a="http://schemas.openxmlformats.org/drawingml/2006/main" xmlns:r="http://schemas.openxmlformats.org/officeDocument/2006/relationships" xmlns:p="http://schemas.openxmlformats.org/presentationml/2006/main">
+  <p:tag name="KSO_WM_TAG_VERSION" val="1.0"/>
+  <p:tag name="KSO_WM_BEAUTIFY_FLAG" val="#wm#"/>
+  <p:tag name="KSO_WM_UNIT_TYPE" val="i"/>
+  <p:tag name="KSO_WM_UNIT_ID" val="custom20184556_1*i*6"/>
+  <p:tag name="KSO_WM_TEMPLATE_CATEGORY" val="custom"/>
+  <p:tag name="KSO_WM_TEMPLATE_INDEX" val="20184556"/>
+  <p:tag name="KSO_WM_UNIT_INDEX" val="6"/>
+</p:tagLst>
+</file>
+
+<file path=ppt/tags/tag70.xml><?xml version="1.0" encoding="utf-8"?>
+<p:tagLst xmlns:a="http://schemas.openxmlformats.org/drawingml/2006/main" xmlns:r="http://schemas.openxmlformats.org/officeDocument/2006/relationships" xmlns:p="http://schemas.openxmlformats.org/presentationml/2006/main">
   <p:tag name="KSO_WM_TEMPLATE_CATEGORY" val="custom"/>
   <p:tag name="KSO_WM_TEMPLATE_INDEX" val="20186830"/>
   <p:tag name="KSO_WM_TAG_VERSION" val="1.0"/>
@@ -18148,20 +18804,8 @@
 </p:tagLst>
 </file>
 
-<file path=ppt/tags/tag7.xml><?xml version="1.0" encoding="utf-8"?>
-<p:tagLst xmlns:p="http://schemas.openxmlformats.org/presentationml/2006/main">
-  <p:tag name="KSO_WM_TAG_VERSION" val="1.0"/>
-  <p:tag name="KSO_WM_BEAUTIFY_FLAG" val="#wm#"/>
-  <p:tag name="KSO_WM_UNIT_TYPE" val="i"/>
-  <p:tag name="KSO_WM_UNIT_ID" val="custom20184556_22*i*3"/>
-  <p:tag name="KSO_WM_TEMPLATE_CATEGORY" val="custom"/>
-  <p:tag name="KSO_WM_TEMPLATE_INDEX" val="20184556"/>
-  <p:tag name="KSO_WM_UNIT_INDEX" val="3"/>
-</p:tagLst>
-</file>
-
-<file path=ppt/tags/tag70.xml><?xml version="1.0" encoding="utf-8"?>
-<p:tagLst xmlns:p="http://schemas.openxmlformats.org/presentationml/2006/main">
+<file path=ppt/tags/tag71.xml><?xml version="1.0" encoding="utf-8"?>
+<p:tagLst xmlns:a="http://schemas.openxmlformats.org/drawingml/2006/main" xmlns:r="http://schemas.openxmlformats.org/officeDocument/2006/relationships" xmlns:p="http://schemas.openxmlformats.org/presentationml/2006/main">
   <p:tag name="KSO_WM_TEMPLATE_CATEGORY" val="custom"/>
   <p:tag name="KSO_WM_TEMPLATE_INDEX" val="20186830"/>
   <p:tag name="KSO_WM_TAG_VERSION" val="1.0"/>
@@ -18179,8 +18823,8 @@
 </p:tagLst>
 </file>
 
-<file path=ppt/tags/tag71.xml><?xml version="1.0" encoding="utf-8"?>
-<p:tagLst xmlns:p="http://schemas.openxmlformats.org/presentationml/2006/main">
+<file path=ppt/tags/tag72.xml><?xml version="1.0" encoding="utf-8"?>
+<p:tagLst xmlns:a="http://schemas.openxmlformats.org/drawingml/2006/main" xmlns:r="http://schemas.openxmlformats.org/officeDocument/2006/relationships" xmlns:p="http://schemas.openxmlformats.org/presentationml/2006/main">
   <p:tag name="KSO_WM_TEMPLATE_CATEGORY" val="custom"/>
   <p:tag name="KSO_WM_TEMPLATE_INDEX" val="20186830"/>
   <p:tag name="KSO_WM_TAG_VERSION" val="1.0"/>
@@ -18199,8 +18843,8 @@
 </p:tagLst>
 </file>
 
-<file path=ppt/tags/tag72.xml><?xml version="1.0" encoding="utf-8"?>
-<p:tagLst xmlns:p="http://schemas.openxmlformats.org/presentationml/2006/main">
+<file path=ppt/tags/tag73.xml><?xml version="1.0" encoding="utf-8"?>
+<p:tagLst xmlns:a="http://schemas.openxmlformats.org/drawingml/2006/main" xmlns:r="http://schemas.openxmlformats.org/officeDocument/2006/relationships" xmlns:p="http://schemas.openxmlformats.org/presentationml/2006/main">
   <p:tag name="KSO_WM_TEMPLATE_CATEGORY" val="custom"/>
   <p:tag name="KSO_WM_TEMPLATE_INDEX" val="20186830"/>
   <p:tag name="KSO_WM_TAG_VERSION" val="1.0"/>
@@ -18218,8 +18862,8 @@
 </p:tagLst>
 </file>
 
-<file path=ppt/tags/tag73.xml><?xml version="1.0" encoding="utf-8"?>
-<p:tagLst xmlns:p="http://schemas.openxmlformats.org/presentationml/2006/main">
+<file path=ppt/tags/tag74.xml><?xml version="1.0" encoding="utf-8"?>
+<p:tagLst xmlns:a="http://schemas.openxmlformats.org/drawingml/2006/main" xmlns:r="http://schemas.openxmlformats.org/officeDocument/2006/relationships" xmlns:p="http://schemas.openxmlformats.org/presentationml/2006/main">
   <p:tag name="KSO_WM_TEMPLATE_CATEGORY" val="custom"/>
   <p:tag name="KSO_WM_TEMPLATE_INDEX" val="20186830"/>
   <p:tag name="KSO_WM_TAG_VERSION" val="1.0"/>
@@ -18238,8 +18882,8 @@
 </p:tagLst>
 </file>
 
-<file path=ppt/tags/tag74.xml><?xml version="1.0" encoding="utf-8"?>
-<p:tagLst xmlns:p="http://schemas.openxmlformats.org/presentationml/2006/main">
+<file path=ppt/tags/tag75.xml><?xml version="1.0" encoding="utf-8"?>
+<p:tagLst xmlns:a="http://schemas.openxmlformats.org/drawingml/2006/main" xmlns:r="http://schemas.openxmlformats.org/officeDocument/2006/relationships" xmlns:p="http://schemas.openxmlformats.org/presentationml/2006/main">
   <p:tag name="KSO_WM_TEMPLATE_CATEGORY" val="custom"/>
   <p:tag name="KSO_WM_TEMPLATE_INDEX" val="20186830"/>
   <p:tag name="KSO_WM_TAG_VERSION" val="1.0"/>
@@ -18257,8 +18901,8 @@
 </p:tagLst>
 </file>
 
-<file path=ppt/tags/tag75.xml><?xml version="1.0" encoding="utf-8"?>
-<p:tagLst xmlns:p="http://schemas.openxmlformats.org/presentationml/2006/main">
+<file path=ppt/tags/tag76.xml><?xml version="1.0" encoding="utf-8"?>
+<p:tagLst xmlns:a="http://schemas.openxmlformats.org/drawingml/2006/main" xmlns:r="http://schemas.openxmlformats.org/officeDocument/2006/relationships" xmlns:p="http://schemas.openxmlformats.org/presentationml/2006/main">
   <p:tag name="KSO_WM_TEMPLATE_CATEGORY" val="custom"/>
   <p:tag name="KSO_WM_TEMPLATE_INDEX" val="20186830"/>
   <p:tag name="KSO_WM_TAG_VERSION" val="1.0"/>
@@ -18277,8 +18921,8 @@
 </p:tagLst>
 </file>
 
-<file path=ppt/tags/tag76.xml><?xml version="1.0" encoding="utf-8"?>
-<p:tagLst xmlns:p="http://schemas.openxmlformats.org/presentationml/2006/main">
+<file path=ppt/tags/tag77.xml><?xml version="1.0" encoding="utf-8"?>
+<p:tagLst xmlns:a="http://schemas.openxmlformats.org/drawingml/2006/main" xmlns:r="http://schemas.openxmlformats.org/officeDocument/2006/relationships" xmlns:p="http://schemas.openxmlformats.org/presentationml/2006/main">
   <p:tag name="KSO_WM_TEMPLATE_CATEGORY" val="custom"/>
   <p:tag name="KSO_WM_TEMPLATE_INDEX" val="20186830"/>
   <p:tag name="KSO_WM_TAG_VERSION" val="1.0"/>
@@ -18296,8 +18940,8 @@
 </p:tagLst>
 </file>
 
-<file path=ppt/tags/tag77.xml><?xml version="1.0" encoding="utf-8"?>
-<p:tagLst xmlns:p="http://schemas.openxmlformats.org/presentationml/2006/main">
+<file path=ppt/tags/tag78.xml><?xml version="1.0" encoding="utf-8"?>
+<p:tagLst xmlns:a="http://schemas.openxmlformats.org/drawingml/2006/main" xmlns:r="http://schemas.openxmlformats.org/officeDocument/2006/relationships" xmlns:p="http://schemas.openxmlformats.org/presentationml/2006/main">
   <p:tag name="KSO_WM_TEMPLATE_CATEGORY" val="custom"/>
   <p:tag name="KSO_WM_TEMPLATE_INDEX" val="20186830"/>
   <p:tag name="KSO_WM_TAG_VERSION" val="1.0"/>
@@ -18316,8 +18960,8 @@
 </p:tagLst>
 </file>
 
-<file path=ppt/tags/tag78.xml><?xml version="1.0" encoding="utf-8"?>
-<p:tagLst xmlns:p="http://schemas.openxmlformats.org/presentationml/2006/main">
+<file path=ppt/tags/tag79.xml><?xml version="1.0" encoding="utf-8"?>
+<p:tagLst xmlns:a="http://schemas.openxmlformats.org/drawingml/2006/main" xmlns:r="http://schemas.openxmlformats.org/officeDocument/2006/relationships" xmlns:p="http://schemas.openxmlformats.org/presentationml/2006/main">
   <p:tag name="KSO_WM_TEMPLATE_CATEGORY" val="custom"/>
   <p:tag name="KSO_WM_TEMPLATE_INDEX" val="20186830"/>
   <p:tag name="KSO_WM_TAG_VERSION" val="1.0"/>
@@ -18335,8 +18979,20 @@
 </p:tagLst>
 </file>
 
-<file path=ppt/tags/tag79.xml><?xml version="1.0" encoding="utf-8"?>
-<p:tagLst xmlns:p="http://schemas.openxmlformats.org/presentationml/2006/main">
+<file path=ppt/tags/tag8.xml><?xml version="1.0" encoding="utf-8"?>
+<p:tagLst xmlns:a="http://schemas.openxmlformats.org/drawingml/2006/main" xmlns:r="http://schemas.openxmlformats.org/officeDocument/2006/relationships" xmlns:p="http://schemas.openxmlformats.org/presentationml/2006/main">
+  <p:tag name="KSO_WM_TAG_VERSION" val="1.0"/>
+  <p:tag name="KSO_WM_BEAUTIFY_FLAG" val="#wm#"/>
+  <p:tag name="KSO_WM_UNIT_TYPE" val="i"/>
+  <p:tag name="KSO_WM_UNIT_ID" val="custom20184556_1*i*7"/>
+  <p:tag name="KSO_WM_TEMPLATE_CATEGORY" val="custom"/>
+  <p:tag name="KSO_WM_TEMPLATE_INDEX" val="20184556"/>
+  <p:tag name="KSO_WM_UNIT_INDEX" val="7"/>
+</p:tagLst>
+</file>
+
+<file path=ppt/tags/tag80.xml><?xml version="1.0" encoding="utf-8"?>
+<p:tagLst xmlns:a="http://schemas.openxmlformats.org/drawingml/2006/main" xmlns:r="http://schemas.openxmlformats.org/officeDocument/2006/relationships" xmlns:p="http://schemas.openxmlformats.org/presentationml/2006/main">
   <p:tag name="KSO_WM_TEMPLATE_CATEGORY" val="custom"/>
   <p:tag name="KSO_WM_TEMPLATE_INDEX" val="20186830"/>
   <p:tag name="KSO_WM_TAG_VERSION" val="1.0"/>
@@ -18355,20 +19011,8 @@
 </p:tagLst>
 </file>
 
-<file path=ppt/tags/tag8.xml><?xml version="1.0" encoding="utf-8"?>
-<p:tagLst xmlns:p="http://schemas.openxmlformats.org/presentationml/2006/main">
-  <p:tag name="KSO_WM_TAG_VERSION" val="1.0"/>
-  <p:tag name="KSO_WM_BEAUTIFY_FLAG" val="#wm#"/>
-  <p:tag name="KSO_WM_UNIT_TYPE" val="i"/>
-  <p:tag name="KSO_WM_UNIT_ID" val="custom20184556_22*i*4"/>
-  <p:tag name="KSO_WM_TEMPLATE_CATEGORY" val="custom"/>
-  <p:tag name="KSO_WM_TEMPLATE_INDEX" val="20184556"/>
-  <p:tag name="KSO_WM_UNIT_INDEX" val="4"/>
-</p:tagLst>
-</file>
-
-<file path=ppt/tags/tag80.xml><?xml version="1.0" encoding="utf-8"?>
-<p:tagLst xmlns:p="http://schemas.openxmlformats.org/presentationml/2006/main">
+<file path=ppt/tags/tag81.xml><?xml version="1.0" encoding="utf-8"?>
+<p:tagLst xmlns:a="http://schemas.openxmlformats.org/drawingml/2006/main" xmlns:r="http://schemas.openxmlformats.org/officeDocument/2006/relationships" xmlns:p="http://schemas.openxmlformats.org/presentationml/2006/main">
   <p:tag name="KSO_WM_TEMPLATE_CATEGORY" val="custom"/>
   <p:tag name="KSO_WM_TEMPLATE_INDEX" val="20186830"/>
   <p:tag name="KSO_WM_TAG_VERSION" val="1.0"/>
@@ -18386,15 +19030,74 @@
 </p:tagLst>
 </file>
 
-<file path=ppt/tags/tag81.xml><?xml version="1.0" encoding="utf-8"?>
-<p:tagLst xmlns:p="http://schemas.openxmlformats.org/presentationml/2006/main">
+<file path=ppt/tags/tag82.xml><?xml version="1.0" encoding="utf-8"?>
+<p:tagLst xmlns:a="http://schemas.openxmlformats.org/drawingml/2006/main" xmlns:r="http://schemas.openxmlformats.org/officeDocument/2006/relationships" xmlns:p="http://schemas.openxmlformats.org/presentationml/2006/main">
+  <p:tag name="KSO_WM_TEMPLATE_CATEGORY" val="custom"/>
+  <p:tag name="KSO_WM_TEMPLATE_INDEX" val="20186830"/>
+  <p:tag name="KSO_WM_TAG_VERSION" val="1.0"/>
+  <p:tag name="KSO_WM_BEAUTIFY_FLAG" val="#wm#"/>
+  <p:tag name="KSO_WM_UNIT_TYPE" val="a"/>
+  <p:tag name="KSO_WM_UNIT_INDEX" val="1"/>
+  <p:tag name="KSO_WM_UNIT_ID" val="custom20186830_7*a*1"/>
+  <p:tag name="KSO_WM_UNIT_LAYERLEVEL" val="1"/>
+  <p:tag name="KSO_WM_UNIT_VALUE" val="19"/>
+  <p:tag name="KSO_WM_UNIT_ISCONTENTSTITLE" val="0"/>
+  <p:tag name="KSO_WM_UNIT_HIGHLIGHT" val="0"/>
+  <p:tag name="KSO_WM_UNIT_COMPATIBLE" val="0"/>
+  <p:tag name="KSO_WM_UNIT_CLEAR" val="0"/>
+  <p:tag name="KSO_WM_UNIT_PRESET_TEXT_INDEX" val="3"/>
+  <p:tag name="KSO_WM_UNIT_PRESET_TEXT_LEN" val="17"/>
+</p:tagLst>
+</file>
+
+<file path=ppt/tags/tag83.xml><?xml version="1.0" encoding="utf-8"?>
+<p:tagLst xmlns:a="http://schemas.openxmlformats.org/drawingml/2006/main" xmlns:r="http://schemas.openxmlformats.org/officeDocument/2006/relationships" xmlns:p="http://schemas.openxmlformats.org/presentationml/2006/main">
+  <p:tag name="KSO_WM_TEMPLATE_CATEGORY" val="custom"/>
+  <p:tag name="KSO_WM_TEMPLATE_INDEX" val="20186830"/>
+  <p:tag name="KSO_WM_TAG_VERSION" val="1.0"/>
+  <p:tag name="KSO_WM_SLIDE_ID" val="custom20186830_7"/>
+  <p:tag name="KSO_WM_SLIDE_INDEX" val="7"/>
+  <p:tag name="KSO_WM_SLIDE_ITEM_CNT" val="1"/>
+  <p:tag name="KSO_WM_SLIDE_LAYOUT" val="a_l"/>
+  <p:tag name="KSO_WM_SLIDE_LAYOUT_CNT" val="1_1"/>
+  <p:tag name="KSO_WM_SLIDE_TYPE" val="text"/>
+  <p:tag name="KSO_WM_BEAUTIFY_FLAG" val="#wm#"/>
+  <p:tag name="KSO_WM_SLIDE_POSITION" val="25*85"/>
+  <p:tag name="KSO_WM_SLIDE_SIZE" val="452*279"/>
+  <p:tag name="KSO_WM_DIAGRAM_GROUP_CODE" val="l1-1"/>
+  <p:tag name="KSO_WM_SLIDE_SUBTYPE" val="diag"/>
+</p:tagLst>
+</file>
+
+<file path=ppt/tags/tag84.xml><?xml version="1.0" encoding="utf-8"?>
+<p:tagLst xmlns:a="http://schemas.openxmlformats.org/drawingml/2006/main" xmlns:r="http://schemas.openxmlformats.org/officeDocument/2006/relationships" xmlns:p="http://schemas.openxmlformats.org/presentationml/2006/main">
+  <p:tag name="KSO_WM_TEMPLATE_CATEGORY" val="custom"/>
+  <p:tag name="KSO_WM_TEMPLATE_INDEX" val="20186830"/>
+  <p:tag name="KSO_WM_TAG_VERSION" val="1.0"/>
+  <p:tag name="KSO_WM_BEAUTIFY_FLAG" val="#wm#"/>
+  <p:tag name="KSO_WM_UNIT_TYPE" val="a"/>
+  <p:tag name="KSO_WM_UNIT_INDEX" val="1"/>
+  <p:tag name="KSO_WM_UNIT_ID" val="custom20186830_7*a*1"/>
+  <p:tag name="KSO_WM_UNIT_LAYERLEVEL" val="1"/>
+  <p:tag name="KSO_WM_UNIT_VALUE" val="19"/>
+  <p:tag name="KSO_WM_UNIT_ISCONTENTSTITLE" val="0"/>
+  <p:tag name="KSO_WM_UNIT_HIGHLIGHT" val="0"/>
+  <p:tag name="KSO_WM_UNIT_COMPATIBLE" val="0"/>
+  <p:tag name="KSO_WM_UNIT_CLEAR" val="0"/>
+  <p:tag name="KSO_WM_UNIT_PRESET_TEXT_INDEX" val="3"/>
+  <p:tag name="KSO_WM_UNIT_PRESET_TEXT_LEN" val="17"/>
+</p:tagLst>
+</file>
+
+<file path=ppt/tags/tag85.xml><?xml version="1.0" encoding="utf-8"?>
+<p:tagLst xmlns:a="http://schemas.openxmlformats.org/drawingml/2006/main" xmlns:r="http://schemas.openxmlformats.org/officeDocument/2006/relationships" xmlns:p="http://schemas.openxmlformats.org/presentationml/2006/main">
   <p:tag name="KSO_WM_TEMPLATE_CATEGORY" val="custom"/>
   <p:tag name="KSO_WM_TEMPLATE_INDEX" val="20186830"/>
 </p:tagLst>
 </file>
 
-<file path=ppt/tags/tag82.xml><?xml version="1.0" encoding="utf-8"?>
-<p:tagLst xmlns:p="http://schemas.openxmlformats.org/presentationml/2006/main">
+<file path=ppt/tags/tag86.xml><?xml version="1.0" encoding="utf-8"?>
+<p:tagLst xmlns:a="http://schemas.openxmlformats.org/drawingml/2006/main" xmlns:r="http://schemas.openxmlformats.org/officeDocument/2006/relationships" xmlns:p="http://schemas.openxmlformats.org/presentationml/2006/main">
   <p:tag name="KSO_WM_BEAUTIFY_FLAG" val="#wm#"/>
   <p:tag name="KSO_WM_TEMPLATE_CATEGORY" val="custom"/>
   <p:tag name="KSO_WM_TEMPLATE_INDEX" val="20186830"/>
@@ -18402,14 +19105,14 @@
 </file>
 
 <file path=ppt/tags/tag9.xml><?xml version="1.0" encoding="utf-8"?>
-<p:tagLst xmlns:p="http://schemas.openxmlformats.org/presentationml/2006/main">
+<p:tagLst xmlns:a="http://schemas.openxmlformats.org/drawingml/2006/main" xmlns:r="http://schemas.openxmlformats.org/officeDocument/2006/relationships" xmlns:p="http://schemas.openxmlformats.org/presentationml/2006/main">
   <p:tag name="KSO_WM_TAG_VERSION" val="1.0"/>
   <p:tag name="KSO_WM_BEAUTIFY_FLAG" val="#wm#"/>
   <p:tag name="KSO_WM_UNIT_TYPE" val="i"/>
-  <p:tag name="KSO_WM_UNIT_ID" val="custom20184556_22*i*5"/>
+  <p:tag name="KSO_WM_UNIT_ID" val="custom20184556_22*i*2"/>
   <p:tag name="KSO_WM_TEMPLATE_CATEGORY" val="custom"/>
   <p:tag name="KSO_WM_TEMPLATE_INDEX" val="20184556"/>
-  <p:tag name="KSO_WM_UNIT_INDEX" val="5"/>
+  <p:tag name="KSO_WM_UNIT_INDEX" val="2"/>
 </p:tagLst>
 </file>
 
@@ -18604,6 +19307,8 @@
       </a:bgFillStyleLst>
     </a:fmtScheme>
   </a:themeElements>
+  <a:objectDefaults/>
+  <a:extraClrSchemeLst/>
   <a:extLst>
     <a:ext uri="{05A4C25C-085E-4340-85A3-A5531E510DB2}">
       <thm15:themeFamily xmlns:thm15="http://schemas.microsoft.com/office/thememl/2012/main" name="Office Theme" id="{62F939B6-93AF-4DB8-9C6B-D6C7DFDC589F}" vid="{4A3C46E8-61CC-4603-A589-7422A47A8E4A}"/>
@@ -18803,6 +19508,8 @@
       </a:bgFillStyleLst>
     </a:fmtScheme>
   </a:themeElements>
+  <a:objectDefaults/>
+  <a:extraClrSchemeLst/>
   <a:extLst>
     <a:ext uri="{05A4C25C-085E-4340-85A3-A5531E510DB2}">
       <thm15:themeFamily xmlns:thm15="http://schemas.microsoft.com/office/thememl/2012/main" name="Office Theme" id="{62F939B6-93AF-4DB8-9C6B-D6C7DFDC589F}" vid="{4A3C46E8-61CC-4603-A589-7422A47A8E4A}"/>
@@ -19089,6 +19796,8 @@
       </a:bgFillStyleLst>
     </a:fmtScheme>
   </a:themeElements>
+  <a:objectDefaults/>
+  <a:extraClrSchemeLst/>
   <a:extLst>
     <a:ext uri="{05A4C25C-085E-4340-85A3-A5531E510DB2}">
       <thm15:themeFamily xmlns:thm15="http://schemas.microsoft.com/office/thememl/2012/main" name="Office Theme" id="{62F939B6-93AF-4DB8-9C6B-D6C7DFDC589F}" vid="{4A3C46E8-61CC-4603-A589-7422A47A8E4A}"/>
@@ -19348,6 +20057,8 @@
       </a:bgFillStyleLst>
     </a:fmtScheme>
   </a:themeElements>
+  <a:objectDefaults/>
+  <a:extraClrSchemeLst/>
   <a:extLst>
     <a:ext uri="{05A4C25C-085E-4340-85A3-A5531E510DB2}">
       <thm15:themeFamily xmlns:thm15="http://schemas.microsoft.com/office/thememl/2012/main" name="Office Theme" id="{62F939B6-93AF-4DB8-9C6B-D6C7DFDC589F}" vid="{4A3C46E8-61CC-4603-A589-7422A47A8E4A}"/>

--- a/Design pattern/23种设计模式详解.pptx
+++ b/Design pattern/23种设计模式详解.pptx
@@ -3,53 +3,58 @@
 <p:presentation xmlns:a="http://schemas.openxmlformats.org/drawingml/2006/main" xmlns:r="http://schemas.openxmlformats.org/officeDocument/2006/relationships" xmlns:p="http://schemas.openxmlformats.org/presentationml/2006/main" showSpecialPlsOnTitleSld="0">
   <p:sldMasterIdLst>
     <p:sldMasterId id="2147483648" r:id="rId1"/>
-    <p:sldMasterId id="2147483660" r:id="rId2"/>
+    <p:sldMasterId id="2147483660" r:id="rId3"/>
   </p:sldMasterIdLst>
   <p:notesMasterIdLst>
-    <p:notesMasterId r:id="rId41"/>
+    <p:notesMasterId r:id="rId5"/>
   </p:notesMasterIdLst>
   <p:handoutMasterIdLst>
-    <p:handoutMasterId r:id="rId42"/>
+    <p:handoutMasterId r:id="rId48"/>
   </p:handoutMasterIdLst>
   <p:sldIdLst>
-    <p:sldId id="453" r:id="rId3"/>
-    <p:sldId id="583" r:id="rId4"/>
-    <p:sldId id="584" r:id="rId5"/>
-    <p:sldId id="585" r:id="rId6"/>
-    <p:sldId id="586" r:id="rId7"/>
-    <p:sldId id="587" r:id="rId8"/>
-    <p:sldId id="595" r:id="rId9"/>
-    <p:sldId id="596" r:id="rId10"/>
-    <p:sldId id="597" r:id="rId11"/>
-    <p:sldId id="604" r:id="rId12"/>
-    <p:sldId id="607" r:id="rId13"/>
-    <p:sldId id="598" r:id="rId14"/>
-    <p:sldId id="614" r:id="rId15"/>
-    <p:sldId id="608" r:id="rId16"/>
-    <p:sldId id="612" r:id="rId17"/>
-    <p:sldId id="613" r:id="rId18"/>
-    <p:sldId id="611" r:id="rId19"/>
-    <p:sldId id="599" r:id="rId20"/>
-    <p:sldId id="631" r:id="rId21"/>
-    <p:sldId id="632" r:id="rId22"/>
-    <p:sldId id="633" r:id="rId23"/>
-    <p:sldId id="634" r:id="rId24"/>
-    <p:sldId id="636" r:id="rId25"/>
-    <p:sldId id="600" r:id="rId26"/>
-    <p:sldId id="637" r:id="rId27"/>
-    <p:sldId id="638" r:id="rId28"/>
-    <p:sldId id="639" r:id="rId29"/>
-    <p:sldId id="640" r:id="rId30"/>
-    <p:sldId id="641" r:id="rId31"/>
-    <p:sldId id="601" r:id="rId32"/>
-    <p:sldId id="602" r:id="rId33"/>
-    <p:sldId id="603" r:id="rId34"/>
-    <p:sldId id="588" r:id="rId35"/>
-    <p:sldId id="589" r:id="rId36"/>
-    <p:sldId id="590" r:id="rId37"/>
-    <p:sldId id="592" r:id="rId38"/>
-    <p:sldId id="472" r:id="rId39"/>
-    <p:sldId id="577" r:id="rId40"/>
+    <p:sldId id="453" r:id="rId4"/>
+    <p:sldId id="583" r:id="rId6"/>
+    <p:sldId id="584" r:id="rId7"/>
+    <p:sldId id="585" r:id="rId8"/>
+    <p:sldId id="586" r:id="rId9"/>
+    <p:sldId id="587" r:id="rId10"/>
+    <p:sldId id="595" r:id="rId11"/>
+    <p:sldId id="596" r:id="rId12"/>
+    <p:sldId id="597" r:id="rId13"/>
+    <p:sldId id="604" r:id="rId14"/>
+    <p:sldId id="607" r:id="rId15"/>
+    <p:sldId id="598" r:id="rId16"/>
+    <p:sldId id="614" r:id="rId17"/>
+    <p:sldId id="608" r:id="rId18"/>
+    <p:sldId id="612" r:id="rId19"/>
+    <p:sldId id="613" r:id="rId20"/>
+    <p:sldId id="611" r:id="rId21"/>
+    <p:sldId id="599" r:id="rId22"/>
+    <p:sldId id="631" r:id="rId23"/>
+    <p:sldId id="632" r:id="rId24"/>
+    <p:sldId id="633" r:id="rId25"/>
+    <p:sldId id="634" r:id="rId26"/>
+    <p:sldId id="636" r:id="rId27"/>
+    <p:sldId id="600" r:id="rId28"/>
+    <p:sldId id="637" r:id="rId29"/>
+    <p:sldId id="638" r:id="rId30"/>
+    <p:sldId id="639" r:id="rId31"/>
+    <p:sldId id="640" r:id="rId32"/>
+    <p:sldId id="641" r:id="rId33"/>
+    <p:sldId id="601" r:id="rId34"/>
+    <p:sldId id="652" r:id="rId35"/>
+    <p:sldId id="653" r:id="rId36"/>
+    <p:sldId id="654" r:id="rId37"/>
+    <p:sldId id="655" r:id="rId38"/>
+    <p:sldId id="656" r:id="rId39"/>
+    <p:sldId id="602" r:id="rId40"/>
+    <p:sldId id="603" r:id="rId41"/>
+    <p:sldId id="588" r:id="rId42"/>
+    <p:sldId id="589" r:id="rId43"/>
+    <p:sldId id="590" r:id="rId44"/>
+    <p:sldId id="592" r:id="rId45"/>
+    <p:sldId id="472" r:id="rId46"/>
+    <p:sldId id="577" r:id="rId47"/>
   </p:sldIdLst>
   <p:sldSz cx="9144000" cy="6858000" type="screen4x3"/>
   <p:notesSz cx="6858000" cy="9144000"/>
@@ -183,22 +188,6 @@
       </a:defRPr>
     </a:lvl9pPr>
   </p:defaultTextStyle>
-  <p:extLst>
-    <p:ext uri="{EFAFB233-063F-42B5-8137-9DF3F51BA10A}">
-      <p15:sldGuideLst xmlns:p15="http://schemas.microsoft.com/office/powerpoint/2012/main">
-        <p15:guide id="1" orient="horz" pos="2130">
-          <p15:clr>
-            <a:srgbClr val="A4A3A4"/>
-          </p15:clr>
-        </p15:guide>
-        <p15:guide id="2" pos="2844">
-          <p15:clr>
-            <a:srgbClr val="A4A3A4"/>
-          </p15:clr>
-        </p15:guide>
-      </p15:sldGuideLst>
-    </p:ext>
-  </p:extLst>
 </p:presentation>
 </file>
 
@@ -290,7 +279,6 @@
           <a:p>
             <a:fld id="{0F9B84EA-7D68-4D60-9CB1-D50884785D1C}" type="datetimeFigureOut">
               <a:rPr lang="zh-CN" altLang="en-US"/>
-              <a:t>2018/8/11</a:t>
             </a:fld>
             <a:endParaRPr lang="zh-CN" altLang="en-US">
               <a:ea typeface="+mn-ea"/>
@@ -362,7 +350,6 @@
           <a:p>
             <a:fld id="{9573C3F1-5DE1-49D7-85EF-378BB3AB6535}" type="slidenum">
               <a:rPr lang="zh-CN" altLang="en-US"/>
-              <a:t>‹#›</a:t>
             </a:fld>
             <a:endParaRPr lang="zh-CN" altLang="en-US">
               <a:ea typeface="+mn-ea"/>
@@ -538,6 +525,7 @@
               <a:rPr lang="en-US" noProof="0"/>
               <a:t>Click to edit Master text styles</a:t>
             </a:r>
+            <a:endParaRPr lang="en-US" noProof="0"/>
           </a:p>
           <a:p>
             <a:pPr lvl="1"/>
@@ -545,6 +533,7 @@
               <a:rPr lang="en-US" noProof="0"/>
               <a:t>Second level</a:t>
             </a:r>
+            <a:endParaRPr lang="en-US" noProof="0"/>
           </a:p>
           <a:p>
             <a:pPr lvl="2"/>
@@ -552,6 +541,7 @@
               <a:rPr lang="en-US" noProof="0"/>
               <a:t>Third level</a:t>
             </a:r>
+            <a:endParaRPr lang="en-US" noProof="0"/>
           </a:p>
           <a:p>
             <a:pPr lvl="3"/>
@@ -559,6 +549,7 @@
               <a:rPr lang="en-US" noProof="0"/>
               <a:t>Fourth level</a:t>
             </a:r>
+            <a:endParaRPr lang="en-US" noProof="0"/>
           </a:p>
           <a:p>
             <a:pPr lvl="4"/>
@@ -566,6 +557,7 @@
               <a:rPr lang="en-US" noProof="0"/>
               <a:t>Fifth level</a:t>
             </a:r>
+            <a:endParaRPr lang="en-US" noProof="0"/>
           </a:p>
         </p:txBody>
       </p:sp>
@@ -636,7 +628,6 @@
           <a:p>
             <a:fld id="{86CED120-70A4-4283-998F-973E88A2003A}" type="slidenum">
               <a:rPr lang="en-US" altLang="zh-CN"/>
-              <a:t>‹#›</a:t>
             </a:fld>
             <a:endParaRPr lang="en-US" altLang="zh-CN">
               <a:cs typeface="Arial" panose="020B0604020202020204" pitchFamily="34" charset="0"/>
@@ -996,7 +987,6 @@
           <a:p>
             <a:fld id="{110A0595-8C10-4F11-9D71-5A2D3C412DC6}" type="slidenum">
               <a:rPr lang="en-US" altLang="zh-CN" sz="1200" smtClean="0"/>
-              <a:t>1</a:t>
             </a:fld>
             <a:endParaRPr lang="en-US" altLang="zh-CN" sz="1200"/>
           </a:p>
@@ -1106,7 +1096,6 @@
           <a:p>
             <a:fld id="{2ED26FC3-015A-4F86-ACC3-780431FB8E4D}" type="slidenum">
               <a:rPr lang="zh-CN" altLang="en-US" smtClean="0"/>
-              <a:t>13</a:t>
             </a:fld>
             <a:endParaRPr lang="zh-CN" altLang="en-US"/>
           </a:p>
@@ -1180,6 +1169,7 @@
               <a:rPr lang="zh-CN" altLang="en-US" dirty="0"/>
               <a:t>前提：我们现在决定引入里氏替换原则</a:t>
             </a:r>
+            <a:endParaRPr lang="zh-CN" altLang="en-US" dirty="0"/>
           </a:p>
         </p:txBody>
       </p:sp>
@@ -1200,7 +1190,6 @@
           <a:p>
             <a:fld id="{2ED26FC3-015A-4F86-ACC3-780431FB8E4D}" type="slidenum">
               <a:rPr lang="zh-CN" altLang="en-US" smtClean="0"/>
-              <a:t>14</a:t>
             </a:fld>
             <a:endParaRPr lang="zh-CN" altLang="en-US"/>
           </a:p>
@@ -1284,7 +1273,6 @@
           <a:p>
             <a:fld id="{2ED26FC3-015A-4F86-ACC3-780431FB8E4D}" type="slidenum">
               <a:rPr lang="zh-CN" altLang="en-US" smtClean="0"/>
-              <a:t>15</a:t>
             </a:fld>
             <a:endParaRPr lang="zh-CN" altLang="en-US"/>
           </a:p>
@@ -1368,7 +1356,6 @@
           <a:p>
             <a:fld id="{2ED26FC3-015A-4F86-ACC3-780431FB8E4D}" type="slidenum">
               <a:rPr lang="zh-CN" altLang="en-US" smtClean="0"/>
-              <a:t>16</a:t>
             </a:fld>
             <a:endParaRPr lang="zh-CN" altLang="en-US"/>
           </a:p>
@@ -1452,7 +1439,6 @@
           <a:p>
             <a:fld id="{2ED26FC3-015A-4F86-ACC3-780431FB8E4D}" type="slidenum">
               <a:rPr lang="zh-CN" altLang="en-US" smtClean="0"/>
-              <a:t>17</a:t>
             </a:fld>
             <a:endParaRPr lang="zh-CN" altLang="en-US"/>
           </a:p>
@@ -1536,7 +1522,6 @@
           <a:p>
             <a:fld id="{2ED26FC3-015A-4F86-ACC3-780431FB8E4D}" type="slidenum">
               <a:rPr lang="zh-CN" altLang="en-US" smtClean="0"/>
-              <a:t>19</a:t>
             </a:fld>
             <a:endParaRPr lang="zh-CN" altLang="en-US"/>
           </a:p>
@@ -1620,7 +1605,6 @@
           <a:p>
             <a:fld id="{2ED26FC3-015A-4F86-ACC3-780431FB8E4D}" type="slidenum">
               <a:rPr lang="zh-CN" altLang="en-US" smtClean="0"/>
-              <a:t>20</a:t>
             </a:fld>
             <a:endParaRPr lang="zh-CN" altLang="en-US"/>
           </a:p>
@@ -1704,7 +1688,6 @@
           <a:p>
             <a:fld id="{2ED26FC3-015A-4F86-ACC3-780431FB8E4D}" type="slidenum">
               <a:rPr lang="zh-CN" altLang="en-US" smtClean="0"/>
-              <a:t>21</a:t>
             </a:fld>
             <a:endParaRPr lang="zh-CN" altLang="en-US"/>
           </a:p>
@@ -1788,7 +1771,6 @@
           <a:p>
             <a:fld id="{2ED26FC3-015A-4F86-ACC3-780431FB8E4D}" type="slidenum">
               <a:rPr lang="zh-CN" altLang="en-US" smtClean="0"/>
-              <a:t>22</a:t>
             </a:fld>
             <a:endParaRPr lang="zh-CN" altLang="en-US"/>
           </a:p>
@@ -1875,7 +1857,6 @@
           <a:p>
             <a:fld id="{2ED26FC3-015A-4F86-ACC3-780431FB8E4D}" type="slidenum">
               <a:rPr lang="zh-CN" altLang="en-US" smtClean="0"/>
-              <a:t>23</a:t>
             </a:fld>
             <a:endParaRPr lang="zh-CN" altLang="en-US"/>
           </a:p>
@@ -1959,6 +1940,7 @@
               <a:rPr lang="zh-CN" altLang="en-US" dirty="0"/>
               <a:t>语言的应用而逐渐普及成熟。</a:t>
             </a:r>
+            <a:endParaRPr lang="zh-CN" altLang="en-US" dirty="0"/>
           </a:p>
           <a:p>
             <a:pPr eaLnBrk="1" hangingPunct="1"/>
@@ -1990,6 +1972,7 @@
               <a:rPr lang="en-US" altLang="zh-CN" dirty="0"/>
               <a:t>。</a:t>
             </a:r>
+            <a:endParaRPr lang="en-US" altLang="zh-CN" dirty="0"/>
           </a:p>
           <a:p>
             <a:pPr eaLnBrk="1" hangingPunct="1"/>
@@ -2013,6 +1996,7 @@
               <a:rPr lang="zh-CN" altLang="en-US" dirty="0"/>
               <a:t>等框架）。</a:t>
             </a:r>
+            <a:endParaRPr lang="zh-CN" altLang="en-US" dirty="0"/>
           </a:p>
           <a:p>
             <a:pPr eaLnBrk="1" hangingPunct="1"/>
@@ -2028,6 +2012,7 @@
               <a:rPr lang="zh-CN" altLang="en-US" dirty="0"/>
               <a:t>框架）。</a:t>
             </a:r>
+            <a:endParaRPr lang="zh-CN" altLang="en-US" dirty="0"/>
           </a:p>
         </p:txBody>
       </p:sp>
@@ -2048,7 +2033,6 @@
           <a:p>
             <a:fld id="{2ED26FC3-015A-4F86-ACC3-780431FB8E4D}" type="slidenum">
               <a:rPr lang="zh-CN" altLang="en-US" smtClean="0"/>
-              <a:t>2</a:t>
             </a:fld>
             <a:endParaRPr lang="zh-CN" altLang="en-US"/>
           </a:p>
@@ -2132,18 +2116,12 @@
           <a:p>
             <a:fld id="{2ED26FC3-015A-4F86-ACC3-780431FB8E4D}" type="slidenum">
               <a:rPr lang="zh-CN" altLang="en-US" smtClean="0"/>
-              <a:t>25</a:t>
             </a:fld>
             <a:endParaRPr lang="zh-CN" altLang="en-US"/>
           </a:p>
         </p:txBody>
       </p:sp>
     </p:spTree>
-    <p:extLst>
-      <p:ext uri="{BB962C8B-B14F-4D97-AF65-F5344CB8AC3E}">
-        <p14:creationId xmlns:p14="http://schemas.microsoft.com/office/powerpoint/2010/main" val="1114931310"/>
-      </p:ext>
-    </p:extLst>
   </p:cSld>
   <p:clrMapOvr>
     <a:masterClrMapping/>
@@ -2221,18 +2199,12 @@
           <a:p>
             <a:fld id="{2ED26FC3-015A-4F86-ACC3-780431FB8E4D}" type="slidenum">
               <a:rPr lang="zh-CN" altLang="en-US" smtClean="0"/>
-              <a:t>26</a:t>
             </a:fld>
             <a:endParaRPr lang="zh-CN" altLang="en-US"/>
           </a:p>
         </p:txBody>
       </p:sp>
     </p:spTree>
-    <p:extLst>
-      <p:ext uri="{BB962C8B-B14F-4D97-AF65-F5344CB8AC3E}">
-        <p14:creationId xmlns:p14="http://schemas.microsoft.com/office/powerpoint/2010/main" val="4111034161"/>
-      </p:ext>
-    </p:extLst>
   </p:cSld>
   <p:clrMapOvr>
     <a:masterClrMapping/>
@@ -2310,18 +2282,12 @@
           <a:p>
             <a:fld id="{2ED26FC3-015A-4F86-ACC3-780431FB8E4D}" type="slidenum">
               <a:rPr lang="zh-CN" altLang="en-US" smtClean="0"/>
-              <a:t>27</a:t>
             </a:fld>
             <a:endParaRPr lang="zh-CN" altLang="en-US"/>
           </a:p>
         </p:txBody>
       </p:sp>
     </p:spTree>
-    <p:extLst>
-      <p:ext uri="{BB962C8B-B14F-4D97-AF65-F5344CB8AC3E}">
-        <p14:creationId xmlns:p14="http://schemas.microsoft.com/office/powerpoint/2010/main" val="980992104"/>
-      </p:ext>
-    </p:extLst>
   </p:cSld>
   <p:clrMapOvr>
     <a:masterClrMapping/>
@@ -2399,18 +2365,12 @@
           <a:p>
             <a:fld id="{2ED26FC3-015A-4F86-ACC3-780431FB8E4D}" type="slidenum">
               <a:rPr lang="zh-CN" altLang="en-US" smtClean="0"/>
-              <a:t>28</a:t>
             </a:fld>
             <a:endParaRPr lang="zh-CN" altLang="en-US"/>
           </a:p>
         </p:txBody>
       </p:sp>
     </p:spTree>
-    <p:extLst>
-      <p:ext uri="{BB962C8B-B14F-4D97-AF65-F5344CB8AC3E}">
-        <p14:creationId xmlns:p14="http://schemas.microsoft.com/office/powerpoint/2010/main" val="298400934"/>
-      </p:ext>
-    </p:extLst>
   </p:cSld>
   <p:clrMapOvr>
     <a:masterClrMapping/>
@@ -2495,18 +2455,12 @@
           <a:p>
             <a:fld id="{2ED26FC3-015A-4F86-ACC3-780431FB8E4D}" type="slidenum">
               <a:rPr lang="zh-CN" altLang="en-US" smtClean="0"/>
-              <a:t>29</a:t>
             </a:fld>
             <a:endParaRPr lang="zh-CN" altLang="en-US"/>
           </a:p>
         </p:txBody>
       </p:sp>
     </p:spTree>
-    <p:extLst>
-      <p:ext uri="{BB962C8B-B14F-4D97-AF65-F5344CB8AC3E}">
-        <p14:creationId xmlns:p14="http://schemas.microsoft.com/office/powerpoint/2010/main" val="1268120678"/>
-      </p:ext>
-    </p:extLst>
   </p:cSld>
   <p:clrMapOvr>
     <a:masterClrMapping/>
@@ -2563,7 +2517,48 @@
           <a:bodyPr/>
           <a:lstStyle/>
           <a:p>
-            <a:endParaRPr lang="zh-CN" altLang="en-US"/>
+            <a:r>
+              <a:rPr lang="en-US" altLang="zh-CN" dirty="0"/>
+              <a:t>通俗的来讲，就是一个类对自己依赖的类知道的越少越好。也就是说，对于被依赖的类来说，无论逻辑多么复杂，都尽量地的将逻辑封装在类的内部，对外除了提供的public方法，不对外泄漏任何信息。</a:t>
+            </a:r>
+            <a:endParaRPr lang="en-US" altLang="zh-CN" dirty="0"/>
+          </a:p>
+          <a:p>
+            <a:endParaRPr lang="en-US" altLang="zh-CN" dirty="0"/>
+          </a:p>
+          <a:p>
+            <a:r>
+              <a:rPr lang="en-US" altLang="zh-CN" dirty="0"/>
+              <a:t>首先来解释一下什么是直接的朋友：每个对象都会与其他对象有耦合关系，只要两个对象之间有耦合关系，我们就说这两个对象之间是朋友关系。耦合的方式很多，依赖、关联、组合、聚合等。其中，我们称出现成员变量、方法参数、方法返回值中的类为直接的朋友，而出现在局部变量中的类则不是直接的朋友。也就是说，陌生的类最好不要作为局部变量的形式出现在类的内部</a:t>
+            </a:r>
+            <a:endParaRPr lang="en-US" altLang="zh-CN" dirty="0"/>
+          </a:p>
+          <a:p>
+            <a:endParaRPr lang="en-US" altLang="zh-CN" dirty="0"/>
+          </a:p>
+          <a:p>
+            <a:r>
+              <a:rPr lang="en-US" altLang="zh-CN" dirty="0"/>
+              <a:t>朋友之间也有间距 </a:t>
+            </a:r>
+            <a:endParaRPr lang="en-US" altLang="zh-CN" dirty="0"/>
+          </a:p>
+          <a:p>
+            <a:r>
+              <a:rPr lang="en-US" altLang="zh-CN" dirty="0"/>
+              <a:t>如果朋友把太多的方法或属性暴露给你，则过于亲密，耦合关系变得异常牢固，而且，修改时涉及的面也就越大，变更引起的风险就越大。因此，要适时反复衡量：是否可以减少public方法和属性，改为private、package－private、protected等访问权限，及是否可以加上final关键字，不可变的类和方法，对外提供固定单位服务。</a:t>
+            </a:r>
+            <a:endParaRPr lang="en-US" altLang="zh-CN" dirty="0"/>
+          </a:p>
+          <a:p>
+            <a:endParaRPr lang="en-US" altLang="zh-CN" dirty="0"/>
+          </a:p>
+          <a:p>
+            <a:r>
+              <a:rPr lang="en-US" altLang="zh-CN" dirty="0"/>
+              <a:t>类与类之间的关系越密切，耦合度越大，当一个类发生改变时，对另一个类的影响也越大。[解决方案]尽量降低类与类之间的耦合。</a:t>
+            </a:r>
+            <a:endParaRPr lang="en-US" altLang="zh-CN" dirty="0"/>
           </a:p>
         </p:txBody>
       </p:sp>
@@ -2584,7 +2579,6 @@
           <a:p>
             <a:fld id="{2ED26FC3-015A-4F86-ACC3-780431FB8E4D}" type="slidenum">
               <a:rPr lang="zh-CN" altLang="en-US" smtClean="0"/>
-              <a:t>32</a:t>
             </a:fld>
             <a:endParaRPr lang="zh-CN" altLang="en-US"/>
           </a:p>
@@ -2647,7 +2641,134 @@
           <a:bodyPr/>
           <a:lstStyle/>
           <a:p>
-            <a:endParaRPr lang="zh-CN" altLang="en-US"/>
+            <a:r>
+              <a:rPr lang="en-US" altLang="zh-CN" dirty="0"/>
+              <a:t>- </a:t>
+            </a:r>
+            <a:r>
+              <a:rPr lang="zh-CN" altLang="en-US" dirty="0"/>
+              <a:t>在类的划分上，应该创建有弱耦合的类 </a:t>
+            </a:r>
+            <a:endParaRPr lang="zh-CN" altLang="en-US" dirty="0"/>
+          </a:p>
+          <a:p>
+            <a:r>
+              <a:rPr lang="zh-CN" altLang="en-US" dirty="0"/>
+              <a:t>通常我们以接口或者抽象类的方式抽象出来</a:t>
+            </a:r>
+            <a:endParaRPr lang="zh-CN" altLang="en-US" dirty="0"/>
+          </a:p>
+          <a:p>
+            <a:endParaRPr lang="zh-CN" altLang="en-US" dirty="0"/>
+          </a:p>
+          <a:p>
+            <a:r>
+              <a:rPr lang="en-US" altLang="zh-CN" dirty="0"/>
+              <a:t>- </a:t>
+            </a:r>
+            <a:r>
+              <a:rPr lang="zh-CN" altLang="en-US" dirty="0"/>
+              <a:t>在类的结构设计上，每一个类都应当尽量降低成员的访问权限 </a:t>
+            </a:r>
+            <a:endParaRPr lang="zh-CN" altLang="en-US" dirty="0"/>
+          </a:p>
+          <a:p>
+            <a:r>
+              <a:rPr lang="zh-CN" altLang="en-US" dirty="0"/>
+              <a:t>以减少public方法和属性，改为private、package－private、protected等访问权限，及是否可以加上final关键字，不可变的类和方法，对外提供固定服务。</a:t>
+            </a:r>
+            <a:endParaRPr lang="zh-CN" altLang="en-US" dirty="0"/>
+          </a:p>
+          <a:p>
+            <a:endParaRPr lang="zh-CN" altLang="en-US" dirty="0"/>
+          </a:p>
+          <a:p>
+            <a:r>
+              <a:rPr lang="en-US" altLang="zh-CN" dirty="0"/>
+              <a:t>- </a:t>
+            </a:r>
+            <a:r>
+              <a:rPr lang="zh-CN" altLang="en-US" dirty="0"/>
+              <a:t>在类的设计上，只要有可能，一个类应当设计成不变类 </a:t>
+            </a:r>
+            <a:endParaRPr lang="zh-CN" altLang="en-US" dirty="0"/>
+          </a:p>
+          <a:p>
+            <a:r>
+              <a:rPr lang="zh-CN" altLang="en-US" dirty="0"/>
+              <a:t>不可变的类和方法，对外提供固定服务。</a:t>
+            </a:r>
+            <a:endParaRPr lang="zh-CN" altLang="en-US" dirty="0"/>
+          </a:p>
+          <a:p>
+            <a:endParaRPr lang="zh-CN" altLang="en-US" dirty="0"/>
+          </a:p>
+          <a:p>
+            <a:r>
+              <a:rPr lang="en-US" altLang="zh-CN" dirty="0"/>
+              <a:t>- </a:t>
+            </a:r>
+            <a:r>
+              <a:rPr lang="zh-CN" altLang="en-US" dirty="0"/>
+              <a:t>在对其他类的引用上，一个对象对其它对象的引用应当降到最低 </a:t>
+            </a:r>
+            <a:endParaRPr lang="zh-CN" altLang="en-US" dirty="0"/>
+          </a:p>
+          <a:p>
+            <a:r>
+              <a:rPr lang="zh-CN" altLang="en-US" dirty="0"/>
+              <a:t>降低类与类之间的耦合度。</a:t>
+            </a:r>
+            <a:endParaRPr lang="zh-CN" altLang="en-US" dirty="0"/>
+          </a:p>
+          <a:p>
+            <a:endParaRPr lang="zh-CN" altLang="en-US" dirty="0"/>
+          </a:p>
+          <a:p>
+            <a:r>
+              <a:rPr lang="en-US" altLang="zh-CN" dirty="0"/>
+              <a:t>- </a:t>
+            </a:r>
+            <a:r>
+              <a:rPr lang="zh-CN" altLang="en-US" dirty="0"/>
+              <a:t>尽量降低类的访问权限 </a:t>
+            </a:r>
+            <a:endParaRPr lang="zh-CN" altLang="en-US" dirty="0"/>
+          </a:p>
+          <a:p>
+            <a:r>
+              <a:rPr lang="zh-CN" altLang="en-US" dirty="0"/>
+              <a:t>防止类或类对象被过度耦合在另一个类的方法中。</a:t>
+            </a:r>
+            <a:endParaRPr lang="zh-CN" altLang="en-US" dirty="0"/>
+          </a:p>
+          <a:p>
+            <a:endParaRPr lang="zh-CN" altLang="en-US" dirty="0"/>
+          </a:p>
+          <a:p>
+            <a:r>
+              <a:rPr lang="en-US" altLang="zh-CN" dirty="0"/>
+              <a:t>- </a:t>
+            </a:r>
+            <a:r>
+              <a:rPr lang="zh-CN" altLang="en-US" dirty="0"/>
+              <a:t>不要暴露类成员，而应该提供相应的访问器(属性)</a:t>
+            </a:r>
+            <a:endParaRPr lang="zh-CN" altLang="en-US" dirty="0"/>
+          </a:p>
+          <a:p>
+            <a:endParaRPr lang="zh-CN" altLang="en-US" dirty="0"/>
+          </a:p>
+          <a:p>
+            <a:r>
+              <a:rPr lang="en-US" altLang="zh-CN" dirty="0"/>
+              <a:t>- </a:t>
+            </a:r>
+            <a:r>
+              <a:rPr lang="zh-CN" altLang="en-US" dirty="0"/>
+              <a:t>谨慎使用序列化功能（类或接口在客户端变更，却未在服务端同步更新，引发序列化失败，项目管理易疏忽）</a:t>
+            </a:r>
+            <a:endParaRPr lang="zh-CN" altLang="en-US" dirty="0"/>
           </a:p>
         </p:txBody>
       </p:sp>
@@ -2668,7 +2789,6 @@
           <a:p>
             <a:fld id="{2ED26FC3-015A-4F86-ACC3-780431FB8E4D}" type="slidenum">
               <a:rPr lang="zh-CN" altLang="en-US" smtClean="0"/>
-              <a:t>34</a:t>
             </a:fld>
             <a:endParaRPr lang="zh-CN" altLang="en-US"/>
           </a:p>
@@ -2731,7 +2851,7 @@
           <a:bodyPr/>
           <a:lstStyle/>
           <a:p>
-            <a:endParaRPr lang="zh-CN" altLang="en-US"/>
+            <a:endParaRPr lang="zh-CN" altLang="en-US" dirty="0"/>
           </a:p>
         </p:txBody>
       </p:sp>
@@ -2752,7 +2872,6 @@
           <a:p>
             <a:fld id="{2ED26FC3-015A-4F86-ACC3-780431FB8E4D}" type="slidenum">
               <a:rPr lang="zh-CN" altLang="en-US" smtClean="0"/>
-              <a:t>35</a:t>
             </a:fld>
             <a:endParaRPr lang="zh-CN" altLang="en-US"/>
           </a:p>
@@ -2815,7 +2934,7 @@
           <a:bodyPr/>
           <a:lstStyle/>
           <a:p>
-            <a:endParaRPr lang="zh-CN" altLang="en-US"/>
+            <a:endParaRPr lang="zh-CN" altLang="en-US" dirty="0"/>
           </a:p>
         </p:txBody>
       </p:sp>
@@ -2836,7 +2955,6 @@
           <a:p>
             <a:fld id="{2ED26FC3-015A-4F86-ACC3-780431FB8E4D}" type="slidenum">
               <a:rPr lang="zh-CN" altLang="en-US" smtClean="0"/>
-              <a:t>36</a:t>
             </a:fld>
             <a:endParaRPr lang="zh-CN" altLang="en-US"/>
           </a:p>
@@ -2851,6 +2969,588 @@
 </file>
 
 <file path=ppt/notesSlides/notesSlide29.xml><?xml version="1.0" encoding="utf-8"?>
+<p:notes xmlns:a="http://schemas.openxmlformats.org/drawingml/2006/main" xmlns:r="http://schemas.openxmlformats.org/officeDocument/2006/relationships" xmlns:p="http://schemas.openxmlformats.org/presentationml/2006/main">
+  <p:cSld>
+    <p:spTree>
+      <p:nvGrpSpPr>
+        <p:cNvPr id="1" name=""/>
+        <p:cNvGrpSpPr/>
+        <p:nvPr/>
+      </p:nvGrpSpPr>
+      <p:grpSpPr>
+        <a:xfrm>
+          <a:off x="0" y="0"/>
+          <a:ext cx="0" cy="0"/>
+          <a:chOff x="0" y="0"/>
+          <a:chExt cx="0" cy="0"/>
+        </a:xfrm>
+      </p:grpSpPr>
+      <p:sp>
+        <p:nvSpPr>
+          <p:cNvPr id="2" name="幻灯片图像占位符 1"/>
+          <p:cNvSpPr>
+            <a:spLocks noGrp="1" noRot="1" noChangeAspect="1"/>
+          </p:cNvSpPr>
+          <p:nvPr>
+            <p:ph type="sldImg"/>
+          </p:nvPr>
+        </p:nvSpPr>
+        <p:spPr>
+          <a:xfrm>
+            <a:off x="1371600" y="1143000"/>
+            <a:ext cx="4114800" cy="3086100"/>
+          </a:xfrm>
+        </p:spPr>
+      </p:sp>
+      <p:sp>
+        <p:nvSpPr>
+          <p:cNvPr id="3" name="备注占位符 2"/>
+          <p:cNvSpPr>
+            <a:spLocks noGrp="1"/>
+          </p:cNvSpPr>
+          <p:nvPr>
+            <p:ph type="body" idx="1"/>
+          </p:nvPr>
+        </p:nvSpPr>
+        <p:spPr/>
+        <p:txBody>
+          <a:bodyPr/>
+          <a:lstStyle/>
+          <a:p>
+            <a:r>
+              <a:rPr lang="zh-CN" altLang="en-US" dirty="0"/>
+              <a:t>手机</a:t>
+            </a:r>
+            <a:endParaRPr lang="en-US" altLang="zh-CN" dirty="0"/>
+          </a:p>
+          <a:p>
+            <a:endParaRPr lang="zh-CN" altLang="en-US" dirty="0"/>
+          </a:p>
+        </p:txBody>
+      </p:sp>
+      <p:sp>
+        <p:nvSpPr>
+          <p:cNvPr id="4" name="灯片编号占位符 3"/>
+          <p:cNvSpPr>
+            <a:spLocks noGrp="1"/>
+          </p:cNvSpPr>
+          <p:nvPr>
+            <p:ph type="sldNum" sz="quarter" idx="10"/>
+          </p:nvPr>
+        </p:nvSpPr>
+        <p:spPr/>
+        <p:txBody>
+          <a:bodyPr/>
+          <a:lstStyle/>
+          <a:p>
+            <a:fld id="{2ED26FC3-015A-4F86-ACC3-780431FB8E4D}" type="slidenum">
+              <a:rPr lang="zh-CN" altLang="en-US" smtClean="0"/>
+            </a:fld>
+            <a:endParaRPr lang="zh-CN" altLang="en-US"/>
+          </a:p>
+        </p:txBody>
+      </p:sp>
+    </p:spTree>
+  </p:cSld>
+  <p:clrMapOvr>
+    <a:masterClrMapping/>
+  </p:clrMapOvr>
+</p:notes>
+</file>
+
+<file path=ppt/notesSlides/notesSlide3.xml><?xml version="1.0" encoding="utf-8"?>
+<p:notes xmlns:a="http://schemas.openxmlformats.org/drawingml/2006/main" xmlns:r="http://schemas.openxmlformats.org/officeDocument/2006/relationships" xmlns:p="http://schemas.openxmlformats.org/presentationml/2006/main">
+  <p:cSld>
+    <p:spTree>
+      <p:nvGrpSpPr>
+        <p:cNvPr id="1" name=""/>
+        <p:cNvGrpSpPr/>
+        <p:nvPr/>
+      </p:nvGrpSpPr>
+      <p:grpSpPr>
+        <a:xfrm>
+          <a:off x="0" y="0"/>
+          <a:ext cx="0" cy="0"/>
+          <a:chOff x="0" y="0"/>
+          <a:chExt cx="0" cy="0"/>
+        </a:xfrm>
+      </p:grpSpPr>
+      <p:sp>
+        <p:nvSpPr>
+          <p:cNvPr id="2" name="幻灯片图像占位符 1"/>
+          <p:cNvSpPr>
+            <a:spLocks noGrp="1" noRot="1" noChangeAspect="1"/>
+          </p:cNvSpPr>
+          <p:nvPr>
+            <p:ph type="sldImg"/>
+          </p:nvPr>
+        </p:nvSpPr>
+        <p:spPr>
+          <a:xfrm>
+            <a:off x="1371600" y="1143000"/>
+            <a:ext cx="4114800" cy="3086100"/>
+          </a:xfrm>
+        </p:spPr>
+      </p:sp>
+      <p:sp>
+        <p:nvSpPr>
+          <p:cNvPr id="3" name="备注占位符 2"/>
+          <p:cNvSpPr>
+            <a:spLocks noGrp="1"/>
+          </p:cNvSpPr>
+          <p:nvPr>
+            <p:ph type="body" idx="1"/>
+          </p:nvPr>
+        </p:nvSpPr>
+        <p:spPr/>
+        <p:txBody>
+          <a:bodyPr/>
+          <a:lstStyle/>
+          <a:p>
+            <a:pPr eaLnBrk="1" hangingPunct="1"/>
+            <a:r>
+              <a:rPr lang="zh-CN" altLang="en-US" dirty="0"/>
+              <a:t>代码重复冗余为万恶之首。（1. 危害体系结构和软件质量 2.形成思维定势，不利于总结提高 3. 减低创造力，阻碍技术创新</a:t>
+            </a:r>
+            <a:r>
+              <a:rPr lang="en-US" altLang="zh-CN" dirty="0"/>
+              <a:t>）</a:t>
+            </a:r>
+            <a:endParaRPr lang="en-US" altLang="zh-CN" dirty="0"/>
+          </a:p>
+          <a:p>
+            <a:pPr eaLnBrk="1" hangingPunct="1"/>
+            <a:r>
+              <a:rPr lang="zh-CN" altLang="en-US" dirty="0"/>
+              <a:t>重用是优化体系结构的前提。</a:t>
+            </a:r>
+            <a:endParaRPr lang="zh-CN" altLang="en-US" dirty="0"/>
+          </a:p>
+          <a:p>
+            <a:pPr eaLnBrk="1" hangingPunct="1"/>
+            <a:r>
+              <a:rPr lang="zh-CN" altLang="en-US" dirty="0"/>
+              <a:t>做到重用和体系结构合理后，自然系统在维护性和弹性会有出色表现。</a:t>
+            </a:r>
+            <a:endParaRPr lang="zh-CN" altLang="en-US" dirty="0"/>
+          </a:p>
+          <a:p>
+            <a:pPr eaLnBrk="1" hangingPunct="1"/>
+            <a:r>
+              <a:rPr lang="zh-CN" altLang="en-US" dirty="0"/>
+              <a:t>结构不良、冗余的系统不利于编写测试用例，难以做到测试驱动（简要介绍</a:t>
+            </a:r>
+            <a:r>
+              <a:rPr lang="zh-CN" altLang="en-US" u="sng" dirty="0">
+                <a:solidFill>
+                  <a:schemeClr val="accent2"/>
+                </a:solidFill>
+              </a:rPr>
+              <a:t>测试驱动</a:t>
+            </a:r>
+            <a:r>
+              <a:rPr lang="zh-CN" altLang="en-US" dirty="0"/>
+              <a:t>）。</a:t>
+            </a:r>
+            <a:endParaRPr lang="zh-CN" altLang="en-US" dirty="0"/>
+          </a:p>
+          <a:p>
+            <a:pPr eaLnBrk="1" hangingPunct="1"/>
+            <a:r>
+              <a:rPr lang="zh-CN" altLang="en-US" dirty="0"/>
+              <a:t>结构良好的系统更加容易优化性能。因为功能明晰、结构好，可以准确地判断出哪个地方存在性能瓶颈，从而优化之。</a:t>
+            </a:r>
+            <a:endParaRPr lang="zh-CN" altLang="en-US" dirty="0"/>
+          </a:p>
+          <a:p>
+            <a:pPr eaLnBrk="1" hangingPunct="1"/>
+            <a:r>
+              <a:rPr lang="zh-CN" altLang="en-US" dirty="0"/>
+              <a:t>上述条件满足，软件质量当然有保证。</a:t>
+            </a:r>
+            <a:endParaRPr lang="zh-CN" altLang="en-US" dirty="0"/>
+          </a:p>
+          <a:p>
+            <a:pPr eaLnBrk="1" hangingPunct="1"/>
+            <a:r>
+              <a:rPr lang="zh-CN" altLang="en-US" dirty="0"/>
+              <a:t>代码虽然是写给计算机执行，但最重要的是表达人的思想，写给人看的。因此提高代码可读性，方便团队交流非常重要。</a:t>
+            </a:r>
+            <a:endParaRPr lang="zh-CN" altLang="en-US" dirty="0"/>
+          </a:p>
+          <a:p>
+            <a:pPr eaLnBrk="1" hangingPunct="1"/>
+            <a:r>
+              <a:rPr lang="zh-CN" altLang="en-US" dirty="0"/>
+              <a:t>团队有统一的编码规范和设计模式，水平更加容易提高，因为设计模式能将成功的经验在团队中普及。</a:t>
+            </a:r>
+            <a:endParaRPr lang="zh-CN" altLang="en-US" dirty="0"/>
+          </a:p>
+        </p:txBody>
+      </p:sp>
+      <p:sp>
+        <p:nvSpPr>
+          <p:cNvPr id="4" name="灯片编号占位符 3"/>
+          <p:cNvSpPr>
+            <a:spLocks noGrp="1"/>
+          </p:cNvSpPr>
+          <p:nvPr>
+            <p:ph type="sldNum" sz="quarter" idx="10"/>
+          </p:nvPr>
+        </p:nvSpPr>
+        <p:spPr/>
+        <p:txBody>
+          <a:bodyPr/>
+          <a:lstStyle/>
+          <a:p>
+            <a:fld id="{2ED26FC3-015A-4F86-ACC3-780431FB8E4D}" type="slidenum">
+              <a:rPr lang="zh-CN" altLang="en-US" smtClean="0"/>
+            </a:fld>
+            <a:endParaRPr lang="zh-CN" altLang="en-US"/>
+          </a:p>
+        </p:txBody>
+      </p:sp>
+    </p:spTree>
+  </p:cSld>
+  <p:clrMapOvr>
+    <a:masterClrMapping/>
+  </p:clrMapOvr>
+</p:notes>
+</file>
+
+<file path=ppt/notesSlides/notesSlide30.xml><?xml version="1.0" encoding="utf-8"?>
+<p:notes xmlns:a="http://schemas.openxmlformats.org/drawingml/2006/main" xmlns:r="http://schemas.openxmlformats.org/officeDocument/2006/relationships" xmlns:p="http://schemas.openxmlformats.org/presentationml/2006/main">
+  <p:cSld>
+    <p:spTree>
+      <p:nvGrpSpPr>
+        <p:cNvPr id="1" name=""/>
+        <p:cNvGrpSpPr/>
+        <p:nvPr/>
+      </p:nvGrpSpPr>
+      <p:grpSpPr>
+        <a:xfrm>
+          <a:off x="0" y="0"/>
+          <a:ext cx="0" cy="0"/>
+          <a:chOff x="0" y="0"/>
+          <a:chExt cx="0" cy="0"/>
+        </a:xfrm>
+      </p:grpSpPr>
+      <p:sp>
+        <p:nvSpPr>
+          <p:cNvPr id="2" name="幻灯片图像占位符 1"/>
+          <p:cNvSpPr>
+            <a:spLocks noGrp="1" noRot="1" noChangeAspect="1"/>
+          </p:cNvSpPr>
+          <p:nvPr>
+            <p:ph type="sldImg"/>
+          </p:nvPr>
+        </p:nvSpPr>
+        <p:spPr>
+          <a:xfrm>
+            <a:off x="1371600" y="1143000"/>
+            <a:ext cx="4114800" cy="3086100"/>
+          </a:xfrm>
+        </p:spPr>
+      </p:sp>
+      <p:sp>
+        <p:nvSpPr>
+          <p:cNvPr id="3" name="备注占位符 2"/>
+          <p:cNvSpPr>
+            <a:spLocks noGrp="1"/>
+          </p:cNvSpPr>
+          <p:nvPr>
+            <p:ph type="body" idx="1"/>
+          </p:nvPr>
+        </p:nvSpPr>
+        <p:spPr/>
+        <p:txBody>
+          <a:bodyPr/>
+          <a:lstStyle/>
+          <a:p>
+            <a:endParaRPr lang="zh-CN" altLang="en-US"/>
+          </a:p>
+        </p:txBody>
+      </p:sp>
+      <p:sp>
+        <p:nvSpPr>
+          <p:cNvPr id="4" name="灯片编号占位符 3"/>
+          <p:cNvSpPr>
+            <a:spLocks noGrp="1"/>
+          </p:cNvSpPr>
+          <p:nvPr>
+            <p:ph type="sldNum" sz="quarter" idx="10"/>
+          </p:nvPr>
+        </p:nvSpPr>
+        <p:spPr/>
+        <p:txBody>
+          <a:bodyPr/>
+          <a:lstStyle/>
+          <a:p>
+            <a:fld id="{2ED26FC3-015A-4F86-ACC3-780431FB8E4D}" type="slidenum">
+              <a:rPr lang="zh-CN" altLang="en-US" smtClean="0"/>
+            </a:fld>
+            <a:endParaRPr lang="zh-CN" altLang="en-US"/>
+          </a:p>
+        </p:txBody>
+      </p:sp>
+    </p:spTree>
+  </p:cSld>
+  <p:clrMapOvr>
+    <a:masterClrMapping/>
+  </p:clrMapOvr>
+</p:notes>
+</file>
+
+<file path=ppt/notesSlides/notesSlide31.xml><?xml version="1.0" encoding="utf-8"?>
+<p:notes xmlns:a="http://schemas.openxmlformats.org/drawingml/2006/main" xmlns:r="http://schemas.openxmlformats.org/officeDocument/2006/relationships" xmlns:p="http://schemas.openxmlformats.org/presentationml/2006/main">
+  <p:cSld>
+    <p:spTree>
+      <p:nvGrpSpPr>
+        <p:cNvPr id="1" name=""/>
+        <p:cNvGrpSpPr/>
+        <p:nvPr/>
+      </p:nvGrpSpPr>
+      <p:grpSpPr>
+        <a:xfrm>
+          <a:off x="0" y="0"/>
+          <a:ext cx="0" cy="0"/>
+          <a:chOff x="0" y="0"/>
+          <a:chExt cx="0" cy="0"/>
+        </a:xfrm>
+      </p:grpSpPr>
+      <p:sp>
+        <p:nvSpPr>
+          <p:cNvPr id="2" name="幻灯片图像占位符 1"/>
+          <p:cNvSpPr>
+            <a:spLocks noGrp="1" noRot="1" noChangeAspect="1"/>
+          </p:cNvSpPr>
+          <p:nvPr>
+            <p:ph type="sldImg"/>
+          </p:nvPr>
+        </p:nvSpPr>
+        <p:spPr>
+          <a:xfrm>
+            <a:off x="1371600" y="1143000"/>
+            <a:ext cx="4114800" cy="3086100"/>
+          </a:xfrm>
+        </p:spPr>
+      </p:sp>
+      <p:sp>
+        <p:nvSpPr>
+          <p:cNvPr id="3" name="备注占位符 2"/>
+          <p:cNvSpPr>
+            <a:spLocks noGrp="1"/>
+          </p:cNvSpPr>
+          <p:nvPr>
+            <p:ph type="body" idx="1"/>
+          </p:nvPr>
+        </p:nvSpPr>
+        <p:spPr/>
+        <p:txBody>
+          <a:bodyPr/>
+          <a:lstStyle/>
+          <a:p>
+            <a:endParaRPr lang="zh-CN" altLang="en-US"/>
+          </a:p>
+        </p:txBody>
+      </p:sp>
+      <p:sp>
+        <p:nvSpPr>
+          <p:cNvPr id="4" name="灯片编号占位符 3"/>
+          <p:cNvSpPr>
+            <a:spLocks noGrp="1"/>
+          </p:cNvSpPr>
+          <p:nvPr>
+            <p:ph type="sldNum" sz="quarter" idx="10"/>
+          </p:nvPr>
+        </p:nvSpPr>
+        <p:spPr/>
+        <p:txBody>
+          <a:bodyPr/>
+          <a:lstStyle/>
+          <a:p>
+            <a:fld id="{2ED26FC3-015A-4F86-ACC3-780431FB8E4D}" type="slidenum">
+              <a:rPr lang="zh-CN" altLang="en-US" smtClean="0"/>
+            </a:fld>
+            <a:endParaRPr lang="zh-CN" altLang="en-US"/>
+          </a:p>
+        </p:txBody>
+      </p:sp>
+    </p:spTree>
+  </p:cSld>
+  <p:clrMapOvr>
+    <a:masterClrMapping/>
+  </p:clrMapOvr>
+</p:notes>
+</file>
+
+<file path=ppt/notesSlides/notesSlide32.xml><?xml version="1.0" encoding="utf-8"?>
+<p:notes xmlns:a="http://schemas.openxmlformats.org/drawingml/2006/main" xmlns:r="http://schemas.openxmlformats.org/officeDocument/2006/relationships" xmlns:p="http://schemas.openxmlformats.org/presentationml/2006/main">
+  <p:cSld>
+    <p:spTree>
+      <p:nvGrpSpPr>
+        <p:cNvPr id="1" name=""/>
+        <p:cNvGrpSpPr/>
+        <p:nvPr/>
+      </p:nvGrpSpPr>
+      <p:grpSpPr>
+        <a:xfrm>
+          <a:off x="0" y="0"/>
+          <a:ext cx="0" cy="0"/>
+          <a:chOff x="0" y="0"/>
+          <a:chExt cx="0" cy="0"/>
+        </a:xfrm>
+      </p:grpSpPr>
+      <p:sp>
+        <p:nvSpPr>
+          <p:cNvPr id="2" name="幻灯片图像占位符 1"/>
+          <p:cNvSpPr>
+            <a:spLocks noGrp="1" noRot="1" noChangeAspect="1"/>
+          </p:cNvSpPr>
+          <p:nvPr>
+            <p:ph type="sldImg"/>
+          </p:nvPr>
+        </p:nvSpPr>
+        <p:spPr>
+          <a:xfrm>
+            <a:off x="1371600" y="1143000"/>
+            <a:ext cx="4114800" cy="3086100"/>
+          </a:xfrm>
+        </p:spPr>
+      </p:sp>
+      <p:sp>
+        <p:nvSpPr>
+          <p:cNvPr id="3" name="备注占位符 2"/>
+          <p:cNvSpPr>
+            <a:spLocks noGrp="1"/>
+          </p:cNvSpPr>
+          <p:nvPr>
+            <p:ph type="body" idx="1"/>
+          </p:nvPr>
+        </p:nvSpPr>
+        <p:spPr/>
+        <p:txBody>
+          <a:bodyPr/>
+          <a:lstStyle/>
+          <a:p>
+            <a:endParaRPr lang="zh-CN" altLang="en-US"/>
+          </a:p>
+        </p:txBody>
+      </p:sp>
+      <p:sp>
+        <p:nvSpPr>
+          <p:cNvPr id="4" name="灯片编号占位符 3"/>
+          <p:cNvSpPr>
+            <a:spLocks noGrp="1"/>
+          </p:cNvSpPr>
+          <p:nvPr>
+            <p:ph type="sldNum" sz="quarter" idx="10"/>
+          </p:nvPr>
+        </p:nvSpPr>
+        <p:spPr/>
+        <p:txBody>
+          <a:bodyPr/>
+          <a:lstStyle/>
+          <a:p>
+            <a:fld id="{2ED26FC3-015A-4F86-ACC3-780431FB8E4D}" type="slidenum">
+              <a:rPr lang="zh-CN" altLang="en-US" smtClean="0"/>
+            </a:fld>
+            <a:endParaRPr lang="zh-CN" altLang="en-US"/>
+          </a:p>
+        </p:txBody>
+      </p:sp>
+    </p:spTree>
+  </p:cSld>
+  <p:clrMapOvr>
+    <a:masterClrMapping/>
+  </p:clrMapOvr>
+</p:notes>
+</file>
+
+<file path=ppt/notesSlides/notesSlide33.xml><?xml version="1.0" encoding="utf-8"?>
+<p:notes xmlns:a="http://schemas.openxmlformats.org/drawingml/2006/main" xmlns:r="http://schemas.openxmlformats.org/officeDocument/2006/relationships" xmlns:p="http://schemas.openxmlformats.org/presentationml/2006/main">
+  <p:cSld>
+    <p:spTree>
+      <p:nvGrpSpPr>
+        <p:cNvPr id="1" name=""/>
+        <p:cNvGrpSpPr/>
+        <p:nvPr/>
+      </p:nvGrpSpPr>
+      <p:grpSpPr>
+        <a:xfrm>
+          <a:off x="0" y="0"/>
+          <a:ext cx="0" cy="0"/>
+          <a:chOff x="0" y="0"/>
+          <a:chExt cx="0" cy="0"/>
+        </a:xfrm>
+      </p:grpSpPr>
+      <p:sp>
+        <p:nvSpPr>
+          <p:cNvPr id="2" name="幻灯片图像占位符 1"/>
+          <p:cNvSpPr>
+            <a:spLocks noGrp="1" noRot="1" noChangeAspect="1"/>
+          </p:cNvSpPr>
+          <p:nvPr>
+            <p:ph type="sldImg"/>
+          </p:nvPr>
+        </p:nvSpPr>
+        <p:spPr>
+          <a:xfrm>
+            <a:off x="1371600" y="1143000"/>
+            <a:ext cx="4114800" cy="3086100"/>
+          </a:xfrm>
+        </p:spPr>
+      </p:sp>
+      <p:sp>
+        <p:nvSpPr>
+          <p:cNvPr id="3" name="备注占位符 2"/>
+          <p:cNvSpPr>
+            <a:spLocks noGrp="1"/>
+          </p:cNvSpPr>
+          <p:nvPr>
+            <p:ph type="body" idx="1"/>
+          </p:nvPr>
+        </p:nvSpPr>
+        <p:spPr/>
+        <p:txBody>
+          <a:bodyPr/>
+          <a:lstStyle/>
+          <a:p>
+            <a:endParaRPr lang="zh-CN" altLang="en-US"/>
+          </a:p>
+        </p:txBody>
+      </p:sp>
+      <p:sp>
+        <p:nvSpPr>
+          <p:cNvPr id="4" name="灯片编号占位符 3"/>
+          <p:cNvSpPr>
+            <a:spLocks noGrp="1"/>
+          </p:cNvSpPr>
+          <p:nvPr>
+            <p:ph type="sldNum" sz="quarter" idx="10"/>
+          </p:nvPr>
+        </p:nvSpPr>
+        <p:spPr/>
+        <p:txBody>
+          <a:bodyPr/>
+          <a:lstStyle/>
+          <a:p>
+            <a:fld id="{2ED26FC3-015A-4F86-ACC3-780431FB8E4D}" type="slidenum">
+              <a:rPr lang="zh-CN" altLang="en-US" smtClean="0"/>
+            </a:fld>
+            <a:endParaRPr lang="zh-CN" altLang="en-US"/>
+          </a:p>
+        </p:txBody>
+      </p:sp>
+    </p:spTree>
+  </p:cSld>
+  <p:clrMapOvr>
+    <a:masterClrMapping/>
+  </p:clrMapOvr>
+</p:notes>
+</file>
+
+<file path=ppt/notesSlides/notesSlide34.xml><?xml version="1.0" encoding="utf-8"?>
 <p:notes xmlns:a="http://schemas.openxmlformats.org/drawingml/2006/main" xmlns:r="http://schemas.openxmlformats.org/officeDocument/2006/relationships" xmlns:p="http://schemas.openxmlformats.org/presentationml/2006/main">
   <p:cSld>
     <p:spTree>
@@ -3074,162 +3774,8 @@
           <a:p>
             <a:fld id="{B2E4F78C-D89C-4591-BABC-F2C1F612872E}" type="slidenum">
               <a:rPr lang="en-US" altLang="zh-CN" sz="1200" smtClean="0"/>
-              <a:t>37</a:t>
             </a:fld>
             <a:endParaRPr lang="en-US" altLang="zh-CN" sz="1200"/>
-          </a:p>
-        </p:txBody>
-      </p:sp>
-    </p:spTree>
-  </p:cSld>
-  <p:clrMapOvr>
-    <a:masterClrMapping/>
-  </p:clrMapOvr>
-</p:notes>
-</file>
-
-<file path=ppt/notesSlides/notesSlide3.xml><?xml version="1.0" encoding="utf-8"?>
-<p:notes xmlns:a="http://schemas.openxmlformats.org/drawingml/2006/main" xmlns:r="http://schemas.openxmlformats.org/officeDocument/2006/relationships" xmlns:p="http://schemas.openxmlformats.org/presentationml/2006/main">
-  <p:cSld>
-    <p:spTree>
-      <p:nvGrpSpPr>
-        <p:cNvPr id="1" name=""/>
-        <p:cNvGrpSpPr/>
-        <p:nvPr/>
-      </p:nvGrpSpPr>
-      <p:grpSpPr>
-        <a:xfrm>
-          <a:off x="0" y="0"/>
-          <a:ext cx="0" cy="0"/>
-          <a:chOff x="0" y="0"/>
-          <a:chExt cx="0" cy="0"/>
-        </a:xfrm>
-      </p:grpSpPr>
-      <p:sp>
-        <p:nvSpPr>
-          <p:cNvPr id="2" name="幻灯片图像占位符 1"/>
-          <p:cNvSpPr>
-            <a:spLocks noGrp="1" noRot="1" noChangeAspect="1"/>
-          </p:cNvSpPr>
-          <p:nvPr>
-            <p:ph type="sldImg"/>
-          </p:nvPr>
-        </p:nvSpPr>
-        <p:spPr>
-          <a:xfrm>
-            <a:off x="1371600" y="1143000"/>
-            <a:ext cx="4114800" cy="3086100"/>
-          </a:xfrm>
-        </p:spPr>
-      </p:sp>
-      <p:sp>
-        <p:nvSpPr>
-          <p:cNvPr id="3" name="备注占位符 2"/>
-          <p:cNvSpPr>
-            <a:spLocks noGrp="1"/>
-          </p:cNvSpPr>
-          <p:nvPr>
-            <p:ph type="body" idx="1"/>
-          </p:nvPr>
-        </p:nvSpPr>
-        <p:spPr/>
-        <p:txBody>
-          <a:bodyPr/>
-          <a:lstStyle/>
-          <a:p>
-            <a:pPr eaLnBrk="1" hangingPunct="1"/>
-            <a:r>
-              <a:rPr lang="zh-CN" altLang="en-US" dirty="0"/>
-              <a:t>代码重复冗余为万恶之首。（1. 危害体系结构和软件质量 2.形成思维定势，不利于总结提高 3. 减低创造力，阻碍技术创新</a:t>
-            </a:r>
-            <a:r>
-              <a:rPr lang="en-US" altLang="zh-CN" dirty="0"/>
-              <a:t>）</a:t>
-            </a:r>
-          </a:p>
-          <a:p>
-            <a:pPr eaLnBrk="1" hangingPunct="1"/>
-            <a:r>
-              <a:rPr lang="zh-CN" altLang="en-US" dirty="0"/>
-              <a:t>重用是优化体系结构的前提。</a:t>
-            </a:r>
-          </a:p>
-          <a:p>
-            <a:pPr eaLnBrk="1" hangingPunct="1"/>
-            <a:r>
-              <a:rPr lang="zh-CN" altLang="en-US" dirty="0"/>
-              <a:t>做到重用和体系结构合理后，自然系统在维护性和弹性会有出色表现。</a:t>
-            </a:r>
-          </a:p>
-          <a:p>
-            <a:pPr eaLnBrk="1" hangingPunct="1"/>
-            <a:r>
-              <a:rPr lang="zh-CN" altLang="en-US" dirty="0"/>
-              <a:t>结构不良、冗余的系统不利于编写测试用例，难以做到测试驱动（简要介绍</a:t>
-            </a:r>
-            <a:r>
-              <a:rPr lang="zh-CN" altLang="en-US" u="sng" dirty="0">
-                <a:solidFill>
-                  <a:schemeClr val="accent2"/>
-                </a:solidFill>
-              </a:rPr>
-              <a:t>测试驱动</a:t>
-            </a:r>
-            <a:r>
-              <a:rPr lang="zh-CN" altLang="en-US" dirty="0"/>
-              <a:t>）。</a:t>
-            </a:r>
-          </a:p>
-          <a:p>
-            <a:pPr eaLnBrk="1" hangingPunct="1"/>
-            <a:r>
-              <a:rPr lang="zh-CN" altLang="en-US" dirty="0"/>
-              <a:t>结构良好的系统更加容易优化性能。因为功能明晰、结构好，可以准确地判断出哪个地方存在性能瓶颈，从而优化之。</a:t>
-            </a:r>
-          </a:p>
-          <a:p>
-            <a:pPr eaLnBrk="1" hangingPunct="1"/>
-            <a:r>
-              <a:rPr lang="zh-CN" altLang="en-US" dirty="0"/>
-              <a:t>上述条件满足，软件质量当然有保证。</a:t>
-            </a:r>
-          </a:p>
-          <a:p>
-            <a:pPr eaLnBrk="1" hangingPunct="1"/>
-            <a:r>
-              <a:rPr lang="zh-CN" altLang="en-US" dirty="0"/>
-              <a:t>代码虽然是写给计算机执行，但最重要的是表达人的思想，写给人看的。因此提高代码可读性，方便团队交流非常重要。</a:t>
-            </a:r>
-          </a:p>
-          <a:p>
-            <a:pPr eaLnBrk="1" hangingPunct="1"/>
-            <a:r>
-              <a:rPr lang="zh-CN" altLang="en-US" dirty="0"/>
-              <a:t>团队有统一的编码规范和设计模式，水平更加容易提高，因为设计模式能将成功的经验在团队中普及。</a:t>
-            </a:r>
-          </a:p>
-        </p:txBody>
-      </p:sp>
-      <p:sp>
-        <p:nvSpPr>
-          <p:cNvPr id="4" name="灯片编号占位符 3"/>
-          <p:cNvSpPr>
-            <a:spLocks noGrp="1"/>
-          </p:cNvSpPr>
-          <p:nvPr>
-            <p:ph type="sldNum" sz="quarter" idx="10"/>
-          </p:nvPr>
-        </p:nvSpPr>
-        <p:spPr/>
-        <p:txBody>
-          <a:bodyPr/>
-          <a:lstStyle/>
-          <a:p>
-            <a:fld id="{2ED26FC3-015A-4F86-ACC3-780431FB8E4D}" type="slidenum">
-              <a:rPr lang="zh-CN" altLang="en-US" smtClean="0"/>
-              <a:t>3</a:t>
-            </a:fld>
-            <a:endParaRPr lang="zh-CN" altLang="en-US"/>
           </a:p>
         </p:txBody>
       </p:sp>
@@ -3315,6 +3861,7 @@
               <a:rPr lang="zh-CN" altLang="en-US" dirty="0"/>
               <a:t>重构的前提是设计模式和测试驱动（结合实践经验简要介绍，测试驱动并非只是为了检验软件的功能，更重要的在于重构和加速软件开发）</a:t>
             </a:r>
+            <a:endParaRPr lang="zh-CN" altLang="en-US" dirty="0"/>
           </a:p>
           <a:p>
             <a:pPr eaLnBrk="1" hangingPunct="1"/>
@@ -3326,6 +3873,7 @@
               <a:rPr lang="zh-CN" altLang="en-US" dirty="0"/>
               <a:t>设计过程中，常常面临很多困难，有时甚至是矛盾的抉择。如何权衡各方面的利弊而作出正确选择非常重要。前人的经验和教训总结无疑有非常大的帮助，这有助于我更加清晰地认识到所处环境的各种陷阱和潜在问题，从而作出正确选择。 反设计模式就是帮助开发人员度过该难关的有力工具。与设计模式不同， 反设计模式专注于防止我们犯错误，而设计模式指导我们做出精良的设计，两者是相辅相成的。</a:t>
             </a:r>
+            <a:endParaRPr lang="zh-CN" altLang="en-US" dirty="0"/>
           </a:p>
           <a:p>
             <a:pPr eaLnBrk="1" hangingPunct="1"/>
@@ -3353,6 +3901,7 @@
               <a:rPr lang="zh-CN" altLang="en-US" dirty="0"/>
               <a:t>之上的。</a:t>
             </a:r>
+            <a:endParaRPr lang="zh-CN" altLang="en-US" dirty="0"/>
           </a:p>
         </p:txBody>
       </p:sp>
@@ -3373,7 +3922,6 @@
           <a:p>
             <a:fld id="{2ED26FC3-015A-4F86-ACC3-780431FB8E4D}" type="slidenum">
               <a:rPr lang="zh-CN" altLang="en-US" smtClean="0"/>
-              <a:t>4</a:t>
             </a:fld>
             <a:endParaRPr lang="zh-CN" altLang="en-US"/>
           </a:p>
@@ -3449,6 +3997,7 @@
               <a:rPr lang="zh-CN" altLang="en-US" dirty="0"/>
               <a:t>的方法论，其内容就是如何设计对象的结构及其相互间的协作关系。</a:t>
             </a:r>
+            <a:endParaRPr lang="zh-CN" altLang="en-US" dirty="0"/>
           </a:p>
           <a:p>
             <a:pPr eaLnBrk="1" hangingPunct="1"/>
@@ -3476,6 +4025,7 @@
               <a:rPr lang="zh-CN" altLang="en-US" dirty="0"/>
               <a:t>模式举例</a:t>
             </a:r>
+            <a:endParaRPr lang="zh-CN" altLang="en-US" dirty="0"/>
           </a:p>
           <a:p>
             <a:pPr eaLnBrk="1" hangingPunct="1"/>
@@ -3495,6 +4045,7 @@
               <a:rPr lang="zh-CN" altLang="en-US" dirty="0"/>
               <a:t>来建模，表达整个软件的结构、流程等方方面面。</a:t>
             </a:r>
+            <a:endParaRPr lang="zh-CN" altLang="en-US" dirty="0"/>
           </a:p>
           <a:p>
             <a:pPr eaLnBrk="1" hangingPunct="1"/>
@@ -3518,6 +4069,7 @@
               <a:rPr lang="zh-CN" altLang="en-US" dirty="0"/>
               <a:t>的本意是表达设计思想，而非代码生成引擎。当然，随着技术进步，设计思想表达出来后，可利用代码生成引擎来加快开发速度。 </a:t>
             </a:r>
+            <a:endParaRPr lang="zh-CN" altLang="en-US" dirty="0"/>
           </a:p>
           <a:p>
             <a:pPr eaLnBrk="1" hangingPunct="1"/>
@@ -3545,6 +4097,7 @@
               <a:rPr lang="zh-CN" altLang="en-US" dirty="0"/>
               <a:t>应用和融入到软件设计中。</a:t>
             </a:r>
+            <a:endParaRPr lang="zh-CN" altLang="en-US" dirty="0"/>
           </a:p>
           <a:p>
             <a:pPr eaLnBrk="1" hangingPunct="1"/>
@@ -3564,6 +4117,7 @@
               <a:rPr lang="zh-CN" altLang="en-US" dirty="0"/>
               <a:t>来表达的。</a:t>
             </a:r>
+            <a:endParaRPr lang="zh-CN" altLang="en-US" dirty="0"/>
           </a:p>
         </p:txBody>
       </p:sp>
@@ -3584,7 +4138,6 @@
           <a:p>
             <a:fld id="{2ED26FC3-015A-4F86-ACC3-780431FB8E4D}" type="slidenum">
               <a:rPr lang="zh-CN" altLang="en-US" smtClean="0"/>
-              <a:t>5</a:t>
             </a:fld>
             <a:endParaRPr lang="zh-CN" altLang="en-US"/>
           </a:p>
@@ -3668,7 +4221,6 @@
           <a:p>
             <a:fld id="{2ED26FC3-015A-4F86-ACC3-780431FB8E4D}" type="slidenum">
               <a:rPr lang="zh-CN" altLang="en-US" smtClean="0"/>
-              <a:t>6</a:t>
             </a:fld>
             <a:endParaRPr lang="zh-CN" altLang="en-US"/>
           </a:p>
@@ -3752,7 +4304,6 @@
           <a:p>
             <a:fld id="{2ED26FC3-015A-4F86-ACC3-780431FB8E4D}" type="slidenum">
               <a:rPr lang="zh-CN" altLang="en-US" smtClean="0"/>
-              <a:t>8</a:t>
             </a:fld>
             <a:endParaRPr lang="zh-CN" altLang="en-US"/>
           </a:p>
@@ -3836,7 +4387,6 @@
           <a:p>
             <a:fld id="{2ED26FC3-015A-4F86-ACC3-780431FB8E4D}" type="slidenum">
               <a:rPr lang="zh-CN" altLang="en-US" smtClean="0"/>
-              <a:t>10</a:t>
             </a:fld>
             <a:endParaRPr lang="zh-CN" altLang="en-US"/>
           </a:p>
@@ -3927,7 +4477,6 @@
           <a:p>
             <a:fld id="{2ED26FC3-015A-4F86-ACC3-780431FB8E4D}" type="slidenum">
               <a:rPr lang="zh-CN" altLang="en-US" smtClean="0"/>
-              <a:t>11</a:t>
             </a:fld>
             <a:endParaRPr lang="zh-CN" altLang="en-US"/>
           </a:p>
@@ -3964,7 +4513,7 @@
           <p:cNvCxnSpPr/>
           <p:nvPr>
             <p:custDataLst>
-              <p:tags r:id="rId1"/>
+              <p:tags r:id="rId2"/>
             </p:custDataLst>
           </p:nvPr>
         </p:nvCxnSpPr>
@@ -3998,7 +4547,7 @@
           <p:cNvCxnSpPr/>
           <p:nvPr>
             <p:custDataLst>
-              <p:tags r:id="rId2"/>
+              <p:tags r:id="rId3"/>
             </p:custDataLst>
           </p:nvPr>
         </p:nvCxnSpPr>
@@ -4032,7 +4581,7 @@
           <p:cNvCxnSpPr/>
           <p:nvPr>
             <p:custDataLst>
-              <p:tags r:id="rId3"/>
+              <p:tags r:id="rId4"/>
             </p:custDataLst>
           </p:nvPr>
         </p:nvCxnSpPr>
@@ -4066,7 +4615,7 @@
           <p:cNvCxnSpPr/>
           <p:nvPr>
             <p:custDataLst>
-              <p:tags r:id="rId4"/>
+              <p:tags r:id="rId5"/>
             </p:custDataLst>
           </p:nvPr>
         </p:nvCxnSpPr>
@@ -4100,7 +4649,7 @@
           <p:cNvCxnSpPr/>
           <p:nvPr>
             <p:custDataLst>
-              <p:tags r:id="rId5"/>
+              <p:tags r:id="rId6"/>
             </p:custDataLst>
           </p:nvPr>
         </p:nvCxnSpPr>
@@ -4158,6 +4707,7 @@
               <a:rPr lang="zh-CN" altLang="en-US" noProof="1"/>
               <a:t>单击此处编辑标题</a:t>
             </a:r>
+            <a:endParaRPr lang="zh-CN" altLang="en-US" noProof="1"/>
           </a:p>
         </p:txBody>
       </p:sp>
@@ -4224,6 +4774,7 @@
               <a:rPr lang="zh-CN" altLang="en-US" noProof="1"/>
               <a:t>单击此处编辑母版副标题样式</a:t>
             </a:r>
+            <a:endParaRPr lang="zh-CN" altLang="en-US" noProof="1"/>
           </a:p>
         </p:txBody>
       </p:sp>
@@ -4248,7 +4799,6 @@
           <a:p>
             <a:fld id="{760FBDFE-C587-4B4C-A407-44438C67B59E}" type="datetimeFigureOut">
               <a:rPr lang="zh-CN" altLang="en-US"/>
-              <a:t>2018/8/11</a:t>
             </a:fld>
             <a:endParaRPr lang="zh-CN" altLang="en-US"/>
           </a:p>
@@ -4298,7 +4848,6 @@
           <a:p>
             <a:fld id="{B57485EF-07CB-4560-BDF9-ECAE85E048A8}" type="slidenum">
               <a:rPr lang="zh-CN" altLang="en-US"/>
-              <a:t>‹#›</a:t>
             </a:fld>
             <a:endParaRPr lang="zh-CN" altLang="en-US"/>
           </a:p>
@@ -4372,6 +4921,7 @@
               <a:rPr lang="zh-CN" altLang="en-US" noProof="1"/>
               <a:t>单击此处编辑母版文本样式</a:t>
             </a:r>
+            <a:endParaRPr lang="zh-CN" altLang="en-US" noProof="1"/>
           </a:p>
           <a:p>
             <a:pPr lvl="1"/>
@@ -4379,6 +4929,7 @@
               <a:rPr lang="zh-CN" altLang="en-US" noProof="1"/>
               <a:t>第二级</a:t>
             </a:r>
+            <a:endParaRPr lang="zh-CN" altLang="en-US" noProof="1"/>
           </a:p>
           <a:p>
             <a:pPr lvl="2"/>
@@ -4386,6 +4937,7 @@
               <a:rPr lang="zh-CN" altLang="en-US" noProof="1"/>
               <a:t>第三级</a:t>
             </a:r>
+            <a:endParaRPr lang="zh-CN" altLang="en-US" noProof="1"/>
           </a:p>
           <a:p>
             <a:pPr lvl="3"/>
@@ -4393,6 +4945,7 @@
               <a:rPr lang="zh-CN" altLang="en-US" noProof="1"/>
               <a:t>第四级</a:t>
             </a:r>
+            <a:endParaRPr lang="zh-CN" altLang="en-US" noProof="1"/>
           </a:p>
           <a:p>
             <a:pPr lvl="4"/>
@@ -4400,6 +4953,7 @@
               <a:rPr lang="zh-CN" altLang="en-US" noProof="1"/>
               <a:t>第五级</a:t>
             </a:r>
+            <a:endParaRPr lang="zh-CN" altLang="en-US" noProof="1"/>
           </a:p>
         </p:txBody>
       </p:sp>
@@ -4424,7 +4978,6 @@
           <a:p>
             <a:fld id="{760FBDFE-C587-4B4C-A407-44438C67B59E}" type="datetimeFigureOut">
               <a:rPr lang="zh-CN" altLang="en-US"/>
-              <a:t>2018/8/11</a:t>
             </a:fld>
             <a:endParaRPr lang="zh-CN" altLang="en-US"/>
           </a:p>
@@ -4474,7 +5027,6 @@
           <a:p>
             <a:fld id="{E99C5EC3-8103-43E4-B157-1AC5D340141F}" type="slidenum">
               <a:rPr lang="zh-CN" altLang="en-US"/>
-              <a:t>‹#›</a:t>
             </a:fld>
             <a:endParaRPr lang="zh-CN" altLang="en-US"/>
           </a:p>
@@ -4524,6 +5076,7 @@
               <a:rPr lang="zh-CN" altLang="en-US" noProof="1"/>
               <a:t>单击此处编辑母版标题样式</a:t>
             </a:r>
+            <a:endParaRPr lang="zh-CN" altLang="en-US" noProof="1"/>
           </a:p>
         </p:txBody>
       </p:sp>
@@ -4548,7 +5101,6 @@
           <a:p>
             <a:fld id="{760FBDFE-C587-4B4C-A407-44438C67B59E}" type="datetimeFigureOut">
               <a:rPr lang="zh-CN" altLang="en-US"/>
-              <a:t>2018/8/11</a:t>
             </a:fld>
             <a:endParaRPr lang="zh-CN" altLang="en-US"/>
           </a:p>
@@ -4598,7 +5150,6 @@
           <a:p>
             <a:fld id="{672E4197-9F2F-4415-85F8-93AEECACC1CD}" type="slidenum">
               <a:rPr lang="zh-CN" altLang="en-US"/>
-              <a:t>‹#›</a:t>
             </a:fld>
             <a:endParaRPr lang="zh-CN" altLang="en-US"/>
           </a:p>
@@ -4635,7 +5186,7 @@
           <p:cNvCxnSpPr/>
           <p:nvPr>
             <p:custDataLst>
-              <p:tags r:id="rId1"/>
+              <p:tags r:id="rId2"/>
             </p:custDataLst>
           </p:nvPr>
         </p:nvCxnSpPr>
@@ -4669,7 +5220,7 @@
           <p:cNvCxnSpPr/>
           <p:nvPr>
             <p:custDataLst>
-              <p:tags r:id="rId2"/>
+              <p:tags r:id="rId3"/>
             </p:custDataLst>
           </p:nvPr>
         </p:nvCxnSpPr>
@@ -4703,7 +5254,7 @@
           <p:cNvCxnSpPr/>
           <p:nvPr>
             <p:custDataLst>
-              <p:tags r:id="rId3"/>
+              <p:tags r:id="rId4"/>
             </p:custDataLst>
           </p:nvPr>
         </p:nvCxnSpPr>
@@ -4737,7 +5288,7 @@
           <p:cNvCxnSpPr/>
           <p:nvPr>
             <p:custDataLst>
-              <p:tags r:id="rId4"/>
+              <p:tags r:id="rId5"/>
             </p:custDataLst>
           </p:nvPr>
         </p:nvCxnSpPr>
@@ -4771,7 +5322,7 @@
           <p:cNvCxnSpPr/>
           <p:nvPr>
             <p:custDataLst>
-              <p:tags r:id="rId5"/>
+              <p:tags r:id="rId6"/>
             </p:custDataLst>
           </p:nvPr>
         </p:nvCxnSpPr>
@@ -4829,6 +5380,7 @@
               <a:rPr lang="zh-CN" altLang="en-US" dirty="0"/>
               <a:t>单击此处编辑标题</a:t>
             </a:r>
+            <a:endParaRPr lang="zh-CN" altLang="en-US" dirty="0"/>
           </a:p>
         </p:txBody>
       </p:sp>
@@ -4895,6 +5447,7 @@
               <a:rPr lang="zh-CN" altLang="en-US" dirty="0"/>
               <a:t>单击此处编辑母版副标题样式</a:t>
             </a:r>
+            <a:endParaRPr lang="zh-CN" altLang="en-US" dirty="0"/>
           </a:p>
         </p:txBody>
       </p:sp>
@@ -4921,7 +5474,6 @@
           <a:p>
             <a:fld id="{760FBDFE-C587-4B4C-A407-44438C67B59E}" type="datetimeFigureOut">
               <a:rPr lang="zh-CN" altLang="en-US" smtClean="0"/>
-              <a:t>2018/8/11</a:t>
             </a:fld>
             <a:endParaRPr lang="zh-CN" altLang="en-US"/>
           </a:p>
@@ -4975,7 +5527,6 @@
           <a:p>
             <a:fld id="{49AE70B2-8BF9-45C0-BB95-33D1B9D3A854}" type="slidenum">
               <a:rPr lang="zh-CN" altLang="en-US" smtClean="0"/>
-              <a:t>‹#›</a:t>
             </a:fld>
             <a:endParaRPr lang="zh-CN" altLang="en-US"/>
           </a:p>
@@ -5027,6 +5578,7 @@
               <a:rPr lang="zh-CN" altLang="en-US" dirty="0"/>
               <a:t>单击此处编辑母版标题样式</a:t>
             </a:r>
+            <a:endParaRPr lang="zh-CN" altLang="en-US" dirty="0"/>
           </a:p>
         </p:txBody>
       </p:sp>
@@ -5068,6 +5620,7 @@
               <a:rPr lang="zh-CN" altLang="en-US" dirty="0"/>
               <a:t>单击此处编辑母版文本样式</a:t>
             </a:r>
+            <a:endParaRPr lang="zh-CN" altLang="en-US" dirty="0"/>
           </a:p>
           <a:p>
             <a:pPr lvl="1"/>
@@ -5075,6 +5628,7 @@
               <a:rPr lang="zh-CN" altLang="en-US" dirty="0"/>
               <a:t>第二级</a:t>
             </a:r>
+            <a:endParaRPr lang="zh-CN" altLang="en-US" dirty="0"/>
           </a:p>
           <a:p>
             <a:pPr lvl="2"/>
@@ -5082,6 +5636,7 @@
               <a:rPr lang="zh-CN" altLang="en-US" dirty="0"/>
               <a:t>第三级</a:t>
             </a:r>
+            <a:endParaRPr lang="zh-CN" altLang="en-US" dirty="0"/>
           </a:p>
           <a:p>
             <a:pPr lvl="3"/>
@@ -5089,6 +5644,7 @@
               <a:rPr lang="zh-CN" altLang="en-US" dirty="0"/>
               <a:t>第四级</a:t>
             </a:r>
+            <a:endParaRPr lang="zh-CN" altLang="en-US" dirty="0"/>
           </a:p>
           <a:p>
             <a:pPr lvl="4"/>
@@ -5096,6 +5652,7 @@
               <a:rPr lang="zh-CN" altLang="en-US" dirty="0"/>
               <a:t>第五级</a:t>
             </a:r>
+            <a:endParaRPr lang="zh-CN" altLang="en-US" dirty="0"/>
           </a:p>
         </p:txBody>
       </p:sp>
@@ -5122,7 +5679,6 @@
           <a:p>
             <a:fld id="{760FBDFE-C587-4B4C-A407-44438C67B59E}" type="datetimeFigureOut">
               <a:rPr lang="zh-CN" altLang="en-US" smtClean="0"/>
-              <a:t>2018/8/11</a:t>
             </a:fld>
             <a:endParaRPr lang="zh-CN" altLang="en-US"/>
           </a:p>
@@ -5176,7 +5732,6 @@
           <a:p>
             <a:fld id="{49AE70B2-8BF9-45C0-BB95-33D1B9D3A854}" type="slidenum">
               <a:rPr lang="zh-CN" altLang="en-US" smtClean="0"/>
-              <a:t>‹#›</a:t>
             </a:fld>
             <a:endParaRPr lang="zh-CN" altLang="en-US"/>
           </a:p>
@@ -5237,6 +5792,7 @@
               <a:rPr lang="zh-CN" altLang="en-US" dirty="0"/>
               <a:t>单击此处编辑标题</a:t>
             </a:r>
+            <a:endParaRPr lang="zh-CN" altLang="en-US" dirty="0"/>
           </a:p>
         </p:txBody>
       </p:sp>
@@ -5263,7 +5819,6 @@
           <a:p>
             <a:fld id="{760FBDFE-C587-4B4C-A407-44438C67B59E}" type="datetimeFigureOut">
               <a:rPr lang="zh-CN" altLang="en-US" smtClean="0"/>
-              <a:t>2018/8/11</a:t>
             </a:fld>
             <a:endParaRPr lang="zh-CN" altLang="en-US"/>
           </a:p>
@@ -5317,7 +5872,6 @@
           <a:p>
             <a:fld id="{49AE70B2-8BF9-45C0-BB95-33D1B9D3A854}" type="slidenum">
               <a:rPr lang="zh-CN" altLang="en-US" smtClean="0"/>
-              <a:t>‹#›</a:t>
             </a:fld>
             <a:endParaRPr lang="zh-CN" altLang="en-US"/>
           </a:p>
@@ -5355,6 +5909,7 @@
               <a:rPr lang="zh-CN" altLang="en-US" dirty="0"/>
               <a:t>单击此处编辑文本</a:t>
             </a:r>
+            <a:endParaRPr lang="zh-CN" altLang="en-US" dirty="0"/>
           </a:p>
         </p:txBody>
       </p:sp>
@@ -5404,6 +5959,7 @@
               <a:rPr lang="zh-CN" altLang="en-US"/>
               <a:t>单击此处编辑母版标题样式</a:t>
             </a:r>
+            <a:endParaRPr lang="zh-CN" altLang="en-US"/>
           </a:p>
         </p:txBody>
       </p:sp>
@@ -5434,6 +5990,7 @@
               <a:rPr lang="zh-CN" altLang="en-US" dirty="0"/>
               <a:t>单击此处编辑母版文本样式</a:t>
             </a:r>
+            <a:endParaRPr lang="zh-CN" altLang="en-US" dirty="0"/>
           </a:p>
           <a:p>
             <a:pPr lvl="1"/>
@@ -5441,6 +5998,7 @@
               <a:rPr lang="zh-CN" altLang="en-US" dirty="0"/>
               <a:t>第二级</a:t>
             </a:r>
+            <a:endParaRPr lang="zh-CN" altLang="en-US" dirty="0"/>
           </a:p>
           <a:p>
             <a:pPr lvl="2"/>
@@ -5448,6 +6006,7 @@
               <a:rPr lang="zh-CN" altLang="en-US" dirty="0"/>
               <a:t>第三级</a:t>
             </a:r>
+            <a:endParaRPr lang="zh-CN" altLang="en-US" dirty="0"/>
           </a:p>
           <a:p>
             <a:pPr lvl="3"/>
@@ -5455,6 +6014,7 @@
               <a:rPr lang="zh-CN" altLang="en-US" dirty="0"/>
               <a:t>第四级</a:t>
             </a:r>
+            <a:endParaRPr lang="zh-CN" altLang="en-US" dirty="0"/>
           </a:p>
           <a:p>
             <a:pPr lvl="4"/>
@@ -5462,6 +6022,7 @@
               <a:rPr lang="zh-CN" altLang="en-US" dirty="0"/>
               <a:t>第五级</a:t>
             </a:r>
+            <a:endParaRPr lang="zh-CN" altLang="en-US" dirty="0"/>
           </a:p>
         </p:txBody>
       </p:sp>
@@ -5492,6 +6053,7 @@
               <a:rPr lang="zh-CN" altLang="en-US" dirty="0"/>
               <a:t>单击此处编辑母版文本样式</a:t>
             </a:r>
+            <a:endParaRPr lang="zh-CN" altLang="en-US" dirty="0"/>
           </a:p>
           <a:p>
             <a:pPr lvl="1"/>
@@ -5499,6 +6061,7 @@
               <a:rPr lang="zh-CN" altLang="en-US" dirty="0"/>
               <a:t>第二级</a:t>
             </a:r>
+            <a:endParaRPr lang="zh-CN" altLang="en-US" dirty="0"/>
           </a:p>
           <a:p>
             <a:pPr lvl="2"/>
@@ -5506,6 +6069,7 @@
               <a:rPr lang="zh-CN" altLang="en-US" dirty="0"/>
               <a:t>第三级</a:t>
             </a:r>
+            <a:endParaRPr lang="zh-CN" altLang="en-US" dirty="0"/>
           </a:p>
           <a:p>
             <a:pPr lvl="3"/>
@@ -5513,6 +6077,7 @@
               <a:rPr lang="zh-CN" altLang="en-US" dirty="0"/>
               <a:t>第四级</a:t>
             </a:r>
+            <a:endParaRPr lang="zh-CN" altLang="en-US" dirty="0"/>
           </a:p>
           <a:p>
             <a:pPr lvl="4"/>
@@ -5520,6 +6085,7 @@
               <a:rPr lang="zh-CN" altLang="en-US" dirty="0"/>
               <a:t>第五级</a:t>
             </a:r>
+            <a:endParaRPr lang="zh-CN" altLang="en-US" dirty="0"/>
           </a:p>
         </p:txBody>
       </p:sp>
@@ -5546,7 +6112,6 @@
           <a:p>
             <a:fld id="{760FBDFE-C587-4B4C-A407-44438C67B59E}" type="datetimeFigureOut">
               <a:rPr lang="zh-CN" altLang="en-US" smtClean="0"/>
-              <a:t>2018/8/11</a:t>
             </a:fld>
             <a:endParaRPr lang="zh-CN" altLang="en-US"/>
           </a:p>
@@ -5600,7 +6165,6 @@
           <a:p>
             <a:fld id="{49AE70B2-8BF9-45C0-BB95-33D1B9D3A854}" type="slidenum">
               <a:rPr lang="zh-CN" altLang="en-US" smtClean="0"/>
-              <a:t>‹#›</a:t>
             </a:fld>
             <a:endParaRPr lang="zh-CN" altLang="en-US"/>
           </a:p>
@@ -5657,6 +6221,7 @@
               <a:rPr lang="zh-CN" altLang="en-US"/>
               <a:t>单击此处编辑母版标题样式</a:t>
             </a:r>
+            <a:endParaRPr lang="zh-CN" altLang="en-US"/>
           </a:p>
         </p:txBody>
       </p:sp>
@@ -5724,6 +6289,7 @@
               <a:rPr lang="zh-CN" altLang="en-US" dirty="0"/>
               <a:t>单击此处编辑母版文本样式</a:t>
             </a:r>
+            <a:endParaRPr lang="zh-CN" altLang="en-US" dirty="0"/>
           </a:p>
         </p:txBody>
       </p:sp>
@@ -5754,6 +6320,7 @@
               <a:rPr lang="zh-CN" altLang="en-US" dirty="0"/>
               <a:t>单击此处编辑母版文本样式</a:t>
             </a:r>
+            <a:endParaRPr lang="zh-CN" altLang="en-US" dirty="0"/>
           </a:p>
           <a:p>
             <a:pPr lvl="1"/>
@@ -5761,6 +6328,7 @@
               <a:rPr lang="zh-CN" altLang="en-US" dirty="0"/>
               <a:t>第二级</a:t>
             </a:r>
+            <a:endParaRPr lang="zh-CN" altLang="en-US" dirty="0"/>
           </a:p>
           <a:p>
             <a:pPr lvl="2"/>
@@ -5768,6 +6336,7 @@
               <a:rPr lang="zh-CN" altLang="en-US" dirty="0"/>
               <a:t>第三级</a:t>
             </a:r>
+            <a:endParaRPr lang="zh-CN" altLang="en-US" dirty="0"/>
           </a:p>
           <a:p>
             <a:pPr lvl="3"/>
@@ -5775,6 +6344,7 @@
               <a:rPr lang="zh-CN" altLang="en-US" dirty="0"/>
               <a:t>第四级</a:t>
             </a:r>
+            <a:endParaRPr lang="zh-CN" altLang="en-US" dirty="0"/>
           </a:p>
           <a:p>
             <a:pPr lvl="4"/>
@@ -5782,6 +6352,7 @@
               <a:rPr lang="zh-CN" altLang="en-US" dirty="0"/>
               <a:t>第五级</a:t>
             </a:r>
+            <a:endParaRPr lang="zh-CN" altLang="en-US" dirty="0"/>
           </a:p>
         </p:txBody>
       </p:sp>
@@ -5849,6 +6420,7 @@
               <a:rPr lang="zh-CN" altLang="en-US" dirty="0"/>
               <a:t>单击此处编辑母版文本样式</a:t>
             </a:r>
+            <a:endParaRPr lang="zh-CN" altLang="en-US" dirty="0"/>
           </a:p>
         </p:txBody>
       </p:sp>
@@ -5879,6 +6451,7 @@
               <a:rPr lang="zh-CN" altLang="en-US" dirty="0"/>
               <a:t>单击此处编辑母版文本样式</a:t>
             </a:r>
+            <a:endParaRPr lang="zh-CN" altLang="en-US" dirty="0"/>
           </a:p>
           <a:p>
             <a:pPr lvl="1"/>
@@ -5886,6 +6459,7 @@
               <a:rPr lang="zh-CN" altLang="en-US" dirty="0"/>
               <a:t>第二级</a:t>
             </a:r>
+            <a:endParaRPr lang="zh-CN" altLang="en-US" dirty="0"/>
           </a:p>
           <a:p>
             <a:pPr lvl="2"/>
@@ -5893,6 +6467,7 @@
               <a:rPr lang="zh-CN" altLang="en-US" dirty="0"/>
               <a:t>第三级</a:t>
             </a:r>
+            <a:endParaRPr lang="zh-CN" altLang="en-US" dirty="0"/>
           </a:p>
           <a:p>
             <a:pPr lvl="3"/>
@@ -5900,6 +6475,7 @@
               <a:rPr lang="zh-CN" altLang="en-US" dirty="0"/>
               <a:t>第四级</a:t>
             </a:r>
+            <a:endParaRPr lang="zh-CN" altLang="en-US" dirty="0"/>
           </a:p>
           <a:p>
             <a:pPr lvl="4"/>
@@ -5907,6 +6483,7 @@
               <a:rPr lang="zh-CN" altLang="en-US" dirty="0"/>
               <a:t>第五级</a:t>
             </a:r>
+            <a:endParaRPr lang="zh-CN" altLang="en-US" dirty="0"/>
           </a:p>
         </p:txBody>
       </p:sp>
@@ -5933,7 +6510,6 @@
           <a:p>
             <a:fld id="{760FBDFE-C587-4B4C-A407-44438C67B59E}" type="datetimeFigureOut">
               <a:rPr lang="zh-CN" altLang="en-US" smtClean="0"/>
-              <a:t>2018/8/11</a:t>
             </a:fld>
             <a:endParaRPr lang="zh-CN" altLang="en-US"/>
           </a:p>
@@ -5987,7 +6563,6 @@
           <a:p>
             <a:fld id="{49AE70B2-8BF9-45C0-BB95-33D1B9D3A854}" type="slidenum">
               <a:rPr lang="zh-CN" altLang="en-US" smtClean="0"/>
-              <a:t>‹#›</a:t>
             </a:fld>
             <a:endParaRPr lang="zh-CN" altLang="en-US"/>
           </a:p>
@@ -6024,7 +6599,7 @@
           <p:cNvCxnSpPr/>
           <p:nvPr>
             <p:custDataLst>
-              <p:tags r:id="rId1"/>
+              <p:tags r:id="rId2"/>
             </p:custDataLst>
           </p:nvPr>
         </p:nvCxnSpPr>
@@ -6058,7 +6633,7 @@
           <p:cNvCxnSpPr/>
           <p:nvPr>
             <p:custDataLst>
-              <p:tags r:id="rId2"/>
+              <p:tags r:id="rId3"/>
             </p:custDataLst>
           </p:nvPr>
         </p:nvCxnSpPr>
@@ -6092,7 +6667,7 @@
           <p:cNvCxnSpPr/>
           <p:nvPr>
             <p:custDataLst>
-              <p:tags r:id="rId3"/>
+              <p:tags r:id="rId4"/>
             </p:custDataLst>
           </p:nvPr>
         </p:nvCxnSpPr>
@@ -6126,7 +6701,7 @@
           <p:cNvCxnSpPr/>
           <p:nvPr>
             <p:custDataLst>
-              <p:tags r:id="rId4"/>
+              <p:tags r:id="rId5"/>
             </p:custDataLst>
           </p:nvPr>
         </p:nvCxnSpPr>
@@ -6160,7 +6735,7 @@
           <p:cNvCxnSpPr/>
           <p:nvPr>
             <p:custDataLst>
-              <p:tags r:id="rId5"/>
+              <p:tags r:id="rId6"/>
             </p:custDataLst>
           </p:nvPr>
         </p:nvCxnSpPr>
@@ -6218,6 +6793,7 @@
               <a:rPr lang="zh-CN" altLang="en-US" dirty="0"/>
               <a:t>编辑标题</a:t>
             </a:r>
+            <a:endParaRPr lang="zh-CN" altLang="en-US" dirty="0"/>
           </a:p>
         </p:txBody>
       </p:sp>
@@ -6244,7 +6820,6 @@
           <a:p>
             <a:fld id="{760FBDFE-C587-4B4C-A407-44438C67B59E}" type="datetimeFigureOut">
               <a:rPr lang="zh-CN" altLang="en-US" smtClean="0"/>
-              <a:t>2018/8/11</a:t>
             </a:fld>
             <a:endParaRPr lang="zh-CN" altLang="en-US"/>
           </a:p>
@@ -6298,7 +6873,6 @@
           <a:p>
             <a:fld id="{49AE70B2-8BF9-45C0-BB95-33D1B9D3A854}" type="slidenum">
               <a:rPr lang="zh-CN" altLang="en-US" smtClean="0"/>
-              <a:t>‹#›</a:t>
             </a:fld>
             <a:endParaRPr lang="zh-CN" altLang="en-US"/>
           </a:p>
@@ -6336,6 +6910,7 @@
               <a:rPr lang="zh-CN" altLang="en-US" dirty="0"/>
               <a:t>单击此处编辑文本</a:t>
             </a:r>
+            <a:endParaRPr lang="zh-CN" altLang="en-US" dirty="0"/>
           </a:p>
         </p:txBody>
       </p:sp>
@@ -6387,7 +6962,6 @@
           <a:p>
             <a:fld id="{760FBDFE-C587-4B4C-A407-44438C67B59E}" type="datetimeFigureOut">
               <a:rPr lang="zh-CN" altLang="en-US" smtClean="0"/>
-              <a:t>2018/8/11</a:t>
             </a:fld>
             <a:endParaRPr lang="zh-CN" altLang="en-US"/>
           </a:p>
@@ -6441,7 +7015,6 @@
           <a:p>
             <a:fld id="{49AE70B2-8BF9-45C0-BB95-33D1B9D3A854}" type="slidenum">
               <a:rPr lang="zh-CN" altLang="en-US" smtClean="0"/>
-              <a:t>‹#›</a:t>
             </a:fld>
             <a:endParaRPr lang="zh-CN" altLang="en-US"/>
           </a:p>
@@ -6635,6 +7208,7 @@
               <a:rPr lang="zh-CN" altLang="en-US" dirty="0"/>
               <a:t>单击此处编辑母版文本样式</a:t>
             </a:r>
+            <a:endParaRPr lang="zh-CN" altLang="en-US" dirty="0"/>
           </a:p>
         </p:txBody>
       </p:sp>
@@ -6661,7 +7235,6 @@
           <a:p>
             <a:fld id="{9EFD9D74-47D9-4702-A33C-335B63B48DBF}" type="datetimeFigureOut">
               <a:rPr lang="zh-CN" altLang="en-US" smtClean="0"/>
-              <a:t>2018/8/11</a:t>
             </a:fld>
             <a:endParaRPr lang="zh-CN" altLang="en-US" dirty="0"/>
           </a:p>
@@ -6715,7 +7288,6 @@
           <a:p>
             <a:fld id="{FABC47A4-756D-490B-A52F-7D9E2C9FC05F}" type="slidenum">
               <a:rPr lang="zh-CN" altLang="en-US" smtClean="0"/>
-              <a:t>‹#›</a:t>
             </a:fld>
             <a:endParaRPr lang="zh-CN" altLang="en-US"/>
           </a:p>
@@ -6767,6 +7339,7 @@
               <a:rPr lang="zh-CN" altLang="en-US" noProof="1"/>
               <a:t>单击此处编辑母版标题样式</a:t>
             </a:r>
+            <a:endParaRPr lang="zh-CN" altLang="en-US" noProof="1"/>
           </a:p>
         </p:txBody>
       </p:sp>
@@ -6808,6 +7381,7 @@
               <a:rPr lang="zh-CN" altLang="en-US" noProof="1"/>
               <a:t>单击此处编辑母版文本样式</a:t>
             </a:r>
+            <a:endParaRPr lang="zh-CN" altLang="en-US" noProof="1"/>
           </a:p>
           <a:p>
             <a:pPr lvl="1"/>
@@ -6815,6 +7389,7 @@
               <a:rPr lang="zh-CN" altLang="en-US" noProof="1"/>
               <a:t>第二级</a:t>
             </a:r>
+            <a:endParaRPr lang="zh-CN" altLang="en-US" noProof="1"/>
           </a:p>
           <a:p>
             <a:pPr lvl="2"/>
@@ -6822,6 +7397,7 @@
               <a:rPr lang="zh-CN" altLang="en-US" noProof="1"/>
               <a:t>第三级</a:t>
             </a:r>
+            <a:endParaRPr lang="zh-CN" altLang="en-US" noProof="1"/>
           </a:p>
           <a:p>
             <a:pPr lvl="3"/>
@@ -6829,6 +7405,7 @@
               <a:rPr lang="zh-CN" altLang="en-US" noProof="1"/>
               <a:t>第四级</a:t>
             </a:r>
+            <a:endParaRPr lang="zh-CN" altLang="en-US" noProof="1"/>
           </a:p>
           <a:p>
             <a:pPr lvl="4"/>
@@ -6836,6 +7413,7 @@
               <a:rPr lang="zh-CN" altLang="en-US" noProof="1"/>
               <a:t>第五级</a:t>
             </a:r>
+            <a:endParaRPr lang="zh-CN" altLang="en-US" noProof="1"/>
           </a:p>
         </p:txBody>
       </p:sp>
@@ -6860,7 +7438,6 @@
           <a:p>
             <a:fld id="{760FBDFE-C587-4B4C-A407-44438C67B59E}" type="datetimeFigureOut">
               <a:rPr lang="zh-CN" altLang="en-US"/>
-              <a:t>2018/8/11</a:t>
             </a:fld>
             <a:endParaRPr lang="zh-CN" altLang="en-US"/>
           </a:p>
@@ -6910,7 +7487,6 @@
           <a:p>
             <a:fld id="{EF3E80A9-C089-480E-9D1E-3B913964BA25}" type="slidenum">
               <a:rPr lang="zh-CN" altLang="en-US"/>
-              <a:t>‹#›</a:t>
             </a:fld>
             <a:endParaRPr lang="zh-CN" altLang="en-US"/>
           </a:p>
@@ -6971,6 +7547,7 @@
               <a:rPr lang="zh-CN" altLang="en-US"/>
               <a:t>单击此处编辑母版标题样式</a:t>
             </a:r>
+            <a:endParaRPr lang="zh-CN" altLang="en-US"/>
           </a:p>
         </p:txBody>
       </p:sp>
@@ -7017,6 +7594,7 @@
               <a:rPr lang="zh-CN" altLang="en-US" dirty="0"/>
               <a:t>单击此处编辑母版文本样式</a:t>
             </a:r>
+            <a:endParaRPr lang="zh-CN" altLang="en-US" dirty="0"/>
           </a:p>
           <a:p>
             <a:pPr lvl="1"/>
@@ -7024,6 +7602,7 @@
               <a:rPr lang="zh-CN" altLang="en-US" dirty="0"/>
               <a:t>第二级</a:t>
             </a:r>
+            <a:endParaRPr lang="zh-CN" altLang="en-US" dirty="0"/>
           </a:p>
           <a:p>
             <a:pPr lvl="2"/>
@@ -7031,6 +7610,7 @@
               <a:rPr lang="zh-CN" altLang="en-US" dirty="0"/>
               <a:t>第三级</a:t>
             </a:r>
+            <a:endParaRPr lang="zh-CN" altLang="en-US" dirty="0"/>
           </a:p>
           <a:p>
             <a:pPr lvl="3"/>
@@ -7038,6 +7618,7 @@
               <a:rPr lang="zh-CN" altLang="en-US" dirty="0"/>
               <a:t>第四级</a:t>
             </a:r>
+            <a:endParaRPr lang="zh-CN" altLang="en-US" dirty="0"/>
           </a:p>
           <a:p>
             <a:pPr lvl="4"/>
@@ -7045,6 +7626,7 @@
               <a:rPr lang="zh-CN" altLang="en-US" dirty="0"/>
               <a:t>第五级</a:t>
             </a:r>
+            <a:endParaRPr lang="zh-CN" altLang="en-US" dirty="0"/>
           </a:p>
         </p:txBody>
       </p:sp>
@@ -7071,7 +7653,6 @@
           <a:p>
             <a:fld id="{760FBDFE-C587-4B4C-A407-44438C67B59E}" type="datetimeFigureOut">
               <a:rPr lang="zh-CN" altLang="en-US" smtClean="0"/>
-              <a:t>2018/8/11</a:t>
             </a:fld>
             <a:endParaRPr lang="zh-CN" altLang="en-US"/>
           </a:p>
@@ -7125,7 +7706,6 @@
           <a:p>
             <a:fld id="{49AE70B2-8BF9-45C0-BB95-33D1B9D3A854}" type="slidenum">
               <a:rPr lang="zh-CN" altLang="en-US" smtClean="0"/>
-              <a:t>‹#›</a:t>
             </a:fld>
             <a:endParaRPr lang="zh-CN" altLang="en-US"/>
           </a:p>
@@ -7179,7 +7759,6 @@
           <a:p>
             <a:fld id="{760FBDFE-C587-4B4C-A407-44438C67B59E}" type="datetimeFigureOut">
               <a:rPr lang="zh-CN" altLang="en-US" smtClean="0"/>
-              <a:t>2018/8/11</a:t>
             </a:fld>
             <a:endParaRPr lang="zh-CN" altLang="en-US"/>
           </a:p>
@@ -7233,7 +7812,6 @@
           <a:p>
             <a:fld id="{49AE70B2-8BF9-45C0-BB95-33D1B9D3A854}" type="slidenum">
               <a:rPr lang="zh-CN" altLang="en-US" smtClean="0"/>
-              <a:t>‹#›</a:t>
             </a:fld>
             <a:endParaRPr lang="zh-CN" altLang="en-US"/>
           </a:p>
@@ -7282,6 +7860,7 @@
               <a:rPr lang="zh-CN" altLang="en-US" dirty="0"/>
               <a:t>单击此处编辑母版文本样式</a:t>
             </a:r>
+            <a:endParaRPr lang="zh-CN" altLang="en-US" dirty="0"/>
           </a:p>
           <a:p>
             <a:pPr lvl="1"/>
@@ -7289,6 +7868,7 @@
               <a:rPr lang="zh-CN" altLang="en-US" dirty="0"/>
               <a:t>第二级</a:t>
             </a:r>
+            <a:endParaRPr lang="zh-CN" altLang="en-US" dirty="0"/>
           </a:p>
           <a:p>
             <a:pPr lvl="2"/>
@@ -7296,6 +7876,7 @@
               <a:rPr lang="zh-CN" altLang="en-US" dirty="0"/>
               <a:t>第三级</a:t>
             </a:r>
+            <a:endParaRPr lang="zh-CN" altLang="en-US" dirty="0"/>
           </a:p>
           <a:p>
             <a:pPr lvl="3"/>
@@ -7303,6 +7884,7 @@
               <a:rPr lang="zh-CN" altLang="en-US" dirty="0"/>
               <a:t>第四级</a:t>
             </a:r>
+            <a:endParaRPr lang="zh-CN" altLang="en-US" dirty="0"/>
           </a:p>
           <a:p>
             <a:pPr lvl="4"/>
@@ -7310,6 +7892,7 @@
               <a:rPr lang="zh-CN" altLang="en-US" dirty="0"/>
               <a:t>第五级</a:t>
             </a:r>
+            <a:endParaRPr lang="zh-CN" altLang="en-US" dirty="0"/>
           </a:p>
         </p:txBody>
       </p:sp>
@@ -7368,6 +7951,7 @@
               <a:rPr lang="zh-CN" altLang="en-US" noProof="1"/>
               <a:t>单击此处编辑标题</a:t>
             </a:r>
+            <a:endParaRPr lang="zh-CN" altLang="en-US" noProof="1"/>
           </a:p>
         </p:txBody>
       </p:sp>
@@ -7403,6 +7987,7 @@
               <a:rPr lang="zh-CN" altLang="en-US" noProof="1"/>
               <a:t>单击此处编辑文本</a:t>
             </a:r>
+            <a:endParaRPr lang="zh-CN" altLang="en-US" noProof="1"/>
           </a:p>
         </p:txBody>
       </p:sp>
@@ -7427,7 +8012,6 @@
           <a:p>
             <a:fld id="{760FBDFE-C587-4B4C-A407-44438C67B59E}" type="datetimeFigureOut">
               <a:rPr lang="zh-CN" altLang="en-US"/>
-              <a:t>2018/8/11</a:t>
             </a:fld>
             <a:endParaRPr lang="zh-CN" altLang="en-US"/>
           </a:p>
@@ -7477,7 +8061,6 @@
           <a:p>
             <a:fld id="{DCC8595C-B6D7-43EC-9577-AA0422BFAAE2}" type="slidenum">
               <a:rPr lang="zh-CN" altLang="en-US"/>
-              <a:t>‹#›</a:t>
             </a:fld>
             <a:endParaRPr lang="zh-CN" altLang="en-US"/>
           </a:p>
@@ -7529,6 +8112,7 @@
               <a:rPr lang="zh-CN" altLang="en-US" noProof="1"/>
               <a:t>单击此处编辑母版标题样式</a:t>
             </a:r>
+            <a:endParaRPr lang="zh-CN" altLang="en-US" noProof="1"/>
           </a:p>
         </p:txBody>
       </p:sp>
@@ -7559,6 +8143,7 @@
               <a:rPr lang="zh-CN" altLang="en-US" noProof="1"/>
               <a:t>单击此处编辑母版文本样式</a:t>
             </a:r>
+            <a:endParaRPr lang="zh-CN" altLang="en-US" noProof="1"/>
           </a:p>
           <a:p>
             <a:pPr lvl="1"/>
@@ -7566,6 +8151,7 @@
               <a:rPr lang="zh-CN" altLang="en-US" noProof="1"/>
               <a:t>第二级</a:t>
             </a:r>
+            <a:endParaRPr lang="zh-CN" altLang="en-US" noProof="1"/>
           </a:p>
           <a:p>
             <a:pPr lvl="2"/>
@@ -7573,6 +8159,7 @@
               <a:rPr lang="zh-CN" altLang="en-US" noProof="1"/>
               <a:t>第三级</a:t>
             </a:r>
+            <a:endParaRPr lang="zh-CN" altLang="en-US" noProof="1"/>
           </a:p>
           <a:p>
             <a:pPr lvl="3"/>
@@ -7580,6 +8167,7 @@
               <a:rPr lang="zh-CN" altLang="en-US" noProof="1"/>
               <a:t>第四级</a:t>
             </a:r>
+            <a:endParaRPr lang="zh-CN" altLang="en-US" noProof="1"/>
           </a:p>
           <a:p>
             <a:pPr lvl="4"/>
@@ -7587,6 +8175,7 @@
               <a:rPr lang="zh-CN" altLang="en-US" noProof="1"/>
               <a:t>第五级</a:t>
             </a:r>
+            <a:endParaRPr lang="zh-CN" altLang="en-US" noProof="1"/>
           </a:p>
         </p:txBody>
       </p:sp>
@@ -7617,6 +8206,7 @@
               <a:rPr lang="zh-CN" altLang="en-US" noProof="1"/>
               <a:t>单击此处编辑母版文本样式</a:t>
             </a:r>
+            <a:endParaRPr lang="zh-CN" altLang="en-US" noProof="1"/>
           </a:p>
           <a:p>
             <a:pPr lvl="1"/>
@@ -7624,6 +8214,7 @@
               <a:rPr lang="zh-CN" altLang="en-US" noProof="1"/>
               <a:t>第二级</a:t>
             </a:r>
+            <a:endParaRPr lang="zh-CN" altLang="en-US" noProof="1"/>
           </a:p>
           <a:p>
             <a:pPr lvl="2"/>
@@ -7631,6 +8222,7 @@
               <a:rPr lang="zh-CN" altLang="en-US" noProof="1"/>
               <a:t>第三级</a:t>
             </a:r>
+            <a:endParaRPr lang="zh-CN" altLang="en-US" noProof="1"/>
           </a:p>
           <a:p>
             <a:pPr lvl="3"/>
@@ -7638,6 +8230,7 @@
               <a:rPr lang="zh-CN" altLang="en-US" noProof="1"/>
               <a:t>第四级</a:t>
             </a:r>
+            <a:endParaRPr lang="zh-CN" altLang="en-US" noProof="1"/>
           </a:p>
           <a:p>
             <a:pPr lvl="4"/>
@@ -7645,6 +8238,7 @@
               <a:rPr lang="zh-CN" altLang="en-US" noProof="1"/>
               <a:t>第五级</a:t>
             </a:r>
+            <a:endParaRPr lang="zh-CN" altLang="en-US" noProof="1"/>
           </a:p>
         </p:txBody>
       </p:sp>
@@ -7669,7 +8263,6 @@
           <a:p>
             <a:fld id="{760FBDFE-C587-4B4C-A407-44438C67B59E}" type="datetimeFigureOut">
               <a:rPr lang="zh-CN" altLang="en-US"/>
-              <a:t>2018/8/11</a:t>
             </a:fld>
             <a:endParaRPr lang="zh-CN" altLang="en-US"/>
           </a:p>
@@ -7719,7 +8312,6 @@
           <a:p>
             <a:fld id="{A09486A2-9B4A-4F08-B491-129DAF4DDFA5}" type="slidenum">
               <a:rPr lang="zh-CN" altLang="en-US"/>
-              <a:t>‹#›</a:t>
             </a:fld>
             <a:endParaRPr lang="zh-CN" altLang="en-US"/>
           </a:p>
@@ -7776,6 +8368,7 @@
               <a:rPr lang="zh-CN" altLang="en-US" noProof="1"/>
               <a:t>单击此处编辑母版标题样式</a:t>
             </a:r>
+            <a:endParaRPr lang="zh-CN" altLang="en-US" noProof="1"/>
           </a:p>
         </p:txBody>
       </p:sp>
@@ -7843,6 +8436,7 @@
               <a:rPr lang="zh-CN" altLang="en-US" noProof="1"/>
               <a:t>单击此处编辑母版文本样式</a:t>
             </a:r>
+            <a:endParaRPr lang="zh-CN" altLang="en-US" noProof="1"/>
           </a:p>
         </p:txBody>
       </p:sp>
@@ -7873,6 +8467,7 @@
               <a:rPr lang="zh-CN" altLang="en-US" noProof="1"/>
               <a:t>单击此处编辑母版文本样式</a:t>
             </a:r>
+            <a:endParaRPr lang="zh-CN" altLang="en-US" noProof="1"/>
           </a:p>
           <a:p>
             <a:pPr lvl="1"/>
@@ -7880,6 +8475,7 @@
               <a:rPr lang="zh-CN" altLang="en-US" noProof="1"/>
               <a:t>第二级</a:t>
             </a:r>
+            <a:endParaRPr lang="zh-CN" altLang="en-US" noProof="1"/>
           </a:p>
           <a:p>
             <a:pPr lvl="2"/>
@@ -7887,6 +8483,7 @@
               <a:rPr lang="zh-CN" altLang="en-US" noProof="1"/>
               <a:t>第三级</a:t>
             </a:r>
+            <a:endParaRPr lang="zh-CN" altLang="en-US" noProof="1"/>
           </a:p>
           <a:p>
             <a:pPr lvl="3"/>
@@ -7894,6 +8491,7 @@
               <a:rPr lang="zh-CN" altLang="en-US" noProof="1"/>
               <a:t>第四级</a:t>
             </a:r>
+            <a:endParaRPr lang="zh-CN" altLang="en-US" noProof="1"/>
           </a:p>
           <a:p>
             <a:pPr lvl="4"/>
@@ -7901,6 +8499,7 @@
               <a:rPr lang="zh-CN" altLang="en-US" noProof="1"/>
               <a:t>第五级</a:t>
             </a:r>
+            <a:endParaRPr lang="zh-CN" altLang="en-US" noProof="1"/>
           </a:p>
         </p:txBody>
       </p:sp>
@@ -7968,6 +8567,7 @@
               <a:rPr lang="zh-CN" altLang="en-US" noProof="1"/>
               <a:t>单击此处编辑母版文本样式</a:t>
             </a:r>
+            <a:endParaRPr lang="zh-CN" altLang="en-US" noProof="1"/>
           </a:p>
         </p:txBody>
       </p:sp>
@@ -7998,6 +8598,7 @@
               <a:rPr lang="zh-CN" altLang="en-US" noProof="1"/>
               <a:t>单击此处编辑母版文本样式</a:t>
             </a:r>
+            <a:endParaRPr lang="zh-CN" altLang="en-US" noProof="1"/>
           </a:p>
           <a:p>
             <a:pPr lvl="1"/>
@@ -8005,6 +8606,7 @@
               <a:rPr lang="zh-CN" altLang="en-US" noProof="1"/>
               <a:t>第二级</a:t>
             </a:r>
+            <a:endParaRPr lang="zh-CN" altLang="en-US" noProof="1"/>
           </a:p>
           <a:p>
             <a:pPr lvl="2"/>
@@ -8012,6 +8614,7 @@
               <a:rPr lang="zh-CN" altLang="en-US" noProof="1"/>
               <a:t>第三级</a:t>
             </a:r>
+            <a:endParaRPr lang="zh-CN" altLang="en-US" noProof="1"/>
           </a:p>
           <a:p>
             <a:pPr lvl="3"/>
@@ -8019,6 +8622,7 @@
               <a:rPr lang="zh-CN" altLang="en-US" noProof="1"/>
               <a:t>第四级</a:t>
             </a:r>
+            <a:endParaRPr lang="zh-CN" altLang="en-US" noProof="1"/>
           </a:p>
           <a:p>
             <a:pPr lvl="4"/>
@@ -8026,6 +8630,7 @@
               <a:rPr lang="zh-CN" altLang="en-US" noProof="1"/>
               <a:t>第五级</a:t>
             </a:r>
+            <a:endParaRPr lang="zh-CN" altLang="en-US" noProof="1"/>
           </a:p>
         </p:txBody>
       </p:sp>
@@ -8050,7 +8655,6 @@
           <a:p>
             <a:fld id="{760FBDFE-C587-4B4C-A407-44438C67B59E}" type="datetimeFigureOut">
               <a:rPr lang="zh-CN" altLang="en-US"/>
-              <a:t>2018/8/11</a:t>
             </a:fld>
             <a:endParaRPr lang="zh-CN" altLang="en-US"/>
           </a:p>
@@ -8100,7 +8704,6 @@
           <a:p>
             <a:fld id="{C61880FD-51CA-4182-8801-831F4C9C2CEC}" type="slidenum">
               <a:rPr lang="zh-CN" altLang="en-US"/>
-              <a:t>‹#›</a:t>
             </a:fld>
             <a:endParaRPr lang="zh-CN" altLang="en-US"/>
           </a:p>
@@ -8137,7 +8740,7 @@
           <p:cNvCxnSpPr/>
           <p:nvPr>
             <p:custDataLst>
-              <p:tags r:id="rId1"/>
+              <p:tags r:id="rId2"/>
             </p:custDataLst>
           </p:nvPr>
         </p:nvCxnSpPr>
@@ -8171,7 +8774,7 @@
           <p:cNvCxnSpPr/>
           <p:nvPr>
             <p:custDataLst>
-              <p:tags r:id="rId2"/>
+              <p:tags r:id="rId3"/>
             </p:custDataLst>
           </p:nvPr>
         </p:nvCxnSpPr>
@@ -8205,7 +8808,7 @@
           <p:cNvCxnSpPr/>
           <p:nvPr>
             <p:custDataLst>
-              <p:tags r:id="rId3"/>
+              <p:tags r:id="rId4"/>
             </p:custDataLst>
           </p:nvPr>
         </p:nvCxnSpPr>
@@ -8239,7 +8842,7 @@
           <p:cNvCxnSpPr/>
           <p:nvPr>
             <p:custDataLst>
-              <p:tags r:id="rId4"/>
+              <p:tags r:id="rId5"/>
             </p:custDataLst>
           </p:nvPr>
         </p:nvCxnSpPr>
@@ -8273,7 +8876,7 @@
           <p:cNvCxnSpPr/>
           <p:nvPr>
             <p:custDataLst>
-              <p:tags r:id="rId5"/>
+              <p:tags r:id="rId6"/>
             </p:custDataLst>
           </p:nvPr>
         </p:nvCxnSpPr>
@@ -8331,6 +8934,7 @@
               <a:rPr lang="zh-CN" altLang="en-US" noProof="1"/>
               <a:t>编辑标题</a:t>
             </a:r>
+            <a:endParaRPr lang="zh-CN" altLang="en-US" noProof="1"/>
           </a:p>
         </p:txBody>
       </p:sp>
@@ -8366,6 +8970,7 @@
               <a:rPr lang="zh-CN" altLang="en-US" noProof="1"/>
               <a:t>单击此处编辑文本</a:t>
             </a:r>
+            <a:endParaRPr lang="zh-CN" altLang="en-US" noProof="1"/>
           </a:p>
         </p:txBody>
       </p:sp>
@@ -8390,7 +8995,6 @@
           <a:p>
             <a:fld id="{760FBDFE-C587-4B4C-A407-44438C67B59E}" type="datetimeFigureOut">
               <a:rPr lang="zh-CN" altLang="en-US"/>
-              <a:t>2018/8/11</a:t>
             </a:fld>
             <a:endParaRPr lang="zh-CN" altLang="en-US"/>
           </a:p>
@@ -8440,7 +9044,6 @@
           <a:p>
             <a:fld id="{6B29CE7E-9584-4E3D-A184-0EB8A5FF10A8}" type="slidenum">
               <a:rPr lang="zh-CN" altLang="en-US"/>
-              <a:t>‹#›</a:t>
             </a:fld>
             <a:endParaRPr lang="zh-CN" altLang="en-US"/>
           </a:p>
@@ -8492,7 +9095,6 @@
           <a:p>
             <a:fld id="{760FBDFE-C587-4B4C-A407-44438C67B59E}" type="datetimeFigureOut">
               <a:rPr lang="zh-CN" altLang="en-US"/>
-              <a:t>2018/8/11</a:t>
             </a:fld>
             <a:endParaRPr lang="zh-CN" altLang="en-US"/>
           </a:p>
@@ -8542,7 +9144,6 @@
           <a:p>
             <a:fld id="{61FD7337-7689-40E9-995D-FF92F58B836E}" type="slidenum">
               <a:rPr lang="zh-CN" altLang="en-US"/>
-              <a:t>‹#›</a:t>
             </a:fld>
             <a:endParaRPr lang="zh-CN" altLang="en-US"/>
           </a:p>
@@ -8603,6 +9204,7 @@
               <a:rPr lang="zh-CN" altLang="en-US" noProof="1"/>
               <a:t>单击此处编辑标题</a:t>
             </a:r>
+            <a:endParaRPr lang="zh-CN" altLang="en-US" noProof="1"/>
           </a:p>
         </p:txBody>
       </p:sp>
@@ -8667,6 +9269,7 @@
               <a:rPr lang="zh-CN" altLang="en-US" noProof="1"/>
               <a:t>图片</a:t>
             </a:r>
+            <a:endParaRPr lang="zh-CN" altLang="en-US" noProof="1"/>
           </a:p>
         </p:txBody>
       </p:sp>
@@ -8734,6 +9337,7 @@
               <a:rPr lang="zh-CN" altLang="en-US" noProof="1"/>
               <a:t>单击此处编辑母版文本样式</a:t>
             </a:r>
+            <a:endParaRPr lang="zh-CN" altLang="en-US" noProof="1"/>
           </a:p>
         </p:txBody>
       </p:sp>
@@ -8758,7 +9362,6 @@
           <a:p>
             <a:fld id="{9EFD9D74-47D9-4702-A33C-335B63B48DBF}" type="datetimeFigureOut">
               <a:rPr lang="zh-CN" altLang="en-US"/>
-              <a:t>2018/8/11</a:t>
             </a:fld>
             <a:endParaRPr lang="zh-CN" altLang="en-US" dirty="0"/>
           </a:p>
@@ -8808,7 +9411,6 @@
           <a:p>
             <a:fld id="{B2E1C370-EC47-44E1-BBFE-64D6DC550E06}" type="slidenum">
               <a:rPr lang="zh-CN" altLang="en-US"/>
-              <a:t>‹#›</a:t>
             </a:fld>
             <a:endParaRPr lang="zh-CN" altLang="en-US"/>
           </a:p>
@@ -8869,6 +9471,7 @@
               <a:rPr lang="zh-CN" altLang="en-US" noProof="1"/>
               <a:t>单击此处编辑母版标题样式</a:t>
             </a:r>
+            <a:endParaRPr lang="zh-CN" altLang="en-US" noProof="1"/>
           </a:p>
         </p:txBody>
       </p:sp>
@@ -8915,6 +9518,7 @@
               <a:rPr lang="zh-CN" altLang="en-US" noProof="1"/>
               <a:t>单击此处编辑母版文本样式</a:t>
             </a:r>
+            <a:endParaRPr lang="zh-CN" altLang="en-US" noProof="1"/>
           </a:p>
           <a:p>
             <a:pPr lvl="1"/>
@@ -8922,6 +9526,7 @@
               <a:rPr lang="zh-CN" altLang="en-US" noProof="1"/>
               <a:t>第二级</a:t>
             </a:r>
+            <a:endParaRPr lang="zh-CN" altLang="en-US" noProof="1"/>
           </a:p>
           <a:p>
             <a:pPr lvl="2"/>
@@ -8929,6 +9534,7 @@
               <a:rPr lang="zh-CN" altLang="en-US" noProof="1"/>
               <a:t>第三级</a:t>
             </a:r>
+            <a:endParaRPr lang="zh-CN" altLang="en-US" noProof="1"/>
           </a:p>
           <a:p>
             <a:pPr lvl="3"/>
@@ -8936,6 +9542,7 @@
               <a:rPr lang="zh-CN" altLang="en-US" noProof="1"/>
               <a:t>第四级</a:t>
             </a:r>
+            <a:endParaRPr lang="zh-CN" altLang="en-US" noProof="1"/>
           </a:p>
           <a:p>
             <a:pPr lvl="4"/>
@@ -8943,6 +9550,7 @@
               <a:rPr lang="zh-CN" altLang="en-US" noProof="1"/>
               <a:t>第五级</a:t>
             </a:r>
+            <a:endParaRPr lang="zh-CN" altLang="en-US" noProof="1"/>
           </a:p>
         </p:txBody>
       </p:sp>
@@ -8967,7 +9575,6 @@
           <a:p>
             <a:fld id="{760FBDFE-C587-4B4C-A407-44438C67B59E}" type="datetimeFigureOut">
               <a:rPr lang="zh-CN" altLang="en-US"/>
-              <a:t>2018/8/11</a:t>
             </a:fld>
             <a:endParaRPr lang="zh-CN" altLang="en-US"/>
           </a:p>
@@ -9017,7 +9624,6 @@
           <a:p>
             <a:fld id="{986C7E2C-DF09-4D8D-A4F6-C3EF5949F498}" type="slidenum">
               <a:rPr lang="zh-CN" altLang="en-US"/>
-              <a:t>‹#›</a:t>
             </a:fld>
             <a:endParaRPr lang="zh-CN" altLang="en-US"/>
           </a:p>
@@ -9065,7 +9671,7 @@
           <p:nvPr>
             <p:ph type="title" idx="4294967295"/>
             <p:custDataLst>
-              <p:tags r:id="rId13"/>
+              <p:tags r:id="rId12"/>
             </p:custDataLst>
           </p:nvPr>
         </p:nvSpPr>
@@ -9110,6 +9716,7 @@
               <a:rPr lang="zh-CN" altLang="en-US"/>
               <a:t>单击此处编辑母版标题样式</a:t>
             </a:r>
+            <a:endParaRPr lang="zh-CN" altLang="en-US"/>
           </a:p>
         </p:txBody>
       </p:sp>
@@ -9122,7 +9729,7 @@
           <p:nvPr>
             <p:ph type="body" idx="9"/>
             <p:custDataLst>
-              <p:tags r:id="rId14"/>
+              <p:tags r:id="rId13"/>
             </p:custDataLst>
           </p:nvPr>
         </p:nvSpPr>
@@ -9167,6 +9774,7 @@
               <a:rPr lang="zh-CN" altLang="en-US"/>
               <a:t>单击此处编辑母版文本样式</a:t>
             </a:r>
+            <a:endParaRPr lang="zh-CN" altLang="en-US"/>
           </a:p>
           <a:p>
             <a:pPr lvl="1"/>
@@ -9174,6 +9782,7 @@
               <a:rPr lang="zh-CN" altLang="en-US"/>
               <a:t>第二级</a:t>
             </a:r>
+            <a:endParaRPr lang="zh-CN" altLang="en-US"/>
           </a:p>
           <a:p>
             <a:pPr lvl="2"/>
@@ -9181,6 +9790,7 @@
               <a:rPr lang="zh-CN" altLang="en-US"/>
               <a:t>第三级</a:t>
             </a:r>
+            <a:endParaRPr lang="zh-CN" altLang="en-US"/>
           </a:p>
           <a:p>
             <a:pPr lvl="3"/>
@@ -9188,6 +9798,7 @@
               <a:rPr lang="zh-CN" altLang="en-US"/>
               <a:t>第四级</a:t>
             </a:r>
+            <a:endParaRPr lang="zh-CN" altLang="en-US"/>
           </a:p>
           <a:p>
             <a:pPr lvl="4"/>
@@ -9195,6 +9806,7 @@
               <a:rPr lang="zh-CN" altLang="en-US"/>
               <a:t>第五级</a:t>
             </a:r>
+            <a:endParaRPr lang="zh-CN" altLang="en-US"/>
           </a:p>
         </p:txBody>
       </p:sp>
@@ -9240,7 +9852,6 @@
           <a:p>
             <a:fld id="{760FBDFE-C587-4B4C-A407-44438C67B59E}" type="datetimeFigureOut">
               <a:rPr lang="zh-CN" altLang="en-US"/>
-              <a:t>2018/8/11</a:t>
             </a:fld>
             <a:endParaRPr lang="zh-CN" altLang="en-US">
               <a:ea typeface="+mn-ea"/>
@@ -9333,7 +9944,6 @@
           <a:p>
             <a:fld id="{ECA6A4FB-A520-4B09-AD78-B7CBC19CBDD9}" type="slidenum">
               <a:rPr lang="zh-CN" altLang="en-US"/>
-              <a:t>‹#›</a:t>
             </a:fld>
             <a:endParaRPr lang="zh-CN" altLang="en-US">
               <a:ea typeface="+mn-ea"/>
@@ -9348,7 +9958,7 @@
           <p:cNvSpPr/>
           <p:nvPr>
             <p:custDataLst>
-              <p:tags r:id="rId15"/>
+              <p:tags r:id="rId14"/>
             </p:custDataLst>
           </p:nvPr>
         </p:nvSpPr>
@@ -9880,7 +10490,7 @@
           <p:nvPr>
             <p:ph type="title"/>
             <p:custDataLst>
-              <p:tags r:id="rId12"/>
+              <p:tags r:id="rId11"/>
             </p:custDataLst>
           </p:nvPr>
         </p:nvSpPr>
@@ -9903,6 +10513,7 @@
               <a:rPr lang="zh-CN" altLang="en-US" dirty="0"/>
               <a:t>单击此处编辑母版标题样式</a:t>
             </a:r>
+            <a:endParaRPr lang="zh-CN" altLang="en-US" dirty="0"/>
           </a:p>
         </p:txBody>
       </p:sp>
@@ -9915,7 +10526,7 @@
           <p:nvPr>
             <p:ph type="body" idx="1"/>
             <p:custDataLst>
-              <p:tags r:id="rId13"/>
+              <p:tags r:id="rId12"/>
             </p:custDataLst>
           </p:nvPr>
         </p:nvSpPr>
@@ -9939,6 +10550,7 @@
               <a:rPr lang="zh-CN" altLang="en-US" dirty="0"/>
               <a:t>单击此处编辑母版文本样式</a:t>
             </a:r>
+            <a:endParaRPr lang="zh-CN" altLang="en-US" dirty="0"/>
           </a:p>
           <a:p>
             <a:pPr lvl="1"/>
@@ -9946,6 +10558,7 @@
               <a:rPr lang="zh-CN" altLang="en-US" dirty="0"/>
               <a:t>第二级</a:t>
             </a:r>
+            <a:endParaRPr lang="zh-CN" altLang="en-US" dirty="0"/>
           </a:p>
           <a:p>
             <a:pPr lvl="2"/>
@@ -9953,6 +10566,7 @@
               <a:rPr lang="zh-CN" altLang="en-US" dirty="0"/>
               <a:t>第三级</a:t>
             </a:r>
+            <a:endParaRPr lang="zh-CN" altLang="en-US" dirty="0"/>
           </a:p>
           <a:p>
             <a:pPr lvl="3"/>
@@ -9960,6 +10574,7 @@
               <a:rPr lang="zh-CN" altLang="en-US" dirty="0"/>
               <a:t>第四级</a:t>
             </a:r>
+            <a:endParaRPr lang="zh-CN" altLang="en-US" dirty="0"/>
           </a:p>
           <a:p>
             <a:pPr lvl="4"/>
@@ -9967,6 +10582,7 @@
               <a:rPr lang="zh-CN" altLang="en-US" dirty="0"/>
               <a:t>第五级</a:t>
             </a:r>
+            <a:endParaRPr lang="zh-CN" altLang="en-US" dirty="0"/>
           </a:p>
         </p:txBody>
       </p:sp>
@@ -10010,7 +10626,6 @@
           <a:p>
             <a:fld id="{760FBDFE-C587-4B4C-A407-44438C67B59E}" type="datetimeFigureOut">
               <a:rPr lang="zh-CN" altLang="en-US" smtClean="0"/>
-              <a:t>2018/8/11</a:t>
             </a:fld>
             <a:endParaRPr lang="zh-CN" altLang="en-US"/>
           </a:p>
@@ -10098,7 +10713,6 @@
           <a:p>
             <a:fld id="{49AE70B2-8BF9-45C0-BB95-33D1B9D3A854}" type="slidenum">
               <a:rPr lang="zh-CN" altLang="en-US" smtClean="0"/>
-              <a:t>‹#›</a:t>
             </a:fld>
             <a:endParaRPr lang="zh-CN" altLang="en-US"/>
           </a:p>
@@ -10110,7 +10724,7 @@
           <p:cNvSpPr/>
           <p:nvPr>
             <p:custDataLst>
-              <p:tags r:id="rId14"/>
+              <p:tags r:id="rId13"/>
             </p:custDataLst>
           </p:nvPr>
         </p:nvSpPr>
@@ -10489,7 +11103,7 @@
           </p:cNvSpPr>
           <p:nvPr>
             <p:custDataLst>
-              <p:tags r:id="rId2"/>
+              <p:tags r:id="rId1"/>
             </p:custDataLst>
           </p:nvPr>
         </p:nvSpPr>
@@ -10702,6 +11316,7 @@
               <a:rPr lang="zh-CN" altLang="en-US" sz="1800" dirty="0"/>
               <a:t>开发工程部  冯泽明</a:t>
             </a:r>
+            <a:endParaRPr lang="zh-CN" altLang="en-US" sz="1800" dirty="0"/>
           </a:p>
         </p:txBody>
       </p:sp>
@@ -10732,7 +11347,7 @@
             </a:pPr>
             <a:r>
               <a:rPr lang="en-US" altLang="zh-CN" dirty="0">
-                <a:hlinkClick r:id="rId7"/>
+                <a:hlinkClick r:id="rId2"/>
               </a:rPr>
               <a:t>https://github.com/newgr8player</a:t>
             </a:r>
@@ -10741,7 +11356,7 @@
           <a:p>
             <a:r>
               <a:rPr lang="en-US" altLang="zh-CN" dirty="0">
-                <a:hlinkClick r:id="rId8"/>
+                <a:hlinkClick r:id="rId3"/>
               </a:rPr>
               <a:t>https://newgr8player.gitee.io/</a:t>
             </a:r>
@@ -10758,7 +11373,7 @@
           <p:nvPr>
             <p:ph type="ctrTitle"/>
             <p:custDataLst>
-              <p:tags r:id="rId3"/>
+              <p:tags r:id="rId4"/>
             </p:custDataLst>
           </p:nvPr>
         </p:nvSpPr>
@@ -10791,7 +11406,7 @@
           <p:nvPr>
             <p:ph type="subTitle" idx="1"/>
             <p:custDataLst>
-              <p:tags r:id="rId4"/>
+              <p:tags r:id="rId5"/>
             </p:custDataLst>
           </p:nvPr>
         </p:nvSpPr>
@@ -10852,7 +11467,7 @@
       </p:sp>
     </p:spTree>
     <p:custDataLst>
-      <p:tags r:id="rId1"/>
+      <p:tags r:id="rId6"/>
     </p:custDataLst>
   </p:cSld>
   <p:clrMapOvr>
@@ -10884,7 +11499,7 @@
           <p:cNvSpPr txBox="1"/>
           <p:nvPr>
             <p:custDataLst>
-              <p:tags r:id="rId2"/>
+              <p:tags r:id="rId1"/>
             </p:custDataLst>
           </p:nvPr>
         </p:nvSpPr>
@@ -10978,6 +11593,11 @@
               </a:rPr>
               <a:t>核心思想</a:t>
             </a:r>
+            <a:endParaRPr lang="zh-CN" altLang="en-US" b="1" dirty="0">
+              <a:solidFill>
+                <a:srgbClr val="0070C0"/>
+              </a:solidFill>
+            </a:endParaRPr>
           </a:p>
           <a:p>
             <a:pPr eaLnBrk="1" hangingPunct="1">
@@ -11022,6 +11642,11 @@
               </a:rPr>
               <a:t>为什么引入单一职责原则</a:t>
             </a:r>
+            <a:endParaRPr lang="zh-CN" altLang="en-US" b="1" dirty="0">
+              <a:solidFill>
+                <a:srgbClr val="0070C0"/>
+              </a:solidFill>
+            </a:endParaRPr>
           </a:p>
           <a:p>
             <a:pPr eaLnBrk="1" hangingPunct="1">
@@ -11055,6 +11680,11 @@
               </a:rPr>
               <a:t>单一职责原则的优点</a:t>
             </a:r>
+            <a:endParaRPr lang="zh-CN" altLang="en-US" b="1" dirty="0">
+              <a:solidFill>
+                <a:srgbClr val="0070C0"/>
+              </a:solidFill>
+            </a:endParaRPr>
           </a:p>
           <a:p>
             <a:pPr eaLnBrk="1" hangingPunct="1">
@@ -11126,7 +11756,7 @@
       </p:sp>
     </p:spTree>
     <p:custDataLst>
-      <p:tags r:id="rId1"/>
+      <p:tags r:id="rId2"/>
     </p:custDataLst>
   </p:cSld>
   <p:clrMapOvr>
@@ -11158,7 +11788,7 @@
           <p:cNvSpPr txBox="1"/>
           <p:nvPr>
             <p:custDataLst>
-              <p:tags r:id="rId2"/>
+              <p:tags r:id="rId1"/>
             </p:custDataLst>
           </p:nvPr>
         </p:nvSpPr>
@@ -11349,13 +11979,7 @@
       </p:sp>
       <p:sp>
         <p:nvSpPr>
-          <p:cNvPr id="4" name="文本框 3">
-            <a:extLst>
-              <a:ext uri="{FF2B5EF4-FFF2-40B4-BE49-F238E27FC236}">
-                <a16:creationId xmlns:a16="http://schemas.microsoft.com/office/drawing/2014/main" id="{6C9CE264-A012-4B41-B318-5B2F5178B21B}"/>
-              </a:ext>
-            </a:extLst>
-          </p:cNvPr>
+          <p:cNvPr id="4" name="文本框 3"/>
           <p:cNvSpPr txBox="1"/>
           <p:nvPr/>
         </p:nvSpPr>
@@ -11427,7 +12051,7 @@
       </p:sp>
     </p:spTree>
     <p:custDataLst>
-      <p:tags r:id="rId1"/>
+      <p:tags r:id="rId2"/>
     </p:custDataLst>
   </p:cSld>
   <p:clrMapOvr>
@@ -11495,6 +12119,7 @@
               <a:rPr lang="zh-CN" altLang="en-US" sz="3600" dirty="0"/>
               <a:t>）</a:t>
             </a:r>
+            <a:endParaRPr lang="zh-CN" altLang="en-US" sz="3600" dirty="0"/>
           </a:p>
         </p:txBody>
       </p:sp>
@@ -11560,7 +12185,7 @@
           <p:cNvSpPr txBox="1"/>
           <p:nvPr>
             <p:custDataLst>
-              <p:tags r:id="rId2"/>
+              <p:tags r:id="rId1"/>
             </p:custDataLst>
           </p:nvPr>
         </p:nvSpPr>
@@ -11672,6 +12297,7 @@
               <a:rPr lang="en-US" altLang="zh-CN" dirty="0"/>
               <a:t>If for each object o1 of type S there is an object o2 of type T such that for all programs P defined in terms of T, the behavior of P is unchanged when o1 is substituted for o2 then S is a subtype of T.</a:t>
             </a:r>
+            <a:endParaRPr lang="en-US" altLang="zh-CN" dirty="0"/>
           </a:p>
           <a:p>
             <a:pPr marL="457200" indent="-457200">
@@ -11685,6 +12311,7 @@
               <a:rPr lang="en-US" altLang="zh-CN" dirty="0"/>
               <a:t>Functions that use pointers or references to base classes must be able to use objects of derived classes without knowing it.</a:t>
             </a:r>
+            <a:endParaRPr lang="en-US" altLang="zh-CN" dirty="0"/>
           </a:p>
           <a:p>
             <a:pPr>
@@ -11808,6 +12435,7 @@
               <a:rPr lang="zh-CN" altLang="en-US" dirty="0"/>
               <a:t>所有引用基类的地方必须能透明地使用其子类的对象。</a:t>
             </a:r>
+            <a:endParaRPr lang="zh-CN" altLang="en-US" dirty="0"/>
           </a:p>
           <a:p>
             <a:endParaRPr lang="zh-CN" altLang="en-US" dirty="0"/>
@@ -11827,7 +12455,7 @@
       </p:sp>
     </p:spTree>
     <p:custDataLst>
-      <p:tags r:id="rId1"/>
+      <p:tags r:id="rId2"/>
     </p:custDataLst>
   </p:cSld>
   <p:clrMapOvr>
@@ -11859,7 +12487,7 @@
           <p:cNvSpPr txBox="1"/>
           <p:nvPr>
             <p:custDataLst>
-              <p:tags r:id="rId2"/>
+              <p:tags r:id="rId1"/>
             </p:custDataLst>
           </p:nvPr>
         </p:nvSpPr>
@@ -11953,6 +12581,11 @@
               </a:rPr>
               <a:t>核心思想</a:t>
             </a:r>
+            <a:endParaRPr lang="zh-CN" altLang="en-US" b="1" dirty="0">
+              <a:solidFill>
+                <a:srgbClr val="0070C0"/>
+              </a:solidFill>
+            </a:endParaRPr>
           </a:p>
           <a:p>
             <a:pPr eaLnBrk="1" hangingPunct="1">
@@ -11997,6 +12630,11 @@
               </a:rPr>
               <a:t>引入里氏替换原则需要注意</a:t>
             </a:r>
+            <a:endParaRPr lang="zh-CN" altLang="en-US" b="1" dirty="0">
+              <a:solidFill>
+                <a:srgbClr val="0070C0"/>
+              </a:solidFill>
+            </a:endParaRPr>
           </a:p>
           <a:p>
             <a:pPr marL="457200" indent="-457200">
@@ -12010,6 +12648,7 @@
               <a:rPr lang="zh-CN" altLang="en-US" dirty="0"/>
               <a:t>子类必须完全实现父类的方法</a:t>
             </a:r>
+            <a:endParaRPr lang="zh-CN" altLang="en-US" dirty="0"/>
           </a:p>
           <a:p>
             <a:pPr marL="457200" indent="-457200">
@@ -12026,6 +12665,7 @@
               <a:rPr lang="zh-CN" altLang="en-US" dirty="0"/>
               <a:t>子类可以有自己的个性</a:t>
             </a:r>
+            <a:endParaRPr lang="zh-CN" altLang="en-US" dirty="0"/>
           </a:p>
           <a:p>
             <a:pPr marL="457200" indent="-457200">
@@ -12042,6 +12682,7 @@
               <a:rPr lang="zh-CN" altLang="en-US" dirty="0"/>
               <a:t>覆盖或实现父类的方法时输入参数可以被放大</a:t>
             </a:r>
+            <a:endParaRPr lang="zh-CN" altLang="en-US" dirty="0"/>
           </a:p>
           <a:p>
             <a:pPr marL="457200" indent="-457200">
@@ -12058,12 +12699,13 @@
               <a:rPr lang="zh-CN" altLang="en-US" dirty="0"/>
               <a:t>覆盖或实现父类的方法时输出结果可以被缩小</a:t>
             </a:r>
+            <a:endParaRPr lang="zh-CN" altLang="en-US" dirty="0"/>
           </a:p>
         </p:txBody>
       </p:sp>
     </p:spTree>
     <p:custDataLst>
-      <p:tags r:id="rId1"/>
+      <p:tags r:id="rId2"/>
     </p:custDataLst>
   </p:cSld>
   <p:clrMapOvr>
@@ -12095,7 +12737,7 @@
           <p:cNvSpPr txBox="1"/>
           <p:nvPr>
             <p:custDataLst>
-              <p:tags r:id="rId2"/>
+              <p:tags r:id="rId1"/>
             </p:custDataLst>
           </p:nvPr>
         </p:nvSpPr>
@@ -12189,6 +12831,11 @@
               </a:rPr>
               <a:t>里氏替换原则的优点</a:t>
             </a:r>
+            <a:endParaRPr lang="zh-CN" altLang="en-US" b="1" dirty="0">
+              <a:solidFill>
+                <a:srgbClr val="0070C0"/>
+              </a:solidFill>
+            </a:endParaRPr>
           </a:p>
           <a:p>
             <a:pPr marL="457200" indent="-457200" eaLnBrk="1" hangingPunct="1">
@@ -12205,6 +12852,7 @@
               <a:rPr lang="zh-CN" altLang="en-US" dirty="0"/>
               <a:t>代码共享，减少创建类的工作量，每个子类都拥有父类的方法和属性</a:t>
             </a:r>
+            <a:endParaRPr lang="zh-CN" altLang="en-US" dirty="0"/>
           </a:p>
           <a:p>
             <a:pPr marL="457200" indent="-457200" eaLnBrk="1" hangingPunct="1">
@@ -12221,6 +12869,7 @@
               <a:rPr lang="zh-CN" altLang="en-US" dirty="0"/>
               <a:t>提高代码的重用性</a:t>
             </a:r>
+            <a:endParaRPr lang="zh-CN" altLang="en-US" dirty="0"/>
           </a:p>
           <a:p>
             <a:pPr marL="457200" indent="-457200" eaLnBrk="1" hangingPunct="1">
@@ -12237,6 +12886,7 @@
               <a:rPr lang="zh-CN" altLang="en-US" dirty="0"/>
               <a:t>子类可以形似父类，但是又异于父类。</a:t>
             </a:r>
+            <a:endParaRPr lang="zh-CN" altLang="en-US" dirty="0"/>
           </a:p>
           <a:p>
             <a:pPr marL="457200" indent="-457200" eaLnBrk="1" hangingPunct="1">
@@ -12253,6 +12903,7 @@
               <a:rPr lang="zh-CN" altLang="en-US" dirty="0"/>
               <a:t>提高代码的可扩展性，实现父类的方法就可以了。许多开源框架的扩展接口都是通过继承父类来完成。</a:t>
             </a:r>
+            <a:endParaRPr lang="zh-CN" altLang="en-US" dirty="0"/>
           </a:p>
           <a:p>
             <a:pPr marL="457200" indent="-457200" eaLnBrk="1" hangingPunct="1">
@@ -12275,7 +12926,7 @@
       </p:sp>
     </p:spTree>
     <p:custDataLst>
-      <p:tags r:id="rId1"/>
+      <p:tags r:id="rId2"/>
     </p:custDataLst>
   </p:cSld>
   <p:clrMapOvr>
@@ -12307,7 +12958,7 @@
           <p:cNvSpPr txBox="1"/>
           <p:nvPr>
             <p:custDataLst>
-              <p:tags r:id="rId2"/>
+              <p:tags r:id="rId1"/>
             </p:custDataLst>
           </p:nvPr>
         </p:nvSpPr>
@@ -12401,6 +13052,11 @@
               </a:rPr>
               <a:t>里氏替换原则的缺点</a:t>
             </a:r>
+            <a:endParaRPr lang="zh-CN" altLang="en-US" b="1" dirty="0">
+              <a:solidFill>
+                <a:srgbClr val="0070C0"/>
+              </a:solidFill>
+            </a:endParaRPr>
           </a:p>
           <a:p>
             <a:pPr marL="457200" indent="-457200" eaLnBrk="1" hangingPunct="1">
@@ -12417,6 +13073,7 @@
               <a:rPr lang="zh-CN" altLang="en-US" dirty="0"/>
               <a:t>继承是侵入性的，只要继承，就必须拥有父类的所有方法和属性</a:t>
             </a:r>
+            <a:endParaRPr lang="zh-CN" altLang="en-US" dirty="0"/>
           </a:p>
           <a:p>
             <a:pPr marL="457200" indent="-457200" eaLnBrk="1" hangingPunct="1">
@@ -12433,6 +13090,7 @@
               <a:rPr lang="zh-CN" altLang="en-US" dirty="0"/>
               <a:t>降低了代码的灵活性，子类必须拥有父类的属性和方法，让子类有了一些约束</a:t>
             </a:r>
+            <a:endParaRPr lang="zh-CN" altLang="en-US" dirty="0"/>
           </a:p>
           <a:p>
             <a:pPr marL="457200" indent="-457200" eaLnBrk="1" hangingPunct="1">
@@ -12455,7 +13113,7 @@
       </p:sp>
     </p:spTree>
     <p:custDataLst>
-      <p:tags r:id="rId1"/>
+      <p:tags r:id="rId2"/>
     </p:custDataLst>
   </p:cSld>
   <p:clrMapOvr>
@@ -12487,7 +13145,7 @@
           <p:cNvSpPr txBox="1"/>
           <p:nvPr>
             <p:custDataLst>
-              <p:tags r:id="rId2"/>
+              <p:tags r:id="rId1"/>
             </p:custDataLst>
           </p:nvPr>
         </p:nvSpPr>
@@ -12610,6 +13268,7 @@
               <a:rPr lang="zh-CN" altLang="en-US" dirty="0"/>
               <a:t>根据里氏代换原则，为了保证系统的扩展性，在程序中通常使用父类来进行定义，如果一个方法只存在子类中，在父类中不提供相应的声明，则无法在以父类定义的对象中使用该方法。</a:t>
             </a:r>
+            <a:endParaRPr lang="zh-CN" altLang="en-US" dirty="0"/>
           </a:p>
           <a:p>
             <a:pPr marL="457200" indent="-457200">
@@ -12644,7 +13303,7 @@
       </p:sp>
     </p:spTree>
     <p:custDataLst>
-      <p:tags r:id="rId1"/>
+      <p:tags r:id="rId2"/>
     </p:custDataLst>
   </p:cSld>
   <p:clrMapOvr>
@@ -12708,6 +13367,7 @@
               <a:rPr lang="zh-CN" altLang="en-US" sz="3600" dirty="0"/>
               <a:t>）</a:t>
             </a:r>
+            <a:endParaRPr lang="zh-CN" altLang="en-US" sz="3600" dirty="0"/>
           </a:p>
         </p:txBody>
       </p:sp>
@@ -12773,7 +13433,7 @@
           <p:cNvSpPr txBox="1"/>
           <p:nvPr>
             <p:custDataLst>
-              <p:tags r:id="rId2"/>
+              <p:tags r:id="rId1"/>
             </p:custDataLst>
           </p:nvPr>
         </p:nvSpPr>
@@ -12825,6 +13485,7 @@
               <a:rPr lang="zh-CN" altLang="zh-CN" dirty="0"/>
               <a:t>依赖倒置原则</a:t>
             </a:r>
+            <a:endParaRPr lang="zh-CN" altLang="zh-CN" dirty="0"/>
           </a:p>
         </p:txBody>
       </p:sp>
@@ -12884,6 +13545,7 @@
               <a:rPr lang="en-US" altLang="zh-CN" dirty="0"/>
               <a:t>High level modules should not depend upon low level modules.Both should depend upon abstractions.</a:t>
             </a:r>
+            <a:endParaRPr lang="en-US" altLang="zh-CN" dirty="0"/>
           </a:p>
           <a:p>
             <a:pPr marL="457200" indent="-457200">
@@ -12897,6 +13559,7 @@
               <a:rPr lang="en-US" altLang="zh-CN" dirty="0"/>
               <a:t>Abstractions should not depend upon details.</a:t>
             </a:r>
+            <a:endParaRPr lang="en-US" altLang="zh-CN" dirty="0"/>
           </a:p>
           <a:p>
             <a:pPr marL="457200" indent="-457200">
@@ -12910,6 +13573,7 @@
               <a:rPr lang="en-US" altLang="zh-CN" dirty="0"/>
               <a:t>Details should depend upon abstractions.</a:t>
             </a:r>
+            <a:endParaRPr lang="en-US" altLang="zh-CN" dirty="0"/>
           </a:p>
           <a:p>
             <a:pPr>
@@ -12931,6 +13595,7 @@
               <a:rPr lang="zh-CN" altLang="en-US" dirty="0"/>
               <a:t>高层模块不应该依赖低层模块， 两者都应该依赖其抽象；</a:t>
             </a:r>
+            <a:endParaRPr lang="zh-CN" altLang="en-US" dirty="0"/>
           </a:p>
           <a:p>
             <a:pPr marL="457200" indent="-457200">
@@ -12944,6 +13609,7 @@
               <a:rPr lang="zh-CN" altLang="en-US" dirty="0"/>
               <a:t>抽象不应该依赖细节；</a:t>
             </a:r>
+            <a:endParaRPr lang="zh-CN" altLang="en-US" dirty="0"/>
           </a:p>
           <a:p>
             <a:pPr marL="457200" indent="-457200">
@@ -12957,6 +13623,7 @@
               <a:rPr lang="zh-CN" altLang="en-US" dirty="0"/>
               <a:t>细节应该依赖抽象。</a:t>
             </a:r>
+            <a:endParaRPr lang="zh-CN" altLang="en-US" dirty="0"/>
           </a:p>
           <a:p>
             <a:endParaRPr lang="zh-CN" altLang="en-US" dirty="0"/>
@@ -12976,7 +13643,7 @@
       </p:sp>
     </p:spTree>
     <p:custDataLst>
-      <p:tags r:id="rId1"/>
+      <p:tags r:id="rId2"/>
     </p:custDataLst>
   </p:cSld>
   <p:clrMapOvr>
@@ -13008,7 +13675,7 @@
           <p:cNvSpPr txBox="1"/>
           <p:nvPr>
             <p:custDataLst>
-              <p:tags r:id="rId2"/>
+              <p:tags r:id="rId1"/>
             </p:custDataLst>
           </p:nvPr>
         </p:nvSpPr>
@@ -13052,6 +13719,7 @@
               <a:rPr lang="zh-CN" altLang="en-US" dirty="0"/>
               <a:t>什么是设计模式</a:t>
             </a:r>
+            <a:endParaRPr lang="zh-CN" altLang="en-US" dirty="0"/>
           </a:p>
         </p:txBody>
       </p:sp>
@@ -13100,6 +13768,7 @@
               <a:rPr lang="en-US" altLang="zh-CN" dirty="0"/>
               <a:t>Design Pattern）。</a:t>
             </a:r>
+            <a:endParaRPr lang="en-US" altLang="zh-CN" dirty="0"/>
           </a:p>
           <a:p>
             <a:pPr eaLnBrk="1" hangingPunct="1">
@@ -13125,6 +13794,7 @@
               <a:rPr lang="zh-CN" altLang="en-US" dirty="0"/>
               <a:t>。从而指导设计，减少代码重复和优化体系结构。</a:t>
             </a:r>
+            <a:endParaRPr lang="zh-CN" altLang="en-US" dirty="0"/>
           </a:p>
           <a:p>
             <a:endParaRPr lang="zh-CN" altLang="en-US" dirty="0"/>
@@ -13133,7 +13803,7 @@
       </p:sp>
     </p:spTree>
     <p:custDataLst>
-      <p:tags r:id="rId1"/>
+      <p:tags r:id="rId2"/>
     </p:custDataLst>
   </p:cSld>
   <p:clrMapOvr>
@@ -13165,7 +13835,7 @@
           <p:cNvSpPr txBox="1"/>
           <p:nvPr>
             <p:custDataLst>
-              <p:tags r:id="rId2"/>
+              <p:tags r:id="rId1"/>
             </p:custDataLst>
           </p:nvPr>
         </p:nvSpPr>
@@ -13261,6 +13931,11 @@
               </a:rPr>
               <a:t>核心思想</a:t>
             </a:r>
+            <a:endParaRPr lang="zh-CN" altLang="en-US" b="1" dirty="0">
+              <a:solidFill>
+                <a:srgbClr val="0070C0"/>
+              </a:solidFill>
+            </a:endParaRPr>
           </a:p>
           <a:p>
             <a:pPr eaLnBrk="1" hangingPunct="1">
@@ -13275,6 +13950,7 @@
               <a:rPr lang="zh-CN" altLang="en-US" dirty="0"/>
               <a:t>面向接口编程</a:t>
             </a:r>
+            <a:endParaRPr lang="zh-CN" altLang="en-US" dirty="0"/>
           </a:p>
           <a:p>
             <a:pPr eaLnBrk="1" hangingPunct="1">
@@ -13304,6 +13980,11 @@
               </a:rPr>
               <a:t>引入依赖倒置原则需要注意</a:t>
             </a:r>
+            <a:endParaRPr lang="zh-CN" altLang="en-US" b="1" dirty="0">
+              <a:solidFill>
+                <a:srgbClr val="0070C0"/>
+              </a:solidFill>
+            </a:endParaRPr>
           </a:p>
           <a:p>
             <a:pPr marL="457200" indent="-457200">
@@ -13317,6 +13998,7 @@
               <a:rPr lang="zh-CN" altLang="en-US" dirty="0"/>
               <a:t>每个类尽量都有接口或抽象类， 或者抽象类和接口两者都具备；</a:t>
             </a:r>
+            <a:endParaRPr lang="zh-CN" altLang="en-US" dirty="0"/>
           </a:p>
           <a:p>
             <a:pPr marL="457200" indent="-457200">
@@ -13330,6 +14012,7 @@
               <a:rPr lang="zh-CN" altLang="en-US" dirty="0"/>
               <a:t>变量的表面类型尽量是接口或者是抽象类；</a:t>
             </a:r>
+            <a:endParaRPr lang="zh-CN" altLang="en-US" dirty="0"/>
           </a:p>
           <a:p>
             <a:pPr marL="457200" indent="-457200">
@@ -13343,6 +14026,7 @@
               <a:rPr lang="zh-CN" altLang="en-US" dirty="0"/>
               <a:t>任何类都不应该从具体类派生；</a:t>
             </a:r>
+            <a:endParaRPr lang="zh-CN" altLang="en-US" dirty="0"/>
           </a:p>
           <a:p>
             <a:pPr marL="457200" indent="-457200">
@@ -13356,6 +14040,7 @@
               <a:rPr lang="zh-CN" altLang="en-US" dirty="0"/>
               <a:t>尽量不要覆写基类的方法；</a:t>
             </a:r>
+            <a:endParaRPr lang="zh-CN" altLang="en-US" dirty="0"/>
           </a:p>
           <a:p>
             <a:pPr marL="457200" indent="-457200">
@@ -13369,12 +14054,13 @@
               <a:rPr lang="zh-CN" altLang="en-US" dirty="0"/>
               <a:t>结合里氏替换原则使用。</a:t>
             </a:r>
+            <a:endParaRPr lang="zh-CN" altLang="en-US" dirty="0"/>
           </a:p>
         </p:txBody>
       </p:sp>
     </p:spTree>
     <p:custDataLst>
-      <p:tags r:id="rId1"/>
+      <p:tags r:id="rId2"/>
     </p:custDataLst>
   </p:cSld>
   <p:clrMapOvr>
@@ -13406,7 +14092,7 @@
           <p:cNvSpPr txBox="1"/>
           <p:nvPr>
             <p:custDataLst>
-              <p:tags r:id="rId2"/>
+              <p:tags r:id="rId1"/>
             </p:custDataLst>
           </p:nvPr>
         </p:nvSpPr>
@@ -13502,6 +14188,11 @@
               </a:rPr>
               <a:t>依赖倒置原则的优点</a:t>
             </a:r>
+            <a:endParaRPr lang="zh-CN" altLang="en-US" b="1" dirty="0">
+              <a:solidFill>
+                <a:srgbClr val="0070C0"/>
+              </a:solidFill>
+            </a:endParaRPr>
           </a:p>
           <a:p>
             <a:pPr marL="457200" indent="-457200" eaLnBrk="1" hangingPunct="1">
@@ -13518,6 +14209,7 @@
               <a:rPr lang="zh-CN" altLang="zh-CN" dirty="0"/>
               <a:t>面向接口使得程序在数据处理中间过程变得更灵活，在大项目中业务变更的成本变小；</a:t>
             </a:r>
+            <a:endParaRPr lang="zh-CN" altLang="zh-CN" dirty="0"/>
           </a:p>
           <a:p>
             <a:pPr marL="457200" indent="-457200" eaLnBrk="1" hangingPunct="1">
@@ -13534,6 +14226,7 @@
               <a:rPr lang="zh-CN" altLang="zh-CN" dirty="0"/>
               <a:t>利于项目的水平拓展，增加新的功能；</a:t>
             </a:r>
+            <a:endParaRPr lang="zh-CN" altLang="zh-CN" dirty="0"/>
           </a:p>
           <a:p>
             <a:pPr marL="457200" indent="-457200" eaLnBrk="1" hangingPunct="1">
@@ -13550,6 +14243,7 @@
               <a:rPr lang="zh-CN" altLang="zh-CN" dirty="0"/>
               <a:t>通过采用依赖倒置原则设计的接口或抽象类对实现类进行约束，可以减少需求变化引起的工作量剧增的情况；</a:t>
             </a:r>
+            <a:endParaRPr lang="zh-CN" altLang="zh-CN" dirty="0"/>
           </a:p>
           <a:p>
             <a:pPr marL="457200" indent="-457200" eaLnBrk="1" hangingPunct="1">
@@ -13566,12 +14260,13 @@
               <a:rPr lang="zh-CN" altLang="zh-CN" dirty="0"/>
               <a:t>人员变动时对项目影响能适当变小。</a:t>
             </a:r>
+            <a:endParaRPr lang="zh-CN" altLang="zh-CN" dirty="0"/>
           </a:p>
         </p:txBody>
       </p:sp>
     </p:spTree>
     <p:custDataLst>
-      <p:tags r:id="rId1"/>
+      <p:tags r:id="rId2"/>
     </p:custDataLst>
   </p:cSld>
   <p:clrMapOvr>
@@ -13603,7 +14298,7 @@
           <p:cNvSpPr txBox="1"/>
           <p:nvPr>
             <p:custDataLst>
-              <p:tags r:id="rId2"/>
+              <p:tags r:id="rId1"/>
             </p:custDataLst>
           </p:nvPr>
         </p:nvSpPr>
@@ -13699,6 +14394,11 @@
               </a:rPr>
               <a:t>依赖倒置原则的缺点</a:t>
             </a:r>
+            <a:endParaRPr lang="zh-CN" altLang="en-US" b="1" dirty="0">
+              <a:solidFill>
+                <a:srgbClr val="0070C0"/>
+              </a:solidFill>
+            </a:endParaRPr>
           </a:p>
           <a:p>
             <a:pPr marL="457200" indent="-457200" eaLnBrk="1" hangingPunct="1">
@@ -13715,6 +14415,7 @@
               <a:rPr lang="zh-CN" altLang="zh-CN" dirty="0"/>
               <a:t>现实中并不是所有东西都依赖抽象，比如法律，就必须依赖细节；</a:t>
             </a:r>
+            <a:endParaRPr lang="zh-CN" altLang="zh-CN" dirty="0"/>
           </a:p>
           <a:p>
             <a:pPr marL="457200" indent="-457200" eaLnBrk="1" hangingPunct="1">
@@ -13731,6 +14432,7 @@
               <a:rPr lang="zh-CN" altLang="zh-CN" dirty="0"/>
               <a:t>如果项目规模并不大且业务很确定可能增加项目前期的设计成本；</a:t>
             </a:r>
+            <a:endParaRPr lang="zh-CN" altLang="zh-CN" dirty="0"/>
           </a:p>
           <a:p>
             <a:pPr marL="457200" indent="-457200" eaLnBrk="1" hangingPunct="1">
@@ -13747,12 +14449,13 @@
               <a:rPr lang="zh-CN" altLang="zh-CN" dirty="0"/>
               <a:t>接口设计的通用性与可拓展性决定了后期维护与二次开发的成本，很考验设计人员的设计能力。</a:t>
             </a:r>
+            <a:endParaRPr lang="zh-CN" altLang="zh-CN" dirty="0"/>
           </a:p>
         </p:txBody>
       </p:sp>
     </p:spTree>
     <p:custDataLst>
-      <p:tags r:id="rId1"/>
+      <p:tags r:id="rId2"/>
     </p:custDataLst>
   </p:cSld>
   <p:clrMapOvr>
@@ -13784,7 +14487,7 @@
           <p:cNvSpPr txBox="1"/>
           <p:nvPr>
             <p:custDataLst>
-              <p:tags r:id="rId2"/>
+              <p:tags r:id="rId1"/>
             </p:custDataLst>
           </p:nvPr>
         </p:nvSpPr>
@@ -13909,6 +14612,7 @@
               <a:rPr lang="zh-CN" altLang="en-US" dirty="0"/>
               <a:t>根据里氏代换原则，为了保证系统的扩展性，在程序中通常使用父类来进行定义，如果一个方法只存在子类中，在父类中不提供相应的声明，则无法在以父类定义的对象中使用该方法。</a:t>
             </a:r>
+            <a:endParaRPr lang="zh-CN" altLang="en-US" dirty="0"/>
           </a:p>
           <a:p>
             <a:pPr marL="457200" indent="-457200">
@@ -13943,7 +14647,7 @@
       </p:sp>
     </p:spTree>
     <p:custDataLst>
-      <p:tags r:id="rId1"/>
+      <p:tags r:id="rId2"/>
     </p:custDataLst>
   </p:cSld>
   <p:clrMapOvr>
@@ -14007,6 +14711,7 @@
               <a:rPr lang="zh-CN" altLang="en-US" sz="3600" dirty="0"/>
               <a:t>）</a:t>
             </a:r>
+            <a:endParaRPr lang="zh-CN" altLang="en-US" sz="3600" dirty="0"/>
           </a:p>
         </p:txBody>
       </p:sp>
@@ -14072,7 +14777,7 @@
           <p:cNvSpPr txBox="1"/>
           <p:nvPr>
             <p:custDataLst>
-              <p:tags r:id="rId2"/>
+              <p:tags r:id="rId1"/>
             </p:custDataLst>
           </p:nvPr>
         </p:nvSpPr>
@@ -14191,6 +14896,7 @@
               <a:rPr lang="zh-CN" altLang="en-US" dirty="0"/>
               <a:t>；</a:t>
             </a:r>
+            <a:endParaRPr lang="zh-CN" altLang="en-US" dirty="0"/>
           </a:p>
           <a:p>
             <a:pPr marL="457200" indent="-457200" latinLnBrk="1">
@@ -14226,6 +14932,7 @@
               <a:rPr lang="zh-CN" altLang="en-US" dirty="0"/>
               <a:t>客户端不应该依赖它不需用的接口；</a:t>
             </a:r>
+            <a:endParaRPr lang="zh-CN" altLang="en-US" dirty="0"/>
           </a:p>
           <a:p>
             <a:pPr marL="457200" indent="-457200">
@@ -14239,6 +14946,7 @@
               <a:rPr lang="zh-CN" altLang="en-US" dirty="0"/>
               <a:t>类间的依赖关系应该建立在最小的接口上。</a:t>
             </a:r>
+            <a:endParaRPr lang="zh-CN" altLang="en-US" dirty="0"/>
           </a:p>
           <a:p>
             <a:pPr>
@@ -14255,13 +14963,8 @@
       </p:sp>
     </p:spTree>
     <p:custDataLst>
-      <p:tags r:id="rId1"/>
+      <p:tags r:id="rId2"/>
     </p:custDataLst>
-    <p:extLst>
-      <p:ext uri="{BB962C8B-B14F-4D97-AF65-F5344CB8AC3E}">
-        <p14:creationId xmlns:p14="http://schemas.microsoft.com/office/powerpoint/2010/main" val="139860320"/>
-      </p:ext>
-    </p:extLst>
   </p:cSld>
   <p:clrMapOvr>
     <a:masterClrMapping/>
@@ -14292,7 +14995,7 @@
           <p:cNvSpPr txBox="1"/>
           <p:nvPr>
             <p:custDataLst>
-              <p:tags r:id="rId2"/>
+              <p:tags r:id="rId1"/>
             </p:custDataLst>
           </p:nvPr>
         </p:nvSpPr>
@@ -14386,6 +15089,11 @@
               </a:rPr>
               <a:t>核心思想</a:t>
             </a:r>
+            <a:endParaRPr lang="zh-CN" altLang="en-US" b="1" dirty="0">
+              <a:solidFill>
+                <a:srgbClr val="0070C0"/>
+              </a:solidFill>
+            </a:endParaRPr>
           </a:p>
           <a:p>
             <a:pPr eaLnBrk="1" hangingPunct="1">
@@ -14434,6 +15142,11 @@
               </a:rPr>
               <a:t>引入接口隔离原则需要注意</a:t>
             </a:r>
+            <a:endParaRPr lang="zh-CN" altLang="en-US" b="1" dirty="0">
+              <a:solidFill>
+                <a:srgbClr val="0070C0"/>
+              </a:solidFill>
+            </a:endParaRPr>
           </a:p>
           <a:p>
             <a:pPr marL="457200" indent="-457200">
@@ -14491,13 +15204,8 @@
       </p:sp>
     </p:spTree>
     <p:custDataLst>
-      <p:tags r:id="rId1"/>
+      <p:tags r:id="rId2"/>
     </p:custDataLst>
-    <p:extLst>
-      <p:ext uri="{BB962C8B-B14F-4D97-AF65-F5344CB8AC3E}">
-        <p14:creationId xmlns:p14="http://schemas.microsoft.com/office/powerpoint/2010/main" val="3755684246"/>
-      </p:ext>
-    </p:extLst>
   </p:cSld>
   <p:clrMapOvr>
     <a:masterClrMapping/>
@@ -14528,7 +15236,7 @@
           <p:cNvSpPr txBox="1"/>
           <p:nvPr>
             <p:custDataLst>
-              <p:tags r:id="rId2"/>
+              <p:tags r:id="rId1"/>
             </p:custDataLst>
           </p:nvPr>
         </p:nvSpPr>
@@ -14593,7 +15301,7 @@
         <p:spPr>
           <a:xfrm>
             <a:off x="571608" y="1828842"/>
-            <a:ext cx="8334776" cy="2095125"/>
+            <a:ext cx="8334776" cy="2159000"/>
           </a:xfrm>
           <a:prstGeom prst="rect">
             <a:avLst/>
@@ -14620,8 +15328,13 @@
                   <a:srgbClr val="0070C0"/>
                 </a:solidFill>
               </a:rPr>
-              <a:t>接口隔离原则优点</a:t>
-            </a:r>
+              <a:t>接口隔离原则的优点</a:t>
+            </a:r>
+            <a:endParaRPr lang="zh-CN" altLang="en-US" b="1" dirty="0">
+              <a:solidFill>
+                <a:srgbClr val="0070C0"/>
+              </a:solidFill>
+            </a:endParaRPr>
           </a:p>
           <a:p>
             <a:pPr marL="457200" indent="-457200" eaLnBrk="1" hangingPunct="1">
@@ -14661,13 +15374,8 @@
       </p:sp>
     </p:spTree>
     <p:custDataLst>
-      <p:tags r:id="rId1"/>
+      <p:tags r:id="rId2"/>
     </p:custDataLst>
-    <p:extLst>
-      <p:ext uri="{BB962C8B-B14F-4D97-AF65-F5344CB8AC3E}">
-        <p14:creationId xmlns:p14="http://schemas.microsoft.com/office/powerpoint/2010/main" val="841017265"/>
-      </p:ext>
-    </p:extLst>
   </p:cSld>
   <p:clrMapOvr>
     <a:masterClrMapping/>
@@ -14698,7 +15406,7 @@
           <p:cNvSpPr txBox="1"/>
           <p:nvPr>
             <p:custDataLst>
-              <p:tags r:id="rId2"/>
+              <p:tags r:id="rId1"/>
             </p:custDataLst>
           </p:nvPr>
         </p:nvSpPr>
@@ -14792,6 +15500,11 @@
               </a:rPr>
               <a:t>接口隔离原则的缺点</a:t>
             </a:r>
+            <a:endParaRPr lang="zh-CN" altLang="en-US" b="1" dirty="0">
+              <a:solidFill>
+                <a:srgbClr val="0070C0"/>
+              </a:solidFill>
+            </a:endParaRPr>
           </a:p>
           <a:p>
             <a:pPr marL="457200" indent="-457200" eaLnBrk="1" hangingPunct="1">
@@ -14814,13 +15527,8 @@
       </p:sp>
     </p:spTree>
     <p:custDataLst>
-      <p:tags r:id="rId1"/>
+      <p:tags r:id="rId2"/>
     </p:custDataLst>
-    <p:extLst>
-      <p:ext uri="{BB962C8B-B14F-4D97-AF65-F5344CB8AC3E}">
-        <p14:creationId xmlns:p14="http://schemas.microsoft.com/office/powerpoint/2010/main" val="3246074445"/>
-      </p:ext>
-    </p:extLst>
   </p:cSld>
   <p:clrMapOvr>
     <a:masterClrMapping/>
@@ -14851,7 +15559,7 @@
           <p:cNvSpPr txBox="1"/>
           <p:nvPr>
             <p:custDataLst>
-              <p:tags r:id="rId2"/>
+              <p:tags r:id="rId1"/>
             </p:custDataLst>
           </p:nvPr>
         </p:nvSpPr>
@@ -14966,6 +15674,7 @@
               <a:rPr lang="zh-CN" altLang="en-US" dirty="0"/>
               <a:t>接口要尽量小（核心定义），但“小”也有限，首先不能违反单一职责原则；</a:t>
             </a:r>
+            <a:endParaRPr lang="zh-CN" altLang="en-US" dirty="0"/>
           </a:p>
           <a:p>
             <a:pPr marL="457200" indent="-457200">
@@ -14990,6 +15699,7 @@
               <a:rPr lang="zh-CN" altLang="en-US" dirty="0"/>
               <a:t>方法，接口是对外的承诺，承诺越少对系统的开发越有利，变更的风险也就越少，同时也有利于降低成本；</a:t>
             </a:r>
+            <a:endParaRPr lang="zh-CN" altLang="en-US" dirty="0"/>
           </a:p>
           <a:p>
             <a:pPr marL="457200" indent="-457200">
@@ -15014,6 +15724,7 @@
               <a:rPr lang="zh-CN" altLang="en-US" dirty="0"/>
               <a:t>，按需拆分接口；</a:t>
             </a:r>
+            <a:endParaRPr lang="zh-CN" altLang="en-US" dirty="0"/>
           </a:p>
           <a:p>
             <a:pPr marL="457200" indent="-457200">
@@ -15036,13 +15747,8 @@
       </p:sp>
     </p:spTree>
     <p:custDataLst>
-      <p:tags r:id="rId1"/>
+      <p:tags r:id="rId2"/>
     </p:custDataLst>
-    <p:extLst>
-      <p:ext uri="{BB962C8B-B14F-4D97-AF65-F5344CB8AC3E}">
-        <p14:creationId xmlns:p14="http://schemas.microsoft.com/office/powerpoint/2010/main" val="2583862401"/>
-      </p:ext>
-    </p:extLst>
   </p:cSld>
   <p:clrMapOvr>
     <a:masterClrMapping/>
@@ -15073,7 +15779,7 @@
           <p:cNvSpPr txBox="1"/>
           <p:nvPr>
             <p:custDataLst>
-              <p:tags r:id="rId2"/>
+              <p:tags r:id="rId1"/>
             </p:custDataLst>
           </p:nvPr>
         </p:nvSpPr>
@@ -15117,6 +15823,7 @@
               <a:rPr lang="zh-CN" altLang="en-US" dirty="0"/>
               <a:t>采用设计模式的好处</a:t>
             </a:r>
+            <a:endParaRPr lang="zh-CN" altLang="en-US" dirty="0"/>
           </a:p>
         </p:txBody>
       </p:sp>
@@ -15156,6 +15863,7 @@
               <a:rPr lang="zh-CN" altLang="en-US" dirty="0"/>
               <a:t>重用，避免代码重复冗余</a:t>
             </a:r>
+            <a:endParaRPr lang="zh-CN" altLang="en-US" dirty="0"/>
           </a:p>
           <a:p>
             <a:pPr marL="342900" indent="-342900" eaLnBrk="1" hangingPunct="1">
@@ -15172,6 +15880,7 @@
               <a:rPr lang="zh-CN" altLang="en-US" dirty="0"/>
               <a:t>优化体系结构</a:t>
             </a:r>
+            <a:endParaRPr lang="zh-CN" altLang="en-US" dirty="0"/>
           </a:p>
           <a:p>
             <a:pPr marL="342900" indent="-342900" eaLnBrk="1" hangingPunct="1">
@@ -15188,6 +15897,7 @@
               <a:rPr lang="zh-CN" altLang="en-US" dirty="0"/>
               <a:t>提升系统的可维护性和弹性</a:t>
             </a:r>
+            <a:endParaRPr lang="zh-CN" altLang="en-US" dirty="0"/>
           </a:p>
           <a:p>
             <a:pPr marL="342900" indent="-342900" eaLnBrk="1" hangingPunct="1">
@@ -15204,6 +15914,7 @@
               <a:rPr lang="zh-CN" altLang="en-US" dirty="0"/>
               <a:t>代码更加容易测试，利于测试驱动</a:t>
             </a:r>
+            <a:endParaRPr lang="zh-CN" altLang="en-US" dirty="0"/>
           </a:p>
           <a:p>
             <a:pPr marL="342900" indent="-342900" eaLnBrk="1" hangingPunct="1">
@@ -15220,6 +15931,7 @@
               <a:rPr lang="zh-CN" altLang="en-US" dirty="0"/>
               <a:t>为性能优化提供便利</a:t>
             </a:r>
+            <a:endParaRPr lang="zh-CN" altLang="en-US" dirty="0"/>
           </a:p>
           <a:p>
             <a:pPr marL="342900" indent="-342900" eaLnBrk="1" hangingPunct="1">
@@ -15236,6 +15948,7 @@
               <a:rPr lang="zh-CN" altLang="en-US" dirty="0"/>
               <a:t>使软件质量更加有保证</a:t>
             </a:r>
+            <a:endParaRPr lang="zh-CN" altLang="en-US" dirty="0"/>
           </a:p>
           <a:p>
             <a:pPr marL="342900" indent="-342900" eaLnBrk="1" hangingPunct="1">
@@ -15252,6 +15965,7 @@
               <a:rPr lang="zh-CN" altLang="en-US" dirty="0"/>
               <a:t>增强代码可读性，便于团队交流</a:t>
             </a:r>
+            <a:endParaRPr lang="zh-CN" altLang="en-US" dirty="0"/>
           </a:p>
           <a:p>
             <a:pPr marL="342900" indent="-342900" eaLnBrk="1" hangingPunct="1">
@@ -15268,12 +15982,13 @@
               <a:rPr lang="zh-CN" altLang="en-US" dirty="0"/>
               <a:t>有助于整体提升团队水平</a:t>
             </a:r>
+            <a:endParaRPr lang="zh-CN" altLang="en-US" dirty="0"/>
           </a:p>
         </p:txBody>
       </p:sp>
     </p:spTree>
     <p:custDataLst>
-      <p:tags r:id="rId1"/>
+      <p:tags r:id="rId2"/>
     </p:custDataLst>
   </p:cSld>
   <p:clrMapOvr>
@@ -15337,6 +16052,7 @@
               <a:rPr lang="zh-CN" altLang="en-US" sz="3600" dirty="0"/>
               <a:t>）</a:t>
             </a:r>
+            <a:endParaRPr lang="zh-CN" altLang="en-US" sz="3600" dirty="0"/>
           </a:p>
         </p:txBody>
       </p:sp>
@@ -15398,111 +16114,11 @@
       </p:grpSpPr>
       <p:sp>
         <p:nvSpPr>
-          <p:cNvPr id="2" name="标题 1"/>
-          <p:cNvSpPr>
-            <a:spLocks noGrp="1"/>
-          </p:cNvSpPr>
-          <p:nvPr>
-            <p:ph type="title"/>
-          </p:nvPr>
-        </p:nvSpPr>
-        <p:spPr>
-          <a:xfrm>
-            <a:off x="1138792" y="3078833"/>
-            <a:ext cx="6856892" cy="830998"/>
-          </a:xfrm>
-        </p:spPr>
-        <p:txBody>
-          <a:bodyPr>
-            <a:noAutofit/>
-          </a:bodyPr>
-          <a:lstStyle/>
-          <a:p>
-            <a:r>
-              <a:rPr lang="en-US" altLang="zh-CN" sz="3600" dirty="0"/>
-              <a:t>Open Closed Principle</a:t>
-            </a:r>
-            <a:br>
-              <a:rPr lang="en-US" altLang="zh-CN" sz="3600" dirty="0"/>
-            </a:br>
-            <a:r>
-              <a:rPr lang="zh-CN" altLang="en-US" sz="3600" dirty="0"/>
-              <a:t>（</a:t>
-            </a:r>
-            <a:r>
-              <a:rPr lang="en-US" altLang="zh-CN" sz="3600" dirty="0"/>
-              <a:t>OCP</a:t>
-            </a:r>
-            <a:r>
-              <a:rPr lang="zh-CN" altLang="en-US" sz="3600" dirty="0"/>
-              <a:t>）</a:t>
-            </a:r>
-          </a:p>
-        </p:txBody>
-      </p:sp>
-      <p:sp>
-        <p:nvSpPr>
-          <p:cNvPr id="3" name="内容占位符 2"/>
-          <p:cNvSpPr>
-            <a:spLocks noGrp="1"/>
-          </p:cNvSpPr>
-          <p:nvPr>
-            <p:ph sz="quarter" idx="13"/>
-          </p:nvPr>
-        </p:nvSpPr>
-        <p:spPr/>
-        <p:txBody>
-          <a:bodyPr/>
-          <a:lstStyle/>
-          <a:p>
-            <a:pPr>
-              <a:lnSpc>
-                <a:spcPct val="110000"/>
-              </a:lnSpc>
-              <a:buClr>
-                <a:srgbClr val="0070C0"/>
-              </a:buClr>
-            </a:pPr>
-            <a:r>
-              <a:rPr lang="zh-CN" altLang="en-US" dirty="0"/>
-              <a:t>开闭原则</a:t>
-            </a:r>
-            <a:endParaRPr lang="en-US" altLang="zh-CN" dirty="0"/>
-          </a:p>
-        </p:txBody>
-      </p:sp>
-    </p:spTree>
-  </p:cSld>
-  <p:clrMapOvr>
-    <a:masterClrMapping/>
-  </p:clrMapOvr>
-</p:sld>
-</file>
-
-<file path=ppt/slides/slide32.xml><?xml version="1.0" encoding="utf-8"?>
-<p:sld xmlns:a="http://schemas.openxmlformats.org/drawingml/2006/main" xmlns:r="http://schemas.openxmlformats.org/officeDocument/2006/relationships" xmlns:p="http://schemas.openxmlformats.org/presentationml/2006/main">
-  <p:cSld>
-    <p:spTree>
-      <p:nvGrpSpPr>
-        <p:cNvPr id="1" name=""/>
-        <p:cNvGrpSpPr/>
-        <p:nvPr/>
-      </p:nvGrpSpPr>
-      <p:grpSpPr>
-        <a:xfrm>
-          <a:off x="0" y="0"/>
-          <a:ext cx="0" cy="0"/>
-          <a:chOff x="0" y="0"/>
-          <a:chExt cx="0" cy="0"/>
-        </a:xfrm>
-      </p:grpSpPr>
-      <p:sp>
-        <p:nvSpPr>
           <p:cNvPr id="8" name="标题 1"/>
           <p:cNvSpPr txBox="1"/>
           <p:nvPr>
             <p:custDataLst>
-              <p:tags r:id="rId2"/>
+              <p:tags r:id="rId1"/>
             </p:custDataLst>
           </p:nvPr>
         </p:nvSpPr>
@@ -15542,10 +16158,21 @@
             </a:lvl1pPr>
           </a:lstStyle>
           <a:p>
-            <a:r>
-              <a:rPr lang="zh-CN" altLang="en-US" dirty="0"/>
-              <a:t>设计模式</a:t>
-            </a:r>
+            <a:pPr>
+              <a:lnSpc>
+                <a:spcPct val="110000"/>
+              </a:lnSpc>
+              <a:buClr>
+                <a:srgbClr val="0070C0"/>
+              </a:buClr>
+            </a:pPr>
+            <a:r>
+              <a:rPr lang="zh-CN" altLang="en-US" dirty="0">
+                <a:sym typeface="+mn-ea"/>
+              </a:rPr>
+              <a:t>最少知识原则</a:t>
+            </a:r>
+            <a:endParaRPr lang="en-US" altLang="zh-CN" dirty="0"/>
           </a:p>
         </p:txBody>
       </p:sp>
@@ -15557,8 +16184,8 @@
         </p:nvSpPr>
         <p:spPr>
           <a:xfrm>
-            <a:off x="566431" y="2057436"/>
-            <a:ext cx="8334776" cy="3674019"/>
+            <a:off x="571608" y="1828842"/>
+            <a:ext cx="8334776" cy="3743960"/>
           </a:xfrm>
           <a:prstGeom prst="rect">
             <a:avLst/>
@@ -15571,9 +16198,32 @@
           </a:bodyPr>
           <a:lstStyle/>
           <a:p>
+            <a:pPr>
+              <a:lnSpc>
+                <a:spcPct val="110000"/>
+              </a:lnSpc>
+              <a:buClr>
+                <a:srgbClr val="0070C0"/>
+              </a:buClr>
+            </a:pPr>
+            <a:r>
+              <a:rPr lang="zh-CN" altLang="en-US" b="1" dirty="0">
+                <a:solidFill>
+                  <a:srgbClr val="0070C0"/>
+                </a:solidFill>
+              </a:rPr>
+              <a:t>定义</a:t>
+            </a:r>
+            <a:endParaRPr lang="en-US" altLang="zh-CN" b="1" dirty="0">
+              <a:solidFill>
+                <a:srgbClr val="0070C0"/>
+              </a:solidFill>
+            </a:endParaRPr>
+          </a:p>
+          <a:p>
             <a:pPr marL="457200" indent="-457200">
               <a:lnSpc>
-                <a:spcPct val="200000"/>
+                <a:spcPct val="110000"/>
               </a:lnSpc>
               <a:buClr>
                 <a:srgbClr val="0070C0"/>
@@ -15582,23 +16232,19 @@
               <a:buAutoNum type="arabicPeriod"/>
             </a:pPr>
             <a:r>
-              <a:rPr lang="zh-CN" altLang="en-US" dirty="0"/>
-              <a:t>创建型模式（</a:t>
-            </a:r>
-            <a:r>
-              <a:rPr lang="en-US" altLang="zh-CN" dirty="0"/>
-              <a:t> Creational Patterns </a:t>
-            </a:r>
-            <a:r>
-              <a:rPr lang="zh-CN" altLang="en-US" dirty="0"/>
-              <a:t>）</a:t>
-            </a:r>
-            <a:endParaRPr lang="en-US" altLang="zh-CN" dirty="0"/>
+              <a:rPr dirty="0"/>
+              <a:t>An object should keep a minimum understanding of other objects</a:t>
+            </a:r>
+            <a:r>
+              <a:rPr lang="en-US" dirty="0"/>
+              <a:t>;</a:t>
+            </a:r>
+            <a:endParaRPr dirty="0"/>
           </a:p>
           <a:p>
             <a:pPr marL="457200" indent="-457200">
               <a:lnSpc>
-                <a:spcPct val="200000"/>
+                <a:spcPct val="110000"/>
               </a:lnSpc>
               <a:buClr>
                 <a:srgbClr val="0070C0"/>
@@ -15606,12 +16252,29 @@
               <a:buFont typeface="+mj-lt"/>
               <a:buAutoNum type="arabicPeriod"/>
             </a:pPr>
-            <a:endParaRPr lang="en-US" altLang="zh-CN" dirty="0"/>
+            <a:r>
+              <a:rPr dirty="0"/>
+              <a:t>Only talk to your immedate friends.</a:t>
+            </a:r>
+            <a:endParaRPr dirty="0"/>
+          </a:p>
+          <a:p>
+            <a:pPr marL="0" indent="0">
+              <a:lnSpc>
+                <a:spcPct val="110000"/>
+              </a:lnSpc>
+              <a:buClr>
+                <a:srgbClr val="0070C0"/>
+              </a:buClr>
+              <a:buFont typeface="+mj-lt"/>
+              <a:buNone/>
+            </a:pPr>
+            <a:endParaRPr dirty="0"/>
           </a:p>
           <a:p>
             <a:pPr marL="457200" indent="-457200">
               <a:lnSpc>
-                <a:spcPct val="200000"/>
+                <a:spcPct val="110000"/>
               </a:lnSpc>
               <a:buClr>
                 <a:srgbClr val="0070C0"/>
@@ -15620,23 +16283,25 @@
               <a:buAutoNum type="arabicPeriod"/>
             </a:pPr>
             <a:r>
-              <a:rPr lang="zh-CN" altLang="en-US" dirty="0"/>
-              <a:t>结构型模式（</a:t>
-            </a:r>
-            <a:r>
-              <a:rPr lang="en-US" altLang="zh-CN" dirty="0"/>
-              <a:t> Structural Patterns</a:t>
-            </a:r>
-            <a:r>
-              <a:rPr lang="zh-CN" altLang="en-US" dirty="0"/>
-              <a:t>）</a:t>
-            </a:r>
-            <a:endParaRPr lang="en-US" altLang="zh-CN" dirty="0"/>
+              <a:rPr dirty="0">
+                <a:sym typeface="+mn-ea"/>
+              </a:rPr>
+              <a:t>一个对象应该对其他对象保持最少的了解</a:t>
+            </a:r>
+            <a:r>
+              <a:rPr lang="zh-CN" dirty="0">
+                <a:sym typeface="+mn-ea"/>
+              </a:rPr>
+              <a:t>；</a:t>
+            </a:r>
+            <a:endParaRPr dirty="0">
+              <a:sym typeface="+mn-ea"/>
+            </a:endParaRPr>
           </a:p>
           <a:p>
             <a:pPr marL="457200" indent="-457200">
               <a:lnSpc>
-                <a:spcPct val="200000"/>
+                <a:spcPct val="110000"/>
               </a:lnSpc>
               <a:buClr>
                 <a:srgbClr val="0070C0"/>
@@ -15644,12 +16309,20 @@
               <a:buFont typeface="+mj-lt"/>
               <a:buAutoNum type="arabicPeriod"/>
             </a:pPr>
-            <a:endParaRPr lang="en-US" altLang="zh-CN" dirty="0"/>
+            <a:r>
+              <a:rPr dirty="0">
+                <a:sym typeface="+mn-ea"/>
+              </a:rPr>
+              <a:t>只与直接的朋友通信。</a:t>
+            </a:r>
+            <a:endParaRPr dirty="0">
+              <a:sym typeface="+mn-ea"/>
+            </a:endParaRPr>
           </a:p>
           <a:p>
             <a:pPr marL="457200" indent="-457200">
               <a:lnSpc>
-                <a:spcPct val="200000"/>
+                <a:spcPct val="110000"/>
               </a:lnSpc>
               <a:buClr>
                 <a:srgbClr val="0070C0"/>
@@ -15657,25 +16330,329 @@
               <a:buFont typeface="+mj-lt"/>
               <a:buAutoNum type="arabicPeriod"/>
             </a:pPr>
-            <a:r>
-              <a:rPr lang="zh-CN" altLang="en-US" dirty="0"/>
-              <a:t>行为型模式（</a:t>
-            </a:r>
-            <a:r>
-              <a:rPr lang="en-US" altLang="zh-CN" dirty="0"/>
-              <a:t>Behavioral Patterns</a:t>
-            </a:r>
-            <a:r>
-              <a:rPr lang="zh-CN" altLang="en-US" dirty="0"/>
-              <a:t>）</a:t>
-            </a:r>
-            <a:endParaRPr lang="en-US" altLang="zh-CN" dirty="0"/>
+            <a:endParaRPr dirty="0"/>
+          </a:p>
+          <a:p>
+            <a:pPr>
+              <a:lnSpc>
+                <a:spcPct val="110000"/>
+              </a:lnSpc>
+              <a:buClr>
+                <a:srgbClr val="0070C0"/>
+              </a:buClr>
+            </a:pPr>
+            <a:endParaRPr lang="zh-CN" altLang="en-US" dirty="0"/>
           </a:p>
         </p:txBody>
       </p:sp>
     </p:spTree>
     <p:custDataLst>
-      <p:tags r:id="rId1"/>
+      <p:tags r:id="rId2"/>
+    </p:custDataLst>
+  </p:cSld>
+  <p:clrMapOvr>
+    <a:masterClrMapping/>
+  </p:clrMapOvr>
+</p:sld>
+</file>
+
+<file path=ppt/slides/slide32.xml><?xml version="1.0" encoding="utf-8"?>
+<p:sld xmlns:a="http://schemas.openxmlformats.org/drawingml/2006/main" xmlns:r="http://schemas.openxmlformats.org/officeDocument/2006/relationships" xmlns:p="http://schemas.openxmlformats.org/presentationml/2006/main">
+  <p:cSld>
+    <p:spTree>
+      <p:nvGrpSpPr>
+        <p:cNvPr id="1" name=""/>
+        <p:cNvGrpSpPr/>
+        <p:nvPr/>
+      </p:nvGrpSpPr>
+      <p:grpSpPr>
+        <a:xfrm>
+          <a:off x="0" y="0"/>
+          <a:ext cx="0" cy="0"/>
+          <a:chOff x="0" y="0"/>
+          <a:chExt cx="0" cy="0"/>
+        </a:xfrm>
+      </p:grpSpPr>
+      <p:sp>
+        <p:nvSpPr>
+          <p:cNvPr id="8" name="标题 1"/>
+          <p:cNvSpPr txBox="1"/>
+          <p:nvPr>
+            <p:custDataLst>
+              <p:tags r:id="rId1"/>
+            </p:custDataLst>
+          </p:nvPr>
+        </p:nvSpPr>
+        <p:spPr>
+          <a:xfrm>
+            <a:off x="571608" y="661194"/>
+            <a:ext cx="7886700" cy="994172"/>
+          </a:xfrm>
+          <a:prstGeom prst="rect">
+            <a:avLst/>
+          </a:prstGeom>
+        </p:spPr>
+        <p:txBody>
+          <a:bodyPr vert="horz" wrap="square" lIns="68580" tIns="34290" rIns="68580" bIns="34290" rtlCol="0" anchor="ctr">
+            <a:normAutofit/>
+          </a:bodyPr>
+          <a:lstStyle>
+            <a:lvl1pPr defTabSz="914400">
+              <a:lnSpc>
+                <a:spcPct val="120000"/>
+              </a:lnSpc>
+              <a:spcBef>
+                <a:spcPct val="0"/>
+              </a:spcBef>
+              <a:buNone/>
+              <a:defRPr sz="3600">
+                <a:solidFill>
+                  <a:schemeClr val="tx1">
+                    <a:lumMod val="75000"/>
+                    <a:lumOff val="25000"/>
+                  </a:schemeClr>
+                </a:solidFill>
+                <a:latin typeface="+mj-lt"/>
+                <a:ea typeface="+mj-ea"/>
+                <a:cs typeface="+mj-cs"/>
+              </a:defRPr>
+            </a:lvl1pPr>
+          </a:lstStyle>
+          <a:p>
+            <a:pPr>
+              <a:lnSpc>
+                <a:spcPct val="110000"/>
+              </a:lnSpc>
+              <a:buClr>
+                <a:srgbClr val="0070C0"/>
+              </a:buClr>
+            </a:pPr>
+            <a:r>
+              <a:rPr lang="zh-CN" altLang="en-US" dirty="0">
+                <a:sym typeface="+mn-ea"/>
+              </a:rPr>
+              <a:t>最少知识原则</a:t>
+            </a:r>
+            <a:endParaRPr lang="en-US" altLang="zh-CN" dirty="0"/>
+          </a:p>
+        </p:txBody>
+      </p:sp>
+      <p:sp>
+        <p:nvSpPr>
+          <p:cNvPr id="3" name="文本框 2"/>
+          <p:cNvSpPr txBox="1"/>
+          <p:nvPr/>
+        </p:nvSpPr>
+        <p:spPr>
+          <a:xfrm>
+            <a:off x="571608" y="1828842"/>
+            <a:ext cx="8334776" cy="5290820"/>
+          </a:xfrm>
+          <a:prstGeom prst="rect">
+            <a:avLst/>
+          </a:prstGeom>
+          <a:noFill/>
+        </p:spPr>
+        <p:txBody>
+          <a:bodyPr wrap="square" rtlCol="0">
+            <a:spAutoFit/>
+          </a:bodyPr>
+          <a:lstStyle/>
+          <a:p>
+            <a:pPr>
+              <a:lnSpc>
+                <a:spcPct val="110000"/>
+              </a:lnSpc>
+              <a:buClr>
+                <a:srgbClr val="0070C0"/>
+              </a:buClr>
+            </a:pPr>
+            <a:r>
+              <a:rPr lang="zh-CN" altLang="en-US" b="1" dirty="0">
+                <a:solidFill>
+                  <a:srgbClr val="0070C0"/>
+                </a:solidFill>
+              </a:rPr>
+              <a:t>核心思想</a:t>
+            </a:r>
+            <a:endParaRPr lang="zh-CN" altLang="en-US" b="1" dirty="0">
+              <a:solidFill>
+                <a:srgbClr val="0070C0"/>
+              </a:solidFill>
+            </a:endParaRPr>
+          </a:p>
+          <a:p>
+            <a:pPr eaLnBrk="1" hangingPunct="1">
+              <a:lnSpc>
+                <a:spcPct val="110000"/>
+              </a:lnSpc>
+              <a:buClr>
+                <a:srgbClr val="0070C0"/>
+              </a:buClr>
+            </a:pPr>
+            <a:r>
+              <a:rPr lang="zh-CN" altLang="en-US" dirty="0"/>
+              <a:t>低耦合，高内聚。无论是面向过程编程还是面向对象编程，只有使各个模块之间的耦合尽量的低，才能提高代码的复用率。</a:t>
+            </a:r>
+            <a:endParaRPr lang="zh-CN" altLang="en-US" dirty="0"/>
+          </a:p>
+          <a:p>
+            <a:pPr eaLnBrk="1" hangingPunct="1">
+              <a:lnSpc>
+                <a:spcPct val="110000"/>
+              </a:lnSpc>
+              <a:buClr>
+                <a:srgbClr val="0070C0"/>
+              </a:buClr>
+            </a:pPr>
+            <a:r>
+              <a:rPr lang="zh-CN" altLang="en-US" b="1" dirty="0">
+                <a:solidFill>
+                  <a:srgbClr val="0070C0"/>
+                </a:solidFill>
+              </a:rPr>
+              <a:t>引入最少知识原则需要注意</a:t>
+            </a:r>
+            <a:endParaRPr lang="zh-CN" altLang="en-US" b="1" dirty="0">
+              <a:solidFill>
+                <a:srgbClr val="0070C0"/>
+              </a:solidFill>
+            </a:endParaRPr>
+          </a:p>
+          <a:p>
+            <a:pPr marL="457200" indent="-457200" eaLnBrk="1" latinLnBrk="0" hangingPunct="1">
+              <a:lnSpc>
+                <a:spcPct val="130000"/>
+              </a:lnSpc>
+              <a:buClr>
+                <a:srgbClr val="0070C0"/>
+              </a:buClr>
+              <a:buFont typeface="+mj-lt"/>
+              <a:buAutoNum type="arabicPeriod"/>
+            </a:pPr>
+            <a:r>
+              <a:rPr lang="zh-CN" altLang="en-US" sz="2000" dirty="0"/>
+              <a:t>在类的划分上，应该创建有弱耦合的类；</a:t>
+            </a:r>
+            <a:endParaRPr lang="zh-CN" altLang="en-US" sz="2000" dirty="0"/>
+          </a:p>
+          <a:p>
+            <a:pPr marL="457200" indent="-457200" eaLnBrk="1" latinLnBrk="0" hangingPunct="1">
+              <a:lnSpc>
+                <a:spcPct val="130000"/>
+              </a:lnSpc>
+              <a:buClr>
+                <a:srgbClr val="0070C0"/>
+              </a:buClr>
+              <a:buFont typeface="+mj-lt"/>
+              <a:buAutoNum type="arabicPeriod"/>
+            </a:pPr>
+            <a:r>
+              <a:rPr lang="zh-CN" altLang="en-US" sz="2000" dirty="0"/>
+              <a:t>在类的结构设计上，每一个类都应当尽量降低成员的访问权限；</a:t>
+            </a:r>
+            <a:endParaRPr lang="zh-CN" altLang="en-US" sz="2000" dirty="0"/>
+          </a:p>
+          <a:p>
+            <a:pPr marL="457200" indent="-457200" eaLnBrk="1" latinLnBrk="0" hangingPunct="1">
+              <a:lnSpc>
+                <a:spcPct val="130000"/>
+              </a:lnSpc>
+              <a:buClr>
+                <a:srgbClr val="0070C0"/>
+              </a:buClr>
+              <a:buFont typeface="+mj-lt"/>
+              <a:buAutoNum type="arabicPeriod"/>
+            </a:pPr>
+            <a:r>
+              <a:rPr lang="zh-CN" altLang="en-US" sz="2000" dirty="0"/>
+              <a:t>在类的设计上，只要有可能，一个类应当设计成不变类；</a:t>
+            </a:r>
+            <a:endParaRPr lang="zh-CN" altLang="en-US" sz="2000" dirty="0"/>
+          </a:p>
+          <a:p>
+            <a:pPr marL="457200" indent="-457200" eaLnBrk="1" latinLnBrk="0" hangingPunct="1">
+              <a:lnSpc>
+                <a:spcPct val="130000"/>
+              </a:lnSpc>
+              <a:buClr>
+                <a:srgbClr val="0070C0"/>
+              </a:buClr>
+              <a:buFont typeface="+mj-lt"/>
+              <a:buAutoNum type="arabicPeriod"/>
+            </a:pPr>
+            <a:r>
+              <a:rPr lang="zh-CN" altLang="en-US" sz="2000" dirty="0"/>
+              <a:t>在对其他类的引用上，一个对象对其它对象的引用应当降到最低 ；</a:t>
+            </a:r>
+            <a:endParaRPr lang="zh-CN" altLang="en-US" sz="2000" dirty="0"/>
+          </a:p>
+          <a:p>
+            <a:pPr marL="457200" indent="-457200" eaLnBrk="1" latinLnBrk="0" hangingPunct="1">
+              <a:lnSpc>
+                <a:spcPct val="130000"/>
+              </a:lnSpc>
+              <a:buClr>
+                <a:srgbClr val="0070C0"/>
+              </a:buClr>
+              <a:buFont typeface="+mj-lt"/>
+              <a:buAutoNum type="arabicPeriod"/>
+            </a:pPr>
+            <a:r>
+              <a:rPr lang="zh-CN" altLang="en-US" sz="2000" dirty="0"/>
+              <a:t>尽量降低类的访问权限；</a:t>
+            </a:r>
+            <a:endParaRPr lang="zh-CN" altLang="en-US" sz="2000" dirty="0"/>
+          </a:p>
+          <a:p>
+            <a:pPr marL="457200" indent="-457200" eaLnBrk="1" latinLnBrk="0" hangingPunct="1">
+              <a:lnSpc>
+                <a:spcPct val="130000"/>
+              </a:lnSpc>
+              <a:buClr>
+                <a:srgbClr val="0070C0"/>
+              </a:buClr>
+              <a:buFont typeface="+mj-lt"/>
+              <a:buAutoNum type="arabicPeriod"/>
+            </a:pPr>
+            <a:r>
+              <a:rPr lang="zh-CN" altLang="en-US" sz="2000" dirty="0"/>
+              <a:t>不要暴露类成员，而应该提供相应的访问器(属性)；</a:t>
+            </a:r>
+            <a:endParaRPr lang="zh-CN" altLang="en-US" sz="2000" dirty="0"/>
+          </a:p>
+          <a:p>
+            <a:pPr marL="457200" indent="-457200" eaLnBrk="1" latinLnBrk="0" hangingPunct="1">
+              <a:lnSpc>
+                <a:spcPct val="130000"/>
+              </a:lnSpc>
+              <a:buClr>
+                <a:srgbClr val="0070C0"/>
+              </a:buClr>
+              <a:buFont typeface="+mj-lt"/>
+              <a:buAutoNum type="arabicPeriod"/>
+            </a:pPr>
+            <a:r>
+              <a:rPr lang="zh-CN" altLang="en-US" sz="2000" dirty="0"/>
+              <a:t>谨慎使用序列化功能。</a:t>
+            </a:r>
+            <a:endParaRPr lang="zh-CN" altLang="en-US" dirty="0"/>
+          </a:p>
+          <a:p>
+            <a:pPr marL="457200" indent="-457200">
+              <a:buClr>
+                <a:srgbClr val="0070C0"/>
+              </a:buClr>
+              <a:buFont typeface="+mj-lt"/>
+              <a:buAutoNum type="arabicPeriod"/>
+            </a:pPr>
+            <a:endParaRPr lang="zh-CN" altLang="en-US" dirty="0"/>
+          </a:p>
+        </p:txBody>
+      </p:sp>
+    </p:spTree>
+    <p:custDataLst>
+      <p:tags r:id="rId2"/>
     </p:custDataLst>
   </p:cSld>
   <p:clrMapOvr>
@@ -15703,87 +16680,11 @@
       </p:grpSpPr>
       <p:sp>
         <p:nvSpPr>
-          <p:cNvPr id="2" name="标题 1"/>
-          <p:cNvSpPr>
-            <a:spLocks noGrp="1"/>
-          </p:cNvSpPr>
-          <p:nvPr>
-            <p:ph type="title"/>
-          </p:nvPr>
-        </p:nvSpPr>
-        <p:spPr/>
-        <p:txBody>
-          <a:bodyPr>
-            <a:normAutofit fontScale="90000"/>
-          </a:bodyPr>
-          <a:lstStyle/>
-          <a:p>
-            <a:r>
-              <a:rPr lang="en-US" altLang="zh-CN" sz="3900" dirty="0"/>
-              <a:t>Creational Patterns</a:t>
-            </a:r>
-            <a:br>
-              <a:rPr lang="zh-CN" altLang="en-US" dirty="0"/>
-            </a:br>
-            <a:endParaRPr lang="zh-CN" altLang="en-US" dirty="0"/>
-          </a:p>
-        </p:txBody>
-      </p:sp>
-      <p:sp>
-        <p:nvSpPr>
-          <p:cNvPr id="3" name="内容占位符 2"/>
-          <p:cNvSpPr>
-            <a:spLocks noGrp="1"/>
-          </p:cNvSpPr>
-          <p:nvPr>
-            <p:ph sz="quarter" idx="13"/>
-          </p:nvPr>
-        </p:nvSpPr>
-        <p:spPr/>
-        <p:txBody>
-          <a:bodyPr/>
-          <a:lstStyle/>
-          <a:p>
-            <a:r>
-              <a:rPr lang="zh-CN" altLang="en-US" b="1" dirty="0"/>
-              <a:t>创建型模式</a:t>
-            </a:r>
-            <a:endParaRPr lang="zh-CN" altLang="en-US" dirty="0"/>
-          </a:p>
-        </p:txBody>
-      </p:sp>
-    </p:spTree>
-  </p:cSld>
-  <p:clrMapOvr>
-    <a:masterClrMapping/>
-  </p:clrMapOvr>
-</p:sld>
-</file>
-
-<file path=ppt/slides/slide34.xml><?xml version="1.0" encoding="utf-8"?>
-<p:sld xmlns:a="http://schemas.openxmlformats.org/drawingml/2006/main" xmlns:r="http://schemas.openxmlformats.org/officeDocument/2006/relationships" xmlns:p="http://schemas.openxmlformats.org/presentationml/2006/main">
-  <p:cSld>
-    <p:spTree>
-      <p:nvGrpSpPr>
-        <p:cNvPr id="1" name=""/>
-        <p:cNvGrpSpPr/>
-        <p:nvPr/>
-      </p:nvGrpSpPr>
-      <p:grpSpPr>
-        <a:xfrm>
-          <a:off x="0" y="0"/>
-          <a:ext cx="0" cy="0"/>
-          <a:chOff x="0" y="0"/>
-          <a:chExt cx="0" cy="0"/>
-        </a:xfrm>
-      </p:grpSpPr>
-      <p:sp>
-        <p:nvSpPr>
           <p:cNvPr id="8" name="标题 1"/>
           <p:cNvSpPr txBox="1"/>
           <p:nvPr>
             <p:custDataLst>
-              <p:tags r:id="rId2"/>
+              <p:tags r:id="rId1"/>
             </p:custDataLst>
           </p:nvPr>
         </p:nvSpPr>
@@ -15823,10 +16724,21 @@
             </a:lvl1pPr>
           </a:lstStyle>
           <a:p>
-            <a:r>
-              <a:rPr lang="zh-CN" altLang="en-US" dirty="0"/>
-              <a:t>创建型模式</a:t>
-            </a:r>
+            <a:pPr>
+              <a:lnSpc>
+                <a:spcPct val="110000"/>
+              </a:lnSpc>
+              <a:buClr>
+                <a:srgbClr val="0070C0"/>
+              </a:buClr>
+            </a:pPr>
+            <a:r>
+              <a:rPr lang="zh-CN" altLang="en-US" dirty="0">
+                <a:sym typeface="+mn-ea"/>
+              </a:rPr>
+              <a:t>最少知识原则</a:t>
+            </a:r>
+            <a:endParaRPr lang="en-US" altLang="zh-CN" dirty="0"/>
           </a:p>
         </p:txBody>
       </p:sp>
@@ -15838,8 +16750,8 @@
         </p:nvSpPr>
         <p:spPr>
           <a:xfrm>
-            <a:off x="566431" y="2057436"/>
-            <a:ext cx="8334776" cy="3674019"/>
+            <a:off x="571608" y="1828842"/>
+            <a:ext cx="8334776" cy="1605280"/>
           </a:xfrm>
           <a:prstGeom prst="rect">
             <a:avLst/>
@@ -15852,9 +16764,32 @@
           </a:bodyPr>
           <a:lstStyle/>
           <a:p>
-            <a:pPr marL="457200" indent="-457200">
+            <a:pPr>
               <a:lnSpc>
-                <a:spcPct val="200000"/>
+                <a:spcPct val="110000"/>
+              </a:lnSpc>
+              <a:buClr>
+                <a:srgbClr val="0070C0"/>
+              </a:buClr>
+            </a:pPr>
+            <a:r>
+              <a:rPr lang="zh-CN" altLang="en-US" b="1" dirty="0">
+                <a:solidFill>
+                  <a:srgbClr val="0070C0"/>
+                </a:solidFill>
+              </a:rPr>
+              <a:t>最少知识原则的优点</a:t>
+            </a:r>
+            <a:endParaRPr lang="zh-CN" altLang="en-US" b="1" dirty="0">
+              <a:solidFill>
+                <a:srgbClr val="0070C0"/>
+              </a:solidFill>
+            </a:endParaRPr>
+          </a:p>
+          <a:p>
+            <a:pPr marL="457200" indent="-457200" eaLnBrk="1" hangingPunct="1">
+              <a:lnSpc>
+                <a:spcPct val="150000"/>
               </a:lnSpc>
               <a:buClr>
                 <a:srgbClr val="0070C0"/>
@@ -15864,17 +16799,152 @@
             </a:pPr>
             <a:r>
               <a:rPr lang="zh-CN" altLang="en-US" dirty="0"/>
-              <a:t>工厂模式</a:t>
-            </a:r>
-            <a:r>
-              <a:rPr lang="en-US" altLang="zh-CN" dirty="0"/>
-              <a:t>(The Factory Pattern)</a:t>
-            </a:r>
-          </a:p>
-          <a:p>
-            <a:pPr marL="457200" indent="-457200">
+              <a:t>遵守最少知识原则将降低模块间的耦合，提升了软件的可维护性和可重用性。</a:t>
+            </a:r>
+            <a:endParaRPr lang="zh-CN" altLang="en-US" dirty="0"/>
+          </a:p>
+        </p:txBody>
+      </p:sp>
+    </p:spTree>
+    <p:custDataLst>
+      <p:tags r:id="rId2"/>
+    </p:custDataLst>
+  </p:cSld>
+  <p:clrMapOvr>
+    <a:masterClrMapping/>
+  </p:clrMapOvr>
+</p:sld>
+</file>
+
+<file path=ppt/slides/slide34.xml><?xml version="1.0" encoding="utf-8"?>
+<p:sld xmlns:a="http://schemas.openxmlformats.org/drawingml/2006/main" xmlns:r="http://schemas.openxmlformats.org/officeDocument/2006/relationships" xmlns:p="http://schemas.openxmlformats.org/presentationml/2006/main">
+  <p:cSld>
+    <p:spTree>
+      <p:nvGrpSpPr>
+        <p:cNvPr id="1" name=""/>
+        <p:cNvGrpSpPr/>
+        <p:nvPr/>
+      </p:nvGrpSpPr>
+      <p:grpSpPr>
+        <a:xfrm>
+          <a:off x="0" y="0"/>
+          <a:ext cx="0" cy="0"/>
+          <a:chOff x="0" y="0"/>
+          <a:chExt cx="0" cy="0"/>
+        </a:xfrm>
+      </p:grpSpPr>
+      <p:sp>
+        <p:nvSpPr>
+          <p:cNvPr id="8" name="标题 1"/>
+          <p:cNvSpPr txBox="1"/>
+          <p:nvPr>
+            <p:custDataLst>
+              <p:tags r:id="rId1"/>
+            </p:custDataLst>
+          </p:nvPr>
+        </p:nvSpPr>
+        <p:spPr>
+          <a:xfrm>
+            <a:off x="571608" y="661194"/>
+            <a:ext cx="7886700" cy="994172"/>
+          </a:xfrm>
+          <a:prstGeom prst="rect">
+            <a:avLst/>
+          </a:prstGeom>
+        </p:spPr>
+        <p:txBody>
+          <a:bodyPr vert="horz" wrap="square" lIns="68580" tIns="34290" rIns="68580" bIns="34290" rtlCol="0" anchor="ctr">
+            <a:normAutofit/>
+          </a:bodyPr>
+          <a:lstStyle>
+            <a:lvl1pPr defTabSz="914400">
               <a:lnSpc>
-                <a:spcPct val="200000"/>
+                <a:spcPct val="120000"/>
+              </a:lnSpc>
+              <a:spcBef>
+                <a:spcPct val="0"/>
+              </a:spcBef>
+              <a:buNone/>
+              <a:defRPr sz="3600">
+                <a:solidFill>
+                  <a:schemeClr val="tx1">
+                    <a:lumMod val="75000"/>
+                    <a:lumOff val="25000"/>
+                  </a:schemeClr>
+                </a:solidFill>
+                <a:latin typeface="+mj-lt"/>
+                <a:ea typeface="+mj-ea"/>
+                <a:cs typeface="+mj-cs"/>
+              </a:defRPr>
+            </a:lvl1pPr>
+          </a:lstStyle>
+          <a:p>
+            <a:pPr>
+              <a:lnSpc>
+                <a:spcPct val="110000"/>
+              </a:lnSpc>
+              <a:buClr>
+                <a:srgbClr val="0070C0"/>
+              </a:buClr>
+            </a:pPr>
+            <a:r>
+              <a:rPr lang="zh-CN" altLang="en-US" dirty="0">
+                <a:sym typeface="+mn-ea"/>
+              </a:rPr>
+              <a:t>最少知识原则</a:t>
+            </a:r>
+            <a:endParaRPr lang="en-US" altLang="zh-CN" dirty="0"/>
+          </a:p>
+        </p:txBody>
+      </p:sp>
+      <p:sp>
+        <p:nvSpPr>
+          <p:cNvPr id="3" name="文本框 2"/>
+          <p:cNvSpPr txBox="1"/>
+          <p:nvPr/>
+        </p:nvSpPr>
+        <p:spPr>
+          <a:xfrm>
+            <a:off x="571608" y="1828842"/>
+            <a:ext cx="8334776" cy="2159000"/>
+          </a:xfrm>
+          <a:prstGeom prst="rect">
+            <a:avLst/>
+          </a:prstGeom>
+          <a:noFill/>
+        </p:spPr>
+        <p:txBody>
+          <a:bodyPr wrap="square" rtlCol="0">
+            <a:spAutoFit/>
+          </a:bodyPr>
+          <a:lstStyle/>
+          <a:p>
+            <a:pPr>
+              <a:lnSpc>
+                <a:spcPct val="110000"/>
+              </a:lnSpc>
+              <a:buClr>
+                <a:srgbClr val="0070C0"/>
+              </a:buClr>
+            </a:pPr>
+            <a:r>
+              <a:rPr lang="zh-CN" altLang="en-US" b="1" dirty="0">
+                <a:solidFill>
+                  <a:srgbClr val="0070C0"/>
+                </a:solidFill>
+              </a:rPr>
+              <a:t>最少知识原则的缺点</a:t>
+            </a:r>
+            <a:endParaRPr lang="zh-CN" altLang="en-US" b="1" dirty="0">
+              <a:solidFill>
+                <a:srgbClr val="0070C0"/>
+              </a:solidFill>
+            </a:endParaRPr>
+          </a:p>
+          <a:p>
+            <a:pPr marL="457200" indent="-457200" eaLnBrk="1" hangingPunct="1">
+              <a:lnSpc>
+                <a:spcPct val="150000"/>
               </a:lnSpc>
               <a:buClr>
                 <a:srgbClr val="0070C0"/>
@@ -15884,74 +16954,7 @@
             </a:pPr>
             <a:r>
               <a:rPr lang="zh-CN" altLang="en-US" dirty="0"/>
-              <a:t>抽象工厂模式</a:t>
-            </a:r>
-            <a:r>
-              <a:rPr lang="en-US" altLang="zh-CN" dirty="0"/>
-              <a:t>(The Abstract Factory Pattern-)</a:t>
-            </a:r>
-            <a:endParaRPr lang="zh-CN" altLang="en-US" dirty="0"/>
-          </a:p>
-          <a:p>
-            <a:pPr marL="457200" indent="-457200" eaLnBrk="1" hangingPunct="1">
-              <a:lnSpc>
-                <a:spcPct val="200000"/>
-              </a:lnSpc>
-              <a:buClr>
-                <a:srgbClr val="0070C0"/>
-              </a:buClr>
-              <a:buFont typeface="+mj-lt"/>
-              <a:buAutoNum type="arabicPeriod"/>
-            </a:pPr>
-            <a:r>
-              <a:rPr lang="zh-CN" altLang="en-US" dirty="0"/>
-              <a:t>单例模式</a:t>
-            </a:r>
-            <a:r>
-              <a:rPr lang="en-US" altLang="zh-CN" dirty="0"/>
-              <a:t>(The Singleton Pattern)</a:t>
-            </a:r>
-            <a:endParaRPr lang="zh-CN" altLang="en-US" dirty="0"/>
-          </a:p>
-          <a:p>
-            <a:pPr marL="457200" indent="-457200" eaLnBrk="1" hangingPunct="1">
-              <a:lnSpc>
-                <a:spcPct val="200000"/>
-              </a:lnSpc>
-              <a:buClr>
-                <a:srgbClr val="0070C0"/>
-              </a:buClr>
-              <a:buFont typeface="+mj-lt"/>
-              <a:buAutoNum type="arabicPeriod"/>
-            </a:pPr>
-            <a:r>
-              <a:rPr lang="zh-CN" altLang="en-US" dirty="0"/>
-              <a:t>原型模式</a:t>
-            </a:r>
-            <a:r>
-              <a:rPr lang="en-US" altLang="zh-CN" dirty="0"/>
-              <a:t>(The Prototype Pattern)</a:t>
-            </a:r>
-            <a:endParaRPr lang="zh-CN" altLang="en-US" dirty="0"/>
-          </a:p>
-          <a:p>
-            <a:pPr marL="457200" indent="-457200" eaLnBrk="1" hangingPunct="1">
-              <a:lnSpc>
-                <a:spcPct val="200000"/>
-              </a:lnSpc>
-              <a:buClr>
-                <a:srgbClr val="0070C0"/>
-              </a:buClr>
-              <a:buFont typeface="+mj-lt"/>
-              <a:buAutoNum type="arabicPeriod"/>
-            </a:pPr>
-            <a:r>
-              <a:rPr lang="zh-CN" altLang="en-US" dirty="0"/>
-              <a:t>建造者模式</a:t>
-            </a:r>
-            <a:r>
-              <a:rPr lang="en-US" altLang="zh-CN" dirty="0"/>
-              <a:t>(Builder Pattern)</a:t>
+              <a:t>采用这个原则也会导致更多的“包装”类被制造出来，以处理和其他组件的沟通，这可能会导致复杂度和开发时间的增加，并降低运行时的性能。</a:t>
             </a:r>
             <a:endParaRPr lang="zh-CN" altLang="en-US" dirty="0"/>
           </a:p>
@@ -15959,7 +16962,7 @@
       </p:sp>
     </p:spTree>
     <p:custDataLst>
-      <p:tags r:id="rId1"/>
+      <p:tags r:id="rId2"/>
     </p:custDataLst>
   </p:cSld>
   <p:clrMapOvr>
@@ -15991,7 +16994,7 @@
           <p:cNvSpPr txBox="1"/>
           <p:nvPr>
             <p:custDataLst>
-              <p:tags r:id="rId2"/>
+              <p:tags r:id="rId1"/>
             </p:custDataLst>
           </p:nvPr>
         </p:nvSpPr>
@@ -16031,14 +17034,21 @@
             </a:lvl1pPr>
           </a:lstStyle>
           <a:p>
-            <a:r>
-              <a:rPr lang="zh-CN" altLang="en-US" dirty="0"/>
-              <a:t>工厂模式</a:t>
-            </a:r>
-            <a:r>
-              <a:rPr lang="en-US" altLang="zh-CN" dirty="0"/>
-              <a:t>(The Factory Pattern)</a:t>
-            </a:r>
+            <a:pPr>
+              <a:lnSpc>
+                <a:spcPct val="110000"/>
+              </a:lnSpc>
+              <a:buClr>
+                <a:srgbClr val="0070C0"/>
+              </a:buClr>
+            </a:pPr>
+            <a:r>
+              <a:rPr lang="zh-CN" altLang="en-US" dirty="0">
+                <a:sym typeface="+mn-ea"/>
+              </a:rPr>
+              <a:t>最少知识原则</a:t>
+            </a:r>
+            <a:endParaRPr lang="en-US" altLang="zh-CN" dirty="0"/>
           </a:p>
         </p:txBody>
       </p:sp>
@@ -16050,8 +17060,8 @@
         </p:nvSpPr>
         <p:spPr>
           <a:xfrm>
-            <a:off x="566431" y="2057436"/>
-            <a:ext cx="8334776" cy="2796856"/>
+            <a:off x="571608" y="1828842"/>
+            <a:ext cx="8334776" cy="4150360"/>
           </a:xfrm>
           <a:prstGeom prst="rect">
             <a:avLst/>
@@ -16064,58 +17074,165 @@
           </a:bodyPr>
           <a:lstStyle/>
           <a:p>
-            <a:pPr indent="628650" eaLnBrk="1" hangingPunct="1">
+            <a:pPr>
               <a:lnSpc>
-                <a:spcPct val="150000"/>
+                <a:spcPct val="110000"/>
               </a:lnSpc>
-              <a:buFont typeface="Wingdings" panose="05000000000000000000" pitchFamily="2" charset="2"/>
+              <a:buClr>
+                <a:srgbClr val="0070C0"/>
+              </a:buClr>
+            </a:pPr>
+            <a:r>
+              <a:rPr lang="zh-CN" altLang="en-US" b="1" dirty="0">
+                <a:solidFill>
+                  <a:srgbClr val="0070C0"/>
+                </a:solidFill>
+              </a:rPr>
+              <a:t>注意点</a:t>
+            </a:r>
+            <a:endParaRPr lang="en-US" altLang="zh-CN" b="1" dirty="0">
+              <a:solidFill>
+                <a:srgbClr val="0070C0"/>
+              </a:solidFill>
+            </a:endParaRPr>
+          </a:p>
+          <a:p>
+            <a:pPr marL="0" indent="0">
+              <a:lnSpc>
+                <a:spcPct val="110000"/>
+              </a:lnSpc>
+              <a:buClr>
+                <a:srgbClr val="0070C0"/>
+              </a:buClr>
+              <a:buFont typeface="+mj-lt"/>
               <a:buNone/>
             </a:pPr>
             <a:r>
               <a:rPr lang="zh-CN" altLang="en-US" dirty="0"/>
-              <a:t>工厂模式是最常见的设计模式之一，可帮助我们组织创建对象的代码，通常用于以下两种情况：</a:t>
-            </a:r>
-          </a:p>
-          <a:p>
-            <a:pPr lvl="1" indent="-457200" eaLnBrk="1" hangingPunct="1">
+              <a:t>就任何对象而言，在该对象的方法内，我们只应该调用属于以下范围的方法：</a:t>
+            </a:r>
+            <a:endParaRPr lang="zh-CN" altLang="en-US" dirty="0"/>
+          </a:p>
+          <a:p>
+            <a:pPr marL="457200" indent="-457200">
               <a:lnSpc>
-                <a:spcPct val="150000"/>
+                <a:spcPct val="110000"/>
               </a:lnSpc>
               <a:buClr>
                 <a:srgbClr val="0070C0"/>
               </a:buClr>
-              <a:buSzPct val="80000"/>
               <a:buFont typeface="+mj-lt"/>
               <a:buAutoNum type="arabicPeriod"/>
             </a:pPr>
             <a:r>
               <a:rPr lang="zh-CN" altLang="en-US" dirty="0"/>
-              <a:t>创建复杂的对象，并进行初始化。</a:t>
-            </a:r>
-            <a:endParaRPr lang="en-US" altLang="zh-CN" dirty="0"/>
-          </a:p>
-          <a:p>
-            <a:pPr lvl="1" indent="-457200" eaLnBrk="1" hangingPunct="1">
+              <a:t>该对象本身；</a:t>
+            </a:r>
+            <a:endParaRPr lang="zh-CN" altLang="en-US" dirty="0"/>
+          </a:p>
+          <a:p>
+            <a:pPr marL="457200" indent="-457200">
               <a:lnSpc>
-                <a:spcPct val="150000"/>
+                <a:spcPct val="110000"/>
               </a:lnSpc>
               <a:buClr>
                 <a:srgbClr val="0070C0"/>
               </a:buClr>
-              <a:buSzPct val="80000"/>
               <a:buFont typeface="+mj-lt"/>
               <a:buAutoNum type="arabicPeriod"/>
             </a:pPr>
             <a:r>
               <a:rPr lang="zh-CN" altLang="en-US" dirty="0"/>
-              <a:t>根据不同的环境（输入参数），创建不同用途的对象。一般这些对象都是实现了相同的接口或继承于同一基类。</a:t>
-            </a:r>
+              <a:t>被当做方法的参数而传递进来的对象；</a:t>
+            </a:r>
+            <a:endParaRPr lang="zh-CN" altLang="en-US" dirty="0"/>
+          </a:p>
+          <a:p>
+            <a:pPr marL="457200" indent="-457200">
+              <a:lnSpc>
+                <a:spcPct val="110000"/>
+              </a:lnSpc>
+              <a:buClr>
+                <a:srgbClr val="0070C0"/>
+              </a:buClr>
+              <a:buFont typeface="+mj-lt"/>
+              <a:buAutoNum type="arabicPeriod"/>
+            </a:pPr>
+            <a:r>
+              <a:rPr lang="zh-CN" altLang="en-US" dirty="0"/>
+              <a:t>此方法所创建或实例化的任何对象；</a:t>
+            </a:r>
+            <a:endParaRPr lang="zh-CN" altLang="en-US" dirty="0"/>
+          </a:p>
+          <a:p>
+            <a:pPr marL="457200" indent="-457200">
+              <a:lnSpc>
+                <a:spcPct val="110000"/>
+              </a:lnSpc>
+              <a:buClr>
+                <a:srgbClr val="0070C0"/>
+              </a:buClr>
+              <a:buFont typeface="+mj-lt"/>
+              <a:buAutoNum type="arabicPeriod"/>
+            </a:pPr>
+            <a:r>
+              <a:rPr lang="zh-CN" altLang="en-US" dirty="0"/>
+              <a:t>对象的任何组件。</a:t>
+            </a:r>
+            <a:endParaRPr lang="zh-CN" altLang="en-US" dirty="0"/>
+          </a:p>
+          <a:p>
+            <a:pPr marL="457200" indent="-457200">
+              <a:lnSpc>
+                <a:spcPct val="110000"/>
+              </a:lnSpc>
+              <a:buClr>
+                <a:srgbClr val="0070C0"/>
+              </a:buClr>
+              <a:buFont typeface="+mj-lt"/>
+              <a:buAutoNum type="arabicPeriod"/>
+            </a:pPr>
+            <a:endParaRPr lang="zh-CN" altLang="en-US" dirty="0"/>
+          </a:p>
+          <a:p>
+            <a:pPr marL="0" indent="0">
+              <a:lnSpc>
+                <a:spcPct val="110000"/>
+              </a:lnSpc>
+              <a:buClr>
+                <a:srgbClr val="0070C0"/>
+              </a:buClr>
+              <a:buFont typeface="+mj-lt"/>
+              <a:buNone/>
+            </a:pPr>
+            <a:r>
+              <a:rPr lang="zh-CN" altLang="en-US" dirty="0"/>
+              <a:t>既可以放在这个类里又可以不放在这个类里的处理原则：</a:t>
+            </a:r>
+            <a:endParaRPr lang="zh-CN" altLang="en-US" dirty="0"/>
+          </a:p>
+          <a:p>
+            <a:pPr marL="457200" indent="-457200">
+              <a:lnSpc>
+                <a:spcPct val="110000"/>
+              </a:lnSpc>
+              <a:buClr>
+                <a:srgbClr val="0070C0"/>
+              </a:buClr>
+              <a:buFont typeface="+mj-lt"/>
+              <a:buAutoNum type="arabicPeriod"/>
+            </a:pPr>
+            <a:r>
+              <a:rPr lang="zh-CN" altLang="en-US" dirty="0"/>
+              <a:t>放在这个类里对这个类没有任何负面影响。</a:t>
+            </a:r>
+            <a:endParaRPr lang="zh-CN" altLang="en-US" dirty="0"/>
           </a:p>
         </p:txBody>
       </p:sp>
     </p:spTree>
     <p:custDataLst>
-      <p:tags r:id="rId1"/>
+      <p:tags r:id="rId2"/>
     </p:custDataLst>
   </p:cSld>
   <p:clrMapOvr>
@@ -16143,11 +17260,951 @@
       </p:grpSpPr>
       <p:sp>
         <p:nvSpPr>
+          <p:cNvPr id="2" name="标题 1"/>
+          <p:cNvSpPr>
+            <a:spLocks noGrp="1"/>
+          </p:cNvSpPr>
+          <p:nvPr>
+            <p:ph type="title"/>
+          </p:nvPr>
+        </p:nvSpPr>
+        <p:spPr>
+          <a:xfrm>
+            <a:off x="1138792" y="3078833"/>
+            <a:ext cx="6856892" cy="830998"/>
+          </a:xfrm>
+        </p:spPr>
+        <p:txBody>
+          <a:bodyPr>
+            <a:noAutofit/>
+          </a:bodyPr>
+          <a:lstStyle/>
+          <a:p>
+            <a:r>
+              <a:rPr lang="en-US" altLang="zh-CN" sz="3600" dirty="0"/>
+              <a:t>Open Closed Principle</a:t>
+            </a:r>
+            <a:br>
+              <a:rPr lang="en-US" altLang="zh-CN" sz="3600" dirty="0"/>
+            </a:br>
+            <a:r>
+              <a:rPr lang="zh-CN" altLang="en-US" sz="3600" dirty="0"/>
+              <a:t>（</a:t>
+            </a:r>
+            <a:r>
+              <a:rPr lang="en-US" altLang="zh-CN" sz="3600" dirty="0"/>
+              <a:t>OCP</a:t>
+            </a:r>
+            <a:r>
+              <a:rPr lang="zh-CN" altLang="en-US" sz="3600" dirty="0"/>
+              <a:t>）</a:t>
+            </a:r>
+            <a:endParaRPr lang="zh-CN" altLang="en-US" sz="3600" dirty="0"/>
+          </a:p>
+        </p:txBody>
+      </p:sp>
+      <p:sp>
+        <p:nvSpPr>
+          <p:cNvPr id="3" name="内容占位符 2"/>
+          <p:cNvSpPr>
+            <a:spLocks noGrp="1"/>
+          </p:cNvSpPr>
+          <p:nvPr>
+            <p:ph sz="quarter" idx="13"/>
+          </p:nvPr>
+        </p:nvSpPr>
+        <p:spPr/>
+        <p:txBody>
+          <a:bodyPr/>
+          <a:lstStyle/>
+          <a:p>
+            <a:pPr>
+              <a:lnSpc>
+                <a:spcPct val="110000"/>
+              </a:lnSpc>
+              <a:buClr>
+                <a:srgbClr val="0070C0"/>
+              </a:buClr>
+            </a:pPr>
+            <a:r>
+              <a:rPr lang="zh-CN" altLang="en-US" dirty="0"/>
+              <a:t>开闭原则</a:t>
+            </a:r>
+            <a:endParaRPr lang="en-US" altLang="zh-CN" dirty="0"/>
+          </a:p>
+        </p:txBody>
+      </p:sp>
+    </p:spTree>
+  </p:cSld>
+  <p:clrMapOvr>
+    <a:masterClrMapping/>
+  </p:clrMapOvr>
+</p:sld>
+</file>
+
+<file path=ppt/slides/slide37.xml><?xml version="1.0" encoding="utf-8"?>
+<p:sld xmlns:a="http://schemas.openxmlformats.org/drawingml/2006/main" xmlns:r="http://schemas.openxmlformats.org/officeDocument/2006/relationships" xmlns:p="http://schemas.openxmlformats.org/presentationml/2006/main">
+  <p:cSld>
+    <p:spTree>
+      <p:nvGrpSpPr>
+        <p:cNvPr id="1" name=""/>
+        <p:cNvGrpSpPr/>
+        <p:nvPr/>
+      </p:nvGrpSpPr>
+      <p:grpSpPr>
+        <a:xfrm>
+          <a:off x="0" y="0"/>
+          <a:ext cx="0" cy="0"/>
+          <a:chOff x="0" y="0"/>
+          <a:chExt cx="0" cy="0"/>
+        </a:xfrm>
+      </p:grpSpPr>
+      <p:sp>
+        <p:nvSpPr>
           <p:cNvPr id="8" name="标题 1"/>
           <p:cNvSpPr txBox="1"/>
           <p:nvPr>
             <p:custDataLst>
-              <p:tags r:id="rId2"/>
+              <p:tags r:id="rId1"/>
+            </p:custDataLst>
+          </p:nvPr>
+        </p:nvSpPr>
+        <p:spPr>
+          <a:xfrm>
+            <a:off x="571608" y="661194"/>
+            <a:ext cx="7886700" cy="994172"/>
+          </a:xfrm>
+          <a:prstGeom prst="rect">
+            <a:avLst/>
+          </a:prstGeom>
+        </p:spPr>
+        <p:txBody>
+          <a:bodyPr vert="horz" wrap="square" lIns="68580" tIns="34290" rIns="68580" bIns="34290" rtlCol="0" anchor="ctr">
+            <a:normAutofit/>
+          </a:bodyPr>
+          <a:lstStyle>
+            <a:lvl1pPr defTabSz="914400">
+              <a:lnSpc>
+                <a:spcPct val="120000"/>
+              </a:lnSpc>
+              <a:spcBef>
+                <a:spcPct val="0"/>
+              </a:spcBef>
+              <a:buNone/>
+              <a:defRPr sz="3600">
+                <a:solidFill>
+                  <a:schemeClr val="tx1">
+                    <a:lumMod val="75000"/>
+                    <a:lumOff val="25000"/>
+                  </a:schemeClr>
+                </a:solidFill>
+                <a:latin typeface="+mj-lt"/>
+                <a:ea typeface="+mj-ea"/>
+                <a:cs typeface="+mj-cs"/>
+              </a:defRPr>
+            </a:lvl1pPr>
+          </a:lstStyle>
+          <a:p>
+            <a:r>
+              <a:rPr lang="zh-CN" altLang="en-US" dirty="0"/>
+              <a:t>设计模式</a:t>
+            </a:r>
+            <a:endParaRPr lang="zh-CN" altLang="en-US" dirty="0"/>
+          </a:p>
+        </p:txBody>
+      </p:sp>
+      <p:sp>
+        <p:nvSpPr>
+          <p:cNvPr id="3" name="文本框 2"/>
+          <p:cNvSpPr txBox="1"/>
+          <p:nvPr/>
+        </p:nvSpPr>
+        <p:spPr>
+          <a:xfrm>
+            <a:off x="566431" y="2057436"/>
+            <a:ext cx="8334776" cy="3674019"/>
+          </a:xfrm>
+          <a:prstGeom prst="rect">
+            <a:avLst/>
+          </a:prstGeom>
+          <a:noFill/>
+        </p:spPr>
+        <p:txBody>
+          <a:bodyPr wrap="square" rtlCol="0">
+            <a:spAutoFit/>
+          </a:bodyPr>
+          <a:lstStyle/>
+          <a:p>
+            <a:pPr marL="457200" indent="-457200">
+              <a:lnSpc>
+                <a:spcPct val="200000"/>
+              </a:lnSpc>
+              <a:buClr>
+                <a:srgbClr val="0070C0"/>
+              </a:buClr>
+              <a:buFont typeface="+mj-lt"/>
+              <a:buAutoNum type="arabicPeriod"/>
+            </a:pPr>
+            <a:r>
+              <a:rPr lang="zh-CN" altLang="en-US" dirty="0"/>
+              <a:t>创建型模式（</a:t>
+            </a:r>
+            <a:r>
+              <a:rPr lang="en-US" altLang="zh-CN" dirty="0"/>
+              <a:t> Creational Patterns </a:t>
+            </a:r>
+            <a:r>
+              <a:rPr lang="zh-CN" altLang="en-US" dirty="0"/>
+              <a:t>）</a:t>
+            </a:r>
+            <a:endParaRPr lang="en-US" altLang="zh-CN" dirty="0"/>
+          </a:p>
+          <a:p>
+            <a:pPr marL="457200" indent="-457200">
+              <a:lnSpc>
+                <a:spcPct val="200000"/>
+              </a:lnSpc>
+              <a:buClr>
+                <a:srgbClr val="0070C0"/>
+              </a:buClr>
+              <a:buFont typeface="+mj-lt"/>
+              <a:buAutoNum type="arabicPeriod"/>
+            </a:pPr>
+            <a:endParaRPr lang="en-US" altLang="zh-CN" dirty="0"/>
+          </a:p>
+          <a:p>
+            <a:pPr marL="457200" indent="-457200">
+              <a:lnSpc>
+                <a:spcPct val="200000"/>
+              </a:lnSpc>
+              <a:buClr>
+                <a:srgbClr val="0070C0"/>
+              </a:buClr>
+              <a:buFont typeface="+mj-lt"/>
+              <a:buAutoNum type="arabicPeriod"/>
+            </a:pPr>
+            <a:r>
+              <a:rPr lang="zh-CN" altLang="en-US" dirty="0"/>
+              <a:t>结构型模式（</a:t>
+            </a:r>
+            <a:r>
+              <a:rPr lang="en-US" altLang="zh-CN" dirty="0"/>
+              <a:t> Structural Patterns</a:t>
+            </a:r>
+            <a:r>
+              <a:rPr lang="zh-CN" altLang="en-US" dirty="0"/>
+              <a:t>）</a:t>
+            </a:r>
+            <a:endParaRPr lang="en-US" altLang="zh-CN" dirty="0"/>
+          </a:p>
+          <a:p>
+            <a:pPr marL="457200" indent="-457200">
+              <a:lnSpc>
+                <a:spcPct val="200000"/>
+              </a:lnSpc>
+              <a:buClr>
+                <a:srgbClr val="0070C0"/>
+              </a:buClr>
+              <a:buFont typeface="+mj-lt"/>
+              <a:buAutoNum type="arabicPeriod"/>
+            </a:pPr>
+            <a:endParaRPr lang="en-US" altLang="zh-CN" dirty="0"/>
+          </a:p>
+          <a:p>
+            <a:pPr marL="457200" indent="-457200">
+              <a:lnSpc>
+                <a:spcPct val="200000"/>
+              </a:lnSpc>
+              <a:buClr>
+                <a:srgbClr val="0070C0"/>
+              </a:buClr>
+              <a:buFont typeface="+mj-lt"/>
+              <a:buAutoNum type="arabicPeriod"/>
+            </a:pPr>
+            <a:r>
+              <a:rPr lang="zh-CN" altLang="en-US" dirty="0"/>
+              <a:t>行为型模式（</a:t>
+            </a:r>
+            <a:r>
+              <a:rPr lang="en-US" altLang="zh-CN" dirty="0"/>
+              <a:t>Behavioral Patterns</a:t>
+            </a:r>
+            <a:r>
+              <a:rPr lang="zh-CN" altLang="en-US" dirty="0"/>
+              <a:t>）</a:t>
+            </a:r>
+            <a:endParaRPr lang="en-US" altLang="zh-CN" dirty="0"/>
+          </a:p>
+        </p:txBody>
+      </p:sp>
+    </p:spTree>
+    <p:custDataLst>
+      <p:tags r:id="rId2"/>
+    </p:custDataLst>
+  </p:cSld>
+  <p:clrMapOvr>
+    <a:masterClrMapping/>
+  </p:clrMapOvr>
+</p:sld>
+</file>
+
+<file path=ppt/slides/slide38.xml><?xml version="1.0" encoding="utf-8"?>
+<p:sld xmlns:a="http://schemas.openxmlformats.org/drawingml/2006/main" xmlns:r="http://schemas.openxmlformats.org/officeDocument/2006/relationships" xmlns:p="http://schemas.openxmlformats.org/presentationml/2006/main">
+  <p:cSld>
+    <p:spTree>
+      <p:nvGrpSpPr>
+        <p:cNvPr id="1" name=""/>
+        <p:cNvGrpSpPr/>
+        <p:nvPr/>
+      </p:nvGrpSpPr>
+      <p:grpSpPr>
+        <a:xfrm>
+          <a:off x="0" y="0"/>
+          <a:ext cx="0" cy="0"/>
+          <a:chOff x="0" y="0"/>
+          <a:chExt cx="0" cy="0"/>
+        </a:xfrm>
+      </p:grpSpPr>
+      <p:sp>
+        <p:nvSpPr>
+          <p:cNvPr id="2" name="标题 1"/>
+          <p:cNvSpPr>
+            <a:spLocks noGrp="1"/>
+          </p:cNvSpPr>
+          <p:nvPr>
+            <p:ph type="title"/>
+          </p:nvPr>
+        </p:nvSpPr>
+        <p:spPr/>
+        <p:txBody>
+          <a:bodyPr>
+            <a:normAutofit fontScale="90000"/>
+          </a:bodyPr>
+          <a:lstStyle/>
+          <a:p>
+            <a:r>
+              <a:rPr lang="en-US" altLang="zh-CN" sz="3900" dirty="0"/>
+              <a:t>Creational Patterns</a:t>
+            </a:r>
+            <a:br>
+              <a:rPr lang="zh-CN" altLang="en-US" dirty="0"/>
+            </a:br>
+            <a:endParaRPr lang="zh-CN" altLang="en-US" dirty="0"/>
+          </a:p>
+        </p:txBody>
+      </p:sp>
+      <p:sp>
+        <p:nvSpPr>
+          <p:cNvPr id="3" name="内容占位符 2"/>
+          <p:cNvSpPr>
+            <a:spLocks noGrp="1"/>
+          </p:cNvSpPr>
+          <p:nvPr>
+            <p:ph sz="quarter" idx="13"/>
+          </p:nvPr>
+        </p:nvSpPr>
+        <p:spPr/>
+        <p:txBody>
+          <a:bodyPr/>
+          <a:lstStyle/>
+          <a:p>
+            <a:r>
+              <a:rPr lang="zh-CN" altLang="en-US" b="1" dirty="0"/>
+              <a:t>创建型模式</a:t>
+            </a:r>
+            <a:endParaRPr lang="zh-CN" altLang="en-US" dirty="0"/>
+          </a:p>
+        </p:txBody>
+      </p:sp>
+    </p:spTree>
+  </p:cSld>
+  <p:clrMapOvr>
+    <a:masterClrMapping/>
+  </p:clrMapOvr>
+</p:sld>
+</file>
+
+<file path=ppt/slides/slide39.xml><?xml version="1.0" encoding="utf-8"?>
+<p:sld xmlns:a="http://schemas.openxmlformats.org/drawingml/2006/main" xmlns:r="http://schemas.openxmlformats.org/officeDocument/2006/relationships" xmlns:p="http://schemas.openxmlformats.org/presentationml/2006/main">
+  <p:cSld>
+    <p:spTree>
+      <p:nvGrpSpPr>
+        <p:cNvPr id="1" name=""/>
+        <p:cNvGrpSpPr/>
+        <p:nvPr/>
+      </p:nvGrpSpPr>
+      <p:grpSpPr>
+        <a:xfrm>
+          <a:off x="0" y="0"/>
+          <a:ext cx="0" cy="0"/>
+          <a:chOff x="0" y="0"/>
+          <a:chExt cx="0" cy="0"/>
+        </a:xfrm>
+      </p:grpSpPr>
+      <p:sp>
+        <p:nvSpPr>
+          <p:cNvPr id="8" name="标题 1"/>
+          <p:cNvSpPr txBox="1"/>
+          <p:nvPr>
+            <p:custDataLst>
+              <p:tags r:id="rId1"/>
+            </p:custDataLst>
+          </p:nvPr>
+        </p:nvSpPr>
+        <p:spPr>
+          <a:xfrm>
+            <a:off x="571608" y="661194"/>
+            <a:ext cx="7886700" cy="994172"/>
+          </a:xfrm>
+          <a:prstGeom prst="rect">
+            <a:avLst/>
+          </a:prstGeom>
+        </p:spPr>
+        <p:txBody>
+          <a:bodyPr vert="horz" wrap="square" lIns="68580" tIns="34290" rIns="68580" bIns="34290" rtlCol="0" anchor="ctr">
+            <a:normAutofit/>
+          </a:bodyPr>
+          <a:lstStyle>
+            <a:lvl1pPr defTabSz="914400">
+              <a:lnSpc>
+                <a:spcPct val="120000"/>
+              </a:lnSpc>
+              <a:spcBef>
+                <a:spcPct val="0"/>
+              </a:spcBef>
+              <a:buNone/>
+              <a:defRPr sz="3600">
+                <a:solidFill>
+                  <a:schemeClr val="tx1">
+                    <a:lumMod val="75000"/>
+                    <a:lumOff val="25000"/>
+                  </a:schemeClr>
+                </a:solidFill>
+                <a:latin typeface="+mj-lt"/>
+                <a:ea typeface="+mj-ea"/>
+                <a:cs typeface="+mj-cs"/>
+              </a:defRPr>
+            </a:lvl1pPr>
+          </a:lstStyle>
+          <a:p>
+            <a:r>
+              <a:rPr lang="zh-CN" altLang="en-US" dirty="0"/>
+              <a:t>创建型模式</a:t>
+            </a:r>
+            <a:endParaRPr lang="zh-CN" altLang="en-US" dirty="0"/>
+          </a:p>
+        </p:txBody>
+      </p:sp>
+      <p:sp>
+        <p:nvSpPr>
+          <p:cNvPr id="3" name="文本框 2"/>
+          <p:cNvSpPr txBox="1"/>
+          <p:nvPr/>
+        </p:nvSpPr>
+        <p:spPr>
+          <a:xfrm>
+            <a:off x="566431" y="2057436"/>
+            <a:ext cx="8334776" cy="3674019"/>
+          </a:xfrm>
+          <a:prstGeom prst="rect">
+            <a:avLst/>
+          </a:prstGeom>
+          <a:noFill/>
+        </p:spPr>
+        <p:txBody>
+          <a:bodyPr wrap="square" rtlCol="0">
+            <a:spAutoFit/>
+          </a:bodyPr>
+          <a:lstStyle/>
+          <a:p>
+            <a:pPr marL="457200" indent="-457200">
+              <a:lnSpc>
+                <a:spcPct val="200000"/>
+              </a:lnSpc>
+              <a:buClr>
+                <a:srgbClr val="0070C0"/>
+              </a:buClr>
+              <a:buFont typeface="+mj-lt"/>
+              <a:buAutoNum type="arabicPeriod"/>
+            </a:pPr>
+            <a:r>
+              <a:rPr lang="zh-CN" altLang="en-US" dirty="0"/>
+              <a:t>工厂模式</a:t>
+            </a:r>
+            <a:r>
+              <a:rPr lang="en-US" altLang="zh-CN" dirty="0"/>
+              <a:t>(The Factory Pattern)</a:t>
+            </a:r>
+            <a:endParaRPr lang="en-US" altLang="zh-CN" dirty="0"/>
+          </a:p>
+          <a:p>
+            <a:pPr marL="457200" indent="-457200">
+              <a:lnSpc>
+                <a:spcPct val="200000"/>
+              </a:lnSpc>
+              <a:buClr>
+                <a:srgbClr val="0070C0"/>
+              </a:buClr>
+              <a:buFont typeface="+mj-lt"/>
+              <a:buAutoNum type="arabicPeriod"/>
+            </a:pPr>
+            <a:r>
+              <a:rPr lang="zh-CN" altLang="en-US" dirty="0"/>
+              <a:t>抽象工厂模式</a:t>
+            </a:r>
+            <a:r>
+              <a:rPr lang="en-US" altLang="zh-CN" dirty="0"/>
+              <a:t>(The Abstract Factory Pattern-)</a:t>
+            </a:r>
+            <a:endParaRPr lang="zh-CN" altLang="en-US" dirty="0"/>
+          </a:p>
+          <a:p>
+            <a:pPr marL="457200" indent="-457200" eaLnBrk="1" hangingPunct="1">
+              <a:lnSpc>
+                <a:spcPct val="200000"/>
+              </a:lnSpc>
+              <a:buClr>
+                <a:srgbClr val="0070C0"/>
+              </a:buClr>
+              <a:buFont typeface="+mj-lt"/>
+              <a:buAutoNum type="arabicPeriod"/>
+            </a:pPr>
+            <a:r>
+              <a:rPr lang="zh-CN" altLang="en-US" dirty="0"/>
+              <a:t>单例模式</a:t>
+            </a:r>
+            <a:r>
+              <a:rPr lang="en-US" altLang="zh-CN" dirty="0"/>
+              <a:t>(The Singleton Pattern)</a:t>
+            </a:r>
+            <a:endParaRPr lang="zh-CN" altLang="en-US" dirty="0"/>
+          </a:p>
+          <a:p>
+            <a:pPr marL="457200" indent="-457200" eaLnBrk="1" hangingPunct="1">
+              <a:lnSpc>
+                <a:spcPct val="200000"/>
+              </a:lnSpc>
+              <a:buClr>
+                <a:srgbClr val="0070C0"/>
+              </a:buClr>
+              <a:buFont typeface="+mj-lt"/>
+              <a:buAutoNum type="arabicPeriod"/>
+            </a:pPr>
+            <a:r>
+              <a:rPr lang="zh-CN" altLang="en-US" dirty="0"/>
+              <a:t>原型模式</a:t>
+            </a:r>
+            <a:r>
+              <a:rPr lang="en-US" altLang="zh-CN" dirty="0"/>
+              <a:t>(The Prototype Pattern)</a:t>
+            </a:r>
+            <a:endParaRPr lang="zh-CN" altLang="en-US" dirty="0"/>
+          </a:p>
+          <a:p>
+            <a:pPr marL="457200" indent="-457200" eaLnBrk="1" hangingPunct="1">
+              <a:lnSpc>
+                <a:spcPct val="200000"/>
+              </a:lnSpc>
+              <a:buClr>
+                <a:srgbClr val="0070C0"/>
+              </a:buClr>
+              <a:buFont typeface="+mj-lt"/>
+              <a:buAutoNum type="arabicPeriod"/>
+            </a:pPr>
+            <a:r>
+              <a:rPr lang="zh-CN" altLang="en-US" dirty="0"/>
+              <a:t>建造者模式</a:t>
+            </a:r>
+            <a:r>
+              <a:rPr lang="en-US" altLang="zh-CN" dirty="0"/>
+              <a:t>(Builder Pattern)</a:t>
+            </a:r>
+            <a:endParaRPr lang="zh-CN" altLang="en-US" dirty="0"/>
+          </a:p>
+        </p:txBody>
+      </p:sp>
+    </p:spTree>
+    <p:custDataLst>
+      <p:tags r:id="rId2"/>
+    </p:custDataLst>
+  </p:cSld>
+  <p:clrMapOvr>
+    <a:masterClrMapping/>
+  </p:clrMapOvr>
+</p:sld>
+</file>
+
+<file path=ppt/slides/slide4.xml><?xml version="1.0" encoding="utf-8"?>
+<p:sld xmlns:a="http://schemas.openxmlformats.org/drawingml/2006/main" xmlns:r="http://schemas.openxmlformats.org/officeDocument/2006/relationships" xmlns:p="http://schemas.openxmlformats.org/presentationml/2006/main">
+  <p:cSld>
+    <p:spTree>
+      <p:nvGrpSpPr>
+        <p:cNvPr id="1" name=""/>
+        <p:cNvGrpSpPr/>
+        <p:nvPr/>
+      </p:nvGrpSpPr>
+      <p:grpSpPr>
+        <a:xfrm>
+          <a:off x="0" y="0"/>
+          <a:ext cx="0" cy="0"/>
+          <a:chOff x="0" y="0"/>
+          <a:chExt cx="0" cy="0"/>
+        </a:xfrm>
+      </p:grpSpPr>
+      <p:sp>
+        <p:nvSpPr>
+          <p:cNvPr id="8" name="标题 1"/>
+          <p:cNvSpPr txBox="1"/>
+          <p:nvPr>
+            <p:custDataLst>
+              <p:tags r:id="rId1"/>
+            </p:custDataLst>
+          </p:nvPr>
+        </p:nvSpPr>
+        <p:spPr>
+          <a:xfrm>
+            <a:off x="571608" y="661194"/>
+            <a:ext cx="7886700" cy="994172"/>
+          </a:xfrm>
+          <a:prstGeom prst="rect">
+            <a:avLst/>
+          </a:prstGeom>
+        </p:spPr>
+        <p:txBody>
+          <a:bodyPr vert="horz" wrap="square" lIns="68580" tIns="34290" rIns="68580" bIns="34290" rtlCol="0" anchor="ctr">
+            <a:normAutofit/>
+          </a:bodyPr>
+          <a:lstStyle>
+            <a:lvl1pPr defTabSz="914400">
+              <a:lnSpc>
+                <a:spcPct val="120000"/>
+              </a:lnSpc>
+              <a:spcBef>
+                <a:spcPct val="0"/>
+              </a:spcBef>
+              <a:buNone/>
+              <a:defRPr sz="3600">
+                <a:solidFill>
+                  <a:schemeClr val="tx1">
+                    <a:lumMod val="75000"/>
+                    <a:lumOff val="25000"/>
+                  </a:schemeClr>
+                </a:solidFill>
+                <a:latin typeface="+mj-lt"/>
+                <a:ea typeface="+mj-ea"/>
+                <a:cs typeface="+mj-cs"/>
+              </a:defRPr>
+            </a:lvl1pPr>
+          </a:lstStyle>
+          <a:p>
+            <a:r>
+              <a:rPr lang="zh-CN" altLang="en-US" dirty="0"/>
+              <a:t>设计模式、重构和反设计模式</a:t>
+            </a:r>
+            <a:endParaRPr lang="zh-CN" altLang="en-US" dirty="0"/>
+          </a:p>
+        </p:txBody>
+      </p:sp>
+      <p:sp>
+        <p:nvSpPr>
+          <p:cNvPr id="3" name="文本框 2"/>
+          <p:cNvSpPr txBox="1"/>
+          <p:nvPr/>
+        </p:nvSpPr>
+        <p:spPr>
+          <a:xfrm>
+            <a:off x="566431" y="2057436"/>
+            <a:ext cx="8334776" cy="3170804"/>
+          </a:xfrm>
+          <a:prstGeom prst="rect">
+            <a:avLst/>
+          </a:prstGeom>
+          <a:noFill/>
+        </p:spPr>
+        <p:txBody>
+          <a:bodyPr wrap="square" rtlCol="0">
+            <a:spAutoFit/>
+          </a:bodyPr>
+          <a:lstStyle/>
+          <a:p>
+            <a:pPr marL="342900" indent="-342900" eaLnBrk="1" hangingPunct="1">
+              <a:lnSpc>
+                <a:spcPct val="105000"/>
+              </a:lnSpc>
+              <a:buClr>
+                <a:srgbClr val="0070C0"/>
+              </a:buClr>
+              <a:buFont typeface="Wingdings" panose="05000000000000000000" pitchFamily="2" charset="2"/>
+              <a:buChar char="Ø"/>
+            </a:pPr>
+            <a:r>
+              <a:rPr lang="zh-CN" altLang="en-US" dirty="0">
+                <a:solidFill>
+                  <a:srgbClr val="0070C0"/>
+                </a:solidFill>
+              </a:rPr>
+              <a:t>设计模式</a:t>
+            </a:r>
+            <a:r>
+              <a:rPr lang="zh-CN" altLang="en-US" dirty="0"/>
+              <a:t>是成功经验和最佳实践的总结，指导设计人员采用正确精良的设计。</a:t>
+            </a:r>
+            <a:endParaRPr lang="zh-CN" altLang="en-US" dirty="0"/>
+          </a:p>
+          <a:p>
+            <a:pPr marL="342900" indent="-342900" eaLnBrk="1" hangingPunct="1">
+              <a:lnSpc>
+                <a:spcPct val="105000"/>
+              </a:lnSpc>
+              <a:buClr>
+                <a:srgbClr val="0070C0"/>
+              </a:buClr>
+              <a:buFont typeface="Wingdings" panose="05000000000000000000" pitchFamily="2" charset="2"/>
+              <a:buChar char="Ø"/>
+            </a:pPr>
+            <a:r>
+              <a:rPr lang="zh-CN" altLang="en-US" dirty="0">
+                <a:solidFill>
+                  <a:srgbClr val="0070C0"/>
+                </a:solidFill>
+              </a:rPr>
+              <a:t>重构（</a:t>
+            </a:r>
+            <a:r>
+              <a:rPr lang="en-US" altLang="zh-CN" dirty="0">
+                <a:solidFill>
+                  <a:srgbClr val="0070C0"/>
+                </a:solidFill>
+              </a:rPr>
+              <a:t>Refactor）</a:t>
+            </a:r>
+            <a:r>
+              <a:rPr lang="zh-CN" altLang="en-US" dirty="0"/>
+              <a:t>专注于软件的渐进完善。通过消除重复冗余代码，并将存在体系结构缺陷的代码重新构建成符合设计模式的代码来达到设计精良软件的目的。</a:t>
+            </a:r>
+            <a:endParaRPr lang="zh-CN" altLang="en-US" dirty="0"/>
+          </a:p>
+          <a:p>
+            <a:pPr marL="342900" indent="-342900" eaLnBrk="1" hangingPunct="1">
+              <a:lnSpc>
+                <a:spcPct val="105000"/>
+              </a:lnSpc>
+              <a:buClr>
+                <a:srgbClr val="0070C0"/>
+              </a:buClr>
+              <a:buFont typeface="Wingdings" panose="05000000000000000000" pitchFamily="2" charset="2"/>
+              <a:buChar char="Ø"/>
+            </a:pPr>
+            <a:r>
+              <a:rPr lang="zh-CN" altLang="en-US" dirty="0">
+                <a:solidFill>
+                  <a:srgbClr val="0070C0"/>
+                </a:solidFill>
+              </a:rPr>
+              <a:t>反设计模式</a:t>
+            </a:r>
+            <a:r>
+              <a:rPr lang="zh-CN" altLang="en-US" dirty="0"/>
+              <a:t>与设计模式相反，是失败教训的总结。其澄清了许多设计中经常面临的陷阱和容易混淆的问题，能有效防止开发人员犯错误，从而做出正确选择。</a:t>
+            </a:r>
+            <a:endParaRPr lang="zh-CN" altLang="en-US" dirty="0"/>
+          </a:p>
+        </p:txBody>
+      </p:sp>
+    </p:spTree>
+    <p:custDataLst>
+      <p:tags r:id="rId2"/>
+    </p:custDataLst>
+  </p:cSld>
+  <p:clrMapOvr>
+    <a:masterClrMapping/>
+  </p:clrMapOvr>
+</p:sld>
+</file>
+
+<file path=ppt/slides/slide40.xml><?xml version="1.0" encoding="utf-8"?>
+<p:sld xmlns:a="http://schemas.openxmlformats.org/drawingml/2006/main" xmlns:r="http://schemas.openxmlformats.org/officeDocument/2006/relationships" xmlns:p="http://schemas.openxmlformats.org/presentationml/2006/main">
+  <p:cSld>
+    <p:spTree>
+      <p:nvGrpSpPr>
+        <p:cNvPr id="1" name=""/>
+        <p:cNvGrpSpPr/>
+        <p:nvPr/>
+      </p:nvGrpSpPr>
+      <p:grpSpPr>
+        <a:xfrm>
+          <a:off x="0" y="0"/>
+          <a:ext cx="0" cy="0"/>
+          <a:chOff x="0" y="0"/>
+          <a:chExt cx="0" cy="0"/>
+        </a:xfrm>
+      </p:grpSpPr>
+      <p:sp>
+        <p:nvSpPr>
+          <p:cNvPr id="8" name="标题 1"/>
+          <p:cNvSpPr txBox="1"/>
+          <p:nvPr>
+            <p:custDataLst>
+              <p:tags r:id="rId1"/>
+            </p:custDataLst>
+          </p:nvPr>
+        </p:nvSpPr>
+        <p:spPr>
+          <a:xfrm>
+            <a:off x="571608" y="661194"/>
+            <a:ext cx="7886700" cy="994172"/>
+          </a:xfrm>
+          <a:prstGeom prst="rect">
+            <a:avLst/>
+          </a:prstGeom>
+        </p:spPr>
+        <p:txBody>
+          <a:bodyPr vert="horz" wrap="square" lIns="68580" tIns="34290" rIns="68580" bIns="34290" rtlCol="0" anchor="ctr">
+            <a:normAutofit/>
+          </a:bodyPr>
+          <a:lstStyle>
+            <a:lvl1pPr defTabSz="914400">
+              <a:lnSpc>
+                <a:spcPct val="120000"/>
+              </a:lnSpc>
+              <a:spcBef>
+                <a:spcPct val="0"/>
+              </a:spcBef>
+              <a:buNone/>
+              <a:defRPr sz="3600">
+                <a:solidFill>
+                  <a:schemeClr val="tx1">
+                    <a:lumMod val="75000"/>
+                    <a:lumOff val="25000"/>
+                  </a:schemeClr>
+                </a:solidFill>
+                <a:latin typeface="+mj-lt"/>
+                <a:ea typeface="+mj-ea"/>
+                <a:cs typeface="+mj-cs"/>
+              </a:defRPr>
+            </a:lvl1pPr>
+          </a:lstStyle>
+          <a:p>
+            <a:r>
+              <a:rPr lang="zh-CN" altLang="en-US" dirty="0"/>
+              <a:t>工厂模式</a:t>
+            </a:r>
+            <a:r>
+              <a:rPr lang="en-US" altLang="zh-CN" dirty="0"/>
+              <a:t>(The Factory Pattern)</a:t>
+            </a:r>
+            <a:endParaRPr lang="en-US" altLang="zh-CN" dirty="0"/>
+          </a:p>
+        </p:txBody>
+      </p:sp>
+      <p:sp>
+        <p:nvSpPr>
+          <p:cNvPr id="3" name="文本框 2"/>
+          <p:cNvSpPr txBox="1"/>
+          <p:nvPr/>
+        </p:nvSpPr>
+        <p:spPr>
+          <a:xfrm>
+            <a:off x="566431" y="2057436"/>
+            <a:ext cx="8334776" cy="2796856"/>
+          </a:xfrm>
+          <a:prstGeom prst="rect">
+            <a:avLst/>
+          </a:prstGeom>
+          <a:noFill/>
+        </p:spPr>
+        <p:txBody>
+          <a:bodyPr wrap="square" rtlCol="0">
+            <a:spAutoFit/>
+          </a:bodyPr>
+          <a:lstStyle/>
+          <a:p>
+            <a:pPr indent="628650" eaLnBrk="1" hangingPunct="1">
+              <a:lnSpc>
+                <a:spcPct val="150000"/>
+              </a:lnSpc>
+              <a:buFont typeface="Wingdings" panose="05000000000000000000" pitchFamily="2" charset="2"/>
+              <a:buNone/>
+            </a:pPr>
+            <a:r>
+              <a:rPr lang="zh-CN" altLang="en-US" dirty="0"/>
+              <a:t>工厂模式是最常见的设计模式之一，可帮助我们组织创建对象的代码，通常用于以下两种情况：</a:t>
+            </a:r>
+            <a:endParaRPr lang="zh-CN" altLang="en-US" dirty="0"/>
+          </a:p>
+          <a:p>
+            <a:pPr lvl="1" indent="-457200" eaLnBrk="1" hangingPunct="1">
+              <a:lnSpc>
+                <a:spcPct val="150000"/>
+              </a:lnSpc>
+              <a:buClr>
+                <a:srgbClr val="0070C0"/>
+              </a:buClr>
+              <a:buSzPct val="80000"/>
+              <a:buFont typeface="+mj-lt"/>
+              <a:buAutoNum type="arabicPeriod"/>
+            </a:pPr>
+            <a:r>
+              <a:rPr lang="zh-CN" altLang="en-US" dirty="0"/>
+              <a:t>创建复杂的对象，并进行初始化。</a:t>
+            </a:r>
+            <a:endParaRPr lang="en-US" altLang="zh-CN" dirty="0"/>
+          </a:p>
+          <a:p>
+            <a:pPr lvl="1" indent="-457200" eaLnBrk="1" hangingPunct="1">
+              <a:lnSpc>
+                <a:spcPct val="150000"/>
+              </a:lnSpc>
+              <a:buClr>
+                <a:srgbClr val="0070C0"/>
+              </a:buClr>
+              <a:buSzPct val="80000"/>
+              <a:buFont typeface="+mj-lt"/>
+              <a:buAutoNum type="arabicPeriod"/>
+            </a:pPr>
+            <a:r>
+              <a:rPr lang="zh-CN" altLang="en-US" dirty="0"/>
+              <a:t>根据不同的环境（输入参数），创建不同用途的对象。一般这些对象都是实现了相同的接口或继承于同一基类。</a:t>
+            </a:r>
+            <a:endParaRPr lang="zh-CN" altLang="en-US" dirty="0"/>
+          </a:p>
+        </p:txBody>
+      </p:sp>
+    </p:spTree>
+    <p:custDataLst>
+      <p:tags r:id="rId2"/>
+    </p:custDataLst>
+  </p:cSld>
+  <p:clrMapOvr>
+    <a:masterClrMapping/>
+  </p:clrMapOvr>
+</p:sld>
+</file>
+
+<file path=ppt/slides/slide41.xml><?xml version="1.0" encoding="utf-8"?>
+<p:sld xmlns:a="http://schemas.openxmlformats.org/drawingml/2006/main" xmlns:r="http://schemas.openxmlformats.org/officeDocument/2006/relationships" xmlns:p="http://schemas.openxmlformats.org/presentationml/2006/main">
+  <p:cSld>
+    <p:spTree>
+      <p:nvGrpSpPr>
+        <p:cNvPr id="1" name=""/>
+        <p:cNvGrpSpPr/>
+        <p:nvPr/>
+      </p:nvGrpSpPr>
+      <p:grpSpPr>
+        <a:xfrm>
+          <a:off x="0" y="0"/>
+          <a:ext cx="0" cy="0"/>
+          <a:chOff x="0" y="0"/>
+          <a:chExt cx="0" cy="0"/>
+        </a:xfrm>
+      </p:grpSpPr>
+      <p:sp>
+        <p:nvSpPr>
+          <p:cNvPr id="8" name="标题 1"/>
+          <p:cNvSpPr txBox="1"/>
+          <p:nvPr>
+            <p:custDataLst>
+              <p:tags r:id="rId1"/>
             </p:custDataLst>
           </p:nvPr>
         </p:nvSpPr>
@@ -16195,6 +18252,7 @@
               <a:rPr lang="en-US" altLang="zh-CN" dirty="0"/>
               <a:t>(The Abstract Factory Pattern)</a:t>
             </a:r>
+            <a:endParaRPr lang="en-US" altLang="zh-CN" dirty="0"/>
           </a:p>
         </p:txBody>
       </p:sp>
@@ -16311,6 +18369,7 @@
               <a:rPr lang="zh-CN" altLang="en-US" dirty="0"/>
               <a:t>。</a:t>
             </a:r>
+            <a:endParaRPr lang="zh-CN" altLang="en-US" dirty="0"/>
           </a:p>
           <a:p>
             <a:pPr indent="628650" eaLnBrk="1" hangingPunct="1">
@@ -16368,12 +18427,13 @@
               <a:rPr lang="zh-CN" altLang="en-US" dirty="0"/>
               <a:t>而已。</a:t>
             </a:r>
+            <a:endParaRPr lang="zh-CN" altLang="en-US" dirty="0"/>
           </a:p>
         </p:txBody>
       </p:sp>
     </p:spTree>
     <p:custDataLst>
-      <p:tags r:id="rId1"/>
+      <p:tags r:id="rId2"/>
     </p:custDataLst>
   </p:cSld>
   <p:clrMapOvr>
@@ -16382,7 +18442,7 @@
 </p:sld>
 </file>
 
-<file path=ppt/slides/slide37.xml><?xml version="1.0" encoding="utf-8"?>
+<file path=ppt/slides/slide42.xml><?xml version="1.0" encoding="utf-8"?>
 <p:sld xmlns:a="http://schemas.openxmlformats.org/drawingml/2006/main" xmlns:r="http://schemas.openxmlformats.org/officeDocument/2006/relationships" xmlns:p="http://schemas.openxmlformats.org/presentationml/2006/main">
   <p:cSld>
     <p:spTree>
@@ -16427,6 +18487,9 @@
               </a:rPr>
               <a:t>谢谢</a:t>
             </a:r>
+            <a:endParaRPr lang="zh-CN" altLang="en-US" dirty="0">
+              <a:ea typeface="宋体" panose="02010600030101010101" pitchFamily="2" charset="-122"/>
+            </a:endParaRPr>
           </a:p>
         </p:txBody>
       </p:sp>
@@ -16457,7 +18520,7 @@
             </a:pPr>
             <a:r>
               <a:rPr lang="en-US" altLang="zh-CN" dirty="0">
-                <a:hlinkClick r:id="rId4"/>
+                <a:hlinkClick r:id="rId1"/>
               </a:rPr>
               <a:t>https://github.com/newgr8player</a:t>
             </a:r>
@@ -16466,7 +18529,7 @@
           <a:p>
             <a:r>
               <a:rPr lang="en-US" altLang="zh-CN" dirty="0">
-                <a:hlinkClick r:id="rId5"/>
+                <a:hlinkClick r:id="rId2"/>
               </a:rPr>
               <a:t>https://newgr8player.gitee.io/</a:t>
             </a:r>
@@ -16476,7 +18539,7 @@
       </p:sp>
     </p:spTree>
     <p:custDataLst>
-      <p:tags r:id="rId1"/>
+      <p:tags r:id="rId3"/>
     </p:custDataLst>
   </p:cSld>
   <p:clrMapOvr>
@@ -16485,7 +18548,7 @@
 </p:sld>
 </file>
 
-<file path=ppt/slides/slide38.xml><?xml version="1.0" encoding="utf-8"?>
+<file path=ppt/slides/slide43.xml><?xml version="1.0" encoding="utf-8"?>
 <p:sld xmlns:a="http://schemas.openxmlformats.org/drawingml/2006/main" xmlns:r="http://schemas.openxmlformats.org/officeDocument/2006/relationships" xmlns:p="http://schemas.openxmlformats.org/presentationml/2006/main">
   <p:cSld>
     <p:spTree>
@@ -16502,190 +18565,6 @@
           <a:chExt cx="0" cy="0"/>
         </a:xfrm>
       </p:grpSpPr>
-    </p:spTree>
-    <p:custDataLst>
-      <p:tags r:id="rId1"/>
-    </p:custDataLst>
-  </p:cSld>
-  <p:clrMapOvr>
-    <a:masterClrMapping/>
-  </p:clrMapOvr>
-</p:sld>
-</file>
-
-<file path=ppt/slides/slide4.xml><?xml version="1.0" encoding="utf-8"?>
-<p:sld xmlns:a="http://schemas.openxmlformats.org/drawingml/2006/main" xmlns:r="http://schemas.openxmlformats.org/officeDocument/2006/relationships" xmlns:p="http://schemas.openxmlformats.org/presentationml/2006/main">
-  <p:cSld>
-    <p:spTree>
-      <p:nvGrpSpPr>
-        <p:cNvPr id="1" name=""/>
-        <p:cNvGrpSpPr/>
-        <p:nvPr/>
-      </p:nvGrpSpPr>
-      <p:grpSpPr>
-        <a:xfrm>
-          <a:off x="0" y="0"/>
-          <a:ext cx="0" cy="0"/>
-          <a:chOff x="0" y="0"/>
-          <a:chExt cx="0" cy="0"/>
-        </a:xfrm>
-      </p:grpSpPr>
-      <p:sp>
-        <p:nvSpPr>
-          <p:cNvPr id="8" name="标题 1"/>
-          <p:cNvSpPr txBox="1"/>
-          <p:nvPr>
-            <p:custDataLst>
-              <p:tags r:id="rId2"/>
-            </p:custDataLst>
-          </p:nvPr>
-        </p:nvSpPr>
-        <p:spPr>
-          <a:xfrm>
-            <a:off x="571608" y="661194"/>
-            <a:ext cx="7886700" cy="994172"/>
-          </a:xfrm>
-          <a:prstGeom prst="rect">
-            <a:avLst/>
-          </a:prstGeom>
-        </p:spPr>
-        <p:txBody>
-          <a:bodyPr vert="horz" wrap="square" lIns="68580" tIns="34290" rIns="68580" bIns="34290" rtlCol="0" anchor="ctr">
-            <a:normAutofit/>
-          </a:bodyPr>
-          <a:lstStyle>
-            <a:lvl1pPr defTabSz="914400">
-              <a:lnSpc>
-                <a:spcPct val="120000"/>
-              </a:lnSpc>
-              <a:spcBef>
-                <a:spcPct val="0"/>
-              </a:spcBef>
-              <a:buNone/>
-              <a:defRPr sz="3600">
-                <a:solidFill>
-                  <a:schemeClr val="tx1">
-                    <a:lumMod val="75000"/>
-                    <a:lumOff val="25000"/>
-                  </a:schemeClr>
-                </a:solidFill>
-                <a:latin typeface="+mj-lt"/>
-                <a:ea typeface="+mj-ea"/>
-                <a:cs typeface="+mj-cs"/>
-              </a:defRPr>
-            </a:lvl1pPr>
-          </a:lstStyle>
-          <a:p>
-            <a:r>
-              <a:rPr lang="zh-CN" altLang="en-US" dirty="0"/>
-              <a:t>设计模式、重构和反设计模式</a:t>
-            </a:r>
-          </a:p>
-        </p:txBody>
-      </p:sp>
-      <p:sp>
-        <p:nvSpPr>
-          <p:cNvPr id="3" name="文本框 2"/>
-          <p:cNvSpPr txBox="1"/>
-          <p:nvPr/>
-        </p:nvSpPr>
-        <p:spPr>
-          <a:xfrm>
-            <a:off x="566431" y="2057436"/>
-            <a:ext cx="8334776" cy="3170804"/>
-          </a:xfrm>
-          <a:prstGeom prst="rect">
-            <a:avLst/>
-          </a:prstGeom>
-          <a:noFill/>
-        </p:spPr>
-        <p:txBody>
-          <a:bodyPr wrap="square" rtlCol="0">
-            <a:spAutoFit/>
-          </a:bodyPr>
-          <a:lstStyle/>
-          <a:p>
-            <a:pPr marL="342900" indent="-342900" eaLnBrk="1" hangingPunct="1">
-              <a:lnSpc>
-                <a:spcPct val="105000"/>
-              </a:lnSpc>
-              <a:buClr>
-                <a:srgbClr val="0070C0"/>
-              </a:buClr>
-              <a:buFont typeface="Wingdings" panose="05000000000000000000" pitchFamily="2" charset="2"/>
-              <a:buChar char="Ø"/>
-            </a:pPr>
-            <a:r>
-              <a:rPr lang="zh-CN" altLang="en-US" dirty="0">
-                <a:solidFill>
-                  <a:srgbClr val="0070C0"/>
-                </a:solidFill>
-              </a:rPr>
-              <a:t>设计模式</a:t>
-            </a:r>
-            <a:r>
-              <a:rPr lang="zh-CN" altLang="en-US" dirty="0"/>
-              <a:t>是成功经验和最佳实践的总结，指导设计人员采用正确精良的设计。</a:t>
-            </a:r>
-          </a:p>
-          <a:p>
-            <a:pPr marL="342900" indent="-342900" eaLnBrk="1" hangingPunct="1">
-              <a:lnSpc>
-                <a:spcPct val="105000"/>
-              </a:lnSpc>
-              <a:buClr>
-                <a:srgbClr val="0070C0"/>
-              </a:buClr>
-              <a:buFont typeface="Wingdings" panose="05000000000000000000" pitchFamily="2" charset="2"/>
-              <a:buChar char="Ø"/>
-            </a:pPr>
-            <a:r>
-              <a:rPr lang="zh-CN" altLang="en-US" dirty="0">
-                <a:solidFill>
-                  <a:srgbClr val="0070C0"/>
-                </a:solidFill>
-              </a:rPr>
-              <a:t>重构（</a:t>
-            </a:r>
-            <a:r>
-              <a:rPr lang="en-US" altLang="zh-CN" dirty="0">
-                <a:solidFill>
-                  <a:srgbClr val="0070C0"/>
-                </a:solidFill>
-              </a:rPr>
-              <a:t>Refactor）</a:t>
-            </a:r>
-            <a:r>
-              <a:rPr lang="zh-CN" altLang="en-US" dirty="0"/>
-              <a:t>专注于软件的渐进完善。通过消除重复冗余代码，并将存在体系结构缺陷的代码重新构建成符合设计模式的代码来达到设计精良软件的目的。</a:t>
-            </a:r>
-          </a:p>
-          <a:p>
-            <a:pPr marL="342900" indent="-342900" eaLnBrk="1" hangingPunct="1">
-              <a:lnSpc>
-                <a:spcPct val="105000"/>
-              </a:lnSpc>
-              <a:buClr>
-                <a:srgbClr val="0070C0"/>
-              </a:buClr>
-              <a:buFont typeface="Wingdings" panose="05000000000000000000" pitchFamily="2" charset="2"/>
-              <a:buChar char="Ø"/>
-            </a:pPr>
-            <a:r>
-              <a:rPr lang="zh-CN" altLang="en-US" dirty="0">
-                <a:solidFill>
-                  <a:srgbClr val="0070C0"/>
-                </a:solidFill>
-              </a:rPr>
-              <a:t>反设计模式</a:t>
-            </a:r>
-            <a:r>
-              <a:rPr lang="zh-CN" altLang="en-US" dirty="0"/>
-              <a:t>与设计模式相反，是失败教训的总结。其澄清了许多设计中经常面临的陷阱和容易混淆的问题，能有效防止开发人员犯错误，从而做出正确选择。</a:t>
-            </a:r>
-          </a:p>
-        </p:txBody>
-      </p:sp>
     </p:spTree>
     <p:custDataLst>
       <p:tags r:id="rId1"/>
@@ -16720,7 +18599,7 @@
           <p:cNvSpPr txBox="1"/>
           <p:nvPr>
             <p:custDataLst>
-              <p:tags r:id="rId2"/>
+              <p:tags r:id="rId1"/>
             </p:custDataLst>
           </p:nvPr>
         </p:nvSpPr>
@@ -16818,6 +18697,7 @@
               <a:rPr lang="zh-CN" altLang="en-US" dirty="0"/>
               <a:t>的方法论，其内容描述基本是围绕对象的结构和协作关系设计。因此需要一种直观的模型将上述内容清晰地表示出来。</a:t>
             </a:r>
+            <a:endParaRPr lang="zh-CN" altLang="en-US" dirty="0"/>
           </a:p>
           <a:p>
             <a:pPr eaLnBrk="1" hangingPunct="1">
@@ -16864,12 +18744,13 @@
               <a:rPr lang="zh-CN" altLang="en-US" dirty="0"/>
               <a:t>已经被广泛用于软件设计，这也推动了设计模式的应用。</a:t>
             </a:r>
+            <a:endParaRPr lang="zh-CN" altLang="en-US" dirty="0"/>
           </a:p>
         </p:txBody>
       </p:sp>
     </p:spTree>
     <p:custDataLst>
-      <p:tags r:id="rId1"/>
+      <p:tags r:id="rId2"/>
     </p:custDataLst>
   </p:cSld>
   <p:clrMapOvr>
@@ -16901,7 +18782,7 @@
           <p:cNvSpPr txBox="1"/>
           <p:nvPr>
             <p:custDataLst>
-              <p:tags r:id="rId2"/>
+              <p:tags r:id="rId1"/>
             </p:custDataLst>
           </p:nvPr>
         </p:nvSpPr>
@@ -16945,6 +18826,7 @@
               <a:rPr lang="zh-CN" altLang="en-US" dirty="0"/>
               <a:t>设计模式分类</a:t>
             </a:r>
+            <a:endParaRPr lang="zh-CN" altLang="en-US" dirty="0"/>
           </a:p>
         </p:txBody>
       </p:sp>
@@ -17000,6 +18882,7 @@
               <a:rPr lang="zh-CN" altLang="en-US" dirty="0"/>
               <a:t>帮助我们更好地组织创建对象的代码。增强弹性，以应付在不同情况下创建和初始化对象的代码变更。</a:t>
             </a:r>
+            <a:endParaRPr lang="zh-CN" altLang="en-US" dirty="0"/>
           </a:p>
           <a:p>
             <a:pPr marL="342900" indent="-342900" eaLnBrk="1" hangingPunct="1">
@@ -17074,6 +18957,7 @@
               <a:rPr lang="zh-CN" altLang="en-US" dirty="0"/>
               <a:t>。</a:t>
             </a:r>
+            <a:endParaRPr lang="zh-CN" altLang="en-US" dirty="0"/>
           </a:p>
           <a:p>
             <a:pPr marL="342900" indent="-342900" eaLnBrk="1" hangingPunct="1">
@@ -17106,12 +18990,13 @@
               <a:rPr lang="zh-CN" altLang="en-US" dirty="0"/>
               <a:t>更好地定义对象间的协作关系，使复杂的程序流程变得清晰。</a:t>
             </a:r>
+            <a:endParaRPr lang="zh-CN" altLang="en-US" dirty="0"/>
           </a:p>
         </p:txBody>
       </p:sp>
     </p:spTree>
     <p:custDataLst>
-      <p:tags r:id="rId1"/>
+      <p:tags r:id="rId2"/>
     </p:custDataLst>
   </p:cSld>
   <p:clrMapOvr>
@@ -17181,6 +19066,7 @@
               <a:rPr lang="zh-CN" altLang="en-US" dirty="0"/>
               <a:t>设计原则</a:t>
             </a:r>
+            <a:endParaRPr lang="zh-CN" altLang="en-US" dirty="0"/>
           </a:p>
         </p:txBody>
       </p:sp>
@@ -17215,7 +19101,7 @@
           <p:cNvSpPr txBox="1"/>
           <p:nvPr>
             <p:custDataLst>
-              <p:tags r:id="rId2"/>
+              <p:tags r:id="rId1"/>
             </p:custDataLst>
           </p:nvPr>
         </p:nvSpPr>
@@ -17259,6 +19145,7 @@
               <a:rPr lang="zh-CN" altLang="en-US" dirty="0"/>
               <a:t>设计原则</a:t>
             </a:r>
+            <a:endParaRPr lang="zh-CN" altLang="en-US" dirty="0"/>
           </a:p>
         </p:txBody>
       </p:sp>
@@ -17569,7 +19456,7 @@
       </p:sp>
     </p:spTree>
     <p:custDataLst>
-      <p:tags r:id="rId1"/>
+      <p:tags r:id="rId2"/>
     </p:custDataLst>
   </p:cSld>
   <p:clrMapOvr>
@@ -17633,6 +19520,7 @@
               <a:rPr lang="zh-CN" altLang="en-US" sz="3600" dirty="0"/>
               <a:t>）</a:t>
             </a:r>
+            <a:endParaRPr lang="zh-CN" altLang="en-US" sz="3600" dirty="0"/>
           </a:p>
         </p:txBody>
       </p:sp>
@@ -17676,15 +19564,143 @@
 </file>
 
 <file path=ppt/tags/tag1.xml><?xml version="1.0" encoding="utf-8"?>
-<p:tagLst xmlns:a="http://schemas.openxmlformats.org/drawingml/2006/main" xmlns:r="http://schemas.openxmlformats.org/officeDocument/2006/relationships" xmlns:p="http://schemas.openxmlformats.org/presentationml/2006/main">
+<p:tagLst xmlns:p="http://schemas.openxmlformats.org/presentationml/2006/main">
+  <p:tag name="KSO_WM_TAG_VERSION" val="1.0"/>
+  <p:tag name="KSO_WM_BEAUTIFY_FLAG" val="#wm#"/>
+  <p:tag name="KSO_WM_UNIT_TYPE" val="i"/>
+  <p:tag name="KSO_WM_UNIT_ID" val="custom20184556_1*i*3"/>
+  <p:tag name="KSO_WM_TEMPLATE_CATEGORY" val="custom"/>
+  <p:tag name="KSO_WM_TEMPLATE_INDEX" val="20184556"/>
+  <p:tag name="KSO_WM_UNIT_INDEX" val="3"/>
+</p:tagLst>
+</file>
+
+<file path=ppt/tags/tag10.xml><?xml version="1.0" encoding="utf-8"?>
+<p:tagLst xmlns:p="http://schemas.openxmlformats.org/presentationml/2006/main">
+  <p:tag name="KSO_WM_TAG_VERSION" val="1.0"/>
+  <p:tag name="KSO_WM_BEAUTIFY_FLAG" val="#wm#"/>
+  <p:tag name="KSO_WM_UNIT_TYPE" val="i"/>
+  <p:tag name="KSO_WM_UNIT_ID" val="custom20184556_22*i*6"/>
+  <p:tag name="KSO_WM_TEMPLATE_CATEGORY" val="custom"/>
+  <p:tag name="KSO_WM_TEMPLATE_INDEX" val="20184556"/>
+  <p:tag name="KSO_WM_UNIT_INDEX" val="6"/>
+</p:tagLst>
+</file>
+
+<file path=ppt/tags/tag11.xml><?xml version="1.0" encoding="utf-8"?>
+<p:tagLst xmlns:p="http://schemas.openxmlformats.org/presentationml/2006/main">
   <p:tag name="KSO_WM_TAG_VERSION" val="1.0"/>
   <p:tag name="KSO_WM_TEMPLATE_CATEGORY" val="custom"/>
   <p:tag name="KSO_WM_TEMPLATE_INDEX" val="20186830"/>
 </p:tagLst>
 </file>
 
-<file path=ppt/tags/tag10.xml><?xml version="1.0" encoding="utf-8"?>
-<p:tagLst xmlns:a="http://schemas.openxmlformats.org/drawingml/2006/main" xmlns:r="http://schemas.openxmlformats.org/officeDocument/2006/relationships" xmlns:p="http://schemas.openxmlformats.org/presentationml/2006/main">
+<file path=ppt/tags/tag12.xml><?xml version="1.0" encoding="utf-8"?>
+<p:tagLst xmlns:p="http://schemas.openxmlformats.org/presentationml/2006/main">
+  <p:tag name="KSO_WM_TAG_VERSION" val="1.0"/>
+  <p:tag name="KSO_WM_TEMPLATE_CATEGORY" val="custom"/>
+  <p:tag name="KSO_WM_TEMPLATE_INDEX" val="20186830"/>
+</p:tagLst>
+</file>
+
+<file path=ppt/tags/tag13.xml><?xml version="1.0" encoding="utf-8"?>
+<p:tagLst xmlns:p="http://schemas.openxmlformats.org/presentationml/2006/main">
+  <p:tag name="KSO_WM_TAG_VERSION" val="1.0"/>
+  <p:tag name="KSO_WM_BEAUTIFY_FLAG" val="#wm#"/>
+  <p:tag name="KSO_WM_COMBINE_RELATE_SLIDE_ID" val="background20181909_1"/>
+  <p:tag name="KSO_WM_TEMPLATE_CATEGORY" val="custom"/>
+  <p:tag name="KSO_WM_TEMPLATE_INDEX" val="20186830"/>
+  <p:tag name="KSO_WM_TEMPLATE_SUBCATEGORY" val="combine"/>
+  <p:tag name="KSO_WM_TEMPLATE_THUMBS_INDEX" val="1、6、10、15、19、22"/>
+</p:tagLst>
+</file>
+
+<file path=ppt/tags/tag14.xml><?xml version="1.0" encoding="utf-8"?>
+<p:tagLst xmlns:p="http://schemas.openxmlformats.org/presentationml/2006/main">
+  <p:tag name="KSO_WM_TAG_VERSION" val="1.0"/>
+  <p:tag name="KSO_WM_BEAUTIFY_FLAG" val="#wm#"/>
+  <p:tag name="KSO_WM_UNIT_TYPE" val="i"/>
+  <p:tag name="KSO_WM_UNIT_ID" val="custom20184556_1*i*3"/>
+  <p:tag name="KSO_WM_TEMPLATE_CATEGORY" val="custom"/>
+  <p:tag name="KSO_WM_TEMPLATE_INDEX" val="20184556"/>
+  <p:tag name="KSO_WM_UNIT_INDEX" val="3"/>
+</p:tagLst>
+</file>
+
+<file path=ppt/tags/tag15.xml><?xml version="1.0" encoding="utf-8"?>
+<p:tagLst xmlns:p="http://schemas.openxmlformats.org/presentationml/2006/main">
+  <p:tag name="KSO_WM_TAG_VERSION" val="1.0"/>
+  <p:tag name="KSO_WM_BEAUTIFY_FLAG" val="#wm#"/>
+  <p:tag name="KSO_WM_UNIT_TYPE" val="i"/>
+  <p:tag name="KSO_WM_UNIT_ID" val="custom20184556_1*i*4"/>
+  <p:tag name="KSO_WM_TEMPLATE_CATEGORY" val="custom"/>
+  <p:tag name="KSO_WM_TEMPLATE_INDEX" val="20184556"/>
+  <p:tag name="KSO_WM_UNIT_INDEX" val="4"/>
+</p:tagLst>
+</file>
+
+<file path=ppt/tags/tag16.xml><?xml version="1.0" encoding="utf-8"?>
+<p:tagLst xmlns:p="http://schemas.openxmlformats.org/presentationml/2006/main">
+  <p:tag name="KSO_WM_TAG_VERSION" val="1.0"/>
+  <p:tag name="KSO_WM_BEAUTIFY_FLAG" val="#wm#"/>
+  <p:tag name="KSO_WM_UNIT_TYPE" val="i"/>
+  <p:tag name="KSO_WM_UNIT_ID" val="custom20184556_1*i*5"/>
+  <p:tag name="KSO_WM_TEMPLATE_CATEGORY" val="custom"/>
+  <p:tag name="KSO_WM_TEMPLATE_INDEX" val="20184556"/>
+  <p:tag name="KSO_WM_UNIT_INDEX" val="5"/>
+</p:tagLst>
+</file>
+
+<file path=ppt/tags/tag17.xml><?xml version="1.0" encoding="utf-8"?>
+<p:tagLst xmlns:p="http://schemas.openxmlformats.org/presentationml/2006/main">
+  <p:tag name="KSO_WM_TAG_VERSION" val="1.0"/>
+  <p:tag name="KSO_WM_BEAUTIFY_FLAG" val="#wm#"/>
+  <p:tag name="KSO_WM_UNIT_TYPE" val="i"/>
+  <p:tag name="KSO_WM_UNIT_ID" val="custom20184556_1*i*6"/>
+  <p:tag name="KSO_WM_TEMPLATE_CATEGORY" val="custom"/>
+  <p:tag name="KSO_WM_TEMPLATE_INDEX" val="20184556"/>
+  <p:tag name="KSO_WM_UNIT_INDEX" val="6"/>
+</p:tagLst>
+</file>
+
+<file path=ppt/tags/tag18.xml><?xml version="1.0" encoding="utf-8"?>
+<p:tagLst xmlns:p="http://schemas.openxmlformats.org/presentationml/2006/main">
+  <p:tag name="KSO_WM_TAG_VERSION" val="1.0"/>
+  <p:tag name="KSO_WM_BEAUTIFY_FLAG" val="#wm#"/>
+  <p:tag name="KSO_WM_UNIT_TYPE" val="i"/>
+  <p:tag name="KSO_WM_UNIT_ID" val="custom20184556_1*i*7"/>
+  <p:tag name="KSO_WM_TEMPLATE_CATEGORY" val="custom"/>
+  <p:tag name="KSO_WM_TEMPLATE_INDEX" val="20184556"/>
+  <p:tag name="KSO_WM_UNIT_INDEX" val="7"/>
+</p:tagLst>
+</file>
+
+<file path=ppt/tags/tag19.xml><?xml version="1.0" encoding="utf-8"?>
+<p:tagLst xmlns:p="http://schemas.openxmlformats.org/presentationml/2006/main">
+  <p:tag name="KSO_WM_TAG_VERSION" val="1.0"/>
+  <p:tag name="KSO_WM_BEAUTIFY_FLAG" val="#wm#"/>
+  <p:tag name="KSO_WM_UNIT_TYPE" val="i"/>
+  <p:tag name="KSO_WM_UNIT_ID" val="custom20184556_22*i*2"/>
+  <p:tag name="KSO_WM_TEMPLATE_CATEGORY" val="custom"/>
+  <p:tag name="KSO_WM_TEMPLATE_INDEX" val="20184556"/>
+  <p:tag name="KSO_WM_UNIT_INDEX" val="2"/>
+</p:tagLst>
+</file>
+
+<file path=ppt/tags/tag2.xml><?xml version="1.0" encoding="utf-8"?>
+<p:tagLst xmlns:p="http://schemas.openxmlformats.org/presentationml/2006/main">
+  <p:tag name="KSO_WM_TAG_VERSION" val="1.0"/>
+  <p:tag name="KSO_WM_BEAUTIFY_FLAG" val="#wm#"/>
+  <p:tag name="KSO_WM_UNIT_TYPE" val="i"/>
+  <p:tag name="KSO_WM_UNIT_ID" val="custom20184556_1*i*4"/>
+  <p:tag name="KSO_WM_TEMPLATE_CATEGORY" val="custom"/>
+  <p:tag name="KSO_WM_TEMPLATE_INDEX" val="20184556"/>
+  <p:tag name="KSO_WM_UNIT_INDEX" val="4"/>
+</p:tagLst>
+</file>
+
+<file path=ppt/tags/tag20.xml><?xml version="1.0" encoding="utf-8"?>
+<p:tagLst xmlns:p="http://schemas.openxmlformats.org/presentationml/2006/main">
   <p:tag name="KSO_WM_TAG_VERSION" val="1.0"/>
   <p:tag name="KSO_WM_BEAUTIFY_FLAG" val="#wm#"/>
   <p:tag name="KSO_WM_UNIT_TYPE" val="i"/>
@@ -17695,8 +19711,8 @@
 </p:tagLst>
 </file>
 
-<file path=ppt/tags/tag11.xml><?xml version="1.0" encoding="utf-8"?>
-<p:tagLst xmlns:a="http://schemas.openxmlformats.org/drawingml/2006/main" xmlns:r="http://schemas.openxmlformats.org/officeDocument/2006/relationships" xmlns:p="http://schemas.openxmlformats.org/presentationml/2006/main">
+<file path=ppt/tags/tag21.xml><?xml version="1.0" encoding="utf-8"?>
+<p:tagLst xmlns:p="http://schemas.openxmlformats.org/presentationml/2006/main">
   <p:tag name="KSO_WM_TAG_VERSION" val="1.0"/>
   <p:tag name="KSO_WM_BEAUTIFY_FLAG" val="#wm#"/>
   <p:tag name="KSO_WM_UNIT_TYPE" val="i"/>
@@ -17707,8 +19723,8 @@
 </p:tagLst>
 </file>
 
-<file path=ppt/tags/tag12.xml><?xml version="1.0" encoding="utf-8"?>
-<p:tagLst xmlns:a="http://schemas.openxmlformats.org/drawingml/2006/main" xmlns:r="http://schemas.openxmlformats.org/officeDocument/2006/relationships" xmlns:p="http://schemas.openxmlformats.org/presentationml/2006/main">
+<file path=ppt/tags/tag22.xml><?xml version="1.0" encoding="utf-8"?>
+<p:tagLst xmlns:p="http://schemas.openxmlformats.org/presentationml/2006/main">
   <p:tag name="KSO_WM_TAG_VERSION" val="1.0"/>
   <p:tag name="KSO_WM_BEAUTIFY_FLAG" val="#wm#"/>
   <p:tag name="KSO_WM_UNIT_TYPE" val="i"/>
@@ -17719,8 +19735,8 @@
 </p:tagLst>
 </file>
 
-<file path=ppt/tags/tag13.xml><?xml version="1.0" encoding="utf-8"?>
-<p:tagLst xmlns:a="http://schemas.openxmlformats.org/drawingml/2006/main" xmlns:r="http://schemas.openxmlformats.org/officeDocument/2006/relationships" xmlns:p="http://schemas.openxmlformats.org/presentationml/2006/main">
+<file path=ppt/tags/tag23.xml><?xml version="1.0" encoding="utf-8"?>
+<p:tagLst xmlns:p="http://schemas.openxmlformats.org/presentationml/2006/main">
   <p:tag name="KSO_WM_TAG_VERSION" val="1.0"/>
   <p:tag name="KSO_WM_BEAUTIFY_FLAG" val="#wm#"/>
   <p:tag name="KSO_WM_UNIT_TYPE" val="i"/>
@@ -17731,24 +19747,24 @@
 </p:tagLst>
 </file>
 
-<file path=ppt/tags/tag14.xml><?xml version="1.0" encoding="utf-8"?>
-<p:tagLst xmlns:a="http://schemas.openxmlformats.org/drawingml/2006/main" xmlns:r="http://schemas.openxmlformats.org/officeDocument/2006/relationships" xmlns:p="http://schemas.openxmlformats.org/presentationml/2006/main">
+<file path=ppt/tags/tag24.xml><?xml version="1.0" encoding="utf-8"?>
+<p:tagLst xmlns:p="http://schemas.openxmlformats.org/presentationml/2006/main">
   <p:tag name="KSO_WM_TAG_VERSION" val="1.0"/>
   <p:tag name="KSO_WM_TEMPLATE_CATEGORY" val="custom"/>
   <p:tag name="KSO_WM_TEMPLATE_INDEX" val="20186830"/>
 </p:tagLst>
 </file>
 
-<file path=ppt/tags/tag15.xml><?xml version="1.0" encoding="utf-8"?>
-<p:tagLst xmlns:a="http://schemas.openxmlformats.org/drawingml/2006/main" xmlns:r="http://schemas.openxmlformats.org/officeDocument/2006/relationships" xmlns:p="http://schemas.openxmlformats.org/presentationml/2006/main">
+<file path=ppt/tags/tag25.xml><?xml version="1.0" encoding="utf-8"?>
+<p:tagLst xmlns:p="http://schemas.openxmlformats.org/presentationml/2006/main">
   <p:tag name="KSO_WM_TAG_VERSION" val="1.0"/>
   <p:tag name="KSO_WM_TEMPLATE_CATEGORY" val="custom"/>
   <p:tag name="KSO_WM_TEMPLATE_INDEX" val="20186830"/>
 </p:tagLst>
 </file>
 
-<file path=ppt/tags/tag16.xml><?xml version="1.0" encoding="utf-8"?>
-<p:tagLst xmlns:a="http://schemas.openxmlformats.org/drawingml/2006/main" xmlns:r="http://schemas.openxmlformats.org/officeDocument/2006/relationships" xmlns:p="http://schemas.openxmlformats.org/presentationml/2006/main">
+<file path=ppt/tags/tag26.xml><?xml version="1.0" encoding="utf-8"?>
+<p:tagLst xmlns:p="http://schemas.openxmlformats.org/presentationml/2006/main">
   <p:tag name="KSO_WM_TAG_VERSION" val="1.0"/>
   <p:tag name="KSO_WM_BEAUTIFY_FLAG" val="#wm#"/>
   <p:tag name="KSO_WM_COMBINE_RELATE_SLIDE_ID" val="background20181909_1"/>
@@ -17759,155 +19775,27 @@
 </p:tagLst>
 </file>
 
-<file path=ppt/tags/tag17.xml><?xml version="1.0" encoding="utf-8"?>
-<p:tagLst xmlns:a="http://schemas.openxmlformats.org/drawingml/2006/main" xmlns:r="http://schemas.openxmlformats.org/officeDocument/2006/relationships" xmlns:p="http://schemas.openxmlformats.org/presentationml/2006/main">
+<file path=ppt/tags/tag27.xml><?xml version="1.0" encoding="utf-8"?>
+<p:tagLst xmlns:p="http://schemas.openxmlformats.org/presentationml/2006/main">
+  <p:tag name="KSO_WM_TEMPLATE_CATEGORY" val="custom"/>
+  <p:tag name="KSO_WM_TEMPLATE_INDEX" val="20186830"/>
   <p:tag name="KSO_WM_TAG_VERSION" val="1.0"/>
   <p:tag name="KSO_WM_BEAUTIFY_FLAG" val="#wm#"/>
-  <p:tag name="KSO_WM_UNIT_TYPE" val="i"/>
-  <p:tag name="KSO_WM_UNIT_ID" val="custom20184556_1*i*3"/>
-  <p:tag name="KSO_WM_TEMPLATE_CATEGORY" val="custom"/>
-  <p:tag name="KSO_WM_TEMPLATE_INDEX" val="20184556"/>
-  <p:tag name="KSO_WM_UNIT_INDEX" val="3"/>
-</p:tagLst>
-</file>
-
-<file path=ppt/tags/tag18.xml><?xml version="1.0" encoding="utf-8"?>
-<p:tagLst xmlns:a="http://schemas.openxmlformats.org/drawingml/2006/main" xmlns:r="http://schemas.openxmlformats.org/officeDocument/2006/relationships" xmlns:p="http://schemas.openxmlformats.org/presentationml/2006/main">
-  <p:tag name="KSO_WM_TAG_VERSION" val="1.0"/>
-  <p:tag name="KSO_WM_BEAUTIFY_FLAG" val="#wm#"/>
-  <p:tag name="KSO_WM_UNIT_TYPE" val="i"/>
-  <p:tag name="KSO_WM_UNIT_ID" val="custom20184556_1*i*4"/>
-  <p:tag name="KSO_WM_TEMPLATE_CATEGORY" val="custom"/>
-  <p:tag name="KSO_WM_TEMPLATE_INDEX" val="20184556"/>
-  <p:tag name="KSO_WM_UNIT_INDEX" val="4"/>
-</p:tagLst>
-</file>
-
-<file path=ppt/tags/tag19.xml><?xml version="1.0" encoding="utf-8"?>
-<p:tagLst xmlns:a="http://schemas.openxmlformats.org/drawingml/2006/main" xmlns:r="http://schemas.openxmlformats.org/officeDocument/2006/relationships" xmlns:p="http://schemas.openxmlformats.org/presentationml/2006/main">
-  <p:tag name="KSO_WM_TAG_VERSION" val="1.0"/>
-  <p:tag name="KSO_WM_BEAUTIFY_FLAG" val="#wm#"/>
-  <p:tag name="KSO_WM_UNIT_TYPE" val="i"/>
-  <p:tag name="KSO_WM_UNIT_ID" val="custom20184556_1*i*5"/>
-  <p:tag name="KSO_WM_TEMPLATE_CATEGORY" val="custom"/>
-  <p:tag name="KSO_WM_TEMPLATE_INDEX" val="20184556"/>
-  <p:tag name="KSO_WM_UNIT_INDEX" val="5"/>
-</p:tagLst>
-</file>
-
-<file path=ppt/tags/tag2.xml><?xml version="1.0" encoding="utf-8"?>
-<p:tagLst xmlns:a="http://schemas.openxmlformats.org/drawingml/2006/main" xmlns:r="http://schemas.openxmlformats.org/officeDocument/2006/relationships" xmlns:p="http://schemas.openxmlformats.org/presentationml/2006/main">
-  <p:tag name="KSO_WM_TAG_VERSION" val="1.0"/>
-  <p:tag name="KSO_WM_TEMPLATE_CATEGORY" val="custom"/>
-  <p:tag name="KSO_WM_TEMPLATE_INDEX" val="20186830"/>
-</p:tagLst>
-</file>
-
-<file path=ppt/tags/tag20.xml><?xml version="1.0" encoding="utf-8"?>
-<p:tagLst xmlns:a="http://schemas.openxmlformats.org/drawingml/2006/main" xmlns:r="http://schemas.openxmlformats.org/officeDocument/2006/relationships" xmlns:p="http://schemas.openxmlformats.org/presentationml/2006/main">
-  <p:tag name="KSO_WM_TAG_VERSION" val="1.0"/>
-  <p:tag name="KSO_WM_BEAUTIFY_FLAG" val="#wm#"/>
-  <p:tag name="KSO_WM_UNIT_TYPE" val="i"/>
-  <p:tag name="KSO_WM_UNIT_ID" val="custom20184556_1*i*6"/>
-  <p:tag name="KSO_WM_TEMPLATE_CATEGORY" val="custom"/>
-  <p:tag name="KSO_WM_TEMPLATE_INDEX" val="20184556"/>
-  <p:tag name="KSO_WM_UNIT_INDEX" val="6"/>
-</p:tagLst>
-</file>
-
-<file path=ppt/tags/tag21.xml><?xml version="1.0" encoding="utf-8"?>
-<p:tagLst xmlns:a="http://schemas.openxmlformats.org/drawingml/2006/main" xmlns:r="http://schemas.openxmlformats.org/officeDocument/2006/relationships" xmlns:p="http://schemas.openxmlformats.org/presentationml/2006/main">
-  <p:tag name="KSO_WM_TAG_VERSION" val="1.0"/>
-  <p:tag name="KSO_WM_BEAUTIFY_FLAG" val="#wm#"/>
-  <p:tag name="KSO_WM_UNIT_TYPE" val="i"/>
-  <p:tag name="KSO_WM_UNIT_ID" val="custom20184556_1*i*7"/>
-  <p:tag name="KSO_WM_TEMPLATE_CATEGORY" val="custom"/>
-  <p:tag name="KSO_WM_TEMPLATE_INDEX" val="20184556"/>
-  <p:tag name="KSO_WM_UNIT_INDEX" val="7"/>
-</p:tagLst>
-</file>
-
-<file path=ppt/tags/tag22.xml><?xml version="1.0" encoding="utf-8"?>
-<p:tagLst xmlns:a="http://schemas.openxmlformats.org/drawingml/2006/main" xmlns:r="http://schemas.openxmlformats.org/officeDocument/2006/relationships" xmlns:p="http://schemas.openxmlformats.org/presentationml/2006/main">
-  <p:tag name="KSO_WM_TAG_VERSION" val="1.0"/>
-  <p:tag name="KSO_WM_BEAUTIFY_FLAG" val="#wm#"/>
-  <p:tag name="KSO_WM_UNIT_TYPE" val="i"/>
-  <p:tag name="KSO_WM_UNIT_ID" val="custom20184556_22*i*2"/>
-  <p:tag name="KSO_WM_TEMPLATE_CATEGORY" val="custom"/>
-  <p:tag name="KSO_WM_TEMPLATE_INDEX" val="20184556"/>
-  <p:tag name="KSO_WM_UNIT_INDEX" val="2"/>
-</p:tagLst>
-</file>
-
-<file path=ppt/tags/tag23.xml><?xml version="1.0" encoding="utf-8"?>
-<p:tagLst xmlns:a="http://schemas.openxmlformats.org/drawingml/2006/main" xmlns:r="http://schemas.openxmlformats.org/officeDocument/2006/relationships" xmlns:p="http://schemas.openxmlformats.org/presentationml/2006/main">
-  <p:tag name="KSO_WM_TAG_VERSION" val="1.0"/>
-  <p:tag name="KSO_WM_BEAUTIFY_FLAG" val="#wm#"/>
-  <p:tag name="KSO_WM_UNIT_TYPE" val="i"/>
-  <p:tag name="KSO_WM_UNIT_ID" val="custom20184556_22*i*3"/>
-  <p:tag name="KSO_WM_TEMPLATE_CATEGORY" val="custom"/>
-  <p:tag name="KSO_WM_TEMPLATE_INDEX" val="20184556"/>
-  <p:tag name="KSO_WM_UNIT_INDEX" val="3"/>
-</p:tagLst>
-</file>
-
-<file path=ppt/tags/tag24.xml><?xml version="1.0" encoding="utf-8"?>
-<p:tagLst xmlns:a="http://schemas.openxmlformats.org/drawingml/2006/main" xmlns:r="http://schemas.openxmlformats.org/officeDocument/2006/relationships" xmlns:p="http://schemas.openxmlformats.org/presentationml/2006/main">
-  <p:tag name="KSO_WM_TAG_VERSION" val="1.0"/>
-  <p:tag name="KSO_WM_BEAUTIFY_FLAG" val="#wm#"/>
-  <p:tag name="KSO_WM_UNIT_TYPE" val="i"/>
-  <p:tag name="KSO_WM_UNIT_ID" val="custom20184556_22*i*4"/>
-  <p:tag name="KSO_WM_TEMPLATE_CATEGORY" val="custom"/>
-  <p:tag name="KSO_WM_TEMPLATE_INDEX" val="20184556"/>
-  <p:tag name="KSO_WM_UNIT_INDEX" val="4"/>
-</p:tagLst>
-</file>
-
-<file path=ppt/tags/tag25.xml><?xml version="1.0" encoding="utf-8"?>
-<p:tagLst xmlns:a="http://schemas.openxmlformats.org/drawingml/2006/main" xmlns:r="http://schemas.openxmlformats.org/officeDocument/2006/relationships" xmlns:p="http://schemas.openxmlformats.org/presentationml/2006/main">
-  <p:tag name="KSO_WM_TAG_VERSION" val="1.0"/>
-  <p:tag name="KSO_WM_BEAUTIFY_FLAG" val="#wm#"/>
-  <p:tag name="KSO_WM_UNIT_TYPE" val="i"/>
-  <p:tag name="KSO_WM_UNIT_ID" val="custom20184556_22*i*5"/>
-  <p:tag name="KSO_WM_TEMPLATE_CATEGORY" val="custom"/>
-  <p:tag name="KSO_WM_TEMPLATE_INDEX" val="20184556"/>
-  <p:tag name="KSO_WM_UNIT_INDEX" val="5"/>
-</p:tagLst>
-</file>
-
-<file path=ppt/tags/tag26.xml><?xml version="1.0" encoding="utf-8"?>
-<p:tagLst xmlns:a="http://schemas.openxmlformats.org/drawingml/2006/main" xmlns:r="http://schemas.openxmlformats.org/officeDocument/2006/relationships" xmlns:p="http://schemas.openxmlformats.org/presentationml/2006/main">
-  <p:tag name="KSO_WM_TAG_VERSION" val="1.0"/>
-  <p:tag name="KSO_WM_BEAUTIFY_FLAG" val="#wm#"/>
-  <p:tag name="KSO_WM_UNIT_TYPE" val="i"/>
-  <p:tag name="KSO_WM_UNIT_ID" val="custom20184556_22*i*6"/>
-  <p:tag name="KSO_WM_TEMPLATE_CATEGORY" val="custom"/>
-  <p:tag name="KSO_WM_TEMPLATE_INDEX" val="20184556"/>
-  <p:tag name="KSO_WM_UNIT_INDEX" val="6"/>
-</p:tagLst>
-</file>
-
-<file path=ppt/tags/tag27.xml><?xml version="1.0" encoding="utf-8"?>
-<p:tagLst xmlns:a="http://schemas.openxmlformats.org/drawingml/2006/main" xmlns:r="http://schemas.openxmlformats.org/officeDocument/2006/relationships" xmlns:p="http://schemas.openxmlformats.org/presentationml/2006/main">
-  <p:tag name="KSO_WM_TAG_VERSION" val="1.0"/>
-  <p:tag name="KSO_WM_SLIDE_ITEM_CNT" val="2"/>
-  <p:tag name="KSO_WM_SLIDE_LAYOUT" val="a_b_c"/>
-  <p:tag name="KSO_WM_SLIDE_LAYOUT_CNT" val="1_1_1"/>
-  <p:tag name="KSO_WM_SLIDE_TYPE" val="title"/>
-  <p:tag name="KSO_WM_BEAUTIFY_FLAG" val="#wm#"/>
-  <p:tag name="KSO_WM_COMBINE_RELATE_SLIDE_ID" val="background20181909_1"/>
-  <p:tag name="KSO_WM_TEMPLATE_CATEGORY" val="custom"/>
-  <p:tag name="KSO_WM_TEMPLATE_INDEX" val="20186830"/>
-  <p:tag name="KSO_WM_SLIDE_ID" val="custom20186830_1"/>
-  <p:tag name="KSO_WM_SLIDE_INDEX" val="1"/>
-  <p:tag name="KSO_WM_TEMPLATE_SUBCATEGORY" val="combine"/>
-  <p:tag name="KSO_WM_TEMPLATE_THUMBS_INDEX" val="1、6、10、15、19、22、"/>
-  <p:tag name="KSO_WM_SLIDE_SUBTYPE" val="pureTxt"/>
+  <p:tag name="KSO_WM_UNIT_TYPE" val="a"/>
+  <p:tag name="KSO_WM_UNIT_INDEX" val="1"/>
+  <p:tag name="KSO_WM_UNIT_ID" val="custom20186830_1*a*1"/>
+  <p:tag name="KSO_WM_UNIT_LAYERLEVEL" val="1"/>
+  <p:tag name="KSO_WM_UNIT_VALUE" val="9"/>
+  <p:tag name="KSO_WM_UNIT_ISCONTENTSTITLE" val="0"/>
+  <p:tag name="KSO_WM_UNIT_HIGHLIGHT" val="0"/>
+  <p:tag name="KSO_WM_UNIT_COMPATIBLE" val="0"/>
+  <p:tag name="KSO_WM_UNIT_CLEAR" val="0"/>
+  <p:tag name="KSO_WM_UNIT_PRESET_TEXT" val="黑白简约商务通用"/>
 </p:tagLst>
 </file>
 
 <file path=ppt/tags/tag28.xml><?xml version="1.0" encoding="utf-8"?>
-<p:tagLst xmlns:a="http://schemas.openxmlformats.org/drawingml/2006/main" xmlns:r="http://schemas.openxmlformats.org/officeDocument/2006/relationships" xmlns:p="http://schemas.openxmlformats.org/presentationml/2006/main">
+<p:tagLst xmlns:p="http://schemas.openxmlformats.org/presentationml/2006/main">
   <p:tag name="KSO_WM_TEMPLATE_CATEGORY" val="custom"/>
   <p:tag name="KSO_WM_TEMPLATE_INDEX" val="20186830"/>
   <p:tag name="KSO_WM_TAG_VERSION" val="1.0"/>
@@ -17926,38 +19814,7 @@
 </file>
 
 <file path=ppt/tags/tag29.xml><?xml version="1.0" encoding="utf-8"?>
-<p:tagLst xmlns:a="http://schemas.openxmlformats.org/drawingml/2006/main" xmlns:r="http://schemas.openxmlformats.org/officeDocument/2006/relationships" xmlns:p="http://schemas.openxmlformats.org/presentationml/2006/main">
-  <p:tag name="KSO_WM_TEMPLATE_CATEGORY" val="custom"/>
-  <p:tag name="KSO_WM_TEMPLATE_INDEX" val="20186830"/>
-  <p:tag name="KSO_WM_TAG_VERSION" val="1.0"/>
-  <p:tag name="KSO_WM_BEAUTIFY_FLAG" val="#wm#"/>
-  <p:tag name="KSO_WM_UNIT_TYPE" val="a"/>
-  <p:tag name="KSO_WM_UNIT_INDEX" val="1"/>
-  <p:tag name="KSO_WM_UNIT_ID" val="custom20186830_1*a*1"/>
-  <p:tag name="KSO_WM_UNIT_LAYERLEVEL" val="1"/>
-  <p:tag name="KSO_WM_UNIT_VALUE" val="9"/>
-  <p:tag name="KSO_WM_UNIT_ISCONTENTSTITLE" val="0"/>
-  <p:tag name="KSO_WM_UNIT_HIGHLIGHT" val="0"/>
-  <p:tag name="KSO_WM_UNIT_COMPATIBLE" val="0"/>
-  <p:tag name="KSO_WM_UNIT_CLEAR" val="0"/>
-  <p:tag name="KSO_WM_UNIT_PRESET_TEXT" val="黑白简约商务通用"/>
-</p:tagLst>
-</file>
-
-<file path=ppt/tags/tag3.xml><?xml version="1.0" encoding="utf-8"?>
-<p:tagLst xmlns:a="http://schemas.openxmlformats.org/drawingml/2006/main" xmlns:r="http://schemas.openxmlformats.org/officeDocument/2006/relationships" xmlns:p="http://schemas.openxmlformats.org/presentationml/2006/main">
-  <p:tag name="KSO_WM_TAG_VERSION" val="1.0"/>
-  <p:tag name="KSO_WM_BEAUTIFY_FLAG" val="#wm#"/>
-  <p:tag name="KSO_WM_COMBINE_RELATE_SLIDE_ID" val="background20181909_1"/>
-  <p:tag name="KSO_WM_TEMPLATE_CATEGORY" val="custom"/>
-  <p:tag name="KSO_WM_TEMPLATE_INDEX" val="20186830"/>
-  <p:tag name="KSO_WM_TEMPLATE_SUBCATEGORY" val="combine"/>
-  <p:tag name="KSO_WM_TEMPLATE_THUMBS_INDEX" val="1、6、10、15、19、22"/>
-</p:tagLst>
-</file>
-
-<file path=ppt/tags/tag30.xml><?xml version="1.0" encoding="utf-8"?>
-<p:tagLst xmlns:a="http://schemas.openxmlformats.org/drawingml/2006/main" xmlns:r="http://schemas.openxmlformats.org/officeDocument/2006/relationships" xmlns:p="http://schemas.openxmlformats.org/presentationml/2006/main">
+<p:tagLst xmlns:p="http://schemas.openxmlformats.org/presentationml/2006/main">
   <p:tag name="KSO_WM_TEMPLATE_CATEGORY" val="custom"/>
   <p:tag name="KSO_WM_TEMPLATE_INDEX" val="20186830"/>
   <p:tag name="KSO_WM_TAG_VERSION" val="1.0"/>
@@ -17976,27 +19833,39 @@
 </p:tagLst>
 </file>
 
-<file path=ppt/tags/tag31.xml><?xml version="1.0" encoding="utf-8"?>
-<p:tagLst xmlns:a="http://schemas.openxmlformats.org/drawingml/2006/main" xmlns:r="http://schemas.openxmlformats.org/officeDocument/2006/relationships" xmlns:p="http://schemas.openxmlformats.org/presentationml/2006/main">
+<file path=ppt/tags/tag3.xml><?xml version="1.0" encoding="utf-8"?>
+<p:tagLst xmlns:p="http://schemas.openxmlformats.org/presentationml/2006/main">
+  <p:tag name="KSO_WM_TAG_VERSION" val="1.0"/>
+  <p:tag name="KSO_WM_BEAUTIFY_FLAG" val="#wm#"/>
+  <p:tag name="KSO_WM_UNIT_TYPE" val="i"/>
+  <p:tag name="KSO_WM_UNIT_ID" val="custom20184556_1*i*5"/>
   <p:tag name="KSO_WM_TEMPLATE_CATEGORY" val="custom"/>
-  <p:tag name="KSO_WM_TEMPLATE_INDEX" val="20186830"/>
-  <p:tag name="KSO_WM_TAG_VERSION" val="1.0"/>
-  <p:tag name="KSO_WM_SLIDE_ID" val="custom20186830_7"/>
-  <p:tag name="KSO_WM_SLIDE_INDEX" val="7"/>
-  <p:tag name="KSO_WM_SLIDE_ITEM_CNT" val="1"/>
-  <p:tag name="KSO_WM_SLIDE_LAYOUT" val="a_l"/>
-  <p:tag name="KSO_WM_SLIDE_LAYOUT_CNT" val="1_1"/>
-  <p:tag name="KSO_WM_SLIDE_TYPE" val="text"/>
-  <p:tag name="KSO_WM_BEAUTIFY_FLAG" val="#wm#"/>
-  <p:tag name="KSO_WM_SLIDE_POSITION" val="25*85"/>
-  <p:tag name="KSO_WM_SLIDE_SIZE" val="452*279"/>
-  <p:tag name="KSO_WM_DIAGRAM_GROUP_CODE" val="l1-1"/>
-  <p:tag name="KSO_WM_SLIDE_SUBTYPE" val="diag"/>
+  <p:tag name="KSO_WM_TEMPLATE_INDEX" val="20184556"/>
+  <p:tag name="KSO_WM_UNIT_INDEX" val="5"/>
 </p:tagLst>
 </file>
 
-<file path=ppt/tags/tag32.xml><?xml version="1.0" encoding="utf-8"?>
-<p:tagLst xmlns:a="http://schemas.openxmlformats.org/drawingml/2006/main" xmlns:r="http://schemas.openxmlformats.org/officeDocument/2006/relationships" xmlns:p="http://schemas.openxmlformats.org/presentationml/2006/main">
+<file path=ppt/tags/tag30.xml><?xml version="1.0" encoding="utf-8"?>
+<p:tagLst xmlns:p="http://schemas.openxmlformats.org/presentationml/2006/main">
+  <p:tag name="KSO_WM_TAG_VERSION" val="1.0"/>
+  <p:tag name="KSO_WM_SLIDE_ITEM_CNT" val="2"/>
+  <p:tag name="KSO_WM_SLIDE_LAYOUT" val="a_b_c"/>
+  <p:tag name="KSO_WM_SLIDE_LAYOUT_CNT" val="1_1_1"/>
+  <p:tag name="KSO_WM_SLIDE_TYPE" val="title"/>
+  <p:tag name="KSO_WM_BEAUTIFY_FLAG" val="#wm#"/>
+  <p:tag name="KSO_WM_COMBINE_RELATE_SLIDE_ID" val="background20181909_1"/>
+  <p:tag name="KSO_WM_TEMPLATE_CATEGORY" val="custom"/>
+  <p:tag name="KSO_WM_TEMPLATE_INDEX" val="20186830"/>
+  <p:tag name="KSO_WM_SLIDE_ID" val="custom20186830_1"/>
+  <p:tag name="KSO_WM_SLIDE_INDEX" val="1"/>
+  <p:tag name="KSO_WM_TEMPLATE_SUBCATEGORY" val="combine"/>
+  <p:tag name="KSO_WM_TEMPLATE_THUMBS_INDEX" val="1、6、10、15、19、22、"/>
+  <p:tag name="KSO_WM_SLIDE_SUBTYPE" val="pureTxt"/>
+</p:tagLst>
+</file>
+
+<file path=ppt/tags/tag31.xml><?xml version="1.0" encoding="utf-8"?>
+<p:tagLst xmlns:p="http://schemas.openxmlformats.org/presentationml/2006/main">
   <p:tag name="KSO_WM_TEMPLATE_CATEGORY" val="custom"/>
   <p:tag name="KSO_WM_TEMPLATE_INDEX" val="20186830"/>
   <p:tag name="KSO_WM_TAG_VERSION" val="1.0"/>
@@ -18015,8 +19884,8 @@
 </p:tagLst>
 </file>
 
-<file path=ppt/tags/tag33.xml><?xml version="1.0" encoding="utf-8"?>
-<p:tagLst xmlns:a="http://schemas.openxmlformats.org/drawingml/2006/main" xmlns:r="http://schemas.openxmlformats.org/officeDocument/2006/relationships" xmlns:p="http://schemas.openxmlformats.org/presentationml/2006/main">
+<file path=ppt/tags/tag32.xml><?xml version="1.0" encoding="utf-8"?>
+<p:tagLst xmlns:p="http://schemas.openxmlformats.org/presentationml/2006/main">
   <p:tag name="KSO_WM_TEMPLATE_CATEGORY" val="custom"/>
   <p:tag name="KSO_WM_TEMPLATE_INDEX" val="20186830"/>
   <p:tag name="KSO_WM_TAG_VERSION" val="1.0"/>
@@ -18034,8 +19903,8 @@
 </p:tagLst>
 </file>
 
-<file path=ppt/tags/tag34.xml><?xml version="1.0" encoding="utf-8"?>
-<p:tagLst xmlns:a="http://schemas.openxmlformats.org/drawingml/2006/main" xmlns:r="http://schemas.openxmlformats.org/officeDocument/2006/relationships" xmlns:p="http://schemas.openxmlformats.org/presentationml/2006/main">
+<file path=ppt/tags/tag33.xml><?xml version="1.0" encoding="utf-8"?>
+<p:tagLst xmlns:p="http://schemas.openxmlformats.org/presentationml/2006/main">
   <p:tag name="KSO_WM_TEMPLATE_CATEGORY" val="custom"/>
   <p:tag name="KSO_WM_TEMPLATE_INDEX" val="20186830"/>
   <p:tag name="KSO_WM_TAG_VERSION" val="1.0"/>
@@ -18054,8 +19923,8 @@
 </p:tagLst>
 </file>
 
-<file path=ppt/tags/tag35.xml><?xml version="1.0" encoding="utf-8"?>
-<p:tagLst xmlns:a="http://schemas.openxmlformats.org/drawingml/2006/main" xmlns:r="http://schemas.openxmlformats.org/officeDocument/2006/relationships" xmlns:p="http://schemas.openxmlformats.org/presentationml/2006/main">
+<file path=ppt/tags/tag34.xml><?xml version="1.0" encoding="utf-8"?>
+<p:tagLst xmlns:p="http://schemas.openxmlformats.org/presentationml/2006/main">
   <p:tag name="KSO_WM_TEMPLATE_CATEGORY" val="custom"/>
   <p:tag name="KSO_WM_TEMPLATE_INDEX" val="20186830"/>
   <p:tag name="KSO_WM_TAG_VERSION" val="1.0"/>
@@ -18073,8 +19942,8 @@
 </p:tagLst>
 </file>
 
-<file path=ppt/tags/tag36.xml><?xml version="1.0" encoding="utf-8"?>
-<p:tagLst xmlns:a="http://schemas.openxmlformats.org/drawingml/2006/main" xmlns:r="http://schemas.openxmlformats.org/officeDocument/2006/relationships" xmlns:p="http://schemas.openxmlformats.org/presentationml/2006/main">
+<file path=ppt/tags/tag35.xml><?xml version="1.0" encoding="utf-8"?>
+<p:tagLst xmlns:p="http://schemas.openxmlformats.org/presentationml/2006/main">
   <p:tag name="KSO_WM_TEMPLATE_CATEGORY" val="custom"/>
   <p:tag name="KSO_WM_TEMPLATE_INDEX" val="20186830"/>
   <p:tag name="KSO_WM_TAG_VERSION" val="1.0"/>
@@ -18093,8 +19962,8 @@
 </p:tagLst>
 </file>
 
-<file path=ppt/tags/tag37.xml><?xml version="1.0" encoding="utf-8"?>
-<p:tagLst xmlns:a="http://schemas.openxmlformats.org/drawingml/2006/main" xmlns:r="http://schemas.openxmlformats.org/officeDocument/2006/relationships" xmlns:p="http://schemas.openxmlformats.org/presentationml/2006/main">
+<file path=ppt/tags/tag36.xml><?xml version="1.0" encoding="utf-8"?>
+<p:tagLst xmlns:p="http://schemas.openxmlformats.org/presentationml/2006/main">
   <p:tag name="KSO_WM_TEMPLATE_CATEGORY" val="custom"/>
   <p:tag name="KSO_WM_TEMPLATE_INDEX" val="20186830"/>
   <p:tag name="KSO_WM_TAG_VERSION" val="1.0"/>
@@ -18112,8 +19981,8 @@
 </p:tagLst>
 </file>
 
-<file path=ppt/tags/tag38.xml><?xml version="1.0" encoding="utf-8"?>
-<p:tagLst xmlns:a="http://schemas.openxmlformats.org/drawingml/2006/main" xmlns:r="http://schemas.openxmlformats.org/officeDocument/2006/relationships" xmlns:p="http://schemas.openxmlformats.org/presentationml/2006/main">
+<file path=ppt/tags/tag37.xml><?xml version="1.0" encoding="utf-8"?>
+<p:tagLst xmlns:p="http://schemas.openxmlformats.org/presentationml/2006/main">
   <p:tag name="KSO_WM_TEMPLATE_CATEGORY" val="custom"/>
   <p:tag name="KSO_WM_TEMPLATE_INDEX" val="20186830"/>
   <p:tag name="KSO_WM_TAG_VERSION" val="1.0"/>
@@ -18132,8 +20001,8 @@
 </p:tagLst>
 </file>
 
-<file path=ppt/tags/tag39.xml><?xml version="1.0" encoding="utf-8"?>
-<p:tagLst xmlns:a="http://schemas.openxmlformats.org/drawingml/2006/main" xmlns:r="http://schemas.openxmlformats.org/officeDocument/2006/relationships" xmlns:p="http://schemas.openxmlformats.org/presentationml/2006/main">
+<file path=ppt/tags/tag38.xml><?xml version="1.0" encoding="utf-8"?>
+<p:tagLst xmlns:p="http://schemas.openxmlformats.org/presentationml/2006/main">
   <p:tag name="KSO_WM_TEMPLATE_CATEGORY" val="custom"/>
   <p:tag name="KSO_WM_TEMPLATE_INDEX" val="20186830"/>
   <p:tag name="KSO_WM_TAG_VERSION" val="1.0"/>
@@ -18151,20 +20020,8 @@
 </p:tagLst>
 </file>
 
-<file path=ppt/tags/tag4.xml><?xml version="1.0" encoding="utf-8"?>
-<p:tagLst xmlns:a="http://schemas.openxmlformats.org/drawingml/2006/main" xmlns:r="http://schemas.openxmlformats.org/officeDocument/2006/relationships" xmlns:p="http://schemas.openxmlformats.org/presentationml/2006/main">
-  <p:tag name="KSO_WM_TAG_VERSION" val="1.0"/>
-  <p:tag name="KSO_WM_BEAUTIFY_FLAG" val="#wm#"/>
-  <p:tag name="KSO_WM_UNIT_TYPE" val="i"/>
-  <p:tag name="KSO_WM_UNIT_ID" val="custom20184556_1*i*3"/>
-  <p:tag name="KSO_WM_TEMPLATE_CATEGORY" val="custom"/>
-  <p:tag name="KSO_WM_TEMPLATE_INDEX" val="20184556"/>
-  <p:tag name="KSO_WM_UNIT_INDEX" val="3"/>
-</p:tagLst>
-</file>
-
-<file path=ppt/tags/tag40.xml><?xml version="1.0" encoding="utf-8"?>
-<p:tagLst xmlns:a="http://schemas.openxmlformats.org/drawingml/2006/main" xmlns:r="http://schemas.openxmlformats.org/officeDocument/2006/relationships" xmlns:p="http://schemas.openxmlformats.org/presentationml/2006/main">
+<file path=ppt/tags/tag39.xml><?xml version="1.0" encoding="utf-8"?>
+<p:tagLst xmlns:p="http://schemas.openxmlformats.org/presentationml/2006/main">
   <p:tag name="KSO_WM_TEMPLATE_CATEGORY" val="custom"/>
   <p:tag name="KSO_WM_TEMPLATE_INDEX" val="20186830"/>
   <p:tag name="KSO_WM_TAG_VERSION" val="1.0"/>
@@ -18183,8 +20040,20 @@
 </p:tagLst>
 </file>
 
-<file path=ppt/tags/tag41.xml><?xml version="1.0" encoding="utf-8"?>
-<p:tagLst xmlns:a="http://schemas.openxmlformats.org/drawingml/2006/main" xmlns:r="http://schemas.openxmlformats.org/officeDocument/2006/relationships" xmlns:p="http://schemas.openxmlformats.org/presentationml/2006/main">
+<file path=ppt/tags/tag4.xml><?xml version="1.0" encoding="utf-8"?>
+<p:tagLst xmlns:p="http://schemas.openxmlformats.org/presentationml/2006/main">
+  <p:tag name="KSO_WM_TAG_VERSION" val="1.0"/>
+  <p:tag name="KSO_WM_BEAUTIFY_FLAG" val="#wm#"/>
+  <p:tag name="KSO_WM_UNIT_TYPE" val="i"/>
+  <p:tag name="KSO_WM_UNIT_ID" val="custom20184556_1*i*6"/>
+  <p:tag name="KSO_WM_TEMPLATE_CATEGORY" val="custom"/>
+  <p:tag name="KSO_WM_TEMPLATE_INDEX" val="20184556"/>
+  <p:tag name="KSO_WM_UNIT_INDEX" val="6"/>
+</p:tagLst>
+</file>
+
+<file path=ppt/tags/tag40.xml><?xml version="1.0" encoding="utf-8"?>
+<p:tagLst xmlns:p="http://schemas.openxmlformats.org/presentationml/2006/main">
   <p:tag name="KSO_WM_TEMPLATE_CATEGORY" val="custom"/>
   <p:tag name="KSO_WM_TEMPLATE_INDEX" val="20186830"/>
   <p:tag name="KSO_WM_TAG_VERSION" val="1.0"/>
@@ -18202,8 +20071,8 @@
 </p:tagLst>
 </file>
 
-<file path=ppt/tags/tag42.xml><?xml version="1.0" encoding="utf-8"?>
-<p:tagLst xmlns:a="http://schemas.openxmlformats.org/drawingml/2006/main" xmlns:r="http://schemas.openxmlformats.org/officeDocument/2006/relationships" xmlns:p="http://schemas.openxmlformats.org/presentationml/2006/main">
+<file path=ppt/tags/tag41.xml><?xml version="1.0" encoding="utf-8"?>
+<p:tagLst xmlns:p="http://schemas.openxmlformats.org/presentationml/2006/main">
   <p:tag name="KSO_WM_TEMPLATE_CATEGORY" val="custom"/>
   <p:tag name="KSO_WM_TEMPLATE_INDEX" val="20186830"/>
   <p:tag name="KSO_WM_TAG_VERSION" val="1.0"/>
@@ -18222,8 +20091,8 @@
 </p:tagLst>
 </file>
 
-<file path=ppt/tags/tag43.xml><?xml version="1.0" encoding="utf-8"?>
-<p:tagLst xmlns:a="http://schemas.openxmlformats.org/drawingml/2006/main" xmlns:r="http://schemas.openxmlformats.org/officeDocument/2006/relationships" xmlns:p="http://schemas.openxmlformats.org/presentationml/2006/main">
+<file path=ppt/tags/tag42.xml><?xml version="1.0" encoding="utf-8"?>
+<p:tagLst xmlns:p="http://schemas.openxmlformats.org/presentationml/2006/main">
   <p:tag name="KSO_WM_TEMPLATE_CATEGORY" val="custom"/>
   <p:tag name="KSO_WM_TEMPLATE_INDEX" val="20186830"/>
   <p:tag name="KSO_WM_TAG_VERSION" val="1.0"/>
@@ -18241,8 +20110,8 @@
 </p:tagLst>
 </file>
 
-<file path=ppt/tags/tag44.xml><?xml version="1.0" encoding="utf-8"?>
-<p:tagLst xmlns:a="http://schemas.openxmlformats.org/drawingml/2006/main" xmlns:r="http://schemas.openxmlformats.org/officeDocument/2006/relationships" xmlns:p="http://schemas.openxmlformats.org/presentationml/2006/main">
+<file path=ppt/tags/tag43.xml><?xml version="1.0" encoding="utf-8"?>
+<p:tagLst xmlns:p="http://schemas.openxmlformats.org/presentationml/2006/main">
   <p:tag name="KSO_WM_TEMPLATE_CATEGORY" val="custom"/>
   <p:tag name="KSO_WM_TEMPLATE_INDEX" val="20186830"/>
   <p:tag name="KSO_WM_TAG_VERSION" val="1.0"/>
@@ -18261,8 +20130,8 @@
 </p:tagLst>
 </file>
 
-<file path=ppt/tags/tag45.xml><?xml version="1.0" encoding="utf-8"?>
-<p:tagLst xmlns:a="http://schemas.openxmlformats.org/drawingml/2006/main" xmlns:r="http://schemas.openxmlformats.org/officeDocument/2006/relationships" xmlns:p="http://schemas.openxmlformats.org/presentationml/2006/main">
+<file path=ppt/tags/tag44.xml><?xml version="1.0" encoding="utf-8"?>
+<p:tagLst xmlns:p="http://schemas.openxmlformats.org/presentationml/2006/main">
   <p:tag name="KSO_WM_TEMPLATE_CATEGORY" val="custom"/>
   <p:tag name="KSO_WM_TEMPLATE_INDEX" val="20186830"/>
   <p:tag name="KSO_WM_TAG_VERSION" val="1.0"/>
@@ -18280,8 +20149,8 @@
 </p:tagLst>
 </file>
 
-<file path=ppt/tags/tag46.xml><?xml version="1.0" encoding="utf-8"?>
-<p:tagLst xmlns:a="http://schemas.openxmlformats.org/drawingml/2006/main" xmlns:r="http://schemas.openxmlformats.org/officeDocument/2006/relationships" xmlns:p="http://schemas.openxmlformats.org/presentationml/2006/main">
+<file path=ppt/tags/tag45.xml><?xml version="1.0" encoding="utf-8"?>
+<p:tagLst xmlns:p="http://schemas.openxmlformats.org/presentationml/2006/main">
   <p:tag name="KSO_WM_TEMPLATE_CATEGORY" val="custom"/>
   <p:tag name="KSO_WM_TEMPLATE_INDEX" val="20186830"/>
   <p:tag name="KSO_WM_TAG_VERSION" val="1.0"/>
@@ -18300,8 +20169,8 @@
 </p:tagLst>
 </file>
 
-<file path=ppt/tags/tag47.xml><?xml version="1.0" encoding="utf-8"?>
-<p:tagLst xmlns:a="http://schemas.openxmlformats.org/drawingml/2006/main" xmlns:r="http://schemas.openxmlformats.org/officeDocument/2006/relationships" xmlns:p="http://schemas.openxmlformats.org/presentationml/2006/main">
+<file path=ppt/tags/tag46.xml><?xml version="1.0" encoding="utf-8"?>
+<p:tagLst xmlns:p="http://schemas.openxmlformats.org/presentationml/2006/main">
   <p:tag name="KSO_WM_TEMPLATE_CATEGORY" val="custom"/>
   <p:tag name="KSO_WM_TEMPLATE_INDEX" val="20186830"/>
   <p:tag name="KSO_WM_TAG_VERSION" val="1.0"/>
@@ -18319,8 +20188,8 @@
 </p:tagLst>
 </file>
 
-<file path=ppt/tags/tag48.xml><?xml version="1.0" encoding="utf-8"?>
-<p:tagLst xmlns:a="http://schemas.openxmlformats.org/drawingml/2006/main" xmlns:r="http://schemas.openxmlformats.org/officeDocument/2006/relationships" xmlns:p="http://schemas.openxmlformats.org/presentationml/2006/main">
+<file path=ppt/tags/tag47.xml><?xml version="1.0" encoding="utf-8"?>
+<p:tagLst xmlns:p="http://schemas.openxmlformats.org/presentationml/2006/main">
   <p:tag name="KSO_WM_TEMPLATE_CATEGORY" val="custom"/>
   <p:tag name="KSO_WM_TEMPLATE_INDEX" val="20186830"/>
   <p:tag name="KSO_WM_TAG_VERSION" val="1.0"/>
@@ -18339,8 +20208,8 @@
 </p:tagLst>
 </file>
 
-<file path=ppt/tags/tag49.xml><?xml version="1.0" encoding="utf-8"?>
-<p:tagLst xmlns:a="http://schemas.openxmlformats.org/drawingml/2006/main" xmlns:r="http://schemas.openxmlformats.org/officeDocument/2006/relationships" xmlns:p="http://schemas.openxmlformats.org/presentationml/2006/main">
+<file path=ppt/tags/tag48.xml><?xml version="1.0" encoding="utf-8"?>
+<p:tagLst xmlns:p="http://schemas.openxmlformats.org/presentationml/2006/main">
   <p:tag name="KSO_WM_TEMPLATE_CATEGORY" val="custom"/>
   <p:tag name="KSO_WM_TEMPLATE_INDEX" val="20186830"/>
   <p:tag name="KSO_WM_TAG_VERSION" val="1.0"/>
@@ -18358,20 +20227,8 @@
 </p:tagLst>
 </file>
 
-<file path=ppt/tags/tag5.xml><?xml version="1.0" encoding="utf-8"?>
-<p:tagLst xmlns:a="http://schemas.openxmlformats.org/drawingml/2006/main" xmlns:r="http://schemas.openxmlformats.org/officeDocument/2006/relationships" xmlns:p="http://schemas.openxmlformats.org/presentationml/2006/main">
-  <p:tag name="KSO_WM_TAG_VERSION" val="1.0"/>
-  <p:tag name="KSO_WM_BEAUTIFY_FLAG" val="#wm#"/>
-  <p:tag name="KSO_WM_UNIT_TYPE" val="i"/>
-  <p:tag name="KSO_WM_UNIT_ID" val="custom20184556_1*i*4"/>
-  <p:tag name="KSO_WM_TEMPLATE_CATEGORY" val="custom"/>
-  <p:tag name="KSO_WM_TEMPLATE_INDEX" val="20184556"/>
-  <p:tag name="KSO_WM_UNIT_INDEX" val="4"/>
-</p:tagLst>
-</file>
-
-<file path=ppt/tags/tag50.xml><?xml version="1.0" encoding="utf-8"?>
-<p:tagLst xmlns:a="http://schemas.openxmlformats.org/drawingml/2006/main" xmlns:r="http://schemas.openxmlformats.org/officeDocument/2006/relationships" xmlns:p="http://schemas.openxmlformats.org/presentationml/2006/main">
+<file path=ppt/tags/tag49.xml><?xml version="1.0" encoding="utf-8"?>
+<p:tagLst xmlns:p="http://schemas.openxmlformats.org/presentationml/2006/main">
   <p:tag name="KSO_WM_TEMPLATE_CATEGORY" val="custom"/>
   <p:tag name="KSO_WM_TEMPLATE_INDEX" val="20186830"/>
   <p:tag name="KSO_WM_TAG_VERSION" val="1.0"/>
@@ -18390,8 +20247,20 @@
 </p:tagLst>
 </file>
 
-<file path=ppt/tags/tag51.xml><?xml version="1.0" encoding="utf-8"?>
-<p:tagLst xmlns:a="http://schemas.openxmlformats.org/drawingml/2006/main" xmlns:r="http://schemas.openxmlformats.org/officeDocument/2006/relationships" xmlns:p="http://schemas.openxmlformats.org/presentationml/2006/main">
+<file path=ppt/tags/tag5.xml><?xml version="1.0" encoding="utf-8"?>
+<p:tagLst xmlns:p="http://schemas.openxmlformats.org/presentationml/2006/main">
+  <p:tag name="KSO_WM_TAG_VERSION" val="1.0"/>
+  <p:tag name="KSO_WM_BEAUTIFY_FLAG" val="#wm#"/>
+  <p:tag name="KSO_WM_UNIT_TYPE" val="i"/>
+  <p:tag name="KSO_WM_UNIT_ID" val="custom20184556_1*i*7"/>
+  <p:tag name="KSO_WM_TEMPLATE_CATEGORY" val="custom"/>
+  <p:tag name="KSO_WM_TEMPLATE_INDEX" val="20184556"/>
+  <p:tag name="KSO_WM_UNIT_INDEX" val="7"/>
+</p:tagLst>
+</file>
+
+<file path=ppt/tags/tag50.xml><?xml version="1.0" encoding="utf-8"?>
+<p:tagLst xmlns:p="http://schemas.openxmlformats.org/presentationml/2006/main">
   <p:tag name="KSO_WM_TEMPLATE_CATEGORY" val="custom"/>
   <p:tag name="KSO_WM_TEMPLATE_INDEX" val="20186830"/>
   <p:tag name="KSO_WM_TAG_VERSION" val="1.0"/>
@@ -18409,8 +20278,8 @@
 </p:tagLst>
 </file>
 
-<file path=ppt/tags/tag52.xml><?xml version="1.0" encoding="utf-8"?>
-<p:tagLst xmlns:a="http://schemas.openxmlformats.org/drawingml/2006/main" xmlns:r="http://schemas.openxmlformats.org/officeDocument/2006/relationships" xmlns:p="http://schemas.openxmlformats.org/presentationml/2006/main">
+<file path=ppt/tags/tag51.xml><?xml version="1.0" encoding="utf-8"?>
+<p:tagLst xmlns:p="http://schemas.openxmlformats.org/presentationml/2006/main">
   <p:tag name="KSO_WM_TEMPLATE_CATEGORY" val="custom"/>
   <p:tag name="KSO_WM_TEMPLATE_INDEX" val="20186830"/>
   <p:tag name="KSO_WM_TAG_VERSION" val="1.0"/>
@@ -18429,8 +20298,8 @@
 </p:tagLst>
 </file>
 
-<file path=ppt/tags/tag53.xml><?xml version="1.0" encoding="utf-8"?>
-<p:tagLst xmlns:a="http://schemas.openxmlformats.org/drawingml/2006/main" xmlns:r="http://schemas.openxmlformats.org/officeDocument/2006/relationships" xmlns:p="http://schemas.openxmlformats.org/presentationml/2006/main">
+<file path=ppt/tags/tag52.xml><?xml version="1.0" encoding="utf-8"?>
+<p:tagLst xmlns:p="http://schemas.openxmlformats.org/presentationml/2006/main">
   <p:tag name="KSO_WM_TEMPLATE_CATEGORY" val="custom"/>
   <p:tag name="KSO_WM_TEMPLATE_INDEX" val="20186830"/>
   <p:tag name="KSO_WM_TAG_VERSION" val="1.0"/>
@@ -18448,8 +20317,8 @@
 </p:tagLst>
 </file>
 
-<file path=ppt/tags/tag54.xml><?xml version="1.0" encoding="utf-8"?>
-<p:tagLst xmlns:a="http://schemas.openxmlformats.org/drawingml/2006/main" xmlns:r="http://schemas.openxmlformats.org/officeDocument/2006/relationships" xmlns:p="http://schemas.openxmlformats.org/presentationml/2006/main">
+<file path=ppt/tags/tag53.xml><?xml version="1.0" encoding="utf-8"?>
+<p:tagLst xmlns:p="http://schemas.openxmlformats.org/presentationml/2006/main">
   <p:tag name="KSO_WM_TEMPLATE_CATEGORY" val="custom"/>
   <p:tag name="KSO_WM_TEMPLATE_INDEX" val="20186830"/>
   <p:tag name="KSO_WM_TAG_VERSION" val="1.0"/>
@@ -18468,8 +20337,8 @@
 </p:tagLst>
 </file>
 
-<file path=ppt/tags/tag55.xml><?xml version="1.0" encoding="utf-8"?>
-<p:tagLst xmlns:a="http://schemas.openxmlformats.org/drawingml/2006/main" xmlns:r="http://schemas.openxmlformats.org/officeDocument/2006/relationships" xmlns:p="http://schemas.openxmlformats.org/presentationml/2006/main">
+<file path=ppt/tags/tag54.xml><?xml version="1.0" encoding="utf-8"?>
+<p:tagLst xmlns:p="http://schemas.openxmlformats.org/presentationml/2006/main">
   <p:tag name="KSO_WM_TEMPLATE_CATEGORY" val="custom"/>
   <p:tag name="KSO_WM_TEMPLATE_INDEX" val="20186830"/>
   <p:tag name="KSO_WM_TAG_VERSION" val="1.0"/>
@@ -18487,8 +20356,8 @@
 </p:tagLst>
 </file>
 
-<file path=ppt/tags/tag56.xml><?xml version="1.0" encoding="utf-8"?>
-<p:tagLst xmlns:a="http://schemas.openxmlformats.org/drawingml/2006/main" xmlns:r="http://schemas.openxmlformats.org/officeDocument/2006/relationships" xmlns:p="http://schemas.openxmlformats.org/presentationml/2006/main">
+<file path=ppt/tags/tag55.xml><?xml version="1.0" encoding="utf-8"?>
+<p:tagLst xmlns:p="http://schemas.openxmlformats.org/presentationml/2006/main">
   <p:tag name="KSO_WM_TEMPLATE_CATEGORY" val="custom"/>
   <p:tag name="KSO_WM_TEMPLATE_INDEX" val="20186830"/>
   <p:tag name="KSO_WM_TAG_VERSION" val="1.0"/>
@@ -18507,8 +20376,8 @@
 </p:tagLst>
 </file>
 
-<file path=ppt/tags/tag57.xml><?xml version="1.0" encoding="utf-8"?>
-<p:tagLst xmlns:a="http://schemas.openxmlformats.org/drawingml/2006/main" xmlns:r="http://schemas.openxmlformats.org/officeDocument/2006/relationships" xmlns:p="http://schemas.openxmlformats.org/presentationml/2006/main">
+<file path=ppt/tags/tag56.xml><?xml version="1.0" encoding="utf-8"?>
+<p:tagLst xmlns:p="http://schemas.openxmlformats.org/presentationml/2006/main">
   <p:tag name="KSO_WM_TEMPLATE_CATEGORY" val="custom"/>
   <p:tag name="KSO_WM_TEMPLATE_INDEX" val="20186830"/>
   <p:tag name="KSO_WM_TAG_VERSION" val="1.0"/>
@@ -18526,8 +20395,8 @@
 </p:tagLst>
 </file>
 
-<file path=ppt/tags/tag58.xml><?xml version="1.0" encoding="utf-8"?>
-<p:tagLst xmlns:a="http://schemas.openxmlformats.org/drawingml/2006/main" xmlns:r="http://schemas.openxmlformats.org/officeDocument/2006/relationships" xmlns:p="http://schemas.openxmlformats.org/presentationml/2006/main">
+<file path=ppt/tags/tag57.xml><?xml version="1.0" encoding="utf-8"?>
+<p:tagLst xmlns:p="http://schemas.openxmlformats.org/presentationml/2006/main">
   <p:tag name="KSO_WM_TEMPLATE_CATEGORY" val="custom"/>
   <p:tag name="KSO_WM_TEMPLATE_INDEX" val="20186830"/>
   <p:tag name="KSO_WM_TAG_VERSION" val="1.0"/>
@@ -18546,8 +20415,8 @@
 </p:tagLst>
 </file>
 
-<file path=ppt/tags/tag59.xml><?xml version="1.0" encoding="utf-8"?>
-<p:tagLst xmlns:a="http://schemas.openxmlformats.org/drawingml/2006/main" xmlns:r="http://schemas.openxmlformats.org/officeDocument/2006/relationships" xmlns:p="http://schemas.openxmlformats.org/presentationml/2006/main">
+<file path=ppt/tags/tag58.xml><?xml version="1.0" encoding="utf-8"?>
+<p:tagLst xmlns:p="http://schemas.openxmlformats.org/presentationml/2006/main">
   <p:tag name="KSO_WM_TEMPLATE_CATEGORY" val="custom"/>
   <p:tag name="KSO_WM_TEMPLATE_INDEX" val="20186830"/>
   <p:tag name="KSO_WM_TAG_VERSION" val="1.0"/>
@@ -18565,20 +20434,8 @@
 </p:tagLst>
 </file>
 
-<file path=ppt/tags/tag6.xml><?xml version="1.0" encoding="utf-8"?>
-<p:tagLst xmlns:a="http://schemas.openxmlformats.org/drawingml/2006/main" xmlns:r="http://schemas.openxmlformats.org/officeDocument/2006/relationships" xmlns:p="http://schemas.openxmlformats.org/presentationml/2006/main">
-  <p:tag name="KSO_WM_TAG_VERSION" val="1.0"/>
-  <p:tag name="KSO_WM_BEAUTIFY_FLAG" val="#wm#"/>
-  <p:tag name="KSO_WM_UNIT_TYPE" val="i"/>
-  <p:tag name="KSO_WM_UNIT_ID" val="custom20184556_1*i*5"/>
-  <p:tag name="KSO_WM_TEMPLATE_CATEGORY" val="custom"/>
-  <p:tag name="KSO_WM_TEMPLATE_INDEX" val="20184556"/>
-  <p:tag name="KSO_WM_UNIT_INDEX" val="5"/>
-</p:tagLst>
-</file>
-
-<file path=ppt/tags/tag60.xml><?xml version="1.0" encoding="utf-8"?>
-<p:tagLst xmlns:a="http://schemas.openxmlformats.org/drawingml/2006/main" xmlns:r="http://schemas.openxmlformats.org/officeDocument/2006/relationships" xmlns:p="http://schemas.openxmlformats.org/presentationml/2006/main">
+<file path=ppt/tags/tag59.xml><?xml version="1.0" encoding="utf-8"?>
+<p:tagLst xmlns:p="http://schemas.openxmlformats.org/presentationml/2006/main">
   <p:tag name="KSO_WM_TEMPLATE_CATEGORY" val="custom"/>
   <p:tag name="KSO_WM_TEMPLATE_INDEX" val="20186830"/>
   <p:tag name="KSO_WM_TAG_VERSION" val="1.0"/>
@@ -18597,8 +20454,20 @@
 </p:tagLst>
 </file>
 
-<file path=ppt/tags/tag61.xml><?xml version="1.0" encoding="utf-8"?>
-<p:tagLst xmlns:a="http://schemas.openxmlformats.org/drawingml/2006/main" xmlns:r="http://schemas.openxmlformats.org/officeDocument/2006/relationships" xmlns:p="http://schemas.openxmlformats.org/presentationml/2006/main">
+<file path=ppt/tags/tag6.xml><?xml version="1.0" encoding="utf-8"?>
+<p:tagLst xmlns:p="http://schemas.openxmlformats.org/presentationml/2006/main">
+  <p:tag name="KSO_WM_TAG_VERSION" val="1.0"/>
+  <p:tag name="KSO_WM_BEAUTIFY_FLAG" val="#wm#"/>
+  <p:tag name="KSO_WM_UNIT_TYPE" val="i"/>
+  <p:tag name="KSO_WM_UNIT_ID" val="custom20184556_22*i*2"/>
+  <p:tag name="KSO_WM_TEMPLATE_CATEGORY" val="custom"/>
+  <p:tag name="KSO_WM_TEMPLATE_INDEX" val="20184556"/>
+  <p:tag name="KSO_WM_UNIT_INDEX" val="2"/>
+</p:tagLst>
+</file>
+
+<file path=ppt/tags/tag60.xml><?xml version="1.0" encoding="utf-8"?>
+<p:tagLst xmlns:p="http://schemas.openxmlformats.org/presentationml/2006/main">
   <p:tag name="KSO_WM_TEMPLATE_CATEGORY" val="custom"/>
   <p:tag name="KSO_WM_TEMPLATE_INDEX" val="20186830"/>
   <p:tag name="KSO_WM_TAG_VERSION" val="1.0"/>
@@ -18616,8 +20485,8 @@
 </p:tagLst>
 </file>
 
-<file path=ppt/tags/tag62.xml><?xml version="1.0" encoding="utf-8"?>
-<p:tagLst xmlns:a="http://schemas.openxmlformats.org/drawingml/2006/main" xmlns:r="http://schemas.openxmlformats.org/officeDocument/2006/relationships" xmlns:p="http://schemas.openxmlformats.org/presentationml/2006/main">
+<file path=ppt/tags/tag61.xml><?xml version="1.0" encoding="utf-8"?>
+<p:tagLst xmlns:p="http://schemas.openxmlformats.org/presentationml/2006/main">
   <p:tag name="KSO_WM_TEMPLATE_CATEGORY" val="custom"/>
   <p:tag name="KSO_WM_TEMPLATE_INDEX" val="20186830"/>
   <p:tag name="KSO_WM_TAG_VERSION" val="1.0"/>
@@ -18636,8 +20505,8 @@
 </p:tagLst>
 </file>
 
-<file path=ppt/tags/tag63.xml><?xml version="1.0" encoding="utf-8"?>
-<p:tagLst xmlns:a="http://schemas.openxmlformats.org/drawingml/2006/main" xmlns:r="http://schemas.openxmlformats.org/officeDocument/2006/relationships" xmlns:p="http://schemas.openxmlformats.org/presentationml/2006/main">
+<file path=ppt/tags/tag62.xml><?xml version="1.0" encoding="utf-8"?>
+<p:tagLst xmlns:p="http://schemas.openxmlformats.org/presentationml/2006/main">
   <p:tag name="KSO_WM_TEMPLATE_CATEGORY" val="custom"/>
   <p:tag name="KSO_WM_TEMPLATE_INDEX" val="20186830"/>
   <p:tag name="KSO_WM_TAG_VERSION" val="1.0"/>
@@ -18655,8 +20524,8 @@
 </p:tagLst>
 </file>
 
-<file path=ppt/tags/tag64.xml><?xml version="1.0" encoding="utf-8"?>
-<p:tagLst xmlns:a="http://schemas.openxmlformats.org/drawingml/2006/main" xmlns:r="http://schemas.openxmlformats.org/officeDocument/2006/relationships" xmlns:p="http://schemas.openxmlformats.org/presentationml/2006/main">
+<file path=ppt/tags/tag63.xml><?xml version="1.0" encoding="utf-8"?>
+<p:tagLst xmlns:p="http://schemas.openxmlformats.org/presentationml/2006/main">
   <p:tag name="KSO_WM_TEMPLATE_CATEGORY" val="custom"/>
   <p:tag name="KSO_WM_TEMPLATE_INDEX" val="20186830"/>
   <p:tag name="KSO_WM_TAG_VERSION" val="1.0"/>
@@ -18675,8 +20544,8 @@
 </p:tagLst>
 </file>
 
-<file path=ppt/tags/tag65.xml><?xml version="1.0" encoding="utf-8"?>
-<p:tagLst xmlns:a="http://schemas.openxmlformats.org/drawingml/2006/main" xmlns:r="http://schemas.openxmlformats.org/officeDocument/2006/relationships" xmlns:p="http://schemas.openxmlformats.org/presentationml/2006/main">
+<file path=ppt/tags/tag64.xml><?xml version="1.0" encoding="utf-8"?>
+<p:tagLst xmlns:p="http://schemas.openxmlformats.org/presentationml/2006/main">
   <p:tag name="KSO_WM_TEMPLATE_CATEGORY" val="custom"/>
   <p:tag name="KSO_WM_TEMPLATE_INDEX" val="20186830"/>
   <p:tag name="KSO_WM_TAG_VERSION" val="1.0"/>
@@ -18694,8 +20563,8 @@
 </p:tagLst>
 </file>
 
-<file path=ppt/tags/tag66.xml><?xml version="1.0" encoding="utf-8"?>
-<p:tagLst xmlns:a="http://schemas.openxmlformats.org/drawingml/2006/main" xmlns:r="http://schemas.openxmlformats.org/officeDocument/2006/relationships" xmlns:p="http://schemas.openxmlformats.org/presentationml/2006/main">
+<file path=ppt/tags/tag65.xml><?xml version="1.0" encoding="utf-8"?>
+<p:tagLst xmlns:p="http://schemas.openxmlformats.org/presentationml/2006/main">
   <p:tag name="KSO_WM_TEMPLATE_CATEGORY" val="custom"/>
   <p:tag name="KSO_WM_TEMPLATE_INDEX" val="20186830"/>
   <p:tag name="KSO_WM_TAG_VERSION" val="1.0"/>
@@ -18714,8 +20583,8 @@
 </p:tagLst>
 </file>
 
-<file path=ppt/tags/tag67.xml><?xml version="1.0" encoding="utf-8"?>
-<p:tagLst xmlns:a="http://schemas.openxmlformats.org/drawingml/2006/main" xmlns:r="http://schemas.openxmlformats.org/officeDocument/2006/relationships" xmlns:p="http://schemas.openxmlformats.org/presentationml/2006/main">
+<file path=ppt/tags/tag66.xml><?xml version="1.0" encoding="utf-8"?>
+<p:tagLst xmlns:p="http://schemas.openxmlformats.org/presentationml/2006/main">
   <p:tag name="KSO_WM_TEMPLATE_CATEGORY" val="custom"/>
   <p:tag name="KSO_WM_TEMPLATE_INDEX" val="20186830"/>
   <p:tag name="KSO_WM_TAG_VERSION" val="1.0"/>
@@ -18733,8 +20602,8 @@
 </p:tagLst>
 </file>
 
-<file path=ppt/tags/tag68.xml><?xml version="1.0" encoding="utf-8"?>
-<p:tagLst xmlns:a="http://schemas.openxmlformats.org/drawingml/2006/main" xmlns:r="http://schemas.openxmlformats.org/officeDocument/2006/relationships" xmlns:p="http://schemas.openxmlformats.org/presentationml/2006/main">
+<file path=ppt/tags/tag67.xml><?xml version="1.0" encoding="utf-8"?>
+<p:tagLst xmlns:p="http://schemas.openxmlformats.org/presentationml/2006/main">
   <p:tag name="KSO_WM_TEMPLATE_CATEGORY" val="custom"/>
   <p:tag name="KSO_WM_TEMPLATE_INDEX" val="20186830"/>
   <p:tag name="KSO_WM_TAG_VERSION" val="1.0"/>
@@ -18753,8 +20622,8 @@
 </p:tagLst>
 </file>
 
-<file path=ppt/tags/tag69.xml><?xml version="1.0" encoding="utf-8"?>
-<p:tagLst xmlns:a="http://schemas.openxmlformats.org/drawingml/2006/main" xmlns:r="http://schemas.openxmlformats.org/officeDocument/2006/relationships" xmlns:p="http://schemas.openxmlformats.org/presentationml/2006/main">
+<file path=ppt/tags/tag68.xml><?xml version="1.0" encoding="utf-8"?>
+<p:tagLst xmlns:p="http://schemas.openxmlformats.org/presentationml/2006/main">
   <p:tag name="KSO_WM_TEMPLATE_CATEGORY" val="custom"/>
   <p:tag name="KSO_WM_TEMPLATE_INDEX" val="20186830"/>
   <p:tag name="KSO_WM_TAG_VERSION" val="1.0"/>
@@ -18772,20 +20641,8 @@
 </p:tagLst>
 </file>
 
-<file path=ppt/tags/tag7.xml><?xml version="1.0" encoding="utf-8"?>
-<p:tagLst xmlns:a="http://schemas.openxmlformats.org/drawingml/2006/main" xmlns:r="http://schemas.openxmlformats.org/officeDocument/2006/relationships" xmlns:p="http://schemas.openxmlformats.org/presentationml/2006/main">
-  <p:tag name="KSO_WM_TAG_VERSION" val="1.0"/>
-  <p:tag name="KSO_WM_BEAUTIFY_FLAG" val="#wm#"/>
-  <p:tag name="KSO_WM_UNIT_TYPE" val="i"/>
-  <p:tag name="KSO_WM_UNIT_ID" val="custom20184556_1*i*6"/>
-  <p:tag name="KSO_WM_TEMPLATE_CATEGORY" val="custom"/>
-  <p:tag name="KSO_WM_TEMPLATE_INDEX" val="20184556"/>
-  <p:tag name="KSO_WM_UNIT_INDEX" val="6"/>
-</p:tagLst>
-</file>
-
-<file path=ppt/tags/tag70.xml><?xml version="1.0" encoding="utf-8"?>
-<p:tagLst xmlns:a="http://schemas.openxmlformats.org/drawingml/2006/main" xmlns:r="http://schemas.openxmlformats.org/officeDocument/2006/relationships" xmlns:p="http://schemas.openxmlformats.org/presentationml/2006/main">
+<file path=ppt/tags/tag69.xml><?xml version="1.0" encoding="utf-8"?>
+<p:tagLst xmlns:p="http://schemas.openxmlformats.org/presentationml/2006/main">
   <p:tag name="KSO_WM_TEMPLATE_CATEGORY" val="custom"/>
   <p:tag name="KSO_WM_TEMPLATE_INDEX" val="20186830"/>
   <p:tag name="KSO_WM_TAG_VERSION" val="1.0"/>
@@ -18804,8 +20661,20 @@
 </p:tagLst>
 </file>
 
-<file path=ppt/tags/tag71.xml><?xml version="1.0" encoding="utf-8"?>
-<p:tagLst xmlns:a="http://schemas.openxmlformats.org/drawingml/2006/main" xmlns:r="http://schemas.openxmlformats.org/officeDocument/2006/relationships" xmlns:p="http://schemas.openxmlformats.org/presentationml/2006/main">
+<file path=ppt/tags/tag7.xml><?xml version="1.0" encoding="utf-8"?>
+<p:tagLst xmlns:p="http://schemas.openxmlformats.org/presentationml/2006/main">
+  <p:tag name="KSO_WM_TAG_VERSION" val="1.0"/>
+  <p:tag name="KSO_WM_BEAUTIFY_FLAG" val="#wm#"/>
+  <p:tag name="KSO_WM_UNIT_TYPE" val="i"/>
+  <p:tag name="KSO_WM_UNIT_ID" val="custom20184556_22*i*3"/>
+  <p:tag name="KSO_WM_TEMPLATE_CATEGORY" val="custom"/>
+  <p:tag name="KSO_WM_TEMPLATE_INDEX" val="20184556"/>
+  <p:tag name="KSO_WM_UNIT_INDEX" val="3"/>
+</p:tagLst>
+</file>
+
+<file path=ppt/tags/tag70.xml><?xml version="1.0" encoding="utf-8"?>
+<p:tagLst xmlns:p="http://schemas.openxmlformats.org/presentationml/2006/main">
   <p:tag name="KSO_WM_TEMPLATE_CATEGORY" val="custom"/>
   <p:tag name="KSO_WM_TEMPLATE_INDEX" val="20186830"/>
   <p:tag name="KSO_WM_TAG_VERSION" val="1.0"/>
@@ -18823,8 +20692,8 @@
 </p:tagLst>
 </file>
 
-<file path=ppt/tags/tag72.xml><?xml version="1.0" encoding="utf-8"?>
-<p:tagLst xmlns:a="http://schemas.openxmlformats.org/drawingml/2006/main" xmlns:r="http://schemas.openxmlformats.org/officeDocument/2006/relationships" xmlns:p="http://schemas.openxmlformats.org/presentationml/2006/main">
+<file path=ppt/tags/tag71.xml><?xml version="1.0" encoding="utf-8"?>
+<p:tagLst xmlns:p="http://schemas.openxmlformats.org/presentationml/2006/main">
   <p:tag name="KSO_WM_TEMPLATE_CATEGORY" val="custom"/>
   <p:tag name="KSO_WM_TEMPLATE_INDEX" val="20186830"/>
   <p:tag name="KSO_WM_TAG_VERSION" val="1.0"/>
@@ -18843,8 +20712,8 @@
 </p:tagLst>
 </file>
 
-<file path=ppt/tags/tag73.xml><?xml version="1.0" encoding="utf-8"?>
-<p:tagLst xmlns:a="http://schemas.openxmlformats.org/drawingml/2006/main" xmlns:r="http://schemas.openxmlformats.org/officeDocument/2006/relationships" xmlns:p="http://schemas.openxmlformats.org/presentationml/2006/main">
+<file path=ppt/tags/tag72.xml><?xml version="1.0" encoding="utf-8"?>
+<p:tagLst xmlns:p="http://schemas.openxmlformats.org/presentationml/2006/main">
   <p:tag name="KSO_WM_TEMPLATE_CATEGORY" val="custom"/>
   <p:tag name="KSO_WM_TEMPLATE_INDEX" val="20186830"/>
   <p:tag name="KSO_WM_TAG_VERSION" val="1.0"/>
@@ -18862,8 +20731,8 @@
 </p:tagLst>
 </file>
 
-<file path=ppt/tags/tag74.xml><?xml version="1.0" encoding="utf-8"?>
-<p:tagLst xmlns:a="http://schemas.openxmlformats.org/drawingml/2006/main" xmlns:r="http://schemas.openxmlformats.org/officeDocument/2006/relationships" xmlns:p="http://schemas.openxmlformats.org/presentationml/2006/main">
+<file path=ppt/tags/tag73.xml><?xml version="1.0" encoding="utf-8"?>
+<p:tagLst xmlns:p="http://schemas.openxmlformats.org/presentationml/2006/main">
   <p:tag name="KSO_WM_TEMPLATE_CATEGORY" val="custom"/>
   <p:tag name="KSO_WM_TEMPLATE_INDEX" val="20186830"/>
   <p:tag name="KSO_WM_TAG_VERSION" val="1.0"/>
@@ -18882,8 +20751,8 @@
 </p:tagLst>
 </file>
 
-<file path=ppt/tags/tag75.xml><?xml version="1.0" encoding="utf-8"?>
-<p:tagLst xmlns:a="http://schemas.openxmlformats.org/drawingml/2006/main" xmlns:r="http://schemas.openxmlformats.org/officeDocument/2006/relationships" xmlns:p="http://schemas.openxmlformats.org/presentationml/2006/main">
+<file path=ppt/tags/tag74.xml><?xml version="1.0" encoding="utf-8"?>
+<p:tagLst xmlns:p="http://schemas.openxmlformats.org/presentationml/2006/main">
   <p:tag name="KSO_WM_TEMPLATE_CATEGORY" val="custom"/>
   <p:tag name="KSO_WM_TEMPLATE_INDEX" val="20186830"/>
   <p:tag name="KSO_WM_TAG_VERSION" val="1.0"/>
@@ -18901,8 +20770,8 @@
 </p:tagLst>
 </file>
 
-<file path=ppt/tags/tag76.xml><?xml version="1.0" encoding="utf-8"?>
-<p:tagLst xmlns:a="http://schemas.openxmlformats.org/drawingml/2006/main" xmlns:r="http://schemas.openxmlformats.org/officeDocument/2006/relationships" xmlns:p="http://schemas.openxmlformats.org/presentationml/2006/main">
+<file path=ppt/tags/tag75.xml><?xml version="1.0" encoding="utf-8"?>
+<p:tagLst xmlns:p="http://schemas.openxmlformats.org/presentationml/2006/main">
   <p:tag name="KSO_WM_TEMPLATE_CATEGORY" val="custom"/>
   <p:tag name="KSO_WM_TEMPLATE_INDEX" val="20186830"/>
   <p:tag name="KSO_WM_TAG_VERSION" val="1.0"/>
@@ -18921,8 +20790,8 @@
 </p:tagLst>
 </file>
 
-<file path=ppt/tags/tag77.xml><?xml version="1.0" encoding="utf-8"?>
-<p:tagLst xmlns:a="http://schemas.openxmlformats.org/drawingml/2006/main" xmlns:r="http://schemas.openxmlformats.org/officeDocument/2006/relationships" xmlns:p="http://schemas.openxmlformats.org/presentationml/2006/main">
+<file path=ppt/tags/tag76.xml><?xml version="1.0" encoding="utf-8"?>
+<p:tagLst xmlns:p="http://schemas.openxmlformats.org/presentationml/2006/main">
   <p:tag name="KSO_WM_TEMPLATE_CATEGORY" val="custom"/>
   <p:tag name="KSO_WM_TEMPLATE_INDEX" val="20186830"/>
   <p:tag name="KSO_WM_TAG_VERSION" val="1.0"/>
@@ -18940,8 +20809,8 @@
 </p:tagLst>
 </file>
 
-<file path=ppt/tags/tag78.xml><?xml version="1.0" encoding="utf-8"?>
-<p:tagLst xmlns:a="http://schemas.openxmlformats.org/drawingml/2006/main" xmlns:r="http://schemas.openxmlformats.org/officeDocument/2006/relationships" xmlns:p="http://schemas.openxmlformats.org/presentationml/2006/main">
+<file path=ppt/tags/tag77.xml><?xml version="1.0" encoding="utf-8"?>
+<p:tagLst xmlns:p="http://schemas.openxmlformats.org/presentationml/2006/main">
   <p:tag name="KSO_WM_TEMPLATE_CATEGORY" val="custom"/>
   <p:tag name="KSO_WM_TEMPLATE_INDEX" val="20186830"/>
   <p:tag name="KSO_WM_TAG_VERSION" val="1.0"/>
@@ -18960,8 +20829,8 @@
 </p:tagLst>
 </file>
 
-<file path=ppt/tags/tag79.xml><?xml version="1.0" encoding="utf-8"?>
-<p:tagLst xmlns:a="http://schemas.openxmlformats.org/drawingml/2006/main" xmlns:r="http://schemas.openxmlformats.org/officeDocument/2006/relationships" xmlns:p="http://schemas.openxmlformats.org/presentationml/2006/main">
+<file path=ppt/tags/tag78.xml><?xml version="1.0" encoding="utf-8"?>
+<p:tagLst xmlns:p="http://schemas.openxmlformats.org/presentationml/2006/main">
   <p:tag name="KSO_WM_TEMPLATE_CATEGORY" val="custom"/>
   <p:tag name="KSO_WM_TEMPLATE_INDEX" val="20186830"/>
   <p:tag name="KSO_WM_TAG_VERSION" val="1.0"/>
@@ -18979,20 +20848,8 @@
 </p:tagLst>
 </file>
 
-<file path=ppt/tags/tag8.xml><?xml version="1.0" encoding="utf-8"?>
-<p:tagLst xmlns:a="http://schemas.openxmlformats.org/drawingml/2006/main" xmlns:r="http://schemas.openxmlformats.org/officeDocument/2006/relationships" xmlns:p="http://schemas.openxmlformats.org/presentationml/2006/main">
-  <p:tag name="KSO_WM_TAG_VERSION" val="1.0"/>
-  <p:tag name="KSO_WM_BEAUTIFY_FLAG" val="#wm#"/>
-  <p:tag name="KSO_WM_UNIT_TYPE" val="i"/>
-  <p:tag name="KSO_WM_UNIT_ID" val="custom20184556_1*i*7"/>
-  <p:tag name="KSO_WM_TEMPLATE_CATEGORY" val="custom"/>
-  <p:tag name="KSO_WM_TEMPLATE_INDEX" val="20184556"/>
-  <p:tag name="KSO_WM_UNIT_INDEX" val="7"/>
-</p:tagLst>
-</file>
-
-<file path=ppt/tags/tag80.xml><?xml version="1.0" encoding="utf-8"?>
-<p:tagLst xmlns:a="http://schemas.openxmlformats.org/drawingml/2006/main" xmlns:r="http://schemas.openxmlformats.org/officeDocument/2006/relationships" xmlns:p="http://schemas.openxmlformats.org/presentationml/2006/main">
+<file path=ppt/tags/tag79.xml><?xml version="1.0" encoding="utf-8"?>
+<p:tagLst xmlns:p="http://schemas.openxmlformats.org/presentationml/2006/main">
   <p:tag name="KSO_WM_TEMPLATE_CATEGORY" val="custom"/>
   <p:tag name="KSO_WM_TEMPLATE_INDEX" val="20186830"/>
   <p:tag name="KSO_WM_TAG_VERSION" val="1.0"/>
@@ -19011,8 +20868,20 @@
 </p:tagLst>
 </file>
 
-<file path=ppt/tags/tag81.xml><?xml version="1.0" encoding="utf-8"?>
-<p:tagLst xmlns:a="http://schemas.openxmlformats.org/drawingml/2006/main" xmlns:r="http://schemas.openxmlformats.org/officeDocument/2006/relationships" xmlns:p="http://schemas.openxmlformats.org/presentationml/2006/main">
+<file path=ppt/tags/tag8.xml><?xml version="1.0" encoding="utf-8"?>
+<p:tagLst xmlns:p="http://schemas.openxmlformats.org/presentationml/2006/main">
+  <p:tag name="KSO_WM_TAG_VERSION" val="1.0"/>
+  <p:tag name="KSO_WM_BEAUTIFY_FLAG" val="#wm#"/>
+  <p:tag name="KSO_WM_UNIT_TYPE" val="i"/>
+  <p:tag name="KSO_WM_UNIT_ID" val="custom20184556_22*i*4"/>
+  <p:tag name="KSO_WM_TEMPLATE_CATEGORY" val="custom"/>
+  <p:tag name="KSO_WM_TEMPLATE_INDEX" val="20184556"/>
+  <p:tag name="KSO_WM_UNIT_INDEX" val="4"/>
+</p:tagLst>
+</file>
+
+<file path=ppt/tags/tag80.xml><?xml version="1.0" encoding="utf-8"?>
+<p:tagLst xmlns:p="http://schemas.openxmlformats.org/presentationml/2006/main">
   <p:tag name="KSO_WM_TEMPLATE_CATEGORY" val="custom"/>
   <p:tag name="KSO_WM_TEMPLATE_INDEX" val="20186830"/>
   <p:tag name="KSO_WM_TAG_VERSION" val="1.0"/>
@@ -19030,8 +20899,8 @@
 </p:tagLst>
 </file>
 
-<file path=ppt/tags/tag82.xml><?xml version="1.0" encoding="utf-8"?>
-<p:tagLst xmlns:a="http://schemas.openxmlformats.org/drawingml/2006/main" xmlns:r="http://schemas.openxmlformats.org/officeDocument/2006/relationships" xmlns:p="http://schemas.openxmlformats.org/presentationml/2006/main">
+<file path=ppt/tags/tag81.xml><?xml version="1.0" encoding="utf-8"?>
+<p:tagLst xmlns:p="http://schemas.openxmlformats.org/presentationml/2006/main">
   <p:tag name="KSO_WM_TEMPLATE_CATEGORY" val="custom"/>
   <p:tag name="KSO_WM_TEMPLATE_INDEX" val="20186830"/>
   <p:tag name="KSO_WM_TAG_VERSION" val="1.0"/>
@@ -19050,8 +20919,8 @@
 </p:tagLst>
 </file>
 
-<file path=ppt/tags/tag83.xml><?xml version="1.0" encoding="utf-8"?>
-<p:tagLst xmlns:a="http://schemas.openxmlformats.org/drawingml/2006/main" xmlns:r="http://schemas.openxmlformats.org/officeDocument/2006/relationships" xmlns:p="http://schemas.openxmlformats.org/presentationml/2006/main">
+<file path=ppt/tags/tag82.xml><?xml version="1.0" encoding="utf-8"?>
+<p:tagLst xmlns:p="http://schemas.openxmlformats.org/presentationml/2006/main">
   <p:tag name="KSO_WM_TEMPLATE_CATEGORY" val="custom"/>
   <p:tag name="KSO_WM_TEMPLATE_INDEX" val="20186830"/>
   <p:tag name="KSO_WM_TAG_VERSION" val="1.0"/>
@@ -19069,8 +20938,8 @@
 </p:tagLst>
 </file>
 
-<file path=ppt/tags/tag84.xml><?xml version="1.0" encoding="utf-8"?>
-<p:tagLst xmlns:a="http://schemas.openxmlformats.org/drawingml/2006/main" xmlns:r="http://schemas.openxmlformats.org/officeDocument/2006/relationships" xmlns:p="http://schemas.openxmlformats.org/presentationml/2006/main">
+<file path=ppt/tags/tag83.xml><?xml version="1.0" encoding="utf-8"?>
+<p:tagLst xmlns:p="http://schemas.openxmlformats.org/presentationml/2006/main">
   <p:tag name="KSO_WM_TEMPLATE_CATEGORY" val="custom"/>
   <p:tag name="KSO_WM_TEMPLATE_INDEX" val="20186830"/>
   <p:tag name="KSO_WM_TAG_VERSION" val="1.0"/>
@@ -19089,30 +20958,244 @@
 </p:tagLst>
 </file>
 
+<file path=ppt/tags/tag84.xml><?xml version="1.0" encoding="utf-8"?>
+<p:tagLst xmlns:p="http://schemas.openxmlformats.org/presentationml/2006/main">
+  <p:tag name="KSO_WM_TEMPLATE_CATEGORY" val="custom"/>
+  <p:tag name="KSO_WM_TEMPLATE_INDEX" val="20186830"/>
+  <p:tag name="KSO_WM_TAG_VERSION" val="1.0"/>
+  <p:tag name="KSO_WM_SLIDE_ID" val="custom20186830_7"/>
+  <p:tag name="KSO_WM_SLIDE_INDEX" val="7"/>
+  <p:tag name="KSO_WM_SLIDE_ITEM_CNT" val="1"/>
+  <p:tag name="KSO_WM_SLIDE_LAYOUT" val="a_l"/>
+  <p:tag name="KSO_WM_SLIDE_LAYOUT_CNT" val="1_1"/>
+  <p:tag name="KSO_WM_SLIDE_TYPE" val="text"/>
+  <p:tag name="KSO_WM_BEAUTIFY_FLAG" val="#wm#"/>
+  <p:tag name="KSO_WM_SLIDE_POSITION" val="25*85"/>
+  <p:tag name="KSO_WM_SLIDE_SIZE" val="452*279"/>
+  <p:tag name="KSO_WM_DIAGRAM_GROUP_CODE" val="l1-1"/>
+  <p:tag name="KSO_WM_SLIDE_SUBTYPE" val="diag"/>
+</p:tagLst>
+</file>
+
 <file path=ppt/tags/tag85.xml><?xml version="1.0" encoding="utf-8"?>
-<p:tagLst xmlns:a="http://schemas.openxmlformats.org/drawingml/2006/main" xmlns:r="http://schemas.openxmlformats.org/officeDocument/2006/relationships" xmlns:p="http://schemas.openxmlformats.org/presentationml/2006/main">
+<p:tagLst xmlns:p="http://schemas.openxmlformats.org/presentationml/2006/main">
+  <p:tag name="KSO_WM_TEMPLATE_CATEGORY" val="custom"/>
+  <p:tag name="KSO_WM_TEMPLATE_INDEX" val="20186830"/>
+  <p:tag name="KSO_WM_TAG_VERSION" val="1.0"/>
+  <p:tag name="KSO_WM_BEAUTIFY_FLAG" val="#wm#"/>
+  <p:tag name="KSO_WM_UNIT_TYPE" val="a"/>
+  <p:tag name="KSO_WM_UNIT_INDEX" val="1"/>
+  <p:tag name="KSO_WM_UNIT_ID" val="custom20186830_7*a*1"/>
+  <p:tag name="KSO_WM_UNIT_LAYERLEVEL" val="1"/>
+  <p:tag name="KSO_WM_UNIT_VALUE" val="19"/>
+  <p:tag name="KSO_WM_UNIT_ISCONTENTSTITLE" val="0"/>
+  <p:tag name="KSO_WM_UNIT_HIGHLIGHT" val="0"/>
+  <p:tag name="KSO_WM_UNIT_COMPATIBLE" val="0"/>
+  <p:tag name="KSO_WM_UNIT_CLEAR" val="0"/>
+  <p:tag name="KSO_WM_UNIT_PRESET_TEXT_INDEX" val="3"/>
+  <p:tag name="KSO_WM_UNIT_PRESET_TEXT_LEN" val="17"/>
+</p:tagLst>
+</file>
+
+<file path=ppt/tags/tag86.xml><?xml version="1.0" encoding="utf-8"?>
+<p:tagLst xmlns:p="http://schemas.openxmlformats.org/presentationml/2006/main">
+  <p:tag name="KSO_WM_TEMPLATE_CATEGORY" val="custom"/>
+  <p:tag name="KSO_WM_TEMPLATE_INDEX" val="20186830"/>
+  <p:tag name="KSO_WM_TAG_VERSION" val="1.0"/>
+  <p:tag name="KSO_WM_SLIDE_ID" val="custom20186830_7"/>
+  <p:tag name="KSO_WM_SLIDE_INDEX" val="7"/>
+  <p:tag name="KSO_WM_SLIDE_ITEM_CNT" val="1"/>
+  <p:tag name="KSO_WM_SLIDE_LAYOUT" val="a_l"/>
+  <p:tag name="KSO_WM_SLIDE_LAYOUT_CNT" val="1_1"/>
+  <p:tag name="KSO_WM_SLIDE_TYPE" val="text"/>
+  <p:tag name="KSO_WM_BEAUTIFY_FLAG" val="#wm#"/>
+  <p:tag name="KSO_WM_SLIDE_POSITION" val="25*85"/>
+  <p:tag name="KSO_WM_SLIDE_SIZE" val="452*279"/>
+  <p:tag name="KSO_WM_DIAGRAM_GROUP_CODE" val="l1-1"/>
+  <p:tag name="KSO_WM_SLIDE_SUBTYPE" val="diag"/>
+</p:tagLst>
+</file>
+
+<file path=ppt/tags/tag87.xml><?xml version="1.0" encoding="utf-8"?>
+<p:tagLst xmlns:p="http://schemas.openxmlformats.org/presentationml/2006/main">
+  <p:tag name="KSO_WM_TEMPLATE_CATEGORY" val="custom"/>
+  <p:tag name="KSO_WM_TEMPLATE_INDEX" val="20186830"/>
+  <p:tag name="KSO_WM_TAG_VERSION" val="1.0"/>
+  <p:tag name="KSO_WM_BEAUTIFY_FLAG" val="#wm#"/>
+  <p:tag name="KSO_WM_UNIT_TYPE" val="a"/>
+  <p:tag name="KSO_WM_UNIT_INDEX" val="1"/>
+  <p:tag name="KSO_WM_UNIT_ID" val="custom20186830_7*a*1"/>
+  <p:tag name="KSO_WM_UNIT_LAYERLEVEL" val="1"/>
+  <p:tag name="KSO_WM_UNIT_VALUE" val="19"/>
+  <p:tag name="KSO_WM_UNIT_ISCONTENTSTITLE" val="0"/>
+  <p:tag name="KSO_WM_UNIT_HIGHLIGHT" val="0"/>
+  <p:tag name="KSO_WM_UNIT_COMPATIBLE" val="0"/>
+  <p:tag name="KSO_WM_UNIT_CLEAR" val="0"/>
+  <p:tag name="KSO_WM_UNIT_PRESET_TEXT_INDEX" val="3"/>
+  <p:tag name="KSO_WM_UNIT_PRESET_TEXT_LEN" val="17"/>
+</p:tagLst>
+</file>
+
+<file path=ppt/tags/tag88.xml><?xml version="1.0" encoding="utf-8"?>
+<p:tagLst xmlns:p="http://schemas.openxmlformats.org/presentationml/2006/main">
+  <p:tag name="KSO_WM_TEMPLATE_CATEGORY" val="custom"/>
+  <p:tag name="KSO_WM_TEMPLATE_INDEX" val="20186830"/>
+  <p:tag name="KSO_WM_TAG_VERSION" val="1.0"/>
+  <p:tag name="KSO_WM_SLIDE_ID" val="custom20186830_7"/>
+  <p:tag name="KSO_WM_SLIDE_INDEX" val="7"/>
+  <p:tag name="KSO_WM_SLIDE_ITEM_CNT" val="1"/>
+  <p:tag name="KSO_WM_SLIDE_LAYOUT" val="a_l"/>
+  <p:tag name="KSO_WM_SLIDE_LAYOUT_CNT" val="1_1"/>
+  <p:tag name="KSO_WM_SLIDE_TYPE" val="text"/>
+  <p:tag name="KSO_WM_BEAUTIFY_FLAG" val="#wm#"/>
+  <p:tag name="KSO_WM_SLIDE_POSITION" val="25*85"/>
+  <p:tag name="KSO_WM_SLIDE_SIZE" val="452*279"/>
+  <p:tag name="KSO_WM_DIAGRAM_GROUP_CODE" val="l1-1"/>
+  <p:tag name="KSO_WM_SLIDE_SUBTYPE" val="diag"/>
+</p:tagLst>
+</file>
+
+<file path=ppt/tags/tag89.xml><?xml version="1.0" encoding="utf-8"?>
+<p:tagLst xmlns:p="http://schemas.openxmlformats.org/presentationml/2006/main">
+  <p:tag name="KSO_WM_TEMPLATE_CATEGORY" val="custom"/>
+  <p:tag name="KSO_WM_TEMPLATE_INDEX" val="20186830"/>
+  <p:tag name="KSO_WM_TAG_VERSION" val="1.0"/>
+  <p:tag name="KSO_WM_BEAUTIFY_FLAG" val="#wm#"/>
+  <p:tag name="KSO_WM_UNIT_TYPE" val="a"/>
+  <p:tag name="KSO_WM_UNIT_INDEX" val="1"/>
+  <p:tag name="KSO_WM_UNIT_ID" val="custom20186830_7*a*1"/>
+  <p:tag name="KSO_WM_UNIT_LAYERLEVEL" val="1"/>
+  <p:tag name="KSO_WM_UNIT_VALUE" val="19"/>
+  <p:tag name="KSO_WM_UNIT_ISCONTENTSTITLE" val="0"/>
+  <p:tag name="KSO_WM_UNIT_HIGHLIGHT" val="0"/>
+  <p:tag name="KSO_WM_UNIT_COMPATIBLE" val="0"/>
+  <p:tag name="KSO_WM_UNIT_CLEAR" val="0"/>
+  <p:tag name="KSO_WM_UNIT_PRESET_TEXT_INDEX" val="3"/>
+  <p:tag name="KSO_WM_UNIT_PRESET_TEXT_LEN" val="17"/>
+</p:tagLst>
+</file>
+
+<file path=ppt/tags/tag9.xml><?xml version="1.0" encoding="utf-8"?>
+<p:tagLst xmlns:p="http://schemas.openxmlformats.org/presentationml/2006/main">
+  <p:tag name="KSO_WM_TAG_VERSION" val="1.0"/>
+  <p:tag name="KSO_WM_BEAUTIFY_FLAG" val="#wm#"/>
+  <p:tag name="KSO_WM_UNIT_TYPE" val="i"/>
+  <p:tag name="KSO_WM_UNIT_ID" val="custom20184556_22*i*5"/>
+  <p:tag name="KSO_WM_TEMPLATE_CATEGORY" val="custom"/>
+  <p:tag name="KSO_WM_TEMPLATE_INDEX" val="20184556"/>
+  <p:tag name="KSO_WM_UNIT_INDEX" val="5"/>
+</p:tagLst>
+</file>
+
+<file path=ppt/tags/tag90.xml><?xml version="1.0" encoding="utf-8"?>
+<p:tagLst xmlns:p="http://schemas.openxmlformats.org/presentationml/2006/main">
+  <p:tag name="KSO_WM_TEMPLATE_CATEGORY" val="custom"/>
+  <p:tag name="KSO_WM_TEMPLATE_INDEX" val="20186830"/>
+  <p:tag name="KSO_WM_TAG_VERSION" val="1.0"/>
+  <p:tag name="KSO_WM_SLIDE_ID" val="custom20186830_7"/>
+  <p:tag name="KSO_WM_SLIDE_INDEX" val="7"/>
+  <p:tag name="KSO_WM_SLIDE_ITEM_CNT" val="1"/>
+  <p:tag name="KSO_WM_SLIDE_LAYOUT" val="a_l"/>
+  <p:tag name="KSO_WM_SLIDE_LAYOUT_CNT" val="1_1"/>
+  <p:tag name="KSO_WM_SLIDE_TYPE" val="text"/>
+  <p:tag name="KSO_WM_BEAUTIFY_FLAG" val="#wm#"/>
+  <p:tag name="KSO_WM_SLIDE_POSITION" val="25*85"/>
+  <p:tag name="KSO_WM_SLIDE_SIZE" val="452*279"/>
+  <p:tag name="KSO_WM_DIAGRAM_GROUP_CODE" val="l1-1"/>
+  <p:tag name="KSO_WM_SLIDE_SUBTYPE" val="diag"/>
+</p:tagLst>
+</file>
+
+<file path=ppt/tags/tag91.xml><?xml version="1.0" encoding="utf-8"?>
+<p:tagLst xmlns:p="http://schemas.openxmlformats.org/presentationml/2006/main">
+  <p:tag name="KSO_WM_TEMPLATE_CATEGORY" val="custom"/>
+  <p:tag name="KSO_WM_TEMPLATE_INDEX" val="20186830"/>
+  <p:tag name="KSO_WM_TAG_VERSION" val="1.0"/>
+  <p:tag name="KSO_WM_BEAUTIFY_FLAG" val="#wm#"/>
+  <p:tag name="KSO_WM_UNIT_TYPE" val="a"/>
+  <p:tag name="KSO_WM_UNIT_INDEX" val="1"/>
+  <p:tag name="KSO_WM_UNIT_ID" val="custom20186830_7*a*1"/>
+  <p:tag name="KSO_WM_UNIT_LAYERLEVEL" val="1"/>
+  <p:tag name="KSO_WM_UNIT_VALUE" val="19"/>
+  <p:tag name="KSO_WM_UNIT_ISCONTENTSTITLE" val="0"/>
+  <p:tag name="KSO_WM_UNIT_HIGHLIGHT" val="0"/>
+  <p:tag name="KSO_WM_UNIT_COMPATIBLE" val="0"/>
+  <p:tag name="KSO_WM_UNIT_CLEAR" val="0"/>
+  <p:tag name="KSO_WM_UNIT_PRESET_TEXT_INDEX" val="3"/>
+  <p:tag name="KSO_WM_UNIT_PRESET_TEXT_LEN" val="17"/>
+</p:tagLst>
+</file>
+
+<file path=ppt/tags/tag92.xml><?xml version="1.0" encoding="utf-8"?>
+<p:tagLst xmlns:p="http://schemas.openxmlformats.org/presentationml/2006/main">
+  <p:tag name="KSO_WM_TEMPLATE_CATEGORY" val="custom"/>
+  <p:tag name="KSO_WM_TEMPLATE_INDEX" val="20186830"/>
+  <p:tag name="KSO_WM_TAG_VERSION" val="1.0"/>
+  <p:tag name="KSO_WM_SLIDE_ID" val="custom20186830_7"/>
+  <p:tag name="KSO_WM_SLIDE_INDEX" val="7"/>
+  <p:tag name="KSO_WM_SLIDE_ITEM_CNT" val="1"/>
+  <p:tag name="KSO_WM_SLIDE_LAYOUT" val="a_l"/>
+  <p:tag name="KSO_WM_SLIDE_LAYOUT_CNT" val="1_1"/>
+  <p:tag name="KSO_WM_SLIDE_TYPE" val="text"/>
+  <p:tag name="KSO_WM_BEAUTIFY_FLAG" val="#wm#"/>
+  <p:tag name="KSO_WM_SLIDE_POSITION" val="25*85"/>
+  <p:tag name="KSO_WM_SLIDE_SIZE" val="452*279"/>
+  <p:tag name="KSO_WM_DIAGRAM_GROUP_CODE" val="l1-1"/>
+  <p:tag name="KSO_WM_SLIDE_SUBTYPE" val="diag"/>
+</p:tagLst>
+</file>
+
+<file path=ppt/tags/tag93.xml><?xml version="1.0" encoding="utf-8"?>
+<p:tagLst xmlns:p="http://schemas.openxmlformats.org/presentationml/2006/main">
+  <p:tag name="KSO_WM_TEMPLATE_CATEGORY" val="custom"/>
+  <p:tag name="KSO_WM_TEMPLATE_INDEX" val="20186830"/>
+  <p:tag name="KSO_WM_TAG_VERSION" val="1.0"/>
+  <p:tag name="KSO_WM_BEAUTIFY_FLAG" val="#wm#"/>
+  <p:tag name="KSO_WM_UNIT_TYPE" val="a"/>
+  <p:tag name="KSO_WM_UNIT_INDEX" val="1"/>
+  <p:tag name="KSO_WM_UNIT_ID" val="custom20186830_7*a*1"/>
+  <p:tag name="KSO_WM_UNIT_LAYERLEVEL" val="1"/>
+  <p:tag name="KSO_WM_UNIT_VALUE" val="19"/>
+  <p:tag name="KSO_WM_UNIT_ISCONTENTSTITLE" val="0"/>
+  <p:tag name="KSO_WM_UNIT_HIGHLIGHT" val="0"/>
+  <p:tag name="KSO_WM_UNIT_COMPATIBLE" val="0"/>
+  <p:tag name="KSO_WM_UNIT_CLEAR" val="0"/>
+  <p:tag name="KSO_WM_UNIT_PRESET_TEXT_INDEX" val="3"/>
+  <p:tag name="KSO_WM_UNIT_PRESET_TEXT_LEN" val="17"/>
+</p:tagLst>
+</file>
+
+<file path=ppt/tags/tag94.xml><?xml version="1.0" encoding="utf-8"?>
+<p:tagLst xmlns:p="http://schemas.openxmlformats.org/presentationml/2006/main">
+  <p:tag name="KSO_WM_TEMPLATE_CATEGORY" val="custom"/>
+  <p:tag name="KSO_WM_TEMPLATE_INDEX" val="20186830"/>
+  <p:tag name="KSO_WM_TAG_VERSION" val="1.0"/>
+  <p:tag name="KSO_WM_SLIDE_ID" val="custom20186830_7"/>
+  <p:tag name="KSO_WM_SLIDE_INDEX" val="7"/>
+  <p:tag name="KSO_WM_SLIDE_ITEM_CNT" val="1"/>
+  <p:tag name="KSO_WM_SLIDE_LAYOUT" val="a_l"/>
+  <p:tag name="KSO_WM_SLIDE_LAYOUT_CNT" val="1_1"/>
+  <p:tag name="KSO_WM_SLIDE_TYPE" val="text"/>
+  <p:tag name="KSO_WM_BEAUTIFY_FLAG" val="#wm#"/>
+  <p:tag name="KSO_WM_SLIDE_POSITION" val="25*85"/>
+  <p:tag name="KSO_WM_SLIDE_SIZE" val="452*279"/>
+  <p:tag name="KSO_WM_DIAGRAM_GROUP_CODE" val="l1-1"/>
+  <p:tag name="KSO_WM_SLIDE_SUBTYPE" val="diag"/>
+</p:tagLst>
+</file>
+
+<file path=ppt/tags/tag95.xml><?xml version="1.0" encoding="utf-8"?>
+<p:tagLst xmlns:p="http://schemas.openxmlformats.org/presentationml/2006/main">
   <p:tag name="KSO_WM_TEMPLATE_CATEGORY" val="custom"/>
   <p:tag name="KSO_WM_TEMPLATE_INDEX" val="20186830"/>
 </p:tagLst>
 </file>
 
-<file path=ppt/tags/tag86.xml><?xml version="1.0" encoding="utf-8"?>
-<p:tagLst xmlns:a="http://schemas.openxmlformats.org/drawingml/2006/main" xmlns:r="http://schemas.openxmlformats.org/officeDocument/2006/relationships" xmlns:p="http://schemas.openxmlformats.org/presentationml/2006/main">
+<file path=ppt/tags/tag96.xml><?xml version="1.0" encoding="utf-8"?>
+<p:tagLst xmlns:p="http://schemas.openxmlformats.org/presentationml/2006/main">
   <p:tag name="KSO_WM_BEAUTIFY_FLAG" val="#wm#"/>
   <p:tag name="KSO_WM_TEMPLATE_CATEGORY" val="custom"/>
   <p:tag name="KSO_WM_TEMPLATE_INDEX" val="20186830"/>
-</p:tagLst>
-</file>
-
-<file path=ppt/tags/tag9.xml><?xml version="1.0" encoding="utf-8"?>
-<p:tagLst xmlns:a="http://schemas.openxmlformats.org/drawingml/2006/main" xmlns:r="http://schemas.openxmlformats.org/officeDocument/2006/relationships" xmlns:p="http://schemas.openxmlformats.org/presentationml/2006/main">
-  <p:tag name="KSO_WM_TAG_VERSION" val="1.0"/>
-  <p:tag name="KSO_WM_BEAUTIFY_FLAG" val="#wm#"/>
-  <p:tag name="KSO_WM_UNIT_TYPE" val="i"/>
-  <p:tag name="KSO_WM_UNIT_ID" val="custom20184556_22*i*2"/>
-  <p:tag name="KSO_WM_TEMPLATE_CATEGORY" val="custom"/>
-  <p:tag name="KSO_WM_TEMPLATE_INDEX" val="20184556"/>
-  <p:tag name="KSO_WM_UNIT_INDEX" val="2"/>
 </p:tagLst>
 </file>
 
@@ -19307,8 +21390,6 @@
       </a:bgFillStyleLst>
     </a:fmtScheme>
   </a:themeElements>
-  <a:objectDefaults/>
-  <a:extraClrSchemeLst/>
   <a:extLst>
     <a:ext uri="{05A4C25C-085E-4340-85A3-A5531E510DB2}">
       <thm15:themeFamily xmlns:thm15="http://schemas.microsoft.com/office/thememl/2012/main" name="Office Theme" id="{62F939B6-93AF-4DB8-9C6B-D6C7DFDC589F}" vid="{4A3C46E8-61CC-4603-A589-7422A47A8E4A}"/>
@@ -19508,8 +21589,6 @@
       </a:bgFillStyleLst>
     </a:fmtScheme>
   </a:themeElements>
-  <a:objectDefaults/>
-  <a:extraClrSchemeLst/>
   <a:extLst>
     <a:ext uri="{05A4C25C-085E-4340-85A3-A5531E510DB2}">
       <thm15:themeFamily xmlns:thm15="http://schemas.microsoft.com/office/thememl/2012/main" name="Office Theme" id="{62F939B6-93AF-4DB8-9C6B-D6C7DFDC589F}" vid="{4A3C46E8-61CC-4603-A589-7422A47A8E4A}"/>
@@ -19796,8 +21875,6 @@
       </a:bgFillStyleLst>
     </a:fmtScheme>
   </a:themeElements>
-  <a:objectDefaults/>
-  <a:extraClrSchemeLst/>
   <a:extLst>
     <a:ext uri="{05A4C25C-085E-4340-85A3-A5531E510DB2}">
       <thm15:themeFamily xmlns:thm15="http://schemas.microsoft.com/office/thememl/2012/main" name="Office Theme" id="{62F939B6-93AF-4DB8-9C6B-D6C7DFDC589F}" vid="{4A3C46E8-61CC-4603-A589-7422A47A8E4A}"/>
@@ -20057,8 +22134,6 @@
       </a:bgFillStyleLst>
     </a:fmtScheme>
   </a:themeElements>
-  <a:objectDefaults/>
-  <a:extraClrSchemeLst/>
   <a:extLst>
     <a:ext uri="{05A4C25C-085E-4340-85A3-A5531E510DB2}">
       <thm15:themeFamily xmlns:thm15="http://schemas.microsoft.com/office/thememl/2012/main" name="Office Theme" id="{62F939B6-93AF-4DB8-9C6B-D6C7DFDC589F}" vid="{4A3C46E8-61CC-4603-A589-7422A47A8E4A}"/>

--- a/Design pattern/23种设计模式详解.pptx
+++ b/Design pattern/23种设计模式详解.pptx
@@ -9,7 +9,7 @@
     <p:notesMasterId r:id="rId5"/>
   </p:notesMasterIdLst>
   <p:handoutMasterIdLst>
-    <p:handoutMasterId r:id="rId48"/>
+    <p:handoutMasterId r:id="rId51"/>
   </p:handoutMasterIdLst>
   <p:sldIdLst>
     <p:sldId id="453" r:id="rId4"/>
@@ -48,13 +48,16 @@
     <p:sldId id="655" r:id="rId38"/>
     <p:sldId id="656" r:id="rId39"/>
     <p:sldId id="602" r:id="rId40"/>
-    <p:sldId id="603" r:id="rId41"/>
-    <p:sldId id="588" r:id="rId42"/>
-    <p:sldId id="589" r:id="rId43"/>
-    <p:sldId id="590" r:id="rId44"/>
-    <p:sldId id="592" r:id="rId45"/>
-    <p:sldId id="472" r:id="rId46"/>
-    <p:sldId id="577" r:id="rId47"/>
+    <p:sldId id="665" r:id="rId41"/>
+    <p:sldId id="670" r:id="rId42"/>
+    <p:sldId id="666" r:id="rId43"/>
+    <p:sldId id="603" r:id="rId44"/>
+    <p:sldId id="588" r:id="rId45"/>
+    <p:sldId id="589" r:id="rId46"/>
+    <p:sldId id="590" r:id="rId47"/>
+    <p:sldId id="592" r:id="rId48"/>
+    <p:sldId id="472" r:id="rId49"/>
+    <p:sldId id="577" r:id="rId50"/>
   </p:sldIdLst>
   <p:sldSz cx="9144000" cy="6858000" type="screen4x3"/>
   <p:notesSz cx="6858000" cy="9144000"/>
@@ -3267,7 +3270,79 @@
           <a:bodyPr/>
           <a:lstStyle/>
           <a:p>
-            <a:endParaRPr lang="zh-CN" altLang="en-US"/>
+            <a:r>
+              <a:rPr lang="en-US" altLang="zh-CN" dirty="0"/>
+              <a:t>为什么使用开闭原则</a:t>
+            </a:r>
+            <a:endParaRPr lang="en-US" altLang="zh-CN" dirty="0"/>
+          </a:p>
+          <a:p>
+            <a:r>
+              <a:rPr lang="en-US" altLang="zh-CN" dirty="0"/>
+              <a:t>第一：开闭原则非常有名，只要是面向对象编程，在开发时都会强调开闭原则</a:t>
+            </a:r>
+            <a:endParaRPr lang="en-US" altLang="zh-CN" dirty="0"/>
+          </a:p>
+          <a:p>
+            <a:endParaRPr lang="en-US" altLang="zh-CN" dirty="0"/>
+          </a:p>
+          <a:p>
+            <a:r>
+              <a:rPr lang="en-US" altLang="zh-CN" dirty="0"/>
+              <a:t>第二：开闭原则是最基础的设计原则，其它的五个设计原则都是开闭原则的具体形态，也就是说其它的五个设计原则是指导设计的工具和方法，而开闭原则才是其精神领袖。依照java语言的称谓，开闭原则是抽象类，而其它的五个原则是具体的实现类。</a:t>
+            </a:r>
+            <a:endParaRPr lang="en-US" altLang="zh-CN" dirty="0"/>
+          </a:p>
+          <a:p>
+            <a:endParaRPr lang="en-US" altLang="zh-CN" dirty="0"/>
+          </a:p>
+          <a:p>
+            <a:r>
+              <a:rPr lang="en-US" altLang="zh-CN" dirty="0"/>
+              <a:t>第三：开闭原则可以提高复用性 </a:t>
+            </a:r>
+            <a:endParaRPr lang="en-US" altLang="zh-CN" dirty="0"/>
+          </a:p>
+          <a:p>
+            <a:r>
+              <a:rPr lang="en-US" altLang="zh-CN" dirty="0"/>
+              <a:t>在面向对象的设计中，所有的逻辑都是从原子逻辑组合而来，不是在一个类中独立实现一个业务逻辑。只有这样的代码才可以复用，粒度越小，被复用的可能性越大。那为什么要复用呢？减少代码的重复，避免相同的逻辑分散在多个角落，减少维护人员的工作量。那怎么才能提高复用率呢？缩小逻辑粒度，直到一个逻辑不可以分为止。</a:t>
+            </a:r>
+            <a:endParaRPr lang="en-US" altLang="zh-CN" dirty="0"/>
+          </a:p>
+          <a:p>
+            <a:endParaRPr lang="en-US" altLang="zh-CN" dirty="0"/>
+          </a:p>
+          <a:p>
+            <a:r>
+              <a:rPr lang="en-US" altLang="zh-CN" dirty="0"/>
+              <a:t>第四：开闭原则可以提高维护性 </a:t>
+            </a:r>
+            <a:endParaRPr lang="en-US" altLang="zh-CN" dirty="0"/>
+          </a:p>
+          <a:p>
+            <a:r>
+              <a:rPr lang="en-US" altLang="zh-CN" dirty="0"/>
+              <a:t>一款软件量产后，维护人员的工作不仅仅对数据进行维护，还可能要对程序进行扩展，维护人员最乐意的事是扩展一个类，而不是修改一个类。让维护人员读懂原有代码，再进行修改，是一件非常痛苦的事情，不要让他在原有的代码海洋中游荡后再修改，那是对维护人员的折磨和摧残。</a:t>
+            </a:r>
+            <a:endParaRPr lang="en-US" altLang="zh-CN" dirty="0"/>
+          </a:p>
+          <a:p>
+            <a:endParaRPr lang="en-US" altLang="zh-CN" dirty="0"/>
+          </a:p>
+          <a:p>
+            <a:r>
+              <a:rPr lang="en-US" altLang="zh-CN" dirty="0"/>
+              <a:t>第五：面向对象开发的要求 </a:t>
+            </a:r>
+            <a:endParaRPr lang="en-US" altLang="zh-CN" dirty="0"/>
+          </a:p>
+          <a:p>
+            <a:r>
+              <a:rPr lang="en-US" altLang="zh-CN" dirty="0"/>
+              <a:t>万物皆对象，我们要把所有的事物抽象成对象，然后针对对象进行操作，但是万物皆发展变化，有变化就要有策略去应对，怎么快速应对呢？这就需要在设计之初考虑到所有可能变化的因素，然后留下接口，等待“可能”转变为“现实”。</a:t>
+            </a:r>
+            <a:endParaRPr lang="en-US" altLang="zh-CN" dirty="0"/>
           </a:p>
         </p:txBody>
       </p:sp>
@@ -3350,7 +3425,7 @@
           <a:bodyPr/>
           <a:lstStyle/>
           <a:p>
-            <a:endParaRPr lang="zh-CN" altLang="en-US"/>
+            <a:endParaRPr lang="en-US" altLang="zh-CN" dirty="0"/>
           </a:p>
         </p:txBody>
       </p:sp>
@@ -3433,7 +3508,134 @@
           <a:bodyPr/>
           <a:lstStyle/>
           <a:p>
-            <a:endParaRPr lang="zh-CN" altLang="en-US"/>
+            <a:r>
+              <a:rPr lang="en-US" altLang="zh-CN" dirty="0"/>
+              <a:t>- </a:t>
+            </a:r>
+            <a:r>
+              <a:rPr lang="zh-CN" altLang="en-US" dirty="0"/>
+              <a:t>在类的划分上，应该创建有弱耦合的类 </a:t>
+            </a:r>
+            <a:endParaRPr lang="zh-CN" altLang="en-US" dirty="0"/>
+          </a:p>
+          <a:p>
+            <a:r>
+              <a:rPr lang="zh-CN" altLang="en-US" dirty="0"/>
+              <a:t>通常我们以接口或者抽象类的方式抽象出来</a:t>
+            </a:r>
+            <a:endParaRPr lang="zh-CN" altLang="en-US" dirty="0"/>
+          </a:p>
+          <a:p>
+            <a:endParaRPr lang="zh-CN" altLang="en-US" dirty="0"/>
+          </a:p>
+          <a:p>
+            <a:r>
+              <a:rPr lang="en-US" altLang="zh-CN" dirty="0"/>
+              <a:t>- </a:t>
+            </a:r>
+            <a:r>
+              <a:rPr lang="zh-CN" altLang="en-US" dirty="0"/>
+              <a:t>在类的结构设计上，每一个类都应当尽量降低成员的访问权限 </a:t>
+            </a:r>
+            <a:endParaRPr lang="zh-CN" altLang="en-US" dirty="0"/>
+          </a:p>
+          <a:p>
+            <a:r>
+              <a:rPr lang="zh-CN" altLang="en-US" dirty="0"/>
+              <a:t>以减少public方法和属性，改为private、package－private、protected等访问权限，及是否可以加上final关键字，不可变的类和方法，对外提供固定服务。</a:t>
+            </a:r>
+            <a:endParaRPr lang="zh-CN" altLang="en-US" dirty="0"/>
+          </a:p>
+          <a:p>
+            <a:endParaRPr lang="zh-CN" altLang="en-US" dirty="0"/>
+          </a:p>
+          <a:p>
+            <a:r>
+              <a:rPr lang="en-US" altLang="zh-CN" dirty="0"/>
+              <a:t>- </a:t>
+            </a:r>
+            <a:r>
+              <a:rPr lang="zh-CN" altLang="en-US" dirty="0"/>
+              <a:t>在类的设计上，只要有可能，一个类应当设计成不变类 </a:t>
+            </a:r>
+            <a:endParaRPr lang="zh-CN" altLang="en-US" dirty="0"/>
+          </a:p>
+          <a:p>
+            <a:r>
+              <a:rPr lang="zh-CN" altLang="en-US" dirty="0"/>
+              <a:t>不可变的类和方法，对外提供固定服务。</a:t>
+            </a:r>
+            <a:endParaRPr lang="zh-CN" altLang="en-US" dirty="0"/>
+          </a:p>
+          <a:p>
+            <a:endParaRPr lang="zh-CN" altLang="en-US" dirty="0"/>
+          </a:p>
+          <a:p>
+            <a:r>
+              <a:rPr lang="en-US" altLang="zh-CN" dirty="0"/>
+              <a:t>- </a:t>
+            </a:r>
+            <a:r>
+              <a:rPr lang="zh-CN" altLang="en-US" dirty="0"/>
+              <a:t>在对其他类的引用上，一个对象对其它对象的引用应当降到最低 </a:t>
+            </a:r>
+            <a:endParaRPr lang="zh-CN" altLang="en-US" dirty="0"/>
+          </a:p>
+          <a:p>
+            <a:r>
+              <a:rPr lang="zh-CN" altLang="en-US" dirty="0"/>
+              <a:t>降低类与类之间的耦合度。</a:t>
+            </a:r>
+            <a:endParaRPr lang="zh-CN" altLang="en-US" dirty="0"/>
+          </a:p>
+          <a:p>
+            <a:endParaRPr lang="zh-CN" altLang="en-US" dirty="0"/>
+          </a:p>
+          <a:p>
+            <a:r>
+              <a:rPr lang="en-US" altLang="zh-CN" dirty="0"/>
+              <a:t>- </a:t>
+            </a:r>
+            <a:r>
+              <a:rPr lang="zh-CN" altLang="en-US" dirty="0"/>
+              <a:t>尽量降低类的访问权限 </a:t>
+            </a:r>
+            <a:endParaRPr lang="zh-CN" altLang="en-US" dirty="0"/>
+          </a:p>
+          <a:p>
+            <a:r>
+              <a:rPr lang="zh-CN" altLang="en-US" dirty="0"/>
+              <a:t>防止类或类对象被过度耦合在另一个类的方法中。</a:t>
+            </a:r>
+            <a:endParaRPr lang="zh-CN" altLang="en-US" dirty="0"/>
+          </a:p>
+          <a:p>
+            <a:endParaRPr lang="zh-CN" altLang="en-US" dirty="0"/>
+          </a:p>
+          <a:p>
+            <a:r>
+              <a:rPr lang="en-US" altLang="zh-CN" dirty="0"/>
+              <a:t>- </a:t>
+            </a:r>
+            <a:r>
+              <a:rPr lang="zh-CN" altLang="en-US" dirty="0"/>
+              <a:t>不要暴露类成员，而应该提供相应的访问器(属性)</a:t>
+            </a:r>
+            <a:endParaRPr lang="zh-CN" altLang="en-US" dirty="0"/>
+          </a:p>
+          <a:p>
+            <a:endParaRPr lang="zh-CN" altLang="en-US" dirty="0"/>
+          </a:p>
+          <a:p>
+            <a:r>
+              <a:rPr lang="en-US" altLang="zh-CN" dirty="0"/>
+              <a:t>- </a:t>
+            </a:r>
+            <a:r>
+              <a:rPr lang="zh-CN" altLang="en-US" dirty="0"/>
+              <a:t>谨慎使用序列化功能（类或接口在客户端变更，却未在服务端同步更新，引发序列化失败，项目管理易疏忽）</a:t>
+            </a:r>
+            <a:endParaRPr lang="zh-CN" altLang="en-US" dirty="0"/>
           </a:p>
         </p:txBody>
       </p:sp>
@@ -3551,6 +3753,255 @@
 </file>
 
 <file path=ppt/notesSlides/notesSlide34.xml><?xml version="1.0" encoding="utf-8"?>
+<p:notes xmlns:a="http://schemas.openxmlformats.org/drawingml/2006/main" xmlns:r="http://schemas.openxmlformats.org/officeDocument/2006/relationships" xmlns:p="http://schemas.openxmlformats.org/presentationml/2006/main">
+  <p:cSld>
+    <p:spTree>
+      <p:nvGrpSpPr>
+        <p:cNvPr id="1" name=""/>
+        <p:cNvGrpSpPr/>
+        <p:nvPr/>
+      </p:nvGrpSpPr>
+      <p:grpSpPr>
+        <a:xfrm>
+          <a:off x="0" y="0"/>
+          <a:ext cx="0" cy="0"/>
+          <a:chOff x="0" y="0"/>
+          <a:chExt cx="0" cy="0"/>
+        </a:xfrm>
+      </p:grpSpPr>
+      <p:sp>
+        <p:nvSpPr>
+          <p:cNvPr id="2" name="幻灯片图像占位符 1"/>
+          <p:cNvSpPr>
+            <a:spLocks noGrp="1" noRot="1" noChangeAspect="1"/>
+          </p:cNvSpPr>
+          <p:nvPr>
+            <p:ph type="sldImg"/>
+          </p:nvPr>
+        </p:nvSpPr>
+        <p:spPr>
+          <a:xfrm>
+            <a:off x="1371600" y="1143000"/>
+            <a:ext cx="4114800" cy="3086100"/>
+          </a:xfrm>
+        </p:spPr>
+      </p:sp>
+      <p:sp>
+        <p:nvSpPr>
+          <p:cNvPr id="3" name="备注占位符 2"/>
+          <p:cNvSpPr>
+            <a:spLocks noGrp="1"/>
+          </p:cNvSpPr>
+          <p:nvPr>
+            <p:ph type="body" idx="1"/>
+          </p:nvPr>
+        </p:nvSpPr>
+        <p:spPr/>
+        <p:txBody>
+          <a:bodyPr/>
+          <a:lstStyle/>
+          <a:p>
+            <a:endParaRPr lang="zh-CN" altLang="en-US"/>
+          </a:p>
+        </p:txBody>
+      </p:sp>
+      <p:sp>
+        <p:nvSpPr>
+          <p:cNvPr id="4" name="灯片编号占位符 3"/>
+          <p:cNvSpPr>
+            <a:spLocks noGrp="1"/>
+          </p:cNvSpPr>
+          <p:nvPr>
+            <p:ph type="sldNum" sz="quarter" idx="10"/>
+          </p:nvPr>
+        </p:nvSpPr>
+        <p:spPr/>
+        <p:txBody>
+          <a:bodyPr/>
+          <a:lstStyle/>
+          <a:p>
+            <a:fld id="{2ED26FC3-015A-4F86-ACC3-780431FB8E4D}" type="slidenum">
+              <a:rPr lang="zh-CN" altLang="en-US" smtClean="0"/>
+            </a:fld>
+            <a:endParaRPr lang="zh-CN" altLang="en-US"/>
+          </a:p>
+        </p:txBody>
+      </p:sp>
+    </p:spTree>
+  </p:cSld>
+  <p:clrMapOvr>
+    <a:masterClrMapping/>
+  </p:clrMapOvr>
+</p:notes>
+</file>
+
+<file path=ppt/notesSlides/notesSlide35.xml><?xml version="1.0" encoding="utf-8"?>
+<p:notes xmlns:a="http://schemas.openxmlformats.org/drawingml/2006/main" xmlns:r="http://schemas.openxmlformats.org/officeDocument/2006/relationships" xmlns:p="http://schemas.openxmlformats.org/presentationml/2006/main">
+  <p:cSld>
+    <p:spTree>
+      <p:nvGrpSpPr>
+        <p:cNvPr id="1" name=""/>
+        <p:cNvGrpSpPr/>
+        <p:nvPr/>
+      </p:nvGrpSpPr>
+      <p:grpSpPr>
+        <a:xfrm>
+          <a:off x="0" y="0"/>
+          <a:ext cx="0" cy="0"/>
+          <a:chOff x="0" y="0"/>
+          <a:chExt cx="0" cy="0"/>
+        </a:xfrm>
+      </p:grpSpPr>
+      <p:sp>
+        <p:nvSpPr>
+          <p:cNvPr id="2" name="幻灯片图像占位符 1"/>
+          <p:cNvSpPr>
+            <a:spLocks noGrp="1" noRot="1" noChangeAspect="1"/>
+          </p:cNvSpPr>
+          <p:nvPr>
+            <p:ph type="sldImg"/>
+          </p:nvPr>
+        </p:nvSpPr>
+        <p:spPr>
+          <a:xfrm>
+            <a:off x="1371600" y="1143000"/>
+            <a:ext cx="4114800" cy="3086100"/>
+          </a:xfrm>
+        </p:spPr>
+      </p:sp>
+      <p:sp>
+        <p:nvSpPr>
+          <p:cNvPr id="3" name="备注占位符 2"/>
+          <p:cNvSpPr>
+            <a:spLocks noGrp="1"/>
+          </p:cNvSpPr>
+          <p:nvPr>
+            <p:ph type="body" idx="1"/>
+          </p:nvPr>
+        </p:nvSpPr>
+        <p:spPr/>
+        <p:txBody>
+          <a:bodyPr/>
+          <a:lstStyle/>
+          <a:p>
+            <a:endParaRPr lang="zh-CN" altLang="en-US"/>
+          </a:p>
+        </p:txBody>
+      </p:sp>
+      <p:sp>
+        <p:nvSpPr>
+          <p:cNvPr id="4" name="灯片编号占位符 3"/>
+          <p:cNvSpPr>
+            <a:spLocks noGrp="1"/>
+          </p:cNvSpPr>
+          <p:nvPr>
+            <p:ph type="sldNum" sz="quarter" idx="10"/>
+          </p:nvPr>
+        </p:nvSpPr>
+        <p:spPr/>
+        <p:txBody>
+          <a:bodyPr/>
+          <a:lstStyle/>
+          <a:p>
+            <a:fld id="{2ED26FC3-015A-4F86-ACC3-780431FB8E4D}" type="slidenum">
+              <a:rPr lang="zh-CN" altLang="en-US" smtClean="0"/>
+            </a:fld>
+            <a:endParaRPr lang="zh-CN" altLang="en-US"/>
+          </a:p>
+        </p:txBody>
+      </p:sp>
+    </p:spTree>
+  </p:cSld>
+  <p:clrMapOvr>
+    <a:masterClrMapping/>
+  </p:clrMapOvr>
+</p:notes>
+</file>
+
+<file path=ppt/notesSlides/notesSlide36.xml><?xml version="1.0" encoding="utf-8"?>
+<p:notes xmlns:a="http://schemas.openxmlformats.org/drawingml/2006/main" xmlns:r="http://schemas.openxmlformats.org/officeDocument/2006/relationships" xmlns:p="http://schemas.openxmlformats.org/presentationml/2006/main">
+  <p:cSld>
+    <p:spTree>
+      <p:nvGrpSpPr>
+        <p:cNvPr id="1" name=""/>
+        <p:cNvGrpSpPr/>
+        <p:nvPr/>
+      </p:nvGrpSpPr>
+      <p:grpSpPr>
+        <a:xfrm>
+          <a:off x="0" y="0"/>
+          <a:ext cx="0" cy="0"/>
+          <a:chOff x="0" y="0"/>
+          <a:chExt cx="0" cy="0"/>
+        </a:xfrm>
+      </p:grpSpPr>
+      <p:sp>
+        <p:nvSpPr>
+          <p:cNvPr id="2" name="幻灯片图像占位符 1"/>
+          <p:cNvSpPr>
+            <a:spLocks noGrp="1" noRot="1" noChangeAspect="1"/>
+          </p:cNvSpPr>
+          <p:nvPr>
+            <p:ph type="sldImg"/>
+          </p:nvPr>
+        </p:nvSpPr>
+        <p:spPr>
+          <a:xfrm>
+            <a:off x="1371600" y="1143000"/>
+            <a:ext cx="4114800" cy="3086100"/>
+          </a:xfrm>
+        </p:spPr>
+      </p:sp>
+      <p:sp>
+        <p:nvSpPr>
+          <p:cNvPr id="3" name="备注占位符 2"/>
+          <p:cNvSpPr>
+            <a:spLocks noGrp="1"/>
+          </p:cNvSpPr>
+          <p:nvPr>
+            <p:ph type="body" idx="1"/>
+          </p:nvPr>
+        </p:nvSpPr>
+        <p:spPr/>
+        <p:txBody>
+          <a:bodyPr/>
+          <a:lstStyle/>
+          <a:p>
+            <a:endParaRPr lang="zh-CN" altLang="en-US"/>
+          </a:p>
+        </p:txBody>
+      </p:sp>
+      <p:sp>
+        <p:nvSpPr>
+          <p:cNvPr id="4" name="灯片编号占位符 3"/>
+          <p:cNvSpPr>
+            <a:spLocks noGrp="1"/>
+          </p:cNvSpPr>
+          <p:nvPr>
+            <p:ph type="sldNum" sz="quarter" idx="10"/>
+          </p:nvPr>
+        </p:nvSpPr>
+        <p:spPr/>
+        <p:txBody>
+          <a:bodyPr/>
+          <a:lstStyle/>
+          <a:p>
+            <a:fld id="{2ED26FC3-015A-4F86-ACC3-780431FB8E4D}" type="slidenum">
+              <a:rPr lang="zh-CN" altLang="en-US" smtClean="0"/>
+            </a:fld>
+            <a:endParaRPr lang="zh-CN" altLang="en-US"/>
+          </a:p>
+        </p:txBody>
+      </p:sp>
+    </p:spTree>
+  </p:cSld>
+  <p:clrMapOvr>
+    <a:masterClrMapping/>
+  </p:clrMapOvr>
+</p:notes>
+</file>
+
+<file path=ppt/notesSlides/notesSlide37.xml><?xml version="1.0" encoding="utf-8"?>
 <p:notes xmlns:a="http://schemas.openxmlformats.org/drawingml/2006/main" xmlns:r="http://schemas.openxmlformats.org/officeDocument/2006/relationships" xmlns:p="http://schemas.openxmlformats.org/presentationml/2006/main">
   <p:cSld>
     <p:spTree>
@@ -12552,7 +13003,7 @@
         <p:spPr>
           <a:xfrm>
             <a:off x="571608" y="1828842"/>
-            <a:ext cx="8334776" cy="3683252"/>
+            <a:ext cx="8334776" cy="4336415"/>
           </a:xfrm>
           <a:prstGeom prst="rect">
             <a:avLst/>
@@ -12637,7 +13088,10 @@
             </a:endParaRPr>
           </a:p>
           <a:p>
-            <a:pPr marL="457200" indent="-457200">
+            <a:pPr marL="457200" indent="-457200" eaLnBrk="1" latinLnBrk="0" hangingPunct="1">
+              <a:lnSpc>
+                <a:spcPct val="150000"/>
+              </a:lnSpc>
               <a:buClr>
                 <a:srgbClr val="0070C0"/>
               </a:buClr>
@@ -12646,14 +13100,14 @@
             </a:pPr>
             <a:r>
               <a:rPr lang="zh-CN" altLang="en-US" dirty="0"/>
-              <a:t>子类必须完全实现父类的方法</a:t>
+              <a:t>子类必须完全实现父类的方法；</a:t>
             </a:r>
             <a:endParaRPr lang="zh-CN" altLang="en-US" dirty="0"/>
           </a:p>
           <a:p>
-            <a:pPr marL="457200" indent="-457200">
-              <a:lnSpc>
-                <a:spcPct val="110000"/>
+            <a:pPr marL="457200" indent="-457200" eaLnBrk="1" latinLnBrk="0" hangingPunct="1">
+              <a:lnSpc>
+                <a:spcPct val="150000"/>
               </a:lnSpc>
               <a:buClr>
                 <a:srgbClr val="0070C0"/>
@@ -12663,14 +13117,14 @@
             </a:pPr>
             <a:r>
               <a:rPr lang="zh-CN" altLang="en-US" dirty="0"/>
-              <a:t>子类可以有自己的个性</a:t>
+              <a:t>子类可以有自己的个性；</a:t>
             </a:r>
             <a:endParaRPr lang="zh-CN" altLang="en-US" dirty="0"/>
           </a:p>
           <a:p>
-            <a:pPr marL="457200" indent="-457200">
-              <a:lnSpc>
-                <a:spcPct val="110000"/>
+            <a:pPr marL="457200" indent="-457200" eaLnBrk="1" latinLnBrk="0" hangingPunct="1">
+              <a:lnSpc>
+                <a:spcPct val="150000"/>
               </a:lnSpc>
               <a:buClr>
                 <a:srgbClr val="0070C0"/>
@@ -12680,14 +13134,14 @@
             </a:pPr>
             <a:r>
               <a:rPr lang="zh-CN" altLang="en-US" dirty="0"/>
-              <a:t>覆盖或实现父类的方法时输入参数可以被放大</a:t>
+              <a:t>覆盖或实现父类的方法时输入参数可以被放大；</a:t>
             </a:r>
             <a:endParaRPr lang="zh-CN" altLang="en-US" dirty="0"/>
           </a:p>
           <a:p>
-            <a:pPr marL="457200" indent="-457200">
-              <a:lnSpc>
-                <a:spcPct val="110000"/>
+            <a:pPr marL="457200" indent="-457200" eaLnBrk="1" latinLnBrk="0" hangingPunct="1">
+              <a:lnSpc>
+                <a:spcPct val="150000"/>
               </a:lnSpc>
               <a:buClr>
                 <a:srgbClr val="0070C0"/>
@@ -12697,7 +13151,7 @@
             </a:pPr>
             <a:r>
               <a:rPr lang="zh-CN" altLang="en-US" dirty="0"/>
-              <a:t>覆盖或实现父类的方法时输出结果可以被缩小</a:t>
+              <a:t>覆盖或实现父类的方法时输出结果可以被缩小。</a:t>
             </a:r>
             <a:endParaRPr lang="zh-CN" altLang="en-US" dirty="0"/>
           </a:p>
@@ -12802,7 +13256,7 @@
         <p:spPr>
           <a:xfrm>
             <a:off x="571608" y="1828842"/>
-            <a:ext cx="8334776" cy="4311117"/>
+            <a:ext cx="8334776" cy="4375150"/>
           </a:xfrm>
           <a:prstGeom prst="rect">
             <a:avLst/>
@@ -12850,7 +13304,7 @@
             </a:pPr>
             <a:r>
               <a:rPr lang="zh-CN" altLang="en-US" dirty="0"/>
-              <a:t>代码共享，减少创建类的工作量，每个子类都拥有父类的方法和属性</a:t>
+              <a:t>代码共享，减少创建类的工作量，每个子类都拥有父类的方法和属性；</a:t>
             </a:r>
             <a:endParaRPr lang="zh-CN" altLang="en-US" dirty="0"/>
           </a:p>
@@ -12867,7 +13321,7 @@
             </a:pPr>
             <a:r>
               <a:rPr lang="zh-CN" altLang="en-US" dirty="0"/>
-              <a:t>提高代码的重用性</a:t>
+              <a:t>提高代码的重用性；</a:t>
             </a:r>
             <a:endParaRPr lang="zh-CN" altLang="en-US" dirty="0"/>
           </a:p>
@@ -12884,7 +13338,7 @@
             </a:pPr>
             <a:r>
               <a:rPr lang="zh-CN" altLang="en-US" dirty="0"/>
-              <a:t>子类可以形似父类，但是又异于父类。</a:t>
+              <a:t>子类可以形似父类，但是又异于父类；</a:t>
             </a:r>
             <a:endParaRPr lang="zh-CN" altLang="en-US" dirty="0"/>
           </a:p>
@@ -12901,7 +13355,7 @@
             </a:pPr>
             <a:r>
               <a:rPr lang="zh-CN" altLang="en-US" dirty="0"/>
-              <a:t>提高代码的可扩展性，实现父类的方法就可以了。许多开源框架的扩展接口都是通过继承父类来完成。</a:t>
+              <a:t>提高代码的可扩展性，实现父类的方法就可以了。许多开源框架的扩展接口都是通过继承父类来完成；</a:t>
             </a:r>
             <a:endParaRPr lang="zh-CN" altLang="en-US" dirty="0"/>
           </a:p>
@@ -12918,7 +13372,7 @@
             </a:pPr>
             <a:r>
               <a:rPr lang="zh-CN" altLang="en-US" dirty="0"/>
-              <a:t>提高产品或项目的开放性</a:t>
+              <a:t>提高产品或项目的开放性。</a:t>
             </a:r>
             <a:endParaRPr lang="zh-CN" altLang="zh-CN" dirty="0"/>
           </a:p>
@@ -13023,7 +13477,7 @@
         <p:spPr>
           <a:xfrm>
             <a:off x="571608" y="1828842"/>
-            <a:ext cx="8334776" cy="4311117"/>
+            <a:ext cx="8334776" cy="4375150"/>
           </a:xfrm>
           <a:prstGeom prst="rect">
             <a:avLst/>
@@ -13071,7 +13525,7 @@
             </a:pPr>
             <a:r>
               <a:rPr lang="zh-CN" altLang="en-US" dirty="0"/>
-              <a:t>继承是侵入性的，只要继承，就必须拥有父类的所有方法和属性</a:t>
+              <a:t>继承是侵入性的，只要继承，就必须拥有父类的所有方法和属性；</a:t>
             </a:r>
             <a:endParaRPr lang="zh-CN" altLang="en-US" dirty="0"/>
           </a:p>
@@ -13088,7 +13542,7 @@
             </a:pPr>
             <a:r>
               <a:rPr lang="zh-CN" altLang="en-US" dirty="0"/>
-              <a:t>降低了代码的灵活性，子类必须拥有父类的属性和方法，让子类有了一些约束</a:t>
+              <a:t>降低了代码的灵活性，子类必须拥有父类的属性和方法，让子类有了一些约束；</a:t>
             </a:r>
             <a:endParaRPr lang="zh-CN" altLang="en-US" dirty="0"/>
           </a:p>
@@ -13902,7 +14356,7 @@
         <p:spPr>
           <a:xfrm>
             <a:off x="571608" y="1828842"/>
-            <a:ext cx="8334776" cy="3930650"/>
+            <a:ext cx="8334776" cy="4431030"/>
           </a:xfrm>
           <a:prstGeom prst="rect">
             <a:avLst/>
@@ -13915,9 +14369,9 @@
           </a:bodyPr>
           <a:lstStyle/>
           <a:p>
-            <a:pPr>
-              <a:lnSpc>
-                <a:spcPct val="110000"/>
+            <a:pPr eaLnBrk="1" latinLnBrk="0" hangingPunct="1">
+              <a:lnSpc>
+                <a:spcPct val="200000"/>
               </a:lnSpc>
               <a:buClr>
                 <a:srgbClr val="0070C0"/>
@@ -13938,35 +14392,28 @@
             </a:endParaRPr>
           </a:p>
           <a:p>
-            <a:pPr eaLnBrk="1" hangingPunct="1">
-              <a:lnSpc>
-                <a:spcPct val="110000"/>
+            <a:pPr eaLnBrk="1" latinLnBrk="0" hangingPunct="1">
+              <a:lnSpc>
+                <a:spcPct val="200000"/>
               </a:lnSpc>
               <a:buClr>
                 <a:srgbClr val="0070C0"/>
               </a:buClr>
             </a:pPr>
             <a:r>
+              <a:rPr lang="en-US" altLang="zh-CN" dirty="0"/>
+              <a:t>	</a:t>
+            </a:r>
+            <a:r>
               <a:rPr lang="zh-CN" altLang="en-US" dirty="0"/>
               <a:t>面向接口编程</a:t>
             </a:r>
-            <a:endParaRPr lang="zh-CN" altLang="en-US" dirty="0"/>
-          </a:p>
-          <a:p>
-            <a:pPr eaLnBrk="1" hangingPunct="1">
-              <a:lnSpc>
-                <a:spcPct val="110000"/>
-              </a:lnSpc>
-              <a:buClr>
-                <a:srgbClr val="0070C0"/>
-              </a:buClr>
-            </a:pPr>
             <a:endParaRPr lang="en-US" altLang="zh-CN" dirty="0"/>
           </a:p>
           <a:p>
-            <a:pPr>
-              <a:lnSpc>
-                <a:spcPct val="110000"/>
+            <a:pPr eaLnBrk="1" latinLnBrk="0" hangingPunct="1">
+              <a:lnSpc>
+                <a:spcPct val="150000"/>
               </a:lnSpc>
               <a:buClr>
                 <a:srgbClr val="0070C0"/>
@@ -13987,7 +14434,10 @@
             </a:endParaRPr>
           </a:p>
           <a:p>
-            <a:pPr marL="457200" indent="-457200">
+            <a:pPr marL="457200" indent="-457200" eaLnBrk="1" latinLnBrk="0" hangingPunct="1">
+              <a:lnSpc>
+                <a:spcPct val="150000"/>
+              </a:lnSpc>
               <a:buClr>
                 <a:srgbClr val="0070C0"/>
               </a:buClr>
@@ -13995,13 +14445,16 @@
               <a:buAutoNum type="arabicPeriod"/>
             </a:pPr>
             <a:r>
-              <a:rPr lang="zh-CN" altLang="en-US" dirty="0"/>
+              <a:rPr lang="zh-CN" altLang="en-US" sz="2000" dirty="0"/>
               <a:t>每个类尽量都有接口或抽象类， 或者抽象类和接口两者都具备；</a:t>
             </a:r>
-            <a:endParaRPr lang="zh-CN" altLang="en-US" dirty="0"/>
-          </a:p>
-          <a:p>
-            <a:pPr marL="457200" indent="-457200">
+            <a:endParaRPr lang="zh-CN" altLang="en-US" sz="2000" dirty="0"/>
+          </a:p>
+          <a:p>
+            <a:pPr marL="457200" indent="-457200" eaLnBrk="1" latinLnBrk="0" hangingPunct="1">
+              <a:lnSpc>
+                <a:spcPct val="150000"/>
+              </a:lnSpc>
               <a:buClr>
                 <a:srgbClr val="0070C0"/>
               </a:buClr>
@@ -14009,13 +14462,16 @@
               <a:buAutoNum type="arabicPeriod"/>
             </a:pPr>
             <a:r>
-              <a:rPr lang="zh-CN" altLang="en-US" dirty="0"/>
+              <a:rPr lang="zh-CN" altLang="en-US" sz="2000" dirty="0"/>
               <a:t>变量的表面类型尽量是接口或者是抽象类；</a:t>
             </a:r>
-            <a:endParaRPr lang="zh-CN" altLang="en-US" dirty="0"/>
-          </a:p>
-          <a:p>
-            <a:pPr marL="457200" indent="-457200">
+            <a:endParaRPr lang="zh-CN" altLang="en-US" sz="2000" dirty="0"/>
+          </a:p>
+          <a:p>
+            <a:pPr marL="457200" indent="-457200" eaLnBrk="1" latinLnBrk="0" hangingPunct="1">
+              <a:lnSpc>
+                <a:spcPct val="150000"/>
+              </a:lnSpc>
               <a:buClr>
                 <a:srgbClr val="0070C0"/>
               </a:buClr>
@@ -14023,13 +14479,16 @@
               <a:buAutoNum type="arabicPeriod"/>
             </a:pPr>
             <a:r>
-              <a:rPr lang="zh-CN" altLang="en-US" dirty="0"/>
+              <a:rPr lang="zh-CN" altLang="en-US" sz="2000" dirty="0"/>
               <a:t>任何类都不应该从具体类派生；</a:t>
             </a:r>
-            <a:endParaRPr lang="zh-CN" altLang="en-US" dirty="0"/>
-          </a:p>
-          <a:p>
-            <a:pPr marL="457200" indent="-457200">
+            <a:endParaRPr lang="zh-CN" altLang="en-US" sz="2000" dirty="0"/>
+          </a:p>
+          <a:p>
+            <a:pPr marL="457200" indent="-457200" eaLnBrk="1" latinLnBrk="0" hangingPunct="1">
+              <a:lnSpc>
+                <a:spcPct val="150000"/>
+              </a:lnSpc>
               <a:buClr>
                 <a:srgbClr val="0070C0"/>
               </a:buClr>
@@ -14037,13 +14496,16 @@
               <a:buAutoNum type="arabicPeriod"/>
             </a:pPr>
             <a:r>
-              <a:rPr lang="zh-CN" altLang="en-US" dirty="0"/>
+              <a:rPr lang="zh-CN" altLang="en-US" sz="2000" dirty="0"/>
               <a:t>尽量不要覆写基类的方法；</a:t>
             </a:r>
-            <a:endParaRPr lang="zh-CN" altLang="en-US" dirty="0"/>
-          </a:p>
-          <a:p>
-            <a:pPr marL="457200" indent="-457200">
+            <a:endParaRPr lang="zh-CN" altLang="en-US" sz="2000" dirty="0"/>
+          </a:p>
+          <a:p>
+            <a:pPr marL="457200" indent="-457200" eaLnBrk="1" latinLnBrk="0" hangingPunct="1">
+              <a:lnSpc>
+                <a:spcPct val="150000"/>
+              </a:lnSpc>
               <a:buClr>
                 <a:srgbClr val="0070C0"/>
               </a:buClr>
@@ -14051,10 +14513,10 @@
               <a:buAutoNum type="arabicPeriod"/>
             </a:pPr>
             <a:r>
-              <a:rPr lang="zh-CN" altLang="en-US" dirty="0"/>
+              <a:rPr lang="zh-CN" altLang="en-US" sz="2000" dirty="0"/>
               <a:t>结合里氏替换原则使用。</a:t>
             </a:r>
-            <a:endParaRPr lang="zh-CN" altLang="en-US" dirty="0"/>
+            <a:endParaRPr lang="zh-CN" altLang="en-US" sz="2000" dirty="0"/>
           </a:p>
         </p:txBody>
       </p:sp>
@@ -14195,7 +14657,7 @@
             </a:endParaRPr>
           </a:p>
           <a:p>
-            <a:pPr marL="457200" indent="-457200" eaLnBrk="1" hangingPunct="1">
+            <a:pPr marL="457200" indent="-457200" eaLnBrk="1" latinLnBrk="0" hangingPunct="1">
               <a:lnSpc>
                 <a:spcPct val="150000"/>
               </a:lnSpc>
@@ -14212,7 +14674,7 @@
             <a:endParaRPr lang="zh-CN" altLang="zh-CN" dirty="0"/>
           </a:p>
           <a:p>
-            <a:pPr marL="457200" indent="-457200" eaLnBrk="1" hangingPunct="1">
+            <a:pPr marL="457200" indent="-457200" eaLnBrk="1" latinLnBrk="0" hangingPunct="1">
               <a:lnSpc>
                 <a:spcPct val="150000"/>
               </a:lnSpc>
@@ -14229,7 +14691,7 @@
             <a:endParaRPr lang="zh-CN" altLang="zh-CN" dirty="0"/>
           </a:p>
           <a:p>
-            <a:pPr marL="457200" indent="-457200" eaLnBrk="1" hangingPunct="1">
+            <a:pPr marL="457200" indent="-457200" eaLnBrk="1" latinLnBrk="0" hangingPunct="1">
               <a:lnSpc>
                 <a:spcPct val="150000"/>
               </a:lnSpc>
@@ -14246,7 +14708,7 @@
             <a:endParaRPr lang="zh-CN" altLang="zh-CN" dirty="0"/>
           </a:p>
           <a:p>
-            <a:pPr marL="457200" indent="-457200" eaLnBrk="1" hangingPunct="1">
+            <a:pPr marL="457200" indent="-457200" eaLnBrk="1" latinLnBrk="0" hangingPunct="1">
               <a:lnSpc>
                 <a:spcPct val="150000"/>
               </a:lnSpc>
@@ -14554,7 +15016,7 @@
         <p:spPr>
           <a:xfrm>
             <a:off x="571608" y="1828842"/>
-            <a:ext cx="8334776" cy="4938981"/>
+            <a:ext cx="8334776" cy="2932430"/>
           </a:xfrm>
           <a:prstGeom prst="rect">
             <a:avLst/>
@@ -14583,6 +15045,21 @@
               </a:rPr>
               <a:t>注意点</a:t>
             </a:r>
+            <a:endParaRPr lang="zh-CN" altLang="en-US" b="1" dirty="0">
+              <a:solidFill>
+                <a:srgbClr val="0070C0"/>
+              </a:solidFill>
+            </a:endParaRPr>
+          </a:p>
+          <a:p>
+            <a:pPr>
+              <a:lnSpc>
+                <a:spcPct val="110000"/>
+              </a:lnSpc>
+              <a:buClr>
+                <a:srgbClr val="0070C0"/>
+              </a:buClr>
+            </a:pPr>
             <a:endParaRPr lang="en-US" altLang="zh-CN" b="1" dirty="0">
               <a:solidFill>
                 <a:srgbClr val="0070C0"/>
@@ -14601,16 +15078,8 @@
               <a:buAutoNum type="arabicPeriod"/>
             </a:pPr>
             <a:r>
-              <a:rPr lang="zh-CN" altLang="en-US" dirty="0">
-                <a:solidFill>
-                  <a:srgbClr val="0070C0"/>
-                </a:solidFill>
-              </a:rPr>
-              <a:t>子类的所有方法必须在父类中声明，或子类必须实现父类中声明的所有方法。</a:t>
-            </a:r>
-            <a:r>
-              <a:rPr lang="zh-CN" altLang="en-US" dirty="0"/>
-              <a:t>根据里氏代换原则，为了保证系统的扩展性，在程序中通常使用父类来进行定义，如果一个方法只存在子类中，在父类中不提供相应的声明，则无法在以父类定义的对象中使用该方法。</a:t>
+              <a:rPr lang="zh-CN" altLang="en-US" dirty="0"/>
+              <a:t>任何变量，类都不应该有一个指向具体类的指针或者引用；</a:t>
             </a:r>
             <a:endParaRPr lang="zh-CN" altLang="en-US" dirty="0"/>
           </a:p>
@@ -14625,23 +15094,54 @@
               <a:buFont typeface="+mj-lt"/>
               <a:buAutoNum type="arabicPeriod"/>
             </a:pPr>
-            <a:r>
-              <a:rPr lang="zh-CN" altLang="en-US" dirty="0"/>
-              <a:t>我们在运用里氏代换原则时，</a:t>
-            </a:r>
-            <a:r>
-              <a:rPr lang="zh-CN" altLang="en-US" dirty="0">
-                <a:solidFill>
-                  <a:srgbClr val="0070C0"/>
-                </a:solidFill>
-              </a:rPr>
-              <a:t>尽量把父类设计为抽象类或者接口，让子类继承父类或实现父接口，并实现在父类中声明的方法，运行时，子类实例替换父类实例</a:t>
-            </a:r>
-            <a:r>
-              <a:rPr lang="zh-CN" altLang="en-US" dirty="0"/>
-              <a:t>，我们可以很方便地扩展系统的功能，同时无须修改原有子类的代码，增加新的功能可以通过增加一个新的子类来实现。里氏代换原则是开闭原则的具体实现手段之一。</a:t>
-            </a:r>
-            <a:endParaRPr lang="en-US" altLang="zh-CN" dirty="0"/>
+            <a:endParaRPr lang="zh-CN" altLang="en-US" dirty="0"/>
+          </a:p>
+          <a:p>
+            <a:pPr marL="457200" indent="-457200">
+              <a:lnSpc>
+                <a:spcPct val="110000"/>
+              </a:lnSpc>
+              <a:buClr>
+                <a:srgbClr val="0070C0"/>
+              </a:buClr>
+              <a:buFont typeface="+mj-lt"/>
+              <a:buAutoNum type="arabicPeriod"/>
+            </a:pPr>
+            <a:r>
+              <a:rPr lang="zh-CN" altLang="en-US" dirty="0"/>
+              <a:t>任何类都不该从具体类派生；</a:t>
+            </a:r>
+            <a:endParaRPr lang="zh-CN" altLang="en-US" dirty="0"/>
+          </a:p>
+          <a:p>
+            <a:pPr marL="457200" indent="-457200">
+              <a:lnSpc>
+                <a:spcPct val="110000"/>
+              </a:lnSpc>
+              <a:buClr>
+                <a:srgbClr val="0070C0"/>
+              </a:buClr>
+              <a:buFont typeface="+mj-lt"/>
+              <a:buAutoNum type="arabicPeriod"/>
+            </a:pPr>
+            <a:endParaRPr lang="zh-CN" altLang="en-US" dirty="0"/>
+          </a:p>
+          <a:p>
+            <a:pPr marL="457200" indent="-457200">
+              <a:lnSpc>
+                <a:spcPct val="110000"/>
+              </a:lnSpc>
+              <a:buClr>
+                <a:srgbClr val="0070C0"/>
+              </a:buClr>
+              <a:buFont typeface="+mj-lt"/>
+              <a:buAutoNum type="arabicPeriod"/>
+            </a:pPr>
+            <a:r>
+              <a:rPr lang="zh-CN" altLang="en-US" dirty="0"/>
+              <a:t>任何方法都不该覆写它的任何基类中已经实现了的方法。</a:t>
+            </a:r>
+            <a:endParaRPr lang="zh-CN" altLang="en-US" dirty="0"/>
           </a:p>
         </p:txBody>
       </p:sp>
@@ -17405,11 +17905,21 @@
             </a:lvl1pPr>
           </a:lstStyle>
           <a:p>
-            <a:r>
-              <a:rPr lang="zh-CN" altLang="en-US" dirty="0"/>
-              <a:t>设计模式</a:t>
-            </a:r>
-            <a:endParaRPr lang="zh-CN" altLang="en-US" dirty="0"/>
+            <a:pPr>
+              <a:lnSpc>
+                <a:spcPct val="110000"/>
+              </a:lnSpc>
+              <a:buClr>
+                <a:srgbClr val="0070C0"/>
+              </a:buClr>
+            </a:pPr>
+            <a:r>
+              <a:rPr lang="zh-CN" altLang="en-US" dirty="0">
+                <a:sym typeface="+mn-ea"/>
+              </a:rPr>
+              <a:t>开闭原则</a:t>
+            </a:r>
+            <a:endParaRPr lang="en-US" altLang="zh-CN" dirty="0"/>
           </a:p>
         </p:txBody>
       </p:sp>
@@ -17421,8 +17931,8 @@
         </p:nvSpPr>
         <p:spPr>
           <a:xfrm>
-            <a:off x="566431" y="2057436"/>
-            <a:ext cx="8334776" cy="3674019"/>
+            <a:off x="571608" y="1828842"/>
+            <a:ext cx="8334776" cy="3338195"/>
           </a:xfrm>
           <a:prstGeom prst="rect">
             <a:avLst/>
@@ -17435,9 +17945,32 @@
           </a:bodyPr>
           <a:lstStyle/>
           <a:p>
+            <a:pPr>
+              <a:lnSpc>
+                <a:spcPct val="110000"/>
+              </a:lnSpc>
+              <a:buClr>
+                <a:srgbClr val="0070C0"/>
+              </a:buClr>
+            </a:pPr>
+            <a:r>
+              <a:rPr lang="zh-CN" altLang="en-US" b="1" dirty="0">
+                <a:solidFill>
+                  <a:srgbClr val="0070C0"/>
+                </a:solidFill>
+              </a:rPr>
+              <a:t>定义</a:t>
+            </a:r>
+            <a:endParaRPr lang="en-US" altLang="zh-CN" b="1" dirty="0">
+              <a:solidFill>
+                <a:srgbClr val="0070C0"/>
+              </a:solidFill>
+            </a:endParaRPr>
+          </a:p>
+          <a:p>
             <a:pPr marL="457200" indent="-457200">
               <a:lnSpc>
-                <a:spcPct val="200000"/>
+                <a:spcPct val="110000"/>
               </a:lnSpc>
               <a:buClr>
                 <a:srgbClr val="0070C0"/>
@@ -17446,23 +17979,28 @@
               <a:buAutoNum type="arabicPeriod"/>
             </a:pPr>
             <a:r>
-              <a:rPr lang="zh-CN" altLang="en-US" dirty="0"/>
-              <a:t>创建型模式（</a:t>
-            </a:r>
-            <a:r>
-              <a:rPr lang="en-US" altLang="zh-CN" dirty="0"/>
-              <a:t> Creational Patterns </a:t>
-            </a:r>
-            <a:r>
-              <a:rPr lang="zh-CN" altLang="en-US" dirty="0"/>
-              <a:t>）</a:t>
-            </a:r>
-            <a:endParaRPr lang="en-US" altLang="zh-CN" dirty="0"/>
+              <a:rPr dirty="0"/>
+              <a:t>Software entities like classes,modules and functions should be open for extension but closed for modifications.</a:t>
+            </a:r>
+            <a:endParaRPr dirty="0"/>
+          </a:p>
+          <a:p>
+            <a:pPr marL="0" indent="0">
+              <a:lnSpc>
+                <a:spcPct val="110000"/>
+              </a:lnSpc>
+              <a:buClr>
+                <a:srgbClr val="0070C0"/>
+              </a:buClr>
+              <a:buFont typeface="+mj-lt"/>
+              <a:buNone/>
+            </a:pPr>
+            <a:endParaRPr dirty="0"/>
           </a:p>
           <a:p>
             <a:pPr marL="457200" indent="-457200">
               <a:lnSpc>
-                <a:spcPct val="200000"/>
+                <a:spcPct val="110000"/>
               </a:lnSpc>
               <a:buClr>
                 <a:srgbClr val="0070C0"/>
@@ -17470,12 +18008,16 @@
               <a:buFont typeface="+mj-lt"/>
               <a:buAutoNum type="arabicPeriod"/>
             </a:pPr>
-            <a:endParaRPr lang="en-US" altLang="zh-CN" dirty="0"/>
+            <a:r>
+              <a:rPr dirty="0"/>
+              <a:t>一个软件实体如类，模块和函数应该对扩展开放，对修改关闭。</a:t>
+            </a:r>
+            <a:endParaRPr dirty="0"/>
           </a:p>
           <a:p>
             <a:pPr marL="457200" indent="-457200">
               <a:lnSpc>
-                <a:spcPct val="200000"/>
+                <a:spcPct val="110000"/>
               </a:lnSpc>
               <a:buClr>
                 <a:srgbClr val="0070C0"/>
@@ -17483,57 +18025,18 @@
               <a:buFont typeface="+mj-lt"/>
               <a:buAutoNum type="arabicPeriod"/>
             </a:pPr>
-            <a:r>
-              <a:rPr lang="zh-CN" altLang="en-US" dirty="0"/>
-              <a:t>结构型模式（</a:t>
-            </a:r>
-            <a:r>
-              <a:rPr lang="en-US" altLang="zh-CN" dirty="0"/>
-              <a:t> Structural Patterns</a:t>
-            </a:r>
-            <a:r>
-              <a:rPr lang="zh-CN" altLang="en-US" dirty="0"/>
-              <a:t>）</a:t>
-            </a:r>
-            <a:endParaRPr lang="en-US" altLang="zh-CN" dirty="0"/>
-          </a:p>
-          <a:p>
-            <a:pPr marL="457200" indent="-457200">
-              <a:lnSpc>
-                <a:spcPct val="200000"/>
+            <a:endParaRPr dirty="0"/>
+          </a:p>
+          <a:p>
+            <a:pPr>
+              <a:lnSpc>
+                <a:spcPct val="110000"/>
               </a:lnSpc>
               <a:buClr>
                 <a:srgbClr val="0070C0"/>
               </a:buClr>
-              <a:buFont typeface="+mj-lt"/>
-              <a:buAutoNum type="arabicPeriod"/>
-            </a:pPr>
-            <a:endParaRPr lang="en-US" altLang="zh-CN" dirty="0"/>
-          </a:p>
-          <a:p>
-            <a:pPr marL="457200" indent="-457200">
-              <a:lnSpc>
-                <a:spcPct val="200000"/>
-              </a:lnSpc>
-              <a:buClr>
-                <a:srgbClr val="0070C0"/>
-              </a:buClr>
-              <a:buFont typeface="+mj-lt"/>
-              <a:buAutoNum type="arabicPeriod"/>
-            </a:pPr>
-            <a:r>
-              <a:rPr lang="zh-CN" altLang="en-US" dirty="0"/>
-              <a:t>行为型模式（</a:t>
-            </a:r>
-            <a:r>
-              <a:rPr lang="en-US" altLang="zh-CN" dirty="0"/>
-              <a:t>Behavioral Patterns</a:t>
-            </a:r>
-            <a:r>
-              <a:rPr lang="zh-CN" altLang="en-US" dirty="0"/>
-              <a:t>）</a:t>
-            </a:r>
-            <a:endParaRPr lang="en-US" altLang="zh-CN" dirty="0"/>
+            </a:pPr>
+            <a:endParaRPr lang="zh-CN" altLang="en-US" dirty="0"/>
           </a:p>
         </p:txBody>
       </p:sp>
@@ -17567,56 +18070,299 @@
       </p:grpSpPr>
       <p:sp>
         <p:nvSpPr>
-          <p:cNvPr id="2" name="标题 1"/>
-          <p:cNvSpPr>
-            <a:spLocks noGrp="1"/>
-          </p:cNvSpPr>
-          <p:nvPr>
-            <p:ph type="title"/>
-          </p:nvPr>
-        </p:nvSpPr>
-        <p:spPr/>
-        <p:txBody>
-          <a:bodyPr>
-            <a:normAutofit fontScale="90000"/>
+          <p:cNvPr id="8" name="标题 1"/>
+          <p:cNvSpPr txBox="1"/>
+          <p:nvPr>
+            <p:custDataLst>
+              <p:tags r:id="rId1"/>
+            </p:custDataLst>
+          </p:nvPr>
+        </p:nvSpPr>
+        <p:spPr>
+          <a:xfrm>
+            <a:off x="571608" y="661194"/>
+            <a:ext cx="7886700" cy="994172"/>
+          </a:xfrm>
+          <a:prstGeom prst="rect">
+            <a:avLst/>
+          </a:prstGeom>
+        </p:spPr>
+        <p:txBody>
+          <a:bodyPr vert="horz" wrap="square" lIns="68580" tIns="34290" rIns="68580" bIns="34290" rtlCol="0" anchor="ctr">
+            <a:normAutofit/>
+          </a:bodyPr>
+          <a:lstStyle>
+            <a:lvl1pPr defTabSz="914400">
+              <a:lnSpc>
+                <a:spcPct val="120000"/>
+              </a:lnSpc>
+              <a:spcBef>
+                <a:spcPct val="0"/>
+              </a:spcBef>
+              <a:buNone/>
+              <a:defRPr sz="3600">
+                <a:solidFill>
+                  <a:schemeClr val="tx1">
+                    <a:lumMod val="75000"/>
+                    <a:lumOff val="25000"/>
+                  </a:schemeClr>
+                </a:solidFill>
+                <a:latin typeface="+mj-lt"/>
+                <a:ea typeface="+mj-ea"/>
+                <a:cs typeface="+mj-cs"/>
+              </a:defRPr>
+            </a:lvl1pPr>
+          </a:lstStyle>
+          <a:p>
+            <a:pPr>
+              <a:lnSpc>
+                <a:spcPct val="110000"/>
+              </a:lnSpc>
+              <a:buClr>
+                <a:srgbClr val="0070C0"/>
+              </a:buClr>
+            </a:pPr>
+            <a:r>
+              <a:rPr lang="zh-CN" altLang="en-US" dirty="0">
+                <a:sym typeface="+mn-ea"/>
+              </a:rPr>
+              <a:t>开闭原则</a:t>
+            </a:r>
+            <a:endParaRPr lang="en-US" altLang="zh-CN" dirty="0"/>
+          </a:p>
+        </p:txBody>
+      </p:sp>
+      <p:sp>
+        <p:nvSpPr>
+          <p:cNvPr id="3" name="文本框 2"/>
+          <p:cNvSpPr txBox="1"/>
+          <p:nvPr/>
+        </p:nvSpPr>
+        <p:spPr>
+          <a:xfrm>
+            <a:off x="571608" y="1828842"/>
+            <a:ext cx="8334776" cy="5438775"/>
+          </a:xfrm>
+          <a:prstGeom prst="rect">
+            <a:avLst/>
+          </a:prstGeom>
+          <a:noFill/>
+        </p:spPr>
+        <p:txBody>
+          <a:bodyPr wrap="square" rtlCol="0">
+            <a:spAutoFit/>
           </a:bodyPr>
           <a:lstStyle/>
           <a:p>
-            <a:r>
-              <a:rPr lang="en-US" altLang="zh-CN" sz="3900" dirty="0"/>
-              <a:t>Creational Patterns</a:t>
-            </a:r>
-            <a:br>
-              <a:rPr lang="zh-CN" altLang="en-US" dirty="0"/>
-            </a:br>
+            <a:pPr>
+              <a:lnSpc>
+                <a:spcPct val="110000"/>
+              </a:lnSpc>
+              <a:buClr>
+                <a:srgbClr val="0070C0"/>
+              </a:buClr>
+            </a:pPr>
+            <a:r>
+              <a:rPr lang="zh-CN" altLang="en-US" b="1" dirty="0">
+                <a:solidFill>
+                  <a:srgbClr val="0070C0"/>
+                </a:solidFill>
+              </a:rPr>
+              <a:t>定义</a:t>
+            </a:r>
+            <a:endParaRPr lang="en-US" altLang="zh-CN" b="1" dirty="0">
+              <a:solidFill>
+                <a:srgbClr val="0070C0"/>
+              </a:solidFill>
+            </a:endParaRPr>
+          </a:p>
+          <a:p>
+            <a:pPr marL="457200" indent="-457200">
+              <a:lnSpc>
+                <a:spcPct val="110000"/>
+              </a:lnSpc>
+              <a:buClr>
+                <a:srgbClr val="0070C0"/>
+              </a:buClr>
+              <a:buFont typeface="+mj-lt"/>
+              <a:buAutoNum type="arabicPeriod"/>
+            </a:pPr>
+            <a:r>
+              <a:rPr sz="2000" dirty="0"/>
+              <a:t>第一：抽象约束 </a:t>
+            </a:r>
+            <a:endParaRPr sz="2000" dirty="0"/>
+          </a:p>
+          <a:p>
+            <a:pPr marL="914400" lvl="1" indent="-457200">
+              <a:lnSpc>
+                <a:spcPct val="110000"/>
+              </a:lnSpc>
+              <a:buClr>
+                <a:srgbClr val="0070C0"/>
+              </a:buClr>
+              <a:buFont typeface="+mj-lt"/>
+              <a:buAutoNum type="arabicPeriod"/>
+            </a:pPr>
+            <a:r>
+              <a:rPr sz="2000" dirty="0"/>
+              <a:t>通过接口或抽象类约束扩散，对扩展进行边界限定，不允许出现在接口或抽象类中不存在的public方法。</a:t>
+            </a:r>
+            <a:endParaRPr sz="2000" dirty="0"/>
+          </a:p>
+          <a:p>
+            <a:pPr marL="914400" lvl="1" indent="-457200">
+              <a:lnSpc>
+                <a:spcPct val="110000"/>
+              </a:lnSpc>
+              <a:buClr>
+                <a:srgbClr val="0070C0"/>
+              </a:buClr>
+              <a:buFont typeface="+mj-lt"/>
+              <a:buAutoNum type="arabicPeriod"/>
+            </a:pPr>
+            <a:r>
+              <a:rPr sz="2000" dirty="0"/>
+              <a:t>参数类型，引用对象尽量使用接口或抽象类，而不是实现类，这主要是实现里氏替换原则的一个要求</a:t>
+            </a:r>
+            <a:endParaRPr sz="2000" dirty="0"/>
+          </a:p>
+          <a:p>
+            <a:pPr marL="914400" lvl="1" indent="-457200">
+              <a:lnSpc>
+                <a:spcPct val="110000"/>
+              </a:lnSpc>
+              <a:buClr>
+                <a:srgbClr val="0070C0"/>
+              </a:buClr>
+              <a:buFont typeface="+mj-lt"/>
+              <a:buAutoNum type="arabicPeriod"/>
+            </a:pPr>
+            <a:r>
+              <a:rPr sz="2000" dirty="0"/>
+              <a:t>抽象层尽量保持稳定，一旦确定就不要修改</a:t>
+            </a:r>
+            <a:endParaRPr sz="2000" dirty="0"/>
+          </a:p>
+          <a:p>
+            <a:pPr marL="457200" indent="-457200">
+              <a:lnSpc>
+                <a:spcPct val="110000"/>
+              </a:lnSpc>
+              <a:buClr>
+                <a:srgbClr val="0070C0"/>
+              </a:buClr>
+              <a:buFont typeface="+mj-lt"/>
+              <a:buAutoNum type="arabicPeriod"/>
+            </a:pPr>
+            <a:r>
+              <a:rPr sz="2000" dirty="0"/>
+              <a:t>第二：元数据(metadata)控件模块行为 </a:t>
+            </a:r>
+            <a:endParaRPr sz="2000" dirty="0"/>
+          </a:p>
+          <a:p>
+            <a:pPr marL="457200" indent="-457200">
+              <a:lnSpc>
+                <a:spcPct val="110000"/>
+              </a:lnSpc>
+              <a:buClr>
+                <a:srgbClr val="0070C0"/>
+              </a:buClr>
+              <a:buFont typeface="+mj-lt"/>
+              <a:buAutoNum type="arabicPeriod"/>
+            </a:pPr>
+            <a:r>
+              <a:rPr sz="2000" dirty="0"/>
+              <a:t>第三：制定项目章程 </a:t>
+            </a:r>
+            <a:endParaRPr sz="2000" dirty="0"/>
+          </a:p>
+          <a:p>
+            <a:pPr marL="457200" indent="-457200">
+              <a:lnSpc>
+                <a:spcPct val="110000"/>
+              </a:lnSpc>
+              <a:buClr>
+                <a:srgbClr val="0070C0"/>
+              </a:buClr>
+              <a:buFont typeface="+mj-lt"/>
+              <a:buAutoNum type="arabicPeriod"/>
+            </a:pPr>
+            <a:r>
+              <a:rPr sz="2000" dirty="0"/>
+              <a:t>第四：封装变化</a:t>
+            </a:r>
+            <a:endParaRPr sz="2000" dirty="0"/>
+          </a:p>
+          <a:p>
+            <a:pPr marL="914400" lvl="1" indent="-457200">
+              <a:lnSpc>
+                <a:spcPct val="110000"/>
+              </a:lnSpc>
+              <a:buClr>
+                <a:srgbClr val="0070C0"/>
+              </a:buClr>
+              <a:buFont typeface="+mj-lt"/>
+              <a:buAutoNum type="arabicPeriod"/>
+            </a:pPr>
+            <a:r>
+              <a:rPr sz="2000" dirty="0"/>
+              <a:t>将相同的变化封装到一个接口或抽象类中 </a:t>
+            </a:r>
+            <a:endParaRPr sz="2000" dirty="0"/>
+          </a:p>
+          <a:p>
+            <a:pPr marL="914400" lvl="1" indent="-457200">
+              <a:lnSpc>
+                <a:spcPct val="110000"/>
+              </a:lnSpc>
+              <a:buClr>
+                <a:srgbClr val="0070C0"/>
+              </a:buClr>
+              <a:buFont typeface="+mj-lt"/>
+              <a:buAutoNum type="arabicPeriod"/>
+            </a:pPr>
+            <a:r>
+              <a:rPr sz="2000" dirty="0"/>
+              <a:t>将不同的变化封装到不同的接口或抽象类中，不应该有两个不同的变化出现在同一个接口或抽象类中。</a:t>
+            </a:r>
+            <a:r>
+              <a:rPr dirty="0"/>
+              <a:t> </a:t>
+            </a:r>
+            <a:endParaRPr dirty="0"/>
+          </a:p>
+          <a:p>
+            <a:pPr marL="457200" indent="-457200">
+              <a:lnSpc>
+                <a:spcPct val="110000"/>
+              </a:lnSpc>
+              <a:buClr>
+                <a:srgbClr val="0070C0"/>
+              </a:buClr>
+              <a:buFont typeface="+mj-lt"/>
+              <a:buAutoNum type="arabicPeriod"/>
+            </a:pPr>
+            <a:endParaRPr dirty="0"/>
+          </a:p>
+          <a:p>
+            <a:pPr>
+              <a:lnSpc>
+                <a:spcPct val="110000"/>
+              </a:lnSpc>
+              <a:buClr>
+                <a:srgbClr val="0070C0"/>
+              </a:buClr>
+            </a:pPr>
             <a:endParaRPr lang="zh-CN" altLang="en-US" dirty="0"/>
           </a:p>
         </p:txBody>
       </p:sp>
-      <p:sp>
-        <p:nvSpPr>
-          <p:cNvPr id="3" name="内容占位符 2"/>
-          <p:cNvSpPr>
-            <a:spLocks noGrp="1"/>
-          </p:cNvSpPr>
-          <p:nvPr>
-            <p:ph sz="quarter" idx="13"/>
-          </p:nvPr>
-        </p:nvSpPr>
-        <p:spPr/>
-        <p:txBody>
-          <a:bodyPr/>
-          <a:lstStyle/>
-          <a:p>
-            <a:r>
-              <a:rPr lang="zh-CN" altLang="en-US" b="1" dirty="0"/>
-              <a:t>创建型模式</a:t>
-            </a:r>
-            <a:endParaRPr lang="zh-CN" altLang="en-US" dirty="0"/>
-          </a:p>
-        </p:txBody>
-      </p:sp>
     </p:spTree>
+    <p:custDataLst>
+      <p:tags r:id="rId2"/>
+    </p:custDataLst>
   </p:cSld>
   <p:clrMapOvr>
     <a:masterClrMapping/>
@@ -17687,9 +18433,17 @@
             </a:lvl1pPr>
           </a:lstStyle>
           <a:p>
-            <a:r>
-              <a:rPr lang="zh-CN" altLang="en-US" dirty="0"/>
-              <a:t>创建型模式</a:t>
+            <a:pPr>
+              <a:lnSpc>
+                <a:spcPct val="110000"/>
+              </a:lnSpc>
+              <a:buClr>
+                <a:srgbClr val="0070C0"/>
+              </a:buClr>
+            </a:pPr>
+            <a:r>
+              <a:rPr lang="zh-CN" altLang="en-US" dirty="0"/>
+              <a:t>基本原则</a:t>
             </a:r>
             <a:endParaRPr lang="zh-CN" altLang="en-US" dirty="0"/>
           </a:p>
@@ -17703,8 +18457,8 @@
         </p:nvSpPr>
         <p:spPr>
           <a:xfrm>
-            <a:off x="566431" y="2057436"/>
-            <a:ext cx="8334776" cy="3674019"/>
+            <a:off x="571608" y="1828842"/>
+            <a:ext cx="8334776" cy="4705985"/>
           </a:xfrm>
           <a:prstGeom prst="rect">
             <a:avLst/>
@@ -17717,9 +18471,32 @@
           </a:bodyPr>
           <a:lstStyle/>
           <a:p>
-            <a:pPr marL="457200" indent="-457200">
-              <a:lnSpc>
-                <a:spcPct val="200000"/>
+            <a:pPr>
+              <a:lnSpc>
+                <a:spcPct val="110000"/>
+              </a:lnSpc>
+              <a:buClr>
+                <a:srgbClr val="0070C0"/>
+              </a:buClr>
+            </a:pPr>
+            <a:r>
+              <a:rPr lang="zh-CN" altLang="en-US" b="1" dirty="0">
+                <a:solidFill>
+                  <a:srgbClr val="0070C0"/>
+                </a:solidFill>
+              </a:rPr>
+              <a:t>归纳总结</a:t>
+            </a:r>
+            <a:endParaRPr lang="zh-CN" altLang="en-US" b="1" dirty="0">
+              <a:solidFill>
+                <a:srgbClr val="0070C0"/>
+              </a:solidFill>
+            </a:endParaRPr>
+          </a:p>
+          <a:p>
+            <a:pPr marL="457200" indent="-457200" eaLnBrk="1" latinLnBrk="0" hangingPunct="1">
+              <a:lnSpc>
+                <a:spcPct val="130000"/>
               </a:lnSpc>
               <a:buClr>
                 <a:srgbClr val="0070C0"/>
@@ -17728,19 +18505,15 @@
               <a:buAutoNum type="arabicPeriod"/>
             </a:pPr>
             <a:r>
-              <a:rPr lang="zh-CN" altLang="en-US" dirty="0"/>
-              <a:t>工厂模式</a:t>
-            </a:r>
-            <a:r>
-              <a:rPr lang="en-US" altLang="zh-CN" dirty="0"/>
-              <a:t>(The Factory Pattern)</a:t>
-            </a:r>
-            <a:endParaRPr lang="en-US" altLang="zh-CN" dirty="0"/>
-          </a:p>
-          <a:p>
-            <a:pPr marL="457200" indent="-457200">
-              <a:lnSpc>
-                <a:spcPct val="200000"/>
+              <a:rPr lang="zh-CN" altLang="en-US" sz="1600" dirty="0"/>
+              <a:t>单一职责原则是从类的功能的角度去设计，将不同的职责分别归于不同的类中，这样使得设计更加清晰、易修改。</a:t>
+            </a:r>
+            <a:endParaRPr lang="zh-CN" altLang="en-US" sz="1600" dirty="0"/>
+          </a:p>
+          <a:p>
+            <a:pPr marL="457200" indent="-457200" eaLnBrk="1" latinLnBrk="0" hangingPunct="1">
+              <a:lnSpc>
+                <a:spcPct val="130000"/>
               </a:lnSpc>
               <a:buClr>
                 <a:srgbClr val="0070C0"/>
@@ -17749,19 +18522,15 @@
               <a:buAutoNum type="arabicPeriod"/>
             </a:pPr>
             <a:r>
-              <a:rPr lang="zh-CN" altLang="en-US" dirty="0"/>
-              <a:t>抽象工厂模式</a:t>
-            </a:r>
-            <a:r>
-              <a:rPr lang="en-US" altLang="zh-CN" dirty="0"/>
-              <a:t>(The Abstract Factory Pattern-)</a:t>
-            </a:r>
-            <a:endParaRPr lang="zh-CN" altLang="en-US" dirty="0"/>
-          </a:p>
-          <a:p>
-            <a:pPr marL="457200" indent="-457200" eaLnBrk="1" hangingPunct="1">
-              <a:lnSpc>
-                <a:spcPct val="200000"/>
+              <a:rPr lang="zh-CN" altLang="en-US" sz="1600" dirty="0"/>
+              <a:t>里氏替换原则是从类的继承的角度去设计，强调父类被子类继承后，在父类出现的地方，可以替换为其子类，而且行为不会发生变化。</a:t>
+            </a:r>
+            <a:endParaRPr lang="zh-CN" altLang="en-US" sz="1600" dirty="0"/>
+          </a:p>
+          <a:p>
+            <a:pPr marL="457200" indent="-457200" eaLnBrk="1" latinLnBrk="0" hangingPunct="1">
+              <a:lnSpc>
+                <a:spcPct val="130000"/>
               </a:lnSpc>
               <a:buClr>
                 <a:srgbClr val="0070C0"/>
@@ -17770,19 +18539,15 @@
               <a:buAutoNum type="arabicPeriod"/>
             </a:pPr>
             <a:r>
-              <a:rPr lang="zh-CN" altLang="en-US" dirty="0"/>
-              <a:t>单例模式</a:t>
-            </a:r>
-            <a:r>
-              <a:rPr lang="en-US" altLang="zh-CN" dirty="0"/>
-              <a:t>(The Singleton Pattern)</a:t>
-            </a:r>
-            <a:endParaRPr lang="zh-CN" altLang="en-US" dirty="0"/>
-          </a:p>
-          <a:p>
-            <a:pPr marL="457200" indent="-457200" eaLnBrk="1" hangingPunct="1">
-              <a:lnSpc>
-                <a:spcPct val="200000"/>
+              <a:rPr lang="zh-CN" altLang="en-US" sz="1600" dirty="0"/>
+              <a:t>依赖倒置原则是从类之间依赖关系的角度去设计，强调高层不依赖于低层，低层依赖于高层，减少实现细节的依赖。</a:t>
+            </a:r>
+            <a:endParaRPr lang="zh-CN" altLang="en-US" sz="1600" dirty="0"/>
+          </a:p>
+          <a:p>
+            <a:pPr marL="457200" indent="-457200" eaLnBrk="1" latinLnBrk="0" hangingPunct="1">
+              <a:lnSpc>
+                <a:spcPct val="130000"/>
               </a:lnSpc>
               <a:buClr>
                 <a:srgbClr val="0070C0"/>
@@ -17791,19 +18556,15 @@
               <a:buAutoNum type="arabicPeriod"/>
             </a:pPr>
             <a:r>
-              <a:rPr lang="zh-CN" altLang="en-US" dirty="0"/>
-              <a:t>原型模式</a:t>
-            </a:r>
-            <a:r>
-              <a:rPr lang="en-US" altLang="zh-CN" dirty="0"/>
-              <a:t>(The Prototype Pattern)</a:t>
-            </a:r>
-            <a:endParaRPr lang="zh-CN" altLang="en-US" dirty="0"/>
-          </a:p>
-          <a:p>
-            <a:pPr marL="457200" indent="-457200" eaLnBrk="1" hangingPunct="1">
-              <a:lnSpc>
-                <a:spcPct val="200000"/>
+              <a:rPr lang="zh-CN" altLang="en-US" sz="1600" dirty="0"/>
+              <a:t>接口隔离原则是从接口的方法设计角度去思考，强调不能过度设计接口，尽量使得接口内的方法能充分的提供给其实现类需要的功能，不要过度设计导致方法的冗余，也不要设计不充分导致，实现类中有未能抽取的公共部分。</a:t>
+            </a:r>
+            <a:endParaRPr lang="zh-CN" altLang="en-US" sz="1600" dirty="0"/>
+          </a:p>
+          <a:p>
+            <a:pPr marL="457200" indent="-457200" eaLnBrk="1" latinLnBrk="0" hangingPunct="1">
+              <a:lnSpc>
+                <a:spcPct val="130000"/>
               </a:lnSpc>
               <a:buClr>
                 <a:srgbClr val="0070C0"/>
@@ -17812,13 +18573,19 @@
               <a:buAutoNum type="arabicPeriod"/>
             </a:pPr>
             <a:r>
-              <a:rPr lang="zh-CN" altLang="en-US" dirty="0"/>
-              <a:t>建造者模式</a:t>
-            </a:r>
-            <a:r>
-              <a:rPr lang="en-US" altLang="zh-CN" dirty="0"/>
-              <a:t>(Builder Pattern)</a:t>
-            </a:r>
+              <a:rPr lang="zh-CN" altLang="en-US" sz="1600" dirty="0"/>
+              <a:t>迪米特法则或最少知识原则，从类与类之间耦合的角度去思考，降低耦合，减少不必要的耦合，不要跨越多层去调用方法，最佳的方式是只调用其朋友类的方法，之后行为由朋友类负责实施。</a:t>
+            </a:r>
+            <a:endParaRPr lang="zh-CN" altLang="en-US" sz="2000" dirty="0"/>
+          </a:p>
+          <a:p>
+            <a:pPr marL="457200" indent="-457200">
+              <a:buClr>
+                <a:srgbClr val="0070C0"/>
+              </a:buClr>
+              <a:buFont typeface="+mj-lt"/>
+              <a:buAutoNum type="arabicPeriod"/>
+            </a:pPr>
             <a:endParaRPr lang="zh-CN" altLang="en-US" dirty="0"/>
           </a:p>
         </p:txBody>
@@ -18087,13 +18854,9 @@
           <a:p>
             <a:r>
               <a:rPr lang="zh-CN" altLang="en-US" dirty="0"/>
-              <a:t>工厂模式</a:t>
-            </a:r>
-            <a:r>
-              <a:rPr lang="en-US" altLang="zh-CN" dirty="0"/>
-              <a:t>(The Factory Pattern)</a:t>
-            </a:r>
-            <a:endParaRPr lang="en-US" altLang="zh-CN" dirty="0"/>
+              <a:t>设计模式</a:t>
+            </a:r>
+            <a:endParaRPr lang="zh-CN" altLang="en-US" dirty="0"/>
           </a:p>
         </p:txBody>
       </p:sp>
@@ -18106,7 +18869,7 @@
         <p:spPr>
           <a:xfrm>
             <a:off x="566431" y="2057436"/>
-            <a:ext cx="8334776" cy="2796856"/>
+            <a:ext cx="8334776" cy="3674019"/>
           </a:xfrm>
           <a:prstGeom prst="rect">
             <a:avLst/>
@@ -18119,54 +18882,105 @@
           </a:bodyPr>
           <a:lstStyle/>
           <a:p>
-            <a:pPr indent="628650" eaLnBrk="1" hangingPunct="1">
-              <a:lnSpc>
-                <a:spcPct val="150000"/>
-              </a:lnSpc>
-              <a:buFont typeface="Wingdings" panose="05000000000000000000" pitchFamily="2" charset="2"/>
-              <a:buNone/>
-            </a:pPr>
-            <a:r>
-              <a:rPr lang="zh-CN" altLang="en-US" dirty="0"/>
-              <a:t>工厂模式是最常见的设计模式之一，可帮助我们组织创建对象的代码，通常用于以下两种情况：</a:t>
-            </a:r>
-            <a:endParaRPr lang="zh-CN" altLang="en-US" dirty="0"/>
-          </a:p>
-          <a:p>
-            <a:pPr lvl="1" indent="-457200" eaLnBrk="1" hangingPunct="1">
-              <a:lnSpc>
-                <a:spcPct val="150000"/>
+            <a:pPr marL="457200" indent="-457200">
+              <a:lnSpc>
+                <a:spcPct val="200000"/>
               </a:lnSpc>
               <a:buClr>
                 <a:srgbClr val="0070C0"/>
               </a:buClr>
-              <a:buSzPct val="80000"/>
               <a:buFont typeface="+mj-lt"/>
               <a:buAutoNum type="arabicPeriod"/>
             </a:pPr>
             <a:r>
               <a:rPr lang="zh-CN" altLang="en-US" dirty="0"/>
-              <a:t>创建复杂的对象，并进行初始化。</a:t>
+              <a:t>创建型模式（</a:t>
+            </a:r>
+            <a:r>
+              <a:rPr lang="en-US" altLang="zh-CN" dirty="0"/>
+              <a:t> Creational Patterns </a:t>
+            </a:r>
+            <a:r>
+              <a:rPr lang="zh-CN" altLang="en-US" dirty="0"/>
+              <a:t>）</a:t>
             </a:r>
             <a:endParaRPr lang="en-US" altLang="zh-CN" dirty="0"/>
           </a:p>
           <a:p>
-            <a:pPr lvl="1" indent="-457200" eaLnBrk="1" hangingPunct="1">
-              <a:lnSpc>
-                <a:spcPct val="150000"/>
+            <a:pPr marL="457200" indent="-457200">
+              <a:lnSpc>
+                <a:spcPct val="200000"/>
               </a:lnSpc>
               <a:buClr>
                 <a:srgbClr val="0070C0"/>
               </a:buClr>
-              <a:buSzPct val="80000"/>
               <a:buFont typeface="+mj-lt"/>
               <a:buAutoNum type="arabicPeriod"/>
             </a:pPr>
-            <a:r>
-              <a:rPr lang="zh-CN" altLang="en-US" dirty="0"/>
-              <a:t>根据不同的环境（输入参数），创建不同用途的对象。一般这些对象都是实现了相同的接口或继承于同一基类。</a:t>
-            </a:r>
-            <a:endParaRPr lang="zh-CN" altLang="en-US" dirty="0"/>
+            <a:endParaRPr lang="en-US" altLang="zh-CN" dirty="0"/>
+          </a:p>
+          <a:p>
+            <a:pPr marL="457200" indent="-457200">
+              <a:lnSpc>
+                <a:spcPct val="200000"/>
+              </a:lnSpc>
+              <a:buClr>
+                <a:srgbClr val="0070C0"/>
+              </a:buClr>
+              <a:buFont typeface="+mj-lt"/>
+              <a:buAutoNum type="arabicPeriod"/>
+            </a:pPr>
+            <a:r>
+              <a:rPr lang="zh-CN" altLang="en-US" dirty="0"/>
+              <a:t>结构型模式（</a:t>
+            </a:r>
+            <a:r>
+              <a:rPr lang="en-US" altLang="zh-CN" dirty="0"/>
+              <a:t> Structural Patterns</a:t>
+            </a:r>
+            <a:r>
+              <a:rPr lang="zh-CN" altLang="en-US" dirty="0"/>
+              <a:t>）</a:t>
+            </a:r>
+            <a:endParaRPr lang="en-US" altLang="zh-CN" dirty="0"/>
+          </a:p>
+          <a:p>
+            <a:pPr marL="457200" indent="-457200">
+              <a:lnSpc>
+                <a:spcPct val="200000"/>
+              </a:lnSpc>
+              <a:buClr>
+                <a:srgbClr val="0070C0"/>
+              </a:buClr>
+              <a:buFont typeface="+mj-lt"/>
+              <a:buAutoNum type="arabicPeriod"/>
+            </a:pPr>
+            <a:endParaRPr lang="en-US" altLang="zh-CN" dirty="0"/>
+          </a:p>
+          <a:p>
+            <a:pPr marL="457200" indent="-457200">
+              <a:lnSpc>
+                <a:spcPct val="200000"/>
+              </a:lnSpc>
+              <a:buClr>
+                <a:srgbClr val="0070C0"/>
+              </a:buClr>
+              <a:buFont typeface="+mj-lt"/>
+              <a:buAutoNum type="arabicPeriod"/>
+            </a:pPr>
+            <a:r>
+              <a:rPr lang="zh-CN" altLang="en-US" dirty="0"/>
+              <a:t>行为型模式（</a:t>
+            </a:r>
+            <a:r>
+              <a:rPr lang="en-US" altLang="zh-CN" dirty="0"/>
+              <a:t>Behavioral Patterns</a:t>
+            </a:r>
+            <a:r>
+              <a:rPr lang="zh-CN" altLang="en-US" dirty="0"/>
+              <a:t>）</a:t>
+            </a:r>
+            <a:endParaRPr lang="en-US" altLang="zh-CN" dirty="0"/>
           </a:p>
         </p:txBody>
       </p:sp>
@@ -18200,241 +19014,56 @@
       </p:grpSpPr>
       <p:sp>
         <p:nvSpPr>
-          <p:cNvPr id="8" name="标题 1"/>
-          <p:cNvSpPr txBox="1"/>
-          <p:nvPr>
-            <p:custDataLst>
-              <p:tags r:id="rId1"/>
-            </p:custDataLst>
-          </p:nvPr>
-        </p:nvSpPr>
-        <p:spPr>
-          <a:xfrm>
-            <a:off x="571608" y="661194"/>
-            <a:ext cx="7886700" cy="994172"/>
-          </a:xfrm>
-          <a:prstGeom prst="rect">
-            <a:avLst/>
-          </a:prstGeom>
-        </p:spPr>
-        <p:txBody>
-          <a:bodyPr vert="horz" wrap="square" lIns="68580" tIns="34290" rIns="68580" bIns="34290" rtlCol="0" anchor="ctr">
-            <a:normAutofit fontScale="85000" lnSpcReduction="10000"/>
-          </a:bodyPr>
-          <a:lstStyle>
-            <a:lvl1pPr defTabSz="914400">
-              <a:lnSpc>
-                <a:spcPct val="120000"/>
-              </a:lnSpc>
-              <a:spcBef>
-                <a:spcPct val="0"/>
-              </a:spcBef>
-              <a:buNone/>
-              <a:defRPr sz="3600">
-                <a:solidFill>
-                  <a:schemeClr val="tx1">
-                    <a:lumMod val="75000"/>
-                    <a:lumOff val="25000"/>
-                  </a:schemeClr>
-                </a:solidFill>
-                <a:latin typeface="+mj-lt"/>
-                <a:ea typeface="+mj-ea"/>
-                <a:cs typeface="+mj-cs"/>
-              </a:defRPr>
-            </a:lvl1pPr>
-          </a:lstStyle>
-          <a:p>
-            <a:r>
-              <a:rPr lang="zh-CN" altLang="en-US" dirty="0"/>
-              <a:t>抽象工厂模式</a:t>
-            </a:r>
-            <a:r>
-              <a:rPr lang="en-US" altLang="zh-CN" dirty="0"/>
-              <a:t>(The Abstract Factory Pattern)</a:t>
-            </a:r>
-            <a:endParaRPr lang="en-US" altLang="zh-CN" dirty="0"/>
-          </a:p>
-        </p:txBody>
-      </p:sp>
-      <p:sp>
-        <p:nvSpPr>
-          <p:cNvPr id="3" name="文本框 2"/>
-          <p:cNvSpPr txBox="1"/>
-          <p:nvPr/>
-        </p:nvSpPr>
-        <p:spPr>
-          <a:xfrm>
-            <a:off x="566431" y="2057436"/>
-            <a:ext cx="8334776" cy="4458849"/>
-          </a:xfrm>
-          <a:prstGeom prst="rect">
-            <a:avLst/>
-          </a:prstGeom>
-          <a:noFill/>
-        </p:spPr>
-        <p:txBody>
-          <a:bodyPr wrap="square" rtlCol="0">
-            <a:spAutoFit/>
+          <p:cNvPr id="2" name="标题 1"/>
+          <p:cNvSpPr>
+            <a:spLocks noGrp="1"/>
+          </p:cNvSpPr>
+          <p:nvPr>
+            <p:ph type="title"/>
+          </p:nvPr>
+        </p:nvSpPr>
+        <p:spPr/>
+        <p:txBody>
+          <a:bodyPr>
+            <a:normAutofit fontScale="90000"/>
           </a:bodyPr>
           <a:lstStyle/>
           <a:p>
-            <a:pPr indent="628650" eaLnBrk="1" hangingPunct="1">
-              <a:lnSpc>
-                <a:spcPct val="150000"/>
-              </a:lnSpc>
-              <a:buFont typeface="Wingdings" panose="05000000000000000000" pitchFamily="2" charset="2"/>
-              <a:buNone/>
-            </a:pPr>
-            <a:r>
-              <a:rPr lang="zh-CN" altLang="en-US" dirty="0"/>
-              <a:t>在介绍</a:t>
-            </a:r>
-            <a:r>
-              <a:rPr lang="en-US" altLang="zh-CN" dirty="0"/>
-              <a:t>Abstract Factory</a:t>
-            </a:r>
-            <a:r>
-              <a:rPr lang="zh-CN" altLang="en-US" dirty="0"/>
-              <a:t>之前，先回顾下</a:t>
-            </a:r>
-            <a:r>
-              <a:rPr lang="en-US" altLang="zh-CN" dirty="0"/>
-              <a:t>Factory</a:t>
-            </a:r>
-            <a:r>
-              <a:rPr lang="zh-CN" altLang="en-US" dirty="0"/>
-              <a:t>模式的</a:t>
-            </a:r>
-            <a:r>
-              <a:rPr lang="en-US" altLang="zh-CN" dirty="0"/>
-              <a:t>JDBC</a:t>
-            </a:r>
-            <a:r>
-              <a:rPr lang="zh-CN" altLang="en-US" dirty="0"/>
-              <a:t>应用。由于很多系统需要访问不同的数据库，故在得到</a:t>
-            </a:r>
-            <a:r>
-              <a:rPr lang="en-US" altLang="zh-CN" dirty="0"/>
-              <a:t>Connection</a:t>
-            </a:r>
-            <a:r>
-              <a:rPr lang="zh-CN" altLang="en-US" dirty="0"/>
-              <a:t>之前要获取不同的</a:t>
-            </a:r>
-            <a:r>
-              <a:rPr lang="en-US" altLang="zh-CN" dirty="0" err="1"/>
-              <a:t>DataSource</a:t>
-            </a:r>
-            <a:r>
-              <a:rPr lang="zh-CN" altLang="en-US" dirty="0"/>
-              <a:t>。于是我们又遇到了</a:t>
-            </a:r>
-            <a:r>
-              <a:rPr lang="en-US" altLang="zh-CN" dirty="0"/>
-              <a:t>Factory</a:t>
-            </a:r>
-            <a:r>
-              <a:rPr lang="zh-CN" altLang="en-US" dirty="0"/>
-              <a:t>模式所要解决的问题：创建一个</a:t>
-            </a:r>
-            <a:r>
-              <a:rPr lang="en-US" altLang="zh-CN" dirty="0"/>
-              <a:t>Factory</a:t>
-            </a:r>
-            <a:r>
-              <a:rPr lang="zh-CN" altLang="en-US" dirty="0"/>
-              <a:t>来获取不同的</a:t>
-            </a:r>
-            <a:r>
-              <a:rPr lang="en-US" altLang="zh-CN" dirty="0" err="1"/>
-              <a:t>DataSource</a:t>
-            </a:r>
-            <a:r>
-              <a:rPr lang="zh-CN" altLang="en-US" dirty="0"/>
-              <a:t>。而</a:t>
-            </a:r>
-            <a:r>
-              <a:rPr lang="en-US" altLang="zh-CN" dirty="0" err="1"/>
-              <a:t>DataSource</a:t>
-            </a:r>
-            <a:r>
-              <a:rPr lang="zh-CN" altLang="en-US" dirty="0"/>
-              <a:t>本身又是一个</a:t>
-            </a:r>
-            <a:r>
-              <a:rPr lang="en-US" altLang="zh-CN" dirty="0"/>
-              <a:t>Factory</a:t>
-            </a:r>
-            <a:r>
-              <a:rPr lang="zh-CN" altLang="en-US" dirty="0"/>
-              <a:t>。</a:t>
-            </a:r>
+            <a:r>
+              <a:rPr lang="en-US" altLang="zh-CN" sz="3900" dirty="0"/>
+              <a:t>Creational Patterns</a:t>
+            </a:r>
+            <a:br>
+              <a:rPr lang="zh-CN" altLang="en-US" dirty="0"/>
+            </a:br>
             <a:endParaRPr lang="zh-CN" altLang="en-US" dirty="0"/>
           </a:p>
-          <a:p>
-            <a:pPr indent="628650" eaLnBrk="1" hangingPunct="1">
-              <a:lnSpc>
-                <a:spcPct val="150000"/>
-              </a:lnSpc>
-              <a:buFont typeface="Wingdings" panose="05000000000000000000" pitchFamily="2" charset="2"/>
-              <a:buNone/>
-            </a:pPr>
-            <a:r>
-              <a:rPr lang="zh-CN" altLang="en-US"/>
-              <a:t>由</a:t>
-            </a:r>
-            <a:r>
-              <a:rPr lang="zh-CN" altLang="en-US" dirty="0"/>
-              <a:t>上述我们不难引出</a:t>
-            </a:r>
-            <a:r>
-              <a:rPr lang="en-US" altLang="zh-CN" dirty="0"/>
-              <a:t>Abstract Factory</a:t>
-            </a:r>
-            <a:r>
-              <a:rPr lang="zh-CN" altLang="en-US" dirty="0"/>
-              <a:t>的定义，就是用于创建</a:t>
-            </a:r>
-            <a:r>
-              <a:rPr lang="en-US" altLang="zh-CN" dirty="0"/>
-              <a:t>Factory</a:t>
-            </a:r>
-            <a:r>
-              <a:rPr lang="zh-CN" altLang="en-US" dirty="0"/>
-              <a:t>的</a:t>
-            </a:r>
-            <a:r>
-              <a:rPr lang="en-US" altLang="zh-CN" dirty="0"/>
-              <a:t>Factory</a:t>
-            </a:r>
-            <a:r>
-              <a:rPr lang="zh-CN" altLang="en-US" dirty="0"/>
-              <a:t>。其设计思想和</a:t>
-            </a:r>
-            <a:r>
-              <a:rPr lang="en-US" altLang="zh-CN" dirty="0"/>
-              <a:t>Factory</a:t>
-            </a:r>
-            <a:r>
-              <a:rPr lang="zh-CN" altLang="en-US" dirty="0"/>
-              <a:t>的完全一致，不过是一种特殊的</a:t>
-            </a:r>
-            <a:r>
-              <a:rPr lang="en-US" altLang="zh-CN" dirty="0"/>
-              <a:t>Factory</a:t>
-            </a:r>
-            <a:r>
-              <a:rPr lang="zh-CN" altLang="en-US" dirty="0"/>
-              <a:t>而已。</a:t>
+        </p:txBody>
+      </p:sp>
+      <p:sp>
+        <p:nvSpPr>
+          <p:cNvPr id="3" name="内容占位符 2"/>
+          <p:cNvSpPr>
+            <a:spLocks noGrp="1"/>
+          </p:cNvSpPr>
+          <p:nvPr>
+            <p:ph sz="quarter" idx="13"/>
+          </p:nvPr>
+        </p:nvSpPr>
+        <p:spPr/>
+        <p:txBody>
+          <a:bodyPr/>
+          <a:lstStyle/>
+          <a:p>
+            <a:r>
+              <a:rPr lang="zh-CN" altLang="en-US" b="1" dirty="0"/>
+              <a:t>创建型模式</a:t>
             </a:r>
             <a:endParaRPr lang="zh-CN" altLang="en-US" dirty="0"/>
           </a:p>
         </p:txBody>
       </p:sp>
     </p:spTree>
-    <p:custDataLst>
-      <p:tags r:id="rId2"/>
-    </p:custDataLst>
   </p:cSld>
   <p:clrMapOvr>
     <a:masterClrMapping/>
@@ -18461,6 +19090,636 @@
       </p:grpSpPr>
       <p:sp>
         <p:nvSpPr>
+          <p:cNvPr id="8" name="标题 1"/>
+          <p:cNvSpPr txBox="1"/>
+          <p:nvPr>
+            <p:custDataLst>
+              <p:tags r:id="rId1"/>
+            </p:custDataLst>
+          </p:nvPr>
+        </p:nvSpPr>
+        <p:spPr>
+          <a:xfrm>
+            <a:off x="571608" y="661194"/>
+            <a:ext cx="7886700" cy="994172"/>
+          </a:xfrm>
+          <a:prstGeom prst="rect">
+            <a:avLst/>
+          </a:prstGeom>
+        </p:spPr>
+        <p:txBody>
+          <a:bodyPr vert="horz" wrap="square" lIns="68580" tIns="34290" rIns="68580" bIns="34290" rtlCol="0" anchor="ctr">
+            <a:normAutofit/>
+          </a:bodyPr>
+          <a:lstStyle>
+            <a:lvl1pPr defTabSz="914400">
+              <a:lnSpc>
+                <a:spcPct val="120000"/>
+              </a:lnSpc>
+              <a:spcBef>
+                <a:spcPct val="0"/>
+              </a:spcBef>
+              <a:buNone/>
+              <a:defRPr sz="3600">
+                <a:solidFill>
+                  <a:schemeClr val="tx1">
+                    <a:lumMod val="75000"/>
+                    <a:lumOff val="25000"/>
+                  </a:schemeClr>
+                </a:solidFill>
+                <a:latin typeface="+mj-lt"/>
+                <a:ea typeface="+mj-ea"/>
+                <a:cs typeface="+mj-cs"/>
+              </a:defRPr>
+            </a:lvl1pPr>
+          </a:lstStyle>
+          <a:p>
+            <a:r>
+              <a:rPr lang="zh-CN" altLang="en-US" dirty="0"/>
+              <a:t>创建型模式</a:t>
+            </a:r>
+            <a:endParaRPr lang="zh-CN" altLang="en-US" dirty="0"/>
+          </a:p>
+        </p:txBody>
+      </p:sp>
+      <p:sp>
+        <p:nvSpPr>
+          <p:cNvPr id="3" name="文本框 2"/>
+          <p:cNvSpPr txBox="1"/>
+          <p:nvPr/>
+        </p:nvSpPr>
+        <p:spPr>
+          <a:xfrm>
+            <a:off x="566431" y="2057436"/>
+            <a:ext cx="8334776" cy="3674019"/>
+          </a:xfrm>
+          <a:prstGeom prst="rect">
+            <a:avLst/>
+          </a:prstGeom>
+          <a:noFill/>
+        </p:spPr>
+        <p:txBody>
+          <a:bodyPr wrap="square" rtlCol="0">
+            <a:spAutoFit/>
+          </a:bodyPr>
+          <a:lstStyle/>
+          <a:p>
+            <a:pPr marL="457200" indent="-457200">
+              <a:lnSpc>
+                <a:spcPct val="200000"/>
+              </a:lnSpc>
+              <a:buClr>
+                <a:srgbClr val="0070C0"/>
+              </a:buClr>
+              <a:buFont typeface="+mj-lt"/>
+              <a:buAutoNum type="arabicPeriod"/>
+            </a:pPr>
+            <a:r>
+              <a:rPr lang="zh-CN" altLang="en-US" dirty="0"/>
+              <a:t>工厂模式</a:t>
+            </a:r>
+            <a:r>
+              <a:rPr lang="en-US" altLang="zh-CN" dirty="0"/>
+              <a:t>(The Factory Pattern)</a:t>
+            </a:r>
+            <a:endParaRPr lang="en-US" altLang="zh-CN" dirty="0"/>
+          </a:p>
+          <a:p>
+            <a:pPr marL="457200" indent="-457200">
+              <a:lnSpc>
+                <a:spcPct val="200000"/>
+              </a:lnSpc>
+              <a:buClr>
+                <a:srgbClr val="0070C0"/>
+              </a:buClr>
+              <a:buFont typeface="+mj-lt"/>
+              <a:buAutoNum type="arabicPeriod"/>
+            </a:pPr>
+            <a:r>
+              <a:rPr lang="zh-CN" altLang="en-US" dirty="0"/>
+              <a:t>抽象工厂模式</a:t>
+            </a:r>
+            <a:r>
+              <a:rPr lang="en-US" altLang="zh-CN" dirty="0"/>
+              <a:t>(The Abstract Factory Pattern-)</a:t>
+            </a:r>
+            <a:endParaRPr lang="zh-CN" altLang="en-US" dirty="0"/>
+          </a:p>
+          <a:p>
+            <a:pPr marL="457200" indent="-457200" eaLnBrk="1" hangingPunct="1">
+              <a:lnSpc>
+                <a:spcPct val="200000"/>
+              </a:lnSpc>
+              <a:buClr>
+                <a:srgbClr val="0070C0"/>
+              </a:buClr>
+              <a:buFont typeface="+mj-lt"/>
+              <a:buAutoNum type="arabicPeriod"/>
+            </a:pPr>
+            <a:r>
+              <a:rPr lang="zh-CN" altLang="en-US" dirty="0"/>
+              <a:t>单例模式</a:t>
+            </a:r>
+            <a:r>
+              <a:rPr lang="en-US" altLang="zh-CN" dirty="0"/>
+              <a:t>(The Singleton Pattern)</a:t>
+            </a:r>
+            <a:endParaRPr lang="zh-CN" altLang="en-US" dirty="0"/>
+          </a:p>
+          <a:p>
+            <a:pPr marL="457200" indent="-457200" eaLnBrk="1" hangingPunct="1">
+              <a:lnSpc>
+                <a:spcPct val="200000"/>
+              </a:lnSpc>
+              <a:buClr>
+                <a:srgbClr val="0070C0"/>
+              </a:buClr>
+              <a:buFont typeface="+mj-lt"/>
+              <a:buAutoNum type="arabicPeriod"/>
+            </a:pPr>
+            <a:r>
+              <a:rPr lang="zh-CN" altLang="en-US" dirty="0"/>
+              <a:t>原型模式</a:t>
+            </a:r>
+            <a:r>
+              <a:rPr lang="en-US" altLang="zh-CN" dirty="0"/>
+              <a:t>(The Prototype Pattern)</a:t>
+            </a:r>
+            <a:endParaRPr lang="zh-CN" altLang="en-US" dirty="0"/>
+          </a:p>
+          <a:p>
+            <a:pPr marL="457200" indent="-457200" eaLnBrk="1" hangingPunct="1">
+              <a:lnSpc>
+                <a:spcPct val="200000"/>
+              </a:lnSpc>
+              <a:buClr>
+                <a:srgbClr val="0070C0"/>
+              </a:buClr>
+              <a:buFont typeface="+mj-lt"/>
+              <a:buAutoNum type="arabicPeriod"/>
+            </a:pPr>
+            <a:r>
+              <a:rPr lang="zh-CN" altLang="en-US" dirty="0"/>
+              <a:t>建造者模式</a:t>
+            </a:r>
+            <a:r>
+              <a:rPr lang="en-US" altLang="zh-CN" dirty="0"/>
+              <a:t>(Builder Pattern)</a:t>
+            </a:r>
+            <a:endParaRPr lang="zh-CN" altLang="en-US" dirty="0"/>
+          </a:p>
+        </p:txBody>
+      </p:sp>
+    </p:spTree>
+    <p:custDataLst>
+      <p:tags r:id="rId2"/>
+    </p:custDataLst>
+  </p:cSld>
+  <p:clrMapOvr>
+    <a:masterClrMapping/>
+  </p:clrMapOvr>
+</p:sld>
+</file>
+
+<file path=ppt/slides/slide43.xml><?xml version="1.0" encoding="utf-8"?>
+<p:sld xmlns:a="http://schemas.openxmlformats.org/drawingml/2006/main" xmlns:r="http://schemas.openxmlformats.org/officeDocument/2006/relationships" xmlns:p="http://schemas.openxmlformats.org/presentationml/2006/main">
+  <p:cSld>
+    <p:spTree>
+      <p:nvGrpSpPr>
+        <p:cNvPr id="1" name=""/>
+        <p:cNvGrpSpPr/>
+        <p:nvPr/>
+      </p:nvGrpSpPr>
+      <p:grpSpPr>
+        <a:xfrm>
+          <a:off x="0" y="0"/>
+          <a:ext cx="0" cy="0"/>
+          <a:chOff x="0" y="0"/>
+          <a:chExt cx="0" cy="0"/>
+        </a:xfrm>
+      </p:grpSpPr>
+      <p:sp>
+        <p:nvSpPr>
+          <p:cNvPr id="8" name="标题 1"/>
+          <p:cNvSpPr txBox="1"/>
+          <p:nvPr>
+            <p:custDataLst>
+              <p:tags r:id="rId1"/>
+            </p:custDataLst>
+          </p:nvPr>
+        </p:nvSpPr>
+        <p:spPr>
+          <a:xfrm>
+            <a:off x="571608" y="661194"/>
+            <a:ext cx="7886700" cy="994172"/>
+          </a:xfrm>
+          <a:prstGeom prst="rect">
+            <a:avLst/>
+          </a:prstGeom>
+        </p:spPr>
+        <p:txBody>
+          <a:bodyPr vert="horz" wrap="square" lIns="68580" tIns="34290" rIns="68580" bIns="34290" rtlCol="0" anchor="ctr">
+            <a:normAutofit/>
+          </a:bodyPr>
+          <a:lstStyle>
+            <a:lvl1pPr defTabSz="914400">
+              <a:lnSpc>
+                <a:spcPct val="120000"/>
+              </a:lnSpc>
+              <a:spcBef>
+                <a:spcPct val="0"/>
+              </a:spcBef>
+              <a:buNone/>
+              <a:defRPr sz="3600">
+                <a:solidFill>
+                  <a:schemeClr val="tx1">
+                    <a:lumMod val="75000"/>
+                    <a:lumOff val="25000"/>
+                  </a:schemeClr>
+                </a:solidFill>
+                <a:latin typeface="+mj-lt"/>
+                <a:ea typeface="+mj-ea"/>
+                <a:cs typeface="+mj-cs"/>
+              </a:defRPr>
+            </a:lvl1pPr>
+          </a:lstStyle>
+          <a:p>
+            <a:r>
+              <a:rPr lang="zh-CN" altLang="en-US" dirty="0"/>
+              <a:t>工厂模式</a:t>
+            </a:r>
+            <a:r>
+              <a:rPr lang="en-US" altLang="zh-CN" dirty="0"/>
+              <a:t>(The Factory Pattern)</a:t>
+            </a:r>
+            <a:endParaRPr lang="en-US" altLang="zh-CN" dirty="0"/>
+          </a:p>
+        </p:txBody>
+      </p:sp>
+      <p:sp>
+        <p:nvSpPr>
+          <p:cNvPr id="3" name="文本框 2"/>
+          <p:cNvSpPr txBox="1"/>
+          <p:nvPr/>
+        </p:nvSpPr>
+        <p:spPr>
+          <a:xfrm>
+            <a:off x="566431" y="2057436"/>
+            <a:ext cx="8334776" cy="2796856"/>
+          </a:xfrm>
+          <a:prstGeom prst="rect">
+            <a:avLst/>
+          </a:prstGeom>
+          <a:noFill/>
+        </p:spPr>
+        <p:txBody>
+          <a:bodyPr wrap="square" rtlCol="0">
+            <a:spAutoFit/>
+          </a:bodyPr>
+          <a:lstStyle/>
+          <a:p>
+            <a:pPr indent="628650" eaLnBrk="1" hangingPunct="1">
+              <a:lnSpc>
+                <a:spcPct val="150000"/>
+              </a:lnSpc>
+              <a:buFont typeface="Wingdings" panose="05000000000000000000" pitchFamily="2" charset="2"/>
+              <a:buNone/>
+            </a:pPr>
+            <a:r>
+              <a:rPr lang="zh-CN" altLang="en-US" dirty="0"/>
+              <a:t>工厂模式是最常见的设计模式之一，可帮助我们组织创建对象的代码，通常用于以下两种情况：</a:t>
+            </a:r>
+            <a:endParaRPr lang="zh-CN" altLang="en-US" dirty="0"/>
+          </a:p>
+          <a:p>
+            <a:pPr lvl="1" indent="-457200" eaLnBrk="1" hangingPunct="1">
+              <a:lnSpc>
+                <a:spcPct val="150000"/>
+              </a:lnSpc>
+              <a:buClr>
+                <a:srgbClr val="0070C0"/>
+              </a:buClr>
+              <a:buSzPct val="80000"/>
+              <a:buFont typeface="+mj-lt"/>
+              <a:buAutoNum type="arabicPeriod"/>
+            </a:pPr>
+            <a:r>
+              <a:rPr lang="zh-CN" altLang="en-US" dirty="0"/>
+              <a:t>创建复杂的对象，并进行初始化。</a:t>
+            </a:r>
+            <a:endParaRPr lang="en-US" altLang="zh-CN" dirty="0"/>
+          </a:p>
+          <a:p>
+            <a:pPr lvl="1" indent="-457200" eaLnBrk="1" hangingPunct="1">
+              <a:lnSpc>
+                <a:spcPct val="150000"/>
+              </a:lnSpc>
+              <a:buClr>
+                <a:srgbClr val="0070C0"/>
+              </a:buClr>
+              <a:buSzPct val="80000"/>
+              <a:buFont typeface="+mj-lt"/>
+              <a:buAutoNum type="arabicPeriod"/>
+            </a:pPr>
+            <a:r>
+              <a:rPr lang="zh-CN" altLang="en-US" dirty="0"/>
+              <a:t>根据不同的环境（输入参数），创建不同用途的对象。一般这些对象都是实现了相同的接口或继承于同一基类。</a:t>
+            </a:r>
+            <a:endParaRPr lang="zh-CN" altLang="en-US" dirty="0"/>
+          </a:p>
+        </p:txBody>
+      </p:sp>
+    </p:spTree>
+    <p:custDataLst>
+      <p:tags r:id="rId2"/>
+    </p:custDataLst>
+  </p:cSld>
+  <p:clrMapOvr>
+    <a:masterClrMapping/>
+  </p:clrMapOvr>
+</p:sld>
+</file>
+
+<file path=ppt/slides/slide44.xml><?xml version="1.0" encoding="utf-8"?>
+<p:sld xmlns:a="http://schemas.openxmlformats.org/drawingml/2006/main" xmlns:r="http://schemas.openxmlformats.org/officeDocument/2006/relationships" xmlns:p="http://schemas.openxmlformats.org/presentationml/2006/main">
+  <p:cSld>
+    <p:spTree>
+      <p:nvGrpSpPr>
+        <p:cNvPr id="1" name=""/>
+        <p:cNvGrpSpPr/>
+        <p:nvPr/>
+      </p:nvGrpSpPr>
+      <p:grpSpPr>
+        <a:xfrm>
+          <a:off x="0" y="0"/>
+          <a:ext cx="0" cy="0"/>
+          <a:chOff x="0" y="0"/>
+          <a:chExt cx="0" cy="0"/>
+        </a:xfrm>
+      </p:grpSpPr>
+      <p:sp>
+        <p:nvSpPr>
+          <p:cNvPr id="8" name="标题 1"/>
+          <p:cNvSpPr txBox="1"/>
+          <p:nvPr>
+            <p:custDataLst>
+              <p:tags r:id="rId1"/>
+            </p:custDataLst>
+          </p:nvPr>
+        </p:nvSpPr>
+        <p:spPr>
+          <a:xfrm>
+            <a:off x="571608" y="661194"/>
+            <a:ext cx="7886700" cy="994172"/>
+          </a:xfrm>
+          <a:prstGeom prst="rect">
+            <a:avLst/>
+          </a:prstGeom>
+        </p:spPr>
+        <p:txBody>
+          <a:bodyPr vert="horz" wrap="square" lIns="68580" tIns="34290" rIns="68580" bIns="34290" rtlCol="0" anchor="ctr">
+            <a:normAutofit fontScale="85000" lnSpcReduction="10000"/>
+          </a:bodyPr>
+          <a:lstStyle>
+            <a:lvl1pPr defTabSz="914400">
+              <a:lnSpc>
+                <a:spcPct val="120000"/>
+              </a:lnSpc>
+              <a:spcBef>
+                <a:spcPct val="0"/>
+              </a:spcBef>
+              <a:buNone/>
+              <a:defRPr sz="3600">
+                <a:solidFill>
+                  <a:schemeClr val="tx1">
+                    <a:lumMod val="75000"/>
+                    <a:lumOff val="25000"/>
+                  </a:schemeClr>
+                </a:solidFill>
+                <a:latin typeface="+mj-lt"/>
+                <a:ea typeface="+mj-ea"/>
+                <a:cs typeface="+mj-cs"/>
+              </a:defRPr>
+            </a:lvl1pPr>
+          </a:lstStyle>
+          <a:p>
+            <a:r>
+              <a:rPr lang="zh-CN" altLang="en-US" dirty="0"/>
+              <a:t>抽象工厂模式</a:t>
+            </a:r>
+            <a:r>
+              <a:rPr lang="en-US" altLang="zh-CN" dirty="0"/>
+              <a:t>(The Abstract Factory Pattern)</a:t>
+            </a:r>
+            <a:endParaRPr lang="en-US" altLang="zh-CN" dirty="0"/>
+          </a:p>
+        </p:txBody>
+      </p:sp>
+      <p:sp>
+        <p:nvSpPr>
+          <p:cNvPr id="3" name="文本框 2"/>
+          <p:cNvSpPr txBox="1"/>
+          <p:nvPr/>
+        </p:nvSpPr>
+        <p:spPr>
+          <a:xfrm>
+            <a:off x="566431" y="2057436"/>
+            <a:ext cx="8334776" cy="4458849"/>
+          </a:xfrm>
+          <a:prstGeom prst="rect">
+            <a:avLst/>
+          </a:prstGeom>
+          <a:noFill/>
+        </p:spPr>
+        <p:txBody>
+          <a:bodyPr wrap="square" rtlCol="0">
+            <a:spAutoFit/>
+          </a:bodyPr>
+          <a:lstStyle/>
+          <a:p>
+            <a:pPr indent="628650" eaLnBrk="1" hangingPunct="1">
+              <a:lnSpc>
+                <a:spcPct val="150000"/>
+              </a:lnSpc>
+              <a:buFont typeface="Wingdings" panose="05000000000000000000" pitchFamily="2" charset="2"/>
+              <a:buNone/>
+            </a:pPr>
+            <a:r>
+              <a:rPr lang="zh-CN" altLang="en-US" dirty="0"/>
+              <a:t>在介绍</a:t>
+            </a:r>
+            <a:r>
+              <a:rPr lang="en-US" altLang="zh-CN" dirty="0"/>
+              <a:t>Abstract Factory</a:t>
+            </a:r>
+            <a:r>
+              <a:rPr lang="zh-CN" altLang="en-US" dirty="0"/>
+              <a:t>之前，先回顾下</a:t>
+            </a:r>
+            <a:r>
+              <a:rPr lang="en-US" altLang="zh-CN" dirty="0"/>
+              <a:t>Factory</a:t>
+            </a:r>
+            <a:r>
+              <a:rPr lang="zh-CN" altLang="en-US" dirty="0"/>
+              <a:t>模式的</a:t>
+            </a:r>
+            <a:r>
+              <a:rPr lang="en-US" altLang="zh-CN" dirty="0"/>
+              <a:t>JDBC</a:t>
+            </a:r>
+            <a:r>
+              <a:rPr lang="zh-CN" altLang="en-US" dirty="0"/>
+              <a:t>应用。由于很多系统需要访问不同的数据库，故在得到</a:t>
+            </a:r>
+            <a:r>
+              <a:rPr lang="en-US" altLang="zh-CN" dirty="0"/>
+              <a:t>Connection</a:t>
+            </a:r>
+            <a:r>
+              <a:rPr lang="zh-CN" altLang="en-US" dirty="0"/>
+              <a:t>之前要获取不同的</a:t>
+            </a:r>
+            <a:r>
+              <a:rPr lang="en-US" altLang="zh-CN" dirty="0" err="1"/>
+              <a:t>DataSource</a:t>
+            </a:r>
+            <a:r>
+              <a:rPr lang="zh-CN" altLang="en-US" dirty="0"/>
+              <a:t>。于是我们又遇到了</a:t>
+            </a:r>
+            <a:r>
+              <a:rPr lang="en-US" altLang="zh-CN" dirty="0"/>
+              <a:t>Factory</a:t>
+            </a:r>
+            <a:r>
+              <a:rPr lang="zh-CN" altLang="en-US" dirty="0"/>
+              <a:t>模式所要解决的问题：创建一个</a:t>
+            </a:r>
+            <a:r>
+              <a:rPr lang="en-US" altLang="zh-CN" dirty="0"/>
+              <a:t>Factory</a:t>
+            </a:r>
+            <a:r>
+              <a:rPr lang="zh-CN" altLang="en-US" dirty="0"/>
+              <a:t>来获取不同的</a:t>
+            </a:r>
+            <a:r>
+              <a:rPr lang="en-US" altLang="zh-CN" dirty="0" err="1"/>
+              <a:t>DataSource</a:t>
+            </a:r>
+            <a:r>
+              <a:rPr lang="zh-CN" altLang="en-US" dirty="0"/>
+              <a:t>。而</a:t>
+            </a:r>
+            <a:r>
+              <a:rPr lang="en-US" altLang="zh-CN" dirty="0" err="1"/>
+              <a:t>DataSource</a:t>
+            </a:r>
+            <a:r>
+              <a:rPr lang="zh-CN" altLang="en-US" dirty="0"/>
+              <a:t>本身又是一个</a:t>
+            </a:r>
+            <a:r>
+              <a:rPr lang="en-US" altLang="zh-CN" dirty="0"/>
+              <a:t>Factory</a:t>
+            </a:r>
+            <a:r>
+              <a:rPr lang="zh-CN" altLang="en-US" dirty="0"/>
+              <a:t>。</a:t>
+            </a:r>
+            <a:endParaRPr lang="zh-CN" altLang="en-US" dirty="0"/>
+          </a:p>
+          <a:p>
+            <a:pPr indent="628650" eaLnBrk="1" hangingPunct="1">
+              <a:lnSpc>
+                <a:spcPct val="150000"/>
+              </a:lnSpc>
+              <a:buFont typeface="Wingdings" panose="05000000000000000000" pitchFamily="2" charset="2"/>
+              <a:buNone/>
+            </a:pPr>
+            <a:r>
+              <a:rPr lang="zh-CN" altLang="en-US"/>
+              <a:t>由</a:t>
+            </a:r>
+            <a:r>
+              <a:rPr lang="zh-CN" altLang="en-US" dirty="0"/>
+              <a:t>上述我们不难引出</a:t>
+            </a:r>
+            <a:r>
+              <a:rPr lang="en-US" altLang="zh-CN" dirty="0"/>
+              <a:t>Abstract Factory</a:t>
+            </a:r>
+            <a:r>
+              <a:rPr lang="zh-CN" altLang="en-US" dirty="0"/>
+              <a:t>的定义，就是用于创建</a:t>
+            </a:r>
+            <a:r>
+              <a:rPr lang="en-US" altLang="zh-CN" dirty="0"/>
+              <a:t>Factory</a:t>
+            </a:r>
+            <a:r>
+              <a:rPr lang="zh-CN" altLang="en-US" dirty="0"/>
+              <a:t>的</a:t>
+            </a:r>
+            <a:r>
+              <a:rPr lang="en-US" altLang="zh-CN" dirty="0"/>
+              <a:t>Factory</a:t>
+            </a:r>
+            <a:r>
+              <a:rPr lang="zh-CN" altLang="en-US" dirty="0"/>
+              <a:t>。其设计思想和</a:t>
+            </a:r>
+            <a:r>
+              <a:rPr lang="en-US" altLang="zh-CN" dirty="0"/>
+              <a:t>Factory</a:t>
+            </a:r>
+            <a:r>
+              <a:rPr lang="zh-CN" altLang="en-US" dirty="0"/>
+              <a:t>的完全一致，不过是一种特殊的</a:t>
+            </a:r>
+            <a:r>
+              <a:rPr lang="en-US" altLang="zh-CN" dirty="0"/>
+              <a:t>Factory</a:t>
+            </a:r>
+            <a:r>
+              <a:rPr lang="zh-CN" altLang="en-US" dirty="0"/>
+              <a:t>而已。</a:t>
+            </a:r>
+            <a:endParaRPr lang="zh-CN" altLang="en-US" dirty="0"/>
+          </a:p>
+        </p:txBody>
+      </p:sp>
+    </p:spTree>
+    <p:custDataLst>
+      <p:tags r:id="rId2"/>
+    </p:custDataLst>
+  </p:cSld>
+  <p:clrMapOvr>
+    <a:masterClrMapping/>
+  </p:clrMapOvr>
+</p:sld>
+</file>
+
+<file path=ppt/slides/slide45.xml><?xml version="1.0" encoding="utf-8"?>
+<p:sld xmlns:a="http://schemas.openxmlformats.org/drawingml/2006/main" xmlns:r="http://schemas.openxmlformats.org/officeDocument/2006/relationships" xmlns:p="http://schemas.openxmlformats.org/presentationml/2006/main">
+  <p:cSld>
+    <p:spTree>
+      <p:nvGrpSpPr>
+        <p:cNvPr id="1" name=""/>
+        <p:cNvGrpSpPr/>
+        <p:nvPr/>
+      </p:nvGrpSpPr>
+      <p:grpSpPr>
+        <a:xfrm>
+          <a:off x="0" y="0"/>
+          <a:ext cx="0" cy="0"/>
+          <a:chOff x="0" y="0"/>
+          <a:chExt cx="0" cy="0"/>
+        </a:xfrm>
+      </p:grpSpPr>
+      <p:sp>
+        <p:nvSpPr>
           <p:cNvPr id="84993" name="Rectangle 4"/>
           <p:cNvSpPr>
             <a:spLocks noGrp="1" noChangeArrowheads="1"/>
@@ -18548,7 +19807,7 @@
 </p:sld>
 </file>
 
-<file path=ppt/slides/slide43.xml><?xml version="1.0" encoding="utf-8"?>
+<file path=ppt/slides/slide46.xml><?xml version="1.0" encoding="utf-8"?>
 <p:sld xmlns:a="http://schemas.openxmlformats.org/drawingml/2006/main" xmlns:r="http://schemas.openxmlformats.org/officeDocument/2006/relationships" xmlns:p="http://schemas.openxmlformats.org/presentationml/2006/main">
   <p:cSld>
     <p:spTree>
@@ -19584,6 +20843,40 @@
   <p:tag name="KSO_WM_TEMPLATE_CATEGORY" val="custom"/>
   <p:tag name="KSO_WM_TEMPLATE_INDEX" val="20184556"/>
   <p:tag name="KSO_WM_UNIT_INDEX" val="6"/>
+</p:tagLst>
+</file>
+
+<file path=ppt/tags/tag100.xml><?xml version="1.0" encoding="utf-8"?>
+<p:tagLst xmlns:p="http://schemas.openxmlformats.org/presentationml/2006/main">
+  <p:tag name="KSO_WM_TEMPLATE_CATEGORY" val="custom"/>
+  <p:tag name="KSO_WM_TEMPLATE_INDEX" val="20186830"/>
+  <p:tag name="KSO_WM_TAG_VERSION" val="1.0"/>
+  <p:tag name="KSO_WM_SLIDE_ID" val="custom20186830_7"/>
+  <p:tag name="KSO_WM_SLIDE_INDEX" val="7"/>
+  <p:tag name="KSO_WM_SLIDE_ITEM_CNT" val="1"/>
+  <p:tag name="KSO_WM_SLIDE_LAYOUT" val="a_l"/>
+  <p:tag name="KSO_WM_SLIDE_LAYOUT_CNT" val="1_1"/>
+  <p:tag name="KSO_WM_SLIDE_TYPE" val="text"/>
+  <p:tag name="KSO_WM_BEAUTIFY_FLAG" val="#wm#"/>
+  <p:tag name="KSO_WM_SLIDE_POSITION" val="25*85"/>
+  <p:tag name="KSO_WM_SLIDE_SIZE" val="452*279"/>
+  <p:tag name="KSO_WM_DIAGRAM_GROUP_CODE" val="l1-1"/>
+  <p:tag name="KSO_WM_SLIDE_SUBTYPE" val="diag"/>
+</p:tagLst>
+</file>
+
+<file path=ppt/tags/tag101.xml><?xml version="1.0" encoding="utf-8"?>
+<p:tagLst xmlns:p="http://schemas.openxmlformats.org/presentationml/2006/main">
+  <p:tag name="KSO_WM_TEMPLATE_CATEGORY" val="custom"/>
+  <p:tag name="KSO_WM_TEMPLATE_INDEX" val="20186830"/>
+</p:tagLst>
+</file>
+
+<file path=ppt/tags/tag102.xml><?xml version="1.0" encoding="utf-8"?>
+<p:tagLst xmlns:p="http://schemas.openxmlformats.org/presentationml/2006/main">
+  <p:tag name="KSO_WM_BEAUTIFY_FLAG" val="#wm#"/>
+  <p:tag name="KSO_WM_TEMPLATE_CATEGORY" val="custom"/>
+  <p:tag name="KSO_WM_TEMPLATE_INDEX" val="20186830"/>
 </p:tagLst>
 </file>
 
@@ -21188,14 +22481,97 @@
 <p:tagLst xmlns:p="http://schemas.openxmlformats.org/presentationml/2006/main">
   <p:tag name="KSO_WM_TEMPLATE_CATEGORY" val="custom"/>
   <p:tag name="KSO_WM_TEMPLATE_INDEX" val="20186830"/>
+  <p:tag name="KSO_WM_TAG_VERSION" val="1.0"/>
+  <p:tag name="KSO_WM_BEAUTIFY_FLAG" val="#wm#"/>
+  <p:tag name="KSO_WM_UNIT_TYPE" val="a"/>
+  <p:tag name="KSO_WM_UNIT_INDEX" val="1"/>
+  <p:tag name="KSO_WM_UNIT_ID" val="custom20186830_7*a*1"/>
+  <p:tag name="KSO_WM_UNIT_LAYERLEVEL" val="1"/>
+  <p:tag name="KSO_WM_UNIT_VALUE" val="19"/>
+  <p:tag name="KSO_WM_UNIT_ISCONTENTSTITLE" val="0"/>
+  <p:tag name="KSO_WM_UNIT_HIGHLIGHT" val="0"/>
+  <p:tag name="KSO_WM_UNIT_COMPATIBLE" val="0"/>
+  <p:tag name="KSO_WM_UNIT_CLEAR" val="0"/>
+  <p:tag name="KSO_WM_UNIT_PRESET_TEXT_INDEX" val="3"/>
+  <p:tag name="KSO_WM_UNIT_PRESET_TEXT_LEN" val="17"/>
 </p:tagLst>
 </file>
 
 <file path=ppt/tags/tag96.xml><?xml version="1.0" encoding="utf-8"?>
 <p:tagLst xmlns:p="http://schemas.openxmlformats.org/presentationml/2006/main">
-  <p:tag name="KSO_WM_BEAUTIFY_FLAG" val="#wm#"/>
   <p:tag name="KSO_WM_TEMPLATE_CATEGORY" val="custom"/>
   <p:tag name="KSO_WM_TEMPLATE_INDEX" val="20186830"/>
+  <p:tag name="KSO_WM_TAG_VERSION" val="1.0"/>
+  <p:tag name="KSO_WM_SLIDE_ID" val="custom20186830_7"/>
+  <p:tag name="KSO_WM_SLIDE_INDEX" val="7"/>
+  <p:tag name="KSO_WM_SLIDE_ITEM_CNT" val="1"/>
+  <p:tag name="KSO_WM_SLIDE_LAYOUT" val="a_l"/>
+  <p:tag name="KSO_WM_SLIDE_LAYOUT_CNT" val="1_1"/>
+  <p:tag name="KSO_WM_SLIDE_TYPE" val="text"/>
+  <p:tag name="KSO_WM_BEAUTIFY_FLAG" val="#wm#"/>
+  <p:tag name="KSO_WM_SLIDE_POSITION" val="25*85"/>
+  <p:tag name="KSO_WM_SLIDE_SIZE" val="452*279"/>
+  <p:tag name="KSO_WM_DIAGRAM_GROUP_CODE" val="l1-1"/>
+  <p:tag name="KSO_WM_SLIDE_SUBTYPE" val="diag"/>
+</p:tagLst>
+</file>
+
+<file path=ppt/tags/tag97.xml><?xml version="1.0" encoding="utf-8"?>
+<p:tagLst xmlns:p="http://schemas.openxmlformats.org/presentationml/2006/main">
+  <p:tag name="KSO_WM_TEMPLATE_CATEGORY" val="custom"/>
+  <p:tag name="KSO_WM_TEMPLATE_INDEX" val="20186830"/>
+  <p:tag name="KSO_WM_TAG_VERSION" val="1.0"/>
+  <p:tag name="KSO_WM_BEAUTIFY_FLAG" val="#wm#"/>
+  <p:tag name="KSO_WM_UNIT_TYPE" val="a"/>
+  <p:tag name="KSO_WM_UNIT_INDEX" val="1"/>
+  <p:tag name="KSO_WM_UNIT_ID" val="custom20186830_7*a*1"/>
+  <p:tag name="KSO_WM_UNIT_LAYERLEVEL" val="1"/>
+  <p:tag name="KSO_WM_UNIT_VALUE" val="19"/>
+  <p:tag name="KSO_WM_UNIT_ISCONTENTSTITLE" val="0"/>
+  <p:tag name="KSO_WM_UNIT_HIGHLIGHT" val="0"/>
+  <p:tag name="KSO_WM_UNIT_COMPATIBLE" val="0"/>
+  <p:tag name="KSO_WM_UNIT_CLEAR" val="0"/>
+  <p:tag name="KSO_WM_UNIT_PRESET_TEXT_INDEX" val="3"/>
+  <p:tag name="KSO_WM_UNIT_PRESET_TEXT_LEN" val="17"/>
+</p:tagLst>
+</file>
+
+<file path=ppt/tags/tag98.xml><?xml version="1.0" encoding="utf-8"?>
+<p:tagLst xmlns:p="http://schemas.openxmlformats.org/presentationml/2006/main">
+  <p:tag name="KSO_WM_TEMPLATE_CATEGORY" val="custom"/>
+  <p:tag name="KSO_WM_TEMPLATE_INDEX" val="20186830"/>
+  <p:tag name="KSO_WM_TAG_VERSION" val="1.0"/>
+  <p:tag name="KSO_WM_SLIDE_ID" val="custom20186830_7"/>
+  <p:tag name="KSO_WM_SLIDE_INDEX" val="7"/>
+  <p:tag name="KSO_WM_SLIDE_ITEM_CNT" val="1"/>
+  <p:tag name="KSO_WM_SLIDE_LAYOUT" val="a_l"/>
+  <p:tag name="KSO_WM_SLIDE_LAYOUT_CNT" val="1_1"/>
+  <p:tag name="KSO_WM_SLIDE_TYPE" val="text"/>
+  <p:tag name="KSO_WM_BEAUTIFY_FLAG" val="#wm#"/>
+  <p:tag name="KSO_WM_SLIDE_POSITION" val="25*85"/>
+  <p:tag name="KSO_WM_SLIDE_SIZE" val="452*279"/>
+  <p:tag name="KSO_WM_DIAGRAM_GROUP_CODE" val="l1-1"/>
+  <p:tag name="KSO_WM_SLIDE_SUBTYPE" val="diag"/>
+</p:tagLst>
+</file>
+
+<file path=ppt/tags/tag99.xml><?xml version="1.0" encoding="utf-8"?>
+<p:tagLst xmlns:p="http://schemas.openxmlformats.org/presentationml/2006/main">
+  <p:tag name="KSO_WM_TEMPLATE_CATEGORY" val="custom"/>
+  <p:tag name="KSO_WM_TEMPLATE_INDEX" val="20186830"/>
+  <p:tag name="KSO_WM_TAG_VERSION" val="1.0"/>
+  <p:tag name="KSO_WM_BEAUTIFY_FLAG" val="#wm#"/>
+  <p:tag name="KSO_WM_UNIT_TYPE" val="a"/>
+  <p:tag name="KSO_WM_UNIT_INDEX" val="1"/>
+  <p:tag name="KSO_WM_UNIT_ID" val="custom20186830_7*a*1"/>
+  <p:tag name="KSO_WM_UNIT_LAYERLEVEL" val="1"/>
+  <p:tag name="KSO_WM_UNIT_VALUE" val="19"/>
+  <p:tag name="KSO_WM_UNIT_ISCONTENTSTITLE" val="0"/>
+  <p:tag name="KSO_WM_UNIT_HIGHLIGHT" val="0"/>
+  <p:tag name="KSO_WM_UNIT_COMPATIBLE" val="0"/>
+  <p:tag name="KSO_WM_UNIT_CLEAR" val="0"/>
+  <p:tag name="KSO_WM_UNIT_PRESET_TEXT_INDEX" val="3"/>
+  <p:tag name="KSO_WM_UNIT_PRESET_TEXT_LEN" val="17"/>
 </p:tagLst>
 </file>
 

--- a/Design pattern/23种设计模式详解.pptx
+++ b/Design pattern/23种设计模式详解.pptx
@@ -12015,7 +12015,7 @@
         <p:spPr>
           <a:xfrm>
             <a:off x="571608" y="1828842"/>
-            <a:ext cx="8334776" cy="4531818"/>
+            <a:ext cx="8334776" cy="5304155"/>
           </a:xfrm>
           <a:prstGeom prst="rect">
             <a:avLst/>
@@ -12028,10 +12028,16 @@
           </a:bodyPr>
           <a:lstStyle/>
           <a:p>
-            <a:pPr>
+            <a:pPr eaLnBrk="1" latinLnBrk="0" hangingPunct="1">
               <a:lnSpc>
                 <a:spcPct val="110000"/>
               </a:lnSpc>
+              <a:spcBef>
+                <a:spcPts val="600"/>
+              </a:spcBef>
+              <a:spcAft>
+                <a:spcPts val="600"/>
+              </a:spcAft>
               <a:buClr>
                 <a:srgbClr val="0070C0"/>
               </a:buClr>
@@ -12051,10 +12057,16 @@
             </a:endParaRPr>
           </a:p>
           <a:p>
-            <a:pPr eaLnBrk="1" hangingPunct="1">
+            <a:pPr eaLnBrk="1" latinLnBrk="0" hangingPunct="1">
               <a:lnSpc>
                 <a:spcPct val="110000"/>
               </a:lnSpc>
+              <a:spcBef>
+                <a:spcPts val="600"/>
+              </a:spcBef>
+              <a:spcAft>
+                <a:spcPts val="600"/>
+              </a:spcAft>
               <a:buClr>
                 <a:srgbClr val="0070C0"/>
               </a:buClr>
@@ -12066,21 +12078,16 @@
             <a:endParaRPr lang="en-US" altLang="zh-CN" dirty="0"/>
           </a:p>
           <a:p>
-            <a:pPr eaLnBrk="1" hangingPunct="1">
+            <a:pPr eaLnBrk="1" latinLnBrk="0" hangingPunct="1">
               <a:lnSpc>
                 <a:spcPct val="110000"/>
               </a:lnSpc>
-              <a:buClr>
-                <a:srgbClr val="0070C0"/>
-              </a:buClr>
-            </a:pPr>
-            <a:endParaRPr lang="en-US" altLang="zh-CN" dirty="0"/>
-          </a:p>
-          <a:p>
-            <a:pPr>
-              <a:lnSpc>
-                <a:spcPct val="110000"/>
-              </a:lnSpc>
+              <a:spcBef>
+                <a:spcPts val="600"/>
+              </a:spcBef>
+              <a:spcAft>
+                <a:spcPts val="600"/>
+              </a:spcAft>
               <a:buClr>
                 <a:srgbClr val="0070C0"/>
               </a:buClr>
@@ -12100,10 +12107,16 @@
             </a:endParaRPr>
           </a:p>
           <a:p>
-            <a:pPr eaLnBrk="1" hangingPunct="1">
+            <a:pPr eaLnBrk="1" latinLnBrk="0" hangingPunct="1">
               <a:lnSpc>
                 <a:spcPct val="110000"/>
               </a:lnSpc>
+              <a:spcBef>
+                <a:spcPts val="600"/>
+              </a:spcBef>
+              <a:spcAft>
+                <a:spcPts val="600"/>
+              </a:spcAft>
               <a:buClr>
                 <a:srgbClr val="0070C0"/>
               </a:buClr>
@@ -12115,10 +12128,16 @@
             <a:endParaRPr lang="en-US" altLang="zh-CN" dirty="0"/>
           </a:p>
           <a:p>
-            <a:pPr>
+            <a:pPr eaLnBrk="1" latinLnBrk="0" hangingPunct="1">
               <a:lnSpc>
                 <a:spcPct val="110000"/>
               </a:lnSpc>
+              <a:spcBef>
+                <a:spcPts val="600"/>
+              </a:spcBef>
+              <a:spcAft>
+                <a:spcPts val="600"/>
+              </a:spcAft>
               <a:buClr>
                 <a:srgbClr val="0070C0"/>
               </a:buClr>
@@ -12138,55 +12157,68 @@
             </a:endParaRPr>
           </a:p>
           <a:p>
-            <a:pPr eaLnBrk="1" hangingPunct="1">
+            <a:pPr marL="457200" indent="-457200" eaLnBrk="1" latinLnBrk="0" hangingPunct="1">
               <a:lnSpc>
                 <a:spcPct val="110000"/>
               </a:lnSpc>
+              <a:spcBef>
+                <a:spcPts val="600"/>
+              </a:spcBef>
+              <a:spcAft>
+                <a:spcPts val="600"/>
+              </a:spcAft>
               <a:buClr>
                 <a:srgbClr val="0070C0"/>
               </a:buClr>
+              <a:buAutoNum type="arabicPeriod"/>
             </a:pPr>
             <a:r>
               <a:rPr lang="zh-CN" altLang="en-US" dirty="0"/>
-              <a:t>（</a:t>
-            </a:r>
-            <a:r>
-              <a:rPr lang="en-US" altLang="zh-CN" dirty="0"/>
-              <a:t>1</a:t>
-            </a:r>
-            <a:r>
-              <a:rPr lang="zh-CN" altLang="en-US" dirty="0"/>
-              <a:t>）降低类的复杂度；</a:t>
-            </a:r>
-            <a:br>
-              <a:rPr lang="zh-CN" altLang="en-US" dirty="0"/>
-            </a:br>
-            <a:r>
-              <a:rPr lang="zh-CN" altLang="en-US" dirty="0"/>
-              <a:t>（</a:t>
-            </a:r>
-            <a:r>
-              <a:rPr lang="en-US" altLang="zh-CN" dirty="0"/>
-              <a:t>2</a:t>
-            </a:r>
-            <a:r>
-              <a:rPr lang="zh-CN" altLang="en-US" dirty="0"/>
-              <a:t>）提高类的可读性，提高系统的可维护性；</a:t>
-            </a:r>
-            <a:br>
-              <a:rPr lang="zh-CN" altLang="en-US" dirty="0"/>
-            </a:br>
-            <a:r>
-              <a:rPr lang="zh-CN" altLang="en-US" dirty="0"/>
-              <a:t>（</a:t>
-            </a:r>
-            <a:r>
-              <a:rPr lang="en-US" altLang="zh-CN" dirty="0"/>
-              <a:t>3</a:t>
-            </a:r>
-            <a:r>
-              <a:rPr lang="zh-CN" altLang="en-US" dirty="0"/>
-              <a:t>）降低变更引起的风险（降低对其他功能的影响）。</a:t>
+              <a:t>降低类的复杂度；</a:t>
+            </a:r>
+            <a:endParaRPr lang="zh-CN" altLang="en-US" dirty="0"/>
+          </a:p>
+          <a:p>
+            <a:pPr marL="457200" indent="-457200" eaLnBrk="1" latinLnBrk="0" hangingPunct="1">
+              <a:lnSpc>
+                <a:spcPct val="110000"/>
+              </a:lnSpc>
+              <a:spcBef>
+                <a:spcPts val="600"/>
+              </a:spcBef>
+              <a:spcAft>
+                <a:spcPts val="600"/>
+              </a:spcAft>
+              <a:buClr>
+                <a:srgbClr val="0070C0"/>
+              </a:buClr>
+              <a:buAutoNum type="arabicPeriod"/>
+            </a:pPr>
+            <a:r>
+              <a:rPr lang="zh-CN" altLang="en-US" dirty="0"/>
+              <a:t>提高类的可读性，提高系统的可维护性；</a:t>
+            </a:r>
+            <a:endParaRPr lang="zh-CN" altLang="en-US" dirty="0"/>
+          </a:p>
+          <a:p>
+            <a:pPr marL="457200" indent="-457200" eaLnBrk="1" latinLnBrk="0" hangingPunct="1">
+              <a:lnSpc>
+                <a:spcPct val="110000"/>
+              </a:lnSpc>
+              <a:spcBef>
+                <a:spcPts val="600"/>
+              </a:spcBef>
+              <a:spcAft>
+                <a:spcPts val="600"/>
+              </a:spcAft>
+              <a:buClr>
+                <a:srgbClr val="0070C0"/>
+              </a:buClr>
+              <a:buAutoNum type="arabicPeriod"/>
+            </a:pPr>
+            <a:r>
+              <a:rPr lang="zh-CN" altLang="en-US" dirty="0"/>
+              <a:t>降低变更引起的风险（降低对其他功能的影响）。</a:t>
             </a:r>
             <a:endParaRPr lang="zh-CN" altLang="zh-CN" dirty="0"/>
           </a:p>
@@ -12297,14 +12329,14 @@
       </p:sp>
       <p:sp>
         <p:nvSpPr>
-          <p:cNvPr id="3" name="文本框 2"/>
+          <p:cNvPr id="4" name="文本框 3"/>
           <p:cNvSpPr txBox="1"/>
           <p:nvPr/>
         </p:nvSpPr>
         <p:spPr>
           <a:xfrm>
-            <a:off x="571608" y="3289193"/>
-            <a:ext cx="8334776" cy="2907655"/>
+            <a:off x="571608" y="1831430"/>
+            <a:ext cx="8334776" cy="4513580"/>
           </a:xfrm>
           <a:prstGeom prst="rect">
             <a:avLst/>
@@ -12317,143 +12349,16 @@
           </a:bodyPr>
           <a:lstStyle/>
           <a:p>
-            <a:pPr>
+            <a:pPr eaLnBrk="1" latinLnBrk="0" hangingPunct="1">
               <a:lnSpc>
                 <a:spcPct val="110000"/>
               </a:lnSpc>
-              <a:buClr>
-                <a:srgbClr val="0070C0"/>
-              </a:buClr>
-            </a:pPr>
-            <a:r>
-              <a:rPr lang="zh-CN" altLang="en-US" b="1" dirty="0">
-                <a:solidFill>
-                  <a:srgbClr val="0070C0"/>
-                </a:solidFill>
-              </a:rPr>
-              <a:t>注意点</a:t>
-            </a:r>
-            <a:endParaRPr lang="en-US" altLang="zh-CN" b="1" dirty="0">
-              <a:solidFill>
-                <a:srgbClr val="0070C0"/>
-              </a:solidFill>
-            </a:endParaRPr>
-          </a:p>
-          <a:p>
-            <a:pPr marL="457200" indent="-457200">
-              <a:lnSpc>
-                <a:spcPct val="110000"/>
-              </a:lnSpc>
-              <a:buClr>
-                <a:srgbClr val="0070C0"/>
-              </a:buClr>
-              <a:buFont typeface="+mj-lt"/>
-              <a:buAutoNum type="arabicPeriod"/>
-            </a:pPr>
-            <a:r>
-              <a:rPr lang="zh-CN" altLang="en-US" dirty="0"/>
-              <a:t>单一职责最难划分的是</a:t>
-            </a:r>
-            <a:r>
-              <a:rPr lang="zh-CN" altLang="en-US" dirty="0">
-                <a:solidFill>
-                  <a:srgbClr val="0070C0"/>
-                </a:solidFill>
-              </a:rPr>
-              <a:t>职责</a:t>
-            </a:r>
-            <a:r>
-              <a:rPr lang="zh-CN" altLang="en-US" dirty="0"/>
-              <a:t>。</a:t>
-            </a:r>
-            <a:endParaRPr lang="en-US" altLang="zh-CN" dirty="0"/>
-          </a:p>
-          <a:p>
-            <a:pPr marL="457200" indent="-457200">
-              <a:lnSpc>
-                <a:spcPct val="110000"/>
-              </a:lnSpc>
-              <a:buClr>
-                <a:srgbClr val="0070C0"/>
-              </a:buClr>
-              <a:buFont typeface="+mj-lt"/>
-              <a:buAutoNum type="arabicPeriod"/>
-            </a:pPr>
-            <a:r>
-              <a:rPr lang="zh-CN" altLang="en-US" dirty="0"/>
-              <a:t>单一职责原则</a:t>
-            </a:r>
-            <a:r>
-              <a:rPr lang="zh-CN" altLang="en-US" dirty="0">
-                <a:solidFill>
-                  <a:srgbClr val="0070C0"/>
-                </a:solidFill>
-              </a:rPr>
-              <a:t>提出标准</a:t>
-            </a:r>
-            <a:r>
-              <a:rPr lang="zh-CN" altLang="en-US" dirty="0"/>
-              <a:t>：用职责和变化原因来衡量接口或类设计的是否优良，但是职责和变化原因都是不可度量的，因项目、环境而异。</a:t>
-            </a:r>
-            <a:endParaRPr lang="en-US" altLang="zh-CN" dirty="0"/>
-          </a:p>
-          <a:p>
-            <a:pPr marL="457200" indent="-457200">
-              <a:lnSpc>
-                <a:spcPct val="110000"/>
-              </a:lnSpc>
-              <a:buClr>
-                <a:srgbClr val="0070C0"/>
-              </a:buClr>
-              <a:buFont typeface="+mj-lt"/>
-              <a:buAutoNum type="arabicPeriod"/>
-            </a:pPr>
-            <a:r>
-              <a:rPr lang="zh-CN" altLang="en-US" dirty="0"/>
-              <a:t>接口一定要做到单一职责，类的设计尽量做到只有</a:t>
-            </a:r>
-            <a:r>
-              <a:rPr lang="zh-CN" altLang="en-US" dirty="0">
-                <a:solidFill>
-                  <a:srgbClr val="0070C0"/>
-                </a:solidFill>
-              </a:rPr>
-              <a:t>一个原因</a:t>
-            </a:r>
-            <a:r>
-              <a:rPr lang="zh-CN" altLang="en-US" dirty="0"/>
-              <a:t>引起变化。</a:t>
-            </a:r>
-            <a:endParaRPr lang="en-US" altLang="zh-CN" dirty="0"/>
-          </a:p>
-        </p:txBody>
-      </p:sp>
-      <p:sp>
-        <p:nvSpPr>
-          <p:cNvPr id="4" name="文本框 3"/>
-          <p:cNvSpPr txBox="1"/>
-          <p:nvPr/>
-        </p:nvSpPr>
-        <p:spPr>
-          <a:xfrm>
-            <a:off x="571608" y="1831430"/>
-            <a:ext cx="8334776" cy="1281698"/>
-          </a:xfrm>
-          <a:prstGeom prst="rect">
-            <a:avLst/>
-          </a:prstGeom>
-          <a:noFill/>
-        </p:spPr>
-        <p:txBody>
-          <a:bodyPr wrap="square" rtlCol="0">
-            <a:spAutoFit/>
-          </a:bodyPr>
-          <a:lstStyle/>
-          <a:p>
-            <a:pPr>
-              <a:lnSpc>
-                <a:spcPct val="110000"/>
-              </a:lnSpc>
+              <a:spcBef>
+                <a:spcPts val="600"/>
+              </a:spcBef>
+              <a:spcAft>
+                <a:spcPts val="600"/>
+              </a:spcAft>
               <a:buClr>
                 <a:srgbClr val="0070C0"/>
               </a:buClr>
@@ -12473,10 +12378,16 @@
             </a:endParaRPr>
           </a:p>
           <a:p>
-            <a:pPr>
+            <a:pPr eaLnBrk="1" latinLnBrk="0" hangingPunct="1">
               <a:lnSpc>
                 <a:spcPct val="110000"/>
               </a:lnSpc>
+              <a:spcBef>
+                <a:spcPts val="600"/>
+              </a:spcBef>
+              <a:spcAft>
+                <a:spcPts val="600"/>
+              </a:spcAft>
               <a:buClr>
                 <a:srgbClr val="0070C0"/>
               </a:buClr>
@@ -12485,18 +12396,112 @@
               <a:rPr lang="zh-CN" altLang="en-US" dirty="0"/>
               <a:t>要求接口的职责单一，从而实现该接口的类的职责单一。</a:t>
             </a:r>
-            <a:endParaRPr lang="en-US" altLang="zh-CN" dirty="0"/>
-          </a:p>
-          <a:p>
-            <a:pPr>
+            <a:endParaRPr lang="zh-CN" altLang="en-US" dirty="0"/>
+          </a:p>
+          <a:p>
+            <a:pPr indent="0" eaLnBrk="1" latinLnBrk="0" hangingPunct="1">
               <a:lnSpc>
                 <a:spcPct val="110000"/>
               </a:lnSpc>
+              <a:spcBef>
+                <a:spcPts val="600"/>
+              </a:spcBef>
+              <a:spcAft>
+                <a:spcPts val="600"/>
+              </a:spcAft>
               <a:buClr>
                 <a:srgbClr val="0070C0"/>
               </a:buClr>
             </a:pPr>
-            <a:endParaRPr lang="zh-CN" altLang="zh-CN" dirty="0"/>
+            <a:r>
+              <a:rPr lang="zh-CN" altLang="en-US" b="1" dirty="0">
+                <a:solidFill>
+                  <a:srgbClr val="0070C0"/>
+                </a:solidFill>
+                <a:sym typeface="+mn-ea"/>
+              </a:rPr>
+              <a:t>注意点</a:t>
+            </a:r>
+            <a:endParaRPr lang="en-US" altLang="zh-CN" b="1" dirty="0">
+              <a:solidFill>
+                <a:srgbClr val="0070C0"/>
+              </a:solidFill>
+            </a:endParaRPr>
+          </a:p>
+          <a:p>
+            <a:pPr marL="457200" indent="-457200" algn="l" eaLnBrk="1" latinLnBrk="0" hangingPunct="1">
+              <a:lnSpc>
+                <a:spcPct val="110000"/>
+              </a:lnSpc>
+              <a:spcBef>
+                <a:spcPts val="600"/>
+              </a:spcBef>
+              <a:spcAft>
+                <a:spcPts val="600"/>
+              </a:spcAft>
+              <a:buClr>
+                <a:srgbClr val="0070C0"/>
+              </a:buClr>
+              <a:buFont typeface="+mj-lt"/>
+              <a:buAutoNum type="arabicPeriod"/>
+            </a:pPr>
+            <a:r>
+              <a:rPr lang="zh-CN" altLang="en-US" dirty="0">
+                <a:sym typeface="+mn-ea"/>
+              </a:rPr>
+              <a:t>单一职责最难划分的是职责。</a:t>
+            </a:r>
+            <a:endParaRPr lang="zh-CN" altLang="en-US" dirty="0"/>
+          </a:p>
+          <a:p>
+            <a:pPr marL="457200" indent="-457200" algn="l" eaLnBrk="1" latinLnBrk="0" hangingPunct="1">
+              <a:lnSpc>
+                <a:spcPct val="110000"/>
+              </a:lnSpc>
+              <a:spcBef>
+                <a:spcPts val="600"/>
+              </a:spcBef>
+              <a:spcAft>
+                <a:spcPts val="600"/>
+              </a:spcAft>
+              <a:buClr>
+                <a:srgbClr val="0070C0"/>
+              </a:buClr>
+              <a:buFont typeface="+mj-lt"/>
+              <a:buAutoNum type="arabicPeriod"/>
+            </a:pPr>
+            <a:r>
+              <a:rPr lang="zh-CN" altLang="en-US" dirty="0">
+                <a:sym typeface="+mn-ea"/>
+              </a:rPr>
+              <a:t>单一职责原则提出标准：用职责和变化原因来衡量接口或类设计的是否优良，但是职责和变化原因都是不可度量的，因项目、环境而异。</a:t>
+            </a:r>
+            <a:endParaRPr lang="zh-CN" altLang="en-US" dirty="0"/>
+          </a:p>
+          <a:p>
+            <a:pPr marL="457200" indent="-457200" algn="l" eaLnBrk="1" latinLnBrk="0" hangingPunct="1">
+              <a:lnSpc>
+                <a:spcPct val="110000"/>
+              </a:lnSpc>
+              <a:spcBef>
+                <a:spcPts val="600"/>
+              </a:spcBef>
+              <a:spcAft>
+                <a:spcPts val="600"/>
+              </a:spcAft>
+              <a:buClr>
+                <a:srgbClr val="0070C0"/>
+              </a:buClr>
+              <a:buFont typeface="+mj-lt"/>
+              <a:buAutoNum type="arabicPeriod"/>
+            </a:pPr>
+            <a:r>
+              <a:rPr lang="zh-CN" altLang="en-US" dirty="0">
+                <a:sym typeface="+mn-ea"/>
+              </a:rPr>
+              <a:t>接口一定要做到单一职责，类的设计尽量做到只有一个原因引起变化。</a:t>
+            </a:r>
+            <a:endParaRPr lang="zh-CN" altLang="en-US" dirty="0"/>
           </a:p>
         </p:txBody>
       </p:sp>
@@ -13003,7 +13008,7 @@
         <p:spPr>
           <a:xfrm>
             <a:off x="571608" y="1828842"/>
-            <a:ext cx="8334776" cy="4336415"/>
+            <a:ext cx="8334776" cy="4853940"/>
           </a:xfrm>
           <a:prstGeom prst="rect">
             <a:avLst/>
@@ -13016,10 +13021,16 @@
           </a:bodyPr>
           <a:lstStyle/>
           <a:p>
-            <a:pPr>
+            <a:pPr indent="0" eaLnBrk="1" latinLnBrk="0" hangingPunct="1">
               <a:lnSpc>
                 <a:spcPct val="110000"/>
               </a:lnSpc>
+              <a:spcBef>
+                <a:spcPts val="600"/>
+              </a:spcBef>
+              <a:spcAft>
+                <a:spcPts val="600"/>
+              </a:spcAft>
               <a:buClr>
                 <a:srgbClr val="0070C0"/>
               </a:buClr>
@@ -13039,10 +13050,16 @@
             </a:endParaRPr>
           </a:p>
           <a:p>
-            <a:pPr eaLnBrk="1" hangingPunct="1">
+            <a:pPr indent="0" eaLnBrk="1" latinLnBrk="0" hangingPunct="1">
               <a:lnSpc>
                 <a:spcPct val="110000"/>
               </a:lnSpc>
+              <a:spcBef>
+                <a:spcPts val="600"/>
+              </a:spcBef>
+              <a:spcAft>
+                <a:spcPts val="600"/>
+              </a:spcAft>
               <a:buClr>
                 <a:srgbClr val="0070C0"/>
               </a:buClr>
@@ -13054,21 +13071,16 @@
             <a:endParaRPr lang="en-US" altLang="zh-CN" dirty="0"/>
           </a:p>
           <a:p>
-            <a:pPr eaLnBrk="1" hangingPunct="1">
+            <a:pPr indent="0" eaLnBrk="1" latinLnBrk="0" hangingPunct="1">
               <a:lnSpc>
                 <a:spcPct val="110000"/>
               </a:lnSpc>
-              <a:buClr>
-                <a:srgbClr val="0070C0"/>
-              </a:buClr>
-            </a:pPr>
-            <a:endParaRPr lang="en-US" altLang="zh-CN" dirty="0"/>
-          </a:p>
-          <a:p>
-            <a:pPr>
-              <a:lnSpc>
-                <a:spcPct val="110000"/>
-              </a:lnSpc>
+              <a:spcBef>
+                <a:spcPts val="600"/>
+              </a:spcBef>
+              <a:spcAft>
+                <a:spcPts val="600"/>
+              </a:spcAft>
               <a:buClr>
                 <a:srgbClr val="0070C0"/>
               </a:buClr>
@@ -13088,10 +13100,16 @@
             </a:endParaRPr>
           </a:p>
           <a:p>
-            <a:pPr marL="457200" indent="-457200" eaLnBrk="1" latinLnBrk="0" hangingPunct="1">
+            <a:pPr marL="457200" indent="0" eaLnBrk="1" latinLnBrk="0" hangingPunct="1">
               <a:lnSpc>
                 <a:spcPct val="150000"/>
               </a:lnSpc>
+              <a:spcBef>
+                <a:spcPts val="600"/>
+              </a:spcBef>
+              <a:spcAft>
+                <a:spcPts val="600"/>
+              </a:spcAft>
               <a:buClr>
                 <a:srgbClr val="0070C0"/>
               </a:buClr>
@@ -13105,10 +13123,16 @@
             <a:endParaRPr lang="zh-CN" altLang="en-US" dirty="0"/>
           </a:p>
           <a:p>
-            <a:pPr marL="457200" indent="-457200" eaLnBrk="1" latinLnBrk="0" hangingPunct="1">
+            <a:pPr marL="457200" indent="0" eaLnBrk="1" latinLnBrk="0" hangingPunct="1">
               <a:lnSpc>
                 <a:spcPct val="150000"/>
               </a:lnSpc>
+              <a:spcBef>
+                <a:spcPts val="600"/>
+              </a:spcBef>
+              <a:spcAft>
+                <a:spcPts val="600"/>
+              </a:spcAft>
               <a:buClr>
                 <a:srgbClr val="0070C0"/>
               </a:buClr>
@@ -13122,10 +13146,16 @@
             <a:endParaRPr lang="zh-CN" altLang="en-US" dirty="0"/>
           </a:p>
           <a:p>
-            <a:pPr marL="457200" indent="-457200" eaLnBrk="1" latinLnBrk="0" hangingPunct="1">
+            <a:pPr marL="457200" indent="0" eaLnBrk="1" latinLnBrk="0" hangingPunct="1">
               <a:lnSpc>
                 <a:spcPct val="150000"/>
               </a:lnSpc>
+              <a:spcBef>
+                <a:spcPts val="600"/>
+              </a:spcBef>
+              <a:spcAft>
+                <a:spcPts val="600"/>
+              </a:spcAft>
               <a:buClr>
                 <a:srgbClr val="0070C0"/>
               </a:buClr>
@@ -13139,10 +13169,16 @@
             <a:endParaRPr lang="zh-CN" altLang="en-US" dirty="0"/>
           </a:p>
           <a:p>
-            <a:pPr marL="457200" indent="-457200" eaLnBrk="1" latinLnBrk="0" hangingPunct="1">
+            <a:pPr marL="457200" indent="0" eaLnBrk="1" latinLnBrk="0" hangingPunct="1">
               <a:lnSpc>
                 <a:spcPct val="150000"/>
               </a:lnSpc>
+              <a:spcBef>
+                <a:spcPts val="600"/>
+              </a:spcBef>
+              <a:spcAft>
+                <a:spcPts val="600"/>
+              </a:spcAft>
               <a:buClr>
                 <a:srgbClr val="0070C0"/>
               </a:buClr>
@@ -13256,7 +13292,7 @@
         <p:spPr>
           <a:xfrm>
             <a:off x="571608" y="1828842"/>
-            <a:ext cx="8334776" cy="4375150"/>
+            <a:ext cx="8334776" cy="4451985"/>
           </a:xfrm>
           <a:prstGeom prst="rect">
             <a:avLst/>
@@ -13269,10 +13305,16 @@
           </a:bodyPr>
           <a:lstStyle/>
           <a:p>
-            <a:pPr>
+            <a:pPr eaLnBrk="1" latinLnBrk="0" hangingPunct="1">
               <a:lnSpc>
                 <a:spcPct val="110000"/>
               </a:lnSpc>
+              <a:spcBef>
+                <a:spcPts val="600"/>
+              </a:spcBef>
+              <a:spcAft>
+                <a:spcPts val="600"/>
+              </a:spcAft>
               <a:buClr>
                 <a:srgbClr val="0070C0"/>
               </a:buClr>
@@ -13477,7 +13519,7 @@
         <p:spPr>
           <a:xfrm>
             <a:off x="571608" y="1828842"/>
-            <a:ext cx="8334776" cy="4375150"/>
+            <a:ext cx="8334776" cy="4451985"/>
           </a:xfrm>
           <a:prstGeom prst="rect">
             <a:avLst/>
@@ -13490,10 +13532,16 @@
           </a:bodyPr>
           <a:lstStyle/>
           <a:p>
-            <a:pPr>
+            <a:pPr eaLnBrk="1" latinLnBrk="0" hangingPunct="1">
               <a:lnSpc>
                 <a:spcPct val="110000"/>
               </a:lnSpc>
+              <a:spcBef>
+                <a:spcPts val="600"/>
+              </a:spcBef>
+              <a:spcAft>
+                <a:spcPts val="600"/>
+              </a:spcAft>
               <a:buClr>
                 <a:srgbClr val="0070C0"/>
               </a:buClr>
@@ -13664,7 +13712,7 @@
         <p:spPr>
           <a:xfrm>
             <a:off x="571608" y="1828842"/>
-            <a:ext cx="8334776" cy="4938981"/>
+            <a:ext cx="8334776" cy="5038725"/>
           </a:xfrm>
           <a:prstGeom prst="rect">
             <a:avLst/>
@@ -13677,10 +13725,16 @@
           </a:bodyPr>
           <a:lstStyle/>
           <a:p>
-            <a:pPr>
+            <a:pPr eaLnBrk="1" latinLnBrk="0" hangingPunct="1">
               <a:lnSpc>
                 <a:spcPct val="110000"/>
               </a:lnSpc>
+              <a:spcBef>
+                <a:spcPts val="600"/>
+              </a:spcBef>
+              <a:spcAft>
+                <a:spcPts val="600"/>
+              </a:spcAft>
               <a:buClr>
                 <a:srgbClr val="0070C0"/>
               </a:buClr>
@@ -13952,7 +14006,7 @@
         <p:spPr>
           <a:xfrm>
             <a:off x="571608" y="1828842"/>
-            <a:ext cx="8334776" cy="4227195"/>
+            <a:ext cx="8334776" cy="5581015"/>
           </a:xfrm>
           <a:prstGeom prst="rect">
             <a:avLst/>
@@ -13965,10 +14019,16 @@
           </a:bodyPr>
           <a:lstStyle/>
           <a:p>
-            <a:pPr>
+            <a:pPr indent="0" eaLnBrk="1" latinLnBrk="0" hangingPunct="1">
               <a:lnSpc>
                 <a:spcPct val="110000"/>
               </a:lnSpc>
+              <a:spcBef>
+                <a:spcPts val="600"/>
+              </a:spcBef>
+              <a:spcAft>
+                <a:spcPts val="600"/>
+              </a:spcAft>
               <a:buClr>
                 <a:srgbClr val="0070C0"/>
               </a:buClr>
@@ -13988,7 +14048,13 @@
             </a:endParaRPr>
           </a:p>
           <a:p>
-            <a:pPr marL="457200" indent="-457200">
+            <a:pPr marL="457200" indent="-457200" algn="l" eaLnBrk="1" latinLnBrk="0" hangingPunct="1">
+              <a:lnSpc>
+                <a:spcPct val="150000"/>
+              </a:lnSpc>
+              <a:spcBef>
+                <a:spcPts val="600"/>
+              </a:spcBef>
               <a:buClr>
                 <a:srgbClr val="0070C0"/>
               </a:buClr>
@@ -13996,13 +14062,19 @@
               <a:buAutoNum type="arabicPeriod"/>
             </a:pPr>
             <a:r>
-              <a:rPr lang="en-US" altLang="zh-CN" dirty="0"/>
+              <a:rPr lang="zh-CN" altLang="en-US" sz="2000" dirty="0"/>
               <a:t>High level modules should not depend upon low level modules.Both should depend upon abstractions.</a:t>
             </a:r>
-            <a:endParaRPr lang="en-US" altLang="zh-CN" dirty="0"/>
-          </a:p>
-          <a:p>
-            <a:pPr marL="457200" indent="-457200">
+            <a:endParaRPr lang="zh-CN" altLang="en-US" sz="2000" dirty="0"/>
+          </a:p>
+          <a:p>
+            <a:pPr marL="457200" indent="-457200" algn="l" eaLnBrk="1" latinLnBrk="0" hangingPunct="1">
+              <a:lnSpc>
+                <a:spcPct val="150000"/>
+              </a:lnSpc>
+              <a:spcBef>
+                <a:spcPts val="600"/>
+              </a:spcBef>
               <a:buClr>
                 <a:srgbClr val="0070C0"/>
               </a:buClr>
@@ -14010,13 +14082,19 @@
               <a:buAutoNum type="arabicPeriod"/>
             </a:pPr>
             <a:r>
-              <a:rPr lang="en-US" altLang="zh-CN" dirty="0"/>
+              <a:rPr lang="zh-CN" altLang="en-US" sz="2000" dirty="0"/>
               <a:t>Abstractions should not depend upon details.</a:t>
             </a:r>
-            <a:endParaRPr lang="en-US" altLang="zh-CN" dirty="0"/>
-          </a:p>
-          <a:p>
-            <a:pPr marL="457200" indent="-457200">
+            <a:endParaRPr lang="zh-CN" altLang="en-US" sz="2000" dirty="0"/>
+          </a:p>
+          <a:p>
+            <a:pPr marL="457200" indent="-457200" algn="l" eaLnBrk="1" latinLnBrk="0" hangingPunct="1">
+              <a:lnSpc>
+                <a:spcPct val="150000"/>
+              </a:lnSpc>
+              <a:spcBef>
+                <a:spcPts val="600"/>
+              </a:spcBef>
               <a:buClr>
                 <a:srgbClr val="0070C0"/>
               </a:buClr>
@@ -14024,21 +14102,34 @@
               <a:buAutoNum type="arabicPeriod"/>
             </a:pPr>
             <a:r>
-              <a:rPr lang="en-US" altLang="zh-CN" dirty="0"/>
+              <a:rPr lang="zh-CN" altLang="en-US" sz="2000" dirty="0"/>
               <a:t>Details should depend upon abstractions.</a:t>
             </a:r>
-            <a:endParaRPr lang="en-US" altLang="zh-CN" dirty="0"/>
-          </a:p>
-          <a:p>
-            <a:pPr>
+            <a:endParaRPr lang="zh-CN" altLang="en-US" sz="2000" dirty="0"/>
+          </a:p>
+          <a:p>
+            <a:pPr marL="457200" indent="-457200" algn="l" eaLnBrk="1" latinLnBrk="0" hangingPunct="1">
+              <a:lnSpc>
+                <a:spcPct val="150000"/>
+              </a:lnSpc>
+              <a:spcBef>
+                <a:spcPts val="600"/>
+              </a:spcBef>
               <a:buClr>
                 <a:srgbClr val="0070C0"/>
               </a:buClr>
+              <a:buNone/>
             </a:pPr>
-            <a:endParaRPr lang="en-US" altLang="zh-CN" dirty="0"/>
-          </a:p>
-          <a:p>
-            <a:pPr marL="457200" indent="-457200">
+            <a:endParaRPr lang="zh-CN" altLang="en-US" sz="2000" dirty="0"/>
+          </a:p>
+          <a:p>
+            <a:pPr marL="457200" indent="-457200" algn="l" eaLnBrk="1" latinLnBrk="0" hangingPunct="1">
+              <a:lnSpc>
+                <a:spcPct val="150000"/>
+              </a:lnSpc>
+              <a:spcBef>
+                <a:spcPts val="600"/>
+              </a:spcBef>
               <a:buClr>
                 <a:srgbClr val="0070C0"/>
               </a:buClr>
@@ -14046,13 +14137,19 @@
               <a:buAutoNum type="arabicPeriod"/>
             </a:pPr>
             <a:r>
-              <a:rPr lang="zh-CN" altLang="en-US" dirty="0"/>
+              <a:rPr lang="zh-CN" altLang="en-US" sz="2000" dirty="0"/>
               <a:t>高层模块不应该依赖低层模块， 两者都应该依赖其抽象；</a:t>
             </a:r>
-            <a:endParaRPr lang="zh-CN" altLang="en-US" dirty="0"/>
-          </a:p>
-          <a:p>
-            <a:pPr marL="457200" indent="-457200">
+            <a:endParaRPr lang="zh-CN" altLang="en-US" sz="2000" dirty="0"/>
+          </a:p>
+          <a:p>
+            <a:pPr marL="457200" indent="-457200" algn="l" eaLnBrk="1" latinLnBrk="0" hangingPunct="1">
+              <a:lnSpc>
+                <a:spcPct val="150000"/>
+              </a:lnSpc>
+              <a:spcBef>
+                <a:spcPts val="600"/>
+              </a:spcBef>
               <a:buClr>
                 <a:srgbClr val="0070C0"/>
               </a:buClr>
@@ -14060,13 +14157,19 @@
               <a:buAutoNum type="arabicPeriod"/>
             </a:pPr>
             <a:r>
-              <a:rPr lang="zh-CN" altLang="en-US" dirty="0"/>
+              <a:rPr lang="zh-CN" altLang="en-US" sz="2000" dirty="0"/>
               <a:t>抽象不应该依赖细节；</a:t>
             </a:r>
-            <a:endParaRPr lang="zh-CN" altLang="en-US" dirty="0"/>
-          </a:p>
-          <a:p>
-            <a:pPr marL="457200" indent="-457200">
+            <a:endParaRPr lang="zh-CN" altLang="en-US" sz="2000" dirty="0"/>
+          </a:p>
+          <a:p>
+            <a:pPr marL="457200" indent="-457200" algn="l" eaLnBrk="1" latinLnBrk="0" hangingPunct="1">
+              <a:lnSpc>
+                <a:spcPct val="150000"/>
+              </a:lnSpc>
+              <a:spcBef>
+                <a:spcPts val="600"/>
+              </a:spcBef>
               <a:buClr>
                 <a:srgbClr val="0070C0"/>
               </a:buClr>
@@ -14074,7 +14177,7 @@
               <a:buAutoNum type="arabicPeriod"/>
             </a:pPr>
             <a:r>
-              <a:rPr lang="zh-CN" altLang="en-US" dirty="0"/>
+              <a:rPr lang="zh-CN" altLang="en-US" sz="2000" dirty="0"/>
               <a:t>细节应该依赖抽象。</a:t>
             </a:r>
             <a:endParaRPr lang="zh-CN" altLang="en-US" dirty="0"/>
@@ -14356,7 +14459,7 @@
         <p:spPr>
           <a:xfrm>
             <a:off x="571608" y="1828842"/>
-            <a:ext cx="8334776" cy="4431030"/>
+            <a:ext cx="8334776" cy="4969510"/>
           </a:xfrm>
           <a:prstGeom prst="rect">
             <a:avLst/>
@@ -14369,10 +14472,16 @@
           </a:bodyPr>
           <a:lstStyle/>
           <a:p>
-            <a:pPr eaLnBrk="1" latinLnBrk="0" hangingPunct="1">
+            <a:pPr indent="0" eaLnBrk="1" latinLnBrk="0" hangingPunct="1">
               <a:lnSpc>
                 <a:spcPct val="200000"/>
               </a:lnSpc>
+              <a:spcBef>
+                <a:spcPts val="600"/>
+              </a:spcBef>
+              <a:spcAft>
+                <a:spcPts val="600"/>
+              </a:spcAft>
               <a:buClr>
                 <a:srgbClr val="0070C0"/>
               </a:buClr>
@@ -14392,29 +14501,37 @@
             </a:endParaRPr>
           </a:p>
           <a:p>
-            <a:pPr eaLnBrk="1" latinLnBrk="0" hangingPunct="1">
+            <a:pPr indent="0" eaLnBrk="1" latinLnBrk="0" hangingPunct="1">
               <a:lnSpc>
                 <a:spcPct val="200000"/>
               </a:lnSpc>
+              <a:spcBef>
+                <a:spcPts val="600"/>
+              </a:spcBef>
+              <a:spcAft>
+                <a:spcPts val="600"/>
+              </a:spcAft>
               <a:buClr>
                 <a:srgbClr val="0070C0"/>
               </a:buClr>
             </a:pPr>
             <a:r>
-              <a:rPr lang="en-US" altLang="zh-CN" dirty="0"/>
-              <a:t>	</a:t>
-            </a:r>
-            <a:r>
               <a:rPr lang="zh-CN" altLang="en-US" dirty="0"/>
               <a:t>面向接口编程</a:t>
             </a:r>
             <a:endParaRPr lang="en-US" altLang="zh-CN" dirty="0"/>
           </a:p>
           <a:p>
-            <a:pPr eaLnBrk="1" latinLnBrk="0" hangingPunct="1">
+            <a:pPr indent="0" eaLnBrk="1" latinLnBrk="0" hangingPunct="1">
               <a:lnSpc>
                 <a:spcPct val="150000"/>
               </a:lnSpc>
+              <a:spcBef>
+                <a:spcPts val="600"/>
+              </a:spcBef>
+              <a:spcAft>
+                <a:spcPts val="600"/>
+              </a:spcAft>
               <a:buClr>
                 <a:srgbClr val="0070C0"/>
               </a:buClr>
@@ -14434,10 +14551,13 @@
             </a:endParaRPr>
           </a:p>
           <a:p>
-            <a:pPr marL="457200" indent="-457200" eaLnBrk="1" latinLnBrk="0" hangingPunct="1">
+            <a:pPr marL="457200" indent="-457200" algn="l" eaLnBrk="1" latinLnBrk="0" hangingPunct="1">
               <a:lnSpc>
                 <a:spcPct val="150000"/>
               </a:lnSpc>
+              <a:spcBef>
+                <a:spcPts val="600"/>
+              </a:spcBef>
               <a:buClr>
                 <a:srgbClr val="0070C0"/>
               </a:buClr>
@@ -14445,16 +14565,19 @@
               <a:buAutoNum type="arabicPeriod"/>
             </a:pPr>
             <a:r>
-              <a:rPr lang="zh-CN" altLang="en-US" sz="2000" dirty="0"/>
+              <a:rPr lang="zh-CN" altLang="en-US" sz="1800" dirty="0"/>
               <a:t>每个类尽量都有接口或抽象类， 或者抽象类和接口两者都具备；</a:t>
             </a:r>
-            <a:endParaRPr lang="zh-CN" altLang="en-US" sz="2000" dirty="0"/>
-          </a:p>
-          <a:p>
-            <a:pPr marL="457200" indent="-457200" eaLnBrk="1" latinLnBrk="0" hangingPunct="1">
+            <a:endParaRPr lang="zh-CN" altLang="en-US" sz="1800" dirty="0"/>
+          </a:p>
+          <a:p>
+            <a:pPr marL="457200" indent="-457200" algn="l" eaLnBrk="1" latinLnBrk="0" hangingPunct="1">
               <a:lnSpc>
                 <a:spcPct val="150000"/>
               </a:lnSpc>
+              <a:spcBef>
+                <a:spcPts val="600"/>
+              </a:spcBef>
               <a:buClr>
                 <a:srgbClr val="0070C0"/>
               </a:buClr>
@@ -14462,16 +14585,19 @@
               <a:buAutoNum type="arabicPeriod"/>
             </a:pPr>
             <a:r>
-              <a:rPr lang="zh-CN" altLang="en-US" sz="2000" dirty="0"/>
+              <a:rPr lang="zh-CN" altLang="en-US" sz="1800" dirty="0"/>
               <a:t>变量的表面类型尽量是接口或者是抽象类；</a:t>
             </a:r>
-            <a:endParaRPr lang="zh-CN" altLang="en-US" sz="2000" dirty="0"/>
-          </a:p>
-          <a:p>
-            <a:pPr marL="457200" indent="-457200" eaLnBrk="1" latinLnBrk="0" hangingPunct="1">
+            <a:endParaRPr lang="zh-CN" altLang="en-US" sz="1800" dirty="0"/>
+          </a:p>
+          <a:p>
+            <a:pPr marL="457200" indent="-457200" algn="l" eaLnBrk="1" latinLnBrk="0" hangingPunct="1">
               <a:lnSpc>
                 <a:spcPct val="150000"/>
               </a:lnSpc>
+              <a:spcBef>
+                <a:spcPts val="600"/>
+              </a:spcBef>
               <a:buClr>
                 <a:srgbClr val="0070C0"/>
               </a:buClr>
@@ -14479,16 +14605,19 @@
               <a:buAutoNum type="arabicPeriod"/>
             </a:pPr>
             <a:r>
-              <a:rPr lang="zh-CN" altLang="en-US" sz="2000" dirty="0"/>
+              <a:rPr lang="zh-CN" altLang="en-US" sz="1800" dirty="0"/>
               <a:t>任何类都不应该从具体类派生；</a:t>
             </a:r>
-            <a:endParaRPr lang="zh-CN" altLang="en-US" sz="2000" dirty="0"/>
-          </a:p>
-          <a:p>
-            <a:pPr marL="457200" indent="-457200" eaLnBrk="1" latinLnBrk="0" hangingPunct="1">
+            <a:endParaRPr lang="zh-CN" altLang="en-US" sz="1800" dirty="0"/>
+          </a:p>
+          <a:p>
+            <a:pPr marL="457200" indent="-457200" algn="l" eaLnBrk="1" latinLnBrk="0" hangingPunct="1">
               <a:lnSpc>
                 <a:spcPct val="150000"/>
               </a:lnSpc>
+              <a:spcBef>
+                <a:spcPts val="600"/>
+              </a:spcBef>
               <a:buClr>
                 <a:srgbClr val="0070C0"/>
               </a:buClr>
@@ -14496,16 +14625,19 @@
               <a:buAutoNum type="arabicPeriod"/>
             </a:pPr>
             <a:r>
-              <a:rPr lang="zh-CN" altLang="en-US" sz="2000" dirty="0"/>
+              <a:rPr lang="zh-CN" altLang="en-US" sz="1800" dirty="0"/>
               <a:t>尽量不要覆写基类的方法；</a:t>
             </a:r>
-            <a:endParaRPr lang="zh-CN" altLang="en-US" sz="2000" dirty="0"/>
-          </a:p>
-          <a:p>
-            <a:pPr marL="457200" indent="-457200" eaLnBrk="1" latinLnBrk="0" hangingPunct="1">
+            <a:endParaRPr lang="zh-CN" altLang="en-US" sz="1800" dirty="0"/>
+          </a:p>
+          <a:p>
+            <a:pPr marL="457200" indent="-457200" algn="l" eaLnBrk="1" latinLnBrk="0" hangingPunct="1">
               <a:lnSpc>
                 <a:spcPct val="150000"/>
               </a:lnSpc>
+              <a:spcBef>
+                <a:spcPts val="600"/>
+              </a:spcBef>
               <a:buClr>
                 <a:srgbClr val="0070C0"/>
               </a:buClr>
@@ -14513,10 +14645,10 @@
               <a:buAutoNum type="arabicPeriod"/>
             </a:pPr>
             <a:r>
-              <a:rPr lang="zh-CN" altLang="en-US" sz="2000" dirty="0"/>
+              <a:rPr lang="zh-CN" altLang="en-US" sz="1800" dirty="0"/>
               <a:t>结合里氏替换原则使用。</a:t>
             </a:r>
-            <a:endParaRPr lang="zh-CN" altLang="en-US" sz="2000" dirty="0"/>
+            <a:endParaRPr lang="zh-CN" altLang="en-US" sz="1800" dirty="0"/>
           </a:p>
         </p:txBody>
       </p:sp>
@@ -14621,7 +14753,7 @@
         <p:spPr>
           <a:xfrm>
             <a:off x="571608" y="1828842"/>
-            <a:ext cx="8334776" cy="3821430"/>
+            <a:ext cx="8334776" cy="4169410"/>
           </a:xfrm>
           <a:prstGeom prst="rect">
             <a:avLst/>
@@ -14634,10 +14766,16 @@
           </a:bodyPr>
           <a:lstStyle/>
           <a:p>
-            <a:pPr>
-              <a:lnSpc>
-                <a:spcPct val="110000"/>
-              </a:lnSpc>
+            <a:pPr indent="0" eaLnBrk="1" latinLnBrk="0" hangingPunct="1">
+              <a:lnSpc>
+                <a:spcPct val="100000"/>
+              </a:lnSpc>
+              <a:spcBef>
+                <a:spcPts val="600"/>
+              </a:spcBef>
+              <a:spcAft>
+                <a:spcPts val="600"/>
+              </a:spcAft>
               <a:buClr>
                 <a:srgbClr val="0070C0"/>
               </a:buClr>
@@ -14657,10 +14795,13 @@
             </a:endParaRPr>
           </a:p>
           <a:p>
-            <a:pPr marL="457200" indent="-457200" eaLnBrk="1" latinLnBrk="0" hangingPunct="1">
+            <a:pPr marL="457200" indent="-457200" algn="l" eaLnBrk="1" latinLnBrk="0" hangingPunct="1">
               <a:lnSpc>
                 <a:spcPct val="150000"/>
               </a:lnSpc>
+              <a:spcBef>
+                <a:spcPts val="600"/>
+              </a:spcBef>
               <a:buClr>
                 <a:srgbClr val="0070C0"/>
               </a:buClr>
@@ -14668,16 +14809,19 @@
               <a:buAutoNum type="arabicPeriod"/>
             </a:pPr>
             <a:r>
-              <a:rPr lang="zh-CN" altLang="zh-CN" dirty="0"/>
+              <a:rPr lang="zh-CN" altLang="en-US" dirty="0"/>
               <a:t>面向接口使得程序在数据处理中间过程变得更灵活，在大项目中业务变更的成本变小；</a:t>
             </a:r>
-            <a:endParaRPr lang="zh-CN" altLang="zh-CN" dirty="0"/>
-          </a:p>
-          <a:p>
-            <a:pPr marL="457200" indent="-457200" eaLnBrk="1" latinLnBrk="0" hangingPunct="1">
+            <a:endParaRPr lang="zh-CN" altLang="en-US" dirty="0"/>
+          </a:p>
+          <a:p>
+            <a:pPr marL="457200" indent="-457200" algn="l" eaLnBrk="1" latinLnBrk="0" hangingPunct="1">
               <a:lnSpc>
                 <a:spcPct val="150000"/>
               </a:lnSpc>
+              <a:spcBef>
+                <a:spcPts val="600"/>
+              </a:spcBef>
               <a:buClr>
                 <a:srgbClr val="0070C0"/>
               </a:buClr>
@@ -14685,16 +14829,19 @@
               <a:buAutoNum type="arabicPeriod"/>
             </a:pPr>
             <a:r>
-              <a:rPr lang="zh-CN" altLang="zh-CN" dirty="0"/>
+              <a:rPr lang="zh-CN" altLang="en-US" dirty="0"/>
               <a:t>利于项目的水平拓展，增加新的功能；</a:t>
             </a:r>
-            <a:endParaRPr lang="zh-CN" altLang="zh-CN" dirty="0"/>
-          </a:p>
-          <a:p>
-            <a:pPr marL="457200" indent="-457200" eaLnBrk="1" latinLnBrk="0" hangingPunct="1">
+            <a:endParaRPr lang="zh-CN" altLang="en-US" dirty="0"/>
+          </a:p>
+          <a:p>
+            <a:pPr marL="457200" indent="-457200" algn="l" eaLnBrk="1" latinLnBrk="0" hangingPunct="1">
               <a:lnSpc>
                 <a:spcPct val="150000"/>
               </a:lnSpc>
+              <a:spcBef>
+                <a:spcPts val="600"/>
+              </a:spcBef>
               <a:buClr>
                 <a:srgbClr val="0070C0"/>
               </a:buClr>
@@ -14702,16 +14849,19 @@
               <a:buAutoNum type="arabicPeriod"/>
             </a:pPr>
             <a:r>
-              <a:rPr lang="zh-CN" altLang="zh-CN" dirty="0"/>
+              <a:rPr lang="zh-CN" altLang="en-US" dirty="0"/>
               <a:t>通过采用依赖倒置原则设计的接口或抽象类对实现类进行约束，可以减少需求变化引起的工作量剧增的情况；</a:t>
             </a:r>
-            <a:endParaRPr lang="zh-CN" altLang="zh-CN" dirty="0"/>
-          </a:p>
-          <a:p>
-            <a:pPr marL="457200" indent="-457200" eaLnBrk="1" latinLnBrk="0" hangingPunct="1">
+            <a:endParaRPr lang="zh-CN" altLang="en-US" dirty="0"/>
+          </a:p>
+          <a:p>
+            <a:pPr marL="457200" indent="-457200" algn="l" eaLnBrk="1" latinLnBrk="0" hangingPunct="1">
               <a:lnSpc>
                 <a:spcPct val="150000"/>
               </a:lnSpc>
+              <a:spcBef>
+                <a:spcPts val="600"/>
+              </a:spcBef>
               <a:buClr>
                 <a:srgbClr val="0070C0"/>
               </a:buClr>
@@ -14719,10 +14869,10 @@
               <a:buAutoNum type="arabicPeriod"/>
             </a:pPr>
             <a:r>
-              <a:rPr lang="zh-CN" altLang="zh-CN" dirty="0"/>
+              <a:rPr lang="zh-CN" altLang="en-US" dirty="0"/>
               <a:t>人员变动时对项目影响能适当变小。</a:t>
             </a:r>
-            <a:endParaRPr lang="zh-CN" altLang="zh-CN" dirty="0"/>
+            <a:endParaRPr lang="zh-CN" altLang="en-US" dirty="0"/>
           </a:p>
         </p:txBody>
       </p:sp>
@@ -14827,7 +14977,7 @@
         <p:spPr>
           <a:xfrm>
             <a:off x="571608" y="1828842"/>
-            <a:ext cx="8334776" cy="3821430"/>
+            <a:ext cx="8334776" cy="3898265"/>
           </a:xfrm>
           <a:prstGeom prst="rect">
             <a:avLst/>
@@ -14840,10 +14990,16 @@
           </a:bodyPr>
           <a:lstStyle/>
           <a:p>
-            <a:pPr>
+            <a:pPr eaLnBrk="1" latinLnBrk="0" hangingPunct="1">
               <a:lnSpc>
                 <a:spcPct val="110000"/>
               </a:lnSpc>
+              <a:spcBef>
+                <a:spcPts val="600"/>
+              </a:spcBef>
+              <a:spcAft>
+                <a:spcPts val="600"/>
+              </a:spcAft>
               <a:buClr>
                 <a:srgbClr val="0070C0"/>
               </a:buClr>
@@ -15016,7 +15172,7 @@
         <p:spPr>
           <a:xfrm>
             <a:off x="571608" y="1828842"/>
-            <a:ext cx="8334776" cy="2932430"/>
+            <a:ext cx="8334776" cy="2466975"/>
           </a:xfrm>
           <a:prstGeom prst="rect">
             <a:avLst/>
@@ -15029,10 +15185,16 @@
           </a:bodyPr>
           <a:lstStyle/>
           <a:p>
-            <a:pPr>
+            <a:pPr indent="0" eaLnBrk="1" latinLnBrk="0" hangingPunct="1">
               <a:lnSpc>
                 <a:spcPct val="110000"/>
               </a:lnSpc>
+              <a:spcBef>
+                <a:spcPts val="600"/>
+              </a:spcBef>
+              <a:spcAft>
+                <a:spcPts val="600"/>
+              </a:spcAft>
               <a:buClr>
                 <a:srgbClr val="0070C0"/>
               </a:buClr>
@@ -15045,32 +15207,20 @@
               </a:rPr>
               <a:t>注意点</a:t>
             </a:r>
-            <a:endParaRPr lang="zh-CN" altLang="en-US" b="1" dirty="0">
+            <a:endParaRPr lang="en-US" altLang="zh-CN" b="1" dirty="0">
               <a:solidFill>
                 <a:srgbClr val="0070C0"/>
               </a:solidFill>
             </a:endParaRPr>
           </a:p>
           <a:p>
-            <a:pPr>
-              <a:lnSpc>
-                <a:spcPct val="110000"/>
-              </a:lnSpc>
-              <a:buClr>
-                <a:srgbClr val="0070C0"/>
-              </a:buClr>
-            </a:pPr>
-            <a:endParaRPr lang="en-US" altLang="zh-CN" b="1" dirty="0">
-              <a:solidFill>
-                <a:srgbClr val="0070C0"/>
-              </a:solidFill>
-            </a:endParaRPr>
-          </a:p>
-          <a:p>
-            <a:pPr marL="457200" indent="-457200">
-              <a:lnSpc>
-                <a:spcPct val="110000"/>
-              </a:lnSpc>
+            <a:pPr marL="457200" indent="-457200" algn="l" eaLnBrk="1" latinLnBrk="0" hangingPunct="1">
+              <a:lnSpc>
+                <a:spcPct val="150000"/>
+              </a:lnSpc>
+              <a:spcBef>
+                <a:spcPts val="600"/>
+              </a:spcBef>
               <a:buClr>
                 <a:srgbClr val="0070C0"/>
               </a:buClr>
@@ -15078,29 +15228,39 @@
               <a:buAutoNum type="arabicPeriod"/>
             </a:pPr>
             <a:r>
-              <a:rPr lang="zh-CN" altLang="en-US" dirty="0"/>
+              <a:rPr lang="zh-CN" altLang="zh-CN" dirty="0"/>
               <a:t>任何变量，类都不应该有一个指向具体类的指针或者引用；</a:t>
             </a:r>
-            <a:endParaRPr lang="zh-CN" altLang="en-US" dirty="0"/>
-          </a:p>
-          <a:p>
-            <a:pPr marL="457200" indent="-457200">
-              <a:lnSpc>
-                <a:spcPct val="110000"/>
-              </a:lnSpc>
+            <a:endParaRPr lang="zh-CN" altLang="zh-CN" dirty="0"/>
+          </a:p>
+          <a:p>
+            <a:pPr marL="457200" indent="-457200" algn="l" eaLnBrk="1" latinLnBrk="0" hangingPunct="1">
+              <a:lnSpc>
+                <a:spcPct val="150000"/>
+              </a:lnSpc>
+              <a:spcBef>
+                <a:spcPts val="600"/>
+              </a:spcBef>
               <a:buClr>
                 <a:srgbClr val="0070C0"/>
               </a:buClr>
               <a:buFont typeface="+mj-lt"/>
               <a:buAutoNum type="arabicPeriod"/>
             </a:pPr>
-            <a:endParaRPr lang="zh-CN" altLang="en-US" dirty="0"/>
-          </a:p>
-          <a:p>
-            <a:pPr marL="457200" indent="-457200">
-              <a:lnSpc>
-                <a:spcPct val="110000"/>
-              </a:lnSpc>
+            <a:r>
+              <a:rPr lang="zh-CN" altLang="zh-CN" dirty="0"/>
+              <a:t>任何类都不该从具体类派生；</a:t>
+            </a:r>
+            <a:endParaRPr lang="zh-CN" altLang="zh-CN" dirty="0"/>
+          </a:p>
+          <a:p>
+            <a:pPr marL="457200" indent="-457200" algn="l" eaLnBrk="1" latinLnBrk="0" hangingPunct="1">
+              <a:lnSpc>
+                <a:spcPct val="150000"/>
+              </a:lnSpc>
+              <a:spcBef>
+                <a:spcPts val="600"/>
+              </a:spcBef>
               <a:buClr>
                 <a:srgbClr val="0070C0"/>
               </a:buClr>
@@ -15108,40 +15268,10 @@
               <a:buAutoNum type="arabicPeriod"/>
             </a:pPr>
             <a:r>
-              <a:rPr lang="zh-CN" altLang="en-US" dirty="0"/>
-              <a:t>任何类都不该从具体类派生；</a:t>
-            </a:r>
-            <a:endParaRPr lang="zh-CN" altLang="en-US" dirty="0"/>
-          </a:p>
-          <a:p>
-            <a:pPr marL="457200" indent="-457200">
-              <a:lnSpc>
-                <a:spcPct val="110000"/>
-              </a:lnSpc>
-              <a:buClr>
-                <a:srgbClr val="0070C0"/>
-              </a:buClr>
-              <a:buFont typeface="+mj-lt"/>
-              <a:buAutoNum type="arabicPeriod"/>
-            </a:pPr>
-            <a:endParaRPr lang="zh-CN" altLang="en-US" dirty="0"/>
-          </a:p>
-          <a:p>
-            <a:pPr marL="457200" indent="-457200">
-              <a:lnSpc>
-                <a:spcPct val="110000"/>
-              </a:lnSpc>
-              <a:buClr>
-                <a:srgbClr val="0070C0"/>
-              </a:buClr>
-              <a:buFont typeface="+mj-lt"/>
-              <a:buAutoNum type="arabicPeriod"/>
-            </a:pPr>
-            <a:r>
-              <a:rPr lang="zh-CN" altLang="en-US" dirty="0"/>
+              <a:rPr lang="zh-CN" altLang="zh-CN" dirty="0"/>
               <a:t>任何方法都不该覆写它的任何基类中已经实现了的方法。</a:t>
             </a:r>
-            <a:endParaRPr lang="zh-CN" altLang="en-US" dirty="0"/>
+            <a:endParaRPr lang="zh-CN" altLang="zh-CN" dirty="0"/>
           </a:p>
         </p:txBody>
       </p:sp>
@@ -15342,7 +15472,7 @@
         <p:spPr>
           <a:xfrm>
             <a:off x="571608" y="1828842"/>
-            <a:ext cx="8334776" cy="3534622"/>
+            <a:ext cx="8334776" cy="5319395"/>
           </a:xfrm>
           <a:prstGeom prst="rect">
             <a:avLst/>
@@ -15355,10 +15485,16 @@
           </a:bodyPr>
           <a:lstStyle/>
           <a:p>
-            <a:pPr>
+            <a:pPr indent="0" eaLnBrk="1" hangingPunct="1">
               <a:lnSpc>
                 <a:spcPct val="110000"/>
               </a:lnSpc>
+              <a:spcBef>
+                <a:spcPts val="600"/>
+              </a:spcBef>
+              <a:spcAft>
+                <a:spcPts val="600"/>
+              </a:spcAft>
               <a:buClr>
                 <a:srgbClr val="0070C0"/>
               </a:buClr>
@@ -15378,10 +15514,13 @@
             </a:endParaRPr>
           </a:p>
           <a:p>
-            <a:pPr marL="457200" indent="-457200">
-              <a:lnSpc>
-                <a:spcPct val="110000"/>
-              </a:lnSpc>
+            <a:pPr marL="457200" indent="-457200" algn="l" eaLnBrk="1" hangingPunct="1">
+              <a:lnSpc>
+                <a:spcPct val="150000"/>
+              </a:lnSpc>
+              <a:spcBef>
+                <a:spcPts val="600"/>
+              </a:spcBef>
               <a:buClr>
                 <a:srgbClr val="0070C0"/>
               </a:buClr>
@@ -15389,17 +15528,27 @@
               <a:buAutoNum type="arabicPeriod"/>
             </a:pPr>
             <a:r>
+              <a:rPr lang="zh-CN" altLang="zh-CN" dirty="0"/>
+              <a:t>Clients should not be forced to depend upon interfaces that they don</a:t>
+            </a:r>
+            <a:r>
               <a:rPr lang="en-US" altLang="zh-CN" dirty="0"/>
-              <a:t>Clients should not be forced to depend upon interfaces that they don’t use</a:t>
-            </a:r>
-            <a:r>
-              <a:rPr lang="zh-CN" altLang="en-US" dirty="0"/>
-              <a:t>；</a:t>
-            </a:r>
-            <a:endParaRPr lang="zh-CN" altLang="en-US" dirty="0"/>
-          </a:p>
-          <a:p>
-            <a:pPr marL="457200" indent="-457200" latinLnBrk="1">
+              <a:t>'</a:t>
+            </a:r>
+            <a:r>
+              <a:rPr lang="zh-CN" altLang="zh-CN" dirty="0"/>
+              <a:t>t use；</a:t>
+            </a:r>
+            <a:endParaRPr lang="zh-CN" altLang="zh-CN" dirty="0"/>
+          </a:p>
+          <a:p>
+            <a:pPr marL="457200" indent="-457200" algn="l" eaLnBrk="1" hangingPunct="1">
+              <a:lnSpc>
+                <a:spcPct val="150000"/>
+              </a:lnSpc>
+              <a:spcBef>
+                <a:spcPts val="600"/>
+              </a:spcBef>
               <a:buClr>
                 <a:srgbClr val="0070C0"/>
               </a:buClr>
@@ -15407,21 +15556,34 @@
               <a:buAutoNum type="arabicPeriod"/>
             </a:pPr>
             <a:r>
-              <a:rPr lang="en-US" altLang="zh-CN" dirty="0"/>
-              <a:t>The dependency of one class to another one should depend on the smallest possible interface</a:t>
-            </a:r>
-            <a:r>
-              <a:rPr lang="zh-CN" altLang="en-US" dirty="0"/>
-              <a:t>。</a:t>
-            </a:r>
-            <a:endParaRPr lang="en-US" altLang="zh-CN" dirty="0"/>
-          </a:p>
-          <a:p>
-            <a:pPr latinLnBrk="1"/>
-            <a:endParaRPr lang="en-US" altLang="zh-CN" dirty="0"/>
-          </a:p>
-          <a:p>
-            <a:pPr marL="457200" indent="-457200" latinLnBrk="1">
+              <a:rPr lang="zh-CN" altLang="zh-CN" dirty="0"/>
+              <a:t>The dependency of one class to another one should depend on the smallest possible interface。</a:t>
+            </a:r>
+            <a:endParaRPr lang="zh-CN" altLang="zh-CN" dirty="0"/>
+          </a:p>
+          <a:p>
+            <a:pPr marL="457200" indent="-457200" algn="l" eaLnBrk="1" hangingPunct="1">
+              <a:lnSpc>
+                <a:spcPct val="150000"/>
+              </a:lnSpc>
+              <a:spcBef>
+                <a:spcPts val="600"/>
+              </a:spcBef>
+              <a:buClr>
+                <a:srgbClr val="0070C0"/>
+              </a:buClr>
+              <a:buNone/>
+            </a:pPr>
+            <a:endParaRPr lang="zh-CN" altLang="zh-CN" dirty="0"/>
+          </a:p>
+          <a:p>
+            <a:pPr marL="457200" indent="-457200" algn="l" eaLnBrk="1" hangingPunct="1">
+              <a:lnSpc>
+                <a:spcPct val="150000"/>
+              </a:lnSpc>
+              <a:spcBef>
+                <a:spcPts val="600"/>
+              </a:spcBef>
               <a:buClr>
                 <a:srgbClr val="0070C0"/>
               </a:buClr>
@@ -15429,13 +15591,19 @@
               <a:buAutoNum type="arabicPeriod"/>
             </a:pPr>
             <a:r>
-              <a:rPr lang="zh-CN" altLang="en-US" dirty="0"/>
+              <a:rPr lang="zh-CN" altLang="zh-CN" dirty="0"/>
               <a:t>客户端不应该依赖它不需用的接口；</a:t>
             </a:r>
-            <a:endParaRPr lang="zh-CN" altLang="en-US" dirty="0"/>
-          </a:p>
-          <a:p>
-            <a:pPr marL="457200" indent="-457200">
+            <a:endParaRPr lang="zh-CN" altLang="zh-CN" dirty="0"/>
+          </a:p>
+          <a:p>
+            <a:pPr marL="457200" indent="-457200" algn="l" eaLnBrk="1" hangingPunct="1">
+              <a:lnSpc>
+                <a:spcPct val="150000"/>
+              </a:lnSpc>
+              <a:spcBef>
+                <a:spcPts val="600"/>
+              </a:spcBef>
               <a:buClr>
                 <a:srgbClr val="0070C0"/>
               </a:buClr>
@@ -15443,16 +15611,22 @@
               <a:buAutoNum type="arabicPeriod"/>
             </a:pPr>
             <a:r>
-              <a:rPr lang="zh-CN" altLang="en-US" dirty="0"/>
+              <a:rPr lang="zh-CN" altLang="zh-CN" dirty="0"/>
               <a:t>类间的依赖关系应该建立在最小的接口上。</a:t>
             </a:r>
             <a:endParaRPr lang="zh-CN" altLang="en-US" dirty="0"/>
           </a:p>
           <a:p>
-            <a:pPr>
+            <a:pPr indent="0" eaLnBrk="1" hangingPunct="1">
               <a:lnSpc>
                 <a:spcPct val="110000"/>
               </a:lnSpc>
+              <a:spcBef>
+                <a:spcPts val="600"/>
+              </a:spcBef>
+              <a:spcAft>
+                <a:spcPts val="600"/>
+              </a:spcAft>
               <a:buClr>
                 <a:srgbClr val="0070C0"/>
               </a:buClr>
@@ -15560,7 +15734,7 @@
         <p:spPr>
           <a:xfrm>
             <a:off x="571608" y="1828842"/>
-            <a:ext cx="8334776" cy="3933384"/>
+            <a:ext cx="8334776" cy="5161915"/>
           </a:xfrm>
           <a:prstGeom prst="rect">
             <a:avLst/>
@@ -15573,10 +15747,16 @@
           </a:bodyPr>
           <a:lstStyle/>
           <a:p>
-            <a:pPr>
+            <a:pPr indent="0" eaLnBrk="1" latinLnBrk="0" hangingPunct="1">
               <a:lnSpc>
                 <a:spcPct val="110000"/>
               </a:lnSpc>
+              <a:spcBef>
+                <a:spcPts val="600"/>
+              </a:spcBef>
+              <a:spcAft>
+                <a:spcPts val="600"/>
+              </a:spcAft>
               <a:buClr>
                 <a:srgbClr val="0070C0"/>
               </a:buClr>
@@ -15596,10 +15776,16 @@
             </a:endParaRPr>
           </a:p>
           <a:p>
-            <a:pPr eaLnBrk="1" hangingPunct="1">
+            <a:pPr indent="0" eaLnBrk="1" latinLnBrk="0" hangingPunct="1">
               <a:lnSpc>
                 <a:spcPct val="110000"/>
               </a:lnSpc>
+              <a:spcBef>
+                <a:spcPts val="600"/>
+              </a:spcBef>
+              <a:spcAft>
+                <a:spcPts val="600"/>
+              </a:spcAft>
               <a:buClr>
                 <a:srgbClr val="0070C0"/>
               </a:buClr>
@@ -15611,10 +15797,16 @@
             <a:endParaRPr lang="en-US" altLang="zh-CN" dirty="0"/>
           </a:p>
           <a:p>
-            <a:pPr eaLnBrk="1" hangingPunct="1">
+            <a:pPr indent="0" eaLnBrk="1" latinLnBrk="0" hangingPunct="1">
               <a:lnSpc>
                 <a:spcPct val="110000"/>
               </a:lnSpc>
+              <a:spcBef>
+                <a:spcPts val="600"/>
+              </a:spcBef>
+              <a:spcAft>
+                <a:spcPts val="600"/>
+              </a:spcAft>
               <a:buClr>
                 <a:srgbClr val="0070C0"/>
               </a:buClr>
@@ -15626,10 +15818,16 @@
             <a:endParaRPr lang="en-US" altLang="zh-CN" dirty="0"/>
           </a:p>
           <a:p>
-            <a:pPr>
+            <a:pPr indent="0" eaLnBrk="1" latinLnBrk="0" hangingPunct="1">
               <a:lnSpc>
                 <a:spcPct val="110000"/>
               </a:lnSpc>
+              <a:spcBef>
+                <a:spcPts val="600"/>
+              </a:spcBef>
+              <a:spcAft>
+                <a:spcPts val="600"/>
+              </a:spcAft>
               <a:buClr>
                 <a:srgbClr val="0070C0"/>
               </a:buClr>
@@ -15649,7 +15847,13 @@
             </a:endParaRPr>
           </a:p>
           <a:p>
-            <a:pPr marL="457200" indent="-457200">
+            <a:pPr marL="457200" indent="-457200" algn="l" eaLnBrk="1" latinLnBrk="0" hangingPunct="1">
+              <a:lnSpc>
+                <a:spcPct val="125000"/>
+              </a:lnSpc>
+              <a:spcBef>
+                <a:spcPts val="600"/>
+              </a:spcBef>
               <a:buClr>
                 <a:srgbClr val="0070C0"/>
               </a:buClr>
@@ -15657,13 +15861,19 @@
               <a:buAutoNum type="arabicPeriod"/>
             </a:pPr>
             <a:r>
-              <a:rPr lang="zh-CN" altLang="en-US" dirty="0"/>
+              <a:rPr lang="zh-CN" altLang="zh-CN" dirty="0"/>
               <a:t>避免一个接口拥有过多功能，尽量保证单一接口功能不能再细化或无必要再细化；</a:t>
             </a:r>
-            <a:endParaRPr lang="en-US" altLang="zh-CN" dirty="0"/>
-          </a:p>
-          <a:p>
-            <a:pPr marL="457200" indent="-457200">
+            <a:endParaRPr lang="zh-CN" altLang="zh-CN" dirty="0"/>
+          </a:p>
+          <a:p>
+            <a:pPr marL="457200" indent="-457200" algn="l" eaLnBrk="1" latinLnBrk="0" hangingPunct="1">
+              <a:lnSpc>
+                <a:spcPct val="125000"/>
+              </a:lnSpc>
+              <a:spcBef>
+                <a:spcPts val="600"/>
+              </a:spcBef>
               <a:buClr>
                 <a:srgbClr val="0070C0"/>
               </a:buClr>
@@ -15671,13 +15881,19 @@
               <a:buAutoNum type="arabicPeriod"/>
             </a:pPr>
             <a:r>
-              <a:rPr lang="zh-CN" altLang="en-US" dirty="0"/>
+              <a:rPr lang="zh-CN" altLang="zh-CN" dirty="0"/>
               <a:t>拥有公共功能的接口应提取为公共接口，并且避免在公共接口中添加个性方法；</a:t>
             </a:r>
-            <a:endParaRPr lang="en-US" altLang="zh-CN" dirty="0"/>
-          </a:p>
-          <a:p>
-            <a:pPr marL="457200" indent="-457200">
+            <a:endParaRPr lang="zh-CN" altLang="zh-CN" dirty="0"/>
+          </a:p>
+          <a:p>
+            <a:pPr marL="457200" indent="-457200" algn="l" eaLnBrk="1" latinLnBrk="0" hangingPunct="1">
+              <a:lnSpc>
+                <a:spcPct val="125000"/>
+              </a:lnSpc>
+              <a:spcBef>
+                <a:spcPts val="600"/>
+              </a:spcBef>
               <a:buClr>
                 <a:srgbClr val="0070C0"/>
               </a:buClr>
@@ -15685,10 +15901,10 @@
               <a:buAutoNum type="arabicPeriod"/>
             </a:pPr>
             <a:r>
-              <a:rPr lang="zh-CN" altLang="en-US" dirty="0"/>
+              <a:rPr lang="zh-CN" altLang="zh-CN" dirty="0"/>
               <a:t>避免编码混乱造成后期维护成本增加。</a:t>
             </a:r>
-            <a:endParaRPr lang="en-US" altLang="zh-CN" dirty="0"/>
+            <a:endParaRPr lang="zh-CN" altLang="zh-CN" dirty="0"/>
           </a:p>
           <a:p>
             <a:pPr marL="457200" indent="-457200">
@@ -15801,7 +16017,7 @@
         <p:spPr>
           <a:xfrm>
             <a:off x="571608" y="1828842"/>
-            <a:ext cx="8334776" cy="2159000"/>
+            <a:ext cx="8334776" cy="2390140"/>
           </a:xfrm>
           <a:prstGeom prst="rect">
             <a:avLst/>
@@ -15814,10 +16030,16 @@
           </a:bodyPr>
           <a:lstStyle/>
           <a:p>
-            <a:pPr>
+            <a:pPr indent="0" eaLnBrk="1" latinLnBrk="0" hangingPunct="1">
               <a:lnSpc>
                 <a:spcPct val="110000"/>
               </a:lnSpc>
+              <a:spcBef>
+                <a:spcPts val="600"/>
+              </a:spcBef>
+              <a:spcAft>
+                <a:spcPts val="600"/>
+              </a:spcAft>
               <a:buClr>
                 <a:srgbClr val="0070C0"/>
               </a:buClr>
@@ -15837,10 +16059,13 @@
             </a:endParaRPr>
           </a:p>
           <a:p>
-            <a:pPr marL="457200" indent="-457200" eaLnBrk="1" hangingPunct="1">
+            <a:pPr marL="457200" indent="-457200" algn="l" eaLnBrk="1" latinLnBrk="0" hangingPunct="1">
               <a:lnSpc>
                 <a:spcPct val="150000"/>
               </a:lnSpc>
+              <a:spcBef>
+                <a:spcPts val="600"/>
+              </a:spcBef>
               <a:buClr>
                 <a:srgbClr val="0070C0"/>
               </a:buClr>
@@ -15848,16 +16073,19 @@
               <a:buAutoNum type="arabicPeriod"/>
             </a:pPr>
             <a:r>
-              <a:rPr lang="zh-CN" altLang="en-US" dirty="0"/>
+              <a:rPr lang="zh-CN" altLang="zh-CN" dirty="0"/>
               <a:t>接口如果能够保持粒度够小，就能保证它足够稳定。</a:t>
             </a:r>
-            <a:endParaRPr lang="en-US" altLang="zh-CN" dirty="0"/>
-          </a:p>
-          <a:p>
-            <a:pPr marL="457200" indent="-457200" eaLnBrk="1" hangingPunct="1">
+            <a:endParaRPr lang="zh-CN" altLang="zh-CN" dirty="0"/>
+          </a:p>
+          <a:p>
+            <a:pPr marL="457200" indent="-457200" algn="l" eaLnBrk="1" latinLnBrk="0" hangingPunct="1">
               <a:lnSpc>
                 <a:spcPct val="150000"/>
               </a:lnSpc>
+              <a:spcBef>
+                <a:spcPts val="600"/>
+              </a:spcBef>
               <a:buClr>
                 <a:srgbClr val="0070C0"/>
               </a:buClr>
@@ -15865,7 +16093,7 @@
               <a:buAutoNum type="arabicPeriod"/>
             </a:pPr>
             <a:r>
-              <a:rPr lang="zh-CN" altLang="en-US" dirty="0"/>
+              <a:rPr lang="zh-CN" altLang="zh-CN" dirty="0"/>
               <a:t>使用多个专门的接口还能够体现对象的层次，因为我们可以通过接口的继承，实现对总接口的定义。</a:t>
             </a:r>
             <a:endParaRPr lang="zh-CN" altLang="zh-CN" dirty="0"/>
@@ -15971,7 +16199,7 @@
         <p:spPr>
           <a:xfrm>
             <a:off x="571608" y="1828842"/>
-            <a:ext cx="8334776" cy="1541128"/>
+            <a:ext cx="8334776" cy="1906905"/>
           </a:xfrm>
           <a:prstGeom prst="rect">
             <a:avLst/>
@@ -15984,10 +16212,16 @@
           </a:bodyPr>
           <a:lstStyle/>
           <a:p>
-            <a:pPr>
-              <a:lnSpc>
-                <a:spcPct val="110000"/>
-              </a:lnSpc>
+            <a:pPr indent="0" eaLnBrk="1" latinLnBrk="0" hangingPunct="1">
+              <a:lnSpc>
+                <a:spcPct val="150000"/>
+              </a:lnSpc>
+              <a:spcBef>
+                <a:spcPts val="600"/>
+              </a:spcBef>
+              <a:spcAft>
+                <a:spcPts val="600"/>
+              </a:spcAft>
               <a:buClr>
                 <a:srgbClr val="0070C0"/>
               </a:buClr>
@@ -16007,10 +16241,13 @@
             </a:endParaRPr>
           </a:p>
           <a:p>
-            <a:pPr marL="457200" indent="-457200" eaLnBrk="1" hangingPunct="1">
+            <a:pPr marL="457200" indent="-457200" algn="l" eaLnBrk="1" latinLnBrk="0" hangingPunct="1">
               <a:lnSpc>
                 <a:spcPct val="150000"/>
               </a:lnSpc>
+              <a:spcBef>
+                <a:spcPts val="600"/>
+              </a:spcBef>
               <a:buClr>
                 <a:srgbClr val="0070C0"/>
               </a:buClr>
@@ -16018,7 +16255,7 @@
               <a:buAutoNum type="arabicPeriod"/>
             </a:pPr>
             <a:r>
-              <a:rPr lang="zh-CN" altLang="en-US" dirty="0"/>
+              <a:rPr lang="zh-CN" altLang="zh-CN" dirty="0"/>
               <a:t>在实际项目中，应该注意度的把握，接口设计的过大或过小都不好，应该根据实际情况多思考再进行设计。</a:t>
             </a:r>
             <a:endParaRPr lang="zh-CN" altLang="zh-CN" dirty="0"/>
@@ -16124,7 +16361,7 @@
         <p:spPr>
           <a:xfrm>
             <a:off x="571608" y="1828842"/>
-            <a:ext cx="8334776" cy="4532716"/>
+            <a:ext cx="8334776" cy="4632960"/>
           </a:xfrm>
           <a:prstGeom prst="rect">
             <a:avLst/>
@@ -16137,10 +16374,16 @@
           </a:bodyPr>
           <a:lstStyle/>
           <a:p>
-            <a:pPr>
+            <a:pPr eaLnBrk="1" latinLnBrk="0" hangingPunct="1">
               <a:lnSpc>
                 <a:spcPct val="110000"/>
               </a:lnSpc>
+              <a:spcBef>
+                <a:spcPts val="600"/>
+              </a:spcBef>
+              <a:spcAft>
+                <a:spcPts val="600"/>
+              </a:spcAft>
               <a:buClr>
                 <a:srgbClr val="0070C0"/>
               </a:buClr>
@@ -16685,7 +16928,7 @@
         <p:spPr>
           <a:xfrm>
             <a:off x="571608" y="1828842"/>
-            <a:ext cx="8334776" cy="3743960"/>
+            <a:ext cx="8334776" cy="3821430"/>
           </a:xfrm>
           <a:prstGeom prst="rect">
             <a:avLst/>
@@ -16698,10 +16941,16 @@
           </a:bodyPr>
           <a:lstStyle/>
           <a:p>
-            <a:pPr>
+            <a:pPr eaLnBrk="1" latinLnBrk="0" hangingPunct="1">
               <a:lnSpc>
                 <a:spcPct val="110000"/>
               </a:lnSpc>
+              <a:spcBef>
+                <a:spcPts val="600"/>
+              </a:spcBef>
+              <a:spcAft>
+                <a:spcPts val="600"/>
+              </a:spcAft>
               <a:buClr>
                 <a:srgbClr val="0070C0"/>
               </a:buClr>
@@ -16946,7 +17195,7 @@
         <p:spPr>
           <a:xfrm>
             <a:off x="571608" y="1828842"/>
-            <a:ext cx="8334776" cy="5290820"/>
+            <a:ext cx="8334776" cy="5521325"/>
           </a:xfrm>
           <a:prstGeom prst="rect">
             <a:avLst/>
@@ -16959,10 +17208,16 @@
           </a:bodyPr>
           <a:lstStyle/>
           <a:p>
-            <a:pPr>
+            <a:pPr eaLnBrk="1" latinLnBrk="0" hangingPunct="1">
               <a:lnSpc>
                 <a:spcPct val="110000"/>
               </a:lnSpc>
+              <a:spcBef>
+                <a:spcPts val="600"/>
+              </a:spcBef>
+              <a:spcAft>
+                <a:spcPts val="600"/>
+              </a:spcAft>
               <a:buClr>
                 <a:srgbClr val="0070C0"/>
               </a:buClr>
@@ -16991,16 +17246,28 @@
               </a:buClr>
             </a:pPr>
             <a:r>
-              <a:rPr lang="zh-CN" altLang="en-US" dirty="0"/>
-              <a:t>低耦合，高内聚。无论是面向过程编程还是面向对象编程，只有使各个模块之间的耦合尽量的低，才能提高代码的复用率。</a:t>
+              <a:rPr lang="zh-CN" altLang="en-US" dirty="0">
+                <a:sym typeface="+mn-ea"/>
+              </a:rPr>
+              <a:t>高内聚，</a:t>
+            </a:r>
+            <a:r>
+              <a:rPr lang="zh-CN" altLang="en-US" dirty="0"/>
+              <a:t>低耦合。无论是面向过程编程还是面向对象编程，只有使各个模块之间的耦合尽量的低，才能提高代码的复用率。</a:t>
             </a:r>
             <a:endParaRPr lang="zh-CN" altLang="en-US" dirty="0"/>
           </a:p>
           <a:p>
-            <a:pPr eaLnBrk="1" hangingPunct="1">
+            <a:pPr eaLnBrk="1" latinLnBrk="0" hangingPunct="1">
               <a:lnSpc>
                 <a:spcPct val="110000"/>
               </a:lnSpc>
+              <a:spcBef>
+                <a:spcPts val="600"/>
+              </a:spcBef>
+              <a:spcAft>
+                <a:spcPts val="600"/>
+              </a:spcAft>
               <a:buClr>
                 <a:srgbClr val="0070C0"/>
               </a:buClr>
@@ -17454,7 +17721,19 @@
             </a:pPr>
             <a:r>
               <a:rPr lang="zh-CN" altLang="en-US" dirty="0"/>
-              <a:t>采用这个原则也会导致更多的“包装”类被制造出来，以处理和其他组件的沟通，这可能会导致复杂度和开发时间的增加，并降低运行时的性能。</a:t>
+              <a:t>采用这个原则也会导致更多的</a:t>
+            </a:r>
+            <a:r>
+              <a:rPr lang="zh-CN" altLang="en-US" dirty="0">
+                <a:solidFill>
+                  <a:srgbClr val="0070C0"/>
+                </a:solidFill>
+              </a:rPr>
+              <a:t>包装类</a:t>
+            </a:r>
+            <a:r>
+              <a:rPr lang="zh-CN" altLang="en-US" dirty="0"/>
+              <a:t>被制造出来，以处理和其他组件的沟通，这可能会导致复杂度和开发时间的增加，并降低运行时的性能。</a:t>
             </a:r>
             <a:endParaRPr lang="zh-CN" altLang="en-US" dirty="0"/>
           </a:p>
@@ -17561,7 +17840,7 @@
         <p:spPr>
           <a:xfrm>
             <a:off x="571608" y="1828842"/>
-            <a:ext cx="8334776" cy="4150360"/>
+            <a:ext cx="8334776" cy="4227195"/>
           </a:xfrm>
           <a:prstGeom prst="rect">
             <a:avLst/>
@@ -17574,10 +17853,16 @@
           </a:bodyPr>
           <a:lstStyle/>
           <a:p>
-            <a:pPr>
+            <a:pPr eaLnBrk="1" latinLnBrk="0" hangingPunct="1">
               <a:lnSpc>
                 <a:spcPct val="110000"/>
               </a:lnSpc>
+              <a:spcBef>
+                <a:spcPts val="600"/>
+              </a:spcBef>
+              <a:spcAft>
+                <a:spcPts val="600"/>
+              </a:spcAft>
               <a:buClr>
                 <a:srgbClr val="0070C0"/>
               </a:buClr>
@@ -17932,7 +18217,7 @@
         <p:spPr>
           <a:xfrm>
             <a:off x="571608" y="1828842"/>
-            <a:ext cx="8334776" cy="3338195"/>
+            <a:ext cx="8334776" cy="3415030"/>
           </a:xfrm>
           <a:prstGeom prst="rect">
             <a:avLst/>
@@ -17945,10 +18230,16 @@
           </a:bodyPr>
           <a:lstStyle/>
           <a:p>
-            <a:pPr>
+            <a:pPr eaLnBrk="1" latinLnBrk="0" hangingPunct="1">
               <a:lnSpc>
                 <a:spcPct val="110000"/>
               </a:lnSpc>
+              <a:spcBef>
+                <a:spcPts val="600"/>
+              </a:spcBef>
+              <a:spcAft>
+                <a:spcPts val="600"/>
+              </a:spcAft>
               <a:buClr>
                 <a:srgbClr val="0070C0"/>
               </a:buClr>
@@ -18141,7 +18432,7 @@
         <p:spPr>
           <a:xfrm>
             <a:off x="571608" y="1828842"/>
-            <a:ext cx="8334776" cy="5438775"/>
+            <a:ext cx="8334776" cy="5515610"/>
           </a:xfrm>
           <a:prstGeom prst="rect">
             <a:avLst/>
@@ -18154,10 +18445,16 @@
           </a:bodyPr>
           <a:lstStyle/>
           <a:p>
-            <a:pPr>
+            <a:pPr eaLnBrk="1" latinLnBrk="0" hangingPunct="1">
               <a:lnSpc>
                 <a:spcPct val="110000"/>
               </a:lnSpc>
+              <a:spcBef>
+                <a:spcPts val="600"/>
+              </a:spcBef>
+              <a:spcAft>
+                <a:spcPts val="600"/>
+              </a:spcAft>
               <a:buClr>
                 <a:srgbClr val="0070C0"/>
               </a:buClr>
@@ -18168,7 +18465,7 @@
                   <a:srgbClr val="0070C0"/>
                 </a:solidFill>
               </a:rPr>
-              <a:t>定义</a:t>
+              <a:t>使用开闭原则</a:t>
             </a:r>
             <a:endParaRPr lang="en-US" altLang="zh-CN" b="1" dirty="0">
               <a:solidFill>
@@ -18458,7 +18755,7 @@
         <p:spPr>
           <a:xfrm>
             <a:off x="571608" y="1828842"/>
-            <a:ext cx="8334776" cy="4705985"/>
+            <a:ext cx="8334776" cy="4782820"/>
           </a:xfrm>
           <a:prstGeom prst="rect">
             <a:avLst/>
@@ -18471,10 +18768,16 @@
           </a:bodyPr>
           <a:lstStyle/>
           <a:p>
-            <a:pPr>
+            <a:pPr eaLnBrk="1" latinLnBrk="0" hangingPunct="1">
               <a:lnSpc>
                 <a:spcPct val="110000"/>
               </a:lnSpc>
+              <a:spcBef>
+                <a:spcPts val="600"/>
+              </a:spcBef>
+              <a:spcAft>
+                <a:spcPts val="600"/>
+              </a:spcAft>
               <a:buClr>
                 <a:srgbClr val="0070C0"/>
               </a:buClr>
@@ -18681,7 +18984,7 @@
         <p:spPr>
           <a:xfrm>
             <a:off x="566431" y="2057436"/>
-            <a:ext cx="8334776" cy="3170804"/>
+            <a:ext cx="8334776" cy="3497580"/>
           </a:xfrm>
           <a:prstGeom prst="rect">
             <a:avLst/>
@@ -18694,10 +18997,16 @@
           </a:bodyPr>
           <a:lstStyle/>
           <a:p>
-            <a:pPr marL="342900" indent="-342900" eaLnBrk="1" hangingPunct="1">
+            <a:pPr marL="342900" indent="-342900" eaLnBrk="1" latinLnBrk="0" hangingPunct="1">
               <a:lnSpc>
                 <a:spcPct val="105000"/>
               </a:lnSpc>
+              <a:spcBef>
+                <a:spcPts val="600"/>
+              </a:spcBef>
+              <a:spcAft>
+                <a:spcPts val="600"/>
+              </a:spcAft>
               <a:buClr>
                 <a:srgbClr val="0070C0"/>
               </a:buClr>
@@ -18719,10 +19028,16 @@
             <a:endParaRPr lang="zh-CN" altLang="en-US" dirty="0"/>
           </a:p>
           <a:p>
-            <a:pPr marL="342900" indent="-342900" eaLnBrk="1" hangingPunct="1">
+            <a:pPr marL="342900" indent="-342900" eaLnBrk="1" latinLnBrk="0" hangingPunct="1">
               <a:lnSpc>
                 <a:spcPct val="105000"/>
               </a:lnSpc>
+              <a:spcBef>
+                <a:spcPts val="600"/>
+              </a:spcBef>
+              <a:spcAft>
+                <a:spcPts val="600"/>
+              </a:spcAft>
               <a:buClr>
                 <a:srgbClr val="0070C0"/>
               </a:buClr>
@@ -18752,10 +19067,16 @@
             <a:endParaRPr lang="zh-CN" altLang="en-US" dirty="0"/>
           </a:p>
           <a:p>
-            <a:pPr marL="342900" indent="-342900" eaLnBrk="1" hangingPunct="1">
+            <a:pPr marL="342900" indent="-342900" eaLnBrk="1" latinLnBrk="0" hangingPunct="1">
               <a:lnSpc>
                 <a:spcPct val="105000"/>
               </a:lnSpc>
+              <a:spcBef>
+                <a:spcPts val="600"/>
+              </a:spcBef>
+              <a:spcAft>
+                <a:spcPts val="600"/>
+              </a:spcAft>
               <a:buClr>
                 <a:srgbClr val="0070C0"/>
               </a:buClr>
@@ -18869,7 +19190,7 @@
         <p:spPr>
           <a:xfrm>
             <a:off x="566431" y="2057436"/>
-            <a:ext cx="8334776" cy="3674019"/>
+            <a:ext cx="8334776" cy="3415030"/>
           </a:xfrm>
           <a:prstGeom prst="rect">
             <a:avLst/>
@@ -18884,7 +19205,7 @@
           <a:p>
             <a:pPr marL="457200" indent="-457200">
               <a:lnSpc>
-                <a:spcPct val="200000"/>
+                <a:spcPct val="300000"/>
               </a:lnSpc>
               <a:buClr>
                 <a:srgbClr val="0070C0"/>
@@ -18909,7 +19230,7 @@
           <a:p>
             <a:pPr marL="457200" indent="-457200">
               <a:lnSpc>
-                <a:spcPct val="200000"/>
+                <a:spcPct val="300000"/>
               </a:lnSpc>
               <a:buClr>
                 <a:srgbClr val="0070C0"/>
@@ -18917,19 +19238,6 @@
               <a:buFont typeface="+mj-lt"/>
               <a:buAutoNum type="arabicPeriod"/>
             </a:pPr>
-            <a:endParaRPr lang="en-US" altLang="zh-CN" dirty="0"/>
-          </a:p>
-          <a:p>
-            <a:pPr marL="457200" indent="-457200">
-              <a:lnSpc>
-                <a:spcPct val="200000"/>
-              </a:lnSpc>
-              <a:buClr>
-                <a:srgbClr val="0070C0"/>
-              </a:buClr>
-              <a:buFont typeface="+mj-lt"/>
-              <a:buAutoNum type="arabicPeriod"/>
-            </a:pPr>
             <a:r>
               <a:rPr lang="zh-CN" altLang="en-US" dirty="0"/>
               <a:t>结构型模式（</a:t>
@@ -18947,20 +19255,7 @@
           <a:p>
             <a:pPr marL="457200" indent="-457200">
               <a:lnSpc>
-                <a:spcPct val="200000"/>
-              </a:lnSpc>
-              <a:buClr>
-                <a:srgbClr val="0070C0"/>
-              </a:buClr>
-              <a:buFont typeface="+mj-lt"/>
-              <a:buAutoNum type="arabicPeriod"/>
-            </a:pPr>
-            <a:endParaRPr lang="en-US" altLang="zh-CN" dirty="0"/>
-          </a:p>
-          <a:p>
-            <a:pPr marL="457200" indent="-457200">
-              <a:lnSpc>
-                <a:spcPct val="200000"/>
+                <a:spcPct val="300000"/>
               </a:lnSpc>
               <a:buClr>
                 <a:srgbClr val="0070C0"/>
@@ -19919,7 +20214,7 @@
         <p:spPr>
           <a:xfrm>
             <a:off x="566431" y="2057436"/>
-            <a:ext cx="8334776" cy="2677656"/>
+            <a:ext cx="8334776" cy="2830195"/>
           </a:xfrm>
           <a:prstGeom prst="rect">
             <a:avLst/>
@@ -19932,7 +20227,13 @@
           </a:bodyPr>
           <a:lstStyle/>
           <a:p>
-            <a:pPr indent="535305" eaLnBrk="1" hangingPunct="1">
+            <a:pPr indent="628015" eaLnBrk="1" latinLnBrk="0" hangingPunct="1">
+              <a:spcBef>
+                <a:spcPts val="600"/>
+              </a:spcBef>
+              <a:spcAft>
+                <a:spcPts val="600"/>
+              </a:spcAft>
               <a:buFont typeface="Wingdings" panose="05000000000000000000" pitchFamily="2" charset="2"/>
               <a:buNone/>
             </a:pPr>
@@ -19959,13 +20260,19 @@
             <a:endParaRPr lang="zh-CN" altLang="en-US" dirty="0"/>
           </a:p>
           <a:p>
-            <a:pPr eaLnBrk="1" hangingPunct="1">
+            <a:pPr indent="628015" eaLnBrk="1" latinLnBrk="0" hangingPunct="1">
+              <a:spcBef>
+                <a:spcPts val="600"/>
+              </a:spcBef>
+              <a:spcAft>
+                <a:spcPts val="600"/>
+              </a:spcAft>
               <a:buFont typeface="Wingdings" panose="05000000000000000000" pitchFamily="2" charset="2"/>
               <a:buNone/>
             </a:pPr>
             <a:r>
               <a:rPr lang="zh-CN" altLang="en-US" dirty="0"/>
-              <a:t>       </a:t>
+              <a:t> </a:t>
             </a:r>
             <a:r>
               <a:rPr lang="zh-CN" altLang="en-US" dirty="0">
@@ -20098,7 +20405,7 @@
         <p:spPr>
           <a:xfrm>
             <a:off x="566431" y="2057436"/>
-            <a:ext cx="8334776" cy="3338195"/>
+            <a:ext cx="8334776" cy="3646170"/>
           </a:xfrm>
           <a:prstGeom prst="rect">
             <a:avLst/>
@@ -20111,10 +20418,16 @@
           </a:bodyPr>
           <a:lstStyle/>
           <a:p>
-            <a:pPr marL="342900" indent="-342900" eaLnBrk="1" hangingPunct="1">
+            <a:pPr marL="342900" indent="-342900" eaLnBrk="1" latinLnBrk="0" hangingPunct="1">
               <a:lnSpc>
                 <a:spcPct val="110000"/>
               </a:lnSpc>
+              <a:spcBef>
+                <a:spcPts val="600"/>
+              </a:spcBef>
+              <a:spcAft>
+                <a:spcPts val="600"/>
+              </a:spcAft>
               <a:buClr>
                 <a:srgbClr val="0070C0"/>
               </a:buClr>
@@ -20144,10 +20457,16 @@
             <a:endParaRPr lang="zh-CN" altLang="en-US" dirty="0"/>
           </a:p>
           <a:p>
-            <a:pPr marL="342900" indent="-342900" eaLnBrk="1" hangingPunct="1">
+            <a:pPr marL="342900" indent="-342900" eaLnBrk="1" latinLnBrk="0" hangingPunct="1">
               <a:lnSpc>
                 <a:spcPct val="110000"/>
               </a:lnSpc>
+              <a:spcBef>
+                <a:spcPts val="600"/>
+              </a:spcBef>
+              <a:spcAft>
+                <a:spcPts val="600"/>
+              </a:spcAft>
               <a:buClr>
                 <a:srgbClr val="0070C0"/>
               </a:buClr>
@@ -20219,10 +20538,16 @@
             <a:endParaRPr lang="zh-CN" altLang="en-US" dirty="0"/>
           </a:p>
           <a:p>
-            <a:pPr marL="342900" indent="-342900" eaLnBrk="1" hangingPunct="1">
+            <a:pPr marL="342900" indent="-342900" eaLnBrk="1" latinLnBrk="0" hangingPunct="1">
               <a:lnSpc>
                 <a:spcPct val="110000"/>
               </a:lnSpc>
+              <a:spcBef>
+                <a:spcPts val="600"/>
+              </a:spcBef>
+              <a:spcAft>
+                <a:spcPts val="600"/>
+              </a:spcAft>
               <a:buClr>
                 <a:srgbClr val="0070C0"/>
               </a:buClr>
@@ -20417,7 +20742,7 @@
         <p:spPr>
           <a:xfrm>
             <a:off x="571608" y="1828842"/>
-            <a:ext cx="8334776" cy="4938083"/>
+            <a:ext cx="8334776" cy="4961890"/>
           </a:xfrm>
           <a:prstGeom prst="rect">
             <a:avLst/>
@@ -20638,7 +20963,7 @@
             </a:r>
             <a:r>
               <a:rPr lang="en-US" altLang="zh-CN" dirty="0"/>
-              <a:t> Least Knowledge Principle </a:t>
+              <a:t> Least Knowledge Principle</a:t>
             </a:r>
             <a:r>
               <a:rPr lang="zh-CN" altLang="en-US" dirty="0"/>

--- a/Design pattern/23种设计模式详解.pptx
+++ b/Design pattern/23种设计模式详解.pptx
@@ -9,7 +9,7 @@
     <p:notesMasterId r:id="rId5"/>
   </p:notesMasterIdLst>
   <p:handoutMasterIdLst>
-    <p:handoutMasterId r:id="rId51"/>
+    <p:handoutMasterId r:id="rId53"/>
   </p:handoutMasterIdLst>
   <p:sldIdLst>
     <p:sldId id="453" r:id="rId4"/>
@@ -55,9 +55,11 @@
     <p:sldId id="588" r:id="rId45"/>
     <p:sldId id="589" r:id="rId46"/>
     <p:sldId id="590" r:id="rId47"/>
-    <p:sldId id="592" r:id="rId48"/>
-    <p:sldId id="472" r:id="rId49"/>
-    <p:sldId id="577" r:id="rId50"/>
+    <p:sldId id="679" r:id="rId48"/>
+    <p:sldId id="680" r:id="rId49"/>
+    <p:sldId id="592" r:id="rId50"/>
+    <p:sldId id="472" r:id="rId51"/>
+    <p:sldId id="577" r:id="rId52"/>
   </p:sldIdLst>
   <p:sldSz cx="9144000" cy="6858000" type="screen4x3"/>
   <p:notesSz cx="6858000" cy="9144000"/>
@@ -4002,6 +4004,172 @@
 </file>
 
 <file path=ppt/notesSlides/notesSlide37.xml><?xml version="1.0" encoding="utf-8"?>
+<p:notes xmlns:a="http://schemas.openxmlformats.org/drawingml/2006/main" xmlns:r="http://schemas.openxmlformats.org/officeDocument/2006/relationships" xmlns:p="http://schemas.openxmlformats.org/presentationml/2006/main">
+  <p:cSld>
+    <p:spTree>
+      <p:nvGrpSpPr>
+        <p:cNvPr id="1" name=""/>
+        <p:cNvGrpSpPr/>
+        <p:nvPr/>
+      </p:nvGrpSpPr>
+      <p:grpSpPr>
+        <a:xfrm>
+          <a:off x="0" y="0"/>
+          <a:ext cx="0" cy="0"/>
+          <a:chOff x="0" y="0"/>
+          <a:chExt cx="0" cy="0"/>
+        </a:xfrm>
+      </p:grpSpPr>
+      <p:sp>
+        <p:nvSpPr>
+          <p:cNvPr id="2" name="幻灯片图像占位符 1"/>
+          <p:cNvSpPr>
+            <a:spLocks noGrp="1" noRot="1" noChangeAspect="1"/>
+          </p:cNvSpPr>
+          <p:nvPr>
+            <p:ph type="sldImg"/>
+          </p:nvPr>
+        </p:nvSpPr>
+        <p:spPr>
+          <a:xfrm>
+            <a:off x="1371600" y="1143000"/>
+            <a:ext cx="4114800" cy="3086100"/>
+          </a:xfrm>
+        </p:spPr>
+      </p:sp>
+      <p:sp>
+        <p:nvSpPr>
+          <p:cNvPr id="3" name="备注占位符 2"/>
+          <p:cNvSpPr>
+            <a:spLocks noGrp="1"/>
+          </p:cNvSpPr>
+          <p:nvPr>
+            <p:ph type="body" idx="1"/>
+          </p:nvPr>
+        </p:nvSpPr>
+        <p:spPr/>
+        <p:txBody>
+          <a:bodyPr/>
+          <a:lstStyle/>
+          <a:p>
+            <a:endParaRPr lang="zh-CN" altLang="en-US"/>
+          </a:p>
+        </p:txBody>
+      </p:sp>
+      <p:sp>
+        <p:nvSpPr>
+          <p:cNvPr id="4" name="灯片编号占位符 3"/>
+          <p:cNvSpPr>
+            <a:spLocks noGrp="1"/>
+          </p:cNvSpPr>
+          <p:nvPr>
+            <p:ph type="sldNum" sz="quarter" idx="10"/>
+          </p:nvPr>
+        </p:nvSpPr>
+        <p:spPr/>
+        <p:txBody>
+          <a:bodyPr/>
+          <a:lstStyle/>
+          <a:p>
+            <a:fld id="{2ED26FC3-015A-4F86-ACC3-780431FB8E4D}" type="slidenum">
+              <a:rPr lang="zh-CN" altLang="en-US" smtClean="0"/>
+            </a:fld>
+            <a:endParaRPr lang="zh-CN" altLang="en-US"/>
+          </a:p>
+        </p:txBody>
+      </p:sp>
+    </p:spTree>
+  </p:cSld>
+  <p:clrMapOvr>
+    <a:masterClrMapping/>
+  </p:clrMapOvr>
+</p:notes>
+</file>
+
+<file path=ppt/notesSlides/notesSlide38.xml><?xml version="1.0" encoding="utf-8"?>
+<p:notes xmlns:a="http://schemas.openxmlformats.org/drawingml/2006/main" xmlns:r="http://schemas.openxmlformats.org/officeDocument/2006/relationships" xmlns:p="http://schemas.openxmlformats.org/presentationml/2006/main">
+  <p:cSld>
+    <p:spTree>
+      <p:nvGrpSpPr>
+        <p:cNvPr id="1" name=""/>
+        <p:cNvGrpSpPr/>
+        <p:nvPr/>
+      </p:nvGrpSpPr>
+      <p:grpSpPr>
+        <a:xfrm>
+          <a:off x="0" y="0"/>
+          <a:ext cx="0" cy="0"/>
+          <a:chOff x="0" y="0"/>
+          <a:chExt cx="0" cy="0"/>
+        </a:xfrm>
+      </p:grpSpPr>
+      <p:sp>
+        <p:nvSpPr>
+          <p:cNvPr id="2" name="幻灯片图像占位符 1"/>
+          <p:cNvSpPr>
+            <a:spLocks noGrp="1" noRot="1" noChangeAspect="1"/>
+          </p:cNvSpPr>
+          <p:nvPr>
+            <p:ph type="sldImg"/>
+          </p:nvPr>
+        </p:nvSpPr>
+        <p:spPr>
+          <a:xfrm>
+            <a:off x="1371600" y="1143000"/>
+            <a:ext cx="4114800" cy="3086100"/>
+          </a:xfrm>
+        </p:spPr>
+      </p:sp>
+      <p:sp>
+        <p:nvSpPr>
+          <p:cNvPr id="3" name="备注占位符 2"/>
+          <p:cNvSpPr>
+            <a:spLocks noGrp="1"/>
+          </p:cNvSpPr>
+          <p:nvPr>
+            <p:ph type="body" idx="1"/>
+          </p:nvPr>
+        </p:nvSpPr>
+        <p:spPr/>
+        <p:txBody>
+          <a:bodyPr/>
+          <a:lstStyle/>
+          <a:p>
+            <a:endParaRPr lang="zh-CN" altLang="en-US"/>
+          </a:p>
+        </p:txBody>
+      </p:sp>
+      <p:sp>
+        <p:nvSpPr>
+          <p:cNvPr id="4" name="灯片编号占位符 3"/>
+          <p:cNvSpPr>
+            <a:spLocks noGrp="1"/>
+          </p:cNvSpPr>
+          <p:nvPr>
+            <p:ph type="sldNum" sz="quarter" idx="10"/>
+          </p:nvPr>
+        </p:nvSpPr>
+        <p:spPr/>
+        <p:txBody>
+          <a:bodyPr/>
+          <a:lstStyle/>
+          <a:p>
+            <a:fld id="{2ED26FC3-015A-4F86-ACC3-780431FB8E4D}" type="slidenum">
+              <a:rPr lang="zh-CN" altLang="en-US" smtClean="0"/>
+            </a:fld>
+            <a:endParaRPr lang="zh-CN" altLang="en-US"/>
+          </a:p>
+        </p:txBody>
+      </p:sp>
+    </p:spTree>
+  </p:cSld>
+  <p:clrMapOvr>
+    <a:masterClrMapping/>
+  </p:clrMapOvr>
+</p:notes>
+</file>
+
+<file path=ppt/notesSlides/notesSlide39.xml><?xml version="1.0" encoding="utf-8"?>
 <p:notes xmlns:a="http://schemas.openxmlformats.org/drawingml/2006/main" xmlns:r="http://schemas.openxmlformats.org/officeDocument/2006/relationships" xmlns:p="http://schemas.openxmlformats.org/presentationml/2006/main">
   <p:cSld>
     <p:spTree>
@@ -19660,7 +19828,7 @@
         <p:spPr>
           <a:xfrm>
             <a:off x="566431" y="2057436"/>
-            <a:ext cx="8334776" cy="2796856"/>
+            <a:ext cx="8334776" cy="3969385"/>
           </a:xfrm>
           <a:prstGeom prst="rect">
             <a:avLst/>
@@ -19673,7 +19841,7 @@
           </a:bodyPr>
           <a:lstStyle/>
           <a:p>
-            <a:pPr indent="628650" eaLnBrk="1" hangingPunct="1">
+            <a:pPr indent="0" eaLnBrk="1" hangingPunct="1">
               <a:lnSpc>
                 <a:spcPct val="150000"/>
               </a:lnSpc>
@@ -19681,44 +19849,104 @@
               <a:buNone/>
             </a:pPr>
             <a:r>
-              <a:rPr lang="zh-CN" altLang="en-US" dirty="0"/>
-              <a:t>工厂模式是最常见的设计模式之一，可帮助我们组织创建对象的代码，通常用于以下两种情况：</a:t>
+              <a:rPr lang="zh-CN" altLang="en-US" b="1" dirty="0">
+                <a:solidFill>
+                  <a:srgbClr val="0070C0"/>
+                </a:solidFill>
+              </a:rPr>
+              <a:t>意图</a:t>
+            </a:r>
+            <a:r>
+              <a:rPr lang="zh-CN" altLang="en-US" dirty="0"/>
+              <a:t>：定义一个创建对象的接口，让其子类自己决定实例化哪一个工厂类，工厂模式使其创建过程延迟到子类进行。</a:t>
             </a:r>
             <a:endParaRPr lang="zh-CN" altLang="en-US" dirty="0"/>
           </a:p>
           <a:p>
-            <a:pPr lvl="1" indent="-457200" eaLnBrk="1" hangingPunct="1">
+            <a:pPr indent="0" eaLnBrk="1" hangingPunct="1">
               <a:lnSpc>
                 <a:spcPct val="150000"/>
               </a:lnSpc>
-              <a:buClr>
-                <a:srgbClr val="0070C0"/>
-              </a:buClr>
-              <a:buSzPct val="80000"/>
-              <a:buFont typeface="+mj-lt"/>
-              <a:buAutoNum type="arabicPeriod"/>
+              <a:buFont typeface="Wingdings" panose="05000000000000000000" pitchFamily="2" charset="2"/>
+              <a:buNone/>
             </a:pPr>
             <a:r>
-              <a:rPr lang="zh-CN" altLang="en-US" dirty="0"/>
-              <a:t>创建复杂的对象，并进行初始化。</a:t>
-            </a:r>
-            <a:endParaRPr lang="en-US" altLang="zh-CN" dirty="0"/>
-          </a:p>
-          <a:p>
-            <a:pPr lvl="1" indent="-457200" eaLnBrk="1" hangingPunct="1">
+              <a:rPr lang="zh-CN" altLang="en-US" b="1" dirty="0">
+                <a:solidFill>
+                  <a:srgbClr val="0070C0"/>
+                </a:solidFill>
+              </a:rPr>
+              <a:t>主要解决</a:t>
+            </a:r>
+            <a:r>
+              <a:rPr lang="zh-CN" altLang="en-US" dirty="0"/>
+              <a:t>：主要解决接口选择的问题。</a:t>
+            </a:r>
+            <a:endParaRPr lang="zh-CN" altLang="en-US" dirty="0"/>
+          </a:p>
+          <a:p>
+            <a:pPr indent="0" eaLnBrk="1" hangingPunct="1">
               <a:lnSpc>
                 <a:spcPct val="150000"/>
               </a:lnSpc>
-              <a:buClr>
-                <a:srgbClr val="0070C0"/>
-              </a:buClr>
-              <a:buSzPct val="80000"/>
-              <a:buFont typeface="+mj-lt"/>
-              <a:buAutoNum type="arabicPeriod"/>
+              <a:buFont typeface="Wingdings" panose="05000000000000000000" pitchFamily="2" charset="2"/>
+              <a:buNone/>
             </a:pPr>
             <a:r>
-              <a:rPr lang="zh-CN" altLang="en-US" dirty="0"/>
-              <a:t>根据不同的环境（输入参数），创建不同用途的对象。一般这些对象都是实现了相同的接口或继承于同一基类。</a:t>
+              <a:rPr lang="zh-CN" altLang="en-US" b="1" dirty="0">
+                <a:solidFill>
+                  <a:srgbClr val="0070C0"/>
+                </a:solidFill>
+              </a:rPr>
+              <a:t>何时使用</a:t>
+            </a:r>
+            <a:r>
+              <a:rPr lang="zh-CN" altLang="en-US" dirty="0"/>
+              <a:t>：我们明确地计划不同条件下创建不同实例时。</a:t>
+            </a:r>
+            <a:endParaRPr lang="zh-CN" altLang="en-US" dirty="0"/>
+          </a:p>
+          <a:p>
+            <a:pPr indent="0" eaLnBrk="1" hangingPunct="1">
+              <a:lnSpc>
+                <a:spcPct val="150000"/>
+              </a:lnSpc>
+              <a:buFont typeface="Wingdings" panose="05000000000000000000" pitchFamily="2" charset="2"/>
+              <a:buNone/>
+            </a:pPr>
+            <a:r>
+              <a:rPr lang="zh-CN" altLang="en-US" b="1" dirty="0">
+                <a:solidFill>
+                  <a:srgbClr val="0070C0"/>
+                </a:solidFill>
+              </a:rPr>
+              <a:t>如何解决</a:t>
+            </a:r>
+            <a:r>
+              <a:rPr lang="zh-CN" altLang="en-US" dirty="0"/>
+              <a:t>：让其子类实现工厂接口，返回的也是一个抽象的产品。</a:t>
+            </a:r>
+            <a:endParaRPr lang="zh-CN" altLang="en-US" dirty="0"/>
+          </a:p>
+          <a:p>
+            <a:pPr indent="0" eaLnBrk="1" hangingPunct="1">
+              <a:lnSpc>
+                <a:spcPct val="150000"/>
+              </a:lnSpc>
+              <a:buFont typeface="Wingdings" panose="05000000000000000000" pitchFamily="2" charset="2"/>
+              <a:buNone/>
+            </a:pPr>
+            <a:r>
+              <a:rPr lang="zh-CN" altLang="en-US" b="1" dirty="0">
+                <a:solidFill>
+                  <a:srgbClr val="0070C0"/>
+                </a:solidFill>
+              </a:rPr>
+              <a:t>关键代码</a:t>
+            </a:r>
+            <a:r>
+              <a:rPr lang="zh-CN" altLang="en-US" dirty="0"/>
+              <a:t>：创建过程在其子类执行。</a:t>
             </a:r>
             <a:endParaRPr lang="zh-CN" altLang="en-US" dirty="0"/>
           </a:p>
@@ -19773,7 +20001,7 @@
         </p:spPr>
         <p:txBody>
           <a:bodyPr vert="horz" wrap="square" lIns="68580" tIns="34290" rIns="68580" bIns="34290" rtlCol="0" anchor="ctr">
-            <a:normAutofit fontScale="85000" lnSpcReduction="10000"/>
+            <a:normAutofit/>
           </a:bodyPr>
           <a:lstStyle>
             <a:lvl1pPr defTabSz="914400">
@@ -19800,11 +20028,11 @@
           <a:p>
             <a:r>
               <a:rPr lang="zh-CN" altLang="en-US" dirty="0"/>
-              <a:t>抽象工厂模式</a:t>
+              <a:t>工厂模式</a:t>
             </a:r>
             <a:r>
               <a:rPr lang="en-US" altLang="zh-CN" dirty="0"/>
-              <a:t>(The Abstract Factory Pattern)</a:t>
+              <a:t>(The Factory Pattern)</a:t>
             </a:r>
             <a:endParaRPr lang="en-US" altLang="zh-CN" dirty="0"/>
           </a:p>
@@ -19819,7 +20047,7 @@
         <p:spPr>
           <a:xfrm>
             <a:off x="566431" y="2057436"/>
-            <a:ext cx="8334776" cy="4458849"/>
+            <a:ext cx="8334776" cy="3969385"/>
           </a:xfrm>
           <a:prstGeom prst="rect">
             <a:avLst/>
@@ -19832,7 +20060,7 @@
           </a:bodyPr>
           <a:lstStyle/>
           <a:p>
-            <a:pPr indent="628650" eaLnBrk="1" hangingPunct="1">
+            <a:pPr indent="0" eaLnBrk="1" hangingPunct="1">
               <a:lnSpc>
                 <a:spcPct val="150000"/>
               </a:lnSpc>
@@ -19840,93 +20068,63 @@
               <a:buNone/>
             </a:pPr>
             <a:r>
-              <a:rPr lang="zh-CN" altLang="en-US" dirty="0"/>
-              <a:t>在介绍</a:t>
-            </a:r>
-            <a:r>
-              <a:rPr lang="en-US" altLang="zh-CN" dirty="0"/>
-              <a:t>Abstract Factory</a:t>
-            </a:r>
-            <a:r>
-              <a:rPr lang="zh-CN" altLang="en-US" dirty="0"/>
-              <a:t>之前，先回顾下</a:t>
-            </a:r>
-            <a:r>
-              <a:rPr lang="en-US" altLang="zh-CN" dirty="0"/>
-              <a:t>Factory</a:t>
-            </a:r>
-            <a:r>
-              <a:rPr lang="zh-CN" altLang="en-US" dirty="0"/>
-              <a:t>模式的</a:t>
-            </a:r>
-            <a:r>
-              <a:rPr lang="en-US" altLang="zh-CN" dirty="0"/>
-              <a:t>JDBC</a:t>
-            </a:r>
-            <a:r>
-              <a:rPr lang="zh-CN" altLang="en-US" dirty="0"/>
-              <a:t>应用。由于很多系统需要访问不同的数据库，故在得到</a:t>
-            </a:r>
-            <a:r>
-              <a:rPr lang="en-US" altLang="zh-CN" dirty="0"/>
-              <a:t>Connection</a:t>
-            </a:r>
-            <a:r>
-              <a:rPr lang="zh-CN" altLang="en-US" dirty="0"/>
-              <a:t>之前要获取不同的</a:t>
-            </a:r>
-            <a:r>
-              <a:rPr lang="en-US" altLang="zh-CN" dirty="0" err="1"/>
-              <a:t>DataSource</a:t>
-            </a:r>
-            <a:r>
-              <a:rPr lang="zh-CN" altLang="en-US" dirty="0"/>
-              <a:t>。于是我们又遇到了</a:t>
-            </a:r>
-            <a:r>
-              <a:rPr lang="en-US" altLang="zh-CN" dirty="0"/>
-              <a:t>Factory</a:t>
-            </a:r>
-            <a:r>
-              <a:rPr lang="zh-CN" altLang="en-US" dirty="0"/>
-              <a:t>模式所要解决的问题：创建一个</a:t>
-            </a:r>
-            <a:r>
-              <a:rPr lang="en-US" altLang="zh-CN" dirty="0"/>
-              <a:t>Factory</a:t>
-            </a:r>
-            <a:r>
-              <a:rPr lang="zh-CN" altLang="en-US" dirty="0"/>
-              <a:t>来获取不同的</a:t>
-            </a:r>
-            <a:r>
-              <a:rPr lang="en-US" altLang="zh-CN" dirty="0" err="1"/>
-              <a:t>DataSource</a:t>
-            </a:r>
-            <a:r>
-              <a:rPr lang="zh-CN" altLang="en-US" dirty="0"/>
-              <a:t>。而</a:t>
-            </a:r>
-            <a:r>
-              <a:rPr lang="en-US" altLang="zh-CN" dirty="0" err="1"/>
-              <a:t>DataSource</a:t>
-            </a:r>
-            <a:r>
-              <a:rPr lang="zh-CN" altLang="en-US" dirty="0"/>
-              <a:t>本身又是一个</a:t>
-            </a:r>
-            <a:r>
-              <a:rPr lang="en-US" altLang="zh-CN" dirty="0"/>
-              <a:t>Factory</a:t>
-            </a:r>
-            <a:r>
-              <a:rPr lang="zh-CN" altLang="en-US" dirty="0"/>
-              <a:t>。</a:t>
+              <a:rPr lang="zh-CN" altLang="en-US" b="1" dirty="0">
+                <a:solidFill>
+                  <a:srgbClr val="0070C0"/>
+                </a:solidFill>
+              </a:rPr>
+              <a:t>优点</a:t>
+            </a:r>
+            <a:r>
+              <a:rPr lang="zh-CN" altLang="en-US" dirty="0"/>
+              <a:t> </a:t>
             </a:r>
             <a:endParaRPr lang="zh-CN" altLang="en-US" dirty="0"/>
           </a:p>
           <a:p>
-            <a:pPr indent="628650" eaLnBrk="1" hangingPunct="1">
+            <a:pPr marL="457200" indent="-457200" eaLnBrk="1" hangingPunct="1">
+              <a:lnSpc>
+                <a:spcPct val="150000"/>
+              </a:lnSpc>
+              <a:buFont typeface="Wingdings" panose="05000000000000000000" pitchFamily="2" charset="2"/>
+              <a:buAutoNum type="arabicPeriod"/>
+            </a:pPr>
+            <a:r>
+              <a:rPr lang="zh-CN" altLang="en-US" sz="2000" dirty="0"/>
+              <a:t>一个调用者想创建一个对象，只要知道其名称就可以了。 </a:t>
+            </a:r>
+            <a:endParaRPr lang="zh-CN" altLang="en-US" sz="2000" dirty="0"/>
+          </a:p>
+          <a:p>
+            <a:pPr marL="457200" indent="-457200" eaLnBrk="1" hangingPunct="1">
+              <a:lnSpc>
+                <a:spcPct val="150000"/>
+              </a:lnSpc>
+              <a:buFont typeface="Wingdings" panose="05000000000000000000" pitchFamily="2" charset="2"/>
+              <a:buAutoNum type="arabicPeriod"/>
+            </a:pPr>
+            <a:r>
+              <a:rPr lang="zh-CN" altLang="en-US" sz="2000" dirty="0"/>
+              <a:t>扩展性高，如果想增加一个产品，只要扩展一个工厂类就可以。 </a:t>
+            </a:r>
+            <a:endParaRPr lang="zh-CN" altLang="en-US" sz="2000" dirty="0"/>
+          </a:p>
+          <a:p>
+            <a:pPr marL="457200" indent="-457200" eaLnBrk="1" hangingPunct="1">
+              <a:lnSpc>
+                <a:spcPct val="150000"/>
+              </a:lnSpc>
+              <a:buFont typeface="Wingdings" panose="05000000000000000000" pitchFamily="2" charset="2"/>
+              <a:buAutoNum type="arabicPeriod"/>
+            </a:pPr>
+            <a:r>
+              <a:rPr lang="zh-CN" altLang="en-US" sz="2000" dirty="0"/>
+              <a:t>屏蔽产品的具体实现，调用者只关心产品的接口。</a:t>
+            </a:r>
+            <a:endParaRPr lang="zh-CN" altLang="en-US" dirty="0"/>
+          </a:p>
+          <a:p>
+            <a:pPr indent="0" eaLnBrk="1" hangingPunct="1">
               <a:lnSpc>
                 <a:spcPct val="150000"/>
               </a:lnSpc>
@@ -19934,54 +20132,32 @@
               <a:buNone/>
             </a:pPr>
             <a:r>
-              <a:rPr lang="zh-CN" altLang="en-US"/>
-              <a:t>由</a:t>
-            </a:r>
-            <a:r>
-              <a:rPr lang="zh-CN" altLang="en-US" dirty="0"/>
-              <a:t>上述我们不难引出</a:t>
-            </a:r>
-            <a:r>
-              <a:rPr lang="en-US" altLang="zh-CN" dirty="0"/>
-              <a:t>Abstract Factory</a:t>
-            </a:r>
-            <a:r>
-              <a:rPr lang="zh-CN" altLang="en-US" dirty="0"/>
-              <a:t>的定义，就是用于创建</a:t>
-            </a:r>
-            <a:r>
-              <a:rPr lang="en-US" altLang="zh-CN" dirty="0"/>
-              <a:t>Factory</a:t>
-            </a:r>
-            <a:r>
-              <a:rPr lang="zh-CN" altLang="en-US" dirty="0"/>
-              <a:t>的</a:t>
-            </a:r>
-            <a:r>
-              <a:rPr lang="en-US" altLang="zh-CN" dirty="0"/>
-              <a:t>Factory</a:t>
-            </a:r>
-            <a:r>
-              <a:rPr lang="zh-CN" altLang="en-US" dirty="0"/>
-              <a:t>。其设计思想和</a:t>
-            </a:r>
-            <a:r>
-              <a:rPr lang="en-US" altLang="zh-CN" dirty="0"/>
-              <a:t>Factory</a:t>
-            </a:r>
-            <a:r>
-              <a:rPr lang="zh-CN" altLang="en-US" dirty="0"/>
-              <a:t>的完全一致，不过是一种特殊的</a:t>
-            </a:r>
-            <a:r>
-              <a:rPr lang="en-US" altLang="zh-CN" dirty="0"/>
-              <a:t>Factory</a:t>
-            </a:r>
-            <a:r>
-              <a:rPr lang="zh-CN" altLang="en-US" dirty="0"/>
-              <a:t>而已。</a:t>
-            </a:r>
-            <a:endParaRPr lang="zh-CN" altLang="en-US" dirty="0"/>
+              <a:rPr lang="zh-CN" altLang="en-US" b="1" dirty="0">
+                <a:solidFill>
+                  <a:srgbClr val="0070C0"/>
+                </a:solidFill>
+              </a:rPr>
+              <a:t>缺点</a:t>
+            </a:r>
+            <a:endParaRPr lang="zh-CN" altLang="en-US" dirty="0">
+              <a:solidFill>
+                <a:srgbClr val="0070C0"/>
+              </a:solidFill>
+            </a:endParaRPr>
+          </a:p>
+          <a:p>
+            <a:pPr marL="457200" indent="-457200" eaLnBrk="1" hangingPunct="1">
+              <a:lnSpc>
+                <a:spcPct val="150000"/>
+              </a:lnSpc>
+              <a:buFont typeface="Wingdings" panose="05000000000000000000" pitchFamily="2" charset="2"/>
+              <a:buAutoNum type="arabicPeriod"/>
+            </a:pPr>
+            <a:r>
+              <a:rPr lang="zh-CN" altLang="en-US" sz="2000" dirty="0"/>
+              <a:t>每次增加一个产品时，都需要增加一个具体类和对象实现工厂，使得系统中类的个数成倍增加，在一定程度上增加了系统的复杂度，同时也增加了系统具体类的依赖。这并不是什么好事。</a:t>
+            </a:r>
+            <a:endParaRPr lang="zh-CN" altLang="en-US" sz="2000" dirty="0"/>
           </a:p>
         </p:txBody>
       </p:sp>
@@ -20015,6 +20191,408 @@
       </p:grpSpPr>
       <p:sp>
         <p:nvSpPr>
+          <p:cNvPr id="8" name="标题 1"/>
+          <p:cNvSpPr txBox="1"/>
+          <p:nvPr>
+            <p:custDataLst>
+              <p:tags r:id="rId1"/>
+            </p:custDataLst>
+          </p:nvPr>
+        </p:nvSpPr>
+        <p:spPr>
+          <a:xfrm>
+            <a:off x="571608" y="661194"/>
+            <a:ext cx="7886700" cy="994172"/>
+          </a:xfrm>
+          <a:prstGeom prst="rect">
+            <a:avLst/>
+          </a:prstGeom>
+        </p:spPr>
+        <p:txBody>
+          <a:bodyPr vert="horz" wrap="square" lIns="68580" tIns="34290" rIns="68580" bIns="34290" rtlCol="0" anchor="ctr">
+            <a:normAutofit/>
+          </a:bodyPr>
+          <a:lstStyle>
+            <a:lvl1pPr defTabSz="914400">
+              <a:lnSpc>
+                <a:spcPct val="120000"/>
+              </a:lnSpc>
+              <a:spcBef>
+                <a:spcPct val="0"/>
+              </a:spcBef>
+              <a:buNone/>
+              <a:defRPr sz="3600">
+                <a:solidFill>
+                  <a:schemeClr val="tx1">
+                    <a:lumMod val="75000"/>
+                    <a:lumOff val="25000"/>
+                  </a:schemeClr>
+                </a:solidFill>
+                <a:latin typeface="+mj-lt"/>
+                <a:ea typeface="+mj-ea"/>
+                <a:cs typeface="+mj-cs"/>
+              </a:defRPr>
+            </a:lvl1pPr>
+          </a:lstStyle>
+          <a:p>
+            <a:r>
+              <a:rPr lang="zh-CN" altLang="en-US" dirty="0"/>
+              <a:t>工厂模式</a:t>
+            </a:r>
+            <a:r>
+              <a:rPr lang="en-US" altLang="zh-CN" dirty="0"/>
+              <a:t>(The Factory Pattern)</a:t>
+            </a:r>
+            <a:endParaRPr lang="en-US" altLang="zh-CN" dirty="0"/>
+          </a:p>
+        </p:txBody>
+      </p:sp>
+      <p:sp>
+        <p:nvSpPr>
+          <p:cNvPr id="3" name="文本框 2"/>
+          <p:cNvSpPr txBox="1"/>
+          <p:nvPr/>
+        </p:nvSpPr>
+        <p:spPr>
+          <a:xfrm>
+            <a:off x="566431" y="2057436"/>
+            <a:ext cx="8334776" cy="3415030"/>
+          </a:xfrm>
+          <a:prstGeom prst="rect">
+            <a:avLst/>
+          </a:prstGeom>
+          <a:noFill/>
+        </p:spPr>
+        <p:txBody>
+          <a:bodyPr wrap="square" rtlCol="0">
+            <a:spAutoFit/>
+          </a:bodyPr>
+          <a:lstStyle/>
+          <a:p>
+            <a:pPr indent="0" eaLnBrk="1" hangingPunct="1">
+              <a:lnSpc>
+                <a:spcPct val="150000"/>
+              </a:lnSpc>
+              <a:buFont typeface="Wingdings" panose="05000000000000000000" pitchFamily="2" charset="2"/>
+              <a:buNone/>
+            </a:pPr>
+            <a:r>
+              <a:rPr lang="zh-CN" altLang="en-US" b="1" dirty="0">
+                <a:solidFill>
+                  <a:srgbClr val="0070C0"/>
+                </a:solidFill>
+              </a:rPr>
+              <a:t>注意事项</a:t>
+            </a:r>
+            <a:endParaRPr lang="zh-CN" altLang="en-US" dirty="0"/>
+          </a:p>
+          <a:p>
+            <a:pPr indent="0" eaLnBrk="1" hangingPunct="1">
+              <a:lnSpc>
+                <a:spcPct val="150000"/>
+              </a:lnSpc>
+              <a:buFont typeface="Wingdings" panose="05000000000000000000" pitchFamily="2" charset="2"/>
+              <a:buNone/>
+            </a:pPr>
+            <a:r>
+              <a:rPr lang="zh-CN" altLang="en-US" dirty="0"/>
+              <a:t>作为一种创建类模式，在任何需要生成复杂对象的地方，都可以使用工厂方法模式。有一点需要注意的地方就是复杂对象适合使用工厂模式，而简单对象，特别是只需要通过 new 就可以完成创建的对象，无需使用工厂模式。如果使用工厂模式，就需要引入一个工厂类，会增加系统的复杂度。</a:t>
+            </a:r>
+            <a:endParaRPr lang="zh-CN" altLang="en-US" dirty="0"/>
+          </a:p>
+        </p:txBody>
+      </p:sp>
+    </p:spTree>
+    <p:custDataLst>
+      <p:tags r:id="rId2"/>
+    </p:custDataLst>
+  </p:cSld>
+  <p:clrMapOvr>
+    <a:masterClrMapping/>
+  </p:clrMapOvr>
+</p:sld>
+</file>
+
+<file path=ppt/slides/slide46.xml><?xml version="1.0" encoding="utf-8"?>
+<p:sld xmlns:a="http://schemas.openxmlformats.org/drawingml/2006/main" xmlns:r="http://schemas.openxmlformats.org/officeDocument/2006/relationships" xmlns:p="http://schemas.openxmlformats.org/presentationml/2006/main">
+  <p:cSld>
+    <p:spTree>
+      <p:nvGrpSpPr>
+        <p:cNvPr id="1" name=""/>
+        <p:cNvGrpSpPr/>
+        <p:nvPr/>
+      </p:nvGrpSpPr>
+      <p:grpSpPr>
+        <a:xfrm>
+          <a:off x="0" y="0"/>
+          <a:ext cx="0" cy="0"/>
+          <a:chOff x="0" y="0"/>
+          <a:chExt cx="0" cy="0"/>
+        </a:xfrm>
+      </p:grpSpPr>
+      <p:sp>
+        <p:nvSpPr>
+          <p:cNvPr id="8" name="标题 1"/>
+          <p:cNvSpPr txBox="1"/>
+          <p:nvPr>
+            <p:custDataLst>
+              <p:tags r:id="rId1"/>
+            </p:custDataLst>
+          </p:nvPr>
+        </p:nvSpPr>
+        <p:spPr>
+          <a:xfrm>
+            <a:off x="571608" y="661194"/>
+            <a:ext cx="7886700" cy="994172"/>
+          </a:xfrm>
+          <a:prstGeom prst="rect">
+            <a:avLst/>
+          </a:prstGeom>
+        </p:spPr>
+        <p:txBody>
+          <a:bodyPr vert="horz" wrap="square" lIns="68580" tIns="34290" rIns="68580" bIns="34290" rtlCol="0" anchor="ctr">
+            <a:normAutofit fontScale="85000" lnSpcReduction="10000"/>
+          </a:bodyPr>
+          <a:lstStyle>
+            <a:lvl1pPr defTabSz="914400">
+              <a:lnSpc>
+                <a:spcPct val="120000"/>
+              </a:lnSpc>
+              <a:spcBef>
+                <a:spcPct val="0"/>
+              </a:spcBef>
+              <a:buNone/>
+              <a:defRPr sz="3600">
+                <a:solidFill>
+                  <a:schemeClr val="tx1">
+                    <a:lumMod val="75000"/>
+                    <a:lumOff val="25000"/>
+                  </a:schemeClr>
+                </a:solidFill>
+                <a:latin typeface="+mj-lt"/>
+                <a:ea typeface="+mj-ea"/>
+                <a:cs typeface="+mj-cs"/>
+              </a:defRPr>
+            </a:lvl1pPr>
+          </a:lstStyle>
+          <a:p>
+            <a:r>
+              <a:rPr lang="zh-CN" altLang="en-US" dirty="0"/>
+              <a:t>抽象工厂模式</a:t>
+            </a:r>
+            <a:r>
+              <a:rPr lang="en-US" altLang="zh-CN" dirty="0"/>
+              <a:t>(The Abstract Factory Pattern)</a:t>
+            </a:r>
+            <a:endParaRPr lang="en-US" altLang="zh-CN" dirty="0"/>
+          </a:p>
+        </p:txBody>
+      </p:sp>
+      <p:sp>
+        <p:nvSpPr>
+          <p:cNvPr id="3" name="文本框 2"/>
+          <p:cNvSpPr txBox="1"/>
+          <p:nvPr/>
+        </p:nvSpPr>
+        <p:spPr>
+          <a:xfrm>
+            <a:off x="566431" y="2057436"/>
+            <a:ext cx="8334776" cy="4458849"/>
+          </a:xfrm>
+          <a:prstGeom prst="rect">
+            <a:avLst/>
+          </a:prstGeom>
+          <a:noFill/>
+        </p:spPr>
+        <p:txBody>
+          <a:bodyPr wrap="square" rtlCol="0">
+            <a:spAutoFit/>
+          </a:bodyPr>
+          <a:lstStyle/>
+          <a:p>
+            <a:pPr indent="628650" eaLnBrk="1" hangingPunct="1">
+              <a:lnSpc>
+                <a:spcPct val="150000"/>
+              </a:lnSpc>
+              <a:buFont typeface="Wingdings" panose="05000000000000000000" pitchFamily="2" charset="2"/>
+              <a:buNone/>
+            </a:pPr>
+            <a:r>
+              <a:rPr lang="zh-CN" altLang="en-US" dirty="0"/>
+              <a:t>在介绍</a:t>
+            </a:r>
+            <a:r>
+              <a:rPr lang="en-US" altLang="zh-CN" dirty="0"/>
+              <a:t>Abstract Factory</a:t>
+            </a:r>
+            <a:r>
+              <a:rPr lang="zh-CN" altLang="en-US" dirty="0"/>
+              <a:t>之前，先回顾下</a:t>
+            </a:r>
+            <a:r>
+              <a:rPr lang="en-US" altLang="zh-CN" dirty="0"/>
+              <a:t>Factory</a:t>
+            </a:r>
+            <a:r>
+              <a:rPr lang="zh-CN" altLang="en-US" dirty="0"/>
+              <a:t>模式的</a:t>
+            </a:r>
+            <a:r>
+              <a:rPr lang="en-US" altLang="zh-CN" dirty="0"/>
+              <a:t>JDBC</a:t>
+            </a:r>
+            <a:r>
+              <a:rPr lang="zh-CN" altLang="en-US" dirty="0"/>
+              <a:t>应用。由于很多系统需要访问不同的数据库，故在得到</a:t>
+            </a:r>
+            <a:r>
+              <a:rPr lang="en-US" altLang="zh-CN" dirty="0"/>
+              <a:t>Connection</a:t>
+            </a:r>
+            <a:r>
+              <a:rPr lang="zh-CN" altLang="en-US" dirty="0"/>
+              <a:t>之前要获取不同的</a:t>
+            </a:r>
+            <a:r>
+              <a:rPr lang="en-US" altLang="zh-CN" dirty="0" err="1"/>
+              <a:t>DataSource</a:t>
+            </a:r>
+            <a:r>
+              <a:rPr lang="zh-CN" altLang="en-US" dirty="0"/>
+              <a:t>。于是我们又遇到了</a:t>
+            </a:r>
+            <a:r>
+              <a:rPr lang="en-US" altLang="zh-CN" dirty="0"/>
+              <a:t>Factory</a:t>
+            </a:r>
+            <a:r>
+              <a:rPr lang="zh-CN" altLang="en-US" dirty="0"/>
+              <a:t>模式所要解决的问题：创建一个</a:t>
+            </a:r>
+            <a:r>
+              <a:rPr lang="en-US" altLang="zh-CN" dirty="0"/>
+              <a:t>Factory</a:t>
+            </a:r>
+            <a:r>
+              <a:rPr lang="zh-CN" altLang="en-US" dirty="0"/>
+              <a:t>来获取不同的</a:t>
+            </a:r>
+            <a:r>
+              <a:rPr lang="en-US" altLang="zh-CN" dirty="0" err="1"/>
+              <a:t>DataSource</a:t>
+            </a:r>
+            <a:r>
+              <a:rPr lang="zh-CN" altLang="en-US" dirty="0"/>
+              <a:t>。而</a:t>
+            </a:r>
+            <a:r>
+              <a:rPr lang="en-US" altLang="zh-CN" dirty="0" err="1"/>
+              <a:t>DataSource</a:t>
+            </a:r>
+            <a:r>
+              <a:rPr lang="zh-CN" altLang="en-US" dirty="0"/>
+              <a:t>本身又是一个</a:t>
+            </a:r>
+            <a:r>
+              <a:rPr lang="en-US" altLang="zh-CN" dirty="0"/>
+              <a:t>Factory</a:t>
+            </a:r>
+            <a:r>
+              <a:rPr lang="zh-CN" altLang="en-US" dirty="0"/>
+              <a:t>。</a:t>
+            </a:r>
+            <a:endParaRPr lang="zh-CN" altLang="en-US" dirty="0"/>
+          </a:p>
+          <a:p>
+            <a:pPr indent="628650" eaLnBrk="1" hangingPunct="1">
+              <a:lnSpc>
+                <a:spcPct val="150000"/>
+              </a:lnSpc>
+              <a:buFont typeface="Wingdings" panose="05000000000000000000" pitchFamily="2" charset="2"/>
+              <a:buNone/>
+            </a:pPr>
+            <a:r>
+              <a:rPr lang="zh-CN" altLang="en-US"/>
+              <a:t>由</a:t>
+            </a:r>
+            <a:r>
+              <a:rPr lang="zh-CN" altLang="en-US" dirty="0"/>
+              <a:t>上述我们不难引出</a:t>
+            </a:r>
+            <a:r>
+              <a:rPr lang="en-US" altLang="zh-CN" dirty="0"/>
+              <a:t>Abstract Factory</a:t>
+            </a:r>
+            <a:r>
+              <a:rPr lang="zh-CN" altLang="en-US" dirty="0"/>
+              <a:t>的定义，就是用于创建</a:t>
+            </a:r>
+            <a:r>
+              <a:rPr lang="en-US" altLang="zh-CN" dirty="0"/>
+              <a:t>Factory</a:t>
+            </a:r>
+            <a:r>
+              <a:rPr lang="zh-CN" altLang="en-US" dirty="0"/>
+              <a:t>的</a:t>
+            </a:r>
+            <a:r>
+              <a:rPr lang="en-US" altLang="zh-CN" dirty="0"/>
+              <a:t>Factory</a:t>
+            </a:r>
+            <a:r>
+              <a:rPr lang="zh-CN" altLang="en-US" dirty="0"/>
+              <a:t>。其设计思想和</a:t>
+            </a:r>
+            <a:r>
+              <a:rPr lang="en-US" altLang="zh-CN" dirty="0"/>
+              <a:t>Factory</a:t>
+            </a:r>
+            <a:r>
+              <a:rPr lang="zh-CN" altLang="en-US" dirty="0"/>
+              <a:t>的完全一致，不过是一种特殊的</a:t>
+            </a:r>
+            <a:r>
+              <a:rPr lang="en-US" altLang="zh-CN" dirty="0"/>
+              <a:t>Factory</a:t>
+            </a:r>
+            <a:r>
+              <a:rPr lang="zh-CN" altLang="en-US" dirty="0"/>
+              <a:t>而已。</a:t>
+            </a:r>
+            <a:endParaRPr lang="zh-CN" altLang="en-US" dirty="0"/>
+          </a:p>
+        </p:txBody>
+      </p:sp>
+    </p:spTree>
+    <p:custDataLst>
+      <p:tags r:id="rId2"/>
+    </p:custDataLst>
+  </p:cSld>
+  <p:clrMapOvr>
+    <a:masterClrMapping/>
+  </p:clrMapOvr>
+</p:sld>
+</file>
+
+<file path=ppt/slides/slide47.xml><?xml version="1.0" encoding="utf-8"?>
+<p:sld xmlns:a="http://schemas.openxmlformats.org/drawingml/2006/main" xmlns:r="http://schemas.openxmlformats.org/officeDocument/2006/relationships" xmlns:p="http://schemas.openxmlformats.org/presentationml/2006/main">
+  <p:cSld>
+    <p:spTree>
+      <p:nvGrpSpPr>
+        <p:cNvPr id="1" name=""/>
+        <p:cNvGrpSpPr/>
+        <p:nvPr/>
+      </p:nvGrpSpPr>
+      <p:grpSpPr>
+        <a:xfrm>
+          <a:off x="0" y="0"/>
+          <a:ext cx="0" cy="0"/>
+          <a:chOff x="0" y="0"/>
+          <a:chExt cx="0" cy="0"/>
+        </a:xfrm>
+      </p:grpSpPr>
+      <p:sp>
+        <p:nvSpPr>
           <p:cNvPr id="84993" name="Rectangle 4"/>
           <p:cNvSpPr>
             <a:spLocks noGrp="1" noChangeArrowheads="1"/>
@@ -20102,7 +20680,7 @@
 </p:sld>
 </file>
 
-<file path=ppt/slides/slide46.xml><?xml version="1.0" encoding="utf-8"?>
+<file path=ppt/slides/slide48.xml><?xml version="1.0" encoding="utf-8"?>
 <p:sld xmlns:a="http://schemas.openxmlformats.org/drawingml/2006/main" xmlns:r="http://schemas.openxmlformats.org/officeDocument/2006/relationships" xmlns:p="http://schemas.openxmlformats.org/presentationml/2006/main">
   <p:cSld>
     <p:spTree>
@@ -21194,10 +21772,88 @@
 <p:tagLst xmlns:p="http://schemas.openxmlformats.org/presentationml/2006/main">
   <p:tag name="KSO_WM_TEMPLATE_CATEGORY" val="custom"/>
   <p:tag name="KSO_WM_TEMPLATE_INDEX" val="20186830"/>
+  <p:tag name="KSO_WM_TAG_VERSION" val="1.0"/>
+  <p:tag name="KSO_WM_BEAUTIFY_FLAG" val="#wm#"/>
+  <p:tag name="KSO_WM_UNIT_TYPE" val="a"/>
+  <p:tag name="KSO_WM_UNIT_INDEX" val="1"/>
+  <p:tag name="KSO_WM_UNIT_ID" val="custom20186830_7*a*1"/>
+  <p:tag name="KSO_WM_UNIT_LAYERLEVEL" val="1"/>
+  <p:tag name="KSO_WM_UNIT_VALUE" val="19"/>
+  <p:tag name="KSO_WM_UNIT_ISCONTENTSTITLE" val="0"/>
+  <p:tag name="KSO_WM_UNIT_HIGHLIGHT" val="0"/>
+  <p:tag name="KSO_WM_UNIT_COMPATIBLE" val="0"/>
+  <p:tag name="KSO_WM_UNIT_CLEAR" val="0"/>
+  <p:tag name="KSO_WM_UNIT_PRESET_TEXT_INDEX" val="3"/>
+  <p:tag name="KSO_WM_UNIT_PRESET_TEXT_LEN" val="17"/>
 </p:tagLst>
 </file>
 
 <file path=ppt/tags/tag102.xml><?xml version="1.0" encoding="utf-8"?>
+<p:tagLst xmlns:p="http://schemas.openxmlformats.org/presentationml/2006/main">
+  <p:tag name="KSO_WM_TEMPLATE_CATEGORY" val="custom"/>
+  <p:tag name="KSO_WM_TEMPLATE_INDEX" val="20186830"/>
+  <p:tag name="KSO_WM_TAG_VERSION" val="1.0"/>
+  <p:tag name="KSO_WM_SLIDE_ID" val="custom20186830_7"/>
+  <p:tag name="KSO_WM_SLIDE_INDEX" val="7"/>
+  <p:tag name="KSO_WM_SLIDE_ITEM_CNT" val="1"/>
+  <p:tag name="KSO_WM_SLIDE_LAYOUT" val="a_l"/>
+  <p:tag name="KSO_WM_SLIDE_LAYOUT_CNT" val="1_1"/>
+  <p:tag name="KSO_WM_SLIDE_TYPE" val="text"/>
+  <p:tag name="KSO_WM_BEAUTIFY_FLAG" val="#wm#"/>
+  <p:tag name="KSO_WM_SLIDE_POSITION" val="25*85"/>
+  <p:tag name="KSO_WM_SLIDE_SIZE" val="452*279"/>
+  <p:tag name="KSO_WM_DIAGRAM_GROUP_CODE" val="l1-1"/>
+  <p:tag name="KSO_WM_SLIDE_SUBTYPE" val="diag"/>
+</p:tagLst>
+</file>
+
+<file path=ppt/tags/tag103.xml><?xml version="1.0" encoding="utf-8"?>
+<p:tagLst xmlns:p="http://schemas.openxmlformats.org/presentationml/2006/main">
+  <p:tag name="KSO_WM_TEMPLATE_CATEGORY" val="custom"/>
+  <p:tag name="KSO_WM_TEMPLATE_INDEX" val="20186830"/>
+  <p:tag name="KSO_WM_TAG_VERSION" val="1.0"/>
+  <p:tag name="KSO_WM_BEAUTIFY_FLAG" val="#wm#"/>
+  <p:tag name="KSO_WM_UNIT_TYPE" val="a"/>
+  <p:tag name="KSO_WM_UNIT_INDEX" val="1"/>
+  <p:tag name="KSO_WM_UNIT_ID" val="custom20186830_7*a*1"/>
+  <p:tag name="KSO_WM_UNIT_LAYERLEVEL" val="1"/>
+  <p:tag name="KSO_WM_UNIT_VALUE" val="19"/>
+  <p:tag name="KSO_WM_UNIT_ISCONTENTSTITLE" val="0"/>
+  <p:tag name="KSO_WM_UNIT_HIGHLIGHT" val="0"/>
+  <p:tag name="KSO_WM_UNIT_COMPATIBLE" val="0"/>
+  <p:tag name="KSO_WM_UNIT_CLEAR" val="0"/>
+  <p:tag name="KSO_WM_UNIT_PRESET_TEXT_INDEX" val="3"/>
+  <p:tag name="KSO_WM_UNIT_PRESET_TEXT_LEN" val="17"/>
+</p:tagLst>
+</file>
+
+<file path=ppt/tags/tag104.xml><?xml version="1.0" encoding="utf-8"?>
+<p:tagLst xmlns:p="http://schemas.openxmlformats.org/presentationml/2006/main">
+  <p:tag name="KSO_WM_TEMPLATE_CATEGORY" val="custom"/>
+  <p:tag name="KSO_WM_TEMPLATE_INDEX" val="20186830"/>
+  <p:tag name="KSO_WM_TAG_VERSION" val="1.0"/>
+  <p:tag name="KSO_WM_SLIDE_ID" val="custom20186830_7"/>
+  <p:tag name="KSO_WM_SLIDE_INDEX" val="7"/>
+  <p:tag name="KSO_WM_SLIDE_ITEM_CNT" val="1"/>
+  <p:tag name="KSO_WM_SLIDE_LAYOUT" val="a_l"/>
+  <p:tag name="KSO_WM_SLIDE_LAYOUT_CNT" val="1_1"/>
+  <p:tag name="KSO_WM_SLIDE_TYPE" val="text"/>
+  <p:tag name="KSO_WM_BEAUTIFY_FLAG" val="#wm#"/>
+  <p:tag name="KSO_WM_SLIDE_POSITION" val="25*85"/>
+  <p:tag name="KSO_WM_SLIDE_SIZE" val="452*279"/>
+  <p:tag name="KSO_WM_DIAGRAM_GROUP_CODE" val="l1-1"/>
+  <p:tag name="KSO_WM_SLIDE_SUBTYPE" val="diag"/>
+</p:tagLst>
+</file>
+
+<file path=ppt/tags/tag105.xml><?xml version="1.0" encoding="utf-8"?>
+<p:tagLst xmlns:p="http://schemas.openxmlformats.org/presentationml/2006/main">
+  <p:tag name="KSO_WM_TEMPLATE_CATEGORY" val="custom"/>
+  <p:tag name="KSO_WM_TEMPLATE_INDEX" val="20186830"/>
+</p:tagLst>
+</file>
+
+<file path=ppt/tags/tag106.xml><?xml version="1.0" encoding="utf-8"?>
 <p:tagLst xmlns:p="http://schemas.openxmlformats.org/presentationml/2006/main">
   <p:tag name="KSO_WM_BEAUTIFY_FLAG" val="#wm#"/>
   <p:tag name="KSO_WM_TEMPLATE_CATEGORY" val="custom"/>

--- a/Design pattern/23种设计模式详解.pptx
+++ b/Design pattern/23种设计模式详解.pptx
@@ -9,7 +9,7 @@
     <p:notesMasterId r:id="rId5"/>
   </p:notesMasterIdLst>
   <p:handoutMasterIdLst>
-    <p:handoutMasterId r:id="rId53"/>
+    <p:handoutMasterId r:id="rId58"/>
   </p:handoutMasterIdLst>
   <p:sldIdLst>
     <p:sldId id="453" r:id="rId4"/>
@@ -56,10 +56,15 @@
     <p:sldId id="589" r:id="rId46"/>
     <p:sldId id="590" r:id="rId47"/>
     <p:sldId id="679" r:id="rId48"/>
-    <p:sldId id="680" r:id="rId49"/>
-    <p:sldId id="592" r:id="rId50"/>
-    <p:sldId id="472" r:id="rId51"/>
-    <p:sldId id="577" r:id="rId52"/>
+    <p:sldId id="684" r:id="rId49"/>
+    <p:sldId id="686" r:id="rId50"/>
+    <p:sldId id="680" r:id="rId51"/>
+    <p:sldId id="685" r:id="rId52"/>
+    <p:sldId id="687" r:id="rId53"/>
+    <p:sldId id="688" r:id="rId54"/>
+    <p:sldId id="592" r:id="rId55"/>
+    <p:sldId id="472" r:id="rId56"/>
+    <p:sldId id="577" r:id="rId57"/>
   </p:sldIdLst>
   <p:sldSz cx="9144000" cy="6858000" type="screen4x3"/>
   <p:notesSz cx="6858000" cy="9144000"/>
@@ -4052,6 +4057,12 @@
           <a:bodyPr/>
           <a:lstStyle/>
           <a:p>
+            <a:r>
+              <a:rPr lang="zh-CN" altLang="en-US" dirty="0">
+                <a:sym typeface="+mn-ea"/>
+              </a:rPr>
+              <a:t>单例模式为什么不能增加接口呢？ 因为接口对单例模式是没有任何意义的， 它要求“自行实例化”， 并且提供单一实例、 接口或抽象类是不可能被实例化的。 当然， 在特殊情况下， 单例模式可以实现接口、 被继承等， 需要在系统开发中根据环境判断。</a:t>
+            </a:r>
             <a:endParaRPr lang="zh-CN" altLang="en-US"/>
           </a:p>
         </p:txBody>
@@ -4135,6 +4146,12 @@
           <a:bodyPr/>
           <a:lstStyle/>
           <a:p>
+            <a:r>
+              <a:rPr lang="zh-CN" altLang="en-US" dirty="0">
+                <a:sym typeface="+mn-ea"/>
+              </a:rPr>
+              <a:t>， 例如一个Web页面上的计数器， 可以不用把每次刷新都记录到数据库中， 使用单例模式保持计数器的值， 并确保是线程安全的</a:t>
+            </a:r>
             <a:endParaRPr lang="zh-CN" altLang="en-US"/>
           </a:p>
         </p:txBody>
@@ -4170,6 +4187,619 @@
 </file>
 
 <file path=ppt/notesSlides/notesSlide39.xml><?xml version="1.0" encoding="utf-8"?>
+<p:notes xmlns:a="http://schemas.openxmlformats.org/drawingml/2006/main" xmlns:r="http://schemas.openxmlformats.org/officeDocument/2006/relationships" xmlns:p="http://schemas.openxmlformats.org/presentationml/2006/main">
+  <p:cSld>
+    <p:spTree>
+      <p:nvGrpSpPr>
+        <p:cNvPr id="1" name=""/>
+        <p:cNvGrpSpPr/>
+        <p:nvPr/>
+      </p:nvGrpSpPr>
+      <p:grpSpPr>
+        <a:xfrm>
+          <a:off x="0" y="0"/>
+          <a:ext cx="0" cy="0"/>
+          <a:chOff x="0" y="0"/>
+          <a:chExt cx="0" cy="0"/>
+        </a:xfrm>
+      </p:grpSpPr>
+      <p:sp>
+        <p:nvSpPr>
+          <p:cNvPr id="2" name="幻灯片图像占位符 1"/>
+          <p:cNvSpPr>
+            <a:spLocks noGrp="1" noRot="1" noChangeAspect="1"/>
+          </p:cNvSpPr>
+          <p:nvPr>
+            <p:ph type="sldImg"/>
+          </p:nvPr>
+        </p:nvSpPr>
+        <p:spPr>
+          <a:xfrm>
+            <a:off x="1371600" y="1143000"/>
+            <a:ext cx="4114800" cy="3086100"/>
+          </a:xfrm>
+        </p:spPr>
+      </p:sp>
+      <p:sp>
+        <p:nvSpPr>
+          <p:cNvPr id="3" name="备注占位符 2"/>
+          <p:cNvSpPr>
+            <a:spLocks noGrp="1"/>
+          </p:cNvSpPr>
+          <p:nvPr>
+            <p:ph type="body" idx="1"/>
+          </p:nvPr>
+        </p:nvSpPr>
+        <p:spPr/>
+        <p:txBody>
+          <a:bodyPr/>
+          <a:lstStyle/>
+          <a:p>
+            <a:endParaRPr lang="zh-CN" altLang="en-US"/>
+          </a:p>
+        </p:txBody>
+      </p:sp>
+      <p:sp>
+        <p:nvSpPr>
+          <p:cNvPr id="4" name="灯片编号占位符 3"/>
+          <p:cNvSpPr>
+            <a:spLocks noGrp="1"/>
+          </p:cNvSpPr>
+          <p:nvPr>
+            <p:ph type="sldNum" sz="quarter" idx="10"/>
+          </p:nvPr>
+        </p:nvSpPr>
+        <p:spPr/>
+        <p:txBody>
+          <a:bodyPr/>
+          <a:lstStyle/>
+          <a:p>
+            <a:fld id="{2ED26FC3-015A-4F86-ACC3-780431FB8E4D}" type="slidenum">
+              <a:rPr lang="zh-CN" altLang="en-US" smtClean="0"/>
+            </a:fld>
+            <a:endParaRPr lang="zh-CN" altLang="en-US"/>
+          </a:p>
+        </p:txBody>
+      </p:sp>
+    </p:spTree>
+  </p:cSld>
+  <p:clrMapOvr>
+    <a:masterClrMapping/>
+  </p:clrMapOvr>
+</p:notes>
+</file>
+
+<file path=ppt/notesSlides/notesSlide4.xml><?xml version="1.0" encoding="utf-8"?>
+<p:notes xmlns:a="http://schemas.openxmlformats.org/drawingml/2006/main" xmlns:r="http://schemas.openxmlformats.org/officeDocument/2006/relationships" xmlns:p="http://schemas.openxmlformats.org/presentationml/2006/main">
+  <p:cSld>
+    <p:spTree>
+      <p:nvGrpSpPr>
+        <p:cNvPr id="1" name=""/>
+        <p:cNvGrpSpPr/>
+        <p:nvPr/>
+      </p:nvGrpSpPr>
+      <p:grpSpPr>
+        <a:xfrm>
+          <a:off x="0" y="0"/>
+          <a:ext cx="0" cy="0"/>
+          <a:chOff x="0" y="0"/>
+          <a:chExt cx="0" cy="0"/>
+        </a:xfrm>
+      </p:grpSpPr>
+      <p:sp>
+        <p:nvSpPr>
+          <p:cNvPr id="2" name="幻灯片图像占位符 1"/>
+          <p:cNvSpPr>
+            <a:spLocks noGrp="1" noRot="1" noChangeAspect="1"/>
+          </p:cNvSpPr>
+          <p:nvPr>
+            <p:ph type="sldImg"/>
+          </p:nvPr>
+        </p:nvSpPr>
+        <p:spPr>
+          <a:xfrm>
+            <a:off x="1371600" y="1143000"/>
+            <a:ext cx="4114800" cy="3086100"/>
+          </a:xfrm>
+        </p:spPr>
+      </p:sp>
+      <p:sp>
+        <p:nvSpPr>
+          <p:cNvPr id="3" name="备注占位符 2"/>
+          <p:cNvSpPr>
+            <a:spLocks noGrp="1"/>
+          </p:cNvSpPr>
+          <p:nvPr>
+            <p:ph type="body" idx="1"/>
+          </p:nvPr>
+        </p:nvSpPr>
+        <p:spPr/>
+        <p:txBody>
+          <a:bodyPr/>
+          <a:lstStyle/>
+          <a:p>
+            <a:pPr eaLnBrk="1" hangingPunct="1"/>
+            <a:r>
+              <a:rPr lang="zh-CN" altLang="en-US" dirty="0"/>
+              <a:t> 虽然在软件设计过程中，能及早采用设计模式，设计出精良的软件是最理想的。但是往往要达到该目的存在困难，我们不可能将每个细节都考虑得尽善尽美才开始动手编码。软件设计本身就是一个跌代渐进的过程，需要不断完善之后才能形成最终的产品（当然，系统的核心以及功能模块的接口是要深思熟虑之后才能动工，不可大意行事）。因此如何不断完善软件设计是我们经常遇到的问题。另一方面，我们设计软件不可能不犯错误，如何将存在缺陷的代码重新构建成质量过关的代码是另一个难题。 </a:t>
+            </a:r>
+            <a:r>
+              <a:rPr lang="en-US" altLang="zh-CN" dirty="0"/>
+              <a:t>Refactor</a:t>
+            </a:r>
+            <a:r>
+              <a:rPr lang="zh-CN" altLang="en-US" dirty="0"/>
+              <a:t>就是为了解决上述问题而提出的。</a:t>
+            </a:r>
+            <a:endParaRPr lang="en-US" altLang="zh-CN" dirty="0"/>
+          </a:p>
+          <a:p>
+            <a:pPr eaLnBrk="1" hangingPunct="1"/>
+            <a:endParaRPr lang="en-US" altLang="zh-CN" dirty="0"/>
+          </a:p>
+          <a:p>
+            <a:pPr eaLnBrk="1" hangingPunct="1"/>
+            <a:r>
+              <a:rPr lang="zh-CN" altLang="en-US" dirty="0"/>
+              <a:t>重构的前提是设计模式和测试驱动（结合实践经验简要介绍，测试驱动并非只是为了检验软件的功能，更重要的在于重构和加速软件开发）</a:t>
+            </a:r>
+            <a:endParaRPr lang="zh-CN" altLang="en-US" dirty="0"/>
+          </a:p>
+          <a:p>
+            <a:pPr eaLnBrk="1" hangingPunct="1"/>
+            <a:endParaRPr lang="en-US" altLang="zh-CN" dirty="0"/>
+          </a:p>
+          <a:p>
+            <a:pPr eaLnBrk="1" hangingPunct="1"/>
+            <a:r>
+              <a:rPr lang="zh-CN" altLang="en-US" dirty="0"/>
+              <a:t>设计过程中，常常面临很多困难，有时甚至是矛盾的抉择。如何权衡各方面的利弊而作出正确选择非常重要。前人的经验和教训总结无疑有非常大的帮助，这有助于我更加清晰地认识到所处环境的各种陷阱和潜在问题，从而作出正确选择。 反设计模式就是帮助开发人员度过该难关的有力工具。与设计模式不同， 反设计模式专注于防止我们犯错误，而设计模式指导我们做出精良的设计，两者是相辅相成的。</a:t>
+            </a:r>
+            <a:endParaRPr lang="zh-CN" altLang="en-US" dirty="0"/>
+          </a:p>
+          <a:p>
+            <a:pPr eaLnBrk="1" hangingPunct="1"/>
+            <a:endParaRPr lang="en-US" altLang="zh-CN" dirty="0"/>
+          </a:p>
+          <a:p>
+            <a:pPr eaLnBrk="1" hangingPunct="1"/>
+            <a:r>
+              <a:rPr lang="zh-CN" altLang="en-US" dirty="0"/>
+              <a:t>反设计模式能帮助我们发现和解决问题，然后通过</a:t>
+            </a:r>
+            <a:r>
+              <a:rPr lang="en-US" altLang="zh-CN" dirty="0"/>
+              <a:t>Refactor</a:t>
+            </a:r>
+            <a:r>
+              <a:rPr lang="zh-CN" altLang="en-US" dirty="0"/>
+              <a:t>来完善系统设计。因此它是建立在设计模式和</a:t>
+            </a:r>
+            <a:r>
+              <a:rPr lang="en-US" altLang="zh-CN" dirty="0"/>
+              <a:t>Refactor</a:t>
+            </a:r>
+            <a:r>
+              <a:rPr lang="zh-CN" altLang="en-US" dirty="0"/>
+              <a:t>之上的。</a:t>
+            </a:r>
+            <a:endParaRPr lang="zh-CN" altLang="en-US" dirty="0"/>
+          </a:p>
+        </p:txBody>
+      </p:sp>
+      <p:sp>
+        <p:nvSpPr>
+          <p:cNvPr id="4" name="灯片编号占位符 3"/>
+          <p:cNvSpPr>
+            <a:spLocks noGrp="1"/>
+          </p:cNvSpPr>
+          <p:nvPr>
+            <p:ph type="sldNum" sz="quarter" idx="10"/>
+          </p:nvPr>
+        </p:nvSpPr>
+        <p:spPr/>
+        <p:txBody>
+          <a:bodyPr/>
+          <a:lstStyle/>
+          <a:p>
+            <a:fld id="{2ED26FC3-015A-4F86-ACC3-780431FB8E4D}" type="slidenum">
+              <a:rPr lang="zh-CN" altLang="en-US" smtClean="0"/>
+            </a:fld>
+            <a:endParaRPr lang="zh-CN" altLang="en-US"/>
+          </a:p>
+        </p:txBody>
+      </p:sp>
+    </p:spTree>
+  </p:cSld>
+  <p:clrMapOvr>
+    <a:masterClrMapping/>
+  </p:clrMapOvr>
+</p:notes>
+</file>
+
+<file path=ppt/notesSlides/notesSlide40.xml><?xml version="1.0" encoding="utf-8"?>
+<p:notes xmlns:a="http://schemas.openxmlformats.org/drawingml/2006/main" xmlns:r="http://schemas.openxmlformats.org/officeDocument/2006/relationships" xmlns:p="http://schemas.openxmlformats.org/presentationml/2006/main">
+  <p:cSld>
+    <p:spTree>
+      <p:nvGrpSpPr>
+        <p:cNvPr id="1" name=""/>
+        <p:cNvGrpSpPr/>
+        <p:nvPr/>
+      </p:nvGrpSpPr>
+      <p:grpSpPr>
+        <a:xfrm>
+          <a:off x="0" y="0"/>
+          <a:ext cx="0" cy="0"/>
+          <a:chOff x="0" y="0"/>
+          <a:chExt cx="0" cy="0"/>
+        </a:xfrm>
+      </p:grpSpPr>
+      <p:sp>
+        <p:nvSpPr>
+          <p:cNvPr id="2" name="幻灯片图像占位符 1"/>
+          <p:cNvSpPr>
+            <a:spLocks noGrp="1" noRot="1" noChangeAspect="1"/>
+          </p:cNvSpPr>
+          <p:nvPr>
+            <p:ph type="sldImg"/>
+          </p:nvPr>
+        </p:nvSpPr>
+        <p:spPr>
+          <a:xfrm>
+            <a:off x="1371600" y="1143000"/>
+            <a:ext cx="4114800" cy="3086100"/>
+          </a:xfrm>
+        </p:spPr>
+      </p:sp>
+      <p:sp>
+        <p:nvSpPr>
+          <p:cNvPr id="3" name="备注占位符 2"/>
+          <p:cNvSpPr>
+            <a:spLocks noGrp="1"/>
+          </p:cNvSpPr>
+          <p:nvPr>
+            <p:ph type="body" idx="1"/>
+          </p:nvPr>
+        </p:nvSpPr>
+        <p:spPr/>
+        <p:txBody>
+          <a:bodyPr/>
+          <a:lstStyle/>
+          <a:p>
+            <a:endParaRPr lang="zh-CN" altLang="en-US"/>
+          </a:p>
+        </p:txBody>
+      </p:sp>
+      <p:sp>
+        <p:nvSpPr>
+          <p:cNvPr id="4" name="灯片编号占位符 3"/>
+          <p:cNvSpPr>
+            <a:spLocks noGrp="1"/>
+          </p:cNvSpPr>
+          <p:nvPr>
+            <p:ph type="sldNum" sz="quarter" idx="10"/>
+          </p:nvPr>
+        </p:nvSpPr>
+        <p:spPr/>
+        <p:txBody>
+          <a:bodyPr/>
+          <a:lstStyle/>
+          <a:p>
+            <a:fld id="{2ED26FC3-015A-4F86-ACC3-780431FB8E4D}" type="slidenum">
+              <a:rPr lang="zh-CN" altLang="en-US" smtClean="0"/>
+            </a:fld>
+            <a:endParaRPr lang="zh-CN" altLang="en-US"/>
+          </a:p>
+        </p:txBody>
+      </p:sp>
+    </p:spTree>
+  </p:cSld>
+  <p:clrMapOvr>
+    <a:masterClrMapping/>
+  </p:clrMapOvr>
+</p:notes>
+</file>
+
+<file path=ppt/notesSlides/notesSlide41.xml><?xml version="1.0" encoding="utf-8"?>
+<p:notes xmlns:a="http://schemas.openxmlformats.org/drawingml/2006/main" xmlns:r="http://schemas.openxmlformats.org/officeDocument/2006/relationships" xmlns:p="http://schemas.openxmlformats.org/presentationml/2006/main">
+  <p:cSld>
+    <p:spTree>
+      <p:nvGrpSpPr>
+        <p:cNvPr id="1" name=""/>
+        <p:cNvGrpSpPr/>
+        <p:nvPr/>
+      </p:nvGrpSpPr>
+      <p:grpSpPr>
+        <a:xfrm>
+          <a:off x="0" y="0"/>
+          <a:ext cx="0" cy="0"/>
+          <a:chOff x="0" y="0"/>
+          <a:chExt cx="0" cy="0"/>
+        </a:xfrm>
+      </p:grpSpPr>
+      <p:sp>
+        <p:nvSpPr>
+          <p:cNvPr id="2" name="幻灯片图像占位符 1"/>
+          <p:cNvSpPr>
+            <a:spLocks noGrp="1" noRot="1" noChangeAspect="1"/>
+          </p:cNvSpPr>
+          <p:nvPr>
+            <p:ph type="sldImg"/>
+          </p:nvPr>
+        </p:nvSpPr>
+        <p:spPr>
+          <a:xfrm>
+            <a:off x="1371600" y="1143000"/>
+            <a:ext cx="4114800" cy="3086100"/>
+          </a:xfrm>
+        </p:spPr>
+      </p:sp>
+      <p:sp>
+        <p:nvSpPr>
+          <p:cNvPr id="3" name="备注占位符 2"/>
+          <p:cNvSpPr>
+            <a:spLocks noGrp="1"/>
+          </p:cNvSpPr>
+          <p:nvPr>
+            <p:ph type="body" idx="1"/>
+          </p:nvPr>
+        </p:nvSpPr>
+        <p:spPr/>
+        <p:txBody>
+          <a:bodyPr/>
+          <a:lstStyle/>
+          <a:p>
+            <a:r>
+              <a:rPr lang="zh-CN" altLang="en-US"/>
+              <a:t>1.良好的封装性， 代码结构清晰。 一个对象创建是有条件约束的， 如一个调用者需要一个具体的产品对象， 只要知道这个产品的类名（或约束字符串） 就可以了， 不用知道创建对象的艰辛过程， 降低模块间的耦合。</a:t>
+            </a:r>
+            <a:endParaRPr lang="zh-CN" altLang="en-US"/>
+          </a:p>
+          <a:p>
+            <a:r>
+              <a:rPr lang="zh-CN" altLang="en-US"/>
+              <a:t>2.工厂方法模式的扩展性非常优秀。 在增加产品类的情况下， 只要适当地修改具体的工厂类或扩展一个工厂类， 就可以完成“拥抱变化”。 例如在我们的例子中， 需要增加一个棕色人种， 则只需要增加一个BrownHuman类， 工厂类不用任何修改就可完成系统扩展。</a:t>
+            </a:r>
+            <a:endParaRPr lang="zh-CN" altLang="en-US"/>
+          </a:p>
+          <a:p>
+            <a:r>
+              <a:rPr lang="zh-CN" altLang="en-US"/>
+              <a:t>3.屏蔽产品类。 这一特点非常重要， 产品类的实现如何变化， 调用者都不需要关心， 它只需要关心产品的接口， 只要接口保持不变， 系统中的上层模块就不要发生变化。 因为产品类的实例化工作是由工厂类负责的， 一个产品对象具体由哪一个产品生成是由工厂类决定的。 在数据库开发中， 大家应该能够深刻体会到工厂方法模式的好处： 如果使用JDBC连接数据库， 数据库从MySQL切换到Oracle， 需要改动的地方就是切换一下驱动名称（前提条件是SQL语句是标准语句） ， 其他的都不需要修改， 这是工厂方法模式灵活性的一个直接案例。</a:t>
+            </a:r>
+            <a:endParaRPr lang="zh-CN" altLang="en-US"/>
+          </a:p>
+          <a:p>
+            <a:r>
+              <a:rPr lang="zh-CN" altLang="en-US"/>
+              <a:t>4.工厂方法模式是典型的解耦框架。 高层模块值需要知道产品的抽象类， 其他的实现类都不用关心， 符合迪米特法则， 我不需要的就不要去交流； 也符合依赖倒置原则， 只依赖产品类的抽象； 当然也符合里氏替换原则， 使用产品子类替换产品父类， 没问题！</a:t>
+            </a:r>
+            <a:endParaRPr lang="zh-CN" altLang="en-US"/>
+          </a:p>
+        </p:txBody>
+      </p:sp>
+      <p:sp>
+        <p:nvSpPr>
+          <p:cNvPr id="4" name="灯片编号占位符 3"/>
+          <p:cNvSpPr>
+            <a:spLocks noGrp="1"/>
+          </p:cNvSpPr>
+          <p:nvPr>
+            <p:ph type="sldNum" sz="quarter" idx="10"/>
+          </p:nvPr>
+        </p:nvSpPr>
+        <p:spPr/>
+        <p:txBody>
+          <a:bodyPr/>
+          <a:lstStyle/>
+          <a:p>
+            <a:fld id="{2ED26FC3-015A-4F86-ACC3-780431FB8E4D}" type="slidenum">
+              <a:rPr lang="zh-CN" altLang="en-US" smtClean="0"/>
+            </a:fld>
+            <a:endParaRPr lang="zh-CN" altLang="en-US"/>
+          </a:p>
+        </p:txBody>
+      </p:sp>
+    </p:spTree>
+  </p:cSld>
+  <p:clrMapOvr>
+    <a:masterClrMapping/>
+  </p:clrMapOvr>
+</p:notes>
+</file>
+
+<file path=ppt/notesSlides/notesSlide42.xml><?xml version="1.0" encoding="utf-8"?>
+<p:notes xmlns:a="http://schemas.openxmlformats.org/drawingml/2006/main" xmlns:r="http://schemas.openxmlformats.org/officeDocument/2006/relationships" xmlns:p="http://schemas.openxmlformats.org/presentationml/2006/main">
+  <p:cSld>
+    <p:spTree>
+      <p:nvGrpSpPr>
+        <p:cNvPr id="1" name=""/>
+        <p:cNvGrpSpPr/>
+        <p:nvPr/>
+      </p:nvGrpSpPr>
+      <p:grpSpPr>
+        <a:xfrm>
+          <a:off x="0" y="0"/>
+          <a:ext cx="0" cy="0"/>
+          <a:chOff x="0" y="0"/>
+          <a:chExt cx="0" cy="0"/>
+        </a:xfrm>
+      </p:grpSpPr>
+      <p:sp>
+        <p:nvSpPr>
+          <p:cNvPr id="2" name="幻灯片图像占位符 1"/>
+          <p:cNvSpPr>
+            <a:spLocks noGrp="1" noRot="1" noChangeAspect="1"/>
+          </p:cNvSpPr>
+          <p:nvPr>
+            <p:ph type="sldImg"/>
+          </p:nvPr>
+        </p:nvSpPr>
+        <p:spPr>
+          <a:xfrm>
+            <a:off x="1371600" y="1143000"/>
+            <a:ext cx="4114800" cy="3086100"/>
+          </a:xfrm>
+        </p:spPr>
+      </p:sp>
+      <p:sp>
+        <p:nvSpPr>
+          <p:cNvPr id="3" name="备注占位符 2"/>
+          <p:cNvSpPr>
+            <a:spLocks noGrp="1"/>
+          </p:cNvSpPr>
+          <p:nvPr>
+            <p:ph type="body" idx="1"/>
+          </p:nvPr>
+        </p:nvSpPr>
+        <p:spPr/>
+        <p:txBody>
+          <a:bodyPr/>
+          <a:lstStyle/>
+          <a:p>
+            <a:r>
+              <a:rPr lang="zh-CN" altLang="en-US"/>
+              <a:t>1.工厂方法模式是new一个对象的替代品， 所以在所有需要生成对象的地方都可以使用， 但是需要慎重地考虑是否要增加一个工厂类进行管理， 增加代码的复杂度。</a:t>
+            </a:r>
+            <a:endParaRPr lang="zh-CN" altLang="en-US"/>
+          </a:p>
+          <a:p>
+            <a:r>
+              <a:rPr lang="zh-CN" altLang="en-US"/>
+              <a:t>2.需要灵活的、 可扩展的框架时， 可以考虑采用工厂方法模式。 万物皆对象， 那万物也就皆产品类， 例如需要设计一个连接邮件服务器的框架， 有三种网络协议可供选择：POP3、 IMAP、 HTTP， 我们就可以把这三种连接方法作为产品类， 定义一个接口如IConnectMail， 然后定义对邮件的操作方法， 用不同的方法实现三个具体的产品类（也就是连接方式） 再定义一个工厂方法， 按照不同的传入条件， 选择不同的连接方式。 如此设计，可以做到完美的扩展， 如某些邮件服务器提供了WebService接口， 很好， 我们只要增加一个产品类就可以了。</a:t>
+            </a:r>
+            <a:endParaRPr lang="zh-CN" altLang="en-US"/>
+          </a:p>
+          <a:p>
+            <a:r>
+              <a:rPr lang="zh-CN" altLang="en-US"/>
+              <a:t>3.工厂方法模式可以用在异构项目中， 例如通过WebService与一个非Java的项目交互， 虽然WebService号称是可以做到异构系统的同构化， 但是在实际的开发中， 还是会碰到很多问题， 如类型问题、 WSDL文件的支持问题， 等等。 从WSDL中产生的对象都认为是一个产品， 然后由一个具体的工厂类进行管理， 减少与外围系统的耦合。</a:t>
+            </a:r>
+            <a:endParaRPr lang="zh-CN" altLang="en-US"/>
+          </a:p>
+          <a:p>
+            <a:r>
+              <a:rPr lang="zh-CN" altLang="en-US"/>
+              <a:t>4.可以使用在测试驱动开发的框架下。 例如， 测试一个类A， 就需要把与类A有关联关系的类B也同时产生出来， 我们可以使用工厂方法模式把类B虚拟出来， 避免类A与类B的耦合。 目前由于JMock和EasyMock的诞生， 该使用场景已经弱化了， 读者可以在遇到此种情况时直接考虑使用JMock或EasyMock。</a:t>
+            </a:r>
+            <a:endParaRPr lang="zh-CN" altLang="en-US"/>
+          </a:p>
+        </p:txBody>
+      </p:sp>
+      <p:sp>
+        <p:nvSpPr>
+          <p:cNvPr id="4" name="灯片编号占位符 3"/>
+          <p:cNvSpPr>
+            <a:spLocks noGrp="1"/>
+          </p:cNvSpPr>
+          <p:nvPr>
+            <p:ph type="sldNum" sz="quarter" idx="10"/>
+          </p:nvPr>
+        </p:nvSpPr>
+        <p:spPr/>
+        <p:txBody>
+          <a:bodyPr/>
+          <a:lstStyle/>
+          